--- a/slides/T320_Classificação (Parte III).pptx
+++ b/slides/T320_Classificação (Parte III).pptx
@@ -289,7 +289,7 @@
           <a:p>
             <a:fld id="{144F1436-6906-4D93-B7A2-786C327BFA14}" type="datetimeFigureOut">
               <a:rPr lang="nl-BE" smtClean="0"/>
-              <a:t>29/07/2021</a:t>
+              <a:t>31/07/2021</a:t>
             </a:fld>
             <a:endParaRPr lang="nl-BE"/>
           </a:p>
@@ -454,7 +454,7 @@
           <a:p>
             <a:fld id="{AA8CD09E-2914-4F47-B6C1-51B2C31814C9}" type="datetimeFigureOut">
               <a:rPr lang="pt-BR" smtClean="0"/>
-              <a:t>29/07/2021</a:t>
+              <a:t>31/07/2021</a:t>
             </a:fld>
             <a:endParaRPr lang="pt-BR"/>
           </a:p>
@@ -2893,7 +2893,7 @@
           <p:cNvPr id="2" name="Título 1">
             <a:extLst>
               <a:ext uri="{FF2B5EF4-FFF2-40B4-BE49-F238E27FC236}">
-                <a16:creationId xmlns="" xmlns:a16="http://schemas.microsoft.com/office/drawing/2014/main" id="{1DB9B4FF-B06E-403C-A326-BDC64D8FF94E}"/>
+                <a16:creationId xmlns:a16="http://schemas.microsoft.com/office/drawing/2014/main" xmlns="" id="{1DB9B4FF-B06E-403C-A326-BDC64D8FF94E}"/>
               </a:ext>
             </a:extLst>
           </p:cNvPr>
@@ -2930,7 +2930,7 @@
           <p:cNvPr id="3" name="Subtítulo 2">
             <a:extLst>
               <a:ext uri="{FF2B5EF4-FFF2-40B4-BE49-F238E27FC236}">
-                <a16:creationId xmlns="" xmlns:a16="http://schemas.microsoft.com/office/drawing/2014/main" id="{247BDFCE-746E-45BF-A319-4733D58D1632}"/>
+                <a16:creationId xmlns:a16="http://schemas.microsoft.com/office/drawing/2014/main" xmlns="" id="{247BDFCE-746E-45BF-A319-4733D58D1632}"/>
               </a:ext>
             </a:extLst>
           </p:cNvPr>
@@ -3000,7 +3000,7 @@
           <p:cNvPr id="4" name="Espaço Reservado para Data 3">
             <a:extLst>
               <a:ext uri="{FF2B5EF4-FFF2-40B4-BE49-F238E27FC236}">
-                <a16:creationId xmlns="" xmlns:a16="http://schemas.microsoft.com/office/drawing/2014/main" id="{9EDE2778-5372-4104-B96D-968184DA8288}"/>
+                <a16:creationId xmlns:a16="http://schemas.microsoft.com/office/drawing/2014/main" xmlns="" id="{9EDE2778-5372-4104-B96D-968184DA8288}"/>
               </a:ext>
             </a:extLst>
           </p:cNvPr>
@@ -3018,7 +3018,7 @@
           <a:p>
             <a:fld id="{63289F7E-B80B-496E-81B4-D396C37C9454}" type="datetimeFigureOut">
               <a:rPr lang="pt-BR" smtClean="0"/>
-              <a:t>29/07/2021</a:t>
+              <a:t>31/07/2021</a:t>
             </a:fld>
             <a:endParaRPr lang="pt-BR"/>
           </a:p>
@@ -3029,7 +3029,7 @@
           <p:cNvPr id="5" name="Espaço Reservado para Rodapé 4">
             <a:extLst>
               <a:ext uri="{FF2B5EF4-FFF2-40B4-BE49-F238E27FC236}">
-                <a16:creationId xmlns="" xmlns:a16="http://schemas.microsoft.com/office/drawing/2014/main" id="{C1DD0F41-C861-4051-988D-3024A37A4B93}"/>
+                <a16:creationId xmlns:a16="http://schemas.microsoft.com/office/drawing/2014/main" xmlns="" id="{C1DD0F41-C861-4051-988D-3024A37A4B93}"/>
               </a:ext>
             </a:extLst>
           </p:cNvPr>
@@ -3054,7 +3054,7 @@
           <p:cNvPr id="6" name="Espaço Reservado para Número de Slide 5">
             <a:extLst>
               <a:ext uri="{FF2B5EF4-FFF2-40B4-BE49-F238E27FC236}">
-                <a16:creationId xmlns="" xmlns:a16="http://schemas.microsoft.com/office/drawing/2014/main" id="{07E5967E-D980-431A-A5DB-3F0C5030A81E}"/>
+                <a16:creationId xmlns:a16="http://schemas.microsoft.com/office/drawing/2014/main" xmlns="" id="{07E5967E-D980-431A-A5DB-3F0C5030A81E}"/>
               </a:ext>
             </a:extLst>
           </p:cNvPr>
@@ -3113,7 +3113,7 @@
           <p:cNvPr id="2" name="Título 1">
             <a:extLst>
               <a:ext uri="{FF2B5EF4-FFF2-40B4-BE49-F238E27FC236}">
-                <a16:creationId xmlns="" xmlns:a16="http://schemas.microsoft.com/office/drawing/2014/main" id="{9036C49F-3E68-4175-81BA-3C3FEE44308A}"/>
+                <a16:creationId xmlns:a16="http://schemas.microsoft.com/office/drawing/2014/main" xmlns="" id="{9036C49F-3E68-4175-81BA-3C3FEE44308A}"/>
               </a:ext>
             </a:extLst>
           </p:cNvPr>
@@ -3141,7 +3141,7 @@
           <p:cNvPr id="3" name="Espaço Reservado para Texto Vertical 2">
             <a:extLst>
               <a:ext uri="{FF2B5EF4-FFF2-40B4-BE49-F238E27FC236}">
-                <a16:creationId xmlns="" xmlns:a16="http://schemas.microsoft.com/office/drawing/2014/main" id="{426FA736-3DD3-4D4E-B57B-BBE1D8F7D424}"/>
+                <a16:creationId xmlns:a16="http://schemas.microsoft.com/office/drawing/2014/main" xmlns="" id="{426FA736-3DD3-4D4E-B57B-BBE1D8F7D424}"/>
               </a:ext>
             </a:extLst>
           </p:cNvPr>
@@ -3198,7 +3198,7 @@
           <p:cNvPr id="4" name="Espaço Reservado para Data 3">
             <a:extLst>
               <a:ext uri="{FF2B5EF4-FFF2-40B4-BE49-F238E27FC236}">
-                <a16:creationId xmlns="" xmlns:a16="http://schemas.microsoft.com/office/drawing/2014/main" id="{99E8855C-D8FD-48F6-B14E-861E0DE4D915}"/>
+                <a16:creationId xmlns:a16="http://schemas.microsoft.com/office/drawing/2014/main" xmlns="" id="{99E8855C-D8FD-48F6-B14E-861E0DE4D915}"/>
               </a:ext>
             </a:extLst>
           </p:cNvPr>
@@ -3216,7 +3216,7 @@
           <a:p>
             <a:fld id="{63289F7E-B80B-496E-81B4-D396C37C9454}" type="datetimeFigureOut">
               <a:rPr lang="pt-BR" smtClean="0"/>
-              <a:t>29/07/2021</a:t>
+              <a:t>31/07/2021</a:t>
             </a:fld>
             <a:endParaRPr lang="pt-BR"/>
           </a:p>
@@ -3227,7 +3227,7 @@
           <p:cNvPr id="5" name="Espaço Reservado para Rodapé 4">
             <a:extLst>
               <a:ext uri="{FF2B5EF4-FFF2-40B4-BE49-F238E27FC236}">
-                <a16:creationId xmlns="" xmlns:a16="http://schemas.microsoft.com/office/drawing/2014/main" id="{97C0BB88-2F21-42A5-ACFF-83DA47F2D340}"/>
+                <a16:creationId xmlns:a16="http://schemas.microsoft.com/office/drawing/2014/main" xmlns="" id="{97C0BB88-2F21-42A5-ACFF-83DA47F2D340}"/>
               </a:ext>
             </a:extLst>
           </p:cNvPr>
@@ -3252,7 +3252,7 @@
           <p:cNvPr id="6" name="Espaço Reservado para Número de Slide 5">
             <a:extLst>
               <a:ext uri="{FF2B5EF4-FFF2-40B4-BE49-F238E27FC236}">
-                <a16:creationId xmlns="" xmlns:a16="http://schemas.microsoft.com/office/drawing/2014/main" id="{6CB462B3-1F22-4C05-B4B8-7A279FB7D5E9}"/>
+                <a16:creationId xmlns:a16="http://schemas.microsoft.com/office/drawing/2014/main" xmlns="" id="{6CB462B3-1F22-4C05-B4B8-7A279FB7D5E9}"/>
               </a:ext>
             </a:extLst>
           </p:cNvPr>
@@ -3311,7 +3311,7 @@
           <p:cNvPr id="2" name="Título Vertical 1">
             <a:extLst>
               <a:ext uri="{FF2B5EF4-FFF2-40B4-BE49-F238E27FC236}">
-                <a16:creationId xmlns="" xmlns:a16="http://schemas.microsoft.com/office/drawing/2014/main" id="{EAEAB728-701C-4207-A9D5-23FF45C60502}"/>
+                <a16:creationId xmlns:a16="http://schemas.microsoft.com/office/drawing/2014/main" xmlns="" id="{EAEAB728-701C-4207-A9D5-23FF45C60502}"/>
               </a:ext>
             </a:extLst>
           </p:cNvPr>
@@ -3344,7 +3344,7 @@
           <p:cNvPr id="3" name="Espaço Reservado para Texto Vertical 2">
             <a:extLst>
               <a:ext uri="{FF2B5EF4-FFF2-40B4-BE49-F238E27FC236}">
-                <a16:creationId xmlns="" xmlns:a16="http://schemas.microsoft.com/office/drawing/2014/main" id="{BA8C8CCF-7823-480A-9A19-0F664DD17E3B}"/>
+                <a16:creationId xmlns:a16="http://schemas.microsoft.com/office/drawing/2014/main" xmlns="" id="{BA8C8CCF-7823-480A-9A19-0F664DD17E3B}"/>
               </a:ext>
             </a:extLst>
           </p:cNvPr>
@@ -3406,7 +3406,7 @@
           <p:cNvPr id="4" name="Espaço Reservado para Data 3">
             <a:extLst>
               <a:ext uri="{FF2B5EF4-FFF2-40B4-BE49-F238E27FC236}">
-                <a16:creationId xmlns="" xmlns:a16="http://schemas.microsoft.com/office/drawing/2014/main" id="{721D5734-7B1F-425D-942F-6EB73344027C}"/>
+                <a16:creationId xmlns:a16="http://schemas.microsoft.com/office/drawing/2014/main" xmlns="" id="{721D5734-7B1F-425D-942F-6EB73344027C}"/>
               </a:ext>
             </a:extLst>
           </p:cNvPr>
@@ -3424,7 +3424,7 @@
           <a:p>
             <a:fld id="{63289F7E-B80B-496E-81B4-D396C37C9454}" type="datetimeFigureOut">
               <a:rPr lang="pt-BR" smtClean="0"/>
-              <a:t>29/07/2021</a:t>
+              <a:t>31/07/2021</a:t>
             </a:fld>
             <a:endParaRPr lang="pt-BR"/>
           </a:p>
@@ -3435,7 +3435,7 @@
           <p:cNvPr id="5" name="Espaço Reservado para Rodapé 4">
             <a:extLst>
               <a:ext uri="{FF2B5EF4-FFF2-40B4-BE49-F238E27FC236}">
-                <a16:creationId xmlns="" xmlns:a16="http://schemas.microsoft.com/office/drawing/2014/main" id="{1E1AAEAC-F08D-45FE-89EC-B1B349A868C9}"/>
+                <a16:creationId xmlns:a16="http://schemas.microsoft.com/office/drawing/2014/main" xmlns="" id="{1E1AAEAC-F08D-45FE-89EC-B1B349A868C9}"/>
               </a:ext>
             </a:extLst>
           </p:cNvPr>
@@ -3460,7 +3460,7 @@
           <p:cNvPr id="6" name="Espaço Reservado para Número de Slide 5">
             <a:extLst>
               <a:ext uri="{FF2B5EF4-FFF2-40B4-BE49-F238E27FC236}">
-                <a16:creationId xmlns="" xmlns:a16="http://schemas.microsoft.com/office/drawing/2014/main" id="{BAA44493-9911-47B2-87A6-C2141A972BC8}"/>
+                <a16:creationId xmlns:a16="http://schemas.microsoft.com/office/drawing/2014/main" xmlns="" id="{BAA44493-9911-47B2-87A6-C2141A972BC8}"/>
               </a:ext>
             </a:extLst>
           </p:cNvPr>
@@ -3519,7 +3519,7 @@
           <p:cNvPr id="2" name="Título 1">
             <a:extLst>
               <a:ext uri="{FF2B5EF4-FFF2-40B4-BE49-F238E27FC236}">
-                <a16:creationId xmlns="" xmlns:a16="http://schemas.microsoft.com/office/drawing/2014/main" id="{71BD44A5-8F21-4626-A01D-48A1C874B1D5}"/>
+                <a16:creationId xmlns:a16="http://schemas.microsoft.com/office/drawing/2014/main" xmlns="" id="{71BD44A5-8F21-4626-A01D-48A1C874B1D5}"/>
               </a:ext>
             </a:extLst>
           </p:cNvPr>
@@ -3547,7 +3547,7 @@
           <p:cNvPr id="3" name="Espaço Reservado para Conteúdo 2">
             <a:extLst>
               <a:ext uri="{FF2B5EF4-FFF2-40B4-BE49-F238E27FC236}">
-                <a16:creationId xmlns="" xmlns:a16="http://schemas.microsoft.com/office/drawing/2014/main" id="{B79E8085-65A9-48AA-951D-71D978BFF4ED}"/>
+                <a16:creationId xmlns:a16="http://schemas.microsoft.com/office/drawing/2014/main" xmlns="" id="{B79E8085-65A9-48AA-951D-71D978BFF4ED}"/>
               </a:ext>
             </a:extLst>
           </p:cNvPr>
@@ -3604,7 +3604,7 @@
           <p:cNvPr id="4" name="Espaço Reservado para Data 3">
             <a:extLst>
               <a:ext uri="{FF2B5EF4-FFF2-40B4-BE49-F238E27FC236}">
-                <a16:creationId xmlns="" xmlns:a16="http://schemas.microsoft.com/office/drawing/2014/main" id="{F05BE1AF-51EA-425D-B188-DE7BD675009F}"/>
+                <a16:creationId xmlns:a16="http://schemas.microsoft.com/office/drawing/2014/main" xmlns="" id="{F05BE1AF-51EA-425D-B188-DE7BD675009F}"/>
               </a:ext>
             </a:extLst>
           </p:cNvPr>
@@ -3622,7 +3622,7 @@
           <a:p>
             <a:fld id="{63289F7E-B80B-496E-81B4-D396C37C9454}" type="datetimeFigureOut">
               <a:rPr lang="pt-BR" smtClean="0"/>
-              <a:t>29/07/2021</a:t>
+              <a:t>31/07/2021</a:t>
             </a:fld>
             <a:endParaRPr lang="pt-BR"/>
           </a:p>
@@ -3633,7 +3633,7 @@
           <p:cNvPr id="5" name="Espaço Reservado para Rodapé 4">
             <a:extLst>
               <a:ext uri="{FF2B5EF4-FFF2-40B4-BE49-F238E27FC236}">
-                <a16:creationId xmlns="" xmlns:a16="http://schemas.microsoft.com/office/drawing/2014/main" id="{121BE632-29CF-4CB9-B365-C9EF38F89BE6}"/>
+                <a16:creationId xmlns:a16="http://schemas.microsoft.com/office/drawing/2014/main" xmlns="" id="{121BE632-29CF-4CB9-B365-C9EF38F89BE6}"/>
               </a:ext>
             </a:extLst>
           </p:cNvPr>
@@ -3658,7 +3658,7 @@
           <p:cNvPr id="6" name="Espaço Reservado para Número de Slide 5">
             <a:extLst>
               <a:ext uri="{FF2B5EF4-FFF2-40B4-BE49-F238E27FC236}">
-                <a16:creationId xmlns="" xmlns:a16="http://schemas.microsoft.com/office/drawing/2014/main" id="{60CF3DD1-9AEC-4A57-B461-4E4DD86FAC18}"/>
+                <a16:creationId xmlns:a16="http://schemas.microsoft.com/office/drawing/2014/main" xmlns="" id="{60CF3DD1-9AEC-4A57-B461-4E4DD86FAC18}"/>
               </a:ext>
             </a:extLst>
           </p:cNvPr>
@@ -3717,7 +3717,7 @@
           <p:cNvPr id="2" name="Título 1">
             <a:extLst>
               <a:ext uri="{FF2B5EF4-FFF2-40B4-BE49-F238E27FC236}">
-                <a16:creationId xmlns="" xmlns:a16="http://schemas.microsoft.com/office/drawing/2014/main" id="{34AB2FF0-A4D7-4E28-991D-FF26140D5988}"/>
+                <a16:creationId xmlns:a16="http://schemas.microsoft.com/office/drawing/2014/main" xmlns="" id="{34AB2FF0-A4D7-4E28-991D-FF26140D5988}"/>
               </a:ext>
             </a:extLst>
           </p:cNvPr>
@@ -3754,7 +3754,7 @@
           <p:cNvPr id="3" name="Espaço Reservado para Texto 2">
             <a:extLst>
               <a:ext uri="{FF2B5EF4-FFF2-40B4-BE49-F238E27FC236}">
-                <a16:creationId xmlns="" xmlns:a16="http://schemas.microsoft.com/office/drawing/2014/main" id="{E2AC45B0-4145-40DB-8E61-105461170604}"/>
+                <a16:creationId xmlns:a16="http://schemas.microsoft.com/office/drawing/2014/main" xmlns="" id="{E2AC45B0-4145-40DB-8E61-105461170604}"/>
               </a:ext>
             </a:extLst>
           </p:cNvPr>
@@ -3879,7 +3879,7 @@
           <p:cNvPr id="4" name="Espaço Reservado para Data 3">
             <a:extLst>
               <a:ext uri="{FF2B5EF4-FFF2-40B4-BE49-F238E27FC236}">
-                <a16:creationId xmlns="" xmlns:a16="http://schemas.microsoft.com/office/drawing/2014/main" id="{50F1D3FB-740A-4EBA-A309-2CE71D12ECFB}"/>
+                <a16:creationId xmlns:a16="http://schemas.microsoft.com/office/drawing/2014/main" xmlns="" id="{50F1D3FB-740A-4EBA-A309-2CE71D12ECFB}"/>
               </a:ext>
             </a:extLst>
           </p:cNvPr>
@@ -3897,7 +3897,7 @@
           <a:p>
             <a:fld id="{63289F7E-B80B-496E-81B4-D396C37C9454}" type="datetimeFigureOut">
               <a:rPr lang="pt-BR" smtClean="0"/>
-              <a:t>29/07/2021</a:t>
+              <a:t>31/07/2021</a:t>
             </a:fld>
             <a:endParaRPr lang="pt-BR"/>
           </a:p>
@@ -3908,7 +3908,7 @@
           <p:cNvPr id="5" name="Espaço Reservado para Rodapé 4">
             <a:extLst>
               <a:ext uri="{FF2B5EF4-FFF2-40B4-BE49-F238E27FC236}">
-                <a16:creationId xmlns="" xmlns:a16="http://schemas.microsoft.com/office/drawing/2014/main" id="{BDCAB18F-8715-4465-A940-F9C193A2ACE9}"/>
+                <a16:creationId xmlns:a16="http://schemas.microsoft.com/office/drawing/2014/main" xmlns="" id="{BDCAB18F-8715-4465-A940-F9C193A2ACE9}"/>
               </a:ext>
             </a:extLst>
           </p:cNvPr>
@@ -3933,7 +3933,7 @@
           <p:cNvPr id="6" name="Espaço Reservado para Número de Slide 5">
             <a:extLst>
               <a:ext uri="{FF2B5EF4-FFF2-40B4-BE49-F238E27FC236}">
-                <a16:creationId xmlns="" xmlns:a16="http://schemas.microsoft.com/office/drawing/2014/main" id="{353466C6-8248-429F-8056-FF040BF509EB}"/>
+                <a16:creationId xmlns:a16="http://schemas.microsoft.com/office/drawing/2014/main" xmlns="" id="{353466C6-8248-429F-8056-FF040BF509EB}"/>
               </a:ext>
             </a:extLst>
           </p:cNvPr>
@@ -3992,7 +3992,7 @@
           <p:cNvPr id="2" name="Título 1">
             <a:extLst>
               <a:ext uri="{FF2B5EF4-FFF2-40B4-BE49-F238E27FC236}">
-                <a16:creationId xmlns="" xmlns:a16="http://schemas.microsoft.com/office/drawing/2014/main" id="{BC7BB9F0-F14B-4A91-B2B7-35BC47FE4DE7}"/>
+                <a16:creationId xmlns:a16="http://schemas.microsoft.com/office/drawing/2014/main" xmlns="" id="{BC7BB9F0-F14B-4A91-B2B7-35BC47FE4DE7}"/>
               </a:ext>
             </a:extLst>
           </p:cNvPr>
@@ -4020,7 +4020,7 @@
           <p:cNvPr id="3" name="Espaço Reservado para Conteúdo 2">
             <a:extLst>
               <a:ext uri="{FF2B5EF4-FFF2-40B4-BE49-F238E27FC236}">
-                <a16:creationId xmlns="" xmlns:a16="http://schemas.microsoft.com/office/drawing/2014/main" id="{EC1FC1C4-73DA-47A6-8496-B0B457F7D39A}"/>
+                <a16:creationId xmlns:a16="http://schemas.microsoft.com/office/drawing/2014/main" xmlns="" id="{EC1FC1C4-73DA-47A6-8496-B0B457F7D39A}"/>
               </a:ext>
             </a:extLst>
           </p:cNvPr>
@@ -4082,7 +4082,7 @@
           <p:cNvPr id="4" name="Espaço Reservado para Conteúdo 3">
             <a:extLst>
               <a:ext uri="{FF2B5EF4-FFF2-40B4-BE49-F238E27FC236}">
-                <a16:creationId xmlns="" xmlns:a16="http://schemas.microsoft.com/office/drawing/2014/main" id="{E92F06A8-A449-4D92-9912-76873E529B38}"/>
+                <a16:creationId xmlns:a16="http://schemas.microsoft.com/office/drawing/2014/main" xmlns="" id="{E92F06A8-A449-4D92-9912-76873E529B38}"/>
               </a:ext>
             </a:extLst>
           </p:cNvPr>
@@ -4144,7 +4144,7 @@
           <p:cNvPr id="5" name="Espaço Reservado para Data 4">
             <a:extLst>
               <a:ext uri="{FF2B5EF4-FFF2-40B4-BE49-F238E27FC236}">
-                <a16:creationId xmlns="" xmlns:a16="http://schemas.microsoft.com/office/drawing/2014/main" id="{938070A4-BC2F-4D55-BD8D-DEAF11BB9EE9}"/>
+                <a16:creationId xmlns:a16="http://schemas.microsoft.com/office/drawing/2014/main" xmlns="" id="{938070A4-BC2F-4D55-BD8D-DEAF11BB9EE9}"/>
               </a:ext>
             </a:extLst>
           </p:cNvPr>
@@ -4162,7 +4162,7 @@
           <a:p>
             <a:fld id="{63289F7E-B80B-496E-81B4-D396C37C9454}" type="datetimeFigureOut">
               <a:rPr lang="pt-BR" smtClean="0"/>
-              <a:t>29/07/2021</a:t>
+              <a:t>31/07/2021</a:t>
             </a:fld>
             <a:endParaRPr lang="pt-BR"/>
           </a:p>
@@ -4173,7 +4173,7 @@
           <p:cNvPr id="6" name="Espaço Reservado para Rodapé 5">
             <a:extLst>
               <a:ext uri="{FF2B5EF4-FFF2-40B4-BE49-F238E27FC236}">
-                <a16:creationId xmlns="" xmlns:a16="http://schemas.microsoft.com/office/drawing/2014/main" id="{45CC2DB8-844A-465F-BA9A-7734C80C7F43}"/>
+                <a16:creationId xmlns:a16="http://schemas.microsoft.com/office/drawing/2014/main" xmlns="" id="{45CC2DB8-844A-465F-BA9A-7734C80C7F43}"/>
               </a:ext>
             </a:extLst>
           </p:cNvPr>
@@ -4198,7 +4198,7 @@
           <p:cNvPr id="7" name="Espaço Reservado para Número de Slide 6">
             <a:extLst>
               <a:ext uri="{FF2B5EF4-FFF2-40B4-BE49-F238E27FC236}">
-                <a16:creationId xmlns="" xmlns:a16="http://schemas.microsoft.com/office/drawing/2014/main" id="{4CC606A8-097B-4040-94E0-CD8C88280D8F}"/>
+                <a16:creationId xmlns:a16="http://schemas.microsoft.com/office/drawing/2014/main" xmlns="" id="{4CC606A8-097B-4040-94E0-CD8C88280D8F}"/>
               </a:ext>
             </a:extLst>
           </p:cNvPr>
@@ -4257,7 +4257,7 @@
           <p:cNvPr id="2" name="Título 1">
             <a:extLst>
               <a:ext uri="{FF2B5EF4-FFF2-40B4-BE49-F238E27FC236}">
-                <a16:creationId xmlns="" xmlns:a16="http://schemas.microsoft.com/office/drawing/2014/main" id="{76D66686-0143-4CB6-8C09-BA326F1E7ACA}"/>
+                <a16:creationId xmlns:a16="http://schemas.microsoft.com/office/drawing/2014/main" xmlns="" id="{76D66686-0143-4CB6-8C09-BA326F1E7ACA}"/>
               </a:ext>
             </a:extLst>
           </p:cNvPr>
@@ -4290,7 +4290,7 @@
           <p:cNvPr id="3" name="Espaço Reservado para Texto 2">
             <a:extLst>
               <a:ext uri="{FF2B5EF4-FFF2-40B4-BE49-F238E27FC236}">
-                <a16:creationId xmlns="" xmlns:a16="http://schemas.microsoft.com/office/drawing/2014/main" id="{0227AB85-F59E-4BCE-B846-4FA0992C2F23}"/>
+                <a16:creationId xmlns:a16="http://schemas.microsoft.com/office/drawing/2014/main" xmlns="" id="{0227AB85-F59E-4BCE-B846-4FA0992C2F23}"/>
               </a:ext>
             </a:extLst>
           </p:cNvPr>
@@ -4361,7 +4361,7 @@
           <p:cNvPr id="4" name="Espaço Reservado para Conteúdo 3">
             <a:extLst>
               <a:ext uri="{FF2B5EF4-FFF2-40B4-BE49-F238E27FC236}">
-                <a16:creationId xmlns="" xmlns:a16="http://schemas.microsoft.com/office/drawing/2014/main" id="{3373456C-7319-4D0A-827D-D29F6B083F5D}"/>
+                <a16:creationId xmlns:a16="http://schemas.microsoft.com/office/drawing/2014/main" xmlns="" id="{3373456C-7319-4D0A-827D-D29F6B083F5D}"/>
               </a:ext>
             </a:extLst>
           </p:cNvPr>
@@ -4423,7 +4423,7 @@
           <p:cNvPr id="5" name="Espaço Reservado para Texto 4">
             <a:extLst>
               <a:ext uri="{FF2B5EF4-FFF2-40B4-BE49-F238E27FC236}">
-                <a16:creationId xmlns="" xmlns:a16="http://schemas.microsoft.com/office/drawing/2014/main" id="{4CD109D0-2E83-4262-8029-A871CEC47406}"/>
+                <a16:creationId xmlns:a16="http://schemas.microsoft.com/office/drawing/2014/main" xmlns="" id="{4CD109D0-2E83-4262-8029-A871CEC47406}"/>
               </a:ext>
             </a:extLst>
           </p:cNvPr>
@@ -4494,7 +4494,7 @@
           <p:cNvPr id="6" name="Espaço Reservado para Conteúdo 5">
             <a:extLst>
               <a:ext uri="{FF2B5EF4-FFF2-40B4-BE49-F238E27FC236}">
-                <a16:creationId xmlns="" xmlns:a16="http://schemas.microsoft.com/office/drawing/2014/main" id="{AD706E3A-CFBB-4A6C-A65F-D0360A9E74FE}"/>
+                <a16:creationId xmlns:a16="http://schemas.microsoft.com/office/drawing/2014/main" xmlns="" id="{AD706E3A-CFBB-4A6C-A65F-D0360A9E74FE}"/>
               </a:ext>
             </a:extLst>
           </p:cNvPr>
@@ -4556,7 +4556,7 @@
           <p:cNvPr id="7" name="Espaço Reservado para Data 6">
             <a:extLst>
               <a:ext uri="{FF2B5EF4-FFF2-40B4-BE49-F238E27FC236}">
-                <a16:creationId xmlns="" xmlns:a16="http://schemas.microsoft.com/office/drawing/2014/main" id="{4172C0E5-5AF0-4805-BB51-443733CD2BD5}"/>
+                <a16:creationId xmlns:a16="http://schemas.microsoft.com/office/drawing/2014/main" xmlns="" id="{4172C0E5-5AF0-4805-BB51-443733CD2BD5}"/>
               </a:ext>
             </a:extLst>
           </p:cNvPr>
@@ -4574,7 +4574,7 @@
           <a:p>
             <a:fld id="{63289F7E-B80B-496E-81B4-D396C37C9454}" type="datetimeFigureOut">
               <a:rPr lang="pt-BR" smtClean="0"/>
-              <a:t>29/07/2021</a:t>
+              <a:t>31/07/2021</a:t>
             </a:fld>
             <a:endParaRPr lang="pt-BR"/>
           </a:p>
@@ -4585,7 +4585,7 @@
           <p:cNvPr id="8" name="Espaço Reservado para Rodapé 7">
             <a:extLst>
               <a:ext uri="{FF2B5EF4-FFF2-40B4-BE49-F238E27FC236}">
-                <a16:creationId xmlns="" xmlns:a16="http://schemas.microsoft.com/office/drawing/2014/main" id="{0E801648-156F-497E-99CF-797DF48051E1}"/>
+                <a16:creationId xmlns:a16="http://schemas.microsoft.com/office/drawing/2014/main" xmlns="" id="{0E801648-156F-497E-99CF-797DF48051E1}"/>
               </a:ext>
             </a:extLst>
           </p:cNvPr>
@@ -4610,7 +4610,7 @@
           <p:cNvPr id="9" name="Espaço Reservado para Número de Slide 8">
             <a:extLst>
               <a:ext uri="{FF2B5EF4-FFF2-40B4-BE49-F238E27FC236}">
-                <a16:creationId xmlns="" xmlns:a16="http://schemas.microsoft.com/office/drawing/2014/main" id="{EEE23D32-80E7-4796-A137-66BF842E4B53}"/>
+                <a16:creationId xmlns:a16="http://schemas.microsoft.com/office/drawing/2014/main" xmlns="" id="{EEE23D32-80E7-4796-A137-66BF842E4B53}"/>
               </a:ext>
             </a:extLst>
           </p:cNvPr>
@@ -4669,7 +4669,7 @@
           <p:cNvPr id="2" name="Título 1">
             <a:extLst>
               <a:ext uri="{FF2B5EF4-FFF2-40B4-BE49-F238E27FC236}">
-                <a16:creationId xmlns="" xmlns:a16="http://schemas.microsoft.com/office/drawing/2014/main" id="{2BCE2379-C78F-47E1-8CFC-B846E7AF148D}"/>
+                <a16:creationId xmlns:a16="http://schemas.microsoft.com/office/drawing/2014/main" xmlns="" id="{2BCE2379-C78F-47E1-8CFC-B846E7AF148D}"/>
               </a:ext>
             </a:extLst>
           </p:cNvPr>
@@ -4697,7 +4697,7 @@
           <p:cNvPr id="3" name="Espaço Reservado para Data 2">
             <a:extLst>
               <a:ext uri="{FF2B5EF4-FFF2-40B4-BE49-F238E27FC236}">
-                <a16:creationId xmlns="" xmlns:a16="http://schemas.microsoft.com/office/drawing/2014/main" id="{342600A9-7F92-4E22-9D94-E4717252A817}"/>
+                <a16:creationId xmlns:a16="http://schemas.microsoft.com/office/drawing/2014/main" xmlns="" id="{342600A9-7F92-4E22-9D94-E4717252A817}"/>
               </a:ext>
             </a:extLst>
           </p:cNvPr>
@@ -4715,7 +4715,7 @@
           <a:p>
             <a:fld id="{63289F7E-B80B-496E-81B4-D396C37C9454}" type="datetimeFigureOut">
               <a:rPr lang="pt-BR" smtClean="0"/>
-              <a:t>29/07/2021</a:t>
+              <a:t>31/07/2021</a:t>
             </a:fld>
             <a:endParaRPr lang="pt-BR"/>
           </a:p>
@@ -4726,7 +4726,7 @@
           <p:cNvPr id="4" name="Espaço Reservado para Rodapé 3">
             <a:extLst>
               <a:ext uri="{FF2B5EF4-FFF2-40B4-BE49-F238E27FC236}">
-                <a16:creationId xmlns="" xmlns:a16="http://schemas.microsoft.com/office/drawing/2014/main" id="{192E6BED-F546-40CC-A2DF-99CBA853654E}"/>
+                <a16:creationId xmlns:a16="http://schemas.microsoft.com/office/drawing/2014/main" xmlns="" id="{192E6BED-F546-40CC-A2DF-99CBA853654E}"/>
               </a:ext>
             </a:extLst>
           </p:cNvPr>
@@ -4751,7 +4751,7 @@
           <p:cNvPr id="5" name="Espaço Reservado para Número de Slide 4">
             <a:extLst>
               <a:ext uri="{FF2B5EF4-FFF2-40B4-BE49-F238E27FC236}">
-                <a16:creationId xmlns="" xmlns:a16="http://schemas.microsoft.com/office/drawing/2014/main" id="{6091CC40-A8C4-4063-80EB-CC5099621678}"/>
+                <a16:creationId xmlns:a16="http://schemas.microsoft.com/office/drawing/2014/main" xmlns="" id="{6091CC40-A8C4-4063-80EB-CC5099621678}"/>
               </a:ext>
             </a:extLst>
           </p:cNvPr>
@@ -4810,7 +4810,7 @@
           <p:cNvPr id="2" name="Espaço Reservado para Data 1">
             <a:extLst>
               <a:ext uri="{FF2B5EF4-FFF2-40B4-BE49-F238E27FC236}">
-                <a16:creationId xmlns="" xmlns:a16="http://schemas.microsoft.com/office/drawing/2014/main" id="{DD19515C-212C-4EAE-84A3-8FF4BC844F1B}"/>
+                <a16:creationId xmlns:a16="http://schemas.microsoft.com/office/drawing/2014/main" xmlns="" id="{DD19515C-212C-4EAE-84A3-8FF4BC844F1B}"/>
               </a:ext>
             </a:extLst>
           </p:cNvPr>
@@ -4828,7 +4828,7 @@
           <a:p>
             <a:fld id="{63289F7E-B80B-496E-81B4-D396C37C9454}" type="datetimeFigureOut">
               <a:rPr lang="pt-BR" smtClean="0"/>
-              <a:t>29/07/2021</a:t>
+              <a:t>31/07/2021</a:t>
             </a:fld>
             <a:endParaRPr lang="pt-BR"/>
           </a:p>
@@ -4839,7 +4839,7 @@
           <p:cNvPr id="3" name="Espaço Reservado para Rodapé 2">
             <a:extLst>
               <a:ext uri="{FF2B5EF4-FFF2-40B4-BE49-F238E27FC236}">
-                <a16:creationId xmlns="" xmlns:a16="http://schemas.microsoft.com/office/drawing/2014/main" id="{94D3D120-B3E8-4C96-861D-7A4F12F49B3A}"/>
+                <a16:creationId xmlns:a16="http://schemas.microsoft.com/office/drawing/2014/main" xmlns="" id="{94D3D120-B3E8-4C96-861D-7A4F12F49B3A}"/>
               </a:ext>
             </a:extLst>
           </p:cNvPr>
@@ -4864,7 +4864,7 @@
           <p:cNvPr id="4" name="Espaço Reservado para Número de Slide 3">
             <a:extLst>
               <a:ext uri="{FF2B5EF4-FFF2-40B4-BE49-F238E27FC236}">
-                <a16:creationId xmlns="" xmlns:a16="http://schemas.microsoft.com/office/drawing/2014/main" id="{42E49B68-FA1B-468B-9F17-D5C09243D454}"/>
+                <a16:creationId xmlns:a16="http://schemas.microsoft.com/office/drawing/2014/main" xmlns="" id="{42E49B68-FA1B-468B-9F17-D5C09243D454}"/>
               </a:ext>
             </a:extLst>
           </p:cNvPr>
@@ -4923,7 +4923,7 @@
           <p:cNvPr id="2" name="Título 1">
             <a:extLst>
               <a:ext uri="{FF2B5EF4-FFF2-40B4-BE49-F238E27FC236}">
-                <a16:creationId xmlns="" xmlns:a16="http://schemas.microsoft.com/office/drawing/2014/main" id="{1C17BCBE-A897-4319-85EC-D87909C24980}"/>
+                <a16:creationId xmlns:a16="http://schemas.microsoft.com/office/drawing/2014/main" xmlns="" id="{1C17BCBE-A897-4319-85EC-D87909C24980}"/>
               </a:ext>
             </a:extLst>
           </p:cNvPr>
@@ -4960,7 +4960,7 @@
           <p:cNvPr id="3" name="Espaço Reservado para Conteúdo 2">
             <a:extLst>
               <a:ext uri="{FF2B5EF4-FFF2-40B4-BE49-F238E27FC236}">
-                <a16:creationId xmlns="" xmlns:a16="http://schemas.microsoft.com/office/drawing/2014/main" id="{4226F885-0204-4913-868B-4B8B82576F17}"/>
+                <a16:creationId xmlns:a16="http://schemas.microsoft.com/office/drawing/2014/main" xmlns="" id="{4226F885-0204-4913-868B-4B8B82576F17}"/>
               </a:ext>
             </a:extLst>
           </p:cNvPr>
@@ -5050,7 +5050,7 @@
           <p:cNvPr id="4" name="Espaço Reservado para Texto 3">
             <a:extLst>
               <a:ext uri="{FF2B5EF4-FFF2-40B4-BE49-F238E27FC236}">
-                <a16:creationId xmlns="" xmlns:a16="http://schemas.microsoft.com/office/drawing/2014/main" id="{00F9F784-A858-441B-8AB5-697098141751}"/>
+                <a16:creationId xmlns:a16="http://schemas.microsoft.com/office/drawing/2014/main" xmlns="" id="{00F9F784-A858-441B-8AB5-697098141751}"/>
               </a:ext>
             </a:extLst>
           </p:cNvPr>
@@ -5121,7 +5121,7 @@
           <p:cNvPr id="5" name="Espaço Reservado para Data 4">
             <a:extLst>
               <a:ext uri="{FF2B5EF4-FFF2-40B4-BE49-F238E27FC236}">
-                <a16:creationId xmlns="" xmlns:a16="http://schemas.microsoft.com/office/drawing/2014/main" id="{A4DC363A-5000-472E-8B17-02E7DCB8840A}"/>
+                <a16:creationId xmlns:a16="http://schemas.microsoft.com/office/drawing/2014/main" xmlns="" id="{A4DC363A-5000-472E-8B17-02E7DCB8840A}"/>
               </a:ext>
             </a:extLst>
           </p:cNvPr>
@@ -5139,7 +5139,7 @@
           <a:p>
             <a:fld id="{63289F7E-B80B-496E-81B4-D396C37C9454}" type="datetimeFigureOut">
               <a:rPr lang="pt-BR" smtClean="0"/>
-              <a:t>29/07/2021</a:t>
+              <a:t>31/07/2021</a:t>
             </a:fld>
             <a:endParaRPr lang="pt-BR"/>
           </a:p>
@@ -5150,7 +5150,7 @@
           <p:cNvPr id="6" name="Espaço Reservado para Rodapé 5">
             <a:extLst>
               <a:ext uri="{FF2B5EF4-FFF2-40B4-BE49-F238E27FC236}">
-                <a16:creationId xmlns="" xmlns:a16="http://schemas.microsoft.com/office/drawing/2014/main" id="{5548425D-2C21-4C56-BAD4-662978775C28}"/>
+                <a16:creationId xmlns:a16="http://schemas.microsoft.com/office/drawing/2014/main" xmlns="" id="{5548425D-2C21-4C56-BAD4-662978775C28}"/>
               </a:ext>
             </a:extLst>
           </p:cNvPr>
@@ -5175,7 +5175,7 @@
           <p:cNvPr id="7" name="Espaço Reservado para Número de Slide 6">
             <a:extLst>
               <a:ext uri="{FF2B5EF4-FFF2-40B4-BE49-F238E27FC236}">
-                <a16:creationId xmlns="" xmlns:a16="http://schemas.microsoft.com/office/drawing/2014/main" id="{C63E9726-E64C-42B2-AE8A-8C235A956B48}"/>
+                <a16:creationId xmlns:a16="http://schemas.microsoft.com/office/drawing/2014/main" xmlns="" id="{C63E9726-E64C-42B2-AE8A-8C235A956B48}"/>
               </a:ext>
             </a:extLst>
           </p:cNvPr>
@@ -5234,7 +5234,7 @@
           <p:cNvPr id="2" name="Título 1">
             <a:extLst>
               <a:ext uri="{FF2B5EF4-FFF2-40B4-BE49-F238E27FC236}">
-                <a16:creationId xmlns="" xmlns:a16="http://schemas.microsoft.com/office/drawing/2014/main" id="{11086A78-3E74-450C-96A6-CA8AC37AF772}"/>
+                <a16:creationId xmlns:a16="http://schemas.microsoft.com/office/drawing/2014/main" xmlns="" id="{11086A78-3E74-450C-96A6-CA8AC37AF772}"/>
               </a:ext>
             </a:extLst>
           </p:cNvPr>
@@ -5271,7 +5271,7 @@
           <p:cNvPr id="3" name="Espaço Reservado para Imagem 2">
             <a:extLst>
               <a:ext uri="{FF2B5EF4-FFF2-40B4-BE49-F238E27FC236}">
-                <a16:creationId xmlns="" xmlns:a16="http://schemas.microsoft.com/office/drawing/2014/main" id="{5F5B7312-975A-4DBC-9B2F-3652ADA006FD}"/>
+                <a16:creationId xmlns:a16="http://schemas.microsoft.com/office/drawing/2014/main" xmlns="" id="{5F5B7312-975A-4DBC-9B2F-3652ADA006FD}"/>
               </a:ext>
             </a:extLst>
           </p:cNvPr>
@@ -5338,7 +5338,7 @@
           <p:cNvPr id="4" name="Espaço Reservado para Texto 3">
             <a:extLst>
               <a:ext uri="{FF2B5EF4-FFF2-40B4-BE49-F238E27FC236}">
-                <a16:creationId xmlns="" xmlns:a16="http://schemas.microsoft.com/office/drawing/2014/main" id="{AAF805F5-1DFF-41C6-944C-7D79FE0D0963}"/>
+                <a16:creationId xmlns:a16="http://schemas.microsoft.com/office/drawing/2014/main" xmlns="" id="{AAF805F5-1DFF-41C6-944C-7D79FE0D0963}"/>
               </a:ext>
             </a:extLst>
           </p:cNvPr>
@@ -5409,7 +5409,7 @@
           <p:cNvPr id="5" name="Espaço Reservado para Data 4">
             <a:extLst>
               <a:ext uri="{FF2B5EF4-FFF2-40B4-BE49-F238E27FC236}">
-                <a16:creationId xmlns="" xmlns:a16="http://schemas.microsoft.com/office/drawing/2014/main" id="{02113D81-8665-4516-BD81-C6A1F254EECD}"/>
+                <a16:creationId xmlns:a16="http://schemas.microsoft.com/office/drawing/2014/main" xmlns="" id="{02113D81-8665-4516-BD81-C6A1F254EECD}"/>
               </a:ext>
             </a:extLst>
           </p:cNvPr>
@@ -5427,7 +5427,7 @@
           <a:p>
             <a:fld id="{63289F7E-B80B-496E-81B4-D396C37C9454}" type="datetimeFigureOut">
               <a:rPr lang="pt-BR" smtClean="0"/>
-              <a:t>29/07/2021</a:t>
+              <a:t>31/07/2021</a:t>
             </a:fld>
             <a:endParaRPr lang="pt-BR"/>
           </a:p>
@@ -5438,7 +5438,7 @@
           <p:cNvPr id="6" name="Espaço Reservado para Rodapé 5">
             <a:extLst>
               <a:ext uri="{FF2B5EF4-FFF2-40B4-BE49-F238E27FC236}">
-                <a16:creationId xmlns="" xmlns:a16="http://schemas.microsoft.com/office/drawing/2014/main" id="{2B00C88B-FF32-40AA-A187-727D96FD7862}"/>
+                <a16:creationId xmlns:a16="http://schemas.microsoft.com/office/drawing/2014/main" xmlns="" id="{2B00C88B-FF32-40AA-A187-727D96FD7862}"/>
               </a:ext>
             </a:extLst>
           </p:cNvPr>
@@ -5463,7 +5463,7 @@
           <p:cNvPr id="7" name="Espaço Reservado para Número de Slide 6">
             <a:extLst>
               <a:ext uri="{FF2B5EF4-FFF2-40B4-BE49-F238E27FC236}">
-                <a16:creationId xmlns="" xmlns:a16="http://schemas.microsoft.com/office/drawing/2014/main" id="{A04D1A2D-69F7-4B8F-A730-BC26DC340BA6}"/>
+                <a16:creationId xmlns:a16="http://schemas.microsoft.com/office/drawing/2014/main" xmlns="" id="{A04D1A2D-69F7-4B8F-A730-BC26DC340BA6}"/>
               </a:ext>
             </a:extLst>
           </p:cNvPr>
@@ -5527,7 +5527,7 @@
           <p:cNvPr id="2" name="Espaço Reservado para Título 1">
             <a:extLst>
               <a:ext uri="{FF2B5EF4-FFF2-40B4-BE49-F238E27FC236}">
-                <a16:creationId xmlns="" xmlns:a16="http://schemas.microsoft.com/office/drawing/2014/main" id="{E69A0273-1966-4A1B-9370-4C1CE5036371}"/>
+                <a16:creationId xmlns:a16="http://schemas.microsoft.com/office/drawing/2014/main" xmlns="" id="{E69A0273-1966-4A1B-9370-4C1CE5036371}"/>
               </a:ext>
             </a:extLst>
           </p:cNvPr>
@@ -5565,7 +5565,7 @@
           <p:cNvPr id="3" name="Espaço Reservado para Texto 2">
             <a:extLst>
               <a:ext uri="{FF2B5EF4-FFF2-40B4-BE49-F238E27FC236}">
-                <a16:creationId xmlns="" xmlns:a16="http://schemas.microsoft.com/office/drawing/2014/main" id="{3B9CF87A-0448-49A7-AB25-EBC1D56A40EF}"/>
+                <a16:creationId xmlns:a16="http://schemas.microsoft.com/office/drawing/2014/main" xmlns="" id="{3B9CF87A-0448-49A7-AB25-EBC1D56A40EF}"/>
               </a:ext>
             </a:extLst>
           </p:cNvPr>
@@ -5632,7 +5632,7 @@
           <p:cNvPr id="4" name="Espaço Reservado para Data 3">
             <a:extLst>
               <a:ext uri="{FF2B5EF4-FFF2-40B4-BE49-F238E27FC236}">
-                <a16:creationId xmlns="" xmlns:a16="http://schemas.microsoft.com/office/drawing/2014/main" id="{2EF7B1F2-BB5A-44D0-816D-16AD2C71430E}"/>
+                <a16:creationId xmlns:a16="http://schemas.microsoft.com/office/drawing/2014/main" xmlns="" id="{2EF7B1F2-BB5A-44D0-816D-16AD2C71430E}"/>
               </a:ext>
             </a:extLst>
           </p:cNvPr>
@@ -5668,7 +5668,7 @@
           <a:p>
             <a:fld id="{63289F7E-B80B-496E-81B4-D396C37C9454}" type="datetimeFigureOut">
               <a:rPr lang="pt-BR" smtClean="0"/>
-              <a:t>29/07/2021</a:t>
+              <a:t>31/07/2021</a:t>
             </a:fld>
             <a:endParaRPr lang="pt-BR"/>
           </a:p>
@@ -5679,7 +5679,7 @@
           <p:cNvPr id="5" name="Espaço Reservado para Rodapé 4">
             <a:extLst>
               <a:ext uri="{FF2B5EF4-FFF2-40B4-BE49-F238E27FC236}">
-                <a16:creationId xmlns="" xmlns:a16="http://schemas.microsoft.com/office/drawing/2014/main" id="{C703F94C-2CC8-4DAA-BC35-14FC3E841DCD}"/>
+                <a16:creationId xmlns:a16="http://schemas.microsoft.com/office/drawing/2014/main" xmlns="" id="{C703F94C-2CC8-4DAA-BC35-14FC3E841DCD}"/>
               </a:ext>
             </a:extLst>
           </p:cNvPr>
@@ -5722,7 +5722,7 @@
           <p:cNvPr id="6" name="Espaço Reservado para Número de Slide 5">
             <a:extLst>
               <a:ext uri="{FF2B5EF4-FFF2-40B4-BE49-F238E27FC236}">
-                <a16:creationId xmlns="" xmlns:a16="http://schemas.microsoft.com/office/drawing/2014/main" id="{64051336-7048-457A-8B61-D94291D71648}"/>
+                <a16:creationId xmlns:a16="http://schemas.microsoft.com/office/drawing/2014/main" xmlns="" id="{64051336-7048-457A-8B61-D94291D71648}"/>
               </a:ext>
             </a:extLst>
           </p:cNvPr>
@@ -6090,7 +6090,7 @@
           <p:cNvPr id="2" name="Título 1">
             <a:extLst>
               <a:ext uri="{FF2B5EF4-FFF2-40B4-BE49-F238E27FC236}">
-                <a16:creationId xmlns="" xmlns:a16="http://schemas.microsoft.com/office/drawing/2014/main" id="{32666AC8-2E17-4DB4-B0F5-60C640CCFD2E}"/>
+                <a16:creationId xmlns:a16="http://schemas.microsoft.com/office/drawing/2014/main" xmlns="" id="{32666AC8-2E17-4DB4-B0F5-60C640CCFD2E}"/>
               </a:ext>
             </a:extLst>
           </p:cNvPr>
@@ -6137,7 +6137,7 @@
           <p:cNvPr id="4" name="CaixaDeTexto 3">
             <a:extLst>
               <a:ext uri="{FF2B5EF4-FFF2-40B4-BE49-F238E27FC236}">
-                <a16:creationId xmlns="" xmlns:a16="http://schemas.microsoft.com/office/drawing/2014/main" id="{430EB894-B7D4-434C-9D1A-A14094D9BEEC}"/>
+                <a16:creationId xmlns:a16="http://schemas.microsoft.com/office/drawing/2014/main" xmlns="" id="{430EB894-B7D4-434C-9D1A-A14094D9BEEC}"/>
               </a:ext>
             </a:extLst>
           </p:cNvPr>
@@ -6178,7 +6178,7 @@
           <p:cNvPr id="1026" name="Picture 2" descr="Logo">
             <a:extLst>
               <a:ext uri="{FF2B5EF4-FFF2-40B4-BE49-F238E27FC236}">
-                <a16:creationId xmlns="" xmlns:a16="http://schemas.microsoft.com/office/drawing/2014/main" id="{3F2642E0-4F6A-4196-8F58-E77D36E9A33F}"/>
+                <a16:creationId xmlns:a16="http://schemas.microsoft.com/office/drawing/2014/main" xmlns="" id="{3F2642E0-4F6A-4196-8F58-E77D36E9A33F}"/>
               </a:ext>
             </a:extLst>
           </p:cNvPr>
@@ -6223,7 +6223,7 @@
           <p:cNvPr id="5122" name="Picture 2" descr="Image result for machine learning">
             <a:extLst>
               <a:ext uri="{FF2B5EF4-FFF2-40B4-BE49-F238E27FC236}">
-                <a16:creationId xmlns="" xmlns:a16="http://schemas.microsoft.com/office/drawing/2014/main" id="{810CE0A2-4102-44A6-A370-175E7896CDCB}"/>
+                <a16:creationId xmlns:a16="http://schemas.microsoft.com/office/drawing/2014/main" xmlns="" id="{810CE0A2-4102-44A6-A370-175E7896CDCB}"/>
               </a:ext>
             </a:extLst>
           </p:cNvPr>
@@ -6320,8 +6320,8 @@
           </a:p>
         </p:txBody>
       </p:sp>
-      <mc:AlternateContent xmlns:mc="http://schemas.openxmlformats.org/markup-compatibility/2006">
-        <mc:Choice xmlns:a14="http://schemas.microsoft.com/office/drawing/2010/main" Requires="a14">
+      <mc:AlternateContent xmlns:mc="http://schemas.openxmlformats.org/markup-compatibility/2006" xmlns:a14="http://schemas.microsoft.com/office/drawing/2010/main">
+        <mc:Choice Requires="a14">
           <p:sp>
             <p:nvSpPr>
               <p:cNvPr id="3" name="Content Placeholder 2"/>
@@ -8084,7 +8084,7 @@
             </p:txBody>
           </p:sp>
         </mc:Choice>
-        <mc:Fallback>
+        <mc:Fallback xmlns="">
           <p:sp>
             <p:nvSpPr>
               <p:cNvPr id="3" name="Content Placeholder 2"/>
@@ -8181,8 +8181,8 @@
           </a:p>
         </p:txBody>
       </p:sp>
-      <mc:AlternateContent xmlns:mc="http://schemas.openxmlformats.org/markup-compatibility/2006">
-        <mc:Choice xmlns:a14="http://schemas.microsoft.com/office/drawing/2010/main" Requires="a14">
+      <mc:AlternateContent xmlns:mc="http://schemas.openxmlformats.org/markup-compatibility/2006" xmlns:a14="http://schemas.microsoft.com/office/drawing/2010/main">
+        <mc:Choice Requires="a14">
           <p:sp>
             <p:nvSpPr>
               <p:cNvPr id="3" name="Content Placeholder 2"/>
@@ -8215,15 +8215,7 @@
                 </a:r>
                 <a:r>
                   <a:rPr lang="pt-BR" dirty="0"/>
-                  <a:t>, usamos o </a:t>
-                </a:r>
-                <a:r>
-                  <a:rPr lang="pt-BR" dirty="0"/>
-                  <a:t>algoritmo </a:t>
-                </a:r>
-                <a:r>
-                  <a:rPr lang="pt-BR" dirty="0"/>
-                  <a:t>do </a:t>
+                  <a:t>, usamos o algoritmo do </a:t>
                 </a:r>
                 <a:r>
                   <a:rPr lang="pt-BR" b="1" i="1" dirty="0"/>
@@ -8231,11 +8223,7 @@
                 </a:r>
                 <a:r>
                   <a:rPr lang="pt-BR" dirty="0"/>
-                  <a:t>para </a:t>
-                </a:r>
-                <a:r>
-                  <a:rPr lang="pt-BR" dirty="0"/>
-                  <a:t>encontrar os </a:t>
+                  <a:t>para encontrar os </a:t>
                 </a:r>
                 <a:r>
                   <a:rPr lang="pt-BR" b="1" i="1" dirty="0"/>
@@ -8745,11 +8733,7 @@
                 </a:r>
                 <a:r>
                   <a:rPr lang="pt-BR" dirty="0"/>
-                  <a:t>(nas versões em batelada, estocástico ou mini-batch</a:t>
-                </a:r>
-                <a:r>
-                  <a:rPr lang="pt-BR" dirty="0"/>
-                  <a:t>).</a:t>
+                  <a:t>(nas versões em batelada, estocástico ou mini-batch).</a:t>
                 </a:r>
               </a:p>
               <a:p>
@@ -8814,7 +8798,7 @@
             </p:txBody>
           </p:sp>
         </mc:Choice>
-        <mc:Fallback>
+        <mc:Fallback xmlns="">
           <p:sp>
             <p:nvSpPr>
               <p:cNvPr id="3" name="Content Placeholder 2"/>
@@ -8946,8 +8930,8 @@
           </a:p>
         </p:txBody>
       </p:sp>
-      <mc:AlternateContent xmlns:mc="http://schemas.openxmlformats.org/markup-compatibility/2006">
-        <mc:Choice xmlns:a14="http://schemas.microsoft.com/office/drawing/2010/main" Requires="a14">
+      <mc:AlternateContent xmlns:mc="http://schemas.openxmlformats.org/markup-compatibility/2006" xmlns:a14="http://schemas.microsoft.com/office/drawing/2010/main">
+        <mc:Choice Requires="a14">
           <p:sp>
             <p:nvSpPr>
               <p:cNvPr id="3" name="Content Placeholder 2"/>
@@ -9183,7 +9167,7 @@
             </p:txBody>
           </p:sp>
         </mc:Choice>
-        <mc:Fallback>
+        <mc:Fallback xmlns="">
           <p:sp>
             <p:nvSpPr>
               <p:cNvPr id="3" name="Content Placeholder 2"/>
@@ -17587,7 +17571,7 @@
           <p:cNvPr id="4" name="Título 1">
             <a:extLst>
               <a:ext uri="{FF2B5EF4-FFF2-40B4-BE49-F238E27FC236}">
-                <a16:creationId xmlns="" xmlns:a16="http://schemas.microsoft.com/office/drawing/2014/main" id="{32666AC8-2E17-4DB4-B0F5-60C640CCFD2E}"/>
+                <a16:creationId xmlns:a16="http://schemas.microsoft.com/office/drawing/2014/main" xmlns="" id="{32666AC8-2E17-4DB4-B0F5-60C640CCFD2E}"/>
               </a:ext>
             </a:extLst>
           </p:cNvPr>
@@ -18057,7 +18041,6 @@
               <a:rPr lang="pt-BR" sz="1400" dirty="0"/>
               <a:t>0</a:t>
             </a:r>
-            <a:endParaRPr lang="pt-BR" sz="1400" dirty="0"/>
           </a:p>
         </p:txBody>
       </p:sp>
@@ -18119,7 +18102,6 @@
               <a:rPr lang="pt-BR" sz="1400" dirty="0"/>
               <a:t>0</a:t>
             </a:r>
-            <a:endParaRPr lang="pt-BR" sz="1400" dirty="0"/>
           </a:p>
         </p:txBody>
       </p:sp>
@@ -18592,15 +18574,23 @@
             </a:r>
             <a:r>
               <a:rPr lang="pt-BR" dirty="0" smtClean="0"/>
-              <a:t>, com a qual é possível se encontrar soluções fechada e </a:t>
-            </a:r>
-            <a:r>
-              <a:rPr lang="pt-BR" dirty="0"/>
-              <a:t>com </a:t>
+              <a:t>, com a qual é possível se encontrar </a:t>
             </a:r>
             <a:r>
               <a:rPr lang="pt-BR" dirty="0" smtClean="0"/>
-              <a:t>o gradiente descendente.</a:t>
+              <a:t>uma solução eficiente com </a:t>
+            </a:r>
+            <a:r>
+              <a:rPr lang="pt-BR" dirty="0" smtClean="0"/>
+              <a:t>o </a:t>
+            </a:r>
+            <a:r>
+              <a:rPr lang="pt-BR" b="1" i="1" dirty="0" smtClean="0"/>
+              <a:t>gradiente descendente</a:t>
+            </a:r>
+            <a:r>
+              <a:rPr lang="pt-BR" dirty="0" smtClean="0"/>
+              <a:t>.</a:t>
             </a:r>
             <a:endParaRPr lang="pt-BR" dirty="0"/>
           </a:p>

--- a/slides/T320_Classificação (Parte III).pptx
+++ b/slides/T320_Classificação (Parte III).pptx
@@ -289,7 +289,7 @@
           <a:p>
             <a:fld id="{144F1436-6906-4D93-B7A2-786C327BFA14}" type="datetimeFigureOut">
               <a:rPr lang="nl-BE" smtClean="0"/>
-              <a:t>31/07/2021</a:t>
+              <a:t>18/08/2021</a:t>
             </a:fld>
             <a:endParaRPr lang="nl-BE"/>
           </a:p>
@@ -454,7 +454,7 @@
           <a:p>
             <a:fld id="{AA8CD09E-2914-4F47-B6C1-51B2C31814C9}" type="datetimeFigureOut">
               <a:rPr lang="pt-BR" smtClean="0"/>
-              <a:t>31/07/2021</a:t>
+              <a:t>18/08/2021</a:t>
             </a:fld>
             <a:endParaRPr lang="pt-BR"/>
           </a:p>
@@ -2893,7 +2893,7 @@
           <p:cNvPr id="2" name="Título 1">
             <a:extLst>
               <a:ext uri="{FF2B5EF4-FFF2-40B4-BE49-F238E27FC236}">
-                <a16:creationId xmlns:a16="http://schemas.microsoft.com/office/drawing/2014/main" xmlns="" id="{1DB9B4FF-B06E-403C-A326-BDC64D8FF94E}"/>
+                <a16:creationId xmlns="" xmlns:a16="http://schemas.microsoft.com/office/drawing/2014/main" id="{1DB9B4FF-B06E-403C-A326-BDC64D8FF94E}"/>
               </a:ext>
             </a:extLst>
           </p:cNvPr>
@@ -2930,7 +2930,7 @@
           <p:cNvPr id="3" name="Subtítulo 2">
             <a:extLst>
               <a:ext uri="{FF2B5EF4-FFF2-40B4-BE49-F238E27FC236}">
-                <a16:creationId xmlns:a16="http://schemas.microsoft.com/office/drawing/2014/main" xmlns="" id="{247BDFCE-746E-45BF-A319-4733D58D1632}"/>
+                <a16:creationId xmlns="" xmlns:a16="http://schemas.microsoft.com/office/drawing/2014/main" id="{247BDFCE-746E-45BF-A319-4733D58D1632}"/>
               </a:ext>
             </a:extLst>
           </p:cNvPr>
@@ -3000,7 +3000,7 @@
           <p:cNvPr id="4" name="Espaço Reservado para Data 3">
             <a:extLst>
               <a:ext uri="{FF2B5EF4-FFF2-40B4-BE49-F238E27FC236}">
-                <a16:creationId xmlns:a16="http://schemas.microsoft.com/office/drawing/2014/main" xmlns="" id="{9EDE2778-5372-4104-B96D-968184DA8288}"/>
+                <a16:creationId xmlns="" xmlns:a16="http://schemas.microsoft.com/office/drawing/2014/main" id="{9EDE2778-5372-4104-B96D-968184DA8288}"/>
               </a:ext>
             </a:extLst>
           </p:cNvPr>
@@ -3018,7 +3018,7 @@
           <a:p>
             <a:fld id="{63289F7E-B80B-496E-81B4-D396C37C9454}" type="datetimeFigureOut">
               <a:rPr lang="pt-BR" smtClean="0"/>
-              <a:t>31/07/2021</a:t>
+              <a:t>18/08/2021</a:t>
             </a:fld>
             <a:endParaRPr lang="pt-BR"/>
           </a:p>
@@ -3029,7 +3029,7 @@
           <p:cNvPr id="5" name="Espaço Reservado para Rodapé 4">
             <a:extLst>
               <a:ext uri="{FF2B5EF4-FFF2-40B4-BE49-F238E27FC236}">
-                <a16:creationId xmlns:a16="http://schemas.microsoft.com/office/drawing/2014/main" xmlns="" id="{C1DD0F41-C861-4051-988D-3024A37A4B93}"/>
+                <a16:creationId xmlns="" xmlns:a16="http://schemas.microsoft.com/office/drawing/2014/main" id="{C1DD0F41-C861-4051-988D-3024A37A4B93}"/>
               </a:ext>
             </a:extLst>
           </p:cNvPr>
@@ -3054,7 +3054,7 @@
           <p:cNvPr id="6" name="Espaço Reservado para Número de Slide 5">
             <a:extLst>
               <a:ext uri="{FF2B5EF4-FFF2-40B4-BE49-F238E27FC236}">
-                <a16:creationId xmlns:a16="http://schemas.microsoft.com/office/drawing/2014/main" xmlns="" id="{07E5967E-D980-431A-A5DB-3F0C5030A81E}"/>
+                <a16:creationId xmlns="" xmlns:a16="http://schemas.microsoft.com/office/drawing/2014/main" id="{07E5967E-D980-431A-A5DB-3F0C5030A81E}"/>
               </a:ext>
             </a:extLst>
           </p:cNvPr>
@@ -3113,7 +3113,7 @@
           <p:cNvPr id="2" name="Título 1">
             <a:extLst>
               <a:ext uri="{FF2B5EF4-FFF2-40B4-BE49-F238E27FC236}">
-                <a16:creationId xmlns:a16="http://schemas.microsoft.com/office/drawing/2014/main" xmlns="" id="{9036C49F-3E68-4175-81BA-3C3FEE44308A}"/>
+                <a16:creationId xmlns="" xmlns:a16="http://schemas.microsoft.com/office/drawing/2014/main" id="{9036C49F-3E68-4175-81BA-3C3FEE44308A}"/>
               </a:ext>
             </a:extLst>
           </p:cNvPr>
@@ -3141,7 +3141,7 @@
           <p:cNvPr id="3" name="Espaço Reservado para Texto Vertical 2">
             <a:extLst>
               <a:ext uri="{FF2B5EF4-FFF2-40B4-BE49-F238E27FC236}">
-                <a16:creationId xmlns:a16="http://schemas.microsoft.com/office/drawing/2014/main" xmlns="" id="{426FA736-3DD3-4D4E-B57B-BBE1D8F7D424}"/>
+                <a16:creationId xmlns="" xmlns:a16="http://schemas.microsoft.com/office/drawing/2014/main" id="{426FA736-3DD3-4D4E-B57B-BBE1D8F7D424}"/>
               </a:ext>
             </a:extLst>
           </p:cNvPr>
@@ -3198,7 +3198,7 @@
           <p:cNvPr id="4" name="Espaço Reservado para Data 3">
             <a:extLst>
               <a:ext uri="{FF2B5EF4-FFF2-40B4-BE49-F238E27FC236}">
-                <a16:creationId xmlns:a16="http://schemas.microsoft.com/office/drawing/2014/main" xmlns="" id="{99E8855C-D8FD-48F6-B14E-861E0DE4D915}"/>
+                <a16:creationId xmlns="" xmlns:a16="http://schemas.microsoft.com/office/drawing/2014/main" id="{99E8855C-D8FD-48F6-B14E-861E0DE4D915}"/>
               </a:ext>
             </a:extLst>
           </p:cNvPr>
@@ -3216,7 +3216,7 @@
           <a:p>
             <a:fld id="{63289F7E-B80B-496E-81B4-D396C37C9454}" type="datetimeFigureOut">
               <a:rPr lang="pt-BR" smtClean="0"/>
-              <a:t>31/07/2021</a:t>
+              <a:t>18/08/2021</a:t>
             </a:fld>
             <a:endParaRPr lang="pt-BR"/>
           </a:p>
@@ -3227,7 +3227,7 @@
           <p:cNvPr id="5" name="Espaço Reservado para Rodapé 4">
             <a:extLst>
               <a:ext uri="{FF2B5EF4-FFF2-40B4-BE49-F238E27FC236}">
-                <a16:creationId xmlns:a16="http://schemas.microsoft.com/office/drawing/2014/main" xmlns="" id="{97C0BB88-2F21-42A5-ACFF-83DA47F2D340}"/>
+                <a16:creationId xmlns="" xmlns:a16="http://schemas.microsoft.com/office/drawing/2014/main" id="{97C0BB88-2F21-42A5-ACFF-83DA47F2D340}"/>
               </a:ext>
             </a:extLst>
           </p:cNvPr>
@@ -3252,7 +3252,7 @@
           <p:cNvPr id="6" name="Espaço Reservado para Número de Slide 5">
             <a:extLst>
               <a:ext uri="{FF2B5EF4-FFF2-40B4-BE49-F238E27FC236}">
-                <a16:creationId xmlns:a16="http://schemas.microsoft.com/office/drawing/2014/main" xmlns="" id="{6CB462B3-1F22-4C05-B4B8-7A279FB7D5E9}"/>
+                <a16:creationId xmlns="" xmlns:a16="http://schemas.microsoft.com/office/drawing/2014/main" id="{6CB462B3-1F22-4C05-B4B8-7A279FB7D5E9}"/>
               </a:ext>
             </a:extLst>
           </p:cNvPr>
@@ -3311,7 +3311,7 @@
           <p:cNvPr id="2" name="Título Vertical 1">
             <a:extLst>
               <a:ext uri="{FF2B5EF4-FFF2-40B4-BE49-F238E27FC236}">
-                <a16:creationId xmlns:a16="http://schemas.microsoft.com/office/drawing/2014/main" xmlns="" id="{EAEAB728-701C-4207-A9D5-23FF45C60502}"/>
+                <a16:creationId xmlns="" xmlns:a16="http://schemas.microsoft.com/office/drawing/2014/main" id="{EAEAB728-701C-4207-A9D5-23FF45C60502}"/>
               </a:ext>
             </a:extLst>
           </p:cNvPr>
@@ -3344,7 +3344,7 @@
           <p:cNvPr id="3" name="Espaço Reservado para Texto Vertical 2">
             <a:extLst>
               <a:ext uri="{FF2B5EF4-FFF2-40B4-BE49-F238E27FC236}">
-                <a16:creationId xmlns:a16="http://schemas.microsoft.com/office/drawing/2014/main" xmlns="" id="{BA8C8CCF-7823-480A-9A19-0F664DD17E3B}"/>
+                <a16:creationId xmlns="" xmlns:a16="http://schemas.microsoft.com/office/drawing/2014/main" id="{BA8C8CCF-7823-480A-9A19-0F664DD17E3B}"/>
               </a:ext>
             </a:extLst>
           </p:cNvPr>
@@ -3406,7 +3406,7 @@
           <p:cNvPr id="4" name="Espaço Reservado para Data 3">
             <a:extLst>
               <a:ext uri="{FF2B5EF4-FFF2-40B4-BE49-F238E27FC236}">
-                <a16:creationId xmlns:a16="http://schemas.microsoft.com/office/drawing/2014/main" xmlns="" id="{721D5734-7B1F-425D-942F-6EB73344027C}"/>
+                <a16:creationId xmlns="" xmlns:a16="http://schemas.microsoft.com/office/drawing/2014/main" id="{721D5734-7B1F-425D-942F-6EB73344027C}"/>
               </a:ext>
             </a:extLst>
           </p:cNvPr>
@@ -3424,7 +3424,7 @@
           <a:p>
             <a:fld id="{63289F7E-B80B-496E-81B4-D396C37C9454}" type="datetimeFigureOut">
               <a:rPr lang="pt-BR" smtClean="0"/>
-              <a:t>31/07/2021</a:t>
+              <a:t>18/08/2021</a:t>
             </a:fld>
             <a:endParaRPr lang="pt-BR"/>
           </a:p>
@@ -3435,7 +3435,7 @@
           <p:cNvPr id="5" name="Espaço Reservado para Rodapé 4">
             <a:extLst>
               <a:ext uri="{FF2B5EF4-FFF2-40B4-BE49-F238E27FC236}">
-                <a16:creationId xmlns:a16="http://schemas.microsoft.com/office/drawing/2014/main" xmlns="" id="{1E1AAEAC-F08D-45FE-89EC-B1B349A868C9}"/>
+                <a16:creationId xmlns="" xmlns:a16="http://schemas.microsoft.com/office/drawing/2014/main" id="{1E1AAEAC-F08D-45FE-89EC-B1B349A868C9}"/>
               </a:ext>
             </a:extLst>
           </p:cNvPr>
@@ -3460,7 +3460,7 @@
           <p:cNvPr id="6" name="Espaço Reservado para Número de Slide 5">
             <a:extLst>
               <a:ext uri="{FF2B5EF4-FFF2-40B4-BE49-F238E27FC236}">
-                <a16:creationId xmlns:a16="http://schemas.microsoft.com/office/drawing/2014/main" xmlns="" id="{BAA44493-9911-47B2-87A6-C2141A972BC8}"/>
+                <a16:creationId xmlns="" xmlns:a16="http://schemas.microsoft.com/office/drawing/2014/main" id="{BAA44493-9911-47B2-87A6-C2141A972BC8}"/>
               </a:ext>
             </a:extLst>
           </p:cNvPr>
@@ -3519,7 +3519,7 @@
           <p:cNvPr id="2" name="Título 1">
             <a:extLst>
               <a:ext uri="{FF2B5EF4-FFF2-40B4-BE49-F238E27FC236}">
-                <a16:creationId xmlns:a16="http://schemas.microsoft.com/office/drawing/2014/main" xmlns="" id="{71BD44A5-8F21-4626-A01D-48A1C874B1D5}"/>
+                <a16:creationId xmlns="" xmlns:a16="http://schemas.microsoft.com/office/drawing/2014/main" id="{71BD44A5-8F21-4626-A01D-48A1C874B1D5}"/>
               </a:ext>
             </a:extLst>
           </p:cNvPr>
@@ -3547,7 +3547,7 @@
           <p:cNvPr id="3" name="Espaço Reservado para Conteúdo 2">
             <a:extLst>
               <a:ext uri="{FF2B5EF4-FFF2-40B4-BE49-F238E27FC236}">
-                <a16:creationId xmlns:a16="http://schemas.microsoft.com/office/drawing/2014/main" xmlns="" id="{B79E8085-65A9-48AA-951D-71D978BFF4ED}"/>
+                <a16:creationId xmlns="" xmlns:a16="http://schemas.microsoft.com/office/drawing/2014/main" id="{B79E8085-65A9-48AA-951D-71D978BFF4ED}"/>
               </a:ext>
             </a:extLst>
           </p:cNvPr>
@@ -3604,7 +3604,7 @@
           <p:cNvPr id="4" name="Espaço Reservado para Data 3">
             <a:extLst>
               <a:ext uri="{FF2B5EF4-FFF2-40B4-BE49-F238E27FC236}">
-                <a16:creationId xmlns:a16="http://schemas.microsoft.com/office/drawing/2014/main" xmlns="" id="{F05BE1AF-51EA-425D-B188-DE7BD675009F}"/>
+                <a16:creationId xmlns="" xmlns:a16="http://schemas.microsoft.com/office/drawing/2014/main" id="{F05BE1AF-51EA-425D-B188-DE7BD675009F}"/>
               </a:ext>
             </a:extLst>
           </p:cNvPr>
@@ -3622,7 +3622,7 @@
           <a:p>
             <a:fld id="{63289F7E-B80B-496E-81B4-D396C37C9454}" type="datetimeFigureOut">
               <a:rPr lang="pt-BR" smtClean="0"/>
-              <a:t>31/07/2021</a:t>
+              <a:t>18/08/2021</a:t>
             </a:fld>
             <a:endParaRPr lang="pt-BR"/>
           </a:p>
@@ -3633,7 +3633,7 @@
           <p:cNvPr id="5" name="Espaço Reservado para Rodapé 4">
             <a:extLst>
               <a:ext uri="{FF2B5EF4-FFF2-40B4-BE49-F238E27FC236}">
-                <a16:creationId xmlns:a16="http://schemas.microsoft.com/office/drawing/2014/main" xmlns="" id="{121BE632-29CF-4CB9-B365-C9EF38F89BE6}"/>
+                <a16:creationId xmlns="" xmlns:a16="http://schemas.microsoft.com/office/drawing/2014/main" id="{121BE632-29CF-4CB9-B365-C9EF38F89BE6}"/>
               </a:ext>
             </a:extLst>
           </p:cNvPr>
@@ -3658,7 +3658,7 @@
           <p:cNvPr id="6" name="Espaço Reservado para Número de Slide 5">
             <a:extLst>
               <a:ext uri="{FF2B5EF4-FFF2-40B4-BE49-F238E27FC236}">
-                <a16:creationId xmlns:a16="http://schemas.microsoft.com/office/drawing/2014/main" xmlns="" id="{60CF3DD1-9AEC-4A57-B461-4E4DD86FAC18}"/>
+                <a16:creationId xmlns="" xmlns:a16="http://schemas.microsoft.com/office/drawing/2014/main" id="{60CF3DD1-9AEC-4A57-B461-4E4DD86FAC18}"/>
               </a:ext>
             </a:extLst>
           </p:cNvPr>
@@ -3717,7 +3717,7 @@
           <p:cNvPr id="2" name="Título 1">
             <a:extLst>
               <a:ext uri="{FF2B5EF4-FFF2-40B4-BE49-F238E27FC236}">
-                <a16:creationId xmlns:a16="http://schemas.microsoft.com/office/drawing/2014/main" xmlns="" id="{34AB2FF0-A4D7-4E28-991D-FF26140D5988}"/>
+                <a16:creationId xmlns="" xmlns:a16="http://schemas.microsoft.com/office/drawing/2014/main" id="{34AB2FF0-A4D7-4E28-991D-FF26140D5988}"/>
               </a:ext>
             </a:extLst>
           </p:cNvPr>
@@ -3754,7 +3754,7 @@
           <p:cNvPr id="3" name="Espaço Reservado para Texto 2">
             <a:extLst>
               <a:ext uri="{FF2B5EF4-FFF2-40B4-BE49-F238E27FC236}">
-                <a16:creationId xmlns:a16="http://schemas.microsoft.com/office/drawing/2014/main" xmlns="" id="{E2AC45B0-4145-40DB-8E61-105461170604}"/>
+                <a16:creationId xmlns="" xmlns:a16="http://schemas.microsoft.com/office/drawing/2014/main" id="{E2AC45B0-4145-40DB-8E61-105461170604}"/>
               </a:ext>
             </a:extLst>
           </p:cNvPr>
@@ -3879,7 +3879,7 @@
           <p:cNvPr id="4" name="Espaço Reservado para Data 3">
             <a:extLst>
               <a:ext uri="{FF2B5EF4-FFF2-40B4-BE49-F238E27FC236}">
-                <a16:creationId xmlns:a16="http://schemas.microsoft.com/office/drawing/2014/main" xmlns="" id="{50F1D3FB-740A-4EBA-A309-2CE71D12ECFB}"/>
+                <a16:creationId xmlns="" xmlns:a16="http://schemas.microsoft.com/office/drawing/2014/main" id="{50F1D3FB-740A-4EBA-A309-2CE71D12ECFB}"/>
               </a:ext>
             </a:extLst>
           </p:cNvPr>
@@ -3897,7 +3897,7 @@
           <a:p>
             <a:fld id="{63289F7E-B80B-496E-81B4-D396C37C9454}" type="datetimeFigureOut">
               <a:rPr lang="pt-BR" smtClean="0"/>
-              <a:t>31/07/2021</a:t>
+              <a:t>18/08/2021</a:t>
             </a:fld>
             <a:endParaRPr lang="pt-BR"/>
           </a:p>
@@ -3908,7 +3908,7 @@
           <p:cNvPr id="5" name="Espaço Reservado para Rodapé 4">
             <a:extLst>
               <a:ext uri="{FF2B5EF4-FFF2-40B4-BE49-F238E27FC236}">
-                <a16:creationId xmlns:a16="http://schemas.microsoft.com/office/drawing/2014/main" xmlns="" id="{BDCAB18F-8715-4465-A940-F9C193A2ACE9}"/>
+                <a16:creationId xmlns="" xmlns:a16="http://schemas.microsoft.com/office/drawing/2014/main" id="{BDCAB18F-8715-4465-A940-F9C193A2ACE9}"/>
               </a:ext>
             </a:extLst>
           </p:cNvPr>
@@ -3933,7 +3933,7 @@
           <p:cNvPr id="6" name="Espaço Reservado para Número de Slide 5">
             <a:extLst>
               <a:ext uri="{FF2B5EF4-FFF2-40B4-BE49-F238E27FC236}">
-                <a16:creationId xmlns:a16="http://schemas.microsoft.com/office/drawing/2014/main" xmlns="" id="{353466C6-8248-429F-8056-FF040BF509EB}"/>
+                <a16:creationId xmlns="" xmlns:a16="http://schemas.microsoft.com/office/drawing/2014/main" id="{353466C6-8248-429F-8056-FF040BF509EB}"/>
               </a:ext>
             </a:extLst>
           </p:cNvPr>
@@ -3992,7 +3992,7 @@
           <p:cNvPr id="2" name="Título 1">
             <a:extLst>
               <a:ext uri="{FF2B5EF4-FFF2-40B4-BE49-F238E27FC236}">
-                <a16:creationId xmlns:a16="http://schemas.microsoft.com/office/drawing/2014/main" xmlns="" id="{BC7BB9F0-F14B-4A91-B2B7-35BC47FE4DE7}"/>
+                <a16:creationId xmlns="" xmlns:a16="http://schemas.microsoft.com/office/drawing/2014/main" id="{BC7BB9F0-F14B-4A91-B2B7-35BC47FE4DE7}"/>
               </a:ext>
             </a:extLst>
           </p:cNvPr>
@@ -4020,7 +4020,7 @@
           <p:cNvPr id="3" name="Espaço Reservado para Conteúdo 2">
             <a:extLst>
               <a:ext uri="{FF2B5EF4-FFF2-40B4-BE49-F238E27FC236}">
-                <a16:creationId xmlns:a16="http://schemas.microsoft.com/office/drawing/2014/main" xmlns="" id="{EC1FC1C4-73DA-47A6-8496-B0B457F7D39A}"/>
+                <a16:creationId xmlns="" xmlns:a16="http://schemas.microsoft.com/office/drawing/2014/main" id="{EC1FC1C4-73DA-47A6-8496-B0B457F7D39A}"/>
               </a:ext>
             </a:extLst>
           </p:cNvPr>
@@ -4082,7 +4082,7 @@
           <p:cNvPr id="4" name="Espaço Reservado para Conteúdo 3">
             <a:extLst>
               <a:ext uri="{FF2B5EF4-FFF2-40B4-BE49-F238E27FC236}">
-                <a16:creationId xmlns:a16="http://schemas.microsoft.com/office/drawing/2014/main" xmlns="" id="{E92F06A8-A449-4D92-9912-76873E529B38}"/>
+                <a16:creationId xmlns="" xmlns:a16="http://schemas.microsoft.com/office/drawing/2014/main" id="{E92F06A8-A449-4D92-9912-76873E529B38}"/>
               </a:ext>
             </a:extLst>
           </p:cNvPr>
@@ -4144,7 +4144,7 @@
           <p:cNvPr id="5" name="Espaço Reservado para Data 4">
             <a:extLst>
               <a:ext uri="{FF2B5EF4-FFF2-40B4-BE49-F238E27FC236}">
-                <a16:creationId xmlns:a16="http://schemas.microsoft.com/office/drawing/2014/main" xmlns="" id="{938070A4-BC2F-4D55-BD8D-DEAF11BB9EE9}"/>
+                <a16:creationId xmlns="" xmlns:a16="http://schemas.microsoft.com/office/drawing/2014/main" id="{938070A4-BC2F-4D55-BD8D-DEAF11BB9EE9}"/>
               </a:ext>
             </a:extLst>
           </p:cNvPr>
@@ -4162,7 +4162,7 @@
           <a:p>
             <a:fld id="{63289F7E-B80B-496E-81B4-D396C37C9454}" type="datetimeFigureOut">
               <a:rPr lang="pt-BR" smtClean="0"/>
-              <a:t>31/07/2021</a:t>
+              <a:t>18/08/2021</a:t>
             </a:fld>
             <a:endParaRPr lang="pt-BR"/>
           </a:p>
@@ -4173,7 +4173,7 @@
           <p:cNvPr id="6" name="Espaço Reservado para Rodapé 5">
             <a:extLst>
               <a:ext uri="{FF2B5EF4-FFF2-40B4-BE49-F238E27FC236}">
-                <a16:creationId xmlns:a16="http://schemas.microsoft.com/office/drawing/2014/main" xmlns="" id="{45CC2DB8-844A-465F-BA9A-7734C80C7F43}"/>
+                <a16:creationId xmlns="" xmlns:a16="http://schemas.microsoft.com/office/drawing/2014/main" id="{45CC2DB8-844A-465F-BA9A-7734C80C7F43}"/>
               </a:ext>
             </a:extLst>
           </p:cNvPr>
@@ -4198,7 +4198,7 @@
           <p:cNvPr id="7" name="Espaço Reservado para Número de Slide 6">
             <a:extLst>
               <a:ext uri="{FF2B5EF4-FFF2-40B4-BE49-F238E27FC236}">
-                <a16:creationId xmlns:a16="http://schemas.microsoft.com/office/drawing/2014/main" xmlns="" id="{4CC606A8-097B-4040-94E0-CD8C88280D8F}"/>
+                <a16:creationId xmlns="" xmlns:a16="http://schemas.microsoft.com/office/drawing/2014/main" id="{4CC606A8-097B-4040-94E0-CD8C88280D8F}"/>
               </a:ext>
             </a:extLst>
           </p:cNvPr>
@@ -4257,7 +4257,7 @@
           <p:cNvPr id="2" name="Título 1">
             <a:extLst>
               <a:ext uri="{FF2B5EF4-FFF2-40B4-BE49-F238E27FC236}">
-                <a16:creationId xmlns:a16="http://schemas.microsoft.com/office/drawing/2014/main" xmlns="" id="{76D66686-0143-4CB6-8C09-BA326F1E7ACA}"/>
+                <a16:creationId xmlns="" xmlns:a16="http://schemas.microsoft.com/office/drawing/2014/main" id="{76D66686-0143-4CB6-8C09-BA326F1E7ACA}"/>
               </a:ext>
             </a:extLst>
           </p:cNvPr>
@@ -4290,7 +4290,7 @@
           <p:cNvPr id="3" name="Espaço Reservado para Texto 2">
             <a:extLst>
               <a:ext uri="{FF2B5EF4-FFF2-40B4-BE49-F238E27FC236}">
-                <a16:creationId xmlns:a16="http://schemas.microsoft.com/office/drawing/2014/main" xmlns="" id="{0227AB85-F59E-4BCE-B846-4FA0992C2F23}"/>
+                <a16:creationId xmlns="" xmlns:a16="http://schemas.microsoft.com/office/drawing/2014/main" id="{0227AB85-F59E-4BCE-B846-4FA0992C2F23}"/>
               </a:ext>
             </a:extLst>
           </p:cNvPr>
@@ -4361,7 +4361,7 @@
           <p:cNvPr id="4" name="Espaço Reservado para Conteúdo 3">
             <a:extLst>
               <a:ext uri="{FF2B5EF4-FFF2-40B4-BE49-F238E27FC236}">
-                <a16:creationId xmlns:a16="http://schemas.microsoft.com/office/drawing/2014/main" xmlns="" id="{3373456C-7319-4D0A-827D-D29F6B083F5D}"/>
+                <a16:creationId xmlns="" xmlns:a16="http://schemas.microsoft.com/office/drawing/2014/main" id="{3373456C-7319-4D0A-827D-D29F6B083F5D}"/>
               </a:ext>
             </a:extLst>
           </p:cNvPr>
@@ -4423,7 +4423,7 @@
           <p:cNvPr id="5" name="Espaço Reservado para Texto 4">
             <a:extLst>
               <a:ext uri="{FF2B5EF4-FFF2-40B4-BE49-F238E27FC236}">
-                <a16:creationId xmlns:a16="http://schemas.microsoft.com/office/drawing/2014/main" xmlns="" id="{4CD109D0-2E83-4262-8029-A871CEC47406}"/>
+                <a16:creationId xmlns="" xmlns:a16="http://schemas.microsoft.com/office/drawing/2014/main" id="{4CD109D0-2E83-4262-8029-A871CEC47406}"/>
               </a:ext>
             </a:extLst>
           </p:cNvPr>
@@ -4494,7 +4494,7 @@
           <p:cNvPr id="6" name="Espaço Reservado para Conteúdo 5">
             <a:extLst>
               <a:ext uri="{FF2B5EF4-FFF2-40B4-BE49-F238E27FC236}">
-                <a16:creationId xmlns:a16="http://schemas.microsoft.com/office/drawing/2014/main" xmlns="" id="{AD706E3A-CFBB-4A6C-A65F-D0360A9E74FE}"/>
+                <a16:creationId xmlns="" xmlns:a16="http://schemas.microsoft.com/office/drawing/2014/main" id="{AD706E3A-CFBB-4A6C-A65F-D0360A9E74FE}"/>
               </a:ext>
             </a:extLst>
           </p:cNvPr>
@@ -4556,7 +4556,7 @@
           <p:cNvPr id="7" name="Espaço Reservado para Data 6">
             <a:extLst>
               <a:ext uri="{FF2B5EF4-FFF2-40B4-BE49-F238E27FC236}">
-                <a16:creationId xmlns:a16="http://schemas.microsoft.com/office/drawing/2014/main" xmlns="" id="{4172C0E5-5AF0-4805-BB51-443733CD2BD5}"/>
+                <a16:creationId xmlns="" xmlns:a16="http://schemas.microsoft.com/office/drawing/2014/main" id="{4172C0E5-5AF0-4805-BB51-443733CD2BD5}"/>
               </a:ext>
             </a:extLst>
           </p:cNvPr>
@@ -4574,7 +4574,7 @@
           <a:p>
             <a:fld id="{63289F7E-B80B-496E-81B4-D396C37C9454}" type="datetimeFigureOut">
               <a:rPr lang="pt-BR" smtClean="0"/>
-              <a:t>31/07/2021</a:t>
+              <a:t>18/08/2021</a:t>
             </a:fld>
             <a:endParaRPr lang="pt-BR"/>
           </a:p>
@@ -4585,7 +4585,7 @@
           <p:cNvPr id="8" name="Espaço Reservado para Rodapé 7">
             <a:extLst>
               <a:ext uri="{FF2B5EF4-FFF2-40B4-BE49-F238E27FC236}">
-                <a16:creationId xmlns:a16="http://schemas.microsoft.com/office/drawing/2014/main" xmlns="" id="{0E801648-156F-497E-99CF-797DF48051E1}"/>
+                <a16:creationId xmlns="" xmlns:a16="http://schemas.microsoft.com/office/drawing/2014/main" id="{0E801648-156F-497E-99CF-797DF48051E1}"/>
               </a:ext>
             </a:extLst>
           </p:cNvPr>
@@ -4610,7 +4610,7 @@
           <p:cNvPr id="9" name="Espaço Reservado para Número de Slide 8">
             <a:extLst>
               <a:ext uri="{FF2B5EF4-FFF2-40B4-BE49-F238E27FC236}">
-                <a16:creationId xmlns:a16="http://schemas.microsoft.com/office/drawing/2014/main" xmlns="" id="{EEE23D32-80E7-4796-A137-66BF842E4B53}"/>
+                <a16:creationId xmlns="" xmlns:a16="http://schemas.microsoft.com/office/drawing/2014/main" id="{EEE23D32-80E7-4796-A137-66BF842E4B53}"/>
               </a:ext>
             </a:extLst>
           </p:cNvPr>
@@ -4669,7 +4669,7 @@
           <p:cNvPr id="2" name="Título 1">
             <a:extLst>
               <a:ext uri="{FF2B5EF4-FFF2-40B4-BE49-F238E27FC236}">
-                <a16:creationId xmlns:a16="http://schemas.microsoft.com/office/drawing/2014/main" xmlns="" id="{2BCE2379-C78F-47E1-8CFC-B846E7AF148D}"/>
+                <a16:creationId xmlns="" xmlns:a16="http://schemas.microsoft.com/office/drawing/2014/main" id="{2BCE2379-C78F-47E1-8CFC-B846E7AF148D}"/>
               </a:ext>
             </a:extLst>
           </p:cNvPr>
@@ -4697,7 +4697,7 @@
           <p:cNvPr id="3" name="Espaço Reservado para Data 2">
             <a:extLst>
               <a:ext uri="{FF2B5EF4-FFF2-40B4-BE49-F238E27FC236}">
-                <a16:creationId xmlns:a16="http://schemas.microsoft.com/office/drawing/2014/main" xmlns="" id="{342600A9-7F92-4E22-9D94-E4717252A817}"/>
+                <a16:creationId xmlns="" xmlns:a16="http://schemas.microsoft.com/office/drawing/2014/main" id="{342600A9-7F92-4E22-9D94-E4717252A817}"/>
               </a:ext>
             </a:extLst>
           </p:cNvPr>
@@ -4715,7 +4715,7 @@
           <a:p>
             <a:fld id="{63289F7E-B80B-496E-81B4-D396C37C9454}" type="datetimeFigureOut">
               <a:rPr lang="pt-BR" smtClean="0"/>
-              <a:t>31/07/2021</a:t>
+              <a:t>18/08/2021</a:t>
             </a:fld>
             <a:endParaRPr lang="pt-BR"/>
           </a:p>
@@ -4726,7 +4726,7 @@
           <p:cNvPr id="4" name="Espaço Reservado para Rodapé 3">
             <a:extLst>
               <a:ext uri="{FF2B5EF4-FFF2-40B4-BE49-F238E27FC236}">
-                <a16:creationId xmlns:a16="http://schemas.microsoft.com/office/drawing/2014/main" xmlns="" id="{192E6BED-F546-40CC-A2DF-99CBA853654E}"/>
+                <a16:creationId xmlns="" xmlns:a16="http://schemas.microsoft.com/office/drawing/2014/main" id="{192E6BED-F546-40CC-A2DF-99CBA853654E}"/>
               </a:ext>
             </a:extLst>
           </p:cNvPr>
@@ -4751,7 +4751,7 @@
           <p:cNvPr id="5" name="Espaço Reservado para Número de Slide 4">
             <a:extLst>
               <a:ext uri="{FF2B5EF4-FFF2-40B4-BE49-F238E27FC236}">
-                <a16:creationId xmlns:a16="http://schemas.microsoft.com/office/drawing/2014/main" xmlns="" id="{6091CC40-A8C4-4063-80EB-CC5099621678}"/>
+                <a16:creationId xmlns="" xmlns:a16="http://schemas.microsoft.com/office/drawing/2014/main" id="{6091CC40-A8C4-4063-80EB-CC5099621678}"/>
               </a:ext>
             </a:extLst>
           </p:cNvPr>
@@ -4810,7 +4810,7 @@
           <p:cNvPr id="2" name="Espaço Reservado para Data 1">
             <a:extLst>
               <a:ext uri="{FF2B5EF4-FFF2-40B4-BE49-F238E27FC236}">
-                <a16:creationId xmlns:a16="http://schemas.microsoft.com/office/drawing/2014/main" xmlns="" id="{DD19515C-212C-4EAE-84A3-8FF4BC844F1B}"/>
+                <a16:creationId xmlns="" xmlns:a16="http://schemas.microsoft.com/office/drawing/2014/main" id="{DD19515C-212C-4EAE-84A3-8FF4BC844F1B}"/>
               </a:ext>
             </a:extLst>
           </p:cNvPr>
@@ -4828,7 +4828,7 @@
           <a:p>
             <a:fld id="{63289F7E-B80B-496E-81B4-D396C37C9454}" type="datetimeFigureOut">
               <a:rPr lang="pt-BR" smtClean="0"/>
-              <a:t>31/07/2021</a:t>
+              <a:t>18/08/2021</a:t>
             </a:fld>
             <a:endParaRPr lang="pt-BR"/>
           </a:p>
@@ -4839,7 +4839,7 @@
           <p:cNvPr id="3" name="Espaço Reservado para Rodapé 2">
             <a:extLst>
               <a:ext uri="{FF2B5EF4-FFF2-40B4-BE49-F238E27FC236}">
-                <a16:creationId xmlns:a16="http://schemas.microsoft.com/office/drawing/2014/main" xmlns="" id="{94D3D120-B3E8-4C96-861D-7A4F12F49B3A}"/>
+                <a16:creationId xmlns="" xmlns:a16="http://schemas.microsoft.com/office/drawing/2014/main" id="{94D3D120-B3E8-4C96-861D-7A4F12F49B3A}"/>
               </a:ext>
             </a:extLst>
           </p:cNvPr>
@@ -4864,7 +4864,7 @@
           <p:cNvPr id="4" name="Espaço Reservado para Número de Slide 3">
             <a:extLst>
               <a:ext uri="{FF2B5EF4-FFF2-40B4-BE49-F238E27FC236}">
-                <a16:creationId xmlns:a16="http://schemas.microsoft.com/office/drawing/2014/main" xmlns="" id="{42E49B68-FA1B-468B-9F17-D5C09243D454}"/>
+                <a16:creationId xmlns="" xmlns:a16="http://schemas.microsoft.com/office/drawing/2014/main" id="{42E49B68-FA1B-468B-9F17-D5C09243D454}"/>
               </a:ext>
             </a:extLst>
           </p:cNvPr>
@@ -4923,7 +4923,7 @@
           <p:cNvPr id="2" name="Título 1">
             <a:extLst>
               <a:ext uri="{FF2B5EF4-FFF2-40B4-BE49-F238E27FC236}">
-                <a16:creationId xmlns:a16="http://schemas.microsoft.com/office/drawing/2014/main" xmlns="" id="{1C17BCBE-A897-4319-85EC-D87909C24980}"/>
+                <a16:creationId xmlns="" xmlns:a16="http://schemas.microsoft.com/office/drawing/2014/main" id="{1C17BCBE-A897-4319-85EC-D87909C24980}"/>
               </a:ext>
             </a:extLst>
           </p:cNvPr>
@@ -4960,7 +4960,7 @@
           <p:cNvPr id="3" name="Espaço Reservado para Conteúdo 2">
             <a:extLst>
               <a:ext uri="{FF2B5EF4-FFF2-40B4-BE49-F238E27FC236}">
-                <a16:creationId xmlns:a16="http://schemas.microsoft.com/office/drawing/2014/main" xmlns="" id="{4226F885-0204-4913-868B-4B8B82576F17}"/>
+                <a16:creationId xmlns="" xmlns:a16="http://schemas.microsoft.com/office/drawing/2014/main" id="{4226F885-0204-4913-868B-4B8B82576F17}"/>
               </a:ext>
             </a:extLst>
           </p:cNvPr>
@@ -5050,7 +5050,7 @@
           <p:cNvPr id="4" name="Espaço Reservado para Texto 3">
             <a:extLst>
               <a:ext uri="{FF2B5EF4-FFF2-40B4-BE49-F238E27FC236}">
-                <a16:creationId xmlns:a16="http://schemas.microsoft.com/office/drawing/2014/main" xmlns="" id="{00F9F784-A858-441B-8AB5-697098141751}"/>
+                <a16:creationId xmlns="" xmlns:a16="http://schemas.microsoft.com/office/drawing/2014/main" id="{00F9F784-A858-441B-8AB5-697098141751}"/>
               </a:ext>
             </a:extLst>
           </p:cNvPr>
@@ -5121,7 +5121,7 @@
           <p:cNvPr id="5" name="Espaço Reservado para Data 4">
             <a:extLst>
               <a:ext uri="{FF2B5EF4-FFF2-40B4-BE49-F238E27FC236}">
-                <a16:creationId xmlns:a16="http://schemas.microsoft.com/office/drawing/2014/main" xmlns="" id="{A4DC363A-5000-472E-8B17-02E7DCB8840A}"/>
+                <a16:creationId xmlns="" xmlns:a16="http://schemas.microsoft.com/office/drawing/2014/main" id="{A4DC363A-5000-472E-8B17-02E7DCB8840A}"/>
               </a:ext>
             </a:extLst>
           </p:cNvPr>
@@ -5139,7 +5139,7 @@
           <a:p>
             <a:fld id="{63289F7E-B80B-496E-81B4-D396C37C9454}" type="datetimeFigureOut">
               <a:rPr lang="pt-BR" smtClean="0"/>
-              <a:t>31/07/2021</a:t>
+              <a:t>18/08/2021</a:t>
             </a:fld>
             <a:endParaRPr lang="pt-BR"/>
           </a:p>
@@ -5150,7 +5150,7 @@
           <p:cNvPr id="6" name="Espaço Reservado para Rodapé 5">
             <a:extLst>
               <a:ext uri="{FF2B5EF4-FFF2-40B4-BE49-F238E27FC236}">
-                <a16:creationId xmlns:a16="http://schemas.microsoft.com/office/drawing/2014/main" xmlns="" id="{5548425D-2C21-4C56-BAD4-662978775C28}"/>
+                <a16:creationId xmlns="" xmlns:a16="http://schemas.microsoft.com/office/drawing/2014/main" id="{5548425D-2C21-4C56-BAD4-662978775C28}"/>
               </a:ext>
             </a:extLst>
           </p:cNvPr>
@@ -5175,7 +5175,7 @@
           <p:cNvPr id="7" name="Espaço Reservado para Número de Slide 6">
             <a:extLst>
               <a:ext uri="{FF2B5EF4-FFF2-40B4-BE49-F238E27FC236}">
-                <a16:creationId xmlns:a16="http://schemas.microsoft.com/office/drawing/2014/main" xmlns="" id="{C63E9726-E64C-42B2-AE8A-8C235A956B48}"/>
+                <a16:creationId xmlns="" xmlns:a16="http://schemas.microsoft.com/office/drawing/2014/main" id="{C63E9726-E64C-42B2-AE8A-8C235A956B48}"/>
               </a:ext>
             </a:extLst>
           </p:cNvPr>
@@ -5234,7 +5234,7 @@
           <p:cNvPr id="2" name="Título 1">
             <a:extLst>
               <a:ext uri="{FF2B5EF4-FFF2-40B4-BE49-F238E27FC236}">
-                <a16:creationId xmlns:a16="http://schemas.microsoft.com/office/drawing/2014/main" xmlns="" id="{11086A78-3E74-450C-96A6-CA8AC37AF772}"/>
+                <a16:creationId xmlns="" xmlns:a16="http://schemas.microsoft.com/office/drawing/2014/main" id="{11086A78-3E74-450C-96A6-CA8AC37AF772}"/>
               </a:ext>
             </a:extLst>
           </p:cNvPr>
@@ -5271,7 +5271,7 @@
           <p:cNvPr id="3" name="Espaço Reservado para Imagem 2">
             <a:extLst>
               <a:ext uri="{FF2B5EF4-FFF2-40B4-BE49-F238E27FC236}">
-                <a16:creationId xmlns:a16="http://schemas.microsoft.com/office/drawing/2014/main" xmlns="" id="{5F5B7312-975A-4DBC-9B2F-3652ADA006FD}"/>
+                <a16:creationId xmlns="" xmlns:a16="http://schemas.microsoft.com/office/drawing/2014/main" id="{5F5B7312-975A-4DBC-9B2F-3652ADA006FD}"/>
               </a:ext>
             </a:extLst>
           </p:cNvPr>
@@ -5338,7 +5338,7 @@
           <p:cNvPr id="4" name="Espaço Reservado para Texto 3">
             <a:extLst>
               <a:ext uri="{FF2B5EF4-FFF2-40B4-BE49-F238E27FC236}">
-                <a16:creationId xmlns:a16="http://schemas.microsoft.com/office/drawing/2014/main" xmlns="" id="{AAF805F5-1DFF-41C6-944C-7D79FE0D0963}"/>
+                <a16:creationId xmlns="" xmlns:a16="http://schemas.microsoft.com/office/drawing/2014/main" id="{AAF805F5-1DFF-41C6-944C-7D79FE0D0963}"/>
               </a:ext>
             </a:extLst>
           </p:cNvPr>
@@ -5409,7 +5409,7 @@
           <p:cNvPr id="5" name="Espaço Reservado para Data 4">
             <a:extLst>
               <a:ext uri="{FF2B5EF4-FFF2-40B4-BE49-F238E27FC236}">
-                <a16:creationId xmlns:a16="http://schemas.microsoft.com/office/drawing/2014/main" xmlns="" id="{02113D81-8665-4516-BD81-C6A1F254EECD}"/>
+                <a16:creationId xmlns="" xmlns:a16="http://schemas.microsoft.com/office/drawing/2014/main" id="{02113D81-8665-4516-BD81-C6A1F254EECD}"/>
               </a:ext>
             </a:extLst>
           </p:cNvPr>
@@ -5427,7 +5427,7 @@
           <a:p>
             <a:fld id="{63289F7E-B80B-496E-81B4-D396C37C9454}" type="datetimeFigureOut">
               <a:rPr lang="pt-BR" smtClean="0"/>
-              <a:t>31/07/2021</a:t>
+              <a:t>18/08/2021</a:t>
             </a:fld>
             <a:endParaRPr lang="pt-BR"/>
           </a:p>
@@ -5438,7 +5438,7 @@
           <p:cNvPr id="6" name="Espaço Reservado para Rodapé 5">
             <a:extLst>
               <a:ext uri="{FF2B5EF4-FFF2-40B4-BE49-F238E27FC236}">
-                <a16:creationId xmlns:a16="http://schemas.microsoft.com/office/drawing/2014/main" xmlns="" id="{2B00C88B-FF32-40AA-A187-727D96FD7862}"/>
+                <a16:creationId xmlns="" xmlns:a16="http://schemas.microsoft.com/office/drawing/2014/main" id="{2B00C88B-FF32-40AA-A187-727D96FD7862}"/>
               </a:ext>
             </a:extLst>
           </p:cNvPr>
@@ -5463,7 +5463,7 @@
           <p:cNvPr id="7" name="Espaço Reservado para Número de Slide 6">
             <a:extLst>
               <a:ext uri="{FF2B5EF4-FFF2-40B4-BE49-F238E27FC236}">
-                <a16:creationId xmlns:a16="http://schemas.microsoft.com/office/drawing/2014/main" xmlns="" id="{A04D1A2D-69F7-4B8F-A730-BC26DC340BA6}"/>
+                <a16:creationId xmlns="" xmlns:a16="http://schemas.microsoft.com/office/drawing/2014/main" id="{A04D1A2D-69F7-4B8F-A730-BC26DC340BA6}"/>
               </a:ext>
             </a:extLst>
           </p:cNvPr>
@@ -5527,7 +5527,7 @@
           <p:cNvPr id="2" name="Espaço Reservado para Título 1">
             <a:extLst>
               <a:ext uri="{FF2B5EF4-FFF2-40B4-BE49-F238E27FC236}">
-                <a16:creationId xmlns:a16="http://schemas.microsoft.com/office/drawing/2014/main" xmlns="" id="{E69A0273-1966-4A1B-9370-4C1CE5036371}"/>
+                <a16:creationId xmlns="" xmlns:a16="http://schemas.microsoft.com/office/drawing/2014/main" id="{E69A0273-1966-4A1B-9370-4C1CE5036371}"/>
               </a:ext>
             </a:extLst>
           </p:cNvPr>
@@ -5565,7 +5565,7 @@
           <p:cNvPr id="3" name="Espaço Reservado para Texto 2">
             <a:extLst>
               <a:ext uri="{FF2B5EF4-FFF2-40B4-BE49-F238E27FC236}">
-                <a16:creationId xmlns:a16="http://schemas.microsoft.com/office/drawing/2014/main" xmlns="" id="{3B9CF87A-0448-49A7-AB25-EBC1D56A40EF}"/>
+                <a16:creationId xmlns="" xmlns:a16="http://schemas.microsoft.com/office/drawing/2014/main" id="{3B9CF87A-0448-49A7-AB25-EBC1D56A40EF}"/>
               </a:ext>
             </a:extLst>
           </p:cNvPr>
@@ -5632,7 +5632,7 @@
           <p:cNvPr id="4" name="Espaço Reservado para Data 3">
             <a:extLst>
               <a:ext uri="{FF2B5EF4-FFF2-40B4-BE49-F238E27FC236}">
-                <a16:creationId xmlns:a16="http://schemas.microsoft.com/office/drawing/2014/main" xmlns="" id="{2EF7B1F2-BB5A-44D0-816D-16AD2C71430E}"/>
+                <a16:creationId xmlns="" xmlns:a16="http://schemas.microsoft.com/office/drawing/2014/main" id="{2EF7B1F2-BB5A-44D0-816D-16AD2C71430E}"/>
               </a:ext>
             </a:extLst>
           </p:cNvPr>
@@ -5668,7 +5668,7 @@
           <a:p>
             <a:fld id="{63289F7E-B80B-496E-81B4-D396C37C9454}" type="datetimeFigureOut">
               <a:rPr lang="pt-BR" smtClean="0"/>
-              <a:t>31/07/2021</a:t>
+              <a:t>18/08/2021</a:t>
             </a:fld>
             <a:endParaRPr lang="pt-BR"/>
           </a:p>
@@ -5679,7 +5679,7 @@
           <p:cNvPr id="5" name="Espaço Reservado para Rodapé 4">
             <a:extLst>
               <a:ext uri="{FF2B5EF4-FFF2-40B4-BE49-F238E27FC236}">
-                <a16:creationId xmlns:a16="http://schemas.microsoft.com/office/drawing/2014/main" xmlns="" id="{C703F94C-2CC8-4DAA-BC35-14FC3E841DCD}"/>
+                <a16:creationId xmlns="" xmlns:a16="http://schemas.microsoft.com/office/drawing/2014/main" id="{C703F94C-2CC8-4DAA-BC35-14FC3E841DCD}"/>
               </a:ext>
             </a:extLst>
           </p:cNvPr>
@@ -5722,7 +5722,7 @@
           <p:cNvPr id="6" name="Espaço Reservado para Número de Slide 5">
             <a:extLst>
               <a:ext uri="{FF2B5EF4-FFF2-40B4-BE49-F238E27FC236}">
-                <a16:creationId xmlns:a16="http://schemas.microsoft.com/office/drawing/2014/main" xmlns="" id="{64051336-7048-457A-8B61-D94291D71648}"/>
+                <a16:creationId xmlns="" xmlns:a16="http://schemas.microsoft.com/office/drawing/2014/main" id="{64051336-7048-457A-8B61-D94291D71648}"/>
               </a:ext>
             </a:extLst>
           </p:cNvPr>
@@ -6090,7 +6090,7 @@
           <p:cNvPr id="2" name="Título 1">
             <a:extLst>
               <a:ext uri="{FF2B5EF4-FFF2-40B4-BE49-F238E27FC236}">
-                <a16:creationId xmlns:a16="http://schemas.microsoft.com/office/drawing/2014/main" xmlns="" id="{32666AC8-2E17-4DB4-B0F5-60C640CCFD2E}"/>
+                <a16:creationId xmlns="" xmlns:a16="http://schemas.microsoft.com/office/drawing/2014/main" id="{32666AC8-2E17-4DB4-B0F5-60C640CCFD2E}"/>
               </a:ext>
             </a:extLst>
           </p:cNvPr>
@@ -6137,7 +6137,7 @@
           <p:cNvPr id="4" name="CaixaDeTexto 3">
             <a:extLst>
               <a:ext uri="{FF2B5EF4-FFF2-40B4-BE49-F238E27FC236}">
-                <a16:creationId xmlns:a16="http://schemas.microsoft.com/office/drawing/2014/main" xmlns="" id="{430EB894-B7D4-434C-9D1A-A14094D9BEEC}"/>
+                <a16:creationId xmlns="" xmlns:a16="http://schemas.microsoft.com/office/drawing/2014/main" id="{430EB894-B7D4-434C-9D1A-A14094D9BEEC}"/>
               </a:ext>
             </a:extLst>
           </p:cNvPr>
@@ -6178,7 +6178,7 @@
           <p:cNvPr id="1026" name="Picture 2" descr="Logo">
             <a:extLst>
               <a:ext uri="{FF2B5EF4-FFF2-40B4-BE49-F238E27FC236}">
-                <a16:creationId xmlns:a16="http://schemas.microsoft.com/office/drawing/2014/main" xmlns="" id="{3F2642E0-4F6A-4196-8F58-E77D36E9A33F}"/>
+                <a16:creationId xmlns="" xmlns:a16="http://schemas.microsoft.com/office/drawing/2014/main" id="{3F2642E0-4F6A-4196-8F58-E77D36E9A33F}"/>
               </a:ext>
             </a:extLst>
           </p:cNvPr>
@@ -6223,7 +6223,7 @@
           <p:cNvPr id="5122" name="Picture 2" descr="Image result for machine learning">
             <a:extLst>
               <a:ext uri="{FF2B5EF4-FFF2-40B4-BE49-F238E27FC236}">
-                <a16:creationId xmlns:a16="http://schemas.microsoft.com/office/drawing/2014/main" xmlns="" id="{810CE0A2-4102-44A6-A370-175E7896CDCB}"/>
+                <a16:creationId xmlns="" xmlns:a16="http://schemas.microsoft.com/office/drawing/2014/main" id="{810CE0A2-4102-44A6-A370-175E7896CDCB}"/>
               </a:ext>
             </a:extLst>
           </p:cNvPr>
@@ -17571,7 +17571,7 @@
           <p:cNvPr id="4" name="Título 1">
             <a:extLst>
               <a:ext uri="{FF2B5EF4-FFF2-40B4-BE49-F238E27FC236}">
-                <a16:creationId xmlns:a16="http://schemas.microsoft.com/office/drawing/2014/main" xmlns="" id="{32666AC8-2E17-4DB4-B0F5-60C640CCFD2E}"/>
+                <a16:creationId xmlns="" xmlns:a16="http://schemas.microsoft.com/office/drawing/2014/main" id="{32666AC8-2E17-4DB4-B0F5-60C640CCFD2E}"/>
               </a:ext>
             </a:extLst>
           </p:cNvPr>
@@ -18574,15 +18574,7 @@
             </a:r>
             <a:r>
               <a:rPr lang="pt-BR" dirty="0" smtClean="0"/>
-              <a:t>, com a qual é possível se encontrar </a:t>
-            </a:r>
-            <a:r>
-              <a:rPr lang="pt-BR" dirty="0" smtClean="0"/>
-              <a:t>uma solução eficiente com </a:t>
-            </a:r>
-            <a:r>
-              <a:rPr lang="pt-BR" dirty="0" smtClean="0"/>
-              <a:t>o </a:t>
+              <a:t>, com a qual é possível se encontrar uma solução eficiente com o </a:t>
             </a:r>
             <a:r>
               <a:rPr lang="pt-BR" b="1" i="1" dirty="0" smtClean="0"/>
@@ -20796,8 +20788,8 @@
           </a:p>
         </p:txBody>
       </p:sp>
-      <mc:AlternateContent xmlns:mc="http://schemas.openxmlformats.org/markup-compatibility/2006" xmlns:a14="http://schemas.microsoft.com/office/drawing/2010/main">
-        <mc:Choice Requires="a14">
+      <mc:AlternateContent xmlns:mc="http://schemas.openxmlformats.org/markup-compatibility/2006">
+        <mc:Choice xmlns:a14="http://schemas.microsoft.com/office/drawing/2010/main" Requires="a14">
           <p:sp>
             <p:nvSpPr>
               <p:cNvPr id="3" name="Content Placeholder 2"/>
@@ -21388,7 +21380,19 @@
               <a:p>
                 <a:r>
                   <a:rPr lang="pt-BR" dirty="0" smtClean="0"/>
-                  <a:t>Além disto, toda a teroria por trás da </a:t>
+                  <a:t>Além disto, toda </a:t>
+                </a:r>
+                <a:r>
+                  <a:rPr lang="pt-BR" smtClean="0"/>
+                  <a:t>a </a:t>
+                </a:r>
+                <a:r>
+                  <a:rPr lang="pt-BR" smtClean="0"/>
+                  <a:t>teoria </a:t>
+                </a:r>
+                <a:r>
+                  <a:rPr lang="pt-BR" dirty="0" smtClean="0"/>
+                  <a:t>por trás da </a:t>
                 </a:r>
                 <a:r>
                   <a:rPr lang="pt-BR" b="1" i="1" dirty="0" smtClean="0"/>
@@ -21411,7 +21415,7 @@
             </p:txBody>
           </p:sp>
         </mc:Choice>
-        <mc:Fallback xmlns="">
+        <mc:Fallback>
           <p:sp>
             <p:nvSpPr>
               <p:cNvPr id="3" name="Content Placeholder 2"/>
@@ -21428,7 +21432,7 @@
                 <a:ext cx="8280082" cy="5032376"/>
               </a:xfrm>
               <a:blipFill rotWithShape="0">
-                <a:blip r:embed="rId9"/>
+                <a:blip r:embed="rId2"/>
                 <a:stretch>
                   <a:fillRect l="-1031" t="-2785"/>
                 </a:stretch>
@@ -21458,7 +21462,7 @@
           <p:nvPr/>
         </p:nvPicPr>
         <p:blipFill rotWithShape="1">
-          <a:blip r:embed="rId10"/>
+          <a:blip r:embed="rId3"/>
           <a:srcRect l="2379" t="6664" r="8832"/>
           <a:stretch/>
         </p:blipFill>

--- a/slides/T320_Classificação (Parte III).pptx
+++ b/slides/T320_Classificação (Parte III).pptx
@@ -289,7 +289,7 @@
           <a:p>
             <a:fld id="{144F1436-6906-4D93-B7A2-786C327BFA14}" type="datetimeFigureOut">
               <a:rPr lang="nl-BE" smtClean="0"/>
-              <a:t>18/08/2021</a:t>
+              <a:t>20/08/2021</a:t>
             </a:fld>
             <a:endParaRPr lang="nl-BE"/>
           </a:p>
@@ -454,7 +454,7 @@
           <a:p>
             <a:fld id="{AA8CD09E-2914-4F47-B6C1-51B2C31814C9}" type="datetimeFigureOut">
               <a:rPr lang="pt-BR" smtClean="0"/>
-              <a:t>18/08/2021</a:t>
+              <a:t>20/08/2021</a:t>
             </a:fld>
             <a:endParaRPr lang="pt-BR"/>
           </a:p>
@@ -796,6 +796,111 @@
     <p:extLst>
       <p:ext uri="{BB962C8B-B14F-4D97-AF65-F5344CB8AC3E}">
         <p14:creationId xmlns:p14="http://schemas.microsoft.com/office/powerpoint/2010/main" val="1660747467"/>
+      </p:ext>
+    </p:extLst>
+  </p:cSld>
+  <p:clrMapOvr>
+    <a:masterClrMapping/>
+  </p:clrMapOvr>
+</p:notes>
+</file>
+
+<file path=ppt/notesSlides/notesSlide10.xml><?xml version="1.0" encoding="utf-8"?>
+<p:notes xmlns:a="http://schemas.openxmlformats.org/drawingml/2006/main" xmlns:r="http://schemas.openxmlformats.org/officeDocument/2006/relationships" xmlns:p="http://schemas.openxmlformats.org/presentationml/2006/main">
+  <p:cSld>
+    <p:spTree>
+      <p:nvGrpSpPr>
+        <p:cNvPr id="1" name=""/>
+        <p:cNvGrpSpPr/>
+        <p:nvPr/>
+      </p:nvGrpSpPr>
+      <p:grpSpPr>
+        <a:xfrm>
+          <a:off x="0" y="0"/>
+          <a:ext cx="0" cy="0"/>
+          <a:chOff x="0" y="0"/>
+          <a:chExt cx="0" cy="0"/>
+        </a:xfrm>
+      </p:grpSpPr>
+      <p:sp>
+        <p:nvSpPr>
+          <p:cNvPr id="2" name="Slide Image Placeholder 1"/>
+          <p:cNvSpPr>
+            <a:spLocks noGrp="1" noRot="1" noChangeAspect="1"/>
+          </p:cNvSpPr>
+          <p:nvPr>
+            <p:ph type="sldImg"/>
+          </p:nvPr>
+        </p:nvSpPr>
+        <p:spPr/>
+      </p:sp>
+      <p:sp>
+        <p:nvSpPr>
+          <p:cNvPr id="3" name="Notes Placeholder 2"/>
+          <p:cNvSpPr>
+            <a:spLocks noGrp="1"/>
+          </p:cNvSpPr>
+          <p:nvPr>
+            <p:ph type="body" idx="1"/>
+          </p:nvPr>
+        </p:nvSpPr>
+        <p:spPr/>
+        <p:txBody>
+          <a:bodyPr/>
+          <a:lstStyle/>
+          <a:p>
+            <a:r>
+              <a:rPr lang="pt-BR" b="1" dirty="0" smtClean="0"/>
+              <a:t>Exemplo</a:t>
+            </a:r>
+            <a:r>
+              <a:rPr lang="pt-BR" dirty="0" smtClean="0"/>
+              <a:t>: SPAMClassificationLogisticRegressionSciKit.ipynb</a:t>
+            </a:r>
+          </a:p>
+          <a:p>
+            <a:endParaRPr lang="pt-BR" dirty="0" smtClean="0"/>
+          </a:p>
+          <a:p>
+            <a:r>
+              <a:rPr lang="pt-BR" b="1" i="0" dirty="0" smtClean="0"/>
+              <a:t>OBS</a:t>
+            </a:r>
+            <a:r>
+              <a:rPr lang="pt-BR" dirty="0" smtClean="0"/>
+              <a:t>.: Assim como os outros modelos lineares, os modelos de Regressão Logística podem ser regularizados usando penalidades de L1 ou L2. O Scitkit-Learn adiciona uma penalidade L2 por padrão.</a:t>
+            </a:r>
+            <a:endParaRPr lang="pt-BR" dirty="0"/>
+          </a:p>
+        </p:txBody>
+      </p:sp>
+      <p:sp>
+        <p:nvSpPr>
+          <p:cNvPr id="4" name="Slide Number Placeholder 3"/>
+          <p:cNvSpPr>
+            <a:spLocks noGrp="1"/>
+          </p:cNvSpPr>
+          <p:nvPr>
+            <p:ph type="sldNum" sz="quarter" idx="10"/>
+          </p:nvPr>
+        </p:nvSpPr>
+        <p:spPr/>
+        <p:txBody>
+          <a:bodyPr/>
+          <a:lstStyle/>
+          <a:p>
+            <a:fld id="{F430A2A4-8C14-4B1A-AD48-7B6401078BF7}" type="slidenum">
+              <a:rPr lang="pt-BR" smtClean="0"/>
+              <a:t>15</a:t>
+            </a:fld>
+            <a:endParaRPr lang="pt-BR"/>
+          </a:p>
+        </p:txBody>
+      </p:sp>
+    </p:spTree>
+    <p:extLst>
+      <p:ext uri="{BB962C8B-B14F-4D97-AF65-F5344CB8AC3E}">
+        <p14:creationId xmlns:p14="http://schemas.microsoft.com/office/powerpoint/2010/main" val="2493630339"/>
       </p:ext>
     </p:extLst>
   </p:cSld>
@@ -1174,430 +1279,109 @@
         </p:nvSpPr>
         <p:spPr/>
       </p:sp>
-      <mc:AlternateContent xmlns:mc="http://schemas.openxmlformats.org/markup-compatibility/2006" xmlns:a14="http://schemas.microsoft.com/office/drawing/2010/main">
-        <mc:Choice Requires="a14">
-          <p:sp>
-            <p:nvSpPr>
-              <p:cNvPr id="3" name="Notes Placeholder 2"/>
-              <p:cNvSpPr>
-                <a:spLocks noGrp="1"/>
-              </p:cNvSpPr>
-              <p:nvPr>
-                <p:ph type="body" idx="1"/>
-              </p:nvPr>
-            </p:nvSpPr>
-            <p:spPr/>
-            <p:txBody>
-              <a:bodyPr/>
-              <a:lstStyle/>
-              <a:p>
-                <a:pPr marL="0" marR="0" indent="0" algn="l" defTabSz="914400" rtl="0" eaLnBrk="1" fontAlgn="auto" latinLnBrk="0" hangingPunct="1">
-                  <a:lnSpc>
-                    <a:spcPct val="100000"/>
-                  </a:lnSpc>
-                  <a:spcBef>
-                    <a:spcPts val="0"/>
-                  </a:spcBef>
-                  <a:spcAft>
-                    <a:spcPts val="0"/>
-                  </a:spcAft>
-                  <a:buClrTx/>
-                  <a:buSzTx/>
-                  <a:buFontTx/>
-                  <a:buNone/>
-                  <a:tabLst/>
-                  <a:defRPr/>
-                </a:pPr>
-                <a:r>
-                  <a:rPr lang="pt-BR" dirty="0" smtClean="0"/>
-                  <a:t>O objetivo do treinamento é definir o vetor de pesos </a:t>
-                </a:r>
-                <a14:m>
-                  <m:oMath xmlns:m="http://schemas.openxmlformats.org/officeDocument/2006/math">
-                    <m:r>
-                      <a:rPr lang="pt-BR" b="1" i="1" smtClean="0">
-                        <a:latin typeface="Cambria Math" panose="02040503050406030204" pitchFamily="18" charset="0"/>
-                      </a:rPr>
-                      <m:t>𝒂</m:t>
-                    </m:r>
-                  </m:oMath>
-                </a14:m>
-                <a:r>
-                  <a:rPr lang="pt-BR" dirty="0" smtClean="0"/>
-                  <a:t> </a:t>
-                </a:r>
-                <a:r>
-                  <a:rPr lang="pt-BR" dirty="0"/>
-                  <a:t>para que o modelo </a:t>
-                </a:r>
-                <a:r>
-                  <a:rPr lang="pt-BR" dirty="0" smtClean="0"/>
-                  <a:t>atribua valores altos de probabilidade </a:t>
-                </a:r>
-                <a:r>
-                  <a:rPr lang="pt-BR" dirty="0"/>
-                  <a:t>para exemplos </a:t>
-                </a:r>
-                <a:r>
-                  <a:rPr lang="pt-BR" dirty="0" smtClean="0"/>
-                  <a:t>positivos (i.e., </a:t>
-                </a:r>
-                <a14:m>
-                  <m:oMath xmlns:m="http://schemas.openxmlformats.org/officeDocument/2006/math">
-                    <m:r>
-                      <a:rPr lang="pt-BR" b="0" i="1" smtClean="0">
-                        <a:latin typeface="Cambria Math" panose="02040503050406030204" pitchFamily="18" charset="0"/>
-                      </a:rPr>
-                      <m:t>𝑦</m:t>
-                    </m:r>
-                    <m:r>
-                      <a:rPr lang="pt-BR" b="0" i="1" smtClean="0">
-                        <a:latin typeface="Cambria Math" panose="02040503050406030204" pitchFamily="18" charset="0"/>
-                        <a:ea typeface="Cambria Math" panose="02040503050406030204" pitchFamily="18" charset="0"/>
-                      </a:rPr>
-                      <m:t>≥0.5</m:t>
-                    </m:r>
-                  </m:oMath>
-                </a14:m>
-                <a:r>
-                  <a:rPr lang="pt-BR" dirty="0" smtClean="0"/>
-                  <a:t>) </a:t>
-                </a:r>
-                <a:r>
-                  <a:rPr lang="pt-BR" dirty="0"/>
-                  <a:t>e </a:t>
-                </a:r>
-                <a:r>
-                  <a:rPr lang="pt-BR" dirty="0" smtClean="0"/>
-                  <a:t>valores baixos de probabilidade </a:t>
-                </a:r>
-                <a:r>
-                  <a:rPr lang="pt-BR" dirty="0"/>
-                  <a:t>para </a:t>
-                </a:r>
-                <a:r>
-                  <a:rPr lang="pt-BR" dirty="0" smtClean="0"/>
-                  <a:t>exemplos negativos </a:t>
-                </a:r>
-                <a:r>
-                  <a:rPr lang="pt-BR" dirty="0"/>
-                  <a:t>(</a:t>
-                </a:r>
-                <a:r>
-                  <a:rPr lang="pt-BR" dirty="0" smtClean="0"/>
-                  <a:t>i.e., </a:t>
-                </a:r>
-                <a14:m>
-                  <m:oMath xmlns:m="http://schemas.openxmlformats.org/officeDocument/2006/math">
-                    <m:r>
-                      <a:rPr lang="pt-BR" i="1">
-                        <a:latin typeface="Cambria Math" panose="02040503050406030204" pitchFamily="18" charset="0"/>
-                      </a:rPr>
-                      <m:t>𝑦</m:t>
-                    </m:r>
-                    <m:r>
-                      <a:rPr lang="pt-BR" b="0" i="1" smtClean="0">
-                        <a:latin typeface="Cambria Math" panose="02040503050406030204" pitchFamily="18" charset="0"/>
-                      </a:rPr>
-                      <m:t>&lt;</m:t>
-                    </m:r>
-                    <m:r>
-                      <a:rPr lang="pt-BR" i="1">
-                        <a:latin typeface="Cambria Math" panose="02040503050406030204" pitchFamily="18" charset="0"/>
-                        <a:ea typeface="Cambria Math" panose="02040503050406030204" pitchFamily="18" charset="0"/>
-                      </a:rPr>
-                      <m:t>0.5</m:t>
-                    </m:r>
-                  </m:oMath>
-                </a14:m>
-                <a:r>
-                  <a:rPr lang="pt-BR" dirty="0" smtClean="0"/>
-                  <a:t>).</a:t>
-                </a:r>
-              </a:p>
-              <a:p>
-                <a:endParaRPr lang="pt-BR" dirty="0" smtClean="0"/>
-              </a:p>
-              <a:p>
-                <a:r>
-                  <a:rPr lang="pt-BR" dirty="0" smtClean="0"/>
-                  <a:t>Essa</a:t>
-                </a:r>
-                <a:r>
-                  <a:rPr lang="pt-BR" baseline="0" dirty="0" smtClean="0"/>
-                  <a:t> função de</a:t>
-                </a:r>
-                <a:r>
-                  <a:rPr lang="pt-BR" dirty="0" smtClean="0"/>
-                  <a:t> erro</a:t>
-                </a:r>
-                <a:r>
-                  <a:rPr lang="pt-BR" baseline="0" dirty="0" smtClean="0"/>
-                  <a:t> </a:t>
-                </a:r>
-                <a:r>
-                  <a:rPr lang="pt-BR" dirty="0" smtClean="0"/>
-                  <a:t>faz sentido porque -log(z) se torna muito grande quando z</a:t>
-                </a:r>
-                <a:r>
-                  <a:rPr lang="pt-BR" baseline="0" dirty="0" smtClean="0"/>
-                  <a:t> </a:t>
-                </a:r>
-                <a:r>
-                  <a:rPr lang="pt-BR" dirty="0" smtClean="0"/>
-                  <a:t>se aproxima de 0, então o erro será grande se o modelo estimar uma probabilidade próxima a 0 para um</a:t>
-                </a:r>
-                <a:r>
-                  <a:rPr lang="pt-BR" baseline="0" dirty="0" smtClean="0"/>
-                  <a:t> exemplo </a:t>
-                </a:r>
-                <a:r>
-                  <a:rPr lang="pt-BR" dirty="0" smtClean="0"/>
-                  <a:t>positivo e também será muito grande se o modelo estimar uma probabilidade próxima a 1 para um</a:t>
-                </a:r>
-                <a:r>
-                  <a:rPr lang="pt-BR" baseline="0" dirty="0" smtClean="0"/>
-                  <a:t> exemplo </a:t>
-                </a:r>
-                <a:r>
-                  <a:rPr lang="pt-BR" dirty="0" smtClean="0"/>
-                  <a:t>negativo. Por outro lado, -log(z) se</a:t>
-                </a:r>
-                <a:r>
-                  <a:rPr lang="pt-BR" baseline="0" dirty="0" smtClean="0"/>
-                  <a:t> torna</a:t>
-                </a:r>
-                <a:r>
-                  <a:rPr lang="pt-BR" dirty="0" smtClean="0"/>
-                  <a:t> próximo de 0 quando z se aproxima de 1, portanto, o erro será próximo de 0 se a probabilidade estimada for próxima de 0 para um</a:t>
-                </a:r>
-                <a:r>
-                  <a:rPr lang="pt-BR" baseline="0" dirty="0" smtClean="0"/>
-                  <a:t> exemplo </a:t>
-                </a:r>
-                <a:r>
-                  <a:rPr lang="pt-BR" dirty="0" smtClean="0"/>
-                  <a:t>negativo ou próxima de 1 para um</a:t>
-                </a:r>
-                <a:r>
-                  <a:rPr lang="pt-BR" baseline="0" dirty="0" smtClean="0"/>
-                  <a:t> exemplo </a:t>
-                </a:r>
-                <a:r>
-                  <a:rPr lang="pt-BR" dirty="0" smtClean="0"/>
-                  <a:t>positivo, que é exatamente o que queremos.</a:t>
-                </a:r>
-                <a:endParaRPr lang="pt-BR" dirty="0"/>
-              </a:p>
-            </p:txBody>
-          </p:sp>
-        </mc:Choice>
-        <mc:Fallback xmlns="">
-          <p:sp>
-            <p:nvSpPr>
-              <p:cNvPr id="3" name="Notes Placeholder 2"/>
-              <p:cNvSpPr>
-                <a:spLocks noGrp="1"/>
-              </p:cNvSpPr>
-              <p:nvPr>
-                <p:ph type="body" idx="1"/>
-              </p:nvPr>
-            </p:nvSpPr>
-            <p:spPr/>
-            <p:txBody>
-              <a:bodyPr/>
-              <a:lstStyle/>
-              <a:p>
-                <a:pPr marL="0" marR="0" indent="0" algn="l" defTabSz="914400" rtl="0" eaLnBrk="1" fontAlgn="auto" latinLnBrk="0" hangingPunct="1">
-                  <a:lnSpc>
-                    <a:spcPct val="100000"/>
-                  </a:lnSpc>
-                  <a:spcBef>
-                    <a:spcPts val="0"/>
-                  </a:spcBef>
-                  <a:spcAft>
-                    <a:spcPts val="0"/>
-                  </a:spcAft>
-                  <a:buClrTx/>
-                  <a:buSzTx/>
-                  <a:buFontTx/>
-                  <a:buNone/>
-                  <a:tabLst/>
-                  <a:defRPr/>
-                </a:pPr>
-                <a:r>
-                  <a:rPr lang="pt-BR" dirty="0" smtClean="0"/>
-                  <a:t>O objetivo do treinamento é definir o vetor de pesos </a:t>
-                </a:r>
-                <a:r>
-                  <a:rPr lang="pt-BR" b="1" i="0" smtClean="0">
-                    <a:latin typeface="Cambria Math" panose="02040503050406030204" pitchFamily="18" charset="0"/>
-                  </a:rPr>
-                  <a:t>𝒂</a:t>
-                </a:r>
-                <a:r>
-                  <a:rPr lang="pt-BR" dirty="0" smtClean="0"/>
-                  <a:t> </a:t>
-                </a:r>
-                <a:r>
-                  <a:rPr lang="pt-BR" dirty="0"/>
-                  <a:t>para que o modelo </a:t>
-                </a:r>
-                <a:r>
-                  <a:rPr lang="pt-BR" dirty="0" smtClean="0"/>
-                  <a:t>atribua valores altos de probabilidade </a:t>
-                </a:r>
-                <a:r>
-                  <a:rPr lang="pt-BR" dirty="0"/>
-                  <a:t>para exemplos </a:t>
-                </a:r>
-                <a:r>
-                  <a:rPr lang="pt-BR" dirty="0" smtClean="0"/>
-                  <a:t>positivos (i.e., </a:t>
-                </a:r>
-                <a:r>
-                  <a:rPr lang="pt-BR" b="0" i="0" smtClean="0">
-                    <a:latin typeface="Cambria Math" panose="02040503050406030204" pitchFamily="18" charset="0"/>
-                  </a:rPr>
-                  <a:t>𝑦</a:t>
-                </a:r>
-                <a:r>
-                  <a:rPr lang="pt-BR" b="0" i="0" smtClean="0">
-                    <a:latin typeface="Cambria Math" panose="02040503050406030204" pitchFamily="18" charset="0"/>
-                    <a:ea typeface="Cambria Math" panose="02040503050406030204" pitchFamily="18" charset="0"/>
-                  </a:rPr>
-                  <a:t>≥0.5</a:t>
-                </a:r>
-                <a:r>
-                  <a:rPr lang="pt-BR" dirty="0" smtClean="0"/>
-                  <a:t>) </a:t>
-                </a:r>
-                <a:r>
-                  <a:rPr lang="pt-BR" dirty="0"/>
-                  <a:t>e </a:t>
-                </a:r>
-                <a:r>
-                  <a:rPr lang="pt-BR" dirty="0" smtClean="0"/>
-                  <a:t>valores baixos de probabilidade </a:t>
-                </a:r>
-                <a:r>
-                  <a:rPr lang="pt-BR" dirty="0"/>
-                  <a:t>para </a:t>
-                </a:r>
-                <a:r>
-                  <a:rPr lang="pt-BR" dirty="0" smtClean="0"/>
-                  <a:t>exemplos negativos </a:t>
-                </a:r>
-                <a:r>
-                  <a:rPr lang="pt-BR" dirty="0"/>
-                  <a:t>(</a:t>
-                </a:r>
-                <a:r>
-                  <a:rPr lang="pt-BR" dirty="0" smtClean="0"/>
-                  <a:t>i.e., </a:t>
-                </a:r>
-                <a:r>
-                  <a:rPr lang="pt-BR" i="0">
-                    <a:latin typeface="Cambria Math" panose="02040503050406030204" pitchFamily="18" charset="0"/>
-                  </a:rPr>
-                  <a:t>𝑦</a:t>
-                </a:r>
-                <a:r>
-                  <a:rPr lang="pt-BR" b="0" i="0" smtClean="0">
-                    <a:latin typeface="Cambria Math" panose="02040503050406030204" pitchFamily="18" charset="0"/>
-                  </a:rPr>
-                  <a:t>&lt;</a:t>
-                </a:r>
-                <a:r>
-                  <a:rPr lang="pt-BR" i="0">
-                    <a:latin typeface="Cambria Math" panose="02040503050406030204" pitchFamily="18" charset="0"/>
-                    <a:ea typeface="Cambria Math" panose="02040503050406030204" pitchFamily="18" charset="0"/>
-                  </a:rPr>
-                  <a:t>0.5</a:t>
-                </a:r>
-                <a:r>
-                  <a:rPr lang="pt-BR" dirty="0" smtClean="0"/>
-                  <a:t>).</a:t>
-                </a:r>
-              </a:p>
-              <a:p>
-                <a:endParaRPr lang="pt-BR" dirty="0" smtClean="0"/>
-              </a:p>
-              <a:p>
-                <a:r>
-                  <a:rPr lang="pt-BR" dirty="0" smtClean="0"/>
-                  <a:t>Essa</a:t>
-                </a:r>
-                <a:r>
-                  <a:rPr lang="pt-BR" baseline="0" dirty="0" smtClean="0"/>
-                  <a:t> função de</a:t>
-                </a:r>
-                <a:r>
-                  <a:rPr lang="pt-BR" dirty="0" smtClean="0"/>
-                  <a:t> erro</a:t>
-                </a:r>
-                <a:r>
-                  <a:rPr lang="pt-BR" baseline="0" dirty="0" smtClean="0"/>
-                  <a:t> </a:t>
-                </a:r>
-                <a:r>
-                  <a:rPr lang="pt-BR" dirty="0" smtClean="0"/>
-                  <a:t>faz sentido porque -log(z) se torna muito grande quando z</a:t>
-                </a:r>
-                <a:r>
-                  <a:rPr lang="pt-BR" baseline="0" dirty="0" smtClean="0"/>
-                  <a:t> </a:t>
-                </a:r>
-                <a:r>
-                  <a:rPr lang="pt-BR" dirty="0" smtClean="0"/>
-                  <a:t>se aproxima de 0, então o erro será grande se o modelo estimar uma probabilidade próxima a 0 para um</a:t>
-                </a:r>
-                <a:r>
-                  <a:rPr lang="pt-BR" baseline="0" dirty="0" smtClean="0"/>
-                  <a:t> exemplo </a:t>
-                </a:r>
-                <a:r>
-                  <a:rPr lang="pt-BR" dirty="0" smtClean="0"/>
-                  <a:t>positivo e também será muito grande se o modelo estimar uma probabilidade próxima a 1 para um</a:t>
-                </a:r>
-                <a:r>
-                  <a:rPr lang="pt-BR" baseline="0" dirty="0" smtClean="0"/>
-                  <a:t> exemplo </a:t>
-                </a:r>
-                <a:r>
-                  <a:rPr lang="pt-BR" dirty="0" smtClean="0"/>
-                  <a:t>negativo. Por outro lado, -log(z) se</a:t>
-                </a:r>
-                <a:r>
-                  <a:rPr lang="pt-BR" baseline="0" dirty="0" smtClean="0"/>
-                  <a:t> torna</a:t>
-                </a:r>
-                <a:r>
-                  <a:rPr lang="pt-BR" dirty="0" smtClean="0"/>
-                  <a:t> próximo de 0 quando z se aproxima de 1, portanto, o erro será próximo de 0 se a probabilidade estimada for próxima de 0 para um</a:t>
-                </a:r>
-                <a:r>
-                  <a:rPr lang="pt-BR" baseline="0" dirty="0" smtClean="0"/>
-                  <a:t> exemplo </a:t>
-                </a:r>
-                <a:r>
-                  <a:rPr lang="pt-BR" dirty="0" smtClean="0"/>
-                  <a:t>negativo ou próxima de 1 para um</a:t>
-                </a:r>
-                <a:r>
-                  <a:rPr lang="pt-BR" baseline="0" dirty="0" smtClean="0"/>
-                  <a:t> exemplo </a:t>
-                </a:r>
-                <a:r>
-                  <a:rPr lang="pt-BR" dirty="0" smtClean="0"/>
-                  <a:t>positivo, que é exatamente o que queremos.</a:t>
-                </a:r>
-                <a:endParaRPr lang="pt-BR" dirty="0"/>
-              </a:p>
-            </p:txBody>
-          </p:sp>
-        </mc:Fallback>
-      </mc:AlternateContent>
+      <p:sp>
+        <p:nvSpPr>
+          <p:cNvPr id="3" name="Notes Placeholder 2"/>
+          <p:cNvSpPr>
+            <a:spLocks noGrp="1"/>
+          </p:cNvSpPr>
+          <p:nvPr>
+            <p:ph type="body" idx="1"/>
+          </p:nvPr>
+        </p:nvSpPr>
+        <p:spPr/>
+        <p:txBody>
+          <a:bodyPr/>
+          <a:lstStyle/>
+          <a:p>
+            <a:pPr fontAlgn="base"/>
+            <a:r>
+              <a:rPr lang="en-US" sz="1200" b="0" i="0" kern="1200" dirty="0" smtClean="0">
+                <a:solidFill>
+                  <a:schemeClr val="tx1"/>
+                </a:solidFill>
+                <a:effectLst/>
+                <a:latin typeface="+mn-lt"/>
+                <a:ea typeface="+mn-ea"/>
+                <a:cs typeface="+mn-cs"/>
+              </a:rPr>
+              <a:t>Logistic regression is emphatically </a:t>
+            </a:r>
+            <a:r>
+              <a:rPr lang="en-US" sz="1200" b="1" i="0" kern="1200" dirty="0" smtClean="0">
+                <a:solidFill>
+                  <a:schemeClr val="tx1"/>
+                </a:solidFill>
+                <a:effectLst/>
+                <a:latin typeface="+mn-lt"/>
+                <a:ea typeface="+mn-ea"/>
+                <a:cs typeface="+mn-cs"/>
+              </a:rPr>
+              <a:t>not</a:t>
+            </a:r>
+            <a:r>
+              <a:rPr lang="en-US" sz="1200" b="0" i="0" kern="1200" dirty="0" smtClean="0">
+                <a:solidFill>
+                  <a:schemeClr val="tx1"/>
+                </a:solidFill>
+                <a:effectLst/>
+                <a:latin typeface="+mn-lt"/>
+                <a:ea typeface="+mn-ea"/>
+                <a:cs typeface="+mn-cs"/>
+              </a:rPr>
+              <a:t> a classification algorithm on its own. It is only a classification algorithm </a:t>
+            </a:r>
+            <a:r>
+              <a:rPr lang="en-US" sz="1200" b="0" i="1" kern="1200" dirty="0" smtClean="0">
+                <a:solidFill>
+                  <a:schemeClr val="tx1"/>
+                </a:solidFill>
+                <a:effectLst/>
+                <a:latin typeface="+mn-lt"/>
+                <a:ea typeface="+mn-ea"/>
+                <a:cs typeface="+mn-cs"/>
+              </a:rPr>
+              <a:t>in combination with</a:t>
+            </a:r>
+            <a:r>
+              <a:rPr lang="en-US" sz="1200" b="0" i="0" kern="1200" dirty="0" smtClean="0">
+                <a:solidFill>
+                  <a:schemeClr val="tx1"/>
+                </a:solidFill>
+                <a:effectLst/>
+                <a:latin typeface="+mn-lt"/>
+                <a:ea typeface="+mn-ea"/>
+                <a:cs typeface="+mn-cs"/>
+              </a:rPr>
+              <a:t> a decision rule that makes dichotomous the predicted probabilities of the outcome. Logistic regression </a:t>
+            </a:r>
+            <a:r>
+              <a:rPr lang="en-US" sz="1200" b="0" i="1" kern="1200" dirty="0" smtClean="0">
+                <a:solidFill>
+                  <a:schemeClr val="tx1"/>
+                </a:solidFill>
+                <a:effectLst/>
+                <a:latin typeface="+mn-lt"/>
+                <a:ea typeface="+mn-ea"/>
+                <a:cs typeface="+mn-cs"/>
+              </a:rPr>
+              <a:t>is</a:t>
+            </a:r>
+            <a:r>
+              <a:rPr lang="en-US" sz="1200" b="0" i="0" kern="1200" dirty="0" smtClean="0">
+                <a:solidFill>
+                  <a:schemeClr val="tx1"/>
+                </a:solidFill>
+                <a:effectLst/>
+                <a:latin typeface="+mn-lt"/>
+                <a:ea typeface="+mn-ea"/>
+                <a:cs typeface="+mn-cs"/>
+              </a:rPr>
+              <a:t> a regression model because it estimates the probability of class membership as a (transformation of a) multilinear function of the features.</a:t>
+            </a:r>
+          </a:p>
+        </p:txBody>
+      </p:sp>
       <p:sp>
         <p:nvSpPr>
           <p:cNvPr id="4" name="Slide Number Placeholder 3"/>
@@ -1615,7 +1399,7 @@
           <a:p>
             <a:fld id="{6FC8D850-966F-45A6-8DE7-15B891E7D40D}" type="slidenum">
               <a:rPr lang="pt-BR" smtClean="0"/>
-              <a:t>8</a:t>
+              <a:t>5</a:t>
             </a:fld>
             <a:endParaRPr lang="pt-BR"/>
           </a:p>
@@ -1624,7 +1408,7 @@
     </p:spTree>
     <p:extLst>
       <p:ext uri="{BB962C8B-B14F-4D97-AF65-F5344CB8AC3E}">
-        <p14:creationId xmlns:p14="http://schemas.microsoft.com/office/powerpoint/2010/main" val="477379776"/>
+        <p14:creationId xmlns:p14="http://schemas.microsoft.com/office/powerpoint/2010/main" val="1946648925"/>
       </p:ext>
     </p:extLst>
   </p:cSld>
@@ -1680,6 +1464,495 @@
               <a:bodyPr/>
               <a:lstStyle/>
               <a:p>
+                <a:pPr marL="0" marR="0" indent="0" algn="l" defTabSz="914400" rtl="0" eaLnBrk="1" fontAlgn="auto" latinLnBrk="0" hangingPunct="1">
+                  <a:lnSpc>
+                    <a:spcPct val="100000"/>
+                  </a:lnSpc>
+                  <a:spcBef>
+                    <a:spcPts val="0"/>
+                  </a:spcBef>
+                  <a:spcAft>
+                    <a:spcPts val="0"/>
+                  </a:spcAft>
+                  <a:buClrTx/>
+                  <a:buSzTx/>
+                  <a:buFontTx/>
+                  <a:buNone/>
+                  <a:tabLst/>
+                  <a:defRPr/>
+                </a:pPr>
+                <a:r>
+                  <a:rPr lang="pt-BR" dirty="0" smtClean="0"/>
+                  <a:t>O objetivo do treinamento é definir o vetor de pesos </a:t>
+                </a:r>
+                <a14:m>
+                  <m:oMath xmlns:m="http://schemas.openxmlformats.org/officeDocument/2006/math">
+                    <m:r>
+                      <a:rPr lang="pt-BR" b="1" i="1" smtClean="0">
+                        <a:latin typeface="Cambria Math" panose="02040503050406030204" pitchFamily="18" charset="0"/>
+                      </a:rPr>
+                      <m:t>𝒂</m:t>
+                    </m:r>
+                  </m:oMath>
+                </a14:m>
+                <a:r>
+                  <a:rPr lang="pt-BR" dirty="0" smtClean="0"/>
+                  <a:t> </a:t>
+                </a:r>
+                <a:r>
+                  <a:rPr lang="pt-BR" dirty="0"/>
+                  <a:t>para que o modelo </a:t>
+                </a:r>
+                <a:r>
+                  <a:rPr lang="pt-BR" dirty="0" smtClean="0"/>
+                  <a:t>atribua valores altos de probabilidade </a:t>
+                </a:r>
+                <a:r>
+                  <a:rPr lang="pt-BR" dirty="0"/>
+                  <a:t>para exemplos </a:t>
+                </a:r>
+                <a:r>
+                  <a:rPr lang="pt-BR" dirty="0" smtClean="0"/>
+                  <a:t>positivos (i.e., </a:t>
+                </a:r>
+                <a14:m>
+                  <m:oMath xmlns:m="http://schemas.openxmlformats.org/officeDocument/2006/math">
+                    <m:r>
+                      <a:rPr lang="pt-BR" b="0" i="1" smtClean="0">
+                        <a:latin typeface="Cambria Math" panose="02040503050406030204" pitchFamily="18" charset="0"/>
+                      </a:rPr>
+                      <m:t>𝑦</m:t>
+                    </m:r>
+                    <m:r>
+                      <a:rPr lang="pt-BR" b="0" i="1" smtClean="0">
+                        <a:latin typeface="Cambria Math" panose="02040503050406030204" pitchFamily="18" charset="0"/>
+                        <a:ea typeface="Cambria Math" panose="02040503050406030204" pitchFamily="18" charset="0"/>
+                      </a:rPr>
+                      <m:t>≥0.5</m:t>
+                    </m:r>
+                  </m:oMath>
+                </a14:m>
+                <a:r>
+                  <a:rPr lang="pt-BR" dirty="0" smtClean="0"/>
+                  <a:t>) </a:t>
+                </a:r>
+                <a:r>
+                  <a:rPr lang="pt-BR" dirty="0"/>
+                  <a:t>e </a:t>
+                </a:r>
+                <a:r>
+                  <a:rPr lang="pt-BR" dirty="0" smtClean="0"/>
+                  <a:t>valores baixos de probabilidade </a:t>
+                </a:r>
+                <a:r>
+                  <a:rPr lang="pt-BR" dirty="0"/>
+                  <a:t>para </a:t>
+                </a:r>
+                <a:r>
+                  <a:rPr lang="pt-BR" dirty="0" smtClean="0"/>
+                  <a:t>exemplos negativos </a:t>
+                </a:r>
+                <a:r>
+                  <a:rPr lang="pt-BR" dirty="0"/>
+                  <a:t>(</a:t>
+                </a:r>
+                <a:r>
+                  <a:rPr lang="pt-BR" dirty="0" smtClean="0"/>
+                  <a:t>i.e., </a:t>
+                </a:r>
+                <a14:m>
+                  <m:oMath xmlns:m="http://schemas.openxmlformats.org/officeDocument/2006/math">
+                    <m:r>
+                      <a:rPr lang="pt-BR" i="1">
+                        <a:latin typeface="Cambria Math" panose="02040503050406030204" pitchFamily="18" charset="0"/>
+                      </a:rPr>
+                      <m:t>𝑦</m:t>
+                    </m:r>
+                    <m:r>
+                      <a:rPr lang="pt-BR" b="0" i="1" smtClean="0">
+                        <a:latin typeface="Cambria Math" panose="02040503050406030204" pitchFamily="18" charset="0"/>
+                      </a:rPr>
+                      <m:t>&lt;</m:t>
+                    </m:r>
+                    <m:r>
+                      <a:rPr lang="pt-BR" i="1">
+                        <a:latin typeface="Cambria Math" panose="02040503050406030204" pitchFamily="18" charset="0"/>
+                        <a:ea typeface="Cambria Math" panose="02040503050406030204" pitchFamily="18" charset="0"/>
+                      </a:rPr>
+                      <m:t>0.5</m:t>
+                    </m:r>
+                  </m:oMath>
+                </a14:m>
+                <a:r>
+                  <a:rPr lang="pt-BR" dirty="0" smtClean="0"/>
+                  <a:t>).</a:t>
+                </a:r>
+              </a:p>
+              <a:p>
+                <a:endParaRPr lang="pt-BR" dirty="0" smtClean="0"/>
+              </a:p>
+              <a:p>
+                <a:r>
+                  <a:rPr lang="pt-BR" dirty="0" smtClean="0"/>
+                  <a:t>Essa</a:t>
+                </a:r>
+                <a:r>
+                  <a:rPr lang="pt-BR" baseline="0" dirty="0" smtClean="0"/>
+                  <a:t> função de</a:t>
+                </a:r>
+                <a:r>
+                  <a:rPr lang="pt-BR" dirty="0" smtClean="0"/>
+                  <a:t> erro</a:t>
+                </a:r>
+                <a:r>
+                  <a:rPr lang="pt-BR" baseline="0" dirty="0" smtClean="0"/>
+                  <a:t> </a:t>
+                </a:r>
+                <a:r>
+                  <a:rPr lang="pt-BR" dirty="0" smtClean="0"/>
+                  <a:t>faz sentido porque -log(z) se torna muito grande quando z</a:t>
+                </a:r>
+                <a:r>
+                  <a:rPr lang="pt-BR" baseline="0" dirty="0" smtClean="0"/>
+                  <a:t> </a:t>
+                </a:r>
+                <a:r>
+                  <a:rPr lang="pt-BR" dirty="0" smtClean="0"/>
+                  <a:t>se aproxima de 0, então o erro será grande se o modelo estimar uma probabilidade próxima a 0 para um</a:t>
+                </a:r>
+                <a:r>
+                  <a:rPr lang="pt-BR" baseline="0" dirty="0" smtClean="0"/>
+                  <a:t> exemplo </a:t>
+                </a:r>
+                <a:r>
+                  <a:rPr lang="pt-BR" dirty="0" smtClean="0"/>
+                  <a:t>positivo e também será muito grande se o modelo estimar uma probabilidade próxima a 1 para um</a:t>
+                </a:r>
+                <a:r>
+                  <a:rPr lang="pt-BR" baseline="0" dirty="0" smtClean="0"/>
+                  <a:t> exemplo </a:t>
+                </a:r>
+                <a:r>
+                  <a:rPr lang="pt-BR" dirty="0" smtClean="0"/>
+                  <a:t>negativo. Por outro lado, -log(z) se</a:t>
+                </a:r>
+                <a:r>
+                  <a:rPr lang="pt-BR" baseline="0" dirty="0" smtClean="0"/>
+                  <a:t> torna</a:t>
+                </a:r>
+                <a:r>
+                  <a:rPr lang="pt-BR" dirty="0" smtClean="0"/>
+                  <a:t> próximo de 0 quando z se aproxima de 1, portanto, o erro será próximo de 0 se a probabilidade estimada for próxima de 0 para um</a:t>
+                </a:r>
+                <a:r>
+                  <a:rPr lang="pt-BR" baseline="0" dirty="0" smtClean="0"/>
+                  <a:t> exemplo </a:t>
+                </a:r>
+                <a:r>
+                  <a:rPr lang="pt-BR" dirty="0" smtClean="0"/>
+                  <a:t>negativo ou próxima de 1 para um</a:t>
+                </a:r>
+                <a:r>
+                  <a:rPr lang="pt-BR" baseline="0" dirty="0" smtClean="0"/>
+                  <a:t> exemplo </a:t>
+                </a:r>
+                <a:r>
+                  <a:rPr lang="pt-BR" dirty="0" smtClean="0"/>
+                  <a:t>positivo, que é exatamente o que queremos.</a:t>
+                </a:r>
+                <a:endParaRPr lang="pt-BR" dirty="0"/>
+              </a:p>
+            </p:txBody>
+          </p:sp>
+        </mc:Choice>
+        <mc:Fallback xmlns="">
+          <p:sp>
+            <p:nvSpPr>
+              <p:cNvPr id="3" name="Notes Placeholder 2"/>
+              <p:cNvSpPr>
+                <a:spLocks noGrp="1"/>
+              </p:cNvSpPr>
+              <p:nvPr>
+                <p:ph type="body" idx="1"/>
+              </p:nvPr>
+            </p:nvSpPr>
+            <p:spPr/>
+            <p:txBody>
+              <a:bodyPr/>
+              <a:lstStyle/>
+              <a:p>
+                <a:pPr marL="0" marR="0" indent="0" algn="l" defTabSz="914400" rtl="0" eaLnBrk="1" fontAlgn="auto" latinLnBrk="0" hangingPunct="1">
+                  <a:lnSpc>
+                    <a:spcPct val="100000"/>
+                  </a:lnSpc>
+                  <a:spcBef>
+                    <a:spcPts val="0"/>
+                  </a:spcBef>
+                  <a:spcAft>
+                    <a:spcPts val="0"/>
+                  </a:spcAft>
+                  <a:buClrTx/>
+                  <a:buSzTx/>
+                  <a:buFontTx/>
+                  <a:buNone/>
+                  <a:tabLst/>
+                  <a:defRPr/>
+                </a:pPr>
+                <a:r>
+                  <a:rPr lang="pt-BR" dirty="0" smtClean="0"/>
+                  <a:t>O objetivo do treinamento é definir o vetor de pesos </a:t>
+                </a:r>
+                <a:r>
+                  <a:rPr lang="pt-BR" b="1" i="0" smtClean="0">
+                    <a:latin typeface="Cambria Math" panose="02040503050406030204" pitchFamily="18" charset="0"/>
+                  </a:rPr>
+                  <a:t>𝒂</a:t>
+                </a:r>
+                <a:r>
+                  <a:rPr lang="pt-BR" dirty="0" smtClean="0"/>
+                  <a:t> </a:t>
+                </a:r>
+                <a:r>
+                  <a:rPr lang="pt-BR" dirty="0"/>
+                  <a:t>para que o modelo </a:t>
+                </a:r>
+                <a:r>
+                  <a:rPr lang="pt-BR" dirty="0" smtClean="0"/>
+                  <a:t>atribua valores altos de probabilidade </a:t>
+                </a:r>
+                <a:r>
+                  <a:rPr lang="pt-BR" dirty="0"/>
+                  <a:t>para exemplos </a:t>
+                </a:r>
+                <a:r>
+                  <a:rPr lang="pt-BR" dirty="0" smtClean="0"/>
+                  <a:t>positivos (i.e., </a:t>
+                </a:r>
+                <a:r>
+                  <a:rPr lang="pt-BR" b="0" i="0" smtClean="0">
+                    <a:latin typeface="Cambria Math" panose="02040503050406030204" pitchFamily="18" charset="0"/>
+                  </a:rPr>
+                  <a:t>𝑦</a:t>
+                </a:r>
+                <a:r>
+                  <a:rPr lang="pt-BR" b="0" i="0" smtClean="0">
+                    <a:latin typeface="Cambria Math" panose="02040503050406030204" pitchFamily="18" charset="0"/>
+                    <a:ea typeface="Cambria Math" panose="02040503050406030204" pitchFamily="18" charset="0"/>
+                  </a:rPr>
+                  <a:t>≥0.5</a:t>
+                </a:r>
+                <a:r>
+                  <a:rPr lang="pt-BR" dirty="0" smtClean="0"/>
+                  <a:t>) </a:t>
+                </a:r>
+                <a:r>
+                  <a:rPr lang="pt-BR" dirty="0"/>
+                  <a:t>e </a:t>
+                </a:r>
+                <a:r>
+                  <a:rPr lang="pt-BR" dirty="0" smtClean="0"/>
+                  <a:t>valores baixos de probabilidade </a:t>
+                </a:r>
+                <a:r>
+                  <a:rPr lang="pt-BR" dirty="0"/>
+                  <a:t>para </a:t>
+                </a:r>
+                <a:r>
+                  <a:rPr lang="pt-BR" dirty="0" smtClean="0"/>
+                  <a:t>exemplos negativos </a:t>
+                </a:r>
+                <a:r>
+                  <a:rPr lang="pt-BR" dirty="0"/>
+                  <a:t>(</a:t>
+                </a:r>
+                <a:r>
+                  <a:rPr lang="pt-BR" dirty="0" smtClean="0"/>
+                  <a:t>i.e., </a:t>
+                </a:r>
+                <a:r>
+                  <a:rPr lang="pt-BR" i="0">
+                    <a:latin typeface="Cambria Math" panose="02040503050406030204" pitchFamily="18" charset="0"/>
+                  </a:rPr>
+                  <a:t>𝑦</a:t>
+                </a:r>
+                <a:r>
+                  <a:rPr lang="pt-BR" b="0" i="0" smtClean="0">
+                    <a:latin typeface="Cambria Math" panose="02040503050406030204" pitchFamily="18" charset="0"/>
+                  </a:rPr>
+                  <a:t>&lt;</a:t>
+                </a:r>
+                <a:r>
+                  <a:rPr lang="pt-BR" i="0">
+                    <a:latin typeface="Cambria Math" panose="02040503050406030204" pitchFamily="18" charset="0"/>
+                    <a:ea typeface="Cambria Math" panose="02040503050406030204" pitchFamily="18" charset="0"/>
+                  </a:rPr>
+                  <a:t>0.5</a:t>
+                </a:r>
+                <a:r>
+                  <a:rPr lang="pt-BR" dirty="0" smtClean="0"/>
+                  <a:t>).</a:t>
+                </a:r>
+              </a:p>
+              <a:p>
+                <a:endParaRPr lang="pt-BR" dirty="0" smtClean="0"/>
+              </a:p>
+              <a:p>
+                <a:r>
+                  <a:rPr lang="pt-BR" dirty="0" smtClean="0"/>
+                  <a:t>Essa</a:t>
+                </a:r>
+                <a:r>
+                  <a:rPr lang="pt-BR" baseline="0" dirty="0" smtClean="0"/>
+                  <a:t> função de</a:t>
+                </a:r>
+                <a:r>
+                  <a:rPr lang="pt-BR" dirty="0" smtClean="0"/>
+                  <a:t> erro</a:t>
+                </a:r>
+                <a:r>
+                  <a:rPr lang="pt-BR" baseline="0" dirty="0" smtClean="0"/>
+                  <a:t> </a:t>
+                </a:r>
+                <a:r>
+                  <a:rPr lang="pt-BR" dirty="0" smtClean="0"/>
+                  <a:t>faz sentido porque -log(z) se torna muito grande quando z</a:t>
+                </a:r>
+                <a:r>
+                  <a:rPr lang="pt-BR" baseline="0" dirty="0" smtClean="0"/>
+                  <a:t> </a:t>
+                </a:r>
+                <a:r>
+                  <a:rPr lang="pt-BR" dirty="0" smtClean="0"/>
+                  <a:t>se aproxima de 0, então o erro será grande se o modelo estimar uma probabilidade próxima a 0 para um</a:t>
+                </a:r>
+                <a:r>
+                  <a:rPr lang="pt-BR" baseline="0" dirty="0" smtClean="0"/>
+                  <a:t> exemplo </a:t>
+                </a:r>
+                <a:r>
+                  <a:rPr lang="pt-BR" dirty="0" smtClean="0"/>
+                  <a:t>positivo e também será muito grande se o modelo estimar uma probabilidade próxima a 1 para um</a:t>
+                </a:r>
+                <a:r>
+                  <a:rPr lang="pt-BR" baseline="0" dirty="0" smtClean="0"/>
+                  <a:t> exemplo </a:t>
+                </a:r>
+                <a:r>
+                  <a:rPr lang="pt-BR" dirty="0" smtClean="0"/>
+                  <a:t>negativo. Por outro lado, -log(z) se</a:t>
+                </a:r>
+                <a:r>
+                  <a:rPr lang="pt-BR" baseline="0" dirty="0" smtClean="0"/>
+                  <a:t> torna</a:t>
+                </a:r>
+                <a:r>
+                  <a:rPr lang="pt-BR" dirty="0" smtClean="0"/>
+                  <a:t> próximo de 0 quando z se aproxima de 1, portanto, o erro será próximo de 0 se a probabilidade estimada for próxima de 0 para um</a:t>
+                </a:r>
+                <a:r>
+                  <a:rPr lang="pt-BR" baseline="0" dirty="0" smtClean="0"/>
+                  <a:t> exemplo </a:t>
+                </a:r>
+                <a:r>
+                  <a:rPr lang="pt-BR" dirty="0" smtClean="0"/>
+                  <a:t>negativo ou próxima de 1 para um</a:t>
+                </a:r>
+                <a:r>
+                  <a:rPr lang="pt-BR" baseline="0" dirty="0" smtClean="0"/>
+                  <a:t> exemplo </a:t>
+                </a:r>
+                <a:r>
+                  <a:rPr lang="pt-BR" dirty="0" smtClean="0"/>
+                  <a:t>positivo, que é exatamente o que queremos.</a:t>
+                </a:r>
+                <a:endParaRPr lang="pt-BR" dirty="0"/>
+              </a:p>
+            </p:txBody>
+          </p:sp>
+        </mc:Fallback>
+      </mc:AlternateContent>
+      <p:sp>
+        <p:nvSpPr>
+          <p:cNvPr id="4" name="Slide Number Placeholder 3"/>
+          <p:cNvSpPr>
+            <a:spLocks noGrp="1"/>
+          </p:cNvSpPr>
+          <p:nvPr>
+            <p:ph type="sldNum" sz="quarter" idx="10"/>
+          </p:nvPr>
+        </p:nvSpPr>
+        <p:spPr/>
+        <p:txBody>
+          <a:bodyPr/>
+          <a:lstStyle/>
+          <a:p>
+            <a:fld id="{6FC8D850-966F-45A6-8DE7-15B891E7D40D}" type="slidenum">
+              <a:rPr lang="pt-BR" smtClean="0"/>
+              <a:t>8</a:t>
+            </a:fld>
+            <a:endParaRPr lang="pt-BR"/>
+          </a:p>
+        </p:txBody>
+      </p:sp>
+    </p:spTree>
+    <p:extLst>
+      <p:ext uri="{BB962C8B-B14F-4D97-AF65-F5344CB8AC3E}">
+        <p14:creationId xmlns:p14="http://schemas.microsoft.com/office/powerpoint/2010/main" val="477379776"/>
+      </p:ext>
+    </p:extLst>
+  </p:cSld>
+  <p:clrMapOvr>
+    <a:masterClrMapping/>
+  </p:clrMapOvr>
+</p:notes>
+</file>
+
+<file path=ppt/notesSlides/notesSlide6.xml><?xml version="1.0" encoding="utf-8"?>
+<p:notes xmlns:a="http://schemas.openxmlformats.org/drawingml/2006/main" xmlns:r="http://schemas.openxmlformats.org/officeDocument/2006/relationships" xmlns:p="http://schemas.openxmlformats.org/presentationml/2006/main">
+  <p:cSld>
+    <p:spTree>
+      <p:nvGrpSpPr>
+        <p:cNvPr id="1" name=""/>
+        <p:cNvGrpSpPr/>
+        <p:nvPr/>
+      </p:nvGrpSpPr>
+      <p:grpSpPr>
+        <a:xfrm>
+          <a:off x="0" y="0"/>
+          <a:ext cx="0" cy="0"/>
+          <a:chOff x="0" y="0"/>
+          <a:chExt cx="0" cy="0"/>
+        </a:xfrm>
+      </p:grpSpPr>
+      <p:sp>
+        <p:nvSpPr>
+          <p:cNvPr id="2" name="Slide Image Placeholder 1"/>
+          <p:cNvSpPr>
+            <a:spLocks noGrp="1" noRot="1" noChangeAspect="1"/>
+          </p:cNvSpPr>
+          <p:nvPr>
+            <p:ph type="sldImg"/>
+          </p:nvPr>
+        </p:nvSpPr>
+        <p:spPr/>
+      </p:sp>
+      <mc:AlternateContent xmlns:mc="http://schemas.openxmlformats.org/markup-compatibility/2006" xmlns:a14="http://schemas.microsoft.com/office/drawing/2010/main">
+        <mc:Choice Requires="a14">
+          <p:sp>
+            <p:nvSpPr>
+              <p:cNvPr id="3" name="Notes Placeholder 2"/>
+              <p:cNvSpPr>
+                <a:spLocks noGrp="1"/>
+              </p:cNvSpPr>
+              <p:nvPr>
+                <p:ph type="body" idx="1"/>
+              </p:nvPr>
+            </p:nvSpPr>
+            <p:spPr/>
+            <p:txBody>
+              <a:bodyPr/>
+              <a:lstStyle/>
+              <a:p>
                 <a:pPr marL="171450" indent="-171450">
                   <a:buFont typeface="Arial" panose="020B0604020202020204" pitchFamily="34" charset="0"/>
                   <a:buChar char="•"/>
@@ -2273,7 +2546,7 @@
 </p:notes>
 </file>
 
-<file path=ppt/notesSlides/notesSlide6.xml><?xml version="1.0" encoding="utf-8"?>
+<file path=ppt/notesSlides/notesSlide7.xml><?xml version="1.0" encoding="utf-8"?>
 <p:notes xmlns:a="http://schemas.openxmlformats.org/drawingml/2006/main" xmlns:r="http://schemas.openxmlformats.org/officeDocument/2006/relationships" xmlns:p="http://schemas.openxmlformats.org/presentationml/2006/main">
   <p:cSld>
     <p:spTree>
@@ -2498,7 +2771,7 @@
 </p:notes>
 </file>
 
-<file path=ppt/notesSlides/notesSlide7.xml><?xml version="1.0" encoding="utf-8"?>
+<file path=ppt/notesSlides/notesSlide8.xml><?xml version="1.0" encoding="utf-8"?>
 <p:notes xmlns:a="http://schemas.openxmlformats.org/drawingml/2006/main" xmlns:r="http://schemas.openxmlformats.org/officeDocument/2006/relationships" xmlns:p="http://schemas.openxmlformats.org/presentationml/2006/main">
   <p:cSld>
     <p:spTree>
@@ -2672,7 +2945,7 @@
 </p:notes>
 </file>
 
-<file path=ppt/notesSlides/notesSlide8.xml><?xml version="1.0" encoding="utf-8"?>
+<file path=ppt/notesSlides/notesSlide9.xml><?xml version="1.0" encoding="utf-8"?>
 <p:notes xmlns:a="http://schemas.openxmlformats.org/drawingml/2006/main" xmlns:r="http://schemas.openxmlformats.org/officeDocument/2006/relationships" xmlns:p="http://schemas.openxmlformats.org/presentationml/2006/main">
   <p:cSld>
     <p:spTree>
@@ -2766,111 +3039,6 @@
 </p:notes>
 </file>
 
-<file path=ppt/notesSlides/notesSlide9.xml><?xml version="1.0" encoding="utf-8"?>
-<p:notes xmlns:a="http://schemas.openxmlformats.org/drawingml/2006/main" xmlns:r="http://schemas.openxmlformats.org/officeDocument/2006/relationships" xmlns:p="http://schemas.openxmlformats.org/presentationml/2006/main">
-  <p:cSld>
-    <p:spTree>
-      <p:nvGrpSpPr>
-        <p:cNvPr id="1" name=""/>
-        <p:cNvGrpSpPr/>
-        <p:nvPr/>
-      </p:nvGrpSpPr>
-      <p:grpSpPr>
-        <a:xfrm>
-          <a:off x="0" y="0"/>
-          <a:ext cx="0" cy="0"/>
-          <a:chOff x="0" y="0"/>
-          <a:chExt cx="0" cy="0"/>
-        </a:xfrm>
-      </p:grpSpPr>
-      <p:sp>
-        <p:nvSpPr>
-          <p:cNvPr id="2" name="Slide Image Placeholder 1"/>
-          <p:cNvSpPr>
-            <a:spLocks noGrp="1" noRot="1" noChangeAspect="1"/>
-          </p:cNvSpPr>
-          <p:nvPr>
-            <p:ph type="sldImg"/>
-          </p:nvPr>
-        </p:nvSpPr>
-        <p:spPr/>
-      </p:sp>
-      <p:sp>
-        <p:nvSpPr>
-          <p:cNvPr id="3" name="Notes Placeholder 2"/>
-          <p:cNvSpPr>
-            <a:spLocks noGrp="1"/>
-          </p:cNvSpPr>
-          <p:nvPr>
-            <p:ph type="body" idx="1"/>
-          </p:nvPr>
-        </p:nvSpPr>
-        <p:spPr/>
-        <p:txBody>
-          <a:bodyPr/>
-          <a:lstStyle/>
-          <a:p>
-            <a:r>
-              <a:rPr lang="pt-BR" b="1" dirty="0" smtClean="0"/>
-              <a:t>Exemplo</a:t>
-            </a:r>
-            <a:r>
-              <a:rPr lang="pt-BR" dirty="0" smtClean="0"/>
-              <a:t>: SPAMClassificationLogisticRegressionSciKit.ipynb</a:t>
-            </a:r>
-          </a:p>
-          <a:p>
-            <a:endParaRPr lang="pt-BR" dirty="0" smtClean="0"/>
-          </a:p>
-          <a:p>
-            <a:r>
-              <a:rPr lang="pt-BR" b="1" i="0" dirty="0" smtClean="0"/>
-              <a:t>OBS</a:t>
-            </a:r>
-            <a:r>
-              <a:rPr lang="pt-BR" dirty="0" smtClean="0"/>
-              <a:t>.: Assim como os outros modelos lineares, os modelos de Regressão Logística podem ser regularizados usando penalidades de L1 ou L2. O Scitkit-Learn adiciona uma penalidade L2 por padrão.</a:t>
-            </a:r>
-            <a:endParaRPr lang="pt-BR" dirty="0"/>
-          </a:p>
-        </p:txBody>
-      </p:sp>
-      <p:sp>
-        <p:nvSpPr>
-          <p:cNvPr id="4" name="Slide Number Placeholder 3"/>
-          <p:cNvSpPr>
-            <a:spLocks noGrp="1"/>
-          </p:cNvSpPr>
-          <p:nvPr>
-            <p:ph type="sldNum" sz="quarter" idx="10"/>
-          </p:nvPr>
-        </p:nvSpPr>
-        <p:spPr/>
-        <p:txBody>
-          <a:bodyPr/>
-          <a:lstStyle/>
-          <a:p>
-            <a:fld id="{F430A2A4-8C14-4B1A-AD48-7B6401078BF7}" type="slidenum">
-              <a:rPr lang="pt-BR" smtClean="0"/>
-              <a:t>15</a:t>
-            </a:fld>
-            <a:endParaRPr lang="pt-BR"/>
-          </a:p>
-        </p:txBody>
-      </p:sp>
-    </p:spTree>
-    <p:extLst>
-      <p:ext uri="{BB962C8B-B14F-4D97-AF65-F5344CB8AC3E}">
-        <p14:creationId xmlns:p14="http://schemas.microsoft.com/office/powerpoint/2010/main" val="2493630339"/>
-      </p:ext>
-    </p:extLst>
-  </p:cSld>
-  <p:clrMapOvr>
-    <a:masterClrMapping/>
-  </p:clrMapOvr>
-</p:notes>
-</file>
-
 <file path=ppt/slideLayouts/slideLayout1.xml><?xml version="1.0" encoding="utf-8"?>
 <p:sldLayout xmlns:a="http://schemas.openxmlformats.org/drawingml/2006/main" xmlns:r="http://schemas.openxmlformats.org/officeDocument/2006/relationships" xmlns:p="http://schemas.openxmlformats.org/presentationml/2006/main" type="title" preserve="1">
   <p:cSld name="Slide de Título">
@@ -2893,7 +3061,7 @@
           <p:cNvPr id="2" name="Título 1">
             <a:extLst>
               <a:ext uri="{FF2B5EF4-FFF2-40B4-BE49-F238E27FC236}">
-                <a16:creationId xmlns="" xmlns:a16="http://schemas.microsoft.com/office/drawing/2014/main" id="{1DB9B4FF-B06E-403C-A326-BDC64D8FF94E}"/>
+                <a16:creationId xmlns:a16="http://schemas.microsoft.com/office/drawing/2014/main" xmlns="" id="{1DB9B4FF-B06E-403C-A326-BDC64D8FF94E}"/>
               </a:ext>
             </a:extLst>
           </p:cNvPr>
@@ -2930,7 +3098,7 @@
           <p:cNvPr id="3" name="Subtítulo 2">
             <a:extLst>
               <a:ext uri="{FF2B5EF4-FFF2-40B4-BE49-F238E27FC236}">
-                <a16:creationId xmlns="" xmlns:a16="http://schemas.microsoft.com/office/drawing/2014/main" id="{247BDFCE-746E-45BF-A319-4733D58D1632}"/>
+                <a16:creationId xmlns:a16="http://schemas.microsoft.com/office/drawing/2014/main" xmlns="" id="{247BDFCE-746E-45BF-A319-4733D58D1632}"/>
               </a:ext>
             </a:extLst>
           </p:cNvPr>
@@ -3000,7 +3168,7 @@
           <p:cNvPr id="4" name="Espaço Reservado para Data 3">
             <a:extLst>
               <a:ext uri="{FF2B5EF4-FFF2-40B4-BE49-F238E27FC236}">
-                <a16:creationId xmlns="" xmlns:a16="http://schemas.microsoft.com/office/drawing/2014/main" id="{9EDE2778-5372-4104-B96D-968184DA8288}"/>
+                <a16:creationId xmlns:a16="http://schemas.microsoft.com/office/drawing/2014/main" xmlns="" id="{9EDE2778-5372-4104-B96D-968184DA8288}"/>
               </a:ext>
             </a:extLst>
           </p:cNvPr>
@@ -3018,7 +3186,7 @@
           <a:p>
             <a:fld id="{63289F7E-B80B-496E-81B4-D396C37C9454}" type="datetimeFigureOut">
               <a:rPr lang="pt-BR" smtClean="0"/>
-              <a:t>18/08/2021</a:t>
+              <a:t>20/08/2021</a:t>
             </a:fld>
             <a:endParaRPr lang="pt-BR"/>
           </a:p>
@@ -3029,7 +3197,7 @@
           <p:cNvPr id="5" name="Espaço Reservado para Rodapé 4">
             <a:extLst>
               <a:ext uri="{FF2B5EF4-FFF2-40B4-BE49-F238E27FC236}">
-                <a16:creationId xmlns="" xmlns:a16="http://schemas.microsoft.com/office/drawing/2014/main" id="{C1DD0F41-C861-4051-988D-3024A37A4B93}"/>
+                <a16:creationId xmlns:a16="http://schemas.microsoft.com/office/drawing/2014/main" xmlns="" id="{C1DD0F41-C861-4051-988D-3024A37A4B93}"/>
               </a:ext>
             </a:extLst>
           </p:cNvPr>
@@ -3054,7 +3222,7 @@
           <p:cNvPr id="6" name="Espaço Reservado para Número de Slide 5">
             <a:extLst>
               <a:ext uri="{FF2B5EF4-FFF2-40B4-BE49-F238E27FC236}">
-                <a16:creationId xmlns="" xmlns:a16="http://schemas.microsoft.com/office/drawing/2014/main" id="{07E5967E-D980-431A-A5DB-3F0C5030A81E}"/>
+                <a16:creationId xmlns:a16="http://schemas.microsoft.com/office/drawing/2014/main" xmlns="" id="{07E5967E-D980-431A-A5DB-3F0C5030A81E}"/>
               </a:ext>
             </a:extLst>
           </p:cNvPr>
@@ -3113,7 +3281,7 @@
           <p:cNvPr id="2" name="Título 1">
             <a:extLst>
               <a:ext uri="{FF2B5EF4-FFF2-40B4-BE49-F238E27FC236}">
-                <a16:creationId xmlns="" xmlns:a16="http://schemas.microsoft.com/office/drawing/2014/main" id="{9036C49F-3E68-4175-81BA-3C3FEE44308A}"/>
+                <a16:creationId xmlns:a16="http://schemas.microsoft.com/office/drawing/2014/main" xmlns="" id="{9036C49F-3E68-4175-81BA-3C3FEE44308A}"/>
               </a:ext>
             </a:extLst>
           </p:cNvPr>
@@ -3141,7 +3309,7 @@
           <p:cNvPr id="3" name="Espaço Reservado para Texto Vertical 2">
             <a:extLst>
               <a:ext uri="{FF2B5EF4-FFF2-40B4-BE49-F238E27FC236}">
-                <a16:creationId xmlns="" xmlns:a16="http://schemas.microsoft.com/office/drawing/2014/main" id="{426FA736-3DD3-4D4E-B57B-BBE1D8F7D424}"/>
+                <a16:creationId xmlns:a16="http://schemas.microsoft.com/office/drawing/2014/main" xmlns="" id="{426FA736-3DD3-4D4E-B57B-BBE1D8F7D424}"/>
               </a:ext>
             </a:extLst>
           </p:cNvPr>
@@ -3198,7 +3366,7 @@
           <p:cNvPr id="4" name="Espaço Reservado para Data 3">
             <a:extLst>
               <a:ext uri="{FF2B5EF4-FFF2-40B4-BE49-F238E27FC236}">
-                <a16:creationId xmlns="" xmlns:a16="http://schemas.microsoft.com/office/drawing/2014/main" id="{99E8855C-D8FD-48F6-B14E-861E0DE4D915}"/>
+                <a16:creationId xmlns:a16="http://schemas.microsoft.com/office/drawing/2014/main" xmlns="" id="{99E8855C-D8FD-48F6-B14E-861E0DE4D915}"/>
               </a:ext>
             </a:extLst>
           </p:cNvPr>
@@ -3216,7 +3384,7 @@
           <a:p>
             <a:fld id="{63289F7E-B80B-496E-81B4-D396C37C9454}" type="datetimeFigureOut">
               <a:rPr lang="pt-BR" smtClean="0"/>
-              <a:t>18/08/2021</a:t>
+              <a:t>20/08/2021</a:t>
             </a:fld>
             <a:endParaRPr lang="pt-BR"/>
           </a:p>
@@ -3227,7 +3395,7 @@
           <p:cNvPr id="5" name="Espaço Reservado para Rodapé 4">
             <a:extLst>
               <a:ext uri="{FF2B5EF4-FFF2-40B4-BE49-F238E27FC236}">
-                <a16:creationId xmlns="" xmlns:a16="http://schemas.microsoft.com/office/drawing/2014/main" id="{97C0BB88-2F21-42A5-ACFF-83DA47F2D340}"/>
+                <a16:creationId xmlns:a16="http://schemas.microsoft.com/office/drawing/2014/main" xmlns="" id="{97C0BB88-2F21-42A5-ACFF-83DA47F2D340}"/>
               </a:ext>
             </a:extLst>
           </p:cNvPr>
@@ -3252,7 +3420,7 @@
           <p:cNvPr id="6" name="Espaço Reservado para Número de Slide 5">
             <a:extLst>
               <a:ext uri="{FF2B5EF4-FFF2-40B4-BE49-F238E27FC236}">
-                <a16:creationId xmlns="" xmlns:a16="http://schemas.microsoft.com/office/drawing/2014/main" id="{6CB462B3-1F22-4C05-B4B8-7A279FB7D5E9}"/>
+                <a16:creationId xmlns:a16="http://schemas.microsoft.com/office/drawing/2014/main" xmlns="" id="{6CB462B3-1F22-4C05-B4B8-7A279FB7D5E9}"/>
               </a:ext>
             </a:extLst>
           </p:cNvPr>
@@ -3311,7 +3479,7 @@
           <p:cNvPr id="2" name="Título Vertical 1">
             <a:extLst>
               <a:ext uri="{FF2B5EF4-FFF2-40B4-BE49-F238E27FC236}">
-                <a16:creationId xmlns="" xmlns:a16="http://schemas.microsoft.com/office/drawing/2014/main" id="{EAEAB728-701C-4207-A9D5-23FF45C60502}"/>
+                <a16:creationId xmlns:a16="http://schemas.microsoft.com/office/drawing/2014/main" xmlns="" id="{EAEAB728-701C-4207-A9D5-23FF45C60502}"/>
               </a:ext>
             </a:extLst>
           </p:cNvPr>
@@ -3344,7 +3512,7 @@
           <p:cNvPr id="3" name="Espaço Reservado para Texto Vertical 2">
             <a:extLst>
               <a:ext uri="{FF2B5EF4-FFF2-40B4-BE49-F238E27FC236}">
-                <a16:creationId xmlns="" xmlns:a16="http://schemas.microsoft.com/office/drawing/2014/main" id="{BA8C8CCF-7823-480A-9A19-0F664DD17E3B}"/>
+                <a16:creationId xmlns:a16="http://schemas.microsoft.com/office/drawing/2014/main" xmlns="" id="{BA8C8CCF-7823-480A-9A19-0F664DD17E3B}"/>
               </a:ext>
             </a:extLst>
           </p:cNvPr>
@@ -3406,7 +3574,7 @@
           <p:cNvPr id="4" name="Espaço Reservado para Data 3">
             <a:extLst>
               <a:ext uri="{FF2B5EF4-FFF2-40B4-BE49-F238E27FC236}">
-                <a16:creationId xmlns="" xmlns:a16="http://schemas.microsoft.com/office/drawing/2014/main" id="{721D5734-7B1F-425D-942F-6EB73344027C}"/>
+                <a16:creationId xmlns:a16="http://schemas.microsoft.com/office/drawing/2014/main" xmlns="" id="{721D5734-7B1F-425D-942F-6EB73344027C}"/>
               </a:ext>
             </a:extLst>
           </p:cNvPr>
@@ -3424,7 +3592,7 @@
           <a:p>
             <a:fld id="{63289F7E-B80B-496E-81B4-D396C37C9454}" type="datetimeFigureOut">
               <a:rPr lang="pt-BR" smtClean="0"/>
-              <a:t>18/08/2021</a:t>
+              <a:t>20/08/2021</a:t>
             </a:fld>
             <a:endParaRPr lang="pt-BR"/>
           </a:p>
@@ -3435,7 +3603,7 @@
           <p:cNvPr id="5" name="Espaço Reservado para Rodapé 4">
             <a:extLst>
               <a:ext uri="{FF2B5EF4-FFF2-40B4-BE49-F238E27FC236}">
-                <a16:creationId xmlns="" xmlns:a16="http://schemas.microsoft.com/office/drawing/2014/main" id="{1E1AAEAC-F08D-45FE-89EC-B1B349A868C9}"/>
+                <a16:creationId xmlns:a16="http://schemas.microsoft.com/office/drawing/2014/main" xmlns="" id="{1E1AAEAC-F08D-45FE-89EC-B1B349A868C9}"/>
               </a:ext>
             </a:extLst>
           </p:cNvPr>
@@ -3460,7 +3628,7 @@
           <p:cNvPr id="6" name="Espaço Reservado para Número de Slide 5">
             <a:extLst>
               <a:ext uri="{FF2B5EF4-FFF2-40B4-BE49-F238E27FC236}">
-                <a16:creationId xmlns="" xmlns:a16="http://schemas.microsoft.com/office/drawing/2014/main" id="{BAA44493-9911-47B2-87A6-C2141A972BC8}"/>
+                <a16:creationId xmlns:a16="http://schemas.microsoft.com/office/drawing/2014/main" xmlns="" id="{BAA44493-9911-47B2-87A6-C2141A972BC8}"/>
               </a:ext>
             </a:extLst>
           </p:cNvPr>
@@ -3519,7 +3687,7 @@
           <p:cNvPr id="2" name="Título 1">
             <a:extLst>
               <a:ext uri="{FF2B5EF4-FFF2-40B4-BE49-F238E27FC236}">
-                <a16:creationId xmlns="" xmlns:a16="http://schemas.microsoft.com/office/drawing/2014/main" id="{71BD44A5-8F21-4626-A01D-48A1C874B1D5}"/>
+                <a16:creationId xmlns:a16="http://schemas.microsoft.com/office/drawing/2014/main" xmlns="" id="{71BD44A5-8F21-4626-A01D-48A1C874B1D5}"/>
               </a:ext>
             </a:extLst>
           </p:cNvPr>
@@ -3547,7 +3715,7 @@
           <p:cNvPr id="3" name="Espaço Reservado para Conteúdo 2">
             <a:extLst>
               <a:ext uri="{FF2B5EF4-FFF2-40B4-BE49-F238E27FC236}">
-                <a16:creationId xmlns="" xmlns:a16="http://schemas.microsoft.com/office/drawing/2014/main" id="{B79E8085-65A9-48AA-951D-71D978BFF4ED}"/>
+                <a16:creationId xmlns:a16="http://schemas.microsoft.com/office/drawing/2014/main" xmlns="" id="{B79E8085-65A9-48AA-951D-71D978BFF4ED}"/>
               </a:ext>
             </a:extLst>
           </p:cNvPr>
@@ -3604,7 +3772,7 @@
           <p:cNvPr id="4" name="Espaço Reservado para Data 3">
             <a:extLst>
               <a:ext uri="{FF2B5EF4-FFF2-40B4-BE49-F238E27FC236}">
-                <a16:creationId xmlns="" xmlns:a16="http://schemas.microsoft.com/office/drawing/2014/main" id="{F05BE1AF-51EA-425D-B188-DE7BD675009F}"/>
+                <a16:creationId xmlns:a16="http://schemas.microsoft.com/office/drawing/2014/main" xmlns="" id="{F05BE1AF-51EA-425D-B188-DE7BD675009F}"/>
               </a:ext>
             </a:extLst>
           </p:cNvPr>
@@ -3622,7 +3790,7 @@
           <a:p>
             <a:fld id="{63289F7E-B80B-496E-81B4-D396C37C9454}" type="datetimeFigureOut">
               <a:rPr lang="pt-BR" smtClean="0"/>
-              <a:t>18/08/2021</a:t>
+              <a:t>20/08/2021</a:t>
             </a:fld>
             <a:endParaRPr lang="pt-BR"/>
           </a:p>
@@ -3633,7 +3801,7 @@
           <p:cNvPr id="5" name="Espaço Reservado para Rodapé 4">
             <a:extLst>
               <a:ext uri="{FF2B5EF4-FFF2-40B4-BE49-F238E27FC236}">
-                <a16:creationId xmlns="" xmlns:a16="http://schemas.microsoft.com/office/drawing/2014/main" id="{121BE632-29CF-4CB9-B365-C9EF38F89BE6}"/>
+                <a16:creationId xmlns:a16="http://schemas.microsoft.com/office/drawing/2014/main" xmlns="" id="{121BE632-29CF-4CB9-B365-C9EF38F89BE6}"/>
               </a:ext>
             </a:extLst>
           </p:cNvPr>
@@ -3658,7 +3826,7 @@
           <p:cNvPr id="6" name="Espaço Reservado para Número de Slide 5">
             <a:extLst>
               <a:ext uri="{FF2B5EF4-FFF2-40B4-BE49-F238E27FC236}">
-                <a16:creationId xmlns="" xmlns:a16="http://schemas.microsoft.com/office/drawing/2014/main" id="{60CF3DD1-9AEC-4A57-B461-4E4DD86FAC18}"/>
+                <a16:creationId xmlns:a16="http://schemas.microsoft.com/office/drawing/2014/main" xmlns="" id="{60CF3DD1-9AEC-4A57-B461-4E4DD86FAC18}"/>
               </a:ext>
             </a:extLst>
           </p:cNvPr>
@@ -3717,7 +3885,7 @@
           <p:cNvPr id="2" name="Título 1">
             <a:extLst>
               <a:ext uri="{FF2B5EF4-FFF2-40B4-BE49-F238E27FC236}">
-                <a16:creationId xmlns="" xmlns:a16="http://schemas.microsoft.com/office/drawing/2014/main" id="{34AB2FF0-A4D7-4E28-991D-FF26140D5988}"/>
+                <a16:creationId xmlns:a16="http://schemas.microsoft.com/office/drawing/2014/main" xmlns="" id="{34AB2FF0-A4D7-4E28-991D-FF26140D5988}"/>
               </a:ext>
             </a:extLst>
           </p:cNvPr>
@@ -3754,7 +3922,7 @@
           <p:cNvPr id="3" name="Espaço Reservado para Texto 2">
             <a:extLst>
               <a:ext uri="{FF2B5EF4-FFF2-40B4-BE49-F238E27FC236}">
-                <a16:creationId xmlns="" xmlns:a16="http://schemas.microsoft.com/office/drawing/2014/main" id="{E2AC45B0-4145-40DB-8E61-105461170604}"/>
+                <a16:creationId xmlns:a16="http://schemas.microsoft.com/office/drawing/2014/main" xmlns="" id="{E2AC45B0-4145-40DB-8E61-105461170604}"/>
               </a:ext>
             </a:extLst>
           </p:cNvPr>
@@ -3879,7 +4047,7 @@
           <p:cNvPr id="4" name="Espaço Reservado para Data 3">
             <a:extLst>
               <a:ext uri="{FF2B5EF4-FFF2-40B4-BE49-F238E27FC236}">
-                <a16:creationId xmlns="" xmlns:a16="http://schemas.microsoft.com/office/drawing/2014/main" id="{50F1D3FB-740A-4EBA-A309-2CE71D12ECFB}"/>
+                <a16:creationId xmlns:a16="http://schemas.microsoft.com/office/drawing/2014/main" xmlns="" id="{50F1D3FB-740A-4EBA-A309-2CE71D12ECFB}"/>
               </a:ext>
             </a:extLst>
           </p:cNvPr>
@@ -3897,7 +4065,7 @@
           <a:p>
             <a:fld id="{63289F7E-B80B-496E-81B4-D396C37C9454}" type="datetimeFigureOut">
               <a:rPr lang="pt-BR" smtClean="0"/>
-              <a:t>18/08/2021</a:t>
+              <a:t>20/08/2021</a:t>
             </a:fld>
             <a:endParaRPr lang="pt-BR"/>
           </a:p>
@@ -3908,7 +4076,7 @@
           <p:cNvPr id="5" name="Espaço Reservado para Rodapé 4">
             <a:extLst>
               <a:ext uri="{FF2B5EF4-FFF2-40B4-BE49-F238E27FC236}">
-                <a16:creationId xmlns="" xmlns:a16="http://schemas.microsoft.com/office/drawing/2014/main" id="{BDCAB18F-8715-4465-A940-F9C193A2ACE9}"/>
+                <a16:creationId xmlns:a16="http://schemas.microsoft.com/office/drawing/2014/main" xmlns="" id="{BDCAB18F-8715-4465-A940-F9C193A2ACE9}"/>
               </a:ext>
             </a:extLst>
           </p:cNvPr>
@@ -3933,7 +4101,7 @@
           <p:cNvPr id="6" name="Espaço Reservado para Número de Slide 5">
             <a:extLst>
               <a:ext uri="{FF2B5EF4-FFF2-40B4-BE49-F238E27FC236}">
-                <a16:creationId xmlns="" xmlns:a16="http://schemas.microsoft.com/office/drawing/2014/main" id="{353466C6-8248-429F-8056-FF040BF509EB}"/>
+                <a16:creationId xmlns:a16="http://schemas.microsoft.com/office/drawing/2014/main" xmlns="" id="{353466C6-8248-429F-8056-FF040BF509EB}"/>
               </a:ext>
             </a:extLst>
           </p:cNvPr>
@@ -3992,7 +4160,7 @@
           <p:cNvPr id="2" name="Título 1">
             <a:extLst>
               <a:ext uri="{FF2B5EF4-FFF2-40B4-BE49-F238E27FC236}">
-                <a16:creationId xmlns="" xmlns:a16="http://schemas.microsoft.com/office/drawing/2014/main" id="{BC7BB9F0-F14B-4A91-B2B7-35BC47FE4DE7}"/>
+                <a16:creationId xmlns:a16="http://schemas.microsoft.com/office/drawing/2014/main" xmlns="" id="{BC7BB9F0-F14B-4A91-B2B7-35BC47FE4DE7}"/>
               </a:ext>
             </a:extLst>
           </p:cNvPr>
@@ -4020,7 +4188,7 @@
           <p:cNvPr id="3" name="Espaço Reservado para Conteúdo 2">
             <a:extLst>
               <a:ext uri="{FF2B5EF4-FFF2-40B4-BE49-F238E27FC236}">
-                <a16:creationId xmlns="" xmlns:a16="http://schemas.microsoft.com/office/drawing/2014/main" id="{EC1FC1C4-73DA-47A6-8496-B0B457F7D39A}"/>
+                <a16:creationId xmlns:a16="http://schemas.microsoft.com/office/drawing/2014/main" xmlns="" id="{EC1FC1C4-73DA-47A6-8496-B0B457F7D39A}"/>
               </a:ext>
             </a:extLst>
           </p:cNvPr>
@@ -4082,7 +4250,7 @@
           <p:cNvPr id="4" name="Espaço Reservado para Conteúdo 3">
             <a:extLst>
               <a:ext uri="{FF2B5EF4-FFF2-40B4-BE49-F238E27FC236}">
-                <a16:creationId xmlns="" xmlns:a16="http://schemas.microsoft.com/office/drawing/2014/main" id="{E92F06A8-A449-4D92-9912-76873E529B38}"/>
+                <a16:creationId xmlns:a16="http://schemas.microsoft.com/office/drawing/2014/main" xmlns="" id="{E92F06A8-A449-4D92-9912-76873E529B38}"/>
               </a:ext>
             </a:extLst>
           </p:cNvPr>
@@ -4144,7 +4312,7 @@
           <p:cNvPr id="5" name="Espaço Reservado para Data 4">
             <a:extLst>
               <a:ext uri="{FF2B5EF4-FFF2-40B4-BE49-F238E27FC236}">
-                <a16:creationId xmlns="" xmlns:a16="http://schemas.microsoft.com/office/drawing/2014/main" id="{938070A4-BC2F-4D55-BD8D-DEAF11BB9EE9}"/>
+                <a16:creationId xmlns:a16="http://schemas.microsoft.com/office/drawing/2014/main" xmlns="" id="{938070A4-BC2F-4D55-BD8D-DEAF11BB9EE9}"/>
               </a:ext>
             </a:extLst>
           </p:cNvPr>
@@ -4162,7 +4330,7 @@
           <a:p>
             <a:fld id="{63289F7E-B80B-496E-81B4-D396C37C9454}" type="datetimeFigureOut">
               <a:rPr lang="pt-BR" smtClean="0"/>
-              <a:t>18/08/2021</a:t>
+              <a:t>20/08/2021</a:t>
             </a:fld>
             <a:endParaRPr lang="pt-BR"/>
           </a:p>
@@ -4173,7 +4341,7 @@
           <p:cNvPr id="6" name="Espaço Reservado para Rodapé 5">
             <a:extLst>
               <a:ext uri="{FF2B5EF4-FFF2-40B4-BE49-F238E27FC236}">
-                <a16:creationId xmlns="" xmlns:a16="http://schemas.microsoft.com/office/drawing/2014/main" id="{45CC2DB8-844A-465F-BA9A-7734C80C7F43}"/>
+                <a16:creationId xmlns:a16="http://schemas.microsoft.com/office/drawing/2014/main" xmlns="" id="{45CC2DB8-844A-465F-BA9A-7734C80C7F43}"/>
               </a:ext>
             </a:extLst>
           </p:cNvPr>
@@ -4198,7 +4366,7 @@
           <p:cNvPr id="7" name="Espaço Reservado para Número de Slide 6">
             <a:extLst>
               <a:ext uri="{FF2B5EF4-FFF2-40B4-BE49-F238E27FC236}">
-                <a16:creationId xmlns="" xmlns:a16="http://schemas.microsoft.com/office/drawing/2014/main" id="{4CC606A8-097B-4040-94E0-CD8C88280D8F}"/>
+                <a16:creationId xmlns:a16="http://schemas.microsoft.com/office/drawing/2014/main" xmlns="" id="{4CC606A8-097B-4040-94E0-CD8C88280D8F}"/>
               </a:ext>
             </a:extLst>
           </p:cNvPr>
@@ -4257,7 +4425,7 @@
           <p:cNvPr id="2" name="Título 1">
             <a:extLst>
               <a:ext uri="{FF2B5EF4-FFF2-40B4-BE49-F238E27FC236}">
-                <a16:creationId xmlns="" xmlns:a16="http://schemas.microsoft.com/office/drawing/2014/main" id="{76D66686-0143-4CB6-8C09-BA326F1E7ACA}"/>
+                <a16:creationId xmlns:a16="http://schemas.microsoft.com/office/drawing/2014/main" xmlns="" id="{76D66686-0143-4CB6-8C09-BA326F1E7ACA}"/>
               </a:ext>
             </a:extLst>
           </p:cNvPr>
@@ -4290,7 +4458,7 @@
           <p:cNvPr id="3" name="Espaço Reservado para Texto 2">
             <a:extLst>
               <a:ext uri="{FF2B5EF4-FFF2-40B4-BE49-F238E27FC236}">
-                <a16:creationId xmlns="" xmlns:a16="http://schemas.microsoft.com/office/drawing/2014/main" id="{0227AB85-F59E-4BCE-B846-4FA0992C2F23}"/>
+                <a16:creationId xmlns:a16="http://schemas.microsoft.com/office/drawing/2014/main" xmlns="" id="{0227AB85-F59E-4BCE-B846-4FA0992C2F23}"/>
               </a:ext>
             </a:extLst>
           </p:cNvPr>
@@ -4361,7 +4529,7 @@
           <p:cNvPr id="4" name="Espaço Reservado para Conteúdo 3">
             <a:extLst>
               <a:ext uri="{FF2B5EF4-FFF2-40B4-BE49-F238E27FC236}">
-                <a16:creationId xmlns="" xmlns:a16="http://schemas.microsoft.com/office/drawing/2014/main" id="{3373456C-7319-4D0A-827D-D29F6B083F5D}"/>
+                <a16:creationId xmlns:a16="http://schemas.microsoft.com/office/drawing/2014/main" xmlns="" id="{3373456C-7319-4D0A-827D-D29F6B083F5D}"/>
               </a:ext>
             </a:extLst>
           </p:cNvPr>
@@ -4423,7 +4591,7 @@
           <p:cNvPr id="5" name="Espaço Reservado para Texto 4">
             <a:extLst>
               <a:ext uri="{FF2B5EF4-FFF2-40B4-BE49-F238E27FC236}">
-                <a16:creationId xmlns="" xmlns:a16="http://schemas.microsoft.com/office/drawing/2014/main" id="{4CD109D0-2E83-4262-8029-A871CEC47406}"/>
+                <a16:creationId xmlns:a16="http://schemas.microsoft.com/office/drawing/2014/main" xmlns="" id="{4CD109D0-2E83-4262-8029-A871CEC47406}"/>
               </a:ext>
             </a:extLst>
           </p:cNvPr>
@@ -4494,7 +4662,7 @@
           <p:cNvPr id="6" name="Espaço Reservado para Conteúdo 5">
             <a:extLst>
               <a:ext uri="{FF2B5EF4-FFF2-40B4-BE49-F238E27FC236}">
-                <a16:creationId xmlns="" xmlns:a16="http://schemas.microsoft.com/office/drawing/2014/main" id="{AD706E3A-CFBB-4A6C-A65F-D0360A9E74FE}"/>
+                <a16:creationId xmlns:a16="http://schemas.microsoft.com/office/drawing/2014/main" xmlns="" id="{AD706E3A-CFBB-4A6C-A65F-D0360A9E74FE}"/>
               </a:ext>
             </a:extLst>
           </p:cNvPr>
@@ -4556,7 +4724,7 @@
           <p:cNvPr id="7" name="Espaço Reservado para Data 6">
             <a:extLst>
               <a:ext uri="{FF2B5EF4-FFF2-40B4-BE49-F238E27FC236}">
-                <a16:creationId xmlns="" xmlns:a16="http://schemas.microsoft.com/office/drawing/2014/main" id="{4172C0E5-5AF0-4805-BB51-443733CD2BD5}"/>
+                <a16:creationId xmlns:a16="http://schemas.microsoft.com/office/drawing/2014/main" xmlns="" id="{4172C0E5-5AF0-4805-BB51-443733CD2BD5}"/>
               </a:ext>
             </a:extLst>
           </p:cNvPr>
@@ -4574,7 +4742,7 @@
           <a:p>
             <a:fld id="{63289F7E-B80B-496E-81B4-D396C37C9454}" type="datetimeFigureOut">
               <a:rPr lang="pt-BR" smtClean="0"/>
-              <a:t>18/08/2021</a:t>
+              <a:t>20/08/2021</a:t>
             </a:fld>
             <a:endParaRPr lang="pt-BR"/>
           </a:p>
@@ -4585,7 +4753,7 @@
           <p:cNvPr id="8" name="Espaço Reservado para Rodapé 7">
             <a:extLst>
               <a:ext uri="{FF2B5EF4-FFF2-40B4-BE49-F238E27FC236}">
-                <a16:creationId xmlns="" xmlns:a16="http://schemas.microsoft.com/office/drawing/2014/main" id="{0E801648-156F-497E-99CF-797DF48051E1}"/>
+                <a16:creationId xmlns:a16="http://schemas.microsoft.com/office/drawing/2014/main" xmlns="" id="{0E801648-156F-497E-99CF-797DF48051E1}"/>
               </a:ext>
             </a:extLst>
           </p:cNvPr>
@@ -4610,7 +4778,7 @@
           <p:cNvPr id="9" name="Espaço Reservado para Número de Slide 8">
             <a:extLst>
               <a:ext uri="{FF2B5EF4-FFF2-40B4-BE49-F238E27FC236}">
-                <a16:creationId xmlns="" xmlns:a16="http://schemas.microsoft.com/office/drawing/2014/main" id="{EEE23D32-80E7-4796-A137-66BF842E4B53}"/>
+                <a16:creationId xmlns:a16="http://schemas.microsoft.com/office/drawing/2014/main" xmlns="" id="{EEE23D32-80E7-4796-A137-66BF842E4B53}"/>
               </a:ext>
             </a:extLst>
           </p:cNvPr>
@@ -4669,7 +4837,7 @@
           <p:cNvPr id="2" name="Título 1">
             <a:extLst>
               <a:ext uri="{FF2B5EF4-FFF2-40B4-BE49-F238E27FC236}">
-                <a16:creationId xmlns="" xmlns:a16="http://schemas.microsoft.com/office/drawing/2014/main" id="{2BCE2379-C78F-47E1-8CFC-B846E7AF148D}"/>
+                <a16:creationId xmlns:a16="http://schemas.microsoft.com/office/drawing/2014/main" xmlns="" id="{2BCE2379-C78F-47E1-8CFC-B846E7AF148D}"/>
               </a:ext>
             </a:extLst>
           </p:cNvPr>
@@ -4697,7 +4865,7 @@
           <p:cNvPr id="3" name="Espaço Reservado para Data 2">
             <a:extLst>
               <a:ext uri="{FF2B5EF4-FFF2-40B4-BE49-F238E27FC236}">
-                <a16:creationId xmlns="" xmlns:a16="http://schemas.microsoft.com/office/drawing/2014/main" id="{342600A9-7F92-4E22-9D94-E4717252A817}"/>
+                <a16:creationId xmlns:a16="http://schemas.microsoft.com/office/drawing/2014/main" xmlns="" id="{342600A9-7F92-4E22-9D94-E4717252A817}"/>
               </a:ext>
             </a:extLst>
           </p:cNvPr>
@@ -4715,7 +4883,7 @@
           <a:p>
             <a:fld id="{63289F7E-B80B-496E-81B4-D396C37C9454}" type="datetimeFigureOut">
               <a:rPr lang="pt-BR" smtClean="0"/>
-              <a:t>18/08/2021</a:t>
+              <a:t>20/08/2021</a:t>
             </a:fld>
             <a:endParaRPr lang="pt-BR"/>
           </a:p>
@@ -4726,7 +4894,7 @@
           <p:cNvPr id="4" name="Espaço Reservado para Rodapé 3">
             <a:extLst>
               <a:ext uri="{FF2B5EF4-FFF2-40B4-BE49-F238E27FC236}">
-                <a16:creationId xmlns="" xmlns:a16="http://schemas.microsoft.com/office/drawing/2014/main" id="{192E6BED-F546-40CC-A2DF-99CBA853654E}"/>
+                <a16:creationId xmlns:a16="http://schemas.microsoft.com/office/drawing/2014/main" xmlns="" id="{192E6BED-F546-40CC-A2DF-99CBA853654E}"/>
               </a:ext>
             </a:extLst>
           </p:cNvPr>
@@ -4751,7 +4919,7 @@
           <p:cNvPr id="5" name="Espaço Reservado para Número de Slide 4">
             <a:extLst>
               <a:ext uri="{FF2B5EF4-FFF2-40B4-BE49-F238E27FC236}">
-                <a16:creationId xmlns="" xmlns:a16="http://schemas.microsoft.com/office/drawing/2014/main" id="{6091CC40-A8C4-4063-80EB-CC5099621678}"/>
+                <a16:creationId xmlns:a16="http://schemas.microsoft.com/office/drawing/2014/main" xmlns="" id="{6091CC40-A8C4-4063-80EB-CC5099621678}"/>
               </a:ext>
             </a:extLst>
           </p:cNvPr>
@@ -4810,7 +4978,7 @@
           <p:cNvPr id="2" name="Espaço Reservado para Data 1">
             <a:extLst>
               <a:ext uri="{FF2B5EF4-FFF2-40B4-BE49-F238E27FC236}">
-                <a16:creationId xmlns="" xmlns:a16="http://schemas.microsoft.com/office/drawing/2014/main" id="{DD19515C-212C-4EAE-84A3-8FF4BC844F1B}"/>
+                <a16:creationId xmlns:a16="http://schemas.microsoft.com/office/drawing/2014/main" xmlns="" id="{DD19515C-212C-4EAE-84A3-8FF4BC844F1B}"/>
               </a:ext>
             </a:extLst>
           </p:cNvPr>
@@ -4828,7 +4996,7 @@
           <a:p>
             <a:fld id="{63289F7E-B80B-496E-81B4-D396C37C9454}" type="datetimeFigureOut">
               <a:rPr lang="pt-BR" smtClean="0"/>
-              <a:t>18/08/2021</a:t>
+              <a:t>20/08/2021</a:t>
             </a:fld>
             <a:endParaRPr lang="pt-BR"/>
           </a:p>
@@ -4839,7 +5007,7 @@
           <p:cNvPr id="3" name="Espaço Reservado para Rodapé 2">
             <a:extLst>
               <a:ext uri="{FF2B5EF4-FFF2-40B4-BE49-F238E27FC236}">
-                <a16:creationId xmlns="" xmlns:a16="http://schemas.microsoft.com/office/drawing/2014/main" id="{94D3D120-B3E8-4C96-861D-7A4F12F49B3A}"/>
+                <a16:creationId xmlns:a16="http://schemas.microsoft.com/office/drawing/2014/main" xmlns="" id="{94D3D120-B3E8-4C96-861D-7A4F12F49B3A}"/>
               </a:ext>
             </a:extLst>
           </p:cNvPr>
@@ -4864,7 +5032,7 @@
           <p:cNvPr id="4" name="Espaço Reservado para Número de Slide 3">
             <a:extLst>
               <a:ext uri="{FF2B5EF4-FFF2-40B4-BE49-F238E27FC236}">
-                <a16:creationId xmlns="" xmlns:a16="http://schemas.microsoft.com/office/drawing/2014/main" id="{42E49B68-FA1B-468B-9F17-D5C09243D454}"/>
+                <a16:creationId xmlns:a16="http://schemas.microsoft.com/office/drawing/2014/main" xmlns="" id="{42E49B68-FA1B-468B-9F17-D5C09243D454}"/>
               </a:ext>
             </a:extLst>
           </p:cNvPr>
@@ -4923,7 +5091,7 @@
           <p:cNvPr id="2" name="Título 1">
             <a:extLst>
               <a:ext uri="{FF2B5EF4-FFF2-40B4-BE49-F238E27FC236}">
-                <a16:creationId xmlns="" xmlns:a16="http://schemas.microsoft.com/office/drawing/2014/main" id="{1C17BCBE-A897-4319-85EC-D87909C24980}"/>
+                <a16:creationId xmlns:a16="http://schemas.microsoft.com/office/drawing/2014/main" xmlns="" id="{1C17BCBE-A897-4319-85EC-D87909C24980}"/>
               </a:ext>
             </a:extLst>
           </p:cNvPr>
@@ -4960,7 +5128,7 @@
           <p:cNvPr id="3" name="Espaço Reservado para Conteúdo 2">
             <a:extLst>
               <a:ext uri="{FF2B5EF4-FFF2-40B4-BE49-F238E27FC236}">
-                <a16:creationId xmlns="" xmlns:a16="http://schemas.microsoft.com/office/drawing/2014/main" id="{4226F885-0204-4913-868B-4B8B82576F17}"/>
+                <a16:creationId xmlns:a16="http://schemas.microsoft.com/office/drawing/2014/main" xmlns="" id="{4226F885-0204-4913-868B-4B8B82576F17}"/>
               </a:ext>
             </a:extLst>
           </p:cNvPr>
@@ -5050,7 +5218,7 @@
           <p:cNvPr id="4" name="Espaço Reservado para Texto 3">
             <a:extLst>
               <a:ext uri="{FF2B5EF4-FFF2-40B4-BE49-F238E27FC236}">
-                <a16:creationId xmlns="" xmlns:a16="http://schemas.microsoft.com/office/drawing/2014/main" id="{00F9F784-A858-441B-8AB5-697098141751}"/>
+                <a16:creationId xmlns:a16="http://schemas.microsoft.com/office/drawing/2014/main" xmlns="" id="{00F9F784-A858-441B-8AB5-697098141751}"/>
               </a:ext>
             </a:extLst>
           </p:cNvPr>
@@ -5121,7 +5289,7 @@
           <p:cNvPr id="5" name="Espaço Reservado para Data 4">
             <a:extLst>
               <a:ext uri="{FF2B5EF4-FFF2-40B4-BE49-F238E27FC236}">
-                <a16:creationId xmlns="" xmlns:a16="http://schemas.microsoft.com/office/drawing/2014/main" id="{A4DC363A-5000-472E-8B17-02E7DCB8840A}"/>
+                <a16:creationId xmlns:a16="http://schemas.microsoft.com/office/drawing/2014/main" xmlns="" id="{A4DC363A-5000-472E-8B17-02E7DCB8840A}"/>
               </a:ext>
             </a:extLst>
           </p:cNvPr>
@@ -5139,7 +5307,7 @@
           <a:p>
             <a:fld id="{63289F7E-B80B-496E-81B4-D396C37C9454}" type="datetimeFigureOut">
               <a:rPr lang="pt-BR" smtClean="0"/>
-              <a:t>18/08/2021</a:t>
+              <a:t>20/08/2021</a:t>
             </a:fld>
             <a:endParaRPr lang="pt-BR"/>
           </a:p>
@@ -5150,7 +5318,7 @@
           <p:cNvPr id="6" name="Espaço Reservado para Rodapé 5">
             <a:extLst>
               <a:ext uri="{FF2B5EF4-FFF2-40B4-BE49-F238E27FC236}">
-                <a16:creationId xmlns="" xmlns:a16="http://schemas.microsoft.com/office/drawing/2014/main" id="{5548425D-2C21-4C56-BAD4-662978775C28}"/>
+                <a16:creationId xmlns:a16="http://schemas.microsoft.com/office/drawing/2014/main" xmlns="" id="{5548425D-2C21-4C56-BAD4-662978775C28}"/>
               </a:ext>
             </a:extLst>
           </p:cNvPr>
@@ -5175,7 +5343,7 @@
           <p:cNvPr id="7" name="Espaço Reservado para Número de Slide 6">
             <a:extLst>
               <a:ext uri="{FF2B5EF4-FFF2-40B4-BE49-F238E27FC236}">
-                <a16:creationId xmlns="" xmlns:a16="http://schemas.microsoft.com/office/drawing/2014/main" id="{C63E9726-E64C-42B2-AE8A-8C235A956B48}"/>
+                <a16:creationId xmlns:a16="http://schemas.microsoft.com/office/drawing/2014/main" xmlns="" id="{C63E9726-E64C-42B2-AE8A-8C235A956B48}"/>
               </a:ext>
             </a:extLst>
           </p:cNvPr>
@@ -5234,7 +5402,7 @@
           <p:cNvPr id="2" name="Título 1">
             <a:extLst>
               <a:ext uri="{FF2B5EF4-FFF2-40B4-BE49-F238E27FC236}">
-                <a16:creationId xmlns="" xmlns:a16="http://schemas.microsoft.com/office/drawing/2014/main" id="{11086A78-3E74-450C-96A6-CA8AC37AF772}"/>
+                <a16:creationId xmlns:a16="http://schemas.microsoft.com/office/drawing/2014/main" xmlns="" id="{11086A78-3E74-450C-96A6-CA8AC37AF772}"/>
               </a:ext>
             </a:extLst>
           </p:cNvPr>
@@ -5271,7 +5439,7 @@
           <p:cNvPr id="3" name="Espaço Reservado para Imagem 2">
             <a:extLst>
               <a:ext uri="{FF2B5EF4-FFF2-40B4-BE49-F238E27FC236}">
-                <a16:creationId xmlns="" xmlns:a16="http://schemas.microsoft.com/office/drawing/2014/main" id="{5F5B7312-975A-4DBC-9B2F-3652ADA006FD}"/>
+                <a16:creationId xmlns:a16="http://schemas.microsoft.com/office/drawing/2014/main" xmlns="" id="{5F5B7312-975A-4DBC-9B2F-3652ADA006FD}"/>
               </a:ext>
             </a:extLst>
           </p:cNvPr>
@@ -5338,7 +5506,7 @@
           <p:cNvPr id="4" name="Espaço Reservado para Texto 3">
             <a:extLst>
               <a:ext uri="{FF2B5EF4-FFF2-40B4-BE49-F238E27FC236}">
-                <a16:creationId xmlns="" xmlns:a16="http://schemas.microsoft.com/office/drawing/2014/main" id="{AAF805F5-1DFF-41C6-944C-7D79FE0D0963}"/>
+                <a16:creationId xmlns:a16="http://schemas.microsoft.com/office/drawing/2014/main" xmlns="" id="{AAF805F5-1DFF-41C6-944C-7D79FE0D0963}"/>
               </a:ext>
             </a:extLst>
           </p:cNvPr>
@@ -5409,7 +5577,7 @@
           <p:cNvPr id="5" name="Espaço Reservado para Data 4">
             <a:extLst>
               <a:ext uri="{FF2B5EF4-FFF2-40B4-BE49-F238E27FC236}">
-                <a16:creationId xmlns="" xmlns:a16="http://schemas.microsoft.com/office/drawing/2014/main" id="{02113D81-8665-4516-BD81-C6A1F254EECD}"/>
+                <a16:creationId xmlns:a16="http://schemas.microsoft.com/office/drawing/2014/main" xmlns="" id="{02113D81-8665-4516-BD81-C6A1F254EECD}"/>
               </a:ext>
             </a:extLst>
           </p:cNvPr>
@@ -5427,7 +5595,7 @@
           <a:p>
             <a:fld id="{63289F7E-B80B-496E-81B4-D396C37C9454}" type="datetimeFigureOut">
               <a:rPr lang="pt-BR" smtClean="0"/>
-              <a:t>18/08/2021</a:t>
+              <a:t>20/08/2021</a:t>
             </a:fld>
             <a:endParaRPr lang="pt-BR"/>
           </a:p>
@@ -5438,7 +5606,7 @@
           <p:cNvPr id="6" name="Espaço Reservado para Rodapé 5">
             <a:extLst>
               <a:ext uri="{FF2B5EF4-FFF2-40B4-BE49-F238E27FC236}">
-                <a16:creationId xmlns="" xmlns:a16="http://schemas.microsoft.com/office/drawing/2014/main" id="{2B00C88B-FF32-40AA-A187-727D96FD7862}"/>
+                <a16:creationId xmlns:a16="http://schemas.microsoft.com/office/drawing/2014/main" xmlns="" id="{2B00C88B-FF32-40AA-A187-727D96FD7862}"/>
               </a:ext>
             </a:extLst>
           </p:cNvPr>
@@ -5463,7 +5631,7 @@
           <p:cNvPr id="7" name="Espaço Reservado para Número de Slide 6">
             <a:extLst>
               <a:ext uri="{FF2B5EF4-FFF2-40B4-BE49-F238E27FC236}">
-                <a16:creationId xmlns="" xmlns:a16="http://schemas.microsoft.com/office/drawing/2014/main" id="{A04D1A2D-69F7-4B8F-A730-BC26DC340BA6}"/>
+                <a16:creationId xmlns:a16="http://schemas.microsoft.com/office/drawing/2014/main" xmlns="" id="{A04D1A2D-69F7-4B8F-A730-BC26DC340BA6}"/>
               </a:ext>
             </a:extLst>
           </p:cNvPr>
@@ -5527,7 +5695,7 @@
           <p:cNvPr id="2" name="Espaço Reservado para Título 1">
             <a:extLst>
               <a:ext uri="{FF2B5EF4-FFF2-40B4-BE49-F238E27FC236}">
-                <a16:creationId xmlns="" xmlns:a16="http://schemas.microsoft.com/office/drawing/2014/main" id="{E69A0273-1966-4A1B-9370-4C1CE5036371}"/>
+                <a16:creationId xmlns:a16="http://schemas.microsoft.com/office/drawing/2014/main" xmlns="" id="{E69A0273-1966-4A1B-9370-4C1CE5036371}"/>
               </a:ext>
             </a:extLst>
           </p:cNvPr>
@@ -5565,7 +5733,7 @@
           <p:cNvPr id="3" name="Espaço Reservado para Texto 2">
             <a:extLst>
               <a:ext uri="{FF2B5EF4-FFF2-40B4-BE49-F238E27FC236}">
-                <a16:creationId xmlns="" xmlns:a16="http://schemas.microsoft.com/office/drawing/2014/main" id="{3B9CF87A-0448-49A7-AB25-EBC1D56A40EF}"/>
+                <a16:creationId xmlns:a16="http://schemas.microsoft.com/office/drawing/2014/main" xmlns="" id="{3B9CF87A-0448-49A7-AB25-EBC1D56A40EF}"/>
               </a:ext>
             </a:extLst>
           </p:cNvPr>
@@ -5632,7 +5800,7 @@
           <p:cNvPr id="4" name="Espaço Reservado para Data 3">
             <a:extLst>
               <a:ext uri="{FF2B5EF4-FFF2-40B4-BE49-F238E27FC236}">
-                <a16:creationId xmlns="" xmlns:a16="http://schemas.microsoft.com/office/drawing/2014/main" id="{2EF7B1F2-BB5A-44D0-816D-16AD2C71430E}"/>
+                <a16:creationId xmlns:a16="http://schemas.microsoft.com/office/drawing/2014/main" xmlns="" id="{2EF7B1F2-BB5A-44D0-816D-16AD2C71430E}"/>
               </a:ext>
             </a:extLst>
           </p:cNvPr>
@@ -5668,7 +5836,7 @@
           <a:p>
             <a:fld id="{63289F7E-B80B-496E-81B4-D396C37C9454}" type="datetimeFigureOut">
               <a:rPr lang="pt-BR" smtClean="0"/>
-              <a:t>18/08/2021</a:t>
+              <a:t>20/08/2021</a:t>
             </a:fld>
             <a:endParaRPr lang="pt-BR"/>
           </a:p>
@@ -5679,7 +5847,7 @@
           <p:cNvPr id="5" name="Espaço Reservado para Rodapé 4">
             <a:extLst>
               <a:ext uri="{FF2B5EF4-FFF2-40B4-BE49-F238E27FC236}">
-                <a16:creationId xmlns="" xmlns:a16="http://schemas.microsoft.com/office/drawing/2014/main" id="{C703F94C-2CC8-4DAA-BC35-14FC3E841DCD}"/>
+                <a16:creationId xmlns:a16="http://schemas.microsoft.com/office/drawing/2014/main" xmlns="" id="{C703F94C-2CC8-4DAA-BC35-14FC3E841DCD}"/>
               </a:ext>
             </a:extLst>
           </p:cNvPr>
@@ -5722,7 +5890,7 @@
           <p:cNvPr id="6" name="Espaço Reservado para Número de Slide 5">
             <a:extLst>
               <a:ext uri="{FF2B5EF4-FFF2-40B4-BE49-F238E27FC236}">
-                <a16:creationId xmlns="" xmlns:a16="http://schemas.microsoft.com/office/drawing/2014/main" id="{64051336-7048-457A-8B61-D94291D71648}"/>
+                <a16:creationId xmlns:a16="http://schemas.microsoft.com/office/drawing/2014/main" xmlns="" id="{64051336-7048-457A-8B61-D94291D71648}"/>
               </a:ext>
             </a:extLst>
           </p:cNvPr>
@@ -6090,7 +6258,7 @@
           <p:cNvPr id="2" name="Título 1">
             <a:extLst>
               <a:ext uri="{FF2B5EF4-FFF2-40B4-BE49-F238E27FC236}">
-                <a16:creationId xmlns="" xmlns:a16="http://schemas.microsoft.com/office/drawing/2014/main" id="{32666AC8-2E17-4DB4-B0F5-60C640CCFD2E}"/>
+                <a16:creationId xmlns:a16="http://schemas.microsoft.com/office/drawing/2014/main" xmlns="" id="{32666AC8-2E17-4DB4-B0F5-60C640CCFD2E}"/>
               </a:ext>
             </a:extLst>
           </p:cNvPr>
@@ -6137,7 +6305,7 @@
           <p:cNvPr id="4" name="CaixaDeTexto 3">
             <a:extLst>
               <a:ext uri="{FF2B5EF4-FFF2-40B4-BE49-F238E27FC236}">
-                <a16:creationId xmlns="" xmlns:a16="http://schemas.microsoft.com/office/drawing/2014/main" id="{430EB894-B7D4-434C-9D1A-A14094D9BEEC}"/>
+                <a16:creationId xmlns:a16="http://schemas.microsoft.com/office/drawing/2014/main" xmlns="" id="{430EB894-B7D4-434C-9D1A-A14094D9BEEC}"/>
               </a:ext>
             </a:extLst>
           </p:cNvPr>
@@ -6178,7 +6346,7 @@
           <p:cNvPr id="1026" name="Picture 2" descr="Logo">
             <a:extLst>
               <a:ext uri="{FF2B5EF4-FFF2-40B4-BE49-F238E27FC236}">
-                <a16:creationId xmlns="" xmlns:a16="http://schemas.microsoft.com/office/drawing/2014/main" id="{3F2642E0-4F6A-4196-8F58-E77D36E9A33F}"/>
+                <a16:creationId xmlns:a16="http://schemas.microsoft.com/office/drawing/2014/main" xmlns="" id="{3F2642E0-4F6A-4196-8F58-E77D36E9A33F}"/>
               </a:ext>
             </a:extLst>
           </p:cNvPr>
@@ -6223,7 +6391,7 @@
           <p:cNvPr id="5122" name="Picture 2" descr="Image result for machine learning">
             <a:extLst>
               <a:ext uri="{FF2B5EF4-FFF2-40B4-BE49-F238E27FC236}">
-                <a16:creationId xmlns="" xmlns:a16="http://schemas.microsoft.com/office/drawing/2014/main" id="{810CE0A2-4102-44A6-A370-175E7896CDCB}"/>
+                <a16:creationId xmlns:a16="http://schemas.microsoft.com/office/drawing/2014/main" xmlns="" id="{810CE0A2-4102-44A6-A370-175E7896CDCB}"/>
               </a:ext>
             </a:extLst>
           </p:cNvPr>
@@ -6320,8 +6488,8 @@
           </a:p>
         </p:txBody>
       </p:sp>
-      <mc:AlternateContent xmlns:mc="http://schemas.openxmlformats.org/markup-compatibility/2006" xmlns:a14="http://schemas.microsoft.com/office/drawing/2010/main">
-        <mc:Choice Requires="a14">
+      <mc:AlternateContent xmlns:mc="http://schemas.openxmlformats.org/markup-compatibility/2006">
+        <mc:Choice xmlns:a14="http://schemas.microsoft.com/office/drawing/2010/main" Requires="a14">
           <p:sp>
             <p:nvSpPr>
               <p:cNvPr id="3" name="Content Placeholder 2"/>
@@ -6362,7 +6530,15 @@
                 </a:r>
                 <a:r>
                   <a:rPr lang="pt-BR" dirty="0" smtClean="0"/>
-                  <a:t> para cada exemplo a </a:t>
+                  <a:t> para </a:t>
+                </a:r>
+                <a:r>
+                  <a:rPr lang="pt-BR" b="1" i="1" dirty="0" smtClean="0"/>
+                  <a:t>cada exemplo </a:t>
+                </a:r>
+                <a:r>
+                  <a:rPr lang="pt-BR" dirty="0" smtClean="0"/>
+                  <a:t>a </a:t>
                 </a:r>
                 <a:r>
                   <a:rPr lang="pt-BR" dirty="0"/>
@@ -8084,7 +8260,7 @@
             </p:txBody>
           </p:sp>
         </mc:Choice>
-        <mc:Fallback xmlns="">
+        <mc:Fallback>
           <p:sp>
             <p:nvSpPr>
               <p:cNvPr id="3" name="Content Placeholder 2"/>
@@ -8181,8 +8357,8 @@
           </a:p>
         </p:txBody>
       </p:sp>
-      <mc:AlternateContent xmlns:mc="http://schemas.openxmlformats.org/markup-compatibility/2006" xmlns:a14="http://schemas.microsoft.com/office/drawing/2010/main">
-        <mc:Choice Requires="a14">
+      <mc:AlternateContent xmlns:mc="http://schemas.openxmlformats.org/markup-compatibility/2006">
+        <mc:Choice xmlns:a14="http://schemas.microsoft.com/office/drawing/2010/main" Requires="a14">
           <p:sp>
             <p:nvSpPr>
               <p:cNvPr id="3" name="Content Placeholder 2"/>
@@ -8716,8 +8892,74 @@
               </a:p>
               <a:p>
                 <a:r>
+                  <a:rPr lang="pt-BR" dirty="0" smtClean="0"/>
+                  <a:t>Percebam </a:t>
+                </a:r>
+                <a:r>
+                  <a:rPr lang="pt-BR" dirty="0" smtClean="0"/>
+                  <a:t>que o </a:t>
+                </a:r>
+                <a:r>
+                  <a:rPr lang="pt-BR" b="1" i="1" dirty="0"/>
+                  <a:t>vetor gradiente </a:t>
+                </a:r>
+                <a:r>
                   <a:rPr lang="pt-BR" dirty="0"/>
-                  <a:t>De posse do </a:t>
+                  <a:t>da </a:t>
+                </a:r>
+                <a:r>
+                  <a:rPr lang="pt-BR" b="1" i="1" dirty="0"/>
+                  <a:t>função de erro médio</a:t>
+                </a:r>
+                <a:r>
+                  <a:rPr lang="pt-BR" dirty="0"/>
+                  <a:t> para a </a:t>
+                </a:r>
+                <a:r>
+                  <a:rPr lang="pt-BR" b="1" i="1" dirty="0"/>
+                  <a:t>regressão logística </a:t>
+                </a:r>
+                <a:r>
+                  <a:rPr lang="pt-BR" dirty="0"/>
+                  <a:t>é similar </a:t>
+                </a:r>
+                <a:r>
+                  <a:rPr lang="pt-BR" dirty="0" smtClean="0"/>
+                  <a:t>àquele obtido </a:t>
+                </a:r>
+                <a:r>
+                  <a:rPr lang="pt-BR" dirty="0"/>
+                  <a:t>para a </a:t>
+                </a:r>
+                <a:r>
+                  <a:rPr lang="pt-BR" b="1" i="1" dirty="0"/>
+                  <a:t>regressão linear </a:t>
+                </a:r>
+                <a:r>
+                  <a:rPr lang="pt-BR" dirty="0"/>
+                  <a:t>com </a:t>
+                </a:r>
+                <a:r>
+                  <a:rPr lang="pt-BR" dirty="0" smtClean="0"/>
+                  <a:t>a função de </a:t>
+                </a:r>
+                <a:r>
+                  <a:rPr lang="pt-BR" b="1" i="1" dirty="0" smtClean="0"/>
+                  <a:t>erro quadrático médio</a:t>
+                </a:r>
+                <a:r>
+                  <a:rPr lang="pt-BR" dirty="0" smtClean="0"/>
+                  <a:t>.</a:t>
+                </a:r>
+              </a:p>
+              <a:p>
+                <a:r>
+                  <a:rPr lang="pt-BR" dirty="0" smtClean="0"/>
+                  <a:t>Agora, de </a:t>
+                </a:r>
+                <a:r>
+                  <a:rPr lang="pt-BR" dirty="0"/>
+                  <a:t>posse do </a:t>
                 </a:r>
                 <a:r>
                   <a:rPr lang="pt-BR" b="1" i="1" dirty="0"/>
@@ -8733,72 +8975,18 @@
                 </a:r>
                 <a:r>
                   <a:rPr lang="pt-BR" dirty="0"/>
-                  <a:t>(nas versões em batelada, estocástico ou mini-batch).</a:t>
-                </a:r>
-              </a:p>
-              <a:p>
+                  <a:t>(nas versões em batelada, estocástico ou mini-batch</a:t>
+                </a:r>
                 <a:r>
                   <a:rPr lang="pt-BR" dirty="0" smtClean="0"/>
-                  <a:t>Percebam que o </a:t>
-                </a:r>
-                <a:r>
-                  <a:rPr lang="pt-BR" b="1" i="1" dirty="0"/>
-                  <a:t>vetor gradiente </a:t>
-                </a:r>
-                <a:r>
-                  <a:rPr lang="pt-BR" dirty="0"/>
-                  <a:t>da </a:t>
-                </a:r>
-                <a:r>
-                  <a:rPr lang="pt-BR" b="1" i="1" dirty="0"/>
-                  <a:t>função de erro médio</a:t>
-                </a:r>
-                <a:r>
-                  <a:rPr lang="pt-BR" dirty="0"/>
-                  <a:t> para a </a:t>
-                </a:r>
-                <a:r>
-                  <a:rPr lang="pt-BR" b="1" i="1" dirty="0"/>
-                  <a:t>regressão logística </a:t>
-                </a:r>
-                <a:r>
-                  <a:rPr lang="pt-BR" dirty="0"/>
-                  <a:t>é similar </a:t>
-                </a:r>
-                <a:r>
-                  <a:rPr lang="pt-BR" dirty="0" smtClean="0"/>
-                  <a:t>àquele obtido </a:t>
-                </a:r>
-                <a:r>
-                  <a:rPr lang="pt-BR" dirty="0"/>
-                  <a:t>para a </a:t>
-                </a:r>
-                <a:r>
-                  <a:rPr lang="pt-BR" b="1" i="1" dirty="0"/>
-                  <a:t>regressão linear </a:t>
-                </a:r>
-                <a:r>
-                  <a:rPr lang="pt-BR" dirty="0"/>
-                  <a:t>com </a:t>
-                </a:r>
-                <a:r>
-                  <a:rPr lang="pt-BR" dirty="0" smtClean="0"/>
-                  <a:t>a função de </a:t>
-                </a:r>
-                <a:r>
-                  <a:rPr lang="pt-BR" b="1" i="1" dirty="0" smtClean="0"/>
-                  <a:t>erro quadrático médio</a:t>
-                </a:r>
-                <a:r>
-                  <a:rPr lang="pt-BR" dirty="0" smtClean="0"/>
-                  <a:t>.</a:t>
+                  <a:t>).</a:t>
                 </a:r>
                 <a:endParaRPr lang="pt-BR" dirty="0"/>
               </a:p>
             </p:txBody>
           </p:sp>
         </mc:Choice>
-        <mc:Fallback xmlns="">
+        <mc:Fallback>
           <p:sp>
             <p:nvSpPr>
               <p:cNvPr id="3" name="Content Placeholder 2"/>
@@ -8817,7 +9005,7 @@
               <a:blipFill rotWithShape="0">
                 <a:blip r:embed="rId3"/>
                 <a:stretch>
-                  <a:fillRect l="-818" t="-3027" b="-1211"/>
+                  <a:fillRect l="-818" t="-3027" r="-709" b="-1211"/>
                 </a:stretch>
               </a:blipFill>
             </p:spPr>
@@ -8844,7 +9032,7 @@
         </p:nvSpPr>
         <p:spPr>
           <a:xfrm>
-            <a:off x="6568323" y="6488667"/>
+            <a:off x="6968945" y="1259607"/>
             <a:ext cx="5048883" cy="338554"/>
           </a:xfrm>
           <a:prstGeom prst="rect">
@@ -8873,6 +9061,276 @@
           </a:p>
         </p:txBody>
       </p:sp>
+      <mc:AlternateContent xmlns:mc="http://schemas.openxmlformats.org/markup-compatibility/2006">
+        <mc:Choice xmlns:a14="http://schemas.microsoft.com/office/drawing/2010/main" Requires="a14">
+          <p:sp>
+            <p:nvSpPr>
+              <p:cNvPr id="5" name="TextBox 4"/>
+              <p:cNvSpPr txBox="1"/>
+              <p:nvPr/>
+            </p:nvSpPr>
+            <p:spPr>
+              <a:xfrm>
+                <a:off x="9092764" y="2677138"/>
+                <a:ext cx="2950028" cy="1178336"/>
+              </a:xfrm>
+              <a:prstGeom prst="rect">
+                <a:avLst/>
+              </a:prstGeom>
+              <a:noFill/>
+            </p:spPr>
+            <p:txBody>
+              <a:bodyPr wrap="square" rtlCol="0">
+                <a:spAutoFit/>
+              </a:bodyPr>
+              <a:lstStyle/>
+              <a:p>
+                <a:pPr algn="ctr"/>
+                <a:r>
+                  <a:rPr lang="pt-BR" sz="1400" dirty="0" smtClean="0"/>
+                  <a:t>Aqui consideramos </a:t>
+                </a:r>
+                <a14:m>
+                  <m:oMath xmlns:m="http://schemas.openxmlformats.org/officeDocument/2006/math">
+                    <m:r>
+                      <a:rPr lang="pt-BR" sz="1400" i="1">
+                        <a:latin typeface="Cambria Math" panose="02040503050406030204" pitchFamily="18" charset="0"/>
+                      </a:rPr>
+                      <m:t>𝑔</m:t>
+                    </m:r>
+                    <m:d>
+                      <m:dPr>
+                        <m:ctrlPr>
+                          <a:rPr lang="pt-BR" sz="1400" i="1">
+                            <a:latin typeface="Cambria Math" panose="02040503050406030204" pitchFamily="18" charset="0"/>
+                          </a:rPr>
+                        </m:ctrlPr>
+                      </m:dPr>
+                      <m:e>
+                        <m:r>
+                          <a:rPr lang="pt-BR" sz="1400" b="1" i="1">
+                            <a:latin typeface="Cambria Math" panose="02040503050406030204" pitchFamily="18" charset="0"/>
+                          </a:rPr>
+                          <m:t>𝒙</m:t>
+                        </m:r>
+                      </m:e>
+                    </m:d>
+                  </m:oMath>
+                </a14:m>
+                <a:r>
+                  <a:rPr lang="pt-BR" sz="1400" dirty="0" smtClean="0"/>
+                  <a:t> como sendo a equação de um hiperplano: </a:t>
+                </a:r>
+                <a14:m>
+                  <m:oMath xmlns:m="http://schemas.openxmlformats.org/officeDocument/2006/math">
+                    <m:r>
+                      <a:rPr lang="pt-BR" sz="1400" i="1">
+                        <a:latin typeface="Cambria Math" panose="02040503050406030204" pitchFamily="18" charset="0"/>
+                      </a:rPr>
+                      <m:t>𝑔</m:t>
+                    </m:r>
+                    <m:d>
+                      <m:dPr>
+                        <m:ctrlPr>
+                          <a:rPr lang="pt-BR" sz="1400" i="1">
+                            <a:latin typeface="Cambria Math" panose="02040503050406030204" pitchFamily="18" charset="0"/>
+                          </a:rPr>
+                        </m:ctrlPr>
+                      </m:dPr>
+                      <m:e>
+                        <m:r>
+                          <a:rPr lang="pt-BR" sz="1400" b="1" i="1">
+                            <a:latin typeface="Cambria Math" panose="02040503050406030204" pitchFamily="18" charset="0"/>
+                          </a:rPr>
+                          <m:t>𝒙</m:t>
+                        </m:r>
+                      </m:e>
+                    </m:d>
+                    <m:r>
+                      <a:rPr lang="pt-BR" sz="1400" b="1" i="1" smtClean="0">
+                        <a:latin typeface="Cambria Math" panose="02040503050406030204" pitchFamily="18" charset="0"/>
+                      </a:rPr>
+                      <m:t>=</m:t>
+                    </m:r>
+                    <m:nary>
+                      <m:naryPr>
+                        <m:chr m:val="∑"/>
+                        <m:ctrlPr>
+                          <a:rPr lang="en-US" sz="1400" i="1">
+                            <a:latin typeface="Cambria Math" panose="02040503050406030204" pitchFamily="18" charset="0"/>
+                          </a:rPr>
+                        </m:ctrlPr>
+                      </m:naryPr>
+                      <m:sub>
+                        <m:r>
+                          <m:rPr>
+                            <m:brk m:alnAt="23"/>
+                          </m:rPr>
+                          <a:rPr lang="en-US" sz="1400" i="1">
+                            <a:latin typeface="Cambria Math" panose="02040503050406030204" pitchFamily="18" charset="0"/>
+                          </a:rPr>
+                          <m:t>𝑘</m:t>
+                        </m:r>
+                        <m:r>
+                          <a:rPr lang="en-US" sz="1400" i="1">
+                            <a:latin typeface="Cambria Math" panose="02040503050406030204" pitchFamily="18" charset="0"/>
+                          </a:rPr>
+                          <m:t>=</m:t>
+                        </m:r>
+                        <m:r>
+                          <a:rPr lang="pt-BR" sz="1400" i="1">
+                            <a:latin typeface="Cambria Math" panose="02040503050406030204" pitchFamily="18" charset="0"/>
+                          </a:rPr>
+                          <m:t>0</m:t>
+                        </m:r>
+                      </m:sub>
+                      <m:sup>
+                        <m:r>
+                          <a:rPr lang="en-US" sz="1400" i="1">
+                            <a:latin typeface="Cambria Math" panose="02040503050406030204" pitchFamily="18" charset="0"/>
+                          </a:rPr>
+                          <m:t>𝐾</m:t>
+                        </m:r>
+                      </m:sup>
+                      <m:e>
+                        <m:sSub>
+                          <m:sSubPr>
+                            <m:ctrlPr>
+                              <a:rPr lang="en-US" sz="1400" i="1">
+                                <a:latin typeface="Cambria Math" panose="02040503050406030204" pitchFamily="18" charset="0"/>
+                              </a:rPr>
+                            </m:ctrlPr>
+                          </m:sSubPr>
+                          <m:e>
+                            <m:r>
+                              <a:rPr lang="en-US" sz="1400" i="1">
+                                <a:latin typeface="Cambria Math" panose="02040503050406030204" pitchFamily="18" charset="0"/>
+                              </a:rPr>
+                              <m:t>𝑎</m:t>
+                            </m:r>
+                          </m:e>
+                          <m:sub>
+                            <m:r>
+                              <a:rPr lang="en-US" sz="1400" i="1">
+                                <a:latin typeface="Cambria Math" panose="02040503050406030204" pitchFamily="18" charset="0"/>
+                              </a:rPr>
+                              <m:t>𝑘</m:t>
+                            </m:r>
+                          </m:sub>
+                        </m:sSub>
+                        <m:sSub>
+                          <m:sSubPr>
+                            <m:ctrlPr>
+                              <a:rPr lang="en-US" sz="1400" i="1">
+                                <a:latin typeface="Cambria Math" panose="02040503050406030204" pitchFamily="18" charset="0"/>
+                              </a:rPr>
+                            </m:ctrlPr>
+                          </m:sSubPr>
+                          <m:e>
+                            <m:r>
+                              <a:rPr lang="en-US" sz="1400" i="1">
+                                <a:latin typeface="Cambria Math" panose="02040503050406030204" pitchFamily="18" charset="0"/>
+                              </a:rPr>
+                              <m:t>𝑥</m:t>
+                            </m:r>
+                          </m:e>
+                          <m:sub>
+                            <m:r>
+                              <a:rPr lang="en-US" sz="1400" i="1">
+                                <a:latin typeface="Cambria Math" panose="02040503050406030204" pitchFamily="18" charset="0"/>
+                              </a:rPr>
+                              <m:t>𝑘</m:t>
+                            </m:r>
+                          </m:sub>
+                        </m:sSub>
+                      </m:e>
+                    </m:nary>
+                  </m:oMath>
+                </a14:m>
+                <a:r>
+                  <a:rPr lang="pt-BR" sz="1400" dirty="0" smtClean="0"/>
+                  <a:t>, mas o resultado é facilmente estendido para polinômios.</a:t>
+                </a:r>
+                <a:endParaRPr lang="pt-BR" sz="1400" dirty="0"/>
+              </a:p>
+            </p:txBody>
+          </p:sp>
+        </mc:Choice>
+        <mc:Fallback>
+          <p:sp>
+            <p:nvSpPr>
+              <p:cNvPr id="5" name="TextBox 4"/>
+              <p:cNvSpPr txBox="1">
+                <a:spLocks noRot="1" noChangeAspect="1" noMove="1" noResize="1" noEditPoints="1" noAdjustHandles="1" noChangeArrowheads="1" noChangeShapeType="1" noTextEdit="1"/>
+              </p:cNvSpPr>
+              <p:nvPr/>
+            </p:nvSpPr>
+            <p:spPr>
+              <a:xfrm>
+                <a:off x="9092764" y="2677138"/>
+                <a:ext cx="2950028" cy="1178336"/>
+              </a:xfrm>
+              <a:prstGeom prst="rect">
+                <a:avLst/>
+              </a:prstGeom>
+              <a:blipFill rotWithShape="0">
+                <a:blip r:embed="rId5"/>
+                <a:stretch>
+                  <a:fillRect t="-1036" r="-1033" b="-5181"/>
+                </a:stretch>
+              </a:blipFill>
+            </p:spPr>
+            <p:txBody>
+              <a:bodyPr/>
+              <a:lstStyle/>
+              <a:p>
+                <a:r>
+                  <a:rPr lang="pt-BR">
+                    <a:noFill/>
+                  </a:rPr>
+                  <a:t> </a:t>
+                </a:r>
+              </a:p>
+            </p:txBody>
+          </p:sp>
+        </mc:Fallback>
+      </mc:AlternateContent>
+      <p:cxnSp>
+        <p:nvCxnSpPr>
+          <p:cNvPr id="7" name="Straight Arrow Connector 6"/>
+          <p:cNvCxnSpPr/>
+          <p:nvPr/>
+        </p:nvCxnSpPr>
+        <p:spPr>
+          <a:xfrm flipH="1">
+            <a:off x="8360229" y="3454400"/>
+            <a:ext cx="885371" cy="783771"/>
+          </a:xfrm>
+          <a:prstGeom prst="straightConnector1">
+            <a:avLst/>
+          </a:prstGeom>
+          <a:ln>
+            <a:solidFill>
+              <a:srgbClr val="FF0000"/>
+            </a:solidFill>
+            <a:tailEnd type="triangle"/>
+          </a:ln>
+        </p:spPr>
+        <p:style>
+          <a:lnRef idx="1">
+            <a:schemeClr val="accent1"/>
+          </a:lnRef>
+          <a:fillRef idx="0">
+            <a:schemeClr val="accent1"/>
+          </a:fillRef>
+          <a:effectRef idx="0">
+            <a:schemeClr val="accent1"/>
+          </a:effectRef>
+          <a:fontRef idx="minor">
+            <a:schemeClr val="tx1"/>
+          </a:fontRef>
+        </p:style>
+      </p:cxnSp>
     </p:spTree>
     <p:extLst>
       <p:ext uri="{BB962C8B-B14F-4D97-AF65-F5344CB8AC3E}">
@@ -8883,6 +9341,13 @@
   <p:clrMapOvr>
     <a:masterClrMapping/>
   </p:clrMapOvr>
+  <p:timing>
+    <p:tnLst>
+      <p:par>
+        <p:cTn id="1" dur="indefinite" restart="never" nodeType="tmRoot"/>
+      </p:par>
+    </p:tnLst>
+  </p:timing>
 </p:sld>
 </file>
 
@@ -8930,8 +9395,8 @@
           </a:p>
         </p:txBody>
       </p:sp>
-      <mc:AlternateContent xmlns:mc="http://schemas.openxmlformats.org/markup-compatibility/2006" xmlns:a14="http://schemas.microsoft.com/office/drawing/2010/main">
-        <mc:Choice Requires="a14">
+      <mc:AlternateContent xmlns:mc="http://schemas.openxmlformats.org/markup-compatibility/2006">
+        <mc:Choice xmlns:a14="http://schemas.microsoft.com/office/drawing/2010/main" Requires="a14">
           <p:sp>
             <p:nvSpPr>
               <p:cNvPr id="3" name="Content Placeholder 2"/>
@@ -8956,35 +9421,24 @@
               <a:p>
                 <a:r>
                   <a:rPr lang="pt-BR" dirty="0" smtClean="0"/>
-                  <a:t>Como vimos, a função hipótese, </a:t>
+                  <a:t>Como vimos, a </a:t>
+                </a:r>
+                <a:r>
+                  <a:rPr lang="pt-BR" b="1" i="1" dirty="0" smtClean="0"/>
+                  <a:t>função discriminante</a:t>
+                </a:r>
+                <a:r>
+                  <a:rPr lang="pt-BR" dirty="0" smtClean="0"/>
+                  <a:t>, </a:t>
                 </a:r>
                 <a14:m>
                   <m:oMath xmlns:m="http://schemas.openxmlformats.org/officeDocument/2006/math">
-                    <m:sSub>
-                      <m:sSubPr>
-                        <m:ctrlPr>
-                          <a:rPr lang="pt-BR" i="1">
-                            <a:latin typeface="Cambria Math" panose="02040503050406030204" pitchFamily="18" charset="0"/>
-                          </a:rPr>
-                        </m:ctrlPr>
-                      </m:sSubPr>
-                      <m:e>
-                        <m:r>
-                          <a:rPr lang="pt-BR" i="1">
-                            <a:latin typeface="Cambria Math" panose="02040503050406030204" pitchFamily="18" charset="0"/>
-                          </a:rPr>
-                          <m:t>h</m:t>
-                        </m:r>
-                      </m:e>
-                      <m:sub>
-                        <m:r>
-                          <a:rPr lang="pt-BR" b="1" i="1">
-                            <a:latin typeface="Cambria Math" panose="02040503050406030204" pitchFamily="18" charset="0"/>
-                          </a:rPr>
-                          <m:t>𝒂</m:t>
-                        </m:r>
-                      </m:sub>
-                    </m:sSub>
+                    <m:r>
+                      <a:rPr lang="pt-BR" i="1">
+                        <a:latin typeface="Cambria Math" panose="02040503050406030204" pitchFamily="18" charset="0"/>
+                      </a:rPr>
+                      <m:t>𝑔</m:t>
+                    </m:r>
                     <m:d>
                       <m:dPr>
                         <m:ctrlPr>
@@ -9006,7 +9460,15 @@
                 </a14:m>
                 <a:r>
                   <a:rPr lang="pt-BR" dirty="0" smtClean="0"/>
-                  <a:t>, pode assumir a forma de um </a:t>
+                  <a:t>, pode </a:t>
+                </a:r>
+                <a:r>
+                  <a:rPr lang="pt-BR" dirty="0" smtClean="0"/>
+                  <a:t>também assumir </a:t>
+                </a:r>
+                <a:r>
+                  <a:rPr lang="pt-BR" dirty="0" smtClean="0"/>
+                  <a:t>a forma de um </a:t>
                 </a:r>
                 <a:r>
                   <a:rPr lang="pt-BR" b="1" i="1" dirty="0" smtClean="0"/>
@@ -9074,7 +9536,15 @@
                 </a:pPr>
                 <a:r>
                   <a:rPr lang="pt-BR" dirty="0"/>
-                  <a:t>Na primeira figura, a falta de flexibilidade da reta usada faz com que o erro de classificação seja alto.</a:t>
+                  <a:t>Na primeira figura, a </a:t>
+                </a:r>
+                <a:r>
+                  <a:rPr lang="pt-BR" b="1" i="1" dirty="0"/>
+                  <a:t>falta de flexibilidade </a:t>
+                </a:r>
+                <a:r>
+                  <a:rPr lang="pt-BR" dirty="0"/>
+                  <a:t>da reta usada faz com que o erro de classificação seja alto.</a:t>
                 </a:r>
               </a:p>
               <a:p>
@@ -9084,7 +9554,15 @@
                 </a:pPr>
                 <a:r>
                   <a:rPr lang="pt-BR" dirty="0"/>
-                  <a:t>Na última figura, a flexibilidade excessiva do modelo (explorando um polinômio de ordem elevada) dá origem a contorções na </a:t>
+                  <a:t>Na última figura, a </a:t>
+                </a:r>
+                <a:r>
+                  <a:rPr lang="pt-BR" b="1" i="1" dirty="0"/>
+                  <a:t>flexibilidade excessiva </a:t>
+                </a:r>
+                <a:r>
+                  <a:rPr lang="pt-BR" dirty="0"/>
+                  <a:t>do modelo (explorando um polinômio de ordem elevada) dá origem a contorções na </a:t>
                 </a:r>
                 <a:r>
                   <a:rPr lang="pt-BR" b="1" i="1" dirty="0"/>
@@ -9167,7 +9645,7 @@
             </p:txBody>
           </p:sp>
         </mc:Choice>
-        <mc:Fallback xmlns="">
+        <mc:Fallback>
           <p:sp>
             <p:nvSpPr>
               <p:cNvPr id="3" name="Content Placeholder 2"/>
@@ -9186,7 +9664,7 @@
               <a:blipFill rotWithShape="0">
                 <a:blip r:embed="rId2"/>
                 <a:stretch>
-                  <a:fillRect l="-929" t="-2241" r="-357" b="-1887"/>
+                  <a:fillRect l="-929" t="-2241" b="-1887"/>
                 </a:stretch>
               </a:blipFill>
             </p:spPr>
@@ -17356,6 +17834,13 @@
   <p:clrMapOvr>
     <a:masterClrMapping/>
   </p:clrMapOvr>
+  <p:timing>
+    <p:tnLst>
+      <p:par>
+        <p:cTn id="1" dur="indefinite" restart="never" nodeType="tmRoot"/>
+      </p:par>
+    </p:tnLst>
+  </p:timing>
 </p:sld>
 </file>
 
@@ -17571,7 +18056,7 @@
           <p:cNvPr id="4" name="Título 1">
             <a:extLst>
               <a:ext uri="{FF2B5EF4-FFF2-40B4-BE49-F238E27FC236}">
-                <a16:creationId xmlns="" xmlns:a16="http://schemas.microsoft.com/office/drawing/2014/main" id="{32666AC8-2E17-4DB4-B0F5-60C640CCFD2E}"/>
+                <a16:creationId xmlns:a16="http://schemas.microsoft.com/office/drawing/2014/main" xmlns="" id="{32666AC8-2E17-4DB4-B0F5-60C640CCFD2E}"/>
               </a:ext>
             </a:extLst>
           </p:cNvPr>
@@ -18482,7 +18967,23 @@
           <a:p>
             <a:r>
               <a:rPr lang="pt-BR" dirty="0" smtClean="0"/>
-              <a:t>Anteriormente, aprendemos que a classificação linear é feita usando-se uma </a:t>
+              <a:t>Anteriormente, aprendemos que a </a:t>
+            </a:r>
+            <a:r>
+              <a:rPr lang="pt-BR" b="1" i="1" dirty="0" smtClean="0"/>
+              <a:t>classificação</a:t>
+            </a:r>
+            <a:r>
+              <a:rPr lang="pt-BR" dirty="0" smtClean="0"/>
+              <a:t> </a:t>
+            </a:r>
+            <a:r>
+              <a:rPr lang="pt-BR" dirty="0" smtClean="0"/>
+              <a:t>pode ser </a:t>
+            </a:r>
+            <a:r>
+              <a:rPr lang="pt-BR" dirty="0" smtClean="0"/>
+              <a:t>feita usando-se uma </a:t>
             </a:r>
             <a:r>
               <a:rPr lang="pt-BR" b="1" i="1" dirty="0" smtClean="0"/>
@@ -18512,7 +19013,15 @@
           <a:p>
             <a:r>
               <a:rPr lang="pt-BR" dirty="0" smtClean="0"/>
-              <a:t>Como na regressão linear, o problema da classificação está em encontrar os pesos da </a:t>
+              <a:t>Como na </a:t>
+            </a:r>
+            <a:r>
+              <a:rPr lang="pt-BR" b="1" i="1" dirty="0" smtClean="0"/>
+              <a:t>regressão linear</a:t>
+            </a:r>
+            <a:r>
+              <a:rPr lang="pt-BR" dirty="0" smtClean="0"/>
+              <a:t>, o problema da classificação está em encontrar os pesos da </a:t>
             </a:r>
             <a:r>
               <a:rPr lang="pt-BR" b="1" i="1" dirty="0"/>
@@ -18538,7 +19047,35 @@
             </a:r>
             <a:r>
               <a:rPr lang="pt-BR" dirty="0" smtClean="0"/>
-              <a:t>, porém, ela apresenta alguns problemas como não poder ser utilizada para encontrar uma solução fechada ou com gradiente descendente e não nos dar a confiança de um resultado de classificação.</a:t>
+              <a:t>, porém, ela apresenta alguns problemas como não poder ser utilizada para encontrar uma </a:t>
+            </a:r>
+            <a:r>
+              <a:rPr lang="pt-BR" b="1" i="1" dirty="0" smtClean="0"/>
+              <a:t>solução </a:t>
+            </a:r>
+            <a:r>
+              <a:rPr lang="pt-BR" b="1" i="1" dirty="0" smtClean="0"/>
+              <a:t>em forma fechada </a:t>
+            </a:r>
+            <a:r>
+              <a:rPr lang="pt-BR" dirty="0" smtClean="0"/>
+              <a:t>ou com </a:t>
+            </a:r>
+            <a:r>
+              <a:rPr lang="pt-BR" b="1" i="1" dirty="0" smtClean="0"/>
+              <a:t>gradiente descendente </a:t>
+            </a:r>
+            <a:r>
+              <a:rPr lang="pt-BR" dirty="0" smtClean="0"/>
+              <a:t>e não nos dar a </a:t>
+            </a:r>
+            <a:r>
+              <a:rPr lang="pt-BR" b="1" i="1" dirty="0" smtClean="0"/>
+              <a:t>confiança de um resultado </a:t>
+            </a:r>
+            <a:r>
+              <a:rPr lang="pt-BR" dirty="0" smtClean="0"/>
+              <a:t>de classificação.</a:t>
             </a:r>
           </a:p>
           <a:p>
@@ -18578,11 +19115,23 @@
             </a:r>
             <a:r>
               <a:rPr lang="pt-BR" b="1" i="1" dirty="0" smtClean="0"/>
-              <a:t>gradiente descendente</a:t>
+              <a:t>gradiente </a:t>
+            </a:r>
+            <a:r>
+              <a:rPr lang="pt-BR" b="1" i="1" dirty="0" smtClean="0"/>
+              <a:t>descendente </a:t>
             </a:r>
             <a:r>
               <a:rPr lang="pt-BR" dirty="0" smtClean="0"/>
-              <a:t>.</a:t>
+              <a:t>e termos o </a:t>
+            </a:r>
+            <a:r>
+              <a:rPr lang="pt-BR" b="1" i="1" dirty="0" smtClean="0"/>
+              <a:t>grau de confiança </a:t>
+            </a:r>
+            <a:r>
+              <a:rPr lang="pt-BR" dirty="0" smtClean="0"/>
+              <a:t>de uma classificação.</a:t>
             </a:r>
             <a:endParaRPr lang="pt-BR" dirty="0"/>
           </a:p>
@@ -18642,14 +19191,22 @@
           <a:p>
             <a:r>
               <a:rPr lang="pt-BR" dirty="0" smtClean="0"/>
-              <a:t>Classificação linear com função de limiar logístico</a:t>
+              <a:t>Classificação </a:t>
+            </a:r>
+            <a:r>
+              <a:rPr lang="pt-BR" dirty="0" smtClean="0"/>
+              <a:t>com </a:t>
+            </a:r>
+            <a:r>
+              <a:rPr lang="pt-BR" dirty="0" smtClean="0"/>
+              <a:t>função de limiar logístico</a:t>
             </a:r>
             <a:endParaRPr lang="pt-BR" dirty="0"/>
           </a:p>
         </p:txBody>
       </p:sp>
-      <mc:AlternateContent xmlns:mc="http://schemas.openxmlformats.org/markup-compatibility/2006" xmlns:a14="http://schemas.microsoft.com/office/drawing/2010/main">
-        <mc:Choice Requires="a14">
+      <mc:AlternateContent xmlns:mc="http://schemas.openxmlformats.org/markup-compatibility/2006">
+        <mc:Choice xmlns:a14="http://schemas.microsoft.com/office/drawing/2010/main" Requires="a14">
           <p:sp>
             <p:nvSpPr>
               <p:cNvPr id="3" name="Content Placeholder 2"/>
@@ -18958,7 +19515,7 @@
             </p:txBody>
           </p:sp>
         </mc:Choice>
-        <mc:Fallback xmlns="">
+        <mc:Fallback>
           <p:sp>
             <p:nvSpPr>
               <p:cNvPr id="3" name="Content Placeholder 2"/>
@@ -18975,7 +19532,7 @@
                 <a:ext cx="11171831" cy="5070144"/>
               </a:xfrm>
               <a:blipFill rotWithShape="0">
-                <a:blip r:embed="rId6"/>
+                <a:blip r:embed="rId3"/>
                 <a:stretch>
                   <a:fillRect l="-927" t="-1923" r="-1528"/>
                 </a:stretch>
@@ -19038,8 +19595,8 @@
         </p:nvSpPr>
         <p:spPr>
           <a:xfrm>
-            <a:off x="838199" y="81886"/>
-            <a:ext cx="11089944" cy="1392071"/>
+            <a:off x="838199" y="0"/>
+            <a:ext cx="11089944" cy="1473957"/>
           </a:xfrm>
         </p:spPr>
         <p:txBody>
@@ -19050,13 +19607,21 @@
           <a:p>
             <a:r>
               <a:rPr lang="pt-BR" dirty="0"/>
-              <a:t>Classificação linear com função de limiar logístico</a:t>
+              <a:t>Classificação </a:t>
+            </a:r>
+            <a:r>
+              <a:rPr lang="pt-BR" dirty="0" smtClean="0"/>
+              <a:t>com </a:t>
+            </a:r>
+            <a:r>
+              <a:rPr lang="pt-BR" dirty="0"/>
+              <a:t>função de limiar logístico</a:t>
             </a:r>
           </a:p>
         </p:txBody>
       </p:sp>
-      <mc:AlternateContent xmlns:mc="http://schemas.openxmlformats.org/markup-compatibility/2006" xmlns:a14="http://schemas.microsoft.com/office/drawing/2010/main">
-        <mc:Choice Requires="a14">
+      <mc:AlternateContent xmlns:mc="http://schemas.openxmlformats.org/markup-compatibility/2006">
+        <mc:Choice xmlns:a14="http://schemas.microsoft.com/office/drawing/2010/main" Requires="a14">
           <p:sp>
             <p:nvSpPr>
               <p:cNvPr id="3" name="Content Placeholder 2"/>
@@ -19069,8 +19634,8 @@
             </p:nvSpPr>
             <p:spPr>
               <a:xfrm>
-                <a:off x="838200" y="1733266"/>
-                <a:ext cx="8415292" cy="5124734"/>
+                <a:off x="838200" y="1428472"/>
+                <a:ext cx="8415292" cy="5429528"/>
               </a:xfrm>
             </p:spPr>
             <p:txBody>
@@ -19351,14 +19916,20 @@
                         </m:ctrlPr>
                       </m:dPr>
                       <m:e>
-                        <m:sSup>
-                          <m:sSupPr>
+                        <m:r>
+                          <a:rPr lang="pt-BR" i="1">
+                            <a:latin typeface="Cambria Math" panose="02040503050406030204" pitchFamily="18" charset="0"/>
+                          </a:rPr>
+                          <m:t>𝑔</m:t>
+                        </m:r>
+                        <m:d>
+                          <m:dPr>
                             <m:ctrlPr>
                               <a:rPr lang="pt-BR" i="1">
                                 <a:latin typeface="Cambria Math" panose="02040503050406030204" pitchFamily="18" charset="0"/>
                               </a:rPr>
                             </m:ctrlPr>
-                          </m:sSupPr>
+                          </m:dPr>
                           <m:e>
                             <m:r>
                               <a:rPr lang="pt-BR" b="1" i="1">
@@ -19367,23 +19938,18 @@
                               <m:t>𝒙</m:t>
                             </m:r>
                           </m:e>
-                          <m:sup>
-                            <m:r>
-                              <a:rPr lang="pt-BR" i="1">
-                                <a:latin typeface="Cambria Math" panose="02040503050406030204" pitchFamily="18" charset="0"/>
-                              </a:rPr>
-                              <m:t>𝑇</m:t>
-                            </m:r>
-                          </m:sup>
-                        </m:sSup>
-                        <m:r>
-                          <a:rPr lang="pt-BR" b="1" i="1">
-                            <a:latin typeface="Cambria Math" panose="02040503050406030204" pitchFamily="18" charset="0"/>
-                          </a:rPr>
-                          <m:t>𝒂</m:t>
-                        </m:r>
+                        </m:d>
                       </m:e>
                     </m:d>
+                    <m:r>
+                      <m:rPr>
+                        <m:nor/>
+                      </m:rPr>
+                      <a:rPr lang="pt-BR" b="0" i="1" smtClean="0">
+                        <a:latin typeface="Cambria Math" panose="02040503050406030204" pitchFamily="18" charset="0"/>
+                      </a:rPr>
+                      <m:t> </m:t>
+                    </m:r>
                     <m:r>
                       <a:rPr lang="pt-BR" i="1">
                         <a:latin typeface="Cambria Math" panose="02040503050406030204" pitchFamily="18" charset="0"/>
@@ -19436,14 +20002,20 @@
                               </a:rPr>
                               <m:t>−</m:t>
                             </m:r>
-                            <m:sSup>
-                              <m:sSupPr>
+                            <m:r>
+                              <a:rPr lang="pt-BR" i="1">
+                                <a:latin typeface="Cambria Math" panose="02040503050406030204" pitchFamily="18" charset="0"/>
+                              </a:rPr>
+                              <m:t>𝑔</m:t>
+                            </m:r>
+                            <m:d>
+                              <m:dPr>
                                 <m:ctrlPr>
                                   <a:rPr lang="pt-BR" i="1">
                                     <a:latin typeface="Cambria Math" panose="02040503050406030204" pitchFamily="18" charset="0"/>
                                   </a:rPr>
                                 </m:ctrlPr>
-                              </m:sSupPr>
+                              </m:dPr>
                               <m:e>
                                 <m:r>
                                   <a:rPr lang="pt-BR" b="1" i="1">
@@ -19452,21 +20024,7 @@
                                   <m:t>𝒙</m:t>
                                 </m:r>
                               </m:e>
-                              <m:sup>
-                                <m:r>
-                                  <a:rPr lang="pt-BR" i="1">
-                                    <a:latin typeface="Cambria Math" panose="02040503050406030204" pitchFamily="18" charset="0"/>
-                                  </a:rPr>
-                                  <m:t>𝑇</m:t>
-                                </m:r>
-                              </m:sup>
-                            </m:sSup>
-                            <m:r>
-                              <a:rPr lang="pt-BR" b="1" i="1">
-                                <a:latin typeface="Cambria Math" panose="02040503050406030204" pitchFamily="18" charset="0"/>
-                              </a:rPr>
-                              <m:t>𝒂</m:t>
-                            </m:r>
+                            </m:d>
                           </m:sup>
                         </m:sSup>
                       </m:den>
@@ -19511,6 +20069,56 @@
                   <a:rPr lang="pt-BR" dirty="0" smtClean="0"/>
                   <a:t>.</a:t>
                 </a:r>
+              </a:p>
+              <a:p>
+                <a14:m>
+                  <m:oMath xmlns:m="http://schemas.openxmlformats.org/officeDocument/2006/math">
+                    <m:r>
+                      <a:rPr lang="pt-BR" i="1">
+                        <a:latin typeface="Cambria Math" panose="02040503050406030204" pitchFamily="18" charset="0"/>
+                      </a:rPr>
+                      <m:t>𝑔</m:t>
+                    </m:r>
+                    <m:d>
+                      <m:dPr>
+                        <m:ctrlPr>
+                          <a:rPr lang="pt-BR" i="1">
+                            <a:latin typeface="Cambria Math" panose="02040503050406030204" pitchFamily="18" charset="0"/>
+                          </a:rPr>
+                        </m:ctrlPr>
+                      </m:dPr>
+                      <m:e>
+                        <m:r>
+                          <a:rPr lang="pt-BR" b="1" i="1">
+                            <a:latin typeface="Cambria Math" panose="02040503050406030204" pitchFamily="18" charset="0"/>
+                          </a:rPr>
+                          <m:t>𝒙</m:t>
+                        </m:r>
+                      </m:e>
+                    </m:d>
+                  </m:oMath>
+                </a14:m>
+                <a:r>
+                  <a:rPr lang="pt-BR" dirty="0" smtClean="0"/>
+                  <a:t> pode ser um </a:t>
+                </a:r>
+                <a:r>
+                  <a:rPr lang="pt-BR" b="1" i="1" dirty="0" smtClean="0"/>
+                  <a:t>hiperplano</a:t>
+                </a:r>
+                <a:r>
+                  <a:rPr lang="pt-BR" dirty="0" smtClean="0"/>
+                  <a:t>, um </a:t>
+                </a:r>
+                <a:r>
+                  <a:rPr lang="pt-BR" b="1" i="1" dirty="0" smtClean="0"/>
+                  <a:t>polinômio</a:t>
+                </a:r>
+                <a:r>
+                  <a:rPr lang="pt-BR" dirty="0" smtClean="0"/>
+                  <a:t>, etc. </a:t>
+                </a:r>
+                <a:endParaRPr lang="pt-BR" dirty="0" smtClean="0"/>
               </a:p>
               <a:p>
                 <a:r>
@@ -19666,7 +20274,7 @@
             </p:txBody>
           </p:sp>
         </mc:Choice>
-        <mc:Fallback xmlns="">
+        <mc:Fallback>
           <p:sp>
             <p:nvSpPr>
               <p:cNvPr id="3" name="Content Placeholder 2"/>
@@ -19679,13 +20287,13 @@
             </p:nvSpPr>
             <p:spPr>
               <a:xfrm>
-                <a:off x="838200" y="1733266"/>
-                <a:ext cx="8415292" cy="5124734"/>
+                <a:off x="838200" y="1428472"/>
+                <a:ext cx="8415292" cy="5429528"/>
               </a:xfrm>
               <a:blipFill rotWithShape="0">
-                <a:blip r:embed="rId6"/>
+                <a:blip r:embed="rId3"/>
                 <a:stretch>
-                  <a:fillRect l="-1304" t="-2973" r="-1232" b="-951"/>
+                  <a:fillRect l="-1304" t="-2806" r="-1232" b="-2245"/>
                 </a:stretch>
               </a:blipFill>
             </p:spPr>
@@ -19713,22 +20321,22 @@
           <p:nvPr/>
         </p:nvPicPr>
         <p:blipFill rotWithShape="1">
-          <a:blip r:embed="rId7"/>
+          <a:blip r:embed="rId4"/>
           <a:srcRect l="2379" t="6664" r="8832"/>
           <a:stretch/>
         </p:blipFill>
         <p:spPr>
           <a:xfrm>
-            <a:off x="9185252" y="1733266"/>
-            <a:ext cx="2938507" cy="2684619"/>
+            <a:off x="9143658" y="1428472"/>
+            <a:ext cx="2980102" cy="2722620"/>
           </a:xfrm>
           <a:prstGeom prst="rect">
             <a:avLst/>
           </a:prstGeom>
         </p:spPr>
       </p:pic>
-      <mc:AlternateContent xmlns:mc="http://schemas.openxmlformats.org/markup-compatibility/2006" xmlns:a14="http://schemas.microsoft.com/office/drawing/2010/main">
-        <mc:Choice Requires="a14">
+      <mc:AlternateContent xmlns:mc="http://schemas.openxmlformats.org/markup-compatibility/2006">
+        <mc:Choice xmlns:a14="http://schemas.microsoft.com/office/drawing/2010/main" Requires="a14">
           <p:sp>
             <p:nvSpPr>
               <p:cNvPr id="5" name="Rectangle 4"/>
@@ -19737,7 +20345,7 @@
             </p:nvSpPr>
             <p:spPr>
               <a:xfrm>
-                <a:off x="9185252" y="4311367"/>
+                <a:off x="9185252" y="4079143"/>
                 <a:ext cx="2938508" cy="523220"/>
               </a:xfrm>
               <a:prstGeom prst="rect">
@@ -19803,7 +20411,7 @@
             </p:txBody>
           </p:sp>
         </mc:Choice>
-        <mc:Fallback xmlns="">
+        <mc:Fallback>
           <p:sp>
             <p:nvSpPr>
               <p:cNvPr id="5" name="Rectangle 4"/>
@@ -19814,14 +20422,14 @@
             </p:nvSpPr>
             <p:spPr>
               <a:xfrm>
-                <a:off x="9185252" y="4311367"/>
+                <a:off x="9185252" y="4079143"/>
                 <a:ext cx="2938508" cy="523220"/>
               </a:xfrm>
               <a:prstGeom prst="rect">
                 <a:avLst/>
               </a:prstGeom>
               <a:blipFill rotWithShape="0">
-                <a:blip r:embed="rId8"/>
+                <a:blip r:embed="rId5"/>
                 <a:stretch>
                   <a:fillRect t="-2326" b="-11628"/>
                 </a:stretch>
@@ -19842,53 +20450,141 @@
           </p:sp>
         </mc:Fallback>
       </mc:AlternateContent>
-      <p:sp>
-        <p:nvSpPr>
-          <p:cNvPr id="6" name="TextBox 5"/>
-          <p:cNvSpPr txBox="1"/>
-          <p:nvPr/>
-        </p:nvSpPr>
-        <p:spPr>
-          <a:xfrm>
-            <a:off x="8980227" y="5155451"/>
-            <a:ext cx="3143531" cy="1169551"/>
-          </a:xfrm>
-          <a:prstGeom prst="rect">
-            <a:avLst/>
-          </a:prstGeom>
-          <a:noFill/>
-        </p:spPr>
-        <p:txBody>
-          <a:bodyPr wrap="square" rtlCol="0">
-            <a:spAutoFit/>
-          </a:bodyPr>
-          <a:lstStyle/>
-          <a:p>
-            <a:pPr algn="ctr"/>
-            <a:r>
-              <a:rPr lang="pt-BR" sz="1400" dirty="0" smtClean="0"/>
-              <a:t>Quanto mais longe da </a:t>
-            </a:r>
-            <a:r>
-              <a:rPr lang="pt-BR" sz="1400" b="1" i="1" dirty="0" smtClean="0"/>
-              <a:t>fronteira de decisão</a:t>
-            </a:r>
-            <a:r>
-              <a:rPr lang="pt-BR" sz="1400" dirty="0" smtClean="0"/>
-              <a:t>, mais próximo o valor de saída da </a:t>
-            </a:r>
-            <a:r>
-              <a:rPr lang="pt-BR" sz="1400" b="1" i="1" dirty="0" smtClean="0"/>
-              <a:t>função hipótese </a:t>
-            </a:r>
-            <a:r>
-              <a:rPr lang="pt-BR" sz="1400" dirty="0" smtClean="0"/>
-              <a:t>será de 0 ou de 1 e, portanto, mais certeza teremos sobre uma classificação.</a:t>
-            </a:r>
-            <a:endParaRPr lang="pt-BR" sz="1400" dirty="0"/>
-          </a:p>
-        </p:txBody>
-      </p:sp>
+      <mc:AlternateContent xmlns:mc="http://schemas.openxmlformats.org/markup-compatibility/2006">
+        <mc:Choice xmlns:a14="http://schemas.microsoft.com/office/drawing/2010/main" Requires="a14">
+          <p:sp>
+            <p:nvSpPr>
+              <p:cNvPr id="6" name="TextBox 5"/>
+              <p:cNvSpPr txBox="1"/>
+              <p:nvPr/>
+            </p:nvSpPr>
+            <p:spPr>
+              <a:xfrm>
+                <a:off x="8980227" y="4850657"/>
+                <a:ext cx="3143531" cy="1877437"/>
+              </a:xfrm>
+              <a:prstGeom prst="rect">
+                <a:avLst/>
+              </a:prstGeom>
+              <a:noFill/>
+            </p:spPr>
+            <p:txBody>
+              <a:bodyPr wrap="square" rtlCol="0">
+                <a:spAutoFit/>
+              </a:bodyPr>
+              <a:lstStyle/>
+              <a:p>
+                <a:pPr algn="ctr"/>
+                <a:r>
+                  <a:rPr lang="pt-BR" sz="1400" dirty="0" smtClean="0"/>
+                  <a:t>Quanto mais longe da </a:t>
+                </a:r>
+                <a:r>
+                  <a:rPr lang="pt-BR" sz="1400" b="1" i="1" dirty="0" smtClean="0"/>
+                  <a:t>fronteira de decisão</a:t>
+                </a:r>
+                <a:r>
+                  <a:rPr lang="pt-BR" sz="1400" dirty="0" smtClean="0"/>
+                  <a:t>, mais próximo o valor de saída da </a:t>
+                </a:r>
+                <a:r>
+                  <a:rPr lang="pt-BR" sz="1400" b="1" i="1" dirty="0" smtClean="0"/>
+                  <a:t>função hipótese </a:t>
+                </a:r>
+                <a:r>
+                  <a:rPr lang="pt-BR" sz="1400" dirty="0" smtClean="0"/>
+                  <a:t>será de 0 ou de 1 e, portanto, mais certeza teremos sobre uma classificação</a:t>
+                </a:r>
+                <a:r>
+                  <a:rPr lang="pt-BR" sz="1400" dirty="0" smtClean="0"/>
+                  <a:t>.</a:t>
+                </a:r>
+              </a:p>
+              <a:p>
+                <a:pPr algn="ctr"/>
+                <a:endParaRPr lang="pt-BR" sz="1400" dirty="0"/>
+              </a:p>
+              <a:p>
+                <a:pPr algn="ctr"/>
+                <a:r>
+                  <a:rPr lang="pt-BR" sz="1400" dirty="0" smtClean="0"/>
+                  <a:t>Em resumo, quanto mais longe, maior o valor de </a:t>
+                </a:r>
+                <a14:m>
+                  <m:oMath xmlns:m="http://schemas.openxmlformats.org/officeDocument/2006/math">
+                    <m:r>
+                      <a:rPr lang="pt-BR" sz="1400" i="1">
+                        <a:latin typeface="Cambria Math" panose="02040503050406030204" pitchFamily="18" charset="0"/>
+                      </a:rPr>
+                      <m:t>𝑔</m:t>
+                    </m:r>
+                    <m:d>
+                      <m:dPr>
+                        <m:ctrlPr>
+                          <a:rPr lang="pt-BR" sz="1400" i="1">
+                            <a:latin typeface="Cambria Math" panose="02040503050406030204" pitchFamily="18" charset="0"/>
+                          </a:rPr>
+                        </m:ctrlPr>
+                      </m:dPr>
+                      <m:e>
+                        <m:r>
+                          <a:rPr lang="pt-BR" sz="1400" b="1" i="1">
+                            <a:latin typeface="Cambria Math" panose="02040503050406030204" pitchFamily="18" charset="0"/>
+                          </a:rPr>
+                          <m:t>𝒙</m:t>
+                        </m:r>
+                      </m:e>
+                    </m:d>
+                  </m:oMath>
+                </a14:m>
+                <a:r>
+                  <a:rPr lang="pt-BR" sz="1400" dirty="0" smtClean="0"/>
+                  <a:t>.</a:t>
+                </a:r>
+                <a:endParaRPr lang="pt-BR" sz="1400" dirty="0"/>
+              </a:p>
+            </p:txBody>
+          </p:sp>
+        </mc:Choice>
+        <mc:Fallback>
+          <p:sp>
+            <p:nvSpPr>
+              <p:cNvPr id="6" name="TextBox 5"/>
+              <p:cNvSpPr txBox="1">
+                <a:spLocks noRot="1" noChangeAspect="1" noMove="1" noResize="1" noEditPoints="1" noAdjustHandles="1" noChangeArrowheads="1" noChangeShapeType="1" noTextEdit="1"/>
+              </p:cNvSpPr>
+              <p:nvPr/>
+            </p:nvSpPr>
+            <p:spPr>
+              <a:xfrm>
+                <a:off x="8980227" y="4850657"/>
+                <a:ext cx="3143531" cy="1877437"/>
+              </a:xfrm>
+              <a:prstGeom prst="rect">
+                <a:avLst/>
+              </a:prstGeom>
+              <a:blipFill rotWithShape="0">
+                <a:blip r:embed="rId6"/>
+                <a:stretch>
+                  <a:fillRect t="-649" r="-388"/>
+                </a:stretch>
+              </a:blipFill>
+            </p:spPr>
+            <p:txBody>
+              <a:bodyPr/>
+              <a:lstStyle/>
+              <a:p>
+                <a:r>
+                  <a:rPr lang="pt-BR">
+                    <a:noFill/>
+                  </a:rPr>
+                  <a:t> </a:t>
+                </a:r>
+              </a:p>
+            </p:txBody>
+          </p:sp>
+        </mc:Fallback>
+      </mc:AlternateContent>
     </p:spTree>
     <p:extLst>
       <p:ext uri="{BB962C8B-B14F-4D97-AF65-F5344CB8AC3E}">
@@ -19931,8 +20627,8 @@
         </p:nvSpPr>
         <p:spPr>
           <a:xfrm>
-            <a:off x="838200" y="242293"/>
-            <a:ext cx="10515600" cy="904117"/>
+            <a:off x="838200" y="0"/>
+            <a:ext cx="10515600" cy="1446663"/>
           </a:xfrm>
         </p:spPr>
         <p:txBody>
@@ -19946,8 +20642,8 @@
           </a:p>
         </p:txBody>
       </p:sp>
-      <mc:AlternateContent xmlns:mc="http://schemas.openxmlformats.org/markup-compatibility/2006" xmlns:a14="http://schemas.microsoft.com/office/drawing/2010/main">
-        <mc:Choice Requires="a14">
+      <mc:AlternateContent xmlns:mc="http://schemas.openxmlformats.org/markup-compatibility/2006">
+        <mc:Choice xmlns:a14="http://schemas.microsoft.com/office/drawing/2010/main" Requires="a14">
           <p:sp>
             <p:nvSpPr>
               <p:cNvPr id="3" name="Content Placeholder 2"/>
@@ -19960,7 +20656,7 @@
             </p:nvSpPr>
             <p:spPr>
               <a:xfrm>
-                <a:off x="838199" y="1446663"/>
+                <a:off x="838199" y="1388607"/>
                 <a:ext cx="11130888" cy="5411337"/>
               </a:xfrm>
             </p:spPr>
@@ -19972,7 +20668,19 @@
               <a:p>
                 <a:r>
                   <a:rPr lang="pt-BR" dirty="0" smtClean="0"/>
-                  <a:t>Um classificador com função de limiar logístico é conhecido como </a:t>
+                  <a:t>Esse classificador </a:t>
+                </a:r>
+                <a:r>
+                  <a:rPr lang="pt-BR" dirty="0" smtClean="0"/>
+                  <a:t>com função de </a:t>
+                </a:r>
+                <a:r>
+                  <a:rPr lang="pt-BR" b="1" i="1" dirty="0" smtClean="0"/>
+                  <a:t>limiar logístico </a:t>
+                </a:r>
+                <a:r>
+                  <a:rPr lang="pt-BR" dirty="0" smtClean="0"/>
+                  <a:t>é conhecido como </a:t>
                 </a:r>
                 <a:r>
                   <a:rPr lang="pt-BR" b="1" i="1" dirty="0" smtClean="0"/>
@@ -19986,11 +20694,52 @@
               <a:p>
                 <a:r>
                   <a:rPr lang="pt-BR" dirty="0"/>
-                  <a:t>O</a:t>
+                  <a:t>O </a:t>
+                </a:r>
+                <a:r>
+                  <a:rPr lang="pt-BR" b="1" i="1" dirty="0"/>
+                  <a:t>regressor logístico </a:t>
+                </a:r>
+                <a:r>
+                  <a:rPr lang="pt-BR" dirty="0"/>
+                  <a:t>estima a </a:t>
+                </a:r>
+                <a:r>
+                  <a:rPr lang="pt-BR" b="1" i="1" dirty="0"/>
+                  <a:t>probabilidade</a:t>
+                </a:r>
+                <a:r>
+                  <a:rPr lang="pt-BR" dirty="0"/>
+                  <a:t> de um exemplo pertencer a uma classe específica.</a:t>
+                </a:r>
+              </a:p>
+              <a:p>
+                <a:pPr lvl="1">
+                  <a:buFont typeface="Wingdings" panose="05000000000000000000" pitchFamily="2" charset="2"/>
+                  <a:buChar char="§"/>
+                </a:pPr>
+                <a:r>
+                  <a:rPr lang="pt-BR" dirty="0"/>
+                  <a:t>Por exemplo, qual é a probabilidade de uma dado email </a:t>
                 </a:r>
                 <a:r>
                   <a:rPr lang="pt-BR" dirty="0" smtClean="0"/>
-                  <a:t> </a:t>
+                  <a:t>ser um </a:t>
+                </a:r>
+                <a:r>
+                  <a:rPr lang="pt-BR" dirty="0"/>
+                  <a:t>spam</a:t>
+                </a:r>
+                <a:r>
+                  <a:rPr lang="pt-BR" dirty="0" smtClean="0"/>
+                  <a:t>?</a:t>
+                </a:r>
+                <a:endParaRPr lang="pt-BR" dirty="0" smtClean="0"/>
+              </a:p>
+              <a:p>
+                <a:r>
+                  <a:rPr lang="pt-BR" dirty="0" smtClean="0"/>
+                  <a:t>O </a:t>
                 </a:r>
                 <a:r>
                   <a:rPr lang="pt-BR" b="1" i="1" dirty="0" smtClean="0"/>
@@ -20006,15 +20755,23 @@
                 </a:r>
                 <a:r>
                   <a:rPr lang="pt-BR" dirty="0" smtClean="0"/>
-                  <a:t>algoritmo para </a:t>
+                  <a:t>algoritmo </a:t>
+                </a:r>
+                <a:r>
+                  <a:rPr lang="pt-BR" dirty="0" smtClean="0"/>
+                  <a:t>usado para </a:t>
                 </a:r>
                 <a:r>
                   <a:rPr lang="pt-BR" b="1" i="1" dirty="0"/>
-                  <a:t>classificação binária</a:t>
-                </a:r>
-                <a:r>
-                  <a:rPr lang="pt-BR" dirty="0"/>
-                  <a:t>. </a:t>
+                  <a:t>classificação </a:t>
+                </a:r>
+                <a:r>
+                  <a:rPr lang="pt-BR" b="1" i="1" dirty="0" smtClean="0"/>
+                  <a:t>binária</a:t>
+                </a:r>
+                <a:r>
+                  <a:rPr lang="pt-BR" dirty="0" smtClean="0"/>
+                  <a:t>, mas precisamos quantizar sua saída. </a:t>
                 </a:r>
                 <a:endParaRPr lang="pt-BR" dirty="0" smtClean="0"/>
               </a:p>
@@ -20109,60 +20866,12 @@
               </a:p>
               <a:p>
                 <a:r>
-                  <a:rPr lang="pt-BR" dirty="0"/>
-                  <a:t>O</a:t>
-                </a:r>
-                <a:r>
                   <a:rPr lang="pt-BR" dirty="0" smtClean="0"/>
-                  <a:t> </a:t>
-                </a:r>
-                <a:r>
-                  <a:rPr lang="pt-BR" b="1" i="1" dirty="0" smtClean="0"/>
-                  <a:t>regressor logístico </a:t>
-                </a:r>
-                <a:r>
-                  <a:rPr lang="pt-BR" dirty="0"/>
-                  <a:t>estima a </a:t>
-                </a:r>
-                <a:r>
-                  <a:rPr lang="pt-BR" b="1" i="1" dirty="0"/>
-                  <a:t>probabilidade</a:t>
-                </a:r>
-                <a:r>
-                  <a:rPr lang="pt-BR" dirty="0"/>
-                  <a:t> de um exemplo pertencer a uma classe </a:t>
+                  <a:t>Normalmente</a:t>
                 </a:r>
                 <a:r>
                   <a:rPr lang="pt-BR" dirty="0" smtClean="0"/>
-                  <a:t>específica.</a:t>
-                </a:r>
-              </a:p>
-              <a:p>
-                <a:pPr lvl="1">
-                  <a:buFont typeface="Wingdings" panose="05000000000000000000" pitchFamily="2" charset="2"/>
-                  <a:buChar char="§"/>
-                </a:pPr>
-                <a:r>
-                  <a:rPr lang="pt-BR" dirty="0"/>
-                  <a:t>P</a:t>
-                </a:r>
-                <a:r>
-                  <a:rPr lang="pt-BR" dirty="0" smtClean="0"/>
-                  <a:t>or </a:t>
-                </a:r>
-                <a:r>
-                  <a:rPr lang="pt-BR" dirty="0"/>
-                  <a:t>exemplo, qual é a probabilidade de uma dado email ser spam</a:t>
-                </a:r>
-                <a:r>
-                  <a:rPr lang="pt-BR" dirty="0" smtClean="0"/>
-                  <a:t>?</a:t>
-                </a:r>
-              </a:p>
-              <a:p>
-                <a:r>
-                  <a:rPr lang="pt-BR" dirty="0" smtClean="0"/>
-                  <a:t>Normalmente, se quantiza a saída da </a:t>
+                  <a:t>, se quantiza a saída da </a:t>
                 </a:r>
                 <a:r>
                   <a:rPr lang="pt-BR" b="1" i="1" dirty="0" smtClean="0"/>
@@ -20317,7 +21026,15 @@
               <a:p>
                 <a:r>
                   <a:rPr lang="pt-BR" dirty="0" smtClean="0"/>
-                  <a:t>Ou seja, a saída quantizada do </a:t>
+                  <a:t>Ou seja, a saída </a:t>
+                </a:r>
+                <a:r>
+                  <a:rPr lang="pt-BR" b="1" i="1" dirty="0" smtClean="0"/>
+                  <a:t>quantizada</a:t>
+                </a:r>
+                <a:r>
+                  <a:rPr lang="pt-BR" dirty="0" smtClean="0"/>
+                  <a:t> do </a:t>
                 </a:r>
                 <a:r>
                   <a:rPr lang="pt-BR" b="1" i="1" dirty="0" smtClean="0"/>
@@ -20698,7 +21415,7 @@
             </p:txBody>
           </p:sp>
         </mc:Choice>
-        <mc:Fallback xmlns="">
+        <mc:Fallback>
           <p:sp>
             <p:nvSpPr>
               <p:cNvPr id="3" name="Content Placeholder 2"/>
@@ -20711,13 +21428,13 @@
             </p:nvSpPr>
             <p:spPr>
               <a:xfrm>
-                <a:off x="838199" y="1446663"/>
+                <a:off x="838199" y="1388607"/>
                 <a:ext cx="11130888" cy="5411337"/>
               </a:xfrm>
               <a:blipFill rotWithShape="0">
-                <a:blip r:embed="rId4"/>
+                <a:blip r:embed="rId3"/>
                 <a:stretch>
-                  <a:fillRect l="-712" t="-2140"/>
+                  <a:fillRect l="-712" t="-2142" r="-1314"/>
                 </a:stretch>
               </a:blipFill>
             </p:spPr>
@@ -21049,50 +21766,13 @@
                       </m:dPr>
                       <m:e>
                         <m:r>
-                          <a:rPr lang="pt-BR" b="0" i="1" smtClean="0">
-                            <a:latin typeface="Cambria Math" panose="02040503050406030204" pitchFamily="18" charset="0"/>
-                          </a:rPr>
-                          <m:t>𝑥</m:t>
-                        </m:r>
-                      </m:e>
-                    </m:d>
-                    <m:r>
-                      <a:rPr lang="pt-BR" b="0" i="0" smtClean="0">
-                        <a:latin typeface="Cambria Math" panose="02040503050406030204" pitchFamily="18" charset="0"/>
-                      </a:rPr>
-                      <m:t>=</m:t>
-                    </m:r>
-                    <m:sSup>
-                      <m:sSupPr>
-                        <m:ctrlPr>
-                          <a:rPr lang="pt-BR" i="1">
-                            <a:latin typeface="Cambria Math" panose="02040503050406030204" pitchFamily="18" charset="0"/>
-                          </a:rPr>
-                        </m:ctrlPr>
-                      </m:sSupPr>
-                      <m:e>
-                        <m:r>
-                          <a:rPr lang="pt-BR" b="1" i="1">
+                          <a:rPr lang="pt-BR" b="1" i="1" smtClean="0">
                             <a:latin typeface="Cambria Math" panose="02040503050406030204" pitchFamily="18" charset="0"/>
                           </a:rPr>
                           <m:t>𝒙</m:t>
                         </m:r>
                       </m:e>
-                      <m:sup>
-                        <m:r>
-                          <a:rPr lang="pt-BR" i="1">
-                            <a:latin typeface="Cambria Math" panose="02040503050406030204" pitchFamily="18" charset="0"/>
-                          </a:rPr>
-                          <m:t>𝑇</m:t>
-                        </m:r>
-                      </m:sup>
-                    </m:sSup>
-                    <m:r>
-                      <a:rPr lang="pt-BR" b="1" i="1">
-                        <a:latin typeface="Cambria Math" panose="02040503050406030204" pitchFamily="18" charset="0"/>
-                      </a:rPr>
-                      <m:t>𝒂</m:t>
-                    </m:r>
+                    </m:d>
                     <m:r>
                       <a:rPr lang="pt-BR" b="1" i="1" smtClean="0">
                         <a:latin typeface="Cambria Math" panose="02040503050406030204" pitchFamily="18" charset="0"/>
@@ -21202,50 +21882,13 @@
                       </m:dPr>
                       <m:e>
                         <m:r>
-                          <a:rPr lang="pt-BR" i="1">
-                            <a:latin typeface="Cambria Math" panose="02040503050406030204" pitchFamily="18" charset="0"/>
-                          </a:rPr>
-                          <m:t>𝑥</m:t>
-                        </m:r>
-                      </m:e>
-                    </m:d>
-                    <m:r>
-                      <a:rPr lang="pt-BR">
-                        <a:latin typeface="Cambria Math" panose="02040503050406030204" pitchFamily="18" charset="0"/>
-                      </a:rPr>
-                      <m:t>=</m:t>
-                    </m:r>
-                    <m:sSup>
-                      <m:sSupPr>
-                        <m:ctrlPr>
-                          <a:rPr lang="pt-BR" i="1">
-                            <a:latin typeface="Cambria Math" panose="02040503050406030204" pitchFamily="18" charset="0"/>
-                          </a:rPr>
-                        </m:ctrlPr>
-                      </m:sSupPr>
-                      <m:e>
-                        <m:r>
                           <a:rPr lang="pt-BR" b="1" i="1">
                             <a:latin typeface="Cambria Math" panose="02040503050406030204" pitchFamily="18" charset="0"/>
                           </a:rPr>
                           <m:t>𝒙</m:t>
                         </m:r>
                       </m:e>
-                      <m:sup>
-                        <m:r>
-                          <a:rPr lang="pt-BR" i="1">
-                            <a:latin typeface="Cambria Math" panose="02040503050406030204" pitchFamily="18" charset="0"/>
-                          </a:rPr>
-                          <m:t>𝑇</m:t>
-                        </m:r>
-                      </m:sup>
-                    </m:sSup>
-                    <m:r>
-                      <a:rPr lang="pt-BR" b="1" i="1">
-                        <a:latin typeface="Cambria Math" panose="02040503050406030204" pitchFamily="18" charset="0"/>
-                      </a:rPr>
-                      <m:t>𝒂</m:t>
-                    </m:r>
+                    </m:d>
                     <m:r>
                       <a:rPr lang="pt-BR" b="1" i="1" smtClean="0">
                         <a:latin typeface="Cambria Math" panose="02040503050406030204" pitchFamily="18" charset="0"/>
@@ -21272,8 +21915,8 @@
               </a:p>
               <a:p>
                 <a:r>
-                  <a:rPr lang="pt-BR" dirty="0"/>
-                  <a:t>Como vimos, a </a:t>
+                  <a:rPr lang="pt-BR" dirty="0" smtClean="0"/>
+                  <a:t>A </a:t>
                 </a:r>
                 <a:r>
                   <a:rPr lang="pt-BR" b="1" i="1" dirty="0"/>
@@ -21285,7 +21928,15 @@
                 </a:r>
                 <a:r>
                   <a:rPr lang="pt-BR" b="1" i="1" dirty="0"/>
-                  <a:t>combinação linear </a:t>
+                  <a:t>combinação </a:t>
+                </a:r>
+                <a:r>
+                  <a:rPr lang="pt-BR" dirty="0" smtClean="0"/>
+                  <a:t>(linear ou não linear)</a:t>
+                </a:r>
+                <a:r>
+                  <a:rPr lang="pt-BR" b="1" i="1" dirty="0" smtClean="0"/>
+                  <a:t> </a:t>
                 </a:r>
                 <a:r>
                   <a:rPr lang="pt-BR" dirty="0" smtClean="0"/>
@@ -21348,7 +21999,35 @@
                 </a:r>
                 <a:r>
                   <a:rPr lang="pt-BR" dirty="0"/>
-                  <a:t> e representam sua importância relativa para o resultado.</a:t>
+                  <a:t> e representam </a:t>
+                </a:r>
+                <a:r>
+                  <a:rPr lang="pt-BR" dirty="0" smtClean="0"/>
+                  <a:t>a importância </a:t>
+                </a:r>
+                <a:r>
+                  <a:rPr lang="pt-BR" dirty="0"/>
+                  <a:t>relativa </a:t>
+                </a:r>
+                <a:r>
+                  <a:rPr lang="pt-BR" dirty="0" smtClean="0"/>
+                  <a:t>de cada</a:t>
+                </a:r>
+                <a:r>
+                  <a:rPr lang="pt-BR" dirty="0" smtClean="0"/>
+                  <a:t> </a:t>
+                </a:r>
+                <a:r>
+                  <a:rPr lang="pt-BR" b="1" i="1" dirty="0" smtClean="0"/>
+                  <a:t>atributo</a:t>
+                </a:r>
+                <a:r>
+                  <a:rPr lang="pt-BR" dirty="0" smtClean="0"/>
+                  <a:t> para </a:t>
+                </a:r>
+                <a:r>
+                  <a:rPr lang="pt-BR" dirty="0"/>
+                  <a:t>o resultado.</a:t>
                 </a:r>
               </a:p>
               <a:p>
@@ -21380,19 +22059,7 @@
               <a:p>
                 <a:r>
                   <a:rPr lang="pt-BR" dirty="0" smtClean="0"/>
-                  <a:t>Além disto, toda </a:t>
-                </a:r>
-                <a:r>
-                  <a:rPr lang="pt-BR" smtClean="0"/>
-                  <a:t>a </a:t>
-                </a:r>
-                <a:r>
-                  <a:rPr lang="pt-BR" smtClean="0"/>
-                  <a:t>teoria </a:t>
-                </a:r>
-                <a:r>
-                  <a:rPr lang="pt-BR" dirty="0" smtClean="0"/>
-                  <a:t>por trás da </a:t>
+                  <a:t>Além disto, toda a teoria por trás da </a:t>
                 </a:r>
                 <a:r>
                   <a:rPr lang="pt-BR" b="1" i="1" dirty="0" smtClean="0"/>
@@ -21434,7 +22101,7 @@
               <a:blipFill rotWithShape="0">
                 <a:blip r:embed="rId2"/>
                 <a:stretch>
-                  <a:fillRect l="-1031" t="-2785"/>
+                  <a:fillRect l="-1031" t="-2785" r="-1178"/>
                 </a:stretch>
               </a:blipFill>
             </p:spPr>
@@ -21468,7 +22135,7 @@
         </p:blipFill>
         <p:spPr>
           <a:xfrm>
-            <a:off x="9118281" y="2749213"/>
+            <a:off x="9118281" y="2313787"/>
             <a:ext cx="2938507" cy="2684619"/>
           </a:xfrm>
           <a:prstGeom prst="rect">
@@ -21476,8 +22143,8 @@
           </a:prstGeom>
         </p:spPr>
       </p:pic>
-      <mc:AlternateContent xmlns:mc="http://schemas.openxmlformats.org/markup-compatibility/2006" xmlns:a14="http://schemas.microsoft.com/office/drawing/2010/main">
-        <mc:Choice Requires="a14">
+      <mc:AlternateContent xmlns:mc="http://schemas.openxmlformats.org/markup-compatibility/2006">
+        <mc:Choice xmlns:a14="http://schemas.microsoft.com/office/drawing/2010/main" Requires="a14">
           <p:sp>
             <p:nvSpPr>
               <p:cNvPr id="5" name="Rectangle 4"/>
@@ -21486,7 +22153,7 @@
             </p:nvSpPr>
             <p:spPr>
               <a:xfrm>
-                <a:off x="10107946" y="2334226"/>
+                <a:off x="10107946" y="1898800"/>
                 <a:ext cx="1245854" cy="369332"/>
               </a:xfrm>
               <a:prstGeom prst="rect">
@@ -21538,7 +22205,7 @@
             </p:txBody>
           </p:sp>
         </mc:Choice>
-        <mc:Fallback xmlns="">
+        <mc:Fallback>
           <p:sp>
             <p:nvSpPr>
               <p:cNvPr id="5" name="Rectangle 4"/>
@@ -21549,7 +22216,7 @@
             </p:nvSpPr>
             <p:spPr>
               <a:xfrm>
-                <a:off x="10107946" y="2334226"/>
+                <a:off x="10107946" y="1898800"/>
                 <a:ext cx="1245854" cy="369332"/>
               </a:xfrm>
               <a:prstGeom prst="rect">
@@ -21558,7 +22225,7 @@
               <a:blipFill rotWithShape="0">
                 <a:blip r:embed="rId4"/>
                 <a:stretch>
-                  <a:fillRect b="-10000"/>
+                  <a:fillRect b="-8197"/>
                 </a:stretch>
               </a:blipFill>
             </p:spPr>
@@ -21973,6 +22640,77 @@
           </p:sp>
         </mc:Fallback>
       </mc:AlternateContent>
+      <p:cxnSp>
+        <p:nvCxnSpPr>
+          <p:cNvPr id="9" name="Straight Arrow Connector 8"/>
+          <p:cNvCxnSpPr/>
+          <p:nvPr/>
+        </p:nvCxnSpPr>
+        <p:spPr>
+          <a:xfrm>
+            <a:off x="8795657" y="1898800"/>
+            <a:ext cx="914400" cy="369332"/>
+          </a:xfrm>
+          <a:prstGeom prst="straightConnector1">
+            <a:avLst/>
+          </a:prstGeom>
+          <a:ln>
+            <a:solidFill>
+              <a:srgbClr val="FF0000"/>
+            </a:solidFill>
+            <a:tailEnd type="triangle"/>
+          </a:ln>
+        </p:spPr>
+        <p:style>
+          <a:lnRef idx="1">
+            <a:schemeClr val="accent1"/>
+          </a:lnRef>
+          <a:fillRef idx="0">
+            <a:schemeClr val="accent1"/>
+          </a:fillRef>
+          <a:effectRef idx="0">
+            <a:schemeClr val="accent1"/>
+          </a:effectRef>
+          <a:fontRef idx="minor">
+            <a:schemeClr val="tx1"/>
+          </a:fontRef>
+        </p:style>
+      </p:cxnSp>
+      <p:sp>
+        <p:nvSpPr>
+          <p:cNvPr id="12" name="TextBox 11"/>
+          <p:cNvSpPr txBox="1"/>
+          <p:nvPr/>
+        </p:nvSpPr>
+        <p:spPr>
+          <a:xfrm>
+            <a:off x="8825681" y="5293635"/>
+            <a:ext cx="3337291" cy="1169551"/>
+          </a:xfrm>
+          <a:prstGeom prst="rect">
+            <a:avLst/>
+          </a:prstGeom>
+          <a:noFill/>
+        </p:spPr>
+        <p:txBody>
+          <a:bodyPr wrap="square" rtlCol="0">
+            <a:spAutoFit/>
+          </a:bodyPr>
+          <a:lstStyle/>
+          <a:p>
+            <a:pPr algn="ctr"/>
+            <a:r>
+              <a:rPr lang="pt-BR" sz="1400" b="1" dirty="0" smtClean="0"/>
+              <a:t>Exemplos</a:t>
+            </a:r>
+            <a:r>
+              <a:rPr lang="pt-BR" sz="1400" dirty="0" smtClean="0"/>
+              <a:t>: classificar críticas de filmes como positivas ou negativas, probabilidade de um paciente desenvolver um doença, detecção de spam, classificar transações como fraudulentas ou não, etc.</a:t>
+            </a:r>
+            <a:endParaRPr lang="pt-BR" sz="1400" dirty="0"/>
+          </a:p>
+        </p:txBody>
+      </p:sp>
     </p:spTree>
     <p:extLst>
       <p:ext uri="{BB962C8B-B14F-4D97-AF65-F5344CB8AC3E}">
@@ -22030,8 +22768,8 @@
           </a:p>
         </p:txBody>
       </p:sp>
-      <mc:AlternateContent xmlns:mc="http://schemas.openxmlformats.org/markup-compatibility/2006" xmlns:a14="http://schemas.microsoft.com/office/drawing/2010/main">
-        <mc:Choice Requires="a14">
+      <mc:AlternateContent xmlns:mc="http://schemas.openxmlformats.org/markup-compatibility/2006">
+        <mc:Choice xmlns:a14="http://schemas.microsoft.com/office/drawing/2010/main" Requires="a14">
           <p:sp>
             <p:nvSpPr>
               <p:cNvPr id="3" name="Content Placeholder 2"/>
@@ -23227,43 +23965,6 @@
                       <a:rPr lang="pt-BR" i="1">
                         <a:latin typeface="Cambria Math" panose="02040503050406030204" pitchFamily="18" charset="0"/>
                       </a:rPr>
-                      <m:t>= </m:t>
-                    </m:r>
-                    <m:sSup>
-                      <m:sSupPr>
-                        <m:ctrlPr>
-                          <a:rPr lang="pt-BR" i="1">
-                            <a:latin typeface="Cambria Math" panose="02040503050406030204" pitchFamily="18" charset="0"/>
-                          </a:rPr>
-                        </m:ctrlPr>
-                      </m:sSupPr>
-                      <m:e>
-                        <m:r>
-                          <a:rPr lang="pt-BR" b="1" i="1">
-                            <a:latin typeface="Cambria Math" panose="02040503050406030204" pitchFamily="18" charset="0"/>
-                          </a:rPr>
-                          <m:t>𝒙</m:t>
-                        </m:r>
-                      </m:e>
-                      <m:sup>
-                        <m:r>
-                          <a:rPr lang="pt-BR" i="1">
-                            <a:latin typeface="Cambria Math" panose="02040503050406030204" pitchFamily="18" charset="0"/>
-                          </a:rPr>
-                          <m:t>𝑇</m:t>
-                        </m:r>
-                      </m:sup>
-                    </m:sSup>
-                    <m:r>
-                      <a:rPr lang="pt-BR" b="1" i="1">
-                        <a:latin typeface="Cambria Math" panose="02040503050406030204" pitchFamily="18" charset="0"/>
-                      </a:rPr>
-                      <m:t>𝒂</m:t>
-                    </m:r>
-                    <m:r>
-                      <a:rPr lang="pt-BR" i="1">
-                        <a:latin typeface="Cambria Math" panose="02040503050406030204" pitchFamily="18" charset="0"/>
-                      </a:rPr>
                       <m:t>=0</m:t>
                     </m:r>
                   </m:oMath>
@@ -23309,16 +24010,24 @@
                   </m:oMath>
                 </a14:m>
                 <a:r>
+                  <a:rPr lang="pt-BR" dirty="0" smtClean="0"/>
+                  <a:t> </a:t>
+                </a:r>
+                <a:r>
                   <a:rPr lang="pt-BR" dirty="0"/>
-                  <a:t>, como vimos antes, pode ser uma reta, um plano, um </a:t>
+                  <a:t>pode ser uma reta, um plano, um </a:t>
                 </a:r>
                 <a:r>
                   <a:rPr lang="pt-BR" dirty="0" smtClean="0"/>
                   <a:t>círculo</a:t>
                 </a:r>
                 <a:r>
+                  <a:rPr lang="pt-BR" dirty="0" smtClean="0"/>
+                  <a:t>, uma hipérbole,  </a:t>
+                </a:r>
+                <a:r>
                   <a:rPr lang="pt-BR" dirty="0"/>
-                  <a:t>, etc</a:t>
+                  <a:t>etc</a:t>
                 </a:r>
                 <a:r>
                   <a:rPr lang="pt-BR" dirty="0" smtClean="0"/>
@@ -23329,7 +24038,7 @@
             </p:txBody>
           </p:sp>
         </mc:Choice>
-        <mc:Fallback xmlns="">
+        <mc:Fallback>
           <p:sp>
             <p:nvSpPr>
               <p:cNvPr id="3" name="Content Placeholder 2"/>
@@ -23346,7 +24055,7 @@
                 <a:ext cx="11188700" cy="5295899"/>
               </a:xfrm>
               <a:blipFill rotWithShape="0">
-                <a:blip r:embed="rId3"/>
+                <a:blip r:embed="rId2"/>
                 <a:stretch>
                   <a:fillRect l="-872" t="-2647" r="-1417" b="-1151"/>
                 </a:stretch>
@@ -23419,8 +24128,8 @@
           </a:p>
         </p:txBody>
       </p:sp>
-      <mc:AlternateContent xmlns:mc="http://schemas.openxmlformats.org/markup-compatibility/2006" xmlns:a14="http://schemas.microsoft.com/office/drawing/2010/main">
-        <mc:Choice Requires="a14">
+      <mc:AlternateContent xmlns:mc="http://schemas.openxmlformats.org/markup-compatibility/2006">
+        <mc:Choice xmlns:a14="http://schemas.microsoft.com/office/drawing/2010/main" Requires="a14">
           <p:sp>
             <p:nvSpPr>
               <p:cNvPr id="3" name="Content Placeholder 2"/>
@@ -23456,7 +24165,7 @@
                   <a:t>e encontrar os </a:t>
                 </a:r>
                 <a:r>
-                  <a:rPr lang="pt-BR" b="1" dirty="0"/>
+                  <a:rPr lang="pt-BR" b="1" i="1" dirty="0"/>
                   <a:t>pesos</a:t>
                 </a:r>
                 <a:r>
@@ -23464,7 +24173,7 @@
                   <a:t> da </a:t>
                 </a:r>
                 <a:r>
-                  <a:rPr lang="pt-BR" b="1" dirty="0"/>
+                  <a:rPr lang="pt-BR" b="1" i="1" dirty="0"/>
                   <a:t>função hipótese</a:t>
                 </a:r>
                 <a:r>
@@ -23894,14 +24603,20 @@
                                     </m:ctrlPr>
                                   </m:dPr>
                                   <m:e>
-                                    <m:sSup>
-                                      <m:sSupPr>
+                                    <m:r>
+                                      <a:rPr lang="pt-BR" i="1">
+                                        <a:latin typeface="Cambria Math" panose="02040503050406030204" pitchFamily="18" charset="0"/>
+                                      </a:rPr>
+                                      <m:t>𝑔</m:t>
+                                    </m:r>
+                                    <m:d>
+                                      <m:dPr>
                                         <m:ctrlPr>
                                           <a:rPr lang="pt-BR" i="1">
                                             <a:latin typeface="Cambria Math" panose="02040503050406030204" pitchFamily="18" charset="0"/>
                                           </a:rPr>
                                         </m:ctrlPr>
-                                      </m:sSupPr>
+                                      </m:dPr>
                                       <m:e>
                                         <m:r>
                                           <a:rPr lang="pt-BR" b="1" i="1">
@@ -23910,21 +24625,7 @@
                                           <m:t>𝒙</m:t>
                                         </m:r>
                                       </m:e>
-                                      <m:sup>
-                                        <m:r>
-                                          <a:rPr lang="pt-BR" i="1">
-                                            <a:latin typeface="Cambria Math" panose="02040503050406030204" pitchFamily="18" charset="0"/>
-                                          </a:rPr>
-                                          <m:t>𝑇</m:t>
-                                        </m:r>
-                                      </m:sup>
-                                    </m:sSup>
-                                    <m:r>
-                                      <a:rPr lang="pt-BR" b="1" i="1">
-                                        <a:latin typeface="Cambria Math" panose="02040503050406030204" pitchFamily="18" charset="0"/>
-                                      </a:rPr>
-                                      <m:t>𝒂</m:t>
-                                    </m:r>
+                                    </m:d>
                                   </m:e>
                                 </m:d>
                               </m:e>
@@ -24626,7 +25327,7 @@
             </p:txBody>
           </p:sp>
         </mc:Choice>
-        <mc:Fallback xmlns="">
+        <mc:Fallback>
           <p:sp>
             <p:nvSpPr>
               <p:cNvPr id="3" name="Content Placeholder 2"/>
@@ -24643,7 +25344,7 @@
                 <a:ext cx="11163300" cy="5032375"/>
               </a:xfrm>
               <a:blipFill rotWithShape="0">
-                <a:blip r:embed="rId4"/>
+                <a:blip r:embed="rId3"/>
                 <a:stretch>
                   <a:fillRect l="-655" t="-2421"/>
                 </a:stretch>
@@ -24674,6 +25375,13 @@
   <p:clrMapOvr>
     <a:masterClrMapping/>
   </p:clrMapOvr>
+  <p:timing>
+    <p:tnLst>
+      <p:par>
+        <p:cTn id="1" dur="indefinite" restart="never" nodeType="tmRoot"/>
+      </p:par>
+    </p:tnLst>
+  </p:timing>
 </p:sld>
 </file>
 

--- a/slides/T320_Classificação (Parte III).pptx
+++ b/slides/T320_Classificação (Parte III).pptx
@@ -5,10 +5,10 @@
     <p:sldMasterId id="2147483648" r:id="rId1"/>
   </p:sldMasterIdLst>
   <p:notesMasterIdLst>
-    <p:notesMasterId r:id="rId17"/>
+    <p:notesMasterId r:id="rId20"/>
   </p:notesMasterIdLst>
   <p:handoutMasterIdLst>
-    <p:handoutMasterId r:id="rId18"/>
+    <p:handoutMasterId r:id="rId21"/>
   </p:handoutMasterIdLst>
   <p:sldIdLst>
     <p:sldId id="256" r:id="rId2"/>
@@ -26,6 +26,9 @@
     <p:sldId id="324" r:id="rId14"/>
     <p:sldId id="306" r:id="rId15"/>
     <p:sldId id="362" r:id="rId16"/>
+    <p:sldId id="369" r:id="rId17"/>
+    <p:sldId id="370" r:id="rId18"/>
+    <p:sldId id="372" r:id="rId19"/>
   </p:sldIdLst>
   <p:sldSz cx="12192000" cy="6858000"/>
   <p:notesSz cx="7315200" cy="9601200"/>
@@ -289,7 +292,7 @@
           <a:p>
             <a:fld id="{144F1436-6906-4D93-B7A2-786C327BFA14}" type="datetimeFigureOut">
               <a:rPr lang="nl-BE" smtClean="0"/>
-              <a:t>20/08/2021</a:t>
+              <a:t>27/08/2021</a:t>
             </a:fld>
             <a:endParaRPr lang="nl-BE"/>
           </a:p>
@@ -454,7 +457,7 @@
           <a:p>
             <a:fld id="{AA8CD09E-2914-4F47-B6C1-51B2C31814C9}" type="datetimeFigureOut">
               <a:rPr lang="pt-BR" smtClean="0"/>
-              <a:t>20/08/2021</a:t>
+              <a:t>27/08/2021</a:t>
             </a:fld>
             <a:endParaRPr lang="pt-BR"/>
           </a:p>
@@ -3061,7 +3064,7 @@
           <p:cNvPr id="2" name="Título 1">
             <a:extLst>
               <a:ext uri="{FF2B5EF4-FFF2-40B4-BE49-F238E27FC236}">
-                <a16:creationId xmlns:a16="http://schemas.microsoft.com/office/drawing/2014/main" xmlns="" id="{1DB9B4FF-B06E-403C-A326-BDC64D8FF94E}"/>
+                <a16:creationId xmlns="" xmlns:a16="http://schemas.microsoft.com/office/drawing/2014/main" id="{1DB9B4FF-B06E-403C-A326-BDC64D8FF94E}"/>
               </a:ext>
             </a:extLst>
           </p:cNvPr>
@@ -3098,7 +3101,7 @@
           <p:cNvPr id="3" name="Subtítulo 2">
             <a:extLst>
               <a:ext uri="{FF2B5EF4-FFF2-40B4-BE49-F238E27FC236}">
-                <a16:creationId xmlns:a16="http://schemas.microsoft.com/office/drawing/2014/main" xmlns="" id="{247BDFCE-746E-45BF-A319-4733D58D1632}"/>
+                <a16:creationId xmlns="" xmlns:a16="http://schemas.microsoft.com/office/drawing/2014/main" id="{247BDFCE-746E-45BF-A319-4733D58D1632}"/>
               </a:ext>
             </a:extLst>
           </p:cNvPr>
@@ -3168,7 +3171,7 @@
           <p:cNvPr id="4" name="Espaço Reservado para Data 3">
             <a:extLst>
               <a:ext uri="{FF2B5EF4-FFF2-40B4-BE49-F238E27FC236}">
-                <a16:creationId xmlns:a16="http://schemas.microsoft.com/office/drawing/2014/main" xmlns="" id="{9EDE2778-5372-4104-B96D-968184DA8288}"/>
+                <a16:creationId xmlns="" xmlns:a16="http://schemas.microsoft.com/office/drawing/2014/main" id="{9EDE2778-5372-4104-B96D-968184DA8288}"/>
               </a:ext>
             </a:extLst>
           </p:cNvPr>
@@ -3186,7 +3189,7 @@
           <a:p>
             <a:fld id="{63289F7E-B80B-496E-81B4-D396C37C9454}" type="datetimeFigureOut">
               <a:rPr lang="pt-BR" smtClean="0"/>
-              <a:t>20/08/2021</a:t>
+              <a:t>27/08/2021</a:t>
             </a:fld>
             <a:endParaRPr lang="pt-BR"/>
           </a:p>
@@ -3197,7 +3200,7 @@
           <p:cNvPr id="5" name="Espaço Reservado para Rodapé 4">
             <a:extLst>
               <a:ext uri="{FF2B5EF4-FFF2-40B4-BE49-F238E27FC236}">
-                <a16:creationId xmlns:a16="http://schemas.microsoft.com/office/drawing/2014/main" xmlns="" id="{C1DD0F41-C861-4051-988D-3024A37A4B93}"/>
+                <a16:creationId xmlns="" xmlns:a16="http://schemas.microsoft.com/office/drawing/2014/main" id="{C1DD0F41-C861-4051-988D-3024A37A4B93}"/>
               </a:ext>
             </a:extLst>
           </p:cNvPr>
@@ -3222,7 +3225,7 @@
           <p:cNvPr id="6" name="Espaço Reservado para Número de Slide 5">
             <a:extLst>
               <a:ext uri="{FF2B5EF4-FFF2-40B4-BE49-F238E27FC236}">
-                <a16:creationId xmlns:a16="http://schemas.microsoft.com/office/drawing/2014/main" xmlns="" id="{07E5967E-D980-431A-A5DB-3F0C5030A81E}"/>
+                <a16:creationId xmlns="" xmlns:a16="http://schemas.microsoft.com/office/drawing/2014/main" id="{07E5967E-D980-431A-A5DB-3F0C5030A81E}"/>
               </a:ext>
             </a:extLst>
           </p:cNvPr>
@@ -3281,7 +3284,7 @@
           <p:cNvPr id="2" name="Título 1">
             <a:extLst>
               <a:ext uri="{FF2B5EF4-FFF2-40B4-BE49-F238E27FC236}">
-                <a16:creationId xmlns:a16="http://schemas.microsoft.com/office/drawing/2014/main" xmlns="" id="{9036C49F-3E68-4175-81BA-3C3FEE44308A}"/>
+                <a16:creationId xmlns="" xmlns:a16="http://schemas.microsoft.com/office/drawing/2014/main" id="{9036C49F-3E68-4175-81BA-3C3FEE44308A}"/>
               </a:ext>
             </a:extLst>
           </p:cNvPr>
@@ -3309,7 +3312,7 @@
           <p:cNvPr id="3" name="Espaço Reservado para Texto Vertical 2">
             <a:extLst>
               <a:ext uri="{FF2B5EF4-FFF2-40B4-BE49-F238E27FC236}">
-                <a16:creationId xmlns:a16="http://schemas.microsoft.com/office/drawing/2014/main" xmlns="" id="{426FA736-3DD3-4D4E-B57B-BBE1D8F7D424}"/>
+                <a16:creationId xmlns="" xmlns:a16="http://schemas.microsoft.com/office/drawing/2014/main" id="{426FA736-3DD3-4D4E-B57B-BBE1D8F7D424}"/>
               </a:ext>
             </a:extLst>
           </p:cNvPr>
@@ -3366,7 +3369,7 @@
           <p:cNvPr id="4" name="Espaço Reservado para Data 3">
             <a:extLst>
               <a:ext uri="{FF2B5EF4-FFF2-40B4-BE49-F238E27FC236}">
-                <a16:creationId xmlns:a16="http://schemas.microsoft.com/office/drawing/2014/main" xmlns="" id="{99E8855C-D8FD-48F6-B14E-861E0DE4D915}"/>
+                <a16:creationId xmlns="" xmlns:a16="http://schemas.microsoft.com/office/drawing/2014/main" id="{99E8855C-D8FD-48F6-B14E-861E0DE4D915}"/>
               </a:ext>
             </a:extLst>
           </p:cNvPr>
@@ -3384,7 +3387,7 @@
           <a:p>
             <a:fld id="{63289F7E-B80B-496E-81B4-D396C37C9454}" type="datetimeFigureOut">
               <a:rPr lang="pt-BR" smtClean="0"/>
-              <a:t>20/08/2021</a:t>
+              <a:t>27/08/2021</a:t>
             </a:fld>
             <a:endParaRPr lang="pt-BR"/>
           </a:p>
@@ -3395,7 +3398,7 @@
           <p:cNvPr id="5" name="Espaço Reservado para Rodapé 4">
             <a:extLst>
               <a:ext uri="{FF2B5EF4-FFF2-40B4-BE49-F238E27FC236}">
-                <a16:creationId xmlns:a16="http://schemas.microsoft.com/office/drawing/2014/main" xmlns="" id="{97C0BB88-2F21-42A5-ACFF-83DA47F2D340}"/>
+                <a16:creationId xmlns="" xmlns:a16="http://schemas.microsoft.com/office/drawing/2014/main" id="{97C0BB88-2F21-42A5-ACFF-83DA47F2D340}"/>
               </a:ext>
             </a:extLst>
           </p:cNvPr>
@@ -3420,7 +3423,7 @@
           <p:cNvPr id="6" name="Espaço Reservado para Número de Slide 5">
             <a:extLst>
               <a:ext uri="{FF2B5EF4-FFF2-40B4-BE49-F238E27FC236}">
-                <a16:creationId xmlns:a16="http://schemas.microsoft.com/office/drawing/2014/main" xmlns="" id="{6CB462B3-1F22-4C05-B4B8-7A279FB7D5E9}"/>
+                <a16:creationId xmlns="" xmlns:a16="http://schemas.microsoft.com/office/drawing/2014/main" id="{6CB462B3-1F22-4C05-B4B8-7A279FB7D5E9}"/>
               </a:ext>
             </a:extLst>
           </p:cNvPr>
@@ -3479,7 +3482,7 @@
           <p:cNvPr id="2" name="Título Vertical 1">
             <a:extLst>
               <a:ext uri="{FF2B5EF4-FFF2-40B4-BE49-F238E27FC236}">
-                <a16:creationId xmlns:a16="http://schemas.microsoft.com/office/drawing/2014/main" xmlns="" id="{EAEAB728-701C-4207-A9D5-23FF45C60502}"/>
+                <a16:creationId xmlns="" xmlns:a16="http://schemas.microsoft.com/office/drawing/2014/main" id="{EAEAB728-701C-4207-A9D5-23FF45C60502}"/>
               </a:ext>
             </a:extLst>
           </p:cNvPr>
@@ -3512,7 +3515,7 @@
           <p:cNvPr id="3" name="Espaço Reservado para Texto Vertical 2">
             <a:extLst>
               <a:ext uri="{FF2B5EF4-FFF2-40B4-BE49-F238E27FC236}">
-                <a16:creationId xmlns:a16="http://schemas.microsoft.com/office/drawing/2014/main" xmlns="" id="{BA8C8CCF-7823-480A-9A19-0F664DD17E3B}"/>
+                <a16:creationId xmlns="" xmlns:a16="http://schemas.microsoft.com/office/drawing/2014/main" id="{BA8C8CCF-7823-480A-9A19-0F664DD17E3B}"/>
               </a:ext>
             </a:extLst>
           </p:cNvPr>
@@ -3574,7 +3577,7 @@
           <p:cNvPr id="4" name="Espaço Reservado para Data 3">
             <a:extLst>
               <a:ext uri="{FF2B5EF4-FFF2-40B4-BE49-F238E27FC236}">
-                <a16:creationId xmlns:a16="http://schemas.microsoft.com/office/drawing/2014/main" xmlns="" id="{721D5734-7B1F-425D-942F-6EB73344027C}"/>
+                <a16:creationId xmlns="" xmlns:a16="http://schemas.microsoft.com/office/drawing/2014/main" id="{721D5734-7B1F-425D-942F-6EB73344027C}"/>
               </a:ext>
             </a:extLst>
           </p:cNvPr>
@@ -3592,7 +3595,7 @@
           <a:p>
             <a:fld id="{63289F7E-B80B-496E-81B4-D396C37C9454}" type="datetimeFigureOut">
               <a:rPr lang="pt-BR" smtClean="0"/>
-              <a:t>20/08/2021</a:t>
+              <a:t>27/08/2021</a:t>
             </a:fld>
             <a:endParaRPr lang="pt-BR"/>
           </a:p>
@@ -3603,7 +3606,7 @@
           <p:cNvPr id="5" name="Espaço Reservado para Rodapé 4">
             <a:extLst>
               <a:ext uri="{FF2B5EF4-FFF2-40B4-BE49-F238E27FC236}">
-                <a16:creationId xmlns:a16="http://schemas.microsoft.com/office/drawing/2014/main" xmlns="" id="{1E1AAEAC-F08D-45FE-89EC-B1B349A868C9}"/>
+                <a16:creationId xmlns="" xmlns:a16="http://schemas.microsoft.com/office/drawing/2014/main" id="{1E1AAEAC-F08D-45FE-89EC-B1B349A868C9}"/>
               </a:ext>
             </a:extLst>
           </p:cNvPr>
@@ -3628,7 +3631,7 @@
           <p:cNvPr id="6" name="Espaço Reservado para Número de Slide 5">
             <a:extLst>
               <a:ext uri="{FF2B5EF4-FFF2-40B4-BE49-F238E27FC236}">
-                <a16:creationId xmlns:a16="http://schemas.microsoft.com/office/drawing/2014/main" xmlns="" id="{BAA44493-9911-47B2-87A6-C2141A972BC8}"/>
+                <a16:creationId xmlns="" xmlns:a16="http://schemas.microsoft.com/office/drawing/2014/main" id="{BAA44493-9911-47B2-87A6-C2141A972BC8}"/>
               </a:ext>
             </a:extLst>
           </p:cNvPr>
@@ -3687,7 +3690,7 @@
           <p:cNvPr id="2" name="Título 1">
             <a:extLst>
               <a:ext uri="{FF2B5EF4-FFF2-40B4-BE49-F238E27FC236}">
-                <a16:creationId xmlns:a16="http://schemas.microsoft.com/office/drawing/2014/main" xmlns="" id="{71BD44A5-8F21-4626-A01D-48A1C874B1D5}"/>
+                <a16:creationId xmlns="" xmlns:a16="http://schemas.microsoft.com/office/drawing/2014/main" id="{71BD44A5-8F21-4626-A01D-48A1C874B1D5}"/>
               </a:ext>
             </a:extLst>
           </p:cNvPr>
@@ -3715,7 +3718,7 @@
           <p:cNvPr id="3" name="Espaço Reservado para Conteúdo 2">
             <a:extLst>
               <a:ext uri="{FF2B5EF4-FFF2-40B4-BE49-F238E27FC236}">
-                <a16:creationId xmlns:a16="http://schemas.microsoft.com/office/drawing/2014/main" xmlns="" id="{B79E8085-65A9-48AA-951D-71D978BFF4ED}"/>
+                <a16:creationId xmlns="" xmlns:a16="http://schemas.microsoft.com/office/drawing/2014/main" id="{B79E8085-65A9-48AA-951D-71D978BFF4ED}"/>
               </a:ext>
             </a:extLst>
           </p:cNvPr>
@@ -3772,7 +3775,7 @@
           <p:cNvPr id="4" name="Espaço Reservado para Data 3">
             <a:extLst>
               <a:ext uri="{FF2B5EF4-FFF2-40B4-BE49-F238E27FC236}">
-                <a16:creationId xmlns:a16="http://schemas.microsoft.com/office/drawing/2014/main" xmlns="" id="{F05BE1AF-51EA-425D-B188-DE7BD675009F}"/>
+                <a16:creationId xmlns="" xmlns:a16="http://schemas.microsoft.com/office/drawing/2014/main" id="{F05BE1AF-51EA-425D-B188-DE7BD675009F}"/>
               </a:ext>
             </a:extLst>
           </p:cNvPr>
@@ -3790,7 +3793,7 @@
           <a:p>
             <a:fld id="{63289F7E-B80B-496E-81B4-D396C37C9454}" type="datetimeFigureOut">
               <a:rPr lang="pt-BR" smtClean="0"/>
-              <a:t>20/08/2021</a:t>
+              <a:t>27/08/2021</a:t>
             </a:fld>
             <a:endParaRPr lang="pt-BR"/>
           </a:p>
@@ -3801,7 +3804,7 @@
           <p:cNvPr id="5" name="Espaço Reservado para Rodapé 4">
             <a:extLst>
               <a:ext uri="{FF2B5EF4-FFF2-40B4-BE49-F238E27FC236}">
-                <a16:creationId xmlns:a16="http://schemas.microsoft.com/office/drawing/2014/main" xmlns="" id="{121BE632-29CF-4CB9-B365-C9EF38F89BE6}"/>
+                <a16:creationId xmlns="" xmlns:a16="http://schemas.microsoft.com/office/drawing/2014/main" id="{121BE632-29CF-4CB9-B365-C9EF38F89BE6}"/>
               </a:ext>
             </a:extLst>
           </p:cNvPr>
@@ -3826,7 +3829,7 @@
           <p:cNvPr id="6" name="Espaço Reservado para Número de Slide 5">
             <a:extLst>
               <a:ext uri="{FF2B5EF4-FFF2-40B4-BE49-F238E27FC236}">
-                <a16:creationId xmlns:a16="http://schemas.microsoft.com/office/drawing/2014/main" xmlns="" id="{60CF3DD1-9AEC-4A57-B461-4E4DD86FAC18}"/>
+                <a16:creationId xmlns="" xmlns:a16="http://schemas.microsoft.com/office/drawing/2014/main" id="{60CF3DD1-9AEC-4A57-B461-4E4DD86FAC18}"/>
               </a:ext>
             </a:extLst>
           </p:cNvPr>
@@ -3885,7 +3888,7 @@
           <p:cNvPr id="2" name="Título 1">
             <a:extLst>
               <a:ext uri="{FF2B5EF4-FFF2-40B4-BE49-F238E27FC236}">
-                <a16:creationId xmlns:a16="http://schemas.microsoft.com/office/drawing/2014/main" xmlns="" id="{34AB2FF0-A4D7-4E28-991D-FF26140D5988}"/>
+                <a16:creationId xmlns="" xmlns:a16="http://schemas.microsoft.com/office/drawing/2014/main" id="{34AB2FF0-A4D7-4E28-991D-FF26140D5988}"/>
               </a:ext>
             </a:extLst>
           </p:cNvPr>
@@ -3922,7 +3925,7 @@
           <p:cNvPr id="3" name="Espaço Reservado para Texto 2">
             <a:extLst>
               <a:ext uri="{FF2B5EF4-FFF2-40B4-BE49-F238E27FC236}">
-                <a16:creationId xmlns:a16="http://schemas.microsoft.com/office/drawing/2014/main" xmlns="" id="{E2AC45B0-4145-40DB-8E61-105461170604}"/>
+                <a16:creationId xmlns="" xmlns:a16="http://schemas.microsoft.com/office/drawing/2014/main" id="{E2AC45B0-4145-40DB-8E61-105461170604}"/>
               </a:ext>
             </a:extLst>
           </p:cNvPr>
@@ -4047,7 +4050,7 @@
           <p:cNvPr id="4" name="Espaço Reservado para Data 3">
             <a:extLst>
               <a:ext uri="{FF2B5EF4-FFF2-40B4-BE49-F238E27FC236}">
-                <a16:creationId xmlns:a16="http://schemas.microsoft.com/office/drawing/2014/main" xmlns="" id="{50F1D3FB-740A-4EBA-A309-2CE71D12ECFB}"/>
+                <a16:creationId xmlns="" xmlns:a16="http://schemas.microsoft.com/office/drawing/2014/main" id="{50F1D3FB-740A-4EBA-A309-2CE71D12ECFB}"/>
               </a:ext>
             </a:extLst>
           </p:cNvPr>
@@ -4065,7 +4068,7 @@
           <a:p>
             <a:fld id="{63289F7E-B80B-496E-81B4-D396C37C9454}" type="datetimeFigureOut">
               <a:rPr lang="pt-BR" smtClean="0"/>
-              <a:t>20/08/2021</a:t>
+              <a:t>27/08/2021</a:t>
             </a:fld>
             <a:endParaRPr lang="pt-BR"/>
           </a:p>
@@ -4076,7 +4079,7 @@
           <p:cNvPr id="5" name="Espaço Reservado para Rodapé 4">
             <a:extLst>
               <a:ext uri="{FF2B5EF4-FFF2-40B4-BE49-F238E27FC236}">
-                <a16:creationId xmlns:a16="http://schemas.microsoft.com/office/drawing/2014/main" xmlns="" id="{BDCAB18F-8715-4465-A940-F9C193A2ACE9}"/>
+                <a16:creationId xmlns="" xmlns:a16="http://schemas.microsoft.com/office/drawing/2014/main" id="{BDCAB18F-8715-4465-A940-F9C193A2ACE9}"/>
               </a:ext>
             </a:extLst>
           </p:cNvPr>
@@ -4101,7 +4104,7 @@
           <p:cNvPr id="6" name="Espaço Reservado para Número de Slide 5">
             <a:extLst>
               <a:ext uri="{FF2B5EF4-FFF2-40B4-BE49-F238E27FC236}">
-                <a16:creationId xmlns:a16="http://schemas.microsoft.com/office/drawing/2014/main" xmlns="" id="{353466C6-8248-429F-8056-FF040BF509EB}"/>
+                <a16:creationId xmlns="" xmlns:a16="http://schemas.microsoft.com/office/drawing/2014/main" id="{353466C6-8248-429F-8056-FF040BF509EB}"/>
               </a:ext>
             </a:extLst>
           </p:cNvPr>
@@ -4160,7 +4163,7 @@
           <p:cNvPr id="2" name="Título 1">
             <a:extLst>
               <a:ext uri="{FF2B5EF4-FFF2-40B4-BE49-F238E27FC236}">
-                <a16:creationId xmlns:a16="http://schemas.microsoft.com/office/drawing/2014/main" xmlns="" id="{BC7BB9F0-F14B-4A91-B2B7-35BC47FE4DE7}"/>
+                <a16:creationId xmlns="" xmlns:a16="http://schemas.microsoft.com/office/drawing/2014/main" id="{BC7BB9F0-F14B-4A91-B2B7-35BC47FE4DE7}"/>
               </a:ext>
             </a:extLst>
           </p:cNvPr>
@@ -4188,7 +4191,7 @@
           <p:cNvPr id="3" name="Espaço Reservado para Conteúdo 2">
             <a:extLst>
               <a:ext uri="{FF2B5EF4-FFF2-40B4-BE49-F238E27FC236}">
-                <a16:creationId xmlns:a16="http://schemas.microsoft.com/office/drawing/2014/main" xmlns="" id="{EC1FC1C4-73DA-47A6-8496-B0B457F7D39A}"/>
+                <a16:creationId xmlns="" xmlns:a16="http://schemas.microsoft.com/office/drawing/2014/main" id="{EC1FC1C4-73DA-47A6-8496-B0B457F7D39A}"/>
               </a:ext>
             </a:extLst>
           </p:cNvPr>
@@ -4250,7 +4253,7 @@
           <p:cNvPr id="4" name="Espaço Reservado para Conteúdo 3">
             <a:extLst>
               <a:ext uri="{FF2B5EF4-FFF2-40B4-BE49-F238E27FC236}">
-                <a16:creationId xmlns:a16="http://schemas.microsoft.com/office/drawing/2014/main" xmlns="" id="{E92F06A8-A449-4D92-9912-76873E529B38}"/>
+                <a16:creationId xmlns="" xmlns:a16="http://schemas.microsoft.com/office/drawing/2014/main" id="{E92F06A8-A449-4D92-9912-76873E529B38}"/>
               </a:ext>
             </a:extLst>
           </p:cNvPr>
@@ -4312,7 +4315,7 @@
           <p:cNvPr id="5" name="Espaço Reservado para Data 4">
             <a:extLst>
               <a:ext uri="{FF2B5EF4-FFF2-40B4-BE49-F238E27FC236}">
-                <a16:creationId xmlns:a16="http://schemas.microsoft.com/office/drawing/2014/main" xmlns="" id="{938070A4-BC2F-4D55-BD8D-DEAF11BB9EE9}"/>
+                <a16:creationId xmlns="" xmlns:a16="http://schemas.microsoft.com/office/drawing/2014/main" id="{938070A4-BC2F-4D55-BD8D-DEAF11BB9EE9}"/>
               </a:ext>
             </a:extLst>
           </p:cNvPr>
@@ -4330,7 +4333,7 @@
           <a:p>
             <a:fld id="{63289F7E-B80B-496E-81B4-D396C37C9454}" type="datetimeFigureOut">
               <a:rPr lang="pt-BR" smtClean="0"/>
-              <a:t>20/08/2021</a:t>
+              <a:t>27/08/2021</a:t>
             </a:fld>
             <a:endParaRPr lang="pt-BR"/>
           </a:p>
@@ -4341,7 +4344,7 @@
           <p:cNvPr id="6" name="Espaço Reservado para Rodapé 5">
             <a:extLst>
               <a:ext uri="{FF2B5EF4-FFF2-40B4-BE49-F238E27FC236}">
-                <a16:creationId xmlns:a16="http://schemas.microsoft.com/office/drawing/2014/main" xmlns="" id="{45CC2DB8-844A-465F-BA9A-7734C80C7F43}"/>
+                <a16:creationId xmlns="" xmlns:a16="http://schemas.microsoft.com/office/drawing/2014/main" id="{45CC2DB8-844A-465F-BA9A-7734C80C7F43}"/>
               </a:ext>
             </a:extLst>
           </p:cNvPr>
@@ -4366,7 +4369,7 @@
           <p:cNvPr id="7" name="Espaço Reservado para Número de Slide 6">
             <a:extLst>
               <a:ext uri="{FF2B5EF4-FFF2-40B4-BE49-F238E27FC236}">
-                <a16:creationId xmlns:a16="http://schemas.microsoft.com/office/drawing/2014/main" xmlns="" id="{4CC606A8-097B-4040-94E0-CD8C88280D8F}"/>
+                <a16:creationId xmlns="" xmlns:a16="http://schemas.microsoft.com/office/drawing/2014/main" id="{4CC606A8-097B-4040-94E0-CD8C88280D8F}"/>
               </a:ext>
             </a:extLst>
           </p:cNvPr>
@@ -4425,7 +4428,7 @@
           <p:cNvPr id="2" name="Título 1">
             <a:extLst>
               <a:ext uri="{FF2B5EF4-FFF2-40B4-BE49-F238E27FC236}">
-                <a16:creationId xmlns:a16="http://schemas.microsoft.com/office/drawing/2014/main" xmlns="" id="{76D66686-0143-4CB6-8C09-BA326F1E7ACA}"/>
+                <a16:creationId xmlns="" xmlns:a16="http://schemas.microsoft.com/office/drawing/2014/main" id="{76D66686-0143-4CB6-8C09-BA326F1E7ACA}"/>
               </a:ext>
             </a:extLst>
           </p:cNvPr>
@@ -4458,7 +4461,7 @@
           <p:cNvPr id="3" name="Espaço Reservado para Texto 2">
             <a:extLst>
               <a:ext uri="{FF2B5EF4-FFF2-40B4-BE49-F238E27FC236}">
-                <a16:creationId xmlns:a16="http://schemas.microsoft.com/office/drawing/2014/main" xmlns="" id="{0227AB85-F59E-4BCE-B846-4FA0992C2F23}"/>
+                <a16:creationId xmlns="" xmlns:a16="http://schemas.microsoft.com/office/drawing/2014/main" id="{0227AB85-F59E-4BCE-B846-4FA0992C2F23}"/>
               </a:ext>
             </a:extLst>
           </p:cNvPr>
@@ -4529,7 +4532,7 @@
           <p:cNvPr id="4" name="Espaço Reservado para Conteúdo 3">
             <a:extLst>
               <a:ext uri="{FF2B5EF4-FFF2-40B4-BE49-F238E27FC236}">
-                <a16:creationId xmlns:a16="http://schemas.microsoft.com/office/drawing/2014/main" xmlns="" id="{3373456C-7319-4D0A-827D-D29F6B083F5D}"/>
+                <a16:creationId xmlns="" xmlns:a16="http://schemas.microsoft.com/office/drawing/2014/main" id="{3373456C-7319-4D0A-827D-D29F6B083F5D}"/>
               </a:ext>
             </a:extLst>
           </p:cNvPr>
@@ -4591,7 +4594,7 @@
           <p:cNvPr id="5" name="Espaço Reservado para Texto 4">
             <a:extLst>
               <a:ext uri="{FF2B5EF4-FFF2-40B4-BE49-F238E27FC236}">
-                <a16:creationId xmlns:a16="http://schemas.microsoft.com/office/drawing/2014/main" xmlns="" id="{4CD109D0-2E83-4262-8029-A871CEC47406}"/>
+                <a16:creationId xmlns="" xmlns:a16="http://schemas.microsoft.com/office/drawing/2014/main" id="{4CD109D0-2E83-4262-8029-A871CEC47406}"/>
               </a:ext>
             </a:extLst>
           </p:cNvPr>
@@ -4662,7 +4665,7 @@
           <p:cNvPr id="6" name="Espaço Reservado para Conteúdo 5">
             <a:extLst>
               <a:ext uri="{FF2B5EF4-FFF2-40B4-BE49-F238E27FC236}">
-                <a16:creationId xmlns:a16="http://schemas.microsoft.com/office/drawing/2014/main" xmlns="" id="{AD706E3A-CFBB-4A6C-A65F-D0360A9E74FE}"/>
+                <a16:creationId xmlns="" xmlns:a16="http://schemas.microsoft.com/office/drawing/2014/main" id="{AD706E3A-CFBB-4A6C-A65F-D0360A9E74FE}"/>
               </a:ext>
             </a:extLst>
           </p:cNvPr>
@@ -4724,7 +4727,7 @@
           <p:cNvPr id="7" name="Espaço Reservado para Data 6">
             <a:extLst>
               <a:ext uri="{FF2B5EF4-FFF2-40B4-BE49-F238E27FC236}">
-                <a16:creationId xmlns:a16="http://schemas.microsoft.com/office/drawing/2014/main" xmlns="" id="{4172C0E5-5AF0-4805-BB51-443733CD2BD5}"/>
+                <a16:creationId xmlns="" xmlns:a16="http://schemas.microsoft.com/office/drawing/2014/main" id="{4172C0E5-5AF0-4805-BB51-443733CD2BD5}"/>
               </a:ext>
             </a:extLst>
           </p:cNvPr>
@@ -4742,7 +4745,7 @@
           <a:p>
             <a:fld id="{63289F7E-B80B-496E-81B4-D396C37C9454}" type="datetimeFigureOut">
               <a:rPr lang="pt-BR" smtClean="0"/>
-              <a:t>20/08/2021</a:t>
+              <a:t>27/08/2021</a:t>
             </a:fld>
             <a:endParaRPr lang="pt-BR"/>
           </a:p>
@@ -4753,7 +4756,7 @@
           <p:cNvPr id="8" name="Espaço Reservado para Rodapé 7">
             <a:extLst>
               <a:ext uri="{FF2B5EF4-FFF2-40B4-BE49-F238E27FC236}">
-                <a16:creationId xmlns:a16="http://schemas.microsoft.com/office/drawing/2014/main" xmlns="" id="{0E801648-156F-497E-99CF-797DF48051E1}"/>
+                <a16:creationId xmlns="" xmlns:a16="http://schemas.microsoft.com/office/drawing/2014/main" id="{0E801648-156F-497E-99CF-797DF48051E1}"/>
               </a:ext>
             </a:extLst>
           </p:cNvPr>
@@ -4778,7 +4781,7 @@
           <p:cNvPr id="9" name="Espaço Reservado para Número de Slide 8">
             <a:extLst>
               <a:ext uri="{FF2B5EF4-FFF2-40B4-BE49-F238E27FC236}">
-                <a16:creationId xmlns:a16="http://schemas.microsoft.com/office/drawing/2014/main" xmlns="" id="{EEE23D32-80E7-4796-A137-66BF842E4B53}"/>
+                <a16:creationId xmlns="" xmlns:a16="http://schemas.microsoft.com/office/drawing/2014/main" id="{EEE23D32-80E7-4796-A137-66BF842E4B53}"/>
               </a:ext>
             </a:extLst>
           </p:cNvPr>
@@ -4837,7 +4840,7 @@
           <p:cNvPr id="2" name="Título 1">
             <a:extLst>
               <a:ext uri="{FF2B5EF4-FFF2-40B4-BE49-F238E27FC236}">
-                <a16:creationId xmlns:a16="http://schemas.microsoft.com/office/drawing/2014/main" xmlns="" id="{2BCE2379-C78F-47E1-8CFC-B846E7AF148D}"/>
+                <a16:creationId xmlns="" xmlns:a16="http://schemas.microsoft.com/office/drawing/2014/main" id="{2BCE2379-C78F-47E1-8CFC-B846E7AF148D}"/>
               </a:ext>
             </a:extLst>
           </p:cNvPr>
@@ -4865,7 +4868,7 @@
           <p:cNvPr id="3" name="Espaço Reservado para Data 2">
             <a:extLst>
               <a:ext uri="{FF2B5EF4-FFF2-40B4-BE49-F238E27FC236}">
-                <a16:creationId xmlns:a16="http://schemas.microsoft.com/office/drawing/2014/main" xmlns="" id="{342600A9-7F92-4E22-9D94-E4717252A817}"/>
+                <a16:creationId xmlns="" xmlns:a16="http://schemas.microsoft.com/office/drawing/2014/main" id="{342600A9-7F92-4E22-9D94-E4717252A817}"/>
               </a:ext>
             </a:extLst>
           </p:cNvPr>
@@ -4883,7 +4886,7 @@
           <a:p>
             <a:fld id="{63289F7E-B80B-496E-81B4-D396C37C9454}" type="datetimeFigureOut">
               <a:rPr lang="pt-BR" smtClean="0"/>
-              <a:t>20/08/2021</a:t>
+              <a:t>27/08/2021</a:t>
             </a:fld>
             <a:endParaRPr lang="pt-BR"/>
           </a:p>
@@ -4894,7 +4897,7 @@
           <p:cNvPr id="4" name="Espaço Reservado para Rodapé 3">
             <a:extLst>
               <a:ext uri="{FF2B5EF4-FFF2-40B4-BE49-F238E27FC236}">
-                <a16:creationId xmlns:a16="http://schemas.microsoft.com/office/drawing/2014/main" xmlns="" id="{192E6BED-F546-40CC-A2DF-99CBA853654E}"/>
+                <a16:creationId xmlns="" xmlns:a16="http://schemas.microsoft.com/office/drawing/2014/main" id="{192E6BED-F546-40CC-A2DF-99CBA853654E}"/>
               </a:ext>
             </a:extLst>
           </p:cNvPr>
@@ -4919,7 +4922,7 @@
           <p:cNvPr id="5" name="Espaço Reservado para Número de Slide 4">
             <a:extLst>
               <a:ext uri="{FF2B5EF4-FFF2-40B4-BE49-F238E27FC236}">
-                <a16:creationId xmlns:a16="http://schemas.microsoft.com/office/drawing/2014/main" xmlns="" id="{6091CC40-A8C4-4063-80EB-CC5099621678}"/>
+                <a16:creationId xmlns="" xmlns:a16="http://schemas.microsoft.com/office/drawing/2014/main" id="{6091CC40-A8C4-4063-80EB-CC5099621678}"/>
               </a:ext>
             </a:extLst>
           </p:cNvPr>
@@ -4978,7 +4981,7 @@
           <p:cNvPr id="2" name="Espaço Reservado para Data 1">
             <a:extLst>
               <a:ext uri="{FF2B5EF4-FFF2-40B4-BE49-F238E27FC236}">
-                <a16:creationId xmlns:a16="http://schemas.microsoft.com/office/drawing/2014/main" xmlns="" id="{DD19515C-212C-4EAE-84A3-8FF4BC844F1B}"/>
+                <a16:creationId xmlns="" xmlns:a16="http://schemas.microsoft.com/office/drawing/2014/main" id="{DD19515C-212C-4EAE-84A3-8FF4BC844F1B}"/>
               </a:ext>
             </a:extLst>
           </p:cNvPr>
@@ -4996,7 +4999,7 @@
           <a:p>
             <a:fld id="{63289F7E-B80B-496E-81B4-D396C37C9454}" type="datetimeFigureOut">
               <a:rPr lang="pt-BR" smtClean="0"/>
-              <a:t>20/08/2021</a:t>
+              <a:t>27/08/2021</a:t>
             </a:fld>
             <a:endParaRPr lang="pt-BR"/>
           </a:p>
@@ -5007,7 +5010,7 @@
           <p:cNvPr id="3" name="Espaço Reservado para Rodapé 2">
             <a:extLst>
               <a:ext uri="{FF2B5EF4-FFF2-40B4-BE49-F238E27FC236}">
-                <a16:creationId xmlns:a16="http://schemas.microsoft.com/office/drawing/2014/main" xmlns="" id="{94D3D120-B3E8-4C96-861D-7A4F12F49B3A}"/>
+                <a16:creationId xmlns="" xmlns:a16="http://schemas.microsoft.com/office/drawing/2014/main" id="{94D3D120-B3E8-4C96-861D-7A4F12F49B3A}"/>
               </a:ext>
             </a:extLst>
           </p:cNvPr>
@@ -5032,7 +5035,7 @@
           <p:cNvPr id="4" name="Espaço Reservado para Número de Slide 3">
             <a:extLst>
               <a:ext uri="{FF2B5EF4-FFF2-40B4-BE49-F238E27FC236}">
-                <a16:creationId xmlns:a16="http://schemas.microsoft.com/office/drawing/2014/main" xmlns="" id="{42E49B68-FA1B-468B-9F17-D5C09243D454}"/>
+                <a16:creationId xmlns="" xmlns:a16="http://schemas.microsoft.com/office/drawing/2014/main" id="{42E49B68-FA1B-468B-9F17-D5C09243D454}"/>
               </a:ext>
             </a:extLst>
           </p:cNvPr>
@@ -5091,7 +5094,7 @@
           <p:cNvPr id="2" name="Título 1">
             <a:extLst>
               <a:ext uri="{FF2B5EF4-FFF2-40B4-BE49-F238E27FC236}">
-                <a16:creationId xmlns:a16="http://schemas.microsoft.com/office/drawing/2014/main" xmlns="" id="{1C17BCBE-A897-4319-85EC-D87909C24980}"/>
+                <a16:creationId xmlns="" xmlns:a16="http://schemas.microsoft.com/office/drawing/2014/main" id="{1C17BCBE-A897-4319-85EC-D87909C24980}"/>
               </a:ext>
             </a:extLst>
           </p:cNvPr>
@@ -5128,7 +5131,7 @@
           <p:cNvPr id="3" name="Espaço Reservado para Conteúdo 2">
             <a:extLst>
               <a:ext uri="{FF2B5EF4-FFF2-40B4-BE49-F238E27FC236}">
-                <a16:creationId xmlns:a16="http://schemas.microsoft.com/office/drawing/2014/main" xmlns="" id="{4226F885-0204-4913-868B-4B8B82576F17}"/>
+                <a16:creationId xmlns="" xmlns:a16="http://schemas.microsoft.com/office/drawing/2014/main" id="{4226F885-0204-4913-868B-4B8B82576F17}"/>
               </a:ext>
             </a:extLst>
           </p:cNvPr>
@@ -5218,7 +5221,7 @@
           <p:cNvPr id="4" name="Espaço Reservado para Texto 3">
             <a:extLst>
               <a:ext uri="{FF2B5EF4-FFF2-40B4-BE49-F238E27FC236}">
-                <a16:creationId xmlns:a16="http://schemas.microsoft.com/office/drawing/2014/main" xmlns="" id="{00F9F784-A858-441B-8AB5-697098141751}"/>
+                <a16:creationId xmlns="" xmlns:a16="http://schemas.microsoft.com/office/drawing/2014/main" id="{00F9F784-A858-441B-8AB5-697098141751}"/>
               </a:ext>
             </a:extLst>
           </p:cNvPr>
@@ -5289,7 +5292,7 @@
           <p:cNvPr id="5" name="Espaço Reservado para Data 4">
             <a:extLst>
               <a:ext uri="{FF2B5EF4-FFF2-40B4-BE49-F238E27FC236}">
-                <a16:creationId xmlns:a16="http://schemas.microsoft.com/office/drawing/2014/main" xmlns="" id="{A4DC363A-5000-472E-8B17-02E7DCB8840A}"/>
+                <a16:creationId xmlns="" xmlns:a16="http://schemas.microsoft.com/office/drawing/2014/main" id="{A4DC363A-5000-472E-8B17-02E7DCB8840A}"/>
               </a:ext>
             </a:extLst>
           </p:cNvPr>
@@ -5307,7 +5310,7 @@
           <a:p>
             <a:fld id="{63289F7E-B80B-496E-81B4-D396C37C9454}" type="datetimeFigureOut">
               <a:rPr lang="pt-BR" smtClean="0"/>
-              <a:t>20/08/2021</a:t>
+              <a:t>27/08/2021</a:t>
             </a:fld>
             <a:endParaRPr lang="pt-BR"/>
           </a:p>
@@ -5318,7 +5321,7 @@
           <p:cNvPr id="6" name="Espaço Reservado para Rodapé 5">
             <a:extLst>
               <a:ext uri="{FF2B5EF4-FFF2-40B4-BE49-F238E27FC236}">
-                <a16:creationId xmlns:a16="http://schemas.microsoft.com/office/drawing/2014/main" xmlns="" id="{5548425D-2C21-4C56-BAD4-662978775C28}"/>
+                <a16:creationId xmlns="" xmlns:a16="http://schemas.microsoft.com/office/drawing/2014/main" id="{5548425D-2C21-4C56-BAD4-662978775C28}"/>
               </a:ext>
             </a:extLst>
           </p:cNvPr>
@@ -5343,7 +5346,7 @@
           <p:cNvPr id="7" name="Espaço Reservado para Número de Slide 6">
             <a:extLst>
               <a:ext uri="{FF2B5EF4-FFF2-40B4-BE49-F238E27FC236}">
-                <a16:creationId xmlns:a16="http://schemas.microsoft.com/office/drawing/2014/main" xmlns="" id="{C63E9726-E64C-42B2-AE8A-8C235A956B48}"/>
+                <a16:creationId xmlns="" xmlns:a16="http://schemas.microsoft.com/office/drawing/2014/main" id="{C63E9726-E64C-42B2-AE8A-8C235A956B48}"/>
               </a:ext>
             </a:extLst>
           </p:cNvPr>
@@ -5402,7 +5405,7 @@
           <p:cNvPr id="2" name="Título 1">
             <a:extLst>
               <a:ext uri="{FF2B5EF4-FFF2-40B4-BE49-F238E27FC236}">
-                <a16:creationId xmlns:a16="http://schemas.microsoft.com/office/drawing/2014/main" xmlns="" id="{11086A78-3E74-450C-96A6-CA8AC37AF772}"/>
+                <a16:creationId xmlns="" xmlns:a16="http://schemas.microsoft.com/office/drawing/2014/main" id="{11086A78-3E74-450C-96A6-CA8AC37AF772}"/>
               </a:ext>
             </a:extLst>
           </p:cNvPr>
@@ -5439,7 +5442,7 @@
           <p:cNvPr id="3" name="Espaço Reservado para Imagem 2">
             <a:extLst>
               <a:ext uri="{FF2B5EF4-FFF2-40B4-BE49-F238E27FC236}">
-                <a16:creationId xmlns:a16="http://schemas.microsoft.com/office/drawing/2014/main" xmlns="" id="{5F5B7312-975A-4DBC-9B2F-3652ADA006FD}"/>
+                <a16:creationId xmlns="" xmlns:a16="http://schemas.microsoft.com/office/drawing/2014/main" id="{5F5B7312-975A-4DBC-9B2F-3652ADA006FD}"/>
               </a:ext>
             </a:extLst>
           </p:cNvPr>
@@ -5506,7 +5509,7 @@
           <p:cNvPr id="4" name="Espaço Reservado para Texto 3">
             <a:extLst>
               <a:ext uri="{FF2B5EF4-FFF2-40B4-BE49-F238E27FC236}">
-                <a16:creationId xmlns:a16="http://schemas.microsoft.com/office/drawing/2014/main" xmlns="" id="{AAF805F5-1DFF-41C6-944C-7D79FE0D0963}"/>
+                <a16:creationId xmlns="" xmlns:a16="http://schemas.microsoft.com/office/drawing/2014/main" id="{AAF805F5-1DFF-41C6-944C-7D79FE0D0963}"/>
               </a:ext>
             </a:extLst>
           </p:cNvPr>
@@ -5577,7 +5580,7 @@
           <p:cNvPr id="5" name="Espaço Reservado para Data 4">
             <a:extLst>
               <a:ext uri="{FF2B5EF4-FFF2-40B4-BE49-F238E27FC236}">
-                <a16:creationId xmlns:a16="http://schemas.microsoft.com/office/drawing/2014/main" xmlns="" id="{02113D81-8665-4516-BD81-C6A1F254EECD}"/>
+                <a16:creationId xmlns="" xmlns:a16="http://schemas.microsoft.com/office/drawing/2014/main" id="{02113D81-8665-4516-BD81-C6A1F254EECD}"/>
               </a:ext>
             </a:extLst>
           </p:cNvPr>
@@ -5595,7 +5598,7 @@
           <a:p>
             <a:fld id="{63289F7E-B80B-496E-81B4-D396C37C9454}" type="datetimeFigureOut">
               <a:rPr lang="pt-BR" smtClean="0"/>
-              <a:t>20/08/2021</a:t>
+              <a:t>27/08/2021</a:t>
             </a:fld>
             <a:endParaRPr lang="pt-BR"/>
           </a:p>
@@ -5606,7 +5609,7 @@
           <p:cNvPr id="6" name="Espaço Reservado para Rodapé 5">
             <a:extLst>
               <a:ext uri="{FF2B5EF4-FFF2-40B4-BE49-F238E27FC236}">
-                <a16:creationId xmlns:a16="http://schemas.microsoft.com/office/drawing/2014/main" xmlns="" id="{2B00C88B-FF32-40AA-A187-727D96FD7862}"/>
+                <a16:creationId xmlns="" xmlns:a16="http://schemas.microsoft.com/office/drawing/2014/main" id="{2B00C88B-FF32-40AA-A187-727D96FD7862}"/>
               </a:ext>
             </a:extLst>
           </p:cNvPr>
@@ -5631,7 +5634,7 @@
           <p:cNvPr id="7" name="Espaço Reservado para Número de Slide 6">
             <a:extLst>
               <a:ext uri="{FF2B5EF4-FFF2-40B4-BE49-F238E27FC236}">
-                <a16:creationId xmlns:a16="http://schemas.microsoft.com/office/drawing/2014/main" xmlns="" id="{A04D1A2D-69F7-4B8F-A730-BC26DC340BA6}"/>
+                <a16:creationId xmlns="" xmlns:a16="http://schemas.microsoft.com/office/drawing/2014/main" id="{A04D1A2D-69F7-4B8F-A730-BC26DC340BA6}"/>
               </a:ext>
             </a:extLst>
           </p:cNvPr>
@@ -5695,7 +5698,7 @@
           <p:cNvPr id="2" name="Espaço Reservado para Título 1">
             <a:extLst>
               <a:ext uri="{FF2B5EF4-FFF2-40B4-BE49-F238E27FC236}">
-                <a16:creationId xmlns:a16="http://schemas.microsoft.com/office/drawing/2014/main" xmlns="" id="{E69A0273-1966-4A1B-9370-4C1CE5036371}"/>
+                <a16:creationId xmlns="" xmlns:a16="http://schemas.microsoft.com/office/drawing/2014/main" id="{E69A0273-1966-4A1B-9370-4C1CE5036371}"/>
               </a:ext>
             </a:extLst>
           </p:cNvPr>
@@ -5733,7 +5736,7 @@
           <p:cNvPr id="3" name="Espaço Reservado para Texto 2">
             <a:extLst>
               <a:ext uri="{FF2B5EF4-FFF2-40B4-BE49-F238E27FC236}">
-                <a16:creationId xmlns:a16="http://schemas.microsoft.com/office/drawing/2014/main" xmlns="" id="{3B9CF87A-0448-49A7-AB25-EBC1D56A40EF}"/>
+                <a16:creationId xmlns="" xmlns:a16="http://schemas.microsoft.com/office/drawing/2014/main" id="{3B9CF87A-0448-49A7-AB25-EBC1D56A40EF}"/>
               </a:ext>
             </a:extLst>
           </p:cNvPr>
@@ -5800,7 +5803,7 @@
           <p:cNvPr id="4" name="Espaço Reservado para Data 3">
             <a:extLst>
               <a:ext uri="{FF2B5EF4-FFF2-40B4-BE49-F238E27FC236}">
-                <a16:creationId xmlns:a16="http://schemas.microsoft.com/office/drawing/2014/main" xmlns="" id="{2EF7B1F2-BB5A-44D0-816D-16AD2C71430E}"/>
+                <a16:creationId xmlns="" xmlns:a16="http://schemas.microsoft.com/office/drawing/2014/main" id="{2EF7B1F2-BB5A-44D0-816D-16AD2C71430E}"/>
               </a:ext>
             </a:extLst>
           </p:cNvPr>
@@ -5836,7 +5839,7 @@
           <a:p>
             <a:fld id="{63289F7E-B80B-496E-81B4-D396C37C9454}" type="datetimeFigureOut">
               <a:rPr lang="pt-BR" smtClean="0"/>
-              <a:t>20/08/2021</a:t>
+              <a:t>27/08/2021</a:t>
             </a:fld>
             <a:endParaRPr lang="pt-BR"/>
           </a:p>
@@ -5847,7 +5850,7 @@
           <p:cNvPr id="5" name="Espaço Reservado para Rodapé 4">
             <a:extLst>
               <a:ext uri="{FF2B5EF4-FFF2-40B4-BE49-F238E27FC236}">
-                <a16:creationId xmlns:a16="http://schemas.microsoft.com/office/drawing/2014/main" xmlns="" id="{C703F94C-2CC8-4DAA-BC35-14FC3E841DCD}"/>
+                <a16:creationId xmlns="" xmlns:a16="http://schemas.microsoft.com/office/drawing/2014/main" id="{C703F94C-2CC8-4DAA-BC35-14FC3E841DCD}"/>
               </a:ext>
             </a:extLst>
           </p:cNvPr>
@@ -5890,7 +5893,7 @@
           <p:cNvPr id="6" name="Espaço Reservado para Número de Slide 5">
             <a:extLst>
               <a:ext uri="{FF2B5EF4-FFF2-40B4-BE49-F238E27FC236}">
-                <a16:creationId xmlns:a16="http://schemas.microsoft.com/office/drawing/2014/main" xmlns="" id="{64051336-7048-457A-8B61-D94291D71648}"/>
+                <a16:creationId xmlns="" xmlns:a16="http://schemas.microsoft.com/office/drawing/2014/main" id="{64051336-7048-457A-8B61-D94291D71648}"/>
               </a:ext>
             </a:extLst>
           </p:cNvPr>
@@ -6258,7 +6261,7 @@
           <p:cNvPr id="2" name="Título 1">
             <a:extLst>
               <a:ext uri="{FF2B5EF4-FFF2-40B4-BE49-F238E27FC236}">
-                <a16:creationId xmlns:a16="http://schemas.microsoft.com/office/drawing/2014/main" xmlns="" id="{32666AC8-2E17-4DB4-B0F5-60C640CCFD2E}"/>
+                <a16:creationId xmlns="" xmlns:a16="http://schemas.microsoft.com/office/drawing/2014/main" id="{32666AC8-2E17-4DB4-B0F5-60C640CCFD2E}"/>
               </a:ext>
             </a:extLst>
           </p:cNvPr>
@@ -6305,7 +6308,7 @@
           <p:cNvPr id="4" name="CaixaDeTexto 3">
             <a:extLst>
               <a:ext uri="{FF2B5EF4-FFF2-40B4-BE49-F238E27FC236}">
-                <a16:creationId xmlns:a16="http://schemas.microsoft.com/office/drawing/2014/main" xmlns="" id="{430EB894-B7D4-434C-9D1A-A14094D9BEEC}"/>
+                <a16:creationId xmlns="" xmlns:a16="http://schemas.microsoft.com/office/drawing/2014/main" id="{430EB894-B7D4-434C-9D1A-A14094D9BEEC}"/>
               </a:ext>
             </a:extLst>
           </p:cNvPr>
@@ -6346,7 +6349,7 @@
           <p:cNvPr id="1026" name="Picture 2" descr="Logo">
             <a:extLst>
               <a:ext uri="{FF2B5EF4-FFF2-40B4-BE49-F238E27FC236}">
-                <a16:creationId xmlns:a16="http://schemas.microsoft.com/office/drawing/2014/main" xmlns="" id="{3F2642E0-4F6A-4196-8F58-E77D36E9A33F}"/>
+                <a16:creationId xmlns="" xmlns:a16="http://schemas.microsoft.com/office/drawing/2014/main" id="{3F2642E0-4F6A-4196-8F58-E77D36E9A33F}"/>
               </a:ext>
             </a:extLst>
           </p:cNvPr>
@@ -6391,7 +6394,7 @@
           <p:cNvPr id="5122" name="Picture 2" descr="Image result for machine learning">
             <a:extLst>
               <a:ext uri="{FF2B5EF4-FFF2-40B4-BE49-F238E27FC236}">
-                <a16:creationId xmlns:a16="http://schemas.microsoft.com/office/drawing/2014/main" xmlns="" id="{810CE0A2-4102-44A6-A370-175E7896CDCB}"/>
+                <a16:creationId xmlns="" xmlns:a16="http://schemas.microsoft.com/office/drawing/2014/main" id="{810CE0A2-4102-44A6-A370-175E7896CDCB}"/>
               </a:ext>
             </a:extLst>
           </p:cNvPr>
@@ -6488,8 +6491,8 @@
           </a:p>
         </p:txBody>
       </p:sp>
-      <mc:AlternateContent xmlns:mc="http://schemas.openxmlformats.org/markup-compatibility/2006">
-        <mc:Choice xmlns:a14="http://schemas.microsoft.com/office/drawing/2010/main" Requires="a14">
+      <mc:AlternateContent xmlns:mc="http://schemas.openxmlformats.org/markup-compatibility/2006" xmlns:a14="http://schemas.microsoft.com/office/drawing/2010/main">
+        <mc:Choice Requires="a14">
           <p:sp>
             <p:nvSpPr>
               <p:cNvPr id="3" name="Content Placeholder 2"/>
@@ -8260,7 +8263,7 @@
             </p:txBody>
           </p:sp>
         </mc:Choice>
-        <mc:Fallback>
+        <mc:Fallback xmlns="">
           <p:sp>
             <p:nvSpPr>
               <p:cNvPr id="3" name="Content Placeholder 2"/>
@@ -8382,7 +8385,7 @@
               <a:lstStyle/>
               <a:p>
                 <a:r>
-                  <a:rPr lang="pt-BR" dirty="0"/>
+                  <a:rPr lang="pt-BR" dirty="0" smtClean="0"/>
                   <a:t>Semelhante ao que fizemos com a </a:t>
                 </a:r>
                 <a:r>
@@ -8885,6 +8888,115 @@
                           </m:sSup>
                         </m:e>
                       </m:nary>
+                      <m:r>
+                        <a:rPr lang="pt-BR" b="0" i="1" smtClean="0">
+                          <a:latin typeface="Cambria Math" panose="02040503050406030204" pitchFamily="18" charset="0"/>
+                        </a:rPr>
+                        <m:t>=</m:t>
+                      </m:r>
+                      <m:sSup>
+                        <m:sSupPr>
+                          <m:ctrlPr>
+                            <a:rPr lang="pt-BR" b="0" i="1" smtClean="0">
+                              <a:latin typeface="Cambria Math" panose="02040503050406030204" pitchFamily="18" charset="0"/>
+                            </a:rPr>
+                          </m:ctrlPr>
+                        </m:sSupPr>
+                        <m:e>
+                          <m:r>
+                            <a:rPr lang="pt-BR" i="1">
+                              <a:latin typeface="Cambria Math" panose="02040503050406030204" pitchFamily="18" charset="0"/>
+                            </a:rPr>
+                            <m:t>−</m:t>
+                          </m:r>
+                          <m:f>
+                            <m:fPr>
+                              <m:ctrlPr>
+                                <a:rPr lang="pt-BR" i="1">
+                                  <a:latin typeface="Cambria Math" panose="02040503050406030204" pitchFamily="18" charset="0"/>
+                                </a:rPr>
+                              </m:ctrlPr>
+                            </m:fPr>
+                            <m:num>
+                              <m:r>
+                                <a:rPr lang="pt-BR" i="1">
+                                  <a:latin typeface="Cambria Math" panose="02040503050406030204" pitchFamily="18" charset="0"/>
+                                </a:rPr>
+                                <m:t>1</m:t>
+                              </m:r>
+                            </m:num>
+                            <m:den>
+                              <m:r>
+                                <a:rPr lang="pt-BR" i="1">
+                                  <a:latin typeface="Cambria Math" panose="02040503050406030204" pitchFamily="18" charset="0"/>
+                                </a:rPr>
+                                <m:t>𝑁</m:t>
+                              </m:r>
+                            </m:den>
+                          </m:f>
+                          <m:r>
+                            <a:rPr lang="pt-BR" b="1" i="1" smtClean="0">
+                              <a:latin typeface="Cambria Math" panose="02040503050406030204" pitchFamily="18" charset="0"/>
+                            </a:rPr>
+                            <m:t>𝑿</m:t>
+                          </m:r>
+                        </m:e>
+                        <m:sup>
+                          <m:r>
+                            <a:rPr lang="pt-BR" b="0" i="1" smtClean="0">
+                              <a:latin typeface="Cambria Math" panose="02040503050406030204" pitchFamily="18" charset="0"/>
+                            </a:rPr>
+                            <m:t>𝑇</m:t>
+                          </m:r>
+                        </m:sup>
+                      </m:sSup>
+                      <m:d>
+                        <m:dPr>
+                          <m:ctrlPr>
+                            <a:rPr lang="pt-BR" b="0" i="1" smtClean="0">
+                              <a:latin typeface="Cambria Math" panose="02040503050406030204" pitchFamily="18" charset="0"/>
+                            </a:rPr>
+                          </m:ctrlPr>
+                        </m:dPr>
+                        <m:e>
+                          <m:r>
+                            <a:rPr lang="pt-BR" b="1" i="1" smtClean="0">
+                              <a:latin typeface="Cambria Math" panose="02040503050406030204" pitchFamily="18" charset="0"/>
+                            </a:rPr>
+                            <m:t>𝒚</m:t>
+                          </m:r>
+                          <m:r>
+                            <a:rPr lang="pt-BR" b="0" i="1" smtClean="0">
+                              <a:latin typeface="Cambria Math" panose="02040503050406030204" pitchFamily="18" charset="0"/>
+                            </a:rPr>
+                            <m:t>−</m:t>
+                          </m:r>
+                          <m:acc>
+                            <m:accPr>
+                              <m:chr m:val="̂"/>
+                              <m:ctrlPr>
+                                <a:rPr lang="pt-BR" b="0" i="1" smtClean="0">
+                                  <a:latin typeface="Cambria Math" panose="02040503050406030204" pitchFamily="18" charset="0"/>
+                                </a:rPr>
+                              </m:ctrlPr>
+                            </m:accPr>
+                            <m:e>
+                              <m:r>
+                                <a:rPr lang="pt-BR" b="1" i="1">
+                                  <a:latin typeface="Cambria Math" panose="02040503050406030204" pitchFamily="18" charset="0"/>
+                                </a:rPr>
+                                <m:t>𝒚</m:t>
+                              </m:r>
+                            </m:e>
+                          </m:acc>
+                        </m:e>
+                      </m:d>
+                      <m:r>
+                        <a:rPr lang="pt-BR" b="0" i="0" smtClean="0">
+                          <a:latin typeface="Cambria Math" panose="02040503050406030204" pitchFamily="18" charset="0"/>
+                        </a:rPr>
+                        <m:t>.</m:t>
+                      </m:r>
                     </m:oMath>
                   </m:oMathPara>
                 </a14:m>
@@ -8893,11 +9005,7 @@
               <a:p>
                 <a:r>
                   <a:rPr lang="pt-BR" dirty="0" smtClean="0"/>
-                  <a:t>Percebam </a:t>
-                </a:r>
-                <a:r>
-                  <a:rPr lang="pt-BR" dirty="0" smtClean="0"/>
-                  <a:t>que o </a:t>
+                  <a:t>Percebam que o </a:t>
                 </a:r>
                 <a:r>
                   <a:rPr lang="pt-BR" b="1" i="1" dirty="0"/>
@@ -9071,8 +9179,8 @@
             </p:nvSpPr>
             <p:spPr>
               <a:xfrm>
-                <a:off x="9092764" y="2677138"/>
-                <a:ext cx="2950028" cy="1178336"/>
+                <a:off x="9600764" y="2492643"/>
+                <a:ext cx="2261036" cy="1393779"/>
               </a:xfrm>
               <a:prstGeom prst="rect">
                 <a:avLst/>
@@ -9119,7 +9227,15 @@
                 </a14:m>
                 <a:r>
                   <a:rPr lang="pt-BR" sz="1400" dirty="0" smtClean="0"/>
-                  <a:t> como sendo a equação de um hiperplano: </a:t>
+                  <a:t> como sendo a equação de um </a:t>
+                </a:r>
+                <a:r>
+                  <a:rPr lang="pt-BR" sz="1400" b="1" i="1" dirty="0" smtClean="0"/>
+                  <a:t>hiperplano</a:t>
+                </a:r>
+                <a:r>
+                  <a:rPr lang="pt-BR" sz="1400" dirty="0" smtClean="0"/>
+                  <a:t>: </a:t>
                 </a:r>
                 <a14:m>
                   <m:oMath xmlns:m="http://schemas.openxmlformats.org/officeDocument/2006/math">
@@ -9267,8 +9383,8 @@
             </p:nvSpPr>
             <p:spPr>
               <a:xfrm>
-                <a:off x="9092764" y="2677138"/>
-                <a:ext cx="2950028" cy="1178336"/>
+                <a:off x="9600764" y="2492643"/>
+                <a:ext cx="2261036" cy="1393779"/>
               </a:xfrm>
               <a:prstGeom prst="rect">
                 <a:avLst/>
@@ -9276,7 +9392,7 @@
               <a:blipFill rotWithShape="0">
                 <a:blip r:embed="rId5"/>
                 <a:stretch>
-                  <a:fillRect t="-1036" r="-1033" b="-5181"/>
+                  <a:fillRect l="-8625" t="-873" r="-1348" b="-3930"/>
                 </a:stretch>
               </a:blipFill>
             </p:spPr>
@@ -9303,8 +9419,250 @@
         </p:nvCxnSpPr>
         <p:spPr>
           <a:xfrm flipH="1">
-            <a:off x="8360229" y="3454400"/>
-            <a:ext cx="885371" cy="783771"/>
+            <a:off x="6968945" y="3672114"/>
+            <a:ext cx="2755626" cy="609600"/>
+          </a:xfrm>
+          <a:prstGeom prst="straightConnector1">
+            <a:avLst/>
+          </a:prstGeom>
+          <a:ln>
+            <a:solidFill>
+              <a:srgbClr val="FF0000"/>
+            </a:solidFill>
+            <a:tailEnd type="triangle"/>
+          </a:ln>
+        </p:spPr>
+        <p:style>
+          <a:lnRef idx="1">
+            <a:schemeClr val="accent1"/>
+          </a:lnRef>
+          <a:fillRef idx="0">
+            <a:schemeClr val="accent1"/>
+          </a:fillRef>
+          <a:effectRef idx="0">
+            <a:schemeClr val="accent1"/>
+          </a:effectRef>
+          <a:fontRef idx="minor">
+            <a:schemeClr val="tx1"/>
+          </a:fontRef>
+        </p:style>
+      </p:cxnSp>
+      <mc:AlternateContent xmlns:mc="http://schemas.openxmlformats.org/markup-compatibility/2006">
+        <mc:Choice xmlns:a14="http://schemas.microsoft.com/office/drawing/2010/main" Requires="a14">
+          <p:sp>
+            <p:nvSpPr>
+              <p:cNvPr id="9" name="TextBox 8"/>
+              <p:cNvSpPr txBox="1"/>
+              <p:nvPr/>
+            </p:nvSpPr>
+            <p:spPr>
+              <a:xfrm>
+                <a:off x="10827657" y="4021358"/>
+                <a:ext cx="1364343" cy="774443"/>
+              </a:xfrm>
+              <a:prstGeom prst="rect">
+                <a:avLst/>
+              </a:prstGeom>
+              <a:noFill/>
+            </p:spPr>
+            <p:txBody>
+              <a:bodyPr wrap="square" rtlCol="0">
+                <a:spAutoFit/>
+              </a:bodyPr>
+              <a:lstStyle>
+                <a:defPPr>
+                  <a:defRPr lang="pt-BR"/>
+                </a:defPPr>
+                <a:lvl1pPr algn="ctr">
+                  <a:defRPr sz="1400"/>
+                </a:lvl1pPr>
+              </a:lstStyle>
+              <a:p>
+                <a:r>
+                  <a:rPr lang="pt-BR" dirty="0" smtClean="0"/>
+                  <a:t>Forma matricial: </a:t>
+                </a:r>
+                <a14:m>
+                  <m:oMath xmlns:m="http://schemas.openxmlformats.org/officeDocument/2006/math">
+                    <m:r>
+                      <a:rPr lang="pt-BR"/>
+                      <m:t>𝑿</m:t>
+                    </m:r>
+                    <m:r>
+                      <a:rPr lang="pt-BR"/>
+                      <m:t>∈</m:t>
+                    </m:r>
+                    <m:sSup>
+                      <m:sSupPr>
+                        <m:ctrlPr>
+                          <a:rPr lang="pt-BR"/>
+                        </m:ctrlPr>
+                      </m:sSupPr>
+                      <m:e>
+                        <m:r>
+                          <a:rPr lang="pt-BR"/>
+                          <m:t>ℝ</m:t>
+                        </m:r>
+                      </m:e>
+                      <m:sup>
+                        <m:r>
+                          <m:rPr>
+                            <m:sty m:val="p"/>
+                          </m:rPr>
+                          <a:rPr lang="pt-BR"/>
+                          <m:t>N</m:t>
+                        </m:r>
+                        <m:r>
+                          <a:rPr lang="pt-BR"/>
+                          <m:t>×</m:t>
+                        </m:r>
+                        <m:r>
+                          <m:rPr>
+                            <m:sty m:val="p"/>
+                          </m:rPr>
+                          <a:rPr lang="pt-BR"/>
+                          <m:t>K</m:t>
+                        </m:r>
+                        <m:r>
+                          <a:rPr lang="pt-BR" b="0" i="0" smtClean="0">
+                            <a:latin typeface="Cambria Math" panose="02040503050406030204" pitchFamily="18" charset="0"/>
+                          </a:rPr>
+                          <m:t>+1</m:t>
+                        </m:r>
+                      </m:sup>
+                    </m:sSup>
+                  </m:oMath>
+                </a14:m>
+                <a:r>
+                  <a:rPr lang="pt-BR" dirty="0"/>
+                  <a:t>, </a:t>
+                </a:r>
+                <a14:m>
+                  <m:oMath xmlns:m="http://schemas.openxmlformats.org/officeDocument/2006/math">
+                    <m:r>
+                      <a:rPr lang="pt-BR"/>
+                      <m:t>𝒚</m:t>
+                    </m:r>
+                  </m:oMath>
+                </a14:m>
+                <a:r>
+                  <a:rPr lang="pt-BR" dirty="0"/>
+                  <a:t> e </a:t>
+                </a:r>
+                <a14:m>
+                  <m:oMath xmlns:m="http://schemas.openxmlformats.org/officeDocument/2006/math">
+                    <m:acc>
+                      <m:accPr>
+                        <m:chr m:val="̂"/>
+                        <m:ctrlPr>
+                          <a:rPr lang="pt-BR"/>
+                        </m:ctrlPr>
+                      </m:accPr>
+                      <m:e>
+                        <m:r>
+                          <a:rPr lang="pt-BR"/>
+                          <m:t>𝒚</m:t>
+                        </m:r>
+                      </m:e>
+                    </m:acc>
+                  </m:oMath>
+                </a14:m>
+                <a:r>
+                  <a:rPr lang="pt-BR" dirty="0"/>
+                  <a:t>  </a:t>
+                </a:r>
+                <a14:m>
+                  <m:oMath xmlns:m="http://schemas.openxmlformats.org/officeDocument/2006/math">
+                    <m:r>
+                      <a:rPr lang="pt-BR"/>
+                      <m:t>∈</m:t>
+                    </m:r>
+                    <m:sSup>
+                      <m:sSupPr>
+                        <m:ctrlPr>
+                          <a:rPr lang="pt-BR"/>
+                        </m:ctrlPr>
+                      </m:sSupPr>
+                      <m:e>
+                        <m:r>
+                          <a:rPr lang="pt-BR"/>
+                          <m:t>ℝ</m:t>
+                        </m:r>
+                      </m:e>
+                      <m:sup>
+                        <m:r>
+                          <m:rPr>
+                            <m:sty m:val="p"/>
+                          </m:rPr>
+                          <a:rPr lang="pt-BR"/>
+                          <m:t>N</m:t>
+                        </m:r>
+                        <m:r>
+                          <a:rPr lang="pt-BR"/>
+                          <m:t>×</m:t>
+                        </m:r>
+                        <m:r>
+                          <a:rPr lang="pt-BR"/>
+                          <m:t>𝟏</m:t>
+                        </m:r>
+                      </m:sup>
+                    </m:sSup>
+                  </m:oMath>
+                </a14:m>
+                <a:endParaRPr lang="pt-BR" dirty="0"/>
+              </a:p>
+            </p:txBody>
+          </p:sp>
+        </mc:Choice>
+        <mc:Fallback>
+          <p:sp>
+            <p:nvSpPr>
+              <p:cNvPr id="9" name="TextBox 8"/>
+              <p:cNvSpPr txBox="1">
+                <a:spLocks noRot="1" noChangeAspect="1" noMove="1" noResize="1" noEditPoints="1" noAdjustHandles="1" noChangeArrowheads="1" noChangeShapeType="1" noTextEdit="1"/>
+              </p:cNvSpPr>
+              <p:nvPr/>
+            </p:nvSpPr>
+            <p:spPr>
+              <a:xfrm>
+                <a:off x="10827657" y="4021358"/>
+                <a:ext cx="1364343" cy="774443"/>
+              </a:xfrm>
+              <a:prstGeom prst="rect">
+                <a:avLst/>
+              </a:prstGeom>
+              <a:blipFill rotWithShape="0">
+                <a:blip r:embed="rId6"/>
+                <a:stretch>
+                  <a:fillRect l="-1339" t="-1575" r="-4018" b="-7087"/>
+                </a:stretch>
+              </a:blipFill>
+            </p:spPr>
+            <p:txBody>
+              <a:bodyPr/>
+              <a:lstStyle/>
+              <a:p>
+                <a:r>
+                  <a:rPr lang="pt-BR">
+                    <a:noFill/>
+                  </a:rPr>
+                  <a:t> </a:t>
+                </a:r>
+              </a:p>
+            </p:txBody>
+          </p:sp>
+        </mc:Fallback>
+      </mc:AlternateContent>
+      <p:cxnSp>
+        <p:nvCxnSpPr>
+          <p:cNvPr id="11" name="Straight Arrow Connector 10"/>
+          <p:cNvCxnSpPr/>
+          <p:nvPr/>
+        </p:nvCxnSpPr>
+        <p:spPr>
+          <a:xfrm flipH="1">
+            <a:off x="9971315" y="4281714"/>
+            <a:ext cx="856342" cy="126865"/>
           </a:xfrm>
           <a:prstGeom prst="straightConnector1">
             <a:avLst/>
@@ -9395,8 +9753,8 @@
           </a:p>
         </p:txBody>
       </p:sp>
-      <mc:AlternateContent xmlns:mc="http://schemas.openxmlformats.org/markup-compatibility/2006">
-        <mc:Choice xmlns:a14="http://schemas.microsoft.com/office/drawing/2010/main" Requires="a14">
+      <mc:AlternateContent xmlns:mc="http://schemas.openxmlformats.org/markup-compatibility/2006" xmlns:a14="http://schemas.microsoft.com/office/drawing/2010/main">
+        <mc:Choice Requires="a14">
           <p:sp>
             <p:nvSpPr>
               <p:cNvPr id="3" name="Content Placeholder 2"/>
@@ -9460,15 +9818,7 @@
                 </a14:m>
                 <a:r>
                   <a:rPr lang="pt-BR" dirty="0" smtClean="0"/>
-                  <a:t>, pode </a:t>
-                </a:r>
-                <a:r>
-                  <a:rPr lang="pt-BR" dirty="0" smtClean="0"/>
-                  <a:t>também assumir </a:t>
-                </a:r>
-                <a:r>
-                  <a:rPr lang="pt-BR" dirty="0" smtClean="0"/>
-                  <a:t>a forma de um </a:t>
+                  <a:t>, pode também assumir a forma de um </a:t>
                 </a:r>
                 <a:r>
                   <a:rPr lang="pt-BR" b="1" i="1" dirty="0" smtClean="0"/>
@@ -9645,7 +9995,7 @@
             </p:txBody>
           </p:sp>
         </mc:Choice>
-        <mc:Fallback>
+        <mc:Fallback xmlns="">
           <p:sp>
             <p:nvSpPr>
               <p:cNvPr id="3" name="Content Placeholder 2"/>
@@ -18056,7 +18406,7 @@
           <p:cNvPr id="4" name="Título 1">
             <a:extLst>
               <a:ext uri="{FF2B5EF4-FFF2-40B4-BE49-F238E27FC236}">
-                <a16:creationId xmlns:a16="http://schemas.microsoft.com/office/drawing/2014/main" xmlns="" id="{32666AC8-2E17-4DB4-B0F5-60C640CCFD2E}"/>
+                <a16:creationId xmlns="" xmlns:a16="http://schemas.microsoft.com/office/drawing/2014/main" id="{32666AC8-2E17-4DB4-B0F5-60C640CCFD2E}"/>
               </a:ext>
             </a:extLst>
           </p:cNvPr>
@@ -18904,6 +19254,3847 @@
 </p:sld>
 </file>
 
+<file path=ppt/slides/slide16.xml><?xml version="1.0" encoding="utf-8"?>
+<p:sld xmlns:a="http://schemas.openxmlformats.org/drawingml/2006/main" xmlns:r="http://schemas.openxmlformats.org/officeDocument/2006/relationships" xmlns:p="http://schemas.openxmlformats.org/presentationml/2006/main">
+  <p:cSld>
+    <p:spTree>
+      <p:nvGrpSpPr>
+        <p:cNvPr id="1" name=""/>
+        <p:cNvGrpSpPr/>
+        <p:nvPr/>
+      </p:nvGrpSpPr>
+      <p:grpSpPr>
+        <a:xfrm>
+          <a:off x="0" y="0"/>
+          <a:ext cx="0" cy="0"/>
+          <a:chOff x="0" y="0"/>
+          <a:chExt cx="0" cy="0"/>
+        </a:xfrm>
+      </p:grpSpPr>
+      <p:sp>
+        <p:nvSpPr>
+          <p:cNvPr id="2" name="Title 1"/>
+          <p:cNvSpPr>
+            <a:spLocks noGrp="1"/>
+          </p:cNvSpPr>
+          <p:nvPr>
+            <p:ph type="title"/>
+          </p:nvPr>
+        </p:nvSpPr>
+        <p:spPr/>
+        <p:txBody>
+          <a:bodyPr/>
+          <a:lstStyle/>
+          <a:p>
+            <a:r>
+              <a:rPr lang="pt-BR" dirty="0" smtClean="0"/>
+              <a:t>Recapitulando</a:t>
+            </a:r>
+            <a:endParaRPr lang="pt-BR" dirty="0"/>
+          </a:p>
+        </p:txBody>
+      </p:sp>
+      <mc:AlternateContent xmlns:mc="http://schemas.openxmlformats.org/markup-compatibility/2006">
+        <mc:Choice xmlns:a14="http://schemas.microsoft.com/office/drawing/2010/main" Requires="a14">
+          <p:sp>
+            <p:nvSpPr>
+              <p:cNvPr id="3" name="Content Placeholder 2"/>
+              <p:cNvSpPr>
+                <a:spLocks noGrp="1"/>
+              </p:cNvSpPr>
+              <p:nvPr>
+                <p:ph idx="1"/>
+              </p:nvPr>
+            </p:nvSpPr>
+            <p:spPr>
+              <a:xfrm>
+                <a:off x="838199" y="1825625"/>
+                <a:ext cx="10816771" cy="4351338"/>
+              </a:xfrm>
+            </p:spPr>
+            <p:txBody>
+              <a:bodyPr>
+                <a:normAutofit lnSpcReduction="10000"/>
+              </a:bodyPr>
+              <a:lstStyle/>
+              <a:p>
+                <a:r>
+                  <a:rPr lang="pt-BR" dirty="0" smtClean="0"/>
+                  <a:t>Aprendemos outra </a:t>
+                </a:r>
+                <a:r>
+                  <a:rPr lang="pt-BR" dirty="0"/>
+                  <a:t>função de limiar, chamada de </a:t>
+                </a:r>
+                <a:r>
+                  <a:rPr lang="pt-BR" b="1" i="1" dirty="0"/>
+                  <a:t>função logística</a:t>
+                </a:r>
+                <a:r>
+                  <a:rPr lang="pt-BR" dirty="0"/>
+                  <a:t>, com a qual é possível </a:t>
+                </a:r>
+                <a:endParaRPr lang="pt-BR" dirty="0" smtClean="0"/>
+              </a:p>
+              <a:p>
+                <a:pPr lvl="1">
+                  <a:buFont typeface="Wingdings" panose="05000000000000000000" pitchFamily="2" charset="2"/>
+                  <a:buChar char="§"/>
+                </a:pPr>
+                <a:r>
+                  <a:rPr lang="pt-BR" dirty="0" smtClean="0"/>
+                  <a:t>encontrar </a:t>
+                </a:r>
+                <a:r>
+                  <a:rPr lang="pt-BR" dirty="0"/>
+                  <a:t>uma solução </a:t>
+                </a:r>
+                <a:r>
+                  <a:rPr lang="pt-BR" dirty="0" smtClean="0"/>
+                  <a:t>eficiente para o problema da </a:t>
+                </a:r>
+                <a:r>
+                  <a:rPr lang="pt-BR" b="1" i="1" dirty="0" smtClean="0"/>
+                  <a:t>classificação binária</a:t>
+                </a:r>
+                <a:r>
+                  <a:rPr lang="pt-BR" dirty="0" smtClean="0"/>
+                  <a:t> </a:t>
+                </a:r>
+                <a:r>
+                  <a:rPr lang="pt-BR" dirty="0"/>
+                  <a:t>com o </a:t>
+                </a:r>
+                <a:r>
+                  <a:rPr lang="pt-BR" b="1" i="1" dirty="0"/>
+                  <a:t>gradiente </a:t>
+                </a:r>
+                <a:r>
+                  <a:rPr lang="pt-BR" b="1" i="1" dirty="0" smtClean="0"/>
+                  <a:t>descendente</a:t>
+                </a:r>
+                <a:r>
+                  <a:rPr lang="pt-BR" dirty="0" smtClean="0"/>
+                  <a:t>.</a:t>
+                </a:r>
+              </a:p>
+              <a:p>
+                <a:pPr lvl="1">
+                  <a:buFont typeface="Wingdings" panose="05000000000000000000" pitchFamily="2" charset="2"/>
+                  <a:buChar char="§"/>
+                </a:pPr>
+                <a:r>
+                  <a:rPr lang="pt-BR" dirty="0" smtClean="0"/>
+                  <a:t>termos </a:t>
+                </a:r>
+                <a:r>
+                  <a:rPr lang="pt-BR" dirty="0"/>
+                  <a:t>o </a:t>
+                </a:r>
+                <a:r>
+                  <a:rPr lang="pt-BR" b="1" i="1" dirty="0"/>
+                  <a:t>grau de confiança </a:t>
+                </a:r>
+                <a:r>
+                  <a:rPr lang="pt-BR" dirty="0"/>
+                  <a:t>de uma </a:t>
+                </a:r>
+                <a:r>
+                  <a:rPr lang="pt-BR" dirty="0" smtClean="0"/>
+                  <a:t>classificação, ou seja, a </a:t>
+                </a:r>
+                <a:r>
+                  <a:rPr lang="pt-BR" b="1" i="1" dirty="0" smtClean="0"/>
+                  <a:t>probabilidade</a:t>
+                </a:r>
+                <a:r>
+                  <a:rPr lang="pt-BR" dirty="0" smtClean="0"/>
+                  <a:t> de um exemplo de entrada pertencer a uma das duas classes (Positiva ou Negativa).</a:t>
+                </a:r>
+              </a:p>
+              <a:p>
+                <a:r>
+                  <a:rPr lang="pt-BR" dirty="0" smtClean="0"/>
+                  <a:t>Vimos também que a </a:t>
+                </a:r>
+                <a:r>
+                  <a:rPr lang="pt-BR" b="1" i="1" dirty="0" smtClean="0"/>
+                  <a:t>função discriminate</a:t>
+                </a:r>
+                <a:r>
+                  <a:rPr lang="pt-BR" dirty="0" smtClean="0"/>
+                  <a:t>,</a:t>
+                </a:r>
+                <a:r>
+                  <a:rPr lang="pt-BR" b="1" i="1" dirty="0" smtClean="0"/>
+                  <a:t> </a:t>
+                </a:r>
+                <a14:m>
+                  <m:oMath xmlns:m="http://schemas.openxmlformats.org/officeDocument/2006/math">
+                    <m:r>
+                      <a:rPr lang="pt-BR" i="1">
+                        <a:latin typeface="Cambria Math" panose="02040503050406030204" pitchFamily="18" charset="0"/>
+                      </a:rPr>
+                      <m:t>𝑔</m:t>
+                    </m:r>
+                    <m:d>
+                      <m:dPr>
+                        <m:ctrlPr>
+                          <a:rPr lang="pt-BR" i="1">
+                            <a:latin typeface="Cambria Math" panose="02040503050406030204" pitchFamily="18" charset="0"/>
+                          </a:rPr>
+                        </m:ctrlPr>
+                      </m:dPr>
+                      <m:e>
+                        <m:r>
+                          <a:rPr lang="pt-BR" b="1" i="1">
+                            <a:latin typeface="Cambria Math" panose="02040503050406030204" pitchFamily="18" charset="0"/>
+                          </a:rPr>
+                          <m:t>𝒙</m:t>
+                        </m:r>
+                      </m:e>
+                    </m:d>
+                  </m:oMath>
+                </a14:m>
+                <a:r>
+                  <a:rPr lang="pt-BR" dirty="0" smtClean="0"/>
+                  <a:t>, pode ser a equação de um </a:t>
+                </a:r>
+                <a:r>
+                  <a:rPr lang="pt-BR" b="1" i="1" dirty="0" smtClean="0"/>
+                  <a:t>polinômio</a:t>
+                </a:r>
+                <a:r>
+                  <a:rPr lang="pt-BR" dirty="0" smtClean="0"/>
+                  <a:t>, incluindo a equação do </a:t>
+                </a:r>
+                <a:r>
+                  <a:rPr lang="pt-BR" b="1" i="1" dirty="0" smtClean="0"/>
+                  <a:t>hiperplano</a:t>
+                </a:r>
+                <a:r>
+                  <a:rPr lang="pt-BR" dirty="0" smtClean="0"/>
+                  <a:t>.</a:t>
+                </a:r>
+              </a:p>
+              <a:p>
+                <a:r>
+                  <a:rPr lang="pt-BR" dirty="0" smtClean="0"/>
+                  <a:t>O </a:t>
+                </a:r>
+                <a:r>
+                  <a:rPr lang="pt-BR" b="1" i="1" dirty="0" smtClean="0"/>
+                  <a:t>vetor </a:t>
+                </a:r>
+                <a:r>
+                  <a:rPr lang="pt-BR" b="1" i="1" dirty="0"/>
+                  <a:t>gradiente </a:t>
+                </a:r>
+                <a:r>
+                  <a:rPr lang="pt-BR" dirty="0"/>
+                  <a:t>da</a:t>
+                </a:r>
+                <a:r>
+                  <a:rPr lang="pt-BR" b="1" i="1" dirty="0"/>
+                  <a:t> função de erro médio </a:t>
+                </a:r>
+                <a:r>
+                  <a:rPr lang="pt-BR" dirty="0" smtClean="0"/>
+                  <a:t>vai variar dependendo da </a:t>
+                </a:r>
+                <a:r>
+                  <a:rPr lang="pt-BR" b="1" i="1" dirty="0" smtClean="0"/>
+                  <a:t>função discriminate </a:t>
+                </a:r>
+                <a:r>
+                  <a:rPr lang="pt-BR" dirty="0" smtClean="0"/>
+                  <a:t>adotada.</a:t>
+                </a:r>
+              </a:p>
+            </p:txBody>
+          </p:sp>
+        </mc:Choice>
+        <mc:Fallback>
+          <p:sp>
+            <p:nvSpPr>
+              <p:cNvPr id="3" name="Content Placeholder 2"/>
+              <p:cNvSpPr>
+                <a:spLocks noGrp="1" noRot="1" noChangeAspect="1" noMove="1" noResize="1" noEditPoints="1" noAdjustHandles="1" noChangeArrowheads="1" noChangeShapeType="1" noTextEdit="1"/>
+              </p:cNvSpPr>
+              <p:nvPr>
+                <p:ph idx="1"/>
+              </p:nvPr>
+            </p:nvSpPr>
+            <p:spPr>
+              <a:xfrm>
+                <a:off x="838199" y="1825625"/>
+                <a:ext cx="10816771" cy="4351338"/>
+              </a:xfrm>
+              <a:blipFill rotWithShape="0">
+                <a:blip r:embed="rId2"/>
+                <a:stretch>
+                  <a:fillRect l="-958" t="-3081" r="-1746"/>
+                </a:stretch>
+              </a:blipFill>
+            </p:spPr>
+            <p:txBody>
+              <a:bodyPr/>
+              <a:lstStyle/>
+              <a:p>
+                <a:r>
+                  <a:rPr lang="pt-BR">
+                    <a:noFill/>
+                  </a:rPr>
+                  <a:t> </a:t>
+                </a:r>
+              </a:p>
+            </p:txBody>
+          </p:sp>
+        </mc:Fallback>
+      </mc:AlternateContent>
+    </p:spTree>
+    <p:extLst>
+      <p:ext uri="{BB962C8B-B14F-4D97-AF65-F5344CB8AC3E}">
+        <p14:creationId xmlns:p14="http://schemas.microsoft.com/office/powerpoint/2010/main" val="1449914691"/>
+      </p:ext>
+    </p:extLst>
+  </p:cSld>
+  <p:clrMapOvr>
+    <a:masterClrMapping/>
+  </p:clrMapOvr>
+</p:sld>
+</file>
+
+<file path=ppt/slides/slide17.xml><?xml version="1.0" encoding="utf-8"?>
+<p:sld xmlns:a="http://schemas.openxmlformats.org/drawingml/2006/main" xmlns:r="http://schemas.openxmlformats.org/officeDocument/2006/relationships" xmlns:p="http://schemas.openxmlformats.org/presentationml/2006/main">
+  <p:cSld>
+    <p:spTree>
+      <p:nvGrpSpPr>
+        <p:cNvPr id="1" name=""/>
+        <p:cNvGrpSpPr/>
+        <p:nvPr/>
+      </p:nvGrpSpPr>
+      <p:grpSpPr>
+        <a:xfrm>
+          <a:off x="0" y="0"/>
+          <a:ext cx="0" cy="0"/>
+          <a:chOff x="0" y="0"/>
+          <a:chExt cx="0" cy="0"/>
+        </a:xfrm>
+      </p:grpSpPr>
+      <p:sp>
+        <p:nvSpPr>
+          <p:cNvPr id="2" name="Title 1"/>
+          <p:cNvSpPr>
+            <a:spLocks noGrp="1"/>
+          </p:cNvSpPr>
+          <p:nvPr>
+            <p:ph type="title"/>
+          </p:nvPr>
+        </p:nvSpPr>
+        <p:spPr/>
+        <p:txBody>
+          <a:bodyPr/>
+          <a:lstStyle/>
+          <a:p>
+            <a:r>
+              <a:rPr lang="pt-BR" dirty="0"/>
+              <a:t>Recapitulando</a:t>
+            </a:r>
+          </a:p>
+        </p:txBody>
+      </p:sp>
+      <mc:AlternateContent xmlns:mc="http://schemas.openxmlformats.org/markup-compatibility/2006">
+        <mc:Choice xmlns:a14="http://schemas.microsoft.com/office/drawing/2010/main" Requires="a14">
+          <p:sp>
+            <p:nvSpPr>
+              <p:cNvPr id="3" name="Content Placeholder 2"/>
+              <p:cNvSpPr>
+                <a:spLocks noGrp="1"/>
+              </p:cNvSpPr>
+              <p:nvPr>
+                <p:ph idx="1"/>
+              </p:nvPr>
+            </p:nvSpPr>
+            <p:spPr>
+              <a:xfrm>
+                <a:off x="838199" y="1825624"/>
+                <a:ext cx="11136087" cy="4821919"/>
+              </a:xfrm>
+            </p:spPr>
+            <p:txBody>
+              <a:bodyPr>
+                <a:normAutofit lnSpcReduction="10000"/>
+              </a:bodyPr>
+              <a:lstStyle/>
+              <a:p>
+                <a:r>
+                  <a:rPr lang="pt-BR" dirty="0" smtClean="0"/>
+                  <a:t>O </a:t>
+                </a:r>
+                <a:r>
+                  <a:rPr lang="pt-BR" b="1" i="1" dirty="0"/>
+                  <a:t>vetor gradiente </a:t>
+                </a:r>
+                <a:r>
+                  <a:rPr lang="pt-BR" dirty="0"/>
+                  <a:t>da</a:t>
+                </a:r>
+                <a:r>
+                  <a:rPr lang="pt-BR" b="1" i="1" dirty="0"/>
+                  <a:t> função de erro </a:t>
+                </a:r>
+                <a:r>
+                  <a:rPr lang="pt-BR" b="1" i="1" dirty="0" smtClean="0"/>
+                  <a:t>médio</a:t>
+                </a:r>
+                <a:r>
+                  <a:rPr lang="pt-BR" dirty="0" smtClean="0"/>
+                  <a:t> quando</a:t>
+                </a:r>
+                <a:r>
+                  <a:rPr lang="pt-BR" b="1" i="1" dirty="0" smtClean="0"/>
+                  <a:t> </a:t>
+                </a:r>
+                <a14:m>
+                  <m:oMath xmlns:m="http://schemas.openxmlformats.org/officeDocument/2006/math">
+                    <m:r>
+                      <a:rPr lang="pt-BR" i="1">
+                        <a:latin typeface="Cambria Math" panose="02040503050406030204" pitchFamily="18" charset="0"/>
+                      </a:rPr>
+                      <m:t>𝑔</m:t>
+                    </m:r>
+                    <m:d>
+                      <m:dPr>
+                        <m:ctrlPr>
+                          <a:rPr lang="pt-BR" i="1">
+                            <a:latin typeface="Cambria Math" panose="02040503050406030204" pitchFamily="18" charset="0"/>
+                          </a:rPr>
+                        </m:ctrlPr>
+                      </m:dPr>
+                      <m:e>
+                        <m:r>
+                          <a:rPr lang="pt-BR" b="1" i="1">
+                            <a:latin typeface="Cambria Math" panose="02040503050406030204" pitchFamily="18" charset="0"/>
+                          </a:rPr>
+                          <m:t>𝒙</m:t>
+                        </m:r>
+                      </m:e>
+                    </m:d>
+                    <m:r>
+                      <a:rPr lang="pt-BR" b="1" i="1">
+                        <a:latin typeface="Cambria Math" panose="02040503050406030204" pitchFamily="18" charset="0"/>
+                      </a:rPr>
+                      <m:t>=</m:t>
+                    </m:r>
+                    <m:sSub>
+                      <m:sSubPr>
+                        <m:ctrlPr>
+                          <a:rPr lang="pt-BR" i="1">
+                            <a:latin typeface="Cambria Math" panose="02040503050406030204" pitchFamily="18" charset="0"/>
+                          </a:rPr>
+                        </m:ctrlPr>
+                      </m:sSubPr>
+                      <m:e>
+                        <m:r>
+                          <a:rPr lang="pt-BR" i="1">
+                            <a:latin typeface="Cambria Math" panose="02040503050406030204" pitchFamily="18" charset="0"/>
+                          </a:rPr>
+                          <m:t>𝑎</m:t>
+                        </m:r>
+                      </m:e>
+                      <m:sub>
+                        <m:r>
+                          <a:rPr lang="pt-BR" i="1">
+                            <a:latin typeface="Cambria Math" panose="02040503050406030204" pitchFamily="18" charset="0"/>
+                          </a:rPr>
+                          <m:t>0</m:t>
+                        </m:r>
+                      </m:sub>
+                    </m:sSub>
+                  </m:oMath>
+                </a14:m>
+                <a:r>
+                  <a:rPr lang="pt-BR" dirty="0" smtClean="0">
+                    <a:latin typeface="Cambria Math" panose="02040503050406030204" pitchFamily="18" charset="0"/>
+                  </a:rPr>
+                  <a:t>+</a:t>
+                </a:r>
+                <a14:m>
+                  <m:oMath xmlns:m="http://schemas.openxmlformats.org/officeDocument/2006/math">
+                    <m:sSub>
+                      <m:sSubPr>
+                        <m:ctrlPr>
+                          <a:rPr lang="pt-BR" i="1">
+                            <a:latin typeface="Cambria Math" panose="02040503050406030204" pitchFamily="18" charset="0"/>
+                          </a:rPr>
+                        </m:ctrlPr>
+                      </m:sSubPr>
+                      <m:e>
+                        <m:r>
+                          <a:rPr lang="pt-BR" b="0" i="1" smtClean="0">
+                            <a:latin typeface="Cambria Math" panose="02040503050406030204" pitchFamily="18" charset="0"/>
+                          </a:rPr>
+                          <m:t> </m:t>
+                        </m:r>
+                        <m:r>
+                          <a:rPr lang="pt-BR" i="1">
+                            <a:latin typeface="Cambria Math" panose="02040503050406030204" pitchFamily="18" charset="0"/>
+                          </a:rPr>
+                          <m:t>𝑎</m:t>
+                        </m:r>
+                      </m:e>
+                      <m:sub>
+                        <m:r>
+                          <a:rPr lang="pt-BR" b="0" i="1" smtClean="0">
+                            <a:latin typeface="Cambria Math" panose="02040503050406030204" pitchFamily="18" charset="0"/>
+                          </a:rPr>
+                          <m:t>1</m:t>
+                        </m:r>
+                      </m:sub>
+                    </m:sSub>
+                    <m:sSub>
+                      <m:sSubPr>
+                        <m:ctrlPr>
+                          <a:rPr lang="pt-BR" i="1">
+                            <a:latin typeface="Cambria Math" panose="02040503050406030204" pitchFamily="18" charset="0"/>
+                          </a:rPr>
+                        </m:ctrlPr>
+                      </m:sSubPr>
+                      <m:e>
+                        <m:r>
+                          <a:rPr lang="pt-BR" i="1">
+                            <a:latin typeface="Cambria Math" panose="02040503050406030204" pitchFamily="18" charset="0"/>
+                          </a:rPr>
+                          <m:t>𝑥</m:t>
+                        </m:r>
+                      </m:e>
+                      <m:sub>
+                        <m:r>
+                          <a:rPr lang="pt-BR" b="0" i="1" smtClean="0">
+                            <a:latin typeface="Cambria Math" panose="02040503050406030204" pitchFamily="18" charset="0"/>
+                          </a:rPr>
+                          <m:t>1</m:t>
+                        </m:r>
+                      </m:sub>
+                    </m:sSub>
+                  </m:oMath>
+                </a14:m>
+                <a:r>
+                  <a:rPr lang="pt-BR" dirty="0" smtClean="0">
+                    <a:latin typeface="Cambria Math" panose="02040503050406030204" pitchFamily="18" charset="0"/>
+                  </a:rPr>
+                  <a:t>+</a:t>
+                </a:r>
+                <a14:m>
+                  <m:oMath xmlns:m="http://schemas.openxmlformats.org/officeDocument/2006/math">
+                    <m:sSub>
+                      <m:sSubPr>
+                        <m:ctrlPr>
+                          <a:rPr lang="pt-BR" i="1">
+                            <a:latin typeface="Cambria Math" panose="02040503050406030204" pitchFamily="18" charset="0"/>
+                          </a:rPr>
+                        </m:ctrlPr>
+                      </m:sSubPr>
+                      <m:e>
+                        <m:r>
+                          <a:rPr lang="pt-BR" i="1">
+                            <a:latin typeface="Cambria Math" panose="02040503050406030204" pitchFamily="18" charset="0"/>
+                          </a:rPr>
+                          <m:t>𝑎</m:t>
+                        </m:r>
+                      </m:e>
+                      <m:sub>
+                        <m:r>
+                          <a:rPr lang="pt-BR" b="0" i="1" smtClean="0">
+                            <a:latin typeface="Cambria Math" panose="02040503050406030204" pitchFamily="18" charset="0"/>
+                          </a:rPr>
+                          <m:t>2</m:t>
+                        </m:r>
+                      </m:sub>
+                    </m:sSub>
+                    <m:sSub>
+                      <m:sSubPr>
+                        <m:ctrlPr>
+                          <a:rPr lang="pt-BR" i="1" smtClean="0">
+                            <a:latin typeface="Cambria Math" panose="02040503050406030204" pitchFamily="18" charset="0"/>
+                          </a:rPr>
+                        </m:ctrlPr>
+                      </m:sSubPr>
+                      <m:e>
+                        <m:r>
+                          <a:rPr lang="pt-BR" b="0" i="1" smtClean="0">
+                            <a:latin typeface="Cambria Math" panose="02040503050406030204" pitchFamily="18" charset="0"/>
+                          </a:rPr>
+                          <m:t>𝑥</m:t>
+                        </m:r>
+                      </m:e>
+                      <m:sub>
+                        <m:r>
+                          <a:rPr lang="pt-BR" b="0" i="1" smtClean="0">
+                            <a:latin typeface="Cambria Math" panose="02040503050406030204" pitchFamily="18" charset="0"/>
+                          </a:rPr>
+                          <m:t>2</m:t>
+                        </m:r>
+                      </m:sub>
+                    </m:sSub>
+                    <m:r>
+                      <a:rPr lang="pt-BR" i="1">
+                        <a:latin typeface="Cambria Math" panose="02040503050406030204" pitchFamily="18" charset="0"/>
+                      </a:rPr>
+                      <m:t> </m:t>
+                    </m:r>
+                  </m:oMath>
+                </a14:m>
+                <a:r>
+                  <a:rPr lang="pt-BR" dirty="0" smtClean="0">
+                    <a:latin typeface="Cambria Math" panose="02040503050406030204" pitchFamily="18" charset="0"/>
+                  </a:rPr>
+                  <a:t>(equação de uma reta) é dado por</a:t>
+                </a:r>
+              </a:p>
+              <a:p>
+                <a:pPr marL="0" indent="0">
+                  <a:buNone/>
+                </a:pPr>
+                <a14:m>
+                  <m:oMathPara xmlns:m="http://schemas.openxmlformats.org/officeDocument/2006/math">
+                    <m:oMathParaPr>
+                      <m:jc m:val="centerGroup"/>
+                    </m:oMathParaPr>
+                    <m:oMath xmlns:m="http://schemas.openxmlformats.org/officeDocument/2006/math">
+                      <m:f>
+                        <m:fPr>
+                          <m:ctrlPr>
+                            <a:rPr lang="pt-BR" i="1">
+                              <a:latin typeface="Cambria Math" panose="02040503050406030204" pitchFamily="18" charset="0"/>
+                            </a:rPr>
+                          </m:ctrlPr>
+                        </m:fPr>
+                        <m:num>
+                          <m:r>
+                            <a:rPr lang="pt-BR" i="1">
+                              <a:latin typeface="Cambria Math" panose="02040503050406030204" pitchFamily="18" charset="0"/>
+                            </a:rPr>
+                            <m:t>𝜕</m:t>
+                          </m:r>
+                          <m:sSub>
+                            <m:sSubPr>
+                              <m:ctrlPr>
+                                <a:rPr lang="pt-BR" i="1">
+                                  <a:latin typeface="Cambria Math" panose="02040503050406030204" pitchFamily="18" charset="0"/>
+                                </a:rPr>
+                              </m:ctrlPr>
+                            </m:sSubPr>
+                            <m:e>
+                              <m:r>
+                                <a:rPr lang="pt-BR" i="1">
+                                  <a:latin typeface="Cambria Math" panose="02040503050406030204" pitchFamily="18" charset="0"/>
+                                </a:rPr>
+                                <m:t>𝐽</m:t>
+                              </m:r>
+                            </m:e>
+                            <m:sub>
+                              <m:r>
+                                <a:rPr lang="pt-BR" i="1">
+                                  <a:latin typeface="Cambria Math" panose="02040503050406030204" pitchFamily="18" charset="0"/>
+                                </a:rPr>
+                                <m:t>𝑒</m:t>
+                              </m:r>
+                            </m:sub>
+                          </m:sSub>
+                          <m:d>
+                            <m:dPr>
+                              <m:ctrlPr>
+                                <a:rPr lang="pt-BR" i="1">
+                                  <a:latin typeface="Cambria Math" panose="02040503050406030204" pitchFamily="18" charset="0"/>
+                                </a:rPr>
+                              </m:ctrlPr>
+                            </m:dPr>
+                            <m:e>
+                              <m:r>
+                                <a:rPr lang="pt-BR" b="1" i="1">
+                                  <a:latin typeface="Cambria Math" panose="02040503050406030204" pitchFamily="18" charset="0"/>
+                                </a:rPr>
+                                <m:t>𝒂</m:t>
+                              </m:r>
+                            </m:e>
+                          </m:d>
+                        </m:num>
+                        <m:den>
+                          <m:r>
+                            <a:rPr lang="pt-BR" i="1">
+                              <a:latin typeface="Cambria Math" panose="02040503050406030204" pitchFamily="18" charset="0"/>
+                            </a:rPr>
+                            <m:t>𝜕</m:t>
+                          </m:r>
+                          <m:r>
+                            <a:rPr lang="pt-BR" b="1" i="1">
+                              <a:latin typeface="Cambria Math" panose="02040503050406030204" pitchFamily="18" charset="0"/>
+                            </a:rPr>
+                            <m:t>𝒂</m:t>
+                          </m:r>
+                        </m:den>
+                      </m:f>
+                      <m:r>
+                        <a:rPr lang="pt-BR" b="1" i="1">
+                          <a:latin typeface="Cambria Math" panose="02040503050406030204" pitchFamily="18" charset="0"/>
+                        </a:rPr>
+                        <m:t>=</m:t>
+                      </m:r>
+                      <m:r>
+                        <a:rPr lang="pt-BR" i="1">
+                          <a:latin typeface="Cambria Math" panose="02040503050406030204" pitchFamily="18" charset="0"/>
+                        </a:rPr>
+                        <m:t>−</m:t>
+                      </m:r>
+                      <m:f>
+                        <m:fPr>
+                          <m:ctrlPr>
+                            <a:rPr lang="pt-BR" i="1">
+                              <a:latin typeface="Cambria Math" panose="02040503050406030204" pitchFamily="18" charset="0"/>
+                            </a:rPr>
+                          </m:ctrlPr>
+                        </m:fPr>
+                        <m:num>
+                          <m:r>
+                            <a:rPr lang="pt-BR" i="1">
+                              <a:latin typeface="Cambria Math" panose="02040503050406030204" pitchFamily="18" charset="0"/>
+                            </a:rPr>
+                            <m:t>1</m:t>
+                          </m:r>
+                        </m:num>
+                        <m:den>
+                          <m:r>
+                            <a:rPr lang="pt-BR" i="1">
+                              <a:latin typeface="Cambria Math" panose="02040503050406030204" pitchFamily="18" charset="0"/>
+                            </a:rPr>
+                            <m:t>𝑁</m:t>
+                          </m:r>
+                        </m:den>
+                      </m:f>
+                      <m:nary>
+                        <m:naryPr>
+                          <m:chr m:val="∑"/>
+                          <m:ctrlPr>
+                            <a:rPr lang="pt-BR" i="1">
+                              <a:latin typeface="Cambria Math" panose="02040503050406030204" pitchFamily="18" charset="0"/>
+                            </a:rPr>
+                          </m:ctrlPr>
+                        </m:naryPr>
+                        <m:sub>
+                          <m:r>
+                            <m:rPr>
+                              <m:brk m:alnAt="23"/>
+                            </m:rPr>
+                            <a:rPr lang="pt-BR" i="1">
+                              <a:latin typeface="Cambria Math" panose="02040503050406030204" pitchFamily="18" charset="0"/>
+                            </a:rPr>
+                            <m:t>𝑖</m:t>
+                          </m:r>
+                          <m:r>
+                            <a:rPr lang="pt-BR" i="1">
+                              <a:latin typeface="Cambria Math" panose="02040503050406030204" pitchFamily="18" charset="0"/>
+                            </a:rPr>
+                            <m:t>=0</m:t>
+                          </m:r>
+                        </m:sub>
+                        <m:sup>
+                          <m:r>
+                            <a:rPr lang="pt-BR" i="1">
+                              <a:latin typeface="Cambria Math" panose="02040503050406030204" pitchFamily="18" charset="0"/>
+                            </a:rPr>
+                            <m:t>𝑁</m:t>
+                          </m:r>
+                          <m:r>
+                            <a:rPr lang="pt-BR" i="1">
+                              <a:latin typeface="Cambria Math" panose="02040503050406030204" pitchFamily="18" charset="0"/>
+                            </a:rPr>
+                            <m:t>−1</m:t>
+                          </m:r>
+                        </m:sup>
+                        <m:e>
+                          <m:d>
+                            <m:dPr>
+                              <m:begChr m:val="["/>
+                              <m:endChr m:val="]"/>
+                              <m:ctrlPr>
+                                <a:rPr lang="pt-BR" i="1">
+                                  <a:latin typeface="Cambria Math" panose="02040503050406030204" pitchFamily="18" charset="0"/>
+                                </a:rPr>
+                              </m:ctrlPr>
+                            </m:dPr>
+                            <m:e>
+                              <m:r>
+                                <a:rPr lang="pt-BR" i="1">
+                                  <a:latin typeface="Cambria Math" panose="02040503050406030204" pitchFamily="18" charset="0"/>
+                                </a:rPr>
+                                <m:t>𝑦</m:t>
+                              </m:r>
+                              <m:d>
+                                <m:dPr>
+                                  <m:ctrlPr>
+                                    <a:rPr lang="pt-BR" i="1">
+                                      <a:latin typeface="Cambria Math" panose="02040503050406030204" pitchFamily="18" charset="0"/>
+                                    </a:rPr>
+                                  </m:ctrlPr>
+                                </m:dPr>
+                                <m:e>
+                                  <m:r>
+                                    <a:rPr lang="pt-BR" i="1">
+                                      <a:latin typeface="Cambria Math" panose="02040503050406030204" pitchFamily="18" charset="0"/>
+                                    </a:rPr>
+                                    <m:t>𝑖</m:t>
+                                  </m:r>
+                                </m:e>
+                              </m:d>
+                              <m:r>
+                                <a:rPr lang="pt-BR" i="1">
+                                  <a:latin typeface="Cambria Math" panose="02040503050406030204" pitchFamily="18" charset="0"/>
+                                </a:rPr>
+                                <m:t>−</m:t>
+                              </m:r>
+                              <m:sSub>
+                                <m:sSubPr>
+                                  <m:ctrlPr>
+                                    <a:rPr lang="pt-BR" i="1">
+                                      <a:latin typeface="Cambria Math" panose="02040503050406030204" pitchFamily="18" charset="0"/>
+                                    </a:rPr>
+                                  </m:ctrlPr>
+                                </m:sSubPr>
+                                <m:e>
+                                  <m:r>
+                                    <a:rPr lang="pt-BR" i="1">
+                                      <a:latin typeface="Cambria Math" panose="02040503050406030204" pitchFamily="18" charset="0"/>
+                                    </a:rPr>
+                                    <m:t>h</m:t>
+                                  </m:r>
+                                </m:e>
+                                <m:sub>
+                                  <m:r>
+                                    <a:rPr lang="pt-BR" b="1" i="1">
+                                      <a:latin typeface="Cambria Math" panose="02040503050406030204" pitchFamily="18" charset="0"/>
+                                    </a:rPr>
+                                    <m:t>𝒂</m:t>
+                                  </m:r>
+                                </m:sub>
+                              </m:sSub>
+                              <m:d>
+                                <m:dPr>
+                                  <m:ctrlPr>
+                                    <a:rPr lang="pt-BR" i="1">
+                                      <a:latin typeface="Cambria Math" panose="02040503050406030204" pitchFamily="18" charset="0"/>
+                                    </a:rPr>
+                                  </m:ctrlPr>
+                                </m:dPr>
+                                <m:e>
+                                  <m:r>
+                                    <a:rPr lang="pt-BR" b="1" i="1">
+                                      <a:latin typeface="Cambria Math" panose="02040503050406030204" pitchFamily="18" charset="0"/>
+                                    </a:rPr>
+                                    <m:t>𝒙</m:t>
+                                  </m:r>
+                                  <m:d>
+                                    <m:dPr>
+                                      <m:ctrlPr>
+                                        <a:rPr lang="pt-BR" b="1" i="1">
+                                          <a:latin typeface="Cambria Math" panose="02040503050406030204" pitchFamily="18" charset="0"/>
+                                        </a:rPr>
+                                      </m:ctrlPr>
+                                    </m:dPr>
+                                    <m:e>
+                                      <m:r>
+                                        <a:rPr lang="pt-BR" i="1">
+                                          <a:latin typeface="Cambria Math" panose="02040503050406030204" pitchFamily="18" charset="0"/>
+                                        </a:rPr>
+                                        <m:t>𝑖</m:t>
+                                      </m:r>
+                                    </m:e>
+                                  </m:d>
+                                </m:e>
+                              </m:d>
+                            </m:e>
+                          </m:d>
+                          <m:sSup>
+                            <m:sSupPr>
+                              <m:ctrlPr>
+                                <a:rPr lang="pt-BR" i="1">
+                                  <a:latin typeface="Cambria Math" panose="02040503050406030204" pitchFamily="18" charset="0"/>
+                                </a:rPr>
+                              </m:ctrlPr>
+                            </m:sSupPr>
+                            <m:e>
+                              <m:r>
+                                <a:rPr lang="pt-BR" b="1" i="1">
+                                  <a:latin typeface="Cambria Math" panose="02040503050406030204" pitchFamily="18" charset="0"/>
+                                </a:rPr>
+                                <m:t>𝒙</m:t>
+                              </m:r>
+                              <m:d>
+                                <m:dPr>
+                                  <m:ctrlPr>
+                                    <a:rPr lang="pt-BR" b="1" i="1">
+                                      <a:latin typeface="Cambria Math" panose="02040503050406030204" pitchFamily="18" charset="0"/>
+                                    </a:rPr>
+                                  </m:ctrlPr>
+                                </m:dPr>
+                                <m:e>
+                                  <m:r>
+                                    <a:rPr lang="pt-BR" i="1">
+                                      <a:latin typeface="Cambria Math" panose="02040503050406030204" pitchFamily="18" charset="0"/>
+                                    </a:rPr>
+                                    <m:t>𝑖</m:t>
+                                  </m:r>
+                                </m:e>
+                              </m:d>
+                            </m:e>
+                            <m:sup>
+                              <m:r>
+                                <a:rPr lang="pt-BR" i="1">
+                                  <a:latin typeface="Cambria Math" panose="02040503050406030204" pitchFamily="18" charset="0"/>
+                                </a:rPr>
+                                <m:t>𝑇</m:t>
+                              </m:r>
+                            </m:sup>
+                          </m:sSup>
+                        </m:e>
+                      </m:nary>
+                      <m:r>
+                        <a:rPr lang="pt-BR" i="1">
+                          <a:latin typeface="Cambria Math" panose="02040503050406030204" pitchFamily="18" charset="0"/>
+                        </a:rPr>
+                        <m:t>=</m:t>
+                      </m:r>
+                      <m:sSup>
+                        <m:sSupPr>
+                          <m:ctrlPr>
+                            <a:rPr lang="pt-BR" i="1">
+                              <a:latin typeface="Cambria Math" panose="02040503050406030204" pitchFamily="18" charset="0"/>
+                            </a:rPr>
+                          </m:ctrlPr>
+                        </m:sSupPr>
+                        <m:e>
+                          <m:r>
+                            <a:rPr lang="pt-BR" i="1">
+                              <a:latin typeface="Cambria Math" panose="02040503050406030204" pitchFamily="18" charset="0"/>
+                            </a:rPr>
+                            <m:t>−</m:t>
+                          </m:r>
+                          <m:f>
+                            <m:fPr>
+                              <m:ctrlPr>
+                                <a:rPr lang="pt-BR" i="1">
+                                  <a:latin typeface="Cambria Math" panose="02040503050406030204" pitchFamily="18" charset="0"/>
+                                </a:rPr>
+                              </m:ctrlPr>
+                            </m:fPr>
+                            <m:num>
+                              <m:r>
+                                <a:rPr lang="pt-BR" i="1">
+                                  <a:latin typeface="Cambria Math" panose="02040503050406030204" pitchFamily="18" charset="0"/>
+                                </a:rPr>
+                                <m:t>1</m:t>
+                              </m:r>
+                            </m:num>
+                            <m:den>
+                              <m:r>
+                                <a:rPr lang="pt-BR" i="1">
+                                  <a:latin typeface="Cambria Math" panose="02040503050406030204" pitchFamily="18" charset="0"/>
+                                </a:rPr>
+                                <m:t>𝑁</m:t>
+                              </m:r>
+                            </m:den>
+                          </m:f>
+                          <m:r>
+                            <a:rPr lang="pt-BR" b="1" i="1">
+                              <a:latin typeface="Cambria Math" panose="02040503050406030204" pitchFamily="18" charset="0"/>
+                            </a:rPr>
+                            <m:t>𝑿</m:t>
+                          </m:r>
+                        </m:e>
+                        <m:sup>
+                          <m:r>
+                            <a:rPr lang="pt-BR" i="1">
+                              <a:latin typeface="Cambria Math" panose="02040503050406030204" pitchFamily="18" charset="0"/>
+                            </a:rPr>
+                            <m:t>𝑇</m:t>
+                          </m:r>
+                        </m:sup>
+                      </m:sSup>
+                      <m:d>
+                        <m:dPr>
+                          <m:ctrlPr>
+                            <a:rPr lang="pt-BR" i="1">
+                              <a:latin typeface="Cambria Math" panose="02040503050406030204" pitchFamily="18" charset="0"/>
+                            </a:rPr>
+                          </m:ctrlPr>
+                        </m:dPr>
+                        <m:e>
+                          <m:r>
+                            <a:rPr lang="pt-BR" b="1" i="1">
+                              <a:latin typeface="Cambria Math" panose="02040503050406030204" pitchFamily="18" charset="0"/>
+                            </a:rPr>
+                            <m:t>𝒚</m:t>
+                          </m:r>
+                          <m:r>
+                            <a:rPr lang="pt-BR" i="1">
+                              <a:latin typeface="Cambria Math" panose="02040503050406030204" pitchFamily="18" charset="0"/>
+                            </a:rPr>
+                            <m:t>−</m:t>
+                          </m:r>
+                          <m:acc>
+                            <m:accPr>
+                              <m:chr m:val="̂"/>
+                              <m:ctrlPr>
+                                <a:rPr lang="pt-BR" i="1">
+                                  <a:latin typeface="Cambria Math" panose="02040503050406030204" pitchFamily="18" charset="0"/>
+                                </a:rPr>
+                              </m:ctrlPr>
+                            </m:accPr>
+                            <m:e>
+                              <m:r>
+                                <a:rPr lang="pt-BR" b="1" i="1">
+                                  <a:latin typeface="Cambria Math" panose="02040503050406030204" pitchFamily="18" charset="0"/>
+                                </a:rPr>
+                                <m:t>𝒚</m:t>
+                              </m:r>
+                            </m:e>
+                          </m:acc>
+                        </m:e>
+                      </m:d>
+                      <m:r>
+                        <a:rPr lang="pt-BR" b="0" i="1" smtClean="0">
+                          <a:latin typeface="Cambria Math" panose="02040503050406030204" pitchFamily="18" charset="0"/>
+                        </a:rPr>
+                        <m:t>,</m:t>
+                      </m:r>
+                    </m:oMath>
+                  </m:oMathPara>
+                </a14:m>
+                <a:endParaRPr lang="pt-BR" dirty="0" smtClean="0"/>
+              </a:p>
+              <a:p>
+                <a:pPr marL="0" indent="0">
+                  <a:buNone/>
+                </a:pPr>
+                <a:r>
+                  <a:rPr lang="pt-BR" dirty="0"/>
+                  <a:t>o</a:t>
+                </a:r>
+                <a:r>
+                  <a:rPr lang="pt-BR" dirty="0" smtClean="0"/>
+                  <a:t>nde </a:t>
+                </a:r>
+                <a14:m>
+                  <m:oMath xmlns:m="http://schemas.openxmlformats.org/officeDocument/2006/math">
+                    <m:r>
+                      <a:rPr lang="pt-BR" b="1" i="1">
+                        <a:latin typeface="Cambria Math" panose="02040503050406030204" pitchFamily="18" charset="0"/>
+                      </a:rPr>
+                      <m:t>𝑿</m:t>
+                    </m:r>
+                    <m:r>
+                      <a:rPr lang="pt-BR" b="1" i="1" smtClean="0">
+                        <a:latin typeface="Cambria Math" panose="02040503050406030204" pitchFamily="18" charset="0"/>
+                      </a:rPr>
+                      <m:t>=</m:t>
+                    </m:r>
+                    <m:d>
+                      <m:dPr>
+                        <m:begChr m:val="["/>
+                        <m:endChr m:val="]"/>
+                        <m:ctrlPr>
+                          <a:rPr lang="pt-BR" b="1" i="1" smtClean="0">
+                            <a:latin typeface="Cambria Math" panose="02040503050406030204" pitchFamily="18" charset="0"/>
+                          </a:rPr>
+                        </m:ctrlPr>
+                      </m:dPr>
+                      <m:e>
+                        <m:sSub>
+                          <m:sSubPr>
+                            <m:ctrlPr>
+                              <a:rPr lang="en-US" i="1">
+                                <a:latin typeface="Cambria Math" panose="02040503050406030204" pitchFamily="18" charset="0"/>
+                              </a:rPr>
+                            </m:ctrlPr>
+                          </m:sSubPr>
+                          <m:e>
+                            <m:r>
+                              <a:rPr lang="en-US" b="1" i="1">
+                                <a:latin typeface="Cambria Math" panose="02040503050406030204" pitchFamily="18" charset="0"/>
+                              </a:rPr>
+                              <m:t>𝒙</m:t>
+                            </m:r>
+                          </m:e>
+                          <m:sub>
+                            <m:r>
+                              <a:rPr lang="pt-BR" b="0" i="1" smtClean="0">
+                                <a:latin typeface="Cambria Math" panose="02040503050406030204" pitchFamily="18" charset="0"/>
+                              </a:rPr>
+                              <m:t>0</m:t>
+                            </m:r>
+                          </m:sub>
+                        </m:sSub>
+                        <m:r>
+                          <a:rPr lang="pt-BR" b="1" i="1" smtClean="0">
+                            <a:latin typeface="Cambria Math" panose="02040503050406030204" pitchFamily="18" charset="0"/>
+                          </a:rPr>
+                          <m:t>,</m:t>
+                        </m:r>
+                        <m:sSub>
+                          <m:sSubPr>
+                            <m:ctrlPr>
+                              <a:rPr lang="en-US" i="1">
+                                <a:latin typeface="Cambria Math" panose="02040503050406030204" pitchFamily="18" charset="0"/>
+                              </a:rPr>
+                            </m:ctrlPr>
+                          </m:sSubPr>
+                          <m:e>
+                            <m:r>
+                              <a:rPr lang="en-US" b="1" i="1">
+                                <a:latin typeface="Cambria Math" panose="02040503050406030204" pitchFamily="18" charset="0"/>
+                              </a:rPr>
+                              <m:t>𝒙</m:t>
+                            </m:r>
+                          </m:e>
+                          <m:sub>
+                            <m:r>
+                              <a:rPr lang="pt-BR" b="0" i="1" smtClean="0">
+                                <a:latin typeface="Cambria Math" panose="02040503050406030204" pitchFamily="18" charset="0"/>
+                              </a:rPr>
+                              <m:t>1</m:t>
+                            </m:r>
+                          </m:sub>
+                        </m:sSub>
+                        <m:r>
+                          <a:rPr lang="pt-BR" b="1" i="1" smtClean="0">
+                            <a:latin typeface="Cambria Math" panose="02040503050406030204" pitchFamily="18" charset="0"/>
+                          </a:rPr>
+                          <m:t>, </m:t>
+                        </m:r>
+                        <m:sSub>
+                          <m:sSubPr>
+                            <m:ctrlPr>
+                              <a:rPr lang="en-US" i="1">
+                                <a:latin typeface="Cambria Math" panose="02040503050406030204" pitchFamily="18" charset="0"/>
+                              </a:rPr>
+                            </m:ctrlPr>
+                          </m:sSubPr>
+                          <m:e>
+                            <m:r>
+                              <a:rPr lang="en-US" b="1" i="1">
+                                <a:latin typeface="Cambria Math" panose="02040503050406030204" pitchFamily="18" charset="0"/>
+                              </a:rPr>
+                              <m:t>𝒙</m:t>
+                            </m:r>
+                          </m:e>
+                          <m:sub>
+                            <m:r>
+                              <a:rPr lang="pt-BR" b="0" i="1" smtClean="0">
+                                <a:latin typeface="Cambria Math" panose="02040503050406030204" pitchFamily="18" charset="0"/>
+                              </a:rPr>
+                              <m:t>2</m:t>
+                            </m:r>
+                          </m:sub>
+                        </m:sSub>
+                      </m:e>
+                    </m:d>
+                  </m:oMath>
+                </a14:m>
+                <a:r>
+                  <a:rPr lang="pt-BR" dirty="0" smtClean="0"/>
+                  <a:t> </a:t>
+                </a:r>
+                <a14:m>
+                  <m:oMath xmlns:m="http://schemas.openxmlformats.org/officeDocument/2006/math">
+                    <m:r>
+                      <a:rPr lang="pt-BR">
+                        <a:latin typeface="Cambria Math" panose="02040503050406030204" pitchFamily="18" charset="0"/>
+                      </a:rPr>
+                      <m:t>∈</m:t>
+                    </m:r>
+                    <m:sSup>
+                      <m:sSupPr>
+                        <m:ctrlPr>
+                          <a:rPr lang="pt-BR" i="1">
+                            <a:latin typeface="Cambria Math" panose="02040503050406030204" pitchFamily="18" charset="0"/>
+                          </a:rPr>
+                        </m:ctrlPr>
+                      </m:sSupPr>
+                      <m:e>
+                        <m:r>
+                          <a:rPr lang="pt-BR">
+                            <a:latin typeface="Cambria Math" panose="02040503050406030204" pitchFamily="18" charset="0"/>
+                          </a:rPr>
+                          <m:t>ℝ</m:t>
+                        </m:r>
+                      </m:e>
+                      <m:sup>
+                        <m:r>
+                          <m:rPr>
+                            <m:sty m:val="p"/>
+                          </m:rPr>
+                          <a:rPr lang="pt-BR">
+                            <a:latin typeface="Cambria Math" panose="02040503050406030204" pitchFamily="18" charset="0"/>
+                          </a:rPr>
+                          <m:t>N</m:t>
+                        </m:r>
+                        <m:r>
+                          <a:rPr lang="pt-BR">
+                            <a:latin typeface="Cambria Math" panose="02040503050406030204" pitchFamily="18" charset="0"/>
+                          </a:rPr>
+                          <m:t>×</m:t>
+                        </m:r>
+                        <m:r>
+                          <m:rPr>
+                            <m:sty m:val="p"/>
+                          </m:rPr>
+                          <a:rPr lang="pt-BR">
+                            <a:latin typeface="Cambria Math" panose="02040503050406030204" pitchFamily="18" charset="0"/>
+                          </a:rPr>
+                          <m:t>K</m:t>
+                        </m:r>
+                        <m:r>
+                          <a:rPr lang="pt-BR">
+                            <a:latin typeface="Cambria Math" panose="02040503050406030204" pitchFamily="18" charset="0"/>
+                          </a:rPr>
+                          <m:t>+1</m:t>
+                        </m:r>
+                      </m:sup>
+                    </m:sSup>
+                  </m:oMath>
+                </a14:m>
+                <a:r>
+                  <a:rPr lang="pt-BR" dirty="0" smtClean="0"/>
+                  <a:t>, </a:t>
+                </a:r>
+                <a14:m>
+                  <m:oMath xmlns:m="http://schemas.openxmlformats.org/officeDocument/2006/math">
+                    <m:sSub>
+                      <m:sSubPr>
+                        <m:ctrlPr>
+                          <a:rPr lang="en-US" i="1">
+                            <a:latin typeface="Cambria Math" panose="02040503050406030204" pitchFamily="18" charset="0"/>
+                          </a:rPr>
+                        </m:ctrlPr>
+                      </m:sSubPr>
+                      <m:e>
+                        <m:r>
+                          <a:rPr lang="en-US" b="1" i="1">
+                            <a:latin typeface="Cambria Math" panose="02040503050406030204" pitchFamily="18" charset="0"/>
+                          </a:rPr>
+                          <m:t>𝒙</m:t>
+                        </m:r>
+                      </m:e>
+                      <m:sub>
+                        <m:r>
+                          <a:rPr lang="pt-BR" b="0" i="1" smtClean="0">
+                            <a:latin typeface="Cambria Math" panose="02040503050406030204" pitchFamily="18" charset="0"/>
+                          </a:rPr>
+                          <m:t>𝑘</m:t>
+                        </m:r>
+                      </m:sub>
+                    </m:sSub>
+                    <m:r>
+                      <a:rPr lang="pt-BR">
+                        <a:latin typeface="Cambria Math" panose="02040503050406030204" pitchFamily="18" charset="0"/>
+                      </a:rPr>
+                      <m:t>∈</m:t>
+                    </m:r>
+                    <m:sSup>
+                      <m:sSupPr>
+                        <m:ctrlPr>
+                          <a:rPr lang="pt-BR" i="1">
+                            <a:latin typeface="Cambria Math" panose="02040503050406030204" pitchFamily="18" charset="0"/>
+                          </a:rPr>
+                        </m:ctrlPr>
+                      </m:sSupPr>
+                      <m:e>
+                        <m:r>
+                          <a:rPr lang="pt-BR">
+                            <a:latin typeface="Cambria Math" panose="02040503050406030204" pitchFamily="18" charset="0"/>
+                          </a:rPr>
+                          <m:t>ℝ</m:t>
+                        </m:r>
+                      </m:e>
+                      <m:sup>
+                        <m:r>
+                          <m:rPr>
+                            <m:sty m:val="p"/>
+                          </m:rPr>
+                          <a:rPr lang="pt-BR">
+                            <a:latin typeface="Cambria Math" panose="02040503050406030204" pitchFamily="18" charset="0"/>
+                          </a:rPr>
+                          <m:t>N</m:t>
+                        </m:r>
+                        <m:r>
+                          <a:rPr lang="pt-BR">
+                            <a:latin typeface="Cambria Math" panose="02040503050406030204" pitchFamily="18" charset="0"/>
+                          </a:rPr>
+                          <m:t>×1</m:t>
+                        </m:r>
+                      </m:sup>
+                    </m:sSup>
+                    <m:r>
+                      <a:rPr lang="pt-BR" b="0" i="1" smtClean="0">
+                        <a:latin typeface="Cambria Math" panose="02040503050406030204" pitchFamily="18" charset="0"/>
+                      </a:rPr>
+                      <m:t> </m:t>
+                    </m:r>
+                    <m:r>
+                      <a:rPr lang="pt-BR" b="0" i="1" smtClean="0">
+                        <a:latin typeface="Cambria Math" panose="02040503050406030204" pitchFamily="18" charset="0"/>
+                        <a:ea typeface="Cambria Math" panose="02040503050406030204" pitchFamily="18" charset="0"/>
+                      </a:rPr>
+                      <m:t>∀</m:t>
+                    </m:r>
+                    <m:r>
+                      <a:rPr lang="pt-BR" b="0" i="1" smtClean="0">
+                        <a:latin typeface="Cambria Math" panose="02040503050406030204" pitchFamily="18" charset="0"/>
+                        <a:ea typeface="Cambria Math" panose="02040503050406030204" pitchFamily="18" charset="0"/>
+                      </a:rPr>
+                      <m:t>𝑘</m:t>
+                    </m:r>
+                  </m:oMath>
+                </a14:m>
+                <a:r>
+                  <a:rPr lang="pt-BR" dirty="0" smtClean="0"/>
+                  <a:t> e </a:t>
+                </a:r>
+                <a14:m>
+                  <m:oMath xmlns:m="http://schemas.openxmlformats.org/officeDocument/2006/math">
+                    <m:r>
+                      <a:rPr lang="pt-BR">
+                        <a:latin typeface="Cambria Math" panose="02040503050406030204" pitchFamily="18" charset="0"/>
+                      </a:rPr>
+                      <m:t>𝒚</m:t>
+                    </m:r>
+                  </m:oMath>
+                </a14:m>
+                <a:r>
+                  <a:rPr lang="pt-BR" dirty="0"/>
+                  <a:t> e </a:t>
+                </a:r>
+                <a14:m>
+                  <m:oMath xmlns:m="http://schemas.openxmlformats.org/officeDocument/2006/math">
+                    <m:acc>
+                      <m:accPr>
+                        <m:chr m:val="̂"/>
+                        <m:ctrlPr>
+                          <a:rPr lang="pt-BR" i="1">
+                            <a:latin typeface="Cambria Math" panose="02040503050406030204" pitchFamily="18" charset="0"/>
+                          </a:rPr>
+                        </m:ctrlPr>
+                      </m:accPr>
+                      <m:e>
+                        <m:r>
+                          <a:rPr lang="pt-BR">
+                            <a:latin typeface="Cambria Math" panose="02040503050406030204" pitchFamily="18" charset="0"/>
+                          </a:rPr>
+                          <m:t>𝒚</m:t>
+                        </m:r>
+                      </m:e>
+                    </m:acc>
+                  </m:oMath>
+                </a14:m>
+                <a:r>
+                  <a:rPr lang="pt-BR" dirty="0"/>
+                  <a:t>  </a:t>
+                </a:r>
+                <a14:m>
+                  <m:oMath xmlns:m="http://schemas.openxmlformats.org/officeDocument/2006/math">
+                    <m:r>
+                      <a:rPr lang="pt-BR">
+                        <a:latin typeface="Cambria Math" panose="02040503050406030204" pitchFamily="18" charset="0"/>
+                      </a:rPr>
+                      <m:t>∈</m:t>
+                    </m:r>
+                    <m:sSup>
+                      <m:sSupPr>
+                        <m:ctrlPr>
+                          <a:rPr lang="pt-BR" i="1">
+                            <a:latin typeface="Cambria Math" panose="02040503050406030204" pitchFamily="18" charset="0"/>
+                          </a:rPr>
+                        </m:ctrlPr>
+                      </m:sSupPr>
+                      <m:e>
+                        <m:r>
+                          <a:rPr lang="pt-BR">
+                            <a:latin typeface="Cambria Math" panose="02040503050406030204" pitchFamily="18" charset="0"/>
+                          </a:rPr>
+                          <m:t>ℝ</m:t>
+                        </m:r>
+                      </m:e>
+                      <m:sup>
+                        <m:r>
+                          <m:rPr>
+                            <m:sty m:val="p"/>
+                          </m:rPr>
+                          <a:rPr lang="pt-BR">
+                            <a:latin typeface="Cambria Math" panose="02040503050406030204" pitchFamily="18" charset="0"/>
+                          </a:rPr>
+                          <m:t>N</m:t>
+                        </m:r>
+                        <m:r>
+                          <a:rPr lang="pt-BR">
+                            <a:latin typeface="Cambria Math" panose="02040503050406030204" pitchFamily="18" charset="0"/>
+                          </a:rPr>
+                          <m:t>×</m:t>
+                        </m:r>
+                        <m:r>
+                          <a:rPr lang="pt-BR">
+                            <a:latin typeface="Cambria Math" panose="02040503050406030204" pitchFamily="18" charset="0"/>
+                          </a:rPr>
+                          <m:t>𝟏</m:t>
+                        </m:r>
+                      </m:sup>
+                    </m:sSup>
+                  </m:oMath>
+                </a14:m>
+                <a:r>
+                  <a:rPr lang="pt-BR" dirty="0" smtClean="0"/>
+                  <a:t>. </a:t>
+                </a:r>
+              </a:p>
+              <a:p>
+                <a:r>
+                  <a:rPr lang="pt-BR" dirty="0"/>
+                  <a:t>O </a:t>
+                </a:r>
+                <a:r>
+                  <a:rPr lang="pt-BR" b="1" i="1" dirty="0"/>
+                  <a:t>vetor gradiente </a:t>
+                </a:r>
+                <a:r>
+                  <a:rPr lang="pt-BR" dirty="0"/>
+                  <a:t>da</a:t>
+                </a:r>
+                <a:r>
+                  <a:rPr lang="pt-BR" b="1" i="1" dirty="0"/>
+                  <a:t> função de erro </a:t>
+                </a:r>
+                <a:r>
+                  <a:rPr lang="pt-BR" b="1" i="1" dirty="0"/>
+                  <a:t>médio</a:t>
+                </a:r>
+                <a:r>
+                  <a:rPr lang="pt-BR" dirty="0"/>
+                  <a:t> quando</a:t>
+                </a:r>
+                <a:r>
+                  <a:rPr lang="pt-BR" b="1" i="1" dirty="0"/>
+                  <a:t> </a:t>
+                </a:r>
+                <a14:m>
+                  <m:oMath xmlns:m="http://schemas.openxmlformats.org/officeDocument/2006/math">
+                    <m:r>
+                      <a:rPr lang="pt-BR" i="1">
+                        <a:latin typeface="Cambria Math" panose="02040503050406030204" pitchFamily="18" charset="0"/>
+                      </a:rPr>
+                      <m:t>𝑔</m:t>
+                    </m:r>
+                    <m:d>
+                      <m:dPr>
+                        <m:ctrlPr>
+                          <a:rPr lang="pt-BR" i="1">
+                            <a:latin typeface="Cambria Math" panose="02040503050406030204" pitchFamily="18" charset="0"/>
+                          </a:rPr>
+                        </m:ctrlPr>
+                      </m:dPr>
+                      <m:e>
+                        <m:r>
+                          <a:rPr lang="pt-BR" b="1" i="1">
+                            <a:latin typeface="Cambria Math" panose="02040503050406030204" pitchFamily="18" charset="0"/>
+                          </a:rPr>
+                          <m:t>𝒙</m:t>
+                        </m:r>
+                      </m:e>
+                    </m:d>
+                    <m:r>
+                      <a:rPr lang="pt-BR" b="1" i="1">
+                        <a:latin typeface="Cambria Math" panose="02040503050406030204" pitchFamily="18" charset="0"/>
+                      </a:rPr>
+                      <m:t>=</m:t>
+                    </m:r>
+                    <m:sSub>
+                      <m:sSubPr>
+                        <m:ctrlPr>
+                          <a:rPr lang="pt-BR" i="1" smtClean="0">
+                            <a:latin typeface="Cambria Math" panose="02040503050406030204" pitchFamily="18" charset="0"/>
+                          </a:rPr>
+                        </m:ctrlPr>
+                      </m:sSubPr>
+                      <m:e>
+                        <m:r>
+                          <a:rPr lang="pt-BR" b="0" i="1" smtClean="0">
+                            <a:latin typeface="Cambria Math" panose="02040503050406030204" pitchFamily="18" charset="0"/>
+                          </a:rPr>
+                          <m:t>𝑎</m:t>
+                        </m:r>
+                      </m:e>
+                      <m:sub>
+                        <m:r>
+                          <a:rPr lang="pt-BR" b="0" i="1" smtClean="0">
+                            <a:latin typeface="Cambria Math" panose="02040503050406030204" pitchFamily="18" charset="0"/>
+                          </a:rPr>
+                          <m:t>0</m:t>
+                        </m:r>
+                      </m:sub>
+                    </m:sSub>
+                    <m:r>
+                      <a:rPr lang="pt-BR" b="0" i="1" smtClean="0">
+                        <a:latin typeface="Cambria Math" panose="02040503050406030204" pitchFamily="18" charset="0"/>
+                      </a:rPr>
+                      <m:t>+</m:t>
+                    </m:r>
+                    <m:sSubSup>
+                      <m:sSubSupPr>
+                        <m:ctrlPr>
+                          <a:rPr lang="pt-BR" b="0" i="1" smtClean="0">
+                            <a:latin typeface="Cambria Math" panose="02040503050406030204" pitchFamily="18" charset="0"/>
+                          </a:rPr>
+                        </m:ctrlPr>
+                      </m:sSubSupPr>
+                      <m:e>
+                        <m:r>
+                          <a:rPr lang="pt-BR" b="0" i="1" smtClean="0">
+                            <a:latin typeface="Cambria Math" panose="02040503050406030204" pitchFamily="18" charset="0"/>
+                          </a:rPr>
+                          <m:t>𝑥</m:t>
+                        </m:r>
+                      </m:e>
+                      <m:sub>
+                        <m:r>
+                          <a:rPr lang="pt-BR" b="0" i="1" smtClean="0">
+                            <a:latin typeface="Cambria Math" panose="02040503050406030204" pitchFamily="18" charset="0"/>
+                          </a:rPr>
+                          <m:t>1</m:t>
+                        </m:r>
+                      </m:sub>
+                      <m:sup>
+                        <m:r>
+                          <a:rPr lang="pt-BR" b="0" i="1" smtClean="0">
+                            <a:latin typeface="Cambria Math" panose="02040503050406030204" pitchFamily="18" charset="0"/>
+                          </a:rPr>
+                          <m:t>2</m:t>
+                        </m:r>
+                      </m:sup>
+                    </m:sSubSup>
+                    <m:r>
+                      <a:rPr lang="pt-BR" b="0" i="1" smtClean="0">
+                        <a:latin typeface="Cambria Math" panose="02040503050406030204" pitchFamily="18" charset="0"/>
+                      </a:rPr>
+                      <m:t>+</m:t>
+                    </m:r>
+                    <m:sSubSup>
+                      <m:sSubSupPr>
+                        <m:ctrlPr>
+                          <a:rPr lang="pt-BR" i="1">
+                            <a:latin typeface="Cambria Math" panose="02040503050406030204" pitchFamily="18" charset="0"/>
+                          </a:rPr>
+                        </m:ctrlPr>
+                      </m:sSubSupPr>
+                      <m:e>
+                        <m:r>
+                          <a:rPr lang="pt-BR" i="1">
+                            <a:latin typeface="Cambria Math" panose="02040503050406030204" pitchFamily="18" charset="0"/>
+                          </a:rPr>
+                          <m:t>𝑥</m:t>
+                        </m:r>
+                      </m:e>
+                      <m:sub>
+                        <m:r>
+                          <a:rPr lang="pt-BR" b="0" i="1" smtClean="0">
+                            <a:latin typeface="Cambria Math" panose="02040503050406030204" pitchFamily="18" charset="0"/>
+                          </a:rPr>
+                          <m:t>2</m:t>
+                        </m:r>
+                      </m:sub>
+                      <m:sup>
+                        <m:r>
+                          <a:rPr lang="pt-BR" i="1">
+                            <a:latin typeface="Cambria Math" panose="02040503050406030204" pitchFamily="18" charset="0"/>
+                          </a:rPr>
+                          <m:t>2</m:t>
+                        </m:r>
+                      </m:sup>
+                    </m:sSubSup>
+                  </m:oMath>
+                </a14:m>
+                <a:r>
+                  <a:rPr lang="pt-BR" dirty="0">
+                    <a:latin typeface="Cambria Math" panose="02040503050406030204" pitchFamily="18" charset="0"/>
+                  </a:rPr>
+                  <a:t>(equação de um </a:t>
+                </a:r>
+                <a:r>
+                  <a:rPr lang="pt-BR" dirty="0" smtClean="0">
+                    <a:latin typeface="Cambria Math" panose="02040503050406030204" pitchFamily="18" charset="0"/>
+                  </a:rPr>
+                  <a:t>círculo) </a:t>
+                </a:r>
+                <a:r>
+                  <a:rPr lang="pt-BR" dirty="0">
+                    <a:latin typeface="Cambria Math" panose="02040503050406030204" pitchFamily="18" charset="0"/>
+                  </a:rPr>
+                  <a:t>é dado por</a:t>
+                </a:r>
+              </a:p>
+              <a:p>
+                <a:pPr marL="0" indent="0">
+                  <a:buNone/>
+                </a:pPr>
+                <a14:m>
+                  <m:oMathPara xmlns:m="http://schemas.openxmlformats.org/officeDocument/2006/math">
+                    <m:oMathParaPr>
+                      <m:jc m:val="centerGroup"/>
+                    </m:oMathParaPr>
+                    <m:oMath xmlns:m="http://schemas.openxmlformats.org/officeDocument/2006/math">
+                      <m:f>
+                        <m:fPr>
+                          <m:ctrlPr>
+                            <a:rPr lang="pt-BR" i="1">
+                              <a:latin typeface="Cambria Math" panose="02040503050406030204" pitchFamily="18" charset="0"/>
+                            </a:rPr>
+                          </m:ctrlPr>
+                        </m:fPr>
+                        <m:num>
+                          <m:r>
+                            <a:rPr lang="pt-BR" i="1">
+                              <a:latin typeface="Cambria Math" panose="02040503050406030204" pitchFamily="18" charset="0"/>
+                            </a:rPr>
+                            <m:t>𝜕</m:t>
+                          </m:r>
+                          <m:sSub>
+                            <m:sSubPr>
+                              <m:ctrlPr>
+                                <a:rPr lang="pt-BR" i="1">
+                                  <a:latin typeface="Cambria Math" panose="02040503050406030204" pitchFamily="18" charset="0"/>
+                                </a:rPr>
+                              </m:ctrlPr>
+                            </m:sSubPr>
+                            <m:e>
+                              <m:r>
+                                <a:rPr lang="pt-BR" i="1">
+                                  <a:latin typeface="Cambria Math" panose="02040503050406030204" pitchFamily="18" charset="0"/>
+                                </a:rPr>
+                                <m:t>𝐽</m:t>
+                              </m:r>
+                            </m:e>
+                            <m:sub>
+                              <m:r>
+                                <a:rPr lang="pt-BR" i="1">
+                                  <a:latin typeface="Cambria Math" panose="02040503050406030204" pitchFamily="18" charset="0"/>
+                                </a:rPr>
+                                <m:t>𝑒</m:t>
+                              </m:r>
+                            </m:sub>
+                          </m:sSub>
+                          <m:d>
+                            <m:dPr>
+                              <m:ctrlPr>
+                                <a:rPr lang="pt-BR" i="1">
+                                  <a:latin typeface="Cambria Math" panose="02040503050406030204" pitchFamily="18" charset="0"/>
+                                </a:rPr>
+                              </m:ctrlPr>
+                            </m:dPr>
+                            <m:e>
+                              <m:r>
+                                <a:rPr lang="pt-BR" b="1" i="1">
+                                  <a:latin typeface="Cambria Math" panose="02040503050406030204" pitchFamily="18" charset="0"/>
+                                </a:rPr>
+                                <m:t>𝒂</m:t>
+                              </m:r>
+                            </m:e>
+                          </m:d>
+                        </m:num>
+                        <m:den>
+                          <m:r>
+                            <a:rPr lang="pt-BR" i="1">
+                              <a:latin typeface="Cambria Math" panose="02040503050406030204" pitchFamily="18" charset="0"/>
+                            </a:rPr>
+                            <m:t>𝜕</m:t>
+                          </m:r>
+                          <m:r>
+                            <a:rPr lang="pt-BR" b="1" i="1">
+                              <a:latin typeface="Cambria Math" panose="02040503050406030204" pitchFamily="18" charset="0"/>
+                            </a:rPr>
+                            <m:t>𝒂</m:t>
+                          </m:r>
+                        </m:den>
+                      </m:f>
+                      <m:r>
+                        <a:rPr lang="pt-BR" b="1" i="1">
+                          <a:latin typeface="Cambria Math" panose="02040503050406030204" pitchFamily="18" charset="0"/>
+                        </a:rPr>
+                        <m:t>=</m:t>
+                      </m:r>
+                      <m:r>
+                        <a:rPr lang="pt-BR" i="1">
+                          <a:latin typeface="Cambria Math" panose="02040503050406030204" pitchFamily="18" charset="0"/>
+                        </a:rPr>
+                        <m:t>−</m:t>
+                      </m:r>
+                      <m:f>
+                        <m:fPr>
+                          <m:ctrlPr>
+                            <a:rPr lang="pt-BR" i="1">
+                              <a:latin typeface="Cambria Math" panose="02040503050406030204" pitchFamily="18" charset="0"/>
+                            </a:rPr>
+                          </m:ctrlPr>
+                        </m:fPr>
+                        <m:num>
+                          <m:r>
+                            <a:rPr lang="pt-BR" i="1">
+                              <a:latin typeface="Cambria Math" panose="02040503050406030204" pitchFamily="18" charset="0"/>
+                            </a:rPr>
+                            <m:t>1</m:t>
+                          </m:r>
+                        </m:num>
+                        <m:den>
+                          <m:r>
+                            <a:rPr lang="pt-BR" i="1">
+                              <a:latin typeface="Cambria Math" panose="02040503050406030204" pitchFamily="18" charset="0"/>
+                            </a:rPr>
+                            <m:t>𝑁</m:t>
+                          </m:r>
+                        </m:den>
+                      </m:f>
+                      <m:nary>
+                        <m:naryPr>
+                          <m:chr m:val="∑"/>
+                          <m:ctrlPr>
+                            <a:rPr lang="pt-BR" i="1">
+                              <a:latin typeface="Cambria Math" panose="02040503050406030204" pitchFamily="18" charset="0"/>
+                            </a:rPr>
+                          </m:ctrlPr>
+                        </m:naryPr>
+                        <m:sub>
+                          <m:r>
+                            <m:rPr>
+                              <m:brk m:alnAt="23"/>
+                            </m:rPr>
+                            <a:rPr lang="pt-BR" i="1">
+                              <a:latin typeface="Cambria Math" panose="02040503050406030204" pitchFamily="18" charset="0"/>
+                            </a:rPr>
+                            <m:t>𝑖</m:t>
+                          </m:r>
+                          <m:r>
+                            <a:rPr lang="pt-BR" i="1">
+                              <a:latin typeface="Cambria Math" panose="02040503050406030204" pitchFamily="18" charset="0"/>
+                            </a:rPr>
+                            <m:t>=0</m:t>
+                          </m:r>
+                        </m:sub>
+                        <m:sup>
+                          <m:r>
+                            <a:rPr lang="pt-BR" i="1">
+                              <a:latin typeface="Cambria Math" panose="02040503050406030204" pitchFamily="18" charset="0"/>
+                            </a:rPr>
+                            <m:t>𝑁</m:t>
+                          </m:r>
+                          <m:r>
+                            <a:rPr lang="pt-BR" i="1">
+                              <a:latin typeface="Cambria Math" panose="02040503050406030204" pitchFamily="18" charset="0"/>
+                            </a:rPr>
+                            <m:t>−1</m:t>
+                          </m:r>
+                        </m:sup>
+                        <m:e>
+                          <m:d>
+                            <m:dPr>
+                              <m:begChr m:val="["/>
+                              <m:endChr m:val="]"/>
+                              <m:ctrlPr>
+                                <a:rPr lang="pt-BR" i="1">
+                                  <a:latin typeface="Cambria Math" panose="02040503050406030204" pitchFamily="18" charset="0"/>
+                                </a:rPr>
+                              </m:ctrlPr>
+                            </m:dPr>
+                            <m:e>
+                              <m:r>
+                                <a:rPr lang="pt-BR" i="1">
+                                  <a:latin typeface="Cambria Math" panose="02040503050406030204" pitchFamily="18" charset="0"/>
+                                </a:rPr>
+                                <m:t>𝑦</m:t>
+                              </m:r>
+                              <m:d>
+                                <m:dPr>
+                                  <m:ctrlPr>
+                                    <a:rPr lang="pt-BR" i="1">
+                                      <a:latin typeface="Cambria Math" panose="02040503050406030204" pitchFamily="18" charset="0"/>
+                                    </a:rPr>
+                                  </m:ctrlPr>
+                                </m:dPr>
+                                <m:e>
+                                  <m:r>
+                                    <a:rPr lang="pt-BR" i="1">
+                                      <a:latin typeface="Cambria Math" panose="02040503050406030204" pitchFamily="18" charset="0"/>
+                                    </a:rPr>
+                                    <m:t>𝑖</m:t>
+                                  </m:r>
+                                </m:e>
+                              </m:d>
+                              <m:r>
+                                <a:rPr lang="pt-BR" i="1">
+                                  <a:latin typeface="Cambria Math" panose="02040503050406030204" pitchFamily="18" charset="0"/>
+                                </a:rPr>
+                                <m:t>−</m:t>
+                              </m:r>
+                              <m:sSub>
+                                <m:sSubPr>
+                                  <m:ctrlPr>
+                                    <a:rPr lang="pt-BR" i="1">
+                                      <a:latin typeface="Cambria Math" panose="02040503050406030204" pitchFamily="18" charset="0"/>
+                                    </a:rPr>
+                                  </m:ctrlPr>
+                                </m:sSubPr>
+                                <m:e>
+                                  <m:r>
+                                    <a:rPr lang="pt-BR" i="1">
+                                      <a:latin typeface="Cambria Math" panose="02040503050406030204" pitchFamily="18" charset="0"/>
+                                    </a:rPr>
+                                    <m:t>h</m:t>
+                                  </m:r>
+                                </m:e>
+                                <m:sub>
+                                  <m:r>
+                                    <a:rPr lang="pt-BR" b="1" i="1">
+                                      <a:latin typeface="Cambria Math" panose="02040503050406030204" pitchFamily="18" charset="0"/>
+                                    </a:rPr>
+                                    <m:t>𝒂</m:t>
+                                  </m:r>
+                                </m:sub>
+                              </m:sSub>
+                              <m:d>
+                                <m:dPr>
+                                  <m:ctrlPr>
+                                    <a:rPr lang="pt-BR" i="1">
+                                      <a:latin typeface="Cambria Math" panose="02040503050406030204" pitchFamily="18" charset="0"/>
+                                    </a:rPr>
+                                  </m:ctrlPr>
+                                </m:dPr>
+                                <m:e>
+                                  <m:r>
+                                    <a:rPr lang="pt-BR" b="1" i="1">
+                                      <a:latin typeface="Cambria Math" panose="02040503050406030204" pitchFamily="18" charset="0"/>
+                                    </a:rPr>
+                                    <m:t>𝒙</m:t>
+                                  </m:r>
+                                  <m:d>
+                                    <m:dPr>
+                                      <m:ctrlPr>
+                                        <a:rPr lang="pt-BR" b="1" i="1">
+                                          <a:latin typeface="Cambria Math" panose="02040503050406030204" pitchFamily="18" charset="0"/>
+                                        </a:rPr>
+                                      </m:ctrlPr>
+                                    </m:dPr>
+                                    <m:e>
+                                      <m:r>
+                                        <a:rPr lang="pt-BR" i="1">
+                                          <a:latin typeface="Cambria Math" panose="02040503050406030204" pitchFamily="18" charset="0"/>
+                                        </a:rPr>
+                                        <m:t>𝑖</m:t>
+                                      </m:r>
+                                    </m:e>
+                                  </m:d>
+                                </m:e>
+                              </m:d>
+                            </m:e>
+                          </m:d>
+                          <m:sSup>
+                            <m:sSupPr>
+                              <m:ctrlPr>
+                                <a:rPr lang="pt-BR" i="1">
+                                  <a:latin typeface="Cambria Math" panose="02040503050406030204" pitchFamily="18" charset="0"/>
+                                </a:rPr>
+                              </m:ctrlPr>
+                            </m:sSupPr>
+                            <m:e>
+                              <m:r>
+                                <a:rPr lang="pt-BR" b="1" i="1">
+                                  <a:latin typeface="Cambria Math" panose="02040503050406030204" pitchFamily="18" charset="0"/>
+                                </a:rPr>
+                                <m:t>𝒙</m:t>
+                              </m:r>
+                              <m:d>
+                                <m:dPr>
+                                  <m:ctrlPr>
+                                    <a:rPr lang="pt-BR" b="1" i="1">
+                                      <a:latin typeface="Cambria Math" panose="02040503050406030204" pitchFamily="18" charset="0"/>
+                                    </a:rPr>
+                                  </m:ctrlPr>
+                                </m:dPr>
+                                <m:e>
+                                  <m:r>
+                                    <a:rPr lang="pt-BR" i="1">
+                                      <a:latin typeface="Cambria Math" panose="02040503050406030204" pitchFamily="18" charset="0"/>
+                                    </a:rPr>
+                                    <m:t>𝑖</m:t>
+                                  </m:r>
+                                </m:e>
+                              </m:d>
+                            </m:e>
+                            <m:sup>
+                              <m:r>
+                                <a:rPr lang="pt-BR" i="1">
+                                  <a:latin typeface="Cambria Math" panose="02040503050406030204" pitchFamily="18" charset="0"/>
+                                </a:rPr>
+                                <m:t>𝑇</m:t>
+                              </m:r>
+                            </m:sup>
+                          </m:sSup>
+                        </m:e>
+                      </m:nary>
+                      <m:r>
+                        <a:rPr lang="pt-BR" i="1">
+                          <a:latin typeface="Cambria Math" panose="02040503050406030204" pitchFamily="18" charset="0"/>
+                        </a:rPr>
+                        <m:t>=</m:t>
+                      </m:r>
+                      <m:sSup>
+                        <m:sSupPr>
+                          <m:ctrlPr>
+                            <a:rPr lang="pt-BR" i="1">
+                              <a:latin typeface="Cambria Math" panose="02040503050406030204" pitchFamily="18" charset="0"/>
+                            </a:rPr>
+                          </m:ctrlPr>
+                        </m:sSupPr>
+                        <m:e>
+                          <m:r>
+                            <a:rPr lang="pt-BR" i="1">
+                              <a:latin typeface="Cambria Math" panose="02040503050406030204" pitchFamily="18" charset="0"/>
+                            </a:rPr>
+                            <m:t>−</m:t>
+                          </m:r>
+                          <m:f>
+                            <m:fPr>
+                              <m:ctrlPr>
+                                <a:rPr lang="pt-BR" i="1">
+                                  <a:latin typeface="Cambria Math" panose="02040503050406030204" pitchFamily="18" charset="0"/>
+                                </a:rPr>
+                              </m:ctrlPr>
+                            </m:fPr>
+                            <m:num>
+                              <m:r>
+                                <a:rPr lang="pt-BR" i="1">
+                                  <a:latin typeface="Cambria Math" panose="02040503050406030204" pitchFamily="18" charset="0"/>
+                                </a:rPr>
+                                <m:t>1</m:t>
+                              </m:r>
+                            </m:num>
+                            <m:den>
+                              <m:r>
+                                <a:rPr lang="pt-BR" i="1">
+                                  <a:latin typeface="Cambria Math" panose="02040503050406030204" pitchFamily="18" charset="0"/>
+                                </a:rPr>
+                                <m:t>𝑁</m:t>
+                              </m:r>
+                            </m:den>
+                          </m:f>
+                          <m:r>
+                            <a:rPr lang="pt-BR" b="1" i="1">
+                              <a:latin typeface="Cambria Math" panose="02040503050406030204" pitchFamily="18" charset="0"/>
+                            </a:rPr>
+                            <m:t>𝑿</m:t>
+                          </m:r>
+                        </m:e>
+                        <m:sup>
+                          <m:r>
+                            <a:rPr lang="pt-BR" i="1">
+                              <a:latin typeface="Cambria Math" panose="02040503050406030204" pitchFamily="18" charset="0"/>
+                            </a:rPr>
+                            <m:t>𝑇</m:t>
+                          </m:r>
+                        </m:sup>
+                      </m:sSup>
+                      <m:d>
+                        <m:dPr>
+                          <m:ctrlPr>
+                            <a:rPr lang="pt-BR" i="1">
+                              <a:latin typeface="Cambria Math" panose="02040503050406030204" pitchFamily="18" charset="0"/>
+                            </a:rPr>
+                          </m:ctrlPr>
+                        </m:dPr>
+                        <m:e>
+                          <m:r>
+                            <a:rPr lang="pt-BR" b="1" i="1">
+                              <a:latin typeface="Cambria Math" panose="02040503050406030204" pitchFamily="18" charset="0"/>
+                            </a:rPr>
+                            <m:t>𝒚</m:t>
+                          </m:r>
+                          <m:r>
+                            <a:rPr lang="pt-BR" i="1">
+                              <a:latin typeface="Cambria Math" panose="02040503050406030204" pitchFamily="18" charset="0"/>
+                            </a:rPr>
+                            <m:t>−</m:t>
+                          </m:r>
+                          <m:acc>
+                            <m:accPr>
+                              <m:chr m:val="̂"/>
+                              <m:ctrlPr>
+                                <a:rPr lang="pt-BR" i="1">
+                                  <a:latin typeface="Cambria Math" panose="02040503050406030204" pitchFamily="18" charset="0"/>
+                                </a:rPr>
+                              </m:ctrlPr>
+                            </m:accPr>
+                            <m:e>
+                              <m:r>
+                                <a:rPr lang="pt-BR" b="1" i="1">
+                                  <a:latin typeface="Cambria Math" panose="02040503050406030204" pitchFamily="18" charset="0"/>
+                                </a:rPr>
+                                <m:t>𝒚</m:t>
+                              </m:r>
+                            </m:e>
+                          </m:acc>
+                        </m:e>
+                      </m:d>
+                      <m:r>
+                        <a:rPr lang="pt-BR" i="1">
+                          <a:latin typeface="Cambria Math" panose="02040503050406030204" pitchFamily="18" charset="0"/>
+                        </a:rPr>
+                        <m:t>,</m:t>
+                      </m:r>
+                    </m:oMath>
+                  </m:oMathPara>
+                </a14:m>
+                <a:endParaRPr lang="pt-BR" dirty="0"/>
+              </a:p>
+              <a:p>
+                <a:pPr marL="0" indent="0">
+                  <a:buNone/>
+                </a:pPr>
+                <a:r>
+                  <a:rPr lang="pt-BR" dirty="0"/>
+                  <a:t>o</a:t>
+                </a:r>
+                <a:r>
+                  <a:rPr lang="pt-BR" dirty="0"/>
+                  <a:t>nde </a:t>
+                </a:r>
+                <a14:m>
+                  <m:oMath xmlns:m="http://schemas.openxmlformats.org/officeDocument/2006/math">
+                    <m:r>
+                      <a:rPr lang="pt-BR" b="1" i="1">
+                        <a:latin typeface="Cambria Math" panose="02040503050406030204" pitchFamily="18" charset="0"/>
+                      </a:rPr>
+                      <m:t>𝑿</m:t>
+                    </m:r>
+                    <m:r>
+                      <a:rPr lang="pt-BR" b="1" i="1">
+                        <a:latin typeface="Cambria Math" panose="02040503050406030204" pitchFamily="18" charset="0"/>
+                      </a:rPr>
+                      <m:t>=</m:t>
+                    </m:r>
+                    <m:d>
+                      <m:dPr>
+                        <m:begChr m:val="["/>
+                        <m:endChr m:val="]"/>
+                        <m:ctrlPr>
+                          <a:rPr lang="pt-BR" b="1" i="1">
+                            <a:latin typeface="Cambria Math" panose="02040503050406030204" pitchFamily="18" charset="0"/>
+                          </a:rPr>
+                        </m:ctrlPr>
+                      </m:dPr>
+                      <m:e>
+                        <m:sSub>
+                          <m:sSubPr>
+                            <m:ctrlPr>
+                              <a:rPr lang="en-US" i="1">
+                                <a:latin typeface="Cambria Math" panose="02040503050406030204" pitchFamily="18" charset="0"/>
+                              </a:rPr>
+                            </m:ctrlPr>
+                          </m:sSubPr>
+                          <m:e>
+                            <m:r>
+                              <a:rPr lang="en-US" b="1" i="1">
+                                <a:latin typeface="Cambria Math" panose="02040503050406030204" pitchFamily="18" charset="0"/>
+                              </a:rPr>
+                              <m:t>𝒙</m:t>
+                            </m:r>
+                          </m:e>
+                          <m:sub>
+                            <m:r>
+                              <a:rPr lang="pt-BR" i="1">
+                                <a:latin typeface="Cambria Math" panose="02040503050406030204" pitchFamily="18" charset="0"/>
+                              </a:rPr>
+                              <m:t>0</m:t>
+                            </m:r>
+                          </m:sub>
+                        </m:sSub>
+                        <m:r>
+                          <a:rPr lang="pt-BR" b="1" i="1" smtClean="0">
+                            <a:latin typeface="Cambria Math" panose="02040503050406030204" pitchFamily="18" charset="0"/>
+                          </a:rPr>
+                          <m:t>,</m:t>
+                        </m:r>
+                        <m:sSubSup>
+                          <m:sSubSupPr>
+                            <m:ctrlPr>
+                              <a:rPr lang="pt-BR" i="1">
+                                <a:latin typeface="Cambria Math" panose="02040503050406030204" pitchFamily="18" charset="0"/>
+                              </a:rPr>
+                            </m:ctrlPr>
+                          </m:sSubSupPr>
+                          <m:e>
+                            <m:r>
+                              <a:rPr lang="pt-BR" b="1" i="1">
+                                <a:latin typeface="Cambria Math" panose="02040503050406030204" pitchFamily="18" charset="0"/>
+                              </a:rPr>
+                              <m:t>𝒙</m:t>
+                            </m:r>
+                          </m:e>
+                          <m:sub>
+                            <m:r>
+                              <a:rPr lang="pt-BR" i="1">
+                                <a:latin typeface="Cambria Math" panose="02040503050406030204" pitchFamily="18" charset="0"/>
+                              </a:rPr>
+                              <m:t>1</m:t>
+                            </m:r>
+                          </m:sub>
+                          <m:sup>
+                            <m:r>
+                              <a:rPr lang="pt-BR" i="1">
+                                <a:latin typeface="Cambria Math" panose="02040503050406030204" pitchFamily="18" charset="0"/>
+                              </a:rPr>
+                              <m:t>2</m:t>
+                            </m:r>
+                          </m:sup>
+                        </m:sSubSup>
+                        <m:r>
+                          <a:rPr lang="pt-BR" b="1" i="1" smtClean="0">
+                            <a:latin typeface="Cambria Math" panose="02040503050406030204" pitchFamily="18" charset="0"/>
+                          </a:rPr>
+                          <m:t>,</m:t>
+                        </m:r>
+                        <m:sSubSup>
+                          <m:sSubSupPr>
+                            <m:ctrlPr>
+                              <a:rPr lang="pt-BR" i="1">
+                                <a:latin typeface="Cambria Math" panose="02040503050406030204" pitchFamily="18" charset="0"/>
+                              </a:rPr>
+                            </m:ctrlPr>
+                          </m:sSubSupPr>
+                          <m:e>
+                            <m:r>
+                              <a:rPr lang="pt-BR" b="1" i="1">
+                                <a:latin typeface="Cambria Math" panose="02040503050406030204" pitchFamily="18" charset="0"/>
+                              </a:rPr>
+                              <m:t>𝒙</m:t>
+                            </m:r>
+                          </m:e>
+                          <m:sub>
+                            <m:r>
+                              <a:rPr lang="pt-BR" b="0" i="1" smtClean="0">
+                                <a:latin typeface="Cambria Math" panose="02040503050406030204" pitchFamily="18" charset="0"/>
+                              </a:rPr>
+                              <m:t>2</m:t>
+                            </m:r>
+                          </m:sub>
+                          <m:sup>
+                            <m:r>
+                              <a:rPr lang="pt-BR" b="0" i="1">
+                                <a:latin typeface="Cambria Math" panose="02040503050406030204" pitchFamily="18" charset="0"/>
+                              </a:rPr>
+                              <m:t>2</m:t>
+                            </m:r>
+                          </m:sup>
+                        </m:sSubSup>
+                      </m:e>
+                    </m:d>
+                  </m:oMath>
+                </a14:m>
+                <a:r>
+                  <a:rPr lang="pt-BR" dirty="0"/>
+                  <a:t> </a:t>
+                </a:r>
+                <a14:m>
+                  <m:oMath xmlns:m="http://schemas.openxmlformats.org/officeDocument/2006/math">
+                    <m:r>
+                      <a:rPr lang="pt-BR">
+                        <a:latin typeface="Cambria Math" panose="02040503050406030204" pitchFamily="18" charset="0"/>
+                      </a:rPr>
+                      <m:t>∈</m:t>
+                    </m:r>
+                    <m:sSup>
+                      <m:sSupPr>
+                        <m:ctrlPr>
+                          <a:rPr lang="pt-BR" i="1">
+                            <a:latin typeface="Cambria Math" panose="02040503050406030204" pitchFamily="18" charset="0"/>
+                          </a:rPr>
+                        </m:ctrlPr>
+                      </m:sSupPr>
+                      <m:e>
+                        <m:r>
+                          <a:rPr lang="pt-BR">
+                            <a:latin typeface="Cambria Math" panose="02040503050406030204" pitchFamily="18" charset="0"/>
+                          </a:rPr>
+                          <m:t>ℝ</m:t>
+                        </m:r>
+                      </m:e>
+                      <m:sup>
+                        <m:r>
+                          <m:rPr>
+                            <m:sty m:val="p"/>
+                          </m:rPr>
+                          <a:rPr lang="pt-BR">
+                            <a:latin typeface="Cambria Math" panose="02040503050406030204" pitchFamily="18" charset="0"/>
+                          </a:rPr>
+                          <m:t>N</m:t>
+                        </m:r>
+                        <m:r>
+                          <a:rPr lang="pt-BR">
+                            <a:latin typeface="Cambria Math" panose="02040503050406030204" pitchFamily="18" charset="0"/>
+                          </a:rPr>
+                          <m:t>×</m:t>
+                        </m:r>
+                        <m:r>
+                          <m:rPr>
+                            <m:sty m:val="p"/>
+                          </m:rPr>
+                          <a:rPr lang="pt-BR">
+                            <a:latin typeface="Cambria Math" panose="02040503050406030204" pitchFamily="18" charset="0"/>
+                          </a:rPr>
+                          <m:t>K</m:t>
+                        </m:r>
+                        <m:r>
+                          <a:rPr lang="pt-BR">
+                            <a:latin typeface="Cambria Math" panose="02040503050406030204" pitchFamily="18" charset="0"/>
+                          </a:rPr>
+                          <m:t>+1</m:t>
+                        </m:r>
+                      </m:sup>
+                    </m:sSup>
+                  </m:oMath>
+                </a14:m>
+                <a:r>
+                  <a:rPr lang="pt-BR" dirty="0"/>
+                  <a:t>, </a:t>
+                </a:r>
+                <a14:m>
+                  <m:oMath xmlns:m="http://schemas.openxmlformats.org/officeDocument/2006/math">
+                    <m:sSub>
+                      <m:sSubPr>
+                        <m:ctrlPr>
+                          <a:rPr lang="en-US" i="1">
+                            <a:latin typeface="Cambria Math" panose="02040503050406030204" pitchFamily="18" charset="0"/>
+                          </a:rPr>
+                        </m:ctrlPr>
+                      </m:sSubPr>
+                      <m:e>
+                        <m:r>
+                          <a:rPr lang="en-US" b="1" i="1">
+                            <a:latin typeface="Cambria Math" panose="02040503050406030204" pitchFamily="18" charset="0"/>
+                          </a:rPr>
+                          <m:t>𝒙</m:t>
+                        </m:r>
+                      </m:e>
+                      <m:sub>
+                        <m:r>
+                          <a:rPr lang="pt-BR" i="1">
+                            <a:latin typeface="Cambria Math" panose="02040503050406030204" pitchFamily="18" charset="0"/>
+                          </a:rPr>
+                          <m:t>0</m:t>
+                        </m:r>
+                      </m:sub>
+                    </m:sSub>
+                    <m:r>
+                      <a:rPr lang="pt-BR" b="1" i="1">
+                        <a:latin typeface="Cambria Math" panose="02040503050406030204" pitchFamily="18" charset="0"/>
+                      </a:rPr>
+                      <m:t>,</m:t>
+                    </m:r>
+                    <m:sSubSup>
+                      <m:sSubSupPr>
+                        <m:ctrlPr>
+                          <a:rPr lang="pt-BR" i="1">
+                            <a:latin typeface="Cambria Math" panose="02040503050406030204" pitchFamily="18" charset="0"/>
+                          </a:rPr>
+                        </m:ctrlPr>
+                      </m:sSubSupPr>
+                      <m:e>
+                        <m:r>
+                          <a:rPr lang="pt-BR" b="1" i="1">
+                            <a:latin typeface="Cambria Math" panose="02040503050406030204" pitchFamily="18" charset="0"/>
+                          </a:rPr>
+                          <m:t>𝒙</m:t>
+                        </m:r>
+                      </m:e>
+                      <m:sub>
+                        <m:r>
+                          <a:rPr lang="pt-BR" i="1">
+                            <a:latin typeface="Cambria Math" panose="02040503050406030204" pitchFamily="18" charset="0"/>
+                          </a:rPr>
+                          <m:t>1</m:t>
+                        </m:r>
+                      </m:sub>
+                      <m:sup>
+                        <m:r>
+                          <a:rPr lang="pt-BR" i="1">
+                            <a:latin typeface="Cambria Math" panose="02040503050406030204" pitchFamily="18" charset="0"/>
+                          </a:rPr>
+                          <m:t>2</m:t>
+                        </m:r>
+                      </m:sup>
+                    </m:sSubSup>
+                    <m:r>
+                      <a:rPr lang="pt-BR" b="1" i="1">
+                        <a:latin typeface="Cambria Math" panose="02040503050406030204" pitchFamily="18" charset="0"/>
+                      </a:rPr>
+                      <m:t>,</m:t>
+                    </m:r>
+                    <m:r>
+                      <a:rPr lang="pt-BR" b="0" i="0" smtClean="0">
+                        <a:latin typeface="Cambria Math" panose="02040503050406030204" pitchFamily="18" charset="0"/>
+                      </a:rPr>
+                      <m:t> </m:t>
+                    </m:r>
+                    <m:r>
+                      <m:rPr>
+                        <m:sty m:val="p"/>
+                      </m:rPr>
+                      <a:rPr lang="pt-BR" b="0" i="0" smtClean="0">
+                        <a:latin typeface="Cambria Math" panose="02040503050406030204" pitchFamily="18" charset="0"/>
+                      </a:rPr>
+                      <m:t>e</m:t>
+                    </m:r>
+                    <m:r>
+                      <a:rPr lang="pt-BR" b="0" i="0" smtClean="0">
+                        <a:latin typeface="Cambria Math" panose="02040503050406030204" pitchFamily="18" charset="0"/>
+                      </a:rPr>
+                      <m:t> </m:t>
+                    </m:r>
+                    <m:sSubSup>
+                      <m:sSubSupPr>
+                        <m:ctrlPr>
+                          <a:rPr lang="pt-BR" i="1">
+                            <a:latin typeface="Cambria Math" panose="02040503050406030204" pitchFamily="18" charset="0"/>
+                          </a:rPr>
+                        </m:ctrlPr>
+                      </m:sSubSupPr>
+                      <m:e>
+                        <m:r>
+                          <a:rPr lang="pt-BR" b="1" i="1">
+                            <a:latin typeface="Cambria Math" panose="02040503050406030204" pitchFamily="18" charset="0"/>
+                          </a:rPr>
+                          <m:t>𝒙</m:t>
+                        </m:r>
+                      </m:e>
+                      <m:sub>
+                        <m:r>
+                          <a:rPr lang="pt-BR" i="1">
+                            <a:latin typeface="Cambria Math" panose="02040503050406030204" pitchFamily="18" charset="0"/>
+                          </a:rPr>
+                          <m:t>2</m:t>
+                        </m:r>
+                      </m:sub>
+                      <m:sup>
+                        <m:r>
+                          <a:rPr lang="pt-BR" i="1">
+                            <a:latin typeface="Cambria Math" panose="02040503050406030204" pitchFamily="18" charset="0"/>
+                          </a:rPr>
+                          <m:t>2</m:t>
+                        </m:r>
+                      </m:sup>
+                    </m:sSubSup>
+                    <m:r>
+                      <a:rPr lang="pt-BR">
+                        <a:latin typeface="Cambria Math" panose="02040503050406030204" pitchFamily="18" charset="0"/>
+                      </a:rPr>
+                      <m:t>∈</m:t>
+                    </m:r>
+                    <m:sSup>
+                      <m:sSupPr>
+                        <m:ctrlPr>
+                          <a:rPr lang="pt-BR" i="1">
+                            <a:latin typeface="Cambria Math" panose="02040503050406030204" pitchFamily="18" charset="0"/>
+                          </a:rPr>
+                        </m:ctrlPr>
+                      </m:sSupPr>
+                      <m:e>
+                        <m:r>
+                          <a:rPr lang="pt-BR">
+                            <a:latin typeface="Cambria Math" panose="02040503050406030204" pitchFamily="18" charset="0"/>
+                          </a:rPr>
+                          <m:t>ℝ</m:t>
+                        </m:r>
+                      </m:e>
+                      <m:sup>
+                        <m:r>
+                          <m:rPr>
+                            <m:sty m:val="p"/>
+                          </m:rPr>
+                          <a:rPr lang="pt-BR">
+                            <a:latin typeface="Cambria Math" panose="02040503050406030204" pitchFamily="18" charset="0"/>
+                          </a:rPr>
+                          <m:t>N</m:t>
+                        </m:r>
+                        <m:r>
+                          <a:rPr lang="pt-BR">
+                            <a:latin typeface="Cambria Math" panose="02040503050406030204" pitchFamily="18" charset="0"/>
+                          </a:rPr>
+                          <m:t>×1</m:t>
+                        </m:r>
+                      </m:sup>
+                    </m:sSup>
+                  </m:oMath>
+                </a14:m>
+                <a:r>
+                  <a:rPr lang="pt-BR" dirty="0"/>
+                  <a:t> e </a:t>
+                </a:r>
+                <a14:m>
+                  <m:oMath xmlns:m="http://schemas.openxmlformats.org/officeDocument/2006/math">
+                    <m:r>
+                      <a:rPr lang="pt-BR">
+                        <a:latin typeface="Cambria Math" panose="02040503050406030204" pitchFamily="18" charset="0"/>
+                      </a:rPr>
+                      <m:t>𝒚</m:t>
+                    </m:r>
+                  </m:oMath>
+                </a14:m>
+                <a:r>
+                  <a:rPr lang="pt-BR" dirty="0"/>
+                  <a:t> e </a:t>
+                </a:r>
+                <a14:m>
+                  <m:oMath xmlns:m="http://schemas.openxmlformats.org/officeDocument/2006/math">
+                    <m:acc>
+                      <m:accPr>
+                        <m:chr m:val="̂"/>
+                        <m:ctrlPr>
+                          <a:rPr lang="pt-BR" i="1">
+                            <a:latin typeface="Cambria Math" panose="02040503050406030204" pitchFamily="18" charset="0"/>
+                          </a:rPr>
+                        </m:ctrlPr>
+                      </m:accPr>
+                      <m:e>
+                        <m:r>
+                          <a:rPr lang="pt-BR">
+                            <a:latin typeface="Cambria Math" panose="02040503050406030204" pitchFamily="18" charset="0"/>
+                          </a:rPr>
+                          <m:t>𝒚</m:t>
+                        </m:r>
+                      </m:e>
+                    </m:acc>
+                  </m:oMath>
+                </a14:m>
+                <a:r>
+                  <a:rPr lang="pt-BR" dirty="0"/>
+                  <a:t>  </a:t>
+                </a:r>
+                <a14:m>
+                  <m:oMath xmlns:m="http://schemas.openxmlformats.org/officeDocument/2006/math">
+                    <m:r>
+                      <a:rPr lang="pt-BR">
+                        <a:latin typeface="Cambria Math" panose="02040503050406030204" pitchFamily="18" charset="0"/>
+                      </a:rPr>
+                      <m:t>∈</m:t>
+                    </m:r>
+                    <m:sSup>
+                      <m:sSupPr>
+                        <m:ctrlPr>
+                          <a:rPr lang="pt-BR" i="1">
+                            <a:latin typeface="Cambria Math" panose="02040503050406030204" pitchFamily="18" charset="0"/>
+                          </a:rPr>
+                        </m:ctrlPr>
+                      </m:sSupPr>
+                      <m:e>
+                        <m:r>
+                          <a:rPr lang="pt-BR">
+                            <a:latin typeface="Cambria Math" panose="02040503050406030204" pitchFamily="18" charset="0"/>
+                          </a:rPr>
+                          <m:t>ℝ</m:t>
+                        </m:r>
+                      </m:e>
+                      <m:sup>
+                        <m:r>
+                          <m:rPr>
+                            <m:sty m:val="p"/>
+                          </m:rPr>
+                          <a:rPr lang="pt-BR">
+                            <a:latin typeface="Cambria Math" panose="02040503050406030204" pitchFamily="18" charset="0"/>
+                          </a:rPr>
+                          <m:t>N</m:t>
+                        </m:r>
+                        <m:r>
+                          <a:rPr lang="pt-BR">
+                            <a:latin typeface="Cambria Math" panose="02040503050406030204" pitchFamily="18" charset="0"/>
+                          </a:rPr>
+                          <m:t>×</m:t>
+                        </m:r>
+                        <m:r>
+                          <a:rPr lang="pt-BR">
+                            <a:latin typeface="Cambria Math" panose="02040503050406030204" pitchFamily="18" charset="0"/>
+                          </a:rPr>
+                          <m:t>𝟏</m:t>
+                        </m:r>
+                      </m:sup>
+                    </m:sSup>
+                  </m:oMath>
+                </a14:m>
+                <a:r>
+                  <a:rPr lang="pt-BR" dirty="0"/>
+                  <a:t>. </a:t>
+                </a:r>
+                <a:endParaRPr lang="pt-BR" dirty="0"/>
+              </a:p>
+            </p:txBody>
+          </p:sp>
+        </mc:Choice>
+        <mc:Fallback>
+          <p:sp>
+            <p:nvSpPr>
+              <p:cNvPr id="3" name="Content Placeholder 2"/>
+              <p:cNvSpPr>
+                <a:spLocks noGrp="1" noRot="1" noChangeAspect="1" noMove="1" noResize="1" noEditPoints="1" noAdjustHandles="1" noChangeArrowheads="1" noChangeShapeType="1" noTextEdit="1"/>
+              </p:cNvSpPr>
+              <p:nvPr>
+                <p:ph idx="1"/>
+              </p:nvPr>
+            </p:nvSpPr>
+            <p:spPr>
+              <a:xfrm>
+                <a:off x="838199" y="1825624"/>
+                <a:ext cx="11136087" cy="4821919"/>
+              </a:xfrm>
+              <a:blipFill rotWithShape="0">
+                <a:blip r:embed="rId2"/>
+                <a:stretch>
+                  <a:fillRect l="-1095" t="-2781" b="-1391"/>
+                </a:stretch>
+              </a:blipFill>
+            </p:spPr>
+            <p:txBody>
+              <a:bodyPr/>
+              <a:lstStyle/>
+              <a:p>
+                <a:r>
+                  <a:rPr lang="pt-BR">
+                    <a:noFill/>
+                  </a:rPr>
+                  <a:t> </a:t>
+                </a:r>
+              </a:p>
+            </p:txBody>
+          </p:sp>
+        </mc:Fallback>
+      </mc:AlternateContent>
+    </p:spTree>
+    <p:extLst>
+      <p:ext uri="{BB962C8B-B14F-4D97-AF65-F5344CB8AC3E}">
+        <p14:creationId xmlns:p14="http://schemas.microsoft.com/office/powerpoint/2010/main" val="1242690790"/>
+      </p:ext>
+    </p:extLst>
+  </p:cSld>
+  <p:clrMapOvr>
+    <a:masterClrMapping/>
+  </p:clrMapOvr>
+</p:sld>
+</file>
+
+<file path=ppt/slides/slide18.xml><?xml version="1.0" encoding="utf-8"?>
+<p:sld xmlns:a="http://schemas.openxmlformats.org/drawingml/2006/main" xmlns:r="http://schemas.openxmlformats.org/officeDocument/2006/relationships" xmlns:p="http://schemas.openxmlformats.org/presentationml/2006/main">
+  <p:cSld>
+    <p:spTree>
+      <p:nvGrpSpPr>
+        <p:cNvPr id="1" name=""/>
+        <p:cNvGrpSpPr/>
+        <p:nvPr/>
+      </p:nvGrpSpPr>
+      <p:grpSpPr>
+        <a:xfrm>
+          <a:off x="0" y="0"/>
+          <a:ext cx="0" cy="0"/>
+          <a:chOff x="0" y="0"/>
+          <a:chExt cx="0" cy="0"/>
+        </a:xfrm>
+      </p:grpSpPr>
+      <p:sp>
+        <p:nvSpPr>
+          <p:cNvPr id="2" name="Title 1"/>
+          <p:cNvSpPr>
+            <a:spLocks noGrp="1"/>
+          </p:cNvSpPr>
+          <p:nvPr>
+            <p:ph type="title"/>
+          </p:nvPr>
+        </p:nvSpPr>
+        <p:spPr/>
+        <p:txBody>
+          <a:bodyPr/>
+          <a:lstStyle/>
+          <a:p>
+            <a:r>
+              <a:rPr lang="pt-BR" dirty="0"/>
+              <a:t>Recapitulando</a:t>
+            </a:r>
+          </a:p>
+        </p:txBody>
+      </p:sp>
+      <mc:AlternateContent xmlns:mc="http://schemas.openxmlformats.org/markup-compatibility/2006">
+        <mc:Choice xmlns:a14="http://schemas.microsoft.com/office/drawing/2010/main" Requires="a14">
+          <p:sp>
+            <p:nvSpPr>
+              <p:cNvPr id="3" name="Content Placeholder 2"/>
+              <p:cNvSpPr>
+                <a:spLocks noGrp="1"/>
+              </p:cNvSpPr>
+              <p:nvPr>
+                <p:ph idx="1"/>
+              </p:nvPr>
+            </p:nvSpPr>
+            <p:spPr>
+              <a:xfrm>
+                <a:off x="838199" y="1825624"/>
+                <a:ext cx="10831287" cy="4821919"/>
+              </a:xfrm>
+            </p:spPr>
+            <p:txBody>
+              <a:bodyPr>
+                <a:normAutofit/>
+              </a:bodyPr>
+              <a:lstStyle/>
+              <a:p>
+                <a:r>
+                  <a:rPr lang="pt-BR" dirty="0" smtClean="0"/>
+                  <a:t>O </a:t>
+                </a:r>
+                <a:r>
+                  <a:rPr lang="pt-BR" b="1" i="1" dirty="0"/>
+                  <a:t>vetor gradiente </a:t>
+                </a:r>
+                <a:r>
+                  <a:rPr lang="pt-BR" dirty="0"/>
+                  <a:t>da</a:t>
+                </a:r>
+                <a:r>
+                  <a:rPr lang="pt-BR" b="1" i="1" dirty="0"/>
+                  <a:t> função de erro </a:t>
+                </a:r>
+                <a:r>
+                  <a:rPr lang="pt-BR" b="1" i="1" dirty="0"/>
+                  <a:t>médio</a:t>
+                </a:r>
+                <a:r>
+                  <a:rPr lang="pt-BR" dirty="0"/>
+                  <a:t> quando</a:t>
+                </a:r>
+                <a:r>
+                  <a:rPr lang="pt-BR" b="1" i="1" dirty="0"/>
+                  <a:t> </a:t>
+                </a:r>
+                <a14:m>
+                  <m:oMath xmlns:m="http://schemas.openxmlformats.org/officeDocument/2006/math">
+                    <m:r>
+                      <a:rPr lang="pt-BR" i="1">
+                        <a:latin typeface="Cambria Math" panose="02040503050406030204" pitchFamily="18" charset="0"/>
+                      </a:rPr>
+                      <m:t>𝑔</m:t>
+                    </m:r>
+                    <m:d>
+                      <m:dPr>
+                        <m:ctrlPr>
+                          <a:rPr lang="pt-BR" i="1">
+                            <a:latin typeface="Cambria Math" panose="02040503050406030204" pitchFamily="18" charset="0"/>
+                          </a:rPr>
+                        </m:ctrlPr>
+                      </m:dPr>
+                      <m:e>
+                        <m:r>
+                          <a:rPr lang="pt-BR" b="1" i="1">
+                            <a:latin typeface="Cambria Math" panose="02040503050406030204" pitchFamily="18" charset="0"/>
+                          </a:rPr>
+                          <m:t>𝒙</m:t>
+                        </m:r>
+                      </m:e>
+                    </m:d>
+                    <m:r>
+                      <a:rPr lang="pt-BR" b="1" i="1">
+                        <a:latin typeface="Cambria Math" panose="02040503050406030204" pitchFamily="18" charset="0"/>
+                      </a:rPr>
+                      <m:t>=</m:t>
+                    </m:r>
+                    <m:sSub>
+                      <m:sSubPr>
+                        <m:ctrlPr>
+                          <a:rPr lang="pt-BR" i="1" smtClean="0">
+                            <a:latin typeface="Cambria Math" panose="02040503050406030204" pitchFamily="18" charset="0"/>
+                          </a:rPr>
+                        </m:ctrlPr>
+                      </m:sSubPr>
+                      <m:e>
+                        <m:r>
+                          <a:rPr lang="pt-BR" b="0" i="1" smtClean="0">
+                            <a:latin typeface="Cambria Math" panose="02040503050406030204" pitchFamily="18" charset="0"/>
+                          </a:rPr>
+                          <m:t>𝑎</m:t>
+                        </m:r>
+                      </m:e>
+                      <m:sub>
+                        <m:r>
+                          <a:rPr lang="pt-BR" b="0" i="1" smtClean="0">
+                            <a:latin typeface="Cambria Math" panose="02040503050406030204" pitchFamily="18" charset="0"/>
+                          </a:rPr>
+                          <m:t>0</m:t>
+                        </m:r>
+                      </m:sub>
+                    </m:sSub>
+                    <m:r>
+                      <a:rPr lang="pt-BR" b="0" i="1" smtClean="0">
+                        <a:latin typeface="Cambria Math" panose="02040503050406030204" pitchFamily="18" charset="0"/>
+                      </a:rPr>
+                      <m:t>+</m:t>
+                    </m:r>
+                    <m:sSub>
+                      <m:sSubPr>
+                        <m:ctrlPr>
+                          <a:rPr lang="pt-BR" i="1">
+                            <a:latin typeface="Cambria Math" panose="02040503050406030204" pitchFamily="18" charset="0"/>
+                          </a:rPr>
+                        </m:ctrlPr>
+                      </m:sSubPr>
+                      <m:e>
+                        <m:r>
+                          <a:rPr lang="pt-BR" i="1">
+                            <a:latin typeface="Cambria Math" panose="02040503050406030204" pitchFamily="18" charset="0"/>
+                          </a:rPr>
+                          <m:t>𝑎</m:t>
+                        </m:r>
+                      </m:e>
+                      <m:sub>
+                        <m:r>
+                          <a:rPr lang="pt-BR" b="0" i="1" smtClean="0">
+                            <a:latin typeface="Cambria Math" panose="02040503050406030204" pitchFamily="18" charset="0"/>
+                          </a:rPr>
+                          <m:t>1</m:t>
+                        </m:r>
+                      </m:sub>
+                    </m:sSub>
+                    <m:sSub>
+                      <m:sSubPr>
+                        <m:ctrlPr>
+                          <a:rPr lang="pt-BR" i="1" smtClean="0">
+                            <a:latin typeface="Cambria Math" panose="02040503050406030204" pitchFamily="18" charset="0"/>
+                          </a:rPr>
+                        </m:ctrlPr>
+                      </m:sSubPr>
+                      <m:e>
+                        <m:r>
+                          <a:rPr lang="pt-BR" b="0" i="1" smtClean="0">
+                            <a:latin typeface="Cambria Math" panose="02040503050406030204" pitchFamily="18" charset="0"/>
+                          </a:rPr>
+                          <m:t>𝑥</m:t>
+                        </m:r>
+                      </m:e>
+                      <m:sub>
+                        <m:r>
+                          <a:rPr lang="pt-BR" b="0" i="1" smtClean="0">
+                            <a:latin typeface="Cambria Math" panose="02040503050406030204" pitchFamily="18" charset="0"/>
+                          </a:rPr>
+                          <m:t>1</m:t>
+                        </m:r>
+                      </m:sub>
+                    </m:sSub>
+                    <m:r>
+                      <a:rPr lang="pt-BR" b="0" i="1" smtClean="0">
+                        <a:latin typeface="Cambria Math" panose="02040503050406030204" pitchFamily="18" charset="0"/>
+                      </a:rPr>
+                      <m:t>∗</m:t>
+                    </m:r>
+                    <m:sSub>
+                      <m:sSubPr>
+                        <m:ctrlPr>
+                          <a:rPr lang="pt-BR" i="1">
+                            <a:latin typeface="Cambria Math" panose="02040503050406030204" pitchFamily="18" charset="0"/>
+                          </a:rPr>
+                        </m:ctrlPr>
+                      </m:sSubPr>
+                      <m:e>
+                        <m:r>
+                          <a:rPr lang="pt-BR" i="1">
+                            <a:latin typeface="Cambria Math" panose="02040503050406030204" pitchFamily="18" charset="0"/>
+                          </a:rPr>
+                          <m:t>𝑥</m:t>
+                        </m:r>
+                      </m:e>
+                      <m:sub>
+                        <m:r>
+                          <a:rPr lang="pt-BR" b="0" i="1" smtClean="0">
+                            <a:latin typeface="Cambria Math" panose="02040503050406030204" pitchFamily="18" charset="0"/>
+                          </a:rPr>
+                          <m:t>2</m:t>
+                        </m:r>
+                      </m:sub>
+                    </m:sSub>
+                  </m:oMath>
+                </a14:m>
+                <a:r>
+                  <a:rPr lang="pt-BR" dirty="0" smtClean="0">
+                    <a:latin typeface="Cambria Math" panose="02040503050406030204" pitchFamily="18" charset="0"/>
+                  </a:rPr>
+                  <a:t> (</a:t>
+                </a:r>
+                <a:r>
+                  <a:rPr lang="pt-BR" dirty="0">
+                    <a:latin typeface="Cambria Math" panose="02040503050406030204" pitchFamily="18" charset="0"/>
+                  </a:rPr>
+                  <a:t>equação de </a:t>
+                </a:r>
+                <a:r>
+                  <a:rPr lang="pt-BR" dirty="0" smtClean="0">
+                    <a:latin typeface="Cambria Math" panose="02040503050406030204" pitchFamily="18" charset="0"/>
+                  </a:rPr>
+                  <a:t>uma </a:t>
+                </a:r>
+                <a:r>
+                  <a:rPr lang="pt-BR" dirty="0"/>
+                  <a:t>hipérbole retangular</a:t>
+                </a:r>
+                <a:r>
+                  <a:rPr lang="pt-BR" dirty="0" smtClean="0">
+                    <a:latin typeface="Cambria Math" panose="02040503050406030204" pitchFamily="18" charset="0"/>
+                  </a:rPr>
+                  <a:t>) </a:t>
+                </a:r>
+                <a:r>
+                  <a:rPr lang="pt-BR" dirty="0">
+                    <a:latin typeface="Cambria Math" panose="02040503050406030204" pitchFamily="18" charset="0"/>
+                  </a:rPr>
+                  <a:t>é dado por</a:t>
+                </a:r>
+              </a:p>
+              <a:p>
+                <a:pPr marL="0" indent="0">
+                  <a:buNone/>
+                </a:pPr>
+                <a14:m>
+                  <m:oMathPara xmlns:m="http://schemas.openxmlformats.org/officeDocument/2006/math">
+                    <m:oMathParaPr>
+                      <m:jc m:val="centerGroup"/>
+                    </m:oMathParaPr>
+                    <m:oMath xmlns:m="http://schemas.openxmlformats.org/officeDocument/2006/math">
+                      <m:f>
+                        <m:fPr>
+                          <m:ctrlPr>
+                            <a:rPr lang="pt-BR" i="1">
+                              <a:latin typeface="Cambria Math" panose="02040503050406030204" pitchFamily="18" charset="0"/>
+                            </a:rPr>
+                          </m:ctrlPr>
+                        </m:fPr>
+                        <m:num>
+                          <m:r>
+                            <a:rPr lang="pt-BR" i="1">
+                              <a:latin typeface="Cambria Math" panose="02040503050406030204" pitchFamily="18" charset="0"/>
+                            </a:rPr>
+                            <m:t>𝜕</m:t>
+                          </m:r>
+                          <m:sSub>
+                            <m:sSubPr>
+                              <m:ctrlPr>
+                                <a:rPr lang="pt-BR" i="1">
+                                  <a:latin typeface="Cambria Math" panose="02040503050406030204" pitchFamily="18" charset="0"/>
+                                </a:rPr>
+                              </m:ctrlPr>
+                            </m:sSubPr>
+                            <m:e>
+                              <m:r>
+                                <a:rPr lang="pt-BR" i="1">
+                                  <a:latin typeface="Cambria Math" panose="02040503050406030204" pitchFamily="18" charset="0"/>
+                                </a:rPr>
+                                <m:t>𝐽</m:t>
+                              </m:r>
+                            </m:e>
+                            <m:sub>
+                              <m:r>
+                                <a:rPr lang="pt-BR" i="1">
+                                  <a:latin typeface="Cambria Math" panose="02040503050406030204" pitchFamily="18" charset="0"/>
+                                </a:rPr>
+                                <m:t>𝑒</m:t>
+                              </m:r>
+                            </m:sub>
+                          </m:sSub>
+                          <m:d>
+                            <m:dPr>
+                              <m:ctrlPr>
+                                <a:rPr lang="pt-BR" i="1">
+                                  <a:latin typeface="Cambria Math" panose="02040503050406030204" pitchFamily="18" charset="0"/>
+                                </a:rPr>
+                              </m:ctrlPr>
+                            </m:dPr>
+                            <m:e>
+                              <m:r>
+                                <a:rPr lang="pt-BR" b="1" i="1">
+                                  <a:latin typeface="Cambria Math" panose="02040503050406030204" pitchFamily="18" charset="0"/>
+                                </a:rPr>
+                                <m:t>𝒂</m:t>
+                              </m:r>
+                            </m:e>
+                          </m:d>
+                        </m:num>
+                        <m:den>
+                          <m:r>
+                            <a:rPr lang="pt-BR" i="1">
+                              <a:latin typeface="Cambria Math" panose="02040503050406030204" pitchFamily="18" charset="0"/>
+                            </a:rPr>
+                            <m:t>𝜕</m:t>
+                          </m:r>
+                          <m:r>
+                            <a:rPr lang="pt-BR" b="1" i="1">
+                              <a:latin typeface="Cambria Math" panose="02040503050406030204" pitchFamily="18" charset="0"/>
+                            </a:rPr>
+                            <m:t>𝒂</m:t>
+                          </m:r>
+                        </m:den>
+                      </m:f>
+                      <m:r>
+                        <a:rPr lang="pt-BR" b="1" i="1">
+                          <a:latin typeface="Cambria Math" panose="02040503050406030204" pitchFamily="18" charset="0"/>
+                        </a:rPr>
+                        <m:t>=</m:t>
+                      </m:r>
+                      <m:r>
+                        <a:rPr lang="pt-BR" i="1">
+                          <a:latin typeface="Cambria Math" panose="02040503050406030204" pitchFamily="18" charset="0"/>
+                        </a:rPr>
+                        <m:t>−</m:t>
+                      </m:r>
+                      <m:f>
+                        <m:fPr>
+                          <m:ctrlPr>
+                            <a:rPr lang="pt-BR" i="1">
+                              <a:latin typeface="Cambria Math" panose="02040503050406030204" pitchFamily="18" charset="0"/>
+                            </a:rPr>
+                          </m:ctrlPr>
+                        </m:fPr>
+                        <m:num>
+                          <m:r>
+                            <a:rPr lang="pt-BR" i="1">
+                              <a:latin typeface="Cambria Math" panose="02040503050406030204" pitchFamily="18" charset="0"/>
+                            </a:rPr>
+                            <m:t>1</m:t>
+                          </m:r>
+                        </m:num>
+                        <m:den>
+                          <m:r>
+                            <a:rPr lang="pt-BR" i="1">
+                              <a:latin typeface="Cambria Math" panose="02040503050406030204" pitchFamily="18" charset="0"/>
+                            </a:rPr>
+                            <m:t>𝑁</m:t>
+                          </m:r>
+                        </m:den>
+                      </m:f>
+                      <m:nary>
+                        <m:naryPr>
+                          <m:chr m:val="∑"/>
+                          <m:ctrlPr>
+                            <a:rPr lang="pt-BR" i="1">
+                              <a:latin typeface="Cambria Math" panose="02040503050406030204" pitchFamily="18" charset="0"/>
+                            </a:rPr>
+                          </m:ctrlPr>
+                        </m:naryPr>
+                        <m:sub>
+                          <m:r>
+                            <m:rPr>
+                              <m:brk m:alnAt="23"/>
+                            </m:rPr>
+                            <a:rPr lang="pt-BR" i="1">
+                              <a:latin typeface="Cambria Math" panose="02040503050406030204" pitchFamily="18" charset="0"/>
+                            </a:rPr>
+                            <m:t>𝑖</m:t>
+                          </m:r>
+                          <m:r>
+                            <a:rPr lang="pt-BR" i="1">
+                              <a:latin typeface="Cambria Math" panose="02040503050406030204" pitchFamily="18" charset="0"/>
+                            </a:rPr>
+                            <m:t>=0</m:t>
+                          </m:r>
+                        </m:sub>
+                        <m:sup>
+                          <m:r>
+                            <a:rPr lang="pt-BR" i="1">
+                              <a:latin typeface="Cambria Math" panose="02040503050406030204" pitchFamily="18" charset="0"/>
+                            </a:rPr>
+                            <m:t>𝑁</m:t>
+                          </m:r>
+                          <m:r>
+                            <a:rPr lang="pt-BR" i="1">
+                              <a:latin typeface="Cambria Math" panose="02040503050406030204" pitchFamily="18" charset="0"/>
+                            </a:rPr>
+                            <m:t>−1</m:t>
+                          </m:r>
+                        </m:sup>
+                        <m:e>
+                          <m:d>
+                            <m:dPr>
+                              <m:begChr m:val="["/>
+                              <m:endChr m:val="]"/>
+                              <m:ctrlPr>
+                                <a:rPr lang="pt-BR" i="1">
+                                  <a:latin typeface="Cambria Math" panose="02040503050406030204" pitchFamily="18" charset="0"/>
+                                </a:rPr>
+                              </m:ctrlPr>
+                            </m:dPr>
+                            <m:e>
+                              <m:r>
+                                <a:rPr lang="pt-BR" i="1">
+                                  <a:latin typeface="Cambria Math" panose="02040503050406030204" pitchFamily="18" charset="0"/>
+                                </a:rPr>
+                                <m:t>𝑦</m:t>
+                              </m:r>
+                              <m:d>
+                                <m:dPr>
+                                  <m:ctrlPr>
+                                    <a:rPr lang="pt-BR" i="1">
+                                      <a:latin typeface="Cambria Math" panose="02040503050406030204" pitchFamily="18" charset="0"/>
+                                    </a:rPr>
+                                  </m:ctrlPr>
+                                </m:dPr>
+                                <m:e>
+                                  <m:r>
+                                    <a:rPr lang="pt-BR" i="1">
+                                      <a:latin typeface="Cambria Math" panose="02040503050406030204" pitchFamily="18" charset="0"/>
+                                    </a:rPr>
+                                    <m:t>𝑖</m:t>
+                                  </m:r>
+                                </m:e>
+                              </m:d>
+                              <m:r>
+                                <a:rPr lang="pt-BR" i="1">
+                                  <a:latin typeface="Cambria Math" panose="02040503050406030204" pitchFamily="18" charset="0"/>
+                                </a:rPr>
+                                <m:t>−</m:t>
+                              </m:r>
+                              <m:sSub>
+                                <m:sSubPr>
+                                  <m:ctrlPr>
+                                    <a:rPr lang="pt-BR" i="1">
+                                      <a:latin typeface="Cambria Math" panose="02040503050406030204" pitchFamily="18" charset="0"/>
+                                    </a:rPr>
+                                  </m:ctrlPr>
+                                </m:sSubPr>
+                                <m:e>
+                                  <m:r>
+                                    <a:rPr lang="pt-BR" i="1">
+                                      <a:latin typeface="Cambria Math" panose="02040503050406030204" pitchFamily="18" charset="0"/>
+                                    </a:rPr>
+                                    <m:t>h</m:t>
+                                  </m:r>
+                                </m:e>
+                                <m:sub>
+                                  <m:r>
+                                    <a:rPr lang="pt-BR" b="1" i="1">
+                                      <a:latin typeface="Cambria Math" panose="02040503050406030204" pitchFamily="18" charset="0"/>
+                                    </a:rPr>
+                                    <m:t>𝒂</m:t>
+                                  </m:r>
+                                </m:sub>
+                              </m:sSub>
+                              <m:d>
+                                <m:dPr>
+                                  <m:ctrlPr>
+                                    <a:rPr lang="pt-BR" i="1">
+                                      <a:latin typeface="Cambria Math" panose="02040503050406030204" pitchFamily="18" charset="0"/>
+                                    </a:rPr>
+                                  </m:ctrlPr>
+                                </m:dPr>
+                                <m:e>
+                                  <m:r>
+                                    <a:rPr lang="pt-BR" b="1" i="1">
+                                      <a:latin typeface="Cambria Math" panose="02040503050406030204" pitchFamily="18" charset="0"/>
+                                    </a:rPr>
+                                    <m:t>𝒙</m:t>
+                                  </m:r>
+                                  <m:d>
+                                    <m:dPr>
+                                      <m:ctrlPr>
+                                        <a:rPr lang="pt-BR" b="1" i="1">
+                                          <a:latin typeface="Cambria Math" panose="02040503050406030204" pitchFamily="18" charset="0"/>
+                                        </a:rPr>
+                                      </m:ctrlPr>
+                                    </m:dPr>
+                                    <m:e>
+                                      <m:r>
+                                        <a:rPr lang="pt-BR" i="1">
+                                          <a:latin typeface="Cambria Math" panose="02040503050406030204" pitchFamily="18" charset="0"/>
+                                        </a:rPr>
+                                        <m:t>𝑖</m:t>
+                                      </m:r>
+                                    </m:e>
+                                  </m:d>
+                                </m:e>
+                              </m:d>
+                            </m:e>
+                          </m:d>
+                          <m:sSup>
+                            <m:sSupPr>
+                              <m:ctrlPr>
+                                <a:rPr lang="pt-BR" i="1">
+                                  <a:latin typeface="Cambria Math" panose="02040503050406030204" pitchFamily="18" charset="0"/>
+                                </a:rPr>
+                              </m:ctrlPr>
+                            </m:sSupPr>
+                            <m:e>
+                              <m:r>
+                                <a:rPr lang="pt-BR" b="1" i="1">
+                                  <a:latin typeface="Cambria Math" panose="02040503050406030204" pitchFamily="18" charset="0"/>
+                                </a:rPr>
+                                <m:t>𝒙</m:t>
+                              </m:r>
+                              <m:d>
+                                <m:dPr>
+                                  <m:ctrlPr>
+                                    <a:rPr lang="pt-BR" b="1" i="1">
+                                      <a:latin typeface="Cambria Math" panose="02040503050406030204" pitchFamily="18" charset="0"/>
+                                    </a:rPr>
+                                  </m:ctrlPr>
+                                </m:dPr>
+                                <m:e>
+                                  <m:r>
+                                    <a:rPr lang="pt-BR" i="1">
+                                      <a:latin typeface="Cambria Math" panose="02040503050406030204" pitchFamily="18" charset="0"/>
+                                    </a:rPr>
+                                    <m:t>𝑖</m:t>
+                                  </m:r>
+                                </m:e>
+                              </m:d>
+                            </m:e>
+                            <m:sup>
+                              <m:r>
+                                <a:rPr lang="pt-BR" i="1">
+                                  <a:latin typeface="Cambria Math" panose="02040503050406030204" pitchFamily="18" charset="0"/>
+                                </a:rPr>
+                                <m:t>𝑇</m:t>
+                              </m:r>
+                            </m:sup>
+                          </m:sSup>
+                        </m:e>
+                      </m:nary>
+                      <m:r>
+                        <a:rPr lang="pt-BR" i="1">
+                          <a:latin typeface="Cambria Math" panose="02040503050406030204" pitchFamily="18" charset="0"/>
+                        </a:rPr>
+                        <m:t>=</m:t>
+                      </m:r>
+                      <m:sSup>
+                        <m:sSupPr>
+                          <m:ctrlPr>
+                            <a:rPr lang="pt-BR" i="1">
+                              <a:latin typeface="Cambria Math" panose="02040503050406030204" pitchFamily="18" charset="0"/>
+                            </a:rPr>
+                          </m:ctrlPr>
+                        </m:sSupPr>
+                        <m:e>
+                          <m:r>
+                            <a:rPr lang="pt-BR" i="1">
+                              <a:latin typeface="Cambria Math" panose="02040503050406030204" pitchFamily="18" charset="0"/>
+                            </a:rPr>
+                            <m:t>−</m:t>
+                          </m:r>
+                          <m:f>
+                            <m:fPr>
+                              <m:ctrlPr>
+                                <a:rPr lang="pt-BR" i="1">
+                                  <a:latin typeface="Cambria Math" panose="02040503050406030204" pitchFamily="18" charset="0"/>
+                                </a:rPr>
+                              </m:ctrlPr>
+                            </m:fPr>
+                            <m:num>
+                              <m:r>
+                                <a:rPr lang="pt-BR" i="1">
+                                  <a:latin typeface="Cambria Math" panose="02040503050406030204" pitchFamily="18" charset="0"/>
+                                </a:rPr>
+                                <m:t>1</m:t>
+                              </m:r>
+                            </m:num>
+                            <m:den>
+                              <m:r>
+                                <a:rPr lang="pt-BR" i="1">
+                                  <a:latin typeface="Cambria Math" panose="02040503050406030204" pitchFamily="18" charset="0"/>
+                                </a:rPr>
+                                <m:t>𝑁</m:t>
+                              </m:r>
+                            </m:den>
+                          </m:f>
+                          <m:r>
+                            <a:rPr lang="pt-BR" b="1" i="1">
+                              <a:latin typeface="Cambria Math" panose="02040503050406030204" pitchFamily="18" charset="0"/>
+                            </a:rPr>
+                            <m:t>𝑿</m:t>
+                          </m:r>
+                        </m:e>
+                        <m:sup>
+                          <m:r>
+                            <a:rPr lang="pt-BR" i="1">
+                              <a:latin typeface="Cambria Math" panose="02040503050406030204" pitchFamily="18" charset="0"/>
+                            </a:rPr>
+                            <m:t>𝑇</m:t>
+                          </m:r>
+                        </m:sup>
+                      </m:sSup>
+                      <m:d>
+                        <m:dPr>
+                          <m:ctrlPr>
+                            <a:rPr lang="pt-BR" i="1">
+                              <a:latin typeface="Cambria Math" panose="02040503050406030204" pitchFamily="18" charset="0"/>
+                            </a:rPr>
+                          </m:ctrlPr>
+                        </m:dPr>
+                        <m:e>
+                          <m:r>
+                            <a:rPr lang="pt-BR" b="1" i="1">
+                              <a:latin typeface="Cambria Math" panose="02040503050406030204" pitchFamily="18" charset="0"/>
+                            </a:rPr>
+                            <m:t>𝒚</m:t>
+                          </m:r>
+                          <m:r>
+                            <a:rPr lang="pt-BR" i="1">
+                              <a:latin typeface="Cambria Math" panose="02040503050406030204" pitchFamily="18" charset="0"/>
+                            </a:rPr>
+                            <m:t>−</m:t>
+                          </m:r>
+                          <m:acc>
+                            <m:accPr>
+                              <m:chr m:val="̂"/>
+                              <m:ctrlPr>
+                                <a:rPr lang="pt-BR" i="1">
+                                  <a:latin typeface="Cambria Math" panose="02040503050406030204" pitchFamily="18" charset="0"/>
+                                </a:rPr>
+                              </m:ctrlPr>
+                            </m:accPr>
+                            <m:e>
+                              <m:r>
+                                <a:rPr lang="pt-BR" b="1" i="1">
+                                  <a:latin typeface="Cambria Math" panose="02040503050406030204" pitchFamily="18" charset="0"/>
+                                </a:rPr>
+                                <m:t>𝒚</m:t>
+                              </m:r>
+                            </m:e>
+                          </m:acc>
+                        </m:e>
+                      </m:d>
+                      <m:r>
+                        <a:rPr lang="pt-BR" i="1">
+                          <a:latin typeface="Cambria Math" panose="02040503050406030204" pitchFamily="18" charset="0"/>
+                        </a:rPr>
+                        <m:t>,</m:t>
+                      </m:r>
+                    </m:oMath>
+                  </m:oMathPara>
+                </a14:m>
+                <a:endParaRPr lang="pt-BR" dirty="0"/>
+              </a:p>
+              <a:p>
+                <a:pPr marL="0" indent="0">
+                  <a:buNone/>
+                </a:pPr>
+                <a:r>
+                  <a:rPr lang="pt-BR" dirty="0"/>
+                  <a:t>o</a:t>
+                </a:r>
+                <a:r>
+                  <a:rPr lang="pt-BR" dirty="0"/>
+                  <a:t>nde </a:t>
+                </a:r>
+                <a14:m>
+                  <m:oMath xmlns:m="http://schemas.openxmlformats.org/officeDocument/2006/math">
+                    <m:r>
+                      <a:rPr lang="pt-BR" b="1" i="1">
+                        <a:latin typeface="Cambria Math" panose="02040503050406030204" pitchFamily="18" charset="0"/>
+                      </a:rPr>
+                      <m:t>𝑿</m:t>
+                    </m:r>
+                    <m:r>
+                      <a:rPr lang="pt-BR" b="1" i="1">
+                        <a:latin typeface="Cambria Math" panose="02040503050406030204" pitchFamily="18" charset="0"/>
+                      </a:rPr>
+                      <m:t>=</m:t>
+                    </m:r>
+                    <m:d>
+                      <m:dPr>
+                        <m:begChr m:val="["/>
+                        <m:endChr m:val="]"/>
+                        <m:ctrlPr>
+                          <a:rPr lang="pt-BR" b="1" i="1">
+                            <a:latin typeface="Cambria Math" panose="02040503050406030204" pitchFamily="18" charset="0"/>
+                          </a:rPr>
+                        </m:ctrlPr>
+                      </m:dPr>
+                      <m:e>
+                        <m:sSub>
+                          <m:sSubPr>
+                            <m:ctrlPr>
+                              <a:rPr lang="en-US" i="1">
+                                <a:latin typeface="Cambria Math" panose="02040503050406030204" pitchFamily="18" charset="0"/>
+                              </a:rPr>
+                            </m:ctrlPr>
+                          </m:sSubPr>
+                          <m:e>
+                            <m:r>
+                              <a:rPr lang="en-US" b="1" i="1">
+                                <a:latin typeface="Cambria Math" panose="02040503050406030204" pitchFamily="18" charset="0"/>
+                              </a:rPr>
+                              <m:t>𝒙</m:t>
+                            </m:r>
+                          </m:e>
+                          <m:sub>
+                            <m:r>
+                              <a:rPr lang="pt-BR" i="1">
+                                <a:latin typeface="Cambria Math" panose="02040503050406030204" pitchFamily="18" charset="0"/>
+                              </a:rPr>
+                              <m:t>0</m:t>
+                            </m:r>
+                          </m:sub>
+                        </m:sSub>
+                        <m:r>
+                          <a:rPr lang="pt-BR" b="1" i="1" smtClean="0">
+                            <a:latin typeface="Cambria Math" panose="02040503050406030204" pitchFamily="18" charset="0"/>
+                          </a:rPr>
+                          <m:t>,</m:t>
+                        </m:r>
+                        <m:sSub>
+                          <m:sSubPr>
+                            <m:ctrlPr>
+                              <a:rPr lang="en-US" i="1" smtClean="0">
+                                <a:latin typeface="Cambria Math" panose="02040503050406030204" pitchFamily="18" charset="0"/>
+                              </a:rPr>
+                            </m:ctrlPr>
+                          </m:sSubPr>
+                          <m:e>
+                            <m:r>
+                              <a:rPr lang="en-US" b="1" i="1">
+                                <a:latin typeface="Cambria Math" panose="02040503050406030204" pitchFamily="18" charset="0"/>
+                              </a:rPr>
+                              <m:t>𝒙</m:t>
+                            </m:r>
+                          </m:e>
+                          <m:sub>
+                            <m:r>
+                              <a:rPr lang="pt-BR" b="0" i="1" smtClean="0">
+                                <a:latin typeface="Cambria Math" panose="02040503050406030204" pitchFamily="18" charset="0"/>
+                              </a:rPr>
+                              <m:t>1</m:t>
+                            </m:r>
+                          </m:sub>
+                        </m:sSub>
+                        <m:r>
+                          <a:rPr lang="pt-BR" i="1">
+                            <a:latin typeface="Cambria Math" panose="02040503050406030204" pitchFamily="18" charset="0"/>
+                            <a:ea typeface="Cambria Math" panose="02040503050406030204" pitchFamily="18" charset="0"/>
+                          </a:rPr>
+                          <m:t>⨀</m:t>
+                        </m:r>
+                        <m:sSub>
+                          <m:sSubPr>
+                            <m:ctrlPr>
+                              <a:rPr lang="en-US" i="1">
+                                <a:latin typeface="Cambria Math" panose="02040503050406030204" pitchFamily="18" charset="0"/>
+                              </a:rPr>
+                            </m:ctrlPr>
+                          </m:sSubPr>
+                          <m:e>
+                            <m:r>
+                              <a:rPr lang="en-US" b="1" i="1">
+                                <a:latin typeface="Cambria Math" panose="02040503050406030204" pitchFamily="18" charset="0"/>
+                              </a:rPr>
+                              <m:t>𝒙</m:t>
+                            </m:r>
+                          </m:e>
+                          <m:sub>
+                            <m:r>
+                              <a:rPr lang="pt-BR" b="0" i="1" smtClean="0">
+                                <a:latin typeface="Cambria Math" panose="02040503050406030204" pitchFamily="18" charset="0"/>
+                              </a:rPr>
+                              <m:t>2</m:t>
+                            </m:r>
+                          </m:sub>
+                        </m:sSub>
+                      </m:e>
+                    </m:d>
+                  </m:oMath>
+                </a14:m>
+                <a:r>
+                  <a:rPr lang="pt-BR" dirty="0"/>
+                  <a:t> </a:t>
+                </a:r>
+                <a14:m>
+                  <m:oMath xmlns:m="http://schemas.openxmlformats.org/officeDocument/2006/math">
+                    <m:r>
+                      <a:rPr lang="pt-BR">
+                        <a:latin typeface="Cambria Math" panose="02040503050406030204" pitchFamily="18" charset="0"/>
+                      </a:rPr>
+                      <m:t>∈</m:t>
+                    </m:r>
+                    <m:sSup>
+                      <m:sSupPr>
+                        <m:ctrlPr>
+                          <a:rPr lang="pt-BR" i="1">
+                            <a:latin typeface="Cambria Math" panose="02040503050406030204" pitchFamily="18" charset="0"/>
+                          </a:rPr>
+                        </m:ctrlPr>
+                      </m:sSupPr>
+                      <m:e>
+                        <m:r>
+                          <a:rPr lang="pt-BR">
+                            <a:latin typeface="Cambria Math" panose="02040503050406030204" pitchFamily="18" charset="0"/>
+                          </a:rPr>
+                          <m:t>ℝ</m:t>
+                        </m:r>
+                      </m:e>
+                      <m:sup>
+                        <m:r>
+                          <m:rPr>
+                            <m:sty m:val="p"/>
+                          </m:rPr>
+                          <a:rPr lang="pt-BR">
+                            <a:latin typeface="Cambria Math" panose="02040503050406030204" pitchFamily="18" charset="0"/>
+                          </a:rPr>
+                          <m:t>N</m:t>
+                        </m:r>
+                        <m:r>
+                          <a:rPr lang="pt-BR">
+                            <a:latin typeface="Cambria Math" panose="02040503050406030204" pitchFamily="18" charset="0"/>
+                          </a:rPr>
+                          <m:t>×</m:t>
+                        </m:r>
+                        <m:r>
+                          <m:rPr>
+                            <m:sty m:val="p"/>
+                          </m:rPr>
+                          <a:rPr lang="pt-BR">
+                            <a:latin typeface="Cambria Math" panose="02040503050406030204" pitchFamily="18" charset="0"/>
+                          </a:rPr>
+                          <m:t>K</m:t>
+                        </m:r>
+                        <m:r>
+                          <a:rPr lang="pt-BR">
+                            <a:latin typeface="Cambria Math" panose="02040503050406030204" pitchFamily="18" charset="0"/>
+                          </a:rPr>
+                          <m:t>+1</m:t>
+                        </m:r>
+                      </m:sup>
+                    </m:sSup>
+                  </m:oMath>
+                </a14:m>
+                <a:r>
+                  <a:rPr lang="pt-BR" dirty="0"/>
+                  <a:t>, </a:t>
+                </a:r>
+                <a14:m>
+                  <m:oMath xmlns:m="http://schemas.openxmlformats.org/officeDocument/2006/math">
+                    <m:sSub>
+                      <m:sSubPr>
+                        <m:ctrlPr>
+                          <a:rPr lang="en-US" i="1">
+                            <a:latin typeface="Cambria Math" panose="02040503050406030204" pitchFamily="18" charset="0"/>
+                          </a:rPr>
+                        </m:ctrlPr>
+                      </m:sSubPr>
+                      <m:e>
+                        <m:r>
+                          <a:rPr lang="en-US" b="1" i="1">
+                            <a:latin typeface="Cambria Math" panose="02040503050406030204" pitchFamily="18" charset="0"/>
+                          </a:rPr>
+                          <m:t>𝒙</m:t>
+                        </m:r>
+                      </m:e>
+                      <m:sub>
+                        <m:r>
+                          <a:rPr lang="pt-BR" i="1">
+                            <a:latin typeface="Cambria Math" panose="02040503050406030204" pitchFamily="18" charset="0"/>
+                          </a:rPr>
+                          <m:t>0</m:t>
+                        </m:r>
+                      </m:sub>
+                    </m:sSub>
+                    <m:r>
+                      <a:rPr lang="pt-BR" b="1" i="1">
+                        <a:latin typeface="Cambria Math" panose="02040503050406030204" pitchFamily="18" charset="0"/>
+                      </a:rPr>
+                      <m:t>,</m:t>
+                    </m:r>
+                    <m:sSub>
+                      <m:sSubPr>
+                        <m:ctrlPr>
+                          <a:rPr lang="en-US" i="1">
+                            <a:latin typeface="Cambria Math" panose="02040503050406030204" pitchFamily="18" charset="0"/>
+                          </a:rPr>
+                        </m:ctrlPr>
+                      </m:sSubPr>
+                      <m:e>
+                        <m:r>
+                          <a:rPr lang="en-US" b="1" i="1">
+                            <a:latin typeface="Cambria Math" panose="02040503050406030204" pitchFamily="18" charset="0"/>
+                          </a:rPr>
+                          <m:t>𝒙</m:t>
+                        </m:r>
+                      </m:e>
+                      <m:sub>
+                        <m:r>
+                          <a:rPr lang="pt-BR" i="1">
+                            <a:latin typeface="Cambria Math" panose="02040503050406030204" pitchFamily="18" charset="0"/>
+                          </a:rPr>
+                          <m:t>1</m:t>
+                        </m:r>
+                      </m:sub>
+                    </m:sSub>
+                    <m:r>
+                      <a:rPr lang="pt-BR" b="0" i="1" smtClean="0">
+                        <a:latin typeface="Cambria Math" panose="02040503050406030204" pitchFamily="18" charset="0"/>
+                      </a:rPr>
+                      <m:t>,</m:t>
+                    </m:r>
+                    <m:sSub>
+                      <m:sSubPr>
+                        <m:ctrlPr>
+                          <a:rPr lang="en-US" i="1">
+                            <a:latin typeface="Cambria Math" panose="02040503050406030204" pitchFamily="18" charset="0"/>
+                          </a:rPr>
+                        </m:ctrlPr>
+                      </m:sSubPr>
+                      <m:e>
+                        <m:r>
+                          <a:rPr lang="en-US" b="1" i="1">
+                            <a:latin typeface="Cambria Math" panose="02040503050406030204" pitchFamily="18" charset="0"/>
+                          </a:rPr>
+                          <m:t>𝒙</m:t>
+                        </m:r>
+                      </m:e>
+                      <m:sub>
+                        <m:r>
+                          <a:rPr lang="pt-BR" i="1">
+                            <a:latin typeface="Cambria Math" panose="02040503050406030204" pitchFamily="18" charset="0"/>
+                          </a:rPr>
+                          <m:t>2</m:t>
+                        </m:r>
+                      </m:sub>
+                    </m:sSub>
+                    <m:r>
+                      <a:rPr lang="pt-BR" b="0" i="0" smtClean="0">
+                        <a:latin typeface="Cambria Math" panose="02040503050406030204" pitchFamily="18" charset="0"/>
+                      </a:rPr>
+                      <m:t>, </m:t>
+                    </m:r>
+                    <m:r>
+                      <m:rPr>
+                        <m:sty m:val="p"/>
+                      </m:rPr>
+                      <a:rPr lang="pt-BR" b="0" i="0" smtClean="0">
+                        <a:latin typeface="Cambria Math" panose="02040503050406030204" pitchFamily="18" charset="0"/>
+                      </a:rPr>
+                      <m:t>e</m:t>
+                    </m:r>
+                    <m:r>
+                      <a:rPr lang="pt-BR" b="0" i="0" smtClean="0">
+                        <a:latin typeface="Cambria Math" panose="02040503050406030204" pitchFamily="18" charset="0"/>
+                      </a:rPr>
+                      <m:t> </m:t>
+                    </m:r>
+                    <m:sSub>
+                      <m:sSubPr>
+                        <m:ctrlPr>
+                          <a:rPr lang="en-US" i="1">
+                            <a:latin typeface="Cambria Math" panose="02040503050406030204" pitchFamily="18" charset="0"/>
+                          </a:rPr>
+                        </m:ctrlPr>
+                      </m:sSubPr>
+                      <m:e>
+                        <m:r>
+                          <a:rPr lang="en-US" b="1" i="1">
+                            <a:latin typeface="Cambria Math" panose="02040503050406030204" pitchFamily="18" charset="0"/>
+                          </a:rPr>
+                          <m:t>𝒙</m:t>
+                        </m:r>
+                      </m:e>
+                      <m:sub>
+                        <m:r>
+                          <a:rPr lang="pt-BR" i="1">
+                            <a:latin typeface="Cambria Math" panose="02040503050406030204" pitchFamily="18" charset="0"/>
+                          </a:rPr>
+                          <m:t>1</m:t>
+                        </m:r>
+                      </m:sub>
+                    </m:sSub>
+                    <m:r>
+                      <a:rPr lang="pt-BR" i="1">
+                        <a:latin typeface="Cambria Math" panose="02040503050406030204" pitchFamily="18" charset="0"/>
+                        <a:ea typeface="Cambria Math" panose="02040503050406030204" pitchFamily="18" charset="0"/>
+                      </a:rPr>
+                      <m:t>⨀</m:t>
+                    </m:r>
+                    <m:sSub>
+                      <m:sSubPr>
+                        <m:ctrlPr>
+                          <a:rPr lang="en-US" i="1">
+                            <a:latin typeface="Cambria Math" panose="02040503050406030204" pitchFamily="18" charset="0"/>
+                          </a:rPr>
+                        </m:ctrlPr>
+                      </m:sSubPr>
+                      <m:e>
+                        <m:r>
+                          <a:rPr lang="en-US" b="1" i="1">
+                            <a:latin typeface="Cambria Math" panose="02040503050406030204" pitchFamily="18" charset="0"/>
+                          </a:rPr>
+                          <m:t>𝒙</m:t>
+                        </m:r>
+                      </m:e>
+                      <m:sub>
+                        <m:r>
+                          <a:rPr lang="pt-BR" i="1">
+                            <a:latin typeface="Cambria Math" panose="02040503050406030204" pitchFamily="18" charset="0"/>
+                          </a:rPr>
+                          <m:t>2</m:t>
+                        </m:r>
+                      </m:sub>
+                    </m:sSub>
+                    <m:r>
+                      <a:rPr lang="pt-BR">
+                        <a:latin typeface="Cambria Math" panose="02040503050406030204" pitchFamily="18" charset="0"/>
+                      </a:rPr>
+                      <m:t>∈</m:t>
+                    </m:r>
+                    <m:sSup>
+                      <m:sSupPr>
+                        <m:ctrlPr>
+                          <a:rPr lang="pt-BR" i="1">
+                            <a:latin typeface="Cambria Math" panose="02040503050406030204" pitchFamily="18" charset="0"/>
+                          </a:rPr>
+                        </m:ctrlPr>
+                      </m:sSupPr>
+                      <m:e>
+                        <m:r>
+                          <a:rPr lang="pt-BR">
+                            <a:latin typeface="Cambria Math" panose="02040503050406030204" pitchFamily="18" charset="0"/>
+                          </a:rPr>
+                          <m:t>ℝ</m:t>
+                        </m:r>
+                      </m:e>
+                      <m:sup>
+                        <m:r>
+                          <m:rPr>
+                            <m:sty m:val="p"/>
+                          </m:rPr>
+                          <a:rPr lang="pt-BR">
+                            <a:latin typeface="Cambria Math" panose="02040503050406030204" pitchFamily="18" charset="0"/>
+                          </a:rPr>
+                          <m:t>N</m:t>
+                        </m:r>
+                        <m:r>
+                          <a:rPr lang="pt-BR">
+                            <a:latin typeface="Cambria Math" panose="02040503050406030204" pitchFamily="18" charset="0"/>
+                          </a:rPr>
+                          <m:t>×1</m:t>
+                        </m:r>
+                      </m:sup>
+                    </m:sSup>
+                  </m:oMath>
+                </a14:m>
+                <a:r>
+                  <a:rPr lang="pt-BR" dirty="0" smtClean="0"/>
+                  <a:t>, </a:t>
+                </a:r>
+                <a14:m>
+                  <m:oMath xmlns:m="http://schemas.openxmlformats.org/officeDocument/2006/math">
+                    <m:r>
+                      <a:rPr lang="pt-BR">
+                        <a:latin typeface="Cambria Math" panose="02040503050406030204" pitchFamily="18" charset="0"/>
+                      </a:rPr>
+                      <m:t>𝒚</m:t>
+                    </m:r>
+                  </m:oMath>
+                </a14:m>
+                <a:r>
+                  <a:rPr lang="pt-BR" dirty="0"/>
+                  <a:t> e </a:t>
+                </a:r>
+                <a14:m>
+                  <m:oMath xmlns:m="http://schemas.openxmlformats.org/officeDocument/2006/math">
+                    <m:acc>
+                      <m:accPr>
+                        <m:chr m:val="̂"/>
+                        <m:ctrlPr>
+                          <a:rPr lang="pt-BR" i="1">
+                            <a:latin typeface="Cambria Math" panose="02040503050406030204" pitchFamily="18" charset="0"/>
+                          </a:rPr>
+                        </m:ctrlPr>
+                      </m:accPr>
+                      <m:e>
+                        <m:r>
+                          <a:rPr lang="pt-BR">
+                            <a:latin typeface="Cambria Math" panose="02040503050406030204" pitchFamily="18" charset="0"/>
+                          </a:rPr>
+                          <m:t>𝒚</m:t>
+                        </m:r>
+                      </m:e>
+                    </m:acc>
+                  </m:oMath>
+                </a14:m>
+                <a:r>
+                  <a:rPr lang="pt-BR" dirty="0"/>
+                  <a:t>  </a:t>
+                </a:r>
+                <a14:m>
+                  <m:oMath xmlns:m="http://schemas.openxmlformats.org/officeDocument/2006/math">
+                    <m:r>
+                      <a:rPr lang="pt-BR">
+                        <a:latin typeface="Cambria Math" panose="02040503050406030204" pitchFamily="18" charset="0"/>
+                      </a:rPr>
+                      <m:t>∈</m:t>
+                    </m:r>
+                    <m:sSup>
+                      <m:sSupPr>
+                        <m:ctrlPr>
+                          <a:rPr lang="pt-BR" i="1">
+                            <a:latin typeface="Cambria Math" panose="02040503050406030204" pitchFamily="18" charset="0"/>
+                          </a:rPr>
+                        </m:ctrlPr>
+                      </m:sSupPr>
+                      <m:e>
+                        <m:r>
+                          <a:rPr lang="pt-BR">
+                            <a:latin typeface="Cambria Math" panose="02040503050406030204" pitchFamily="18" charset="0"/>
+                          </a:rPr>
+                          <m:t>ℝ</m:t>
+                        </m:r>
+                      </m:e>
+                      <m:sup>
+                        <m:r>
+                          <m:rPr>
+                            <m:sty m:val="p"/>
+                          </m:rPr>
+                          <a:rPr lang="pt-BR">
+                            <a:latin typeface="Cambria Math" panose="02040503050406030204" pitchFamily="18" charset="0"/>
+                          </a:rPr>
+                          <m:t>N</m:t>
+                        </m:r>
+                        <m:r>
+                          <a:rPr lang="pt-BR">
+                            <a:latin typeface="Cambria Math" panose="02040503050406030204" pitchFamily="18" charset="0"/>
+                          </a:rPr>
+                          <m:t>×</m:t>
+                        </m:r>
+                        <m:r>
+                          <a:rPr lang="pt-BR">
+                            <a:latin typeface="Cambria Math" panose="02040503050406030204" pitchFamily="18" charset="0"/>
+                          </a:rPr>
+                          <m:t>𝟏</m:t>
+                        </m:r>
+                      </m:sup>
+                    </m:sSup>
+                  </m:oMath>
+                </a14:m>
+                <a:r>
+                  <a:rPr lang="pt-BR" dirty="0" smtClean="0"/>
+                  <a:t> e </a:t>
+                </a:r>
+                <a14:m>
+                  <m:oMath xmlns:m="http://schemas.openxmlformats.org/officeDocument/2006/math">
+                    <m:r>
+                      <a:rPr lang="pt-BR" i="1">
+                        <a:latin typeface="Cambria Math" panose="02040503050406030204" pitchFamily="18" charset="0"/>
+                        <a:ea typeface="Cambria Math" panose="02040503050406030204" pitchFamily="18" charset="0"/>
+                      </a:rPr>
+                      <m:t>⨀</m:t>
+                    </m:r>
+                  </m:oMath>
+                </a14:m>
+                <a:r>
+                  <a:rPr lang="pt-BR" dirty="0" smtClean="0"/>
+                  <a:t> é a multiplicação elemento-a-elemento. </a:t>
+                </a:r>
+                <a:endParaRPr lang="pt-BR" dirty="0"/>
+              </a:p>
+            </p:txBody>
+          </p:sp>
+        </mc:Choice>
+        <mc:Fallback>
+          <p:sp>
+            <p:nvSpPr>
+              <p:cNvPr id="3" name="Content Placeholder 2"/>
+              <p:cNvSpPr>
+                <a:spLocks noGrp="1" noRot="1" noChangeAspect="1" noMove="1" noResize="1" noEditPoints="1" noAdjustHandles="1" noChangeArrowheads="1" noChangeShapeType="1" noTextEdit="1"/>
+              </p:cNvSpPr>
+              <p:nvPr>
+                <p:ph idx="1"/>
+              </p:nvPr>
+            </p:nvSpPr>
+            <p:spPr>
+              <a:xfrm>
+                <a:off x="838199" y="1825624"/>
+                <a:ext cx="10831287" cy="4821919"/>
+              </a:xfrm>
+              <a:blipFill rotWithShape="0">
+                <a:blip r:embed="rId2"/>
+                <a:stretch>
+                  <a:fillRect l="-1125" t="-2023"/>
+                </a:stretch>
+              </a:blipFill>
+            </p:spPr>
+            <p:txBody>
+              <a:bodyPr/>
+              <a:lstStyle/>
+              <a:p>
+                <a:r>
+                  <a:rPr lang="pt-BR">
+                    <a:noFill/>
+                  </a:rPr>
+                  <a:t> </a:t>
+                </a:r>
+              </a:p>
+            </p:txBody>
+          </p:sp>
+        </mc:Fallback>
+      </mc:AlternateContent>
+      <p:sp>
+        <p:nvSpPr>
+          <p:cNvPr id="4" name="Rectangle 3"/>
+          <p:cNvSpPr/>
+          <p:nvPr/>
+        </p:nvSpPr>
+        <p:spPr>
+          <a:xfrm>
+            <a:off x="6896373" y="6308989"/>
+            <a:ext cx="5048883" cy="338554"/>
+          </a:xfrm>
+          <a:prstGeom prst="rect">
+            <a:avLst/>
+          </a:prstGeom>
+        </p:spPr>
+        <p:txBody>
+          <a:bodyPr wrap="none">
+            <a:spAutoFit/>
+          </a:bodyPr>
+          <a:lstStyle/>
+          <a:p>
+            <a:r>
+              <a:rPr lang="pt-BR" sz="1600" b="1" dirty="0" smtClean="0">
+                <a:hlinkClick r:id="rId3"/>
+              </a:rPr>
+              <a:t>Exemplo</a:t>
+            </a:r>
+            <a:r>
+              <a:rPr lang="pt-BR" sz="1600" dirty="0" smtClean="0">
+                <a:hlinkClick r:id="rId3"/>
+              </a:rPr>
+              <a:t>: logistic_regression_with_gradient_descent.ipynb</a:t>
+            </a:r>
+            <a:endParaRPr lang="pt-BR" sz="1600" dirty="0"/>
+          </a:p>
+        </p:txBody>
+      </p:sp>
+    </p:spTree>
+    <p:extLst>
+      <p:ext uri="{BB962C8B-B14F-4D97-AF65-F5344CB8AC3E}">
+        <p14:creationId xmlns:p14="http://schemas.microsoft.com/office/powerpoint/2010/main" val="100847993"/>
+      </p:ext>
+    </p:extLst>
+  </p:cSld>
+  <p:clrMapOvr>
+    <a:masterClrMapping/>
+  </p:clrMapOvr>
+</p:sld>
+</file>
+
 <file path=ppt/slides/slide2.xml><?xml version="1.0" encoding="utf-8"?>
 <p:sld xmlns:a="http://schemas.openxmlformats.org/drawingml/2006/main" xmlns:r="http://schemas.openxmlformats.org/officeDocument/2006/relationships" xmlns:p="http://schemas.openxmlformats.org/presentationml/2006/main">
   <p:cSld>
@@ -18975,15 +23166,7 @@
             </a:r>
             <a:r>
               <a:rPr lang="pt-BR" dirty="0" smtClean="0"/>
-              <a:t> </a:t>
-            </a:r>
-            <a:r>
-              <a:rPr lang="pt-BR" dirty="0" smtClean="0"/>
-              <a:t>pode ser </a:t>
-            </a:r>
-            <a:r>
-              <a:rPr lang="pt-BR" dirty="0" smtClean="0"/>
-              <a:t>feita usando-se uma </a:t>
+              <a:t> pode ser feita usando-se uma </a:t>
             </a:r>
             <a:r>
               <a:rPr lang="pt-BR" b="1" i="1" dirty="0" smtClean="0"/>
@@ -19051,11 +23234,7 @@
             </a:r>
             <a:r>
               <a:rPr lang="pt-BR" b="1" i="1" dirty="0" smtClean="0"/>
-              <a:t>solução </a:t>
-            </a:r>
-            <a:r>
-              <a:rPr lang="pt-BR" b="1" i="1" dirty="0" smtClean="0"/>
-              <a:t>em forma fechada </a:t>
+              <a:t>solução em forma fechada </a:t>
             </a:r>
             <a:r>
               <a:rPr lang="pt-BR" dirty="0" smtClean="0"/>
@@ -19115,11 +23294,7 @@
             </a:r>
             <a:r>
               <a:rPr lang="pt-BR" b="1" i="1" dirty="0" smtClean="0"/>
-              <a:t>gradiente </a:t>
-            </a:r>
-            <a:r>
-              <a:rPr lang="pt-BR" b="1" i="1" dirty="0" smtClean="0"/>
-              <a:t>descendente </a:t>
+              <a:t>gradiente descendente </a:t>
             </a:r>
             <a:r>
               <a:rPr lang="pt-BR" dirty="0" smtClean="0"/>
@@ -19191,22 +23366,14 @@
           <a:p>
             <a:r>
               <a:rPr lang="pt-BR" dirty="0" smtClean="0"/>
-              <a:t>Classificação </a:t>
-            </a:r>
-            <a:r>
-              <a:rPr lang="pt-BR" dirty="0" smtClean="0"/>
-              <a:t>com </a:t>
-            </a:r>
-            <a:r>
-              <a:rPr lang="pt-BR" dirty="0" smtClean="0"/>
-              <a:t>função de limiar logístico</a:t>
+              <a:t>Classificação com função de limiar logístico</a:t>
             </a:r>
             <a:endParaRPr lang="pt-BR" dirty="0"/>
           </a:p>
         </p:txBody>
       </p:sp>
-      <mc:AlternateContent xmlns:mc="http://schemas.openxmlformats.org/markup-compatibility/2006">
-        <mc:Choice xmlns:a14="http://schemas.microsoft.com/office/drawing/2010/main" Requires="a14">
+      <mc:AlternateContent xmlns:mc="http://schemas.openxmlformats.org/markup-compatibility/2006" xmlns:a14="http://schemas.microsoft.com/office/drawing/2010/main">
+        <mc:Choice Requires="a14">
           <p:sp>
             <p:nvSpPr>
               <p:cNvPr id="3" name="Content Placeholder 2"/>
@@ -19515,7 +23682,7 @@
             </p:txBody>
           </p:sp>
         </mc:Choice>
-        <mc:Fallback>
+        <mc:Fallback xmlns="">
           <p:sp>
             <p:nvSpPr>
               <p:cNvPr id="3" name="Content Placeholder 2"/>
@@ -19620,8 +23787,8 @@
           </a:p>
         </p:txBody>
       </p:sp>
-      <mc:AlternateContent xmlns:mc="http://schemas.openxmlformats.org/markup-compatibility/2006">
-        <mc:Choice xmlns:a14="http://schemas.microsoft.com/office/drawing/2010/main" Requires="a14">
+      <mc:AlternateContent xmlns:mc="http://schemas.openxmlformats.org/markup-compatibility/2006" xmlns:a14="http://schemas.microsoft.com/office/drawing/2010/main">
+        <mc:Choice Requires="a14">
           <p:sp>
             <p:nvSpPr>
               <p:cNvPr id="3" name="Content Placeholder 2"/>
@@ -20118,7 +24285,6 @@
                   <a:rPr lang="pt-BR" dirty="0" smtClean="0"/>
                   <a:t>, etc. </a:t>
                 </a:r>
-                <a:endParaRPr lang="pt-BR" dirty="0" smtClean="0"/>
               </a:p>
               <a:p>
                 <a:r>
@@ -20274,7 +24440,7 @@
             </p:txBody>
           </p:sp>
         </mc:Choice>
-        <mc:Fallback>
+        <mc:Fallback xmlns="">
           <p:sp>
             <p:nvSpPr>
               <p:cNvPr id="3" name="Content Placeholder 2"/>
@@ -20335,8 +24501,8 @@
           </a:prstGeom>
         </p:spPr>
       </p:pic>
-      <mc:AlternateContent xmlns:mc="http://schemas.openxmlformats.org/markup-compatibility/2006">
-        <mc:Choice xmlns:a14="http://schemas.microsoft.com/office/drawing/2010/main" Requires="a14">
+      <mc:AlternateContent xmlns:mc="http://schemas.openxmlformats.org/markup-compatibility/2006" xmlns:a14="http://schemas.microsoft.com/office/drawing/2010/main">
+        <mc:Choice Requires="a14">
           <p:sp>
             <p:nvSpPr>
               <p:cNvPr id="5" name="Rectangle 4"/>
@@ -20411,7 +24577,7 @@
             </p:txBody>
           </p:sp>
         </mc:Choice>
-        <mc:Fallback>
+        <mc:Fallback xmlns="">
           <p:sp>
             <p:nvSpPr>
               <p:cNvPr id="5" name="Rectangle 4"/>
@@ -20450,8 +24616,8 @@
           </p:sp>
         </mc:Fallback>
       </mc:AlternateContent>
-      <mc:AlternateContent xmlns:mc="http://schemas.openxmlformats.org/markup-compatibility/2006">
-        <mc:Choice xmlns:a14="http://schemas.microsoft.com/office/drawing/2010/main" Requires="a14">
+      <mc:AlternateContent xmlns:mc="http://schemas.openxmlformats.org/markup-compatibility/2006" xmlns:a14="http://schemas.microsoft.com/office/drawing/2010/main">
+        <mc:Choice Requires="a14">
           <p:sp>
             <p:nvSpPr>
               <p:cNvPr id="6" name="TextBox 5"/>
@@ -20493,11 +24659,7 @@
                 </a:r>
                 <a:r>
                   <a:rPr lang="pt-BR" sz="1400" dirty="0" smtClean="0"/>
-                  <a:t>será de 0 ou de 1 e, portanto, mais certeza teremos sobre uma classificação</a:t>
-                </a:r>
-                <a:r>
-                  <a:rPr lang="pt-BR" sz="1400" dirty="0" smtClean="0"/>
-                  <a:t>.</a:t>
+                  <a:t>será de 0 ou de 1 e, portanto, mais certeza teremos sobre uma classificação.</a:t>
                 </a:r>
               </a:p>
               <a:p>
@@ -20546,7 +24708,7 @@
             </p:txBody>
           </p:sp>
         </mc:Choice>
-        <mc:Fallback>
+        <mc:Fallback xmlns="">
           <p:sp>
             <p:nvSpPr>
               <p:cNvPr id="6" name="TextBox 5"/>
@@ -20642,8 +24804,8 @@
           </a:p>
         </p:txBody>
       </p:sp>
-      <mc:AlternateContent xmlns:mc="http://schemas.openxmlformats.org/markup-compatibility/2006">
-        <mc:Choice xmlns:a14="http://schemas.microsoft.com/office/drawing/2010/main" Requires="a14">
+      <mc:AlternateContent xmlns:mc="http://schemas.openxmlformats.org/markup-compatibility/2006" xmlns:a14="http://schemas.microsoft.com/office/drawing/2010/main">
+        <mc:Choice Requires="a14">
           <p:sp>
             <p:nvSpPr>
               <p:cNvPr id="3" name="Content Placeholder 2"/>
@@ -20668,11 +24830,7 @@
               <a:p>
                 <a:r>
                   <a:rPr lang="pt-BR" dirty="0" smtClean="0"/>
-                  <a:t>Esse classificador </a:t>
-                </a:r>
-                <a:r>
-                  <a:rPr lang="pt-BR" dirty="0" smtClean="0"/>
-                  <a:t>com função de </a:t>
+                  <a:t>Esse classificador com função de </a:t>
                 </a:r>
                 <a:r>
                   <a:rPr lang="pt-BR" b="1" i="1" dirty="0" smtClean="0"/>
@@ -20734,7 +24892,6 @@
                   <a:rPr lang="pt-BR" dirty="0" smtClean="0"/>
                   <a:t>?</a:t>
                 </a:r>
-                <a:endParaRPr lang="pt-BR" dirty="0" smtClean="0"/>
               </a:p>
               <a:p>
                 <a:r>
@@ -20755,11 +24912,7 @@
                 </a:r>
                 <a:r>
                   <a:rPr lang="pt-BR" dirty="0" smtClean="0"/>
-                  <a:t>algoritmo </a:t>
-                </a:r>
-                <a:r>
-                  <a:rPr lang="pt-BR" dirty="0" smtClean="0"/>
-                  <a:t>usado para </a:t>
+                  <a:t>algoritmo usado para </a:t>
                 </a:r>
                 <a:r>
                   <a:rPr lang="pt-BR" b="1" i="1" dirty="0"/>
@@ -20773,7 +24926,6 @@
                   <a:rPr lang="pt-BR" dirty="0" smtClean="0"/>
                   <a:t>, mas precisamos quantizar sua saída. </a:t>
                 </a:r>
-                <a:endParaRPr lang="pt-BR" dirty="0" smtClean="0"/>
               </a:p>
               <a:p>
                 <a:r>
@@ -20867,11 +25019,7 @@
               <a:p>
                 <a:r>
                   <a:rPr lang="pt-BR" dirty="0" smtClean="0"/>
-                  <a:t>Normalmente</a:t>
-                </a:r>
-                <a:r>
-                  <a:rPr lang="pt-BR" dirty="0" smtClean="0"/>
-                  <a:t>, se quantiza a saída da </a:t>
+                  <a:t>Normalmente, se quantiza a saída da </a:t>
                 </a:r>
                 <a:r>
                   <a:rPr lang="pt-BR" b="1" i="1" dirty="0" smtClean="0"/>
@@ -21415,7 +25563,7 @@
             </p:txBody>
           </p:sp>
         </mc:Choice>
-        <mc:Fallback>
+        <mc:Fallback xmlns="">
           <p:sp>
             <p:nvSpPr>
               <p:cNvPr id="3" name="Content Placeholder 2"/>
@@ -21505,8 +25653,8 @@
           </a:p>
         </p:txBody>
       </p:sp>
-      <mc:AlternateContent xmlns:mc="http://schemas.openxmlformats.org/markup-compatibility/2006">
-        <mc:Choice xmlns:a14="http://schemas.microsoft.com/office/drawing/2010/main" Requires="a14">
+      <mc:AlternateContent xmlns:mc="http://schemas.openxmlformats.org/markup-compatibility/2006" xmlns:a14="http://schemas.microsoft.com/office/drawing/2010/main">
+        <mc:Choice Requires="a14">
           <p:sp>
             <p:nvSpPr>
               <p:cNvPr id="3" name="Content Placeholder 2"/>
@@ -22011,11 +26159,7 @@
                 </a:r>
                 <a:r>
                   <a:rPr lang="pt-BR" dirty="0" smtClean="0"/>
-                  <a:t>de cada</a:t>
-                </a:r>
-                <a:r>
-                  <a:rPr lang="pt-BR" dirty="0" smtClean="0"/>
-                  <a:t> </a:t>
+                  <a:t>de cada </a:t>
                 </a:r>
                 <a:r>
                   <a:rPr lang="pt-BR" b="1" i="1" dirty="0" smtClean="0"/>
@@ -22082,7 +26226,7 @@
             </p:txBody>
           </p:sp>
         </mc:Choice>
-        <mc:Fallback>
+        <mc:Fallback xmlns="">
           <p:sp>
             <p:nvSpPr>
               <p:cNvPr id="3" name="Content Placeholder 2"/>
@@ -22143,8 +26287,8 @@
           </a:prstGeom>
         </p:spPr>
       </p:pic>
-      <mc:AlternateContent xmlns:mc="http://schemas.openxmlformats.org/markup-compatibility/2006">
-        <mc:Choice xmlns:a14="http://schemas.microsoft.com/office/drawing/2010/main" Requires="a14">
+      <mc:AlternateContent xmlns:mc="http://schemas.openxmlformats.org/markup-compatibility/2006" xmlns:a14="http://schemas.microsoft.com/office/drawing/2010/main">
+        <mc:Choice Requires="a14">
           <p:sp>
             <p:nvSpPr>
               <p:cNvPr id="5" name="Rectangle 4"/>
@@ -22205,7 +26349,7 @@
             </p:txBody>
           </p:sp>
         </mc:Choice>
-        <mc:Fallback>
+        <mc:Fallback xmlns="">
           <p:sp>
             <p:nvSpPr>
               <p:cNvPr id="5" name="Rectangle 4"/>
@@ -22768,8 +26912,8 @@
           </a:p>
         </p:txBody>
       </p:sp>
-      <mc:AlternateContent xmlns:mc="http://schemas.openxmlformats.org/markup-compatibility/2006">
-        <mc:Choice xmlns:a14="http://schemas.microsoft.com/office/drawing/2010/main" Requires="a14">
+      <mc:AlternateContent xmlns:mc="http://schemas.openxmlformats.org/markup-compatibility/2006" xmlns:a14="http://schemas.microsoft.com/office/drawing/2010/main">
+        <mc:Choice Requires="a14">
           <p:sp>
             <p:nvSpPr>
               <p:cNvPr id="3" name="Content Placeholder 2"/>
@@ -24019,11 +28163,7 @@
                 </a:r>
                 <a:r>
                   <a:rPr lang="pt-BR" dirty="0" smtClean="0"/>
-                  <a:t>círculo</a:t>
-                </a:r>
-                <a:r>
-                  <a:rPr lang="pt-BR" dirty="0" smtClean="0"/>
-                  <a:t>, uma hipérbole,  </a:t>
+                  <a:t>círculo, uma hipérbole,  </a:t>
                 </a:r>
                 <a:r>
                   <a:rPr lang="pt-BR" dirty="0"/>
@@ -24038,7 +28178,7 @@
             </p:txBody>
           </p:sp>
         </mc:Choice>
-        <mc:Fallback>
+        <mc:Fallback xmlns="">
           <p:sp>
             <p:nvSpPr>
               <p:cNvPr id="3" name="Content Placeholder 2"/>
@@ -24128,8 +28268,8 @@
           </a:p>
         </p:txBody>
       </p:sp>
-      <mc:AlternateContent xmlns:mc="http://schemas.openxmlformats.org/markup-compatibility/2006">
-        <mc:Choice xmlns:a14="http://schemas.microsoft.com/office/drawing/2010/main" Requires="a14">
+      <mc:AlternateContent xmlns:mc="http://schemas.openxmlformats.org/markup-compatibility/2006" xmlns:a14="http://schemas.microsoft.com/office/drawing/2010/main">
+        <mc:Choice Requires="a14">
           <p:sp>
             <p:nvSpPr>
               <p:cNvPr id="3" name="Content Placeholder 2"/>
@@ -24359,7 +28499,13 @@
                           <a:rPr lang="pt-BR" i="1">
                             <a:latin typeface="Cambria Math" panose="02040503050406030204" pitchFamily="18" charset="0"/>
                           </a:rPr>
-                          <m:t>=1</m:t>
+                          <m:t>=</m:t>
+                        </m:r>
+                        <m:r>
+                          <a:rPr lang="pt-BR" i="1">
+                            <a:latin typeface="Cambria Math" panose="02040503050406030204" pitchFamily="18" charset="0"/>
+                          </a:rPr>
+                          <m:t>1</m:t>
                         </m:r>
                       </m:sub>
                       <m:sup>
@@ -24528,7 +28674,13 @@
                           <a:rPr lang="pt-BR" i="1">
                             <a:latin typeface="Cambria Math" panose="02040503050406030204" pitchFamily="18" charset="0"/>
                           </a:rPr>
-                          <m:t>=1</m:t>
+                          <m:t>=</m:t>
+                        </m:r>
+                        <m:r>
+                          <a:rPr lang="pt-BR" i="1">
+                            <a:latin typeface="Cambria Math" panose="02040503050406030204" pitchFamily="18" charset="0"/>
+                          </a:rPr>
+                          <m:t>1</m:t>
                         </m:r>
                       </m:sub>
                       <m:sup>
@@ -25130,7 +29282,13 @@
                                   <a:rPr lang="pt-BR" i="1">
                                     <a:latin typeface="Cambria Math" panose="02040503050406030204" pitchFamily="18" charset="0"/>
                                   </a:rPr>
-                                  <m:t>=1</m:t>
+                                  <m:t>=</m:t>
+                                </m:r>
+                                <m:r>
+                                  <a:rPr lang="pt-BR" i="1">
+                                    <a:latin typeface="Cambria Math" panose="02040503050406030204" pitchFamily="18" charset="0"/>
+                                  </a:rPr>
+                                  <m:t>1</m:t>
                                 </m:r>
                               </m:e>
                             </m:mr>
@@ -25185,7 +29343,13 @@
                                           <a:rPr lang="pt-BR" i="1">
                                             <a:latin typeface="Cambria Math" panose="02040503050406030204" pitchFamily="18" charset="0"/>
                                           </a:rPr>
-                                          <m:t>1−</m:t>
+                                          <m:t>1</m:t>
+                                        </m:r>
+                                        <m:r>
+                                          <a:rPr lang="pt-BR" i="1">
+                                            <a:latin typeface="Cambria Math" panose="02040503050406030204" pitchFamily="18" charset="0"/>
+                                          </a:rPr>
+                                          <m:t>−</m:t>
                                         </m:r>
                                         <m:sSub>
                                           <m:sSubPr>
@@ -25301,7 +29465,13 @@
                                   <a:rPr lang="pt-BR" i="1">
                                     <a:latin typeface="Cambria Math" panose="02040503050406030204" pitchFamily="18" charset="0"/>
                                   </a:rPr>
-                                  <m:t>=0</m:t>
+                                  <m:t>=</m:t>
+                                </m:r>
+                                <m:r>
+                                  <a:rPr lang="pt-BR" i="1">
+                                    <a:latin typeface="Cambria Math" panose="02040503050406030204" pitchFamily="18" charset="0"/>
+                                  </a:rPr>
+                                  <m:t>0</m:t>
                                 </m:r>
                               </m:e>
                             </m:mr>
@@ -25327,7 +29497,7 @@
             </p:txBody>
           </p:sp>
         </mc:Choice>
-        <mc:Fallback>
+        <mc:Fallback xmlns="">
           <p:sp>
             <p:nvSpPr>
               <p:cNvPr id="3" name="Content Placeholder 2"/>

--- a/slides/T320_Classificação (Parte III).pptx
+++ b/slides/T320_Classificação (Parte III).pptx
@@ -292,7 +292,7 @@
           <a:p>
             <a:fld id="{144F1436-6906-4D93-B7A2-786C327BFA14}" type="datetimeFigureOut">
               <a:rPr lang="nl-BE" smtClean="0"/>
-              <a:t>27/08/2021</a:t>
+              <a:t>28/08/2021</a:t>
             </a:fld>
             <a:endParaRPr lang="nl-BE"/>
           </a:p>
@@ -457,7 +457,7 @@
           <a:p>
             <a:fld id="{AA8CD09E-2914-4F47-B6C1-51B2C31814C9}" type="datetimeFigureOut">
               <a:rPr lang="pt-BR" smtClean="0"/>
-              <a:t>27/08/2021</a:t>
+              <a:t>28/08/2021</a:t>
             </a:fld>
             <a:endParaRPr lang="pt-BR"/>
           </a:p>
@@ -3064,7 +3064,7 @@
           <p:cNvPr id="2" name="Título 1">
             <a:extLst>
               <a:ext uri="{FF2B5EF4-FFF2-40B4-BE49-F238E27FC236}">
-                <a16:creationId xmlns="" xmlns:a16="http://schemas.microsoft.com/office/drawing/2014/main" id="{1DB9B4FF-B06E-403C-A326-BDC64D8FF94E}"/>
+                <a16:creationId xmlns:a16="http://schemas.microsoft.com/office/drawing/2014/main" xmlns="" id="{1DB9B4FF-B06E-403C-A326-BDC64D8FF94E}"/>
               </a:ext>
             </a:extLst>
           </p:cNvPr>
@@ -3101,7 +3101,7 @@
           <p:cNvPr id="3" name="Subtítulo 2">
             <a:extLst>
               <a:ext uri="{FF2B5EF4-FFF2-40B4-BE49-F238E27FC236}">
-                <a16:creationId xmlns="" xmlns:a16="http://schemas.microsoft.com/office/drawing/2014/main" id="{247BDFCE-746E-45BF-A319-4733D58D1632}"/>
+                <a16:creationId xmlns:a16="http://schemas.microsoft.com/office/drawing/2014/main" xmlns="" id="{247BDFCE-746E-45BF-A319-4733D58D1632}"/>
               </a:ext>
             </a:extLst>
           </p:cNvPr>
@@ -3171,7 +3171,7 @@
           <p:cNvPr id="4" name="Espaço Reservado para Data 3">
             <a:extLst>
               <a:ext uri="{FF2B5EF4-FFF2-40B4-BE49-F238E27FC236}">
-                <a16:creationId xmlns="" xmlns:a16="http://schemas.microsoft.com/office/drawing/2014/main" id="{9EDE2778-5372-4104-B96D-968184DA8288}"/>
+                <a16:creationId xmlns:a16="http://schemas.microsoft.com/office/drawing/2014/main" xmlns="" id="{9EDE2778-5372-4104-B96D-968184DA8288}"/>
               </a:ext>
             </a:extLst>
           </p:cNvPr>
@@ -3189,7 +3189,7 @@
           <a:p>
             <a:fld id="{63289F7E-B80B-496E-81B4-D396C37C9454}" type="datetimeFigureOut">
               <a:rPr lang="pt-BR" smtClean="0"/>
-              <a:t>27/08/2021</a:t>
+              <a:t>28/08/2021</a:t>
             </a:fld>
             <a:endParaRPr lang="pt-BR"/>
           </a:p>
@@ -3200,7 +3200,7 @@
           <p:cNvPr id="5" name="Espaço Reservado para Rodapé 4">
             <a:extLst>
               <a:ext uri="{FF2B5EF4-FFF2-40B4-BE49-F238E27FC236}">
-                <a16:creationId xmlns="" xmlns:a16="http://schemas.microsoft.com/office/drawing/2014/main" id="{C1DD0F41-C861-4051-988D-3024A37A4B93}"/>
+                <a16:creationId xmlns:a16="http://schemas.microsoft.com/office/drawing/2014/main" xmlns="" id="{C1DD0F41-C861-4051-988D-3024A37A4B93}"/>
               </a:ext>
             </a:extLst>
           </p:cNvPr>
@@ -3225,7 +3225,7 @@
           <p:cNvPr id="6" name="Espaço Reservado para Número de Slide 5">
             <a:extLst>
               <a:ext uri="{FF2B5EF4-FFF2-40B4-BE49-F238E27FC236}">
-                <a16:creationId xmlns="" xmlns:a16="http://schemas.microsoft.com/office/drawing/2014/main" id="{07E5967E-D980-431A-A5DB-3F0C5030A81E}"/>
+                <a16:creationId xmlns:a16="http://schemas.microsoft.com/office/drawing/2014/main" xmlns="" id="{07E5967E-D980-431A-A5DB-3F0C5030A81E}"/>
               </a:ext>
             </a:extLst>
           </p:cNvPr>
@@ -3284,7 +3284,7 @@
           <p:cNvPr id="2" name="Título 1">
             <a:extLst>
               <a:ext uri="{FF2B5EF4-FFF2-40B4-BE49-F238E27FC236}">
-                <a16:creationId xmlns="" xmlns:a16="http://schemas.microsoft.com/office/drawing/2014/main" id="{9036C49F-3E68-4175-81BA-3C3FEE44308A}"/>
+                <a16:creationId xmlns:a16="http://schemas.microsoft.com/office/drawing/2014/main" xmlns="" id="{9036C49F-3E68-4175-81BA-3C3FEE44308A}"/>
               </a:ext>
             </a:extLst>
           </p:cNvPr>
@@ -3312,7 +3312,7 @@
           <p:cNvPr id="3" name="Espaço Reservado para Texto Vertical 2">
             <a:extLst>
               <a:ext uri="{FF2B5EF4-FFF2-40B4-BE49-F238E27FC236}">
-                <a16:creationId xmlns="" xmlns:a16="http://schemas.microsoft.com/office/drawing/2014/main" id="{426FA736-3DD3-4D4E-B57B-BBE1D8F7D424}"/>
+                <a16:creationId xmlns:a16="http://schemas.microsoft.com/office/drawing/2014/main" xmlns="" id="{426FA736-3DD3-4D4E-B57B-BBE1D8F7D424}"/>
               </a:ext>
             </a:extLst>
           </p:cNvPr>
@@ -3369,7 +3369,7 @@
           <p:cNvPr id="4" name="Espaço Reservado para Data 3">
             <a:extLst>
               <a:ext uri="{FF2B5EF4-FFF2-40B4-BE49-F238E27FC236}">
-                <a16:creationId xmlns="" xmlns:a16="http://schemas.microsoft.com/office/drawing/2014/main" id="{99E8855C-D8FD-48F6-B14E-861E0DE4D915}"/>
+                <a16:creationId xmlns:a16="http://schemas.microsoft.com/office/drawing/2014/main" xmlns="" id="{99E8855C-D8FD-48F6-B14E-861E0DE4D915}"/>
               </a:ext>
             </a:extLst>
           </p:cNvPr>
@@ -3387,7 +3387,7 @@
           <a:p>
             <a:fld id="{63289F7E-B80B-496E-81B4-D396C37C9454}" type="datetimeFigureOut">
               <a:rPr lang="pt-BR" smtClean="0"/>
-              <a:t>27/08/2021</a:t>
+              <a:t>28/08/2021</a:t>
             </a:fld>
             <a:endParaRPr lang="pt-BR"/>
           </a:p>
@@ -3398,7 +3398,7 @@
           <p:cNvPr id="5" name="Espaço Reservado para Rodapé 4">
             <a:extLst>
               <a:ext uri="{FF2B5EF4-FFF2-40B4-BE49-F238E27FC236}">
-                <a16:creationId xmlns="" xmlns:a16="http://schemas.microsoft.com/office/drawing/2014/main" id="{97C0BB88-2F21-42A5-ACFF-83DA47F2D340}"/>
+                <a16:creationId xmlns:a16="http://schemas.microsoft.com/office/drawing/2014/main" xmlns="" id="{97C0BB88-2F21-42A5-ACFF-83DA47F2D340}"/>
               </a:ext>
             </a:extLst>
           </p:cNvPr>
@@ -3423,7 +3423,7 @@
           <p:cNvPr id="6" name="Espaço Reservado para Número de Slide 5">
             <a:extLst>
               <a:ext uri="{FF2B5EF4-FFF2-40B4-BE49-F238E27FC236}">
-                <a16:creationId xmlns="" xmlns:a16="http://schemas.microsoft.com/office/drawing/2014/main" id="{6CB462B3-1F22-4C05-B4B8-7A279FB7D5E9}"/>
+                <a16:creationId xmlns:a16="http://schemas.microsoft.com/office/drawing/2014/main" xmlns="" id="{6CB462B3-1F22-4C05-B4B8-7A279FB7D5E9}"/>
               </a:ext>
             </a:extLst>
           </p:cNvPr>
@@ -3482,7 +3482,7 @@
           <p:cNvPr id="2" name="Título Vertical 1">
             <a:extLst>
               <a:ext uri="{FF2B5EF4-FFF2-40B4-BE49-F238E27FC236}">
-                <a16:creationId xmlns="" xmlns:a16="http://schemas.microsoft.com/office/drawing/2014/main" id="{EAEAB728-701C-4207-A9D5-23FF45C60502}"/>
+                <a16:creationId xmlns:a16="http://schemas.microsoft.com/office/drawing/2014/main" xmlns="" id="{EAEAB728-701C-4207-A9D5-23FF45C60502}"/>
               </a:ext>
             </a:extLst>
           </p:cNvPr>
@@ -3515,7 +3515,7 @@
           <p:cNvPr id="3" name="Espaço Reservado para Texto Vertical 2">
             <a:extLst>
               <a:ext uri="{FF2B5EF4-FFF2-40B4-BE49-F238E27FC236}">
-                <a16:creationId xmlns="" xmlns:a16="http://schemas.microsoft.com/office/drawing/2014/main" id="{BA8C8CCF-7823-480A-9A19-0F664DD17E3B}"/>
+                <a16:creationId xmlns:a16="http://schemas.microsoft.com/office/drawing/2014/main" xmlns="" id="{BA8C8CCF-7823-480A-9A19-0F664DD17E3B}"/>
               </a:ext>
             </a:extLst>
           </p:cNvPr>
@@ -3577,7 +3577,7 @@
           <p:cNvPr id="4" name="Espaço Reservado para Data 3">
             <a:extLst>
               <a:ext uri="{FF2B5EF4-FFF2-40B4-BE49-F238E27FC236}">
-                <a16:creationId xmlns="" xmlns:a16="http://schemas.microsoft.com/office/drawing/2014/main" id="{721D5734-7B1F-425D-942F-6EB73344027C}"/>
+                <a16:creationId xmlns:a16="http://schemas.microsoft.com/office/drawing/2014/main" xmlns="" id="{721D5734-7B1F-425D-942F-6EB73344027C}"/>
               </a:ext>
             </a:extLst>
           </p:cNvPr>
@@ -3595,7 +3595,7 @@
           <a:p>
             <a:fld id="{63289F7E-B80B-496E-81B4-D396C37C9454}" type="datetimeFigureOut">
               <a:rPr lang="pt-BR" smtClean="0"/>
-              <a:t>27/08/2021</a:t>
+              <a:t>28/08/2021</a:t>
             </a:fld>
             <a:endParaRPr lang="pt-BR"/>
           </a:p>
@@ -3606,7 +3606,7 @@
           <p:cNvPr id="5" name="Espaço Reservado para Rodapé 4">
             <a:extLst>
               <a:ext uri="{FF2B5EF4-FFF2-40B4-BE49-F238E27FC236}">
-                <a16:creationId xmlns="" xmlns:a16="http://schemas.microsoft.com/office/drawing/2014/main" id="{1E1AAEAC-F08D-45FE-89EC-B1B349A868C9}"/>
+                <a16:creationId xmlns:a16="http://schemas.microsoft.com/office/drawing/2014/main" xmlns="" id="{1E1AAEAC-F08D-45FE-89EC-B1B349A868C9}"/>
               </a:ext>
             </a:extLst>
           </p:cNvPr>
@@ -3631,7 +3631,7 @@
           <p:cNvPr id="6" name="Espaço Reservado para Número de Slide 5">
             <a:extLst>
               <a:ext uri="{FF2B5EF4-FFF2-40B4-BE49-F238E27FC236}">
-                <a16:creationId xmlns="" xmlns:a16="http://schemas.microsoft.com/office/drawing/2014/main" id="{BAA44493-9911-47B2-87A6-C2141A972BC8}"/>
+                <a16:creationId xmlns:a16="http://schemas.microsoft.com/office/drawing/2014/main" xmlns="" id="{BAA44493-9911-47B2-87A6-C2141A972BC8}"/>
               </a:ext>
             </a:extLst>
           </p:cNvPr>
@@ -3690,7 +3690,7 @@
           <p:cNvPr id="2" name="Título 1">
             <a:extLst>
               <a:ext uri="{FF2B5EF4-FFF2-40B4-BE49-F238E27FC236}">
-                <a16:creationId xmlns="" xmlns:a16="http://schemas.microsoft.com/office/drawing/2014/main" id="{71BD44A5-8F21-4626-A01D-48A1C874B1D5}"/>
+                <a16:creationId xmlns:a16="http://schemas.microsoft.com/office/drawing/2014/main" xmlns="" id="{71BD44A5-8F21-4626-A01D-48A1C874B1D5}"/>
               </a:ext>
             </a:extLst>
           </p:cNvPr>
@@ -3718,7 +3718,7 @@
           <p:cNvPr id="3" name="Espaço Reservado para Conteúdo 2">
             <a:extLst>
               <a:ext uri="{FF2B5EF4-FFF2-40B4-BE49-F238E27FC236}">
-                <a16:creationId xmlns="" xmlns:a16="http://schemas.microsoft.com/office/drawing/2014/main" id="{B79E8085-65A9-48AA-951D-71D978BFF4ED}"/>
+                <a16:creationId xmlns:a16="http://schemas.microsoft.com/office/drawing/2014/main" xmlns="" id="{B79E8085-65A9-48AA-951D-71D978BFF4ED}"/>
               </a:ext>
             </a:extLst>
           </p:cNvPr>
@@ -3775,7 +3775,7 @@
           <p:cNvPr id="4" name="Espaço Reservado para Data 3">
             <a:extLst>
               <a:ext uri="{FF2B5EF4-FFF2-40B4-BE49-F238E27FC236}">
-                <a16:creationId xmlns="" xmlns:a16="http://schemas.microsoft.com/office/drawing/2014/main" id="{F05BE1AF-51EA-425D-B188-DE7BD675009F}"/>
+                <a16:creationId xmlns:a16="http://schemas.microsoft.com/office/drawing/2014/main" xmlns="" id="{F05BE1AF-51EA-425D-B188-DE7BD675009F}"/>
               </a:ext>
             </a:extLst>
           </p:cNvPr>
@@ -3793,7 +3793,7 @@
           <a:p>
             <a:fld id="{63289F7E-B80B-496E-81B4-D396C37C9454}" type="datetimeFigureOut">
               <a:rPr lang="pt-BR" smtClean="0"/>
-              <a:t>27/08/2021</a:t>
+              <a:t>28/08/2021</a:t>
             </a:fld>
             <a:endParaRPr lang="pt-BR"/>
           </a:p>
@@ -3804,7 +3804,7 @@
           <p:cNvPr id="5" name="Espaço Reservado para Rodapé 4">
             <a:extLst>
               <a:ext uri="{FF2B5EF4-FFF2-40B4-BE49-F238E27FC236}">
-                <a16:creationId xmlns="" xmlns:a16="http://schemas.microsoft.com/office/drawing/2014/main" id="{121BE632-29CF-4CB9-B365-C9EF38F89BE6}"/>
+                <a16:creationId xmlns:a16="http://schemas.microsoft.com/office/drawing/2014/main" xmlns="" id="{121BE632-29CF-4CB9-B365-C9EF38F89BE6}"/>
               </a:ext>
             </a:extLst>
           </p:cNvPr>
@@ -3829,7 +3829,7 @@
           <p:cNvPr id="6" name="Espaço Reservado para Número de Slide 5">
             <a:extLst>
               <a:ext uri="{FF2B5EF4-FFF2-40B4-BE49-F238E27FC236}">
-                <a16:creationId xmlns="" xmlns:a16="http://schemas.microsoft.com/office/drawing/2014/main" id="{60CF3DD1-9AEC-4A57-B461-4E4DD86FAC18}"/>
+                <a16:creationId xmlns:a16="http://schemas.microsoft.com/office/drawing/2014/main" xmlns="" id="{60CF3DD1-9AEC-4A57-B461-4E4DD86FAC18}"/>
               </a:ext>
             </a:extLst>
           </p:cNvPr>
@@ -3888,7 +3888,7 @@
           <p:cNvPr id="2" name="Título 1">
             <a:extLst>
               <a:ext uri="{FF2B5EF4-FFF2-40B4-BE49-F238E27FC236}">
-                <a16:creationId xmlns="" xmlns:a16="http://schemas.microsoft.com/office/drawing/2014/main" id="{34AB2FF0-A4D7-4E28-991D-FF26140D5988}"/>
+                <a16:creationId xmlns:a16="http://schemas.microsoft.com/office/drawing/2014/main" xmlns="" id="{34AB2FF0-A4D7-4E28-991D-FF26140D5988}"/>
               </a:ext>
             </a:extLst>
           </p:cNvPr>
@@ -3925,7 +3925,7 @@
           <p:cNvPr id="3" name="Espaço Reservado para Texto 2">
             <a:extLst>
               <a:ext uri="{FF2B5EF4-FFF2-40B4-BE49-F238E27FC236}">
-                <a16:creationId xmlns="" xmlns:a16="http://schemas.microsoft.com/office/drawing/2014/main" id="{E2AC45B0-4145-40DB-8E61-105461170604}"/>
+                <a16:creationId xmlns:a16="http://schemas.microsoft.com/office/drawing/2014/main" xmlns="" id="{E2AC45B0-4145-40DB-8E61-105461170604}"/>
               </a:ext>
             </a:extLst>
           </p:cNvPr>
@@ -4050,7 +4050,7 @@
           <p:cNvPr id="4" name="Espaço Reservado para Data 3">
             <a:extLst>
               <a:ext uri="{FF2B5EF4-FFF2-40B4-BE49-F238E27FC236}">
-                <a16:creationId xmlns="" xmlns:a16="http://schemas.microsoft.com/office/drawing/2014/main" id="{50F1D3FB-740A-4EBA-A309-2CE71D12ECFB}"/>
+                <a16:creationId xmlns:a16="http://schemas.microsoft.com/office/drawing/2014/main" xmlns="" id="{50F1D3FB-740A-4EBA-A309-2CE71D12ECFB}"/>
               </a:ext>
             </a:extLst>
           </p:cNvPr>
@@ -4068,7 +4068,7 @@
           <a:p>
             <a:fld id="{63289F7E-B80B-496E-81B4-D396C37C9454}" type="datetimeFigureOut">
               <a:rPr lang="pt-BR" smtClean="0"/>
-              <a:t>27/08/2021</a:t>
+              <a:t>28/08/2021</a:t>
             </a:fld>
             <a:endParaRPr lang="pt-BR"/>
           </a:p>
@@ -4079,7 +4079,7 @@
           <p:cNvPr id="5" name="Espaço Reservado para Rodapé 4">
             <a:extLst>
               <a:ext uri="{FF2B5EF4-FFF2-40B4-BE49-F238E27FC236}">
-                <a16:creationId xmlns="" xmlns:a16="http://schemas.microsoft.com/office/drawing/2014/main" id="{BDCAB18F-8715-4465-A940-F9C193A2ACE9}"/>
+                <a16:creationId xmlns:a16="http://schemas.microsoft.com/office/drawing/2014/main" xmlns="" id="{BDCAB18F-8715-4465-A940-F9C193A2ACE9}"/>
               </a:ext>
             </a:extLst>
           </p:cNvPr>
@@ -4104,7 +4104,7 @@
           <p:cNvPr id="6" name="Espaço Reservado para Número de Slide 5">
             <a:extLst>
               <a:ext uri="{FF2B5EF4-FFF2-40B4-BE49-F238E27FC236}">
-                <a16:creationId xmlns="" xmlns:a16="http://schemas.microsoft.com/office/drawing/2014/main" id="{353466C6-8248-429F-8056-FF040BF509EB}"/>
+                <a16:creationId xmlns:a16="http://schemas.microsoft.com/office/drawing/2014/main" xmlns="" id="{353466C6-8248-429F-8056-FF040BF509EB}"/>
               </a:ext>
             </a:extLst>
           </p:cNvPr>
@@ -4163,7 +4163,7 @@
           <p:cNvPr id="2" name="Título 1">
             <a:extLst>
               <a:ext uri="{FF2B5EF4-FFF2-40B4-BE49-F238E27FC236}">
-                <a16:creationId xmlns="" xmlns:a16="http://schemas.microsoft.com/office/drawing/2014/main" id="{BC7BB9F0-F14B-4A91-B2B7-35BC47FE4DE7}"/>
+                <a16:creationId xmlns:a16="http://schemas.microsoft.com/office/drawing/2014/main" xmlns="" id="{BC7BB9F0-F14B-4A91-B2B7-35BC47FE4DE7}"/>
               </a:ext>
             </a:extLst>
           </p:cNvPr>
@@ -4191,7 +4191,7 @@
           <p:cNvPr id="3" name="Espaço Reservado para Conteúdo 2">
             <a:extLst>
               <a:ext uri="{FF2B5EF4-FFF2-40B4-BE49-F238E27FC236}">
-                <a16:creationId xmlns="" xmlns:a16="http://schemas.microsoft.com/office/drawing/2014/main" id="{EC1FC1C4-73DA-47A6-8496-B0B457F7D39A}"/>
+                <a16:creationId xmlns:a16="http://schemas.microsoft.com/office/drawing/2014/main" xmlns="" id="{EC1FC1C4-73DA-47A6-8496-B0B457F7D39A}"/>
               </a:ext>
             </a:extLst>
           </p:cNvPr>
@@ -4253,7 +4253,7 @@
           <p:cNvPr id="4" name="Espaço Reservado para Conteúdo 3">
             <a:extLst>
               <a:ext uri="{FF2B5EF4-FFF2-40B4-BE49-F238E27FC236}">
-                <a16:creationId xmlns="" xmlns:a16="http://schemas.microsoft.com/office/drawing/2014/main" id="{E92F06A8-A449-4D92-9912-76873E529B38}"/>
+                <a16:creationId xmlns:a16="http://schemas.microsoft.com/office/drawing/2014/main" xmlns="" id="{E92F06A8-A449-4D92-9912-76873E529B38}"/>
               </a:ext>
             </a:extLst>
           </p:cNvPr>
@@ -4315,7 +4315,7 @@
           <p:cNvPr id="5" name="Espaço Reservado para Data 4">
             <a:extLst>
               <a:ext uri="{FF2B5EF4-FFF2-40B4-BE49-F238E27FC236}">
-                <a16:creationId xmlns="" xmlns:a16="http://schemas.microsoft.com/office/drawing/2014/main" id="{938070A4-BC2F-4D55-BD8D-DEAF11BB9EE9}"/>
+                <a16:creationId xmlns:a16="http://schemas.microsoft.com/office/drawing/2014/main" xmlns="" id="{938070A4-BC2F-4D55-BD8D-DEAF11BB9EE9}"/>
               </a:ext>
             </a:extLst>
           </p:cNvPr>
@@ -4333,7 +4333,7 @@
           <a:p>
             <a:fld id="{63289F7E-B80B-496E-81B4-D396C37C9454}" type="datetimeFigureOut">
               <a:rPr lang="pt-BR" smtClean="0"/>
-              <a:t>27/08/2021</a:t>
+              <a:t>28/08/2021</a:t>
             </a:fld>
             <a:endParaRPr lang="pt-BR"/>
           </a:p>
@@ -4344,7 +4344,7 @@
           <p:cNvPr id="6" name="Espaço Reservado para Rodapé 5">
             <a:extLst>
               <a:ext uri="{FF2B5EF4-FFF2-40B4-BE49-F238E27FC236}">
-                <a16:creationId xmlns="" xmlns:a16="http://schemas.microsoft.com/office/drawing/2014/main" id="{45CC2DB8-844A-465F-BA9A-7734C80C7F43}"/>
+                <a16:creationId xmlns:a16="http://schemas.microsoft.com/office/drawing/2014/main" xmlns="" id="{45CC2DB8-844A-465F-BA9A-7734C80C7F43}"/>
               </a:ext>
             </a:extLst>
           </p:cNvPr>
@@ -4369,7 +4369,7 @@
           <p:cNvPr id="7" name="Espaço Reservado para Número de Slide 6">
             <a:extLst>
               <a:ext uri="{FF2B5EF4-FFF2-40B4-BE49-F238E27FC236}">
-                <a16:creationId xmlns="" xmlns:a16="http://schemas.microsoft.com/office/drawing/2014/main" id="{4CC606A8-097B-4040-94E0-CD8C88280D8F}"/>
+                <a16:creationId xmlns:a16="http://schemas.microsoft.com/office/drawing/2014/main" xmlns="" id="{4CC606A8-097B-4040-94E0-CD8C88280D8F}"/>
               </a:ext>
             </a:extLst>
           </p:cNvPr>
@@ -4428,7 +4428,7 @@
           <p:cNvPr id="2" name="Título 1">
             <a:extLst>
               <a:ext uri="{FF2B5EF4-FFF2-40B4-BE49-F238E27FC236}">
-                <a16:creationId xmlns="" xmlns:a16="http://schemas.microsoft.com/office/drawing/2014/main" id="{76D66686-0143-4CB6-8C09-BA326F1E7ACA}"/>
+                <a16:creationId xmlns:a16="http://schemas.microsoft.com/office/drawing/2014/main" xmlns="" id="{76D66686-0143-4CB6-8C09-BA326F1E7ACA}"/>
               </a:ext>
             </a:extLst>
           </p:cNvPr>
@@ -4461,7 +4461,7 @@
           <p:cNvPr id="3" name="Espaço Reservado para Texto 2">
             <a:extLst>
               <a:ext uri="{FF2B5EF4-FFF2-40B4-BE49-F238E27FC236}">
-                <a16:creationId xmlns="" xmlns:a16="http://schemas.microsoft.com/office/drawing/2014/main" id="{0227AB85-F59E-4BCE-B846-4FA0992C2F23}"/>
+                <a16:creationId xmlns:a16="http://schemas.microsoft.com/office/drawing/2014/main" xmlns="" id="{0227AB85-F59E-4BCE-B846-4FA0992C2F23}"/>
               </a:ext>
             </a:extLst>
           </p:cNvPr>
@@ -4532,7 +4532,7 @@
           <p:cNvPr id="4" name="Espaço Reservado para Conteúdo 3">
             <a:extLst>
               <a:ext uri="{FF2B5EF4-FFF2-40B4-BE49-F238E27FC236}">
-                <a16:creationId xmlns="" xmlns:a16="http://schemas.microsoft.com/office/drawing/2014/main" id="{3373456C-7319-4D0A-827D-D29F6B083F5D}"/>
+                <a16:creationId xmlns:a16="http://schemas.microsoft.com/office/drawing/2014/main" xmlns="" id="{3373456C-7319-4D0A-827D-D29F6B083F5D}"/>
               </a:ext>
             </a:extLst>
           </p:cNvPr>
@@ -4594,7 +4594,7 @@
           <p:cNvPr id="5" name="Espaço Reservado para Texto 4">
             <a:extLst>
               <a:ext uri="{FF2B5EF4-FFF2-40B4-BE49-F238E27FC236}">
-                <a16:creationId xmlns="" xmlns:a16="http://schemas.microsoft.com/office/drawing/2014/main" id="{4CD109D0-2E83-4262-8029-A871CEC47406}"/>
+                <a16:creationId xmlns:a16="http://schemas.microsoft.com/office/drawing/2014/main" xmlns="" id="{4CD109D0-2E83-4262-8029-A871CEC47406}"/>
               </a:ext>
             </a:extLst>
           </p:cNvPr>
@@ -4665,7 +4665,7 @@
           <p:cNvPr id="6" name="Espaço Reservado para Conteúdo 5">
             <a:extLst>
               <a:ext uri="{FF2B5EF4-FFF2-40B4-BE49-F238E27FC236}">
-                <a16:creationId xmlns="" xmlns:a16="http://schemas.microsoft.com/office/drawing/2014/main" id="{AD706E3A-CFBB-4A6C-A65F-D0360A9E74FE}"/>
+                <a16:creationId xmlns:a16="http://schemas.microsoft.com/office/drawing/2014/main" xmlns="" id="{AD706E3A-CFBB-4A6C-A65F-D0360A9E74FE}"/>
               </a:ext>
             </a:extLst>
           </p:cNvPr>
@@ -4727,7 +4727,7 @@
           <p:cNvPr id="7" name="Espaço Reservado para Data 6">
             <a:extLst>
               <a:ext uri="{FF2B5EF4-FFF2-40B4-BE49-F238E27FC236}">
-                <a16:creationId xmlns="" xmlns:a16="http://schemas.microsoft.com/office/drawing/2014/main" id="{4172C0E5-5AF0-4805-BB51-443733CD2BD5}"/>
+                <a16:creationId xmlns:a16="http://schemas.microsoft.com/office/drawing/2014/main" xmlns="" id="{4172C0E5-5AF0-4805-BB51-443733CD2BD5}"/>
               </a:ext>
             </a:extLst>
           </p:cNvPr>
@@ -4745,7 +4745,7 @@
           <a:p>
             <a:fld id="{63289F7E-B80B-496E-81B4-D396C37C9454}" type="datetimeFigureOut">
               <a:rPr lang="pt-BR" smtClean="0"/>
-              <a:t>27/08/2021</a:t>
+              <a:t>28/08/2021</a:t>
             </a:fld>
             <a:endParaRPr lang="pt-BR"/>
           </a:p>
@@ -4756,7 +4756,7 @@
           <p:cNvPr id="8" name="Espaço Reservado para Rodapé 7">
             <a:extLst>
               <a:ext uri="{FF2B5EF4-FFF2-40B4-BE49-F238E27FC236}">
-                <a16:creationId xmlns="" xmlns:a16="http://schemas.microsoft.com/office/drawing/2014/main" id="{0E801648-156F-497E-99CF-797DF48051E1}"/>
+                <a16:creationId xmlns:a16="http://schemas.microsoft.com/office/drawing/2014/main" xmlns="" id="{0E801648-156F-497E-99CF-797DF48051E1}"/>
               </a:ext>
             </a:extLst>
           </p:cNvPr>
@@ -4781,7 +4781,7 @@
           <p:cNvPr id="9" name="Espaço Reservado para Número de Slide 8">
             <a:extLst>
               <a:ext uri="{FF2B5EF4-FFF2-40B4-BE49-F238E27FC236}">
-                <a16:creationId xmlns="" xmlns:a16="http://schemas.microsoft.com/office/drawing/2014/main" id="{EEE23D32-80E7-4796-A137-66BF842E4B53}"/>
+                <a16:creationId xmlns:a16="http://schemas.microsoft.com/office/drawing/2014/main" xmlns="" id="{EEE23D32-80E7-4796-A137-66BF842E4B53}"/>
               </a:ext>
             </a:extLst>
           </p:cNvPr>
@@ -4840,7 +4840,7 @@
           <p:cNvPr id="2" name="Título 1">
             <a:extLst>
               <a:ext uri="{FF2B5EF4-FFF2-40B4-BE49-F238E27FC236}">
-                <a16:creationId xmlns="" xmlns:a16="http://schemas.microsoft.com/office/drawing/2014/main" id="{2BCE2379-C78F-47E1-8CFC-B846E7AF148D}"/>
+                <a16:creationId xmlns:a16="http://schemas.microsoft.com/office/drawing/2014/main" xmlns="" id="{2BCE2379-C78F-47E1-8CFC-B846E7AF148D}"/>
               </a:ext>
             </a:extLst>
           </p:cNvPr>
@@ -4868,7 +4868,7 @@
           <p:cNvPr id="3" name="Espaço Reservado para Data 2">
             <a:extLst>
               <a:ext uri="{FF2B5EF4-FFF2-40B4-BE49-F238E27FC236}">
-                <a16:creationId xmlns="" xmlns:a16="http://schemas.microsoft.com/office/drawing/2014/main" id="{342600A9-7F92-4E22-9D94-E4717252A817}"/>
+                <a16:creationId xmlns:a16="http://schemas.microsoft.com/office/drawing/2014/main" xmlns="" id="{342600A9-7F92-4E22-9D94-E4717252A817}"/>
               </a:ext>
             </a:extLst>
           </p:cNvPr>
@@ -4886,7 +4886,7 @@
           <a:p>
             <a:fld id="{63289F7E-B80B-496E-81B4-D396C37C9454}" type="datetimeFigureOut">
               <a:rPr lang="pt-BR" smtClean="0"/>
-              <a:t>27/08/2021</a:t>
+              <a:t>28/08/2021</a:t>
             </a:fld>
             <a:endParaRPr lang="pt-BR"/>
           </a:p>
@@ -4897,7 +4897,7 @@
           <p:cNvPr id="4" name="Espaço Reservado para Rodapé 3">
             <a:extLst>
               <a:ext uri="{FF2B5EF4-FFF2-40B4-BE49-F238E27FC236}">
-                <a16:creationId xmlns="" xmlns:a16="http://schemas.microsoft.com/office/drawing/2014/main" id="{192E6BED-F546-40CC-A2DF-99CBA853654E}"/>
+                <a16:creationId xmlns:a16="http://schemas.microsoft.com/office/drawing/2014/main" xmlns="" id="{192E6BED-F546-40CC-A2DF-99CBA853654E}"/>
               </a:ext>
             </a:extLst>
           </p:cNvPr>
@@ -4922,7 +4922,7 @@
           <p:cNvPr id="5" name="Espaço Reservado para Número de Slide 4">
             <a:extLst>
               <a:ext uri="{FF2B5EF4-FFF2-40B4-BE49-F238E27FC236}">
-                <a16:creationId xmlns="" xmlns:a16="http://schemas.microsoft.com/office/drawing/2014/main" id="{6091CC40-A8C4-4063-80EB-CC5099621678}"/>
+                <a16:creationId xmlns:a16="http://schemas.microsoft.com/office/drawing/2014/main" xmlns="" id="{6091CC40-A8C4-4063-80EB-CC5099621678}"/>
               </a:ext>
             </a:extLst>
           </p:cNvPr>
@@ -4981,7 +4981,7 @@
           <p:cNvPr id="2" name="Espaço Reservado para Data 1">
             <a:extLst>
               <a:ext uri="{FF2B5EF4-FFF2-40B4-BE49-F238E27FC236}">
-                <a16:creationId xmlns="" xmlns:a16="http://schemas.microsoft.com/office/drawing/2014/main" id="{DD19515C-212C-4EAE-84A3-8FF4BC844F1B}"/>
+                <a16:creationId xmlns:a16="http://schemas.microsoft.com/office/drawing/2014/main" xmlns="" id="{DD19515C-212C-4EAE-84A3-8FF4BC844F1B}"/>
               </a:ext>
             </a:extLst>
           </p:cNvPr>
@@ -4999,7 +4999,7 @@
           <a:p>
             <a:fld id="{63289F7E-B80B-496E-81B4-D396C37C9454}" type="datetimeFigureOut">
               <a:rPr lang="pt-BR" smtClean="0"/>
-              <a:t>27/08/2021</a:t>
+              <a:t>28/08/2021</a:t>
             </a:fld>
             <a:endParaRPr lang="pt-BR"/>
           </a:p>
@@ -5010,7 +5010,7 @@
           <p:cNvPr id="3" name="Espaço Reservado para Rodapé 2">
             <a:extLst>
               <a:ext uri="{FF2B5EF4-FFF2-40B4-BE49-F238E27FC236}">
-                <a16:creationId xmlns="" xmlns:a16="http://schemas.microsoft.com/office/drawing/2014/main" id="{94D3D120-B3E8-4C96-861D-7A4F12F49B3A}"/>
+                <a16:creationId xmlns:a16="http://schemas.microsoft.com/office/drawing/2014/main" xmlns="" id="{94D3D120-B3E8-4C96-861D-7A4F12F49B3A}"/>
               </a:ext>
             </a:extLst>
           </p:cNvPr>
@@ -5035,7 +5035,7 @@
           <p:cNvPr id="4" name="Espaço Reservado para Número de Slide 3">
             <a:extLst>
               <a:ext uri="{FF2B5EF4-FFF2-40B4-BE49-F238E27FC236}">
-                <a16:creationId xmlns="" xmlns:a16="http://schemas.microsoft.com/office/drawing/2014/main" id="{42E49B68-FA1B-468B-9F17-D5C09243D454}"/>
+                <a16:creationId xmlns:a16="http://schemas.microsoft.com/office/drawing/2014/main" xmlns="" id="{42E49B68-FA1B-468B-9F17-D5C09243D454}"/>
               </a:ext>
             </a:extLst>
           </p:cNvPr>
@@ -5094,7 +5094,7 @@
           <p:cNvPr id="2" name="Título 1">
             <a:extLst>
               <a:ext uri="{FF2B5EF4-FFF2-40B4-BE49-F238E27FC236}">
-                <a16:creationId xmlns="" xmlns:a16="http://schemas.microsoft.com/office/drawing/2014/main" id="{1C17BCBE-A897-4319-85EC-D87909C24980}"/>
+                <a16:creationId xmlns:a16="http://schemas.microsoft.com/office/drawing/2014/main" xmlns="" id="{1C17BCBE-A897-4319-85EC-D87909C24980}"/>
               </a:ext>
             </a:extLst>
           </p:cNvPr>
@@ -5131,7 +5131,7 @@
           <p:cNvPr id="3" name="Espaço Reservado para Conteúdo 2">
             <a:extLst>
               <a:ext uri="{FF2B5EF4-FFF2-40B4-BE49-F238E27FC236}">
-                <a16:creationId xmlns="" xmlns:a16="http://schemas.microsoft.com/office/drawing/2014/main" id="{4226F885-0204-4913-868B-4B8B82576F17}"/>
+                <a16:creationId xmlns:a16="http://schemas.microsoft.com/office/drawing/2014/main" xmlns="" id="{4226F885-0204-4913-868B-4B8B82576F17}"/>
               </a:ext>
             </a:extLst>
           </p:cNvPr>
@@ -5221,7 +5221,7 @@
           <p:cNvPr id="4" name="Espaço Reservado para Texto 3">
             <a:extLst>
               <a:ext uri="{FF2B5EF4-FFF2-40B4-BE49-F238E27FC236}">
-                <a16:creationId xmlns="" xmlns:a16="http://schemas.microsoft.com/office/drawing/2014/main" id="{00F9F784-A858-441B-8AB5-697098141751}"/>
+                <a16:creationId xmlns:a16="http://schemas.microsoft.com/office/drawing/2014/main" xmlns="" id="{00F9F784-A858-441B-8AB5-697098141751}"/>
               </a:ext>
             </a:extLst>
           </p:cNvPr>
@@ -5292,7 +5292,7 @@
           <p:cNvPr id="5" name="Espaço Reservado para Data 4">
             <a:extLst>
               <a:ext uri="{FF2B5EF4-FFF2-40B4-BE49-F238E27FC236}">
-                <a16:creationId xmlns="" xmlns:a16="http://schemas.microsoft.com/office/drawing/2014/main" id="{A4DC363A-5000-472E-8B17-02E7DCB8840A}"/>
+                <a16:creationId xmlns:a16="http://schemas.microsoft.com/office/drawing/2014/main" xmlns="" id="{A4DC363A-5000-472E-8B17-02E7DCB8840A}"/>
               </a:ext>
             </a:extLst>
           </p:cNvPr>
@@ -5310,7 +5310,7 @@
           <a:p>
             <a:fld id="{63289F7E-B80B-496E-81B4-D396C37C9454}" type="datetimeFigureOut">
               <a:rPr lang="pt-BR" smtClean="0"/>
-              <a:t>27/08/2021</a:t>
+              <a:t>28/08/2021</a:t>
             </a:fld>
             <a:endParaRPr lang="pt-BR"/>
           </a:p>
@@ -5321,7 +5321,7 @@
           <p:cNvPr id="6" name="Espaço Reservado para Rodapé 5">
             <a:extLst>
               <a:ext uri="{FF2B5EF4-FFF2-40B4-BE49-F238E27FC236}">
-                <a16:creationId xmlns="" xmlns:a16="http://schemas.microsoft.com/office/drawing/2014/main" id="{5548425D-2C21-4C56-BAD4-662978775C28}"/>
+                <a16:creationId xmlns:a16="http://schemas.microsoft.com/office/drawing/2014/main" xmlns="" id="{5548425D-2C21-4C56-BAD4-662978775C28}"/>
               </a:ext>
             </a:extLst>
           </p:cNvPr>
@@ -5346,7 +5346,7 @@
           <p:cNvPr id="7" name="Espaço Reservado para Número de Slide 6">
             <a:extLst>
               <a:ext uri="{FF2B5EF4-FFF2-40B4-BE49-F238E27FC236}">
-                <a16:creationId xmlns="" xmlns:a16="http://schemas.microsoft.com/office/drawing/2014/main" id="{C63E9726-E64C-42B2-AE8A-8C235A956B48}"/>
+                <a16:creationId xmlns:a16="http://schemas.microsoft.com/office/drawing/2014/main" xmlns="" id="{C63E9726-E64C-42B2-AE8A-8C235A956B48}"/>
               </a:ext>
             </a:extLst>
           </p:cNvPr>
@@ -5405,7 +5405,7 @@
           <p:cNvPr id="2" name="Título 1">
             <a:extLst>
               <a:ext uri="{FF2B5EF4-FFF2-40B4-BE49-F238E27FC236}">
-                <a16:creationId xmlns="" xmlns:a16="http://schemas.microsoft.com/office/drawing/2014/main" id="{11086A78-3E74-450C-96A6-CA8AC37AF772}"/>
+                <a16:creationId xmlns:a16="http://schemas.microsoft.com/office/drawing/2014/main" xmlns="" id="{11086A78-3E74-450C-96A6-CA8AC37AF772}"/>
               </a:ext>
             </a:extLst>
           </p:cNvPr>
@@ -5442,7 +5442,7 @@
           <p:cNvPr id="3" name="Espaço Reservado para Imagem 2">
             <a:extLst>
               <a:ext uri="{FF2B5EF4-FFF2-40B4-BE49-F238E27FC236}">
-                <a16:creationId xmlns="" xmlns:a16="http://schemas.microsoft.com/office/drawing/2014/main" id="{5F5B7312-975A-4DBC-9B2F-3652ADA006FD}"/>
+                <a16:creationId xmlns:a16="http://schemas.microsoft.com/office/drawing/2014/main" xmlns="" id="{5F5B7312-975A-4DBC-9B2F-3652ADA006FD}"/>
               </a:ext>
             </a:extLst>
           </p:cNvPr>
@@ -5509,7 +5509,7 @@
           <p:cNvPr id="4" name="Espaço Reservado para Texto 3">
             <a:extLst>
               <a:ext uri="{FF2B5EF4-FFF2-40B4-BE49-F238E27FC236}">
-                <a16:creationId xmlns="" xmlns:a16="http://schemas.microsoft.com/office/drawing/2014/main" id="{AAF805F5-1DFF-41C6-944C-7D79FE0D0963}"/>
+                <a16:creationId xmlns:a16="http://schemas.microsoft.com/office/drawing/2014/main" xmlns="" id="{AAF805F5-1DFF-41C6-944C-7D79FE0D0963}"/>
               </a:ext>
             </a:extLst>
           </p:cNvPr>
@@ -5580,7 +5580,7 @@
           <p:cNvPr id="5" name="Espaço Reservado para Data 4">
             <a:extLst>
               <a:ext uri="{FF2B5EF4-FFF2-40B4-BE49-F238E27FC236}">
-                <a16:creationId xmlns="" xmlns:a16="http://schemas.microsoft.com/office/drawing/2014/main" id="{02113D81-8665-4516-BD81-C6A1F254EECD}"/>
+                <a16:creationId xmlns:a16="http://schemas.microsoft.com/office/drawing/2014/main" xmlns="" id="{02113D81-8665-4516-BD81-C6A1F254EECD}"/>
               </a:ext>
             </a:extLst>
           </p:cNvPr>
@@ -5598,7 +5598,7 @@
           <a:p>
             <a:fld id="{63289F7E-B80B-496E-81B4-D396C37C9454}" type="datetimeFigureOut">
               <a:rPr lang="pt-BR" smtClean="0"/>
-              <a:t>27/08/2021</a:t>
+              <a:t>28/08/2021</a:t>
             </a:fld>
             <a:endParaRPr lang="pt-BR"/>
           </a:p>
@@ -5609,7 +5609,7 @@
           <p:cNvPr id="6" name="Espaço Reservado para Rodapé 5">
             <a:extLst>
               <a:ext uri="{FF2B5EF4-FFF2-40B4-BE49-F238E27FC236}">
-                <a16:creationId xmlns="" xmlns:a16="http://schemas.microsoft.com/office/drawing/2014/main" id="{2B00C88B-FF32-40AA-A187-727D96FD7862}"/>
+                <a16:creationId xmlns:a16="http://schemas.microsoft.com/office/drawing/2014/main" xmlns="" id="{2B00C88B-FF32-40AA-A187-727D96FD7862}"/>
               </a:ext>
             </a:extLst>
           </p:cNvPr>
@@ -5634,7 +5634,7 @@
           <p:cNvPr id="7" name="Espaço Reservado para Número de Slide 6">
             <a:extLst>
               <a:ext uri="{FF2B5EF4-FFF2-40B4-BE49-F238E27FC236}">
-                <a16:creationId xmlns="" xmlns:a16="http://schemas.microsoft.com/office/drawing/2014/main" id="{A04D1A2D-69F7-4B8F-A730-BC26DC340BA6}"/>
+                <a16:creationId xmlns:a16="http://schemas.microsoft.com/office/drawing/2014/main" xmlns="" id="{A04D1A2D-69F7-4B8F-A730-BC26DC340BA6}"/>
               </a:ext>
             </a:extLst>
           </p:cNvPr>
@@ -5698,7 +5698,7 @@
           <p:cNvPr id="2" name="Espaço Reservado para Título 1">
             <a:extLst>
               <a:ext uri="{FF2B5EF4-FFF2-40B4-BE49-F238E27FC236}">
-                <a16:creationId xmlns="" xmlns:a16="http://schemas.microsoft.com/office/drawing/2014/main" id="{E69A0273-1966-4A1B-9370-4C1CE5036371}"/>
+                <a16:creationId xmlns:a16="http://schemas.microsoft.com/office/drawing/2014/main" xmlns="" id="{E69A0273-1966-4A1B-9370-4C1CE5036371}"/>
               </a:ext>
             </a:extLst>
           </p:cNvPr>
@@ -5736,7 +5736,7 @@
           <p:cNvPr id="3" name="Espaço Reservado para Texto 2">
             <a:extLst>
               <a:ext uri="{FF2B5EF4-FFF2-40B4-BE49-F238E27FC236}">
-                <a16:creationId xmlns="" xmlns:a16="http://schemas.microsoft.com/office/drawing/2014/main" id="{3B9CF87A-0448-49A7-AB25-EBC1D56A40EF}"/>
+                <a16:creationId xmlns:a16="http://schemas.microsoft.com/office/drawing/2014/main" xmlns="" id="{3B9CF87A-0448-49A7-AB25-EBC1D56A40EF}"/>
               </a:ext>
             </a:extLst>
           </p:cNvPr>
@@ -5803,7 +5803,7 @@
           <p:cNvPr id="4" name="Espaço Reservado para Data 3">
             <a:extLst>
               <a:ext uri="{FF2B5EF4-FFF2-40B4-BE49-F238E27FC236}">
-                <a16:creationId xmlns="" xmlns:a16="http://schemas.microsoft.com/office/drawing/2014/main" id="{2EF7B1F2-BB5A-44D0-816D-16AD2C71430E}"/>
+                <a16:creationId xmlns:a16="http://schemas.microsoft.com/office/drawing/2014/main" xmlns="" id="{2EF7B1F2-BB5A-44D0-816D-16AD2C71430E}"/>
               </a:ext>
             </a:extLst>
           </p:cNvPr>
@@ -5839,7 +5839,7 @@
           <a:p>
             <a:fld id="{63289F7E-B80B-496E-81B4-D396C37C9454}" type="datetimeFigureOut">
               <a:rPr lang="pt-BR" smtClean="0"/>
-              <a:t>27/08/2021</a:t>
+              <a:t>28/08/2021</a:t>
             </a:fld>
             <a:endParaRPr lang="pt-BR"/>
           </a:p>
@@ -5850,7 +5850,7 @@
           <p:cNvPr id="5" name="Espaço Reservado para Rodapé 4">
             <a:extLst>
               <a:ext uri="{FF2B5EF4-FFF2-40B4-BE49-F238E27FC236}">
-                <a16:creationId xmlns="" xmlns:a16="http://schemas.microsoft.com/office/drawing/2014/main" id="{C703F94C-2CC8-4DAA-BC35-14FC3E841DCD}"/>
+                <a16:creationId xmlns:a16="http://schemas.microsoft.com/office/drawing/2014/main" xmlns="" id="{C703F94C-2CC8-4DAA-BC35-14FC3E841DCD}"/>
               </a:ext>
             </a:extLst>
           </p:cNvPr>
@@ -5893,7 +5893,7 @@
           <p:cNvPr id="6" name="Espaço Reservado para Número de Slide 5">
             <a:extLst>
               <a:ext uri="{FF2B5EF4-FFF2-40B4-BE49-F238E27FC236}">
-                <a16:creationId xmlns="" xmlns:a16="http://schemas.microsoft.com/office/drawing/2014/main" id="{64051336-7048-457A-8B61-D94291D71648}"/>
+                <a16:creationId xmlns:a16="http://schemas.microsoft.com/office/drawing/2014/main" xmlns="" id="{64051336-7048-457A-8B61-D94291D71648}"/>
               </a:ext>
             </a:extLst>
           </p:cNvPr>
@@ -6261,7 +6261,7 @@
           <p:cNvPr id="2" name="Título 1">
             <a:extLst>
               <a:ext uri="{FF2B5EF4-FFF2-40B4-BE49-F238E27FC236}">
-                <a16:creationId xmlns="" xmlns:a16="http://schemas.microsoft.com/office/drawing/2014/main" id="{32666AC8-2E17-4DB4-B0F5-60C640CCFD2E}"/>
+                <a16:creationId xmlns:a16="http://schemas.microsoft.com/office/drawing/2014/main" xmlns="" id="{32666AC8-2E17-4DB4-B0F5-60C640CCFD2E}"/>
               </a:ext>
             </a:extLst>
           </p:cNvPr>
@@ -6308,7 +6308,7 @@
           <p:cNvPr id="4" name="CaixaDeTexto 3">
             <a:extLst>
               <a:ext uri="{FF2B5EF4-FFF2-40B4-BE49-F238E27FC236}">
-                <a16:creationId xmlns="" xmlns:a16="http://schemas.microsoft.com/office/drawing/2014/main" id="{430EB894-B7D4-434C-9D1A-A14094D9BEEC}"/>
+                <a16:creationId xmlns:a16="http://schemas.microsoft.com/office/drawing/2014/main" xmlns="" id="{430EB894-B7D4-434C-9D1A-A14094D9BEEC}"/>
               </a:ext>
             </a:extLst>
           </p:cNvPr>
@@ -6349,7 +6349,7 @@
           <p:cNvPr id="1026" name="Picture 2" descr="Logo">
             <a:extLst>
               <a:ext uri="{FF2B5EF4-FFF2-40B4-BE49-F238E27FC236}">
-                <a16:creationId xmlns="" xmlns:a16="http://schemas.microsoft.com/office/drawing/2014/main" id="{3F2642E0-4F6A-4196-8F58-E77D36E9A33F}"/>
+                <a16:creationId xmlns:a16="http://schemas.microsoft.com/office/drawing/2014/main" xmlns="" id="{3F2642E0-4F6A-4196-8F58-E77D36E9A33F}"/>
               </a:ext>
             </a:extLst>
           </p:cNvPr>
@@ -6394,7 +6394,7 @@
           <p:cNvPr id="5122" name="Picture 2" descr="Image result for machine learning">
             <a:extLst>
               <a:ext uri="{FF2B5EF4-FFF2-40B4-BE49-F238E27FC236}">
-                <a16:creationId xmlns="" xmlns:a16="http://schemas.microsoft.com/office/drawing/2014/main" id="{810CE0A2-4102-44A6-A370-175E7896CDCB}"/>
+                <a16:creationId xmlns:a16="http://schemas.microsoft.com/office/drawing/2014/main" xmlns="" id="{810CE0A2-4102-44A6-A370-175E7896CDCB}"/>
               </a:ext>
             </a:extLst>
           </p:cNvPr>
@@ -8360,8 +8360,8 @@
           </a:p>
         </p:txBody>
       </p:sp>
-      <mc:AlternateContent xmlns:mc="http://schemas.openxmlformats.org/markup-compatibility/2006">
-        <mc:Choice xmlns:a14="http://schemas.microsoft.com/office/drawing/2010/main" Requires="a14">
+      <mc:AlternateContent xmlns:mc="http://schemas.openxmlformats.org/markup-compatibility/2006" xmlns:a14="http://schemas.microsoft.com/office/drawing/2010/main">
+        <mc:Choice Requires="a14">
           <p:sp>
             <p:nvSpPr>
               <p:cNvPr id="3" name="Content Placeholder 2"/>
@@ -9094,7 +9094,7 @@
             </p:txBody>
           </p:sp>
         </mc:Choice>
-        <mc:Fallback>
+        <mc:Fallback xmlns="">
           <p:sp>
             <p:nvSpPr>
               <p:cNvPr id="3" name="Content Placeholder 2"/>
@@ -9169,8 +9169,8 @@
           </a:p>
         </p:txBody>
       </p:sp>
-      <mc:AlternateContent xmlns:mc="http://schemas.openxmlformats.org/markup-compatibility/2006">
-        <mc:Choice xmlns:a14="http://schemas.microsoft.com/office/drawing/2010/main" Requires="a14">
+      <mc:AlternateContent xmlns:mc="http://schemas.openxmlformats.org/markup-compatibility/2006" xmlns:a14="http://schemas.microsoft.com/office/drawing/2010/main">
+        <mc:Choice Requires="a14">
           <p:sp>
             <p:nvSpPr>
               <p:cNvPr id="5" name="TextBox 4"/>
@@ -9372,7 +9372,7 @@
             </p:txBody>
           </p:sp>
         </mc:Choice>
-        <mc:Fallback>
+        <mc:Fallback xmlns="">
           <p:sp>
             <p:nvSpPr>
               <p:cNvPr id="5" name="TextBox 4"/>
@@ -9447,8 +9447,8 @@
           </a:fontRef>
         </p:style>
       </p:cxnSp>
-      <mc:AlternateContent xmlns:mc="http://schemas.openxmlformats.org/markup-compatibility/2006">
-        <mc:Choice xmlns:a14="http://schemas.microsoft.com/office/drawing/2010/main" Requires="a14">
+      <mc:AlternateContent xmlns:mc="http://schemas.openxmlformats.org/markup-compatibility/2006" xmlns:a14="http://schemas.microsoft.com/office/drawing/2010/main">
+        <mc:Choice Requires="a14">
           <p:sp>
             <p:nvSpPr>
               <p:cNvPr id="9" name="TextBox 8"/>
@@ -9485,22 +9485,30 @@
                 <a14:m>
                   <m:oMath xmlns:m="http://schemas.openxmlformats.org/officeDocument/2006/math">
                     <m:r>
-                      <a:rPr lang="pt-BR"/>
+                      <a:rPr lang="pt-BR">
+                        <a:latin typeface="Cambria Math" panose="02040503050406030204" pitchFamily="18" charset="0"/>
+                      </a:rPr>
                       <m:t>𝑿</m:t>
                     </m:r>
                     <m:r>
-                      <a:rPr lang="pt-BR"/>
+                      <a:rPr lang="pt-BR">
+                        <a:latin typeface="Cambria Math" panose="02040503050406030204" pitchFamily="18" charset="0"/>
+                      </a:rPr>
                       <m:t>∈</m:t>
                     </m:r>
                     <m:sSup>
                       <m:sSupPr>
                         <m:ctrlPr>
-                          <a:rPr lang="pt-BR"/>
+                          <a:rPr lang="pt-BR" i="1">
+                            <a:latin typeface="Cambria Math" panose="02040503050406030204" pitchFamily="18" charset="0"/>
+                          </a:rPr>
                         </m:ctrlPr>
                       </m:sSupPr>
                       <m:e>
                         <m:r>
-                          <a:rPr lang="pt-BR"/>
+                          <a:rPr lang="pt-BR">
+                            <a:latin typeface="Cambria Math" panose="02040503050406030204" pitchFamily="18" charset="0"/>
+                          </a:rPr>
                           <m:t>ℝ</m:t>
                         </m:r>
                       </m:e>
@@ -9509,18 +9517,24 @@
                           <m:rPr>
                             <m:sty m:val="p"/>
                           </m:rPr>
-                          <a:rPr lang="pt-BR"/>
+                          <a:rPr lang="pt-BR">
+                            <a:latin typeface="Cambria Math" panose="02040503050406030204" pitchFamily="18" charset="0"/>
+                          </a:rPr>
                           <m:t>N</m:t>
                         </m:r>
                         <m:r>
-                          <a:rPr lang="pt-BR"/>
+                          <a:rPr lang="pt-BR">
+                            <a:latin typeface="Cambria Math" panose="02040503050406030204" pitchFamily="18" charset="0"/>
+                          </a:rPr>
                           <m:t>×</m:t>
                         </m:r>
                         <m:r>
                           <m:rPr>
                             <m:sty m:val="p"/>
                           </m:rPr>
-                          <a:rPr lang="pt-BR"/>
+                          <a:rPr lang="pt-BR">
+                            <a:latin typeface="Cambria Math" panose="02040503050406030204" pitchFamily="18" charset="0"/>
+                          </a:rPr>
                           <m:t>K</m:t>
                         </m:r>
                         <m:r>
@@ -9540,7 +9554,9 @@
                 <a14:m>
                   <m:oMath xmlns:m="http://schemas.openxmlformats.org/officeDocument/2006/math">
                     <m:r>
-                      <a:rPr lang="pt-BR"/>
+                      <a:rPr lang="pt-BR">
+                        <a:latin typeface="Cambria Math" panose="02040503050406030204" pitchFamily="18" charset="0"/>
+                      </a:rPr>
                       <m:t>𝒚</m:t>
                     </m:r>
                   </m:oMath>
@@ -9555,12 +9571,16 @@
                       <m:accPr>
                         <m:chr m:val="̂"/>
                         <m:ctrlPr>
-                          <a:rPr lang="pt-BR"/>
+                          <a:rPr lang="pt-BR" i="1">
+                            <a:latin typeface="Cambria Math" panose="02040503050406030204" pitchFamily="18" charset="0"/>
+                          </a:rPr>
                         </m:ctrlPr>
                       </m:accPr>
                       <m:e>
                         <m:r>
-                          <a:rPr lang="pt-BR"/>
+                          <a:rPr lang="pt-BR">
+                            <a:latin typeface="Cambria Math" panose="02040503050406030204" pitchFamily="18" charset="0"/>
+                          </a:rPr>
                           <m:t>𝒚</m:t>
                         </m:r>
                       </m:e>
@@ -9574,18 +9594,24 @@
                 <a14:m>
                   <m:oMath xmlns:m="http://schemas.openxmlformats.org/officeDocument/2006/math">
                     <m:r>
-                      <a:rPr lang="pt-BR"/>
+                      <a:rPr lang="pt-BR">
+                        <a:latin typeface="Cambria Math" panose="02040503050406030204" pitchFamily="18" charset="0"/>
+                      </a:rPr>
                       <m:t>∈</m:t>
                     </m:r>
                     <m:sSup>
                       <m:sSupPr>
                         <m:ctrlPr>
-                          <a:rPr lang="pt-BR"/>
+                          <a:rPr lang="pt-BR" i="1">
+                            <a:latin typeface="Cambria Math" panose="02040503050406030204" pitchFamily="18" charset="0"/>
+                          </a:rPr>
                         </m:ctrlPr>
                       </m:sSupPr>
                       <m:e>
                         <m:r>
-                          <a:rPr lang="pt-BR"/>
+                          <a:rPr lang="pt-BR">
+                            <a:latin typeface="Cambria Math" panose="02040503050406030204" pitchFamily="18" charset="0"/>
+                          </a:rPr>
                           <m:t>ℝ</m:t>
                         </m:r>
                       </m:e>
@@ -9594,15 +9620,21 @@
                           <m:rPr>
                             <m:sty m:val="p"/>
                           </m:rPr>
-                          <a:rPr lang="pt-BR"/>
+                          <a:rPr lang="pt-BR">
+                            <a:latin typeface="Cambria Math" panose="02040503050406030204" pitchFamily="18" charset="0"/>
+                          </a:rPr>
                           <m:t>N</m:t>
                         </m:r>
                         <m:r>
-                          <a:rPr lang="pt-BR"/>
+                          <a:rPr lang="pt-BR">
+                            <a:latin typeface="Cambria Math" panose="02040503050406030204" pitchFamily="18" charset="0"/>
+                          </a:rPr>
                           <m:t>×</m:t>
                         </m:r>
                         <m:r>
-                          <a:rPr lang="pt-BR"/>
+                          <a:rPr lang="pt-BR">
+                            <a:latin typeface="Cambria Math" panose="02040503050406030204" pitchFamily="18" charset="0"/>
+                          </a:rPr>
                           <m:t>𝟏</m:t>
                         </m:r>
                       </m:sup>
@@ -9614,7 +9646,7 @@
             </p:txBody>
           </p:sp>
         </mc:Choice>
-        <mc:Fallback>
+        <mc:Fallback xmlns="">
           <p:sp>
             <p:nvSpPr>
               <p:cNvPr id="9" name="TextBox 8"/>
@@ -18406,7 +18438,7 @@
           <p:cNvPr id="4" name="Título 1">
             <a:extLst>
               <a:ext uri="{FF2B5EF4-FFF2-40B4-BE49-F238E27FC236}">
-                <a16:creationId xmlns="" xmlns:a16="http://schemas.microsoft.com/office/drawing/2014/main" id="{32666AC8-2E17-4DB4-B0F5-60C640CCFD2E}"/>
+                <a16:creationId xmlns:a16="http://schemas.microsoft.com/office/drawing/2014/main" xmlns="" id="{32666AC8-2E17-4DB4-B0F5-60C640CCFD2E}"/>
               </a:ext>
             </a:extLst>
           </p:cNvPr>
@@ -19294,8 +19326,8 @@
           </a:p>
         </p:txBody>
       </p:sp>
-      <mc:AlternateContent xmlns:mc="http://schemas.openxmlformats.org/markup-compatibility/2006">
-        <mc:Choice xmlns:a14="http://schemas.microsoft.com/office/drawing/2010/main" Requires="a14">
+      <mc:AlternateContent xmlns:mc="http://schemas.openxmlformats.org/markup-compatibility/2006" xmlns:a14="http://schemas.microsoft.com/office/drawing/2010/main">
+        <mc:Choice Requires="a14">
           <p:sp>
             <p:nvSpPr>
               <p:cNvPr id="3" name="Content Placeholder 2"/>
@@ -19514,7 +19546,7 @@
             </p:txBody>
           </p:sp>
         </mc:Choice>
-        <mc:Fallback>
+        <mc:Fallback xmlns="">
           <p:sp>
             <p:nvSpPr>
               <p:cNvPr id="3" name="Content Placeholder 2"/>
@@ -19604,8 +19636,8 @@
           </a:p>
         </p:txBody>
       </p:sp>
-      <mc:AlternateContent xmlns:mc="http://schemas.openxmlformats.org/markup-compatibility/2006">
-        <mc:Choice xmlns:a14="http://schemas.microsoft.com/office/drawing/2010/main" Requires="a14">
+      <mc:AlternateContent xmlns:mc="http://schemas.openxmlformats.org/markup-compatibility/2006" xmlns:a14="http://schemas.microsoft.com/office/drawing/2010/main">
+        <mc:Choice Requires="a14">
           <p:sp>
             <p:nvSpPr>
               <p:cNvPr id="3" name="Content Placeholder 2"/>
@@ -20671,11 +20703,7 @@
                 </a:r>
                 <a:r>
                   <a:rPr lang="pt-BR" b="1" i="1" dirty="0"/>
-                  <a:t> função de erro </a:t>
-                </a:r>
-                <a:r>
-                  <a:rPr lang="pt-BR" b="1" i="1" dirty="0"/>
-                  <a:t>médio</a:t>
+                  <a:t> função de erro médio</a:t>
                 </a:r>
                 <a:r>
                   <a:rPr lang="pt-BR" dirty="0"/>
@@ -21266,11 +21294,7 @@
                 </a:pPr>
                 <a:r>
                   <a:rPr lang="pt-BR" dirty="0"/>
-                  <a:t>o</a:t>
-                </a:r>
-                <a:r>
-                  <a:rPr lang="pt-BR" dirty="0"/>
-                  <a:t>nde </a:t>
+                  <a:t>onde </a:t>
                 </a:r>
                 <a14:m>
                   <m:oMath xmlns:m="http://schemas.openxmlformats.org/officeDocument/2006/math">
@@ -21737,12 +21761,11 @@
                   <a:rPr lang="pt-BR" dirty="0"/>
                   <a:t>. </a:t>
                 </a:r>
-                <a:endParaRPr lang="pt-BR" dirty="0"/>
               </a:p>
             </p:txBody>
           </p:sp>
         </mc:Choice>
-        <mc:Fallback>
+        <mc:Fallback xmlns="">
           <p:sp>
             <p:nvSpPr>
               <p:cNvPr id="3" name="Content Placeholder 2"/>
@@ -21870,11 +21893,7 @@
                 </a:r>
                 <a:r>
                   <a:rPr lang="pt-BR" b="1" i="1" dirty="0"/>
-                  <a:t> função de erro </a:t>
-                </a:r>
-                <a:r>
-                  <a:rPr lang="pt-BR" b="1" i="1" dirty="0"/>
-                  <a:t>médio</a:t>
+                  <a:t> função de erro médio</a:t>
                 </a:r>
                 <a:r>
                   <a:rPr lang="pt-BR" dirty="0"/>
@@ -22490,11 +22509,7 @@
                 </a:pPr>
                 <a:r>
                   <a:rPr lang="pt-BR" dirty="0"/>
-                  <a:t>o</a:t>
-                </a:r>
-                <a:r>
-                  <a:rPr lang="pt-BR" dirty="0"/>
-                  <a:t>nde </a:t>
+                  <a:t>onde </a:t>
                 </a:r>
                 <a14:m>
                   <m:oMath xmlns:m="http://schemas.openxmlformats.org/officeDocument/2006/math">
@@ -23001,6 +23016,154 @@
                 <a:r>
                   <a:rPr lang="pt-BR" dirty="0" smtClean="0"/>
                   <a:t> é a multiplicação elemento-a-elemento. </a:t>
+                </a:r>
+                <a:endParaRPr lang="pt-BR" dirty="0" smtClean="0"/>
+              </a:p>
+              <a:p>
+                <a:r>
+                  <a:rPr lang="pt-BR" dirty="0" smtClean="0"/>
+                  <a:t>De posse </a:t>
+                </a:r>
+                <a:r>
+                  <a:rPr lang="pt-BR" dirty="0"/>
+                  <a:t>do </a:t>
+                </a:r>
+                <a:r>
+                  <a:rPr lang="pt-BR" b="1" i="1" dirty="0"/>
+                  <a:t>vetor gradiente</a:t>
+                </a:r>
+                <a:r>
+                  <a:rPr lang="pt-BR" dirty="0"/>
+                  <a:t>, podemos usá-lo </a:t>
+                </a:r>
+                <a:r>
+                  <a:rPr lang="pt-BR" dirty="0" smtClean="0"/>
+                  <a:t>com o </a:t>
+                </a:r>
+                <a:r>
+                  <a:rPr lang="pt-BR" b="1" i="1" dirty="0" smtClean="0"/>
+                  <a:t>gradiente descendente</a:t>
+                </a:r>
+                <a:r>
+                  <a:rPr lang="pt-BR" dirty="0" smtClean="0"/>
+                  <a:t> para atualizar os pesos.</a:t>
+                </a:r>
+              </a:p>
+              <a:p>
+                <a:pPr marL="0" indent="0" algn="ctr">
+                  <a:buNone/>
+                </a:pPr>
+                <a14:m>
+                  <m:oMath xmlns:m="http://schemas.openxmlformats.org/officeDocument/2006/math">
+                    <m:r>
+                      <a:rPr lang="pt-BR" b="1" i="1">
+                        <a:latin typeface="Cambria Math" panose="02040503050406030204" pitchFamily="18" charset="0"/>
+                      </a:rPr>
+                      <m:t>𝒂</m:t>
+                    </m:r>
+                    <m:r>
+                      <a:rPr lang="pt-BR" b="1" i="1">
+                        <a:latin typeface="Cambria Math" panose="02040503050406030204" pitchFamily="18" charset="0"/>
+                      </a:rPr>
+                      <m:t>=</m:t>
+                    </m:r>
+                    <m:r>
+                      <a:rPr lang="pt-BR" b="1" i="1">
+                        <a:latin typeface="Cambria Math" panose="02040503050406030204" pitchFamily="18" charset="0"/>
+                      </a:rPr>
+                      <m:t>𝒂</m:t>
+                    </m:r>
+                    <m:r>
+                      <a:rPr lang="pt-BR" b="1" i="1">
+                        <a:latin typeface="Cambria Math" panose="02040503050406030204" pitchFamily="18" charset="0"/>
+                      </a:rPr>
+                      <m:t>−</m:t>
+                    </m:r>
+                    <m:r>
+                      <a:rPr lang="pt-BR" i="1">
+                        <a:latin typeface="Cambria Math" panose="02040503050406030204" pitchFamily="18" charset="0"/>
+                        <a:ea typeface="Cambria Math" panose="02040503050406030204" pitchFamily="18" charset="0"/>
+                      </a:rPr>
+                      <m:t>𝛼</m:t>
+                    </m:r>
+                    <m:f>
+                      <m:fPr>
+                        <m:ctrlPr>
+                          <a:rPr lang="pt-BR" i="1">
+                            <a:latin typeface="Cambria Math" panose="02040503050406030204" pitchFamily="18" charset="0"/>
+                          </a:rPr>
+                        </m:ctrlPr>
+                      </m:fPr>
+                      <m:num>
+                        <m:r>
+                          <a:rPr lang="pt-BR" i="1">
+                            <a:latin typeface="Cambria Math" panose="02040503050406030204" pitchFamily="18" charset="0"/>
+                          </a:rPr>
+                          <m:t>𝜕</m:t>
+                        </m:r>
+                        <m:sSub>
+                          <m:sSubPr>
+                            <m:ctrlPr>
+                              <a:rPr lang="pt-BR" i="1">
+                                <a:latin typeface="Cambria Math" panose="02040503050406030204" pitchFamily="18" charset="0"/>
+                              </a:rPr>
+                            </m:ctrlPr>
+                          </m:sSubPr>
+                          <m:e>
+                            <m:r>
+                              <a:rPr lang="pt-BR" i="1">
+                                <a:latin typeface="Cambria Math" panose="02040503050406030204" pitchFamily="18" charset="0"/>
+                              </a:rPr>
+                              <m:t>𝐽</m:t>
+                            </m:r>
+                          </m:e>
+                          <m:sub>
+                            <m:r>
+                              <a:rPr lang="pt-BR" i="1">
+                                <a:latin typeface="Cambria Math" panose="02040503050406030204" pitchFamily="18" charset="0"/>
+                              </a:rPr>
+                              <m:t>𝑒</m:t>
+                            </m:r>
+                          </m:sub>
+                        </m:sSub>
+                        <m:d>
+                          <m:dPr>
+                            <m:ctrlPr>
+                              <a:rPr lang="pt-BR" i="1">
+                                <a:latin typeface="Cambria Math" panose="02040503050406030204" pitchFamily="18" charset="0"/>
+                              </a:rPr>
+                            </m:ctrlPr>
+                          </m:dPr>
+                          <m:e>
+                            <m:r>
+                              <a:rPr lang="pt-BR" b="1" i="1">
+                                <a:latin typeface="Cambria Math" panose="02040503050406030204" pitchFamily="18" charset="0"/>
+                              </a:rPr>
+                              <m:t>𝒂</m:t>
+                            </m:r>
+                          </m:e>
+                        </m:d>
+                      </m:num>
+                      <m:den>
+                        <m:r>
+                          <a:rPr lang="pt-BR" i="1">
+                            <a:latin typeface="Cambria Math" panose="02040503050406030204" pitchFamily="18" charset="0"/>
+                          </a:rPr>
+                          <m:t>𝜕</m:t>
+                        </m:r>
+                        <m:r>
+                          <a:rPr lang="pt-BR" b="1" i="1">
+                            <a:latin typeface="Cambria Math" panose="02040503050406030204" pitchFamily="18" charset="0"/>
+                          </a:rPr>
+                          <m:t>𝒂</m:t>
+                        </m:r>
+                      </m:den>
+                    </m:f>
+                  </m:oMath>
+                </a14:m>
+                <a:r>
+                  <a:rPr lang="pt-BR" dirty="0" smtClean="0"/>
+                  <a:t>.</a:t>
                 </a:r>
                 <a:endParaRPr lang="pt-BR" dirty="0"/>
               </a:p>
@@ -23053,7 +23216,7 @@
         </p:nvSpPr>
         <p:spPr>
           <a:xfrm>
-            <a:off x="6896373" y="6308989"/>
+            <a:off x="7027001" y="6443925"/>
             <a:ext cx="5048883" cy="338554"/>
           </a:xfrm>
           <a:prstGeom prst="rect">
@@ -28499,13 +28662,7 @@
                           <a:rPr lang="pt-BR" i="1">
                             <a:latin typeface="Cambria Math" panose="02040503050406030204" pitchFamily="18" charset="0"/>
                           </a:rPr>
-                          <m:t>=</m:t>
-                        </m:r>
-                        <m:r>
-                          <a:rPr lang="pt-BR" i="1">
-                            <a:latin typeface="Cambria Math" panose="02040503050406030204" pitchFamily="18" charset="0"/>
-                          </a:rPr>
-                          <m:t>1</m:t>
+                          <m:t>=1</m:t>
                         </m:r>
                       </m:sub>
                       <m:sup>
@@ -28674,13 +28831,7 @@
                           <a:rPr lang="pt-BR" i="1">
                             <a:latin typeface="Cambria Math" panose="02040503050406030204" pitchFamily="18" charset="0"/>
                           </a:rPr>
-                          <m:t>=</m:t>
-                        </m:r>
-                        <m:r>
-                          <a:rPr lang="pt-BR" i="1">
-                            <a:latin typeface="Cambria Math" panose="02040503050406030204" pitchFamily="18" charset="0"/>
-                          </a:rPr>
-                          <m:t>1</m:t>
+                          <m:t>=1</m:t>
                         </m:r>
                       </m:sub>
                       <m:sup>
@@ -29282,13 +29433,7 @@
                                   <a:rPr lang="pt-BR" i="1">
                                     <a:latin typeface="Cambria Math" panose="02040503050406030204" pitchFamily="18" charset="0"/>
                                   </a:rPr>
-                                  <m:t>=</m:t>
-                                </m:r>
-                                <m:r>
-                                  <a:rPr lang="pt-BR" i="1">
-                                    <a:latin typeface="Cambria Math" panose="02040503050406030204" pitchFamily="18" charset="0"/>
-                                  </a:rPr>
-                                  <m:t>1</m:t>
+                                  <m:t>=1</m:t>
                                 </m:r>
                               </m:e>
                             </m:mr>
@@ -29343,13 +29488,7 @@
                                           <a:rPr lang="pt-BR" i="1">
                                             <a:latin typeface="Cambria Math" panose="02040503050406030204" pitchFamily="18" charset="0"/>
                                           </a:rPr>
-                                          <m:t>1</m:t>
-                                        </m:r>
-                                        <m:r>
-                                          <a:rPr lang="pt-BR" i="1">
-                                            <a:latin typeface="Cambria Math" panose="02040503050406030204" pitchFamily="18" charset="0"/>
-                                          </a:rPr>
-                                          <m:t>−</m:t>
+                                          <m:t>1−</m:t>
                                         </m:r>
                                         <m:sSub>
                                           <m:sSubPr>
@@ -29465,13 +29604,7 @@
                                   <a:rPr lang="pt-BR" i="1">
                                     <a:latin typeface="Cambria Math" panose="02040503050406030204" pitchFamily="18" charset="0"/>
                                   </a:rPr>
-                                  <m:t>=</m:t>
-                                </m:r>
-                                <m:r>
-                                  <a:rPr lang="pt-BR" i="1">
-                                    <a:latin typeface="Cambria Math" panose="02040503050406030204" pitchFamily="18" charset="0"/>
-                                  </a:rPr>
-                                  <m:t>0</m:t>
+                                  <m:t>=0</m:t>
                                 </m:r>
                               </m:e>
                             </m:mr>

--- a/slides/T320_Classificação (Parte III).pptx
+++ b/slides/T320_Classificação (Parte III).pptx
@@ -292,7 +292,7 @@
           <a:p>
             <a:fld id="{144F1436-6906-4D93-B7A2-786C327BFA14}" type="datetimeFigureOut">
               <a:rPr lang="nl-BE" smtClean="0"/>
-              <a:t>28/08/2021</a:t>
+              <a:t>29/09/2021</a:t>
             </a:fld>
             <a:endParaRPr lang="nl-BE"/>
           </a:p>
@@ -457,7 +457,7 @@
           <a:p>
             <a:fld id="{AA8CD09E-2914-4F47-B6C1-51B2C31814C9}" type="datetimeFigureOut">
               <a:rPr lang="pt-BR" smtClean="0"/>
-              <a:t>28/08/2021</a:t>
+              <a:t>29/09/2021</a:t>
             </a:fld>
             <a:endParaRPr lang="pt-BR"/>
           </a:p>
@@ -3064,7 +3064,7 @@
           <p:cNvPr id="2" name="Título 1">
             <a:extLst>
               <a:ext uri="{FF2B5EF4-FFF2-40B4-BE49-F238E27FC236}">
-                <a16:creationId xmlns:a16="http://schemas.microsoft.com/office/drawing/2014/main" xmlns="" id="{1DB9B4FF-B06E-403C-A326-BDC64D8FF94E}"/>
+                <a16:creationId xmlns="" xmlns:a16="http://schemas.microsoft.com/office/drawing/2014/main" id="{1DB9B4FF-B06E-403C-A326-BDC64D8FF94E}"/>
               </a:ext>
             </a:extLst>
           </p:cNvPr>
@@ -3101,7 +3101,7 @@
           <p:cNvPr id="3" name="Subtítulo 2">
             <a:extLst>
               <a:ext uri="{FF2B5EF4-FFF2-40B4-BE49-F238E27FC236}">
-                <a16:creationId xmlns:a16="http://schemas.microsoft.com/office/drawing/2014/main" xmlns="" id="{247BDFCE-746E-45BF-A319-4733D58D1632}"/>
+                <a16:creationId xmlns="" xmlns:a16="http://schemas.microsoft.com/office/drawing/2014/main" id="{247BDFCE-746E-45BF-A319-4733D58D1632}"/>
               </a:ext>
             </a:extLst>
           </p:cNvPr>
@@ -3171,7 +3171,7 @@
           <p:cNvPr id="4" name="Espaço Reservado para Data 3">
             <a:extLst>
               <a:ext uri="{FF2B5EF4-FFF2-40B4-BE49-F238E27FC236}">
-                <a16:creationId xmlns:a16="http://schemas.microsoft.com/office/drawing/2014/main" xmlns="" id="{9EDE2778-5372-4104-B96D-968184DA8288}"/>
+                <a16:creationId xmlns="" xmlns:a16="http://schemas.microsoft.com/office/drawing/2014/main" id="{9EDE2778-5372-4104-B96D-968184DA8288}"/>
               </a:ext>
             </a:extLst>
           </p:cNvPr>
@@ -3189,7 +3189,7 @@
           <a:p>
             <a:fld id="{63289F7E-B80B-496E-81B4-D396C37C9454}" type="datetimeFigureOut">
               <a:rPr lang="pt-BR" smtClean="0"/>
-              <a:t>28/08/2021</a:t>
+              <a:t>29/09/2021</a:t>
             </a:fld>
             <a:endParaRPr lang="pt-BR"/>
           </a:p>
@@ -3200,7 +3200,7 @@
           <p:cNvPr id="5" name="Espaço Reservado para Rodapé 4">
             <a:extLst>
               <a:ext uri="{FF2B5EF4-FFF2-40B4-BE49-F238E27FC236}">
-                <a16:creationId xmlns:a16="http://schemas.microsoft.com/office/drawing/2014/main" xmlns="" id="{C1DD0F41-C861-4051-988D-3024A37A4B93}"/>
+                <a16:creationId xmlns="" xmlns:a16="http://schemas.microsoft.com/office/drawing/2014/main" id="{C1DD0F41-C861-4051-988D-3024A37A4B93}"/>
               </a:ext>
             </a:extLst>
           </p:cNvPr>
@@ -3225,7 +3225,7 @@
           <p:cNvPr id="6" name="Espaço Reservado para Número de Slide 5">
             <a:extLst>
               <a:ext uri="{FF2B5EF4-FFF2-40B4-BE49-F238E27FC236}">
-                <a16:creationId xmlns:a16="http://schemas.microsoft.com/office/drawing/2014/main" xmlns="" id="{07E5967E-D980-431A-A5DB-3F0C5030A81E}"/>
+                <a16:creationId xmlns="" xmlns:a16="http://schemas.microsoft.com/office/drawing/2014/main" id="{07E5967E-D980-431A-A5DB-3F0C5030A81E}"/>
               </a:ext>
             </a:extLst>
           </p:cNvPr>
@@ -3284,7 +3284,7 @@
           <p:cNvPr id="2" name="Título 1">
             <a:extLst>
               <a:ext uri="{FF2B5EF4-FFF2-40B4-BE49-F238E27FC236}">
-                <a16:creationId xmlns:a16="http://schemas.microsoft.com/office/drawing/2014/main" xmlns="" id="{9036C49F-3E68-4175-81BA-3C3FEE44308A}"/>
+                <a16:creationId xmlns="" xmlns:a16="http://schemas.microsoft.com/office/drawing/2014/main" id="{9036C49F-3E68-4175-81BA-3C3FEE44308A}"/>
               </a:ext>
             </a:extLst>
           </p:cNvPr>
@@ -3312,7 +3312,7 @@
           <p:cNvPr id="3" name="Espaço Reservado para Texto Vertical 2">
             <a:extLst>
               <a:ext uri="{FF2B5EF4-FFF2-40B4-BE49-F238E27FC236}">
-                <a16:creationId xmlns:a16="http://schemas.microsoft.com/office/drawing/2014/main" xmlns="" id="{426FA736-3DD3-4D4E-B57B-BBE1D8F7D424}"/>
+                <a16:creationId xmlns="" xmlns:a16="http://schemas.microsoft.com/office/drawing/2014/main" id="{426FA736-3DD3-4D4E-B57B-BBE1D8F7D424}"/>
               </a:ext>
             </a:extLst>
           </p:cNvPr>
@@ -3369,7 +3369,7 @@
           <p:cNvPr id="4" name="Espaço Reservado para Data 3">
             <a:extLst>
               <a:ext uri="{FF2B5EF4-FFF2-40B4-BE49-F238E27FC236}">
-                <a16:creationId xmlns:a16="http://schemas.microsoft.com/office/drawing/2014/main" xmlns="" id="{99E8855C-D8FD-48F6-B14E-861E0DE4D915}"/>
+                <a16:creationId xmlns="" xmlns:a16="http://schemas.microsoft.com/office/drawing/2014/main" id="{99E8855C-D8FD-48F6-B14E-861E0DE4D915}"/>
               </a:ext>
             </a:extLst>
           </p:cNvPr>
@@ -3387,7 +3387,7 @@
           <a:p>
             <a:fld id="{63289F7E-B80B-496E-81B4-D396C37C9454}" type="datetimeFigureOut">
               <a:rPr lang="pt-BR" smtClean="0"/>
-              <a:t>28/08/2021</a:t>
+              <a:t>29/09/2021</a:t>
             </a:fld>
             <a:endParaRPr lang="pt-BR"/>
           </a:p>
@@ -3398,7 +3398,7 @@
           <p:cNvPr id="5" name="Espaço Reservado para Rodapé 4">
             <a:extLst>
               <a:ext uri="{FF2B5EF4-FFF2-40B4-BE49-F238E27FC236}">
-                <a16:creationId xmlns:a16="http://schemas.microsoft.com/office/drawing/2014/main" xmlns="" id="{97C0BB88-2F21-42A5-ACFF-83DA47F2D340}"/>
+                <a16:creationId xmlns="" xmlns:a16="http://schemas.microsoft.com/office/drawing/2014/main" id="{97C0BB88-2F21-42A5-ACFF-83DA47F2D340}"/>
               </a:ext>
             </a:extLst>
           </p:cNvPr>
@@ -3423,7 +3423,7 @@
           <p:cNvPr id="6" name="Espaço Reservado para Número de Slide 5">
             <a:extLst>
               <a:ext uri="{FF2B5EF4-FFF2-40B4-BE49-F238E27FC236}">
-                <a16:creationId xmlns:a16="http://schemas.microsoft.com/office/drawing/2014/main" xmlns="" id="{6CB462B3-1F22-4C05-B4B8-7A279FB7D5E9}"/>
+                <a16:creationId xmlns="" xmlns:a16="http://schemas.microsoft.com/office/drawing/2014/main" id="{6CB462B3-1F22-4C05-B4B8-7A279FB7D5E9}"/>
               </a:ext>
             </a:extLst>
           </p:cNvPr>
@@ -3482,7 +3482,7 @@
           <p:cNvPr id="2" name="Título Vertical 1">
             <a:extLst>
               <a:ext uri="{FF2B5EF4-FFF2-40B4-BE49-F238E27FC236}">
-                <a16:creationId xmlns:a16="http://schemas.microsoft.com/office/drawing/2014/main" xmlns="" id="{EAEAB728-701C-4207-A9D5-23FF45C60502}"/>
+                <a16:creationId xmlns="" xmlns:a16="http://schemas.microsoft.com/office/drawing/2014/main" id="{EAEAB728-701C-4207-A9D5-23FF45C60502}"/>
               </a:ext>
             </a:extLst>
           </p:cNvPr>
@@ -3515,7 +3515,7 @@
           <p:cNvPr id="3" name="Espaço Reservado para Texto Vertical 2">
             <a:extLst>
               <a:ext uri="{FF2B5EF4-FFF2-40B4-BE49-F238E27FC236}">
-                <a16:creationId xmlns:a16="http://schemas.microsoft.com/office/drawing/2014/main" xmlns="" id="{BA8C8CCF-7823-480A-9A19-0F664DD17E3B}"/>
+                <a16:creationId xmlns="" xmlns:a16="http://schemas.microsoft.com/office/drawing/2014/main" id="{BA8C8CCF-7823-480A-9A19-0F664DD17E3B}"/>
               </a:ext>
             </a:extLst>
           </p:cNvPr>
@@ -3577,7 +3577,7 @@
           <p:cNvPr id="4" name="Espaço Reservado para Data 3">
             <a:extLst>
               <a:ext uri="{FF2B5EF4-FFF2-40B4-BE49-F238E27FC236}">
-                <a16:creationId xmlns:a16="http://schemas.microsoft.com/office/drawing/2014/main" xmlns="" id="{721D5734-7B1F-425D-942F-6EB73344027C}"/>
+                <a16:creationId xmlns="" xmlns:a16="http://schemas.microsoft.com/office/drawing/2014/main" id="{721D5734-7B1F-425D-942F-6EB73344027C}"/>
               </a:ext>
             </a:extLst>
           </p:cNvPr>
@@ -3595,7 +3595,7 @@
           <a:p>
             <a:fld id="{63289F7E-B80B-496E-81B4-D396C37C9454}" type="datetimeFigureOut">
               <a:rPr lang="pt-BR" smtClean="0"/>
-              <a:t>28/08/2021</a:t>
+              <a:t>29/09/2021</a:t>
             </a:fld>
             <a:endParaRPr lang="pt-BR"/>
           </a:p>
@@ -3606,7 +3606,7 @@
           <p:cNvPr id="5" name="Espaço Reservado para Rodapé 4">
             <a:extLst>
               <a:ext uri="{FF2B5EF4-FFF2-40B4-BE49-F238E27FC236}">
-                <a16:creationId xmlns:a16="http://schemas.microsoft.com/office/drawing/2014/main" xmlns="" id="{1E1AAEAC-F08D-45FE-89EC-B1B349A868C9}"/>
+                <a16:creationId xmlns="" xmlns:a16="http://schemas.microsoft.com/office/drawing/2014/main" id="{1E1AAEAC-F08D-45FE-89EC-B1B349A868C9}"/>
               </a:ext>
             </a:extLst>
           </p:cNvPr>
@@ -3631,7 +3631,7 @@
           <p:cNvPr id="6" name="Espaço Reservado para Número de Slide 5">
             <a:extLst>
               <a:ext uri="{FF2B5EF4-FFF2-40B4-BE49-F238E27FC236}">
-                <a16:creationId xmlns:a16="http://schemas.microsoft.com/office/drawing/2014/main" xmlns="" id="{BAA44493-9911-47B2-87A6-C2141A972BC8}"/>
+                <a16:creationId xmlns="" xmlns:a16="http://schemas.microsoft.com/office/drawing/2014/main" id="{BAA44493-9911-47B2-87A6-C2141A972BC8}"/>
               </a:ext>
             </a:extLst>
           </p:cNvPr>
@@ -3690,7 +3690,7 @@
           <p:cNvPr id="2" name="Título 1">
             <a:extLst>
               <a:ext uri="{FF2B5EF4-FFF2-40B4-BE49-F238E27FC236}">
-                <a16:creationId xmlns:a16="http://schemas.microsoft.com/office/drawing/2014/main" xmlns="" id="{71BD44A5-8F21-4626-A01D-48A1C874B1D5}"/>
+                <a16:creationId xmlns="" xmlns:a16="http://schemas.microsoft.com/office/drawing/2014/main" id="{71BD44A5-8F21-4626-A01D-48A1C874B1D5}"/>
               </a:ext>
             </a:extLst>
           </p:cNvPr>
@@ -3718,7 +3718,7 @@
           <p:cNvPr id="3" name="Espaço Reservado para Conteúdo 2">
             <a:extLst>
               <a:ext uri="{FF2B5EF4-FFF2-40B4-BE49-F238E27FC236}">
-                <a16:creationId xmlns:a16="http://schemas.microsoft.com/office/drawing/2014/main" xmlns="" id="{B79E8085-65A9-48AA-951D-71D978BFF4ED}"/>
+                <a16:creationId xmlns="" xmlns:a16="http://schemas.microsoft.com/office/drawing/2014/main" id="{B79E8085-65A9-48AA-951D-71D978BFF4ED}"/>
               </a:ext>
             </a:extLst>
           </p:cNvPr>
@@ -3775,7 +3775,7 @@
           <p:cNvPr id="4" name="Espaço Reservado para Data 3">
             <a:extLst>
               <a:ext uri="{FF2B5EF4-FFF2-40B4-BE49-F238E27FC236}">
-                <a16:creationId xmlns:a16="http://schemas.microsoft.com/office/drawing/2014/main" xmlns="" id="{F05BE1AF-51EA-425D-B188-DE7BD675009F}"/>
+                <a16:creationId xmlns="" xmlns:a16="http://schemas.microsoft.com/office/drawing/2014/main" id="{F05BE1AF-51EA-425D-B188-DE7BD675009F}"/>
               </a:ext>
             </a:extLst>
           </p:cNvPr>
@@ -3793,7 +3793,7 @@
           <a:p>
             <a:fld id="{63289F7E-B80B-496E-81B4-D396C37C9454}" type="datetimeFigureOut">
               <a:rPr lang="pt-BR" smtClean="0"/>
-              <a:t>28/08/2021</a:t>
+              <a:t>29/09/2021</a:t>
             </a:fld>
             <a:endParaRPr lang="pt-BR"/>
           </a:p>
@@ -3804,7 +3804,7 @@
           <p:cNvPr id="5" name="Espaço Reservado para Rodapé 4">
             <a:extLst>
               <a:ext uri="{FF2B5EF4-FFF2-40B4-BE49-F238E27FC236}">
-                <a16:creationId xmlns:a16="http://schemas.microsoft.com/office/drawing/2014/main" xmlns="" id="{121BE632-29CF-4CB9-B365-C9EF38F89BE6}"/>
+                <a16:creationId xmlns="" xmlns:a16="http://schemas.microsoft.com/office/drawing/2014/main" id="{121BE632-29CF-4CB9-B365-C9EF38F89BE6}"/>
               </a:ext>
             </a:extLst>
           </p:cNvPr>
@@ -3829,7 +3829,7 @@
           <p:cNvPr id="6" name="Espaço Reservado para Número de Slide 5">
             <a:extLst>
               <a:ext uri="{FF2B5EF4-FFF2-40B4-BE49-F238E27FC236}">
-                <a16:creationId xmlns:a16="http://schemas.microsoft.com/office/drawing/2014/main" xmlns="" id="{60CF3DD1-9AEC-4A57-B461-4E4DD86FAC18}"/>
+                <a16:creationId xmlns="" xmlns:a16="http://schemas.microsoft.com/office/drawing/2014/main" id="{60CF3DD1-9AEC-4A57-B461-4E4DD86FAC18}"/>
               </a:ext>
             </a:extLst>
           </p:cNvPr>
@@ -3888,7 +3888,7 @@
           <p:cNvPr id="2" name="Título 1">
             <a:extLst>
               <a:ext uri="{FF2B5EF4-FFF2-40B4-BE49-F238E27FC236}">
-                <a16:creationId xmlns:a16="http://schemas.microsoft.com/office/drawing/2014/main" xmlns="" id="{34AB2FF0-A4D7-4E28-991D-FF26140D5988}"/>
+                <a16:creationId xmlns="" xmlns:a16="http://schemas.microsoft.com/office/drawing/2014/main" id="{34AB2FF0-A4D7-4E28-991D-FF26140D5988}"/>
               </a:ext>
             </a:extLst>
           </p:cNvPr>
@@ -3925,7 +3925,7 @@
           <p:cNvPr id="3" name="Espaço Reservado para Texto 2">
             <a:extLst>
               <a:ext uri="{FF2B5EF4-FFF2-40B4-BE49-F238E27FC236}">
-                <a16:creationId xmlns:a16="http://schemas.microsoft.com/office/drawing/2014/main" xmlns="" id="{E2AC45B0-4145-40DB-8E61-105461170604}"/>
+                <a16:creationId xmlns="" xmlns:a16="http://schemas.microsoft.com/office/drawing/2014/main" id="{E2AC45B0-4145-40DB-8E61-105461170604}"/>
               </a:ext>
             </a:extLst>
           </p:cNvPr>
@@ -4050,7 +4050,7 @@
           <p:cNvPr id="4" name="Espaço Reservado para Data 3">
             <a:extLst>
               <a:ext uri="{FF2B5EF4-FFF2-40B4-BE49-F238E27FC236}">
-                <a16:creationId xmlns:a16="http://schemas.microsoft.com/office/drawing/2014/main" xmlns="" id="{50F1D3FB-740A-4EBA-A309-2CE71D12ECFB}"/>
+                <a16:creationId xmlns="" xmlns:a16="http://schemas.microsoft.com/office/drawing/2014/main" id="{50F1D3FB-740A-4EBA-A309-2CE71D12ECFB}"/>
               </a:ext>
             </a:extLst>
           </p:cNvPr>
@@ -4068,7 +4068,7 @@
           <a:p>
             <a:fld id="{63289F7E-B80B-496E-81B4-D396C37C9454}" type="datetimeFigureOut">
               <a:rPr lang="pt-BR" smtClean="0"/>
-              <a:t>28/08/2021</a:t>
+              <a:t>29/09/2021</a:t>
             </a:fld>
             <a:endParaRPr lang="pt-BR"/>
           </a:p>
@@ -4079,7 +4079,7 @@
           <p:cNvPr id="5" name="Espaço Reservado para Rodapé 4">
             <a:extLst>
               <a:ext uri="{FF2B5EF4-FFF2-40B4-BE49-F238E27FC236}">
-                <a16:creationId xmlns:a16="http://schemas.microsoft.com/office/drawing/2014/main" xmlns="" id="{BDCAB18F-8715-4465-A940-F9C193A2ACE9}"/>
+                <a16:creationId xmlns="" xmlns:a16="http://schemas.microsoft.com/office/drawing/2014/main" id="{BDCAB18F-8715-4465-A940-F9C193A2ACE9}"/>
               </a:ext>
             </a:extLst>
           </p:cNvPr>
@@ -4104,7 +4104,7 @@
           <p:cNvPr id="6" name="Espaço Reservado para Número de Slide 5">
             <a:extLst>
               <a:ext uri="{FF2B5EF4-FFF2-40B4-BE49-F238E27FC236}">
-                <a16:creationId xmlns:a16="http://schemas.microsoft.com/office/drawing/2014/main" xmlns="" id="{353466C6-8248-429F-8056-FF040BF509EB}"/>
+                <a16:creationId xmlns="" xmlns:a16="http://schemas.microsoft.com/office/drawing/2014/main" id="{353466C6-8248-429F-8056-FF040BF509EB}"/>
               </a:ext>
             </a:extLst>
           </p:cNvPr>
@@ -4163,7 +4163,7 @@
           <p:cNvPr id="2" name="Título 1">
             <a:extLst>
               <a:ext uri="{FF2B5EF4-FFF2-40B4-BE49-F238E27FC236}">
-                <a16:creationId xmlns:a16="http://schemas.microsoft.com/office/drawing/2014/main" xmlns="" id="{BC7BB9F0-F14B-4A91-B2B7-35BC47FE4DE7}"/>
+                <a16:creationId xmlns="" xmlns:a16="http://schemas.microsoft.com/office/drawing/2014/main" id="{BC7BB9F0-F14B-4A91-B2B7-35BC47FE4DE7}"/>
               </a:ext>
             </a:extLst>
           </p:cNvPr>
@@ -4191,7 +4191,7 @@
           <p:cNvPr id="3" name="Espaço Reservado para Conteúdo 2">
             <a:extLst>
               <a:ext uri="{FF2B5EF4-FFF2-40B4-BE49-F238E27FC236}">
-                <a16:creationId xmlns:a16="http://schemas.microsoft.com/office/drawing/2014/main" xmlns="" id="{EC1FC1C4-73DA-47A6-8496-B0B457F7D39A}"/>
+                <a16:creationId xmlns="" xmlns:a16="http://schemas.microsoft.com/office/drawing/2014/main" id="{EC1FC1C4-73DA-47A6-8496-B0B457F7D39A}"/>
               </a:ext>
             </a:extLst>
           </p:cNvPr>
@@ -4253,7 +4253,7 @@
           <p:cNvPr id="4" name="Espaço Reservado para Conteúdo 3">
             <a:extLst>
               <a:ext uri="{FF2B5EF4-FFF2-40B4-BE49-F238E27FC236}">
-                <a16:creationId xmlns:a16="http://schemas.microsoft.com/office/drawing/2014/main" xmlns="" id="{E92F06A8-A449-4D92-9912-76873E529B38}"/>
+                <a16:creationId xmlns="" xmlns:a16="http://schemas.microsoft.com/office/drawing/2014/main" id="{E92F06A8-A449-4D92-9912-76873E529B38}"/>
               </a:ext>
             </a:extLst>
           </p:cNvPr>
@@ -4315,7 +4315,7 @@
           <p:cNvPr id="5" name="Espaço Reservado para Data 4">
             <a:extLst>
               <a:ext uri="{FF2B5EF4-FFF2-40B4-BE49-F238E27FC236}">
-                <a16:creationId xmlns:a16="http://schemas.microsoft.com/office/drawing/2014/main" xmlns="" id="{938070A4-BC2F-4D55-BD8D-DEAF11BB9EE9}"/>
+                <a16:creationId xmlns="" xmlns:a16="http://schemas.microsoft.com/office/drawing/2014/main" id="{938070A4-BC2F-4D55-BD8D-DEAF11BB9EE9}"/>
               </a:ext>
             </a:extLst>
           </p:cNvPr>
@@ -4333,7 +4333,7 @@
           <a:p>
             <a:fld id="{63289F7E-B80B-496E-81B4-D396C37C9454}" type="datetimeFigureOut">
               <a:rPr lang="pt-BR" smtClean="0"/>
-              <a:t>28/08/2021</a:t>
+              <a:t>29/09/2021</a:t>
             </a:fld>
             <a:endParaRPr lang="pt-BR"/>
           </a:p>
@@ -4344,7 +4344,7 @@
           <p:cNvPr id="6" name="Espaço Reservado para Rodapé 5">
             <a:extLst>
               <a:ext uri="{FF2B5EF4-FFF2-40B4-BE49-F238E27FC236}">
-                <a16:creationId xmlns:a16="http://schemas.microsoft.com/office/drawing/2014/main" xmlns="" id="{45CC2DB8-844A-465F-BA9A-7734C80C7F43}"/>
+                <a16:creationId xmlns="" xmlns:a16="http://schemas.microsoft.com/office/drawing/2014/main" id="{45CC2DB8-844A-465F-BA9A-7734C80C7F43}"/>
               </a:ext>
             </a:extLst>
           </p:cNvPr>
@@ -4369,7 +4369,7 @@
           <p:cNvPr id="7" name="Espaço Reservado para Número de Slide 6">
             <a:extLst>
               <a:ext uri="{FF2B5EF4-FFF2-40B4-BE49-F238E27FC236}">
-                <a16:creationId xmlns:a16="http://schemas.microsoft.com/office/drawing/2014/main" xmlns="" id="{4CC606A8-097B-4040-94E0-CD8C88280D8F}"/>
+                <a16:creationId xmlns="" xmlns:a16="http://schemas.microsoft.com/office/drawing/2014/main" id="{4CC606A8-097B-4040-94E0-CD8C88280D8F}"/>
               </a:ext>
             </a:extLst>
           </p:cNvPr>
@@ -4428,7 +4428,7 @@
           <p:cNvPr id="2" name="Título 1">
             <a:extLst>
               <a:ext uri="{FF2B5EF4-FFF2-40B4-BE49-F238E27FC236}">
-                <a16:creationId xmlns:a16="http://schemas.microsoft.com/office/drawing/2014/main" xmlns="" id="{76D66686-0143-4CB6-8C09-BA326F1E7ACA}"/>
+                <a16:creationId xmlns="" xmlns:a16="http://schemas.microsoft.com/office/drawing/2014/main" id="{76D66686-0143-4CB6-8C09-BA326F1E7ACA}"/>
               </a:ext>
             </a:extLst>
           </p:cNvPr>
@@ -4461,7 +4461,7 @@
           <p:cNvPr id="3" name="Espaço Reservado para Texto 2">
             <a:extLst>
               <a:ext uri="{FF2B5EF4-FFF2-40B4-BE49-F238E27FC236}">
-                <a16:creationId xmlns:a16="http://schemas.microsoft.com/office/drawing/2014/main" xmlns="" id="{0227AB85-F59E-4BCE-B846-4FA0992C2F23}"/>
+                <a16:creationId xmlns="" xmlns:a16="http://schemas.microsoft.com/office/drawing/2014/main" id="{0227AB85-F59E-4BCE-B846-4FA0992C2F23}"/>
               </a:ext>
             </a:extLst>
           </p:cNvPr>
@@ -4532,7 +4532,7 @@
           <p:cNvPr id="4" name="Espaço Reservado para Conteúdo 3">
             <a:extLst>
               <a:ext uri="{FF2B5EF4-FFF2-40B4-BE49-F238E27FC236}">
-                <a16:creationId xmlns:a16="http://schemas.microsoft.com/office/drawing/2014/main" xmlns="" id="{3373456C-7319-4D0A-827D-D29F6B083F5D}"/>
+                <a16:creationId xmlns="" xmlns:a16="http://schemas.microsoft.com/office/drawing/2014/main" id="{3373456C-7319-4D0A-827D-D29F6B083F5D}"/>
               </a:ext>
             </a:extLst>
           </p:cNvPr>
@@ -4594,7 +4594,7 @@
           <p:cNvPr id="5" name="Espaço Reservado para Texto 4">
             <a:extLst>
               <a:ext uri="{FF2B5EF4-FFF2-40B4-BE49-F238E27FC236}">
-                <a16:creationId xmlns:a16="http://schemas.microsoft.com/office/drawing/2014/main" xmlns="" id="{4CD109D0-2E83-4262-8029-A871CEC47406}"/>
+                <a16:creationId xmlns="" xmlns:a16="http://schemas.microsoft.com/office/drawing/2014/main" id="{4CD109D0-2E83-4262-8029-A871CEC47406}"/>
               </a:ext>
             </a:extLst>
           </p:cNvPr>
@@ -4665,7 +4665,7 @@
           <p:cNvPr id="6" name="Espaço Reservado para Conteúdo 5">
             <a:extLst>
               <a:ext uri="{FF2B5EF4-FFF2-40B4-BE49-F238E27FC236}">
-                <a16:creationId xmlns:a16="http://schemas.microsoft.com/office/drawing/2014/main" xmlns="" id="{AD706E3A-CFBB-4A6C-A65F-D0360A9E74FE}"/>
+                <a16:creationId xmlns="" xmlns:a16="http://schemas.microsoft.com/office/drawing/2014/main" id="{AD706E3A-CFBB-4A6C-A65F-D0360A9E74FE}"/>
               </a:ext>
             </a:extLst>
           </p:cNvPr>
@@ -4727,7 +4727,7 @@
           <p:cNvPr id="7" name="Espaço Reservado para Data 6">
             <a:extLst>
               <a:ext uri="{FF2B5EF4-FFF2-40B4-BE49-F238E27FC236}">
-                <a16:creationId xmlns:a16="http://schemas.microsoft.com/office/drawing/2014/main" xmlns="" id="{4172C0E5-5AF0-4805-BB51-443733CD2BD5}"/>
+                <a16:creationId xmlns="" xmlns:a16="http://schemas.microsoft.com/office/drawing/2014/main" id="{4172C0E5-5AF0-4805-BB51-443733CD2BD5}"/>
               </a:ext>
             </a:extLst>
           </p:cNvPr>
@@ -4745,7 +4745,7 @@
           <a:p>
             <a:fld id="{63289F7E-B80B-496E-81B4-D396C37C9454}" type="datetimeFigureOut">
               <a:rPr lang="pt-BR" smtClean="0"/>
-              <a:t>28/08/2021</a:t>
+              <a:t>29/09/2021</a:t>
             </a:fld>
             <a:endParaRPr lang="pt-BR"/>
           </a:p>
@@ -4756,7 +4756,7 @@
           <p:cNvPr id="8" name="Espaço Reservado para Rodapé 7">
             <a:extLst>
               <a:ext uri="{FF2B5EF4-FFF2-40B4-BE49-F238E27FC236}">
-                <a16:creationId xmlns:a16="http://schemas.microsoft.com/office/drawing/2014/main" xmlns="" id="{0E801648-156F-497E-99CF-797DF48051E1}"/>
+                <a16:creationId xmlns="" xmlns:a16="http://schemas.microsoft.com/office/drawing/2014/main" id="{0E801648-156F-497E-99CF-797DF48051E1}"/>
               </a:ext>
             </a:extLst>
           </p:cNvPr>
@@ -4781,7 +4781,7 @@
           <p:cNvPr id="9" name="Espaço Reservado para Número de Slide 8">
             <a:extLst>
               <a:ext uri="{FF2B5EF4-FFF2-40B4-BE49-F238E27FC236}">
-                <a16:creationId xmlns:a16="http://schemas.microsoft.com/office/drawing/2014/main" xmlns="" id="{EEE23D32-80E7-4796-A137-66BF842E4B53}"/>
+                <a16:creationId xmlns="" xmlns:a16="http://schemas.microsoft.com/office/drawing/2014/main" id="{EEE23D32-80E7-4796-A137-66BF842E4B53}"/>
               </a:ext>
             </a:extLst>
           </p:cNvPr>
@@ -4840,7 +4840,7 @@
           <p:cNvPr id="2" name="Título 1">
             <a:extLst>
               <a:ext uri="{FF2B5EF4-FFF2-40B4-BE49-F238E27FC236}">
-                <a16:creationId xmlns:a16="http://schemas.microsoft.com/office/drawing/2014/main" xmlns="" id="{2BCE2379-C78F-47E1-8CFC-B846E7AF148D}"/>
+                <a16:creationId xmlns="" xmlns:a16="http://schemas.microsoft.com/office/drawing/2014/main" id="{2BCE2379-C78F-47E1-8CFC-B846E7AF148D}"/>
               </a:ext>
             </a:extLst>
           </p:cNvPr>
@@ -4868,7 +4868,7 @@
           <p:cNvPr id="3" name="Espaço Reservado para Data 2">
             <a:extLst>
               <a:ext uri="{FF2B5EF4-FFF2-40B4-BE49-F238E27FC236}">
-                <a16:creationId xmlns:a16="http://schemas.microsoft.com/office/drawing/2014/main" xmlns="" id="{342600A9-7F92-4E22-9D94-E4717252A817}"/>
+                <a16:creationId xmlns="" xmlns:a16="http://schemas.microsoft.com/office/drawing/2014/main" id="{342600A9-7F92-4E22-9D94-E4717252A817}"/>
               </a:ext>
             </a:extLst>
           </p:cNvPr>
@@ -4886,7 +4886,7 @@
           <a:p>
             <a:fld id="{63289F7E-B80B-496E-81B4-D396C37C9454}" type="datetimeFigureOut">
               <a:rPr lang="pt-BR" smtClean="0"/>
-              <a:t>28/08/2021</a:t>
+              <a:t>29/09/2021</a:t>
             </a:fld>
             <a:endParaRPr lang="pt-BR"/>
           </a:p>
@@ -4897,7 +4897,7 @@
           <p:cNvPr id="4" name="Espaço Reservado para Rodapé 3">
             <a:extLst>
               <a:ext uri="{FF2B5EF4-FFF2-40B4-BE49-F238E27FC236}">
-                <a16:creationId xmlns:a16="http://schemas.microsoft.com/office/drawing/2014/main" xmlns="" id="{192E6BED-F546-40CC-A2DF-99CBA853654E}"/>
+                <a16:creationId xmlns="" xmlns:a16="http://schemas.microsoft.com/office/drawing/2014/main" id="{192E6BED-F546-40CC-A2DF-99CBA853654E}"/>
               </a:ext>
             </a:extLst>
           </p:cNvPr>
@@ -4922,7 +4922,7 @@
           <p:cNvPr id="5" name="Espaço Reservado para Número de Slide 4">
             <a:extLst>
               <a:ext uri="{FF2B5EF4-FFF2-40B4-BE49-F238E27FC236}">
-                <a16:creationId xmlns:a16="http://schemas.microsoft.com/office/drawing/2014/main" xmlns="" id="{6091CC40-A8C4-4063-80EB-CC5099621678}"/>
+                <a16:creationId xmlns="" xmlns:a16="http://schemas.microsoft.com/office/drawing/2014/main" id="{6091CC40-A8C4-4063-80EB-CC5099621678}"/>
               </a:ext>
             </a:extLst>
           </p:cNvPr>
@@ -4981,7 +4981,7 @@
           <p:cNvPr id="2" name="Espaço Reservado para Data 1">
             <a:extLst>
               <a:ext uri="{FF2B5EF4-FFF2-40B4-BE49-F238E27FC236}">
-                <a16:creationId xmlns:a16="http://schemas.microsoft.com/office/drawing/2014/main" xmlns="" id="{DD19515C-212C-4EAE-84A3-8FF4BC844F1B}"/>
+                <a16:creationId xmlns="" xmlns:a16="http://schemas.microsoft.com/office/drawing/2014/main" id="{DD19515C-212C-4EAE-84A3-8FF4BC844F1B}"/>
               </a:ext>
             </a:extLst>
           </p:cNvPr>
@@ -4999,7 +4999,7 @@
           <a:p>
             <a:fld id="{63289F7E-B80B-496E-81B4-D396C37C9454}" type="datetimeFigureOut">
               <a:rPr lang="pt-BR" smtClean="0"/>
-              <a:t>28/08/2021</a:t>
+              <a:t>29/09/2021</a:t>
             </a:fld>
             <a:endParaRPr lang="pt-BR"/>
           </a:p>
@@ -5010,7 +5010,7 @@
           <p:cNvPr id="3" name="Espaço Reservado para Rodapé 2">
             <a:extLst>
               <a:ext uri="{FF2B5EF4-FFF2-40B4-BE49-F238E27FC236}">
-                <a16:creationId xmlns:a16="http://schemas.microsoft.com/office/drawing/2014/main" xmlns="" id="{94D3D120-B3E8-4C96-861D-7A4F12F49B3A}"/>
+                <a16:creationId xmlns="" xmlns:a16="http://schemas.microsoft.com/office/drawing/2014/main" id="{94D3D120-B3E8-4C96-861D-7A4F12F49B3A}"/>
               </a:ext>
             </a:extLst>
           </p:cNvPr>
@@ -5035,7 +5035,7 @@
           <p:cNvPr id="4" name="Espaço Reservado para Número de Slide 3">
             <a:extLst>
               <a:ext uri="{FF2B5EF4-FFF2-40B4-BE49-F238E27FC236}">
-                <a16:creationId xmlns:a16="http://schemas.microsoft.com/office/drawing/2014/main" xmlns="" id="{42E49B68-FA1B-468B-9F17-D5C09243D454}"/>
+                <a16:creationId xmlns="" xmlns:a16="http://schemas.microsoft.com/office/drawing/2014/main" id="{42E49B68-FA1B-468B-9F17-D5C09243D454}"/>
               </a:ext>
             </a:extLst>
           </p:cNvPr>
@@ -5094,7 +5094,7 @@
           <p:cNvPr id="2" name="Título 1">
             <a:extLst>
               <a:ext uri="{FF2B5EF4-FFF2-40B4-BE49-F238E27FC236}">
-                <a16:creationId xmlns:a16="http://schemas.microsoft.com/office/drawing/2014/main" xmlns="" id="{1C17BCBE-A897-4319-85EC-D87909C24980}"/>
+                <a16:creationId xmlns="" xmlns:a16="http://schemas.microsoft.com/office/drawing/2014/main" id="{1C17BCBE-A897-4319-85EC-D87909C24980}"/>
               </a:ext>
             </a:extLst>
           </p:cNvPr>
@@ -5131,7 +5131,7 @@
           <p:cNvPr id="3" name="Espaço Reservado para Conteúdo 2">
             <a:extLst>
               <a:ext uri="{FF2B5EF4-FFF2-40B4-BE49-F238E27FC236}">
-                <a16:creationId xmlns:a16="http://schemas.microsoft.com/office/drawing/2014/main" xmlns="" id="{4226F885-0204-4913-868B-4B8B82576F17}"/>
+                <a16:creationId xmlns="" xmlns:a16="http://schemas.microsoft.com/office/drawing/2014/main" id="{4226F885-0204-4913-868B-4B8B82576F17}"/>
               </a:ext>
             </a:extLst>
           </p:cNvPr>
@@ -5221,7 +5221,7 @@
           <p:cNvPr id="4" name="Espaço Reservado para Texto 3">
             <a:extLst>
               <a:ext uri="{FF2B5EF4-FFF2-40B4-BE49-F238E27FC236}">
-                <a16:creationId xmlns:a16="http://schemas.microsoft.com/office/drawing/2014/main" xmlns="" id="{00F9F784-A858-441B-8AB5-697098141751}"/>
+                <a16:creationId xmlns="" xmlns:a16="http://schemas.microsoft.com/office/drawing/2014/main" id="{00F9F784-A858-441B-8AB5-697098141751}"/>
               </a:ext>
             </a:extLst>
           </p:cNvPr>
@@ -5292,7 +5292,7 @@
           <p:cNvPr id="5" name="Espaço Reservado para Data 4">
             <a:extLst>
               <a:ext uri="{FF2B5EF4-FFF2-40B4-BE49-F238E27FC236}">
-                <a16:creationId xmlns:a16="http://schemas.microsoft.com/office/drawing/2014/main" xmlns="" id="{A4DC363A-5000-472E-8B17-02E7DCB8840A}"/>
+                <a16:creationId xmlns="" xmlns:a16="http://schemas.microsoft.com/office/drawing/2014/main" id="{A4DC363A-5000-472E-8B17-02E7DCB8840A}"/>
               </a:ext>
             </a:extLst>
           </p:cNvPr>
@@ -5310,7 +5310,7 @@
           <a:p>
             <a:fld id="{63289F7E-B80B-496E-81B4-D396C37C9454}" type="datetimeFigureOut">
               <a:rPr lang="pt-BR" smtClean="0"/>
-              <a:t>28/08/2021</a:t>
+              <a:t>29/09/2021</a:t>
             </a:fld>
             <a:endParaRPr lang="pt-BR"/>
           </a:p>
@@ -5321,7 +5321,7 @@
           <p:cNvPr id="6" name="Espaço Reservado para Rodapé 5">
             <a:extLst>
               <a:ext uri="{FF2B5EF4-FFF2-40B4-BE49-F238E27FC236}">
-                <a16:creationId xmlns:a16="http://schemas.microsoft.com/office/drawing/2014/main" xmlns="" id="{5548425D-2C21-4C56-BAD4-662978775C28}"/>
+                <a16:creationId xmlns="" xmlns:a16="http://schemas.microsoft.com/office/drawing/2014/main" id="{5548425D-2C21-4C56-BAD4-662978775C28}"/>
               </a:ext>
             </a:extLst>
           </p:cNvPr>
@@ -5346,7 +5346,7 @@
           <p:cNvPr id="7" name="Espaço Reservado para Número de Slide 6">
             <a:extLst>
               <a:ext uri="{FF2B5EF4-FFF2-40B4-BE49-F238E27FC236}">
-                <a16:creationId xmlns:a16="http://schemas.microsoft.com/office/drawing/2014/main" xmlns="" id="{C63E9726-E64C-42B2-AE8A-8C235A956B48}"/>
+                <a16:creationId xmlns="" xmlns:a16="http://schemas.microsoft.com/office/drawing/2014/main" id="{C63E9726-E64C-42B2-AE8A-8C235A956B48}"/>
               </a:ext>
             </a:extLst>
           </p:cNvPr>
@@ -5405,7 +5405,7 @@
           <p:cNvPr id="2" name="Título 1">
             <a:extLst>
               <a:ext uri="{FF2B5EF4-FFF2-40B4-BE49-F238E27FC236}">
-                <a16:creationId xmlns:a16="http://schemas.microsoft.com/office/drawing/2014/main" xmlns="" id="{11086A78-3E74-450C-96A6-CA8AC37AF772}"/>
+                <a16:creationId xmlns="" xmlns:a16="http://schemas.microsoft.com/office/drawing/2014/main" id="{11086A78-3E74-450C-96A6-CA8AC37AF772}"/>
               </a:ext>
             </a:extLst>
           </p:cNvPr>
@@ -5442,7 +5442,7 @@
           <p:cNvPr id="3" name="Espaço Reservado para Imagem 2">
             <a:extLst>
               <a:ext uri="{FF2B5EF4-FFF2-40B4-BE49-F238E27FC236}">
-                <a16:creationId xmlns:a16="http://schemas.microsoft.com/office/drawing/2014/main" xmlns="" id="{5F5B7312-975A-4DBC-9B2F-3652ADA006FD}"/>
+                <a16:creationId xmlns="" xmlns:a16="http://schemas.microsoft.com/office/drawing/2014/main" id="{5F5B7312-975A-4DBC-9B2F-3652ADA006FD}"/>
               </a:ext>
             </a:extLst>
           </p:cNvPr>
@@ -5509,7 +5509,7 @@
           <p:cNvPr id="4" name="Espaço Reservado para Texto 3">
             <a:extLst>
               <a:ext uri="{FF2B5EF4-FFF2-40B4-BE49-F238E27FC236}">
-                <a16:creationId xmlns:a16="http://schemas.microsoft.com/office/drawing/2014/main" xmlns="" id="{AAF805F5-1DFF-41C6-944C-7D79FE0D0963}"/>
+                <a16:creationId xmlns="" xmlns:a16="http://schemas.microsoft.com/office/drawing/2014/main" id="{AAF805F5-1DFF-41C6-944C-7D79FE0D0963}"/>
               </a:ext>
             </a:extLst>
           </p:cNvPr>
@@ -5580,7 +5580,7 @@
           <p:cNvPr id="5" name="Espaço Reservado para Data 4">
             <a:extLst>
               <a:ext uri="{FF2B5EF4-FFF2-40B4-BE49-F238E27FC236}">
-                <a16:creationId xmlns:a16="http://schemas.microsoft.com/office/drawing/2014/main" xmlns="" id="{02113D81-8665-4516-BD81-C6A1F254EECD}"/>
+                <a16:creationId xmlns="" xmlns:a16="http://schemas.microsoft.com/office/drawing/2014/main" id="{02113D81-8665-4516-BD81-C6A1F254EECD}"/>
               </a:ext>
             </a:extLst>
           </p:cNvPr>
@@ -5598,7 +5598,7 @@
           <a:p>
             <a:fld id="{63289F7E-B80B-496E-81B4-D396C37C9454}" type="datetimeFigureOut">
               <a:rPr lang="pt-BR" smtClean="0"/>
-              <a:t>28/08/2021</a:t>
+              <a:t>29/09/2021</a:t>
             </a:fld>
             <a:endParaRPr lang="pt-BR"/>
           </a:p>
@@ -5609,7 +5609,7 @@
           <p:cNvPr id="6" name="Espaço Reservado para Rodapé 5">
             <a:extLst>
               <a:ext uri="{FF2B5EF4-FFF2-40B4-BE49-F238E27FC236}">
-                <a16:creationId xmlns:a16="http://schemas.microsoft.com/office/drawing/2014/main" xmlns="" id="{2B00C88B-FF32-40AA-A187-727D96FD7862}"/>
+                <a16:creationId xmlns="" xmlns:a16="http://schemas.microsoft.com/office/drawing/2014/main" id="{2B00C88B-FF32-40AA-A187-727D96FD7862}"/>
               </a:ext>
             </a:extLst>
           </p:cNvPr>
@@ -5634,7 +5634,7 @@
           <p:cNvPr id="7" name="Espaço Reservado para Número de Slide 6">
             <a:extLst>
               <a:ext uri="{FF2B5EF4-FFF2-40B4-BE49-F238E27FC236}">
-                <a16:creationId xmlns:a16="http://schemas.microsoft.com/office/drawing/2014/main" xmlns="" id="{A04D1A2D-69F7-4B8F-A730-BC26DC340BA6}"/>
+                <a16:creationId xmlns="" xmlns:a16="http://schemas.microsoft.com/office/drawing/2014/main" id="{A04D1A2D-69F7-4B8F-A730-BC26DC340BA6}"/>
               </a:ext>
             </a:extLst>
           </p:cNvPr>
@@ -5698,7 +5698,7 @@
           <p:cNvPr id="2" name="Espaço Reservado para Título 1">
             <a:extLst>
               <a:ext uri="{FF2B5EF4-FFF2-40B4-BE49-F238E27FC236}">
-                <a16:creationId xmlns:a16="http://schemas.microsoft.com/office/drawing/2014/main" xmlns="" id="{E69A0273-1966-4A1B-9370-4C1CE5036371}"/>
+                <a16:creationId xmlns="" xmlns:a16="http://schemas.microsoft.com/office/drawing/2014/main" id="{E69A0273-1966-4A1B-9370-4C1CE5036371}"/>
               </a:ext>
             </a:extLst>
           </p:cNvPr>
@@ -5736,7 +5736,7 @@
           <p:cNvPr id="3" name="Espaço Reservado para Texto 2">
             <a:extLst>
               <a:ext uri="{FF2B5EF4-FFF2-40B4-BE49-F238E27FC236}">
-                <a16:creationId xmlns:a16="http://schemas.microsoft.com/office/drawing/2014/main" xmlns="" id="{3B9CF87A-0448-49A7-AB25-EBC1D56A40EF}"/>
+                <a16:creationId xmlns="" xmlns:a16="http://schemas.microsoft.com/office/drawing/2014/main" id="{3B9CF87A-0448-49A7-AB25-EBC1D56A40EF}"/>
               </a:ext>
             </a:extLst>
           </p:cNvPr>
@@ -5803,7 +5803,7 @@
           <p:cNvPr id="4" name="Espaço Reservado para Data 3">
             <a:extLst>
               <a:ext uri="{FF2B5EF4-FFF2-40B4-BE49-F238E27FC236}">
-                <a16:creationId xmlns:a16="http://schemas.microsoft.com/office/drawing/2014/main" xmlns="" id="{2EF7B1F2-BB5A-44D0-816D-16AD2C71430E}"/>
+                <a16:creationId xmlns="" xmlns:a16="http://schemas.microsoft.com/office/drawing/2014/main" id="{2EF7B1F2-BB5A-44D0-816D-16AD2C71430E}"/>
               </a:ext>
             </a:extLst>
           </p:cNvPr>
@@ -5839,7 +5839,7 @@
           <a:p>
             <a:fld id="{63289F7E-B80B-496E-81B4-D396C37C9454}" type="datetimeFigureOut">
               <a:rPr lang="pt-BR" smtClean="0"/>
-              <a:t>28/08/2021</a:t>
+              <a:t>29/09/2021</a:t>
             </a:fld>
             <a:endParaRPr lang="pt-BR"/>
           </a:p>
@@ -5850,7 +5850,7 @@
           <p:cNvPr id="5" name="Espaço Reservado para Rodapé 4">
             <a:extLst>
               <a:ext uri="{FF2B5EF4-FFF2-40B4-BE49-F238E27FC236}">
-                <a16:creationId xmlns:a16="http://schemas.microsoft.com/office/drawing/2014/main" xmlns="" id="{C703F94C-2CC8-4DAA-BC35-14FC3E841DCD}"/>
+                <a16:creationId xmlns="" xmlns:a16="http://schemas.microsoft.com/office/drawing/2014/main" id="{C703F94C-2CC8-4DAA-BC35-14FC3E841DCD}"/>
               </a:ext>
             </a:extLst>
           </p:cNvPr>
@@ -5893,7 +5893,7 @@
           <p:cNvPr id="6" name="Espaço Reservado para Número de Slide 5">
             <a:extLst>
               <a:ext uri="{FF2B5EF4-FFF2-40B4-BE49-F238E27FC236}">
-                <a16:creationId xmlns:a16="http://schemas.microsoft.com/office/drawing/2014/main" xmlns="" id="{64051336-7048-457A-8B61-D94291D71648}"/>
+                <a16:creationId xmlns="" xmlns:a16="http://schemas.microsoft.com/office/drawing/2014/main" id="{64051336-7048-457A-8B61-D94291D71648}"/>
               </a:ext>
             </a:extLst>
           </p:cNvPr>
@@ -6261,7 +6261,7 @@
           <p:cNvPr id="2" name="Título 1">
             <a:extLst>
               <a:ext uri="{FF2B5EF4-FFF2-40B4-BE49-F238E27FC236}">
-                <a16:creationId xmlns:a16="http://schemas.microsoft.com/office/drawing/2014/main" xmlns="" id="{32666AC8-2E17-4DB4-B0F5-60C640CCFD2E}"/>
+                <a16:creationId xmlns="" xmlns:a16="http://schemas.microsoft.com/office/drawing/2014/main" id="{32666AC8-2E17-4DB4-B0F5-60C640CCFD2E}"/>
               </a:ext>
             </a:extLst>
           </p:cNvPr>
@@ -6308,7 +6308,7 @@
           <p:cNvPr id="4" name="CaixaDeTexto 3">
             <a:extLst>
               <a:ext uri="{FF2B5EF4-FFF2-40B4-BE49-F238E27FC236}">
-                <a16:creationId xmlns:a16="http://schemas.microsoft.com/office/drawing/2014/main" xmlns="" id="{430EB894-B7D4-434C-9D1A-A14094D9BEEC}"/>
+                <a16:creationId xmlns="" xmlns:a16="http://schemas.microsoft.com/office/drawing/2014/main" id="{430EB894-B7D4-434C-9D1A-A14094D9BEEC}"/>
               </a:ext>
             </a:extLst>
           </p:cNvPr>
@@ -6349,7 +6349,7 @@
           <p:cNvPr id="1026" name="Picture 2" descr="Logo">
             <a:extLst>
               <a:ext uri="{FF2B5EF4-FFF2-40B4-BE49-F238E27FC236}">
-                <a16:creationId xmlns:a16="http://schemas.microsoft.com/office/drawing/2014/main" xmlns="" id="{3F2642E0-4F6A-4196-8F58-E77D36E9A33F}"/>
+                <a16:creationId xmlns="" xmlns:a16="http://schemas.microsoft.com/office/drawing/2014/main" id="{3F2642E0-4F6A-4196-8F58-E77D36E9A33F}"/>
               </a:ext>
             </a:extLst>
           </p:cNvPr>
@@ -6394,7 +6394,7 @@
           <p:cNvPr id="5122" name="Picture 2" descr="Image result for machine learning">
             <a:extLst>
               <a:ext uri="{FF2B5EF4-FFF2-40B4-BE49-F238E27FC236}">
-                <a16:creationId xmlns:a16="http://schemas.microsoft.com/office/drawing/2014/main" xmlns="" id="{810CE0A2-4102-44A6-A370-175E7896CDCB}"/>
+                <a16:creationId xmlns="" xmlns:a16="http://schemas.microsoft.com/office/drawing/2014/main" id="{810CE0A2-4102-44A6-A370-175E7896CDCB}"/>
               </a:ext>
             </a:extLst>
           </p:cNvPr>
@@ -9169,8 +9169,8 @@
           </a:p>
         </p:txBody>
       </p:sp>
-      <mc:AlternateContent xmlns:mc="http://schemas.openxmlformats.org/markup-compatibility/2006" xmlns:a14="http://schemas.microsoft.com/office/drawing/2010/main">
-        <mc:Choice Requires="a14">
+      <mc:AlternateContent xmlns:mc="http://schemas.openxmlformats.org/markup-compatibility/2006">
+        <mc:Choice xmlns:a14="http://schemas.microsoft.com/office/drawing/2010/main" Requires="a14">
           <p:sp>
             <p:nvSpPr>
               <p:cNvPr id="5" name="TextBox 4"/>
@@ -9365,14 +9365,22 @@
                 </a14:m>
                 <a:r>
                   <a:rPr lang="pt-BR" sz="1400" dirty="0" smtClean="0"/>
-                  <a:t>, mas o resultado é facilmente estendido para polinômios.</a:t>
+                  <a:t>, mas o resultado é </a:t>
+                </a:r>
+                <a:r>
+                  <a:rPr lang="pt-BR" sz="1400" dirty="0" smtClean="0"/>
+                  <a:t>diretamente estendido </a:t>
+                </a:r>
+                <a:r>
+                  <a:rPr lang="pt-BR" sz="1400" dirty="0" smtClean="0"/>
+                  <a:t>para polinômios.</a:t>
                 </a:r>
                 <a:endParaRPr lang="pt-BR" sz="1400" dirty="0"/>
               </a:p>
             </p:txBody>
           </p:sp>
         </mc:Choice>
-        <mc:Fallback xmlns="">
+        <mc:Fallback>
           <p:sp>
             <p:nvSpPr>
               <p:cNvPr id="5" name="TextBox 4"/>
@@ -9785,8 +9793,8 @@
           </a:p>
         </p:txBody>
       </p:sp>
-      <mc:AlternateContent xmlns:mc="http://schemas.openxmlformats.org/markup-compatibility/2006" xmlns:a14="http://schemas.microsoft.com/office/drawing/2010/main">
-        <mc:Choice Requires="a14">
+      <mc:AlternateContent xmlns:mc="http://schemas.openxmlformats.org/markup-compatibility/2006">
+        <mc:Choice xmlns:a14="http://schemas.microsoft.com/office/drawing/2010/main" Requires="a14">
           <p:sp>
             <p:nvSpPr>
               <p:cNvPr id="3" name="Content Placeholder 2"/>
@@ -9858,7 +9866,15 @@
                 </a:r>
                 <a:r>
                   <a:rPr lang="pt-BR" dirty="0" smtClean="0"/>
-                  <a:t> e, muitas vezes, nós não sabemos qual a melhor ordem para este polinômio.</a:t>
+                  <a:t>, mas</a:t>
+                </a:r>
+                <a:r>
+                  <a:rPr lang="pt-BR" dirty="0" smtClean="0"/>
+                  <a:t>, </a:t>
+                </a:r>
+                <a:r>
+                  <a:rPr lang="pt-BR" dirty="0" smtClean="0"/>
+                  <a:t>muitas vezes, nós não sabemos qual a melhor ordem para este polinômio.</a:t>
                 </a:r>
               </a:p>
               <a:p>
@@ -10027,7 +10043,7 @@
             </p:txBody>
           </p:sp>
         </mc:Choice>
-        <mc:Fallback xmlns="">
+        <mc:Fallback>
           <p:sp>
             <p:nvSpPr>
               <p:cNvPr id="3" name="Content Placeholder 2"/>
@@ -18438,7 +18454,7 @@
           <p:cNvPr id="4" name="Título 1">
             <a:extLst>
               <a:ext uri="{FF2B5EF4-FFF2-40B4-BE49-F238E27FC236}">
-                <a16:creationId xmlns:a16="http://schemas.microsoft.com/office/drawing/2014/main" xmlns="" id="{32666AC8-2E17-4DB4-B0F5-60C640CCFD2E}"/>
+                <a16:creationId xmlns="" xmlns:a16="http://schemas.microsoft.com/office/drawing/2014/main" id="{32666AC8-2E17-4DB4-B0F5-60C640CCFD2E}"/>
               </a:ext>
             </a:extLst>
           </p:cNvPr>
@@ -21855,8 +21871,8 @@
           </a:p>
         </p:txBody>
       </p:sp>
-      <mc:AlternateContent xmlns:mc="http://schemas.openxmlformats.org/markup-compatibility/2006">
-        <mc:Choice xmlns:a14="http://schemas.microsoft.com/office/drawing/2010/main" Requires="a14">
+      <mc:AlternateContent xmlns:mc="http://schemas.openxmlformats.org/markup-compatibility/2006" xmlns:a14="http://schemas.microsoft.com/office/drawing/2010/main">
+        <mc:Choice Requires="a14">
           <p:sp>
             <p:nvSpPr>
               <p:cNvPr id="3" name="Content Placeholder 2"/>
@@ -23017,7 +23033,6 @@
                   <a:rPr lang="pt-BR" dirty="0" smtClean="0"/>
                   <a:t> é a multiplicação elemento-a-elemento. </a:t>
                 </a:r>
-                <a:endParaRPr lang="pt-BR" dirty="0" smtClean="0"/>
               </a:p>
               <a:p>
                 <a:r>
@@ -23170,7 +23185,7 @@
             </p:txBody>
           </p:sp>
         </mc:Choice>
-        <mc:Fallback>
+        <mc:Fallback xmlns="">
           <p:sp>
             <p:nvSpPr>
               <p:cNvPr id="3" name="Content Placeholder 2"/>
@@ -26559,8 +26574,8 @@
         </p:nvSpPr>
         <p:spPr>
           <a:xfrm rot="5400000">
-            <a:off x="11306849" y="3500476"/>
-            <a:ext cx="166155" cy="1284749"/>
+            <a:off x="11306849" y="2967077"/>
+            <a:ext cx="166155" cy="1284747"/>
           </a:xfrm>
           <a:prstGeom prst="rightBrace">
             <a:avLst>
@@ -26597,8 +26612,8 @@
           </a:p>
         </p:txBody>
       </p:sp>
-      <mc:AlternateContent xmlns:mc="http://schemas.openxmlformats.org/markup-compatibility/2006" xmlns:a14="http://schemas.microsoft.com/office/drawing/2010/main">
-        <mc:Choice Requires="a14">
+      <mc:AlternateContent xmlns:mc="http://schemas.openxmlformats.org/markup-compatibility/2006">
+        <mc:Choice xmlns:a14="http://schemas.microsoft.com/office/drawing/2010/main" Requires="a14">
           <p:sp>
             <p:nvSpPr>
               <p:cNvPr id="7" name="TextBox 6"/>
@@ -26607,7 +26622,7 @@
             </p:nvSpPr>
             <p:spPr>
               <a:xfrm>
-                <a:off x="10702447" y="4220783"/>
+                <a:off x="10702447" y="3687383"/>
                 <a:ext cx="1400703" cy="276999"/>
               </a:xfrm>
               <a:prstGeom prst="rect">
@@ -26710,7 +26725,7 @@
             </p:txBody>
           </p:sp>
         </mc:Choice>
-        <mc:Fallback xmlns="">
+        <mc:Fallback>
           <p:sp>
             <p:nvSpPr>
               <p:cNvPr id="7" name="TextBox 6"/>
@@ -26721,14 +26736,14 @@
             </p:nvSpPr>
             <p:spPr>
               <a:xfrm>
-                <a:off x="10702447" y="4220783"/>
+                <a:off x="10702447" y="3687383"/>
                 <a:ext cx="1400703" cy="276999"/>
               </a:xfrm>
               <a:prstGeom prst="rect">
                 <a:avLst/>
               </a:prstGeom>
               <a:blipFill rotWithShape="0">
-                <a:blip r:embed="rId7"/>
+                <a:blip r:embed="rId5"/>
                 <a:stretch>
                   <a:fillRect/>
                 </a:stretch>
@@ -26757,8 +26772,8 @@
         </p:nvSpPr>
         <p:spPr>
           <a:xfrm rot="16200000">
-            <a:off x="10024868" y="3115409"/>
-            <a:ext cx="166155" cy="1284749"/>
+            <a:off x="10023485" y="2786592"/>
+            <a:ext cx="166155" cy="1281982"/>
           </a:xfrm>
           <a:prstGeom prst="rightBrace">
             <a:avLst>
@@ -26795,8 +26810,8 @@
           </a:p>
         </p:txBody>
       </p:sp>
-      <mc:AlternateContent xmlns:mc="http://schemas.openxmlformats.org/markup-compatibility/2006" xmlns:a14="http://schemas.microsoft.com/office/drawing/2010/main">
-        <mc:Choice Requires="a14">
+      <mc:AlternateContent xmlns:mc="http://schemas.openxmlformats.org/markup-compatibility/2006">
+        <mc:Choice xmlns:a14="http://schemas.microsoft.com/office/drawing/2010/main" Requires="a14">
           <p:sp>
             <p:nvSpPr>
               <p:cNvPr id="11" name="TextBox 10"/>
@@ -26805,7 +26820,7 @@
             </p:nvSpPr>
             <p:spPr>
               <a:xfrm>
-                <a:off x="9433821" y="3374879"/>
+                <a:off x="9433821" y="3044679"/>
                 <a:ext cx="1400703" cy="276999"/>
               </a:xfrm>
               <a:prstGeom prst="rect">
@@ -26908,7 +26923,7 @@
             </p:txBody>
           </p:sp>
         </mc:Choice>
-        <mc:Fallback xmlns="">
+        <mc:Fallback>
           <p:sp>
             <p:nvSpPr>
               <p:cNvPr id="11" name="TextBox 10"/>
@@ -26919,14 +26934,14 @@
             </p:nvSpPr>
             <p:spPr>
               <a:xfrm>
-                <a:off x="9433821" y="3374879"/>
+                <a:off x="9433821" y="3044679"/>
                 <a:ext cx="1400703" cy="276999"/>
               </a:xfrm>
               <a:prstGeom prst="rect">
                 <a:avLst/>
               </a:prstGeom>
               <a:blipFill rotWithShape="0">
-                <a:blip r:embed="rId8"/>
+                <a:blip r:embed="rId6"/>
                 <a:stretch>
                   <a:fillRect/>
                 </a:stretch>
@@ -26955,8 +26970,8 @@
         </p:nvCxnSpPr>
         <p:spPr>
           <a:xfrm>
-            <a:off x="8795657" y="1898800"/>
-            <a:ext cx="914400" cy="369332"/>
+            <a:off x="8708571" y="2018558"/>
+            <a:ext cx="1001486" cy="249574"/>
           </a:xfrm>
           <a:prstGeom prst="straightConnector1">
             <a:avLst/>

--- a/slides/T320_Classificação (Parte III).pptx
+++ b/slides/T320_Classificação (Parte III).pptx
@@ -292,7 +292,7 @@
           <a:p>
             <a:fld id="{144F1436-6906-4D93-B7A2-786C327BFA14}" type="datetimeFigureOut">
               <a:rPr lang="nl-BE" smtClean="0"/>
-              <a:t>29/09/2021</a:t>
+              <a:t>4/03/2022</a:t>
             </a:fld>
             <a:endParaRPr lang="nl-BE"/>
           </a:p>
@@ -358,7 +358,7 @@
           <a:p>
             <a:fld id="{F7E56D9B-79AD-444A-AFED-DEC23408F8B4}" type="slidenum">
               <a:rPr lang="nl-BE" smtClean="0"/>
-              <a:t>‹#›</a:t>
+              <a:t>‹nº›</a:t>
             </a:fld>
             <a:endParaRPr lang="nl-BE"/>
           </a:p>
@@ -457,7 +457,7 @@
           <a:p>
             <a:fld id="{AA8CD09E-2914-4F47-B6C1-51B2C31814C9}" type="datetimeFigureOut">
               <a:rPr lang="pt-BR" smtClean="0"/>
-              <a:t>29/09/2021</a:t>
+              <a:t>04/03/2022</a:t>
             </a:fld>
             <a:endParaRPr lang="pt-BR"/>
           </a:p>
@@ -615,7 +615,7 @@
           <a:p>
             <a:fld id="{6FC8D850-966F-45A6-8DE7-15B891E7D40D}" type="slidenum">
               <a:rPr lang="pt-BR" smtClean="0"/>
-              <a:t>‹#›</a:t>
+              <a:t>‹nº›</a:t>
             </a:fld>
             <a:endParaRPr lang="pt-BR"/>
           </a:p>
@@ -768,7 +768,7 @@
           <a:bodyPr/>
           <a:lstStyle/>
           <a:p>
-            <a:endParaRPr lang="pt-BR" baseline="0" dirty="0" smtClean="0"/>
+            <a:endParaRPr lang="pt-BR" baseline="0" dirty="0"/>
           </a:p>
         </p:txBody>
       </p:sp>
@@ -853,27 +853,26 @@
           <a:lstStyle/>
           <a:p>
             <a:r>
-              <a:rPr lang="pt-BR" b="1" dirty="0" smtClean="0"/>
+              <a:rPr lang="pt-BR" b="1" dirty="0"/>
               <a:t>Exemplo</a:t>
             </a:r>
             <a:r>
-              <a:rPr lang="pt-BR" dirty="0" smtClean="0"/>
+              <a:rPr lang="pt-BR" dirty="0"/>
               <a:t>: SPAMClassificationLogisticRegressionSciKit.ipynb</a:t>
             </a:r>
           </a:p>
           <a:p>
-            <a:endParaRPr lang="pt-BR" dirty="0" smtClean="0"/>
+            <a:endParaRPr lang="pt-BR" dirty="0"/>
           </a:p>
           <a:p>
             <a:r>
-              <a:rPr lang="pt-BR" b="1" i="0" dirty="0" smtClean="0"/>
+              <a:rPr lang="pt-BR" b="1" i="0" dirty="0"/>
               <a:t>OBS</a:t>
             </a:r>
             <a:r>
-              <a:rPr lang="pt-BR" dirty="0" smtClean="0"/>
+              <a:rPr lang="pt-BR" dirty="0"/>
               <a:t>.: Assim como os outros modelos lineares, os modelos de Regressão Logística podem ser regularizados usando penalidades de L1 ou L2. O Scitkit-Learn adiciona uma penalidade L2 por padrão.</a:t>
             </a:r>
-            <a:endParaRPr lang="pt-BR" dirty="0"/>
           </a:p>
         </p:txBody>
       </p:sp>
@@ -975,72 +974,72 @@
               <a:defRPr/>
             </a:pPr>
             <a:r>
-              <a:rPr lang="pt-BR" dirty="0" smtClean="0"/>
+              <a:rPr lang="pt-BR" dirty="0"/>
               <a:t>A regressão logística, apesar de seu nome, é um modelo linear para classificação, em vez de regressão. A regressão logística também é conhecida na literatura como regressão logit, classificação de entropia máxima (MaxEnt) ou classificador log-linear. Nesse modelo, as probabilidades que descrevem os possíveis resultados de um único estudo são modeladas usando uma função logística.</a:t>
             </a:r>
           </a:p>
           <a:p>
-            <a:endParaRPr lang="pt-BR" dirty="0" smtClean="0"/>
+            <a:endParaRPr lang="pt-BR" dirty="0"/>
           </a:p>
           <a:p>
             <a:r>
-              <a:rPr lang="pt-BR" dirty="0" smtClean="0"/>
+              <a:rPr lang="pt-BR" dirty="0"/>
               <a:t>A regressão logística é um método para classificação binária. Ela classifica </a:t>
             </a:r>
             <a:r>
-              <a:rPr lang="pt-BR" baseline="0" dirty="0" smtClean="0"/>
+              <a:rPr lang="pt-BR" baseline="0" dirty="0"/>
               <a:t>os</a:t>
             </a:r>
             <a:r>
-              <a:rPr lang="pt-BR" dirty="0" smtClean="0"/>
+              <a:rPr lang="pt-BR" dirty="0"/>
               <a:t> pontos de um conjunto de dados em duas classes ou categorias distintas.</a:t>
             </a:r>
           </a:p>
           <a:p>
-            <a:endParaRPr lang="pt-BR" dirty="0" smtClean="0"/>
+            <a:endParaRPr lang="pt-BR" dirty="0"/>
           </a:p>
           <a:p>
             <a:r>
-              <a:rPr lang="pt-BR" dirty="0" smtClean="0"/>
+              <a:rPr lang="pt-BR" dirty="0"/>
               <a:t>Por simplicidade, vamos chamá-las de classe 1 e classe 2. O modelo nos dará a probabilidade de um determinado ponto (ou exemplo) pertencer à classe 2. Se a probabilidade for baixa (inferior a 50%), então o classificaremos na categoria 1. Caso contrário, ele cai na classe 2.</a:t>
             </a:r>
           </a:p>
           <a:p>
-            <a:endParaRPr lang="pt-BR" dirty="0" smtClean="0"/>
+            <a:endParaRPr lang="pt-BR" dirty="0"/>
           </a:p>
           <a:p>
             <a:r>
-              <a:rPr lang="pt-BR" dirty="0" smtClean="0"/>
+              <a:rPr lang="pt-BR" dirty="0"/>
               <a:t>A regressão logística é ótima para situações em que você precisa classificar entre duas categorias/classes.</a:t>
             </a:r>
           </a:p>
           <a:p>
-            <a:endParaRPr lang="pt-BR" dirty="0" smtClean="0"/>
+            <a:endParaRPr lang="pt-BR" dirty="0"/>
           </a:p>
           <a:p>
             <a:r>
-              <a:rPr lang="pt-BR" dirty="0" smtClean="0"/>
+              <a:rPr lang="pt-BR" dirty="0"/>
               <a:t>A regressão logística funciona usando uma combinação linear de</a:t>
             </a:r>
             <a:r>
-              <a:rPr lang="pt-BR" baseline="0" dirty="0" smtClean="0"/>
+              <a:rPr lang="pt-BR" baseline="0" dirty="0"/>
               <a:t> atributos</a:t>
             </a:r>
             <a:r>
-              <a:rPr lang="pt-BR" dirty="0" smtClean="0"/>
+              <a:rPr lang="pt-BR" dirty="0"/>
               <a:t>, para que várias fontes de informação possam governar a saída do modelo. Os parâmetros do modelo são os pesos dos vários atributos e representam sua importância relativa para o resultado.</a:t>
             </a:r>
           </a:p>
           <a:p>
-            <a:endParaRPr lang="pt-BR" dirty="0" smtClean="0"/>
+            <a:endParaRPr lang="pt-BR" dirty="0"/>
           </a:p>
           <a:p>
             <a:r>
-              <a:rPr lang="pt-BR" dirty="0" smtClean="0"/>
+              <a:rPr lang="pt-BR" dirty="0"/>
               <a:t>Mesmo sendo uma técnica simples, a regressão logística é muito utilizada em aplicações</a:t>
             </a:r>
             <a:r>
-              <a:rPr lang="pt-BR" baseline="0" dirty="0" smtClean="0"/>
+              <a:rPr lang="pt-BR" baseline="0" dirty="0"/>
               <a:t> do mundo real em áreas como medicina, propaganda, análise de crédito, saúde pública entre outras.</a:t>
             </a:r>
             <a:endParaRPr lang="pt-BR" dirty="0"/>
@@ -1145,72 +1144,72 @@
               <a:defRPr/>
             </a:pPr>
             <a:r>
-              <a:rPr lang="pt-BR" dirty="0" smtClean="0"/>
+              <a:rPr lang="pt-BR" dirty="0"/>
               <a:t>A regressão logística, apesar de seu nome, é um modelo linear para classificação, em vez de regressão. A regressão logística também é conhecida na literatura como regressão logit, classificação de entropia máxima (MaxEnt) ou classificador log-linear. Nesse modelo, as probabilidades que descrevem os possíveis resultados de um único estudo são modeladas usando uma função logística.</a:t>
             </a:r>
           </a:p>
           <a:p>
-            <a:endParaRPr lang="pt-BR" dirty="0" smtClean="0"/>
+            <a:endParaRPr lang="pt-BR" dirty="0"/>
           </a:p>
           <a:p>
             <a:r>
-              <a:rPr lang="pt-BR" dirty="0" smtClean="0"/>
+              <a:rPr lang="pt-BR" dirty="0"/>
               <a:t>A regressão logística é um método para classificação binária. Ela classifica </a:t>
             </a:r>
             <a:r>
-              <a:rPr lang="pt-BR" baseline="0" dirty="0" smtClean="0"/>
+              <a:rPr lang="pt-BR" baseline="0" dirty="0"/>
               <a:t>os</a:t>
             </a:r>
             <a:r>
-              <a:rPr lang="pt-BR" dirty="0" smtClean="0"/>
+              <a:rPr lang="pt-BR" dirty="0"/>
               <a:t> pontos de um conjunto de dados em duas classes ou categorias distintas.</a:t>
             </a:r>
           </a:p>
           <a:p>
-            <a:endParaRPr lang="pt-BR" dirty="0" smtClean="0"/>
+            <a:endParaRPr lang="pt-BR" dirty="0"/>
           </a:p>
           <a:p>
             <a:r>
-              <a:rPr lang="pt-BR" dirty="0" smtClean="0"/>
+              <a:rPr lang="pt-BR" dirty="0"/>
               <a:t>Por simplicidade, vamos chamá-las de classe 1 e classe 2. O modelo nos dará a probabilidade de um determinado ponto (ou exemplo) pertencer à classe 2. Se a probabilidade for baixa (inferior a 50%), então o classificaremos na categoria 1. Caso contrário, ele cai na classe 2.</a:t>
             </a:r>
           </a:p>
           <a:p>
-            <a:endParaRPr lang="pt-BR" dirty="0" smtClean="0"/>
+            <a:endParaRPr lang="pt-BR" dirty="0"/>
           </a:p>
           <a:p>
             <a:r>
-              <a:rPr lang="pt-BR" dirty="0" smtClean="0"/>
+              <a:rPr lang="pt-BR" dirty="0"/>
               <a:t>A regressão logística é ótima para situações em que você precisa classificar entre duas categorias/classes.</a:t>
             </a:r>
           </a:p>
           <a:p>
-            <a:endParaRPr lang="pt-BR" dirty="0" smtClean="0"/>
+            <a:endParaRPr lang="pt-BR" dirty="0"/>
           </a:p>
           <a:p>
             <a:r>
-              <a:rPr lang="pt-BR" dirty="0" smtClean="0"/>
+              <a:rPr lang="pt-BR" dirty="0"/>
               <a:t>A regressão logística funciona usando uma combinação linear de</a:t>
             </a:r>
             <a:r>
-              <a:rPr lang="pt-BR" baseline="0" dirty="0" smtClean="0"/>
+              <a:rPr lang="pt-BR" baseline="0" dirty="0"/>
               <a:t> atributos</a:t>
             </a:r>
             <a:r>
-              <a:rPr lang="pt-BR" dirty="0" smtClean="0"/>
+              <a:rPr lang="pt-BR" dirty="0"/>
               <a:t>, para que várias fontes de informação possam governar a saída do modelo. Os parâmetros do modelo são os pesos dos vários atributos e representam sua importância relativa para o resultado.</a:t>
             </a:r>
           </a:p>
           <a:p>
-            <a:endParaRPr lang="pt-BR" dirty="0" smtClean="0"/>
+            <a:endParaRPr lang="pt-BR" dirty="0"/>
           </a:p>
           <a:p>
             <a:r>
-              <a:rPr lang="pt-BR" dirty="0" smtClean="0"/>
+              <a:rPr lang="pt-BR" dirty="0"/>
               <a:t>Mesmo sendo uma técnica simples, a regressão logística é muito utilizada em aplicações</a:t>
             </a:r>
             <a:r>
-              <a:rPr lang="pt-BR" baseline="0" dirty="0" smtClean="0"/>
+              <a:rPr lang="pt-BR" baseline="0" dirty="0"/>
               <a:t> do mundo real em áreas como medicina, propaganda, análise de crédito, saúde pública entre outras.</a:t>
             </a:r>
             <a:endParaRPr lang="pt-BR" dirty="0"/>
@@ -1299,7 +1298,7 @@
           <a:p>
             <a:pPr fontAlgn="base"/>
             <a:r>
-              <a:rPr lang="en-US" sz="1200" b="0" i="0" kern="1200" dirty="0" smtClean="0">
+              <a:rPr lang="en-US" sz="1200" b="0" i="0" kern="1200" dirty="0">
                 <a:solidFill>
                   <a:schemeClr val="tx1"/>
                 </a:solidFill>
@@ -1311,7 +1310,7 @@
               <a:t>Logistic regression is emphatically </a:t>
             </a:r>
             <a:r>
-              <a:rPr lang="en-US" sz="1200" b="1" i="0" kern="1200" dirty="0" smtClean="0">
+              <a:rPr lang="en-US" sz="1200" b="1" i="0" kern="1200" dirty="0">
                 <a:solidFill>
                   <a:schemeClr val="tx1"/>
                 </a:solidFill>
@@ -1323,7 +1322,7 @@
               <a:t>not</a:t>
             </a:r>
             <a:r>
-              <a:rPr lang="en-US" sz="1200" b="0" i="0" kern="1200" dirty="0" smtClean="0">
+              <a:rPr lang="en-US" sz="1200" b="0" i="0" kern="1200" dirty="0">
                 <a:solidFill>
                   <a:schemeClr val="tx1"/>
                 </a:solidFill>
@@ -1335,7 +1334,7 @@
               <a:t> a classification algorithm on its own. It is only a classification algorithm </a:t>
             </a:r>
             <a:r>
-              <a:rPr lang="en-US" sz="1200" b="0" i="1" kern="1200" dirty="0" smtClean="0">
+              <a:rPr lang="en-US" sz="1200" b="0" i="1" kern="1200" dirty="0">
                 <a:solidFill>
                   <a:schemeClr val="tx1"/>
                 </a:solidFill>
@@ -1347,7 +1346,7 @@
               <a:t>in combination with</a:t>
             </a:r>
             <a:r>
-              <a:rPr lang="en-US" sz="1200" b="0" i="0" kern="1200" dirty="0" smtClean="0">
+              <a:rPr lang="en-US" sz="1200" b="0" i="0" kern="1200" dirty="0">
                 <a:solidFill>
                   <a:schemeClr val="tx1"/>
                 </a:solidFill>
@@ -1359,7 +1358,7 @@
               <a:t> a decision rule that makes dichotomous the predicted probabilities of the outcome. Logistic regression </a:t>
             </a:r>
             <a:r>
-              <a:rPr lang="en-US" sz="1200" b="0" i="1" kern="1200" dirty="0" smtClean="0">
+              <a:rPr lang="en-US" sz="1200" b="0" i="1" kern="1200" dirty="0">
                 <a:solidFill>
                   <a:schemeClr val="tx1"/>
                 </a:solidFill>
@@ -1371,7 +1370,7 @@
               <a:t>is</a:t>
             </a:r>
             <a:r>
-              <a:rPr lang="en-US" sz="1200" b="0" i="0" kern="1200" dirty="0" smtClean="0">
+              <a:rPr lang="en-US" sz="1200" b="0" i="0" kern="1200" dirty="0">
                 <a:solidFill>
                   <a:schemeClr val="tx1"/>
                 </a:solidFill>
@@ -1485,7 +1484,7 @@
                   <a:defRPr/>
                 </a:pPr>
                 <a:r>
-                  <a:rPr lang="pt-BR" dirty="0" smtClean="0"/>
+                  <a:rPr lang="pt-BR" dirty="0"/>
                   <a:t>O objetivo do treinamento é definir o vetor de pesos </a:t>
                 </a:r>
                 <a14:m>
@@ -1499,24 +1498,8 @@
                   </m:oMath>
                 </a14:m>
                 <a:r>
-                  <a:rPr lang="pt-BR" dirty="0" smtClean="0"/>
-                  <a:t> </a:t>
-                </a:r>
-                <a:r>
-                  <a:rPr lang="pt-BR" dirty="0"/>
-                  <a:t>para que o modelo </a:t>
-                </a:r>
-                <a:r>
-                  <a:rPr lang="pt-BR" dirty="0" smtClean="0"/>
-                  <a:t>atribua valores altos de probabilidade </a:t>
-                </a:r>
-                <a:r>
-                  <a:rPr lang="pt-BR" dirty="0"/>
-                  <a:t>para exemplos </a:t>
-                </a:r>
-                <a:r>
-                  <a:rPr lang="pt-BR" dirty="0" smtClean="0"/>
-                  <a:t>positivos (i.e., </a:t>
+                  <a:rPr lang="pt-BR" dirty="0"/>
+                  <a:t> para que o modelo atribua valores altos de probabilidade para exemplos positivos (i.e., </a:t>
                 </a:r>
                 <a14:m>
                   <m:oMath xmlns:m="http://schemas.openxmlformats.org/officeDocument/2006/math">
@@ -1536,32 +1519,8 @@
                   </m:oMath>
                 </a14:m>
                 <a:r>
-                  <a:rPr lang="pt-BR" dirty="0" smtClean="0"/>
-                  <a:t>) </a:t>
-                </a:r>
-                <a:r>
-                  <a:rPr lang="pt-BR" dirty="0"/>
-                  <a:t>e </a:t>
-                </a:r>
-                <a:r>
-                  <a:rPr lang="pt-BR" dirty="0" smtClean="0"/>
-                  <a:t>valores baixos de probabilidade </a:t>
-                </a:r>
-                <a:r>
-                  <a:rPr lang="pt-BR" dirty="0"/>
-                  <a:t>para </a:t>
-                </a:r>
-                <a:r>
-                  <a:rPr lang="pt-BR" dirty="0" smtClean="0"/>
-                  <a:t>exemplos negativos </a:t>
-                </a:r>
-                <a:r>
-                  <a:rPr lang="pt-BR" dirty="0"/>
-                  <a:t>(</a:t>
-                </a:r>
-                <a:r>
-                  <a:rPr lang="pt-BR" dirty="0" smtClean="0"/>
-                  <a:t>i.e., </a:t>
+                  <a:rPr lang="pt-BR" dirty="0"/>
+                  <a:t>) e valores baixos de probabilidade para exemplos negativos (i.e., </a:t>
                 </a:r>
                 <a14:m>
                   <m:oMath xmlns:m="http://schemas.openxmlformats.org/officeDocument/2006/math">
@@ -1587,83 +1546,82 @@
                   </m:oMath>
                 </a14:m>
                 <a:r>
-                  <a:rPr lang="pt-BR" dirty="0" smtClean="0"/>
+                  <a:rPr lang="pt-BR" dirty="0"/>
                   <a:t>).</a:t>
                 </a:r>
               </a:p>
               <a:p>
-                <a:endParaRPr lang="pt-BR" dirty="0" smtClean="0"/>
+                <a:endParaRPr lang="pt-BR" dirty="0"/>
               </a:p>
               <a:p>
                 <a:r>
-                  <a:rPr lang="pt-BR" dirty="0" smtClean="0"/>
+                  <a:rPr lang="pt-BR" dirty="0"/>
                   <a:t>Essa</a:t>
                 </a:r>
                 <a:r>
-                  <a:rPr lang="pt-BR" baseline="0" dirty="0" smtClean="0"/>
+                  <a:rPr lang="pt-BR" baseline="0" dirty="0"/>
                   <a:t> função de</a:t>
                 </a:r>
                 <a:r>
-                  <a:rPr lang="pt-BR" dirty="0" smtClean="0"/>
+                  <a:rPr lang="pt-BR" dirty="0"/>
                   <a:t> erro</a:t>
                 </a:r>
                 <a:r>
-                  <a:rPr lang="pt-BR" baseline="0" dirty="0" smtClean="0"/>
+                  <a:rPr lang="pt-BR" baseline="0" dirty="0"/>
                   <a:t> </a:t>
                 </a:r>
                 <a:r>
-                  <a:rPr lang="pt-BR" dirty="0" smtClean="0"/>
+                  <a:rPr lang="pt-BR" dirty="0"/>
                   <a:t>faz sentido porque -log(z) se torna muito grande quando z</a:t>
                 </a:r>
                 <a:r>
-                  <a:rPr lang="pt-BR" baseline="0" dirty="0" smtClean="0"/>
+                  <a:rPr lang="pt-BR" baseline="0" dirty="0"/>
                   <a:t> </a:t>
                 </a:r>
                 <a:r>
-                  <a:rPr lang="pt-BR" dirty="0" smtClean="0"/>
+                  <a:rPr lang="pt-BR" dirty="0"/>
                   <a:t>se aproxima de 0, então o erro será grande se o modelo estimar uma probabilidade próxima a 0 para um</a:t>
                 </a:r>
                 <a:r>
-                  <a:rPr lang="pt-BR" baseline="0" dirty="0" smtClean="0"/>
+                  <a:rPr lang="pt-BR" baseline="0" dirty="0"/>
                   <a:t> exemplo </a:t>
                 </a:r>
                 <a:r>
-                  <a:rPr lang="pt-BR" dirty="0" smtClean="0"/>
+                  <a:rPr lang="pt-BR" dirty="0"/>
                   <a:t>positivo e também será muito grande se o modelo estimar uma probabilidade próxima a 1 para um</a:t>
                 </a:r>
                 <a:r>
-                  <a:rPr lang="pt-BR" baseline="0" dirty="0" smtClean="0"/>
+                  <a:rPr lang="pt-BR" baseline="0" dirty="0"/>
                   <a:t> exemplo </a:t>
                 </a:r>
                 <a:r>
-                  <a:rPr lang="pt-BR" dirty="0" smtClean="0"/>
+                  <a:rPr lang="pt-BR" dirty="0"/>
                   <a:t>negativo. Por outro lado, -log(z) se</a:t>
                 </a:r>
                 <a:r>
-                  <a:rPr lang="pt-BR" baseline="0" dirty="0" smtClean="0"/>
+                  <a:rPr lang="pt-BR" baseline="0" dirty="0"/>
                   <a:t> torna</a:t>
                 </a:r>
                 <a:r>
-                  <a:rPr lang="pt-BR" dirty="0" smtClean="0"/>
+                  <a:rPr lang="pt-BR" dirty="0"/>
                   <a:t> próximo de 0 quando z se aproxima de 1, portanto, o erro será próximo de 0 se a probabilidade estimada for próxima de 0 para um</a:t>
                 </a:r>
                 <a:r>
-                  <a:rPr lang="pt-BR" baseline="0" dirty="0" smtClean="0"/>
+                  <a:rPr lang="pt-BR" baseline="0" dirty="0"/>
                   <a:t> exemplo </a:t>
                 </a:r>
                 <a:r>
-                  <a:rPr lang="pt-BR" dirty="0" smtClean="0"/>
+                  <a:rPr lang="pt-BR" dirty="0"/>
                   <a:t>negativo ou próxima de 1 para um</a:t>
                 </a:r>
                 <a:r>
-                  <a:rPr lang="pt-BR" baseline="0" dirty="0" smtClean="0"/>
+                  <a:rPr lang="pt-BR" baseline="0" dirty="0"/>
                   <a:t> exemplo </a:t>
                 </a:r>
                 <a:r>
-                  <a:rPr lang="pt-BR" dirty="0" smtClean="0"/>
+                  <a:rPr lang="pt-BR" dirty="0"/>
                   <a:t>positivo, que é exatamente o que queremos.</a:t>
                 </a:r>
-                <a:endParaRPr lang="pt-BR" dirty="0"/>
               </a:p>
             </p:txBody>
           </p:sp>
@@ -1961,23 +1919,23 @@
                   <a:buChar char="•"/>
                 </a:pPr>
                 <a:r>
-                  <a:rPr lang="pt-BR" dirty="0" smtClean="0"/>
+                  <a:rPr lang="pt-BR" dirty="0"/>
                   <a:t>Na</a:t>
                 </a:r>
                 <a:r>
-                  <a:rPr lang="pt-BR" baseline="0" dirty="0" smtClean="0"/>
+                  <a:rPr lang="pt-BR" baseline="0" dirty="0"/>
                   <a:t> figura da esquerda</a:t>
                 </a:r>
                 <a:r>
-                  <a:rPr lang="pt-BR" dirty="0" smtClean="0"/>
+                  <a:rPr lang="pt-BR" dirty="0"/>
                   <a:t>, o erro</a:t>
                 </a:r>
                 <a:r>
-                  <a:rPr lang="pt-BR" baseline="0" dirty="0" smtClean="0"/>
+                  <a:rPr lang="pt-BR" baseline="0" dirty="0"/>
                   <a:t> </a:t>
                 </a:r>
                 <a:r>
-                  <a:rPr lang="pt-BR" dirty="0" smtClean="0"/>
+                  <a:rPr lang="pt-BR" dirty="0"/>
                   <a:t>é nulo somente se a saída é </a:t>
                 </a:r>
                 <a14:m>
@@ -2027,7 +1985,7 @@
                   </m:oMath>
                 </a14:m>
                 <a:r>
-                  <a:rPr lang="pt-BR" dirty="0" smtClean="0"/>
+                  <a:rPr lang="pt-BR" dirty="0"/>
                   <a:t> = 1  (ou seja, se a classe </a:t>
                 </a:r>
                 <a14:m>
@@ -2060,7 +2018,7 @@
                   </m:oMath>
                 </a14:m>
                 <a:r>
-                  <a:rPr lang="pt-BR" dirty="0" smtClean="0"/>
+                  <a:rPr lang="pt-BR" dirty="0"/>
                   <a:t> é corretamente identificada). À medida que </a:t>
                 </a:r>
                 <a14:m>
@@ -2110,7 +2068,7 @@
                   </m:oMath>
                 </a14:m>
                 <a:r>
-                  <a:rPr lang="pt-BR" dirty="0" smtClean="0"/>
+                  <a:rPr lang="pt-BR" dirty="0"/>
                   <a:t> → 0, o erro tende a infinito. </a:t>
                 </a:r>
               </a:p>
@@ -2120,15 +2078,15 @@
                   <a:buChar char="•"/>
                 </a:pPr>
                 <a:r>
-                  <a:rPr lang="pt-BR" dirty="0" smtClean="0"/>
+                  <a:rPr lang="pt-BR" dirty="0"/>
                   <a:t>Na</a:t>
                 </a:r>
                 <a:r>
-                  <a:rPr lang="pt-BR" baseline="0" dirty="0" smtClean="0"/>
+                  <a:rPr lang="pt-BR" baseline="0" dirty="0"/>
                   <a:t> figura da direita</a:t>
                 </a:r>
                 <a:r>
-                  <a:rPr lang="pt-BR" dirty="0" smtClean="0"/>
+                  <a:rPr lang="pt-BR" dirty="0"/>
                   <a:t>, o erro é nulo quando a saída é </a:t>
                 </a:r>
                 <a14:m>
@@ -2178,7 +2136,7 @@
                   </m:oMath>
                 </a14:m>
                 <a:r>
-                  <a:rPr lang="pt-BR" dirty="0" smtClean="0"/>
+                  <a:rPr lang="pt-BR" dirty="0"/>
                   <a:t> = 0 (ou seja, quando a classe </a:t>
                 </a:r>
                 <a14:m>
@@ -2211,11 +2169,11 @@
                   </m:oMath>
                 </a14:m>
                 <a:r>
-                  <a:rPr lang="pt-BR" dirty="0" smtClean="0"/>
+                  <a:rPr lang="pt-BR" dirty="0"/>
                   <a:t> é corretamente identificada). Conforme</a:t>
                 </a:r>
                 <a:r>
-                  <a:rPr lang="pt-BR" baseline="0" dirty="0" smtClean="0"/>
+                  <a:rPr lang="pt-BR" baseline="0" dirty="0"/>
                   <a:t> </a:t>
                 </a:r>
                 <a14:m>
@@ -2265,10 +2223,9 @@
                   </m:oMath>
                 </a14:m>
                 <a:r>
-                  <a:rPr lang="pt-BR" dirty="0" smtClean="0"/>
+                  <a:rPr lang="pt-BR" dirty="0"/>
                   <a:t> →1, o erro tende a infinito</a:t>
                 </a:r>
-                <a:endParaRPr lang="pt-BR" dirty="0"/>
               </a:p>
             </p:txBody>
           </p:sp>
@@ -2611,15 +2568,15 @@
               <a:defRPr/>
             </a:pPr>
             <a:r>
-              <a:rPr lang="pt-BR" sz="1200" dirty="0" smtClean="0"/>
+              <a:rPr lang="pt-BR" sz="1200" dirty="0"/>
               <a:t>A função de erro para todo o conjunto de treinamento é simplesmente o erro médio para todos</a:t>
             </a:r>
             <a:r>
-              <a:rPr lang="pt-BR" sz="1200" baseline="0" dirty="0" smtClean="0"/>
+              <a:rPr lang="pt-BR" sz="1200" baseline="0" dirty="0"/>
               <a:t> os exemplos </a:t>
             </a:r>
             <a:r>
-              <a:rPr lang="pt-BR" sz="1200" dirty="0" smtClean="0"/>
+              <a:rPr lang="pt-BR" sz="1200" dirty="0"/>
               <a:t>de treinamento. </a:t>
             </a:r>
           </a:p>
@@ -2642,11 +2599,11 @@
               <a:defRPr/>
             </a:pPr>
             <a:r>
-              <a:rPr lang="pt-BR" sz="1200" dirty="0" smtClean="0"/>
+              <a:rPr lang="pt-BR" sz="1200" dirty="0"/>
               <a:t>Ela pode ser escrita em uma única expressão</a:t>
             </a:r>
             <a:r>
-              <a:rPr lang="pt-BR" sz="1200" baseline="0" dirty="0" smtClean="0"/>
+              <a:rPr lang="pt-BR" sz="1200" baseline="0" dirty="0"/>
               <a:t> como mostrado acima.</a:t>
             </a:r>
           </a:p>
@@ -2668,7 +2625,7 @@
               <a:tabLst/>
               <a:defRPr/>
             </a:pPr>
-            <a:endParaRPr lang="pt-BR" sz="1200" baseline="0" dirty="0" smtClean="0"/>
+            <a:endParaRPr lang="pt-BR" sz="1200" baseline="0" dirty="0"/>
           </a:p>
           <a:p>
             <a:pPr marL="0" marR="0" lvl="0" indent="0" algn="l" defTabSz="914400" rtl="0" eaLnBrk="1" fontAlgn="auto" latinLnBrk="0" hangingPunct="1">
@@ -2689,7 +2646,7 @@
               <a:defRPr/>
             </a:pPr>
             <a:r>
-              <a:rPr lang="pt-BR" sz="1200" baseline="0" dirty="0" smtClean="0"/>
+              <a:rPr lang="pt-BR" sz="1200" baseline="0" dirty="0"/>
               <a:t>Referências:</a:t>
             </a:r>
           </a:p>
@@ -2712,7 +2669,7 @@
               <a:defRPr/>
             </a:pPr>
             <a:r>
-              <a:rPr lang="pt-BR" sz="1200" baseline="0" dirty="0" smtClean="0"/>
+              <a:rPr lang="pt-BR" sz="1200" baseline="0" dirty="0"/>
               <a:t>[1] http://deeplearning.stanford.edu/tutorial/supervised/SoftmaxRegression/</a:t>
             </a:r>
           </a:p>
@@ -2836,14 +2793,14 @@
               <a:defRPr/>
             </a:pPr>
             <a:r>
-              <a:rPr lang="pt-BR" b="1" dirty="0" smtClean="0"/>
+              <a:rPr lang="pt-BR" b="1" dirty="0"/>
               <a:t>Exemplo</a:t>
             </a:r>
             <a:r>
-              <a:rPr lang="pt-BR" dirty="0" smtClean="0"/>
+              <a:rPr lang="pt-BR" dirty="0"/>
               <a:t>: https://colab.research.google.com/github/zz4fap/t320_aprendizado_de_maquina/blob/main/notebooks/classificação/logistic_regression_with_gradient_descent.ipynb</a:t>
             </a:r>
-            <a:endParaRPr lang="pt-BR" sz="1200" dirty="0" smtClean="0"/>
+            <a:endParaRPr lang="pt-BR" sz="1200" dirty="0"/>
           </a:p>
           <a:p>
             <a:pPr marL="0" marR="0" lvl="0" indent="0" algn="l" defTabSz="914400" rtl="0" eaLnBrk="1" fontAlgn="auto" latinLnBrk="0" hangingPunct="1">
@@ -2863,7 +2820,7 @@
               <a:tabLst/>
               <a:defRPr/>
             </a:pPr>
-            <a:endParaRPr lang="pt-BR" b="1" dirty="0" smtClean="0"/>
+            <a:endParaRPr lang="pt-BR" b="1" dirty="0"/>
           </a:p>
           <a:p>
             <a:pPr marL="0" marR="0" lvl="0" indent="0" algn="l" defTabSz="914400" rtl="0" eaLnBrk="1" fontAlgn="auto" latinLnBrk="0" hangingPunct="1">
@@ -2883,29 +2840,29 @@
               <a:tabLst/>
               <a:defRPr/>
             </a:pPr>
-            <a:endParaRPr lang="pt-BR" b="1" dirty="0" smtClean="0"/>
+            <a:endParaRPr lang="pt-BR" b="1" dirty="0"/>
           </a:p>
           <a:p>
-            <a:endParaRPr lang="pt-BR" b="1" dirty="0" smtClean="0"/>
+            <a:endParaRPr lang="pt-BR" b="1" dirty="0"/>
           </a:p>
           <a:p>
             <a:r>
-              <a:rPr lang="pt-BR" b="1" dirty="0" smtClean="0"/>
+              <a:rPr lang="pt-BR" b="1" dirty="0"/>
               <a:t>Referência</a:t>
             </a:r>
             <a:r>
-              <a:rPr lang="pt-BR" dirty="0" smtClean="0"/>
+              <a:rPr lang="pt-BR" dirty="0"/>
               <a:t>:</a:t>
             </a:r>
           </a:p>
           <a:p>
             <a:r>
-              <a:rPr lang="pt-BR" dirty="0" smtClean="0">
+              <a:rPr lang="pt-BR" dirty="0">
                 <a:hlinkClick r:id="rId3"/>
               </a:rPr>
               <a:t>https://math.stackexchange.com/questions/477207/derivative-of-cost-function-for-logistic-regression</a:t>
             </a:r>
-            <a:endParaRPr lang="pt-BR" dirty="0" smtClean="0"/>
+            <a:endParaRPr lang="pt-BR" dirty="0"/>
           </a:p>
           <a:p>
             <a:endParaRPr lang="pt-BR" dirty="0"/>
@@ -2993,11 +2950,11 @@
           <a:lstStyle/>
           <a:p>
             <a:r>
-              <a:rPr lang="pt-BR" sz="1200" b="1" dirty="0" smtClean="0"/>
+              <a:rPr lang="pt-BR" sz="1200" b="1" dirty="0"/>
               <a:t>Laboratório #3</a:t>
             </a:r>
             <a:r>
-              <a:rPr lang="pt-BR" sz="1200" dirty="0" smtClean="0"/>
+              <a:rPr lang="pt-BR" sz="1200" dirty="0"/>
               <a:t> https://mybinder.org/v2/gh/zz4fap/t320_aprendizado_de_maquina/main?filepath=labs%2FLaboratorio3.ipynb</a:t>
             </a:r>
           </a:p>
@@ -3064,7 +3021,7 @@
           <p:cNvPr id="2" name="Título 1">
             <a:extLst>
               <a:ext uri="{FF2B5EF4-FFF2-40B4-BE49-F238E27FC236}">
-                <a16:creationId xmlns="" xmlns:a16="http://schemas.microsoft.com/office/drawing/2014/main" id="{1DB9B4FF-B06E-403C-A326-BDC64D8FF94E}"/>
+                <a16:creationId xmlns:a16="http://schemas.microsoft.com/office/drawing/2014/main" id="{1DB9B4FF-B06E-403C-A326-BDC64D8FF94E}"/>
               </a:ext>
             </a:extLst>
           </p:cNvPr>
@@ -3101,7 +3058,7 @@
           <p:cNvPr id="3" name="Subtítulo 2">
             <a:extLst>
               <a:ext uri="{FF2B5EF4-FFF2-40B4-BE49-F238E27FC236}">
-                <a16:creationId xmlns="" xmlns:a16="http://schemas.microsoft.com/office/drawing/2014/main" id="{247BDFCE-746E-45BF-A319-4733D58D1632}"/>
+                <a16:creationId xmlns:a16="http://schemas.microsoft.com/office/drawing/2014/main" id="{247BDFCE-746E-45BF-A319-4733D58D1632}"/>
               </a:ext>
             </a:extLst>
           </p:cNvPr>
@@ -3171,7 +3128,7 @@
           <p:cNvPr id="4" name="Espaço Reservado para Data 3">
             <a:extLst>
               <a:ext uri="{FF2B5EF4-FFF2-40B4-BE49-F238E27FC236}">
-                <a16:creationId xmlns="" xmlns:a16="http://schemas.microsoft.com/office/drawing/2014/main" id="{9EDE2778-5372-4104-B96D-968184DA8288}"/>
+                <a16:creationId xmlns:a16="http://schemas.microsoft.com/office/drawing/2014/main" id="{9EDE2778-5372-4104-B96D-968184DA8288}"/>
               </a:ext>
             </a:extLst>
           </p:cNvPr>
@@ -3189,7 +3146,7 @@
           <a:p>
             <a:fld id="{63289F7E-B80B-496E-81B4-D396C37C9454}" type="datetimeFigureOut">
               <a:rPr lang="pt-BR" smtClean="0"/>
-              <a:t>29/09/2021</a:t>
+              <a:t>04/03/2022</a:t>
             </a:fld>
             <a:endParaRPr lang="pt-BR"/>
           </a:p>
@@ -3200,7 +3157,7 @@
           <p:cNvPr id="5" name="Espaço Reservado para Rodapé 4">
             <a:extLst>
               <a:ext uri="{FF2B5EF4-FFF2-40B4-BE49-F238E27FC236}">
-                <a16:creationId xmlns="" xmlns:a16="http://schemas.microsoft.com/office/drawing/2014/main" id="{C1DD0F41-C861-4051-988D-3024A37A4B93}"/>
+                <a16:creationId xmlns:a16="http://schemas.microsoft.com/office/drawing/2014/main" id="{C1DD0F41-C861-4051-988D-3024A37A4B93}"/>
               </a:ext>
             </a:extLst>
           </p:cNvPr>
@@ -3225,7 +3182,7 @@
           <p:cNvPr id="6" name="Espaço Reservado para Número de Slide 5">
             <a:extLst>
               <a:ext uri="{FF2B5EF4-FFF2-40B4-BE49-F238E27FC236}">
-                <a16:creationId xmlns="" xmlns:a16="http://schemas.microsoft.com/office/drawing/2014/main" id="{07E5967E-D980-431A-A5DB-3F0C5030A81E}"/>
+                <a16:creationId xmlns:a16="http://schemas.microsoft.com/office/drawing/2014/main" id="{07E5967E-D980-431A-A5DB-3F0C5030A81E}"/>
               </a:ext>
             </a:extLst>
           </p:cNvPr>
@@ -3243,7 +3200,7 @@
           <a:p>
             <a:fld id="{1A7E88B7-70CE-4035-AE73-13FA6FB985D4}" type="slidenum">
               <a:rPr lang="pt-BR" smtClean="0"/>
-              <a:t>‹#›</a:t>
+              <a:t>‹nº›</a:t>
             </a:fld>
             <a:endParaRPr lang="pt-BR"/>
           </a:p>
@@ -3284,7 +3241,7 @@
           <p:cNvPr id="2" name="Título 1">
             <a:extLst>
               <a:ext uri="{FF2B5EF4-FFF2-40B4-BE49-F238E27FC236}">
-                <a16:creationId xmlns="" xmlns:a16="http://schemas.microsoft.com/office/drawing/2014/main" id="{9036C49F-3E68-4175-81BA-3C3FEE44308A}"/>
+                <a16:creationId xmlns:a16="http://schemas.microsoft.com/office/drawing/2014/main" id="{9036C49F-3E68-4175-81BA-3C3FEE44308A}"/>
               </a:ext>
             </a:extLst>
           </p:cNvPr>
@@ -3312,7 +3269,7 @@
           <p:cNvPr id="3" name="Espaço Reservado para Texto Vertical 2">
             <a:extLst>
               <a:ext uri="{FF2B5EF4-FFF2-40B4-BE49-F238E27FC236}">
-                <a16:creationId xmlns="" xmlns:a16="http://schemas.microsoft.com/office/drawing/2014/main" id="{426FA736-3DD3-4D4E-B57B-BBE1D8F7D424}"/>
+                <a16:creationId xmlns:a16="http://schemas.microsoft.com/office/drawing/2014/main" id="{426FA736-3DD3-4D4E-B57B-BBE1D8F7D424}"/>
               </a:ext>
             </a:extLst>
           </p:cNvPr>
@@ -3369,7 +3326,7 @@
           <p:cNvPr id="4" name="Espaço Reservado para Data 3">
             <a:extLst>
               <a:ext uri="{FF2B5EF4-FFF2-40B4-BE49-F238E27FC236}">
-                <a16:creationId xmlns="" xmlns:a16="http://schemas.microsoft.com/office/drawing/2014/main" id="{99E8855C-D8FD-48F6-B14E-861E0DE4D915}"/>
+                <a16:creationId xmlns:a16="http://schemas.microsoft.com/office/drawing/2014/main" id="{99E8855C-D8FD-48F6-B14E-861E0DE4D915}"/>
               </a:ext>
             </a:extLst>
           </p:cNvPr>
@@ -3387,7 +3344,7 @@
           <a:p>
             <a:fld id="{63289F7E-B80B-496E-81B4-D396C37C9454}" type="datetimeFigureOut">
               <a:rPr lang="pt-BR" smtClean="0"/>
-              <a:t>29/09/2021</a:t>
+              <a:t>04/03/2022</a:t>
             </a:fld>
             <a:endParaRPr lang="pt-BR"/>
           </a:p>
@@ -3398,7 +3355,7 @@
           <p:cNvPr id="5" name="Espaço Reservado para Rodapé 4">
             <a:extLst>
               <a:ext uri="{FF2B5EF4-FFF2-40B4-BE49-F238E27FC236}">
-                <a16:creationId xmlns="" xmlns:a16="http://schemas.microsoft.com/office/drawing/2014/main" id="{97C0BB88-2F21-42A5-ACFF-83DA47F2D340}"/>
+                <a16:creationId xmlns:a16="http://schemas.microsoft.com/office/drawing/2014/main" id="{97C0BB88-2F21-42A5-ACFF-83DA47F2D340}"/>
               </a:ext>
             </a:extLst>
           </p:cNvPr>
@@ -3423,7 +3380,7 @@
           <p:cNvPr id="6" name="Espaço Reservado para Número de Slide 5">
             <a:extLst>
               <a:ext uri="{FF2B5EF4-FFF2-40B4-BE49-F238E27FC236}">
-                <a16:creationId xmlns="" xmlns:a16="http://schemas.microsoft.com/office/drawing/2014/main" id="{6CB462B3-1F22-4C05-B4B8-7A279FB7D5E9}"/>
+                <a16:creationId xmlns:a16="http://schemas.microsoft.com/office/drawing/2014/main" id="{6CB462B3-1F22-4C05-B4B8-7A279FB7D5E9}"/>
               </a:ext>
             </a:extLst>
           </p:cNvPr>
@@ -3441,7 +3398,7 @@
           <a:p>
             <a:fld id="{1A7E88B7-70CE-4035-AE73-13FA6FB985D4}" type="slidenum">
               <a:rPr lang="pt-BR" smtClean="0"/>
-              <a:t>‹#›</a:t>
+              <a:t>‹nº›</a:t>
             </a:fld>
             <a:endParaRPr lang="pt-BR"/>
           </a:p>
@@ -3482,7 +3439,7 @@
           <p:cNvPr id="2" name="Título Vertical 1">
             <a:extLst>
               <a:ext uri="{FF2B5EF4-FFF2-40B4-BE49-F238E27FC236}">
-                <a16:creationId xmlns="" xmlns:a16="http://schemas.microsoft.com/office/drawing/2014/main" id="{EAEAB728-701C-4207-A9D5-23FF45C60502}"/>
+                <a16:creationId xmlns:a16="http://schemas.microsoft.com/office/drawing/2014/main" id="{EAEAB728-701C-4207-A9D5-23FF45C60502}"/>
               </a:ext>
             </a:extLst>
           </p:cNvPr>
@@ -3515,7 +3472,7 @@
           <p:cNvPr id="3" name="Espaço Reservado para Texto Vertical 2">
             <a:extLst>
               <a:ext uri="{FF2B5EF4-FFF2-40B4-BE49-F238E27FC236}">
-                <a16:creationId xmlns="" xmlns:a16="http://schemas.microsoft.com/office/drawing/2014/main" id="{BA8C8CCF-7823-480A-9A19-0F664DD17E3B}"/>
+                <a16:creationId xmlns:a16="http://schemas.microsoft.com/office/drawing/2014/main" id="{BA8C8CCF-7823-480A-9A19-0F664DD17E3B}"/>
               </a:ext>
             </a:extLst>
           </p:cNvPr>
@@ -3577,7 +3534,7 @@
           <p:cNvPr id="4" name="Espaço Reservado para Data 3">
             <a:extLst>
               <a:ext uri="{FF2B5EF4-FFF2-40B4-BE49-F238E27FC236}">
-                <a16:creationId xmlns="" xmlns:a16="http://schemas.microsoft.com/office/drawing/2014/main" id="{721D5734-7B1F-425D-942F-6EB73344027C}"/>
+                <a16:creationId xmlns:a16="http://schemas.microsoft.com/office/drawing/2014/main" id="{721D5734-7B1F-425D-942F-6EB73344027C}"/>
               </a:ext>
             </a:extLst>
           </p:cNvPr>
@@ -3595,7 +3552,7 @@
           <a:p>
             <a:fld id="{63289F7E-B80B-496E-81B4-D396C37C9454}" type="datetimeFigureOut">
               <a:rPr lang="pt-BR" smtClean="0"/>
-              <a:t>29/09/2021</a:t>
+              <a:t>04/03/2022</a:t>
             </a:fld>
             <a:endParaRPr lang="pt-BR"/>
           </a:p>
@@ -3606,7 +3563,7 @@
           <p:cNvPr id="5" name="Espaço Reservado para Rodapé 4">
             <a:extLst>
               <a:ext uri="{FF2B5EF4-FFF2-40B4-BE49-F238E27FC236}">
-                <a16:creationId xmlns="" xmlns:a16="http://schemas.microsoft.com/office/drawing/2014/main" id="{1E1AAEAC-F08D-45FE-89EC-B1B349A868C9}"/>
+                <a16:creationId xmlns:a16="http://schemas.microsoft.com/office/drawing/2014/main" id="{1E1AAEAC-F08D-45FE-89EC-B1B349A868C9}"/>
               </a:ext>
             </a:extLst>
           </p:cNvPr>
@@ -3631,7 +3588,7 @@
           <p:cNvPr id="6" name="Espaço Reservado para Número de Slide 5">
             <a:extLst>
               <a:ext uri="{FF2B5EF4-FFF2-40B4-BE49-F238E27FC236}">
-                <a16:creationId xmlns="" xmlns:a16="http://schemas.microsoft.com/office/drawing/2014/main" id="{BAA44493-9911-47B2-87A6-C2141A972BC8}"/>
+                <a16:creationId xmlns:a16="http://schemas.microsoft.com/office/drawing/2014/main" id="{BAA44493-9911-47B2-87A6-C2141A972BC8}"/>
               </a:ext>
             </a:extLst>
           </p:cNvPr>
@@ -3649,7 +3606,7 @@
           <a:p>
             <a:fld id="{1A7E88B7-70CE-4035-AE73-13FA6FB985D4}" type="slidenum">
               <a:rPr lang="pt-BR" smtClean="0"/>
-              <a:t>‹#›</a:t>
+              <a:t>‹nº›</a:t>
             </a:fld>
             <a:endParaRPr lang="pt-BR"/>
           </a:p>
@@ -3690,7 +3647,7 @@
           <p:cNvPr id="2" name="Título 1">
             <a:extLst>
               <a:ext uri="{FF2B5EF4-FFF2-40B4-BE49-F238E27FC236}">
-                <a16:creationId xmlns="" xmlns:a16="http://schemas.microsoft.com/office/drawing/2014/main" id="{71BD44A5-8F21-4626-A01D-48A1C874B1D5}"/>
+                <a16:creationId xmlns:a16="http://schemas.microsoft.com/office/drawing/2014/main" id="{71BD44A5-8F21-4626-A01D-48A1C874B1D5}"/>
               </a:ext>
             </a:extLst>
           </p:cNvPr>
@@ -3718,7 +3675,7 @@
           <p:cNvPr id="3" name="Espaço Reservado para Conteúdo 2">
             <a:extLst>
               <a:ext uri="{FF2B5EF4-FFF2-40B4-BE49-F238E27FC236}">
-                <a16:creationId xmlns="" xmlns:a16="http://schemas.microsoft.com/office/drawing/2014/main" id="{B79E8085-65A9-48AA-951D-71D978BFF4ED}"/>
+                <a16:creationId xmlns:a16="http://schemas.microsoft.com/office/drawing/2014/main" id="{B79E8085-65A9-48AA-951D-71D978BFF4ED}"/>
               </a:ext>
             </a:extLst>
           </p:cNvPr>
@@ -3775,7 +3732,7 @@
           <p:cNvPr id="4" name="Espaço Reservado para Data 3">
             <a:extLst>
               <a:ext uri="{FF2B5EF4-FFF2-40B4-BE49-F238E27FC236}">
-                <a16:creationId xmlns="" xmlns:a16="http://schemas.microsoft.com/office/drawing/2014/main" id="{F05BE1AF-51EA-425D-B188-DE7BD675009F}"/>
+                <a16:creationId xmlns:a16="http://schemas.microsoft.com/office/drawing/2014/main" id="{F05BE1AF-51EA-425D-B188-DE7BD675009F}"/>
               </a:ext>
             </a:extLst>
           </p:cNvPr>
@@ -3793,7 +3750,7 @@
           <a:p>
             <a:fld id="{63289F7E-B80B-496E-81B4-D396C37C9454}" type="datetimeFigureOut">
               <a:rPr lang="pt-BR" smtClean="0"/>
-              <a:t>29/09/2021</a:t>
+              <a:t>04/03/2022</a:t>
             </a:fld>
             <a:endParaRPr lang="pt-BR"/>
           </a:p>
@@ -3804,7 +3761,7 @@
           <p:cNvPr id="5" name="Espaço Reservado para Rodapé 4">
             <a:extLst>
               <a:ext uri="{FF2B5EF4-FFF2-40B4-BE49-F238E27FC236}">
-                <a16:creationId xmlns="" xmlns:a16="http://schemas.microsoft.com/office/drawing/2014/main" id="{121BE632-29CF-4CB9-B365-C9EF38F89BE6}"/>
+                <a16:creationId xmlns:a16="http://schemas.microsoft.com/office/drawing/2014/main" id="{121BE632-29CF-4CB9-B365-C9EF38F89BE6}"/>
               </a:ext>
             </a:extLst>
           </p:cNvPr>
@@ -3829,7 +3786,7 @@
           <p:cNvPr id="6" name="Espaço Reservado para Número de Slide 5">
             <a:extLst>
               <a:ext uri="{FF2B5EF4-FFF2-40B4-BE49-F238E27FC236}">
-                <a16:creationId xmlns="" xmlns:a16="http://schemas.microsoft.com/office/drawing/2014/main" id="{60CF3DD1-9AEC-4A57-B461-4E4DD86FAC18}"/>
+                <a16:creationId xmlns:a16="http://schemas.microsoft.com/office/drawing/2014/main" id="{60CF3DD1-9AEC-4A57-B461-4E4DD86FAC18}"/>
               </a:ext>
             </a:extLst>
           </p:cNvPr>
@@ -3847,7 +3804,7 @@
           <a:p>
             <a:fld id="{1A7E88B7-70CE-4035-AE73-13FA6FB985D4}" type="slidenum">
               <a:rPr lang="pt-BR" smtClean="0"/>
-              <a:t>‹#›</a:t>
+              <a:t>‹nº›</a:t>
             </a:fld>
             <a:endParaRPr lang="pt-BR"/>
           </a:p>
@@ -3888,7 +3845,7 @@
           <p:cNvPr id="2" name="Título 1">
             <a:extLst>
               <a:ext uri="{FF2B5EF4-FFF2-40B4-BE49-F238E27FC236}">
-                <a16:creationId xmlns="" xmlns:a16="http://schemas.microsoft.com/office/drawing/2014/main" id="{34AB2FF0-A4D7-4E28-991D-FF26140D5988}"/>
+                <a16:creationId xmlns:a16="http://schemas.microsoft.com/office/drawing/2014/main" id="{34AB2FF0-A4D7-4E28-991D-FF26140D5988}"/>
               </a:ext>
             </a:extLst>
           </p:cNvPr>
@@ -3925,7 +3882,7 @@
           <p:cNvPr id="3" name="Espaço Reservado para Texto 2">
             <a:extLst>
               <a:ext uri="{FF2B5EF4-FFF2-40B4-BE49-F238E27FC236}">
-                <a16:creationId xmlns="" xmlns:a16="http://schemas.microsoft.com/office/drawing/2014/main" id="{E2AC45B0-4145-40DB-8E61-105461170604}"/>
+                <a16:creationId xmlns:a16="http://schemas.microsoft.com/office/drawing/2014/main" id="{E2AC45B0-4145-40DB-8E61-105461170604}"/>
               </a:ext>
             </a:extLst>
           </p:cNvPr>
@@ -4050,7 +4007,7 @@
           <p:cNvPr id="4" name="Espaço Reservado para Data 3">
             <a:extLst>
               <a:ext uri="{FF2B5EF4-FFF2-40B4-BE49-F238E27FC236}">
-                <a16:creationId xmlns="" xmlns:a16="http://schemas.microsoft.com/office/drawing/2014/main" id="{50F1D3FB-740A-4EBA-A309-2CE71D12ECFB}"/>
+                <a16:creationId xmlns:a16="http://schemas.microsoft.com/office/drawing/2014/main" id="{50F1D3FB-740A-4EBA-A309-2CE71D12ECFB}"/>
               </a:ext>
             </a:extLst>
           </p:cNvPr>
@@ -4068,7 +4025,7 @@
           <a:p>
             <a:fld id="{63289F7E-B80B-496E-81B4-D396C37C9454}" type="datetimeFigureOut">
               <a:rPr lang="pt-BR" smtClean="0"/>
-              <a:t>29/09/2021</a:t>
+              <a:t>04/03/2022</a:t>
             </a:fld>
             <a:endParaRPr lang="pt-BR"/>
           </a:p>
@@ -4079,7 +4036,7 @@
           <p:cNvPr id="5" name="Espaço Reservado para Rodapé 4">
             <a:extLst>
               <a:ext uri="{FF2B5EF4-FFF2-40B4-BE49-F238E27FC236}">
-                <a16:creationId xmlns="" xmlns:a16="http://schemas.microsoft.com/office/drawing/2014/main" id="{BDCAB18F-8715-4465-A940-F9C193A2ACE9}"/>
+                <a16:creationId xmlns:a16="http://schemas.microsoft.com/office/drawing/2014/main" id="{BDCAB18F-8715-4465-A940-F9C193A2ACE9}"/>
               </a:ext>
             </a:extLst>
           </p:cNvPr>
@@ -4104,7 +4061,7 @@
           <p:cNvPr id="6" name="Espaço Reservado para Número de Slide 5">
             <a:extLst>
               <a:ext uri="{FF2B5EF4-FFF2-40B4-BE49-F238E27FC236}">
-                <a16:creationId xmlns="" xmlns:a16="http://schemas.microsoft.com/office/drawing/2014/main" id="{353466C6-8248-429F-8056-FF040BF509EB}"/>
+                <a16:creationId xmlns:a16="http://schemas.microsoft.com/office/drawing/2014/main" id="{353466C6-8248-429F-8056-FF040BF509EB}"/>
               </a:ext>
             </a:extLst>
           </p:cNvPr>
@@ -4122,7 +4079,7 @@
           <a:p>
             <a:fld id="{1A7E88B7-70CE-4035-AE73-13FA6FB985D4}" type="slidenum">
               <a:rPr lang="pt-BR" smtClean="0"/>
-              <a:t>‹#›</a:t>
+              <a:t>‹nº›</a:t>
             </a:fld>
             <a:endParaRPr lang="pt-BR"/>
           </a:p>
@@ -4163,7 +4120,7 @@
           <p:cNvPr id="2" name="Título 1">
             <a:extLst>
               <a:ext uri="{FF2B5EF4-FFF2-40B4-BE49-F238E27FC236}">
-                <a16:creationId xmlns="" xmlns:a16="http://schemas.microsoft.com/office/drawing/2014/main" id="{BC7BB9F0-F14B-4A91-B2B7-35BC47FE4DE7}"/>
+                <a16:creationId xmlns:a16="http://schemas.microsoft.com/office/drawing/2014/main" id="{BC7BB9F0-F14B-4A91-B2B7-35BC47FE4DE7}"/>
               </a:ext>
             </a:extLst>
           </p:cNvPr>
@@ -4191,7 +4148,7 @@
           <p:cNvPr id="3" name="Espaço Reservado para Conteúdo 2">
             <a:extLst>
               <a:ext uri="{FF2B5EF4-FFF2-40B4-BE49-F238E27FC236}">
-                <a16:creationId xmlns="" xmlns:a16="http://schemas.microsoft.com/office/drawing/2014/main" id="{EC1FC1C4-73DA-47A6-8496-B0B457F7D39A}"/>
+                <a16:creationId xmlns:a16="http://schemas.microsoft.com/office/drawing/2014/main" id="{EC1FC1C4-73DA-47A6-8496-B0B457F7D39A}"/>
               </a:ext>
             </a:extLst>
           </p:cNvPr>
@@ -4253,7 +4210,7 @@
           <p:cNvPr id="4" name="Espaço Reservado para Conteúdo 3">
             <a:extLst>
               <a:ext uri="{FF2B5EF4-FFF2-40B4-BE49-F238E27FC236}">
-                <a16:creationId xmlns="" xmlns:a16="http://schemas.microsoft.com/office/drawing/2014/main" id="{E92F06A8-A449-4D92-9912-76873E529B38}"/>
+                <a16:creationId xmlns:a16="http://schemas.microsoft.com/office/drawing/2014/main" id="{E92F06A8-A449-4D92-9912-76873E529B38}"/>
               </a:ext>
             </a:extLst>
           </p:cNvPr>
@@ -4315,7 +4272,7 @@
           <p:cNvPr id="5" name="Espaço Reservado para Data 4">
             <a:extLst>
               <a:ext uri="{FF2B5EF4-FFF2-40B4-BE49-F238E27FC236}">
-                <a16:creationId xmlns="" xmlns:a16="http://schemas.microsoft.com/office/drawing/2014/main" id="{938070A4-BC2F-4D55-BD8D-DEAF11BB9EE9}"/>
+                <a16:creationId xmlns:a16="http://schemas.microsoft.com/office/drawing/2014/main" id="{938070A4-BC2F-4D55-BD8D-DEAF11BB9EE9}"/>
               </a:ext>
             </a:extLst>
           </p:cNvPr>
@@ -4333,7 +4290,7 @@
           <a:p>
             <a:fld id="{63289F7E-B80B-496E-81B4-D396C37C9454}" type="datetimeFigureOut">
               <a:rPr lang="pt-BR" smtClean="0"/>
-              <a:t>29/09/2021</a:t>
+              <a:t>04/03/2022</a:t>
             </a:fld>
             <a:endParaRPr lang="pt-BR"/>
           </a:p>
@@ -4344,7 +4301,7 @@
           <p:cNvPr id="6" name="Espaço Reservado para Rodapé 5">
             <a:extLst>
               <a:ext uri="{FF2B5EF4-FFF2-40B4-BE49-F238E27FC236}">
-                <a16:creationId xmlns="" xmlns:a16="http://schemas.microsoft.com/office/drawing/2014/main" id="{45CC2DB8-844A-465F-BA9A-7734C80C7F43}"/>
+                <a16:creationId xmlns:a16="http://schemas.microsoft.com/office/drawing/2014/main" id="{45CC2DB8-844A-465F-BA9A-7734C80C7F43}"/>
               </a:ext>
             </a:extLst>
           </p:cNvPr>
@@ -4369,7 +4326,7 @@
           <p:cNvPr id="7" name="Espaço Reservado para Número de Slide 6">
             <a:extLst>
               <a:ext uri="{FF2B5EF4-FFF2-40B4-BE49-F238E27FC236}">
-                <a16:creationId xmlns="" xmlns:a16="http://schemas.microsoft.com/office/drawing/2014/main" id="{4CC606A8-097B-4040-94E0-CD8C88280D8F}"/>
+                <a16:creationId xmlns:a16="http://schemas.microsoft.com/office/drawing/2014/main" id="{4CC606A8-097B-4040-94E0-CD8C88280D8F}"/>
               </a:ext>
             </a:extLst>
           </p:cNvPr>
@@ -4387,7 +4344,7 @@
           <a:p>
             <a:fld id="{1A7E88B7-70CE-4035-AE73-13FA6FB985D4}" type="slidenum">
               <a:rPr lang="pt-BR" smtClean="0"/>
-              <a:t>‹#›</a:t>
+              <a:t>‹nº›</a:t>
             </a:fld>
             <a:endParaRPr lang="pt-BR"/>
           </a:p>
@@ -4428,7 +4385,7 @@
           <p:cNvPr id="2" name="Título 1">
             <a:extLst>
               <a:ext uri="{FF2B5EF4-FFF2-40B4-BE49-F238E27FC236}">
-                <a16:creationId xmlns="" xmlns:a16="http://schemas.microsoft.com/office/drawing/2014/main" id="{76D66686-0143-4CB6-8C09-BA326F1E7ACA}"/>
+                <a16:creationId xmlns:a16="http://schemas.microsoft.com/office/drawing/2014/main" id="{76D66686-0143-4CB6-8C09-BA326F1E7ACA}"/>
               </a:ext>
             </a:extLst>
           </p:cNvPr>
@@ -4461,7 +4418,7 @@
           <p:cNvPr id="3" name="Espaço Reservado para Texto 2">
             <a:extLst>
               <a:ext uri="{FF2B5EF4-FFF2-40B4-BE49-F238E27FC236}">
-                <a16:creationId xmlns="" xmlns:a16="http://schemas.microsoft.com/office/drawing/2014/main" id="{0227AB85-F59E-4BCE-B846-4FA0992C2F23}"/>
+                <a16:creationId xmlns:a16="http://schemas.microsoft.com/office/drawing/2014/main" id="{0227AB85-F59E-4BCE-B846-4FA0992C2F23}"/>
               </a:ext>
             </a:extLst>
           </p:cNvPr>
@@ -4532,7 +4489,7 @@
           <p:cNvPr id="4" name="Espaço Reservado para Conteúdo 3">
             <a:extLst>
               <a:ext uri="{FF2B5EF4-FFF2-40B4-BE49-F238E27FC236}">
-                <a16:creationId xmlns="" xmlns:a16="http://schemas.microsoft.com/office/drawing/2014/main" id="{3373456C-7319-4D0A-827D-D29F6B083F5D}"/>
+                <a16:creationId xmlns:a16="http://schemas.microsoft.com/office/drawing/2014/main" id="{3373456C-7319-4D0A-827D-D29F6B083F5D}"/>
               </a:ext>
             </a:extLst>
           </p:cNvPr>
@@ -4594,7 +4551,7 @@
           <p:cNvPr id="5" name="Espaço Reservado para Texto 4">
             <a:extLst>
               <a:ext uri="{FF2B5EF4-FFF2-40B4-BE49-F238E27FC236}">
-                <a16:creationId xmlns="" xmlns:a16="http://schemas.microsoft.com/office/drawing/2014/main" id="{4CD109D0-2E83-4262-8029-A871CEC47406}"/>
+                <a16:creationId xmlns:a16="http://schemas.microsoft.com/office/drawing/2014/main" id="{4CD109D0-2E83-4262-8029-A871CEC47406}"/>
               </a:ext>
             </a:extLst>
           </p:cNvPr>
@@ -4665,7 +4622,7 @@
           <p:cNvPr id="6" name="Espaço Reservado para Conteúdo 5">
             <a:extLst>
               <a:ext uri="{FF2B5EF4-FFF2-40B4-BE49-F238E27FC236}">
-                <a16:creationId xmlns="" xmlns:a16="http://schemas.microsoft.com/office/drawing/2014/main" id="{AD706E3A-CFBB-4A6C-A65F-D0360A9E74FE}"/>
+                <a16:creationId xmlns:a16="http://schemas.microsoft.com/office/drawing/2014/main" id="{AD706E3A-CFBB-4A6C-A65F-D0360A9E74FE}"/>
               </a:ext>
             </a:extLst>
           </p:cNvPr>
@@ -4727,7 +4684,7 @@
           <p:cNvPr id="7" name="Espaço Reservado para Data 6">
             <a:extLst>
               <a:ext uri="{FF2B5EF4-FFF2-40B4-BE49-F238E27FC236}">
-                <a16:creationId xmlns="" xmlns:a16="http://schemas.microsoft.com/office/drawing/2014/main" id="{4172C0E5-5AF0-4805-BB51-443733CD2BD5}"/>
+                <a16:creationId xmlns:a16="http://schemas.microsoft.com/office/drawing/2014/main" id="{4172C0E5-5AF0-4805-BB51-443733CD2BD5}"/>
               </a:ext>
             </a:extLst>
           </p:cNvPr>
@@ -4745,7 +4702,7 @@
           <a:p>
             <a:fld id="{63289F7E-B80B-496E-81B4-D396C37C9454}" type="datetimeFigureOut">
               <a:rPr lang="pt-BR" smtClean="0"/>
-              <a:t>29/09/2021</a:t>
+              <a:t>04/03/2022</a:t>
             </a:fld>
             <a:endParaRPr lang="pt-BR"/>
           </a:p>
@@ -4756,7 +4713,7 @@
           <p:cNvPr id="8" name="Espaço Reservado para Rodapé 7">
             <a:extLst>
               <a:ext uri="{FF2B5EF4-FFF2-40B4-BE49-F238E27FC236}">
-                <a16:creationId xmlns="" xmlns:a16="http://schemas.microsoft.com/office/drawing/2014/main" id="{0E801648-156F-497E-99CF-797DF48051E1}"/>
+                <a16:creationId xmlns:a16="http://schemas.microsoft.com/office/drawing/2014/main" id="{0E801648-156F-497E-99CF-797DF48051E1}"/>
               </a:ext>
             </a:extLst>
           </p:cNvPr>
@@ -4781,7 +4738,7 @@
           <p:cNvPr id="9" name="Espaço Reservado para Número de Slide 8">
             <a:extLst>
               <a:ext uri="{FF2B5EF4-FFF2-40B4-BE49-F238E27FC236}">
-                <a16:creationId xmlns="" xmlns:a16="http://schemas.microsoft.com/office/drawing/2014/main" id="{EEE23D32-80E7-4796-A137-66BF842E4B53}"/>
+                <a16:creationId xmlns:a16="http://schemas.microsoft.com/office/drawing/2014/main" id="{EEE23D32-80E7-4796-A137-66BF842E4B53}"/>
               </a:ext>
             </a:extLst>
           </p:cNvPr>
@@ -4799,7 +4756,7 @@
           <a:p>
             <a:fld id="{1A7E88B7-70CE-4035-AE73-13FA6FB985D4}" type="slidenum">
               <a:rPr lang="pt-BR" smtClean="0"/>
-              <a:t>‹#›</a:t>
+              <a:t>‹nº›</a:t>
             </a:fld>
             <a:endParaRPr lang="pt-BR"/>
           </a:p>
@@ -4840,7 +4797,7 @@
           <p:cNvPr id="2" name="Título 1">
             <a:extLst>
               <a:ext uri="{FF2B5EF4-FFF2-40B4-BE49-F238E27FC236}">
-                <a16:creationId xmlns="" xmlns:a16="http://schemas.microsoft.com/office/drawing/2014/main" id="{2BCE2379-C78F-47E1-8CFC-B846E7AF148D}"/>
+                <a16:creationId xmlns:a16="http://schemas.microsoft.com/office/drawing/2014/main" id="{2BCE2379-C78F-47E1-8CFC-B846E7AF148D}"/>
               </a:ext>
             </a:extLst>
           </p:cNvPr>
@@ -4868,7 +4825,7 @@
           <p:cNvPr id="3" name="Espaço Reservado para Data 2">
             <a:extLst>
               <a:ext uri="{FF2B5EF4-FFF2-40B4-BE49-F238E27FC236}">
-                <a16:creationId xmlns="" xmlns:a16="http://schemas.microsoft.com/office/drawing/2014/main" id="{342600A9-7F92-4E22-9D94-E4717252A817}"/>
+                <a16:creationId xmlns:a16="http://schemas.microsoft.com/office/drawing/2014/main" id="{342600A9-7F92-4E22-9D94-E4717252A817}"/>
               </a:ext>
             </a:extLst>
           </p:cNvPr>
@@ -4886,7 +4843,7 @@
           <a:p>
             <a:fld id="{63289F7E-B80B-496E-81B4-D396C37C9454}" type="datetimeFigureOut">
               <a:rPr lang="pt-BR" smtClean="0"/>
-              <a:t>29/09/2021</a:t>
+              <a:t>04/03/2022</a:t>
             </a:fld>
             <a:endParaRPr lang="pt-BR"/>
           </a:p>
@@ -4897,7 +4854,7 @@
           <p:cNvPr id="4" name="Espaço Reservado para Rodapé 3">
             <a:extLst>
               <a:ext uri="{FF2B5EF4-FFF2-40B4-BE49-F238E27FC236}">
-                <a16:creationId xmlns="" xmlns:a16="http://schemas.microsoft.com/office/drawing/2014/main" id="{192E6BED-F546-40CC-A2DF-99CBA853654E}"/>
+                <a16:creationId xmlns:a16="http://schemas.microsoft.com/office/drawing/2014/main" id="{192E6BED-F546-40CC-A2DF-99CBA853654E}"/>
               </a:ext>
             </a:extLst>
           </p:cNvPr>
@@ -4922,7 +4879,7 @@
           <p:cNvPr id="5" name="Espaço Reservado para Número de Slide 4">
             <a:extLst>
               <a:ext uri="{FF2B5EF4-FFF2-40B4-BE49-F238E27FC236}">
-                <a16:creationId xmlns="" xmlns:a16="http://schemas.microsoft.com/office/drawing/2014/main" id="{6091CC40-A8C4-4063-80EB-CC5099621678}"/>
+                <a16:creationId xmlns:a16="http://schemas.microsoft.com/office/drawing/2014/main" id="{6091CC40-A8C4-4063-80EB-CC5099621678}"/>
               </a:ext>
             </a:extLst>
           </p:cNvPr>
@@ -4940,7 +4897,7 @@
           <a:p>
             <a:fld id="{1A7E88B7-70CE-4035-AE73-13FA6FB985D4}" type="slidenum">
               <a:rPr lang="pt-BR" smtClean="0"/>
-              <a:t>‹#›</a:t>
+              <a:t>‹nº›</a:t>
             </a:fld>
             <a:endParaRPr lang="pt-BR"/>
           </a:p>
@@ -4981,7 +4938,7 @@
           <p:cNvPr id="2" name="Espaço Reservado para Data 1">
             <a:extLst>
               <a:ext uri="{FF2B5EF4-FFF2-40B4-BE49-F238E27FC236}">
-                <a16:creationId xmlns="" xmlns:a16="http://schemas.microsoft.com/office/drawing/2014/main" id="{DD19515C-212C-4EAE-84A3-8FF4BC844F1B}"/>
+                <a16:creationId xmlns:a16="http://schemas.microsoft.com/office/drawing/2014/main" id="{DD19515C-212C-4EAE-84A3-8FF4BC844F1B}"/>
               </a:ext>
             </a:extLst>
           </p:cNvPr>
@@ -4999,7 +4956,7 @@
           <a:p>
             <a:fld id="{63289F7E-B80B-496E-81B4-D396C37C9454}" type="datetimeFigureOut">
               <a:rPr lang="pt-BR" smtClean="0"/>
-              <a:t>29/09/2021</a:t>
+              <a:t>04/03/2022</a:t>
             </a:fld>
             <a:endParaRPr lang="pt-BR"/>
           </a:p>
@@ -5010,7 +4967,7 @@
           <p:cNvPr id="3" name="Espaço Reservado para Rodapé 2">
             <a:extLst>
               <a:ext uri="{FF2B5EF4-FFF2-40B4-BE49-F238E27FC236}">
-                <a16:creationId xmlns="" xmlns:a16="http://schemas.microsoft.com/office/drawing/2014/main" id="{94D3D120-B3E8-4C96-861D-7A4F12F49B3A}"/>
+                <a16:creationId xmlns:a16="http://schemas.microsoft.com/office/drawing/2014/main" id="{94D3D120-B3E8-4C96-861D-7A4F12F49B3A}"/>
               </a:ext>
             </a:extLst>
           </p:cNvPr>
@@ -5035,7 +4992,7 @@
           <p:cNvPr id="4" name="Espaço Reservado para Número de Slide 3">
             <a:extLst>
               <a:ext uri="{FF2B5EF4-FFF2-40B4-BE49-F238E27FC236}">
-                <a16:creationId xmlns="" xmlns:a16="http://schemas.microsoft.com/office/drawing/2014/main" id="{42E49B68-FA1B-468B-9F17-D5C09243D454}"/>
+                <a16:creationId xmlns:a16="http://schemas.microsoft.com/office/drawing/2014/main" id="{42E49B68-FA1B-468B-9F17-D5C09243D454}"/>
               </a:ext>
             </a:extLst>
           </p:cNvPr>
@@ -5053,7 +5010,7 @@
           <a:p>
             <a:fld id="{1A7E88B7-70CE-4035-AE73-13FA6FB985D4}" type="slidenum">
               <a:rPr lang="pt-BR" smtClean="0"/>
-              <a:t>‹#›</a:t>
+              <a:t>‹nº›</a:t>
             </a:fld>
             <a:endParaRPr lang="pt-BR"/>
           </a:p>
@@ -5094,7 +5051,7 @@
           <p:cNvPr id="2" name="Título 1">
             <a:extLst>
               <a:ext uri="{FF2B5EF4-FFF2-40B4-BE49-F238E27FC236}">
-                <a16:creationId xmlns="" xmlns:a16="http://schemas.microsoft.com/office/drawing/2014/main" id="{1C17BCBE-A897-4319-85EC-D87909C24980}"/>
+                <a16:creationId xmlns:a16="http://schemas.microsoft.com/office/drawing/2014/main" id="{1C17BCBE-A897-4319-85EC-D87909C24980}"/>
               </a:ext>
             </a:extLst>
           </p:cNvPr>
@@ -5131,7 +5088,7 @@
           <p:cNvPr id="3" name="Espaço Reservado para Conteúdo 2">
             <a:extLst>
               <a:ext uri="{FF2B5EF4-FFF2-40B4-BE49-F238E27FC236}">
-                <a16:creationId xmlns="" xmlns:a16="http://schemas.microsoft.com/office/drawing/2014/main" id="{4226F885-0204-4913-868B-4B8B82576F17}"/>
+                <a16:creationId xmlns:a16="http://schemas.microsoft.com/office/drawing/2014/main" id="{4226F885-0204-4913-868B-4B8B82576F17}"/>
               </a:ext>
             </a:extLst>
           </p:cNvPr>
@@ -5221,7 +5178,7 @@
           <p:cNvPr id="4" name="Espaço Reservado para Texto 3">
             <a:extLst>
               <a:ext uri="{FF2B5EF4-FFF2-40B4-BE49-F238E27FC236}">
-                <a16:creationId xmlns="" xmlns:a16="http://schemas.microsoft.com/office/drawing/2014/main" id="{00F9F784-A858-441B-8AB5-697098141751}"/>
+                <a16:creationId xmlns:a16="http://schemas.microsoft.com/office/drawing/2014/main" id="{00F9F784-A858-441B-8AB5-697098141751}"/>
               </a:ext>
             </a:extLst>
           </p:cNvPr>
@@ -5292,7 +5249,7 @@
           <p:cNvPr id="5" name="Espaço Reservado para Data 4">
             <a:extLst>
               <a:ext uri="{FF2B5EF4-FFF2-40B4-BE49-F238E27FC236}">
-                <a16:creationId xmlns="" xmlns:a16="http://schemas.microsoft.com/office/drawing/2014/main" id="{A4DC363A-5000-472E-8B17-02E7DCB8840A}"/>
+                <a16:creationId xmlns:a16="http://schemas.microsoft.com/office/drawing/2014/main" id="{A4DC363A-5000-472E-8B17-02E7DCB8840A}"/>
               </a:ext>
             </a:extLst>
           </p:cNvPr>
@@ -5310,7 +5267,7 @@
           <a:p>
             <a:fld id="{63289F7E-B80B-496E-81B4-D396C37C9454}" type="datetimeFigureOut">
               <a:rPr lang="pt-BR" smtClean="0"/>
-              <a:t>29/09/2021</a:t>
+              <a:t>04/03/2022</a:t>
             </a:fld>
             <a:endParaRPr lang="pt-BR"/>
           </a:p>
@@ -5321,7 +5278,7 @@
           <p:cNvPr id="6" name="Espaço Reservado para Rodapé 5">
             <a:extLst>
               <a:ext uri="{FF2B5EF4-FFF2-40B4-BE49-F238E27FC236}">
-                <a16:creationId xmlns="" xmlns:a16="http://schemas.microsoft.com/office/drawing/2014/main" id="{5548425D-2C21-4C56-BAD4-662978775C28}"/>
+                <a16:creationId xmlns:a16="http://schemas.microsoft.com/office/drawing/2014/main" id="{5548425D-2C21-4C56-BAD4-662978775C28}"/>
               </a:ext>
             </a:extLst>
           </p:cNvPr>
@@ -5346,7 +5303,7 @@
           <p:cNvPr id="7" name="Espaço Reservado para Número de Slide 6">
             <a:extLst>
               <a:ext uri="{FF2B5EF4-FFF2-40B4-BE49-F238E27FC236}">
-                <a16:creationId xmlns="" xmlns:a16="http://schemas.microsoft.com/office/drawing/2014/main" id="{C63E9726-E64C-42B2-AE8A-8C235A956B48}"/>
+                <a16:creationId xmlns:a16="http://schemas.microsoft.com/office/drawing/2014/main" id="{C63E9726-E64C-42B2-AE8A-8C235A956B48}"/>
               </a:ext>
             </a:extLst>
           </p:cNvPr>
@@ -5364,7 +5321,7 @@
           <a:p>
             <a:fld id="{1A7E88B7-70CE-4035-AE73-13FA6FB985D4}" type="slidenum">
               <a:rPr lang="pt-BR" smtClean="0"/>
-              <a:t>‹#›</a:t>
+              <a:t>‹nº›</a:t>
             </a:fld>
             <a:endParaRPr lang="pt-BR"/>
           </a:p>
@@ -5405,7 +5362,7 @@
           <p:cNvPr id="2" name="Título 1">
             <a:extLst>
               <a:ext uri="{FF2B5EF4-FFF2-40B4-BE49-F238E27FC236}">
-                <a16:creationId xmlns="" xmlns:a16="http://schemas.microsoft.com/office/drawing/2014/main" id="{11086A78-3E74-450C-96A6-CA8AC37AF772}"/>
+                <a16:creationId xmlns:a16="http://schemas.microsoft.com/office/drawing/2014/main" id="{11086A78-3E74-450C-96A6-CA8AC37AF772}"/>
               </a:ext>
             </a:extLst>
           </p:cNvPr>
@@ -5442,7 +5399,7 @@
           <p:cNvPr id="3" name="Espaço Reservado para Imagem 2">
             <a:extLst>
               <a:ext uri="{FF2B5EF4-FFF2-40B4-BE49-F238E27FC236}">
-                <a16:creationId xmlns="" xmlns:a16="http://schemas.microsoft.com/office/drawing/2014/main" id="{5F5B7312-975A-4DBC-9B2F-3652ADA006FD}"/>
+                <a16:creationId xmlns:a16="http://schemas.microsoft.com/office/drawing/2014/main" id="{5F5B7312-975A-4DBC-9B2F-3652ADA006FD}"/>
               </a:ext>
             </a:extLst>
           </p:cNvPr>
@@ -5509,7 +5466,7 @@
           <p:cNvPr id="4" name="Espaço Reservado para Texto 3">
             <a:extLst>
               <a:ext uri="{FF2B5EF4-FFF2-40B4-BE49-F238E27FC236}">
-                <a16:creationId xmlns="" xmlns:a16="http://schemas.microsoft.com/office/drawing/2014/main" id="{AAF805F5-1DFF-41C6-944C-7D79FE0D0963}"/>
+                <a16:creationId xmlns:a16="http://schemas.microsoft.com/office/drawing/2014/main" id="{AAF805F5-1DFF-41C6-944C-7D79FE0D0963}"/>
               </a:ext>
             </a:extLst>
           </p:cNvPr>
@@ -5580,7 +5537,7 @@
           <p:cNvPr id="5" name="Espaço Reservado para Data 4">
             <a:extLst>
               <a:ext uri="{FF2B5EF4-FFF2-40B4-BE49-F238E27FC236}">
-                <a16:creationId xmlns="" xmlns:a16="http://schemas.microsoft.com/office/drawing/2014/main" id="{02113D81-8665-4516-BD81-C6A1F254EECD}"/>
+                <a16:creationId xmlns:a16="http://schemas.microsoft.com/office/drawing/2014/main" id="{02113D81-8665-4516-BD81-C6A1F254EECD}"/>
               </a:ext>
             </a:extLst>
           </p:cNvPr>
@@ -5598,7 +5555,7 @@
           <a:p>
             <a:fld id="{63289F7E-B80B-496E-81B4-D396C37C9454}" type="datetimeFigureOut">
               <a:rPr lang="pt-BR" smtClean="0"/>
-              <a:t>29/09/2021</a:t>
+              <a:t>04/03/2022</a:t>
             </a:fld>
             <a:endParaRPr lang="pt-BR"/>
           </a:p>
@@ -5609,7 +5566,7 @@
           <p:cNvPr id="6" name="Espaço Reservado para Rodapé 5">
             <a:extLst>
               <a:ext uri="{FF2B5EF4-FFF2-40B4-BE49-F238E27FC236}">
-                <a16:creationId xmlns="" xmlns:a16="http://schemas.microsoft.com/office/drawing/2014/main" id="{2B00C88B-FF32-40AA-A187-727D96FD7862}"/>
+                <a16:creationId xmlns:a16="http://schemas.microsoft.com/office/drawing/2014/main" id="{2B00C88B-FF32-40AA-A187-727D96FD7862}"/>
               </a:ext>
             </a:extLst>
           </p:cNvPr>
@@ -5634,7 +5591,7 @@
           <p:cNvPr id="7" name="Espaço Reservado para Número de Slide 6">
             <a:extLst>
               <a:ext uri="{FF2B5EF4-FFF2-40B4-BE49-F238E27FC236}">
-                <a16:creationId xmlns="" xmlns:a16="http://schemas.microsoft.com/office/drawing/2014/main" id="{A04D1A2D-69F7-4B8F-A730-BC26DC340BA6}"/>
+                <a16:creationId xmlns:a16="http://schemas.microsoft.com/office/drawing/2014/main" id="{A04D1A2D-69F7-4B8F-A730-BC26DC340BA6}"/>
               </a:ext>
             </a:extLst>
           </p:cNvPr>
@@ -5652,7 +5609,7 @@
           <a:p>
             <a:fld id="{1A7E88B7-70CE-4035-AE73-13FA6FB985D4}" type="slidenum">
               <a:rPr lang="pt-BR" smtClean="0"/>
-              <a:t>‹#›</a:t>
+              <a:t>‹nº›</a:t>
             </a:fld>
             <a:endParaRPr lang="pt-BR"/>
           </a:p>
@@ -5698,7 +5655,7 @@
           <p:cNvPr id="2" name="Espaço Reservado para Título 1">
             <a:extLst>
               <a:ext uri="{FF2B5EF4-FFF2-40B4-BE49-F238E27FC236}">
-                <a16:creationId xmlns="" xmlns:a16="http://schemas.microsoft.com/office/drawing/2014/main" id="{E69A0273-1966-4A1B-9370-4C1CE5036371}"/>
+                <a16:creationId xmlns:a16="http://schemas.microsoft.com/office/drawing/2014/main" id="{E69A0273-1966-4A1B-9370-4C1CE5036371}"/>
               </a:ext>
             </a:extLst>
           </p:cNvPr>
@@ -5736,7 +5693,7 @@
           <p:cNvPr id="3" name="Espaço Reservado para Texto 2">
             <a:extLst>
               <a:ext uri="{FF2B5EF4-FFF2-40B4-BE49-F238E27FC236}">
-                <a16:creationId xmlns="" xmlns:a16="http://schemas.microsoft.com/office/drawing/2014/main" id="{3B9CF87A-0448-49A7-AB25-EBC1D56A40EF}"/>
+                <a16:creationId xmlns:a16="http://schemas.microsoft.com/office/drawing/2014/main" id="{3B9CF87A-0448-49A7-AB25-EBC1D56A40EF}"/>
               </a:ext>
             </a:extLst>
           </p:cNvPr>
@@ -5803,7 +5760,7 @@
           <p:cNvPr id="4" name="Espaço Reservado para Data 3">
             <a:extLst>
               <a:ext uri="{FF2B5EF4-FFF2-40B4-BE49-F238E27FC236}">
-                <a16:creationId xmlns="" xmlns:a16="http://schemas.microsoft.com/office/drawing/2014/main" id="{2EF7B1F2-BB5A-44D0-816D-16AD2C71430E}"/>
+                <a16:creationId xmlns:a16="http://schemas.microsoft.com/office/drawing/2014/main" id="{2EF7B1F2-BB5A-44D0-816D-16AD2C71430E}"/>
               </a:ext>
             </a:extLst>
           </p:cNvPr>
@@ -5839,7 +5796,7 @@
           <a:p>
             <a:fld id="{63289F7E-B80B-496E-81B4-D396C37C9454}" type="datetimeFigureOut">
               <a:rPr lang="pt-BR" smtClean="0"/>
-              <a:t>29/09/2021</a:t>
+              <a:t>04/03/2022</a:t>
             </a:fld>
             <a:endParaRPr lang="pt-BR"/>
           </a:p>
@@ -5850,7 +5807,7 @@
           <p:cNvPr id="5" name="Espaço Reservado para Rodapé 4">
             <a:extLst>
               <a:ext uri="{FF2B5EF4-FFF2-40B4-BE49-F238E27FC236}">
-                <a16:creationId xmlns="" xmlns:a16="http://schemas.microsoft.com/office/drawing/2014/main" id="{C703F94C-2CC8-4DAA-BC35-14FC3E841DCD}"/>
+                <a16:creationId xmlns:a16="http://schemas.microsoft.com/office/drawing/2014/main" id="{C703F94C-2CC8-4DAA-BC35-14FC3E841DCD}"/>
               </a:ext>
             </a:extLst>
           </p:cNvPr>
@@ -5893,7 +5850,7 @@
           <p:cNvPr id="6" name="Espaço Reservado para Número de Slide 5">
             <a:extLst>
               <a:ext uri="{FF2B5EF4-FFF2-40B4-BE49-F238E27FC236}">
-                <a16:creationId xmlns="" xmlns:a16="http://schemas.microsoft.com/office/drawing/2014/main" id="{64051336-7048-457A-8B61-D94291D71648}"/>
+                <a16:creationId xmlns:a16="http://schemas.microsoft.com/office/drawing/2014/main" id="{64051336-7048-457A-8B61-D94291D71648}"/>
               </a:ext>
             </a:extLst>
           </p:cNvPr>
@@ -5929,7 +5886,7 @@
           <a:p>
             <a:fld id="{1A7E88B7-70CE-4035-AE73-13FA6FB985D4}" type="slidenum">
               <a:rPr lang="pt-BR" smtClean="0"/>
-              <a:t>‹#›</a:t>
+              <a:t>‹nº›</a:t>
             </a:fld>
             <a:endParaRPr lang="pt-BR"/>
           </a:p>
@@ -6261,7 +6218,7 @@
           <p:cNvPr id="2" name="Título 1">
             <a:extLst>
               <a:ext uri="{FF2B5EF4-FFF2-40B4-BE49-F238E27FC236}">
-                <a16:creationId xmlns="" xmlns:a16="http://schemas.microsoft.com/office/drawing/2014/main" id="{32666AC8-2E17-4DB4-B0F5-60C640CCFD2E}"/>
+                <a16:creationId xmlns:a16="http://schemas.microsoft.com/office/drawing/2014/main" id="{32666AC8-2E17-4DB4-B0F5-60C640CCFD2E}"/>
               </a:ext>
             </a:extLst>
           </p:cNvPr>
@@ -6285,21 +6242,16 @@
           <a:lstStyle/>
           <a:p>
             <a:r>
-              <a:rPr lang="pt-BR" sz="5400" dirty="0" smtClean="0"/>
+              <a:rPr lang="pt-BR" sz="5400" dirty="0"/>
               <a:t>T320 - Introdução ao Aprendizado de Máquina II:</a:t>
             </a:r>
-            <a:r>
-              <a:rPr lang="pt-BR" dirty="0" smtClean="0"/>
-              <a:t/>
-            </a:r>
             <a:br>
-              <a:rPr lang="pt-BR" dirty="0" smtClean="0"/>
+              <a:rPr lang="pt-BR" dirty="0"/>
             </a:br>
             <a:r>
-              <a:rPr lang="pt-BR" b="1" i="1" dirty="0" smtClean="0"/>
+              <a:rPr lang="pt-BR" b="1" i="1" dirty="0"/>
               <a:t>Classificação (Parte III)</a:t>
             </a:r>
-            <a:endParaRPr lang="pt-BR" b="1" i="1" dirty="0"/>
           </a:p>
         </p:txBody>
       </p:sp>
@@ -6308,7 +6260,7 @@
           <p:cNvPr id="4" name="CaixaDeTexto 3">
             <a:extLst>
               <a:ext uri="{FF2B5EF4-FFF2-40B4-BE49-F238E27FC236}">
-                <a16:creationId xmlns="" xmlns:a16="http://schemas.microsoft.com/office/drawing/2014/main" id="{430EB894-B7D4-434C-9D1A-A14094D9BEEC}"/>
+                <a16:creationId xmlns:a16="http://schemas.microsoft.com/office/drawing/2014/main" id="{430EB894-B7D4-434C-9D1A-A14094D9BEEC}"/>
               </a:ext>
             </a:extLst>
           </p:cNvPr>
@@ -6349,7 +6301,7 @@
           <p:cNvPr id="1026" name="Picture 2" descr="Logo">
             <a:extLst>
               <a:ext uri="{FF2B5EF4-FFF2-40B4-BE49-F238E27FC236}">
-                <a16:creationId xmlns="" xmlns:a16="http://schemas.microsoft.com/office/drawing/2014/main" id="{3F2642E0-4F6A-4196-8F58-E77D36E9A33F}"/>
+                <a16:creationId xmlns:a16="http://schemas.microsoft.com/office/drawing/2014/main" id="{3F2642E0-4F6A-4196-8F58-E77D36E9A33F}"/>
               </a:ext>
             </a:extLst>
           </p:cNvPr>
@@ -6394,7 +6346,7 @@
           <p:cNvPr id="5122" name="Picture 2" descr="Image result for machine learning">
             <a:extLst>
               <a:ext uri="{FF2B5EF4-FFF2-40B4-BE49-F238E27FC236}">
-                <a16:creationId xmlns="" xmlns:a16="http://schemas.microsoft.com/office/drawing/2014/main" id="{810CE0A2-4102-44A6-A370-175E7896CDCB}"/>
+                <a16:creationId xmlns:a16="http://schemas.microsoft.com/office/drawing/2014/main" id="{810CE0A2-4102-44A6-A370-175E7896CDCB}"/>
               </a:ext>
             </a:extLst>
           </p:cNvPr>
@@ -6516,40 +6468,24 @@
               <a:lstStyle/>
               <a:p>
                 <a:r>
-                  <a:rPr lang="pt-BR" dirty="0" smtClean="0"/>
-                  <a:t>Nós podemos </a:t>
-                </a:r>
-                <a:r>
-                  <a:rPr lang="pt-BR" dirty="0"/>
-                  <a:t>reduzir a definição </a:t>
-                </a:r>
-                <a:r>
-                  <a:rPr lang="pt-BR" dirty="0" smtClean="0"/>
-                  <a:t>da </a:t>
-                </a:r>
-                <a:r>
-                  <a:rPr lang="pt-BR" b="1" i="1" dirty="0" smtClean="0"/>
+                  <a:rPr lang="pt-BR" dirty="0"/>
+                  <a:t>Nós podemos reduzir a definição da </a:t>
+                </a:r>
+                <a:r>
+                  <a:rPr lang="pt-BR" b="1" i="1" dirty="0"/>
                   <a:t>função de erro</a:t>
                 </a:r>
                 <a:r>
-                  <a:rPr lang="pt-BR" dirty="0" smtClean="0"/>
+                  <a:rPr lang="pt-BR" dirty="0"/>
                   <a:t> para </a:t>
                 </a:r>
                 <a:r>
-                  <a:rPr lang="pt-BR" b="1" i="1" dirty="0" smtClean="0"/>
+                  <a:rPr lang="pt-BR" b="1" i="1" dirty="0"/>
                   <a:t>cada exemplo </a:t>
                 </a:r>
                 <a:r>
-                  <a:rPr lang="pt-BR" dirty="0" smtClean="0"/>
-                  <a:t>a </a:t>
-                </a:r>
-                <a:r>
-                  <a:rPr lang="pt-BR" dirty="0"/>
-                  <a:t>uma expressão </a:t>
-                </a:r>
-                <a:r>
-                  <a:rPr lang="pt-BR" dirty="0" smtClean="0"/>
-                  <a:t>única, dada por</a:t>
+                  <a:rPr lang="pt-BR" dirty="0"/>
+                  <a:t>a uma expressão única, dada por</a:t>
                 </a:r>
               </a:p>
               <a:p>
@@ -7247,21 +7183,21 @@
                   </m:oMath>
                 </a14:m>
                 <a:r>
-                  <a:rPr lang="pt-BR" sz="2600" dirty="0" smtClean="0"/>
+                  <a:rPr lang="pt-BR" sz="2600" dirty="0"/>
                   <a:t>.</a:t>
                 </a:r>
               </a:p>
               <a:p>
                 <a:r>
-                  <a:rPr lang="pt-BR" dirty="0" smtClean="0"/>
+                  <a:rPr lang="pt-BR" dirty="0"/>
                   <a:t>Com isto, podemos definir a seguinte </a:t>
                 </a:r>
                 <a:r>
-                  <a:rPr lang="pt-BR" b="1" i="1" dirty="0" smtClean="0"/>
+                  <a:rPr lang="pt-BR" b="1" i="1" dirty="0"/>
                   <a:t>função de erro médio</a:t>
                 </a:r>
                 <a:r>
-                  <a:rPr lang="pt-BR" dirty="0" smtClean="0"/>
+                  <a:rPr lang="pt-BR" dirty="0"/>
                   <a:t>:</a:t>
                 </a:r>
               </a:p>
@@ -7659,7 +7595,7 @@
                     </m:oMath>
                   </m:oMathPara>
                 </a14:m>
-                <a:endParaRPr lang="pt-BR" sz="2400" i="1" dirty="0" smtClean="0">
+                <a:endParaRPr lang="pt-BR" sz="2400" i="1" dirty="0">
                   <a:latin typeface="Cambria Math" panose="02040503050406030204" pitchFamily="18" charset="0"/>
                 </a:endParaRPr>
               </a:p>
@@ -8073,191 +8009,90 @@
                     </m:oMath>
                   </m:oMathPara>
                 </a14:m>
-                <a:endParaRPr lang="pt-BR" sz="2600" b="1" i="1" dirty="0" smtClean="0"/>
+                <a:endParaRPr lang="pt-BR" sz="2600" b="1" i="1" dirty="0"/>
               </a:p>
               <a:p>
                 <a:r>
-                  <a:rPr lang="pt-BR" dirty="0" smtClean="0"/>
-                  <a:t>A </a:t>
-                </a:r>
-                <a:r>
-                  <a:rPr lang="pt-BR" dirty="0"/>
-                  <a:t>má </a:t>
-                </a:r>
-                <a:r>
-                  <a:rPr lang="pt-BR" dirty="0" smtClean="0"/>
-                  <a:t>notícia é </a:t>
-                </a:r>
-                <a:r>
-                  <a:rPr lang="pt-BR" dirty="0"/>
-                  <a:t>que não existe uma </a:t>
+                  <a:rPr lang="pt-BR" dirty="0"/>
+                  <a:t>A má notícia é que não existe uma </a:t>
                 </a:r>
                 <a:r>
                   <a:rPr lang="pt-BR" b="1" i="1" dirty="0"/>
                   <a:t>equação de forma fechada </a:t>
                 </a:r>
                 <a:r>
-                  <a:rPr lang="pt-BR" dirty="0" smtClean="0"/>
+                  <a:rPr lang="pt-BR" dirty="0"/>
                   <a:t>para encontrar os </a:t>
                 </a:r>
                 <a:r>
-                  <a:rPr lang="pt-BR" b="1" i="1" dirty="0" smtClean="0"/>
+                  <a:rPr lang="pt-BR" b="1" i="1" dirty="0"/>
                   <a:t>pesos</a:t>
                 </a:r>
                 <a:r>
-                  <a:rPr lang="pt-BR" dirty="0" smtClean="0"/>
-                  <a:t> </a:t>
-                </a:r>
-                <a:r>
-                  <a:rPr lang="pt-BR" dirty="0"/>
-                  <a:t>que </a:t>
-                </a:r>
-                <a:r>
-                  <a:rPr lang="pt-BR" dirty="0" smtClean="0"/>
-                  <a:t>minimizem </a:t>
-                </a:r>
-                <a:r>
-                  <a:rPr lang="pt-BR" dirty="0"/>
-                  <a:t>essa </a:t>
+                  <a:rPr lang="pt-BR" dirty="0"/>
+                  <a:t> que minimizem essa </a:t>
                 </a:r>
                 <a:r>
                   <a:rPr lang="pt-BR" b="1" i="1" dirty="0"/>
-                  <a:t>função de </a:t>
-                </a:r>
-                <a:r>
-                  <a:rPr lang="pt-BR" b="1" i="1" dirty="0" smtClean="0"/>
-                  <a:t>erro </a:t>
-                </a:r>
-                <a:r>
-                  <a:rPr lang="pt-BR" dirty="0" smtClean="0"/>
-                  <a:t>(ou seja, não </a:t>
-                </a:r>
-                <a:r>
-                  <a:rPr lang="pt-BR" dirty="0"/>
-                  <a:t>há </a:t>
-                </a:r>
-                <a:r>
-                  <a:rPr lang="pt-BR" dirty="0" smtClean="0"/>
-                  <a:t>um equivalente </a:t>
-                </a:r>
-                <a:r>
-                  <a:rPr lang="pt-BR" dirty="0"/>
-                  <a:t>da </a:t>
+                  <a:t>função de erro </a:t>
+                </a:r>
+                <a:r>
+                  <a:rPr lang="pt-BR" dirty="0"/>
+                  <a:t>(ou seja, não há um equivalente da </a:t>
                 </a:r>
                 <a:r>
                   <a:rPr lang="pt-BR" b="1" i="1" dirty="0"/>
-                  <a:t>e</a:t>
-                </a:r>
-                <a:r>
-                  <a:rPr lang="pt-BR" b="1" i="1" dirty="0" smtClean="0"/>
-                  <a:t>quação </a:t>
-                </a:r>
-                <a:r>
-                  <a:rPr lang="pt-BR" b="1" i="1" dirty="0"/>
-                  <a:t>n</a:t>
-                </a:r>
-                <a:r>
-                  <a:rPr lang="pt-BR" b="1" i="1" dirty="0" smtClean="0"/>
-                  <a:t>ormal</a:t>
+                  <a:t>equação normal</a:t>
                 </a:r>
                 <a:r>
                   <a:rPr lang="pt-BR" dirty="0"/>
                   <a:t>). </a:t>
                 </a:r>
-                <a:endParaRPr lang="pt-BR" dirty="0" smtClean="0"/>
               </a:p>
               <a:p>
                 <a:r>
-                  <a:rPr lang="pt-BR" dirty="0" smtClean="0"/>
-                  <a:t>A </a:t>
-                </a:r>
-                <a:r>
-                  <a:rPr lang="pt-BR" dirty="0"/>
-                  <a:t>boa notícia é que essa </a:t>
+                  <a:rPr lang="pt-BR" dirty="0"/>
+                  <a:t>A boa notícia é que essa </a:t>
                 </a:r>
                 <a:r>
                   <a:rPr lang="pt-BR" b="1" i="1" dirty="0"/>
-                  <a:t>função de </a:t>
-                </a:r>
-                <a:r>
-                  <a:rPr lang="pt-BR" b="1" i="1" dirty="0" smtClean="0"/>
-                  <a:t>erro </a:t>
-                </a:r>
-                <a:r>
-                  <a:rPr lang="pt-BR" dirty="0" smtClean="0"/>
+                  <a:t>função de erro </a:t>
+                </a:r>
+                <a:r>
+                  <a:rPr lang="pt-BR" dirty="0"/>
                   <a:t>é </a:t>
                 </a:r>
                 <a:r>
-                  <a:rPr lang="pt-BR" b="1" i="1" dirty="0" smtClean="0"/>
+                  <a:rPr lang="pt-BR" b="1" i="1" dirty="0"/>
                   <a:t>convexa</a:t>
                 </a:r>
                 <a:r>
                   <a:rPr lang="pt-BR" dirty="0"/>
+                  <a:t> e portanto, é garantido que o algoritmo do </a:t>
+                </a:r>
+                <a:r>
+                  <a:rPr lang="pt-BR" b="1" i="1" dirty="0"/>
+                  <a:t>gradiente descendente </a:t>
+                </a:r>
+                <a:r>
+                  <a:rPr lang="pt-BR" dirty="0"/>
+                  <a:t>encontre</a:t>
+                </a:r>
+                <a:r>
+                  <a:rPr lang="pt-BR" b="1" i="1" dirty="0"/>
                   <a:t> </a:t>
                 </a:r>
                 <a:r>
-                  <a:rPr lang="pt-BR" dirty="0" smtClean="0"/>
-                  <a:t>e portanto, é garantido que o algoritmo do </a:t>
-                </a:r>
-                <a:r>
-                  <a:rPr lang="pt-BR" b="1" i="1" dirty="0" smtClean="0"/>
-                  <a:t>gradiente descendente </a:t>
-                </a:r>
-                <a:r>
-                  <a:rPr lang="pt-BR" dirty="0" smtClean="0"/>
-                  <a:t>encontre</a:t>
-                </a:r>
-                <a:r>
-                  <a:rPr lang="pt-BR" b="1" i="1" dirty="0" smtClean="0"/>
-                  <a:t> </a:t>
-                </a:r>
-                <a:r>
-                  <a:rPr lang="pt-BR" dirty="0" smtClean="0"/>
-                  <a:t>o </a:t>
-                </a:r>
-                <a:r>
-                  <a:rPr lang="pt-BR" dirty="0"/>
-                  <a:t>mínimo global </a:t>
-                </a:r>
-                <a:r>
-                  <a:rPr lang="pt-BR" dirty="0" smtClean="0"/>
-                  <a:t>(dado que </a:t>
-                </a:r>
-                <a:r>
-                  <a:rPr lang="pt-BR" dirty="0"/>
-                  <a:t>a </a:t>
+                  <a:rPr lang="pt-BR" dirty="0"/>
+                  <a:t>o mínimo global (dado que a </a:t>
                 </a:r>
                 <a:r>
                   <a:rPr lang="pt-BR" b="1" i="1" dirty="0"/>
-                  <a:t>taxa de </a:t>
-                </a:r>
-                <a:r>
-                  <a:rPr lang="pt-BR" b="1" i="1" dirty="0" smtClean="0"/>
-                  <a:t>aprendizagem</a:t>
-                </a:r>
-                <a:r>
-                  <a:rPr lang="pt-BR" dirty="0" smtClean="0"/>
-                  <a:t> </a:t>
-                </a:r>
-                <a:r>
-                  <a:rPr lang="pt-BR" dirty="0"/>
-                  <a:t>não </a:t>
-                </a:r>
-                <a:r>
-                  <a:rPr lang="pt-BR" dirty="0" smtClean="0"/>
-                  <a:t>seja muito </a:t>
-                </a:r>
-                <a:r>
-                  <a:rPr lang="pt-BR" dirty="0"/>
-                  <a:t>grande e você </a:t>
-                </a:r>
-                <a:r>
-                  <a:rPr lang="pt-BR" dirty="0" smtClean="0"/>
-                  <a:t>espere tempo </a:t>
-                </a:r>
-                <a:r>
-                  <a:rPr lang="pt-BR" dirty="0"/>
-                  <a:t>suficiente).</a:t>
+                  <a:t>taxa de aprendizagem</a:t>
+                </a:r>
+                <a:r>
+                  <a:rPr lang="pt-BR" dirty="0"/>
+                  <a:t> não seja muito grande e você espere tempo suficiente).</a:t>
                 </a:r>
               </a:p>
             </p:txBody>
@@ -8311,13 +8146,6 @@
   <p:clrMapOvr>
     <a:masterClrMapping/>
   </p:clrMapOvr>
-  <p:timing>
-    <p:tnLst>
-      <p:par>
-        <p:cTn id="1" dur="indefinite" restart="never" nodeType="tmRoot"/>
-      </p:par>
-    </p:tnLst>
-  </p:timing>
 </p:sld>
 </file>
 
@@ -8385,7 +8213,7 @@
               <a:lstStyle/>
               <a:p>
                 <a:r>
-                  <a:rPr lang="pt-BR" dirty="0" smtClean="0"/>
+                  <a:rPr lang="pt-BR" dirty="0"/>
                   <a:t>Semelhante ao que fizemos com a </a:t>
                 </a:r>
                 <a:r>
@@ -9004,7 +8832,7 @@
               </a:p>
               <a:p>
                 <a:r>
-                  <a:rPr lang="pt-BR" dirty="0" smtClean="0"/>
+                  <a:rPr lang="pt-BR" dirty="0"/>
                   <a:t>Percebam que o </a:t>
                 </a:r>
                 <a:r>
@@ -9029,15 +8857,7 @@
                 </a:r>
                 <a:r>
                   <a:rPr lang="pt-BR" dirty="0"/>
-                  <a:t>é similar </a:t>
-                </a:r>
-                <a:r>
-                  <a:rPr lang="pt-BR" dirty="0" smtClean="0"/>
-                  <a:t>àquele obtido </a:t>
-                </a:r>
-                <a:r>
-                  <a:rPr lang="pt-BR" dirty="0"/>
-                  <a:t>para a </a:t>
+                  <a:t>é similar àquele obtido para a </a:t>
                 </a:r>
                 <a:r>
                   <a:rPr lang="pt-BR" b="1" i="1" dirty="0"/>
@@ -9045,29 +8865,21 @@
                 </a:r>
                 <a:r>
                   <a:rPr lang="pt-BR" dirty="0"/>
-                  <a:t>com </a:t>
-                </a:r>
-                <a:r>
-                  <a:rPr lang="pt-BR" dirty="0" smtClean="0"/>
-                  <a:t>a função de </a:t>
-                </a:r>
-                <a:r>
-                  <a:rPr lang="pt-BR" b="1" i="1" dirty="0" smtClean="0"/>
+                  <a:t>com a função de </a:t>
+                </a:r>
+                <a:r>
+                  <a:rPr lang="pt-BR" b="1" i="1" dirty="0"/>
                   <a:t>erro quadrático médio</a:t>
                 </a:r>
                 <a:r>
-                  <a:rPr lang="pt-BR" dirty="0" smtClean="0"/>
+                  <a:rPr lang="pt-BR" dirty="0"/>
                   <a:t>.</a:t>
                 </a:r>
               </a:p>
               <a:p>
                 <a:r>
-                  <a:rPr lang="pt-BR" dirty="0" smtClean="0"/>
-                  <a:t>Agora, de </a:t>
-                </a:r>
-                <a:r>
-                  <a:rPr lang="pt-BR" dirty="0"/>
-                  <a:t>posse do </a:t>
+                  <a:rPr lang="pt-BR" dirty="0"/>
+                  <a:t>Agora, de posse do </a:t>
                 </a:r>
                 <a:r>
                   <a:rPr lang="pt-BR" b="1" i="1" dirty="0"/>
@@ -9083,13 +8895,8 @@
                 </a:r>
                 <a:r>
                   <a:rPr lang="pt-BR" dirty="0"/>
-                  <a:t>(nas versões em batelada, estocástico ou mini-batch</a:t>
-                </a:r>
-                <a:r>
-                  <a:rPr lang="pt-BR" dirty="0" smtClean="0"/>
-                  <a:t>).</a:t>
-                </a:r>
-                <a:endParaRPr lang="pt-BR" dirty="0"/>
+                  <a:t>(nas versões em batelada, estocástico ou mini-batch).</a:t>
+                </a:r>
               </a:p>
             </p:txBody>
           </p:sp>
@@ -9154,13 +8961,13 @@
           <a:lstStyle/>
           <a:p>
             <a:r>
-              <a:rPr lang="pt-BR" sz="1600" b="1" dirty="0" smtClean="0">
+              <a:rPr lang="pt-BR" sz="1600" b="1" dirty="0">
                 <a:hlinkClick r:id="rId4"/>
               </a:rPr>
               <a:t>Exemplo</a:t>
             </a:r>
             <a:r>
-              <a:rPr lang="pt-BR" sz="1600" dirty="0" smtClean="0">
+              <a:rPr lang="pt-BR" sz="1600" dirty="0">
                 <a:hlinkClick r:id="rId4"/>
               </a:rPr>
               <a:t>: logistic_regression_with_gradient_descent.ipynb</a:t>
@@ -9169,8 +8976,8 @@
           </a:p>
         </p:txBody>
       </p:sp>
-      <mc:AlternateContent xmlns:mc="http://schemas.openxmlformats.org/markup-compatibility/2006">
-        <mc:Choice xmlns:a14="http://schemas.microsoft.com/office/drawing/2010/main" Requires="a14">
+      <mc:AlternateContent xmlns:mc="http://schemas.openxmlformats.org/markup-compatibility/2006" xmlns:a14="http://schemas.microsoft.com/office/drawing/2010/main">
+        <mc:Choice Requires="a14">
           <p:sp>
             <p:nvSpPr>
               <p:cNvPr id="5" name="TextBox 4"/>
@@ -9195,7 +9002,7 @@
               <a:p>
                 <a:pPr algn="ctr"/>
                 <a:r>
-                  <a:rPr lang="pt-BR" sz="1400" dirty="0" smtClean="0"/>
+                  <a:rPr lang="pt-BR" sz="1400" dirty="0"/>
                   <a:t>Aqui consideramos </a:t>
                 </a:r>
                 <a14:m>
@@ -9226,15 +9033,15 @@
                   </m:oMath>
                 </a14:m>
                 <a:r>
-                  <a:rPr lang="pt-BR" sz="1400" dirty="0" smtClean="0"/>
+                  <a:rPr lang="pt-BR" sz="1400" dirty="0"/>
                   <a:t> como sendo a equação de um </a:t>
                 </a:r>
                 <a:r>
-                  <a:rPr lang="pt-BR" sz="1400" b="1" i="1" dirty="0" smtClean="0"/>
+                  <a:rPr lang="pt-BR" sz="1400" b="1" i="1" dirty="0"/>
                   <a:t>hiperplano</a:t>
                 </a:r>
                 <a:r>
-                  <a:rPr lang="pt-BR" sz="1400" dirty="0" smtClean="0"/>
+                  <a:rPr lang="pt-BR" sz="1400" dirty="0"/>
                   <a:t>: </a:t>
                 </a:r>
                 <a14:m>
@@ -9364,23 +9171,14 @@
                   </m:oMath>
                 </a14:m>
                 <a:r>
-                  <a:rPr lang="pt-BR" sz="1400" dirty="0" smtClean="0"/>
-                  <a:t>, mas o resultado é </a:t>
-                </a:r>
-                <a:r>
-                  <a:rPr lang="pt-BR" sz="1400" dirty="0" smtClean="0"/>
-                  <a:t>diretamente estendido </a:t>
-                </a:r>
-                <a:r>
-                  <a:rPr lang="pt-BR" sz="1400" dirty="0" smtClean="0"/>
-                  <a:t>para polinômios.</a:t>
-                </a:r>
-                <a:endParaRPr lang="pt-BR" sz="1400" dirty="0"/>
+                  <a:rPr lang="pt-BR" sz="1400" dirty="0"/>
+                  <a:t>, mas o resultado é diretamente estendido para polinômios.</a:t>
+                </a:r>
               </a:p>
             </p:txBody>
           </p:sp>
         </mc:Choice>
-        <mc:Fallback>
+        <mc:Fallback xmlns="">
           <p:sp>
             <p:nvSpPr>
               <p:cNvPr id="5" name="TextBox 4"/>
@@ -9487,7 +9285,7 @@
               </a:lstStyle>
               <a:p>
                 <a:r>
-                  <a:rPr lang="pt-BR" dirty="0" smtClean="0"/>
+                  <a:rPr lang="pt-BR" dirty="0"/>
                   <a:t>Forma matricial: </a:t>
                 </a:r>
                 <a14:m>
@@ -9739,13 +9537,6 @@
   <p:clrMapOvr>
     <a:masterClrMapping/>
   </p:clrMapOvr>
-  <p:timing>
-    <p:tnLst>
-      <p:par>
-        <p:cTn id="1" dur="indefinite" restart="never" nodeType="tmRoot"/>
-      </p:par>
-    </p:tnLst>
-  </p:timing>
 </p:sld>
 </file>
 
@@ -9793,8 +9584,8 @@
           </a:p>
         </p:txBody>
       </p:sp>
-      <mc:AlternateContent xmlns:mc="http://schemas.openxmlformats.org/markup-compatibility/2006">
-        <mc:Choice xmlns:a14="http://schemas.microsoft.com/office/drawing/2010/main" Requires="a14">
+      <mc:AlternateContent xmlns:mc="http://schemas.openxmlformats.org/markup-compatibility/2006" xmlns:a14="http://schemas.microsoft.com/office/drawing/2010/main">
+        <mc:Choice Requires="a14">
           <p:sp>
             <p:nvSpPr>
               <p:cNvPr id="3" name="Content Placeholder 2"/>
@@ -9818,15 +9609,15 @@
               <a:lstStyle/>
               <a:p>
                 <a:r>
-                  <a:rPr lang="pt-BR" dirty="0" smtClean="0"/>
+                  <a:rPr lang="pt-BR" dirty="0"/>
                   <a:t>Como vimos, a </a:t>
                 </a:r>
                 <a:r>
-                  <a:rPr lang="pt-BR" b="1" i="1" dirty="0" smtClean="0"/>
+                  <a:rPr lang="pt-BR" b="1" i="1" dirty="0"/>
                   <a:t>função discriminante</a:t>
                 </a:r>
                 <a:r>
-                  <a:rPr lang="pt-BR" dirty="0" smtClean="0"/>
+                  <a:rPr lang="pt-BR" dirty="0"/>
                   <a:t>, </a:t>
                 </a:r>
                 <a14:m>
@@ -9857,34 +9648,22 @@
                   </m:oMath>
                 </a14:m>
                 <a:r>
-                  <a:rPr lang="pt-BR" dirty="0" smtClean="0"/>
+                  <a:rPr lang="pt-BR" dirty="0"/>
                   <a:t>, pode também assumir a forma de um </a:t>
                 </a:r>
                 <a:r>
-                  <a:rPr lang="pt-BR" b="1" i="1" dirty="0" smtClean="0"/>
+                  <a:rPr lang="pt-BR" b="1" i="1" dirty="0"/>
                   <a:t>polinômio</a:t>
                 </a:r>
                 <a:r>
-                  <a:rPr lang="pt-BR" dirty="0" smtClean="0"/>
-                  <a:t>, mas</a:t>
-                </a:r>
-                <a:r>
-                  <a:rPr lang="pt-BR" dirty="0" smtClean="0"/>
-                  <a:t>, </a:t>
-                </a:r>
-                <a:r>
-                  <a:rPr lang="pt-BR" dirty="0" smtClean="0"/>
-                  <a:t>muitas vezes, nós não sabemos qual a melhor ordem para este polinômio.</a:t>
+                  <a:rPr lang="pt-BR" dirty="0"/>
+                  <a:t>, mas, muitas vezes, nós não sabemos qual a melhor ordem para este polinômio.</a:t>
                 </a:r>
               </a:p>
               <a:p>
                 <a:r>
-                  <a:rPr lang="pt-BR" dirty="0" smtClean="0"/>
-                  <a:t>Assim, </a:t>
-                </a:r>
-                <a:r>
-                  <a:rPr lang="pt-BR" dirty="0"/>
-                  <a:t>como nós discutimos no caso da </a:t>
+                  <a:rPr lang="pt-BR" dirty="0"/>
+                  <a:t>Assim, como nós discutimos no caso da </a:t>
                 </a:r>
                 <a:r>
                   <a:rPr lang="pt-BR" b="1" i="1" dirty="0"/>
@@ -9996,54 +9775,33 @@
                 </a:r>
                 <a:r>
                   <a:rPr lang="pt-BR" b="1" i="1" dirty="0"/>
-                  <a:t>técnicas de </a:t>
-                </a:r>
-                <a:r>
-                  <a:rPr lang="pt-BR" b="1" i="1" dirty="0" smtClean="0"/>
-                  <a:t>regularização </a:t>
-                </a:r>
-                <a:r>
-                  <a:rPr lang="pt-BR" dirty="0" smtClean="0"/>
-                  <a:t>(e.g., LASSO, Ridge, Elastic-Net, </a:t>
-                </a:r>
-                <a:r>
-                  <a:rPr lang="pt-BR" dirty="0"/>
-                  <a:t>E</a:t>
-                </a:r>
-                <a:r>
-                  <a:rPr lang="pt-BR" dirty="0" smtClean="0"/>
-                  <a:t>arly-stop) também</a:t>
-                </a:r>
-                <a:r>
-                  <a:rPr lang="pt-BR" b="1" i="1" dirty="0" smtClean="0"/>
+                  <a:t>técnicas de regularização </a:t>
+                </a:r>
+                <a:r>
+                  <a:rPr lang="pt-BR" dirty="0"/>
+                  <a:t>(e.g., LASSO, Ridge, Elastic-Net, Early-stop) também</a:t>
+                </a:r>
+                <a:r>
+                  <a:rPr lang="pt-BR" b="1" i="1" dirty="0"/>
                   <a:t> </a:t>
                 </a:r>
                 <a:r>
-                  <a:rPr lang="pt-BR" dirty="0" smtClean="0"/>
-                  <a:t>podem </a:t>
-                </a:r>
-                <a:r>
-                  <a:rPr lang="pt-BR" dirty="0"/>
-                  <a:t>ser empregadas em seu treinamento, assim como </a:t>
+                  <a:rPr lang="pt-BR" dirty="0"/>
+                  <a:t>podem ser empregadas em seu treinamento, assim como </a:t>
                 </a:r>
                 <a:r>
                   <a:rPr lang="pt-BR" b="1" i="1" dirty="0"/>
-                  <a:t>validação </a:t>
-                </a:r>
-                <a:r>
-                  <a:rPr lang="pt-BR" b="1" i="1" dirty="0" smtClean="0"/>
-                  <a:t>cruzada</a:t>
-                </a:r>
-                <a:r>
-                  <a:rPr lang="pt-BR" dirty="0" smtClean="0"/>
+                  <a:t>validação cruzada</a:t>
+                </a:r>
+                <a:r>
+                  <a:rPr lang="pt-BR" dirty="0"/>
                   <a:t>.</a:t>
                 </a:r>
-                <a:endParaRPr lang="pt-BR" dirty="0"/>
               </a:p>
             </p:txBody>
           </p:sp>
         </mc:Choice>
-        <mc:Fallback>
+        <mc:Fallback xmlns="">
           <p:sp>
             <p:nvSpPr>
               <p:cNvPr id="3" name="Content Placeholder 2"/>
@@ -18232,13 +17990,6 @@
   <p:clrMapOvr>
     <a:masterClrMapping/>
   </p:clrMapOvr>
-  <p:timing>
-    <p:tnLst>
-      <p:par>
-        <p:cTn id="1" dur="indefinite" restart="never" nodeType="tmRoot"/>
-      </p:par>
-    </p:tnLst>
-  </p:timing>
 </p:sld>
 </file>
 
@@ -18275,10 +18026,9 @@
           <a:lstStyle/>
           <a:p>
             <a:r>
-              <a:rPr lang="pt-BR" dirty="0" smtClean="0"/>
+              <a:rPr lang="pt-BR" dirty="0"/>
               <a:t>Tarefas</a:t>
             </a:r>
-            <a:endParaRPr lang="pt-BR" dirty="0"/>
           </a:p>
         </p:txBody>
       </p:sp>
@@ -18298,53 +18048,39 @@
           <a:lstStyle/>
           <a:p>
             <a:r>
-              <a:rPr lang="pt-BR" b="1" dirty="0" smtClean="0"/>
+              <a:rPr lang="pt-BR" b="1" dirty="0"/>
               <a:t>Quiz</a:t>
             </a:r>
             <a:r>
-              <a:rPr lang="pt-BR" dirty="0" smtClean="0"/>
+              <a:rPr lang="pt-BR" dirty="0"/>
               <a:t>: “</a:t>
             </a:r>
             <a:r>
-              <a:rPr lang="pt-BR" i="1" dirty="0" smtClean="0"/>
-              <a:t>T320 </a:t>
+              <a:rPr lang="pt-BR" i="1" dirty="0"/>
+              <a:t>T320 - Quiz - Classificação (Parte III)</a:t>
             </a:r>
             <a:r>
-              <a:rPr lang="pt-BR" i="1" dirty="0"/>
-              <a:t>- Quiz -</a:t>
-            </a:r>
-            <a:r>
-              <a:rPr lang="pt-BR" i="1" dirty="0" smtClean="0"/>
-              <a:t> Classificação (Parte III)</a:t>
-            </a:r>
-            <a:r>
-              <a:rPr lang="pt-BR" dirty="0" smtClean="0"/>
+              <a:rPr lang="pt-BR" dirty="0"/>
               <a:t>” que se encontra no MS Teams.</a:t>
             </a:r>
           </a:p>
           <a:p>
             <a:r>
-              <a:rPr lang="pt-BR" b="1" dirty="0" smtClean="0"/>
+              <a:rPr lang="pt-BR" b="1" dirty="0"/>
               <a:t>Exercício Prático</a:t>
             </a:r>
             <a:r>
-              <a:rPr lang="pt-BR" dirty="0" smtClean="0"/>
+              <a:rPr lang="pt-BR" dirty="0"/>
               <a:t>: </a:t>
-            </a:r>
-            <a:r>
-              <a:rPr lang="pt-BR" b="1" dirty="0" smtClean="0">
-                <a:hlinkClick r:id="rId3"/>
-              </a:rPr>
-              <a:t>Laboratório #</a:t>
             </a:r>
             <a:r>
               <a:rPr lang="pt-BR" b="1" dirty="0">
                 <a:hlinkClick r:id="rId3"/>
               </a:rPr>
-              <a:t>3</a:t>
+              <a:t>Laboratório #3</a:t>
             </a:r>
             <a:r>
-              <a:rPr lang="pt-BR" dirty="0" smtClean="0"/>
+              <a:rPr lang="pt-BR" dirty="0"/>
               <a:t>.</a:t>
             </a:r>
           </a:p>
@@ -18378,36 +18114,12 @@
           <a:p>
             <a:pPr lvl="1"/>
             <a:r>
-              <a:rPr lang="pt-BR" b="1" dirty="0" smtClean="0">
-                <a:solidFill>
-                  <a:srgbClr val="FF0000"/>
-                </a:solidFill>
-              </a:rPr>
-              <a:t>Atividades podem </a:t>
-            </a:r>
-            <a:r>
               <a:rPr lang="pt-BR" b="1" dirty="0">
                 <a:solidFill>
                   <a:srgbClr val="FF0000"/>
                 </a:solidFill>
               </a:rPr>
-              <a:t>ser </a:t>
-            </a:r>
-            <a:r>
-              <a:rPr lang="pt-BR" b="1" dirty="0" smtClean="0">
-                <a:solidFill>
-                  <a:srgbClr val="FF0000"/>
-                </a:solidFill>
-              </a:rPr>
-              <a:t>feitas </a:t>
-            </a:r>
-            <a:r>
-              <a:rPr lang="pt-BR" b="1" dirty="0">
-                <a:solidFill>
-                  <a:srgbClr val="FF0000"/>
-                </a:solidFill>
-              </a:rPr>
-              <a:t>em grupo, mas as entregas devem ser individuais.</a:t>
+              <a:t>Atividades podem ser feitas em grupo, mas as entregas devem ser individuais.</a:t>
             </a:r>
           </a:p>
         </p:txBody>
@@ -18422,13 +18134,6 @@
   <p:clrMapOvr>
     <a:masterClrMapping/>
   </p:clrMapOvr>
-  <p:timing>
-    <p:tnLst>
-      <p:par>
-        <p:cTn id="1" dur="indefinite" restart="never" nodeType="tmRoot"/>
-      </p:par>
-    </p:tnLst>
-  </p:timing>
 </p:sld>
 </file>
 
@@ -18454,7 +18159,7 @@
           <p:cNvPr id="4" name="Título 1">
             <a:extLst>
               <a:ext uri="{FF2B5EF4-FFF2-40B4-BE49-F238E27FC236}">
-                <a16:creationId xmlns="" xmlns:a16="http://schemas.microsoft.com/office/drawing/2014/main" id="{32666AC8-2E17-4DB4-B0F5-60C640CCFD2E}"/>
+                <a16:creationId xmlns:a16="http://schemas.microsoft.com/office/drawing/2014/main" id="{32666AC8-2E17-4DB4-B0F5-60C640CCFD2E}"/>
               </a:ext>
             </a:extLst>
           </p:cNvPr>
@@ -18498,7 +18203,7 @@
           <a:p>
             <a:pPr algn="ctr"/>
             <a:r>
-              <a:rPr lang="pt-BR" sz="6600" dirty="0" smtClean="0"/>
+              <a:rPr lang="pt-BR" sz="6600" dirty="0"/>
               <a:t>Obrigado!</a:t>
             </a:r>
             <a:endParaRPr lang="pt-BR" sz="6600" b="1" i="1" dirty="0"/>
@@ -18515,13 +18220,6 @@
   <p:clrMapOvr>
     <a:masterClrMapping/>
   </p:clrMapOvr>
-  <p:timing>
-    <p:tnLst>
-      <p:par>
-        <p:cTn id="1" dur="indefinite" restart="never" nodeType="tmRoot"/>
-      </p:par>
-    </p:tnLst>
-  </p:timing>
 </p:sld>
 </file>
 
@@ -18566,7 +18264,7 @@
           <a:p>
             <a:pPr algn="ctr"/>
             <a:r>
-              <a:rPr lang="pt-BR" sz="1400" dirty="0" smtClean="0">
+              <a:rPr lang="pt-BR" sz="1400" dirty="0">
                 <a:solidFill>
                   <a:srgbClr val="FF0000"/>
                 </a:solidFill>
@@ -18577,18 +18275,13 @@
           <a:p>
             <a:pPr algn="ctr"/>
             <a:r>
-              <a:rPr lang="pt-BR" sz="1400" dirty="0" smtClean="0">
+              <a:rPr lang="pt-BR" sz="1400" dirty="0">
                 <a:solidFill>
                   <a:srgbClr val="FF0000"/>
                 </a:solidFill>
               </a:rPr>
               <a:t>(true positive)</a:t>
             </a:r>
-            <a:endParaRPr lang="pt-BR" sz="1400" dirty="0">
-              <a:solidFill>
-                <a:srgbClr val="FF0000"/>
-              </a:solidFill>
-            </a:endParaRPr>
           </a:p>
         </p:txBody>
       </p:sp>
@@ -18634,10 +18327,9 @@
           <a:p>
             <a:pPr algn="ctr"/>
             <a:r>
-              <a:rPr lang="pt-BR" dirty="0" smtClean="0"/>
+              <a:rPr lang="pt-BR" dirty="0"/>
               <a:t>100</a:t>
             </a:r>
-            <a:endParaRPr lang="pt-BR" dirty="0"/>
           </a:p>
         </p:txBody>
       </p:sp>
@@ -18684,18 +18376,13 @@
           <a:p>
             <a:pPr algn="ctr"/>
             <a:r>
-              <a:rPr lang="pt-BR" dirty="0" smtClean="0">
+              <a:rPr lang="pt-BR" dirty="0">
                 <a:solidFill>
                   <a:schemeClr val="tx1"/>
                 </a:solidFill>
               </a:rPr>
               <a:t>0</a:t>
             </a:r>
-            <a:endParaRPr lang="pt-BR" dirty="0">
-              <a:solidFill>
-                <a:schemeClr val="tx1"/>
-              </a:solidFill>
-            </a:endParaRPr>
           </a:p>
         </p:txBody>
       </p:sp>
@@ -18742,18 +18429,13 @@
           <a:p>
             <a:pPr algn="ctr"/>
             <a:r>
-              <a:rPr lang="pt-BR" dirty="0" smtClean="0">
+              <a:rPr lang="pt-BR" dirty="0">
                 <a:solidFill>
                   <a:schemeClr val="tx1"/>
                 </a:solidFill>
               </a:rPr>
               <a:t>2</a:t>
             </a:r>
-            <a:endParaRPr lang="pt-BR" dirty="0">
-              <a:solidFill>
-                <a:schemeClr val="tx1"/>
-              </a:solidFill>
-            </a:endParaRPr>
           </a:p>
         </p:txBody>
       </p:sp>
@@ -18797,10 +18479,9 @@
           <a:p>
             <a:pPr algn="ctr"/>
             <a:r>
-              <a:rPr lang="pt-BR" dirty="0" smtClean="0"/>
+              <a:rPr lang="pt-BR" dirty="0"/>
               <a:t>50</a:t>
             </a:r>
-            <a:endParaRPr lang="pt-BR" dirty="0"/>
           </a:p>
         </p:txBody>
       </p:sp>
@@ -18828,10 +18509,9 @@
           <a:p>
             <a:pPr algn="ctr"/>
             <a:r>
-              <a:rPr lang="pt-BR" dirty="0" smtClean="0"/>
+              <a:rPr lang="pt-BR" dirty="0"/>
               <a:t>Predicted label</a:t>
             </a:r>
-            <a:endParaRPr lang="pt-BR" dirty="0"/>
           </a:p>
         </p:txBody>
       </p:sp>
@@ -18859,10 +18539,9 @@
           <a:p>
             <a:pPr algn="ctr"/>
             <a:r>
-              <a:rPr lang="pt-BR" dirty="0" smtClean="0"/>
+              <a:rPr lang="pt-BR" dirty="0"/>
               <a:t>True label</a:t>
             </a:r>
-            <a:endParaRPr lang="pt-BR" dirty="0"/>
           </a:p>
         </p:txBody>
       </p:sp>
@@ -18890,10 +18569,9 @@
           <a:p>
             <a:pPr algn="ctr"/>
             <a:r>
-              <a:rPr lang="pt-BR" sz="1400" dirty="0" smtClean="0"/>
+              <a:rPr lang="pt-BR" sz="1400" dirty="0"/>
               <a:t>1</a:t>
             </a:r>
-            <a:endParaRPr lang="pt-BR" sz="1400" dirty="0"/>
           </a:p>
         </p:txBody>
       </p:sp>
@@ -18951,10 +18629,9 @@
           <a:p>
             <a:pPr algn="ctr"/>
             <a:r>
-              <a:rPr lang="pt-BR" sz="1400" dirty="0" smtClean="0"/>
+              <a:rPr lang="pt-BR" sz="1400" dirty="0"/>
               <a:t>1</a:t>
             </a:r>
-            <a:endParaRPr lang="pt-BR" sz="1400" dirty="0"/>
           </a:p>
         </p:txBody>
       </p:sp>
@@ -19048,7 +18725,7 @@
           <a:p>
             <a:pPr algn="ctr"/>
             <a:r>
-              <a:rPr lang="pt-BR" sz="1400" dirty="0" smtClean="0">
+              <a:rPr lang="pt-BR" sz="1400" dirty="0">
                 <a:solidFill>
                   <a:srgbClr val="FF0000"/>
                 </a:solidFill>
@@ -19059,18 +18736,13 @@
           <a:p>
             <a:pPr algn="ctr"/>
             <a:r>
-              <a:rPr lang="pt-BR" sz="1400" dirty="0" smtClean="0">
+              <a:rPr lang="pt-BR" sz="1400" dirty="0">
                 <a:solidFill>
                   <a:srgbClr val="FF0000"/>
                 </a:solidFill>
               </a:rPr>
               <a:t>(false positive)</a:t>
             </a:r>
-            <a:endParaRPr lang="pt-BR" sz="1400" dirty="0">
-              <a:solidFill>
-                <a:srgbClr val="FF0000"/>
-              </a:solidFill>
-            </a:endParaRPr>
           </a:p>
         </p:txBody>
       </p:sp>
@@ -19134,7 +18806,7 @@
           <a:p>
             <a:pPr algn="ctr"/>
             <a:r>
-              <a:rPr lang="pt-BR" sz="1400" dirty="0" smtClean="0">
+              <a:rPr lang="pt-BR" sz="1400" dirty="0">
                 <a:solidFill>
                   <a:srgbClr val="FF0000"/>
                 </a:solidFill>
@@ -19145,18 +18817,13 @@
           <a:p>
             <a:pPr algn="ctr"/>
             <a:r>
-              <a:rPr lang="pt-BR" sz="1400" dirty="0" smtClean="0">
+              <a:rPr lang="pt-BR" sz="1400" dirty="0">
                 <a:solidFill>
                   <a:srgbClr val="FF0000"/>
                 </a:solidFill>
               </a:rPr>
               <a:t>(False negative)</a:t>
             </a:r>
-            <a:endParaRPr lang="pt-BR" sz="1400" dirty="0">
-              <a:solidFill>
-                <a:srgbClr val="FF0000"/>
-              </a:solidFill>
-            </a:endParaRPr>
           </a:p>
         </p:txBody>
       </p:sp>
@@ -19220,7 +18887,7 @@
           <a:p>
             <a:pPr algn="ctr"/>
             <a:r>
-              <a:rPr lang="pt-BR" sz="1400" dirty="0" smtClean="0">
+              <a:rPr lang="pt-BR" sz="1400" dirty="0">
                 <a:solidFill>
                   <a:srgbClr val="FF0000"/>
                 </a:solidFill>
@@ -19231,18 +18898,13 @@
           <a:p>
             <a:pPr algn="ctr"/>
             <a:r>
-              <a:rPr lang="pt-BR" sz="1400" dirty="0" smtClean="0">
+              <a:rPr lang="pt-BR" sz="1400" dirty="0">
                 <a:solidFill>
                   <a:srgbClr val="FF0000"/>
                 </a:solidFill>
               </a:rPr>
               <a:t>(true negative)</a:t>
             </a:r>
-            <a:endParaRPr lang="pt-BR" sz="1400" dirty="0">
-              <a:solidFill>
-                <a:srgbClr val="FF0000"/>
-              </a:solidFill>
-            </a:endParaRPr>
           </a:p>
         </p:txBody>
       </p:sp>
@@ -19292,13 +18954,6 @@
   <p:clrMapOvr>
     <a:masterClrMapping/>
   </p:clrMapOvr>
-  <p:timing>
-    <p:tnLst>
-      <p:par>
-        <p:cTn id="1" dur="indefinite" restart="never" nodeType="tmRoot"/>
-      </p:par>
-    </p:tnLst>
-  </p:timing>
 </p:sld>
 </file>
 
@@ -19335,10 +18990,9 @@
           <a:lstStyle/>
           <a:p>
             <a:r>
-              <a:rPr lang="pt-BR" dirty="0" smtClean="0"/>
+              <a:rPr lang="pt-BR" dirty="0"/>
               <a:t>Recapitulando</a:t>
             </a:r>
-            <a:endParaRPr lang="pt-BR" dirty="0"/>
           </a:p>
         </p:txBody>
       </p:sp>
@@ -19367,12 +19021,8 @@
               <a:lstStyle/>
               <a:p>
                 <a:r>
-                  <a:rPr lang="pt-BR" dirty="0" smtClean="0"/>
-                  <a:t>Aprendemos outra </a:t>
-                </a:r>
-                <a:r>
-                  <a:rPr lang="pt-BR" dirty="0"/>
-                  <a:t>função de limiar, chamada de </a:t>
+                  <a:rPr lang="pt-BR" dirty="0"/>
+                  <a:t>Aprendemos outra função de limiar, chamada de </a:t>
                 </a:r>
                 <a:r>
                   <a:rPr lang="pt-BR" b="1" i="1" dirty="0"/>
@@ -19382,7 +19032,6 @@
                   <a:rPr lang="pt-BR" dirty="0"/>
                   <a:t>, com a qual é possível </a:t>
                 </a:r>
-                <a:endParaRPr lang="pt-BR" dirty="0" smtClean="0"/>
               </a:p>
               <a:p>
                 <a:pPr lvl="1">
@@ -19390,39 +19039,23 @@
                   <a:buChar char="§"/>
                 </a:pPr>
                 <a:r>
-                  <a:rPr lang="pt-BR" dirty="0" smtClean="0"/>
-                  <a:t>encontrar </a:t>
-                </a:r>
-                <a:r>
-                  <a:rPr lang="pt-BR" dirty="0"/>
-                  <a:t>uma solução </a:t>
-                </a:r>
-                <a:r>
-                  <a:rPr lang="pt-BR" dirty="0" smtClean="0"/>
-                  <a:t>eficiente para o problema da </a:t>
-                </a:r>
-                <a:r>
-                  <a:rPr lang="pt-BR" b="1" i="1" dirty="0" smtClean="0"/>
+                  <a:rPr lang="pt-BR" dirty="0"/>
+                  <a:t>encontrar uma solução eficiente para o problema da </a:t>
+                </a:r>
+                <a:r>
+                  <a:rPr lang="pt-BR" b="1" i="1" dirty="0"/>
                   <a:t>classificação binária</a:t>
                 </a:r>
                 <a:r>
-                  <a:rPr lang="pt-BR" dirty="0" smtClean="0"/>
-                  <a:t> </a:t>
-                </a:r>
-                <a:r>
-                  <a:rPr lang="pt-BR" dirty="0"/>
-                  <a:t>com o </a:t>
+                  <a:rPr lang="pt-BR" dirty="0"/>
+                  <a:t> com o </a:t>
                 </a:r>
                 <a:r>
                   <a:rPr lang="pt-BR" b="1" i="1" dirty="0"/>
-                  <a:t>gradiente </a:t>
-                </a:r>
-                <a:r>
-                  <a:rPr lang="pt-BR" b="1" i="1" dirty="0" smtClean="0"/>
-                  <a:t>descendente</a:t>
-                </a:r>
-                <a:r>
-                  <a:rPr lang="pt-BR" dirty="0" smtClean="0"/>
+                  <a:t>gradiente descendente</a:t>
+                </a:r>
+                <a:r>
+                  <a:rPr lang="pt-BR" dirty="0"/>
                   <a:t>.</a:t>
                 </a:r>
               </a:p>
@@ -19432,12 +19065,8 @@
                   <a:buChar char="§"/>
                 </a:pPr>
                 <a:r>
-                  <a:rPr lang="pt-BR" dirty="0" smtClean="0"/>
-                  <a:t>termos </a:t>
-                </a:r>
-                <a:r>
-                  <a:rPr lang="pt-BR" dirty="0"/>
-                  <a:t>o </a:t>
+                  <a:rPr lang="pt-BR" dirty="0"/>
+                  <a:t>termos o </a:t>
                 </a:r>
                 <a:r>
                   <a:rPr lang="pt-BR" b="1" i="1" dirty="0"/>
@@ -19445,36 +19074,32 @@
                 </a:r>
                 <a:r>
                   <a:rPr lang="pt-BR" dirty="0"/>
-                  <a:t>de uma </a:t>
-                </a:r>
-                <a:r>
-                  <a:rPr lang="pt-BR" dirty="0" smtClean="0"/>
-                  <a:t>classificação, ou seja, a </a:t>
-                </a:r>
-                <a:r>
-                  <a:rPr lang="pt-BR" b="1" i="1" dirty="0" smtClean="0"/>
+                  <a:t>de uma classificação, ou seja, a </a:t>
+                </a:r>
+                <a:r>
+                  <a:rPr lang="pt-BR" b="1" i="1" dirty="0"/>
                   <a:t>probabilidade</a:t>
                 </a:r>
                 <a:r>
-                  <a:rPr lang="pt-BR" dirty="0" smtClean="0"/>
+                  <a:rPr lang="pt-BR" dirty="0"/>
                   <a:t> de um exemplo de entrada pertencer a uma das duas classes (Positiva ou Negativa).</a:t>
                 </a:r>
               </a:p>
               <a:p>
                 <a:r>
-                  <a:rPr lang="pt-BR" dirty="0" smtClean="0"/>
+                  <a:rPr lang="pt-BR" dirty="0"/>
                   <a:t>Vimos também que a </a:t>
                 </a:r>
                 <a:r>
-                  <a:rPr lang="pt-BR" b="1" i="1" dirty="0" smtClean="0"/>
+                  <a:rPr lang="pt-BR" b="1" i="1" dirty="0"/>
                   <a:t>função discriminate</a:t>
                 </a:r>
                 <a:r>
-                  <a:rPr lang="pt-BR" dirty="0" smtClean="0"/>
+                  <a:rPr lang="pt-BR" dirty="0"/>
                   <a:t>,</a:t>
                 </a:r>
                 <a:r>
-                  <a:rPr lang="pt-BR" b="1" i="1" dirty="0" smtClean="0"/>
+                  <a:rPr lang="pt-BR" b="1" i="1" dirty="0"/>
                   <a:t> </a:t>
                 </a:r>
                 <a14:m>
@@ -19505,38 +19130,34 @@
                   </m:oMath>
                 </a14:m>
                 <a:r>
-                  <a:rPr lang="pt-BR" dirty="0" smtClean="0"/>
+                  <a:rPr lang="pt-BR" dirty="0"/>
                   <a:t>, pode ser a equação de um </a:t>
                 </a:r>
                 <a:r>
-                  <a:rPr lang="pt-BR" b="1" i="1" dirty="0" smtClean="0"/>
+                  <a:rPr lang="pt-BR" b="1" i="1" dirty="0"/>
                   <a:t>polinômio</a:t>
                 </a:r>
                 <a:r>
-                  <a:rPr lang="pt-BR" dirty="0" smtClean="0"/>
+                  <a:rPr lang="pt-BR" dirty="0"/>
                   <a:t>, incluindo a equação do </a:t>
                 </a:r>
                 <a:r>
-                  <a:rPr lang="pt-BR" b="1" i="1" dirty="0" smtClean="0"/>
+                  <a:rPr lang="pt-BR" b="1" i="1" dirty="0"/>
                   <a:t>hiperplano</a:t>
                 </a:r>
                 <a:r>
-                  <a:rPr lang="pt-BR" dirty="0" smtClean="0"/>
+                  <a:rPr lang="pt-BR" dirty="0"/>
                   <a:t>.</a:t>
                 </a:r>
               </a:p>
               <a:p>
                 <a:r>
-                  <a:rPr lang="pt-BR" dirty="0" smtClean="0"/>
+                  <a:rPr lang="pt-BR" dirty="0"/>
                   <a:t>O </a:t>
                 </a:r>
                 <a:r>
-                  <a:rPr lang="pt-BR" b="1" i="1" dirty="0" smtClean="0"/>
-                  <a:t>vetor </a:t>
-                </a:r>
-                <a:r>
                   <a:rPr lang="pt-BR" b="1" i="1" dirty="0"/>
-                  <a:t>gradiente </a:t>
+                  <a:t>vetor gradiente </a:t>
                 </a:r>
                 <a:r>
                   <a:rPr lang="pt-BR" dirty="0"/>
@@ -19547,15 +19168,15 @@
                   <a:t> função de erro médio </a:t>
                 </a:r>
                 <a:r>
-                  <a:rPr lang="pt-BR" dirty="0" smtClean="0"/>
+                  <a:rPr lang="pt-BR" dirty="0"/>
                   <a:t>vai variar dependendo da </a:t>
                 </a:r>
                 <a:r>
-                  <a:rPr lang="pt-BR" b="1" i="1" dirty="0" smtClean="0"/>
+                  <a:rPr lang="pt-BR" b="1" i="1" dirty="0"/>
                   <a:t>função discriminate </a:t>
                 </a:r>
                 <a:r>
-                  <a:rPr lang="pt-BR" dirty="0" smtClean="0"/>
+                  <a:rPr lang="pt-BR" dirty="0"/>
                   <a:t>adotada.</a:t>
                 </a:r>
               </a:p>
@@ -19677,7 +19298,7 @@
               <a:lstStyle/>
               <a:p>
                 <a:r>
-                  <a:rPr lang="pt-BR" dirty="0" smtClean="0"/>
+                  <a:rPr lang="pt-BR" dirty="0"/>
                   <a:t>O </a:t>
                 </a:r>
                 <a:r>
@@ -19690,18 +19311,14 @@
                 </a:r>
                 <a:r>
                   <a:rPr lang="pt-BR" b="1" i="1" dirty="0"/>
-                  <a:t> função de erro </a:t>
-                </a:r>
-                <a:r>
-                  <a:rPr lang="pt-BR" b="1" i="1" dirty="0" smtClean="0"/>
-                  <a:t>médio</a:t>
-                </a:r>
-                <a:r>
-                  <a:rPr lang="pt-BR" dirty="0" smtClean="0"/>
+                  <a:t> função de erro médio</a:t>
+                </a:r>
+                <a:r>
+                  <a:rPr lang="pt-BR" dirty="0"/>
                   <a:t> quando</a:t>
                 </a:r>
                 <a:r>
-                  <a:rPr lang="pt-BR" b="1" i="1" dirty="0" smtClean="0"/>
+                  <a:rPr lang="pt-BR" b="1" i="1" dirty="0"/>
                   <a:t> </a:t>
                 </a:r>
                 <a14:m>
@@ -19763,7 +19380,7 @@
                   </m:oMath>
                 </a14:m>
                 <a:r>
-                  <a:rPr lang="pt-BR" dirty="0" smtClean="0">
+                  <a:rPr lang="pt-BR" dirty="0">
                     <a:latin typeface="Cambria Math" panose="02040503050406030204" pitchFamily="18" charset="0"/>
                   </a:rPr>
                   <a:t>+</a:t>
@@ -19829,7 +19446,7 @@
                   </m:oMath>
                 </a14:m>
                 <a:r>
-                  <a:rPr lang="pt-BR" dirty="0" smtClean="0">
+                  <a:rPr lang="pt-BR" dirty="0">
                     <a:latin typeface="Cambria Math" panose="02040503050406030204" pitchFamily="18" charset="0"/>
                   </a:rPr>
                   <a:t>+</a:t>
@@ -19895,7 +19512,7 @@
                   </m:oMath>
                 </a14:m>
                 <a:r>
-                  <a:rPr lang="pt-BR" dirty="0" smtClean="0">
+                  <a:rPr lang="pt-BR" dirty="0">
                     <a:latin typeface="Cambria Math" panose="02040503050406030204" pitchFamily="18" charset="0"/>
                   </a:rPr>
                   <a:t>(equação de uma reta) é dado por</a:t>
@@ -20319,7 +19936,7 @@
                     </m:oMath>
                   </m:oMathPara>
                 </a14:m>
-                <a:endParaRPr lang="pt-BR" dirty="0" smtClean="0"/>
+                <a:endParaRPr lang="pt-BR" dirty="0"/>
               </a:p>
               <a:p>
                 <a:pPr marL="0" indent="0">
@@ -20327,11 +19944,7 @@
                 </a:pPr>
                 <a:r>
                   <a:rPr lang="pt-BR" dirty="0"/>
-                  <a:t>o</a:t>
-                </a:r>
-                <a:r>
-                  <a:rPr lang="pt-BR" dirty="0" smtClean="0"/>
-                  <a:t>nde </a:t>
+                  <a:t>onde </a:t>
                 </a:r>
                 <a14:m>
                   <m:oMath xmlns:m="http://schemas.openxmlformats.org/officeDocument/2006/math">
@@ -20450,7 +20063,7 @@
                   </m:oMath>
                 </a14:m>
                 <a:r>
-                  <a:rPr lang="pt-BR" dirty="0" smtClean="0"/>
+                  <a:rPr lang="pt-BR" dirty="0"/>
                   <a:t> </a:t>
                 </a:r>
                 <a14:m>
@@ -20513,7 +20126,7 @@
                   </m:oMath>
                 </a14:m>
                 <a:r>
-                  <a:rPr lang="pt-BR" dirty="0" smtClean="0"/>
+                  <a:rPr lang="pt-BR" dirty="0"/>
                   <a:t>, </a:t>
                 </a:r>
                 <a14:m>
@@ -20606,7 +20219,7 @@
                   </m:oMath>
                 </a14:m>
                 <a:r>
-                  <a:rPr lang="pt-BR" dirty="0" smtClean="0"/>
+                  <a:rPr lang="pt-BR" dirty="0"/>
                   <a:t> e </a:t>
                 </a:r>
                 <a14:m>
@@ -20700,7 +20313,7 @@
                   </m:oMath>
                 </a14:m>
                 <a:r>
-                  <a:rPr lang="pt-BR" dirty="0" smtClean="0"/>
+                  <a:rPr lang="pt-BR" dirty="0"/>
                   <a:t>. </a:t>
                 </a:r>
               </a:p>
@@ -20869,19 +20482,7 @@
                   <a:rPr lang="pt-BR" dirty="0">
                     <a:latin typeface="Cambria Math" panose="02040503050406030204" pitchFamily="18" charset="0"/>
                   </a:rPr>
-                  <a:t>(equação de um </a:t>
-                </a:r>
-                <a:r>
-                  <a:rPr lang="pt-BR" dirty="0" smtClean="0">
-                    <a:latin typeface="Cambria Math" panose="02040503050406030204" pitchFamily="18" charset="0"/>
-                  </a:rPr>
-                  <a:t>círculo) </a:t>
-                </a:r>
-                <a:r>
-                  <a:rPr lang="pt-BR" dirty="0">
-                    <a:latin typeface="Cambria Math" panose="02040503050406030204" pitchFamily="18" charset="0"/>
-                  </a:rPr>
-                  <a:t>é dado por</a:t>
+                  <a:t>(equação de um círculo) é dado por</a:t>
                 </a:r>
               </a:p>
               <a:p>
@@ -21896,7 +21497,7 @@
               <a:lstStyle/>
               <a:p>
                 <a:r>
-                  <a:rPr lang="pt-BR" dirty="0" smtClean="0"/>
+                  <a:rPr lang="pt-BR" dirty="0"/>
                   <a:t>O </a:t>
                 </a:r>
                 <a:r>
@@ -22065,38 +21666,20 @@
                   </m:oMath>
                 </a14:m>
                 <a:r>
-                  <a:rPr lang="pt-BR" dirty="0" smtClean="0">
-                    <a:latin typeface="Cambria Math" panose="02040503050406030204" pitchFamily="18" charset="0"/>
-                  </a:rPr>
-                  <a:t> (</a:t>
-                </a:r>
-                <a:r>
                   <a:rPr lang="pt-BR" dirty="0">
                     <a:latin typeface="Cambria Math" panose="02040503050406030204" pitchFamily="18" charset="0"/>
                   </a:rPr>
-                  <a:t>equação de </a:t>
-                </a:r>
-                <a:r>
-                  <a:rPr lang="pt-BR" dirty="0" smtClean="0">
-                    <a:latin typeface="Cambria Math" panose="02040503050406030204" pitchFamily="18" charset="0"/>
-                  </a:rPr>
-                  <a:t>uma </a:t>
+                  <a:t> (equação de uma </a:t>
                 </a:r>
                 <a:r>
                   <a:rPr lang="pt-BR" dirty="0"/>
                   <a:t>hipérbole retangular</a:t>
-                </a:r>
-                <a:r>
-                  <a:rPr lang="pt-BR" dirty="0" smtClean="0">
-                    <a:latin typeface="Cambria Math" panose="02040503050406030204" pitchFamily="18" charset="0"/>
-                  </a:rPr>
-                  <a:t>) </a:t>
                 </a:r>
                 <a:r>
                   <a:rPr lang="pt-BR" dirty="0">
                     <a:latin typeface="Cambria Math" panose="02040503050406030204" pitchFamily="18" charset="0"/>
                   </a:rPr>
-                  <a:t>é dado por</a:t>
+                  <a:t>) é dado por</a:t>
                 </a:r>
               </a:p>
               <a:p>
@@ -22921,7 +22504,7 @@
                   </m:oMath>
                 </a14:m>
                 <a:r>
-                  <a:rPr lang="pt-BR" dirty="0" smtClean="0"/>
+                  <a:rPr lang="pt-BR" dirty="0"/>
                   <a:t>, </a:t>
                 </a:r>
                 <a14:m>
@@ -23015,7 +22598,7 @@
                   </m:oMath>
                 </a14:m>
                 <a:r>
-                  <a:rPr lang="pt-BR" dirty="0" smtClean="0"/>
+                  <a:rPr lang="pt-BR" dirty="0"/>
                   <a:t> e </a:t>
                 </a:r>
                 <a14:m>
@@ -23030,18 +22613,14 @@
                   </m:oMath>
                 </a14:m>
                 <a:r>
-                  <a:rPr lang="pt-BR" dirty="0" smtClean="0"/>
+                  <a:rPr lang="pt-BR" dirty="0"/>
                   <a:t> é a multiplicação elemento-a-elemento. </a:t>
                 </a:r>
               </a:p>
               <a:p>
                 <a:r>
-                  <a:rPr lang="pt-BR" dirty="0" smtClean="0"/>
-                  <a:t>De posse </a:t>
-                </a:r>
-                <a:r>
-                  <a:rPr lang="pt-BR" dirty="0"/>
-                  <a:t>do </a:t>
+                  <a:rPr lang="pt-BR" dirty="0"/>
+                  <a:t>De posse do </a:t>
                 </a:r>
                 <a:r>
                   <a:rPr lang="pt-BR" b="1" i="1" dirty="0"/>
@@ -23049,18 +22628,14 @@
                 </a:r>
                 <a:r>
                   <a:rPr lang="pt-BR" dirty="0"/>
-                  <a:t>, podemos usá-lo </a:t>
-                </a:r>
-                <a:r>
-                  <a:rPr lang="pt-BR" dirty="0" smtClean="0"/>
-                  <a:t>com o </a:t>
-                </a:r>
-                <a:r>
-                  <a:rPr lang="pt-BR" b="1" i="1" dirty="0" smtClean="0"/>
+                  <a:t>, podemos usá-lo com o </a:t>
+                </a:r>
+                <a:r>
+                  <a:rPr lang="pt-BR" b="1" i="1" dirty="0"/>
                   <a:t>gradiente descendente</a:t>
                 </a:r>
                 <a:r>
-                  <a:rPr lang="pt-BR" dirty="0" smtClean="0"/>
+                  <a:rPr lang="pt-BR" dirty="0"/>
                   <a:t> para atualizar os pesos.</a:t>
                 </a:r>
               </a:p>
@@ -23177,10 +22752,9 @@
                   </m:oMath>
                 </a14:m>
                 <a:r>
-                  <a:rPr lang="pt-BR" dirty="0" smtClean="0"/>
+                  <a:rPr lang="pt-BR" dirty="0"/>
                   <a:t>.</a:t>
                 </a:r>
-                <a:endParaRPr lang="pt-BR" dirty="0"/>
               </a:p>
             </p:txBody>
           </p:sp>
@@ -23245,13 +22819,13 @@
           <a:lstStyle/>
           <a:p>
             <a:r>
-              <a:rPr lang="pt-BR" sz="1600" b="1" dirty="0" smtClean="0">
+              <a:rPr lang="pt-BR" sz="1600" b="1" dirty="0">
                 <a:hlinkClick r:id="rId3"/>
               </a:rPr>
               <a:t>Exemplo</a:t>
             </a:r>
             <a:r>
-              <a:rPr lang="pt-BR" sz="1600" dirty="0" smtClean="0">
+              <a:rPr lang="pt-BR" sz="1600" dirty="0">
                 <a:hlinkClick r:id="rId3"/>
               </a:rPr>
               <a:t>: logistic_regression_with_gradient_descent.ipynb</a:t>
@@ -23335,109 +22909,105 @@
           <a:lstStyle/>
           <a:p>
             <a:r>
-              <a:rPr lang="pt-BR" dirty="0" smtClean="0"/>
+              <a:rPr lang="pt-BR" dirty="0"/>
               <a:t>Anteriormente, aprendemos que a </a:t>
             </a:r>
             <a:r>
-              <a:rPr lang="pt-BR" b="1" i="1" dirty="0" smtClean="0"/>
+              <a:rPr lang="pt-BR" b="1" i="1" dirty="0"/>
               <a:t>classificação</a:t>
             </a:r>
             <a:r>
-              <a:rPr lang="pt-BR" dirty="0" smtClean="0"/>
+              <a:rPr lang="pt-BR" dirty="0"/>
               <a:t> pode ser feita usando-se uma </a:t>
             </a:r>
             <a:r>
-              <a:rPr lang="pt-BR" b="1" i="1" dirty="0" smtClean="0"/>
+              <a:rPr lang="pt-BR" b="1" i="1" dirty="0"/>
               <a:t>função discriminante</a:t>
             </a:r>
             <a:r>
-              <a:rPr lang="pt-BR" dirty="0" smtClean="0"/>
+              <a:rPr lang="pt-BR" dirty="0"/>
               <a:t>, que nada mais é do que um </a:t>
             </a:r>
             <a:r>
-              <a:rPr lang="pt-BR" b="1" i="1" dirty="0" smtClean="0"/>
+              <a:rPr lang="pt-BR" b="1" i="1" dirty="0"/>
               <a:t>polinômio</a:t>
             </a:r>
             <a:r>
-              <a:rPr lang="pt-BR" dirty="0" smtClean="0"/>
+              <a:rPr lang="pt-BR" dirty="0"/>
               <a:t>, que tem sua saída passada através de outra função chamada de </a:t>
             </a:r>
             <a:r>
-              <a:rPr lang="pt-BR" b="1" i="1" dirty="0" smtClean="0"/>
+              <a:rPr lang="pt-BR" b="1" i="1" dirty="0"/>
               <a:t>função de limiar</a:t>
             </a:r>
             <a:r>
-              <a:rPr lang="pt-BR" dirty="0" smtClean="0"/>
+              <a:rPr lang="pt-BR" dirty="0"/>
               <a:t>.</a:t>
             </a:r>
           </a:p>
           <a:p>
             <a:r>
-              <a:rPr lang="pt-BR" dirty="0" smtClean="0"/>
+              <a:rPr lang="pt-BR" dirty="0"/>
               <a:t>Como na </a:t>
             </a:r>
             <a:r>
-              <a:rPr lang="pt-BR" b="1" i="1" dirty="0" smtClean="0"/>
+              <a:rPr lang="pt-BR" b="1" i="1" dirty="0"/>
               <a:t>regressão linear</a:t>
             </a:r>
             <a:r>
-              <a:rPr lang="pt-BR" dirty="0" smtClean="0"/>
+              <a:rPr lang="pt-BR" dirty="0"/>
               <a:t>, o problema da classificação está em encontrar os pesos da </a:t>
             </a:r>
             <a:r>
               <a:rPr lang="pt-BR" b="1" i="1" dirty="0"/>
-              <a:t>função </a:t>
+              <a:t>função discriminante </a:t>
             </a:r>
             <a:r>
-              <a:rPr lang="pt-BR" b="1" i="1" dirty="0" smtClean="0"/>
-              <a:t>discriminante </a:t>
-            </a:r>
-            <a:r>
-              <a:rPr lang="pt-BR" dirty="0" smtClean="0"/>
+              <a:rPr lang="pt-BR" dirty="0"/>
               <a:t>de tal forma que as classes sejam separadas da melhor forma possível.</a:t>
             </a:r>
           </a:p>
           <a:p>
             <a:r>
-              <a:rPr lang="pt-BR" dirty="0" smtClean="0"/>
+              <a:rPr lang="pt-BR" dirty="0"/>
               <a:t>Vimos que a função de limiar mais simples é a de </a:t>
             </a:r>
             <a:r>
-              <a:rPr lang="pt-BR" b="1" i="1" dirty="0" smtClean="0"/>
+              <a:rPr lang="pt-BR" b="1" i="1" dirty="0"/>
               <a:t>limiar rígido</a:t>
             </a:r>
             <a:r>
-              <a:rPr lang="pt-BR" dirty="0" smtClean="0"/>
+              <a:rPr lang="pt-BR" dirty="0"/>
               <a:t>, porém, ela apresenta alguns problemas como não poder ser utilizada para encontrar uma </a:t>
             </a:r>
             <a:r>
-              <a:rPr lang="pt-BR" b="1" i="1" dirty="0" smtClean="0"/>
+              <a:rPr lang="pt-BR" b="1" i="1" dirty="0"/>
               <a:t>solução em forma fechada </a:t>
             </a:r>
             <a:r>
-              <a:rPr lang="pt-BR" dirty="0" smtClean="0"/>
-              <a:t>ou com </a:t>
+              <a:rPr lang="pt-BR" dirty="0"/>
+              <a:t>ou com o </a:t>
             </a:r>
             <a:r>
-              <a:rPr lang="pt-BR" b="1" i="1" dirty="0" smtClean="0"/>
+              <a:rPr lang="pt-BR" b="1" i="1" dirty="0"/>
               <a:t>gradiente descendente </a:t>
             </a:r>
             <a:r>
-              <a:rPr lang="pt-BR" dirty="0" smtClean="0"/>
+              <a:rPr lang="pt-BR" dirty="0"/>
               <a:t>e não nos dar a </a:t>
             </a:r>
             <a:r>
-              <a:rPr lang="pt-BR" b="1" i="1" dirty="0" smtClean="0"/>
+              <a:rPr lang="pt-BR" b="1" i="1" dirty="0"/>
               <a:t>confiança de um resultado </a:t>
             </a:r>
             <a:r>
-              <a:rPr lang="pt-BR" dirty="0" smtClean="0"/>
+              <a:rPr lang="pt-BR" dirty="0"/>
               <a:t>de classificação.</a:t>
             </a:r>
           </a:p>
           <a:p>
             <a:r>
-              <a:rPr lang="pt-BR" dirty="0" smtClean="0"/>
+              <a:rPr lang="pt-BR" dirty="0"/>
               <a:t>Aprendemos também, uma forma intuitiva e iterativa de encontrar os pesos da </a:t>
             </a:r>
             <a:r>
@@ -23445,48 +23015,47 @@
               <a:t>função discriminante </a:t>
             </a:r>
             <a:r>
-              <a:rPr lang="pt-BR" dirty="0" smtClean="0"/>
+              <a:rPr lang="pt-BR" dirty="0"/>
               <a:t>quando usamos o </a:t>
             </a:r>
             <a:r>
-              <a:rPr lang="pt-BR" b="1" i="1" dirty="0" smtClean="0"/>
+              <a:rPr lang="pt-BR" b="1" i="1" dirty="0"/>
               <a:t>limiar rígido</a:t>
             </a:r>
             <a:r>
-              <a:rPr lang="pt-BR" dirty="0" smtClean="0"/>
+              <a:rPr lang="pt-BR" dirty="0"/>
               <a:t>.</a:t>
             </a:r>
           </a:p>
           <a:p>
             <a:r>
-              <a:rPr lang="pt-BR" dirty="0" smtClean="0"/>
+              <a:rPr lang="pt-BR" dirty="0"/>
               <a:t>Na sequência, introduziremos outra função de limiar, chamada de </a:t>
             </a:r>
             <a:r>
-              <a:rPr lang="pt-BR" b="1" i="1" dirty="0" smtClean="0"/>
+              <a:rPr lang="pt-BR" b="1" i="1" dirty="0"/>
               <a:t>função logística</a:t>
             </a:r>
             <a:r>
-              <a:rPr lang="pt-BR" dirty="0" smtClean="0"/>
+              <a:rPr lang="pt-BR" dirty="0"/>
               <a:t>, com a qual é possível se encontrar uma solução eficiente com o </a:t>
             </a:r>
             <a:r>
-              <a:rPr lang="pt-BR" b="1" i="1" dirty="0" smtClean="0"/>
+              <a:rPr lang="pt-BR" b="1" i="1" dirty="0"/>
               <a:t>gradiente descendente </a:t>
             </a:r>
             <a:r>
-              <a:rPr lang="pt-BR" dirty="0" smtClean="0"/>
+              <a:rPr lang="pt-BR" dirty="0"/>
               <a:t>e termos o </a:t>
             </a:r>
             <a:r>
-              <a:rPr lang="pt-BR" b="1" i="1" dirty="0" smtClean="0"/>
+              <a:rPr lang="pt-BR" b="1" i="1" dirty="0"/>
               <a:t>grau de confiança </a:t>
             </a:r>
             <a:r>
-              <a:rPr lang="pt-BR" dirty="0" smtClean="0"/>
+              <a:rPr lang="pt-BR" dirty="0"/>
               <a:t>de uma classificação.</a:t>
             </a:r>
-            <a:endParaRPr lang="pt-BR" dirty="0"/>
           </a:p>
         </p:txBody>
       </p:sp>
@@ -23543,15 +23112,14 @@
           <a:lstStyle/>
           <a:p>
             <a:r>
-              <a:rPr lang="pt-BR" dirty="0" smtClean="0"/>
+              <a:rPr lang="pt-BR" dirty="0"/>
               <a:t>Classificação com função de limiar logístico</a:t>
             </a:r>
-            <a:endParaRPr lang="pt-BR" dirty="0"/>
           </a:p>
         </p:txBody>
       </p:sp>
-      <mc:AlternateContent xmlns:mc="http://schemas.openxmlformats.org/markup-compatibility/2006" xmlns:a14="http://schemas.microsoft.com/office/drawing/2010/main">
-        <mc:Choice Requires="a14">
+      <mc:AlternateContent xmlns:mc="http://schemas.openxmlformats.org/markup-compatibility/2006">
+        <mc:Choice xmlns:a14="http://schemas.microsoft.com/office/drawing/2010/main" Requires="a14">
           <p:sp>
             <p:nvSpPr>
               <p:cNvPr id="3" name="Content Placeholder 2"/>
@@ -23564,18 +23132,18 @@
             </p:nvSpPr>
             <p:spPr>
               <a:xfrm>
-                <a:off x="838198" y="1787857"/>
-                <a:ext cx="11171831" cy="5070144"/>
+                <a:off x="838199" y="1787857"/>
+                <a:ext cx="11076296" cy="5070144"/>
               </a:xfrm>
             </p:spPr>
             <p:txBody>
               <a:bodyPr>
-                <a:normAutofit/>
+                <a:normAutofit lnSpcReduction="10000"/>
               </a:bodyPr>
               <a:lstStyle/>
               <a:p>
                 <a:r>
-                  <a:rPr lang="pt-BR" dirty="0" smtClean="0"/>
+                  <a:rPr lang="pt-BR" dirty="0"/>
                   <a:t>Como discutimos anteriormente, a </a:t>
                 </a:r>
                 <a:r>
@@ -23683,15 +23251,15 @@
                   </m:oMath>
                 </a14:m>
                 <a:r>
-                  <a:rPr lang="pt-BR" dirty="0" smtClean="0"/>
+                  <a:rPr lang="pt-BR" dirty="0"/>
                   <a:t>), com </a:t>
                 </a:r>
                 <a:r>
-                  <a:rPr lang="pt-BR" b="1" i="1" dirty="0" smtClean="0"/>
+                  <a:rPr lang="pt-BR" b="1" i="1" dirty="0"/>
                   <a:t>limiar de decisão rígido </a:t>
                 </a:r>
                 <a:r>
-                  <a:rPr lang="pt-BR" dirty="0" smtClean="0"/>
+                  <a:rPr lang="pt-BR" dirty="0"/>
                   <a:t>é descontínua em </a:t>
                 </a:r>
                 <a14:m>
@@ -23728,7 +23296,7 @@
                   </m:oMath>
                 </a14:m>
                 <a:r>
-                  <a:rPr lang="pt-BR" dirty="0" smtClean="0"/>
+                  <a:rPr lang="pt-BR" dirty="0"/>
                   <a:t> e tem derivada igual a zero para todos os outros valores de </a:t>
                 </a:r>
                 <a14:m>
@@ -23759,108 +23327,96 @@
                   </m:oMath>
                 </a14:m>
                 <a:r>
-                  <a:rPr lang="pt-BR" dirty="0" smtClean="0"/>
+                  <a:rPr lang="pt-BR" dirty="0"/>
                   <a:t>.</a:t>
                 </a:r>
               </a:p>
               <a:p>
                 <a:r>
-                  <a:rPr lang="pt-BR" dirty="0" smtClean="0"/>
+                  <a:rPr lang="pt-BR" dirty="0"/>
                   <a:t>Além disso, o </a:t>
                 </a:r>
                 <a:r>
-                  <a:rPr lang="pt-BR" b="1" i="1" dirty="0" smtClean="0"/>
+                  <a:rPr lang="pt-BR" b="1" i="1" dirty="0"/>
                   <a:t>classificador</a:t>
                 </a:r>
                 <a:r>
-                  <a:rPr lang="pt-BR" dirty="0" smtClean="0"/>
-                  <a:t> </a:t>
-                </a:r>
-                <a:r>
-                  <a:rPr lang="pt-BR" dirty="0"/>
-                  <a:t>sempre </a:t>
-                </a:r>
-                <a:r>
-                  <a:rPr lang="pt-BR" dirty="0" smtClean="0"/>
-                  <a:t>faz </a:t>
-                </a:r>
-                <a:r>
-                  <a:rPr lang="pt-BR" b="1" i="1" dirty="0" smtClean="0"/>
+                  <a:rPr lang="pt-BR" dirty="0"/>
+                  <a:t> sempre faz </a:t>
+                </a:r>
+                <a:r>
+                  <a:rPr lang="pt-BR" b="1" i="1" dirty="0"/>
                   <a:t>previsões </a:t>
                 </a:r>
                 <a:r>
-                  <a:rPr lang="pt-BR" dirty="0" smtClean="0"/>
-                  <a:t>completamente confiantes das classes </a:t>
-                </a:r>
-                <a:r>
-                  <a:rPr lang="pt-BR" dirty="0"/>
-                  <a:t>(i.e., 0 ou 1), mesmo para exemplos muito próximos </a:t>
-                </a:r>
-                <a:r>
-                  <a:rPr lang="pt-BR" dirty="0" smtClean="0"/>
-                  <a:t>da </a:t>
-                </a:r>
-                <a:r>
-                  <a:rPr lang="pt-BR" b="1" i="1" dirty="0" smtClean="0"/>
+                  <a:rPr lang="pt-BR" dirty="0"/>
+                  <a:t>completamente confiantes das classes (i.e., 0 ou 1), mesmo para exemplos muito próximos da </a:t>
+                </a:r>
+                <a:r>
+                  <a:rPr lang="pt-BR" b="1" i="1" dirty="0"/>
                   <a:t>fronteira de decisão</a:t>
                 </a:r>
                 <a:r>
-                  <a:rPr lang="pt-BR" dirty="0" smtClean="0"/>
+                  <a:rPr lang="pt-BR" dirty="0"/>
                   <a:t>. </a:t>
                 </a:r>
               </a:p>
               <a:p>
                 <a:r>
-                  <a:rPr lang="pt-BR" dirty="0" smtClean="0"/>
-                  <a:t>Em </a:t>
-                </a:r>
-                <a:r>
-                  <a:rPr lang="pt-BR" dirty="0"/>
-                  <a:t>muitas situações, </a:t>
-                </a:r>
-                <a:r>
-                  <a:rPr lang="pt-BR" dirty="0" smtClean="0"/>
-                  <a:t>nós precisamos de </a:t>
-                </a:r>
-                <a:r>
-                  <a:rPr lang="pt-BR" dirty="0"/>
-                  <a:t>previsões mais </a:t>
-                </a:r>
-                <a:r>
-                  <a:rPr lang="pt-BR" dirty="0" smtClean="0"/>
-                  <a:t>graduadas, que </a:t>
-                </a:r>
-                <a:r>
-                  <a:rPr lang="pt-BR" dirty="0"/>
-                  <a:t>indiquem incertezas quanto à classificação.</a:t>
+                  <a:rPr lang="pt-BR" dirty="0"/>
+                  <a:t>Em muitas situações, nós precisamos de previsões mais graduadas, que indiquem incertezas quanto à classificação.</a:t>
                 </a:r>
               </a:p>
               <a:p>
                 <a:r>
-                  <a:rPr lang="pt-BR" dirty="0" smtClean="0"/>
-                  <a:t>Todos esses problemas podem ser resolvidos com a </a:t>
-                </a:r>
-                <a:r>
-                  <a:rPr lang="pt-BR" b="1" i="1" dirty="0" smtClean="0"/>
+                  <a:rPr lang="pt-BR" dirty="0"/>
+                  <a:t>Todos esses problemas são resolvidos com a </a:t>
+                </a:r>
+                <a:r>
+                  <a:rPr lang="pt-BR" b="1" i="1" dirty="0"/>
                   <a:t>suavização</a:t>
                 </a:r>
                 <a:r>
-                  <a:rPr lang="pt-BR" dirty="0" smtClean="0"/>
+                  <a:rPr lang="pt-BR" dirty="0"/>
                   <a:t> da </a:t>
                 </a:r>
                 <a:r>
-                  <a:rPr lang="pt-BR" b="1" i="1" dirty="0" smtClean="0"/>
+                  <a:rPr lang="pt-BR" b="1" i="1" dirty="0"/>
                   <a:t>função de limiar rígido</a:t>
                 </a:r>
                 <a:r>
-                  <a:rPr lang="pt-BR" dirty="0" smtClean="0"/>
-                  <a:t> através de sua aproximação por uma função que seja contínua, diferenciável e assuma valores reais dentro do intervalo de 0 a 1.</a:t>
+                  <a:rPr lang="pt-BR" dirty="0"/>
+                  <a:t> através de sua aproximação por uma função que seja </a:t>
+                </a:r>
+                <a:r>
+                  <a:rPr lang="pt-BR" b="1" dirty="0"/>
+                  <a:t>contínua</a:t>
+                </a:r>
+                <a:r>
+                  <a:rPr lang="pt-BR" dirty="0"/>
+                  <a:t>, </a:t>
+                </a:r>
+                <a:r>
+                  <a:rPr lang="pt-BR" b="1" dirty="0"/>
+                  <a:t>diferenciável</a:t>
+                </a:r>
+                <a:r>
+                  <a:rPr lang="pt-BR" dirty="0"/>
+                  <a:t> e </a:t>
+                </a:r>
+                <a:r>
+                  <a:rPr lang="pt-BR" b="1" dirty="0"/>
+                  <a:t>assuma valores reais dentro do intervalo de 0 a 1</a:t>
+                </a:r>
+                <a:r>
+                  <a:rPr lang="pt-BR" dirty="0"/>
+                  <a:t>.</a:t>
                 </a:r>
               </a:p>
             </p:txBody>
           </p:sp>
         </mc:Choice>
-        <mc:Fallback xmlns="">
+        <mc:Fallback>
           <p:sp>
             <p:nvSpPr>
               <p:cNvPr id="3" name="Content Placeholder 2"/>
@@ -23873,13 +23429,13 @@
             </p:nvSpPr>
             <p:spPr>
               <a:xfrm>
-                <a:off x="838198" y="1787857"/>
-                <a:ext cx="11171831" cy="5070144"/>
+                <a:off x="838199" y="1787857"/>
+                <a:ext cx="11076296" cy="5070144"/>
               </a:xfrm>
-              <a:blipFill rotWithShape="0">
+              <a:blipFill>
                 <a:blip r:embed="rId3"/>
                 <a:stretch>
-                  <a:fillRect l="-927" t="-1923" r="-1528"/>
+                  <a:fillRect l="-936" t="-2644" r="-1761"/>
                 </a:stretch>
               </a:blipFill>
             </p:spPr>
@@ -23952,21 +23508,13 @@
           <a:p>
             <a:r>
               <a:rPr lang="pt-BR" dirty="0"/>
-              <a:t>Classificação </a:t>
-            </a:r>
-            <a:r>
-              <a:rPr lang="pt-BR" dirty="0" smtClean="0"/>
-              <a:t>com </a:t>
-            </a:r>
-            <a:r>
-              <a:rPr lang="pt-BR" dirty="0"/>
-              <a:t>função de limiar logístico</a:t>
+              <a:t>Classificação com função de limiar logístico</a:t>
             </a:r>
           </a:p>
         </p:txBody>
       </p:sp>
-      <mc:AlternateContent xmlns:mc="http://schemas.openxmlformats.org/markup-compatibility/2006" xmlns:a14="http://schemas.microsoft.com/office/drawing/2010/main">
-        <mc:Choice Requires="a14">
+      <mc:AlternateContent xmlns:mc="http://schemas.openxmlformats.org/markup-compatibility/2006">
+        <mc:Choice xmlns:a14="http://schemas.microsoft.com/office/drawing/2010/main" Requires="a14">
           <p:sp>
             <p:nvSpPr>
               <p:cNvPr id="3" name="Content Placeholder 2"/>
@@ -23991,32 +23539,24 @@
               <a:p>
                 <a:pPr algn="just"/>
                 <a:r>
-                  <a:rPr lang="pt-BR" dirty="0" smtClean="0"/>
+                  <a:rPr lang="pt-BR" dirty="0"/>
                   <a:t>A </a:t>
                 </a:r>
                 <a:r>
-                  <a:rPr lang="pt-BR" b="1" i="1" dirty="0" smtClean="0"/>
+                  <a:rPr lang="pt-BR" b="1" i="1" dirty="0"/>
                   <a:t>função logística </a:t>
                 </a:r>
                 <a:r>
-                  <a:rPr lang="pt-BR" dirty="0" smtClean="0"/>
+                  <a:rPr lang="pt-BR" dirty="0"/>
                   <a:t>(ou </a:t>
                 </a:r>
                 <a:r>
-                  <a:rPr lang="pt-PT" b="1" i="1" dirty="0" smtClean="0"/>
+                  <a:rPr lang="pt-PT" b="1" i="1" dirty="0"/>
                   <a:t>sigmóide</a:t>
                 </a:r>
                 <a:r>
-                  <a:rPr lang="pt-BR" dirty="0" smtClean="0"/>
-                  <a:t>), </a:t>
-                </a:r>
-                <a:r>
-                  <a:rPr lang="pt-BR" dirty="0"/>
-                  <a:t>mostrada na figura ao lado </a:t>
-                </a:r>
-                <a:r>
-                  <a:rPr lang="pt-BR" dirty="0" smtClean="0"/>
-                  <a:t>e definida como</a:t>
+                  <a:rPr lang="pt-BR" dirty="0"/>
+                  <a:t>), mostrada na figura ao lado e definida como</a:t>
                 </a:r>
               </a:p>
               <a:p>
@@ -24054,6 +23594,30 @@
                         <a:latin typeface="Cambria Math" panose="02040503050406030204" pitchFamily="18" charset="0"/>
                       </a:rPr>
                       <m:t>=</m:t>
+                    </m:r>
+                    <m:r>
+                      <a:rPr lang="pt-BR" b="0" i="1" smtClean="0">
+                        <a:latin typeface="Cambria Math" panose="02040503050406030204" pitchFamily="18" charset="0"/>
+                      </a:rPr>
+                      <m:t>𝑓</m:t>
+                    </m:r>
+                    <m:r>
+                      <a:rPr lang="pt-BR" b="0" i="1" smtClean="0">
+                        <a:latin typeface="Cambria Math" panose="02040503050406030204" pitchFamily="18" charset="0"/>
+                      </a:rPr>
+                      <m:t>(</m:t>
+                    </m:r>
+                    <m:r>
+                      <a:rPr lang="pt-BR" b="0" i="1" smtClean="0">
+                        <a:latin typeface="Cambria Math" panose="02040503050406030204" pitchFamily="18" charset="0"/>
+                      </a:rPr>
+                      <m:t>𝑧</m:t>
+                    </m:r>
+                    <m:r>
+                      <a:rPr lang="pt-BR" b="0" i="1" smtClean="0">
+                        <a:latin typeface="Cambria Math" panose="02040503050406030204" pitchFamily="18" charset="0"/>
+                      </a:rPr>
+                      <m:t>)=</m:t>
                     </m:r>
                     <m:f>
                       <m:fPr>
@@ -24114,7 +23678,7 @@
                   </m:oMath>
                 </a14:m>
                 <a:r>
-                  <a:rPr lang="pt-BR" i="1" dirty="0" smtClean="0"/>
+                  <a:rPr lang="pt-BR" i="1" dirty="0"/>
                   <a:t> </a:t>
                 </a:r>
                 <a14:m>
@@ -24150,7 +23714,7 @@
                   </m:oMath>
                 </a14:m>
                 <a:r>
-                  <a:rPr lang="pt-BR" i="1" dirty="0" smtClean="0"/>
+                  <a:rPr lang="pt-BR" i="1" dirty="0"/>
                   <a:t>,</a:t>
                 </a:r>
               </a:p>
@@ -24160,34 +23724,29 @@
                 </a:pPr>
                 <a:r>
                   <a:rPr lang="pt-BR" dirty="0"/>
-                  <a:t>a</a:t>
-                </a:r>
-                <a:r>
-                  <a:rPr lang="pt-BR" dirty="0" smtClean="0"/>
-                  <a:t>presenta tais propriedades matemáticas. </a:t>
-                </a:r>
-                <a:endParaRPr lang="pt-BR" dirty="0"/>
+                  <a:t>apresenta tais propriedades matemáticas. </a:t>
+                </a:r>
               </a:p>
               <a:p>
                 <a:pPr algn="just"/>
                 <a:r>
-                  <a:rPr lang="pt-BR" dirty="0" smtClean="0"/>
+                  <a:rPr lang="pt-BR" dirty="0"/>
                   <a:t>Utilizando a </a:t>
                 </a:r>
                 <a:r>
-                  <a:rPr lang="pt-BR" b="1" i="1" dirty="0" smtClean="0"/>
+                  <a:rPr lang="pt-BR" b="1" i="1" dirty="0"/>
                   <a:t>função logística </a:t>
                 </a:r>
                 <a:r>
-                  <a:rPr lang="pt-BR" dirty="0" smtClean="0"/>
+                  <a:rPr lang="pt-BR" dirty="0"/>
                   <a:t>como </a:t>
                 </a:r>
                 <a:r>
-                  <a:rPr lang="pt-BR" b="1" i="1" dirty="0" smtClean="0"/>
+                  <a:rPr lang="pt-BR" b="1" i="1" dirty="0"/>
                   <a:t>função de limiar</a:t>
                 </a:r>
                 <a:r>
-                  <a:rPr lang="pt-BR" dirty="0" smtClean="0"/>
+                  <a:rPr lang="pt-BR" dirty="0"/>
                   <a:t>, temos</a:t>
                 </a:r>
               </a:p>
@@ -24411,7 +23970,7 @@
                   </m:oMath>
                 </a14:m>
                 <a:r>
-                  <a:rPr lang="pt-BR" dirty="0" smtClean="0"/>
+                  <a:rPr lang="pt-BR" dirty="0"/>
                   <a:t>.</a:t>
                 </a:r>
               </a:p>
@@ -24444,42 +24003,38 @@
                   </m:oMath>
                 </a14:m>
                 <a:r>
-                  <a:rPr lang="pt-BR" dirty="0" smtClean="0"/>
+                  <a:rPr lang="pt-BR" dirty="0"/>
                   <a:t> pode ser um </a:t>
                 </a:r>
                 <a:r>
-                  <a:rPr lang="pt-BR" b="1" i="1" dirty="0" smtClean="0"/>
+                  <a:rPr lang="pt-BR" b="1" i="1" dirty="0"/>
                   <a:t>hiperplano</a:t>
                 </a:r>
                 <a:r>
-                  <a:rPr lang="pt-BR" dirty="0" smtClean="0"/>
+                  <a:rPr lang="pt-BR" dirty="0"/>
                   <a:t>, um </a:t>
                 </a:r>
                 <a:r>
-                  <a:rPr lang="pt-BR" b="1" i="1" dirty="0" smtClean="0"/>
+                  <a:rPr lang="pt-BR" b="1" i="1" dirty="0"/>
                   <a:t>polinômio</a:t>
                 </a:r>
                 <a:r>
-                  <a:rPr lang="pt-BR" dirty="0" smtClean="0"/>
+                  <a:rPr lang="pt-BR" dirty="0"/>
                   <a:t>, etc. </a:t>
                 </a:r>
               </a:p>
               <a:p>
                 <a:r>
-                  <a:rPr lang="pt-BR" dirty="0" smtClean="0"/>
+                  <a:rPr lang="pt-BR" dirty="0"/>
                   <a:t>A saída será um número real entre 0 e 1, o qual pode ser interpretado como uma </a:t>
                 </a:r>
                 <a:r>
-                  <a:rPr lang="pt-BR" b="1" i="1" dirty="0" smtClean="0"/>
+                  <a:rPr lang="pt-BR" b="1" i="1" dirty="0"/>
                   <a:t>probabilidade</a:t>
                 </a:r>
                 <a:r>
                   <a:rPr lang="pt-BR" dirty="0"/>
-                  <a:t> </a:t>
-                </a:r>
-                <a:r>
-                  <a:rPr lang="pt-BR" dirty="0" smtClean="0"/>
-                  <a:t>de um dado exemplo pertencer à classe </a:t>
+                  <a:t> de um dado exemplo pertencer à classe </a:t>
                 </a:r>
                 <a14:m>
                   <m:oMath xmlns:m="http://schemas.openxmlformats.org/officeDocument/2006/math">
@@ -24511,33 +24066,33 @@
                   </m:oMath>
                 </a14:m>
                 <a:r>
-                  <a:rPr lang="pt-BR" dirty="0" smtClean="0"/>
+                  <a:rPr lang="pt-BR" dirty="0"/>
                   <a:t> (ou seja, à </a:t>
                 </a:r>
                 <a:r>
-                  <a:rPr lang="pt-BR" b="1" i="1" dirty="0" smtClean="0"/>
+                  <a:rPr lang="pt-BR" b="1" i="1" dirty="0"/>
                   <a:t>classe positiva</a:t>
                 </a:r>
                 <a:r>
-                  <a:rPr lang="pt-BR" dirty="0" smtClean="0"/>
+                  <a:rPr lang="pt-BR" dirty="0"/>
                   <a:t>). </a:t>
                 </a:r>
               </a:p>
               <a:p>
                 <a:r>
-                  <a:rPr lang="pt-BR" dirty="0" smtClean="0"/>
+                  <a:rPr lang="pt-BR" dirty="0"/>
                   <a:t>A nova </a:t>
                 </a:r>
                 <a:r>
-                  <a:rPr lang="pt-BR" b="1" i="1" dirty="0" smtClean="0"/>
+                  <a:rPr lang="pt-BR" b="1" i="1" dirty="0"/>
                   <a:t>função hipótese</a:t>
                 </a:r>
                 <a:r>
-                  <a:rPr lang="pt-BR" dirty="0" smtClean="0"/>
+                  <a:rPr lang="pt-BR" dirty="0"/>
                   <a:t>,</a:t>
                 </a:r>
                 <a:r>
-                  <a:rPr lang="pt-BR" b="1" i="1" dirty="0" smtClean="0"/>
+                  <a:rPr lang="pt-BR" b="1" i="1" dirty="0"/>
                   <a:t> </a:t>
                 </a:r>
                 <a14:m>
@@ -24587,38 +24142,46 @@
                   </m:oMath>
                 </a14:m>
                 <a:r>
-                  <a:rPr lang="pt-BR" dirty="0" smtClean="0"/>
+                  <a:rPr lang="pt-BR" dirty="0"/>
                   <a:t>, forma uma </a:t>
                 </a:r>
                 <a:r>
-                  <a:rPr lang="pt-BR" b="1" i="1" dirty="0" smtClean="0"/>
+                  <a:rPr lang="pt-BR" b="1" i="1" dirty="0"/>
                   <a:t>fronteira de decisão</a:t>
                 </a:r>
                 <a:r>
-                  <a:rPr lang="pt-BR" dirty="0" smtClean="0"/>
+                  <a:rPr lang="pt-BR" dirty="0"/>
                   <a:t> </a:t>
                 </a:r>
                 <a:r>
-                  <a:rPr lang="pt-BR" b="1" i="1" dirty="0" smtClean="0"/>
+                  <a:rPr lang="pt-BR" b="1" i="1" dirty="0"/>
                   <a:t>suave</a:t>
                 </a:r>
                 <a:r>
-                  <a:rPr lang="pt-BR" dirty="0" smtClean="0"/>
-                  <a:t>, a qual confere a probabilidade de 0.5 para exemplos em cima da </a:t>
-                </a:r>
-                <a:r>
-                  <a:rPr lang="pt-BR" b="1" i="1" dirty="0" smtClean="0"/>
+                  <a:rPr lang="pt-BR" dirty="0"/>
+                  <a:t>, a qual confere uma probabilidade igual a 0.5 para exemplos em cima da </a:t>
+                </a:r>
+                <a:r>
+                  <a:rPr lang="pt-BR" b="1" i="1" dirty="0"/>
                   <a:t>fronteira de decisão </a:t>
                 </a:r>
                 <a:r>
-                  <a:rPr lang="pt-BR" dirty="0" smtClean="0"/>
-                  <a:t>e se aproxima de 0 ou 1 conforme a posição do exemplo se distancia da fronteira.</a:t>
+                  <a:rPr lang="pt-BR" dirty="0"/>
+                  <a:t>e se aproxima de 0 ou 1 conforme a posição do exemplo se distancia da </a:t>
+                </a:r>
+                <a:r>
+                  <a:rPr lang="pt-BR" b="1" i="1" dirty="0"/>
+                  <a:t>fronteira de decisão</a:t>
+                </a:r>
+                <a:r>
+                  <a:rPr lang="pt-BR" dirty="0"/>
+                  <a:t>.</a:t>
                 </a:r>
               </a:p>
             </p:txBody>
           </p:sp>
         </mc:Choice>
-        <mc:Fallback xmlns="">
+        <mc:Fallback>
           <p:sp>
             <p:nvSpPr>
               <p:cNvPr id="3" name="Content Placeholder 2"/>
@@ -24634,7 +24197,7 @@
                 <a:off x="838200" y="1428472"/>
                 <a:ext cx="8415292" cy="5429528"/>
               </a:xfrm>
-              <a:blipFill rotWithShape="0">
+              <a:blipFill>
                 <a:blip r:embed="rId3"/>
                 <a:stretch>
                   <a:fillRect l="-1304" t="-2806" r="-1232" b="-2245"/>
@@ -24704,7 +24267,7 @@
               <a:p>
                 <a:pPr algn="ctr"/>
                 <a:r>
-                  <a:rPr lang="pt-BR" sz="1400" dirty="0" smtClean="0"/>
+                  <a:rPr lang="pt-BR" sz="1400" dirty="0"/>
                   <a:t>A função logística realiza um mapeamento </a:t>
                 </a:r>
                 <a14:m>
@@ -24747,10 +24310,9 @@
                   </m:oMath>
                 </a14:m>
                 <a:r>
-                  <a:rPr lang="pt-BR" sz="1400" dirty="0" smtClean="0"/>
+                  <a:rPr lang="pt-BR" sz="1400" dirty="0"/>
                   <a:t>.</a:t>
                 </a:r>
-                <a:endParaRPr lang="pt-BR" sz="1400" dirty="0"/>
               </a:p>
             </p:txBody>
           </p:sp>
@@ -24794,8 +24356,8 @@
           </p:sp>
         </mc:Fallback>
       </mc:AlternateContent>
-      <mc:AlternateContent xmlns:mc="http://schemas.openxmlformats.org/markup-compatibility/2006" xmlns:a14="http://schemas.microsoft.com/office/drawing/2010/main">
-        <mc:Choice Requires="a14">
+      <mc:AlternateContent xmlns:mc="http://schemas.openxmlformats.org/markup-compatibility/2006">
+        <mc:Choice xmlns:a14="http://schemas.microsoft.com/office/drawing/2010/main" Requires="a14">
           <p:sp>
             <p:nvSpPr>
               <p:cNvPr id="6" name="TextBox 5"/>
@@ -24820,23 +24382,23 @@
               <a:p>
                 <a:pPr algn="ctr"/>
                 <a:r>
-                  <a:rPr lang="pt-BR" sz="1400" dirty="0" smtClean="0"/>
+                  <a:rPr lang="pt-BR" sz="1400" dirty="0"/>
                   <a:t>Quanto mais longe da </a:t>
                 </a:r>
                 <a:r>
-                  <a:rPr lang="pt-BR" sz="1400" b="1" i="1" dirty="0" smtClean="0"/>
+                  <a:rPr lang="pt-BR" sz="1400" b="1" i="1" dirty="0"/>
                   <a:t>fronteira de decisão</a:t>
                 </a:r>
                 <a:r>
-                  <a:rPr lang="pt-BR" sz="1400" dirty="0" smtClean="0"/>
+                  <a:rPr lang="pt-BR" sz="1400" dirty="0"/>
                   <a:t>, mais próximo o valor de saída da </a:t>
                 </a:r>
                 <a:r>
-                  <a:rPr lang="pt-BR" sz="1400" b="1" i="1" dirty="0" smtClean="0"/>
+                  <a:rPr lang="pt-BR" sz="1400" b="1" i="1" dirty="0"/>
                   <a:t>função hipótese </a:t>
                 </a:r>
                 <a:r>
-                  <a:rPr lang="pt-BR" sz="1400" dirty="0" smtClean="0"/>
+                  <a:rPr lang="pt-BR" sz="1400" dirty="0"/>
                   <a:t>será de 0 ou de 1 e, portanto, mais certeza teremos sobre uma classificação.</a:t>
                 </a:r>
               </a:p>
@@ -24847,8 +24409,8 @@
               <a:p>
                 <a:pPr algn="ctr"/>
                 <a:r>
-                  <a:rPr lang="pt-BR" sz="1400" dirty="0" smtClean="0"/>
-                  <a:t>Em resumo, quanto mais longe, maior o valor de </a:t>
+                  <a:rPr lang="pt-BR" sz="1400" dirty="0"/>
+                  <a:t>Em resumo, quanto mais longe, maior será o valor absoluto de </a:t>
                 </a:r>
                 <a14:m>
                   <m:oMath xmlns:m="http://schemas.openxmlformats.org/officeDocument/2006/math">
@@ -24878,15 +24440,14 @@
                   </m:oMath>
                 </a14:m>
                 <a:r>
-                  <a:rPr lang="pt-BR" sz="1400" dirty="0" smtClean="0"/>
+                  <a:rPr lang="pt-BR" sz="1400" dirty="0"/>
                   <a:t>.</a:t>
                 </a:r>
-                <a:endParaRPr lang="pt-BR" sz="1400" dirty="0"/>
               </a:p>
             </p:txBody>
           </p:sp>
         </mc:Choice>
-        <mc:Fallback xmlns="">
+        <mc:Fallback>
           <p:sp>
             <p:nvSpPr>
               <p:cNvPr id="6" name="TextBox 5"/>
@@ -24903,10 +24464,10 @@
               <a:prstGeom prst="rect">
                 <a:avLst/>
               </a:prstGeom>
-              <a:blipFill rotWithShape="0">
+              <a:blipFill>
                 <a:blip r:embed="rId6"/>
                 <a:stretch>
-                  <a:fillRect t="-649" r="-388"/>
+                  <a:fillRect t="-649"/>
                 </a:stretch>
               </a:blipFill>
             </p:spPr>
@@ -24982,8 +24543,8 @@
           </a:p>
         </p:txBody>
       </p:sp>
-      <mc:AlternateContent xmlns:mc="http://schemas.openxmlformats.org/markup-compatibility/2006" xmlns:a14="http://schemas.microsoft.com/office/drawing/2010/main">
-        <mc:Choice Requires="a14">
+      <mc:AlternateContent xmlns:mc="http://schemas.openxmlformats.org/markup-compatibility/2006">
+        <mc:Choice xmlns:a14="http://schemas.microsoft.com/office/drawing/2010/main" Requires="a14">
           <p:sp>
             <p:nvSpPr>
               <p:cNvPr id="3" name="Content Placeholder 2"/>
@@ -24997,7 +24558,7 @@
             <p:spPr>
               <a:xfrm>
                 <a:off x="838199" y="1388607"/>
-                <a:ext cx="11130888" cy="5411337"/>
+                <a:ext cx="11180976" cy="5469393"/>
               </a:xfrm>
             </p:spPr>
             <p:txBody>
@@ -25007,23 +24568,23 @@
               <a:lstStyle/>
               <a:p>
                 <a:r>
-                  <a:rPr lang="pt-BR" dirty="0" smtClean="0"/>
+                  <a:rPr lang="pt-BR" dirty="0"/>
                   <a:t>Esse classificador com função de </a:t>
                 </a:r>
                 <a:r>
-                  <a:rPr lang="pt-BR" b="1" i="1" dirty="0" smtClean="0"/>
-                  <a:t>limiar logístico </a:t>
-                </a:r>
-                <a:r>
-                  <a:rPr lang="pt-BR" dirty="0" smtClean="0"/>
+                  <a:rPr lang="pt-BR" b="1" i="1" dirty="0"/>
+                  <a:t>limiar logística </a:t>
+                </a:r>
+                <a:r>
+                  <a:rPr lang="pt-BR" dirty="0"/>
                   <a:t>é conhecido como </a:t>
                 </a:r>
                 <a:r>
-                  <a:rPr lang="pt-BR" b="1" i="1" dirty="0" smtClean="0"/>
+                  <a:rPr lang="pt-BR" b="1" i="1" dirty="0"/>
                   <a:t>regressor logístico</a:t>
                 </a:r>
                 <a:r>
-                  <a:rPr lang="pt-BR" dirty="0" smtClean="0"/>
+                  <a:rPr lang="pt-BR" dirty="0"/>
                   <a:t>.</a:t>
                 </a:r>
               </a:p>
@@ -25056,75 +24617,35 @@
                 </a:pPr>
                 <a:r>
                   <a:rPr lang="pt-BR" dirty="0"/>
-                  <a:t>Por exemplo, qual é a probabilidade de uma dado email </a:t>
-                </a:r>
-                <a:r>
-                  <a:rPr lang="pt-BR" dirty="0" smtClean="0"/>
-                  <a:t>ser um </a:t>
-                </a:r>
-                <a:r>
-                  <a:rPr lang="pt-BR" dirty="0"/>
-                  <a:t>spam</a:t>
-                </a:r>
-                <a:r>
-                  <a:rPr lang="pt-BR" dirty="0" smtClean="0"/>
-                  <a:t>?</a:t>
+                  <a:t>Por exemplo, qual é a probabilidade de uma dado email ser um spam?</a:t>
                 </a:r>
               </a:p>
               <a:p>
                 <a:r>
-                  <a:rPr lang="pt-BR" dirty="0" smtClean="0"/>
+                  <a:rPr lang="pt-BR" dirty="0"/>
                   <a:t>O </a:t>
                 </a:r>
                 <a:r>
-                  <a:rPr lang="pt-BR" b="1" i="1" dirty="0" smtClean="0"/>
+                  <a:rPr lang="pt-BR" b="1" i="1" dirty="0"/>
                   <a:t>regressor logístico </a:t>
                 </a:r>
                 <a:r>
-                  <a:rPr lang="pt-BR" dirty="0" smtClean="0"/>
-                  <a:t>é </a:t>
-                </a:r>
-                <a:r>
-                  <a:rPr lang="pt-BR" dirty="0"/>
-                  <a:t>um </a:t>
-                </a:r>
-                <a:r>
-                  <a:rPr lang="pt-BR" dirty="0" smtClean="0"/>
-                  <a:t>algoritmo usado para </a:t>
+                  <a:rPr lang="pt-BR" dirty="0"/>
+                  <a:t>é um algoritmo usado para </a:t>
                 </a:r>
                 <a:r>
                   <a:rPr lang="pt-BR" b="1" i="1" dirty="0"/>
-                  <a:t>classificação </a:t>
-                </a:r>
-                <a:r>
-                  <a:rPr lang="pt-BR" b="1" i="1" dirty="0" smtClean="0"/>
-                  <a:t>binária</a:t>
-                </a:r>
-                <a:r>
-                  <a:rPr lang="pt-BR" dirty="0" smtClean="0"/>
-                  <a:t>, mas precisamos quantizar sua saída. </a:t>
+                  <a:t>classificação binária</a:t>
+                </a:r>
+                <a:r>
+                  <a:rPr lang="pt-BR" dirty="0"/>
+                  <a:t>, mas para isso, precisamos quantizar sua saída. </a:t>
                 </a:r>
               </a:p>
               <a:p>
                 <a:r>
-                  <a:rPr lang="pt-BR" dirty="0" smtClean="0"/>
-                  <a:t>Ele é ótimo </a:t>
-                </a:r>
-                <a:r>
-                  <a:rPr lang="pt-BR" dirty="0"/>
-                  <a:t>para situações em que </a:t>
-                </a:r>
-                <a:r>
-                  <a:rPr lang="pt-BR" dirty="0" smtClean="0"/>
-                  <a:t>precisamos </a:t>
-                </a:r>
-                <a:r>
-                  <a:rPr lang="pt-BR" dirty="0"/>
-                  <a:t>classificar entre duas classes, </a:t>
-                </a:r>
-                <a:r>
-                  <a:rPr lang="pt-BR" dirty="0" smtClean="0"/>
-                  <a:t>negativa (</a:t>
+                  <a:rPr lang="pt-BR" dirty="0"/>
+                  <a:t>Ele é ótimo para situações em que precisamos classificar entre duas classes, negativa (</a:t>
                 </a:r>
                 <a14:m>
                   <m:oMath xmlns:m="http://schemas.openxmlformats.org/officeDocument/2006/math">
@@ -25156,7 +24677,7 @@
                   </m:oMath>
                 </a14:m>
                 <a:r>
-                  <a:rPr lang="pt-BR" dirty="0" smtClean="0"/>
+                  <a:rPr lang="pt-BR" dirty="0"/>
                   <a:t>) e positiva (</a:t>
                 </a:r>
                 <a14:m>
@@ -25189,22 +24710,21 @@
                   </m:oMath>
                 </a14:m>
                 <a:r>
-                  <a:rPr lang="pt-BR" dirty="0" smtClean="0"/>
+                  <a:rPr lang="pt-BR" dirty="0"/>
                   <a:t>).</a:t>
                 </a:r>
-                <a:endParaRPr lang="pt-BR" dirty="0"/>
               </a:p>
               <a:p>
                 <a:r>
-                  <a:rPr lang="pt-BR" dirty="0" smtClean="0"/>
+                  <a:rPr lang="pt-BR" dirty="0"/>
                   <a:t>Normalmente, se quantiza a saída da </a:t>
                 </a:r>
                 <a:r>
-                  <a:rPr lang="pt-BR" b="1" i="1" dirty="0" smtClean="0"/>
+                  <a:rPr lang="pt-BR" b="1" i="1" dirty="0"/>
                   <a:t>função hipótese</a:t>
                 </a:r>
                 <a:r>
-                  <a:rPr lang="pt-BR" dirty="0" smtClean="0"/>
+                  <a:rPr lang="pt-BR" dirty="0"/>
                   <a:t>, </a:t>
                 </a:r>
                 <a14:m>
@@ -25254,10 +24774,9 @@
                   </m:oMath>
                 </a14:m>
                 <a:r>
-                  <a:rPr lang="pt-BR" dirty="0" smtClean="0"/>
+                  <a:rPr lang="pt-BR" dirty="0"/>
                   <a:t>, em dois valores, 0 ou 1.</a:t>
                 </a:r>
-                <a:endParaRPr lang="pt-BR" dirty="0"/>
               </a:p>
               <a:p>
                 <a:r>
@@ -25270,23 +24789,7 @@
                 </a:r>
                 <a:r>
                   <a:rPr lang="pt-BR" dirty="0"/>
-                  <a:t> estimada para </a:t>
-                </a:r>
-                <a:r>
-                  <a:rPr lang="pt-BR" dirty="0" smtClean="0"/>
-                  <a:t>um </a:t>
-                </a:r>
-                <a:r>
-                  <a:rPr lang="pt-BR" dirty="0"/>
-                  <a:t>exemplo for igual </a:t>
-                </a:r>
-                <a:r>
-                  <a:rPr lang="pt-BR" dirty="0" smtClean="0"/>
-                  <a:t>ou maior </a:t>
-                </a:r>
-                <a:r>
-                  <a:rPr lang="pt-BR" dirty="0"/>
-                  <a:t>que 50%, o classificador </a:t>
+                  <a:t> estimada para um exemplo for igual ou maior que 50%, o classificador </a:t>
                 </a:r>
                 <a:r>
                   <a:rPr lang="pt-BR" b="1" i="1" dirty="0"/>
@@ -25294,31 +24797,15 @@
                 </a:r>
                 <a:r>
                   <a:rPr lang="pt-BR" dirty="0"/>
-                  <a:t> que o exemplo pertence </a:t>
-                </a:r>
-                <a:r>
-                  <a:rPr lang="pt-BR" dirty="0" smtClean="0"/>
-                  <a:t>à </a:t>
-                </a:r>
-                <a:r>
-                  <a:rPr lang="pt-BR" b="1" i="1" dirty="0" smtClean="0"/>
-                  <a:t>classe </a:t>
+                  <a:t> que o exemplo pertence à </a:t>
                 </a:r>
                 <a:r>
                   <a:rPr lang="pt-BR" b="1" i="1" dirty="0"/>
-                  <a:t>positiva</a:t>
-                </a:r>
-                <a:r>
-                  <a:rPr lang="pt-BR" dirty="0"/>
-                  <a:t>, rotulada como </a:t>
-                </a:r>
-                <a:r>
-                  <a:rPr lang="pt-BR" dirty="0" smtClean="0"/>
-                  <a:t>1, </a:t>
-                </a:r>
-                <a:r>
-                  <a:rPr lang="pt-BR" dirty="0"/>
-                  <a:t>ou então </a:t>
+                  <a:t>classe positiva</a:t>
+                </a:r>
+                <a:r>
+                  <a:rPr lang="pt-BR" dirty="0"/>
+                  <a:t>, rotulada como 1, caso contrário </a:t>
                 </a:r>
                 <a:r>
                   <a:rPr lang="pt-BR" b="1" i="1" dirty="0"/>
@@ -25326,15 +24813,7 @@
                 </a:r>
                 <a:r>
                   <a:rPr lang="pt-BR" dirty="0"/>
-                  <a:t> que não </a:t>
-                </a:r>
-                <a:r>
-                  <a:rPr lang="pt-BR" dirty="0" smtClean="0"/>
-                  <a:t>pertence, ou </a:t>
-                </a:r>
-                <a:r>
-                  <a:rPr lang="pt-BR" dirty="0"/>
-                  <a:t>seja, pertence à </a:t>
+                  <a:t> que pertence à </a:t>
                 </a:r>
                 <a:r>
                   <a:rPr lang="pt-BR" b="1" i="1" dirty="0"/>
@@ -25342,35 +24821,30 @@
                 </a:r>
                 <a:r>
                   <a:rPr lang="pt-BR" dirty="0"/>
-                  <a:t>, rotulada como </a:t>
-                </a:r>
-                <a:r>
-                  <a:rPr lang="pt-BR" dirty="0" smtClean="0"/>
-                  <a:t>0. </a:t>
+                  <a:t>, rotulada como 0. </a:t>
                 </a:r>
               </a:p>
               <a:p>
                 <a:r>
-                  <a:rPr lang="pt-BR" dirty="0" smtClean="0"/>
+                  <a:rPr lang="pt-BR" dirty="0"/>
                   <a:t>Ou seja, a saída </a:t>
                 </a:r>
                 <a:r>
-                  <a:rPr lang="pt-BR" b="1" i="1" dirty="0" smtClean="0"/>
+                  <a:rPr lang="pt-BR" b="1" i="1" dirty="0"/>
                   <a:t>quantizada</a:t>
                 </a:r>
                 <a:r>
-                  <a:rPr lang="pt-BR" dirty="0" smtClean="0"/>
+                  <a:rPr lang="pt-BR" dirty="0"/>
                   <a:t> do </a:t>
                 </a:r>
                 <a:r>
-                  <a:rPr lang="pt-BR" b="1" i="1" dirty="0" smtClean="0"/>
+                  <a:rPr lang="pt-BR" b="1" i="1" dirty="0"/>
                   <a:t>regressor logístico </a:t>
                 </a:r>
                 <a:r>
-                  <a:rPr lang="pt-BR" dirty="0" smtClean="0"/>
+                  <a:rPr lang="pt-BR" dirty="0"/>
                   <a:t>é dada por</a:t>
                 </a:r>
-                <a:endParaRPr lang="pt-BR" dirty="0"/>
               </a:p>
               <a:p>
                 <a:pPr marL="0" indent="0">
@@ -25741,7 +25215,7 @@
             </p:txBody>
           </p:sp>
         </mc:Choice>
-        <mc:Fallback xmlns="">
+        <mc:Fallback>
           <p:sp>
             <p:nvSpPr>
               <p:cNvPr id="3" name="Content Placeholder 2"/>
@@ -25755,12 +25229,12 @@
             <p:spPr>
               <a:xfrm>
                 <a:off x="838199" y="1388607"/>
-                <a:ext cx="11130888" cy="5411337"/>
+                <a:ext cx="11180976" cy="5469393"/>
               </a:xfrm>
-              <a:blipFill rotWithShape="0">
+              <a:blipFill>
                 <a:blip r:embed="rId3"/>
                 <a:stretch>
-                  <a:fillRect l="-712" t="-2142" r="-1314"/>
+                  <a:fillRect l="-708" t="-2118" r="-327"/>
                 </a:stretch>
               </a:blipFill>
             </p:spPr>
@@ -25856,12 +25330,8 @@
               <a:lstStyle/>
               <a:p>
                 <a:r>
-                  <a:rPr lang="pt-BR" dirty="0" smtClean="0"/>
-                  <a:t>Note </a:t>
-                </a:r>
-                <a:r>
-                  <a:rPr lang="pt-BR" dirty="0"/>
-                  <a:t>que </a:t>
+                  <a:rPr lang="pt-BR" dirty="0"/>
+                  <a:t>Note que </a:t>
                 </a:r>
                 <a14:m>
                   <m:oMath xmlns:m="http://schemas.openxmlformats.org/officeDocument/2006/math">
@@ -25999,11 +25469,7 @@
                 </a:r>
                 <a:r>
                   <a:rPr lang="pt-BR" dirty="0"/>
-                  <a:t>prediz a </a:t>
-                </a:r>
-                <a:r>
-                  <a:rPr lang="pt-BR" dirty="0" smtClean="0"/>
-                  <a:t>classe positiva, </a:t>
+                  <a:t>prediz a classe positiva, </a:t>
                 </a:r>
                 <a14:m>
                   <m:oMath xmlns:m="http://schemas.openxmlformats.org/officeDocument/2006/math">
@@ -26035,12 +25501,8 @@
                   </m:oMath>
                 </a14:m>
                 <a:r>
-                  <a:rPr lang="pt-BR" dirty="0" smtClean="0"/>
-                  <a:t>, </a:t>
-                </a:r>
-                <a:r>
-                  <a:rPr lang="pt-BR" dirty="0"/>
-                  <a:t>(i.e., </a:t>
+                  <a:rPr lang="pt-BR" dirty="0"/>
+                  <a:t>, (i.e., </a:t>
                 </a:r>
                 <a14:m>
                   <m:oMath xmlns:m="http://schemas.openxmlformats.org/officeDocument/2006/math">
@@ -26115,11 +25577,7 @@
                 </a14:m>
                 <a:r>
                   <a:rPr lang="pt-BR" dirty="0"/>
-                  <a:t> </a:t>
-                </a:r>
-                <a:r>
-                  <a:rPr lang="pt-BR" dirty="0" smtClean="0"/>
-                  <a:t>e </a:t>
+                  <a:t> e </a:t>
                 </a:r>
                 <a14:m>
                   <m:oMath xmlns:m="http://schemas.openxmlformats.org/officeDocument/2006/math">
@@ -26184,11 +25642,7 @@
                 </a14:m>
                 <a:r>
                   <a:rPr lang="pt-BR" dirty="0"/>
-                  <a:t>) </a:t>
-                </a:r>
-                <a:r>
-                  <a:rPr lang="pt-BR" dirty="0" smtClean="0"/>
-                  <a:t>se </a:t>
+                  <a:t>) se </a:t>
                 </a:r>
                 <a14:m>
                   <m:oMath xmlns:m="http://schemas.openxmlformats.org/officeDocument/2006/math">
@@ -26231,17 +25685,12 @@
                 </a14:m>
                 <a:r>
                   <a:rPr lang="pt-BR" dirty="0"/>
-                  <a:t> </a:t>
-                </a:r>
-                <a:r>
-                  <a:rPr lang="pt-BR" dirty="0" smtClean="0"/>
-                  <a:t>.</a:t>
-                </a:r>
-                <a:endParaRPr lang="pt-BR" dirty="0"/>
+                  <a:t> .</a:t>
+                </a:r>
               </a:p>
               <a:p>
                 <a:r>
-                  <a:rPr lang="pt-BR" dirty="0" smtClean="0"/>
+                  <a:rPr lang="pt-BR" dirty="0"/>
                   <a:t>A </a:t>
                 </a:r>
                 <a:r>
@@ -26257,15 +25706,15 @@
                   <a:t>combinação </a:t>
                 </a:r>
                 <a:r>
-                  <a:rPr lang="pt-BR" dirty="0" smtClean="0"/>
+                  <a:rPr lang="pt-BR" dirty="0"/>
                   <a:t>(linear ou não linear)</a:t>
                 </a:r>
                 <a:r>
-                  <a:rPr lang="pt-BR" b="1" i="1" dirty="0" smtClean="0"/>
+                  <a:rPr lang="pt-BR" b="1" i="1" dirty="0"/>
                   <a:t> </a:t>
                 </a:r>
                 <a:r>
-                  <a:rPr lang="pt-BR" dirty="0" smtClean="0"/>
+                  <a:rPr lang="pt-BR" dirty="0"/>
                   <a:t>dos </a:t>
                 </a:r>
                 <a:r>
@@ -26274,29 +25723,12 @@
                 </a:r>
                 <a:r>
                   <a:rPr lang="pt-BR" dirty="0"/>
-                  <a:t>, para que várias fontes de </a:t>
-                </a:r>
-                <a:r>
-                  <a:rPr lang="pt-BR" dirty="0" smtClean="0"/>
-                  <a:t>informação (i.e., atributos) </a:t>
-                </a:r>
-                <a:r>
-                  <a:rPr lang="pt-BR" dirty="0"/>
-                  <a:t>possam </a:t>
-                </a:r>
-                <a:r>
-                  <a:rPr lang="pt-BR" dirty="0" smtClean="0"/>
-                  <a:t>ditar </a:t>
-                </a:r>
-                <a:r>
-                  <a:rPr lang="pt-BR" dirty="0"/>
-                  <a:t>a saída do modelo. </a:t>
-                </a:r>
-                <a:endParaRPr lang="pt-BR" dirty="0" smtClean="0"/>
+                  <a:t>, para que várias fontes de informação (i.e., atributos) possam ditar a saída do modelo. </a:t>
+                </a:r>
               </a:p>
               <a:p>
                 <a:r>
-                  <a:rPr lang="pt-BR" dirty="0" smtClean="0"/>
+                  <a:rPr lang="pt-BR" dirty="0"/>
                   <a:t>Os </a:t>
                 </a:r>
                 <a:r>
@@ -26313,11 +25745,7 @@
                 </a:r>
                 <a:r>
                   <a:rPr lang="pt-BR" dirty="0"/>
-                  <a:t> </a:t>
-                </a:r>
-                <a:r>
-                  <a:rPr lang="pt-BR" dirty="0" smtClean="0"/>
-                  <a:t>associados aos vários </a:t>
+                  <a:t> associados aos vários </a:t>
                 </a:r>
                 <a:r>
                   <a:rPr lang="pt-BR" b="1" i="1" dirty="0"/>
@@ -26325,45 +25753,21 @@
                 </a:r>
                 <a:r>
                   <a:rPr lang="pt-BR" dirty="0"/>
-                  <a:t> e representam </a:t>
-                </a:r>
-                <a:r>
-                  <a:rPr lang="pt-BR" dirty="0" smtClean="0"/>
-                  <a:t>a importância </a:t>
-                </a:r>
-                <a:r>
-                  <a:rPr lang="pt-BR" dirty="0"/>
-                  <a:t>relativa </a:t>
-                </a:r>
-                <a:r>
-                  <a:rPr lang="pt-BR" dirty="0" smtClean="0"/>
-                  <a:t>de cada </a:t>
-                </a:r>
-                <a:r>
-                  <a:rPr lang="pt-BR" b="1" i="1" dirty="0" smtClean="0"/>
+                  <a:t> e representam a importância relativa de cada </a:t>
+                </a:r>
+                <a:r>
+                  <a:rPr lang="pt-BR" b="1" i="1" dirty="0"/>
                   <a:t>atributo</a:t>
                 </a:r>
                 <a:r>
-                  <a:rPr lang="pt-BR" dirty="0" smtClean="0"/>
-                  <a:t> para </a:t>
-                </a:r>
-                <a:r>
-                  <a:rPr lang="pt-BR" dirty="0"/>
-                  <a:t>o resultado.</a:t>
+                  <a:rPr lang="pt-BR" dirty="0"/>
+                  <a:t> para o resultado.</a:t>
                 </a:r>
               </a:p>
               <a:p>
                 <a:r>
                   <a:rPr lang="pt-BR" dirty="0"/>
-                  <a:t>Mesmo sendo uma técnica </a:t>
-                </a:r>
-                <a:r>
-                  <a:rPr lang="pt-BR" dirty="0" smtClean="0"/>
-                  <a:t>bastante simples</a:t>
-                </a:r>
-                <a:r>
-                  <a:rPr lang="pt-BR" dirty="0"/>
-                  <a:t>, a </a:t>
+                  <a:t>Mesmo sendo uma técnica bastante simples, a </a:t>
                 </a:r>
                 <a:r>
                   <a:rPr lang="pt-BR" b="1" i="1" dirty="0"/>
@@ -26371,35 +25775,30 @@
                 </a:r>
                 <a:r>
                   <a:rPr lang="pt-BR" dirty="0"/>
-                  <a:t> é muito utilizada em várias aplicações do mundo real em áreas como medicina, marketing, análise de crédito, saúde pública entre outras</a:t>
-                </a:r>
-                <a:r>
-                  <a:rPr lang="pt-BR" dirty="0" smtClean="0"/>
-                  <a:t>.</a:t>
+                  <a:t> é muito utilizada em várias aplicações do mundo real em áreas como medicina, marketing, análise de crédito, saúde pública entre outras.</a:t>
                 </a:r>
               </a:p>
               <a:p>
                 <a:r>
-                  <a:rPr lang="pt-BR" dirty="0" smtClean="0"/>
+                  <a:rPr lang="pt-BR" dirty="0"/>
                   <a:t>Além disto, toda a teoria por trás da </a:t>
                 </a:r>
                 <a:r>
-                  <a:rPr lang="pt-BR" b="1" i="1" dirty="0" smtClean="0"/>
+                  <a:rPr lang="pt-BR" b="1" i="1" dirty="0"/>
                   <a:t>regressão logística</a:t>
                 </a:r>
                 <a:r>
-                  <a:rPr lang="pt-BR" dirty="0" smtClean="0"/>
+                  <a:rPr lang="pt-BR" dirty="0"/>
                   <a:t> foi a base para a criação das primeiras </a:t>
                 </a:r>
                 <a:r>
-                  <a:rPr lang="pt-BR" b="1" i="1" dirty="0" smtClean="0"/>
+                  <a:rPr lang="pt-BR" b="1" i="1" dirty="0"/>
                   <a:t>redes neurais</a:t>
                 </a:r>
                 <a:r>
-                  <a:rPr lang="pt-BR" dirty="0" smtClean="0"/>
+                  <a:rPr lang="pt-BR" dirty="0"/>
                   <a:t>.</a:t>
                 </a:r>
-                <a:endParaRPr lang="pt-BR" dirty="0"/>
               </a:p>
             </p:txBody>
           </p:sp>
@@ -26612,8 +26011,8 @@
           </a:p>
         </p:txBody>
       </p:sp>
-      <mc:AlternateContent xmlns:mc="http://schemas.openxmlformats.org/markup-compatibility/2006">
-        <mc:Choice xmlns:a14="http://schemas.microsoft.com/office/drawing/2010/main" Requires="a14">
+      <mc:AlternateContent xmlns:mc="http://schemas.openxmlformats.org/markup-compatibility/2006" xmlns:a14="http://schemas.microsoft.com/office/drawing/2010/main">
+        <mc:Choice Requires="a14">
           <p:sp>
             <p:nvSpPr>
               <p:cNvPr id="7" name="TextBox 6"/>
@@ -26725,7 +26124,7 @@
             </p:txBody>
           </p:sp>
         </mc:Choice>
-        <mc:Fallback>
+        <mc:Fallback xmlns="">
           <p:sp>
             <p:nvSpPr>
               <p:cNvPr id="7" name="TextBox 6"/>
@@ -26810,8 +26209,8 @@
           </a:p>
         </p:txBody>
       </p:sp>
-      <mc:AlternateContent xmlns:mc="http://schemas.openxmlformats.org/markup-compatibility/2006">
-        <mc:Choice xmlns:a14="http://schemas.microsoft.com/office/drawing/2010/main" Requires="a14">
+      <mc:AlternateContent xmlns:mc="http://schemas.openxmlformats.org/markup-compatibility/2006" xmlns:a14="http://schemas.microsoft.com/office/drawing/2010/main">
+        <mc:Choice Requires="a14">
           <p:sp>
             <p:nvSpPr>
               <p:cNvPr id="11" name="TextBox 10"/>
@@ -26923,7 +26322,7 @@
             </p:txBody>
           </p:sp>
         </mc:Choice>
-        <mc:Fallback>
+        <mc:Fallback xmlns="">
           <p:sp>
             <p:nvSpPr>
               <p:cNvPr id="11" name="TextBox 10"/>
@@ -27022,14 +26421,13 @@
           <a:p>
             <a:pPr algn="ctr"/>
             <a:r>
-              <a:rPr lang="pt-BR" sz="1400" b="1" dirty="0" smtClean="0"/>
+              <a:rPr lang="pt-BR" sz="1400" b="1" dirty="0"/>
               <a:t>Exemplos</a:t>
             </a:r>
             <a:r>
-              <a:rPr lang="pt-BR" sz="1400" dirty="0" smtClean="0"/>
+              <a:rPr lang="pt-BR" sz="1400" dirty="0"/>
               <a:t>: classificar críticas de filmes como positivas ou negativas, probabilidade de um paciente desenvolver um doença, detecção de spam, classificar transações como fraudulentas ou não, etc.</a:t>
             </a:r>
-            <a:endParaRPr lang="pt-BR" sz="1400" dirty="0"/>
           </a:p>
         </p:txBody>
       </p:sp>
@@ -27396,16 +26794,11 @@
                   <a:rPr lang="pt-BR" dirty="0"/>
                   <a:t>. </a:t>
                 </a:r>
-                <a:endParaRPr lang="pt-BR" dirty="0" smtClean="0"/>
               </a:p>
               <a:p>
                 <a:r>
-                  <a:rPr lang="pt-BR" dirty="0" smtClean="0"/>
-                  <a:t>Ou </a:t>
-                </a:r>
-                <a:r>
-                  <a:rPr lang="pt-BR" dirty="0"/>
-                  <a:t>seja, </a:t>
+                  <a:rPr lang="pt-BR" dirty="0"/>
+                  <a:t>Ou seja, </a:t>
                 </a:r>
                 <a14:m>
                   <m:oMath xmlns:m="http://schemas.openxmlformats.org/officeDocument/2006/math">
@@ -28332,26 +27725,9 @@
                   </m:oMath>
                 </a14:m>
                 <a:r>
-                  <a:rPr lang="pt-BR" dirty="0" smtClean="0"/>
-                  <a:t> </a:t>
-                </a:r>
-                <a:r>
-                  <a:rPr lang="pt-BR" dirty="0"/>
-                  <a:t>pode ser uma reta, um plano, um </a:t>
-                </a:r>
-                <a:r>
-                  <a:rPr lang="pt-BR" dirty="0" smtClean="0"/>
-                  <a:t>círculo, uma hipérbole,  </a:t>
-                </a:r>
-                <a:r>
-                  <a:rPr lang="pt-BR" dirty="0"/>
-                  <a:t>etc</a:t>
-                </a:r>
-                <a:r>
-                  <a:rPr lang="pt-BR" dirty="0" smtClean="0"/>
-                  <a:t>.</a:t>
-                </a:r>
-                <a:endParaRPr lang="pt-BR" dirty="0"/>
+                  <a:rPr lang="pt-BR" dirty="0"/>
+                  <a:t> pode ser uma reta, um plano, um círculo, uma hipérbole,  etc.</a:t>
+                </a:r>
               </a:p>
             </p:txBody>
           </p:sp>
@@ -28471,7 +27847,7 @@
               <a:lstStyle/>
               <a:p>
                 <a:r>
-                  <a:rPr lang="pt-BR" dirty="0" smtClean="0"/>
+                  <a:rPr lang="pt-BR" dirty="0"/>
                   <a:t>Para treinarmos um </a:t>
                 </a:r>
                 <a:r>
@@ -29634,13 +29010,8 @@
               <a:p>
                 <a:r>
                   <a:rPr lang="pt-BR" dirty="0"/>
-                  <a:t>Veremos a seguir o motivo desta escolha</a:t>
-                </a:r>
-                <a:r>
-                  <a:rPr lang="pt-BR" dirty="0" smtClean="0"/>
-                  <a:t>.</a:t>
-                </a:r>
-                <a:endParaRPr lang="pt-BR" dirty="0"/>
+                  <a:t>Veremos a seguir o motivo desta escolha.</a:t>
+                </a:r>
               </a:p>
             </p:txBody>
           </p:sp>
@@ -29693,13 +29064,6 @@
   <p:clrMapOvr>
     <a:masterClrMapping/>
   </p:clrMapOvr>
-  <p:timing>
-    <p:tnLst>
-      <p:par>
-        <p:cTn id="1" dur="indefinite" restart="never" nodeType="tmRoot"/>
-      </p:par>
-    </p:tnLst>
-  </p:timing>
 </p:sld>
 </file>
 
@@ -29747,8 +29111,8 @@
           </a:p>
         </p:txBody>
       </p:sp>
-      <mc:AlternateContent xmlns:mc="http://schemas.openxmlformats.org/markup-compatibility/2006" xmlns:a14="http://schemas.microsoft.com/office/drawing/2010/main">
-        <mc:Choice Requires="a14">
+      <mc:AlternateContent xmlns:mc="http://schemas.openxmlformats.org/markup-compatibility/2006">
+        <mc:Choice xmlns:a14="http://schemas.microsoft.com/office/drawing/2010/main" Requires="a14">
           <p:sp>
             <p:nvSpPr>
               <p:cNvPr id="3" name="Content Placeholder 2"/>
@@ -29767,33 +29131,29 @@
             </p:spPr>
             <p:txBody>
               <a:bodyPr>
-                <a:normAutofit fontScale="92500" lnSpcReduction="20000"/>
+                <a:normAutofit fontScale="85000" lnSpcReduction="10000"/>
               </a:bodyPr>
               <a:lstStyle/>
               <a:p>
                 <a:r>
-                  <a:rPr lang="pt-BR" dirty="0" smtClean="0"/>
+                  <a:rPr lang="pt-BR" dirty="0"/>
                   <a:t>O uso dessa </a:t>
                 </a:r>
                 <a:r>
-                  <a:rPr lang="pt-BR" b="1" i="1" dirty="0" smtClean="0"/>
+                  <a:rPr lang="pt-BR" b="1" i="1" dirty="0"/>
                   <a:t>função de</a:t>
                 </a:r>
                 <a:r>
-                  <a:rPr lang="pt-BR" dirty="0" smtClean="0"/>
+                  <a:rPr lang="pt-BR" dirty="0"/>
                   <a:t> </a:t>
                 </a:r>
                 <a:r>
-                  <a:rPr lang="pt-BR" b="1" i="1" dirty="0" smtClean="0"/>
+                  <a:rPr lang="pt-BR" b="1" i="1" dirty="0"/>
                   <a:t>erro </a:t>
                 </a:r>
                 <a:r>
                   <a:rPr lang="pt-BR" dirty="0"/>
-                  <a:t>faz sentido </a:t>
-                </a:r>
-                <a:r>
-                  <a:rPr lang="pt-BR" dirty="0" smtClean="0"/>
-                  <a:t>pois:</a:t>
+                  <a:t>faz sentido pois:</a:t>
                 </a:r>
               </a:p>
               <a:p>
@@ -29802,12 +29162,8 @@
                   <a:buChar char="§"/>
                 </a:pPr>
                 <a:r>
-                  <a:rPr lang="pt-BR" dirty="0" smtClean="0"/>
-                  <a:t>O </a:t>
-                </a:r>
-                <a:r>
-                  <a:rPr lang="pt-BR" dirty="0"/>
-                  <a:t>valor de </a:t>
+                  <a:rPr lang="pt-BR" dirty="0"/>
+                  <a:t>O valor de </a:t>
                 </a:r>
                 <a14:m>
                   <m:oMath xmlns:m="http://schemas.openxmlformats.org/officeDocument/2006/math">
@@ -29874,19 +29230,7 @@
                 </a14:m>
                 <a:r>
                   <a:rPr lang="pt-BR" dirty="0"/>
-                  <a:t> se aproxima de 0, então o erro será grande se o </a:t>
-                </a:r>
-                <a:r>
-                  <a:rPr lang="pt-BR" dirty="0" smtClean="0"/>
-                  <a:t>classificador estimar </a:t>
-                </a:r>
-                <a:r>
-                  <a:rPr lang="pt-BR" dirty="0"/>
-                  <a:t>uma probabilidade próxima a 0 para um exemplo </a:t>
-                </a:r>
-                <a:r>
-                  <a:rPr lang="pt-BR" dirty="0" smtClean="0"/>
-                  <a:t>positivo (i.e., pertencente à classe </a:t>
+                  <a:t> se aproxima de 0, então o erro será grande se o classificador estimar uma probabilidade próxima a 0 para um exemplo positivo (i.e., pertencente à classe </a:t>
                 </a:r>
                 <a14:m>
                   <m:oMath xmlns:m="http://schemas.openxmlformats.org/officeDocument/2006/math">
@@ -29918,7 +29262,7 @@
                   </m:oMath>
                 </a14:m>
                 <a:r>
-                  <a:rPr lang="pt-BR" dirty="0" smtClean="0"/>
+                  <a:rPr lang="pt-BR" dirty="0"/>
                   <a:t>) </a:t>
                 </a:r>
               </a:p>
@@ -29928,12 +29272,8 @@
                   <a:buChar char="§"/>
                 </a:pPr>
                 <a:r>
-                  <a:rPr lang="pt-BR" dirty="0" smtClean="0"/>
-                  <a:t>O </a:t>
-                </a:r>
-                <a:r>
-                  <a:rPr lang="pt-BR" dirty="0"/>
-                  <a:t>valor de </a:t>
+                  <a:rPr lang="pt-BR" dirty="0"/>
+                  <a:t>O valor de </a:t>
                 </a:r>
                 <a14:m>
                   <m:oMath xmlns:m="http://schemas.openxmlformats.org/officeDocument/2006/math">
@@ -29992,15 +29332,7 @@
                 </a14:m>
                 <a:r>
                   <a:rPr lang="pt-BR" dirty="0"/>
-                  <a:t> será muito grande se o classificador estimar uma probabilidade próxima de 1 para um exemplo </a:t>
-                </a:r>
-                <a:r>
-                  <a:rPr lang="pt-BR" dirty="0" smtClean="0"/>
-                  <a:t>negativo </a:t>
-                </a:r>
-                <a:r>
-                  <a:rPr lang="pt-BR" dirty="0"/>
-                  <a:t>(i.e., pertencente à classe </a:t>
+                  <a:t> será muito grande se o classificador estimar uma probabilidade próxima de 1 para um exemplo negativo (i.e., pertencente à classe </a:t>
                 </a:r>
                 <a14:m>
                   <m:oMath xmlns:m="http://schemas.openxmlformats.org/officeDocument/2006/math">
@@ -30033,11 +29365,7 @@
                 </a14:m>
                 <a:r>
                   <a:rPr lang="pt-BR" dirty="0"/>
-                  <a:t>) </a:t>
-                </a:r>
-                <a:r>
-                  <a:rPr lang="pt-BR" dirty="0" smtClean="0"/>
-                  <a:t>. </a:t>
+                  <a:t>) . </a:t>
                 </a:r>
               </a:p>
               <a:p>
@@ -30046,12 +29374,8 @@
                   <a:buChar char="§"/>
                 </a:pPr>
                 <a:r>
-                  <a:rPr lang="pt-BR" dirty="0" smtClean="0"/>
-                  <a:t>Por </a:t>
-                </a:r>
-                <a:r>
-                  <a:rPr lang="pt-BR" dirty="0"/>
-                  <a:t>outro lado, </a:t>
+                  <a:rPr lang="pt-BR" dirty="0"/>
+                  <a:t>Por outro lado, </a:t>
                 </a:r>
                 <a14:m>
                   <m:oMath xmlns:m="http://schemas.openxmlformats.org/officeDocument/2006/math">
@@ -30118,19 +29442,7 @@
                 </a14:m>
                 <a:r>
                   <a:rPr lang="pt-BR" dirty="0"/>
-                  <a:t> se aproxima de 1, portanto, o erro será próximo de 0 se a probabilidade estimada for </a:t>
-                </a:r>
-                <a:r>
-                  <a:rPr lang="pt-BR" dirty="0" smtClean="0"/>
-                  <a:t>próxima </a:t>
-                </a:r>
-                <a:r>
-                  <a:rPr lang="pt-BR" dirty="0"/>
-                  <a:t>de 1 para um exemplo </a:t>
-                </a:r>
-                <a:r>
-                  <a:rPr lang="pt-BR" dirty="0" smtClean="0"/>
-                  <a:t>positivo.</a:t>
+                  <a:t> se aproxima de 1, portanto, o erro será próximo de 0 se a probabilidade estimada for próxima de 1 para um exemplo positivo.</a:t>
                 </a:r>
               </a:p>
               <a:p>
@@ -30139,7 +29451,7 @@
                   <a:buChar char="§"/>
                 </a:pPr>
                 <a:r>
-                  <a:rPr lang="pt-BR" dirty="0" smtClean="0"/>
+                  <a:rPr lang="pt-BR" dirty="0"/>
                   <a:t>O valor </a:t>
                 </a:r>
                 <a14:m>
@@ -30198,12 +29510,8 @@
                   </m:oMath>
                 </a14:m>
                 <a:r>
-                  <a:rPr lang="pt-BR" dirty="0" smtClean="0"/>
-                  <a:t> </a:t>
-                </a:r>
-                <a:r>
-                  <a:rPr lang="pt-BR" dirty="0"/>
-                  <a:t>se torna próximo de 0 quando </a:t>
+                  <a:rPr lang="pt-BR" dirty="0"/>
+                  <a:t> se torna próximo de 0 quando </a:t>
                 </a:r>
                 <a14:m>
                   <m:oMath xmlns:m="http://schemas.openxmlformats.org/officeDocument/2006/math">
@@ -30217,26 +29525,13 @@
                 </a14:m>
                 <a:r>
                   <a:rPr lang="pt-BR" dirty="0"/>
-                  <a:t> se aproxima de 0</a:t>
-                </a:r>
-                <a:r>
-                  <a:rPr lang="pt-BR" dirty="0" smtClean="0"/>
-                  <a:t>, portanto, o erro será próximo de 0 </a:t>
-                </a:r>
-                <a:r>
-                  <a:rPr lang="pt-BR" dirty="0"/>
-                  <a:t>para um exemplo </a:t>
-                </a:r>
-                <a:r>
-                  <a:rPr lang="pt-BR" dirty="0" smtClean="0"/>
-                  <a:t>negativo.</a:t>
-                </a:r>
-                <a:endParaRPr lang="pt-BR" dirty="0"/>
+                  <a:t> se aproxima de 0, portanto, o erro será próximo de 0 para um exemplo negativo.</a:t>
+                </a:r>
               </a:p>
             </p:txBody>
           </p:sp>
         </mc:Choice>
-        <mc:Fallback xmlns="">
+        <mc:Fallback>
           <p:sp>
             <p:nvSpPr>
               <p:cNvPr id="3" name="Content Placeholder 2"/>
@@ -30252,10 +29547,10 @@
                 <a:off x="838199" y="3885232"/>
                 <a:ext cx="11203547" cy="2972767"/>
               </a:xfrm>
-              <a:blipFill rotWithShape="0">
-                <a:blip r:embed="rId6"/>
+              <a:blipFill>
+                <a:blip r:embed="rId3"/>
                 <a:stretch>
-                  <a:fillRect l="-816" t="-5123" r="-598" b="-4713"/>
+                  <a:fillRect l="-707" t="-3893" r="-871"/>
                 </a:stretch>
               </a:blipFill>
             </p:spPr>
@@ -30301,37 +29596,16 @@
             </a:pPr>
             <a:r>
               <a:rPr lang="pt-BR" sz="1600" dirty="0"/>
-              <a:t>As figuras </a:t>
-            </a:r>
-            <a:r>
-              <a:rPr lang="pt-BR" sz="1600" dirty="0" smtClean="0"/>
-              <a:t>ao lado mostram </a:t>
-            </a:r>
-            <a:r>
-              <a:rPr lang="pt-BR" sz="1600" dirty="0"/>
-              <a:t>as duas situações possíveis para </a:t>
-            </a:r>
-            <a:r>
-              <a:rPr lang="pt-BR" sz="1600" dirty="0" smtClean="0"/>
-              <a:t>a </a:t>
-            </a:r>
-            <a:r>
-              <a:rPr lang="pt-BR" sz="1600" b="1" i="1" dirty="0" smtClean="0"/>
-              <a:t>função de</a:t>
+              <a:t>As figuras ao lado mostram as duas situações possíveis para a </a:t>
             </a:r>
             <a:r>
               <a:rPr lang="pt-BR" sz="1600" b="1" i="1" dirty="0"/>
-              <a:t> </a:t>
-            </a:r>
-            <a:r>
-              <a:rPr lang="pt-BR" sz="1600" b="1" i="1" dirty="0" smtClean="0"/>
-              <a:t>erro</a:t>
+              <a:t>função de erro</a:t>
             </a:r>
             <a:r>
               <a:rPr lang="pt-BR" sz="1600" dirty="0"/>
               <a:t>. </a:t>
             </a:r>
-            <a:endParaRPr lang="pt-BR" sz="1600" dirty="0" smtClean="0"/>
           </a:p>
           <a:p>
             <a:pPr marL="285750" indent="-285750">
@@ -30339,12 +29613,8 @@
               <a:buChar char="•"/>
             </a:pPr>
             <a:r>
-              <a:rPr lang="pt-BR" sz="1600" dirty="0" smtClean="0"/>
-              <a:t>Como </a:t>
-            </a:r>
-            <a:r>
               <a:rPr lang="pt-BR" sz="1600" dirty="0"/>
-              <a:t>podemos observar, a penalização aplicada a cada saída reflete o </a:t>
+              <a:t>Como podemos observar, a penalização aplicada a cada saída reflete o </a:t>
             </a:r>
             <a:r>
               <a:rPr lang="pt-BR" sz="1600" b="1" i="1" dirty="0"/>
@@ -30366,7 +29636,7 @@
           <p:nvPr/>
         </p:nvPicPr>
         <p:blipFill rotWithShape="1">
-          <a:blip r:embed="rId7"/>
+          <a:blip r:embed="rId4"/>
           <a:srcRect l="5393" t="4876" r="8791"/>
           <a:stretch/>
         </p:blipFill>
@@ -30389,7 +29659,7 @@
           <p:nvPr/>
         </p:nvPicPr>
         <p:blipFill rotWithShape="1">
-          <a:blip r:embed="rId8"/>
+          <a:blip r:embed="rId5"/>
           <a:srcRect l="5605" t="5157" r="8791"/>
           <a:stretch/>
         </p:blipFill>
@@ -30429,7 +29699,7 @@
               <a:p>
                 <a:pPr algn="ctr"/>
                 <a:r>
-                  <a:rPr lang="pt-BR" sz="1400" dirty="0" smtClean="0"/>
+                  <a:rPr lang="pt-BR" sz="1400" dirty="0"/>
                   <a:t>Valor esperado </a:t>
                 </a:r>
                 <a14:m>
@@ -30449,7 +29719,7 @@
                   </m:oMath>
                 </a14:m>
                 <a:r>
-                  <a:rPr lang="pt-BR" sz="1400" dirty="0" smtClean="0"/>
+                  <a:rPr lang="pt-BR" sz="1400" dirty="0"/>
                   <a:t> </a:t>
                 </a:r>
               </a:p>
@@ -30520,10 +29790,9 @@
                   </m:oMath>
                 </a14:m>
                 <a:r>
-                  <a:rPr lang="pt-BR" sz="1400" dirty="0" smtClean="0"/>
+                  <a:rPr lang="pt-BR" sz="1400" dirty="0"/>
                   <a:t> deve ser próximo de 1</a:t>
                 </a:r>
-                <a:endParaRPr lang="pt-BR" sz="1400" dirty="0"/>
               </a:p>
             </p:txBody>
           </p:sp>
@@ -30593,7 +29862,7 @@
               <a:p>
                 <a:pPr algn="ctr"/>
                 <a:r>
-                  <a:rPr lang="pt-BR" sz="1400" dirty="0" smtClean="0"/>
+                  <a:rPr lang="pt-BR" sz="1400" dirty="0"/>
                   <a:t>Valor esperado </a:t>
                 </a:r>
                 <a14:m>
@@ -30613,7 +29882,7 @@
                   </m:oMath>
                 </a14:m>
                 <a:r>
-                  <a:rPr lang="pt-BR" sz="1400" dirty="0" smtClean="0"/>
+                  <a:rPr lang="pt-BR" sz="1400" dirty="0"/>
                   <a:t> 0 </a:t>
                 </a:r>
               </a:p>
@@ -30684,10 +29953,9 @@
                   </m:oMath>
                 </a14:m>
                 <a:r>
-                  <a:rPr lang="pt-BR" sz="1400" dirty="0" smtClean="0"/>
+                  <a:rPr lang="pt-BR" sz="1400" dirty="0"/>
                   <a:t> deve ser próximo de 0</a:t>
                 </a:r>
-                <a:endParaRPr lang="pt-BR" sz="1400" dirty="0"/>
               </a:p>
             </p:txBody>
           </p:sp>
@@ -30741,13 +30009,6 @@
   <p:clrMapOvr>
     <a:masterClrMapping/>
   </p:clrMapOvr>
-  <p:timing>
-    <p:tnLst>
-      <p:par>
-        <p:cTn id="1" dur="indefinite" restart="never" nodeType="tmRoot"/>
-      </p:par>
-    </p:tnLst>
-  </p:timing>
 </p:sld>
 </file>
 

--- a/slides/T320_Classificação (Parte III).pptx
+++ b/slides/T320_Classificação (Parte III).pptx
@@ -17,7 +17,7 @@
     <p:sldId id="351" r:id="rId5"/>
     <p:sldId id="352" r:id="rId6"/>
     <p:sldId id="353" r:id="rId7"/>
-    <p:sldId id="364" r:id="rId8"/>
+    <p:sldId id="373" r:id="rId8"/>
     <p:sldId id="366" r:id="rId9"/>
     <p:sldId id="356" r:id="rId10"/>
     <p:sldId id="357" r:id="rId11"/>
@@ -358,7 +358,7 @@
           <a:p>
             <a:fld id="{F7E56D9B-79AD-444A-AFED-DEC23408F8B4}" type="slidenum">
               <a:rPr lang="nl-BE" smtClean="0"/>
-              <a:t>‹nº›</a:t>
+              <a:t>‹#›</a:t>
             </a:fld>
             <a:endParaRPr lang="nl-BE"/>
           </a:p>
@@ -615,7 +615,7 @@
           <a:p>
             <a:fld id="{6FC8D850-966F-45A6-8DE7-15B891E7D40D}" type="slidenum">
               <a:rPr lang="pt-BR" smtClean="0"/>
-              <a:t>‹nº›</a:t>
+              <a:t>‹#›</a:t>
             </a:fld>
             <a:endParaRPr lang="pt-BR"/>
           </a:p>
@@ -3021,7 +3021,7 @@
           <p:cNvPr id="2" name="Título 1">
             <a:extLst>
               <a:ext uri="{FF2B5EF4-FFF2-40B4-BE49-F238E27FC236}">
-                <a16:creationId xmlns:a16="http://schemas.microsoft.com/office/drawing/2014/main" id="{1DB9B4FF-B06E-403C-A326-BDC64D8FF94E}"/>
+                <a16:creationId xmlns="" xmlns:a16="http://schemas.microsoft.com/office/drawing/2014/main" id="{1DB9B4FF-B06E-403C-A326-BDC64D8FF94E}"/>
               </a:ext>
             </a:extLst>
           </p:cNvPr>
@@ -3058,7 +3058,7 @@
           <p:cNvPr id="3" name="Subtítulo 2">
             <a:extLst>
               <a:ext uri="{FF2B5EF4-FFF2-40B4-BE49-F238E27FC236}">
-                <a16:creationId xmlns:a16="http://schemas.microsoft.com/office/drawing/2014/main" id="{247BDFCE-746E-45BF-A319-4733D58D1632}"/>
+                <a16:creationId xmlns="" xmlns:a16="http://schemas.microsoft.com/office/drawing/2014/main" id="{247BDFCE-746E-45BF-A319-4733D58D1632}"/>
               </a:ext>
             </a:extLst>
           </p:cNvPr>
@@ -3128,7 +3128,7 @@
           <p:cNvPr id="4" name="Espaço Reservado para Data 3">
             <a:extLst>
               <a:ext uri="{FF2B5EF4-FFF2-40B4-BE49-F238E27FC236}">
-                <a16:creationId xmlns:a16="http://schemas.microsoft.com/office/drawing/2014/main" id="{9EDE2778-5372-4104-B96D-968184DA8288}"/>
+                <a16:creationId xmlns="" xmlns:a16="http://schemas.microsoft.com/office/drawing/2014/main" id="{9EDE2778-5372-4104-B96D-968184DA8288}"/>
               </a:ext>
             </a:extLst>
           </p:cNvPr>
@@ -3157,7 +3157,7 @@
           <p:cNvPr id="5" name="Espaço Reservado para Rodapé 4">
             <a:extLst>
               <a:ext uri="{FF2B5EF4-FFF2-40B4-BE49-F238E27FC236}">
-                <a16:creationId xmlns:a16="http://schemas.microsoft.com/office/drawing/2014/main" id="{C1DD0F41-C861-4051-988D-3024A37A4B93}"/>
+                <a16:creationId xmlns="" xmlns:a16="http://schemas.microsoft.com/office/drawing/2014/main" id="{C1DD0F41-C861-4051-988D-3024A37A4B93}"/>
               </a:ext>
             </a:extLst>
           </p:cNvPr>
@@ -3182,7 +3182,7 @@
           <p:cNvPr id="6" name="Espaço Reservado para Número de Slide 5">
             <a:extLst>
               <a:ext uri="{FF2B5EF4-FFF2-40B4-BE49-F238E27FC236}">
-                <a16:creationId xmlns:a16="http://schemas.microsoft.com/office/drawing/2014/main" id="{07E5967E-D980-431A-A5DB-3F0C5030A81E}"/>
+                <a16:creationId xmlns="" xmlns:a16="http://schemas.microsoft.com/office/drawing/2014/main" id="{07E5967E-D980-431A-A5DB-3F0C5030A81E}"/>
               </a:ext>
             </a:extLst>
           </p:cNvPr>
@@ -3200,7 +3200,7 @@
           <a:p>
             <a:fld id="{1A7E88B7-70CE-4035-AE73-13FA6FB985D4}" type="slidenum">
               <a:rPr lang="pt-BR" smtClean="0"/>
-              <a:t>‹nº›</a:t>
+              <a:t>‹#›</a:t>
             </a:fld>
             <a:endParaRPr lang="pt-BR"/>
           </a:p>
@@ -3241,7 +3241,7 @@
           <p:cNvPr id="2" name="Título 1">
             <a:extLst>
               <a:ext uri="{FF2B5EF4-FFF2-40B4-BE49-F238E27FC236}">
-                <a16:creationId xmlns:a16="http://schemas.microsoft.com/office/drawing/2014/main" id="{9036C49F-3E68-4175-81BA-3C3FEE44308A}"/>
+                <a16:creationId xmlns="" xmlns:a16="http://schemas.microsoft.com/office/drawing/2014/main" id="{9036C49F-3E68-4175-81BA-3C3FEE44308A}"/>
               </a:ext>
             </a:extLst>
           </p:cNvPr>
@@ -3269,7 +3269,7 @@
           <p:cNvPr id="3" name="Espaço Reservado para Texto Vertical 2">
             <a:extLst>
               <a:ext uri="{FF2B5EF4-FFF2-40B4-BE49-F238E27FC236}">
-                <a16:creationId xmlns:a16="http://schemas.microsoft.com/office/drawing/2014/main" id="{426FA736-3DD3-4D4E-B57B-BBE1D8F7D424}"/>
+                <a16:creationId xmlns="" xmlns:a16="http://schemas.microsoft.com/office/drawing/2014/main" id="{426FA736-3DD3-4D4E-B57B-BBE1D8F7D424}"/>
               </a:ext>
             </a:extLst>
           </p:cNvPr>
@@ -3326,7 +3326,7 @@
           <p:cNvPr id="4" name="Espaço Reservado para Data 3">
             <a:extLst>
               <a:ext uri="{FF2B5EF4-FFF2-40B4-BE49-F238E27FC236}">
-                <a16:creationId xmlns:a16="http://schemas.microsoft.com/office/drawing/2014/main" id="{99E8855C-D8FD-48F6-B14E-861E0DE4D915}"/>
+                <a16:creationId xmlns="" xmlns:a16="http://schemas.microsoft.com/office/drawing/2014/main" id="{99E8855C-D8FD-48F6-B14E-861E0DE4D915}"/>
               </a:ext>
             </a:extLst>
           </p:cNvPr>
@@ -3355,7 +3355,7 @@
           <p:cNvPr id="5" name="Espaço Reservado para Rodapé 4">
             <a:extLst>
               <a:ext uri="{FF2B5EF4-FFF2-40B4-BE49-F238E27FC236}">
-                <a16:creationId xmlns:a16="http://schemas.microsoft.com/office/drawing/2014/main" id="{97C0BB88-2F21-42A5-ACFF-83DA47F2D340}"/>
+                <a16:creationId xmlns="" xmlns:a16="http://schemas.microsoft.com/office/drawing/2014/main" id="{97C0BB88-2F21-42A5-ACFF-83DA47F2D340}"/>
               </a:ext>
             </a:extLst>
           </p:cNvPr>
@@ -3380,7 +3380,7 @@
           <p:cNvPr id="6" name="Espaço Reservado para Número de Slide 5">
             <a:extLst>
               <a:ext uri="{FF2B5EF4-FFF2-40B4-BE49-F238E27FC236}">
-                <a16:creationId xmlns:a16="http://schemas.microsoft.com/office/drawing/2014/main" id="{6CB462B3-1F22-4C05-B4B8-7A279FB7D5E9}"/>
+                <a16:creationId xmlns="" xmlns:a16="http://schemas.microsoft.com/office/drawing/2014/main" id="{6CB462B3-1F22-4C05-B4B8-7A279FB7D5E9}"/>
               </a:ext>
             </a:extLst>
           </p:cNvPr>
@@ -3398,7 +3398,7 @@
           <a:p>
             <a:fld id="{1A7E88B7-70CE-4035-AE73-13FA6FB985D4}" type="slidenum">
               <a:rPr lang="pt-BR" smtClean="0"/>
-              <a:t>‹nº›</a:t>
+              <a:t>‹#›</a:t>
             </a:fld>
             <a:endParaRPr lang="pt-BR"/>
           </a:p>
@@ -3439,7 +3439,7 @@
           <p:cNvPr id="2" name="Título Vertical 1">
             <a:extLst>
               <a:ext uri="{FF2B5EF4-FFF2-40B4-BE49-F238E27FC236}">
-                <a16:creationId xmlns:a16="http://schemas.microsoft.com/office/drawing/2014/main" id="{EAEAB728-701C-4207-A9D5-23FF45C60502}"/>
+                <a16:creationId xmlns="" xmlns:a16="http://schemas.microsoft.com/office/drawing/2014/main" id="{EAEAB728-701C-4207-A9D5-23FF45C60502}"/>
               </a:ext>
             </a:extLst>
           </p:cNvPr>
@@ -3472,7 +3472,7 @@
           <p:cNvPr id="3" name="Espaço Reservado para Texto Vertical 2">
             <a:extLst>
               <a:ext uri="{FF2B5EF4-FFF2-40B4-BE49-F238E27FC236}">
-                <a16:creationId xmlns:a16="http://schemas.microsoft.com/office/drawing/2014/main" id="{BA8C8CCF-7823-480A-9A19-0F664DD17E3B}"/>
+                <a16:creationId xmlns="" xmlns:a16="http://schemas.microsoft.com/office/drawing/2014/main" id="{BA8C8CCF-7823-480A-9A19-0F664DD17E3B}"/>
               </a:ext>
             </a:extLst>
           </p:cNvPr>
@@ -3534,7 +3534,7 @@
           <p:cNvPr id="4" name="Espaço Reservado para Data 3">
             <a:extLst>
               <a:ext uri="{FF2B5EF4-FFF2-40B4-BE49-F238E27FC236}">
-                <a16:creationId xmlns:a16="http://schemas.microsoft.com/office/drawing/2014/main" id="{721D5734-7B1F-425D-942F-6EB73344027C}"/>
+                <a16:creationId xmlns="" xmlns:a16="http://schemas.microsoft.com/office/drawing/2014/main" id="{721D5734-7B1F-425D-942F-6EB73344027C}"/>
               </a:ext>
             </a:extLst>
           </p:cNvPr>
@@ -3563,7 +3563,7 @@
           <p:cNvPr id="5" name="Espaço Reservado para Rodapé 4">
             <a:extLst>
               <a:ext uri="{FF2B5EF4-FFF2-40B4-BE49-F238E27FC236}">
-                <a16:creationId xmlns:a16="http://schemas.microsoft.com/office/drawing/2014/main" id="{1E1AAEAC-F08D-45FE-89EC-B1B349A868C9}"/>
+                <a16:creationId xmlns="" xmlns:a16="http://schemas.microsoft.com/office/drawing/2014/main" id="{1E1AAEAC-F08D-45FE-89EC-B1B349A868C9}"/>
               </a:ext>
             </a:extLst>
           </p:cNvPr>
@@ -3588,7 +3588,7 @@
           <p:cNvPr id="6" name="Espaço Reservado para Número de Slide 5">
             <a:extLst>
               <a:ext uri="{FF2B5EF4-FFF2-40B4-BE49-F238E27FC236}">
-                <a16:creationId xmlns:a16="http://schemas.microsoft.com/office/drawing/2014/main" id="{BAA44493-9911-47B2-87A6-C2141A972BC8}"/>
+                <a16:creationId xmlns="" xmlns:a16="http://schemas.microsoft.com/office/drawing/2014/main" id="{BAA44493-9911-47B2-87A6-C2141A972BC8}"/>
               </a:ext>
             </a:extLst>
           </p:cNvPr>
@@ -3606,7 +3606,7 @@
           <a:p>
             <a:fld id="{1A7E88B7-70CE-4035-AE73-13FA6FB985D4}" type="slidenum">
               <a:rPr lang="pt-BR" smtClean="0"/>
-              <a:t>‹nº›</a:t>
+              <a:t>‹#›</a:t>
             </a:fld>
             <a:endParaRPr lang="pt-BR"/>
           </a:p>
@@ -3647,7 +3647,7 @@
           <p:cNvPr id="2" name="Título 1">
             <a:extLst>
               <a:ext uri="{FF2B5EF4-FFF2-40B4-BE49-F238E27FC236}">
-                <a16:creationId xmlns:a16="http://schemas.microsoft.com/office/drawing/2014/main" id="{71BD44A5-8F21-4626-A01D-48A1C874B1D5}"/>
+                <a16:creationId xmlns="" xmlns:a16="http://schemas.microsoft.com/office/drawing/2014/main" id="{71BD44A5-8F21-4626-A01D-48A1C874B1D5}"/>
               </a:ext>
             </a:extLst>
           </p:cNvPr>
@@ -3675,7 +3675,7 @@
           <p:cNvPr id="3" name="Espaço Reservado para Conteúdo 2">
             <a:extLst>
               <a:ext uri="{FF2B5EF4-FFF2-40B4-BE49-F238E27FC236}">
-                <a16:creationId xmlns:a16="http://schemas.microsoft.com/office/drawing/2014/main" id="{B79E8085-65A9-48AA-951D-71D978BFF4ED}"/>
+                <a16:creationId xmlns="" xmlns:a16="http://schemas.microsoft.com/office/drawing/2014/main" id="{B79E8085-65A9-48AA-951D-71D978BFF4ED}"/>
               </a:ext>
             </a:extLst>
           </p:cNvPr>
@@ -3732,7 +3732,7 @@
           <p:cNvPr id="4" name="Espaço Reservado para Data 3">
             <a:extLst>
               <a:ext uri="{FF2B5EF4-FFF2-40B4-BE49-F238E27FC236}">
-                <a16:creationId xmlns:a16="http://schemas.microsoft.com/office/drawing/2014/main" id="{F05BE1AF-51EA-425D-B188-DE7BD675009F}"/>
+                <a16:creationId xmlns="" xmlns:a16="http://schemas.microsoft.com/office/drawing/2014/main" id="{F05BE1AF-51EA-425D-B188-DE7BD675009F}"/>
               </a:ext>
             </a:extLst>
           </p:cNvPr>
@@ -3761,7 +3761,7 @@
           <p:cNvPr id="5" name="Espaço Reservado para Rodapé 4">
             <a:extLst>
               <a:ext uri="{FF2B5EF4-FFF2-40B4-BE49-F238E27FC236}">
-                <a16:creationId xmlns:a16="http://schemas.microsoft.com/office/drawing/2014/main" id="{121BE632-29CF-4CB9-B365-C9EF38F89BE6}"/>
+                <a16:creationId xmlns="" xmlns:a16="http://schemas.microsoft.com/office/drawing/2014/main" id="{121BE632-29CF-4CB9-B365-C9EF38F89BE6}"/>
               </a:ext>
             </a:extLst>
           </p:cNvPr>
@@ -3786,7 +3786,7 @@
           <p:cNvPr id="6" name="Espaço Reservado para Número de Slide 5">
             <a:extLst>
               <a:ext uri="{FF2B5EF4-FFF2-40B4-BE49-F238E27FC236}">
-                <a16:creationId xmlns:a16="http://schemas.microsoft.com/office/drawing/2014/main" id="{60CF3DD1-9AEC-4A57-B461-4E4DD86FAC18}"/>
+                <a16:creationId xmlns="" xmlns:a16="http://schemas.microsoft.com/office/drawing/2014/main" id="{60CF3DD1-9AEC-4A57-B461-4E4DD86FAC18}"/>
               </a:ext>
             </a:extLst>
           </p:cNvPr>
@@ -3804,7 +3804,7 @@
           <a:p>
             <a:fld id="{1A7E88B7-70CE-4035-AE73-13FA6FB985D4}" type="slidenum">
               <a:rPr lang="pt-BR" smtClean="0"/>
-              <a:t>‹nº›</a:t>
+              <a:t>‹#›</a:t>
             </a:fld>
             <a:endParaRPr lang="pt-BR"/>
           </a:p>
@@ -3845,7 +3845,7 @@
           <p:cNvPr id="2" name="Título 1">
             <a:extLst>
               <a:ext uri="{FF2B5EF4-FFF2-40B4-BE49-F238E27FC236}">
-                <a16:creationId xmlns:a16="http://schemas.microsoft.com/office/drawing/2014/main" id="{34AB2FF0-A4D7-4E28-991D-FF26140D5988}"/>
+                <a16:creationId xmlns="" xmlns:a16="http://schemas.microsoft.com/office/drawing/2014/main" id="{34AB2FF0-A4D7-4E28-991D-FF26140D5988}"/>
               </a:ext>
             </a:extLst>
           </p:cNvPr>
@@ -3882,7 +3882,7 @@
           <p:cNvPr id="3" name="Espaço Reservado para Texto 2">
             <a:extLst>
               <a:ext uri="{FF2B5EF4-FFF2-40B4-BE49-F238E27FC236}">
-                <a16:creationId xmlns:a16="http://schemas.microsoft.com/office/drawing/2014/main" id="{E2AC45B0-4145-40DB-8E61-105461170604}"/>
+                <a16:creationId xmlns="" xmlns:a16="http://schemas.microsoft.com/office/drawing/2014/main" id="{E2AC45B0-4145-40DB-8E61-105461170604}"/>
               </a:ext>
             </a:extLst>
           </p:cNvPr>
@@ -4007,7 +4007,7 @@
           <p:cNvPr id="4" name="Espaço Reservado para Data 3">
             <a:extLst>
               <a:ext uri="{FF2B5EF4-FFF2-40B4-BE49-F238E27FC236}">
-                <a16:creationId xmlns:a16="http://schemas.microsoft.com/office/drawing/2014/main" id="{50F1D3FB-740A-4EBA-A309-2CE71D12ECFB}"/>
+                <a16:creationId xmlns="" xmlns:a16="http://schemas.microsoft.com/office/drawing/2014/main" id="{50F1D3FB-740A-4EBA-A309-2CE71D12ECFB}"/>
               </a:ext>
             </a:extLst>
           </p:cNvPr>
@@ -4036,7 +4036,7 @@
           <p:cNvPr id="5" name="Espaço Reservado para Rodapé 4">
             <a:extLst>
               <a:ext uri="{FF2B5EF4-FFF2-40B4-BE49-F238E27FC236}">
-                <a16:creationId xmlns:a16="http://schemas.microsoft.com/office/drawing/2014/main" id="{BDCAB18F-8715-4465-A940-F9C193A2ACE9}"/>
+                <a16:creationId xmlns="" xmlns:a16="http://schemas.microsoft.com/office/drawing/2014/main" id="{BDCAB18F-8715-4465-A940-F9C193A2ACE9}"/>
               </a:ext>
             </a:extLst>
           </p:cNvPr>
@@ -4061,7 +4061,7 @@
           <p:cNvPr id="6" name="Espaço Reservado para Número de Slide 5">
             <a:extLst>
               <a:ext uri="{FF2B5EF4-FFF2-40B4-BE49-F238E27FC236}">
-                <a16:creationId xmlns:a16="http://schemas.microsoft.com/office/drawing/2014/main" id="{353466C6-8248-429F-8056-FF040BF509EB}"/>
+                <a16:creationId xmlns="" xmlns:a16="http://schemas.microsoft.com/office/drawing/2014/main" id="{353466C6-8248-429F-8056-FF040BF509EB}"/>
               </a:ext>
             </a:extLst>
           </p:cNvPr>
@@ -4079,7 +4079,7 @@
           <a:p>
             <a:fld id="{1A7E88B7-70CE-4035-AE73-13FA6FB985D4}" type="slidenum">
               <a:rPr lang="pt-BR" smtClean="0"/>
-              <a:t>‹nº›</a:t>
+              <a:t>‹#›</a:t>
             </a:fld>
             <a:endParaRPr lang="pt-BR"/>
           </a:p>
@@ -4120,7 +4120,7 @@
           <p:cNvPr id="2" name="Título 1">
             <a:extLst>
               <a:ext uri="{FF2B5EF4-FFF2-40B4-BE49-F238E27FC236}">
-                <a16:creationId xmlns:a16="http://schemas.microsoft.com/office/drawing/2014/main" id="{BC7BB9F0-F14B-4A91-B2B7-35BC47FE4DE7}"/>
+                <a16:creationId xmlns="" xmlns:a16="http://schemas.microsoft.com/office/drawing/2014/main" id="{BC7BB9F0-F14B-4A91-B2B7-35BC47FE4DE7}"/>
               </a:ext>
             </a:extLst>
           </p:cNvPr>
@@ -4148,7 +4148,7 @@
           <p:cNvPr id="3" name="Espaço Reservado para Conteúdo 2">
             <a:extLst>
               <a:ext uri="{FF2B5EF4-FFF2-40B4-BE49-F238E27FC236}">
-                <a16:creationId xmlns:a16="http://schemas.microsoft.com/office/drawing/2014/main" id="{EC1FC1C4-73DA-47A6-8496-B0B457F7D39A}"/>
+                <a16:creationId xmlns="" xmlns:a16="http://schemas.microsoft.com/office/drawing/2014/main" id="{EC1FC1C4-73DA-47A6-8496-B0B457F7D39A}"/>
               </a:ext>
             </a:extLst>
           </p:cNvPr>
@@ -4210,7 +4210,7 @@
           <p:cNvPr id="4" name="Espaço Reservado para Conteúdo 3">
             <a:extLst>
               <a:ext uri="{FF2B5EF4-FFF2-40B4-BE49-F238E27FC236}">
-                <a16:creationId xmlns:a16="http://schemas.microsoft.com/office/drawing/2014/main" id="{E92F06A8-A449-4D92-9912-76873E529B38}"/>
+                <a16:creationId xmlns="" xmlns:a16="http://schemas.microsoft.com/office/drawing/2014/main" id="{E92F06A8-A449-4D92-9912-76873E529B38}"/>
               </a:ext>
             </a:extLst>
           </p:cNvPr>
@@ -4272,7 +4272,7 @@
           <p:cNvPr id="5" name="Espaço Reservado para Data 4">
             <a:extLst>
               <a:ext uri="{FF2B5EF4-FFF2-40B4-BE49-F238E27FC236}">
-                <a16:creationId xmlns:a16="http://schemas.microsoft.com/office/drawing/2014/main" id="{938070A4-BC2F-4D55-BD8D-DEAF11BB9EE9}"/>
+                <a16:creationId xmlns="" xmlns:a16="http://schemas.microsoft.com/office/drawing/2014/main" id="{938070A4-BC2F-4D55-BD8D-DEAF11BB9EE9}"/>
               </a:ext>
             </a:extLst>
           </p:cNvPr>
@@ -4301,7 +4301,7 @@
           <p:cNvPr id="6" name="Espaço Reservado para Rodapé 5">
             <a:extLst>
               <a:ext uri="{FF2B5EF4-FFF2-40B4-BE49-F238E27FC236}">
-                <a16:creationId xmlns:a16="http://schemas.microsoft.com/office/drawing/2014/main" id="{45CC2DB8-844A-465F-BA9A-7734C80C7F43}"/>
+                <a16:creationId xmlns="" xmlns:a16="http://schemas.microsoft.com/office/drawing/2014/main" id="{45CC2DB8-844A-465F-BA9A-7734C80C7F43}"/>
               </a:ext>
             </a:extLst>
           </p:cNvPr>
@@ -4326,7 +4326,7 @@
           <p:cNvPr id="7" name="Espaço Reservado para Número de Slide 6">
             <a:extLst>
               <a:ext uri="{FF2B5EF4-FFF2-40B4-BE49-F238E27FC236}">
-                <a16:creationId xmlns:a16="http://schemas.microsoft.com/office/drawing/2014/main" id="{4CC606A8-097B-4040-94E0-CD8C88280D8F}"/>
+                <a16:creationId xmlns="" xmlns:a16="http://schemas.microsoft.com/office/drawing/2014/main" id="{4CC606A8-097B-4040-94E0-CD8C88280D8F}"/>
               </a:ext>
             </a:extLst>
           </p:cNvPr>
@@ -4344,7 +4344,7 @@
           <a:p>
             <a:fld id="{1A7E88B7-70CE-4035-AE73-13FA6FB985D4}" type="slidenum">
               <a:rPr lang="pt-BR" smtClean="0"/>
-              <a:t>‹nº›</a:t>
+              <a:t>‹#›</a:t>
             </a:fld>
             <a:endParaRPr lang="pt-BR"/>
           </a:p>
@@ -4385,7 +4385,7 @@
           <p:cNvPr id="2" name="Título 1">
             <a:extLst>
               <a:ext uri="{FF2B5EF4-FFF2-40B4-BE49-F238E27FC236}">
-                <a16:creationId xmlns:a16="http://schemas.microsoft.com/office/drawing/2014/main" id="{76D66686-0143-4CB6-8C09-BA326F1E7ACA}"/>
+                <a16:creationId xmlns="" xmlns:a16="http://schemas.microsoft.com/office/drawing/2014/main" id="{76D66686-0143-4CB6-8C09-BA326F1E7ACA}"/>
               </a:ext>
             </a:extLst>
           </p:cNvPr>
@@ -4418,7 +4418,7 @@
           <p:cNvPr id="3" name="Espaço Reservado para Texto 2">
             <a:extLst>
               <a:ext uri="{FF2B5EF4-FFF2-40B4-BE49-F238E27FC236}">
-                <a16:creationId xmlns:a16="http://schemas.microsoft.com/office/drawing/2014/main" id="{0227AB85-F59E-4BCE-B846-4FA0992C2F23}"/>
+                <a16:creationId xmlns="" xmlns:a16="http://schemas.microsoft.com/office/drawing/2014/main" id="{0227AB85-F59E-4BCE-B846-4FA0992C2F23}"/>
               </a:ext>
             </a:extLst>
           </p:cNvPr>
@@ -4489,7 +4489,7 @@
           <p:cNvPr id="4" name="Espaço Reservado para Conteúdo 3">
             <a:extLst>
               <a:ext uri="{FF2B5EF4-FFF2-40B4-BE49-F238E27FC236}">
-                <a16:creationId xmlns:a16="http://schemas.microsoft.com/office/drawing/2014/main" id="{3373456C-7319-4D0A-827D-D29F6B083F5D}"/>
+                <a16:creationId xmlns="" xmlns:a16="http://schemas.microsoft.com/office/drawing/2014/main" id="{3373456C-7319-4D0A-827D-D29F6B083F5D}"/>
               </a:ext>
             </a:extLst>
           </p:cNvPr>
@@ -4551,7 +4551,7 @@
           <p:cNvPr id="5" name="Espaço Reservado para Texto 4">
             <a:extLst>
               <a:ext uri="{FF2B5EF4-FFF2-40B4-BE49-F238E27FC236}">
-                <a16:creationId xmlns:a16="http://schemas.microsoft.com/office/drawing/2014/main" id="{4CD109D0-2E83-4262-8029-A871CEC47406}"/>
+                <a16:creationId xmlns="" xmlns:a16="http://schemas.microsoft.com/office/drawing/2014/main" id="{4CD109D0-2E83-4262-8029-A871CEC47406}"/>
               </a:ext>
             </a:extLst>
           </p:cNvPr>
@@ -4622,7 +4622,7 @@
           <p:cNvPr id="6" name="Espaço Reservado para Conteúdo 5">
             <a:extLst>
               <a:ext uri="{FF2B5EF4-FFF2-40B4-BE49-F238E27FC236}">
-                <a16:creationId xmlns:a16="http://schemas.microsoft.com/office/drawing/2014/main" id="{AD706E3A-CFBB-4A6C-A65F-D0360A9E74FE}"/>
+                <a16:creationId xmlns="" xmlns:a16="http://schemas.microsoft.com/office/drawing/2014/main" id="{AD706E3A-CFBB-4A6C-A65F-D0360A9E74FE}"/>
               </a:ext>
             </a:extLst>
           </p:cNvPr>
@@ -4684,7 +4684,7 @@
           <p:cNvPr id="7" name="Espaço Reservado para Data 6">
             <a:extLst>
               <a:ext uri="{FF2B5EF4-FFF2-40B4-BE49-F238E27FC236}">
-                <a16:creationId xmlns:a16="http://schemas.microsoft.com/office/drawing/2014/main" id="{4172C0E5-5AF0-4805-BB51-443733CD2BD5}"/>
+                <a16:creationId xmlns="" xmlns:a16="http://schemas.microsoft.com/office/drawing/2014/main" id="{4172C0E5-5AF0-4805-BB51-443733CD2BD5}"/>
               </a:ext>
             </a:extLst>
           </p:cNvPr>
@@ -4713,7 +4713,7 @@
           <p:cNvPr id="8" name="Espaço Reservado para Rodapé 7">
             <a:extLst>
               <a:ext uri="{FF2B5EF4-FFF2-40B4-BE49-F238E27FC236}">
-                <a16:creationId xmlns:a16="http://schemas.microsoft.com/office/drawing/2014/main" id="{0E801648-156F-497E-99CF-797DF48051E1}"/>
+                <a16:creationId xmlns="" xmlns:a16="http://schemas.microsoft.com/office/drawing/2014/main" id="{0E801648-156F-497E-99CF-797DF48051E1}"/>
               </a:ext>
             </a:extLst>
           </p:cNvPr>
@@ -4738,7 +4738,7 @@
           <p:cNvPr id="9" name="Espaço Reservado para Número de Slide 8">
             <a:extLst>
               <a:ext uri="{FF2B5EF4-FFF2-40B4-BE49-F238E27FC236}">
-                <a16:creationId xmlns:a16="http://schemas.microsoft.com/office/drawing/2014/main" id="{EEE23D32-80E7-4796-A137-66BF842E4B53}"/>
+                <a16:creationId xmlns="" xmlns:a16="http://schemas.microsoft.com/office/drawing/2014/main" id="{EEE23D32-80E7-4796-A137-66BF842E4B53}"/>
               </a:ext>
             </a:extLst>
           </p:cNvPr>
@@ -4756,7 +4756,7 @@
           <a:p>
             <a:fld id="{1A7E88B7-70CE-4035-AE73-13FA6FB985D4}" type="slidenum">
               <a:rPr lang="pt-BR" smtClean="0"/>
-              <a:t>‹nº›</a:t>
+              <a:t>‹#›</a:t>
             </a:fld>
             <a:endParaRPr lang="pt-BR"/>
           </a:p>
@@ -4797,7 +4797,7 @@
           <p:cNvPr id="2" name="Título 1">
             <a:extLst>
               <a:ext uri="{FF2B5EF4-FFF2-40B4-BE49-F238E27FC236}">
-                <a16:creationId xmlns:a16="http://schemas.microsoft.com/office/drawing/2014/main" id="{2BCE2379-C78F-47E1-8CFC-B846E7AF148D}"/>
+                <a16:creationId xmlns="" xmlns:a16="http://schemas.microsoft.com/office/drawing/2014/main" id="{2BCE2379-C78F-47E1-8CFC-B846E7AF148D}"/>
               </a:ext>
             </a:extLst>
           </p:cNvPr>
@@ -4825,7 +4825,7 @@
           <p:cNvPr id="3" name="Espaço Reservado para Data 2">
             <a:extLst>
               <a:ext uri="{FF2B5EF4-FFF2-40B4-BE49-F238E27FC236}">
-                <a16:creationId xmlns:a16="http://schemas.microsoft.com/office/drawing/2014/main" id="{342600A9-7F92-4E22-9D94-E4717252A817}"/>
+                <a16:creationId xmlns="" xmlns:a16="http://schemas.microsoft.com/office/drawing/2014/main" id="{342600A9-7F92-4E22-9D94-E4717252A817}"/>
               </a:ext>
             </a:extLst>
           </p:cNvPr>
@@ -4854,7 +4854,7 @@
           <p:cNvPr id="4" name="Espaço Reservado para Rodapé 3">
             <a:extLst>
               <a:ext uri="{FF2B5EF4-FFF2-40B4-BE49-F238E27FC236}">
-                <a16:creationId xmlns:a16="http://schemas.microsoft.com/office/drawing/2014/main" id="{192E6BED-F546-40CC-A2DF-99CBA853654E}"/>
+                <a16:creationId xmlns="" xmlns:a16="http://schemas.microsoft.com/office/drawing/2014/main" id="{192E6BED-F546-40CC-A2DF-99CBA853654E}"/>
               </a:ext>
             </a:extLst>
           </p:cNvPr>
@@ -4879,7 +4879,7 @@
           <p:cNvPr id="5" name="Espaço Reservado para Número de Slide 4">
             <a:extLst>
               <a:ext uri="{FF2B5EF4-FFF2-40B4-BE49-F238E27FC236}">
-                <a16:creationId xmlns:a16="http://schemas.microsoft.com/office/drawing/2014/main" id="{6091CC40-A8C4-4063-80EB-CC5099621678}"/>
+                <a16:creationId xmlns="" xmlns:a16="http://schemas.microsoft.com/office/drawing/2014/main" id="{6091CC40-A8C4-4063-80EB-CC5099621678}"/>
               </a:ext>
             </a:extLst>
           </p:cNvPr>
@@ -4897,7 +4897,7 @@
           <a:p>
             <a:fld id="{1A7E88B7-70CE-4035-AE73-13FA6FB985D4}" type="slidenum">
               <a:rPr lang="pt-BR" smtClean="0"/>
-              <a:t>‹nº›</a:t>
+              <a:t>‹#›</a:t>
             </a:fld>
             <a:endParaRPr lang="pt-BR"/>
           </a:p>
@@ -4938,7 +4938,7 @@
           <p:cNvPr id="2" name="Espaço Reservado para Data 1">
             <a:extLst>
               <a:ext uri="{FF2B5EF4-FFF2-40B4-BE49-F238E27FC236}">
-                <a16:creationId xmlns:a16="http://schemas.microsoft.com/office/drawing/2014/main" id="{DD19515C-212C-4EAE-84A3-8FF4BC844F1B}"/>
+                <a16:creationId xmlns="" xmlns:a16="http://schemas.microsoft.com/office/drawing/2014/main" id="{DD19515C-212C-4EAE-84A3-8FF4BC844F1B}"/>
               </a:ext>
             </a:extLst>
           </p:cNvPr>
@@ -4967,7 +4967,7 @@
           <p:cNvPr id="3" name="Espaço Reservado para Rodapé 2">
             <a:extLst>
               <a:ext uri="{FF2B5EF4-FFF2-40B4-BE49-F238E27FC236}">
-                <a16:creationId xmlns:a16="http://schemas.microsoft.com/office/drawing/2014/main" id="{94D3D120-B3E8-4C96-861D-7A4F12F49B3A}"/>
+                <a16:creationId xmlns="" xmlns:a16="http://schemas.microsoft.com/office/drawing/2014/main" id="{94D3D120-B3E8-4C96-861D-7A4F12F49B3A}"/>
               </a:ext>
             </a:extLst>
           </p:cNvPr>
@@ -4992,7 +4992,7 @@
           <p:cNvPr id="4" name="Espaço Reservado para Número de Slide 3">
             <a:extLst>
               <a:ext uri="{FF2B5EF4-FFF2-40B4-BE49-F238E27FC236}">
-                <a16:creationId xmlns:a16="http://schemas.microsoft.com/office/drawing/2014/main" id="{42E49B68-FA1B-468B-9F17-D5C09243D454}"/>
+                <a16:creationId xmlns="" xmlns:a16="http://schemas.microsoft.com/office/drawing/2014/main" id="{42E49B68-FA1B-468B-9F17-D5C09243D454}"/>
               </a:ext>
             </a:extLst>
           </p:cNvPr>
@@ -5010,7 +5010,7 @@
           <a:p>
             <a:fld id="{1A7E88B7-70CE-4035-AE73-13FA6FB985D4}" type="slidenum">
               <a:rPr lang="pt-BR" smtClean="0"/>
-              <a:t>‹nº›</a:t>
+              <a:t>‹#›</a:t>
             </a:fld>
             <a:endParaRPr lang="pt-BR"/>
           </a:p>
@@ -5051,7 +5051,7 @@
           <p:cNvPr id="2" name="Título 1">
             <a:extLst>
               <a:ext uri="{FF2B5EF4-FFF2-40B4-BE49-F238E27FC236}">
-                <a16:creationId xmlns:a16="http://schemas.microsoft.com/office/drawing/2014/main" id="{1C17BCBE-A897-4319-85EC-D87909C24980}"/>
+                <a16:creationId xmlns="" xmlns:a16="http://schemas.microsoft.com/office/drawing/2014/main" id="{1C17BCBE-A897-4319-85EC-D87909C24980}"/>
               </a:ext>
             </a:extLst>
           </p:cNvPr>
@@ -5088,7 +5088,7 @@
           <p:cNvPr id="3" name="Espaço Reservado para Conteúdo 2">
             <a:extLst>
               <a:ext uri="{FF2B5EF4-FFF2-40B4-BE49-F238E27FC236}">
-                <a16:creationId xmlns:a16="http://schemas.microsoft.com/office/drawing/2014/main" id="{4226F885-0204-4913-868B-4B8B82576F17}"/>
+                <a16:creationId xmlns="" xmlns:a16="http://schemas.microsoft.com/office/drawing/2014/main" id="{4226F885-0204-4913-868B-4B8B82576F17}"/>
               </a:ext>
             </a:extLst>
           </p:cNvPr>
@@ -5178,7 +5178,7 @@
           <p:cNvPr id="4" name="Espaço Reservado para Texto 3">
             <a:extLst>
               <a:ext uri="{FF2B5EF4-FFF2-40B4-BE49-F238E27FC236}">
-                <a16:creationId xmlns:a16="http://schemas.microsoft.com/office/drawing/2014/main" id="{00F9F784-A858-441B-8AB5-697098141751}"/>
+                <a16:creationId xmlns="" xmlns:a16="http://schemas.microsoft.com/office/drawing/2014/main" id="{00F9F784-A858-441B-8AB5-697098141751}"/>
               </a:ext>
             </a:extLst>
           </p:cNvPr>
@@ -5249,7 +5249,7 @@
           <p:cNvPr id="5" name="Espaço Reservado para Data 4">
             <a:extLst>
               <a:ext uri="{FF2B5EF4-FFF2-40B4-BE49-F238E27FC236}">
-                <a16:creationId xmlns:a16="http://schemas.microsoft.com/office/drawing/2014/main" id="{A4DC363A-5000-472E-8B17-02E7DCB8840A}"/>
+                <a16:creationId xmlns="" xmlns:a16="http://schemas.microsoft.com/office/drawing/2014/main" id="{A4DC363A-5000-472E-8B17-02E7DCB8840A}"/>
               </a:ext>
             </a:extLst>
           </p:cNvPr>
@@ -5278,7 +5278,7 @@
           <p:cNvPr id="6" name="Espaço Reservado para Rodapé 5">
             <a:extLst>
               <a:ext uri="{FF2B5EF4-FFF2-40B4-BE49-F238E27FC236}">
-                <a16:creationId xmlns:a16="http://schemas.microsoft.com/office/drawing/2014/main" id="{5548425D-2C21-4C56-BAD4-662978775C28}"/>
+                <a16:creationId xmlns="" xmlns:a16="http://schemas.microsoft.com/office/drawing/2014/main" id="{5548425D-2C21-4C56-BAD4-662978775C28}"/>
               </a:ext>
             </a:extLst>
           </p:cNvPr>
@@ -5303,7 +5303,7 @@
           <p:cNvPr id="7" name="Espaço Reservado para Número de Slide 6">
             <a:extLst>
               <a:ext uri="{FF2B5EF4-FFF2-40B4-BE49-F238E27FC236}">
-                <a16:creationId xmlns:a16="http://schemas.microsoft.com/office/drawing/2014/main" id="{C63E9726-E64C-42B2-AE8A-8C235A956B48}"/>
+                <a16:creationId xmlns="" xmlns:a16="http://schemas.microsoft.com/office/drawing/2014/main" id="{C63E9726-E64C-42B2-AE8A-8C235A956B48}"/>
               </a:ext>
             </a:extLst>
           </p:cNvPr>
@@ -5321,7 +5321,7 @@
           <a:p>
             <a:fld id="{1A7E88B7-70CE-4035-AE73-13FA6FB985D4}" type="slidenum">
               <a:rPr lang="pt-BR" smtClean="0"/>
-              <a:t>‹nº›</a:t>
+              <a:t>‹#›</a:t>
             </a:fld>
             <a:endParaRPr lang="pt-BR"/>
           </a:p>
@@ -5362,7 +5362,7 @@
           <p:cNvPr id="2" name="Título 1">
             <a:extLst>
               <a:ext uri="{FF2B5EF4-FFF2-40B4-BE49-F238E27FC236}">
-                <a16:creationId xmlns:a16="http://schemas.microsoft.com/office/drawing/2014/main" id="{11086A78-3E74-450C-96A6-CA8AC37AF772}"/>
+                <a16:creationId xmlns="" xmlns:a16="http://schemas.microsoft.com/office/drawing/2014/main" id="{11086A78-3E74-450C-96A6-CA8AC37AF772}"/>
               </a:ext>
             </a:extLst>
           </p:cNvPr>
@@ -5399,7 +5399,7 @@
           <p:cNvPr id="3" name="Espaço Reservado para Imagem 2">
             <a:extLst>
               <a:ext uri="{FF2B5EF4-FFF2-40B4-BE49-F238E27FC236}">
-                <a16:creationId xmlns:a16="http://schemas.microsoft.com/office/drawing/2014/main" id="{5F5B7312-975A-4DBC-9B2F-3652ADA006FD}"/>
+                <a16:creationId xmlns="" xmlns:a16="http://schemas.microsoft.com/office/drawing/2014/main" id="{5F5B7312-975A-4DBC-9B2F-3652ADA006FD}"/>
               </a:ext>
             </a:extLst>
           </p:cNvPr>
@@ -5466,7 +5466,7 @@
           <p:cNvPr id="4" name="Espaço Reservado para Texto 3">
             <a:extLst>
               <a:ext uri="{FF2B5EF4-FFF2-40B4-BE49-F238E27FC236}">
-                <a16:creationId xmlns:a16="http://schemas.microsoft.com/office/drawing/2014/main" id="{AAF805F5-1DFF-41C6-944C-7D79FE0D0963}"/>
+                <a16:creationId xmlns="" xmlns:a16="http://schemas.microsoft.com/office/drawing/2014/main" id="{AAF805F5-1DFF-41C6-944C-7D79FE0D0963}"/>
               </a:ext>
             </a:extLst>
           </p:cNvPr>
@@ -5537,7 +5537,7 @@
           <p:cNvPr id="5" name="Espaço Reservado para Data 4">
             <a:extLst>
               <a:ext uri="{FF2B5EF4-FFF2-40B4-BE49-F238E27FC236}">
-                <a16:creationId xmlns:a16="http://schemas.microsoft.com/office/drawing/2014/main" id="{02113D81-8665-4516-BD81-C6A1F254EECD}"/>
+                <a16:creationId xmlns="" xmlns:a16="http://schemas.microsoft.com/office/drawing/2014/main" id="{02113D81-8665-4516-BD81-C6A1F254EECD}"/>
               </a:ext>
             </a:extLst>
           </p:cNvPr>
@@ -5566,7 +5566,7 @@
           <p:cNvPr id="6" name="Espaço Reservado para Rodapé 5">
             <a:extLst>
               <a:ext uri="{FF2B5EF4-FFF2-40B4-BE49-F238E27FC236}">
-                <a16:creationId xmlns:a16="http://schemas.microsoft.com/office/drawing/2014/main" id="{2B00C88B-FF32-40AA-A187-727D96FD7862}"/>
+                <a16:creationId xmlns="" xmlns:a16="http://schemas.microsoft.com/office/drawing/2014/main" id="{2B00C88B-FF32-40AA-A187-727D96FD7862}"/>
               </a:ext>
             </a:extLst>
           </p:cNvPr>
@@ -5591,7 +5591,7 @@
           <p:cNvPr id="7" name="Espaço Reservado para Número de Slide 6">
             <a:extLst>
               <a:ext uri="{FF2B5EF4-FFF2-40B4-BE49-F238E27FC236}">
-                <a16:creationId xmlns:a16="http://schemas.microsoft.com/office/drawing/2014/main" id="{A04D1A2D-69F7-4B8F-A730-BC26DC340BA6}"/>
+                <a16:creationId xmlns="" xmlns:a16="http://schemas.microsoft.com/office/drawing/2014/main" id="{A04D1A2D-69F7-4B8F-A730-BC26DC340BA6}"/>
               </a:ext>
             </a:extLst>
           </p:cNvPr>
@@ -5609,7 +5609,7 @@
           <a:p>
             <a:fld id="{1A7E88B7-70CE-4035-AE73-13FA6FB985D4}" type="slidenum">
               <a:rPr lang="pt-BR" smtClean="0"/>
-              <a:t>‹nº›</a:t>
+              <a:t>‹#›</a:t>
             </a:fld>
             <a:endParaRPr lang="pt-BR"/>
           </a:p>
@@ -5655,7 +5655,7 @@
           <p:cNvPr id="2" name="Espaço Reservado para Título 1">
             <a:extLst>
               <a:ext uri="{FF2B5EF4-FFF2-40B4-BE49-F238E27FC236}">
-                <a16:creationId xmlns:a16="http://schemas.microsoft.com/office/drawing/2014/main" id="{E69A0273-1966-4A1B-9370-4C1CE5036371}"/>
+                <a16:creationId xmlns="" xmlns:a16="http://schemas.microsoft.com/office/drawing/2014/main" id="{E69A0273-1966-4A1B-9370-4C1CE5036371}"/>
               </a:ext>
             </a:extLst>
           </p:cNvPr>
@@ -5693,7 +5693,7 @@
           <p:cNvPr id="3" name="Espaço Reservado para Texto 2">
             <a:extLst>
               <a:ext uri="{FF2B5EF4-FFF2-40B4-BE49-F238E27FC236}">
-                <a16:creationId xmlns:a16="http://schemas.microsoft.com/office/drawing/2014/main" id="{3B9CF87A-0448-49A7-AB25-EBC1D56A40EF}"/>
+                <a16:creationId xmlns="" xmlns:a16="http://schemas.microsoft.com/office/drawing/2014/main" id="{3B9CF87A-0448-49A7-AB25-EBC1D56A40EF}"/>
               </a:ext>
             </a:extLst>
           </p:cNvPr>
@@ -5760,7 +5760,7 @@
           <p:cNvPr id="4" name="Espaço Reservado para Data 3">
             <a:extLst>
               <a:ext uri="{FF2B5EF4-FFF2-40B4-BE49-F238E27FC236}">
-                <a16:creationId xmlns:a16="http://schemas.microsoft.com/office/drawing/2014/main" id="{2EF7B1F2-BB5A-44D0-816D-16AD2C71430E}"/>
+                <a16:creationId xmlns="" xmlns:a16="http://schemas.microsoft.com/office/drawing/2014/main" id="{2EF7B1F2-BB5A-44D0-816D-16AD2C71430E}"/>
               </a:ext>
             </a:extLst>
           </p:cNvPr>
@@ -5807,7 +5807,7 @@
           <p:cNvPr id="5" name="Espaço Reservado para Rodapé 4">
             <a:extLst>
               <a:ext uri="{FF2B5EF4-FFF2-40B4-BE49-F238E27FC236}">
-                <a16:creationId xmlns:a16="http://schemas.microsoft.com/office/drawing/2014/main" id="{C703F94C-2CC8-4DAA-BC35-14FC3E841DCD}"/>
+                <a16:creationId xmlns="" xmlns:a16="http://schemas.microsoft.com/office/drawing/2014/main" id="{C703F94C-2CC8-4DAA-BC35-14FC3E841DCD}"/>
               </a:ext>
             </a:extLst>
           </p:cNvPr>
@@ -5850,7 +5850,7 @@
           <p:cNvPr id="6" name="Espaço Reservado para Número de Slide 5">
             <a:extLst>
               <a:ext uri="{FF2B5EF4-FFF2-40B4-BE49-F238E27FC236}">
-                <a16:creationId xmlns:a16="http://schemas.microsoft.com/office/drawing/2014/main" id="{64051336-7048-457A-8B61-D94291D71648}"/>
+                <a16:creationId xmlns="" xmlns:a16="http://schemas.microsoft.com/office/drawing/2014/main" id="{64051336-7048-457A-8B61-D94291D71648}"/>
               </a:ext>
             </a:extLst>
           </p:cNvPr>
@@ -5886,7 +5886,7 @@
           <a:p>
             <a:fld id="{1A7E88B7-70CE-4035-AE73-13FA6FB985D4}" type="slidenum">
               <a:rPr lang="pt-BR" smtClean="0"/>
-              <a:t>‹nº›</a:t>
+              <a:t>‹#›</a:t>
             </a:fld>
             <a:endParaRPr lang="pt-BR"/>
           </a:p>
@@ -6218,7 +6218,7 @@
           <p:cNvPr id="2" name="Título 1">
             <a:extLst>
               <a:ext uri="{FF2B5EF4-FFF2-40B4-BE49-F238E27FC236}">
-                <a16:creationId xmlns:a16="http://schemas.microsoft.com/office/drawing/2014/main" id="{32666AC8-2E17-4DB4-B0F5-60C640CCFD2E}"/>
+                <a16:creationId xmlns="" xmlns:a16="http://schemas.microsoft.com/office/drawing/2014/main" id="{32666AC8-2E17-4DB4-B0F5-60C640CCFD2E}"/>
               </a:ext>
             </a:extLst>
           </p:cNvPr>
@@ -6245,6 +6245,10 @@
               <a:rPr lang="pt-BR" sz="5400" dirty="0"/>
               <a:t>T320 - Introdução ao Aprendizado de Máquina II:</a:t>
             </a:r>
+            <a:r>
+              <a:rPr lang="pt-BR" dirty="0"/>
+              <a:t/>
+            </a:r>
             <a:br>
               <a:rPr lang="pt-BR" dirty="0"/>
             </a:br>
@@ -6260,7 +6264,7 @@
           <p:cNvPr id="4" name="CaixaDeTexto 3">
             <a:extLst>
               <a:ext uri="{FF2B5EF4-FFF2-40B4-BE49-F238E27FC236}">
-                <a16:creationId xmlns:a16="http://schemas.microsoft.com/office/drawing/2014/main" id="{430EB894-B7D4-434C-9D1A-A14094D9BEEC}"/>
+                <a16:creationId xmlns="" xmlns:a16="http://schemas.microsoft.com/office/drawing/2014/main" id="{430EB894-B7D4-434C-9D1A-A14094D9BEEC}"/>
               </a:ext>
             </a:extLst>
           </p:cNvPr>
@@ -6301,7 +6305,7 @@
           <p:cNvPr id="1026" name="Picture 2" descr="Logo">
             <a:extLst>
               <a:ext uri="{FF2B5EF4-FFF2-40B4-BE49-F238E27FC236}">
-                <a16:creationId xmlns:a16="http://schemas.microsoft.com/office/drawing/2014/main" id="{3F2642E0-4F6A-4196-8F58-E77D36E9A33F}"/>
+                <a16:creationId xmlns="" xmlns:a16="http://schemas.microsoft.com/office/drawing/2014/main" id="{3F2642E0-4F6A-4196-8F58-E77D36E9A33F}"/>
               </a:ext>
             </a:extLst>
           </p:cNvPr>
@@ -6346,7 +6350,7 @@
           <p:cNvPr id="5122" name="Picture 2" descr="Image result for machine learning">
             <a:extLst>
               <a:ext uri="{FF2B5EF4-FFF2-40B4-BE49-F238E27FC236}">
-                <a16:creationId xmlns:a16="http://schemas.microsoft.com/office/drawing/2014/main" id="{810CE0A2-4102-44A6-A370-175E7896CDCB}"/>
+                <a16:creationId xmlns="" xmlns:a16="http://schemas.microsoft.com/office/drawing/2014/main" id="{810CE0A2-4102-44A6-A370-175E7896CDCB}"/>
               </a:ext>
             </a:extLst>
           </p:cNvPr>
@@ -6443,8 +6447,8 @@
           </a:p>
         </p:txBody>
       </p:sp>
-      <mc:AlternateContent xmlns:mc="http://schemas.openxmlformats.org/markup-compatibility/2006" xmlns:a14="http://schemas.microsoft.com/office/drawing/2010/main">
-        <mc:Choice Requires="a14">
+      <mc:AlternateContent xmlns:mc="http://schemas.openxmlformats.org/markup-compatibility/2006">
+        <mc:Choice xmlns:a14="http://schemas.microsoft.com/office/drawing/2010/main" Requires="a14">
           <p:sp>
             <p:nvSpPr>
               <p:cNvPr id="3" name="Content Placeholder 2"/>
@@ -6463,12 +6467,12 @@
             </p:spPr>
             <p:txBody>
               <a:bodyPr>
-                <a:normAutofit fontScale="85000" lnSpcReduction="10000"/>
+                <a:normAutofit fontScale="92500"/>
               </a:bodyPr>
               <a:lstStyle/>
               <a:p>
                 <a:r>
-                  <a:rPr lang="pt-BR" dirty="0"/>
+                  <a:rPr lang="pt-BR" dirty="0" smtClean="0"/>
                   <a:t>Nós podemos reduzir a definição da </a:t>
                 </a:r>
                 <a:r>
@@ -6493,699 +6497,700 @@
                   <a:buNone/>
                 </a:pPr>
                 <a14:m>
-                  <m:oMath xmlns:m="http://schemas.openxmlformats.org/officeDocument/2006/math">
-                    <m:r>
-                      <a:rPr lang="pt-BR" sz="2600" i="1">
-                        <a:latin typeface="Cambria Math" panose="02040503050406030204" pitchFamily="18" charset="0"/>
-                      </a:rPr>
-                      <m:t>𝐸𝑟𝑟𝑜</m:t>
-                    </m:r>
-                    <m:d>
-                      <m:dPr>
-                        <m:ctrlPr>
-                          <a:rPr lang="pt-BR" sz="2600" i="1">
-                            <a:latin typeface="Cambria Math" panose="02040503050406030204" pitchFamily="18" charset="0"/>
-                          </a:rPr>
-                        </m:ctrlPr>
-                      </m:dPr>
-                      <m:e>
-                        <m:sSub>
-                          <m:sSubPr>
-                            <m:ctrlPr>
-                              <a:rPr lang="pt-BR" sz="2600" i="1">
-                                <a:latin typeface="Cambria Math" panose="02040503050406030204" pitchFamily="18" charset="0"/>
-                              </a:rPr>
-                            </m:ctrlPr>
-                          </m:sSubPr>
-                          <m:e>
-                            <m:r>
-                              <a:rPr lang="pt-BR" sz="2600" i="1">
-                                <a:latin typeface="Cambria Math" panose="02040503050406030204" pitchFamily="18" charset="0"/>
-                              </a:rPr>
-                              <m:t>h</m:t>
-                            </m:r>
-                          </m:e>
-                          <m:sub>
-                            <m:r>
-                              <a:rPr lang="pt-BR" sz="2600" b="1" i="1">
-                                <a:latin typeface="Cambria Math" panose="02040503050406030204" pitchFamily="18" charset="0"/>
-                              </a:rPr>
-                              <m:t>𝒂</m:t>
-                            </m:r>
-                          </m:sub>
-                        </m:sSub>
-                        <m:d>
-                          <m:dPr>
-                            <m:ctrlPr>
-                              <a:rPr lang="pt-BR" sz="2600" i="1">
-                                <a:latin typeface="Cambria Math" panose="02040503050406030204" pitchFamily="18" charset="0"/>
-                              </a:rPr>
-                            </m:ctrlPr>
-                          </m:dPr>
-                          <m:e>
-                            <m:r>
-                              <a:rPr lang="pt-BR" sz="2600" b="1" i="1">
-                                <a:latin typeface="Cambria Math" panose="02040503050406030204" pitchFamily="18" charset="0"/>
-                              </a:rPr>
-                              <m:t>𝒙</m:t>
-                            </m:r>
-                            <m:d>
-                              <m:dPr>
-                                <m:ctrlPr>
-                                  <a:rPr lang="pt-BR" sz="2600" i="1">
-                                    <a:latin typeface="Cambria Math" panose="02040503050406030204" pitchFamily="18" charset="0"/>
-                                  </a:rPr>
-                                </m:ctrlPr>
-                              </m:dPr>
-                              <m:e>
-                                <m:r>
-                                  <a:rPr lang="pt-BR" sz="2600" i="1">
-                                    <a:latin typeface="Cambria Math" panose="02040503050406030204" pitchFamily="18" charset="0"/>
-                                  </a:rPr>
-                                  <m:t>𝑖</m:t>
-                                </m:r>
-                              </m:e>
-                            </m:d>
-                          </m:e>
-                        </m:d>
-                        <m:r>
-                          <a:rPr lang="pt-BR" sz="2600" i="1">
-                            <a:latin typeface="Cambria Math" panose="02040503050406030204" pitchFamily="18" charset="0"/>
-                          </a:rPr>
-                          <m:t>;</m:t>
-                        </m:r>
-                        <m:r>
-                          <a:rPr lang="pt-BR" sz="2600" i="1">
-                            <a:latin typeface="Cambria Math" panose="02040503050406030204" pitchFamily="18" charset="0"/>
-                          </a:rPr>
-                          <m:t>𝑦</m:t>
-                        </m:r>
-                        <m:d>
-                          <m:dPr>
-                            <m:ctrlPr>
-                              <a:rPr lang="pt-BR" sz="2600" i="1">
-                                <a:latin typeface="Cambria Math" panose="02040503050406030204" pitchFamily="18" charset="0"/>
-                              </a:rPr>
-                            </m:ctrlPr>
-                          </m:dPr>
-                          <m:e>
-                            <m:r>
-                              <a:rPr lang="pt-BR" sz="2600" i="1">
-                                <a:latin typeface="Cambria Math" panose="02040503050406030204" pitchFamily="18" charset="0"/>
-                              </a:rPr>
-                              <m:t>𝑖</m:t>
-                            </m:r>
-                          </m:e>
-                        </m:d>
-                      </m:e>
-                    </m:d>
-                    <m:r>
-                      <a:rPr lang="pt-BR" sz="2600" i="1">
-                        <a:latin typeface="Cambria Math" panose="02040503050406030204" pitchFamily="18" charset="0"/>
-                      </a:rPr>
-                      <m:t>=</m:t>
-                    </m:r>
-                    <m:r>
-                      <a:rPr lang="pt-BR" sz="2600" b="0" i="1" smtClean="0">
-                        <a:latin typeface="Cambria Math" panose="02040503050406030204" pitchFamily="18" charset="0"/>
-                      </a:rPr>
-                      <m:t> </m:t>
-                    </m:r>
-                    <m:limLow>
-                      <m:limLowPr>
-                        <m:ctrlPr>
-                          <a:rPr lang="pt-BR" sz="2600" b="0" i="1" smtClean="0">
-                            <a:latin typeface="Cambria Math" panose="02040503050406030204" pitchFamily="18" charset="0"/>
-                          </a:rPr>
-                        </m:ctrlPr>
-                      </m:limLowPr>
-                      <m:e>
-                        <m:groupChr>
-                          <m:groupChrPr>
-                            <m:chr m:val="⏟"/>
-                            <m:ctrlPr>
-                              <a:rPr lang="pt-BR" sz="2600" b="0" i="1" smtClean="0">
-                                <a:latin typeface="Cambria Math" panose="02040503050406030204" pitchFamily="18" charset="0"/>
-                              </a:rPr>
-                            </m:ctrlPr>
-                          </m:groupChrPr>
-                          <m:e>
-                            <m:r>
-                              <a:rPr lang="pt-BR" sz="2600" b="0" i="1" smtClean="0">
-                                <a:latin typeface="Cambria Math" panose="02040503050406030204" pitchFamily="18" charset="0"/>
-                              </a:rPr>
-                              <m:t>−</m:t>
-                            </m:r>
-                            <m:r>
-                              <a:rPr lang="pt-BR" sz="2600" b="0" i="1" smtClean="0">
-                                <a:latin typeface="Cambria Math" panose="02040503050406030204" pitchFamily="18" charset="0"/>
-                              </a:rPr>
-                              <m:t>𝑦</m:t>
-                            </m:r>
-                            <m:func>
-                              <m:funcPr>
-                                <m:ctrlPr>
-                                  <a:rPr lang="pt-BR" sz="2600" b="0" i="1" smtClean="0">
-                                    <a:latin typeface="Cambria Math" panose="02040503050406030204" pitchFamily="18" charset="0"/>
-                                  </a:rPr>
-                                </m:ctrlPr>
-                              </m:funcPr>
-                              <m:fName>
-                                <m:r>
-                                  <m:rPr>
-                                    <m:sty m:val="p"/>
-                                  </m:rPr>
-                                  <a:rPr lang="pt-BR" sz="2600" b="0" i="0" smtClean="0">
-                                    <a:latin typeface="Cambria Math" panose="02040503050406030204" pitchFamily="18" charset="0"/>
-                                  </a:rPr>
-                                  <m:t>log</m:t>
-                                </m:r>
-                              </m:fName>
-                              <m:e>
-                                <m:r>
-                                  <a:rPr lang="pt-BR" sz="2600" b="0" i="1" smtClean="0">
-                                    <a:latin typeface="Cambria Math" panose="02040503050406030204" pitchFamily="18" charset="0"/>
-                                  </a:rPr>
-                                  <m:t>(</m:t>
-                                </m:r>
-                                <m:sSub>
-                                  <m:sSubPr>
-                                    <m:ctrlPr>
-                                      <a:rPr lang="pt-BR" sz="2600" i="1">
-                                        <a:latin typeface="Cambria Math" panose="02040503050406030204" pitchFamily="18" charset="0"/>
-                                      </a:rPr>
-                                    </m:ctrlPr>
-                                  </m:sSubPr>
-                                  <m:e>
-                                    <m:r>
-                                      <a:rPr lang="pt-BR" sz="2600" i="1">
-                                        <a:latin typeface="Cambria Math" panose="02040503050406030204" pitchFamily="18" charset="0"/>
-                                      </a:rPr>
-                                      <m:t>h</m:t>
-                                    </m:r>
-                                  </m:e>
-                                  <m:sub>
-                                    <m:r>
-                                      <a:rPr lang="pt-BR" sz="2600" b="1" i="1">
-                                        <a:latin typeface="Cambria Math" panose="02040503050406030204" pitchFamily="18" charset="0"/>
-                                      </a:rPr>
-                                      <m:t>𝒂</m:t>
-                                    </m:r>
-                                  </m:sub>
-                                </m:sSub>
-                                <m:d>
-                                  <m:dPr>
-                                    <m:ctrlPr>
-                                      <a:rPr lang="pt-BR" sz="2600" i="1">
-                                        <a:latin typeface="Cambria Math" panose="02040503050406030204" pitchFamily="18" charset="0"/>
-                                      </a:rPr>
-                                    </m:ctrlPr>
-                                  </m:dPr>
-                                  <m:e>
-                                    <m:r>
-                                      <a:rPr lang="pt-BR" sz="2600" b="1" i="1">
-                                        <a:latin typeface="Cambria Math" panose="02040503050406030204" pitchFamily="18" charset="0"/>
-                                      </a:rPr>
-                                      <m:t>𝒙</m:t>
-                                    </m:r>
-                                    <m:d>
-                                      <m:dPr>
-                                        <m:ctrlPr>
-                                          <a:rPr lang="pt-BR" sz="2600" i="1">
-                                            <a:latin typeface="Cambria Math" panose="02040503050406030204" pitchFamily="18" charset="0"/>
-                                          </a:rPr>
-                                        </m:ctrlPr>
-                                      </m:dPr>
-                                      <m:e>
-                                        <m:r>
-                                          <a:rPr lang="pt-BR" sz="2600" i="1">
-                                            <a:latin typeface="Cambria Math" panose="02040503050406030204" pitchFamily="18" charset="0"/>
-                                          </a:rPr>
-                                          <m:t>𝑖</m:t>
-                                        </m:r>
-                                      </m:e>
-                                    </m:d>
-                                  </m:e>
-                                </m:d>
-                                <m:r>
-                                  <a:rPr lang="pt-BR" sz="2600" b="0" i="1" smtClean="0">
-                                    <a:latin typeface="Cambria Math" panose="02040503050406030204" pitchFamily="18" charset="0"/>
-                                  </a:rPr>
-                                  <m:t>)</m:t>
-                                </m:r>
-                              </m:e>
-                            </m:func>
-                          </m:e>
-                        </m:groupChr>
-                      </m:e>
-                      <m:lim>
-                        <m:r>
-                          <m:rPr>
-                            <m:sty m:val="p"/>
-                          </m:rPr>
-                          <a:rPr lang="pt-BR" sz="2600" b="0" i="0" smtClean="0">
-                            <a:latin typeface="Cambria Math" panose="02040503050406030204" pitchFamily="18" charset="0"/>
-                          </a:rPr>
-                          <m:t>S</m:t>
-                        </m:r>
-                        <m:r>
-                          <a:rPr lang="pt-BR" sz="2600" b="0" i="0" smtClean="0">
-                            <a:latin typeface="Cambria Math" panose="02040503050406030204" pitchFamily="18" charset="0"/>
-                          </a:rPr>
-                          <m:t>ó </m:t>
-                        </m:r>
-                        <m:r>
-                          <m:rPr>
-                            <m:sty m:val="p"/>
-                          </m:rPr>
-                          <a:rPr lang="pt-BR" sz="2600" b="0" i="0" smtClean="0">
-                            <a:latin typeface="Cambria Math" panose="02040503050406030204" pitchFamily="18" charset="0"/>
-                          </a:rPr>
-                          <m:t>exerce</m:t>
-                        </m:r>
-                        <m:r>
-                          <a:rPr lang="pt-BR" sz="2600" b="0" i="0" smtClean="0">
-                            <a:latin typeface="Cambria Math" panose="02040503050406030204" pitchFamily="18" charset="0"/>
-                          </a:rPr>
-                          <m:t> </m:t>
-                        </m:r>
-                        <m:r>
-                          <m:rPr>
-                            <m:sty m:val="p"/>
-                          </m:rPr>
-                          <a:rPr lang="pt-BR" sz="2600" b="0" i="0" smtClean="0">
-                            <a:latin typeface="Cambria Math" panose="02040503050406030204" pitchFamily="18" charset="0"/>
-                          </a:rPr>
-                          <m:t>influ</m:t>
-                        </m:r>
-                        <m:r>
-                          <a:rPr lang="pt-BR" sz="2600" b="0" i="0" smtClean="0">
-                            <a:latin typeface="Cambria Math" panose="02040503050406030204" pitchFamily="18" charset="0"/>
-                          </a:rPr>
-                          <m:t>ê</m:t>
-                        </m:r>
-                        <m:r>
-                          <m:rPr>
-                            <m:sty m:val="p"/>
-                          </m:rPr>
-                          <a:rPr lang="pt-BR" sz="2600" b="0" i="0" smtClean="0">
-                            <a:latin typeface="Cambria Math" panose="02040503050406030204" pitchFamily="18" charset="0"/>
-                          </a:rPr>
-                          <m:t>ncia</m:t>
-                        </m:r>
-                        <m:r>
-                          <a:rPr lang="pt-BR" sz="2600" b="0" i="0" smtClean="0">
-                            <a:latin typeface="Cambria Math" panose="02040503050406030204" pitchFamily="18" charset="0"/>
-                          </a:rPr>
-                          <m:t> </m:t>
-                        </m:r>
-                        <m:r>
-                          <m:rPr>
-                            <m:sty m:val="p"/>
-                          </m:rPr>
-                          <a:rPr lang="pt-BR" sz="2600" b="0" i="0" smtClean="0">
-                            <a:latin typeface="Cambria Math" panose="02040503050406030204" pitchFamily="18" charset="0"/>
-                          </a:rPr>
-                          <m:t>no</m:t>
-                        </m:r>
-                        <m:r>
-                          <a:rPr lang="pt-BR" sz="2600" b="0" i="0" smtClean="0">
-                            <a:latin typeface="Cambria Math" panose="02040503050406030204" pitchFamily="18" charset="0"/>
-                          </a:rPr>
-                          <m:t> </m:t>
-                        </m:r>
-                        <m:r>
-                          <m:rPr>
-                            <m:sty m:val="p"/>
-                          </m:rPr>
-                          <a:rPr lang="pt-BR" sz="2600" b="0" i="0" smtClean="0">
-                            <a:latin typeface="Cambria Math" panose="02040503050406030204" pitchFamily="18" charset="0"/>
-                          </a:rPr>
-                          <m:t>erro</m:t>
-                        </m:r>
-                        <m:r>
-                          <a:rPr lang="pt-BR" sz="2600" b="0" i="0" smtClean="0">
-                            <a:latin typeface="Cambria Math" panose="02040503050406030204" pitchFamily="18" charset="0"/>
-                          </a:rPr>
-                          <m:t> </m:t>
-                        </m:r>
-                        <m:r>
-                          <m:rPr>
-                            <m:sty m:val="p"/>
-                          </m:rPr>
-                          <a:rPr lang="pt-BR" sz="2600" b="0" i="0" smtClean="0">
-                            <a:latin typeface="Cambria Math" panose="02040503050406030204" pitchFamily="18" charset="0"/>
-                          </a:rPr>
-                          <m:t>se</m:t>
-                        </m:r>
-                        <m:r>
-                          <a:rPr lang="pt-BR" sz="2600" b="0" i="0" smtClean="0">
-                            <a:latin typeface="Cambria Math" panose="02040503050406030204" pitchFamily="18" charset="0"/>
-                          </a:rPr>
-                          <m:t> </m:t>
-                        </m:r>
-                        <m:r>
-                          <a:rPr lang="pt-BR" sz="2600" b="0" i="1" smtClean="0">
-                            <a:latin typeface="Cambria Math" panose="02040503050406030204" pitchFamily="18" charset="0"/>
-                          </a:rPr>
-                          <m:t>𝑦</m:t>
-                        </m:r>
-                        <m:d>
-                          <m:dPr>
-                            <m:ctrlPr>
-                              <a:rPr lang="pt-BR" sz="2600" i="1">
-                                <a:latin typeface="Cambria Math" panose="02040503050406030204" pitchFamily="18" charset="0"/>
-                              </a:rPr>
-                            </m:ctrlPr>
-                          </m:dPr>
-                          <m:e>
-                            <m:r>
-                              <a:rPr lang="pt-BR" sz="2600" i="1">
-                                <a:latin typeface="Cambria Math" panose="02040503050406030204" pitchFamily="18" charset="0"/>
-                              </a:rPr>
-                              <m:t>𝑖</m:t>
-                            </m:r>
-                          </m:e>
-                        </m:d>
-                        <m:r>
-                          <a:rPr lang="pt-BR" sz="2600" b="0" i="1" smtClean="0">
-                            <a:latin typeface="Cambria Math" panose="02040503050406030204" pitchFamily="18" charset="0"/>
-                          </a:rPr>
-                          <m:t>=1</m:t>
-                        </m:r>
-                      </m:lim>
-                    </m:limLow>
-                    <m:r>
-                      <a:rPr lang="pt-BR" sz="2600" b="0" i="1" smtClean="0">
-                        <a:latin typeface="Cambria Math" panose="02040503050406030204" pitchFamily="18" charset="0"/>
-                      </a:rPr>
-                      <m:t> </m:t>
-                    </m:r>
-                    <m:limLow>
-                      <m:limLowPr>
-                        <m:ctrlPr>
-                          <a:rPr lang="pt-BR" sz="2600" b="0" i="1" smtClean="0">
-                            <a:latin typeface="Cambria Math" panose="02040503050406030204" pitchFamily="18" charset="0"/>
-                          </a:rPr>
-                        </m:ctrlPr>
-                      </m:limLowPr>
-                      <m:e>
-                        <m:groupChr>
-                          <m:groupChrPr>
-                            <m:chr m:val="⏟"/>
-                            <m:ctrlPr>
-                              <a:rPr lang="pt-BR" sz="2600" b="0" i="1" smtClean="0">
-                                <a:latin typeface="Cambria Math" panose="02040503050406030204" pitchFamily="18" charset="0"/>
-                              </a:rPr>
-                            </m:ctrlPr>
-                          </m:groupChrPr>
-                          <m:e>
-                            <m:r>
-                              <a:rPr lang="pt-BR" sz="2600" i="1">
-                                <a:latin typeface="Cambria Math" panose="02040503050406030204" pitchFamily="18" charset="0"/>
-                              </a:rPr>
-                              <m:t>−</m:t>
-                            </m:r>
-                            <m:r>
-                              <a:rPr lang="pt-BR" sz="2600" b="0" i="1" smtClean="0">
-                                <a:latin typeface="Cambria Math" panose="02040503050406030204" pitchFamily="18" charset="0"/>
-                              </a:rPr>
-                              <m:t>(1−</m:t>
-                            </m:r>
-                            <m:r>
-                              <a:rPr lang="pt-BR" sz="2600" i="1">
-                                <a:latin typeface="Cambria Math" panose="02040503050406030204" pitchFamily="18" charset="0"/>
-                              </a:rPr>
-                              <m:t>𝑦</m:t>
-                            </m:r>
-                            <m:d>
-                              <m:dPr>
-                                <m:ctrlPr>
-                                  <a:rPr lang="pt-BR" sz="2600" i="1">
-                                    <a:latin typeface="Cambria Math" panose="02040503050406030204" pitchFamily="18" charset="0"/>
-                                  </a:rPr>
-                                </m:ctrlPr>
-                              </m:dPr>
-                              <m:e>
-                                <m:r>
-                                  <a:rPr lang="pt-BR" sz="2600" i="1">
-                                    <a:latin typeface="Cambria Math" panose="02040503050406030204" pitchFamily="18" charset="0"/>
-                                  </a:rPr>
-                                  <m:t>𝑖</m:t>
-                                </m:r>
-                              </m:e>
-                            </m:d>
-                            <m:r>
-                              <a:rPr lang="pt-BR" sz="2600" b="0" i="1" smtClean="0">
-                                <a:latin typeface="Cambria Math" panose="02040503050406030204" pitchFamily="18" charset="0"/>
-                              </a:rPr>
-                              <m:t>)</m:t>
-                            </m:r>
-                            <m:func>
-                              <m:funcPr>
-                                <m:ctrlPr>
-                                  <a:rPr lang="pt-BR" sz="2600" i="1">
-                                    <a:latin typeface="Cambria Math" panose="02040503050406030204" pitchFamily="18" charset="0"/>
-                                  </a:rPr>
-                                </m:ctrlPr>
-                              </m:funcPr>
-                              <m:fName>
-                                <m:r>
-                                  <m:rPr>
-                                    <m:sty m:val="p"/>
-                                  </m:rPr>
-                                  <a:rPr lang="pt-BR" sz="2600">
-                                    <a:latin typeface="Cambria Math" panose="02040503050406030204" pitchFamily="18" charset="0"/>
-                                  </a:rPr>
-                                  <m:t>log</m:t>
-                                </m:r>
-                              </m:fName>
-                              <m:e>
-                                <m:r>
-                                  <a:rPr lang="pt-BR" sz="2600" i="1">
-                                    <a:latin typeface="Cambria Math" panose="02040503050406030204" pitchFamily="18" charset="0"/>
-                                  </a:rPr>
-                                  <m:t>(</m:t>
-                                </m:r>
-                                <m:sSub>
-                                  <m:sSubPr>
-                                    <m:ctrlPr>
-                                      <a:rPr lang="pt-BR" sz="2600" i="1">
-                                        <a:latin typeface="Cambria Math" panose="02040503050406030204" pitchFamily="18" charset="0"/>
-                                      </a:rPr>
-                                    </m:ctrlPr>
-                                  </m:sSubPr>
-                                  <m:e>
-                                    <m:r>
-                                      <a:rPr lang="pt-BR" sz="2600" b="0" i="1" smtClean="0">
-                                        <a:latin typeface="Cambria Math" panose="02040503050406030204" pitchFamily="18" charset="0"/>
-                                      </a:rPr>
-                                      <m:t>1−</m:t>
-                                    </m:r>
-                                    <m:r>
-                                      <a:rPr lang="pt-BR" sz="2600" i="1">
-                                        <a:latin typeface="Cambria Math" panose="02040503050406030204" pitchFamily="18" charset="0"/>
-                                      </a:rPr>
-                                      <m:t>h</m:t>
-                                    </m:r>
-                                  </m:e>
-                                  <m:sub>
-                                    <m:r>
-                                      <a:rPr lang="pt-BR" sz="2600" b="1" i="1">
-                                        <a:latin typeface="Cambria Math" panose="02040503050406030204" pitchFamily="18" charset="0"/>
-                                      </a:rPr>
-                                      <m:t>𝒂</m:t>
-                                    </m:r>
-                                  </m:sub>
-                                </m:sSub>
-                                <m:d>
-                                  <m:dPr>
-                                    <m:ctrlPr>
-                                      <a:rPr lang="pt-BR" sz="2600" i="1">
-                                        <a:latin typeface="Cambria Math" panose="02040503050406030204" pitchFamily="18" charset="0"/>
-                                      </a:rPr>
-                                    </m:ctrlPr>
-                                  </m:dPr>
-                                  <m:e>
-                                    <m:r>
-                                      <a:rPr lang="pt-BR" sz="2600" b="1" i="1">
-                                        <a:latin typeface="Cambria Math" panose="02040503050406030204" pitchFamily="18" charset="0"/>
-                                      </a:rPr>
-                                      <m:t>𝒙</m:t>
-                                    </m:r>
-                                    <m:d>
-                                      <m:dPr>
-                                        <m:ctrlPr>
-                                          <a:rPr lang="pt-BR" sz="2600" i="1">
-                                            <a:latin typeface="Cambria Math" panose="02040503050406030204" pitchFamily="18" charset="0"/>
-                                          </a:rPr>
-                                        </m:ctrlPr>
-                                      </m:dPr>
-                                      <m:e>
-                                        <m:r>
-                                          <a:rPr lang="pt-BR" sz="2600" i="1">
-                                            <a:latin typeface="Cambria Math" panose="02040503050406030204" pitchFamily="18" charset="0"/>
-                                          </a:rPr>
-                                          <m:t>𝑖</m:t>
-                                        </m:r>
-                                      </m:e>
-                                    </m:d>
-                                  </m:e>
-                                </m:d>
-                                <m:r>
-                                  <a:rPr lang="pt-BR" sz="2600" i="1">
-                                    <a:latin typeface="Cambria Math" panose="02040503050406030204" pitchFamily="18" charset="0"/>
-                                  </a:rPr>
-                                  <m:t>)</m:t>
-                                </m:r>
-                              </m:e>
-                            </m:func>
-                          </m:e>
-                        </m:groupChr>
-                      </m:e>
-                      <m:lim>
-                        <m:r>
-                          <m:rPr>
-                            <m:sty m:val="p"/>
-                          </m:rPr>
-                          <a:rPr lang="pt-BR" sz="2600" b="0" i="0" smtClean="0">
-                            <a:latin typeface="Cambria Math" panose="02040503050406030204" pitchFamily="18" charset="0"/>
-                          </a:rPr>
-                          <m:t>S</m:t>
-                        </m:r>
-                        <m:r>
-                          <a:rPr lang="pt-BR" sz="2600" b="0" i="0" smtClean="0">
-                            <a:latin typeface="Cambria Math" panose="02040503050406030204" pitchFamily="18" charset="0"/>
-                          </a:rPr>
-                          <m:t>ó </m:t>
-                        </m:r>
-                        <m:r>
-                          <m:rPr>
-                            <m:sty m:val="p"/>
-                          </m:rPr>
-                          <a:rPr lang="pt-BR" sz="2600" b="0" i="0" smtClean="0">
-                            <a:latin typeface="Cambria Math" panose="02040503050406030204" pitchFamily="18" charset="0"/>
-                          </a:rPr>
-                          <m:t>exerce</m:t>
-                        </m:r>
-                        <m:r>
-                          <a:rPr lang="pt-BR" sz="2600" b="0" i="0" smtClean="0">
-                            <a:latin typeface="Cambria Math" panose="02040503050406030204" pitchFamily="18" charset="0"/>
-                          </a:rPr>
-                          <m:t> </m:t>
-                        </m:r>
-                        <m:r>
-                          <m:rPr>
-                            <m:sty m:val="p"/>
-                          </m:rPr>
-                          <a:rPr lang="pt-BR" sz="2600" b="0" i="0" smtClean="0">
-                            <a:latin typeface="Cambria Math" panose="02040503050406030204" pitchFamily="18" charset="0"/>
-                          </a:rPr>
-                          <m:t>influ</m:t>
-                        </m:r>
-                        <m:r>
-                          <a:rPr lang="pt-BR" sz="2600">
-                            <a:latin typeface="Cambria Math" panose="02040503050406030204" pitchFamily="18" charset="0"/>
-                          </a:rPr>
-                          <m:t>ê</m:t>
-                        </m:r>
-                        <m:r>
-                          <m:rPr>
-                            <m:sty m:val="p"/>
-                          </m:rPr>
-                          <a:rPr lang="pt-BR" sz="2600">
-                            <a:latin typeface="Cambria Math" panose="02040503050406030204" pitchFamily="18" charset="0"/>
-                          </a:rPr>
-                          <m:t>ncia</m:t>
-                        </m:r>
-                        <m:r>
-                          <a:rPr lang="pt-BR" sz="2600">
-                            <a:latin typeface="Cambria Math" panose="02040503050406030204" pitchFamily="18" charset="0"/>
-                          </a:rPr>
-                          <m:t> </m:t>
-                        </m:r>
-                        <m:r>
-                          <m:rPr>
-                            <m:sty m:val="p"/>
-                          </m:rPr>
-                          <a:rPr lang="pt-BR" sz="2600">
-                            <a:latin typeface="Cambria Math" panose="02040503050406030204" pitchFamily="18" charset="0"/>
-                          </a:rPr>
-                          <m:t>no</m:t>
-                        </m:r>
-                        <m:r>
-                          <a:rPr lang="pt-BR" sz="2600">
-                            <a:latin typeface="Cambria Math" panose="02040503050406030204" pitchFamily="18" charset="0"/>
-                          </a:rPr>
-                          <m:t> </m:t>
-                        </m:r>
-                        <m:r>
-                          <m:rPr>
-                            <m:sty m:val="p"/>
-                          </m:rPr>
-                          <a:rPr lang="pt-BR" sz="2600">
-                            <a:latin typeface="Cambria Math" panose="02040503050406030204" pitchFamily="18" charset="0"/>
-                          </a:rPr>
-                          <m:t>erro</m:t>
-                        </m:r>
-                        <m:r>
-                          <a:rPr lang="pt-BR" sz="2600">
-                            <a:latin typeface="Cambria Math" panose="02040503050406030204" pitchFamily="18" charset="0"/>
-                          </a:rPr>
-                          <m:t> </m:t>
-                        </m:r>
-                        <m:r>
-                          <m:rPr>
-                            <m:sty m:val="p"/>
-                          </m:rPr>
-                          <a:rPr lang="pt-BR" sz="2600">
-                            <a:latin typeface="Cambria Math" panose="02040503050406030204" pitchFamily="18" charset="0"/>
-                          </a:rPr>
-                          <m:t>se</m:t>
-                        </m:r>
-                        <m:r>
-                          <a:rPr lang="pt-BR" sz="2600">
-                            <a:latin typeface="Cambria Math" panose="02040503050406030204" pitchFamily="18" charset="0"/>
-                          </a:rPr>
-                          <m:t> </m:t>
-                        </m:r>
-                        <m:r>
-                          <a:rPr lang="pt-BR" sz="2600" i="1">
-                            <a:latin typeface="Cambria Math" panose="02040503050406030204" pitchFamily="18" charset="0"/>
-                          </a:rPr>
-                          <m:t>𝑦</m:t>
-                        </m:r>
-                        <m:d>
-                          <m:dPr>
-                            <m:ctrlPr>
-                              <a:rPr lang="pt-BR" sz="2600" i="1">
-                                <a:latin typeface="Cambria Math" panose="02040503050406030204" pitchFamily="18" charset="0"/>
-                              </a:rPr>
-                            </m:ctrlPr>
-                          </m:dPr>
-                          <m:e>
-                            <m:r>
-                              <a:rPr lang="pt-BR" sz="2600" i="1">
-                                <a:latin typeface="Cambria Math" panose="02040503050406030204" pitchFamily="18" charset="0"/>
-                              </a:rPr>
-                              <m:t>𝑖</m:t>
-                            </m:r>
-                          </m:e>
-                        </m:d>
-                        <m:r>
-                          <a:rPr lang="pt-BR" sz="2600" i="1">
-                            <a:latin typeface="Cambria Math" panose="02040503050406030204" pitchFamily="18" charset="0"/>
-                          </a:rPr>
-                          <m:t>=0</m:t>
-                        </m:r>
-                      </m:lim>
-                    </m:limLow>
-                  </m:oMath>
+                  <m:oMathPara xmlns:m="http://schemas.openxmlformats.org/officeDocument/2006/math">
+                    <m:oMathParaPr>
+                      <m:jc m:val="centerGroup"/>
+                    </m:oMathParaPr>
+                    <m:oMath xmlns:m="http://schemas.openxmlformats.org/officeDocument/2006/math">
+                      <m:r>
+                        <a:rPr lang="pt-BR" sz="2400" i="1">
+                          <a:latin typeface="Cambria Math" panose="02040503050406030204" pitchFamily="18" charset="0"/>
+                        </a:rPr>
+                        <m:t>𝐸𝑟𝑟𝑜</m:t>
+                      </m:r>
+                      <m:d>
+                        <m:dPr>
+                          <m:ctrlPr>
+                            <a:rPr lang="pt-BR" sz="2400" i="1">
+                              <a:latin typeface="Cambria Math" panose="02040503050406030204" pitchFamily="18" charset="0"/>
+                            </a:rPr>
+                          </m:ctrlPr>
+                        </m:dPr>
+                        <m:e>
+                          <m:sSub>
+                            <m:sSubPr>
+                              <m:ctrlPr>
+                                <a:rPr lang="pt-BR" sz="2400" i="1">
+                                  <a:latin typeface="Cambria Math" panose="02040503050406030204" pitchFamily="18" charset="0"/>
+                                </a:rPr>
+                              </m:ctrlPr>
+                            </m:sSubPr>
+                            <m:e>
+                              <m:r>
+                                <a:rPr lang="pt-BR" sz="2400" i="1">
+                                  <a:latin typeface="Cambria Math" panose="02040503050406030204" pitchFamily="18" charset="0"/>
+                                </a:rPr>
+                                <m:t>h</m:t>
+                              </m:r>
+                            </m:e>
+                            <m:sub>
+                              <m:r>
+                                <a:rPr lang="pt-BR" sz="2400" b="1" i="1">
+                                  <a:latin typeface="Cambria Math" panose="02040503050406030204" pitchFamily="18" charset="0"/>
+                                </a:rPr>
+                                <m:t>𝒂</m:t>
+                              </m:r>
+                            </m:sub>
+                          </m:sSub>
+                          <m:d>
+                            <m:dPr>
+                              <m:ctrlPr>
+                                <a:rPr lang="pt-BR" sz="2400" i="1">
+                                  <a:latin typeface="Cambria Math" panose="02040503050406030204" pitchFamily="18" charset="0"/>
+                                </a:rPr>
+                              </m:ctrlPr>
+                            </m:dPr>
+                            <m:e>
+                              <m:r>
+                                <a:rPr lang="pt-BR" sz="2400" b="1" i="1">
+                                  <a:latin typeface="Cambria Math" panose="02040503050406030204" pitchFamily="18" charset="0"/>
+                                </a:rPr>
+                                <m:t>𝒙</m:t>
+                              </m:r>
+                              <m:d>
+                                <m:dPr>
+                                  <m:ctrlPr>
+                                    <a:rPr lang="pt-BR" sz="2400" i="1">
+                                      <a:latin typeface="Cambria Math" panose="02040503050406030204" pitchFamily="18" charset="0"/>
+                                    </a:rPr>
+                                  </m:ctrlPr>
+                                </m:dPr>
+                                <m:e>
+                                  <m:r>
+                                    <a:rPr lang="pt-BR" sz="2400" i="1">
+                                      <a:latin typeface="Cambria Math" panose="02040503050406030204" pitchFamily="18" charset="0"/>
+                                    </a:rPr>
+                                    <m:t>𝑖</m:t>
+                                  </m:r>
+                                </m:e>
+                              </m:d>
+                            </m:e>
+                          </m:d>
+                          <m:r>
+                            <a:rPr lang="pt-BR" sz="2400" i="1">
+                              <a:latin typeface="Cambria Math" panose="02040503050406030204" pitchFamily="18" charset="0"/>
+                            </a:rPr>
+                            <m:t>;</m:t>
+                          </m:r>
+                          <m:r>
+                            <a:rPr lang="pt-BR" sz="2400" i="1">
+                              <a:latin typeface="Cambria Math" panose="02040503050406030204" pitchFamily="18" charset="0"/>
+                            </a:rPr>
+                            <m:t>𝑦</m:t>
+                          </m:r>
+                          <m:d>
+                            <m:dPr>
+                              <m:ctrlPr>
+                                <a:rPr lang="pt-BR" sz="2400" i="1">
+                                  <a:latin typeface="Cambria Math" panose="02040503050406030204" pitchFamily="18" charset="0"/>
+                                </a:rPr>
+                              </m:ctrlPr>
+                            </m:dPr>
+                            <m:e>
+                              <m:r>
+                                <a:rPr lang="pt-BR" sz="2400" i="1">
+                                  <a:latin typeface="Cambria Math" panose="02040503050406030204" pitchFamily="18" charset="0"/>
+                                </a:rPr>
+                                <m:t>𝑖</m:t>
+                              </m:r>
+                            </m:e>
+                          </m:d>
+                        </m:e>
+                      </m:d>
+                      <m:r>
+                        <a:rPr lang="pt-BR" sz="2400" b="0" i="1" smtClean="0">
+                          <a:latin typeface="Cambria Math" panose="02040503050406030204" pitchFamily="18" charset="0"/>
+                        </a:rPr>
+                        <m:t>=</m:t>
+                      </m:r>
+                      <m:limLow>
+                        <m:limLowPr>
+                          <m:ctrlPr>
+                            <a:rPr lang="pt-BR" sz="2400" b="0" i="1" smtClean="0">
+                              <a:latin typeface="Cambria Math" panose="02040503050406030204" pitchFamily="18" charset="0"/>
+                            </a:rPr>
+                          </m:ctrlPr>
+                        </m:limLowPr>
+                        <m:e>
+                          <m:groupChr>
+                            <m:groupChrPr>
+                              <m:chr m:val="⏟"/>
+                              <m:ctrlPr>
+                                <a:rPr lang="pt-BR" sz="2400" b="0" i="1" smtClean="0">
+                                  <a:latin typeface="Cambria Math" panose="02040503050406030204" pitchFamily="18" charset="0"/>
+                                </a:rPr>
+                              </m:ctrlPr>
+                            </m:groupChrPr>
+                            <m:e>
+                              <m:r>
+                                <a:rPr lang="pt-BR" sz="2400" b="0" i="1" smtClean="0">
+                                  <a:latin typeface="Cambria Math" panose="02040503050406030204" pitchFamily="18" charset="0"/>
+                                </a:rPr>
+                                <m:t>−</m:t>
+                              </m:r>
+                              <m:r>
+                                <a:rPr lang="pt-BR" sz="2400" b="0" i="1" smtClean="0">
+                                  <a:latin typeface="Cambria Math" panose="02040503050406030204" pitchFamily="18" charset="0"/>
+                                </a:rPr>
+                                <m:t>𝑦</m:t>
+                              </m:r>
+                              <m:func>
+                                <m:funcPr>
+                                  <m:ctrlPr>
+                                    <a:rPr lang="pt-BR" sz="2400" b="0" i="1" smtClean="0">
+                                      <a:latin typeface="Cambria Math" panose="02040503050406030204" pitchFamily="18" charset="0"/>
+                                    </a:rPr>
+                                  </m:ctrlPr>
+                                </m:funcPr>
+                                <m:fName>
+                                  <m:r>
+                                    <m:rPr>
+                                      <m:sty m:val="p"/>
+                                    </m:rPr>
+                                    <a:rPr lang="pt-BR" sz="2400" b="0" i="0" smtClean="0">
+                                      <a:latin typeface="Cambria Math" panose="02040503050406030204" pitchFamily="18" charset="0"/>
+                                    </a:rPr>
+                                    <m:t>log</m:t>
+                                  </m:r>
+                                </m:fName>
+                                <m:e>
+                                  <m:r>
+                                    <a:rPr lang="pt-BR" sz="2400" b="0" i="1" smtClean="0">
+                                      <a:latin typeface="Cambria Math" panose="02040503050406030204" pitchFamily="18" charset="0"/>
+                                    </a:rPr>
+                                    <m:t>(</m:t>
+                                  </m:r>
+                                  <m:sSub>
+                                    <m:sSubPr>
+                                      <m:ctrlPr>
+                                        <a:rPr lang="pt-BR" sz="2400" i="1">
+                                          <a:latin typeface="Cambria Math" panose="02040503050406030204" pitchFamily="18" charset="0"/>
+                                        </a:rPr>
+                                      </m:ctrlPr>
+                                    </m:sSubPr>
+                                    <m:e>
+                                      <m:r>
+                                        <a:rPr lang="pt-BR" sz="2400" i="1">
+                                          <a:latin typeface="Cambria Math" panose="02040503050406030204" pitchFamily="18" charset="0"/>
+                                        </a:rPr>
+                                        <m:t>h</m:t>
+                                      </m:r>
+                                    </m:e>
+                                    <m:sub>
+                                      <m:r>
+                                        <a:rPr lang="pt-BR" sz="2400" b="1" i="1">
+                                          <a:latin typeface="Cambria Math" panose="02040503050406030204" pitchFamily="18" charset="0"/>
+                                        </a:rPr>
+                                        <m:t>𝒂</m:t>
+                                      </m:r>
+                                    </m:sub>
+                                  </m:sSub>
+                                  <m:d>
+                                    <m:dPr>
+                                      <m:ctrlPr>
+                                        <a:rPr lang="pt-BR" sz="2400" i="1">
+                                          <a:latin typeface="Cambria Math" panose="02040503050406030204" pitchFamily="18" charset="0"/>
+                                        </a:rPr>
+                                      </m:ctrlPr>
+                                    </m:dPr>
+                                    <m:e>
+                                      <m:r>
+                                        <a:rPr lang="pt-BR" sz="2400" b="1" i="1">
+                                          <a:latin typeface="Cambria Math" panose="02040503050406030204" pitchFamily="18" charset="0"/>
+                                        </a:rPr>
+                                        <m:t>𝒙</m:t>
+                                      </m:r>
+                                      <m:d>
+                                        <m:dPr>
+                                          <m:ctrlPr>
+                                            <a:rPr lang="pt-BR" sz="2400" i="1">
+                                              <a:latin typeface="Cambria Math" panose="02040503050406030204" pitchFamily="18" charset="0"/>
+                                            </a:rPr>
+                                          </m:ctrlPr>
+                                        </m:dPr>
+                                        <m:e>
+                                          <m:r>
+                                            <a:rPr lang="pt-BR" sz="2400" i="1">
+                                              <a:latin typeface="Cambria Math" panose="02040503050406030204" pitchFamily="18" charset="0"/>
+                                            </a:rPr>
+                                            <m:t>𝑖</m:t>
+                                          </m:r>
+                                        </m:e>
+                                      </m:d>
+                                    </m:e>
+                                  </m:d>
+                                  <m:r>
+                                    <a:rPr lang="pt-BR" sz="2400" b="0" i="1" smtClean="0">
+                                      <a:latin typeface="Cambria Math" panose="02040503050406030204" pitchFamily="18" charset="0"/>
+                                    </a:rPr>
+                                    <m:t>)</m:t>
+                                  </m:r>
+                                </m:e>
+                              </m:func>
+                            </m:e>
+                          </m:groupChr>
+                        </m:e>
+                        <m:lim>
+                          <m:r>
+                            <m:rPr>
+                              <m:sty m:val="p"/>
+                            </m:rPr>
+                            <a:rPr lang="pt-BR" sz="2400" b="0" i="0" smtClean="0">
+                              <a:latin typeface="Cambria Math" panose="02040503050406030204" pitchFamily="18" charset="0"/>
+                            </a:rPr>
+                            <m:t>S</m:t>
+                          </m:r>
+                          <m:r>
+                            <a:rPr lang="pt-BR" sz="2400" b="0" i="0" smtClean="0">
+                              <a:latin typeface="Cambria Math" panose="02040503050406030204" pitchFamily="18" charset="0"/>
+                            </a:rPr>
+                            <m:t>ó </m:t>
+                          </m:r>
+                          <m:r>
+                            <m:rPr>
+                              <m:sty m:val="p"/>
+                            </m:rPr>
+                            <a:rPr lang="pt-BR" sz="2400" b="0" i="0" smtClean="0">
+                              <a:latin typeface="Cambria Math" panose="02040503050406030204" pitchFamily="18" charset="0"/>
+                            </a:rPr>
+                            <m:t>exerce</m:t>
+                          </m:r>
+                          <m:r>
+                            <a:rPr lang="pt-BR" sz="2400" b="0" i="0" smtClean="0">
+                              <a:latin typeface="Cambria Math" panose="02040503050406030204" pitchFamily="18" charset="0"/>
+                            </a:rPr>
+                            <m:t> </m:t>
+                          </m:r>
+                          <m:r>
+                            <m:rPr>
+                              <m:sty m:val="p"/>
+                            </m:rPr>
+                            <a:rPr lang="pt-BR" sz="2400" b="0" i="0" smtClean="0">
+                              <a:latin typeface="Cambria Math" panose="02040503050406030204" pitchFamily="18" charset="0"/>
+                            </a:rPr>
+                            <m:t>influ</m:t>
+                          </m:r>
+                          <m:r>
+                            <a:rPr lang="pt-BR" sz="2400" b="0" i="0" smtClean="0">
+                              <a:latin typeface="Cambria Math" panose="02040503050406030204" pitchFamily="18" charset="0"/>
+                            </a:rPr>
+                            <m:t>ê</m:t>
+                          </m:r>
+                          <m:r>
+                            <m:rPr>
+                              <m:sty m:val="p"/>
+                            </m:rPr>
+                            <a:rPr lang="pt-BR" sz="2400" b="0" i="0" smtClean="0">
+                              <a:latin typeface="Cambria Math" panose="02040503050406030204" pitchFamily="18" charset="0"/>
+                            </a:rPr>
+                            <m:t>ncia</m:t>
+                          </m:r>
+                          <m:r>
+                            <a:rPr lang="pt-BR" sz="2400" b="0" i="0" smtClean="0">
+                              <a:latin typeface="Cambria Math" panose="02040503050406030204" pitchFamily="18" charset="0"/>
+                            </a:rPr>
+                            <m:t> </m:t>
+                          </m:r>
+                          <m:r>
+                            <m:rPr>
+                              <m:sty m:val="p"/>
+                            </m:rPr>
+                            <a:rPr lang="pt-BR" sz="2400" b="0" i="0" smtClean="0">
+                              <a:latin typeface="Cambria Math" panose="02040503050406030204" pitchFamily="18" charset="0"/>
+                            </a:rPr>
+                            <m:t>no</m:t>
+                          </m:r>
+                          <m:r>
+                            <a:rPr lang="pt-BR" sz="2400" b="0" i="0" smtClean="0">
+                              <a:latin typeface="Cambria Math" panose="02040503050406030204" pitchFamily="18" charset="0"/>
+                            </a:rPr>
+                            <m:t> </m:t>
+                          </m:r>
+                          <m:r>
+                            <m:rPr>
+                              <m:sty m:val="p"/>
+                            </m:rPr>
+                            <a:rPr lang="pt-BR" sz="2400" b="0" i="0" smtClean="0">
+                              <a:latin typeface="Cambria Math" panose="02040503050406030204" pitchFamily="18" charset="0"/>
+                            </a:rPr>
+                            <m:t>erro</m:t>
+                          </m:r>
+                          <m:r>
+                            <a:rPr lang="pt-BR" sz="2400" b="0" i="0" smtClean="0">
+                              <a:latin typeface="Cambria Math" panose="02040503050406030204" pitchFamily="18" charset="0"/>
+                            </a:rPr>
+                            <m:t> </m:t>
+                          </m:r>
+                          <m:r>
+                            <m:rPr>
+                              <m:sty m:val="p"/>
+                            </m:rPr>
+                            <a:rPr lang="pt-BR" sz="2400" b="0" i="0" smtClean="0">
+                              <a:latin typeface="Cambria Math" panose="02040503050406030204" pitchFamily="18" charset="0"/>
+                            </a:rPr>
+                            <m:t>se</m:t>
+                          </m:r>
+                          <m:r>
+                            <a:rPr lang="pt-BR" sz="2400" b="0" i="0" smtClean="0">
+                              <a:latin typeface="Cambria Math" panose="02040503050406030204" pitchFamily="18" charset="0"/>
+                            </a:rPr>
+                            <m:t> </m:t>
+                          </m:r>
+                          <m:r>
+                            <a:rPr lang="pt-BR" sz="2400" b="0" i="1" smtClean="0">
+                              <a:latin typeface="Cambria Math" panose="02040503050406030204" pitchFamily="18" charset="0"/>
+                            </a:rPr>
+                            <m:t>𝑦</m:t>
+                          </m:r>
+                          <m:d>
+                            <m:dPr>
+                              <m:ctrlPr>
+                                <a:rPr lang="pt-BR" sz="2400" i="1">
+                                  <a:latin typeface="Cambria Math" panose="02040503050406030204" pitchFamily="18" charset="0"/>
+                                </a:rPr>
+                              </m:ctrlPr>
+                            </m:dPr>
+                            <m:e>
+                              <m:r>
+                                <a:rPr lang="pt-BR" sz="2400" i="1">
+                                  <a:latin typeface="Cambria Math" panose="02040503050406030204" pitchFamily="18" charset="0"/>
+                                </a:rPr>
+                                <m:t>𝑖</m:t>
+                              </m:r>
+                            </m:e>
+                          </m:d>
+                          <m:r>
+                            <a:rPr lang="pt-BR" sz="2400" b="0" i="1" smtClean="0">
+                              <a:latin typeface="Cambria Math" panose="02040503050406030204" pitchFamily="18" charset="0"/>
+                            </a:rPr>
+                            <m:t>=1</m:t>
+                          </m:r>
+                        </m:lim>
+                      </m:limLow>
+                      <m:r>
+                        <a:rPr lang="pt-BR" sz="2400" b="0" i="1" smtClean="0">
+                          <a:latin typeface="Cambria Math" panose="02040503050406030204" pitchFamily="18" charset="0"/>
+                        </a:rPr>
+                        <m:t> </m:t>
+                      </m:r>
+                      <m:limLow>
+                        <m:limLowPr>
+                          <m:ctrlPr>
+                            <a:rPr lang="pt-BR" sz="2400" b="0" i="1" smtClean="0">
+                              <a:latin typeface="Cambria Math" panose="02040503050406030204" pitchFamily="18" charset="0"/>
+                            </a:rPr>
+                          </m:ctrlPr>
+                        </m:limLowPr>
+                        <m:e>
+                          <m:groupChr>
+                            <m:groupChrPr>
+                              <m:chr m:val="⏟"/>
+                              <m:ctrlPr>
+                                <a:rPr lang="pt-BR" sz="2400" b="0" i="1" smtClean="0">
+                                  <a:latin typeface="Cambria Math" panose="02040503050406030204" pitchFamily="18" charset="0"/>
+                                </a:rPr>
+                              </m:ctrlPr>
+                            </m:groupChrPr>
+                            <m:e>
+                              <m:r>
+                                <a:rPr lang="pt-BR" sz="2400" i="1">
+                                  <a:latin typeface="Cambria Math" panose="02040503050406030204" pitchFamily="18" charset="0"/>
+                                </a:rPr>
+                                <m:t>−</m:t>
+                              </m:r>
+                              <m:r>
+                                <a:rPr lang="pt-BR" sz="2400" b="0" i="1" smtClean="0">
+                                  <a:latin typeface="Cambria Math" panose="02040503050406030204" pitchFamily="18" charset="0"/>
+                                </a:rPr>
+                                <m:t>(1−</m:t>
+                              </m:r>
+                              <m:r>
+                                <a:rPr lang="pt-BR" sz="2400" i="1">
+                                  <a:latin typeface="Cambria Math" panose="02040503050406030204" pitchFamily="18" charset="0"/>
+                                </a:rPr>
+                                <m:t>𝑦</m:t>
+                              </m:r>
+                              <m:d>
+                                <m:dPr>
+                                  <m:ctrlPr>
+                                    <a:rPr lang="pt-BR" sz="2400" i="1">
+                                      <a:latin typeface="Cambria Math" panose="02040503050406030204" pitchFamily="18" charset="0"/>
+                                    </a:rPr>
+                                  </m:ctrlPr>
+                                </m:dPr>
+                                <m:e>
+                                  <m:r>
+                                    <a:rPr lang="pt-BR" sz="2400" i="1">
+                                      <a:latin typeface="Cambria Math" panose="02040503050406030204" pitchFamily="18" charset="0"/>
+                                    </a:rPr>
+                                    <m:t>𝑖</m:t>
+                                  </m:r>
+                                </m:e>
+                              </m:d>
+                              <m:r>
+                                <a:rPr lang="pt-BR" sz="2400" b="0" i="1" smtClean="0">
+                                  <a:latin typeface="Cambria Math" panose="02040503050406030204" pitchFamily="18" charset="0"/>
+                                </a:rPr>
+                                <m:t>)</m:t>
+                              </m:r>
+                              <m:func>
+                                <m:funcPr>
+                                  <m:ctrlPr>
+                                    <a:rPr lang="pt-BR" sz="2400" i="1">
+                                      <a:latin typeface="Cambria Math" panose="02040503050406030204" pitchFamily="18" charset="0"/>
+                                    </a:rPr>
+                                  </m:ctrlPr>
+                                </m:funcPr>
+                                <m:fName>
+                                  <m:r>
+                                    <m:rPr>
+                                      <m:sty m:val="p"/>
+                                    </m:rPr>
+                                    <a:rPr lang="pt-BR" sz="2400">
+                                      <a:latin typeface="Cambria Math" panose="02040503050406030204" pitchFamily="18" charset="0"/>
+                                    </a:rPr>
+                                    <m:t>log</m:t>
+                                  </m:r>
+                                </m:fName>
+                                <m:e>
+                                  <m:d>
+                                    <m:dPr>
+                                      <m:ctrlPr>
+                                        <a:rPr lang="pt-BR" sz="2400" i="1">
+                                          <a:latin typeface="Cambria Math" panose="02040503050406030204" pitchFamily="18" charset="0"/>
+                                        </a:rPr>
+                                      </m:ctrlPr>
+                                    </m:dPr>
+                                    <m:e>
+                                      <m:sSub>
+                                        <m:sSubPr>
+                                          <m:ctrlPr>
+                                            <a:rPr lang="pt-BR" sz="2400" i="1">
+                                              <a:latin typeface="Cambria Math" panose="02040503050406030204" pitchFamily="18" charset="0"/>
+                                            </a:rPr>
+                                          </m:ctrlPr>
+                                        </m:sSubPr>
+                                        <m:e>
+                                          <m:r>
+                                            <a:rPr lang="pt-BR" sz="2400" b="0" i="1" smtClean="0">
+                                              <a:latin typeface="Cambria Math" panose="02040503050406030204" pitchFamily="18" charset="0"/>
+                                            </a:rPr>
+                                            <m:t>1−</m:t>
+                                          </m:r>
+                                          <m:r>
+                                            <a:rPr lang="pt-BR" sz="2400" i="1">
+                                              <a:latin typeface="Cambria Math" panose="02040503050406030204" pitchFamily="18" charset="0"/>
+                                            </a:rPr>
+                                            <m:t>h</m:t>
+                                          </m:r>
+                                        </m:e>
+                                        <m:sub>
+                                          <m:r>
+                                            <a:rPr lang="pt-BR" sz="2400" b="1" i="1">
+                                              <a:latin typeface="Cambria Math" panose="02040503050406030204" pitchFamily="18" charset="0"/>
+                                            </a:rPr>
+                                            <m:t>𝒂</m:t>
+                                          </m:r>
+                                        </m:sub>
+                                      </m:sSub>
+                                      <m:d>
+                                        <m:dPr>
+                                          <m:ctrlPr>
+                                            <a:rPr lang="pt-BR" sz="2400" i="1">
+                                              <a:latin typeface="Cambria Math" panose="02040503050406030204" pitchFamily="18" charset="0"/>
+                                            </a:rPr>
+                                          </m:ctrlPr>
+                                        </m:dPr>
+                                        <m:e>
+                                          <m:r>
+                                            <a:rPr lang="pt-BR" sz="2400" b="1" i="1">
+                                              <a:latin typeface="Cambria Math" panose="02040503050406030204" pitchFamily="18" charset="0"/>
+                                            </a:rPr>
+                                            <m:t>𝒙</m:t>
+                                          </m:r>
+                                          <m:d>
+                                            <m:dPr>
+                                              <m:ctrlPr>
+                                                <a:rPr lang="pt-BR" sz="2400" i="1">
+                                                  <a:latin typeface="Cambria Math" panose="02040503050406030204" pitchFamily="18" charset="0"/>
+                                                </a:rPr>
+                                              </m:ctrlPr>
+                                            </m:dPr>
+                                            <m:e>
+                                              <m:r>
+                                                <a:rPr lang="pt-BR" sz="2400" i="1">
+                                                  <a:latin typeface="Cambria Math" panose="02040503050406030204" pitchFamily="18" charset="0"/>
+                                                </a:rPr>
+                                                <m:t>𝑖</m:t>
+                                              </m:r>
+                                            </m:e>
+                                          </m:d>
+                                        </m:e>
+                                      </m:d>
+                                    </m:e>
+                                  </m:d>
+                                  <m:r>
+                                    <a:rPr lang="pt-BR" sz="2400" b="0" i="1" smtClean="0">
+                                      <a:latin typeface="Cambria Math" panose="02040503050406030204" pitchFamily="18" charset="0"/>
+                                    </a:rPr>
+                                    <m:t>.</m:t>
+                                  </m:r>
+                                </m:e>
+                              </m:func>
+                            </m:e>
+                          </m:groupChr>
+                        </m:e>
+                        <m:lim>
+                          <m:r>
+                            <m:rPr>
+                              <m:sty m:val="p"/>
+                            </m:rPr>
+                            <a:rPr lang="pt-BR" sz="2400" b="0" i="0" smtClean="0">
+                              <a:latin typeface="Cambria Math" panose="02040503050406030204" pitchFamily="18" charset="0"/>
+                            </a:rPr>
+                            <m:t>S</m:t>
+                          </m:r>
+                          <m:r>
+                            <a:rPr lang="pt-BR" sz="2400" b="0" i="0" smtClean="0">
+                              <a:latin typeface="Cambria Math" panose="02040503050406030204" pitchFamily="18" charset="0"/>
+                            </a:rPr>
+                            <m:t>ó </m:t>
+                          </m:r>
+                          <m:r>
+                            <m:rPr>
+                              <m:sty m:val="p"/>
+                            </m:rPr>
+                            <a:rPr lang="pt-BR" sz="2400" b="0" i="0" smtClean="0">
+                              <a:latin typeface="Cambria Math" panose="02040503050406030204" pitchFamily="18" charset="0"/>
+                            </a:rPr>
+                            <m:t>exerce</m:t>
+                          </m:r>
+                          <m:r>
+                            <a:rPr lang="pt-BR" sz="2400" b="0" i="0" smtClean="0">
+                              <a:latin typeface="Cambria Math" panose="02040503050406030204" pitchFamily="18" charset="0"/>
+                            </a:rPr>
+                            <m:t> </m:t>
+                          </m:r>
+                          <m:r>
+                            <m:rPr>
+                              <m:sty m:val="p"/>
+                            </m:rPr>
+                            <a:rPr lang="pt-BR" sz="2400" b="0" i="0" smtClean="0">
+                              <a:latin typeface="Cambria Math" panose="02040503050406030204" pitchFamily="18" charset="0"/>
+                            </a:rPr>
+                            <m:t>influ</m:t>
+                          </m:r>
+                          <m:r>
+                            <a:rPr lang="pt-BR" sz="2400">
+                              <a:latin typeface="Cambria Math" panose="02040503050406030204" pitchFamily="18" charset="0"/>
+                            </a:rPr>
+                            <m:t>ê</m:t>
+                          </m:r>
+                          <m:r>
+                            <m:rPr>
+                              <m:sty m:val="p"/>
+                            </m:rPr>
+                            <a:rPr lang="pt-BR" sz="2400">
+                              <a:latin typeface="Cambria Math" panose="02040503050406030204" pitchFamily="18" charset="0"/>
+                            </a:rPr>
+                            <m:t>ncia</m:t>
+                          </m:r>
+                          <m:r>
+                            <a:rPr lang="pt-BR" sz="2400">
+                              <a:latin typeface="Cambria Math" panose="02040503050406030204" pitchFamily="18" charset="0"/>
+                            </a:rPr>
+                            <m:t> </m:t>
+                          </m:r>
+                          <m:r>
+                            <m:rPr>
+                              <m:sty m:val="p"/>
+                            </m:rPr>
+                            <a:rPr lang="pt-BR" sz="2400">
+                              <a:latin typeface="Cambria Math" panose="02040503050406030204" pitchFamily="18" charset="0"/>
+                            </a:rPr>
+                            <m:t>no</m:t>
+                          </m:r>
+                          <m:r>
+                            <a:rPr lang="pt-BR" sz="2400">
+                              <a:latin typeface="Cambria Math" panose="02040503050406030204" pitchFamily="18" charset="0"/>
+                            </a:rPr>
+                            <m:t> </m:t>
+                          </m:r>
+                          <m:r>
+                            <m:rPr>
+                              <m:sty m:val="p"/>
+                            </m:rPr>
+                            <a:rPr lang="pt-BR" sz="2400">
+                              <a:latin typeface="Cambria Math" panose="02040503050406030204" pitchFamily="18" charset="0"/>
+                            </a:rPr>
+                            <m:t>erro</m:t>
+                          </m:r>
+                          <m:r>
+                            <a:rPr lang="pt-BR" sz="2400">
+                              <a:latin typeface="Cambria Math" panose="02040503050406030204" pitchFamily="18" charset="0"/>
+                            </a:rPr>
+                            <m:t> </m:t>
+                          </m:r>
+                          <m:r>
+                            <m:rPr>
+                              <m:sty m:val="p"/>
+                            </m:rPr>
+                            <a:rPr lang="pt-BR" sz="2400">
+                              <a:latin typeface="Cambria Math" panose="02040503050406030204" pitchFamily="18" charset="0"/>
+                            </a:rPr>
+                            <m:t>se</m:t>
+                          </m:r>
+                          <m:r>
+                            <a:rPr lang="pt-BR" sz="2400">
+                              <a:latin typeface="Cambria Math" panose="02040503050406030204" pitchFamily="18" charset="0"/>
+                            </a:rPr>
+                            <m:t> </m:t>
+                          </m:r>
+                          <m:r>
+                            <a:rPr lang="pt-BR" sz="2400" i="1">
+                              <a:latin typeface="Cambria Math" panose="02040503050406030204" pitchFamily="18" charset="0"/>
+                            </a:rPr>
+                            <m:t>𝑦</m:t>
+                          </m:r>
+                          <m:d>
+                            <m:dPr>
+                              <m:ctrlPr>
+                                <a:rPr lang="pt-BR" sz="2400" i="1">
+                                  <a:latin typeface="Cambria Math" panose="02040503050406030204" pitchFamily="18" charset="0"/>
+                                </a:rPr>
+                              </m:ctrlPr>
+                            </m:dPr>
+                            <m:e>
+                              <m:r>
+                                <a:rPr lang="pt-BR" sz="2400" i="1">
+                                  <a:latin typeface="Cambria Math" panose="02040503050406030204" pitchFamily="18" charset="0"/>
+                                </a:rPr>
+                                <m:t>𝑖</m:t>
+                              </m:r>
+                            </m:e>
+                          </m:d>
+                          <m:r>
+                            <a:rPr lang="pt-BR" sz="2400" i="1">
+                              <a:latin typeface="Cambria Math" panose="02040503050406030204" pitchFamily="18" charset="0"/>
+                            </a:rPr>
+                            <m:t>=0</m:t>
+                          </m:r>
+                        </m:lim>
+                      </m:limLow>
+                    </m:oMath>
+                  </m:oMathPara>
                 </a14:m>
-                <a:r>
-                  <a:rPr lang="pt-BR" sz="2600" dirty="0"/>
-                  <a:t>.</a:t>
-                </a:r>
+                <a:endParaRPr lang="pt-BR" sz="2400" dirty="0"/>
               </a:p>
               <a:p>
                 <a:r>
@@ -7592,414 +7597,6 @@
                           </m:d>
                         </m:e>
                       </m:func>
-                    </m:oMath>
-                  </m:oMathPara>
-                </a14:m>
-                <a:endParaRPr lang="pt-BR" sz="2400" i="1" dirty="0">
-                  <a:latin typeface="Cambria Math" panose="02040503050406030204" pitchFamily="18" charset="0"/>
-                </a:endParaRPr>
-              </a:p>
-              <a:p>
-                <a:pPr marL="0" indent="0" algn="ctr">
-                  <a:buNone/>
-                </a:pPr>
-                <a14:m>
-                  <m:oMathPara xmlns:m="http://schemas.openxmlformats.org/officeDocument/2006/math">
-                    <m:oMathParaPr>
-                      <m:jc m:val="centerGroup"/>
-                    </m:oMathParaPr>
-                    <m:oMath xmlns:m="http://schemas.openxmlformats.org/officeDocument/2006/math">
-                      <m:r>
-                        <a:rPr lang="pt-BR" sz="2300" i="1">
-                          <a:latin typeface="Cambria Math" panose="02040503050406030204" pitchFamily="18" charset="0"/>
-                        </a:rPr>
-                        <m:t>=−</m:t>
-                      </m:r>
-                      <m:f>
-                        <m:fPr>
-                          <m:ctrlPr>
-                            <a:rPr lang="pt-BR" sz="2300" i="1">
-                              <a:latin typeface="Cambria Math" panose="02040503050406030204" pitchFamily="18" charset="0"/>
-                            </a:rPr>
-                          </m:ctrlPr>
-                        </m:fPr>
-                        <m:num>
-                          <m:r>
-                            <a:rPr lang="pt-BR" sz="2300" i="1">
-                              <a:latin typeface="Cambria Math" panose="02040503050406030204" pitchFamily="18" charset="0"/>
-                            </a:rPr>
-                            <m:t>1</m:t>
-                          </m:r>
-                        </m:num>
-                        <m:den>
-                          <m:r>
-                            <a:rPr lang="pt-BR" sz="2300" i="1">
-                              <a:latin typeface="Cambria Math" panose="02040503050406030204" pitchFamily="18" charset="0"/>
-                            </a:rPr>
-                            <m:t>𝑁</m:t>
-                          </m:r>
-                        </m:den>
-                      </m:f>
-                      <m:nary>
-                        <m:naryPr>
-                          <m:chr m:val="∑"/>
-                          <m:ctrlPr>
-                            <a:rPr lang="pt-BR" sz="2300" i="1">
-                              <a:latin typeface="Cambria Math" panose="02040503050406030204" pitchFamily="18" charset="0"/>
-                            </a:rPr>
-                          </m:ctrlPr>
-                        </m:naryPr>
-                        <m:sub>
-                          <m:r>
-                            <m:rPr>
-                              <m:brk m:alnAt="23"/>
-                            </m:rPr>
-                            <a:rPr lang="pt-BR" sz="2300" i="1">
-                              <a:latin typeface="Cambria Math" panose="02040503050406030204" pitchFamily="18" charset="0"/>
-                            </a:rPr>
-                            <m:t>𝑖</m:t>
-                          </m:r>
-                          <m:r>
-                            <a:rPr lang="pt-BR" sz="2300" i="1">
-                              <a:latin typeface="Cambria Math" panose="02040503050406030204" pitchFamily="18" charset="0"/>
-                            </a:rPr>
-                            <m:t>=0</m:t>
-                          </m:r>
-                        </m:sub>
-                        <m:sup>
-                          <m:r>
-                            <a:rPr lang="pt-BR" sz="2300" i="1">
-                              <a:latin typeface="Cambria Math" panose="02040503050406030204" pitchFamily="18" charset="0"/>
-                            </a:rPr>
-                            <m:t>𝑁</m:t>
-                          </m:r>
-                          <m:r>
-                            <a:rPr lang="pt-BR" sz="2300" i="1">
-                              <a:latin typeface="Cambria Math" panose="02040503050406030204" pitchFamily="18" charset="0"/>
-                            </a:rPr>
-                            <m:t>−1</m:t>
-                          </m:r>
-                        </m:sup>
-                        <m:e>
-                          <m:r>
-                            <a:rPr lang="pt-BR" sz="2300" i="1">
-                              <a:latin typeface="Cambria Math" panose="02040503050406030204" pitchFamily="18" charset="0"/>
-                            </a:rPr>
-                            <m:t>𝑦</m:t>
-                          </m:r>
-                          <m:d>
-                            <m:dPr>
-                              <m:ctrlPr>
-                                <a:rPr lang="pt-BR" sz="2300" i="1">
-                                  <a:latin typeface="Cambria Math" panose="02040503050406030204" pitchFamily="18" charset="0"/>
-                                </a:rPr>
-                              </m:ctrlPr>
-                            </m:dPr>
-                            <m:e>
-                              <m:r>
-                                <a:rPr lang="pt-BR" sz="2300" i="1">
-                                  <a:latin typeface="Cambria Math" panose="02040503050406030204" pitchFamily="18" charset="0"/>
-                                </a:rPr>
-                                <m:t>𝑖</m:t>
-                              </m:r>
-                            </m:e>
-                          </m:d>
-                          <m:func>
-                            <m:funcPr>
-                              <m:ctrlPr>
-                                <a:rPr lang="pt-BR" sz="2300" i="1">
-                                  <a:latin typeface="Cambria Math" panose="02040503050406030204" pitchFamily="18" charset="0"/>
-                                </a:rPr>
-                              </m:ctrlPr>
-                            </m:funcPr>
-                            <m:fName>
-                              <m:r>
-                                <m:rPr>
-                                  <m:sty m:val="p"/>
-                                </m:rPr>
-                                <a:rPr lang="pt-BR" sz="2300">
-                                  <a:latin typeface="Cambria Math" panose="02040503050406030204" pitchFamily="18" charset="0"/>
-                                </a:rPr>
-                                <m:t>log</m:t>
-                              </m:r>
-                            </m:fName>
-                            <m:e>
-                              <m:d>
-                                <m:dPr>
-                                  <m:ctrlPr>
-                                    <a:rPr lang="pt-BR" sz="2300" i="1">
-                                      <a:latin typeface="Cambria Math" panose="02040503050406030204" pitchFamily="18" charset="0"/>
-                                    </a:rPr>
-                                  </m:ctrlPr>
-                                </m:dPr>
-                                <m:e>
-                                  <m:r>
-                                    <a:rPr lang="pt-BR" sz="2300" i="1">
-                                      <a:latin typeface="Cambria Math" panose="02040503050406030204" pitchFamily="18" charset="0"/>
-                                    </a:rPr>
-                                    <m:t>𝑃</m:t>
-                                  </m:r>
-                                  <m:d>
-                                    <m:dPr>
-                                      <m:endChr m:val="|"/>
-                                      <m:ctrlPr>
-                                        <a:rPr lang="pt-BR" sz="2300" i="1">
-                                          <a:latin typeface="Cambria Math" panose="02040503050406030204" pitchFamily="18" charset="0"/>
-                                        </a:rPr>
-                                      </m:ctrlPr>
-                                    </m:dPr>
-                                    <m:e>
-                                      <m:sSub>
-                                        <m:sSubPr>
-                                          <m:ctrlPr>
-                                            <a:rPr lang="pt-BR" sz="2300" i="1">
-                                              <a:latin typeface="Cambria Math" panose="02040503050406030204" pitchFamily="18" charset="0"/>
-                                            </a:rPr>
-                                          </m:ctrlPr>
-                                        </m:sSubPr>
-                                        <m:e>
-                                          <m:r>
-                                            <a:rPr lang="pt-BR" sz="2300" i="1">
-                                              <a:latin typeface="Cambria Math" panose="02040503050406030204" pitchFamily="18" charset="0"/>
-                                            </a:rPr>
-                                            <m:t>𝐶</m:t>
-                                          </m:r>
-                                        </m:e>
-                                        <m:sub>
-                                          <m:r>
-                                            <a:rPr lang="pt-BR" sz="2300" b="0" i="1" smtClean="0">
-                                              <a:latin typeface="Cambria Math" panose="02040503050406030204" pitchFamily="18" charset="0"/>
-                                            </a:rPr>
-                                            <m:t>2</m:t>
-                                          </m:r>
-                                        </m:sub>
-                                      </m:sSub>
-                                      <m:r>
-                                        <a:rPr lang="pt-BR" sz="2300" i="1">
-                                          <a:latin typeface="Cambria Math" panose="02040503050406030204" pitchFamily="18" charset="0"/>
-                                        </a:rPr>
-                                        <m:t> </m:t>
-                                      </m:r>
-                                    </m:e>
-                                  </m:d>
-                                  <m:r>
-                                    <a:rPr lang="pt-BR" sz="2300" b="1" i="1" smtClean="0">
-                                      <a:latin typeface="Cambria Math" panose="02040503050406030204" pitchFamily="18" charset="0"/>
-                                    </a:rPr>
-                                    <m:t> </m:t>
-                                  </m:r>
-                                  <m:r>
-                                    <a:rPr lang="pt-BR" sz="2300" b="1" i="1">
-                                      <a:latin typeface="Cambria Math" panose="02040503050406030204" pitchFamily="18" charset="0"/>
-                                    </a:rPr>
-                                    <m:t>𝒙</m:t>
-                                  </m:r>
-                                  <m:r>
-                                    <a:rPr lang="pt-BR" sz="2300" b="0" i="1" smtClean="0">
-                                      <a:latin typeface="Cambria Math" panose="02040503050406030204" pitchFamily="18" charset="0"/>
-                                    </a:rPr>
-                                    <m:t>(</m:t>
-                                  </m:r>
-                                  <m:r>
-                                    <a:rPr lang="pt-BR" sz="2300" b="0" i="1" smtClean="0">
-                                      <a:latin typeface="Cambria Math" panose="02040503050406030204" pitchFamily="18" charset="0"/>
-                                    </a:rPr>
-                                    <m:t>𝑖</m:t>
-                                  </m:r>
-                                  <m:r>
-                                    <a:rPr lang="pt-BR" sz="2300" b="0" i="1" smtClean="0">
-                                      <a:latin typeface="Cambria Math" panose="02040503050406030204" pitchFamily="18" charset="0"/>
-                                    </a:rPr>
-                                    <m:t>);</m:t>
-                                  </m:r>
-                                  <m:r>
-                                    <a:rPr lang="pt-BR" sz="2300" b="1" i="1">
-                                      <a:latin typeface="Cambria Math" panose="02040503050406030204" pitchFamily="18" charset="0"/>
-                                    </a:rPr>
-                                    <m:t>𝒂</m:t>
-                                  </m:r>
-                                  <m:r>
-                                    <a:rPr lang="pt-BR" sz="2300" i="1">
-                                      <a:latin typeface="Cambria Math" panose="02040503050406030204" pitchFamily="18" charset="0"/>
-                                    </a:rPr>
-                                    <m:t>)</m:t>
-                                  </m:r>
-                                </m:e>
-                              </m:d>
-                            </m:e>
-                          </m:func>
-                        </m:e>
-                      </m:nary>
-                      <m:r>
-                        <a:rPr lang="pt-BR" sz="2300" i="1">
-                          <a:latin typeface="Cambria Math" panose="02040503050406030204" pitchFamily="18" charset="0"/>
-                        </a:rPr>
-                        <m:t>+</m:t>
-                      </m:r>
-                      <m:d>
-                        <m:dPr>
-                          <m:ctrlPr>
-                            <a:rPr lang="pt-BR" sz="2300" i="1">
-                              <a:latin typeface="Cambria Math" panose="02040503050406030204" pitchFamily="18" charset="0"/>
-                            </a:rPr>
-                          </m:ctrlPr>
-                        </m:dPr>
-                        <m:e>
-                          <m:r>
-                            <a:rPr lang="pt-BR" sz="2300" i="1">
-                              <a:latin typeface="Cambria Math" panose="02040503050406030204" pitchFamily="18" charset="0"/>
-                            </a:rPr>
-                            <m:t>1−</m:t>
-                          </m:r>
-                          <m:r>
-                            <a:rPr lang="pt-BR" sz="2300" i="1">
-                              <a:latin typeface="Cambria Math" panose="02040503050406030204" pitchFamily="18" charset="0"/>
-                            </a:rPr>
-                            <m:t>𝑦</m:t>
-                          </m:r>
-                          <m:d>
-                            <m:dPr>
-                              <m:ctrlPr>
-                                <a:rPr lang="pt-BR" sz="2300" i="1">
-                                  <a:latin typeface="Cambria Math" panose="02040503050406030204" pitchFamily="18" charset="0"/>
-                                </a:rPr>
-                              </m:ctrlPr>
-                            </m:dPr>
-                            <m:e>
-                              <m:r>
-                                <a:rPr lang="pt-BR" sz="2300" i="1">
-                                  <a:latin typeface="Cambria Math" panose="02040503050406030204" pitchFamily="18" charset="0"/>
-                                </a:rPr>
-                                <m:t>𝑖</m:t>
-                              </m:r>
-                            </m:e>
-                          </m:d>
-                        </m:e>
-                      </m:d>
-                      <m:func>
-                        <m:funcPr>
-                          <m:ctrlPr>
-                            <a:rPr lang="pt-BR" sz="2300" i="1">
-                              <a:latin typeface="Cambria Math" panose="02040503050406030204" pitchFamily="18" charset="0"/>
-                            </a:rPr>
-                          </m:ctrlPr>
-                        </m:funcPr>
-                        <m:fName>
-                          <m:r>
-                            <m:rPr>
-                              <m:sty m:val="p"/>
-                            </m:rPr>
-                            <a:rPr lang="pt-BR" sz="2300">
-                              <a:latin typeface="Cambria Math" panose="02040503050406030204" pitchFamily="18" charset="0"/>
-                            </a:rPr>
-                            <m:t>log</m:t>
-                          </m:r>
-                        </m:fName>
-                        <m:e>
-                          <m:d>
-                            <m:dPr>
-                              <m:ctrlPr>
-                                <a:rPr lang="pt-BR" sz="2300" i="1">
-                                  <a:latin typeface="Cambria Math" panose="02040503050406030204" pitchFamily="18" charset="0"/>
-                                </a:rPr>
-                              </m:ctrlPr>
-                            </m:dPr>
-                            <m:e>
-                              <m:r>
-                                <a:rPr lang="pt-BR" sz="2300" i="1">
-                                  <a:latin typeface="Cambria Math" panose="02040503050406030204" pitchFamily="18" charset="0"/>
-                                </a:rPr>
-                                <m:t>𝑃</m:t>
-                              </m:r>
-                              <m:d>
-                                <m:dPr>
-                                  <m:endChr m:val="|"/>
-                                  <m:ctrlPr>
-                                    <a:rPr lang="pt-BR" sz="2300" i="1">
-                                      <a:latin typeface="Cambria Math" panose="02040503050406030204" pitchFamily="18" charset="0"/>
-                                    </a:rPr>
-                                  </m:ctrlPr>
-                                </m:dPr>
-                                <m:e>
-                                  <m:sSub>
-                                    <m:sSubPr>
-                                      <m:ctrlPr>
-                                        <a:rPr lang="pt-BR" sz="2300" i="1">
-                                          <a:latin typeface="Cambria Math" panose="02040503050406030204" pitchFamily="18" charset="0"/>
-                                        </a:rPr>
-                                      </m:ctrlPr>
-                                    </m:sSubPr>
-                                    <m:e>
-                                      <m:r>
-                                        <a:rPr lang="pt-BR" sz="2300" i="1">
-                                          <a:latin typeface="Cambria Math" panose="02040503050406030204" pitchFamily="18" charset="0"/>
-                                        </a:rPr>
-                                        <m:t>𝐶</m:t>
-                                      </m:r>
-                                    </m:e>
-                                    <m:sub>
-                                      <m:r>
-                                        <a:rPr lang="pt-BR" sz="2300" b="0" i="1" smtClean="0">
-                                          <a:latin typeface="Cambria Math" panose="02040503050406030204" pitchFamily="18" charset="0"/>
-                                        </a:rPr>
-                                        <m:t>1</m:t>
-                                      </m:r>
-                                    </m:sub>
-                                  </m:sSub>
-                                  <m:r>
-                                    <a:rPr lang="pt-BR" sz="2300" i="1">
-                                      <a:latin typeface="Cambria Math" panose="02040503050406030204" pitchFamily="18" charset="0"/>
-                                    </a:rPr>
-                                    <m:t> </m:t>
-                                  </m:r>
-                                </m:e>
-                              </m:d>
-                              <m:r>
-                                <a:rPr lang="pt-BR" sz="2300" b="1" i="1" smtClean="0">
-                                  <a:latin typeface="Cambria Math" panose="02040503050406030204" pitchFamily="18" charset="0"/>
-                                </a:rPr>
-                                <m:t> </m:t>
-                              </m:r>
-                              <m:r>
-                                <a:rPr lang="pt-BR" sz="2300" b="1" i="1">
-                                  <a:latin typeface="Cambria Math" panose="02040503050406030204" pitchFamily="18" charset="0"/>
-                                </a:rPr>
-                                <m:t>𝒙</m:t>
-                              </m:r>
-                              <m:r>
-                                <a:rPr lang="pt-BR" sz="2300" b="0" i="1" smtClean="0">
-                                  <a:latin typeface="Cambria Math" panose="02040503050406030204" pitchFamily="18" charset="0"/>
-                                </a:rPr>
-                                <m:t>(</m:t>
-                              </m:r>
-                              <m:r>
-                                <a:rPr lang="pt-BR" sz="2300" b="0" i="1" smtClean="0">
-                                  <a:latin typeface="Cambria Math" panose="02040503050406030204" pitchFamily="18" charset="0"/>
-                                </a:rPr>
-                                <m:t>𝑖</m:t>
-                              </m:r>
-                              <m:r>
-                                <a:rPr lang="pt-BR" sz="2300" b="0" i="1" smtClean="0">
-                                  <a:latin typeface="Cambria Math" panose="02040503050406030204" pitchFamily="18" charset="0"/>
-                                </a:rPr>
-                                <m:t>);</m:t>
-                              </m:r>
-                              <m:r>
-                                <a:rPr lang="pt-BR" sz="2300" b="1" i="1">
-                                  <a:latin typeface="Cambria Math" panose="02040503050406030204" pitchFamily="18" charset="0"/>
-                                </a:rPr>
-                                <m:t>𝒂</m:t>
-                              </m:r>
-                              <m:r>
-                                <a:rPr lang="pt-BR" sz="2300" i="1">
-                                  <a:latin typeface="Cambria Math" panose="02040503050406030204" pitchFamily="18" charset="0"/>
-                                </a:rPr>
-                                <m:t>)</m:t>
-                              </m:r>
-                            </m:e>
-                          </m:d>
-                        </m:e>
-                      </m:func>
                       <m:r>
                         <a:rPr lang="pt-BR" sz="2300" b="0" i="1" smtClean="0">
                           <a:latin typeface="Cambria Math" panose="02040503050406030204" pitchFamily="18" charset="0"/>
@@ -8098,7 +7695,7 @@
             </p:txBody>
           </p:sp>
         </mc:Choice>
-        <mc:Fallback xmlns="">
+        <mc:Fallback>
           <p:sp>
             <p:nvSpPr>
               <p:cNvPr id="3" name="Content Placeholder 2"/>
@@ -8117,7 +7714,7 @@
               <a:blipFill rotWithShape="0">
                 <a:blip r:embed="rId3"/>
                 <a:stretch>
-                  <a:fillRect l="-767" t="-2095" r="-712"/>
+                  <a:fillRect l="-877" t="-1654"/>
                 </a:stretch>
               </a:blipFill>
             </p:spPr>
@@ -18159,7 +17756,7 @@
           <p:cNvPr id="4" name="Título 1">
             <a:extLst>
               <a:ext uri="{FF2B5EF4-FFF2-40B4-BE49-F238E27FC236}">
-                <a16:creationId xmlns:a16="http://schemas.microsoft.com/office/drawing/2014/main" id="{32666AC8-2E17-4DB4-B0F5-60C640CCFD2E}"/>
+                <a16:creationId xmlns="" xmlns:a16="http://schemas.microsoft.com/office/drawing/2014/main" id="{32666AC8-2E17-4DB4-B0F5-60C640CCFD2E}"/>
               </a:ext>
             </a:extLst>
           </p:cNvPr>
@@ -23118,8 +22715,8 @@
           </a:p>
         </p:txBody>
       </p:sp>
-      <mc:AlternateContent xmlns:mc="http://schemas.openxmlformats.org/markup-compatibility/2006">
-        <mc:Choice xmlns:a14="http://schemas.microsoft.com/office/drawing/2010/main" Requires="a14">
+      <mc:AlternateContent xmlns:mc="http://schemas.openxmlformats.org/markup-compatibility/2006" xmlns:a14="http://schemas.microsoft.com/office/drawing/2010/main">
+        <mc:Choice Requires="a14">
           <p:sp>
             <p:nvSpPr>
               <p:cNvPr id="3" name="Content Placeholder 2"/>
@@ -23416,7 +23013,7 @@
             </p:txBody>
           </p:sp>
         </mc:Choice>
-        <mc:Fallback>
+        <mc:Fallback xmlns="">
           <p:sp>
             <p:nvSpPr>
               <p:cNvPr id="3" name="Content Placeholder 2"/>
@@ -23513,8 +23110,8 @@
           </a:p>
         </p:txBody>
       </p:sp>
-      <mc:AlternateContent xmlns:mc="http://schemas.openxmlformats.org/markup-compatibility/2006">
-        <mc:Choice xmlns:a14="http://schemas.microsoft.com/office/drawing/2010/main" Requires="a14">
+      <mc:AlternateContent xmlns:mc="http://schemas.openxmlformats.org/markup-compatibility/2006" xmlns:a14="http://schemas.microsoft.com/office/drawing/2010/main">
+        <mc:Choice Requires="a14">
           <p:sp>
             <p:nvSpPr>
               <p:cNvPr id="3" name="Content Placeholder 2"/>
@@ -24181,7 +23778,7 @@
             </p:txBody>
           </p:sp>
         </mc:Choice>
-        <mc:Fallback>
+        <mc:Fallback xmlns="">
           <p:sp>
             <p:nvSpPr>
               <p:cNvPr id="3" name="Content Placeholder 2"/>
@@ -24356,8 +23953,8 @@
           </p:sp>
         </mc:Fallback>
       </mc:AlternateContent>
-      <mc:AlternateContent xmlns:mc="http://schemas.openxmlformats.org/markup-compatibility/2006">
-        <mc:Choice xmlns:a14="http://schemas.microsoft.com/office/drawing/2010/main" Requires="a14">
+      <mc:AlternateContent xmlns:mc="http://schemas.openxmlformats.org/markup-compatibility/2006" xmlns:a14="http://schemas.microsoft.com/office/drawing/2010/main">
+        <mc:Choice Requires="a14">
           <p:sp>
             <p:nvSpPr>
               <p:cNvPr id="6" name="TextBox 5"/>
@@ -24367,7 +23964,7 @@
             <p:spPr>
               <a:xfrm>
                 <a:off x="8980227" y="4850657"/>
-                <a:ext cx="3143531" cy="1877437"/>
+                <a:ext cx="3143531" cy="2031325"/>
               </a:xfrm>
               <a:prstGeom prst="rect">
                 <a:avLst/>
@@ -24410,7 +24007,15 @@
                 <a:pPr algn="ctr"/>
                 <a:r>
                   <a:rPr lang="pt-BR" sz="1400" dirty="0"/>
-                  <a:t>Em resumo, quanto mais longe, maior será o valor absoluto de </a:t>
+                  <a:t>Em resumo, quanto mais </a:t>
+                </a:r>
+                <a:r>
+                  <a:rPr lang="pt-BR" sz="1400" dirty="0" smtClean="0"/>
+                  <a:t>longe da fronteira, </a:t>
+                </a:r>
+                <a:r>
+                  <a:rPr lang="pt-BR" sz="1400" dirty="0"/>
+                  <a:t>maior será o valor absoluto de </a:t>
                 </a:r>
                 <a14:m>
                   <m:oMath xmlns:m="http://schemas.openxmlformats.org/officeDocument/2006/math">
@@ -24447,7 +24052,7 @@
             </p:txBody>
           </p:sp>
         </mc:Choice>
-        <mc:Fallback>
+        <mc:Fallback xmlns="">
           <p:sp>
             <p:nvSpPr>
               <p:cNvPr id="6" name="TextBox 5"/>
@@ -24459,15 +24064,15 @@
             <p:spPr>
               <a:xfrm>
                 <a:off x="8980227" y="4850657"/>
-                <a:ext cx="3143531" cy="1877437"/>
+                <a:ext cx="3143531" cy="2031325"/>
               </a:xfrm>
               <a:prstGeom prst="rect">
                 <a:avLst/>
               </a:prstGeom>
-              <a:blipFill>
+              <a:blipFill rotWithShape="0">
                 <a:blip r:embed="rId6"/>
                 <a:stretch>
-                  <a:fillRect t="-649"/>
+                  <a:fillRect t="-601" r="-775" b="-2102"/>
                 </a:stretch>
               </a:blipFill>
             </p:spPr>
@@ -24543,8 +24148,8 @@
           </a:p>
         </p:txBody>
       </p:sp>
-      <mc:AlternateContent xmlns:mc="http://schemas.openxmlformats.org/markup-compatibility/2006">
-        <mc:Choice xmlns:a14="http://schemas.microsoft.com/office/drawing/2010/main" Requires="a14">
+      <mc:AlternateContent xmlns:mc="http://schemas.openxmlformats.org/markup-compatibility/2006" xmlns:a14="http://schemas.microsoft.com/office/drawing/2010/main">
+        <mc:Choice Requires="a14">
           <p:sp>
             <p:nvSpPr>
               <p:cNvPr id="3" name="Content Placeholder 2"/>
@@ -25215,7 +24820,7 @@
             </p:txBody>
           </p:sp>
         </mc:Choice>
-        <mc:Fallback>
+        <mc:Fallback xmlns="">
           <p:sp>
             <p:nvSpPr>
               <p:cNvPr id="3" name="Content Placeholder 2"/>
@@ -26503,17 +26108,17 @@
             <p:spPr>
               <a:xfrm>
                 <a:off x="838200" y="1498600"/>
-                <a:ext cx="11188700" cy="5295899"/>
+                <a:ext cx="11076709" cy="5359400"/>
               </a:xfrm>
             </p:spPr>
             <p:txBody>
               <a:bodyPr>
-                <a:normAutofit fontScale="85000" lnSpcReduction="20000"/>
+                <a:normAutofit fontScale="92500" lnSpcReduction="20000"/>
               </a:bodyPr>
               <a:lstStyle/>
               <a:p>
                 <a:r>
-                  <a:rPr lang="pt-BR" dirty="0"/>
+                  <a:rPr lang="pt-BR" dirty="0" smtClean="0"/>
                   <a:t>Os valores de saída da </a:t>
                 </a:r>
                 <a:r>
@@ -26794,11 +26399,16 @@
                   <a:rPr lang="pt-BR" dirty="0"/>
                   <a:t>. </a:t>
                 </a:r>
+                <a:endParaRPr lang="pt-BR" dirty="0" smtClean="0"/>
               </a:p>
               <a:p>
                 <a:r>
-                  <a:rPr lang="pt-BR" dirty="0"/>
-                  <a:t>Ou seja, </a:t>
+                  <a:rPr lang="pt-BR" dirty="0" smtClean="0"/>
+                  <a:t>Ou </a:t>
+                </a:r>
+                <a:r>
+                  <a:rPr lang="pt-BR" dirty="0"/>
+                  <a:t>seja, </a:t>
                 </a:r>
                 <a14:m>
                   <m:oMath xmlns:m="http://schemas.openxmlformats.org/officeDocument/2006/math">
@@ -27629,28 +27239,15 @@
                   </m:oMath>
                 </a14:m>
                 <a:r>
-                  <a:rPr lang="pt-BR" dirty="0"/>
+                  <a:rPr lang="pt-BR" dirty="0" smtClean="0"/>
                   <a:t>.</a:t>
                 </a:r>
               </a:p>
               <a:p>
                 <a:r>
-                  <a:rPr lang="pt-BR" dirty="0"/>
-                  <a:t>Desta forma, a </a:t>
-                </a:r>
-                <a:r>
-                  <a:rPr lang="pt-BR" b="1" i="1" dirty="0"/>
-                  <a:t>fronteira de decisão</a:t>
-                </a:r>
-                <a:r>
-                  <a:rPr lang="pt-BR" dirty="0"/>
-                  <a:t> é caracterizada por </a:t>
-                </a:r>
-              </a:p>
-              <a:p>
-                <a:pPr marL="0" indent="0" algn="ctr">
-                  <a:buNone/>
-                </a:pPr>
+                  <a:rPr lang="pt-BR" dirty="0" smtClean="0"/>
+                  <a:t>Ou seja, quando </a:t>
+                </a:r>
                 <a14:m>
                   <m:oMath xmlns:m="http://schemas.openxmlformats.org/officeDocument/2006/math">
                     <m:r>
@@ -27685,49 +27282,116 @@
                   </m:oMath>
                 </a14:m>
                 <a:r>
-                  <a:rPr lang="pt-BR" i="1" dirty="0"/>
-                  <a:t>,</a:t>
-                </a:r>
-              </a:p>
-              <a:p>
-                <a:pPr marL="0" indent="0">
-                  <a:buNone/>
-                </a:pPr>
-                <a:r>
-                  <a:rPr lang="pt-BR" dirty="0"/>
-                  <a:t>onde </a:t>
+                  <a:rPr lang="pt-BR" dirty="0" smtClean="0"/>
+                  <a:t> (</a:t>
                 </a:r>
                 <a14:m>
                   <m:oMath xmlns:m="http://schemas.openxmlformats.org/officeDocument/2006/math">
                     <m:r>
-                      <a:rPr lang="pt-BR" i="1">
+                      <a:rPr lang="pt-BR" b="1" i="1">
                         <a:latin typeface="Cambria Math" panose="02040503050406030204" pitchFamily="18" charset="0"/>
                       </a:rPr>
-                      <m:t>𝑔</m:t>
+                      <m:t>𝒙</m:t>
                     </m:r>
-                    <m:d>
-                      <m:dPr>
+                  </m:oMath>
+                </a14:m>
+                <a:r>
+                  <a:rPr lang="pt-BR" dirty="0" smtClean="0"/>
+                  <a:t> em cima da </a:t>
+                </a:r>
+                <a:r>
+                  <a:rPr lang="pt-BR" b="1" i="1" dirty="0"/>
+                  <a:t>fronteira de </a:t>
+                </a:r>
+                <a:r>
+                  <a:rPr lang="pt-BR" b="1" i="1" dirty="0" smtClean="0"/>
+                  <a:t>decisão</a:t>
+                </a:r>
+                <a:r>
+                  <a:rPr lang="pt-BR" dirty="0" smtClean="0"/>
+                  <a:t>), a probabilidade de </a:t>
+                </a:r>
+                <a14:m>
+                  <m:oMath xmlns:m="http://schemas.openxmlformats.org/officeDocument/2006/math">
+                    <m:r>
+                      <a:rPr lang="pt-BR" b="1" i="1">
+                        <a:latin typeface="Cambria Math" panose="02040503050406030204" pitchFamily="18" charset="0"/>
+                      </a:rPr>
+                      <m:t>𝒙</m:t>
+                    </m:r>
+                  </m:oMath>
+                </a14:m>
+                <a:r>
+                  <a:rPr lang="pt-BR" dirty="0" smtClean="0"/>
+                  <a:t> pertencer à classe </a:t>
+                </a:r>
+                <a14:m>
+                  <m:oMath xmlns:m="http://schemas.openxmlformats.org/officeDocument/2006/math">
+                    <m:sSub>
+                      <m:sSubPr>
                         <m:ctrlPr>
                           <a:rPr lang="pt-BR" i="1">
                             <a:latin typeface="Cambria Math" panose="02040503050406030204" pitchFamily="18" charset="0"/>
                           </a:rPr>
                         </m:ctrlPr>
-                      </m:dPr>
+                      </m:sSubPr>
                       <m:e>
                         <m:r>
-                          <a:rPr lang="pt-BR" b="1" i="1">
-                            <a:latin typeface="Cambria Math" panose="02040503050406030204" pitchFamily="18" charset="0"/>
-                          </a:rPr>
-                          <m:t>𝒙</m:t>
+                          <a:rPr lang="pt-BR" i="1">
+                            <a:latin typeface="Cambria Math" panose="02040503050406030204" pitchFamily="18" charset="0"/>
+                          </a:rPr>
+                          <m:t>𝐶</m:t>
                         </m:r>
                       </m:e>
-                    </m:d>
+                      <m:sub>
+                        <m:r>
+                          <a:rPr lang="pt-BR" i="1">
+                            <a:latin typeface="Cambria Math" panose="02040503050406030204" pitchFamily="18" charset="0"/>
+                          </a:rPr>
+                          <m:t>1</m:t>
+                        </m:r>
+                      </m:sub>
+                    </m:sSub>
                   </m:oMath>
                 </a14:m>
                 <a:r>
-                  <a:rPr lang="pt-BR" dirty="0"/>
-                  <a:t> pode ser uma reta, um plano, um círculo, uma hipérbole,  etc.</a:t>
-                </a:r>
+                  <a:rPr lang="pt-BR" dirty="0" smtClean="0"/>
+                  <a:t>ou </a:t>
+                </a:r>
+                <a14:m>
+                  <m:oMath xmlns:m="http://schemas.openxmlformats.org/officeDocument/2006/math">
+                    <m:sSub>
+                      <m:sSubPr>
+                        <m:ctrlPr>
+                          <a:rPr lang="pt-BR" i="1">
+                            <a:latin typeface="Cambria Math" panose="02040503050406030204" pitchFamily="18" charset="0"/>
+                          </a:rPr>
+                        </m:ctrlPr>
+                      </m:sSubPr>
+                      <m:e>
+                        <m:r>
+                          <a:rPr lang="pt-BR" i="1">
+                            <a:latin typeface="Cambria Math" panose="02040503050406030204" pitchFamily="18" charset="0"/>
+                          </a:rPr>
+                          <m:t>𝐶</m:t>
+                        </m:r>
+                      </m:e>
+                      <m:sub>
+                        <m:r>
+                          <a:rPr lang="pt-BR" b="0" i="1" smtClean="0">
+                            <a:latin typeface="Cambria Math" panose="02040503050406030204" pitchFamily="18" charset="0"/>
+                          </a:rPr>
+                          <m:t>2</m:t>
+                        </m:r>
+                      </m:sub>
+                    </m:sSub>
+                  </m:oMath>
+                </a14:m>
+                <a:r>
+                  <a:rPr lang="pt-BR" dirty="0" smtClean="0"/>
+                  <a:t> é de 50% para as duas classes, indicando que o classificador está indeciso.</a:t>
+                </a:r>
+                <a:endParaRPr lang="pt-BR" dirty="0"/>
               </a:p>
             </p:txBody>
           </p:sp>
@@ -27746,12 +27410,12 @@
             <p:spPr>
               <a:xfrm>
                 <a:off x="838200" y="1498600"/>
-                <a:ext cx="11188700" cy="5295899"/>
+                <a:ext cx="11076709" cy="5359400"/>
               </a:xfrm>
               <a:blipFill rotWithShape="0">
                 <a:blip r:embed="rId2"/>
                 <a:stretch>
-                  <a:fillRect l="-872" t="-2647" r="-1417" b="-1151"/>
+                  <a:fillRect l="-881" t="-2844" r="-771" b="-2048"/>
                 </a:stretch>
               </a:blipFill>
             </p:spPr>
@@ -27773,7 +27437,7 @@
     </p:spTree>
     <p:extLst>
       <p:ext uri="{BB962C8B-B14F-4D97-AF65-F5344CB8AC3E}">
-        <p14:creationId xmlns:p14="http://schemas.microsoft.com/office/powerpoint/2010/main" val="1917886289"/>
+        <p14:creationId xmlns:p14="http://schemas.microsoft.com/office/powerpoint/2010/main" val="1427965568"/>
       </p:ext>
     </p:extLst>
   </p:cSld>
@@ -29111,8 +28775,8 @@
           </a:p>
         </p:txBody>
       </p:sp>
-      <mc:AlternateContent xmlns:mc="http://schemas.openxmlformats.org/markup-compatibility/2006">
-        <mc:Choice xmlns:a14="http://schemas.microsoft.com/office/drawing/2010/main" Requires="a14">
+      <mc:AlternateContent xmlns:mc="http://schemas.openxmlformats.org/markup-compatibility/2006" xmlns:a14="http://schemas.microsoft.com/office/drawing/2010/main">
+        <mc:Choice Requires="a14">
           <p:sp>
             <p:nvSpPr>
               <p:cNvPr id="3" name="Content Placeholder 2"/>
@@ -29131,7 +28795,7 @@
             </p:spPr>
             <p:txBody>
               <a:bodyPr>
-                <a:normAutofit fontScale="85000" lnSpcReduction="10000"/>
+                <a:normAutofit fontScale="92500" lnSpcReduction="20000"/>
               </a:bodyPr>
               <a:lstStyle/>
               <a:p>
@@ -29531,7 +29195,7 @@
             </p:txBody>
           </p:sp>
         </mc:Choice>
-        <mc:Fallback>
+        <mc:Fallback xmlns="">
           <p:sp>
             <p:nvSpPr>
               <p:cNvPr id="3" name="Content Placeholder 2"/>
@@ -29547,10 +29211,10 @@
                 <a:off x="838199" y="3885232"/>
                 <a:ext cx="11203547" cy="2972767"/>
               </a:xfrm>
-              <a:blipFill>
+              <a:blipFill rotWithShape="0">
                 <a:blip r:embed="rId3"/>
                 <a:stretch>
-                  <a:fillRect l="-707" t="-3893" r="-871"/>
+                  <a:fillRect l="-816" t="-5123" r="-598" b="-4713"/>
                 </a:stretch>
               </a:blipFill>
             </p:spPr>

--- a/slides/T320_Classificação (Parte III).pptx
+++ b/slides/T320_Classificação (Parte III).pptx
@@ -292,7 +292,7 @@
           <a:p>
             <a:fld id="{144F1436-6906-4D93-B7A2-786C327BFA14}" type="datetimeFigureOut">
               <a:rPr lang="nl-BE" smtClean="0"/>
-              <a:t>4/03/2022</a:t>
+              <a:t>5/03/2022</a:t>
             </a:fld>
             <a:endParaRPr lang="nl-BE"/>
           </a:p>
@@ -457,7 +457,7 @@
           <a:p>
             <a:fld id="{AA8CD09E-2914-4F47-B6C1-51B2C31814C9}" type="datetimeFigureOut">
               <a:rPr lang="pt-BR" smtClean="0"/>
-              <a:t>04/03/2022</a:t>
+              <a:t>05/03/2022</a:t>
             </a:fld>
             <a:endParaRPr lang="pt-BR"/>
           </a:p>
@@ -2604,8 +2604,233 @@
             </a:r>
             <a:r>
               <a:rPr lang="pt-BR" sz="1200" baseline="0" dirty="0"/>
-              <a:t> como mostrado acima.</a:t>
+              <a:t> como mostrado acima</a:t>
             </a:r>
+            <a:r>
+              <a:rPr lang="pt-BR" sz="1200" baseline="0" dirty="0" smtClean="0"/>
+              <a:t>.</a:t>
+            </a:r>
+          </a:p>
+          <a:p>
+            <a:pPr marL="0" marR="0" lvl="0" indent="0" algn="l" defTabSz="914400" rtl="0" eaLnBrk="1" fontAlgn="auto" latinLnBrk="0" hangingPunct="1">
+              <a:lnSpc>
+                <a:spcPct val="100000"/>
+              </a:lnSpc>
+              <a:spcBef>
+                <a:spcPts val="0"/>
+              </a:spcBef>
+              <a:spcAft>
+                <a:spcPts val="0"/>
+              </a:spcAft>
+              <a:buClrTx/>
+              <a:buSzTx/>
+              <a:buFontTx/>
+              <a:buNone/>
+              <a:tabLst/>
+              <a:defRPr/>
+            </a:pPr>
+            <a:endParaRPr lang="pt-BR" sz="1200" baseline="0" dirty="0" smtClean="0"/>
+          </a:p>
+          <a:p>
+            <a:pPr marL="0" marR="0" lvl="0" indent="0" algn="l" defTabSz="914400" rtl="0" eaLnBrk="1" fontAlgn="auto" latinLnBrk="0" hangingPunct="1">
+              <a:lnSpc>
+                <a:spcPct val="100000"/>
+              </a:lnSpc>
+              <a:spcBef>
+                <a:spcPts val="0"/>
+              </a:spcBef>
+              <a:spcAft>
+                <a:spcPts val="0"/>
+              </a:spcAft>
+              <a:buClrTx/>
+              <a:buSzTx/>
+              <a:buFontTx/>
+              <a:buNone/>
+              <a:tabLst/>
+              <a:defRPr/>
+            </a:pPr>
+            <a:r>
+              <a:rPr lang="en-US" sz="1200" b="0" i="0" kern="1200" dirty="0" smtClean="0">
+                <a:solidFill>
+                  <a:schemeClr val="tx1"/>
+                </a:solidFill>
+                <a:effectLst/>
+                <a:latin typeface="+mn-lt"/>
+                <a:ea typeface="+mn-ea"/>
+                <a:cs typeface="+mn-cs"/>
+              </a:rPr>
+              <a:t>In general, there </a:t>
+            </a:r>
+            <a:r>
+              <a:rPr lang="en-US" sz="1200" b="1" i="0" kern="1200" dirty="0" smtClean="0">
+                <a:solidFill>
+                  <a:schemeClr val="tx1"/>
+                </a:solidFill>
+                <a:effectLst/>
+                <a:latin typeface="+mn-lt"/>
+                <a:ea typeface="+mn-ea"/>
+                <a:cs typeface="+mn-cs"/>
+              </a:rPr>
+              <a:t>is</a:t>
+            </a:r>
+            <a:r>
+              <a:rPr lang="en-US" sz="1200" b="0" i="0" kern="1200" dirty="0" smtClean="0">
+                <a:solidFill>
+                  <a:schemeClr val="tx1"/>
+                </a:solidFill>
+                <a:effectLst/>
+                <a:latin typeface="+mn-lt"/>
+                <a:ea typeface="+mn-ea"/>
+                <a:cs typeface="+mn-cs"/>
+              </a:rPr>
+              <a:t> no </a:t>
+            </a:r>
+            <a:r>
+              <a:rPr lang="en-US" sz="1200" b="1" i="0" kern="1200" dirty="0" smtClean="0">
+                <a:solidFill>
+                  <a:schemeClr val="tx1"/>
+                </a:solidFill>
+                <a:effectLst/>
+                <a:latin typeface="+mn-lt"/>
+                <a:ea typeface="+mn-ea"/>
+                <a:cs typeface="+mn-cs"/>
+              </a:rPr>
+              <a:t>analytical solution</a:t>
+            </a:r>
+            <a:r>
+              <a:rPr lang="en-US" sz="1200" b="0" i="0" kern="1200" dirty="0" smtClean="0">
+                <a:solidFill>
+                  <a:schemeClr val="tx1"/>
+                </a:solidFill>
+                <a:effectLst/>
+                <a:latin typeface="+mn-lt"/>
+                <a:ea typeface="+mn-ea"/>
+                <a:cs typeface="+mn-cs"/>
+              </a:rPr>
+              <a:t> since these </a:t>
+            </a:r>
+            <a:r>
+              <a:rPr lang="en-US" sz="1200" b="1" i="0" kern="1200" dirty="0" smtClean="0">
+                <a:solidFill>
+                  <a:schemeClr val="tx1"/>
+                </a:solidFill>
+                <a:effectLst/>
+                <a:latin typeface="+mn-lt"/>
+                <a:ea typeface="+mn-ea"/>
+                <a:cs typeface="+mn-cs"/>
+              </a:rPr>
+              <a:t>regression</a:t>
+            </a:r>
+            <a:r>
+              <a:rPr lang="en-US" sz="1200" b="0" i="0" kern="1200" dirty="0" smtClean="0">
+                <a:solidFill>
+                  <a:schemeClr val="tx1"/>
+                </a:solidFill>
+                <a:effectLst/>
+                <a:latin typeface="+mn-lt"/>
+                <a:ea typeface="+mn-ea"/>
+                <a:cs typeface="+mn-cs"/>
+              </a:rPr>
+              <a:t> parameters fall into a set of nonlinear equations.</a:t>
+            </a:r>
+          </a:p>
+          <a:p>
+            <a:pPr marL="0" marR="0" lvl="0" indent="0" algn="l" defTabSz="914400" rtl="0" eaLnBrk="1" fontAlgn="auto" latinLnBrk="0" hangingPunct="1">
+              <a:lnSpc>
+                <a:spcPct val="100000"/>
+              </a:lnSpc>
+              <a:spcBef>
+                <a:spcPts val="0"/>
+              </a:spcBef>
+              <a:spcAft>
+                <a:spcPts val="0"/>
+              </a:spcAft>
+              <a:buClrTx/>
+              <a:buSzTx/>
+              <a:buFontTx/>
+              <a:buNone/>
+              <a:tabLst/>
+              <a:defRPr/>
+            </a:pPr>
+            <a:r>
+              <a:rPr lang="en-US" sz="1200" b="0" i="0" kern="1200" dirty="0" smtClean="0">
+                <a:solidFill>
+                  <a:schemeClr val="tx1"/>
+                </a:solidFill>
+                <a:effectLst/>
+                <a:latin typeface="+mn-lt"/>
+                <a:ea typeface="+mn-ea"/>
+                <a:cs typeface="+mn-cs"/>
+              </a:rPr>
+              <a:t>The problem is that the logistic sigmoid is non-linear.</a:t>
+            </a:r>
+          </a:p>
+          <a:p>
+            <a:pPr marL="0" marR="0" lvl="0" indent="0" algn="l" defTabSz="914400" rtl="0" eaLnBrk="1" fontAlgn="auto" latinLnBrk="0" hangingPunct="1">
+              <a:lnSpc>
+                <a:spcPct val="100000"/>
+              </a:lnSpc>
+              <a:spcBef>
+                <a:spcPts val="0"/>
+              </a:spcBef>
+              <a:spcAft>
+                <a:spcPts val="0"/>
+              </a:spcAft>
+              <a:buClrTx/>
+              <a:buSzTx/>
+              <a:buFontTx/>
+              <a:buNone/>
+              <a:tabLst/>
+              <a:defRPr/>
+            </a:pPr>
+            <a:r>
+              <a:rPr lang="en-US" dirty="0" smtClean="0"/>
+              <a:t>For logistic regression, there is no longer a closed-form solution, due to the nonlinearity of the logistic sigmoid function. </a:t>
+            </a:r>
+            <a:endParaRPr lang="pt-BR" sz="1200" baseline="0" dirty="0" smtClean="0"/>
+          </a:p>
+          <a:p>
+            <a:pPr marL="0" marR="0" lvl="0" indent="0" algn="l" defTabSz="914400" rtl="0" eaLnBrk="1" fontAlgn="auto" latinLnBrk="0" hangingPunct="1">
+              <a:lnSpc>
+                <a:spcPct val="100000"/>
+              </a:lnSpc>
+              <a:spcBef>
+                <a:spcPts val="0"/>
+              </a:spcBef>
+              <a:spcAft>
+                <a:spcPts val="0"/>
+              </a:spcAft>
+              <a:buClrTx/>
+              <a:buSzTx/>
+              <a:buFontTx/>
+              <a:buNone/>
+              <a:tabLst/>
+              <a:defRPr/>
+            </a:pPr>
+            <a:r>
+              <a:rPr lang="pt-BR" sz="1200" baseline="0" dirty="0" smtClean="0"/>
+              <a:t>Explicação do porque não é possível se encontrar uma forma fechada para o regressor logístico: [2].</a:t>
+            </a:r>
+          </a:p>
+          <a:p>
+            <a:pPr marL="0" marR="0" lvl="0" indent="0" algn="l" defTabSz="914400" rtl="0" eaLnBrk="1" fontAlgn="auto" latinLnBrk="0" hangingPunct="1">
+              <a:lnSpc>
+                <a:spcPct val="100000"/>
+              </a:lnSpc>
+              <a:spcBef>
+                <a:spcPts val="0"/>
+              </a:spcBef>
+              <a:spcAft>
+                <a:spcPts val="0"/>
+              </a:spcAft>
+              <a:buClrTx/>
+              <a:buSzTx/>
+              <a:buFontTx/>
+              <a:buNone/>
+              <a:tabLst/>
+              <a:defRPr/>
+            </a:pPr>
+            <a:endParaRPr lang="pt-BR" sz="1200" baseline="0" dirty="0" smtClean="0"/>
           </a:p>
           <a:p>
             <a:pPr marL="0" marR="0" lvl="0" indent="0" algn="l" defTabSz="914400" rtl="0" eaLnBrk="1" fontAlgn="auto" latinLnBrk="0" hangingPunct="1">
@@ -2671,6 +2896,33 @@
             <a:r>
               <a:rPr lang="pt-BR" sz="1200" baseline="0" dirty="0"/>
               <a:t>[1] http://deeplearning.stanford.edu/tutorial/supervised/SoftmaxRegression/</a:t>
+            </a:r>
+          </a:p>
+          <a:p>
+            <a:pPr marL="0" marR="0" lvl="0" indent="0" algn="l" defTabSz="914400" rtl="0" eaLnBrk="1" fontAlgn="auto" latinLnBrk="0" hangingPunct="1">
+              <a:lnSpc>
+                <a:spcPct val="100000"/>
+              </a:lnSpc>
+              <a:spcBef>
+                <a:spcPts val="0"/>
+              </a:spcBef>
+              <a:spcAft>
+                <a:spcPts val="0"/>
+              </a:spcAft>
+              <a:buClrTx/>
+              <a:buSzTx/>
+              <a:buFontTx/>
+              <a:buNone/>
+              <a:tabLst/>
+              <a:defRPr/>
+            </a:pPr>
+            <a:r>
+              <a:rPr lang="pt-BR" dirty="0" smtClean="0"/>
+              <a:t>[2] </a:t>
+            </a:r>
+            <a:r>
+              <a:rPr lang="pt-BR" sz="1200" baseline="0" dirty="0" smtClean="0"/>
+              <a:t>https://stats.stackexchange.com/questions/949/when-is-logistic-regression-solved-in-closed-form</a:t>
             </a:r>
           </a:p>
           <a:p>
@@ -3021,7 +3273,7 @@
           <p:cNvPr id="2" name="Título 1">
             <a:extLst>
               <a:ext uri="{FF2B5EF4-FFF2-40B4-BE49-F238E27FC236}">
-                <a16:creationId xmlns="" xmlns:a16="http://schemas.microsoft.com/office/drawing/2014/main" id="{1DB9B4FF-B06E-403C-A326-BDC64D8FF94E}"/>
+                <a16:creationId xmlns:a16="http://schemas.microsoft.com/office/drawing/2014/main" xmlns="" id="{1DB9B4FF-B06E-403C-A326-BDC64D8FF94E}"/>
               </a:ext>
             </a:extLst>
           </p:cNvPr>
@@ -3058,7 +3310,7 @@
           <p:cNvPr id="3" name="Subtítulo 2">
             <a:extLst>
               <a:ext uri="{FF2B5EF4-FFF2-40B4-BE49-F238E27FC236}">
-                <a16:creationId xmlns="" xmlns:a16="http://schemas.microsoft.com/office/drawing/2014/main" id="{247BDFCE-746E-45BF-A319-4733D58D1632}"/>
+                <a16:creationId xmlns:a16="http://schemas.microsoft.com/office/drawing/2014/main" xmlns="" id="{247BDFCE-746E-45BF-A319-4733D58D1632}"/>
               </a:ext>
             </a:extLst>
           </p:cNvPr>
@@ -3128,7 +3380,7 @@
           <p:cNvPr id="4" name="Espaço Reservado para Data 3">
             <a:extLst>
               <a:ext uri="{FF2B5EF4-FFF2-40B4-BE49-F238E27FC236}">
-                <a16:creationId xmlns="" xmlns:a16="http://schemas.microsoft.com/office/drawing/2014/main" id="{9EDE2778-5372-4104-B96D-968184DA8288}"/>
+                <a16:creationId xmlns:a16="http://schemas.microsoft.com/office/drawing/2014/main" xmlns="" id="{9EDE2778-5372-4104-B96D-968184DA8288}"/>
               </a:ext>
             </a:extLst>
           </p:cNvPr>
@@ -3146,7 +3398,7 @@
           <a:p>
             <a:fld id="{63289F7E-B80B-496E-81B4-D396C37C9454}" type="datetimeFigureOut">
               <a:rPr lang="pt-BR" smtClean="0"/>
-              <a:t>04/03/2022</a:t>
+              <a:t>05/03/2022</a:t>
             </a:fld>
             <a:endParaRPr lang="pt-BR"/>
           </a:p>
@@ -3157,7 +3409,7 @@
           <p:cNvPr id="5" name="Espaço Reservado para Rodapé 4">
             <a:extLst>
               <a:ext uri="{FF2B5EF4-FFF2-40B4-BE49-F238E27FC236}">
-                <a16:creationId xmlns="" xmlns:a16="http://schemas.microsoft.com/office/drawing/2014/main" id="{C1DD0F41-C861-4051-988D-3024A37A4B93}"/>
+                <a16:creationId xmlns:a16="http://schemas.microsoft.com/office/drawing/2014/main" xmlns="" id="{C1DD0F41-C861-4051-988D-3024A37A4B93}"/>
               </a:ext>
             </a:extLst>
           </p:cNvPr>
@@ -3182,7 +3434,7 @@
           <p:cNvPr id="6" name="Espaço Reservado para Número de Slide 5">
             <a:extLst>
               <a:ext uri="{FF2B5EF4-FFF2-40B4-BE49-F238E27FC236}">
-                <a16:creationId xmlns="" xmlns:a16="http://schemas.microsoft.com/office/drawing/2014/main" id="{07E5967E-D980-431A-A5DB-3F0C5030A81E}"/>
+                <a16:creationId xmlns:a16="http://schemas.microsoft.com/office/drawing/2014/main" xmlns="" id="{07E5967E-D980-431A-A5DB-3F0C5030A81E}"/>
               </a:ext>
             </a:extLst>
           </p:cNvPr>
@@ -3241,7 +3493,7 @@
           <p:cNvPr id="2" name="Título 1">
             <a:extLst>
               <a:ext uri="{FF2B5EF4-FFF2-40B4-BE49-F238E27FC236}">
-                <a16:creationId xmlns="" xmlns:a16="http://schemas.microsoft.com/office/drawing/2014/main" id="{9036C49F-3E68-4175-81BA-3C3FEE44308A}"/>
+                <a16:creationId xmlns:a16="http://schemas.microsoft.com/office/drawing/2014/main" xmlns="" id="{9036C49F-3E68-4175-81BA-3C3FEE44308A}"/>
               </a:ext>
             </a:extLst>
           </p:cNvPr>
@@ -3269,7 +3521,7 @@
           <p:cNvPr id="3" name="Espaço Reservado para Texto Vertical 2">
             <a:extLst>
               <a:ext uri="{FF2B5EF4-FFF2-40B4-BE49-F238E27FC236}">
-                <a16:creationId xmlns="" xmlns:a16="http://schemas.microsoft.com/office/drawing/2014/main" id="{426FA736-3DD3-4D4E-B57B-BBE1D8F7D424}"/>
+                <a16:creationId xmlns:a16="http://schemas.microsoft.com/office/drawing/2014/main" xmlns="" id="{426FA736-3DD3-4D4E-B57B-BBE1D8F7D424}"/>
               </a:ext>
             </a:extLst>
           </p:cNvPr>
@@ -3326,7 +3578,7 @@
           <p:cNvPr id="4" name="Espaço Reservado para Data 3">
             <a:extLst>
               <a:ext uri="{FF2B5EF4-FFF2-40B4-BE49-F238E27FC236}">
-                <a16:creationId xmlns="" xmlns:a16="http://schemas.microsoft.com/office/drawing/2014/main" id="{99E8855C-D8FD-48F6-B14E-861E0DE4D915}"/>
+                <a16:creationId xmlns:a16="http://schemas.microsoft.com/office/drawing/2014/main" xmlns="" id="{99E8855C-D8FD-48F6-B14E-861E0DE4D915}"/>
               </a:ext>
             </a:extLst>
           </p:cNvPr>
@@ -3344,7 +3596,7 @@
           <a:p>
             <a:fld id="{63289F7E-B80B-496E-81B4-D396C37C9454}" type="datetimeFigureOut">
               <a:rPr lang="pt-BR" smtClean="0"/>
-              <a:t>04/03/2022</a:t>
+              <a:t>05/03/2022</a:t>
             </a:fld>
             <a:endParaRPr lang="pt-BR"/>
           </a:p>
@@ -3355,7 +3607,7 @@
           <p:cNvPr id="5" name="Espaço Reservado para Rodapé 4">
             <a:extLst>
               <a:ext uri="{FF2B5EF4-FFF2-40B4-BE49-F238E27FC236}">
-                <a16:creationId xmlns="" xmlns:a16="http://schemas.microsoft.com/office/drawing/2014/main" id="{97C0BB88-2F21-42A5-ACFF-83DA47F2D340}"/>
+                <a16:creationId xmlns:a16="http://schemas.microsoft.com/office/drawing/2014/main" xmlns="" id="{97C0BB88-2F21-42A5-ACFF-83DA47F2D340}"/>
               </a:ext>
             </a:extLst>
           </p:cNvPr>
@@ -3380,7 +3632,7 @@
           <p:cNvPr id="6" name="Espaço Reservado para Número de Slide 5">
             <a:extLst>
               <a:ext uri="{FF2B5EF4-FFF2-40B4-BE49-F238E27FC236}">
-                <a16:creationId xmlns="" xmlns:a16="http://schemas.microsoft.com/office/drawing/2014/main" id="{6CB462B3-1F22-4C05-B4B8-7A279FB7D5E9}"/>
+                <a16:creationId xmlns:a16="http://schemas.microsoft.com/office/drawing/2014/main" xmlns="" id="{6CB462B3-1F22-4C05-B4B8-7A279FB7D5E9}"/>
               </a:ext>
             </a:extLst>
           </p:cNvPr>
@@ -3439,7 +3691,7 @@
           <p:cNvPr id="2" name="Título Vertical 1">
             <a:extLst>
               <a:ext uri="{FF2B5EF4-FFF2-40B4-BE49-F238E27FC236}">
-                <a16:creationId xmlns="" xmlns:a16="http://schemas.microsoft.com/office/drawing/2014/main" id="{EAEAB728-701C-4207-A9D5-23FF45C60502}"/>
+                <a16:creationId xmlns:a16="http://schemas.microsoft.com/office/drawing/2014/main" xmlns="" id="{EAEAB728-701C-4207-A9D5-23FF45C60502}"/>
               </a:ext>
             </a:extLst>
           </p:cNvPr>
@@ -3472,7 +3724,7 @@
           <p:cNvPr id="3" name="Espaço Reservado para Texto Vertical 2">
             <a:extLst>
               <a:ext uri="{FF2B5EF4-FFF2-40B4-BE49-F238E27FC236}">
-                <a16:creationId xmlns="" xmlns:a16="http://schemas.microsoft.com/office/drawing/2014/main" id="{BA8C8CCF-7823-480A-9A19-0F664DD17E3B}"/>
+                <a16:creationId xmlns:a16="http://schemas.microsoft.com/office/drawing/2014/main" xmlns="" id="{BA8C8CCF-7823-480A-9A19-0F664DD17E3B}"/>
               </a:ext>
             </a:extLst>
           </p:cNvPr>
@@ -3534,7 +3786,7 @@
           <p:cNvPr id="4" name="Espaço Reservado para Data 3">
             <a:extLst>
               <a:ext uri="{FF2B5EF4-FFF2-40B4-BE49-F238E27FC236}">
-                <a16:creationId xmlns="" xmlns:a16="http://schemas.microsoft.com/office/drawing/2014/main" id="{721D5734-7B1F-425D-942F-6EB73344027C}"/>
+                <a16:creationId xmlns:a16="http://schemas.microsoft.com/office/drawing/2014/main" xmlns="" id="{721D5734-7B1F-425D-942F-6EB73344027C}"/>
               </a:ext>
             </a:extLst>
           </p:cNvPr>
@@ -3552,7 +3804,7 @@
           <a:p>
             <a:fld id="{63289F7E-B80B-496E-81B4-D396C37C9454}" type="datetimeFigureOut">
               <a:rPr lang="pt-BR" smtClean="0"/>
-              <a:t>04/03/2022</a:t>
+              <a:t>05/03/2022</a:t>
             </a:fld>
             <a:endParaRPr lang="pt-BR"/>
           </a:p>
@@ -3563,7 +3815,7 @@
           <p:cNvPr id="5" name="Espaço Reservado para Rodapé 4">
             <a:extLst>
               <a:ext uri="{FF2B5EF4-FFF2-40B4-BE49-F238E27FC236}">
-                <a16:creationId xmlns="" xmlns:a16="http://schemas.microsoft.com/office/drawing/2014/main" id="{1E1AAEAC-F08D-45FE-89EC-B1B349A868C9}"/>
+                <a16:creationId xmlns:a16="http://schemas.microsoft.com/office/drawing/2014/main" xmlns="" id="{1E1AAEAC-F08D-45FE-89EC-B1B349A868C9}"/>
               </a:ext>
             </a:extLst>
           </p:cNvPr>
@@ -3588,7 +3840,7 @@
           <p:cNvPr id="6" name="Espaço Reservado para Número de Slide 5">
             <a:extLst>
               <a:ext uri="{FF2B5EF4-FFF2-40B4-BE49-F238E27FC236}">
-                <a16:creationId xmlns="" xmlns:a16="http://schemas.microsoft.com/office/drawing/2014/main" id="{BAA44493-9911-47B2-87A6-C2141A972BC8}"/>
+                <a16:creationId xmlns:a16="http://schemas.microsoft.com/office/drawing/2014/main" xmlns="" id="{BAA44493-9911-47B2-87A6-C2141A972BC8}"/>
               </a:ext>
             </a:extLst>
           </p:cNvPr>
@@ -3647,7 +3899,7 @@
           <p:cNvPr id="2" name="Título 1">
             <a:extLst>
               <a:ext uri="{FF2B5EF4-FFF2-40B4-BE49-F238E27FC236}">
-                <a16:creationId xmlns="" xmlns:a16="http://schemas.microsoft.com/office/drawing/2014/main" id="{71BD44A5-8F21-4626-A01D-48A1C874B1D5}"/>
+                <a16:creationId xmlns:a16="http://schemas.microsoft.com/office/drawing/2014/main" xmlns="" id="{71BD44A5-8F21-4626-A01D-48A1C874B1D5}"/>
               </a:ext>
             </a:extLst>
           </p:cNvPr>
@@ -3675,7 +3927,7 @@
           <p:cNvPr id="3" name="Espaço Reservado para Conteúdo 2">
             <a:extLst>
               <a:ext uri="{FF2B5EF4-FFF2-40B4-BE49-F238E27FC236}">
-                <a16:creationId xmlns="" xmlns:a16="http://schemas.microsoft.com/office/drawing/2014/main" id="{B79E8085-65A9-48AA-951D-71D978BFF4ED}"/>
+                <a16:creationId xmlns:a16="http://schemas.microsoft.com/office/drawing/2014/main" xmlns="" id="{B79E8085-65A9-48AA-951D-71D978BFF4ED}"/>
               </a:ext>
             </a:extLst>
           </p:cNvPr>
@@ -3732,7 +3984,7 @@
           <p:cNvPr id="4" name="Espaço Reservado para Data 3">
             <a:extLst>
               <a:ext uri="{FF2B5EF4-FFF2-40B4-BE49-F238E27FC236}">
-                <a16:creationId xmlns="" xmlns:a16="http://schemas.microsoft.com/office/drawing/2014/main" id="{F05BE1AF-51EA-425D-B188-DE7BD675009F}"/>
+                <a16:creationId xmlns:a16="http://schemas.microsoft.com/office/drawing/2014/main" xmlns="" id="{F05BE1AF-51EA-425D-B188-DE7BD675009F}"/>
               </a:ext>
             </a:extLst>
           </p:cNvPr>
@@ -3750,7 +4002,7 @@
           <a:p>
             <a:fld id="{63289F7E-B80B-496E-81B4-D396C37C9454}" type="datetimeFigureOut">
               <a:rPr lang="pt-BR" smtClean="0"/>
-              <a:t>04/03/2022</a:t>
+              <a:t>05/03/2022</a:t>
             </a:fld>
             <a:endParaRPr lang="pt-BR"/>
           </a:p>
@@ -3761,7 +4013,7 @@
           <p:cNvPr id="5" name="Espaço Reservado para Rodapé 4">
             <a:extLst>
               <a:ext uri="{FF2B5EF4-FFF2-40B4-BE49-F238E27FC236}">
-                <a16:creationId xmlns="" xmlns:a16="http://schemas.microsoft.com/office/drawing/2014/main" id="{121BE632-29CF-4CB9-B365-C9EF38F89BE6}"/>
+                <a16:creationId xmlns:a16="http://schemas.microsoft.com/office/drawing/2014/main" xmlns="" id="{121BE632-29CF-4CB9-B365-C9EF38F89BE6}"/>
               </a:ext>
             </a:extLst>
           </p:cNvPr>
@@ -3786,7 +4038,7 @@
           <p:cNvPr id="6" name="Espaço Reservado para Número de Slide 5">
             <a:extLst>
               <a:ext uri="{FF2B5EF4-FFF2-40B4-BE49-F238E27FC236}">
-                <a16:creationId xmlns="" xmlns:a16="http://schemas.microsoft.com/office/drawing/2014/main" id="{60CF3DD1-9AEC-4A57-B461-4E4DD86FAC18}"/>
+                <a16:creationId xmlns:a16="http://schemas.microsoft.com/office/drawing/2014/main" xmlns="" id="{60CF3DD1-9AEC-4A57-B461-4E4DD86FAC18}"/>
               </a:ext>
             </a:extLst>
           </p:cNvPr>
@@ -3845,7 +4097,7 @@
           <p:cNvPr id="2" name="Título 1">
             <a:extLst>
               <a:ext uri="{FF2B5EF4-FFF2-40B4-BE49-F238E27FC236}">
-                <a16:creationId xmlns="" xmlns:a16="http://schemas.microsoft.com/office/drawing/2014/main" id="{34AB2FF0-A4D7-4E28-991D-FF26140D5988}"/>
+                <a16:creationId xmlns:a16="http://schemas.microsoft.com/office/drawing/2014/main" xmlns="" id="{34AB2FF0-A4D7-4E28-991D-FF26140D5988}"/>
               </a:ext>
             </a:extLst>
           </p:cNvPr>
@@ -3882,7 +4134,7 @@
           <p:cNvPr id="3" name="Espaço Reservado para Texto 2">
             <a:extLst>
               <a:ext uri="{FF2B5EF4-FFF2-40B4-BE49-F238E27FC236}">
-                <a16:creationId xmlns="" xmlns:a16="http://schemas.microsoft.com/office/drawing/2014/main" id="{E2AC45B0-4145-40DB-8E61-105461170604}"/>
+                <a16:creationId xmlns:a16="http://schemas.microsoft.com/office/drawing/2014/main" xmlns="" id="{E2AC45B0-4145-40DB-8E61-105461170604}"/>
               </a:ext>
             </a:extLst>
           </p:cNvPr>
@@ -4007,7 +4259,7 @@
           <p:cNvPr id="4" name="Espaço Reservado para Data 3">
             <a:extLst>
               <a:ext uri="{FF2B5EF4-FFF2-40B4-BE49-F238E27FC236}">
-                <a16:creationId xmlns="" xmlns:a16="http://schemas.microsoft.com/office/drawing/2014/main" id="{50F1D3FB-740A-4EBA-A309-2CE71D12ECFB}"/>
+                <a16:creationId xmlns:a16="http://schemas.microsoft.com/office/drawing/2014/main" xmlns="" id="{50F1D3FB-740A-4EBA-A309-2CE71D12ECFB}"/>
               </a:ext>
             </a:extLst>
           </p:cNvPr>
@@ -4025,7 +4277,7 @@
           <a:p>
             <a:fld id="{63289F7E-B80B-496E-81B4-D396C37C9454}" type="datetimeFigureOut">
               <a:rPr lang="pt-BR" smtClean="0"/>
-              <a:t>04/03/2022</a:t>
+              <a:t>05/03/2022</a:t>
             </a:fld>
             <a:endParaRPr lang="pt-BR"/>
           </a:p>
@@ -4036,7 +4288,7 @@
           <p:cNvPr id="5" name="Espaço Reservado para Rodapé 4">
             <a:extLst>
               <a:ext uri="{FF2B5EF4-FFF2-40B4-BE49-F238E27FC236}">
-                <a16:creationId xmlns="" xmlns:a16="http://schemas.microsoft.com/office/drawing/2014/main" id="{BDCAB18F-8715-4465-A940-F9C193A2ACE9}"/>
+                <a16:creationId xmlns:a16="http://schemas.microsoft.com/office/drawing/2014/main" xmlns="" id="{BDCAB18F-8715-4465-A940-F9C193A2ACE9}"/>
               </a:ext>
             </a:extLst>
           </p:cNvPr>
@@ -4061,7 +4313,7 @@
           <p:cNvPr id="6" name="Espaço Reservado para Número de Slide 5">
             <a:extLst>
               <a:ext uri="{FF2B5EF4-FFF2-40B4-BE49-F238E27FC236}">
-                <a16:creationId xmlns="" xmlns:a16="http://schemas.microsoft.com/office/drawing/2014/main" id="{353466C6-8248-429F-8056-FF040BF509EB}"/>
+                <a16:creationId xmlns:a16="http://schemas.microsoft.com/office/drawing/2014/main" xmlns="" id="{353466C6-8248-429F-8056-FF040BF509EB}"/>
               </a:ext>
             </a:extLst>
           </p:cNvPr>
@@ -4120,7 +4372,7 @@
           <p:cNvPr id="2" name="Título 1">
             <a:extLst>
               <a:ext uri="{FF2B5EF4-FFF2-40B4-BE49-F238E27FC236}">
-                <a16:creationId xmlns="" xmlns:a16="http://schemas.microsoft.com/office/drawing/2014/main" id="{BC7BB9F0-F14B-4A91-B2B7-35BC47FE4DE7}"/>
+                <a16:creationId xmlns:a16="http://schemas.microsoft.com/office/drawing/2014/main" xmlns="" id="{BC7BB9F0-F14B-4A91-B2B7-35BC47FE4DE7}"/>
               </a:ext>
             </a:extLst>
           </p:cNvPr>
@@ -4148,7 +4400,7 @@
           <p:cNvPr id="3" name="Espaço Reservado para Conteúdo 2">
             <a:extLst>
               <a:ext uri="{FF2B5EF4-FFF2-40B4-BE49-F238E27FC236}">
-                <a16:creationId xmlns="" xmlns:a16="http://schemas.microsoft.com/office/drawing/2014/main" id="{EC1FC1C4-73DA-47A6-8496-B0B457F7D39A}"/>
+                <a16:creationId xmlns:a16="http://schemas.microsoft.com/office/drawing/2014/main" xmlns="" id="{EC1FC1C4-73DA-47A6-8496-B0B457F7D39A}"/>
               </a:ext>
             </a:extLst>
           </p:cNvPr>
@@ -4210,7 +4462,7 @@
           <p:cNvPr id="4" name="Espaço Reservado para Conteúdo 3">
             <a:extLst>
               <a:ext uri="{FF2B5EF4-FFF2-40B4-BE49-F238E27FC236}">
-                <a16:creationId xmlns="" xmlns:a16="http://schemas.microsoft.com/office/drawing/2014/main" id="{E92F06A8-A449-4D92-9912-76873E529B38}"/>
+                <a16:creationId xmlns:a16="http://schemas.microsoft.com/office/drawing/2014/main" xmlns="" id="{E92F06A8-A449-4D92-9912-76873E529B38}"/>
               </a:ext>
             </a:extLst>
           </p:cNvPr>
@@ -4272,7 +4524,7 @@
           <p:cNvPr id="5" name="Espaço Reservado para Data 4">
             <a:extLst>
               <a:ext uri="{FF2B5EF4-FFF2-40B4-BE49-F238E27FC236}">
-                <a16:creationId xmlns="" xmlns:a16="http://schemas.microsoft.com/office/drawing/2014/main" id="{938070A4-BC2F-4D55-BD8D-DEAF11BB9EE9}"/>
+                <a16:creationId xmlns:a16="http://schemas.microsoft.com/office/drawing/2014/main" xmlns="" id="{938070A4-BC2F-4D55-BD8D-DEAF11BB9EE9}"/>
               </a:ext>
             </a:extLst>
           </p:cNvPr>
@@ -4290,7 +4542,7 @@
           <a:p>
             <a:fld id="{63289F7E-B80B-496E-81B4-D396C37C9454}" type="datetimeFigureOut">
               <a:rPr lang="pt-BR" smtClean="0"/>
-              <a:t>04/03/2022</a:t>
+              <a:t>05/03/2022</a:t>
             </a:fld>
             <a:endParaRPr lang="pt-BR"/>
           </a:p>
@@ -4301,7 +4553,7 @@
           <p:cNvPr id="6" name="Espaço Reservado para Rodapé 5">
             <a:extLst>
               <a:ext uri="{FF2B5EF4-FFF2-40B4-BE49-F238E27FC236}">
-                <a16:creationId xmlns="" xmlns:a16="http://schemas.microsoft.com/office/drawing/2014/main" id="{45CC2DB8-844A-465F-BA9A-7734C80C7F43}"/>
+                <a16:creationId xmlns:a16="http://schemas.microsoft.com/office/drawing/2014/main" xmlns="" id="{45CC2DB8-844A-465F-BA9A-7734C80C7F43}"/>
               </a:ext>
             </a:extLst>
           </p:cNvPr>
@@ -4326,7 +4578,7 @@
           <p:cNvPr id="7" name="Espaço Reservado para Número de Slide 6">
             <a:extLst>
               <a:ext uri="{FF2B5EF4-FFF2-40B4-BE49-F238E27FC236}">
-                <a16:creationId xmlns="" xmlns:a16="http://schemas.microsoft.com/office/drawing/2014/main" id="{4CC606A8-097B-4040-94E0-CD8C88280D8F}"/>
+                <a16:creationId xmlns:a16="http://schemas.microsoft.com/office/drawing/2014/main" xmlns="" id="{4CC606A8-097B-4040-94E0-CD8C88280D8F}"/>
               </a:ext>
             </a:extLst>
           </p:cNvPr>
@@ -4385,7 +4637,7 @@
           <p:cNvPr id="2" name="Título 1">
             <a:extLst>
               <a:ext uri="{FF2B5EF4-FFF2-40B4-BE49-F238E27FC236}">
-                <a16:creationId xmlns="" xmlns:a16="http://schemas.microsoft.com/office/drawing/2014/main" id="{76D66686-0143-4CB6-8C09-BA326F1E7ACA}"/>
+                <a16:creationId xmlns:a16="http://schemas.microsoft.com/office/drawing/2014/main" xmlns="" id="{76D66686-0143-4CB6-8C09-BA326F1E7ACA}"/>
               </a:ext>
             </a:extLst>
           </p:cNvPr>
@@ -4418,7 +4670,7 @@
           <p:cNvPr id="3" name="Espaço Reservado para Texto 2">
             <a:extLst>
               <a:ext uri="{FF2B5EF4-FFF2-40B4-BE49-F238E27FC236}">
-                <a16:creationId xmlns="" xmlns:a16="http://schemas.microsoft.com/office/drawing/2014/main" id="{0227AB85-F59E-4BCE-B846-4FA0992C2F23}"/>
+                <a16:creationId xmlns:a16="http://schemas.microsoft.com/office/drawing/2014/main" xmlns="" id="{0227AB85-F59E-4BCE-B846-4FA0992C2F23}"/>
               </a:ext>
             </a:extLst>
           </p:cNvPr>
@@ -4489,7 +4741,7 @@
           <p:cNvPr id="4" name="Espaço Reservado para Conteúdo 3">
             <a:extLst>
               <a:ext uri="{FF2B5EF4-FFF2-40B4-BE49-F238E27FC236}">
-                <a16:creationId xmlns="" xmlns:a16="http://schemas.microsoft.com/office/drawing/2014/main" id="{3373456C-7319-4D0A-827D-D29F6B083F5D}"/>
+                <a16:creationId xmlns:a16="http://schemas.microsoft.com/office/drawing/2014/main" xmlns="" id="{3373456C-7319-4D0A-827D-D29F6B083F5D}"/>
               </a:ext>
             </a:extLst>
           </p:cNvPr>
@@ -4551,7 +4803,7 @@
           <p:cNvPr id="5" name="Espaço Reservado para Texto 4">
             <a:extLst>
               <a:ext uri="{FF2B5EF4-FFF2-40B4-BE49-F238E27FC236}">
-                <a16:creationId xmlns="" xmlns:a16="http://schemas.microsoft.com/office/drawing/2014/main" id="{4CD109D0-2E83-4262-8029-A871CEC47406}"/>
+                <a16:creationId xmlns:a16="http://schemas.microsoft.com/office/drawing/2014/main" xmlns="" id="{4CD109D0-2E83-4262-8029-A871CEC47406}"/>
               </a:ext>
             </a:extLst>
           </p:cNvPr>
@@ -4622,7 +4874,7 @@
           <p:cNvPr id="6" name="Espaço Reservado para Conteúdo 5">
             <a:extLst>
               <a:ext uri="{FF2B5EF4-FFF2-40B4-BE49-F238E27FC236}">
-                <a16:creationId xmlns="" xmlns:a16="http://schemas.microsoft.com/office/drawing/2014/main" id="{AD706E3A-CFBB-4A6C-A65F-D0360A9E74FE}"/>
+                <a16:creationId xmlns:a16="http://schemas.microsoft.com/office/drawing/2014/main" xmlns="" id="{AD706E3A-CFBB-4A6C-A65F-D0360A9E74FE}"/>
               </a:ext>
             </a:extLst>
           </p:cNvPr>
@@ -4684,7 +4936,7 @@
           <p:cNvPr id="7" name="Espaço Reservado para Data 6">
             <a:extLst>
               <a:ext uri="{FF2B5EF4-FFF2-40B4-BE49-F238E27FC236}">
-                <a16:creationId xmlns="" xmlns:a16="http://schemas.microsoft.com/office/drawing/2014/main" id="{4172C0E5-5AF0-4805-BB51-443733CD2BD5}"/>
+                <a16:creationId xmlns:a16="http://schemas.microsoft.com/office/drawing/2014/main" xmlns="" id="{4172C0E5-5AF0-4805-BB51-443733CD2BD5}"/>
               </a:ext>
             </a:extLst>
           </p:cNvPr>
@@ -4702,7 +4954,7 @@
           <a:p>
             <a:fld id="{63289F7E-B80B-496E-81B4-D396C37C9454}" type="datetimeFigureOut">
               <a:rPr lang="pt-BR" smtClean="0"/>
-              <a:t>04/03/2022</a:t>
+              <a:t>05/03/2022</a:t>
             </a:fld>
             <a:endParaRPr lang="pt-BR"/>
           </a:p>
@@ -4713,7 +4965,7 @@
           <p:cNvPr id="8" name="Espaço Reservado para Rodapé 7">
             <a:extLst>
               <a:ext uri="{FF2B5EF4-FFF2-40B4-BE49-F238E27FC236}">
-                <a16:creationId xmlns="" xmlns:a16="http://schemas.microsoft.com/office/drawing/2014/main" id="{0E801648-156F-497E-99CF-797DF48051E1}"/>
+                <a16:creationId xmlns:a16="http://schemas.microsoft.com/office/drawing/2014/main" xmlns="" id="{0E801648-156F-497E-99CF-797DF48051E1}"/>
               </a:ext>
             </a:extLst>
           </p:cNvPr>
@@ -4738,7 +4990,7 @@
           <p:cNvPr id="9" name="Espaço Reservado para Número de Slide 8">
             <a:extLst>
               <a:ext uri="{FF2B5EF4-FFF2-40B4-BE49-F238E27FC236}">
-                <a16:creationId xmlns="" xmlns:a16="http://schemas.microsoft.com/office/drawing/2014/main" id="{EEE23D32-80E7-4796-A137-66BF842E4B53}"/>
+                <a16:creationId xmlns:a16="http://schemas.microsoft.com/office/drawing/2014/main" xmlns="" id="{EEE23D32-80E7-4796-A137-66BF842E4B53}"/>
               </a:ext>
             </a:extLst>
           </p:cNvPr>
@@ -4797,7 +5049,7 @@
           <p:cNvPr id="2" name="Título 1">
             <a:extLst>
               <a:ext uri="{FF2B5EF4-FFF2-40B4-BE49-F238E27FC236}">
-                <a16:creationId xmlns="" xmlns:a16="http://schemas.microsoft.com/office/drawing/2014/main" id="{2BCE2379-C78F-47E1-8CFC-B846E7AF148D}"/>
+                <a16:creationId xmlns:a16="http://schemas.microsoft.com/office/drawing/2014/main" xmlns="" id="{2BCE2379-C78F-47E1-8CFC-B846E7AF148D}"/>
               </a:ext>
             </a:extLst>
           </p:cNvPr>
@@ -4825,7 +5077,7 @@
           <p:cNvPr id="3" name="Espaço Reservado para Data 2">
             <a:extLst>
               <a:ext uri="{FF2B5EF4-FFF2-40B4-BE49-F238E27FC236}">
-                <a16:creationId xmlns="" xmlns:a16="http://schemas.microsoft.com/office/drawing/2014/main" id="{342600A9-7F92-4E22-9D94-E4717252A817}"/>
+                <a16:creationId xmlns:a16="http://schemas.microsoft.com/office/drawing/2014/main" xmlns="" id="{342600A9-7F92-4E22-9D94-E4717252A817}"/>
               </a:ext>
             </a:extLst>
           </p:cNvPr>
@@ -4843,7 +5095,7 @@
           <a:p>
             <a:fld id="{63289F7E-B80B-496E-81B4-D396C37C9454}" type="datetimeFigureOut">
               <a:rPr lang="pt-BR" smtClean="0"/>
-              <a:t>04/03/2022</a:t>
+              <a:t>05/03/2022</a:t>
             </a:fld>
             <a:endParaRPr lang="pt-BR"/>
           </a:p>
@@ -4854,7 +5106,7 @@
           <p:cNvPr id="4" name="Espaço Reservado para Rodapé 3">
             <a:extLst>
               <a:ext uri="{FF2B5EF4-FFF2-40B4-BE49-F238E27FC236}">
-                <a16:creationId xmlns="" xmlns:a16="http://schemas.microsoft.com/office/drawing/2014/main" id="{192E6BED-F546-40CC-A2DF-99CBA853654E}"/>
+                <a16:creationId xmlns:a16="http://schemas.microsoft.com/office/drawing/2014/main" xmlns="" id="{192E6BED-F546-40CC-A2DF-99CBA853654E}"/>
               </a:ext>
             </a:extLst>
           </p:cNvPr>
@@ -4879,7 +5131,7 @@
           <p:cNvPr id="5" name="Espaço Reservado para Número de Slide 4">
             <a:extLst>
               <a:ext uri="{FF2B5EF4-FFF2-40B4-BE49-F238E27FC236}">
-                <a16:creationId xmlns="" xmlns:a16="http://schemas.microsoft.com/office/drawing/2014/main" id="{6091CC40-A8C4-4063-80EB-CC5099621678}"/>
+                <a16:creationId xmlns:a16="http://schemas.microsoft.com/office/drawing/2014/main" xmlns="" id="{6091CC40-A8C4-4063-80EB-CC5099621678}"/>
               </a:ext>
             </a:extLst>
           </p:cNvPr>
@@ -4938,7 +5190,7 @@
           <p:cNvPr id="2" name="Espaço Reservado para Data 1">
             <a:extLst>
               <a:ext uri="{FF2B5EF4-FFF2-40B4-BE49-F238E27FC236}">
-                <a16:creationId xmlns="" xmlns:a16="http://schemas.microsoft.com/office/drawing/2014/main" id="{DD19515C-212C-4EAE-84A3-8FF4BC844F1B}"/>
+                <a16:creationId xmlns:a16="http://schemas.microsoft.com/office/drawing/2014/main" xmlns="" id="{DD19515C-212C-4EAE-84A3-8FF4BC844F1B}"/>
               </a:ext>
             </a:extLst>
           </p:cNvPr>
@@ -4956,7 +5208,7 @@
           <a:p>
             <a:fld id="{63289F7E-B80B-496E-81B4-D396C37C9454}" type="datetimeFigureOut">
               <a:rPr lang="pt-BR" smtClean="0"/>
-              <a:t>04/03/2022</a:t>
+              <a:t>05/03/2022</a:t>
             </a:fld>
             <a:endParaRPr lang="pt-BR"/>
           </a:p>
@@ -4967,7 +5219,7 @@
           <p:cNvPr id="3" name="Espaço Reservado para Rodapé 2">
             <a:extLst>
               <a:ext uri="{FF2B5EF4-FFF2-40B4-BE49-F238E27FC236}">
-                <a16:creationId xmlns="" xmlns:a16="http://schemas.microsoft.com/office/drawing/2014/main" id="{94D3D120-B3E8-4C96-861D-7A4F12F49B3A}"/>
+                <a16:creationId xmlns:a16="http://schemas.microsoft.com/office/drawing/2014/main" xmlns="" id="{94D3D120-B3E8-4C96-861D-7A4F12F49B3A}"/>
               </a:ext>
             </a:extLst>
           </p:cNvPr>
@@ -4992,7 +5244,7 @@
           <p:cNvPr id="4" name="Espaço Reservado para Número de Slide 3">
             <a:extLst>
               <a:ext uri="{FF2B5EF4-FFF2-40B4-BE49-F238E27FC236}">
-                <a16:creationId xmlns="" xmlns:a16="http://schemas.microsoft.com/office/drawing/2014/main" id="{42E49B68-FA1B-468B-9F17-D5C09243D454}"/>
+                <a16:creationId xmlns:a16="http://schemas.microsoft.com/office/drawing/2014/main" xmlns="" id="{42E49B68-FA1B-468B-9F17-D5C09243D454}"/>
               </a:ext>
             </a:extLst>
           </p:cNvPr>
@@ -5051,7 +5303,7 @@
           <p:cNvPr id="2" name="Título 1">
             <a:extLst>
               <a:ext uri="{FF2B5EF4-FFF2-40B4-BE49-F238E27FC236}">
-                <a16:creationId xmlns="" xmlns:a16="http://schemas.microsoft.com/office/drawing/2014/main" id="{1C17BCBE-A897-4319-85EC-D87909C24980}"/>
+                <a16:creationId xmlns:a16="http://schemas.microsoft.com/office/drawing/2014/main" xmlns="" id="{1C17BCBE-A897-4319-85EC-D87909C24980}"/>
               </a:ext>
             </a:extLst>
           </p:cNvPr>
@@ -5088,7 +5340,7 @@
           <p:cNvPr id="3" name="Espaço Reservado para Conteúdo 2">
             <a:extLst>
               <a:ext uri="{FF2B5EF4-FFF2-40B4-BE49-F238E27FC236}">
-                <a16:creationId xmlns="" xmlns:a16="http://schemas.microsoft.com/office/drawing/2014/main" id="{4226F885-0204-4913-868B-4B8B82576F17}"/>
+                <a16:creationId xmlns:a16="http://schemas.microsoft.com/office/drawing/2014/main" xmlns="" id="{4226F885-0204-4913-868B-4B8B82576F17}"/>
               </a:ext>
             </a:extLst>
           </p:cNvPr>
@@ -5178,7 +5430,7 @@
           <p:cNvPr id="4" name="Espaço Reservado para Texto 3">
             <a:extLst>
               <a:ext uri="{FF2B5EF4-FFF2-40B4-BE49-F238E27FC236}">
-                <a16:creationId xmlns="" xmlns:a16="http://schemas.microsoft.com/office/drawing/2014/main" id="{00F9F784-A858-441B-8AB5-697098141751}"/>
+                <a16:creationId xmlns:a16="http://schemas.microsoft.com/office/drawing/2014/main" xmlns="" id="{00F9F784-A858-441B-8AB5-697098141751}"/>
               </a:ext>
             </a:extLst>
           </p:cNvPr>
@@ -5249,7 +5501,7 @@
           <p:cNvPr id="5" name="Espaço Reservado para Data 4">
             <a:extLst>
               <a:ext uri="{FF2B5EF4-FFF2-40B4-BE49-F238E27FC236}">
-                <a16:creationId xmlns="" xmlns:a16="http://schemas.microsoft.com/office/drawing/2014/main" id="{A4DC363A-5000-472E-8B17-02E7DCB8840A}"/>
+                <a16:creationId xmlns:a16="http://schemas.microsoft.com/office/drawing/2014/main" xmlns="" id="{A4DC363A-5000-472E-8B17-02E7DCB8840A}"/>
               </a:ext>
             </a:extLst>
           </p:cNvPr>
@@ -5267,7 +5519,7 @@
           <a:p>
             <a:fld id="{63289F7E-B80B-496E-81B4-D396C37C9454}" type="datetimeFigureOut">
               <a:rPr lang="pt-BR" smtClean="0"/>
-              <a:t>04/03/2022</a:t>
+              <a:t>05/03/2022</a:t>
             </a:fld>
             <a:endParaRPr lang="pt-BR"/>
           </a:p>
@@ -5278,7 +5530,7 @@
           <p:cNvPr id="6" name="Espaço Reservado para Rodapé 5">
             <a:extLst>
               <a:ext uri="{FF2B5EF4-FFF2-40B4-BE49-F238E27FC236}">
-                <a16:creationId xmlns="" xmlns:a16="http://schemas.microsoft.com/office/drawing/2014/main" id="{5548425D-2C21-4C56-BAD4-662978775C28}"/>
+                <a16:creationId xmlns:a16="http://schemas.microsoft.com/office/drawing/2014/main" xmlns="" id="{5548425D-2C21-4C56-BAD4-662978775C28}"/>
               </a:ext>
             </a:extLst>
           </p:cNvPr>
@@ -5303,7 +5555,7 @@
           <p:cNvPr id="7" name="Espaço Reservado para Número de Slide 6">
             <a:extLst>
               <a:ext uri="{FF2B5EF4-FFF2-40B4-BE49-F238E27FC236}">
-                <a16:creationId xmlns="" xmlns:a16="http://schemas.microsoft.com/office/drawing/2014/main" id="{C63E9726-E64C-42B2-AE8A-8C235A956B48}"/>
+                <a16:creationId xmlns:a16="http://schemas.microsoft.com/office/drawing/2014/main" xmlns="" id="{C63E9726-E64C-42B2-AE8A-8C235A956B48}"/>
               </a:ext>
             </a:extLst>
           </p:cNvPr>
@@ -5362,7 +5614,7 @@
           <p:cNvPr id="2" name="Título 1">
             <a:extLst>
               <a:ext uri="{FF2B5EF4-FFF2-40B4-BE49-F238E27FC236}">
-                <a16:creationId xmlns="" xmlns:a16="http://schemas.microsoft.com/office/drawing/2014/main" id="{11086A78-3E74-450C-96A6-CA8AC37AF772}"/>
+                <a16:creationId xmlns:a16="http://schemas.microsoft.com/office/drawing/2014/main" xmlns="" id="{11086A78-3E74-450C-96A6-CA8AC37AF772}"/>
               </a:ext>
             </a:extLst>
           </p:cNvPr>
@@ -5399,7 +5651,7 @@
           <p:cNvPr id="3" name="Espaço Reservado para Imagem 2">
             <a:extLst>
               <a:ext uri="{FF2B5EF4-FFF2-40B4-BE49-F238E27FC236}">
-                <a16:creationId xmlns="" xmlns:a16="http://schemas.microsoft.com/office/drawing/2014/main" id="{5F5B7312-975A-4DBC-9B2F-3652ADA006FD}"/>
+                <a16:creationId xmlns:a16="http://schemas.microsoft.com/office/drawing/2014/main" xmlns="" id="{5F5B7312-975A-4DBC-9B2F-3652ADA006FD}"/>
               </a:ext>
             </a:extLst>
           </p:cNvPr>
@@ -5466,7 +5718,7 @@
           <p:cNvPr id="4" name="Espaço Reservado para Texto 3">
             <a:extLst>
               <a:ext uri="{FF2B5EF4-FFF2-40B4-BE49-F238E27FC236}">
-                <a16:creationId xmlns="" xmlns:a16="http://schemas.microsoft.com/office/drawing/2014/main" id="{AAF805F5-1DFF-41C6-944C-7D79FE0D0963}"/>
+                <a16:creationId xmlns:a16="http://schemas.microsoft.com/office/drawing/2014/main" xmlns="" id="{AAF805F5-1DFF-41C6-944C-7D79FE0D0963}"/>
               </a:ext>
             </a:extLst>
           </p:cNvPr>
@@ -5537,7 +5789,7 @@
           <p:cNvPr id="5" name="Espaço Reservado para Data 4">
             <a:extLst>
               <a:ext uri="{FF2B5EF4-FFF2-40B4-BE49-F238E27FC236}">
-                <a16:creationId xmlns="" xmlns:a16="http://schemas.microsoft.com/office/drawing/2014/main" id="{02113D81-8665-4516-BD81-C6A1F254EECD}"/>
+                <a16:creationId xmlns:a16="http://schemas.microsoft.com/office/drawing/2014/main" xmlns="" id="{02113D81-8665-4516-BD81-C6A1F254EECD}"/>
               </a:ext>
             </a:extLst>
           </p:cNvPr>
@@ -5555,7 +5807,7 @@
           <a:p>
             <a:fld id="{63289F7E-B80B-496E-81B4-D396C37C9454}" type="datetimeFigureOut">
               <a:rPr lang="pt-BR" smtClean="0"/>
-              <a:t>04/03/2022</a:t>
+              <a:t>05/03/2022</a:t>
             </a:fld>
             <a:endParaRPr lang="pt-BR"/>
           </a:p>
@@ -5566,7 +5818,7 @@
           <p:cNvPr id="6" name="Espaço Reservado para Rodapé 5">
             <a:extLst>
               <a:ext uri="{FF2B5EF4-FFF2-40B4-BE49-F238E27FC236}">
-                <a16:creationId xmlns="" xmlns:a16="http://schemas.microsoft.com/office/drawing/2014/main" id="{2B00C88B-FF32-40AA-A187-727D96FD7862}"/>
+                <a16:creationId xmlns:a16="http://schemas.microsoft.com/office/drawing/2014/main" xmlns="" id="{2B00C88B-FF32-40AA-A187-727D96FD7862}"/>
               </a:ext>
             </a:extLst>
           </p:cNvPr>
@@ -5591,7 +5843,7 @@
           <p:cNvPr id="7" name="Espaço Reservado para Número de Slide 6">
             <a:extLst>
               <a:ext uri="{FF2B5EF4-FFF2-40B4-BE49-F238E27FC236}">
-                <a16:creationId xmlns="" xmlns:a16="http://schemas.microsoft.com/office/drawing/2014/main" id="{A04D1A2D-69F7-4B8F-A730-BC26DC340BA6}"/>
+                <a16:creationId xmlns:a16="http://schemas.microsoft.com/office/drawing/2014/main" xmlns="" id="{A04D1A2D-69F7-4B8F-A730-BC26DC340BA6}"/>
               </a:ext>
             </a:extLst>
           </p:cNvPr>
@@ -5655,7 +5907,7 @@
           <p:cNvPr id="2" name="Espaço Reservado para Título 1">
             <a:extLst>
               <a:ext uri="{FF2B5EF4-FFF2-40B4-BE49-F238E27FC236}">
-                <a16:creationId xmlns="" xmlns:a16="http://schemas.microsoft.com/office/drawing/2014/main" id="{E69A0273-1966-4A1B-9370-4C1CE5036371}"/>
+                <a16:creationId xmlns:a16="http://schemas.microsoft.com/office/drawing/2014/main" xmlns="" id="{E69A0273-1966-4A1B-9370-4C1CE5036371}"/>
               </a:ext>
             </a:extLst>
           </p:cNvPr>
@@ -5693,7 +5945,7 @@
           <p:cNvPr id="3" name="Espaço Reservado para Texto 2">
             <a:extLst>
               <a:ext uri="{FF2B5EF4-FFF2-40B4-BE49-F238E27FC236}">
-                <a16:creationId xmlns="" xmlns:a16="http://schemas.microsoft.com/office/drawing/2014/main" id="{3B9CF87A-0448-49A7-AB25-EBC1D56A40EF}"/>
+                <a16:creationId xmlns:a16="http://schemas.microsoft.com/office/drawing/2014/main" xmlns="" id="{3B9CF87A-0448-49A7-AB25-EBC1D56A40EF}"/>
               </a:ext>
             </a:extLst>
           </p:cNvPr>
@@ -5760,7 +6012,7 @@
           <p:cNvPr id="4" name="Espaço Reservado para Data 3">
             <a:extLst>
               <a:ext uri="{FF2B5EF4-FFF2-40B4-BE49-F238E27FC236}">
-                <a16:creationId xmlns="" xmlns:a16="http://schemas.microsoft.com/office/drawing/2014/main" id="{2EF7B1F2-BB5A-44D0-816D-16AD2C71430E}"/>
+                <a16:creationId xmlns:a16="http://schemas.microsoft.com/office/drawing/2014/main" xmlns="" id="{2EF7B1F2-BB5A-44D0-816D-16AD2C71430E}"/>
               </a:ext>
             </a:extLst>
           </p:cNvPr>
@@ -5796,7 +6048,7 @@
           <a:p>
             <a:fld id="{63289F7E-B80B-496E-81B4-D396C37C9454}" type="datetimeFigureOut">
               <a:rPr lang="pt-BR" smtClean="0"/>
-              <a:t>04/03/2022</a:t>
+              <a:t>05/03/2022</a:t>
             </a:fld>
             <a:endParaRPr lang="pt-BR"/>
           </a:p>
@@ -5807,7 +6059,7 @@
           <p:cNvPr id="5" name="Espaço Reservado para Rodapé 4">
             <a:extLst>
               <a:ext uri="{FF2B5EF4-FFF2-40B4-BE49-F238E27FC236}">
-                <a16:creationId xmlns="" xmlns:a16="http://schemas.microsoft.com/office/drawing/2014/main" id="{C703F94C-2CC8-4DAA-BC35-14FC3E841DCD}"/>
+                <a16:creationId xmlns:a16="http://schemas.microsoft.com/office/drawing/2014/main" xmlns="" id="{C703F94C-2CC8-4DAA-BC35-14FC3E841DCD}"/>
               </a:ext>
             </a:extLst>
           </p:cNvPr>
@@ -5850,7 +6102,7 @@
           <p:cNvPr id="6" name="Espaço Reservado para Número de Slide 5">
             <a:extLst>
               <a:ext uri="{FF2B5EF4-FFF2-40B4-BE49-F238E27FC236}">
-                <a16:creationId xmlns="" xmlns:a16="http://schemas.microsoft.com/office/drawing/2014/main" id="{64051336-7048-457A-8B61-D94291D71648}"/>
+                <a16:creationId xmlns:a16="http://schemas.microsoft.com/office/drawing/2014/main" xmlns="" id="{64051336-7048-457A-8B61-D94291D71648}"/>
               </a:ext>
             </a:extLst>
           </p:cNvPr>
@@ -6218,7 +6470,7 @@
           <p:cNvPr id="2" name="Título 1">
             <a:extLst>
               <a:ext uri="{FF2B5EF4-FFF2-40B4-BE49-F238E27FC236}">
-                <a16:creationId xmlns="" xmlns:a16="http://schemas.microsoft.com/office/drawing/2014/main" id="{32666AC8-2E17-4DB4-B0F5-60C640CCFD2E}"/>
+                <a16:creationId xmlns:a16="http://schemas.microsoft.com/office/drawing/2014/main" xmlns="" id="{32666AC8-2E17-4DB4-B0F5-60C640CCFD2E}"/>
               </a:ext>
             </a:extLst>
           </p:cNvPr>
@@ -6264,7 +6516,7 @@
           <p:cNvPr id="4" name="CaixaDeTexto 3">
             <a:extLst>
               <a:ext uri="{FF2B5EF4-FFF2-40B4-BE49-F238E27FC236}">
-                <a16:creationId xmlns="" xmlns:a16="http://schemas.microsoft.com/office/drawing/2014/main" id="{430EB894-B7D4-434C-9D1A-A14094D9BEEC}"/>
+                <a16:creationId xmlns:a16="http://schemas.microsoft.com/office/drawing/2014/main" xmlns="" id="{430EB894-B7D4-434C-9D1A-A14094D9BEEC}"/>
               </a:ext>
             </a:extLst>
           </p:cNvPr>
@@ -6305,7 +6557,7 @@
           <p:cNvPr id="1026" name="Picture 2" descr="Logo">
             <a:extLst>
               <a:ext uri="{FF2B5EF4-FFF2-40B4-BE49-F238E27FC236}">
-                <a16:creationId xmlns="" xmlns:a16="http://schemas.microsoft.com/office/drawing/2014/main" id="{3F2642E0-4F6A-4196-8F58-E77D36E9A33F}"/>
+                <a16:creationId xmlns:a16="http://schemas.microsoft.com/office/drawing/2014/main" xmlns="" id="{3F2642E0-4F6A-4196-8F58-E77D36E9A33F}"/>
               </a:ext>
             </a:extLst>
           </p:cNvPr>
@@ -6350,7 +6602,7 @@
           <p:cNvPr id="5122" name="Picture 2" descr="Image result for machine learning">
             <a:extLst>
               <a:ext uri="{FF2B5EF4-FFF2-40B4-BE49-F238E27FC236}">
-                <a16:creationId xmlns="" xmlns:a16="http://schemas.microsoft.com/office/drawing/2014/main" id="{810CE0A2-4102-44A6-A370-175E7896CDCB}"/>
+                <a16:creationId xmlns:a16="http://schemas.microsoft.com/office/drawing/2014/main" xmlns="" id="{810CE0A2-4102-44A6-A370-175E7896CDCB}"/>
               </a:ext>
             </a:extLst>
           </p:cNvPr>
@@ -6447,8 +6699,8 @@
           </a:p>
         </p:txBody>
       </p:sp>
-      <mc:AlternateContent xmlns:mc="http://schemas.openxmlformats.org/markup-compatibility/2006">
-        <mc:Choice xmlns:a14="http://schemas.microsoft.com/office/drawing/2010/main" Requires="a14">
+      <mc:AlternateContent xmlns:mc="http://schemas.openxmlformats.org/markup-compatibility/2006" xmlns:a14="http://schemas.microsoft.com/office/drawing/2010/main">
+        <mc:Choice Requires="a14">
           <p:sp>
             <p:nvSpPr>
               <p:cNvPr id="3" name="Content Placeholder 2"/>
@@ -7695,7 +7947,7 @@
             </p:txBody>
           </p:sp>
         </mc:Choice>
-        <mc:Fallback>
+        <mc:Fallback xmlns="">
           <p:sp>
             <p:nvSpPr>
               <p:cNvPr id="3" name="Content Placeholder 2"/>
@@ -17756,7 +18008,7 @@
           <p:cNvPr id="4" name="Título 1">
             <a:extLst>
               <a:ext uri="{FF2B5EF4-FFF2-40B4-BE49-F238E27FC236}">
-                <a16:creationId xmlns="" xmlns:a16="http://schemas.microsoft.com/office/drawing/2014/main" id="{32666AC8-2E17-4DB4-B0F5-60C640CCFD2E}"/>
+                <a16:creationId xmlns:a16="http://schemas.microsoft.com/office/drawing/2014/main" xmlns="" id="{32666AC8-2E17-4DB4-B0F5-60C640CCFD2E}"/>
               </a:ext>
             </a:extLst>
           </p:cNvPr>

--- a/slides/T320_Classificação (Parte III).pptx
+++ b/slides/T320_Classificação (Parte III).pptx
@@ -22,13 +22,13 @@
     <p:sldId id="356" r:id="rId10"/>
     <p:sldId id="357" r:id="rId11"/>
     <p:sldId id="367" r:id="rId12"/>
-    <p:sldId id="368" r:id="rId13"/>
-    <p:sldId id="324" r:id="rId14"/>
-    <p:sldId id="306" r:id="rId15"/>
-    <p:sldId id="362" r:id="rId16"/>
-    <p:sldId id="369" r:id="rId17"/>
-    <p:sldId id="370" r:id="rId18"/>
-    <p:sldId id="372" r:id="rId19"/>
+    <p:sldId id="370" r:id="rId13"/>
+    <p:sldId id="372" r:id="rId14"/>
+    <p:sldId id="368" r:id="rId15"/>
+    <p:sldId id="324" r:id="rId16"/>
+    <p:sldId id="306" r:id="rId17"/>
+    <p:sldId id="362" r:id="rId18"/>
+    <p:sldId id="369" r:id="rId19"/>
   </p:sldIdLst>
   <p:sldSz cx="12192000" cy="6858000"/>
   <p:notesSz cx="7315200" cy="9601200"/>
@@ -893,7 +893,7 @@
           <a:p>
             <a:fld id="{F430A2A4-8C14-4B1A-AD48-7B6401078BF7}" type="slidenum">
               <a:rPr lang="pt-BR" smtClean="0"/>
-              <a:t>15</a:t>
+              <a:t>17</a:t>
             </a:fld>
             <a:endParaRPr lang="pt-BR"/>
           </a:p>
@@ -3232,7 +3232,7 @@
           <a:p>
             <a:fld id="{6FC8D850-966F-45A6-8DE7-15B891E7D40D}" type="slidenum">
               <a:rPr lang="pt-BR" smtClean="0"/>
-              <a:t>13</a:t>
+              <a:t>15</a:t>
             </a:fld>
             <a:endParaRPr lang="pt-BR"/>
           </a:p>
@@ -3273,7 +3273,7 @@
           <p:cNvPr id="2" name="Título 1">
             <a:extLst>
               <a:ext uri="{FF2B5EF4-FFF2-40B4-BE49-F238E27FC236}">
-                <a16:creationId xmlns:a16="http://schemas.microsoft.com/office/drawing/2014/main" xmlns="" id="{1DB9B4FF-B06E-403C-A326-BDC64D8FF94E}"/>
+                <a16:creationId xmlns="" xmlns:a16="http://schemas.microsoft.com/office/drawing/2014/main" id="{1DB9B4FF-B06E-403C-A326-BDC64D8FF94E}"/>
               </a:ext>
             </a:extLst>
           </p:cNvPr>
@@ -3310,7 +3310,7 @@
           <p:cNvPr id="3" name="Subtítulo 2">
             <a:extLst>
               <a:ext uri="{FF2B5EF4-FFF2-40B4-BE49-F238E27FC236}">
-                <a16:creationId xmlns:a16="http://schemas.microsoft.com/office/drawing/2014/main" xmlns="" id="{247BDFCE-746E-45BF-A319-4733D58D1632}"/>
+                <a16:creationId xmlns="" xmlns:a16="http://schemas.microsoft.com/office/drawing/2014/main" id="{247BDFCE-746E-45BF-A319-4733D58D1632}"/>
               </a:ext>
             </a:extLst>
           </p:cNvPr>
@@ -3380,7 +3380,7 @@
           <p:cNvPr id="4" name="Espaço Reservado para Data 3">
             <a:extLst>
               <a:ext uri="{FF2B5EF4-FFF2-40B4-BE49-F238E27FC236}">
-                <a16:creationId xmlns:a16="http://schemas.microsoft.com/office/drawing/2014/main" xmlns="" id="{9EDE2778-5372-4104-B96D-968184DA8288}"/>
+                <a16:creationId xmlns="" xmlns:a16="http://schemas.microsoft.com/office/drawing/2014/main" id="{9EDE2778-5372-4104-B96D-968184DA8288}"/>
               </a:ext>
             </a:extLst>
           </p:cNvPr>
@@ -3409,7 +3409,7 @@
           <p:cNvPr id="5" name="Espaço Reservado para Rodapé 4">
             <a:extLst>
               <a:ext uri="{FF2B5EF4-FFF2-40B4-BE49-F238E27FC236}">
-                <a16:creationId xmlns:a16="http://schemas.microsoft.com/office/drawing/2014/main" xmlns="" id="{C1DD0F41-C861-4051-988D-3024A37A4B93}"/>
+                <a16:creationId xmlns="" xmlns:a16="http://schemas.microsoft.com/office/drawing/2014/main" id="{C1DD0F41-C861-4051-988D-3024A37A4B93}"/>
               </a:ext>
             </a:extLst>
           </p:cNvPr>
@@ -3434,7 +3434,7 @@
           <p:cNvPr id="6" name="Espaço Reservado para Número de Slide 5">
             <a:extLst>
               <a:ext uri="{FF2B5EF4-FFF2-40B4-BE49-F238E27FC236}">
-                <a16:creationId xmlns:a16="http://schemas.microsoft.com/office/drawing/2014/main" xmlns="" id="{07E5967E-D980-431A-A5DB-3F0C5030A81E}"/>
+                <a16:creationId xmlns="" xmlns:a16="http://schemas.microsoft.com/office/drawing/2014/main" id="{07E5967E-D980-431A-A5DB-3F0C5030A81E}"/>
               </a:ext>
             </a:extLst>
           </p:cNvPr>
@@ -3493,7 +3493,7 @@
           <p:cNvPr id="2" name="Título 1">
             <a:extLst>
               <a:ext uri="{FF2B5EF4-FFF2-40B4-BE49-F238E27FC236}">
-                <a16:creationId xmlns:a16="http://schemas.microsoft.com/office/drawing/2014/main" xmlns="" id="{9036C49F-3E68-4175-81BA-3C3FEE44308A}"/>
+                <a16:creationId xmlns="" xmlns:a16="http://schemas.microsoft.com/office/drawing/2014/main" id="{9036C49F-3E68-4175-81BA-3C3FEE44308A}"/>
               </a:ext>
             </a:extLst>
           </p:cNvPr>
@@ -3521,7 +3521,7 @@
           <p:cNvPr id="3" name="Espaço Reservado para Texto Vertical 2">
             <a:extLst>
               <a:ext uri="{FF2B5EF4-FFF2-40B4-BE49-F238E27FC236}">
-                <a16:creationId xmlns:a16="http://schemas.microsoft.com/office/drawing/2014/main" xmlns="" id="{426FA736-3DD3-4D4E-B57B-BBE1D8F7D424}"/>
+                <a16:creationId xmlns="" xmlns:a16="http://schemas.microsoft.com/office/drawing/2014/main" id="{426FA736-3DD3-4D4E-B57B-BBE1D8F7D424}"/>
               </a:ext>
             </a:extLst>
           </p:cNvPr>
@@ -3578,7 +3578,7 @@
           <p:cNvPr id="4" name="Espaço Reservado para Data 3">
             <a:extLst>
               <a:ext uri="{FF2B5EF4-FFF2-40B4-BE49-F238E27FC236}">
-                <a16:creationId xmlns:a16="http://schemas.microsoft.com/office/drawing/2014/main" xmlns="" id="{99E8855C-D8FD-48F6-B14E-861E0DE4D915}"/>
+                <a16:creationId xmlns="" xmlns:a16="http://schemas.microsoft.com/office/drawing/2014/main" id="{99E8855C-D8FD-48F6-B14E-861E0DE4D915}"/>
               </a:ext>
             </a:extLst>
           </p:cNvPr>
@@ -3607,7 +3607,7 @@
           <p:cNvPr id="5" name="Espaço Reservado para Rodapé 4">
             <a:extLst>
               <a:ext uri="{FF2B5EF4-FFF2-40B4-BE49-F238E27FC236}">
-                <a16:creationId xmlns:a16="http://schemas.microsoft.com/office/drawing/2014/main" xmlns="" id="{97C0BB88-2F21-42A5-ACFF-83DA47F2D340}"/>
+                <a16:creationId xmlns="" xmlns:a16="http://schemas.microsoft.com/office/drawing/2014/main" id="{97C0BB88-2F21-42A5-ACFF-83DA47F2D340}"/>
               </a:ext>
             </a:extLst>
           </p:cNvPr>
@@ -3632,7 +3632,7 @@
           <p:cNvPr id="6" name="Espaço Reservado para Número de Slide 5">
             <a:extLst>
               <a:ext uri="{FF2B5EF4-FFF2-40B4-BE49-F238E27FC236}">
-                <a16:creationId xmlns:a16="http://schemas.microsoft.com/office/drawing/2014/main" xmlns="" id="{6CB462B3-1F22-4C05-B4B8-7A279FB7D5E9}"/>
+                <a16:creationId xmlns="" xmlns:a16="http://schemas.microsoft.com/office/drawing/2014/main" id="{6CB462B3-1F22-4C05-B4B8-7A279FB7D5E9}"/>
               </a:ext>
             </a:extLst>
           </p:cNvPr>
@@ -3691,7 +3691,7 @@
           <p:cNvPr id="2" name="Título Vertical 1">
             <a:extLst>
               <a:ext uri="{FF2B5EF4-FFF2-40B4-BE49-F238E27FC236}">
-                <a16:creationId xmlns:a16="http://schemas.microsoft.com/office/drawing/2014/main" xmlns="" id="{EAEAB728-701C-4207-A9D5-23FF45C60502}"/>
+                <a16:creationId xmlns="" xmlns:a16="http://schemas.microsoft.com/office/drawing/2014/main" id="{EAEAB728-701C-4207-A9D5-23FF45C60502}"/>
               </a:ext>
             </a:extLst>
           </p:cNvPr>
@@ -3724,7 +3724,7 @@
           <p:cNvPr id="3" name="Espaço Reservado para Texto Vertical 2">
             <a:extLst>
               <a:ext uri="{FF2B5EF4-FFF2-40B4-BE49-F238E27FC236}">
-                <a16:creationId xmlns:a16="http://schemas.microsoft.com/office/drawing/2014/main" xmlns="" id="{BA8C8CCF-7823-480A-9A19-0F664DD17E3B}"/>
+                <a16:creationId xmlns="" xmlns:a16="http://schemas.microsoft.com/office/drawing/2014/main" id="{BA8C8CCF-7823-480A-9A19-0F664DD17E3B}"/>
               </a:ext>
             </a:extLst>
           </p:cNvPr>
@@ -3786,7 +3786,7 @@
           <p:cNvPr id="4" name="Espaço Reservado para Data 3">
             <a:extLst>
               <a:ext uri="{FF2B5EF4-FFF2-40B4-BE49-F238E27FC236}">
-                <a16:creationId xmlns:a16="http://schemas.microsoft.com/office/drawing/2014/main" xmlns="" id="{721D5734-7B1F-425D-942F-6EB73344027C}"/>
+                <a16:creationId xmlns="" xmlns:a16="http://schemas.microsoft.com/office/drawing/2014/main" id="{721D5734-7B1F-425D-942F-6EB73344027C}"/>
               </a:ext>
             </a:extLst>
           </p:cNvPr>
@@ -3815,7 +3815,7 @@
           <p:cNvPr id="5" name="Espaço Reservado para Rodapé 4">
             <a:extLst>
               <a:ext uri="{FF2B5EF4-FFF2-40B4-BE49-F238E27FC236}">
-                <a16:creationId xmlns:a16="http://schemas.microsoft.com/office/drawing/2014/main" xmlns="" id="{1E1AAEAC-F08D-45FE-89EC-B1B349A868C9}"/>
+                <a16:creationId xmlns="" xmlns:a16="http://schemas.microsoft.com/office/drawing/2014/main" id="{1E1AAEAC-F08D-45FE-89EC-B1B349A868C9}"/>
               </a:ext>
             </a:extLst>
           </p:cNvPr>
@@ -3840,7 +3840,7 @@
           <p:cNvPr id="6" name="Espaço Reservado para Número de Slide 5">
             <a:extLst>
               <a:ext uri="{FF2B5EF4-FFF2-40B4-BE49-F238E27FC236}">
-                <a16:creationId xmlns:a16="http://schemas.microsoft.com/office/drawing/2014/main" xmlns="" id="{BAA44493-9911-47B2-87A6-C2141A972BC8}"/>
+                <a16:creationId xmlns="" xmlns:a16="http://schemas.microsoft.com/office/drawing/2014/main" id="{BAA44493-9911-47B2-87A6-C2141A972BC8}"/>
               </a:ext>
             </a:extLst>
           </p:cNvPr>
@@ -3899,7 +3899,7 @@
           <p:cNvPr id="2" name="Título 1">
             <a:extLst>
               <a:ext uri="{FF2B5EF4-FFF2-40B4-BE49-F238E27FC236}">
-                <a16:creationId xmlns:a16="http://schemas.microsoft.com/office/drawing/2014/main" xmlns="" id="{71BD44A5-8F21-4626-A01D-48A1C874B1D5}"/>
+                <a16:creationId xmlns="" xmlns:a16="http://schemas.microsoft.com/office/drawing/2014/main" id="{71BD44A5-8F21-4626-A01D-48A1C874B1D5}"/>
               </a:ext>
             </a:extLst>
           </p:cNvPr>
@@ -3927,7 +3927,7 @@
           <p:cNvPr id="3" name="Espaço Reservado para Conteúdo 2">
             <a:extLst>
               <a:ext uri="{FF2B5EF4-FFF2-40B4-BE49-F238E27FC236}">
-                <a16:creationId xmlns:a16="http://schemas.microsoft.com/office/drawing/2014/main" xmlns="" id="{B79E8085-65A9-48AA-951D-71D978BFF4ED}"/>
+                <a16:creationId xmlns="" xmlns:a16="http://schemas.microsoft.com/office/drawing/2014/main" id="{B79E8085-65A9-48AA-951D-71D978BFF4ED}"/>
               </a:ext>
             </a:extLst>
           </p:cNvPr>
@@ -3984,7 +3984,7 @@
           <p:cNvPr id="4" name="Espaço Reservado para Data 3">
             <a:extLst>
               <a:ext uri="{FF2B5EF4-FFF2-40B4-BE49-F238E27FC236}">
-                <a16:creationId xmlns:a16="http://schemas.microsoft.com/office/drawing/2014/main" xmlns="" id="{F05BE1AF-51EA-425D-B188-DE7BD675009F}"/>
+                <a16:creationId xmlns="" xmlns:a16="http://schemas.microsoft.com/office/drawing/2014/main" id="{F05BE1AF-51EA-425D-B188-DE7BD675009F}"/>
               </a:ext>
             </a:extLst>
           </p:cNvPr>
@@ -4013,7 +4013,7 @@
           <p:cNvPr id="5" name="Espaço Reservado para Rodapé 4">
             <a:extLst>
               <a:ext uri="{FF2B5EF4-FFF2-40B4-BE49-F238E27FC236}">
-                <a16:creationId xmlns:a16="http://schemas.microsoft.com/office/drawing/2014/main" xmlns="" id="{121BE632-29CF-4CB9-B365-C9EF38F89BE6}"/>
+                <a16:creationId xmlns="" xmlns:a16="http://schemas.microsoft.com/office/drawing/2014/main" id="{121BE632-29CF-4CB9-B365-C9EF38F89BE6}"/>
               </a:ext>
             </a:extLst>
           </p:cNvPr>
@@ -4038,7 +4038,7 @@
           <p:cNvPr id="6" name="Espaço Reservado para Número de Slide 5">
             <a:extLst>
               <a:ext uri="{FF2B5EF4-FFF2-40B4-BE49-F238E27FC236}">
-                <a16:creationId xmlns:a16="http://schemas.microsoft.com/office/drawing/2014/main" xmlns="" id="{60CF3DD1-9AEC-4A57-B461-4E4DD86FAC18}"/>
+                <a16:creationId xmlns="" xmlns:a16="http://schemas.microsoft.com/office/drawing/2014/main" id="{60CF3DD1-9AEC-4A57-B461-4E4DD86FAC18}"/>
               </a:ext>
             </a:extLst>
           </p:cNvPr>
@@ -4097,7 +4097,7 @@
           <p:cNvPr id="2" name="Título 1">
             <a:extLst>
               <a:ext uri="{FF2B5EF4-FFF2-40B4-BE49-F238E27FC236}">
-                <a16:creationId xmlns:a16="http://schemas.microsoft.com/office/drawing/2014/main" xmlns="" id="{34AB2FF0-A4D7-4E28-991D-FF26140D5988}"/>
+                <a16:creationId xmlns="" xmlns:a16="http://schemas.microsoft.com/office/drawing/2014/main" id="{34AB2FF0-A4D7-4E28-991D-FF26140D5988}"/>
               </a:ext>
             </a:extLst>
           </p:cNvPr>
@@ -4134,7 +4134,7 @@
           <p:cNvPr id="3" name="Espaço Reservado para Texto 2">
             <a:extLst>
               <a:ext uri="{FF2B5EF4-FFF2-40B4-BE49-F238E27FC236}">
-                <a16:creationId xmlns:a16="http://schemas.microsoft.com/office/drawing/2014/main" xmlns="" id="{E2AC45B0-4145-40DB-8E61-105461170604}"/>
+                <a16:creationId xmlns="" xmlns:a16="http://schemas.microsoft.com/office/drawing/2014/main" id="{E2AC45B0-4145-40DB-8E61-105461170604}"/>
               </a:ext>
             </a:extLst>
           </p:cNvPr>
@@ -4259,7 +4259,7 @@
           <p:cNvPr id="4" name="Espaço Reservado para Data 3">
             <a:extLst>
               <a:ext uri="{FF2B5EF4-FFF2-40B4-BE49-F238E27FC236}">
-                <a16:creationId xmlns:a16="http://schemas.microsoft.com/office/drawing/2014/main" xmlns="" id="{50F1D3FB-740A-4EBA-A309-2CE71D12ECFB}"/>
+                <a16:creationId xmlns="" xmlns:a16="http://schemas.microsoft.com/office/drawing/2014/main" id="{50F1D3FB-740A-4EBA-A309-2CE71D12ECFB}"/>
               </a:ext>
             </a:extLst>
           </p:cNvPr>
@@ -4288,7 +4288,7 @@
           <p:cNvPr id="5" name="Espaço Reservado para Rodapé 4">
             <a:extLst>
               <a:ext uri="{FF2B5EF4-FFF2-40B4-BE49-F238E27FC236}">
-                <a16:creationId xmlns:a16="http://schemas.microsoft.com/office/drawing/2014/main" xmlns="" id="{BDCAB18F-8715-4465-A940-F9C193A2ACE9}"/>
+                <a16:creationId xmlns="" xmlns:a16="http://schemas.microsoft.com/office/drawing/2014/main" id="{BDCAB18F-8715-4465-A940-F9C193A2ACE9}"/>
               </a:ext>
             </a:extLst>
           </p:cNvPr>
@@ -4313,7 +4313,7 @@
           <p:cNvPr id="6" name="Espaço Reservado para Número de Slide 5">
             <a:extLst>
               <a:ext uri="{FF2B5EF4-FFF2-40B4-BE49-F238E27FC236}">
-                <a16:creationId xmlns:a16="http://schemas.microsoft.com/office/drawing/2014/main" xmlns="" id="{353466C6-8248-429F-8056-FF040BF509EB}"/>
+                <a16:creationId xmlns="" xmlns:a16="http://schemas.microsoft.com/office/drawing/2014/main" id="{353466C6-8248-429F-8056-FF040BF509EB}"/>
               </a:ext>
             </a:extLst>
           </p:cNvPr>
@@ -4372,7 +4372,7 @@
           <p:cNvPr id="2" name="Título 1">
             <a:extLst>
               <a:ext uri="{FF2B5EF4-FFF2-40B4-BE49-F238E27FC236}">
-                <a16:creationId xmlns:a16="http://schemas.microsoft.com/office/drawing/2014/main" xmlns="" id="{BC7BB9F0-F14B-4A91-B2B7-35BC47FE4DE7}"/>
+                <a16:creationId xmlns="" xmlns:a16="http://schemas.microsoft.com/office/drawing/2014/main" id="{BC7BB9F0-F14B-4A91-B2B7-35BC47FE4DE7}"/>
               </a:ext>
             </a:extLst>
           </p:cNvPr>
@@ -4400,7 +4400,7 @@
           <p:cNvPr id="3" name="Espaço Reservado para Conteúdo 2">
             <a:extLst>
               <a:ext uri="{FF2B5EF4-FFF2-40B4-BE49-F238E27FC236}">
-                <a16:creationId xmlns:a16="http://schemas.microsoft.com/office/drawing/2014/main" xmlns="" id="{EC1FC1C4-73DA-47A6-8496-B0B457F7D39A}"/>
+                <a16:creationId xmlns="" xmlns:a16="http://schemas.microsoft.com/office/drawing/2014/main" id="{EC1FC1C4-73DA-47A6-8496-B0B457F7D39A}"/>
               </a:ext>
             </a:extLst>
           </p:cNvPr>
@@ -4462,7 +4462,7 @@
           <p:cNvPr id="4" name="Espaço Reservado para Conteúdo 3">
             <a:extLst>
               <a:ext uri="{FF2B5EF4-FFF2-40B4-BE49-F238E27FC236}">
-                <a16:creationId xmlns:a16="http://schemas.microsoft.com/office/drawing/2014/main" xmlns="" id="{E92F06A8-A449-4D92-9912-76873E529B38}"/>
+                <a16:creationId xmlns="" xmlns:a16="http://schemas.microsoft.com/office/drawing/2014/main" id="{E92F06A8-A449-4D92-9912-76873E529B38}"/>
               </a:ext>
             </a:extLst>
           </p:cNvPr>
@@ -4524,7 +4524,7 @@
           <p:cNvPr id="5" name="Espaço Reservado para Data 4">
             <a:extLst>
               <a:ext uri="{FF2B5EF4-FFF2-40B4-BE49-F238E27FC236}">
-                <a16:creationId xmlns:a16="http://schemas.microsoft.com/office/drawing/2014/main" xmlns="" id="{938070A4-BC2F-4D55-BD8D-DEAF11BB9EE9}"/>
+                <a16:creationId xmlns="" xmlns:a16="http://schemas.microsoft.com/office/drawing/2014/main" id="{938070A4-BC2F-4D55-BD8D-DEAF11BB9EE9}"/>
               </a:ext>
             </a:extLst>
           </p:cNvPr>
@@ -4553,7 +4553,7 @@
           <p:cNvPr id="6" name="Espaço Reservado para Rodapé 5">
             <a:extLst>
               <a:ext uri="{FF2B5EF4-FFF2-40B4-BE49-F238E27FC236}">
-                <a16:creationId xmlns:a16="http://schemas.microsoft.com/office/drawing/2014/main" xmlns="" id="{45CC2DB8-844A-465F-BA9A-7734C80C7F43}"/>
+                <a16:creationId xmlns="" xmlns:a16="http://schemas.microsoft.com/office/drawing/2014/main" id="{45CC2DB8-844A-465F-BA9A-7734C80C7F43}"/>
               </a:ext>
             </a:extLst>
           </p:cNvPr>
@@ -4578,7 +4578,7 @@
           <p:cNvPr id="7" name="Espaço Reservado para Número de Slide 6">
             <a:extLst>
               <a:ext uri="{FF2B5EF4-FFF2-40B4-BE49-F238E27FC236}">
-                <a16:creationId xmlns:a16="http://schemas.microsoft.com/office/drawing/2014/main" xmlns="" id="{4CC606A8-097B-4040-94E0-CD8C88280D8F}"/>
+                <a16:creationId xmlns="" xmlns:a16="http://schemas.microsoft.com/office/drawing/2014/main" id="{4CC606A8-097B-4040-94E0-CD8C88280D8F}"/>
               </a:ext>
             </a:extLst>
           </p:cNvPr>
@@ -4637,7 +4637,7 @@
           <p:cNvPr id="2" name="Título 1">
             <a:extLst>
               <a:ext uri="{FF2B5EF4-FFF2-40B4-BE49-F238E27FC236}">
-                <a16:creationId xmlns:a16="http://schemas.microsoft.com/office/drawing/2014/main" xmlns="" id="{76D66686-0143-4CB6-8C09-BA326F1E7ACA}"/>
+                <a16:creationId xmlns="" xmlns:a16="http://schemas.microsoft.com/office/drawing/2014/main" id="{76D66686-0143-4CB6-8C09-BA326F1E7ACA}"/>
               </a:ext>
             </a:extLst>
           </p:cNvPr>
@@ -4670,7 +4670,7 @@
           <p:cNvPr id="3" name="Espaço Reservado para Texto 2">
             <a:extLst>
               <a:ext uri="{FF2B5EF4-FFF2-40B4-BE49-F238E27FC236}">
-                <a16:creationId xmlns:a16="http://schemas.microsoft.com/office/drawing/2014/main" xmlns="" id="{0227AB85-F59E-4BCE-B846-4FA0992C2F23}"/>
+                <a16:creationId xmlns="" xmlns:a16="http://schemas.microsoft.com/office/drawing/2014/main" id="{0227AB85-F59E-4BCE-B846-4FA0992C2F23}"/>
               </a:ext>
             </a:extLst>
           </p:cNvPr>
@@ -4741,7 +4741,7 @@
           <p:cNvPr id="4" name="Espaço Reservado para Conteúdo 3">
             <a:extLst>
               <a:ext uri="{FF2B5EF4-FFF2-40B4-BE49-F238E27FC236}">
-                <a16:creationId xmlns:a16="http://schemas.microsoft.com/office/drawing/2014/main" xmlns="" id="{3373456C-7319-4D0A-827D-D29F6B083F5D}"/>
+                <a16:creationId xmlns="" xmlns:a16="http://schemas.microsoft.com/office/drawing/2014/main" id="{3373456C-7319-4D0A-827D-D29F6B083F5D}"/>
               </a:ext>
             </a:extLst>
           </p:cNvPr>
@@ -4803,7 +4803,7 @@
           <p:cNvPr id="5" name="Espaço Reservado para Texto 4">
             <a:extLst>
               <a:ext uri="{FF2B5EF4-FFF2-40B4-BE49-F238E27FC236}">
-                <a16:creationId xmlns:a16="http://schemas.microsoft.com/office/drawing/2014/main" xmlns="" id="{4CD109D0-2E83-4262-8029-A871CEC47406}"/>
+                <a16:creationId xmlns="" xmlns:a16="http://schemas.microsoft.com/office/drawing/2014/main" id="{4CD109D0-2E83-4262-8029-A871CEC47406}"/>
               </a:ext>
             </a:extLst>
           </p:cNvPr>
@@ -4874,7 +4874,7 @@
           <p:cNvPr id="6" name="Espaço Reservado para Conteúdo 5">
             <a:extLst>
               <a:ext uri="{FF2B5EF4-FFF2-40B4-BE49-F238E27FC236}">
-                <a16:creationId xmlns:a16="http://schemas.microsoft.com/office/drawing/2014/main" xmlns="" id="{AD706E3A-CFBB-4A6C-A65F-D0360A9E74FE}"/>
+                <a16:creationId xmlns="" xmlns:a16="http://schemas.microsoft.com/office/drawing/2014/main" id="{AD706E3A-CFBB-4A6C-A65F-D0360A9E74FE}"/>
               </a:ext>
             </a:extLst>
           </p:cNvPr>
@@ -4936,7 +4936,7 @@
           <p:cNvPr id="7" name="Espaço Reservado para Data 6">
             <a:extLst>
               <a:ext uri="{FF2B5EF4-FFF2-40B4-BE49-F238E27FC236}">
-                <a16:creationId xmlns:a16="http://schemas.microsoft.com/office/drawing/2014/main" xmlns="" id="{4172C0E5-5AF0-4805-BB51-443733CD2BD5}"/>
+                <a16:creationId xmlns="" xmlns:a16="http://schemas.microsoft.com/office/drawing/2014/main" id="{4172C0E5-5AF0-4805-BB51-443733CD2BD5}"/>
               </a:ext>
             </a:extLst>
           </p:cNvPr>
@@ -4965,7 +4965,7 @@
           <p:cNvPr id="8" name="Espaço Reservado para Rodapé 7">
             <a:extLst>
               <a:ext uri="{FF2B5EF4-FFF2-40B4-BE49-F238E27FC236}">
-                <a16:creationId xmlns:a16="http://schemas.microsoft.com/office/drawing/2014/main" xmlns="" id="{0E801648-156F-497E-99CF-797DF48051E1}"/>
+                <a16:creationId xmlns="" xmlns:a16="http://schemas.microsoft.com/office/drawing/2014/main" id="{0E801648-156F-497E-99CF-797DF48051E1}"/>
               </a:ext>
             </a:extLst>
           </p:cNvPr>
@@ -4990,7 +4990,7 @@
           <p:cNvPr id="9" name="Espaço Reservado para Número de Slide 8">
             <a:extLst>
               <a:ext uri="{FF2B5EF4-FFF2-40B4-BE49-F238E27FC236}">
-                <a16:creationId xmlns:a16="http://schemas.microsoft.com/office/drawing/2014/main" xmlns="" id="{EEE23D32-80E7-4796-A137-66BF842E4B53}"/>
+                <a16:creationId xmlns="" xmlns:a16="http://schemas.microsoft.com/office/drawing/2014/main" id="{EEE23D32-80E7-4796-A137-66BF842E4B53}"/>
               </a:ext>
             </a:extLst>
           </p:cNvPr>
@@ -5049,7 +5049,7 @@
           <p:cNvPr id="2" name="Título 1">
             <a:extLst>
               <a:ext uri="{FF2B5EF4-FFF2-40B4-BE49-F238E27FC236}">
-                <a16:creationId xmlns:a16="http://schemas.microsoft.com/office/drawing/2014/main" xmlns="" id="{2BCE2379-C78F-47E1-8CFC-B846E7AF148D}"/>
+                <a16:creationId xmlns="" xmlns:a16="http://schemas.microsoft.com/office/drawing/2014/main" id="{2BCE2379-C78F-47E1-8CFC-B846E7AF148D}"/>
               </a:ext>
             </a:extLst>
           </p:cNvPr>
@@ -5077,7 +5077,7 @@
           <p:cNvPr id="3" name="Espaço Reservado para Data 2">
             <a:extLst>
               <a:ext uri="{FF2B5EF4-FFF2-40B4-BE49-F238E27FC236}">
-                <a16:creationId xmlns:a16="http://schemas.microsoft.com/office/drawing/2014/main" xmlns="" id="{342600A9-7F92-4E22-9D94-E4717252A817}"/>
+                <a16:creationId xmlns="" xmlns:a16="http://schemas.microsoft.com/office/drawing/2014/main" id="{342600A9-7F92-4E22-9D94-E4717252A817}"/>
               </a:ext>
             </a:extLst>
           </p:cNvPr>
@@ -5106,7 +5106,7 @@
           <p:cNvPr id="4" name="Espaço Reservado para Rodapé 3">
             <a:extLst>
               <a:ext uri="{FF2B5EF4-FFF2-40B4-BE49-F238E27FC236}">
-                <a16:creationId xmlns:a16="http://schemas.microsoft.com/office/drawing/2014/main" xmlns="" id="{192E6BED-F546-40CC-A2DF-99CBA853654E}"/>
+                <a16:creationId xmlns="" xmlns:a16="http://schemas.microsoft.com/office/drawing/2014/main" id="{192E6BED-F546-40CC-A2DF-99CBA853654E}"/>
               </a:ext>
             </a:extLst>
           </p:cNvPr>
@@ -5131,7 +5131,7 @@
           <p:cNvPr id="5" name="Espaço Reservado para Número de Slide 4">
             <a:extLst>
               <a:ext uri="{FF2B5EF4-FFF2-40B4-BE49-F238E27FC236}">
-                <a16:creationId xmlns:a16="http://schemas.microsoft.com/office/drawing/2014/main" xmlns="" id="{6091CC40-A8C4-4063-80EB-CC5099621678}"/>
+                <a16:creationId xmlns="" xmlns:a16="http://schemas.microsoft.com/office/drawing/2014/main" id="{6091CC40-A8C4-4063-80EB-CC5099621678}"/>
               </a:ext>
             </a:extLst>
           </p:cNvPr>
@@ -5190,7 +5190,7 @@
           <p:cNvPr id="2" name="Espaço Reservado para Data 1">
             <a:extLst>
               <a:ext uri="{FF2B5EF4-FFF2-40B4-BE49-F238E27FC236}">
-                <a16:creationId xmlns:a16="http://schemas.microsoft.com/office/drawing/2014/main" xmlns="" id="{DD19515C-212C-4EAE-84A3-8FF4BC844F1B}"/>
+                <a16:creationId xmlns="" xmlns:a16="http://schemas.microsoft.com/office/drawing/2014/main" id="{DD19515C-212C-4EAE-84A3-8FF4BC844F1B}"/>
               </a:ext>
             </a:extLst>
           </p:cNvPr>
@@ -5219,7 +5219,7 @@
           <p:cNvPr id="3" name="Espaço Reservado para Rodapé 2">
             <a:extLst>
               <a:ext uri="{FF2B5EF4-FFF2-40B4-BE49-F238E27FC236}">
-                <a16:creationId xmlns:a16="http://schemas.microsoft.com/office/drawing/2014/main" xmlns="" id="{94D3D120-B3E8-4C96-861D-7A4F12F49B3A}"/>
+                <a16:creationId xmlns="" xmlns:a16="http://schemas.microsoft.com/office/drawing/2014/main" id="{94D3D120-B3E8-4C96-861D-7A4F12F49B3A}"/>
               </a:ext>
             </a:extLst>
           </p:cNvPr>
@@ -5244,7 +5244,7 @@
           <p:cNvPr id="4" name="Espaço Reservado para Número de Slide 3">
             <a:extLst>
               <a:ext uri="{FF2B5EF4-FFF2-40B4-BE49-F238E27FC236}">
-                <a16:creationId xmlns:a16="http://schemas.microsoft.com/office/drawing/2014/main" xmlns="" id="{42E49B68-FA1B-468B-9F17-D5C09243D454}"/>
+                <a16:creationId xmlns="" xmlns:a16="http://schemas.microsoft.com/office/drawing/2014/main" id="{42E49B68-FA1B-468B-9F17-D5C09243D454}"/>
               </a:ext>
             </a:extLst>
           </p:cNvPr>
@@ -5303,7 +5303,7 @@
           <p:cNvPr id="2" name="Título 1">
             <a:extLst>
               <a:ext uri="{FF2B5EF4-FFF2-40B4-BE49-F238E27FC236}">
-                <a16:creationId xmlns:a16="http://schemas.microsoft.com/office/drawing/2014/main" xmlns="" id="{1C17BCBE-A897-4319-85EC-D87909C24980}"/>
+                <a16:creationId xmlns="" xmlns:a16="http://schemas.microsoft.com/office/drawing/2014/main" id="{1C17BCBE-A897-4319-85EC-D87909C24980}"/>
               </a:ext>
             </a:extLst>
           </p:cNvPr>
@@ -5340,7 +5340,7 @@
           <p:cNvPr id="3" name="Espaço Reservado para Conteúdo 2">
             <a:extLst>
               <a:ext uri="{FF2B5EF4-FFF2-40B4-BE49-F238E27FC236}">
-                <a16:creationId xmlns:a16="http://schemas.microsoft.com/office/drawing/2014/main" xmlns="" id="{4226F885-0204-4913-868B-4B8B82576F17}"/>
+                <a16:creationId xmlns="" xmlns:a16="http://schemas.microsoft.com/office/drawing/2014/main" id="{4226F885-0204-4913-868B-4B8B82576F17}"/>
               </a:ext>
             </a:extLst>
           </p:cNvPr>
@@ -5430,7 +5430,7 @@
           <p:cNvPr id="4" name="Espaço Reservado para Texto 3">
             <a:extLst>
               <a:ext uri="{FF2B5EF4-FFF2-40B4-BE49-F238E27FC236}">
-                <a16:creationId xmlns:a16="http://schemas.microsoft.com/office/drawing/2014/main" xmlns="" id="{00F9F784-A858-441B-8AB5-697098141751}"/>
+                <a16:creationId xmlns="" xmlns:a16="http://schemas.microsoft.com/office/drawing/2014/main" id="{00F9F784-A858-441B-8AB5-697098141751}"/>
               </a:ext>
             </a:extLst>
           </p:cNvPr>
@@ -5501,7 +5501,7 @@
           <p:cNvPr id="5" name="Espaço Reservado para Data 4">
             <a:extLst>
               <a:ext uri="{FF2B5EF4-FFF2-40B4-BE49-F238E27FC236}">
-                <a16:creationId xmlns:a16="http://schemas.microsoft.com/office/drawing/2014/main" xmlns="" id="{A4DC363A-5000-472E-8B17-02E7DCB8840A}"/>
+                <a16:creationId xmlns="" xmlns:a16="http://schemas.microsoft.com/office/drawing/2014/main" id="{A4DC363A-5000-472E-8B17-02E7DCB8840A}"/>
               </a:ext>
             </a:extLst>
           </p:cNvPr>
@@ -5530,7 +5530,7 @@
           <p:cNvPr id="6" name="Espaço Reservado para Rodapé 5">
             <a:extLst>
               <a:ext uri="{FF2B5EF4-FFF2-40B4-BE49-F238E27FC236}">
-                <a16:creationId xmlns:a16="http://schemas.microsoft.com/office/drawing/2014/main" xmlns="" id="{5548425D-2C21-4C56-BAD4-662978775C28}"/>
+                <a16:creationId xmlns="" xmlns:a16="http://schemas.microsoft.com/office/drawing/2014/main" id="{5548425D-2C21-4C56-BAD4-662978775C28}"/>
               </a:ext>
             </a:extLst>
           </p:cNvPr>
@@ -5555,7 +5555,7 @@
           <p:cNvPr id="7" name="Espaço Reservado para Número de Slide 6">
             <a:extLst>
               <a:ext uri="{FF2B5EF4-FFF2-40B4-BE49-F238E27FC236}">
-                <a16:creationId xmlns:a16="http://schemas.microsoft.com/office/drawing/2014/main" xmlns="" id="{C63E9726-E64C-42B2-AE8A-8C235A956B48}"/>
+                <a16:creationId xmlns="" xmlns:a16="http://schemas.microsoft.com/office/drawing/2014/main" id="{C63E9726-E64C-42B2-AE8A-8C235A956B48}"/>
               </a:ext>
             </a:extLst>
           </p:cNvPr>
@@ -5614,7 +5614,7 @@
           <p:cNvPr id="2" name="Título 1">
             <a:extLst>
               <a:ext uri="{FF2B5EF4-FFF2-40B4-BE49-F238E27FC236}">
-                <a16:creationId xmlns:a16="http://schemas.microsoft.com/office/drawing/2014/main" xmlns="" id="{11086A78-3E74-450C-96A6-CA8AC37AF772}"/>
+                <a16:creationId xmlns="" xmlns:a16="http://schemas.microsoft.com/office/drawing/2014/main" id="{11086A78-3E74-450C-96A6-CA8AC37AF772}"/>
               </a:ext>
             </a:extLst>
           </p:cNvPr>
@@ -5651,7 +5651,7 @@
           <p:cNvPr id="3" name="Espaço Reservado para Imagem 2">
             <a:extLst>
               <a:ext uri="{FF2B5EF4-FFF2-40B4-BE49-F238E27FC236}">
-                <a16:creationId xmlns:a16="http://schemas.microsoft.com/office/drawing/2014/main" xmlns="" id="{5F5B7312-975A-4DBC-9B2F-3652ADA006FD}"/>
+                <a16:creationId xmlns="" xmlns:a16="http://schemas.microsoft.com/office/drawing/2014/main" id="{5F5B7312-975A-4DBC-9B2F-3652ADA006FD}"/>
               </a:ext>
             </a:extLst>
           </p:cNvPr>
@@ -5718,7 +5718,7 @@
           <p:cNvPr id="4" name="Espaço Reservado para Texto 3">
             <a:extLst>
               <a:ext uri="{FF2B5EF4-FFF2-40B4-BE49-F238E27FC236}">
-                <a16:creationId xmlns:a16="http://schemas.microsoft.com/office/drawing/2014/main" xmlns="" id="{AAF805F5-1DFF-41C6-944C-7D79FE0D0963}"/>
+                <a16:creationId xmlns="" xmlns:a16="http://schemas.microsoft.com/office/drawing/2014/main" id="{AAF805F5-1DFF-41C6-944C-7D79FE0D0963}"/>
               </a:ext>
             </a:extLst>
           </p:cNvPr>
@@ -5789,7 +5789,7 @@
           <p:cNvPr id="5" name="Espaço Reservado para Data 4">
             <a:extLst>
               <a:ext uri="{FF2B5EF4-FFF2-40B4-BE49-F238E27FC236}">
-                <a16:creationId xmlns:a16="http://schemas.microsoft.com/office/drawing/2014/main" xmlns="" id="{02113D81-8665-4516-BD81-C6A1F254EECD}"/>
+                <a16:creationId xmlns="" xmlns:a16="http://schemas.microsoft.com/office/drawing/2014/main" id="{02113D81-8665-4516-BD81-C6A1F254EECD}"/>
               </a:ext>
             </a:extLst>
           </p:cNvPr>
@@ -5818,7 +5818,7 @@
           <p:cNvPr id="6" name="Espaço Reservado para Rodapé 5">
             <a:extLst>
               <a:ext uri="{FF2B5EF4-FFF2-40B4-BE49-F238E27FC236}">
-                <a16:creationId xmlns:a16="http://schemas.microsoft.com/office/drawing/2014/main" xmlns="" id="{2B00C88B-FF32-40AA-A187-727D96FD7862}"/>
+                <a16:creationId xmlns="" xmlns:a16="http://schemas.microsoft.com/office/drawing/2014/main" id="{2B00C88B-FF32-40AA-A187-727D96FD7862}"/>
               </a:ext>
             </a:extLst>
           </p:cNvPr>
@@ -5843,7 +5843,7 @@
           <p:cNvPr id="7" name="Espaço Reservado para Número de Slide 6">
             <a:extLst>
               <a:ext uri="{FF2B5EF4-FFF2-40B4-BE49-F238E27FC236}">
-                <a16:creationId xmlns:a16="http://schemas.microsoft.com/office/drawing/2014/main" xmlns="" id="{A04D1A2D-69F7-4B8F-A730-BC26DC340BA6}"/>
+                <a16:creationId xmlns="" xmlns:a16="http://schemas.microsoft.com/office/drawing/2014/main" id="{A04D1A2D-69F7-4B8F-A730-BC26DC340BA6}"/>
               </a:ext>
             </a:extLst>
           </p:cNvPr>
@@ -5907,7 +5907,7 @@
           <p:cNvPr id="2" name="Espaço Reservado para Título 1">
             <a:extLst>
               <a:ext uri="{FF2B5EF4-FFF2-40B4-BE49-F238E27FC236}">
-                <a16:creationId xmlns:a16="http://schemas.microsoft.com/office/drawing/2014/main" xmlns="" id="{E69A0273-1966-4A1B-9370-4C1CE5036371}"/>
+                <a16:creationId xmlns="" xmlns:a16="http://schemas.microsoft.com/office/drawing/2014/main" id="{E69A0273-1966-4A1B-9370-4C1CE5036371}"/>
               </a:ext>
             </a:extLst>
           </p:cNvPr>
@@ -5945,7 +5945,7 @@
           <p:cNvPr id="3" name="Espaço Reservado para Texto 2">
             <a:extLst>
               <a:ext uri="{FF2B5EF4-FFF2-40B4-BE49-F238E27FC236}">
-                <a16:creationId xmlns:a16="http://schemas.microsoft.com/office/drawing/2014/main" xmlns="" id="{3B9CF87A-0448-49A7-AB25-EBC1D56A40EF}"/>
+                <a16:creationId xmlns="" xmlns:a16="http://schemas.microsoft.com/office/drawing/2014/main" id="{3B9CF87A-0448-49A7-AB25-EBC1D56A40EF}"/>
               </a:ext>
             </a:extLst>
           </p:cNvPr>
@@ -6012,7 +6012,7 @@
           <p:cNvPr id="4" name="Espaço Reservado para Data 3">
             <a:extLst>
               <a:ext uri="{FF2B5EF4-FFF2-40B4-BE49-F238E27FC236}">
-                <a16:creationId xmlns:a16="http://schemas.microsoft.com/office/drawing/2014/main" xmlns="" id="{2EF7B1F2-BB5A-44D0-816D-16AD2C71430E}"/>
+                <a16:creationId xmlns="" xmlns:a16="http://schemas.microsoft.com/office/drawing/2014/main" id="{2EF7B1F2-BB5A-44D0-816D-16AD2C71430E}"/>
               </a:ext>
             </a:extLst>
           </p:cNvPr>
@@ -6059,7 +6059,7 @@
           <p:cNvPr id="5" name="Espaço Reservado para Rodapé 4">
             <a:extLst>
               <a:ext uri="{FF2B5EF4-FFF2-40B4-BE49-F238E27FC236}">
-                <a16:creationId xmlns:a16="http://schemas.microsoft.com/office/drawing/2014/main" xmlns="" id="{C703F94C-2CC8-4DAA-BC35-14FC3E841DCD}"/>
+                <a16:creationId xmlns="" xmlns:a16="http://schemas.microsoft.com/office/drawing/2014/main" id="{C703F94C-2CC8-4DAA-BC35-14FC3E841DCD}"/>
               </a:ext>
             </a:extLst>
           </p:cNvPr>
@@ -6102,7 +6102,7 @@
           <p:cNvPr id="6" name="Espaço Reservado para Número de Slide 5">
             <a:extLst>
               <a:ext uri="{FF2B5EF4-FFF2-40B4-BE49-F238E27FC236}">
-                <a16:creationId xmlns:a16="http://schemas.microsoft.com/office/drawing/2014/main" xmlns="" id="{64051336-7048-457A-8B61-D94291D71648}"/>
+                <a16:creationId xmlns="" xmlns:a16="http://schemas.microsoft.com/office/drawing/2014/main" id="{64051336-7048-457A-8B61-D94291D71648}"/>
               </a:ext>
             </a:extLst>
           </p:cNvPr>
@@ -6470,7 +6470,7 @@
           <p:cNvPr id="2" name="Título 1">
             <a:extLst>
               <a:ext uri="{FF2B5EF4-FFF2-40B4-BE49-F238E27FC236}">
-                <a16:creationId xmlns:a16="http://schemas.microsoft.com/office/drawing/2014/main" xmlns="" id="{32666AC8-2E17-4DB4-B0F5-60C640CCFD2E}"/>
+                <a16:creationId xmlns="" xmlns:a16="http://schemas.microsoft.com/office/drawing/2014/main" id="{32666AC8-2E17-4DB4-B0F5-60C640CCFD2E}"/>
               </a:ext>
             </a:extLst>
           </p:cNvPr>
@@ -6516,7 +6516,7 @@
           <p:cNvPr id="4" name="CaixaDeTexto 3">
             <a:extLst>
               <a:ext uri="{FF2B5EF4-FFF2-40B4-BE49-F238E27FC236}">
-                <a16:creationId xmlns:a16="http://schemas.microsoft.com/office/drawing/2014/main" xmlns="" id="{430EB894-B7D4-434C-9D1A-A14094D9BEEC}"/>
+                <a16:creationId xmlns="" xmlns:a16="http://schemas.microsoft.com/office/drawing/2014/main" id="{430EB894-B7D4-434C-9D1A-A14094D9BEEC}"/>
               </a:ext>
             </a:extLst>
           </p:cNvPr>
@@ -6557,7 +6557,7 @@
           <p:cNvPr id="1026" name="Picture 2" descr="Logo">
             <a:extLst>
               <a:ext uri="{FF2B5EF4-FFF2-40B4-BE49-F238E27FC236}">
-                <a16:creationId xmlns:a16="http://schemas.microsoft.com/office/drawing/2014/main" xmlns="" id="{3F2642E0-4F6A-4196-8F58-E77D36E9A33F}"/>
+                <a16:creationId xmlns="" xmlns:a16="http://schemas.microsoft.com/office/drawing/2014/main" id="{3F2642E0-4F6A-4196-8F58-E77D36E9A33F}"/>
               </a:ext>
             </a:extLst>
           </p:cNvPr>
@@ -6602,7 +6602,7 @@
           <p:cNvPr id="5122" name="Picture 2" descr="Image result for machine learning">
             <a:extLst>
               <a:ext uri="{FF2B5EF4-FFF2-40B4-BE49-F238E27FC236}">
-                <a16:creationId xmlns:a16="http://schemas.microsoft.com/office/drawing/2014/main" xmlns="" id="{810CE0A2-4102-44A6-A370-175E7896CDCB}"/>
+                <a16:creationId xmlns="" xmlns:a16="http://schemas.microsoft.com/office/drawing/2014/main" id="{810CE0A2-4102-44A6-A370-175E7896CDCB}"/>
               </a:ext>
             </a:extLst>
           </p:cNvPr>
@@ -8037,8 +8037,8 @@
           </a:p>
         </p:txBody>
       </p:sp>
-      <mc:AlternateContent xmlns:mc="http://schemas.openxmlformats.org/markup-compatibility/2006" xmlns:a14="http://schemas.microsoft.com/office/drawing/2010/main">
-        <mc:Choice Requires="a14">
+      <mc:AlternateContent xmlns:mc="http://schemas.openxmlformats.org/markup-compatibility/2006">
+        <mc:Choice xmlns:a14="http://schemas.microsoft.com/office/drawing/2010/main" Requires="a14">
           <p:sp>
             <p:nvSpPr>
               <p:cNvPr id="3" name="Content Placeholder 2"/>
@@ -8721,36 +8721,49 @@
                   <a:t>erro quadrático médio</a:t>
                 </a:r>
                 <a:r>
-                  <a:rPr lang="pt-BR" dirty="0"/>
+                  <a:rPr lang="pt-BR" dirty="0" smtClean="0"/>
                   <a:t>.</a:t>
                 </a:r>
               </a:p>
               <a:p>
                 <a:r>
                   <a:rPr lang="pt-BR" dirty="0"/>
-                  <a:t>Agora, de posse do </a:t>
+                  <a:t>O </a:t>
                 </a:r>
                 <a:r>
                   <a:rPr lang="pt-BR" b="1" i="1" dirty="0"/>
-                  <a:t>vetor gradiente</a:t>
+                  <a:t>vetor gradiente </a:t>
                 </a:r>
                 <a:r>
                   <a:rPr lang="pt-BR" dirty="0"/>
-                  <a:t>, podemos usá-lo no algoritmo do </a:t>
+                  <a:t>da</a:t>
                 </a:r>
                 <a:r>
                   <a:rPr lang="pt-BR" b="1" i="1" dirty="0"/>
-                  <a:t>gradiente descendente </a:t>
+                  <a:t> função de erro médio </a:t>
                 </a:r>
                 <a:r>
                   <a:rPr lang="pt-BR" dirty="0"/>
-                  <a:t>(nas versões em batelada, estocástico ou mini-batch).</a:t>
-                </a:r>
+                  <a:t>vai variar dependendo da </a:t>
+                </a:r>
+                <a:r>
+                  <a:rPr lang="pt-BR" b="1" i="1" dirty="0"/>
+                  <a:t>função discriminante </a:t>
+                </a:r>
+                <a:r>
+                  <a:rPr lang="pt-BR" dirty="0"/>
+                  <a:t>adotada</a:t>
+                </a:r>
+                <a:r>
+                  <a:rPr lang="pt-BR" dirty="0" smtClean="0"/>
+                  <a:t>. Vejamos alguns exemplos na sequência.</a:t>
+                </a:r>
+                <a:endParaRPr lang="pt-BR" dirty="0"/>
               </a:p>
             </p:txBody>
           </p:sp>
         </mc:Choice>
-        <mc:Fallback xmlns="">
+        <mc:Fallback>
           <p:sp>
             <p:nvSpPr>
               <p:cNvPr id="3" name="Content Placeholder 2"/>
@@ -8769,7 +8782,7 @@
               <a:blipFill rotWithShape="0">
                 <a:blip r:embed="rId3"/>
                 <a:stretch>
-                  <a:fillRect l="-818" t="-3027" r="-709" b="-1211"/>
+                  <a:fillRect l="-818" t="-3027" b="-1211"/>
                 </a:stretch>
               </a:blipFill>
             </p:spPr>
@@ -8788,43 +8801,6 @@
           </p:sp>
         </mc:Fallback>
       </mc:AlternateContent>
-      <p:sp>
-        <p:nvSpPr>
-          <p:cNvPr id="4" name="Rectangle 3"/>
-          <p:cNvSpPr/>
-          <p:nvPr/>
-        </p:nvSpPr>
-        <p:spPr>
-          <a:xfrm>
-            <a:off x="6968945" y="1259607"/>
-            <a:ext cx="5048883" cy="338554"/>
-          </a:xfrm>
-          <a:prstGeom prst="rect">
-            <a:avLst/>
-          </a:prstGeom>
-        </p:spPr>
-        <p:txBody>
-          <a:bodyPr wrap="none">
-            <a:spAutoFit/>
-          </a:bodyPr>
-          <a:lstStyle/>
-          <a:p>
-            <a:r>
-              <a:rPr lang="pt-BR" sz="1600" b="1" dirty="0">
-                <a:hlinkClick r:id="rId4"/>
-              </a:rPr>
-              <a:t>Exemplo</a:t>
-            </a:r>
-            <a:r>
-              <a:rPr lang="pt-BR" sz="1600" dirty="0">
-                <a:hlinkClick r:id="rId4"/>
-              </a:rPr>
-              <a:t>: logistic_regression_with_gradient_descent.ipynb</a:t>
-            </a:r>
-            <a:endParaRPr lang="pt-BR" sz="1600" dirty="0"/>
-          </a:p>
-        </p:txBody>
-      </p:sp>
       <mc:AlternateContent xmlns:mc="http://schemas.openxmlformats.org/markup-compatibility/2006" xmlns:a14="http://schemas.microsoft.com/office/drawing/2010/main">
         <mc:Choice Requires="a14">
           <p:sp>
@@ -9390,6 +9366,3637 @@
 </file>
 
 <file path=ppt/slides/slide12.xml><?xml version="1.0" encoding="utf-8"?>
+<p:sld xmlns:a="http://schemas.openxmlformats.org/drawingml/2006/main" xmlns:r="http://schemas.openxmlformats.org/officeDocument/2006/relationships" xmlns:p="http://schemas.openxmlformats.org/presentationml/2006/main">
+  <p:cSld>
+    <p:spTree>
+      <p:nvGrpSpPr>
+        <p:cNvPr id="1" name=""/>
+        <p:cNvGrpSpPr/>
+        <p:nvPr/>
+      </p:nvGrpSpPr>
+      <p:grpSpPr>
+        <a:xfrm>
+          <a:off x="0" y="0"/>
+          <a:ext cx="0" cy="0"/>
+          <a:chOff x="0" y="0"/>
+          <a:chExt cx="0" cy="0"/>
+        </a:xfrm>
+      </p:grpSpPr>
+      <p:sp>
+        <p:nvSpPr>
+          <p:cNvPr id="2" name="Title 1"/>
+          <p:cNvSpPr>
+            <a:spLocks noGrp="1"/>
+          </p:cNvSpPr>
+          <p:nvPr>
+            <p:ph type="title"/>
+          </p:nvPr>
+        </p:nvSpPr>
+        <p:spPr/>
+        <p:txBody>
+          <a:bodyPr/>
+          <a:lstStyle/>
+          <a:p>
+            <a:r>
+              <a:rPr lang="pt-BR" dirty="0" smtClean="0"/>
+              <a:t>Vetor Gradiente</a:t>
+            </a:r>
+            <a:endParaRPr lang="pt-BR" dirty="0"/>
+          </a:p>
+        </p:txBody>
+      </p:sp>
+      <mc:AlternateContent xmlns:mc="http://schemas.openxmlformats.org/markup-compatibility/2006" xmlns:a14="http://schemas.microsoft.com/office/drawing/2010/main">
+        <mc:Choice Requires="a14">
+          <p:sp>
+            <p:nvSpPr>
+              <p:cNvPr id="3" name="Content Placeholder 2"/>
+              <p:cNvSpPr>
+                <a:spLocks noGrp="1"/>
+              </p:cNvSpPr>
+              <p:nvPr>
+                <p:ph idx="1"/>
+              </p:nvPr>
+            </p:nvSpPr>
+            <p:spPr>
+              <a:xfrm>
+                <a:off x="838199" y="1825624"/>
+                <a:ext cx="11136087" cy="4821919"/>
+              </a:xfrm>
+            </p:spPr>
+            <p:txBody>
+              <a:bodyPr>
+                <a:normAutofit lnSpcReduction="10000"/>
+              </a:bodyPr>
+              <a:lstStyle/>
+              <a:p>
+                <a:r>
+                  <a:rPr lang="pt-BR" dirty="0"/>
+                  <a:t>O </a:t>
+                </a:r>
+                <a:r>
+                  <a:rPr lang="pt-BR" b="1" i="1" dirty="0"/>
+                  <a:t>vetor gradiente </a:t>
+                </a:r>
+                <a:r>
+                  <a:rPr lang="pt-BR" dirty="0"/>
+                  <a:t>da</a:t>
+                </a:r>
+                <a:r>
+                  <a:rPr lang="pt-BR" b="1" i="1" dirty="0"/>
+                  <a:t> função de erro médio</a:t>
+                </a:r>
+                <a:r>
+                  <a:rPr lang="pt-BR" dirty="0"/>
+                  <a:t> quando</a:t>
+                </a:r>
+                <a:r>
+                  <a:rPr lang="pt-BR" b="1" i="1" dirty="0"/>
+                  <a:t> </a:t>
+                </a:r>
+                <a14:m>
+                  <m:oMath xmlns:m="http://schemas.openxmlformats.org/officeDocument/2006/math">
+                    <m:r>
+                      <a:rPr lang="pt-BR" i="1">
+                        <a:latin typeface="Cambria Math" panose="02040503050406030204" pitchFamily="18" charset="0"/>
+                      </a:rPr>
+                      <m:t>𝑔</m:t>
+                    </m:r>
+                    <m:d>
+                      <m:dPr>
+                        <m:ctrlPr>
+                          <a:rPr lang="pt-BR" i="1">
+                            <a:latin typeface="Cambria Math" panose="02040503050406030204" pitchFamily="18" charset="0"/>
+                          </a:rPr>
+                        </m:ctrlPr>
+                      </m:dPr>
+                      <m:e>
+                        <m:r>
+                          <a:rPr lang="pt-BR" b="1" i="1">
+                            <a:latin typeface="Cambria Math" panose="02040503050406030204" pitchFamily="18" charset="0"/>
+                          </a:rPr>
+                          <m:t>𝒙</m:t>
+                        </m:r>
+                      </m:e>
+                    </m:d>
+                    <m:r>
+                      <a:rPr lang="pt-BR" b="1" i="1">
+                        <a:latin typeface="Cambria Math" panose="02040503050406030204" pitchFamily="18" charset="0"/>
+                      </a:rPr>
+                      <m:t>=</m:t>
+                    </m:r>
+                    <m:sSub>
+                      <m:sSubPr>
+                        <m:ctrlPr>
+                          <a:rPr lang="pt-BR" i="1">
+                            <a:latin typeface="Cambria Math" panose="02040503050406030204" pitchFamily="18" charset="0"/>
+                          </a:rPr>
+                        </m:ctrlPr>
+                      </m:sSubPr>
+                      <m:e>
+                        <m:r>
+                          <a:rPr lang="pt-BR" i="1">
+                            <a:latin typeface="Cambria Math" panose="02040503050406030204" pitchFamily="18" charset="0"/>
+                          </a:rPr>
+                          <m:t>𝑎</m:t>
+                        </m:r>
+                      </m:e>
+                      <m:sub>
+                        <m:r>
+                          <a:rPr lang="pt-BR" i="1">
+                            <a:latin typeface="Cambria Math" panose="02040503050406030204" pitchFamily="18" charset="0"/>
+                          </a:rPr>
+                          <m:t>0</m:t>
+                        </m:r>
+                      </m:sub>
+                    </m:sSub>
+                  </m:oMath>
+                </a14:m>
+                <a:r>
+                  <a:rPr lang="pt-BR" dirty="0">
+                    <a:latin typeface="Cambria Math" panose="02040503050406030204" pitchFamily="18" charset="0"/>
+                  </a:rPr>
+                  <a:t>+</a:t>
+                </a:r>
+                <a14:m>
+                  <m:oMath xmlns:m="http://schemas.openxmlformats.org/officeDocument/2006/math">
+                    <m:sSub>
+                      <m:sSubPr>
+                        <m:ctrlPr>
+                          <a:rPr lang="pt-BR" i="1">
+                            <a:latin typeface="Cambria Math" panose="02040503050406030204" pitchFamily="18" charset="0"/>
+                          </a:rPr>
+                        </m:ctrlPr>
+                      </m:sSubPr>
+                      <m:e>
+                        <m:r>
+                          <a:rPr lang="pt-BR" b="0" i="1" smtClean="0">
+                            <a:latin typeface="Cambria Math" panose="02040503050406030204" pitchFamily="18" charset="0"/>
+                          </a:rPr>
+                          <m:t> </m:t>
+                        </m:r>
+                        <m:r>
+                          <a:rPr lang="pt-BR" i="1">
+                            <a:latin typeface="Cambria Math" panose="02040503050406030204" pitchFamily="18" charset="0"/>
+                          </a:rPr>
+                          <m:t>𝑎</m:t>
+                        </m:r>
+                      </m:e>
+                      <m:sub>
+                        <m:r>
+                          <a:rPr lang="pt-BR" b="0" i="1" smtClean="0">
+                            <a:latin typeface="Cambria Math" panose="02040503050406030204" pitchFamily="18" charset="0"/>
+                          </a:rPr>
+                          <m:t>1</m:t>
+                        </m:r>
+                      </m:sub>
+                    </m:sSub>
+                    <m:sSub>
+                      <m:sSubPr>
+                        <m:ctrlPr>
+                          <a:rPr lang="pt-BR" i="1">
+                            <a:latin typeface="Cambria Math" panose="02040503050406030204" pitchFamily="18" charset="0"/>
+                          </a:rPr>
+                        </m:ctrlPr>
+                      </m:sSubPr>
+                      <m:e>
+                        <m:r>
+                          <a:rPr lang="pt-BR" i="1">
+                            <a:latin typeface="Cambria Math" panose="02040503050406030204" pitchFamily="18" charset="0"/>
+                          </a:rPr>
+                          <m:t>𝑥</m:t>
+                        </m:r>
+                      </m:e>
+                      <m:sub>
+                        <m:r>
+                          <a:rPr lang="pt-BR" b="0" i="1" smtClean="0">
+                            <a:latin typeface="Cambria Math" panose="02040503050406030204" pitchFamily="18" charset="0"/>
+                          </a:rPr>
+                          <m:t>1</m:t>
+                        </m:r>
+                      </m:sub>
+                    </m:sSub>
+                  </m:oMath>
+                </a14:m>
+                <a:r>
+                  <a:rPr lang="pt-BR" dirty="0">
+                    <a:latin typeface="Cambria Math" panose="02040503050406030204" pitchFamily="18" charset="0"/>
+                  </a:rPr>
+                  <a:t>+</a:t>
+                </a:r>
+                <a14:m>
+                  <m:oMath xmlns:m="http://schemas.openxmlformats.org/officeDocument/2006/math">
+                    <m:sSub>
+                      <m:sSubPr>
+                        <m:ctrlPr>
+                          <a:rPr lang="pt-BR" i="1">
+                            <a:latin typeface="Cambria Math" panose="02040503050406030204" pitchFamily="18" charset="0"/>
+                          </a:rPr>
+                        </m:ctrlPr>
+                      </m:sSubPr>
+                      <m:e>
+                        <m:r>
+                          <a:rPr lang="pt-BR" i="1">
+                            <a:latin typeface="Cambria Math" panose="02040503050406030204" pitchFamily="18" charset="0"/>
+                          </a:rPr>
+                          <m:t>𝑎</m:t>
+                        </m:r>
+                      </m:e>
+                      <m:sub>
+                        <m:r>
+                          <a:rPr lang="pt-BR" b="0" i="1" smtClean="0">
+                            <a:latin typeface="Cambria Math" panose="02040503050406030204" pitchFamily="18" charset="0"/>
+                          </a:rPr>
+                          <m:t>2</m:t>
+                        </m:r>
+                      </m:sub>
+                    </m:sSub>
+                    <m:sSub>
+                      <m:sSubPr>
+                        <m:ctrlPr>
+                          <a:rPr lang="pt-BR" i="1" smtClean="0">
+                            <a:latin typeface="Cambria Math" panose="02040503050406030204" pitchFamily="18" charset="0"/>
+                          </a:rPr>
+                        </m:ctrlPr>
+                      </m:sSubPr>
+                      <m:e>
+                        <m:r>
+                          <a:rPr lang="pt-BR" b="0" i="1" smtClean="0">
+                            <a:latin typeface="Cambria Math" panose="02040503050406030204" pitchFamily="18" charset="0"/>
+                          </a:rPr>
+                          <m:t>𝑥</m:t>
+                        </m:r>
+                      </m:e>
+                      <m:sub>
+                        <m:r>
+                          <a:rPr lang="pt-BR" b="0" i="1" smtClean="0">
+                            <a:latin typeface="Cambria Math" panose="02040503050406030204" pitchFamily="18" charset="0"/>
+                          </a:rPr>
+                          <m:t>2</m:t>
+                        </m:r>
+                      </m:sub>
+                    </m:sSub>
+                    <m:r>
+                      <a:rPr lang="pt-BR" i="1">
+                        <a:latin typeface="Cambria Math" panose="02040503050406030204" pitchFamily="18" charset="0"/>
+                      </a:rPr>
+                      <m:t> </m:t>
+                    </m:r>
+                  </m:oMath>
+                </a14:m>
+                <a:r>
+                  <a:rPr lang="pt-BR" dirty="0">
+                    <a:latin typeface="Cambria Math" panose="02040503050406030204" pitchFamily="18" charset="0"/>
+                  </a:rPr>
+                  <a:t>(equação de uma reta) é dado por</a:t>
+                </a:r>
+              </a:p>
+              <a:p>
+                <a:pPr marL="0" indent="0">
+                  <a:buNone/>
+                </a:pPr>
+                <a14:m>
+                  <m:oMathPara xmlns:m="http://schemas.openxmlformats.org/officeDocument/2006/math">
+                    <m:oMathParaPr>
+                      <m:jc m:val="centerGroup"/>
+                    </m:oMathParaPr>
+                    <m:oMath xmlns:m="http://schemas.openxmlformats.org/officeDocument/2006/math">
+                      <m:f>
+                        <m:fPr>
+                          <m:ctrlPr>
+                            <a:rPr lang="pt-BR" i="1">
+                              <a:latin typeface="Cambria Math" panose="02040503050406030204" pitchFamily="18" charset="0"/>
+                            </a:rPr>
+                          </m:ctrlPr>
+                        </m:fPr>
+                        <m:num>
+                          <m:r>
+                            <a:rPr lang="pt-BR" i="1">
+                              <a:latin typeface="Cambria Math" panose="02040503050406030204" pitchFamily="18" charset="0"/>
+                            </a:rPr>
+                            <m:t>𝜕</m:t>
+                          </m:r>
+                          <m:sSub>
+                            <m:sSubPr>
+                              <m:ctrlPr>
+                                <a:rPr lang="pt-BR" i="1">
+                                  <a:latin typeface="Cambria Math" panose="02040503050406030204" pitchFamily="18" charset="0"/>
+                                </a:rPr>
+                              </m:ctrlPr>
+                            </m:sSubPr>
+                            <m:e>
+                              <m:r>
+                                <a:rPr lang="pt-BR" i="1">
+                                  <a:latin typeface="Cambria Math" panose="02040503050406030204" pitchFamily="18" charset="0"/>
+                                </a:rPr>
+                                <m:t>𝐽</m:t>
+                              </m:r>
+                            </m:e>
+                            <m:sub>
+                              <m:r>
+                                <a:rPr lang="pt-BR" i="1">
+                                  <a:latin typeface="Cambria Math" panose="02040503050406030204" pitchFamily="18" charset="0"/>
+                                </a:rPr>
+                                <m:t>𝑒</m:t>
+                              </m:r>
+                            </m:sub>
+                          </m:sSub>
+                          <m:d>
+                            <m:dPr>
+                              <m:ctrlPr>
+                                <a:rPr lang="pt-BR" i="1">
+                                  <a:latin typeface="Cambria Math" panose="02040503050406030204" pitchFamily="18" charset="0"/>
+                                </a:rPr>
+                              </m:ctrlPr>
+                            </m:dPr>
+                            <m:e>
+                              <m:r>
+                                <a:rPr lang="pt-BR" b="1" i="1">
+                                  <a:latin typeface="Cambria Math" panose="02040503050406030204" pitchFamily="18" charset="0"/>
+                                </a:rPr>
+                                <m:t>𝒂</m:t>
+                              </m:r>
+                            </m:e>
+                          </m:d>
+                        </m:num>
+                        <m:den>
+                          <m:r>
+                            <a:rPr lang="pt-BR" i="1">
+                              <a:latin typeface="Cambria Math" panose="02040503050406030204" pitchFamily="18" charset="0"/>
+                            </a:rPr>
+                            <m:t>𝜕</m:t>
+                          </m:r>
+                          <m:r>
+                            <a:rPr lang="pt-BR" b="1" i="1">
+                              <a:latin typeface="Cambria Math" panose="02040503050406030204" pitchFamily="18" charset="0"/>
+                            </a:rPr>
+                            <m:t>𝒂</m:t>
+                          </m:r>
+                        </m:den>
+                      </m:f>
+                      <m:r>
+                        <a:rPr lang="pt-BR" b="1" i="1">
+                          <a:latin typeface="Cambria Math" panose="02040503050406030204" pitchFamily="18" charset="0"/>
+                        </a:rPr>
+                        <m:t>=</m:t>
+                      </m:r>
+                      <m:r>
+                        <a:rPr lang="pt-BR" i="1">
+                          <a:latin typeface="Cambria Math" panose="02040503050406030204" pitchFamily="18" charset="0"/>
+                        </a:rPr>
+                        <m:t>−</m:t>
+                      </m:r>
+                      <m:f>
+                        <m:fPr>
+                          <m:ctrlPr>
+                            <a:rPr lang="pt-BR" i="1">
+                              <a:latin typeface="Cambria Math" panose="02040503050406030204" pitchFamily="18" charset="0"/>
+                            </a:rPr>
+                          </m:ctrlPr>
+                        </m:fPr>
+                        <m:num>
+                          <m:r>
+                            <a:rPr lang="pt-BR" i="1">
+                              <a:latin typeface="Cambria Math" panose="02040503050406030204" pitchFamily="18" charset="0"/>
+                            </a:rPr>
+                            <m:t>1</m:t>
+                          </m:r>
+                        </m:num>
+                        <m:den>
+                          <m:r>
+                            <a:rPr lang="pt-BR" i="1">
+                              <a:latin typeface="Cambria Math" panose="02040503050406030204" pitchFamily="18" charset="0"/>
+                            </a:rPr>
+                            <m:t>𝑁</m:t>
+                          </m:r>
+                        </m:den>
+                      </m:f>
+                      <m:nary>
+                        <m:naryPr>
+                          <m:chr m:val="∑"/>
+                          <m:ctrlPr>
+                            <a:rPr lang="pt-BR" i="1">
+                              <a:latin typeface="Cambria Math" panose="02040503050406030204" pitchFamily="18" charset="0"/>
+                            </a:rPr>
+                          </m:ctrlPr>
+                        </m:naryPr>
+                        <m:sub>
+                          <m:r>
+                            <m:rPr>
+                              <m:brk m:alnAt="23"/>
+                            </m:rPr>
+                            <a:rPr lang="pt-BR" i="1">
+                              <a:latin typeface="Cambria Math" panose="02040503050406030204" pitchFamily="18" charset="0"/>
+                            </a:rPr>
+                            <m:t>𝑖</m:t>
+                          </m:r>
+                          <m:r>
+                            <a:rPr lang="pt-BR" i="1">
+                              <a:latin typeface="Cambria Math" panose="02040503050406030204" pitchFamily="18" charset="0"/>
+                            </a:rPr>
+                            <m:t>=0</m:t>
+                          </m:r>
+                        </m:sub>
+                        <m:sup>
+                          <m:r>
+                            <a:rPr lang="pt-BR" i="1">
+                              <a:latin typeface="Cambria Math" panose="02040503050406030204" pitchFamily="18" charset="0"/>
+                            </a:rPr>
+                            <m:t>𝑁</m:t>
+                          </m:r>
+                          <m:r>
+                            <a:rPr lang="pt-BR" i="1">
+                              <a:latin typeface="Cambria Math" panose="02040503050406030204" pitchFamily="18" charset="0"/>
+                            </a:rPr>
+                            <m:t>−1</m:t>
+                          </m:r>
+                        </m:sup>
+                        <m:e>
+                          <m:d>
+                            <m:dPr>
+                              <m:begChr m:val="["/>
+                              <m:endChr m:val="]"/>
+                              <m:ctrlPr>
+                                <a:rPr lang="pt-BR" i="1">
+                                  <a:latin typeface="Cambria Math" panose="02040503050406030204" pitchFamily="18" charset="0"/>
+                                </a:rPr>
+                              </m:ctrlPr>
+                            </m:dPr>
+                            <m:e>
+                              <m:r>
+                                <a:rPr lang="pt-BR" i="1">
+                                  <a:latin typeface="Cambria Math" panose="02040503050406030204" pitchFamily="18" charset="0"/>
+                                </a:rPr>
+                                <m:t>𝑦</m:t>
+                              </m:r>
+                              <m:d>
+                                <m:dPr>
+                                  <m:ctrlPr>
+                                    <a:rPr lang="pt-BR" i="1">
+                                      <a:latin typeface="Cambria Math" panose="02040503050406030204" pitchFamily="18" charset="0"/>
+                                    </a:rPr>
+                                  </m:ctrlPr>
+                                </m:dPr>
+                                <m:e>
+                                  <m:r>
+                                    <a:rPr lang="pt-BR" i="1">
+                                      <a:latin typeface="Cambria Math" panose="02040503050406030204" pitchFamily="18" charset="0"/>
+                                    </a:rPr>
+                                    <m:t>𝑖</m:t>
+                                  </m:r>
+                                </m:e>
+                              </m:d>
+                              <m:r>
+                                <a:rPr lang="pt-BR" i="1">
+                                  <a:latin typeface="Cambria Math" panose="02040503050406030204" pitchFamily="18" charset="0"/>
+                                </a:rPr>
+                                <m:t>−</m:t>
+                              </m:r>
+                              <m:sSub>
+                                <m:sSubPr>
+                                  <m:ctrlPr>
+                                    <a:rPr lang="pt-BR" i="1">
+                                      <a:latin typeface="Cambria Math" panose="02040503050406030204" pitchFamily="18" charset="0"/>
+                                    </a:rPr>
+                                  </m:ctrlPr>
+                                </m:sSubPr>
+                                <m:e>
+                                  <m:r>
+                                    <a:rPr lang="pt-BR" i="1">
+                                      <a:latin typeface="Cambria Math" panose="02040503050406030204" pitchFamily="18" charset="0"/>
+                                    </a:rPr>
+                                    <m:t>h</m:t>
+                                  </m:r>
+                                </m:e>
+                                <m:sub>
+                                  <m:r>
+                                    <a:rPr lang="pt-BR" b="1" i="1">
+                                      <a:latin typeface="Cambria Math" panose="02040503050406030204" pitchFamily="18" charset="0"/>
+                                    </a:rPr>
+                                    <m:t>𝒂</m:t>
+                                  </m:r>
+                                </m:sub>
+                              </m:sSub>
+                              <m:d>
+                                <m:dPr>
+                                  <m:ctrlPr>
+                                    <a:rPr lang="pt-BR" i="1">
+                                      <a:latin typeface="Cambria Math" panose="02040503050406030204" pitchFamily="18" charset="0"/>
+                                    </a:rPr>
+                                  </m:ctrlPr>
+                                </m:dPr>
+                                <m:e>
+                                  <m:r>
+                                    <a:rPr lang="pt-BR" b="1" i="1">
+                                      <a:latin typeface="Cambria Math" panose="02040503050406030204" pitchFamily="18" charset="0"/>
+                                    </a:rPr>
+                                    <m:t>𝒙</m:t>
+                                  </m:r>
+                                  <m:d>
+                                    <m:dPr>
+                                      <m:ctrlPr>
+                                        <a:rPr lang="pt-BR" b="1" i="1">
+                                          <a:latin typeface="Cambria Math" panose="02040503050406030204" pitchFamily="18" charset="0"/>
+                                        </a:rPr>
+                                      </m:ctrlPr>
+                                    </m:dPr>
+                                    <m:e>
+                                      <m:r>
+                                        <a:rPr lang="pt-BR" i="1">
+                                          <a:latin typeface="Cambria Math" panose="02040503050406030204" pitchFamily="18" charset="0"/>
+                                        </a:rPr>
+                                        <m:t>𝑖</m:t>
+                                      </m:r>
+                                    </m:e>
+                                  </m:d>
+                                </m:e>
+                              </m:d>
+                            </m:e>
+                          </m:d>
+                          <m:sSup>
+                            <m:sSupPr>
+                              <m:ctrlPr>
+                                <a:rPr lang="pt-BR" i="1">
+                                  <a:latin typeface="Cambria Math" panose="02040503050406030204" pitchFamily="18" charset="0"/>
+                                </a:rPr>
+                              </m:ctrlPr>
+                            </m:sSupPr>
+                            <m:e>
+                              <m:r>
+                                <a:rPr lang="pt-BR" b="1" i="1">
+                                  <a:latin typeface="Cambria Math" panose="02040503050406030204" pitchFamily="18" charset="0"/>
+                                </a:rPr>
+                                <m:t>𝒙</m:t>
+                              </m:r>
+                              <m:d>
+                                <m:dPr>
+                                  <m:ctrlPr>
+                                    <a:rPr lang="pt-BR" b="1" i="1">
+                                      <a:latin typeface="Cambria Math" panose="02040503050406030204" pitchFamily="18" charset="0"/>
+                                    </a:rPr>
+                                  </m:ctrlPr>
+                                </m:dPr>
+                                <m:e>
+                                  <m:r>
+                                    <a:rPr lang="pt-BR" i="1">
+                                      <a:latin typeface="Cambria Math" panose="02040503050406030204" pitchFamily="18" charset="0"/>
+                                    </a:rPr>
+                                    <m:t>𝑖</m:t>
+                                  </m:r>
+                                </m:e>
+                              </m:d>
+                            </m:e>
+                            <m:sup>
+                              <m:r>
+                                <a:rPr lang="pt-BR" i="1">
+                                  <a:latin typeface="Cambria Math" panose="02040503050406030204" pitchFamily="18" charset="0"/>
+                                </a:rPr>
+                                <m:t>𝑇</m:t>
+                              </m:r>
+                            </m:sup>
+                          </m:sSup>
+                        </m:e>
+                      </m:nary>
+                      <m:r>
+                        <a:rPr lang="pt-BR" i="1">
+                          <a:latin typeface="Cambria Math" panose="02040503050406030204" pitchFamily="18" charset="0"/>
+                        </a:rPr>
+                        <m:t>=</m:t>
+                      </m:r>
+                      <m:sSup>
+                        <m:sSupPr>
+                          <m:ctrlPr>
+                            <a:rPr lang="pt-BR" i="1">
+                              <a:latin typeface="Cambria Math" panose="02040503050406030204" pitchFamily="18" charset="0"/>
+                            </a:rPr>
+                          </m:ctrlPr>
+                        </m:sSupPr>
+                        <m:e>
+                          <m:r>
+                            <a:rPr lang="pt-BR" i="1">
+                              <a:latin typeface="Cambria Math" panose="02040503050406030204" pitchFamily="18" charset="0"/>
+                            </a:rPr>
+                            <m:t>−</m:t>
+                          </m:r>
+                          <m:f>
+                            <m:fPr>
+                              <m:ctrlPr>
+                                <a:rPr lang="pt-BR" i="1">
+                                  <a:latin typeface="Cambria Math" panose="02040503050406030204" pitchFamily="18" charset="0"/>
+                                </a:rPr>
+                              </m:ctrlPr>
+                            </m:fPr>
+                            <m:num>
+                              <m:r>
+                                <a:rPr lang="pt-BR" i="1">
+                                  <a:latin typeface="Cambria Math" panose="02040503050406030204" pitchFamily="18" charset="0"/>
+                                </a:rPr>
+                                <m:t>1</m:t>
+                              </m:r>
+                            </m:num>
+                            <m:den>
+                              <m:r>
+                                <a:rPr lang="pt-BR" i="1">
+                                  <a:latin typeface="Cambria Math" panose="02040503050406030204" pitchFamily="18" charset="0"/>
+                                </a:rPr>
+                                <m:t>𝑁</m:t>
+                              </m:r>
+                            </m:den>
+                          </m:f>
+                          <m:r>
+                            <a:rPr lang="pt-BR" b="1" i="1">
+                              <a:latin typeface="Cambria Math" panose="02040503050406030204" pitchFamily="18" charset="0"/>
+                            </a:rPr>
+                            <m:t>𝑿</m:t>
+                          </m:r>
+                        </m:e>
+                        <m:sup>
+                          <m:r>
+                            <a:rPr lang="pt-BR" i="1">
+                              <a:latin typeface="Cambria Math" panose="02040503050406030204" pitchFamily="18" charset="0"/>
+                            </a:rPr>
+                            <m:t>𝑇</m:t>
+                          </m:r>
+                        </m:sup>
+                      </m:sSup>
+                      <m:d>
+                        <m:dPr>
+                          <m:ctrlPr>
+                            <a:rPr lang="pt-BR" i="1">
+                              <a:latin typeface="Cambria Math" panose="02040503050406030204" pitchFamily="18" charset="0"/>
+                            </a:rPr>
+                          </m:ctrlPr>
+                        </m:dPr>
+                        <m:e>
+                          <m:r>
+                            <a:rPr lang="pt-BR" b="1" i="1">
+                              <a:latin typeface="Cambria Math" panose="02040503050406030204" pitchFamily="18" charset="0"/>
+                            </a:rPr>
+                            <m:t>𝒚</m:t>
+                          </m:r>
+                          <m:r>
+                            <a:rPr lang="pt-BR" i="1">
+                              <a:latin typeface="Cambria Math" panose="02040503050406030204" pitchFamily="18" charset="0"/>
+                            </a:rPr>
+                            <m:t>−</m:t>
+                          </m:r>
+                          <m:acc>
+                            <m:accPr>
+                              <m:chr m:val="̂"/>
+                              <m:ctrlPr>
+                                <a:rPr lang="pt-BR" i="1">
+                                  <a:latin typeface="Cambria Math" panose="02040503050406030204" pitchFamily="18" charset="0"/>
+                                </a:rPr>
+                              </m:ctrlPr>
+                            </m:accPr>
+                            <m:e>
+                              <m:r>
+                                <a:rPr lang="pt-BR" b="1" i="1">
+                                  <a:latin typeface="Cambria Math" panose="02040503050406030204" pitchFamily="18" charset="0"/>
+                                </a:rPr>
+                                <m:t>𝒚</m:t>
+                              </m:r>
+                            </m:e>
+                          </m:acc>
+                        </m:e>
+                      </m:d>
+                      <m:r>
+                        <a:rPr lang="pt-BR" b="0" i="1" smtClean="0">
+                          <a:latin typeface="Cambria Math" panose="02040503050406030204" pitchFamily="18" charset="0"/>
+                        </a:rPr>
+                        <m:t>,</m:t>
+                      </m:r>
+                    </m:oMath>
+                  </m:oMathPara>
+                </a14:m>
+                <a:endParaRPr lang="pt-BR" dirty="0"/>
+              </a:p>
+              <a:p>
+                <a:pPr marL="0" indent="0">
+                  <a:buNone/>
+                </a:pPr>
+                <a:r>
+                  <a:rPr lang="pt-BR" dirty="0"/>
+                  <a:t>onde </a:t>
+                </a:r>
+                <a14:m>
+                  <m:oMath xmlns:m="http://schemas.openxmlformats.org/officeDocument/2006/math">
+                    <m:r>
+                      <a:rPr lang="pt-BR" b="1" i="1">
+                        <a:latin typeface="Cambria Math" panose="02040503050406030204" pitchFamily="18" charset="0"/>
+                      </a:rPr>
+                      <m:t>𝑿</m:t>
+                    </m:r>
+                    <m:r>
+                      <a:rPr lang="pt-BR" b="1" i="1" smtClean="0">
+                        <a:latin typeface="Cambria Math" panose="02040503050406030204" pitchFamily="18" charset="0"/>
+                      </a:rPr>
+                      <m:t>=</m:t>
+                    </m:r>
+                    <m:d>
+                      <m:dPr>
+                        <m:begChr m:val="["/>
+                        <m:endChr m:val="]"/>
+                        <m:ctrlPr>
+                          <a:rPr lang="pt-BR" b="1" i="1" smtClean="0">
+                            <a:latin typeface="Cambria Math" panose="02040503050406030204" pitchFamily="18" charset="0"/>
+                          </a:rPr>
+                        </m:ctrlPr>
+                      </m:dPr>
+                      <m:e>
+                        <m:sSub>
+                          <m:sSubPr>
+                            <m:ctrlPr>
+                              <a:rPr lang="en-US" i="1">
+                                <a:latin typeface="Cambria Math" panose="02040503050406030204" pitchFamily="18" charset="0"/>
+                              </a:rPr>
+                            </m:ctrlPr>
+                          </m:sSubPr>
+                          <m:e>
+                            <m:r>
+                              <a:rPr lang="en-US" b="1" i="1">
+                                <a:latin typeface="Cambria Math" panose="02040503050406030204" pitchFamily="18" charset="0"/>
+                              </a:rPr>
+                              <m:t>𝒙</m:t>
+                            </m:r>
+                          </m:e>
+                          <m:sub>
+                            <m:r>
+                              <a:rPr lang="pt-BR" b="0" i="1" smtClean="0">
+                                <a:latin typeface="Cambria Math" panose="02040503050406030204" pitchFamily="18" charset="0"/>
+                              </a:rPr>
+                              <m:t>0</m:t>
+                            </m:r>
+                          </m:sub>
+                        </m:sSub>
+                        <m:r>
+                          <a:rPr lang="pt-BR" b="1" i="1" smtClean="0">
+                            <a:latin typeface="Cambria Math" panose="02040503050406030204" pitchFamily="18" charset="0"/>
+                          </a:rPr>
+                          <m:t>,</m:t>
+                        </m:r>
+                        <m:sSub>
+                          <m:sSubPr>
+                            <m:ctrlPr>
+                              <a:rPr lang="en-US" i="1">
+                                <a:latin typeface="Cambria Math" panose="02040503050406030204" pitchFamily="18" charset="0"/>
+                              </a:rPr>
+                            </m:ctrlPr>
+                          </m:sSubPr>
+                          <m:e>
+                            <m:r>
+                              <a:rPr lang="en-US" b="1" i="1">
+                                <a:latin typeface="Cambria Math" panose="02040503050406030204" pitchFamily="18" charset="0"/>
+                              </a:rPr>
+                              <m:t>𝒙</m:t>
+                            </m:r>
+                          </m:e>
+                          <m:sub>
+                            <m:r>
+                              <a:rPr lang="pt-BR" b="0" i="1" smtClean="0">
+                                <a:latin typeface="Cambria Math" panose="02040503050406030204" pitchFamily="18" charset="0"/>
+                              </a:rPr>
+                              <m:t>1</m:t>
+                            </m:r>
+                          </m:sub>
+                        </m:sSub>
+                        <m:r>
+                          <a:rPr lang="pt-BR" b="1" i="1" smtClean="0">
+                            <a:latin typeface="Cambria Math" panose="02040503050406030204" pitchFamily="18" charset="0"/>
+                          </a:rPr>
+                          <m:t>, </m:t>
+                        </m:r>
+                        <m:sSub>
+                          <m:sSubPr>
+                            <m:ctrlPr>
+                              <a:rPr lang="en-US" i="1">
+                                <a:latin typeface="Cambria Math" panose="02040503050406030204" pitchFamily="18" charset="0"/>
+                              </a:rPr>
+                            </m:ctrlPr>
+                          </m:sSubPr>
+                          <m:e>
+                            <m:r>
+                              <a:rPr lang="en-US" b="1" i="1">
+                                <a:latin typeface="Cambria Math" panose="02040503050406030204" pitchFamily="18" charset="0"/>
+                              </a:rPr>
+                              <m:t>𝒙</m:t>
+                            </m:r>
+                          </m:e>
+                          <m:sub>
+                            <m:r>
+                              <a:rPr lang="pt-BR" b="0" i="1" smtClean="0">
+                                <a:latin typeface="Cambria Math" panose="02040503050406030204" pitchFamily="18" charset="0"/>
+                              </a:rPr>
+                              <m:t>2</m:t>
+                            </m:r>
+                          </m:sub>
+                        </m:sSub>
+                      </m:e>
+                    </m:d>
+                  </m:oMath>
+                </a14:m>
+                <a:r>
+                  <a:rPr lang="pt-BR" dirty="0"/>
+                  <a:t> </a:t>
+                </a:r>
+                <a14:m>
+                  <m:oMath xmlns:m="http://schemas.openxmlformats.org/officeDocument/2006/math">
+                    <m:r>
+                      <a:rPr lang="pt-BR">
+                        <a:latin typeface="Cambria Math" panose="02040503050406030204" pitchFamily="18" charset="0"/>
+                      </a:rPr>
+                      <m:t>∈</m:t>
+                    </m:r>
+                    <m:sSup>
+                      <m:sSupPr>
+                        <m:ctrlPr>
+                          <a:rPr lang="pt-BR" i="1">
+                            <a:latin typeface="Cambria Math" panose="02040503050406030204" pitchFamily="18" charset="0"/>
+                          </a:rPr>
+                        </m:ctrlPr>
+                      </m:sSupPr>
+                      <m:e>
+                        <m:r>
+                          <a:rPr lang="pt-BR">
+                            <a:latin typeface="Cambria Math" panose="02040503050406030204" pitchFamily="18" charset="0"/>
+                          </a:rPr>
+                          <m:t>ℝ</m:t>
+                        </m:r>
+                      </m:e>
+                      <m:sup>
+                        <m:r>
+                          <m:rPr>
+                            <m:sty m:val="p"/>
+                          </m:rPr>
+                          <a:rPr lang="pt-BR">
+                            <a:latin typeface="Cambria Math" panose="02040503050406030204" pitchFamily="18" charset="0"/>
+                          </a:rPr>
+                          <m:t>N</m:t>
+                        </m:r>
+                        <m:r>
+                          <a:rPr lang="pt-BR">
+                            <a:latin typeface="Cambria Math" panose="02040503050406030204" pitchFamily="18" charset="0"/>
+                          </a:rPr>
+                          <m:t>×</m:t>
+                        </m:r>
+                        <m:r>
+                          <m:rPr>
+                            <m:sty m:val="p"/>
+                          </m:rPr>
+                          <a:rPr lang="pt-BR">
+                            <a:latin typeface="Cambria Math" panose="02040503050406030204" pitchFamily="18" charset="0"/>
+                          </a:rPr>
+                          <m:t>K</m:t>
+                        </m:r>
+                        <m:r>
+                          <a:rPr lang="pt-BR">
+                            <a:latin typeface="Cambria Math" panose="02040503050406030204" pitchFamily="18" charset="0"/>
+                          </a:rPr>
+                          <m:t>+1</m:t>
+                        </m:r>
+                      </m:sup>
+                    </m:sSup>
+                  </m:oMath>
+                </a14:m>
+                <a:r>
+                  <a:rPr lang="pt-BR" dirty="0"/>
+                  <a:t>, </a:t>
+                </a:r>
+                <a14:m>
+                  <m:oMath xmlns:m="http://schemas.openxmlformats.org/officeDocument/2006/math">
+                    <m:sSub>
+                      <m:sSubPr>
+                        <m:ctrlPr>
+                          <a:rPr lang="en-US" i="1">
+                            <a:latin typeface="Cambria Math" panose="02040503050406030204" pitchFamily="18" charset="0"/>
+                          </a:rPr>
+                        </m:ctrlPr>
+                      </m:sSubPr>
+                      <m:e>
+                        <m:r>
+                          <a:rPr lang="en-US" b="1" i="1">
+                            <a:latin typeface="Cambria Math" panose="02040503050406030204" pitchFamily="18" charset="0"/>
+                          </a:rPr>
+                          <m:t>𝒙</m:t>
+                        </m:r>
+                      </m:e>
+                      <m:sub>
+                        <m:r>
+                          <a:rPr lang="pt-BR" b="0" i="1" smtClean="0">
+                            <a:latin typeface="Cambria Math" panose="02040503050406030204" pitchFamily="18" charset="0"/>
+                          </a:rPr>
+                          <m:t>𝑘</m:t>
+                        </m:r>
+                      </m:sub>
+                    </m:sSub>
+                    <m:r>
+                      <a:rPr lang="pt-BR">
+                        <a:latin typeface="Cambria Math" panose="02040503050406030204" pitchFamily="18" charset="0"/>
+                      </a:rPr>
+                      <m:t>∈</m:t>
+                    </m:r>
+                    <m:sSup>
+                      <m:sSupPr>
+                        <m:ctrlPr>
+                          <a:rPr lang="pt-BR" i="1">
+                            <a:latin typeface="Cambria Math" panose="02040503050406030204" pitchFamily="18" charset="0"/>
+                          </a:rPr>
+                        </m:ctrlPr>
+                      </m:sSupPr>
+                      <m:e>
+                        <m:r>
+                          <a:rPr lang="pt-BR">
+                            <a:latin typeface="Cambria Math" panose="02040503050406030204" pitchFamily="18" charset="0"/>
+                          </a:rPr>
+                          <m:t>ℝ</m:t>
+                        </m:r>
+                      </m:e>
+                      <m:sup>
+                        <m:r>
+                          <m:rPr>
+                            <m:sty m:val="p"/>
+                          </m:rPr>
+                          <a:rPr lang="pt-BR">
+                            <a:latin typeface="Cambria Math" panose="02040503050406030204" pitchFamily="18" charset="0"/>
+                          </a:rPr>
+                          <m:t>N</m:t>
+                        </m:r>
+                        <m:r>
+                          <a:rPr lang="pt-BR">
+                            <a:latin typeface="Cambria Math" panose="02040503050406030204" pitchFamily="18" charset="0"/>
+                          </a:rPr>
+                          <m:t>×1</m:t>
+                        </m:r>
+                      </m:sup>
+                    </m:sSup>
+                    <m:r>
+                      <a:rPr lang="pt-BR" b="0" i="1" smtClean="0">
+                        <a:latin typeface="Cambria Math" panose="02040503050406030204" pitchFamily="18" charset="0"/>
+                      </a:rPr>
+                      <m:t> </m:t>
+                    </m:r>
+                    <m:r>
+                      <a:rPr lang="pt-BR" b="0" i="1" smtClean="0">
+                        <a:latin typeface="Cambria Math" panose="02040503050406030204" pitchFamily="18" charset="0"/>
+                        <a:ea typeface="Cambria Math" panose="02040503050406030204" pitchFamily="18" charset="0"/>
+                      </a:rPr>
+                      <m:t>∀</m:t>
+                    </m:r>
+                    <m:r>
+                      <a:rPr lang="pt-BR" b="0" i="1" smtClean="0">
+                        <a:latin typeface="Cambria Math" panose="02040503050406030204" pitchFamily="18" charset="0"/>
+                        <a:ea typeface="Cambria Math" panose="02040503050406030204" pitchFamily="18" charset="0"/>
+                      </a:rPr>
+                      <m:t>𝑘</m:t>
+                    </m:r>
+                  </m:oMath>
+                </a14:m>
+                <a:r>
+                  <a:rPr lang="pt-BR" dirty="0"/>
+                  <a:t> e </a:t>
+                </a:r>
+                <a14:m>
+                  <m:oMath xmlns:m="http://schemas.openxmlformats.org/officeDocument/2006/math">
+                    <m:r>
+                      <a:rPr lang="pt-BR">
+                        <a:latin typeface="Cambria Math" panose="02040503050406030204" pitchFamily="18" charset="0"/>
+                      </a:rPr>
+                      <m:t>𝒚</m:t>
+                    </m:r>
+                  </m:oMath>
+                </a14:m>
+                <a:r>
+                  <a:rPr lang="pt-BR" dirty="0"/>
+                  <a:t> e </a:t>
+                </a:r>
+                <a14:m>
+                  <m:oMath xmlns:m="http://schemas.openxmlformats.org/officeDocument/2006/math">
+                    <m:acc>
+                      <m:accPr>
+                        <m:chr m:val="̂"/>
+                        <m:ctrlPr>
+                          <a:rPr lang="pt-BR" i="1">
+                            <a:latin typeface="Cambria Math" panose="02040503050406030204" pitchFamily="18" charset="0"/>
+                          </a:rPr>
+                        </m:ctrlPr>
+                      </m:accPr>
+                      <m:e>
+                        <m:r>
+                          <a:rPr lang="pt-BR">
+                            <a:latin typeface="Cambria Math" panose="02040503050406030204" pitchFamily="18" charset="0"/>
+                          </a:rPr>
+                          <m:t>𝒚</m:t>
+                        </m:r>
+                      </m:e>
+                    </m:acc>
+                  </m:oMath>
+                </a14:m>
+                <a:r>
+                  <a:rPr lang="pt-BR" dirty="0"/>
+                  <a:t>  </a:t>
+                </a:r>
+                <a14:m>
+                  <m:oMath xmlns:m="http://schemas.openxmlformats.org/officeDocument/2006/math">
+                    <m:r>
+                      <a:rPr lang="pt-BR">
+                        <a:latin typeface="Cambria Math" panose="02040503050406030204" pitchFamily="18" charset="0"/>
+                      </a:rPr>
+                      <m:t>∈</m:t>
+                    </m:r>
+                    <m:sSup>
+                      <m:sSupPr>
+                        <m:ctrlPr>
+                          <a:rPr lang="pt-BR" i="1">
+                            <a:latin typeface="Cambria Math" panose="02040503050406030204" pitchFamily="18" charset="0"/>
+                          </a:rPr>
+                        </m:ctrlPr>
+                      </m:sSupPr>
+                      <m:e>
+                        <m:r>
+                          <a:rPr lang="pt-BR">
+                            <a:latin typeface="Cambria Math" panose="02040503050406030204" pitchFamily="18" charset="0"/>
+                          </a:rPr>
+                          <m:t>ℝ</m:t>
+                        </m:r>
+                      </m:e>
+                      <m:sup>
+                        <m:r>
+                          <m:rPr>
+                            <m:sty m:val="p"/>
+                          </m:rPr>
+                          <a:rPr lang="pt-BR">
+                            <a:latin typeface="Cambria Math" panose="02040503050406030204" pitchFamily="18" charset="0"/>
+                          </a:rPr>
+                          <m:t>N</m:t>
+                        </m:r>
+                        <m:r>
+                          <a:rPr lang="pt-BR">
+                            <a:latin typeface="Cambria Math" panose="02040503050406030204" pitchFamily="18" charset="0"/>
+                          </a:rPr>
+                          <m:t>×</m:t>
+                        </m:r>
+                        <m:r>
+                          <a:rPr lang="pt-BR">
+                            <a:latin typeface="Cambria Math" panose="02040503050406030204" pitchFamily="18" charset="0"/>
+                          </a:rPr>
+                          <m:t>𝟏</m:t>
+                        </m:r>
+                      </m:sup>
+                    </m:sSup>
+                  </m:oMath>
+                </a14:m>
+                <a:r>
+                  <a:rPr lang="pt-BR" dirty="0"/>
+                  <a:t>. </a:t>
+                </a:r>
+              </a:p>
+              <a:p>
+                <a:r>
+                  <a:rPr lang="pt-BR" dirty="0"/>
+                  <a:t>O </a:t>
+                </a:r>
+                <a:r>
+                  <a:rPr lang="pt-BR" b="1" i="1" dirty="0"/>
+                  <a:t>vetor gradiente </a:t>
+                </a:r>
+                <a:r>
+                  <a:rPr lang="pt-BR" dirty="0"/>
+                  <a:t>da</a:t>
+                </a:r>
+                <a:r>
+                  <a:rPr lang="pt-BR" b="1" i="1" dirty="0"/>
+                  <a:t> função de erro médio</a:t>
+                </a:r>
+                <a:r>
+                  <a:rPr lang="pt-BR" dirty="0"/>
+                  <a:t> quando</a:t>
+                </a:r>
+                <a:r>
+                  <a:rPr lang="pt-BR" b="1" i="1" dirty="0"/>
+                  <a:t> </a:t>
+                </a:r>
+                <a14:m>
+                  <m:oMath xmlns:m="http://schemas.openxmlformats.org/officeDocument/2006/math">
+                    <m:r>
+                      <a:rPr lang="pt-BR" i="1">
+                        <a:latin typeface="Cambria Math" panose="02040503050406030204" pitchFamily="18" charset="0"/>
+                      </a:rPr>
+                      <m:t>𝑔</m:t>
+                    </m:r>
+                    <m:d>
+                      <m:dPr>
+                        <m:ctrlPr>
+                          <a:rPr lang="pt-BR" i="1">
+                            <a:latin typeface="Cambria Math" panose="02040503050406030204" pitchFamily="18" charset="0"/>
+                          </a:rPr>
+                        </m:ctrlPr>
+                      </m:dPr>
+                      <m:e>
+                        <m:r>
+                          <a:rPr lang="pt-BR" b="1" i="1">
+                            <a:latin typeface="Cambria Math" panose="02040503050406030204" pitchFamily="18" charset="0"/>
+                          </a:rPr>
+                          <m:t>𝒙</m:t>
+                        </m:r>
+                      </m:e>
+                    </m:d>
+                    <m:r>
+                      <a:rPr lang="pt-BR" b="1" i="1">
+                        <a:latin typeface="Cambria Math" panose="02040503050406030204" pitchFamily="18" charset="0"/>
+                      </a:rPr>
+                      <m:t>=</m:t>
+                    </m:r>
+                    <m:sSub>
+                      <m:sSubPr>
+                        <m:ctrlPr>
+                          <a:rPr lang="pt-BR" i="1" smtClean="0">
+                            <a:latin typeface="Cambria Math" panose="02040503050406030204" pitchFamily="18" charset="0"/>
+                          </a:rPr>
+                        </m:ctrlPr>
+                      </m:sSubPr>
+                      <m:e>
+                        <m:r>
+                          <a:rPr lang="pt-BR" b="0" i="1" smtClean="0">
+                            <a:latin typeface="Cambria Math" panose="02040503050406030204" pitchFamily="18" charset="0"/>
+                          </a:rPr>
+                          <m:t>𝑎</m:t>
+                        </m:r>
+                      </m:e>
+                      <m:sub>
+                        <m:r>
+                          <a:rPr lang="pt-BR" b="0" i="1" smtClean="0">
+                            <a:latin typeface="Cambria Math" panose="02040503050406030204" pitchFamily="18" charset="0"/>
+                          </a:rPr>
+                          <m:t>0</m:t>
+                        </m:r>
+                      </m:sub>
+                    </m:sSub>
+                    <m:r>
+                      <a:rPr lang="pt-BR" b="0" i="1" smtClean="0">
+                        <a:latin typeface="Cambria Math" panose="02040503050406030204" pitchFamily="18" charset="0"/>
+                      </a:rPr>
+                      <m:t>+</m:t>
+                    </m:r>
+                    <m:sSubSup>
+                      <m:sSubSupPr>
+                        <m:ctrlPr>
+                          <a:rPr lang="pt-BR" b="0" i="1" smtClean="0">
+                            <a:latin typeface="Cambria Math" panose="02040503050406030204" pitchFamily="18" charset="0"/>
+                          </a:rPr>
+                        </m:ctrlPr>
+                      </m:sSubSupPr>
+                      <m:e>
+                        <m:r>
+                          <a:rPr lang="pt-BR" b="0" i="1" smtClean="0">
+                            <a:latin typeface="Cambria Math" panose="02040503050406030204" pitchFamily="18" charset="0"/>
+                          </a:rPr>
+                          <m:t>𝑥</m:t>
+                        </m:r>
+                      </m:e>
+                      <m:sub>
+                        <m:r>
+                          <a:rPr lang="pt-BR" b="0" i="1" smtClean="0">
+                            <a:latin typeface="Cambria Math" panose="02040503050406030204" pitchFamily="18" charset="0"/>
+                          </a:rPr>
+                          <m:t>1</m:t>
+                        </m:r>
+                      </m:sub>
+                      <m:sup>
+                        <m:r>
+                          <a:rPr lang="pt-BR" b="0" i="1" smtClean="0">
+                            <a:latin typeface="Cambria Math" panose="02040503050406030204" pitchFamily="18" charset="0"/>
+                          </a:rPr>
+                          <m:t>2</m:t>
+                        </m:r>
+                      </m:sup>
+                    </m:sSubSup>
+                    <m:r>
+                      <a:rPr lang="pt-BR" b="0" i="1" smtClean="0">
+                        <a:latin typeface="Cambria Math" panose="02040503050406030204" pitchFamily="18" charset="0"/>
+                      </a:rPr>
+                      <m:t>+</m:t>
+                    </m:r>
+                    <m:sSubSup>
+                      <m:sSubSupPr>
+                        <m:ctrlPr>
+                          <a:rPr lang="pt-BR" i="1">
+                            <a:latin typeface="Cambria Math" panose="02040503050406030204" pitchFamily="18" charset="0"/>
+                          </a:rPr>
+                        </m:ctrlPr>
+                      </m:sSubSupPr>
+                      <m:e>
+                        <m:r>
+                          <a:rPr lang="pt-BR" i="1">
+                            <a:latin typeface="Cambria Math" panose="02040503050406030204" pitchFamily="18" charset="0"/>
+                          </a:rPr>
+                          <m:t>𝑥</m:t>
+                        </m:r>
+                      </m:e>
+                      <m:sub>
+                        <m:r>
+                          <a:rPr lang="pt-BR" b="0" i="1" smtClean="0">
+                            <a:latin typeface="Cambria Math" panose="02040503050406030204" pitchFamily="18" charset="0"/>
+                          </a:rPr>
+                          <m:t>2</m:t>
+                        </m:r>
+                      </m:sub>
+                      <m:sup>
+                        <m:r>
+                          <a:rPr lang="pt-BR" i="1">
+                            <a:latin typeface="Cambria Math" panose="02040503050406030204" pitchFamily="18" charset="0"/>
+                          </a:rPr>
+                          <m:t>2</m:t>
+                        </m:r>
+                      </m:sup>
+                    </m:sSubSup>
+                  </m:oMath>
+                </a14:m>
+                <a:r>
+                  <a:rPr lang="pt-BR" dirty="0">
+                    <a:latin typeface="Cambria Math" panose="02040503050406030204" pitchFamily="18" charset="0"/>
+                  </a:rPr>
+                  <a:t>(equação de um círculo) é dado por</a:t>
+                </a:r>
+              </a:p>
+              <a:p>
+                <a:pPr marL="0" indent="0">
+                  <a:buNone/>
+                </a:pPr>
+                <a14:m>
+                  <m:oMathPara xmlns:m="http://schemas.openxmlformats.org/officeDocument/2006/math">
+                    <m:oMathParaPr>
+                      <m:jc m:val="centerGroup"/>
+                    </m:oMathParaPr>
+                    <m:oMath xmlns:m="http://schemas.openxmlformats.org/officeDocument/2006/math">
+                      <m:f>
+                        <m:fPr>
+                          <m:ctrlPr>
+                            <a:rPr lang="pt-BR" i="1">
+                              <a:latin typeface="Cambria Math" panose="02040503050406030204" pitchFamily="18" charset="0"/>
+                            </a:rPr>
+                          </m:ctrlPr>
+                        </m:fPr>
+                        <m:num>
+                          <m:r>
+                            <a:rPr lang="pt-BR" i="1">
+                              <a:latin typeface="Cambria Math" panose="02040503050406030204" pitchFamily="18" charset="0"/>
+                            </a:rPr>
+                            <m:t>𝜕</m:t>
+                          </m:r>
+                          <m:sSub>
+                            <m:sSubPr>
+                              <m:ctrlPr>
+                                <a:rPr lang="pt-BR" i="1">
+                                  <a:latin typeface="Cambria Math" panose="02040503050406030204" pitchFamily="18" charset="0"/>
+                                </a:rPr>
+                              </m:ctrlPr>
+                            </m:sSubPr>
+                            <m:e>
+                              <m:r>
+                                <a:rPr lang="pt-BR" i="1">
+                                  <a:latin typeface="Cambria Math" panose="02040503050406030204" pitchFamily="18" charset="0"/>
+                                </a:rPr>
+                                <m:t>𝐽</m:t>
+                              </m:r>
+                            </m:e>
+                            <m:sub>
+                              <m:r>
+                                <a:rPr lang="pt-BR" i="1">
+                                  <a:latin typeface="Cambria Math" panose="02040503050406030204" pitchFamily="18" charset="0"/>
+                                </a:rPr>
+                                <m:t>𝑒</m:t>
+                              </m:r>
+                            </m:sub>
+                          </m:sSub>
+                          <m:d>
+                            <m:dPr>
+                              <m:ctrlPr>
+                                <a:rPr lang="pt-BR" i="1">
+                                  <a:latin typeface="Cambria Math" panose="02040503050406030204" pitchFamily="18" charset="0"/>
+                                </a:rPr>
+                              </m:ctrlPr>
+                            </m:dPr>
+                            <m:e>
+                              <m:r>
+                                <a:rPr lang="pt-BR" b="1" i="1">
+                                  <a:latin typeface="Cambria Math" panose="02040503050406030204" pitchFamily="18" charset="0"/>
+                                </a:rPr>
+                                <m:t>𝒂</m:t>
+                              </m:r>
+                            </m:e>
+                          </m:d>
+                        </m:num>
+                        <m:den>
+                          <m:r>
+                            <a:rPr lang="pt-BR" i="1">
+                              <a:latin typeface="Cambria Math" panose="02040503050406030204" pitchFamily="18" charset="0"/>
+                            </a:rPr>
+                            <m:t>𝜕</m:t>
+                          </m:r>
+                          <m:r>
+                            <a:rPr lang="pt-BR" b="1" i="1">
+                              <a:latin typeface="Cambria Math" panose="02040503050406030204" pitchFamily="18" charset="0"/>
+                            </a:rPr>
+                            <m:t>𝒂</m:t>
+                          </m:r>
+                        </m:den>
+                      </m:f>
+                      <m:r>
+                        <a:rPr lang="pt-BR" b="1" i="1">
+                          <a:latin typeface="Cambria Math" panose="02040503050406030204" pitchFamily="18" charset="0"/>
+                        </a:rPr>
+                        <m:t>=</m:t>
+                      </m:r>
+                      <m:r>
+                        <a:rPr lang="pt-BR" i="1">
+                          <a:latin typeface="Cambria Math" panose="02040503050406030204" pitchFamily="18" charset="0"/>
+                        </a:rPr>
+                        <m:t>−</m:t>
+                      </m:r>
+                      <m:f>
+                        <m:fPr>
+                          <m:ctrlPr>
+                            <a:rPr lang="pt-BR" i="1">
+                              <a:latin typeface="Cambria Math" panose="02040503050406030204" pitchFamily="18" charset="0"/>
+                            </a:rPr>
+                          </m:ctrlPr>
+                        </m:fPr>
+                        <m:num>
+                          <m:r>
+                            <a:rPr lang="pt-BR" i="1">
+                              <a:latin typeface="Cambria Math" panose="02040503050406030204" pitchFamily="18" charset="0"/>
+                            </a:rPr>
+                            <m:t>1</m:t>
+                          </m:r>
+                        </m:num>
+                        <m:den>
+                          <m:r>
+                            <a:rPr lang="pt-BR" i="1">
+                              <a:latin typeface="Cambria Math" panose="02040503050406030204" pitchFamily="18" charset="0"/>
+                            </a:rPr>
+                            <m:t>𝑁</m:t>
+                          </m:r>
+                        </m:den>
+                      </m:f>
+                      <m:nary>
+                        <m:naryPr>
+                          <m:chr m:val="∑"/>
+                          <m:ctrlPr>
+                            <a:rPr lang="pt-BR" i="1">
+                              <a:latin typeface="Cambria Math" panose="02040503050406030204" pitchFamily="18" charset="0"/>
+                            </a:rPr>
+                          </m:ctrlPr>
+                        </m:naryPr>
+                        <m:sub>
+                          <m:r>
+                            <m:rPr>
+                              <m:brk m:alnAt="23"/>
+                            </m:rPr>
+                            <a:rPr lang="pt-BR" i="1">
+                              <a:latin typeface="Cambria Math" panose="02040503050406030204" pitchFamily="18" charset="0"/>
+                            </a:rPr>
+                            <m:t>𝑖</m:t>
+                          </m:r>
+                          <m:r>
+                            <a:rPr lang="pt-BR" i="1">
+                              <a:latin typeface="Cambria Math" panose="02040503050406030204" pitchFamily="18" charset="0"/>
+                            </a:rPr>
+                            <m:t>=0</m:t>
+                          </m:r>
+                        </m:sub>
+                        <m:sup>
+                          <m:r>
+                            <a:rPr lang="pt-BR" i="1">
+                              <a:latin typeface="Cambria Math" panose="02040503050406030204" pitchFamily="18" charset="0"/>
+                            </a:rPr>
+                            <m:t>𝑁</m:t>
+                          </m:r>
+                          <m:r>
+                            <a:rPr lang="pt-BR" i="1">
+                              <a:latin typeface="Cambria Math" panose="02040503050406030204" pitchFamily="18" charset="0"/>
+                            </a:rPr>
+                            <m:t>−1</m:t>
+                          </m:r>
+                        </m:sup>
+                        <m:e>
+                          <m:d>
+                            <m:dPr>
+                              <m:begChr m:val="["/>
+                              <m:endChr m:val="]"/>
+                              <m:ctrlPr>
+                                <a:rPr lang="pt-BR" i="1">
+                                  <a:latin typeface="Cambria Math" panose="02040503050406030204" pitchFamily="18" charset="0"/>
+                                </a:rPr>
+                              </m:ctrlPr>
+                            </m:dPr>
+                            <m:e>
+                              <m:r>
+                                <a:rPr lang="pt-BR" i="1">
+                                  <a:latin typeface="Cambria Math" panose="02040503050406030204" pitchFamily="18" charset="0"/>
+                                </a:rPr>
+                                <m:t>𝑦</m:t>
+                              </m:r>
+                              <m:d>
+                                <m:dPr>
+                                  <m:ctrlPr>
+                                    <a:rPr lang="pt-BR" i="1">
+                                      <a:latin typeface="Cambria Math" panose="02040503050406030204" pitchFamily="18" charset="0"/>
+                                    </a:rPr>
+                                  </m:ctrlPr>
+                                </m:dPr>
+                                <m:e>
+                                  <m:r>
+                                    <a:rPr lang="pt-BR" i="1">
+                                      <a:latin typeface="Cambria Math" panose="02040503050406030204" pitchFamily="18" charset="0"/>
+                                    </a:rPr>
+                                    <m:t>𝑖</m:t>
+                                  </m:r>
+                                </m:e>
+                              </m:d>
+                              <m:r>
+                                <a:rPr lang="pt-BR" i="1">
+                                  <a:latin typeface="Cambria Math" panose="02040503050406030204" pitchFamily="18" charset="0"/>
+                                </a:rPr>
+                                <m:t>−</m:t>
+                              </m:r>
+                              <m:sSub>
+                                <m:sSubPr>
+                                  <m:ctrlPr>
+                                    <a:rPr lang="pt-BR" i="1">
+                                      <a:latin typeface="Cambria Math" panose="02040503050406030204" pitchFamily="18" charset="0"/>
+                                    </a:rPr>
+                                  </m:ctrlPr>
+                                </m:sSubPr>
+                                <m:e>
+                                  <m:r>
+                                    <a:rPr lang="pt-BR" i="1">
+                                      <a:latin typeface="Cambria Math" panose="02040503050406030204" pitchFamily="18" charset="0"/>
+                                    </a:rPr>
+                                    <m:t>h</m:t>
+                                  </m:r>
+                                </m:e>
+                                <m:sub>
+                                  <m:r>
+                                    <a:rPr lang="pt-BR" b="1" i="1">
+                                      <a:latin typeface="Cambria Math" panose="02040503050406030204" pitchFamily="18" charset="0"/>
+                                    </a:rPr>
+                                    <m:t>𝒂</m:t>
+                                  </m:r>
+                                </m:sub>
+                              </m:sSub>
+                              <m:d>
+                                <m:dPr>
+                                  <m:ctrlPr>
+                                    <a:rPr lang="pt-BR" i="1">
+                                      <a:latin typeface="Cambria Math" panose="02040503050406030204" pitchFamily="18" charset="0"/>
+                                    </a:rPr>
+                                  </m:ctrlPr>
+                                </m:dPr>
+                                <m:e>
+                                  <m:r>
+                                    <a:rPr lang="pt-BR" b="1" i="1">
+                                      <a:latin typeface="Cambria Math" panose="02040503050406030204" pitchFamily="18" charset="0"/>
+                                    </a:rPr>
+                                    <m:t>𝒙</m:t>
+                                  </m:r>
+                                  <m:d>
+                                    <m:dPr>
+                                      <m:ctrlPr>
+                                        <a:rPr lang="pt-BR" b="1" i="1">
+                                          <a:latin typeface="Cambria Math" panose="02040503050406030204" pitchFamily="18" charset="0"/>
+                                        </a:rPr>
+                                      </m:ctrlPr>
+                                    </m:dPr>
+                                    <m:e>
+                                      <m:r>
+                                        <a:rPr lang="pt-BR" i="1">
+                                          <a:latin typeface="Cambria Math" panose="02040503050406030204" pitchFamily="18" charset="0"/>
+                                        </a:rPr>
+                                        <m:t>𝑖</m:t>
+                                      </m:r>
+                                    </m:e>
+                                  </m:d>
+                                </m:e>
+                              </m:d>
+                            </m:e>
+                          </m:d>
+                          <m:sSup>
+                            <m:sSupPr>
+                              <m:ctrlPr>
+                                <a:rPr lang="pt-BR" i="1">
+                                  <a:latin typeface="Cambria Math" panose="02040503050406030204" pitchFamily="18" charset="0"/>
+                                </a:rPr>
+                              </m:ctrlPr>
+                            </m:sSupPr>
+                            <m:e>
+                              <m:r>
+                                <a:rPr lang="pt-BR" b="1" i="1">
+                                  <a:latin typeface="Cambria Math" panose="02040503050406030204" pitchFamily="18" charset="0"/>
+                                </a:rPr>
+                                <m:t>𝒙</m:t>
+                              </m:r>
+                              <m:d>
+                                <m:dPr>
+                                  <m:ctrlPr>
+                                    <a:rPr lang="pt-BR" b="1" i="1">
+                                      <a:latin typeface="Cambria Math" panose="02040503050406030204" pitchFamily="18" charset="0"/>
+                                    </a:rPr>
+                                  </m:ctrlPr>
+                                </m:dPr>
+                                <m:e>
+                                  <m:r>
+                                    <a:rPr lang="pt-BR" i="1">
+                                      <a:latin typeface="Cambria Math" panose="02040503050406030204" pitchFamily="18" charset="0"/>
+                                    </a:rPr>
+                                    <m:t>𝑖</m:t>
+                                  </m:r>
+                                </m:e>
+                              </m:d>
+                            </m:e>
+                            <m:sup>
+                              <m:r>
+                                <a:rPr lang="pt-BR" i="1">
+                                  <a:latin typeface="Cambria Math" panose="02040503050406030204" pitchFamily="18" charset="0"/>
+                                </a:rPr>
+                                <m:t>𝑇</m:t>
+                              </m:r>
+                            </m:sup>
+                          </m:sSup>
+                        </m:e>
+                      </m:nary>
+                      <m:r>
+                        <a:rPr lang="pt-BR" i="1">
+                          <a:latin typeface="Cambria Math" panose="02040503050406030204" pitchFamily="18" charset="0"/>
+                        </a:rPr>
+                        <m:t>=</m:t>
+                      </m:r>
+                      <m:sSup>
+                        <m:sSupPr>
+                          <m:ctrlPr>
+                            <a:rPr lang="pt-BR" i="1">
+                              <a:latin typeface="Cambria Math" panose="02040503050406030204" pitchFamily="18" charset="0"/>
+                            </a:rPr>
+                          </m:ctrlPr>
+                        </m:sSupPr>
+                        <m:e>
+                          <m:r>
+                            <a:rPr lang="pt-BR" i="1">
+                              <a:latin typeface="Cambria Math" panose="02040503050406030204" pitchFamily="18" charset="0"/>
+                            </a:rPr>
+                            <m:t>−</m:t>
+                          </m:r>
+                          <m:f>
+                            <m:fPr>
+                              <m:ctrlPr>
+                                <a:rPr lang="pt-BR" i="1">
+                                  <a:latin typeface="Cambria Math" panose="02040503050406030204" pitchFamily="18" charset="0"/>
+                                </a:rPr>
+                              </m:ctrlPr>
+                            </m:fPr>
+                            <m:num>
+                              <m:r>
+                                <a:rPr lang="pt-BR" i="1">
+                                  <a:latin typeface="Cambria Math" panose="02040503050406030204" pitchFamily="18" charset="0"/>
+                                </a:rPr>
+                                <m:t>1</m:t>
+                              </m:r>
+                            </m:num>
+                            <m:den>
+                              <m:r>
+                                <a:rPr lang="pt-BR" i="1">
+                                  <a:latin typeface="Cambria Math" panose="02040503050406030204" pitchFamily="18" charset="0"/>
+                                </a:rPr>
+                                <m:t>𝑁</m:t>
+                              </m:r>
+                            </m:den>
+                          </m:f>
+                          <m:r>
+                            <a:rPr lang="pt-BR" b="1" i="1">
+                              <a:latin typeface="Cambria Math" panose="02040503050406030204" pitchFamily="18" charset="0"/>
+                            </a:rPr>
+                            <m:t>𝑿</m:t>
+                          </m:r>
+                        </m:e>
+                        <m:sup>
+                          <m:r>
+                            <a:rPr lang="pt-BR" i="1">
+                              <a:latin typeface="Cambria Math" panose="02040503050406030204" pitchFamily="18" charset="0"/>
+                            </a:rPr>
+                            <m:t>𝑇</m:t>
+                          </m:r>
+                        </m:sup>
+                      </m:sSup>
+                      <m:d>
+                        <m:dPr>
+                          <m:ctrlPr>
+                            <a:rPr lang="pt-BR" i="1">
+                              <a:latin typeface="Cambria Math" panose="02040503050406030204" pitchFamily="18" charset="0"/>
+                            </a:rPr>
+                          </m:ctrlPr>
+                        </m:dPr>
+                        <m:e>
+                          <m:r>
+                            <a:rPr lang="pt-BR" b="1" i="1">
+                              <a:latin typeface="Cambria Math" panose="02040503050406030204" pitchFamily="18" charset="0"/>
+                            </a:rPr>
+                            <m:t>𝒚</m:t>
+                          </m:r>
+                          <m:r>
+                            <a:rPr lang="pt-BR" i="1">
+                              <a:latin typeface="Cambria Math" panose="02040503050406030204" pitchFamily="18" charset="0"/>
+                            </a:rPr>
+                            <m:t>−</m:t>
+                          </m:r>
+                          <m:acc>
+                            <m:accPr>
+                              <m:chr m:val="̂"/>
+                              <m:ctrlPr>
+                                <a:rPr lang="pt-BR" i="1">
+                                  <a:latin typeface="Cambria Math" panose="02040503050406030204" pitchFamily="18" charset="0"/>
+                                </a:rPr>
+                              </m:ctrlPr>
+                            </m:accPr>
+                            <m:e>
+                              <m:r>
+                                <a:rPr lang="pt-BR" b="1" i="1">
+                                  <a:latin typeface="Cambria Math" panose="02040503050406030204" pitchFamily="18" charset="0"/>
+                                </a:rPr>
+                                <m:t>𝒚</m:t>
+                              </m:r>
+                            </m:e>
+                          </m:acc>
+                        </m:e>
+                      </m:d>
+                      <m:r>
+                        <a:rPr lang="pt-BR" i="1">
+                          <a:latin typeface="Cambria Math" panose="02040503050406030204" pitchFamily="18" charset="0"/>
+                        </a:rPr>
+                        <m:t>,</m:t>
+                      </m:r>
+                    </m:oMath>
+                  </m:oMathPara>
+                </a14:m>
+                <a:endParaRPr lang="pt-BR" dirty="0"/>
+              </a:p>
+              <a:p>
+                <a:pPr marL="0" indent="0">
+                  <a:buNone/>
+                </a:pPr>
+                <a:r>
+                  <a:rPr lang="pt-BR" dirty="0"/>
+                  <a:t>onde </a:t>
+                </a:r>
+                <a14:m>
+                  <m:oMath xmlns:m="http://schemas.openxmlformats.org/officeDocument/2006/math">
+                    <m:r>
+                      <a:rPr lang="pt-BR" b="1" i="1">
+                        <a:latin typeface="Cambria Math" panose="02040503050406030204" pitchFamily="18" charset="0"/>
+                      </a:rPr>
+                      <m:t>𝑿</m:t>
+                    </m:r>
+                    <m:r>
+                      <a:rPr lang="pt-BR" b="1" i="1">
+                        <a:latin typeface="Cambria Math" panose="02040503050406030204" pitchFamily="18" charset="0"/>
+                      </a:rPr>
+                      <m:t>=</m:t>
+                    </m:r>
+                    <m:d>
+                      <m:dPr>
+                        <m:begChr m:val="["/>
+                        <m:endChr m:val="]"/>
+                        <m:ctrlPr>
+                          <a:rPr lang="pt-BR" b="1" i="1">
+                            <a:latin typeface="Cambria Math" panose="02040503050406030204" pitchFamily="18" charset="0"/>
+                          </a:rPr>
+                        </m:ctrlPr>
+                      </m:dPr>
+                      <m:e>
+                        <m:sSub>
+                          <m:sSubPr>
+                            <m:ctrlPr>
+                              <a:rPr lang="en-US" i="1">
+                                <a:latin typeface="Cambria Math" panose="02040503050406030204" pitchFamily="18" charset="0"/>
+                              </a:rPr>
+                            </m:ctrlPr>
+                          </m:sSubPr>
+                          <m:e>
+                            <m:r>
+                              <a:rPr lang="en-US" b="1" i="1">
+                                <a:latin typeface="Cambria Math" panose="02040503050406030204" pitchFamily="18" charset="0"/>
+                              </a:rPr>
+                              <m:t>𝒙</m:t>
+                            </m:r>
+                          </m:e>
+                          <m:sub>
+                            <m:r>
+                              <a:rPr lang="pt-BR" i="1">
+                                <a:latin typeface="Cambria Math" panose="02040503050406030204" pitchFamily="18" charset="0"/>
+                              </a:rPr>
+                              <m:t>0</m:t>
+                            </m:r>
+                          </m:sub>
+                        </m:sSub>
+                        <m:r>
+                          <a:rPr lang="pt-BR" b="1" i="1" smtClean="0">
+                            <a:latin typeface="Cambria Math" panose="02040503050406030204" pitchFamily="18" charset="0"/>
+                          </a:rPr>
+                          <m:t>,</m:t>
+                        </m:r>
+                        <m:sSubSup>
+                          <m:sSubSupPr>
+                            <m:ctrlPr>
+                              <a:rPr lang="pt-BR" i="1">
+                                <a:latin typeface="Cambria Math" panose="02040503050406030204" pitchFamily="18" charset="0"/>
+                              </a:rPr>
+                            </m:ctrlPr>
+                          </m:sSubSupPr>
+                          <m:e>
+                            <m:r>
+                              <a:rPr lang="pt-BR" b="1" i="1">
+                                <a:latin typeface="Cambria Math" panose="02040503050406030204" pitchFamily="18" charset="0"/>
+                              </a:rPr>
+                              <m:t>𝒙</m:t>
+                            </m:r>
+                          </m:e>
+                          <m:sub>
+                            <m:r>
+                              <a:rPr lang="pt-BR" i="1">
+                                <a:latin typeface="Cambria Math" panose="02040503050406030204" pitchFamily="18" charset="0"/>
+                              </a:rPr>
+                              <m:t>1</m:t>
+                            </m:r>
+                          </m:sub>
+                          <m:sup>
+                            <m:r>
+                              <a:rPr lang="pt-BR" i="1">
+                                <a:latin typeface="Cambria Math" panose="02040503050406030204" pitchFamily="18" charset="0"/>
+                              </a:rPr>
+                              <m:t>2</m:t>
+                            </m:r>
+                          </m:sup>
+                        </m:sSubSup>
+                        <m:r>
+                          <a:rPr lang="pt-BR" b="1" i="1" smtClean="0">
+                            <a:latin typeface="Cambria Math" panose="02040503050406030204" pitchFamily="18" charset="0"/>
+                          </a:rPr>
+                          <m:t>,</m:t>
+                        </m:r>
+                        <m:sSubSup>
+                          <m:sSubSupPr>
+                            <m:ctrlPr>
+                              <a:rPr lang="pt-BR" i="1">
+                                <a:latin typeface="Cambria Math" panose="02040503050406030204" pitchFamily="18" charset="0"/>
+                              </a:rPr>
+                            </m:ctrlPr>
+                          </m:sSubSupPr>
+                          <m:e>
+                            <m:r>
+                              <a:rPr lang="pt-BR" b="1" i="1">
+                                <a:latin typeface="Cambria Math" panose="02040503050406030204" pitchFamily="18" charset="0"/>
+                              </a:rPr>
+                              <m:t>𝒙</m:t>
+                            </m:r>
+                          </m:e>
+                          <m:sub>
+                            <m:r>
+                              <a:rPr lang="pt-BR" b="0" i="1" smtClean="0">
+                                <a:latin typeface="Cambria Math" panose="02040503050406030204" pitchFamily="18" charset="0"/>
+                              </a:rPr>
+                              <m:t>2</m:t>
+                            </m:r>
+                          </m:sub>
+                          <m:sup>
+                            <m:r>
+                              <a:rPr lang="pt-BR" b="0" i="1">
+                                <a:latin typeface="Cambria Math" panose="02040503050406030204" pitchFamily="18" charset="0"/>
+                              </a:rPr>
+                              <m:t>2</m:t>
+                            </m:r>
+                          </m:sup>
+                        </m:sSubSup>
+                      </m:e>
+                    </m:d>
+                  </m:oMath>
+                </a14:m>
+                <a:r>
+                  <a:rPr lang="pt-BR" dirty="0"/>
+                  <a:t> </a:t>
+                </a:r>
+                <a14:m>
+                  <m:oMath xmlns:m="http://schemas.openxmlformats.org/officeDocument/2006/math">
+                    <m:r>
+                      <a:rPr lang="pt-BR">
+                        <a:latin typeface="Cambria Math" panose="02040503050406030204" pitchFamily="18" charset="0"/>
+                      </a:rPr>
+                      <m:t>∈</m:t>
+                    </m:r>
+                    <m:sSup>
+                      <m:sSupPr>
+                        <m:ctrlPr>
+                          <a:rPr lang="pt-BR" i="1">
+                            <a:latin typeface="Cambria Math" panose="02040503050406030204" pitchFamily="18" charset="0"/>
+                          </a:rPr>
+                        </m:ctrlPr>
+                      </m:sSupPr>
+                      <m:e>
+                        <m:r>
+                          <a:rPr lang="pt-BR">
+                            <a:latin typeface="Cambria Math" panose="02040503050406030204" pitchFamily="18" charset="0"/>
+                          </a:rPr>
+                          <m:t>ℝ</m:t>
+                        </m:r>
+                      </m:e>
+                      <m:sup>
+                        <m:r>
+                          <m:rPr>
+                            <m:sty m:val="p"/>
+                          </m:rPr>
+                          <a:rPr lang="pt-BR">
+                            <a:latin typeface="Cambria Math" panose="02040503050406030204" pitchFamily="18" charset="0"/>
+                          </a:rPr>
+                          <m:t>N</m:t>
+                        </m:r>
+                        <m:r>
+                          <a:rPr lang="pt-BR">
+                            <a:latin typeface="Cambria Math" panose="02040503050406030204" pitchFamily="18" charset="0"/>
+                          </a:rPr>
+                          <m:t>×</m:t>
+                        </m:r>
+                        <m:r>
+                          <m:rPr>
+                            <m:sty m:val="p"/>
+                          </m:rPr>
+                          <a:rPr lang="pt-BR">
+                            <a:latin typeface="Cambria Math" panose="02040503050406030204" pitchFamily="18" charset="0"/>
+                          </a:rPr>
+                          <m:t>K</m:t>
+                        </m:r>
+                        <m:r>
+                          <a:rPr lang="pt-BR">
+                            <a:latin typeface="Cambria Math" panose="02040503050406030204" pitchFamily="18" charset="0"/>
+                          </a:rPr>
+                          <m:t>+1</m:t>
+                        </m:r>
+                      </m:sup>
+                    </m:sSup>
+                  </m:oMath>
+                </a14:m>
+                <a:r>
+                  <a:rPr lang="pt-BR" dirty="0"/>
+                  <a:t>, </a:t>
+                </a:r>
+                <a14:m>
+                  <m:oMath xmlns:m="http://schemas.openxmlformats.org/officeDocument/2006/math">
+                    <m:sSub>
+                      <m:sSubPr>
+                        <m:ctrlPr>
+                          <a:rPr lang="en-US" i="1">
+                            <a:latin typeface="Cambria Math" panose="02040503050406030204" pitchFamily="18" charset="0"/>
+                          </a:rPr>
+                        </m:ctrlPr>
+                      </m:sSubPr>
+                      <m:e>
+                        <m:r>
+                          <a:rPr lang="en-US" b="1" i="1">
+                            <a:latin typeface="Cambria Math" panose="02040503050406030204" pitchFamily="18" charset="0"/>
+                          </a:rPr>
+                          <m:t>𝒙</m:t>
+                        </m:r>
+                      </m:e>
+                      <m:sub>
+                        <m:r>
+                          <a:rPr lang="pt-BR" i="1">
+                            <a:latin typeface="Cambria Math" panose="02040503050406030204" pitchFamily="18" charset="0"/>
+                          </a:rPr>
+                          <m:t>0</m:t>
+                        </m:r>
+                      </m:sub>
+                    </m:sSub>
+                    <m:r>
+                      <a:rPr lang="pt-BR" b="1" i="1">
+                        <a:latin typeface="Cambria Math" panose="02040503050406030204" pitchFamily="18" charset="0"/>
+                      </a:rPr>
+                      <m:t>,</m:t>
+                    </m:r>
+                    <m:sSubSup>
+                      <m:sSubSupPr>
+                        <m:ctrlPr>
+                          <a:rPr lang="pt-BR" i="1">
+                            <a:latin typeface="Cambria Math" panose="02040503050406030204" pitchFamily="18" charset="0"/>
+                          </a:rPr>
+                        </m:ctrlPr>
+                      </m:sSubSupPr>
+                      <m:e>
+                        <m:r>
+                          <a:rPr lang="pt-BR" b="1" i="1">
+                            <a:latin typeface="Cambria Math" panose="02040503050406030204" pitchFamily="18" charset="0"/>
+                          </a:rPr>
+                          <m:t>𝒙</m:t>
+                        </m:r>
+                      </m:e>
+                      <m:sub>
+                        <m:r>
+                          <a:rPr lang="pt-BR" i="1">
+                            <a:latin typeface="Cambria Math" panose="02040503050406030204" pitchFamily="18" charset="0"/>
+                          </a:rPr>
+                          <m:t>1</m:t>
+                        </m:r>
+                      </m:sub>
+                      <m:sup>
+                        <m:r>
+                          <a:rPr lang="pt-BR" i="1">
+                            <a:latin typeface="Cambria Math" panose="02040503050406030204" pitchFamily="18" charset="0"/>
+                          </a:rPr>
+                          <m:t>2</m:t>
+                        </m:r>
+                      </m:sup>
+                    </m:sSubSup>
+                    <m:r>
+                      <a:rPr lang="pt-BR" b="1" i="1">
+                        <a:latin typeface="Cambria Math" panose="02040503050406030204" pitchFamily="18" charset="0"/>
+                      </a:rPr>
+                      <m:t>,</m:t>
+                    </m:r>
+                    <m:r>
+                      <a:rPr lang="pt-BR" b="0" i="0" smtClean="0">
+                        <a:latin typeface="Cambria Math" panose="02040503050406030204" pitchFamily="18" charset="0"/>
+                      </a:rPr>
+                      <m:t> </m:t>
+                    </m:r>
+                    <m:r>
+                      <m:rPr>
+                        <m:sty m:val="p"/>
+                      </m:rPr>
+                      <a:rPr lang="pt-BR" b="0" i="0" smtClean="0">
+                        <a:latin typeface="Cambria Math" panose="02040503050406030204" pitchFamily="18" charset="0"/>
+                      </a:rPr>
+                      <m:t>e</m:t>
+                    </m:r>
+                    <m:r>
+                      <a:rPr lang="pt-BR" b="0" i="0" smtClean="0">
+                        <a:latin typeface="Cambria Math" panose="02040503050406030204" pitchFamily="18" charset="0"/>
+                      </a:rPr>
+                      <m:t> </m:t>
+                    </m:r>
+                    <m:sSubSup>
+                      <m:sSubSupPr>
+                        <m:ctrlPr>
+                          <a:rPr lang="pt-BR" i="1">
+                            <a:latin typeface="Cambria Math" panose="02040503050406030204" pitchFamily="18" charset="0"/>
+                          </a:rPr>
+                        </m:ctrlPr>
+                      </m:sSubSupPr>
+                      <m:e>
+                        <m:r>
+                          <a:rPr lang="pt-BR" b="1" i="1">
+                            <a:latin typeface="Cambria Math" panose="02040503050406030204" pitchFamily="18" charset="0"/>
+                          </a:rPr>
+                          <m:t>𝒙</m:t>
+                        </m:r>
+                      </m:e>
+                      <m:sub>
+                        <m:r>
+                          <a:rPr lang="pt-BR" i="1">
+                            <a:latin typeface="Cambria Math" panose="02040503050406030204" pitchFamily="18" charset="0"/>
+                          </a:rPr>
+                          <m:t>2</m:t>
+                        </m:r>
+                      </m:sub>
+                      <m:sup>
+                        <m:r>
+                          <a:rPr lang="pt-BR" i="1">
+                            <a:latin typeface="Cambria Math" panose="02040503050406030204" pitchFamily="18" charset="0"/>
+                          </a:rPr>
+                          <m:t>2</m:t>
+                        </m:r>
+                      </m:sup>
+                    </m:sSubSup>
+                    <m:r>
+                      <a:rPr lang="pt-BR">
+                        <a:latin typeface="Cambria Math" panose="02040503050406030204" pitchFamily="18" charset="0"/>
+                      </a:rPr>
+                      <m:t>∈</m:t>
+                    </m:r>
+                    <m:sSup>
+                      <m:sSupPr>
+                        <m:ctrlPr>
+                          <a:rPr lang="pt-BR" i="1">
+                            <a:latin typeface="Cambria Math" panose="02040503050406030204" pitchFamily="18" charset="0"/>
+                          </a:rPr>
+                        </m:ctrlPr>
+                      </m:sSupPr>
+                      <m:e>
+                        <m:r>
+                          <a:rPr lang="pt-BR">
+                            <a:latin typeface="Cambria Math" panose="02040503050406030204" pitchFamily="18" charset="0"/>
+                          </a:rPr>
+                          <m:t>ℝ</m:t>
+                        </m:r>
+                      </m:e>
+                      <m:sup>
+                        <m:r>
+                          <m:rPr>
+                            <m:sty m:val="p"/>
+                          </m:rPr>
+                          <a:rPr lang="pt-BR">
+                            <a:latin typeface="Cambria Math" panose="02040503050406030204" pitchFamily="18" charset="0"/>
+                          </a:rPr>
+                          <m:t>N</m:t>
+                        </m:r>
+                        <m:r>
+                          <a:rPr lang="pt-BR">
+                            <a:latin typeface="Cambria Math" panose="02040503050406030204" pitchFamily="18" charset="0"/>
+                          </a:rPr>
+                          <m:t>×1</m:t>
+                        </m:r>
+                      </m:sup>
+                    </m:sSup>
+                  </m:oMath>
+                </a14:m>
+                <a:r>
+                  <a:rPr lang="pt-BR" dirty="0"/>
+                  <a:t> e </a:t>
+                </a:r>
+                <a14:m>
+                  <m:oMath xmlns:m="http://schemas.openxmlformats.org/officeDocument/2006/math">
+                    <m:r>
+                      <a:rPr lang="pt-BR">
+                        <a:latin typeface="Cambria Math" panose="02040503050406030204" pitchFamily="18" charset="0"/>
+                      </a:rPr>
+                      <m:t>𝒚</m:t>
+                    </m:r>
+                  </m:oMath>
+                </a14:m>
+                <a:r>
+                  <a:rPr lang="pt-BR" dirty="0"/>
+                  <a:t> e </a:t>
+                </a:r>
+                <a14:m>
+                  <m:oMath xmlns:m="http://schemas.openxmlformats.org/officeDocument/2006/math">
+                    <m:acc>
+                      <m:accPr>
+                        <m:chr m:val="̂"/>
+                        <m:ctrlPr>
+                          <a:rPr lang="pt-BR" i="1">
+                            <a:latin typeface="Cambria Math" panose="02040503050406030204" pitchFamily="18" charset="0"/>
+                          </a:rPr>
+                        </m:ctrlPr>
+                      </m:accPr>
+                      <m:e>
+                        <m:r>
+                          <a:rPr lang="pt-BR">
+                            <a:latin typeface="Cambria Math" panose="02040503050406030204" pitchFamily="18" charset="0"/>
+                          </a:rPr>
+                          <m:t>𝒚</m:t>
+                        </m:r>
+                      </m:e>
+                    </m:acc>
+                  </m:oMath>
+                </a14:m>
+                <a:r>
+                  <a:rPr lang="pt-BR" dirty="0"/>
+                  <a:t>  </a:t>
+                </a:r>
+                <a14:m>
+                  <m:oMath xmlns:m="http://schemas.openxmlformats.org/officeDocument/2006/math">
+                    <m:r>
+                      <a:rPr lang="pt-BR">
+                        <a:latin typeface="Cambria Math" panose="02040503050406030204" pitchFamily="18" charset="0"/>
+                      </a:rPr>
+                      <m:t>∈</m:t>
+                    </m:r>
+                    <m:sSup>
+                      <m:sSupPr>
+                        <m:ctrlPr>
+                          <a:rPr lang="pt-BR" i="1">
+                            <a:latin typeface="Cambria Math" panose="02040503050406030204" pitchFamily="18" charset="0"/>
+                          </a:rPr>
+                        </m:ctrlPr>
+                      </m:sSupPr>
+                      <m:e>
+                        <m:r>
+                          <a:rPr lang="pt-BR">
+                            <a:latin typeface="Cambria Math" panose="02040503050406030204" pitchFamily="18" charset="0"/>
+                          </a:rPr>
+                          <m:t>ℝ</m:t>
+                        </m:r>
+                      </m:e>
+                      <m:sup>
+                        <m:r>
+                          <m:rPr>
+                            <m:sty m:val="p"/>
+                          </m:rPr>
+                          <a:rPr lang="pt-BR">
+                            <a:latin typeface="Cambria Math" panose="02040503050406030204" pitchFamily="18" charset="0"/>
+                          </a:rPr>
+                          <m:t>N</m:t>
+                        </m:r>
+                        <m:r>
+                          <a:rPr lang="pt-BR">
+                            <a:latin typeface="Cambria Math" panose="02040503050406030204" pitchFamily="18" charset="0"/>
+                          </a:rPr>
+                          <m:t>×</m:t>
+                        </m:r>
+                        <m:r>
+                          <a:rPr lang="pt-BR">
+                            <a:latin typeface="Cambria Math" panose="02040503050406030204" pitchFamily="18" charset="0"/>
+                          </a:rPr>
+                          <m:t>𝟏</m:t>
+                        </m:r>
+                      </m:sup>
+                    </m:sSup>
+                  </m:oMath>
+                </a14:m>
+                <a:r>
+                  <a:rPr lang="pt-BR" dirty="0"/>
+                  <a:t>. </a:t>
+                </a:r>
+              </a:p>
+            </p:txBody>
+          </p:sp>
+        </mc:Choice>
+        <mc:Fallback xmlns="">
+          <p:sp>
+            <p:nvSpPr>
+              <p:cNvPr id="3" name="Content Placeholder 2"/>
+              <p:cNvSpPr>
+                <a:spLocks noGrp="1" noRot="1" noChangeAspect="1" noMove="1" noResize="1" noEditPoints="1" noAdjustHandles="1" noChangeArrowheads="1" noChangeShapeType="1" noTextEdit="1"/>
+              </p:cNvSpPr>
+              <p:nvPr>
+                <p:ph idx="1"/>
+              </p:nvPr>
+            </p:nvSpPr>
+            <p:spPr>
+              <a:xfrm>
+                <a:off x="838199" y="1825624"/>
+                <a:ext cx="11136087" cy="4821919"/>
+              </a:xfrm>
+              <a:blipFill rotWithShape="0">
+                <a:blip r:embed="rId2"/>
+                <a:stretch>
+                  <a:fillRect l="-1095" t="-2781" b="-1391"/>
+                </a:stretch>
+              </a:blipFill>
+            </p:spPr>
+            <p:txBody>
+              <a:bodyPr/>
+              <a:lstStyle/>
+              <a:p>
+                <a:r>
+                  <a:rPr lang="pt-BR">
+                    <a:noFill/>
+                  </a:rPr>
+                  <a:t> </a:t>
+                </a:r>
+              </a:p>
+            </p:txBody>
+          </p:sp>
+        </mc:Fallback>
+      </mc:AlternateContent>
+    </p:spTree>
+    <p:extLst>
+      <p:ext uri="{BB962C8B-B14F-4D97-AF65-F5344CB8AC3E}">
+        <p14:creationId xmlns:p14="http://schemas.microsoft.com/office/powerpoint/2010/main" val="1242690790"/>
+      </p:ext>
+    </p:extLst>
+  </p:cSld>
+  <p:clrMapOvr>
+    <a:masterClrMapping/>
+  </p:clrMapOvr>
+</p:sld>
+</file>
+
+<file path=ppt/slides/slide13.xml><?xml version="1.0" encoding="utf-8"?>
+<p:sld xmlns:a="http://schemas.openxmlformats.org/drawingml/2006/main" xmlns:r="http://schemas.openxmlformats.org/officeDocument/2006/relationships" xmlns:p="http://schemas.openxmlformats.org/presentationml/2006/main">
+  <p:cSld>
+    <p:spTree>
+      <p:nvGrpSpPr>
+        <p:cNvPr id="1" name=""/>
+        <p:cNvGrpSpPr/>
+        <p:nvPr/>
+      </p:nvGrpSpPr>
+      <p:grpSpPr>
+        <a:xfrm>
+          <a:off x="0" y="0"/>
+          <a:ext cx="0" cy="0"/>
+          <a:chOff x="0" y="0"/>
+          <a:chExt cx="0" cy="0"/>
+        </a:xfrm>
+      </p:grpSpPr>
+      <p:sp>
+        <p:nvSpPr>
+          <p:cNvPr id="2" name="Title 1"/>
+          <p:cNvSpPr>
+            <a:spLocks noGrp="1"/>
+          </p:cNvSpPr>
+          <p:nvPr>
+            <p:ph type="title"/>
+          </p:nvPr>
+        </p:nvSpPr>
+        <p:spPr/>
+        <p:txBody>
+          <a:bodyPr/>
+          <a:lstStyle/>
+          <a:p>
+            <a:r>
+              <a:rPr lang="pt-BR" dirty="0"/>
+              <a:t>Vetor Gradiente</a:t>
+            </a:r>
+            <a:endParaRPr lang="pt-BR" dirty="0"/>
+          </a:p>
+        </p:txBody>
+      </p:sp>
+      <mc:AlternateContent xmlns:mc="http://schemas.openxmlformats.org/markup-compatibility/2006">
+        <mc:Choice xmlns:a14="http://schemas.microsoft.com/office/drawing/2010/main" Requires="a14">
+          <p:sp>
+            <p:nvSpPr>
+              <p:cNvPr id="3" name="Content Placeholder 2"/>
+              <p:cNvSpPr>
+                <a:spLocks noGrp="1"/>
+              </p:cNvSpPr>
+              <p:nvPr>
+                <p:ph idx="1"/>
+              </p:nvPr>
+            </p:nvSpPr>
+            <p:spPr>
+              <a:xfrm>
+                <a:off x="838199" y="1825624"/>
+                <a:ext cx="10831287" cy="4821919"/>
+              </a:xfrm>
+            </p:spPr>
+            <p:txBody>
+              <a:bodyPr>
+                <a:normAutofit lnSpcReduction="10000"/>
+              </a:bodyPr>
+              <a:lstStyle/>
+              <a:p>
+                <a:r>
+                  <a:rPr lang="pt-BR" dirty="0"/>
+                  <a:t>O </a:t>
+                </a:r>
+                <a:r>
+                  <a:rPr lang="pt-BR" b="1" i="1" dirty="0"/>
+                  <a:t>vetor gradiente </a:t>
+                </a:r>
+                <a:r>
+                  <a:rPr lang="pt-BR" dirty="0"/>
+                  <a:t>da</a:t>
+                </a:r>
+                <a:r>
+                  <a:rPr lang="pt-BR" b="1" i="1" dirty="0"/>
+                  <a:t> função de erro médio</a:t>
+                </a:r>
+                <a:r>
+                  <a:rPr lang="pt-BR" dirty="0"/>
+                  <a:t> quando</a:t>
+                </a:r>
+                <a:r>
+                  <a:rPr lang="pt-BR" b="1" i="1" dirty="0"/>
+                  <a:t> </a:t>
+                </a:r>
+                <a14:m>
+                  <m:oMath xmlns:m="http://schemas.openxmlformats.org/officeDocument/2006/math">
+                    <m:r>
+                      <a:rPr lang="pt-BR" i="1">
+                        <a:latin typeface="Cambria Math" panose="02040503050406030204" pitchFamily="18" charset="0"/>
+                      </a:rPr>
+                      <m:t>𝑔</m:t>
+                    </m:r>
+                    <m:d>
+                      <m:dPr>
+                        <m:ctrlPr>
+                          <a:rPr lang="pt-BR" i="1">
+                            <a:latin typeface="Cambria Math" panose="02040503050406030204" pitchFamily="18" charset="0"/>
+                          </a:rPr>
+                        </m:ctrlPr>
+                      </m:dPr>
+                      <m:e>
+                        <m:r>
+                          <a:rPr lang="pt-BR" b="1" i="1">
+                            <a:latin typeface="Cambria Math" panose="02040503050406030204" pitchFamily="18" charset="0"/>
+                          </a:rPr>
+                          <m:t>𝒙</m:t>
+                        </m:r>
+                      </m:e>
+                    </m:d>
+                    <m:r>
+                      <a:rPr lang="pt-BR" b="1" i="1">
+                        <a:latin typeface="Cambria Math" panose="02040503050406030204" pitchFamily="18" charset="0"/>
+                      </a:rPr>
+                      <m:t>=</m:t>
+                    </m:r>
+                    <m:sSub>
+                      <m:sSubPr>
+                        <m:ctrlPr>
+                          <a:rPr lang="pt-BR" i="1" smtClean="0">
+                            <a:latin typeface="Cambria Math" panose="02040503050406030204" pitchFamily="18" charset="0"/>
+                          </a:rPr>
+                        </m:ctrlPr>
+                      </m:sSubPr>
+                      <m:e>
+                        <m:r>
+                          <a:rPr lang="pt-BR" b="0" i="1" smtClean="0">
+                            <a:latin typeface="Cambria Math" panose="02040503050406030204" pitchFamily="18" charset="0"/>
+                          </a:rPr>
+                          <m:t>𝑎</m:t>
+                        </m:r>
+                      </m:e>
+                      <m:sub>
+                        <m:r>
+                          <a:rPr lang="pt-BR" b="0" i="1" smtClean="0">
+                            <a:latin typeface="Cambria Math" panose="02040503050406030204" pitchFamily="18" charset="0"/>
+                          </a:rPr>
+                          <m:t>0</m:t>
+                        </m:r>
+                      </m:sub>
+                    </m:sSub>
+                    <m:r>
+                      <a:rPr lang="pt-BR" b="0" i="1" smtClean="0">
+                        <a:latin typeface="Cambria Math" panose="02040503050406030204" pitchFamily="18" charset="0"/>
+                      </a:rPr>
+                      <m:t>+</m:t>
+                    </m:r>
+                    <m:sSub>
+                      <m:sSubPr>
+                        <m:ctrlPr>
+                          <a:rPr lang="pt-BR" i="1">
+                            <a:latin typeface="Cambria Math" panose="02040503050406030204" pitchFamily="18" charset="0"/>
+                          </a:rPr>
+                        </m:ctrlPr>
+                      </m:sSubPr>
+                      <m:e>
+                        <m:r>
+                          <a:rPr lang="pt-BR" i="1">
+                            <a:latin typeface="Cambria Math" panose="02040503050406030204" pitchFamily="18" charset="0"/>
+                          </a:rPr>
+                          <m:t>𝑎</m:t>
+                        </m:r>
+                      </m:e>
+                      <m:sub>
+                        <m:r>
+                          <a:rPr lang="pt-BR" b="0" i="1" smtClean="0">
+                            <a:latin typeface="Cambria Math" panose="02040503050406030204" pitchFamily="18" charset="0"/>
+                          </a:rPr>
+                          <m:t>1</m:t>
+                        </m:r>
+                      </m:sub>
+                    </m:sSub>
+                    <m:sSub>
+                      <m:sSubPr>
+                        <m:ctrlPr>
+                          <a:rPr lang="pt-BR" i="1" smtClean="0">
+                            <a:latin typeface="Cambria Math" panose="02040503050406030204" pitchFamily="18" charset="0"/>
+                          </a:rPr>
+                        </m:ctrlPr>
+                      </m:sSubPr>
+                      <m:e>
+                        <m:r>
+                          <a:rPr lang="pt-BR" b="0" i="1" smtClean="0">
+                            <a:latin typeface="Cambria Math" panose="02040503050406030204" pitchFamily="18" charset="0"/>
+                          </a:rPr>
+                          <m:t>𝑥</m:t>
+                        </m:r>
+                      </m:e>
+                      <m:sub>
+                        <m:r>
+                          <a:rPr lang="pt-BR" b="0" i="1" smtClean="0">
+                            <a:latin typeface="Cambria Math" panose="02040503050406030204" pitchFamily="18" charset="0"/>
+                          </a:rPr>
+                          <m:t>1</m:t>
+                        </m:r>
+                      </m:sub>
+                    </m:sSub>
+                    <m:r>
+                      <a:rPr lang="pt-BR" b="0" i="1" smtClean="0">
+                        <a:latin typeface="Cambria Math" panose="02040503050406030204" pitchFamily="18" charset="0"/>
+                      </a:rPr>
+                      <m:t>∗</m:t>
+                    </m:r>
+                    <m:sSub>
+                      <m:sSubPr>
+                        <m:ctrlPr>
+                          <a:rPr lang="pt-BR" i="1">
+                            <a:latin typeface="Cambria Math" panose="02040503050406030204" pitchFamily="18" charset="0"/>
+                          </a:rPr>
+                        </m:ctrlPr>
+                      </m:sSubPr>
+                      <m:e>
+                        <m:r>
+                          <a:rPr lang="pt-BR" i="1">
+                            <a:latin typeface="Cambria Math" panose="02040503050406030204" pitchFamily="18" charset="0"/>
+                          </a:rPr>
+                          <m:t>𝑥</m:t>
+                        </m:r>
+                      </m:e>
+                      <m:sub>
+                        <m:r>
+                          <a:rPr lang="pt-BR" b="0" i="1" smtClean="0">
+                            <a:latin typeface="Cambria Math" panose="02040503050406030204" pitchFamily="18" charset="0"/>
+                          </a:rPr>
+                          <m:t>2</m:t>
+                        </m:r>
+                      </m:sub>
+                    </m:sSub>
+                  </m:oMath>
+                </a14:m>
+                <a:r>
+                  <a:rPr lang="pt-BR" dirty="0">
+                    <a:latin typeface="Cambria Math" panose="02040503050406030204" pitchFamily="18" charset="0"/>
+                  </a:rPr>
+                  <a:t> (equação de uma </a:t>
+                </a:r>
+                <a:r>
+                  <a:rPr lang="pt-BR" dirty="0"/>
+                  <a:t>hipérbole retangular</a:t>
+                </a:r>
+                <a:r>
+                  <a:rPr lang="pt-BR" dirty="0">
+                    <a:latin typeface="Cambria Math" panose="02040503050406030204" pitchFamily="18" charset="0"/>
+                  </a:rPr>
+                  <a:t>) é dado por</a:t>
+                </a:r>
+              </a:p>
+              <a:p>
+                <a:pPr marL="0" indent="0">
+                  <a:buNone/>
+                </a:pPr>
+                <a14:m>
+                  <m:oMathPara xmlns:m="http://schemas.openxmlformats.org/officeDocument/2006/math">
+                    <m:oMathParaPr>
+                      <m:jc m:val="centerGroup"/>
+                    </m:oMathParaPr>
+                    <m:oMath xmlns:m="http://schemas.openxmlformats.org/officeDocument/2006/math">
+                      <m:f>
+                        <m:fPr>
+                          <m:ctrlPr>
+                            <a:rPr lang="pt-BR" i="1">
+                              <a:latin typeface="Cambria Math" panose="02040503050406030204" pitchFamily="18" charset="0"/>
+                            </a:rPr>
+                          </m:ctrlPr>
+                        </m:fPr>
+                        <m:num>
+                          <m:r>
+                            <a:rPr lang="pt-BR" i="1">
+                              <a:latin typeface="Cambria Math" panose="02040503050406030204" pitchFamily="18" charset="0"/>
+                            </a:rPr>
+                            <m:t>𝜕</m:t>
+                          </m:r>
+                          <m:sSub>
+                            <m:sSubPr>
+                              <m:ctrlPr>
+                                <a:rPr lang="pt-BR" i="1">
+                                  <a:latin typeface="Cambria Math" panose="02040503050406030204" pitchFamily="18" charset="0"/>
+                                </a:rPr>
+                              </m:ctrlPr>
+                            </m:sSubPr>
+                            <m:e>
+                              <m:r>
+                                <a:rPr lang="pt-BR" i="1">
+                                  <a:latin typeface="Cambria Math" panose="02040503050406030204" pitchFamily="18" charset="0"/>
+                                </a:rPr>
+                                <m:t>𝐽</m:t>
+                              </m:r>
+                            </m:e>
+                            <m:sub>
+                              <m:r>
+                                <a:rPr lang="pt-BR" i="1">
+                                  <a:latin typeface="Cambria Math" panose="02040503050406030204" pitchFamily="18" charset="0"/>
+                                </a:rPr>
+                                <m:t>𝑒</m:t>
+                              </m:r>
+                            </m:sub>
+                          </m:sSub>
+                          <m:d>
+                            <m:dPr>
+                              <m:ctrlPr>
+                                <a:rPr lang="pt-BR" i="1">
+                                  <a:latin typeface="Cambria Math" panose="02040503050406030204" pitchFamily="18" charset="0"/>
+                                </a:rPr>
+                              </m:ctrlPr>
+                            </m:dPr>
+                            <m:e>
+                              <m:r>
+                                <a:rPr lang="pt-BR" b="1" i="1">
+                                  <a:latin typeface="Cambria Math" panose="02040503050406030204" pitchFamily="18" charset="0"/>
+                                </a:rPr>
+                                <m:t>𝒂</m:t>
+                              </m:r>
+                            </m:e>
+                          </m:d>
+                        </m:num>
+                        <m:den>
+                          <m:r>
+                            <a:rPr lang="pt-BR" i="1">
+                              <a:latin typeface="Cambria Math" panose="02040503050406030204" pitchFamily="18" charset="0"/>
+                            </a:rPr>
+                            <m:t>𝜕</m:t>
+                          </m:r>
+                          <m:r>
+                            <a:rPr lang="pt-BR" b="1" i="1">
+                              <a:latin typeface="Cambria Math" panose="02040503050406030204" pitchFamily="18" charset="0"/>
+                            </a:rPr>
+                            <m:t>𝒂</m:t>
+                          </m:r>
+                        </m:den>
+                      </m:f>
+                      <m:r>
+                        <a:rPr lang="pt-BR" b="1" i="1">
+                          <a:latin typeface="Cambria Math" panose="02040503050406030204" pitchFamily="18" charset="0"/>
+                        </a:rPr>
+                        <m:t>=</m:t>
+                      </m:r>
+                      <m:r>
+                        <a:rPr lang="pt-BR" i="1">
+                          <a:latin typeface="Cambria Math" panose="02040503050406030204" pitchFamily="18" charset="0"/>
+                        </a:rPr>
+                        <m:t>−</m:t>
+                      </m:r>
+                      <m:f>
+                        <m:fPr>
+                          <m:ctrlPr>
+                            <a:rPr lang="pt-BR" i="1">
+                              <a:latin typeface="Cambria Math" panose="02040503050406030204" pitchFamily="18" charset="0"/>
+                            </a:rPr>
+                          </m:ctrlPr>
+                        </m:fPr>
+                        <m:num>
+                          <m:r>
+                            <a:rPr lang="pt-BR" i="1">
+                              <a:latin typeface="Cambria Math" panose="02040503050406030204" pitchFamily="18" charset="0"/>
+                            </a:rPr>
+                            <m:t>1</m:t>
+                          </m:r>
+                        </m:num>
+                        <m:den>
+                          <m:r>
+                            <a:rPr lang="pt-BR" i="1">
+                              <a:latin typeface="Cambria Math" panose="02040503050406030204" pitchFamily="18" charset="0"/>
+                            </a:rPr>
+                            <m:t>𝑁</m:t>
+                          </m:r>
+                        </m:den>
+                      </m:f>
+                      <m:nary>
+                        <m:naryPr>
+                          <m:chr m:val="∑"/>
+                          <m:ctrlPr>
+                            <a:rPr lang="pt-BR" i="1">
+                              <a:latin typeface="Cambria Math" panose="02040503050406030204" pitchFamily="18" charset="0"/>
+                            </a:rPr>
+                          </m:ctrlPr>
+                        </m:naryPr>
+                        <m:sub>
+                          <m:r>
+                            <m:rPr>
+                              <m:brk m:alnAt="23"/>
+                            </m:rPr>
+                            <a:rPr lang="pt-BR" i="1">
+                              <a:latin typeface="Cambria Math" panose="02040503050406030204" pitchFamily="18" charset="0"/>
+                            </a:rPr>
+                            <m:t>𝑖</m:t>
+                          </m:r>
+                          <m:r>
+                            <a:rPr lang="pt-BR" i="1">
+                              <a:latin typeface="Cambria Math" panose="02040503050406030204" pitchFamily="18" charset="0"/>
+                            </a:rPr>
+                            <m:t>=0</m:t>
+                          </m:r>
+                        </m:sub>
+                        <m:sup>
+                          <m:r>
+                            <a:rPr lang="pt-BR" i="1">
+                              <a:latin typeface="Cambria Math" panose="02040503050406030204" pitchFamily="18" charset="0"/>
+                            </a:rPr>
+                            <m:t>𝑁</m:t>
+                          </m:r>
+                          <m:r>
+                            <a:rPr lang="pt-BR" i="1">
+                              <a:latin typeface="Cambria Math" panose="02040503050406030204" pitchFamily="18" charset="0"/>
+                            </a:rPr>
+                            <m:t>−1</m:t>
+                          </m:r>
+                        </m:sup>
+                        <m:e>
+                          <m:d>
+                            <m:dPr>
+                              <m:begChr m:val="["/>
+                              <m:endChr m:val="]"/>
+                              <m:ctrlPr>
+                                <a:rPr lang="pt-BR" i="1">
+                                  <a:latin typeface="Cambria Math" panose="02040503050406030204" pitchFamily="18" charset="0"/>
+                                </a:rPr>
+                              </m:ctrlPr>
+                            </m:dPr>
+                            <m:e>
+                              <m:r>
+                                <a:rPr lang="pt-BR" i="1">
+                                  <a:latin typeface="Cambria Math" panose="02040503050406030204" pitchFamily="18" charset="0"/>
+                                </a:rPr>
+                                <m:t>𝑦</m:t>
+                              </m:r>
+                              <m:d>
+                                <m:dPr>
+                                  <m:ctrlPr>
+                                    <a:rPr lang="pt-BR" i="1">
+                                      <a:latin typeface="Cambria Math" panose="02040503050406030204" pitchFamily="18" charset="0"/>
+                                    </a:rPr>
+                                  </m:ctrlPr>
+                                </m:dPr>
+                                <m:e>
+                                  <m:r>
+                                    <a:rPr lang="pt-BR" i="1">
+                                      <a:latin typeface="Cambria Math" panose="02040503050406030204" pitchFamily="18" charset="0"/>
+                                    </a:rPr>
+                                    <m:t>𝑖</m:t>
+                                  </m:r>
+                                </m:e>
+                              </m:d>
+                              <m:r>
+                                <a:rPr lang="pt-BR" i="1">
+                                  <a:latin typeface="Cambria Math" panose="02040503050406030204" pitchFamily="18" charset="0"/>
+                                </a:rPr>
+                                <m:t>−</m:t>
+                              </m:r>
+                              <m:sSub>
+                                <m:sSubPr>
+                                  <m:ctrlPr>
+                                    <a:rPr lang="pt-BR" i="1">
+                                      <a:latin typeface="Cambria Math" panose="02040503050406030204" pitchFamily="18" charset="0"/>
+                                    </a:rPr>
+                                  </m:ctrlPr>
+                                </m:sSubPr>
+                                <m:e>
+                                  <m:r>
+                                    <a:rPr lang="pt-BR" i="1">
+                                      <a:latin typeface="Cambria Math" panose="02040503050406030204" pitchFamily="18" charset="0"/>
+                                    </a:rPr>
+                                    <m:t>h</m:t>
+                                  </m:r>
+                                </m:e>
+                                <m:sub>
+                                  <m:r>
+                                    <a:rPr lang="pt-BR" b="1" i="1">
+                                      <a:latin typeface="Cambria Math" panose="02040503050406030204" pitchFamily="18" charset="0"/>
+                                    </a:rPr>
+                                    <m:t>𝒂</m:t>
+                                  </m:r>
+                                </m:sub>
+                              </m:sSub>
+                              <m:d>
+                                <m:dPr>
+                                  <m:ctrlPr>
+                                    <a:rPr lang="pt-BR" i="1">
+                                      <a:latin typeface="Cambria Math" panose="02040503050406030204" pitchFamily="18" charset="0"/>
+                                    </a:rPr>
+                                  </m:ctrlPr>
+                                </m:dPr>
+                                <m:e>
+                                  <m:r>
+                                    <a:rPr lang="pt-BR" b="1" i="1">
+                                      <a:latin typeface="Cambria Math" panose="02040503050406030204" pitchFamily="18" charset="0"/>
+                                    </a:rPr>
+                                    <m:t>𝒙</m:t>
+                                  </m:r>
+                                  <m:d>
+                                    <m:dPr>
+                                      <m:ctrlPr>
+                                        <a:rPr lang="pt-BR" b="1" i="1">
+                                          <a:latin typeface="Cambria Math" panose="02040503050406030204" pitchFamily="18" charset="0"/>
+                                        </a:rPr>
+                                      </m:ctrlPr>
+                                    </m:dPr>
+                                    <m:e>
+                                      <m:r>
+                                        <a:rPr lang="pt-BR" i="1">
+                                          <a:latin typeface="Cambria Math" panose="02040503050406030204" pitchFamily="18" charset="0"/>
+                                        </a:rPr>
+                                        <m:t>𝑖</m:t>
+                                      </m:r>
+                                    </m:e>
+                                  </m:d>
+                                </m:e>
+                              </m:d>
+                            </m:e>
+                          </m:d>
+                          <m:sSup>
+                            <m:sSupPr>
+                              <m:ctrlPr>
+                                <a:rPr lang="pt-BR" i="1">
+                                  <a:latin typeface="Cambria Math" panose="02040503050406030204" pitchFamily="18" charset="0"/>
+                                </a:rPr>
+                              </m:ctrlPr>
+                            </m:sSupPr>
+                            <m:e>
+                              <m:r>
+                                <a:rPr lang="pt-BR" b="1" i="1">
+                                  <a:latin typeface="Cambria Math" panose="02040503050406030204" pitchFamily="18" charset="0"/>
+                                </a:rPr>
+                                <m:t>𝒙</m:t>
+                              </m:r>
+                              <m:d>
+                                <m:dPr>
+                                  <m:ctrlPr>
+                                    <a:rPr lang="pt-BR" b="1" i="1">
+                                      <a:latin typeface="Cambria Math" panose="02040503050406030204" pitchFamily="18" charset="0"/>
+                                    </a:rPr>
+                                  </m:ctrlPr>
+                                </m:dPr>
+                                <m:e>
+                                  <m:r>
+                                    <a:rPr lang="pt-BR" i="1">
+                                      <a:latin typeface="Cambria Math" panose="02040503050406030204" pitchFamily="18" charset="0"/>
+                                    </a:rPr>
+                                    <m:t>𝑖</m:t>
+                                  </m:r>
+                                </m:e>
+                              </m:d>
+                            </m:e>
+                            <m:sup>
+                              <m:r>
+                                <a:rPr lang="pt-BR" i="1">
+                                  <a:latin typeface="Cambria Math" panose="02040503050406030204" pitchFamily="18" charset="0"/>
+                                </a:rPr>
+                                <m:t>𝑇</m:t>
+                              </m:r>
+                            </m:sup>
+                          </m:sSup>
+                        </m:e>
+                      </m:nary>
+                      <m:r>
+                        <a:rPr lang="pt-BR" i="1">
+                          <a:latin typeface="Cambria Math" panose="02040503050406030204" pitchFamily="18" charset="0"/>
+                        </a:rPr>
+                        <m:t>=</m:t>
+                      </m:r>
+                      <m:sSup>
+                        <m:sSupPr>
+                          <m:ctrlPr>
+                            <a:rPr lang="pt-BR" i="1">
+                              <a:latin typeface="Cambria Math" panose="02040503050406030204" pitchFamily="18" charset="0"/>
+                            </a:rPr>
+                          </m:ctrlPr>
+                        </m:sSupPr>
+                        <m:e>
+                          <m:r>
+                            <a:rPr lang="pt-BR" i="1">
+                              <a:latin typeface="Cambria Math" panose="02040503050406030204" pitchFamily="18" charset="0"/>
+                            </a:rPr>
+                            <m:t>−</m:t>
+                          </m:r>
+                          <m:f>
+                            <m:fPr>
+                              <m:ctrlPr>
+                                <a:rPr lang="pt-BR" i="1">
+                                  <a:latin typeface="Cambria Math" panose="02040503050406030204" pitchFamily="18" charset="0"/>
+                                </a:rPr>
+                              </m:ctrlPr>
+                            </m:fPr>
+                            <m:num>
+                              <m:r>
+                                <a:rPr lang="pt-BR" i="1">
+                                  <a:latin typeface="Cambria Math" panose="02040503050406030204" pitchFamily="18" charset="0"/>
+                                </a:rPr>
+                                <m:t>1</m:t>
+                              </m:r>
+                            </m:num>
+                            <m:den>
+                              <m:r>
+                                <a:rPr lang="pt-BR" i="1">
+                                  <a:latin typeface="Cambria Math" panose="02040503050406030204" pitchFamily="18" charset="0"/>
+                                </a:rPr>
+                                <m:t>𝑁</m:t>
+                              </m:r>
+                            </m:den>
+                          </m:f>
+                          <m:r>
+                            <a:rPr lang="pt-BR" b="1" i="1">
+                              <a:latin typeface="Cambria Math" panose="02040503050406030204" pitchFamily="18" charset="0"/>
+                            </a:rPr>
+                            <m:t>𝑿</m:t>
+                          </m:r>
+                        </m:e>
+                        <m:sup>
+                          <m:r>
+                            <a:rPr lang="pt-BR" i="1">
+                              <a:latin typeface="Cambria Math" panose="02040503050406030204" pitchFamily="18" charset="0"/>
+                            </a:rPr>
+                            <m:t>𝑇</m:t>
+                          </m:r>
+                        </m:sup>
+                      </m:sSup>
+                      <m:d>
+                        <m:dPr>
+                          <m:ctrlPr>
+                            <a:rPr lang="pt-BR" i="1">
+                              <a:latin typeface="Cambria Math" panose="02040503050406030204" pitchFamily="18" charset="0"/>
+                            </a:rPr>
+                          </m:ctrlPr>
+                        </m:dPr>
+                        <m:e>
+                          <m:r>
+                            <a:rPr lang="pt-BR" b="1" i="1">
+                              <a:latin typeface="Cambria Math" panose="02040503050406030204" pitchFamily="18" charset="0"/>
+                            </a:rPr>
+                            <m:t>𝒚</m:t>
+                          </m:r>
+                          <m:r>
+                            <a:rPr lang="pt-BR" i="1">
+                              <a:latin typeface="Cambria Math" panose="02040503050406030204" pitchFamily="18" charset="0"/>
+                            </a:rPr>
+                            <m:t>−</m:t>
+                          </m:r>
+                          <m:acc>
+                            <m:accPr>
+                              <m:chr m:val="̂"/>
+                              <m:ctrlPr>
+                                <a:rPr lang="pt-BR" i="1">
+                                  <a:latin typeface="Cambria Math" panose="02040503050406030204" pitchFamily="18" charset="0"/>
+                                </a:rPr>
+                              </m:ctrlPr>
+                            </m:accPr>
+                            <m:e>
+                              <m:r>
+                                <a:rPr lang="pt-BR" b="1" i="1">
+                                  <a:latin typeface="Cambria Math" panose="02040503050406030204" pitchFamily="18" charset="0"/>
+                                </a:rPr>
+                                <m:t>𝒚</m:t>
+                              </m:r>
+                            </m:e>
+                          </m:acc>
+                        </m:e>
+                      </m:d>
+                      <m:r>
+                        <a:rPr lang="pt-BR" i="1">
+                          <a:latin typeface="Cambria Math" panose="02040503050406030204" pitchFamily="18" charset="0"/>
+                        </a:rPr>
+                        <m:t>,</m:t>
+                      </m:r>
+                    </m:oMath>
+                  </m:oMathPara>
+                </a14:m>
+                <a:endParaRPr lang="pt-BR" dirty="0"/>
+              </a:p>
+              <a:p>
+                <a:pPr marL="0" indent="0">
+                  <a:buNone/>
+                </a:pPr>
+                <a:r>
+                  <a:rPr lang="pt-BR" dirty="0"/>
+                  <a:t>onde </a:t>
+                </a:r>
+                <a14:m>
+                  <m:oMath xmlns:m="http://schemas.openxmlformats.org/officeDocument/2006/math">
+                    <m:r>
+                      <a:rPr lang="pt-BR" b="1" i="1">
+                        <a:latin typeface="Cambria Math" panose="02040503050406030204" pitchFamily="18" charset="0"/>
+                      </a:rPr>
+                      <m:t>𝑿</m:t>
+                    </m:r>
+                    <m:r>
+                      <a:rPr lang="pt-BR" b="1" i="1">
+                        <a:latin typeface="Cambria Math" panose="02040503050406030204" pitchFamily="18" charset="0"/>
+                      </a:rPr>
+                      <m:t>=</m:t>
+                    </m:r>
+                    <m:d>
+                      <m:dPr>
+                        <m:begChr m:val="["/>
+                        <m:endChr m:val="]"/>
+                        <m:ctrlPr>
+                          <a:rPr lang="pt-BR" b="1" i="1">
+                            <a:latin typeface="Cambria Math" panose="02040503050406030204" pitchFamily="18" charset="0"/>
+                          </a:rPr>
+                        </m:ctrlPr>
+                      </m:dPr>
+                      <m:e>
+                        <m:sSub>
+                          <m:sSubPr>
+                            <m:ctrlPr>
+                              <a:rPr lang="en-US" i="1">
+                                <a:latin typeface="Cambria Math" panose="02040503050406030204" pitchFamily="18" charset="0"/>
+                              </a:rPr>
+                            </m:ctrlPr>
+                          </m:sSubPr>
+                          <m:e>
+                            <m:r>
+                              <a:rPr lang="en-US" b="1" i="1">
+                                <a:latin typeface="Cambria Math" panose="02040503050406030204" pitchFamily="18" charset="0"/>
+                              </a:rPr>
+                              <m:t>𝒙</m:t>
+                            </m:r>
+                          </m:e>
+                          <m:sub>
+                            <m:r>
+                              <a:rPr lang="pt-BR" i="1">
+                                <a:latin typeface="Cambria Math" panose="02040503050406030204" pitchFamily="18" charset="0"/>
+                              </a:rPr>
+                              <m:t>0</m:t>
+                            </m:r>
+                          </m:sub>
+                        </m:sSub>
+                        <m:r>
+                          <a:rPr lang="pt-BR" b="1" i="1" smtClean="0">
+                            <a:latin typeface="Cambria Math" panose="02040503050406030204" pitchFamily="18" charset="0"/>
+                          </a:rPr>
+                          <m:t>,</m:t>
+                        </m:r>
+                        <m:sSub>
+                          <m:sSubPr>
+                            <m:ctrlPr>
+                              <a:rPr lang="en-US" i="1" smtClean="0">
+                                <a:latin typeface="Cambria Math" panose="02040503050406030204" pitchFamily="18" charset="0"/>
+                              </a:rPr>
+                            </m:ctrlPr>
+                          </m:sSubPr>
+                          <m:e>
+                            <m:r>
+                              <a:rPr lang="en-US" b="1" i="1">
+                                <a:latin typeface="Cambria Math" panose="02040503050406030204" pitchFamily="18" charset="0"/>
+                              </a:rPr>
+                              <m:t>𝒙</m:t>
+                            </m:r>
+                          </m:e>
+                          <m:sub>
+                            <m:r>
+                              <a:rPr lang="pt-BR" b="0" i="1" smtClean="0">
+                                <a:latin typeface="Cambria Math" panose="02040503050406030204" pitchFamily="18" charset="0"/>
+                              </a:rPr>
+                              <m:t>1</m:t>
+                            </m:r>
+                          </m:sub>
+                        </m:sSub>
+                        <m:r>
+                          <a:rPr lang="pt-BR" i="1">
+                            <a:latin typeface="Cambria Math" panose="02040503050406030204" pitchFamily="18" charset="0"/>
+                            <a:ea typeface="Cambria Math" panose="02040503050406030204" pitchFamily="18" charset="0"/>
+                          </a:rPr>
+                          <m:t>⨀</m:t>
+                        </m:r>
+                        <m:sSub>
+                          <m:sSubPr>
+                            <m:ctrlPr>
+                              <a:rPr lang="en-US" i="1">
+                                <a:latin typeface="Cambria Math" panose="02040503050406030204" pitchFamily="18" charset="0"/>
+                              </a:rPr>
+                            </m:ctrlPr>
+                          </m:sSubPr>
+                          <m:e>
+                            <m:r>
+                              <a:rPr lang="en-US" b="1" i="1">
+                                <a:latin typeface="Cambria Math" panose="02040503050406030204" pitchFamily="18" charset="0"/>
+                              </a:rPr>
+                              <m:t>𝒙</m:t>
+                            </m:r>
+                          </m:e>
+                          <m:sub>
+                            <m:r>
+                              <a:rPr lang="pt-BR" b="0" i="1" smtClean="0">
+                                <a:latin typeface="Cambria Math" panose="02040503050406030204" pitchFamily="18" charset="0"/>
+                              </a:rPr>
+                              <m:t>2</m:t>
+                            </m:r>
+                          </m:sub>
+                        </m:sSub>
+                      </m:e>
+                    </m:d>
+                  </m:oMath>
+                </a14:m>
+                <a:r>
+                  <a:rPr lang="pt-BR" dirty="0"/>
+                  <a:t> </a:t>
+                </a:r>
+                <a14:m>
+                  <m:oMath xmlns:m="http://schemas.openxmlformats.org/officeDocument/2006/math">
+                    <m:r>
+                      <a:rPr lang="pt-BR">
+                        <a:latin typeface="Cambria Math" panose="02040503050406030204" pitchFamily="18" charset="0"/>
+                      </a:rPr>
+                      <m:t>∈</m:t>
+                    </m:r>
+                    <m:sSup>
+                      <m:sSupPr>
+                        <m:ctrlPr>
+                          <a:rPr lang="pt-BR" i="1">
+                            <a:latin typeface="Cambria Math" panose="02040503050406030204" pitchFamily="18" charset="0"/>
+                          </a:rPr>
+                        </m:ctrlPr>
+                      </m:sSupPr>
+                      <m:e>
+                        <m:r>
+                          <a:rPr lang="pt-BR">
+                            <a:latin typeface="Cambria Math" panose="02040503050406030204" pitchFamily="18" charset="0"/>
+                          </a:rPr>
+                          <m:t>ℝ</m:t>
+                        </m:r>
+                      </m:e>
+                      <m:sup>
+                        <m:r>
+                          <m:rPr>
+                            <m:sty m:val="p"/>
+                          </m:rPr>
+                          <a:rPr lang="pt-BR">
+                            <a:latin typeface="Cambria Math" panose="02040503050406030204" pitchFamily="18" charset="0"/>
+                          </a:rPr>
+                          <m:t>N</m:t>
+                        </m:r>
+                        <m:r>
+                          <a:rPr lang="pt-BR">
+                            <a:latin typeface="Cambria Math" panose="02040503050406030204" pitchFamily="18" charset="0"/>
+                          </a:rPr>
+                          <m:t>×</m:t>
+                        </m:r>
+                        <m:r>
+                          <m:rPr>
+                            <m:sty m:val="p"/>
+                          </m:rPr>
+                          <a:rPr lang="pt-BR">
+                            <a:latin typeface="Cambria Math" panose="02040503050406030204" pitchFamily="18" charset="0"/>
+                          </a:rPr>
+                          <m:t>K</m:t>
+                        </m:r>
+                        <m:r>
+                          <a:rPr lang="pt-BR">
+                            <a:latin typeface="Cambria Math" panose="02040503050406030204" pitchFamily="18" charset="0"/>
+                          </a:rPr>
+                          <m:t>+1</m:t>
+                        </m:r>
+                      </m:sup>
+                    </m:sSup>
+                  </m:oMath>
+                </a14:m>
+                <a:r>
+                  <a:rPr lang="pt-BR" dirty="0"/>
+                  <a:t>, </a:t>
+                </a:r>
+                <a14:m>
+                  <m:oMath xmlns:m="http://schemas.openxmlformats.org/officeDocument/2006/math">
+                    <m:sSub>
+                      <m:sSubPr>
+                        <m:ctrlPr>
+                          <a:rPr lang="en-US" i="1">
+                            <a:latin typeface="Cambria Math" panose="02040503050406030204" pitchFamily="18" charset="0"/>
+                          </a:rPr>
+                        </m:ctrlPr>
+                      </m:sSubPr>
+                      <m:e>
+                        <m:r>
+                          <a:rPr lang="en-US" b="1" i="1">
+                            <a:latin typeface="Cambria Math" panose="02040503050406030204" pitchFamily="18" charset="0"/>
+                          </a:rPr>
+                          <m:t>𝒙</m:t>
+                        </m:r>
+                      </m:e>
+                      <m:sub>
+                        <m:r>
+                          <a:rPr lang="pt-BR" i="1">
+                            <a:latin typeface="Cambria Math" panose="02040503050406030204" pitchFamily="18" charset="0"/>
+                          </a:rPr>
+                          <m:t>0</m:t>
+                        </m:r>
+                      </m:sub>
+                    </m:sSub>
+                    <m:r>
+                      <a:rPr lang="pt-BR" b="1" i="1">
+                        <a:latin typeface="Cambria Math" panose="02040503050406030204" pitchFamily="18" charset="0"/>
+                      </a:rPr>
+                      <m:t>,</m:t>
+                    </m:r>
+                    <m:sSub>
+                      <m:sSubPr>
+                        <m:ctrlPr>
+                          <a:rPr lang="en-US" i="1">
+                            <a:latin typeface="Cambria Math" panose="02040503050406030204" pitchFamily="18" charset="0"/>
+                          </a:rPr>
+                        </m:ctrlPr>
+                      </m:sSubPr>
+                      <m:e>
+                        <m:r>
+                          <a:rPr lang="en-US" b="1" i="1">
+                            <a:latin typeface="Cambria Math" panose="02040503050406030204" pitchFamily="18" charset="0"/>
+                          </a:rPr>
+                          <m:t>𝒙</m:t>
+                        </m:r>
+                      </m:e>
+                      <m:sub>
+                        <m:r>
+                          <a:rPr lang="pt-BR" i="1">
+                            <a:latin typeface="Cambria Math" panose="02040503050406030204" pitchFamily="18" charset="0"/>
+                          </a:rPr>
+                          <m:t>1</m:t>
+                        </m:r>
+                      </m:sub>
+                    </m:sSub>
+                    <m:r>
+                      <a:rPr lang="pt-BR" b="0" i="1" smtClean="0">
+                        <a:latin typeface="Cambria Math" panose="02040503050406030204" pitchFamily="18" charset="0"/>
+                      </a:rPr>
+                      <m:t>,</m:t>
+                    </m:r>
+                    <m:sSub>
+                      <m:sSubPr>
+                        <m:ctrlPr>
+                          <a:rPr lang="en-US" i="1">
+                            <a:latin typeface="Cambria Math" panose="02040503050406030204" pitchFamily="18" charset="0"/>
+                          </a:rPr>
+                        </m:ctrlPr>
+                      </m:sSubPr>
+                      <m:e>
+                        <m:r>
+                          <a:rPr lang="en-US" b="1" i="1">
+                            <a:latin typeface="Cambria Math" panose="02040503050406030204" pitchFamily="18" charset="0"/>
+                          </a:rPr>
+                          <m:t>𝒙</m:t>
+                        </m:r>
+                      </m:e>
+                      <m:sub>
+                        <m:r>
+                          <a:rPr lang="pt-BR" i="1">
+                            <a:latin typeface="Cambria Math" panose="02040503050406030204" pitchFamily="18" charset="0"/>
+                          </a:rPr>
+                          <m:t>2</m:t>
+                        </m:r>
+                      </m:sub>
+                    </m:sSub>
+                    <m:r>
+                      <a:rPr lang="pt-BR" b="0" i="0" smtClean="0">
+                        <a:latin typeface="Cambria Math" panose="02040503050406030204" pitchFamily="18" charset="0"/>
+                      </a:rPr>
+                      <m:t>, </m:t>
+                    </m:r>
+                    <m:r>
+                      <m:rPr>
+                        <m:sty m:val="p"/>
+                      </m:rPr>
+                      <a:rPr lang="pt-BR" b="0" i="0" smtClean="0">
+                        <a:latin typeface="Cambria Math" panose="02040503050406030204" pitchFamily="18" charset="0"/>
+                      </a:rPr>
+                      <m:t>e</m:t>
+                    </m:r>
+                    <m:r>
+                      <a:rPr lang="pt-BR" b="0" i="0" smtClean="0">
+                        <a:latin typeface="Cambria Math" panose="02040503050406030204" pitchFamily="18" charset="0"/>
+                      </a:rPr>
+                      <m:t> </m:t>
+                    </m:r>
+                    <m:sSub>
+                      <m:sSubPr>
+                        <m:ctrlPr>
+                          <a:rPr lang="en-US" i="1">
+                            <a:latin typeface="Cambria Math" panose="02040503050406030204" pitchFamily="18" charset="0"/>
+                          </a:rPr>
+                        </m:ctrlPr>
+                      </m:sSubPr>
+                      <m:e>
+                        <m:r>
+                          <a:rPr lang="en-US" b="1" i="1">
+                            <a:latin typeface="Cambria Math" panose="02040503050406030204" pitchFamily="18" charset="0"/>
+                          </a:rPr>
+                          <m:t>𝒙</m:t>
+                        </m:r>
+                      </m:e>
+                      <m:sub>
+                        <m:r>
+                          <a:rPr lang="pt-BR" i="1">
+                            <a:latin typeface="Cambria Math" panose="02040503050406030204" pitchFamily="18" charset="0"/>
+                          </a:rPr>
+                          <m:t>1</m:t>
+                        </m:r>
+                      </m:sub>
+                    </m:sSub>
+                    <m:r>
+                      <a:rPr lang="pt-BR" i="1">
+                        <a:latin typeface="Cambria Math" panose="02040503050406030204" pitchFamily="18" charset="0"/>
+                        <a:ea typeface="Cambria Math" panose="02040503050406030204" pitchFamily="18" charset="0"/>
+                      </a:rPr>
+                      <m:t>⨀</m:t>
+                    </m:r>
+                    <m:sSub>
+                      <m:sSubPr>
+                        <m:ctrlPr>
+                          <a:rPr lang="en-US" i="1">
+                            <a:latin typeface="Cambria Math" panose="02040503050406030204" pitchFamily="18" charset="0"/>
+                          </a:rPr>
+                        </m:ctrlPr>
+                      </m:sSubPr>
+                      <m:e>
+                        <m:r>
+                          <a:rPr lang="en-US" b="1" i="1">
+                            <a:latin typeface="Cambria Math" panose="02040503050406030204" pitchFamily="18" charset="0"/>
+                          </a:rPr>
+                          <m:t>𝒙</m:t>
+                        </m:r>
+                      </m:e>
+                      <m:sub>
+                        <m:r>
+                          <a:rPr lang="pt-BR" i="1">
+                            <a:latin typeface="Cambria Math" panose="02040503050406030204" pitchFamily="18" charset="0"/>
+                          </a:rPr>
+                          <m:t>2</m:t>
+                        </m:r>
+                      </m:sub>
+                    </m:sSub>
+                    <m:r>
+                      <a:rPr lang="pt-BR">
+                        <a:latin typeface="Cambria Math" panose="02040503050406030204" pitchFamily="18" charset="0"/>
+                      </a:rPr>
+                      <m:t>∈</m:t>
+                    </m:r>
+                    <m:sSup>
+                      <m:sSupPr>
+                        <m:ctrlPr>
+                          <a:rPr lang="pt-BR" i="1">
+                            <a:latin typeface="Cambria Math" panose="02040503050406030204" pitchFamily="18" charset="0"/>
+                          </a:rPr>
+                        </m:ctrlPr>
+                      </m:sSupPr>
+                      <m:e>
+                        <m:r>
+                          <a:rPr lang="pt-BR">
+                            <a:latin typeface="Cambria Math" panose="02040503050406030204" pitchFamily="18" charset="0"/>
+                          </a:rPr>
+                          <m:t>ℝ</m:t>
+                        </m:r>
+                      </m:e>
+                      <m:sup>
+                        <m:r>
+                          <m:rPr>
+                            <m:sty m:val="p"/>
+                          </m:rPr>
+                          <a:rPr lang="pt-BR">
+                            <a:latin typeface="Cambria Math" panose="02040503050406030204" pitchFamily="18" charset="0"/>
+                          </a:rPr>
+                          <m:t>N</m:t>
+                        </m:r>
+                        <m:r>
+                          <a:rPr lang="pt-BR">
+                            <a:latin typeface="Cambria Math" panose="02040503050406030204" pitchFamily="18" charset="0"/>
+                          </a:rPr>
+                          <m:t>×1</m:t>
+                        </m:r>
+                      </m:sup>
+                    </m:sSup>
+                  </m:oMath>
+                </a14:m>
+                <a:r>
+                  <a:rPr lang="pt-BR" dirty="0"/>
+                  <a:t>, </a:t>
+                </a:r>
+                <a14:m>
+                  <m:oMath xmlns:m="http://schemas.openxmlformats.org/officeDocument/2006/math">
+                    <m:r>
+                      <a:rPr lang="pt-BR">
+                        <a:latin typeface="Cambria Math" panose="02040503050406030204" pitchFamily="18" charset="0"/>
+                      </a:rPr>
+                      <m:t>𝒚</m:t>
+                    </m:r>
+                  </m:oMath>
+                </a14:m>
+                <a:r>
+                  <a:rPr lang="pt-BR" dirty="0"/>
+                  <a:t> e </a:t>
+                </a:r>
+                <a14:m>
+                  <m:oMath xmlns:m="http://schemas.openxmlformats.org/officeDocument/2006/math">
+                    <m:acc>
+                      <m:accPr>
+                        <m:chr m:val="̂"/>
+                        <m:ctrlPr>
+                          <a:rPr lang="pt-BR" i="1">
+                            <a:latin typeface="Cambria Math" panose="02040503050406030204" pitchFamily="18" charset="0"/>
+                          </a:rPr>
+                        </m:ctrlPr>
+                      </m:accPr>
+                      <m:e>
+                        <m:r>
+                          <a:rPr lang="pt-BR">
+                            <a:latin typeface="Cambria Math" panose="02040503050406030204" pitchFamily="18" charset="0"/>
+                          </a:rPr>
+                          <m:t>𝒚</m:t>
+                        </m:r>
+                      </m:e>
+                    </m:acc>
+                  </m:oMath>
+                </a14:m>
+                <a:r>
+                  <a:rPr lang="pt-BR" dirty="0"/>
+                  <a:t>  </a:t>
+                </a:r>
+                <a14:m>
+                  <m:oMath xmlns:m="http://schemas.openxmlformats.org/officeDocument/2006/math">
+                    <m:r>
+                      <a:rPr lang="pt-BR">
+                        <a:latin typeface="Cambria Math" panose="02040503050406030204" pitchFamily="18" charset="0"/>
+                      </a:rPr>
+                      <m:t>∈</m:t>
+                    </m:r>
+                    <m:sSup>
+                      <m:sSupPr>
+                        <m:ctrlPr>
+                          <a:rPr lang="pt-BR" i="1">
+                            <a:latin typeface="Cambria Math" panose="02040503050406030204" pitchFamily="18" charset="0"/>
+                          </a:rPr>
+                        </m:ctrlPr>
+                      </m:sSupPr>
+                      <m:e>
+                        <m:r>
+                          <a:rPr lang="pt-BR">
+                            <a:latin typeface="Cambria Math" panose="02040503050406030204" pitchFamily="18" charset="0"/>
+                          </a:rPr>
+                          <m:t>ℝ</m:t>
+                        </m:r>
+                      </m:e>
+                      <m:sup>
+                        <m:r>
+                          <m:rPr>
+                            <m:sty m:val="p"/>
+                          </m:rPr>
+                          <a:rPr lang="pt-BR">
+                            <a:latin typeface="Cambria Math" panose="02040503050406030204" pitchFamily="18" charset="0"/>
+                          </a:rPr>
+                          <m:t>N</m:t>
+                        </m:r>
+                        <m:r>
+                          <a:rPr lang="pt-BR">
+                            <a:latin typeface="Cambria Math" panose="02040503050406030204" pitchFamily="18" charset="0"/>
+                          </a:rPr>
+                          <m:t>×</m:t>
+                        </m:r>
+                        <m:r>
+                          <a:rPr lang="pt-BR">
+                            <a:latin typeface="Cambria Math" panose="02040503050406030204" pitchFamily="18" charset="0"/>
+                          </a:rPr>
+                          <m:t>𝟏</m:t>
+                        </m:r>
+                      </m:sup>
+                    </m:sSup>
+                  </m:oMath>
+                </a14:m>
+                <a:r>
+                  <a:rPr lang="pt-BR" dirty="0"/>
+                  <a:t> e </a:t>
+                </a:r>
+                <a14:m>
+                  <m:oMath xmlns:m="http://schemas.openxmlformats.org/officeDocument/2006/math">
+                    <m:r>
+                      <a:rPr lang="pt-BR" i="1">
+                        <a:latin typeface="Cambria Math" panose="02040503050406030204" pitchFamily="18" charset="0"/>
+                        <a:ea typeface="Cambria Math" panose="02040503050406030204" pitchFamily="18" charset="0"/>
+                      </a:rPr>
+                      <m:t>⨀</m:t>
+                    </m:r>
+                  </m:oMath>
+                </a14:m>
+                <a:r>
+                  <a:rPr lang="pt-BR" dirty="0"/>
+                  <a:t> é a multiplicação elemento-a-elemento. </a:t>
+                </a:r>
+              </a:p>
+              <a:p>
+                <a:r>
+                  <a:rPr lang="pt-BR" dirty="0" smtClean="0"/>
+                  <a:t>Agora, de </a:t>
+                </a:r>
+                <a:r>
+                  <a:rPr lang="pt-BR" dirty="0"/>
+                  <a:t>posse do </a:t>
+                </a:r>
+                <a:r>
+                  <a:rPr lang="pt-BR" b="1" i="1" dirty="0"/>
+                  <a:t>vetor gradiente</a:t>
+                </a:r>
+                <a:r>
+                  <a:rPr lang="pt-BR" dirty="0"/>
+                  <a:t>, podemos usá-lo com o </a:t>
+                </a:r>
+                <a:r>
+                  <a:rPr lang="pt-BR" b="1" i="1" dirty="0"/>
+                  <a:t>gradiente descendente</a:t>
+                </a:r>
+                <a:r>
+                  <a:rPr lang="pt-BR" dirty="0"/>
+                  <a:t> </a:t>
+                </a:r>
+                <a:r>
+                  <a:rPr lang="pt-BR" dirty="0"/>
+                  <a:t>(nas versões em batelada, estocástico ou </a:t>
+                </a:r>
+                <a:r>
+                  <a:rPr lang="pt-BR" dirty="0" smtClean="0"/>
+                  <a:t>mini-batch) para </a:t>
+                </a:r>
+                <a:r>
+                  <a:rPr lang="pt-BR" dirty="0"/>
+                  <a:t>atualizar os pesos.</a:t>
+                </a:r>
+              </a:p>
+              <a:p>
+                <a:pPr marL="0" indent="0" algn="ctr">
+                  <a:buNone/>
+                </a:pPr>
+                <a14:m>
+                  <m:oMath xmlns:m="http://schemas.openxmlformats.org/officeDocument/2006/math">
+                    <m:r>
+                      <a:rPr lang="pt-BR" b="1" i="1">
+                        <a:latin typeface="Cambria Math" panose="02040503050406030204" pitchFamily="18" charset="0"/>
+                      </a:rPr>
+                      <m:t>𝒂</m:t>
+                    </m:r>
+                    <m:r>
+                      <a:rPr lang="pt-BR" b="1" i="1">
+                        <a:latin typeface="Cambria Math" panose="02040503050406030204" pitchFamily="18" charset="0"/>
+                      </a:rPr>
+                      <m:t>=</m:t>
+                    </m:r>
+                    <m:r>
+                      <a:rPr lang="pt-BR" b="1" i="1">
+                        <a:latin typeface="Cambria Math" panose="02040503050406030204" pitchFamily="18" charset="0"/>
+                      </a:rPr>
+                      <m:t>𝒂</m:t>
+                    </m:r>
+                    <m:r>
+                      <a:rPr lang="pt-BR" b="1" i="1">
+                        <a:latin typeface="Cambria Math" panose="02040503050406030204" pitchFamily="18" charset="0"/>
+                      </a:rPr>
+                      <m:t>−</m:t>
+                    </m:r>
+                    <m:r>
+                      <a:rPr lang="pt-BR" i="1">
+                        <a:latin typeface="Cambria Math" panose="02040503050406030204" pitchFamily="18" charset="0"/>
+                        <a:ea typeface="Cambria Math" panose="02040503050406030204" pitchFamily="18" charset="0"/>
+                      </a:rPr>
+                      <m:t>𝛼</m:t>
+                    </m:r>
+                    <m:f>
+                      <m:fPr>
+                        <m:ctrlPr>
+                          <a:rPr lang="pt-BR" i="1">
+                            <a:latin typeface="Cambria Math" panose="02040503050406030204" pitchFamily="18" charset="0"/>
+                          </a:rPr>
+                        </m:ctrlPr>
+                      </m:fPr>
+                      <m:num>
+                        <m:r>
+                          <a:rPr lang="pt-BR" i="1">
+                            <a:latin typeface="Cambria Math" panose="02040503050406030204" pitchFamily="18" charset="0"/>
+                          </a:rPr>
+                          <m:t>𝜕</m:t>
+                        </m:r>
+                        <m:sSub>
+                          <m:sSubPr>
+                            <m:ctrlPr>
+                              <a:rPr lang="pt-BR" i="1">
+                                <a:latin typeface="Cambria Math" panose="02040503050406030204" pitchFamily="18" charset="0"/>
+                              </a:rPr>
+                            </m:ctrlPr>
+                          </m:sSubPr>
+                          <m:e>
+                            <m:r>
+                              <a:rPr lang="pt-BR" i="1">
+                                <a:latin typeface="Cambria Math" panose="02040503050406030204" pitchFamily="18" charset="0"/>
+                              </a:rPr>
+                              <m:t>𝐽</m:t>
+                            </m:r>
+                          </m:e>
+                          <m:sub>
+                            <m:r>
+                              <a:rPr lang="pt-BR" i="1">
+                                <a:latin typeface="Cambria Math" panose="02040503050406030204" pitchFamily="18" charset="0"/>
+                              </a:rPr>
+                              <m:t>𝑒</m:t>
+                            </m:r>
+                          </m:sub>
+                        </m:sSub>
+                        <m:d>
+                          <m:dPr>
+                            <m:ctrlPr>
+                              <a:rPr lang="pt-BR" i="1">
+                                <a:latin typeface="Cambria Math" panose="02040503050406030204" pitchFamily="18" charset="0"/>
+                              </a:rPr>
+                            </m:ctrlPr>
+                          </m:dPr>
+                          <m:e>
+                            <m:r>
+                              <a:rPr lang="pt-BR" b="1" i="1">
+                                <a:latin typeface="Cambria Math" panose="02040503050406030204" pitchFamily="18" charset="0"/>
+                              </a:rPr>
+                              <m:t>𝒂</m:t>
+                            </m:r>
+                          </m:e>
+                        </m:d>
+                      </m:num>
+                      <m:den>
+                        <m:r>
+                          <a:rPr lang="pt-BR" i="1">
+                            <a:latin typeface="Cambria Math" panose="02040503050406030204" pitchFamily="18" charset="0"/>
+                          </a:rPr>
+                          <m:t>𝜕</m:t>
+                        </m:r>
+                        <m:r>
+                          <a:rPr lang="pt-BR" b="1" i="1">
+                            <a:latin typeface="Cambria Math" panose="02040503050406030204" pitchFamily="18" charset="0"/>
+                          </a:rPr>
+                          <m:t>𝒂</m:t>
+                        </m:r>
+                      </m:den>
+                    </m:f>
+                  </m:oMath>
+                </a14:m>
+                <a:r>
+                  <a:rPr lang="pt-BR" dirty="0" smtClean="0"/>
+                  <a:t>.</a:t>
+                </a:r>
+              </a:p>
+            </p:txBody>
+          </p:sp>
+        </mc:Choice>
+        <mc:Fallback>
+          <p:sp>
+            <p:nvSpPr>
+              <p:cNvPr id="3" name="Content Placeholder 2"/>
+              <p:cNvSpPr>
+                <a:spLocks noGrp="1" noRot="1" noChangeAspect="1" noMove="1" noResize="1" noEditPoints="1" noAdjustHandles="1" noChangeArrowheads="1" noChangeShapeType="1" noTextEdit="1"/>
+              </p:cNvSpPr>
+              <p:nvPr>
+                <p:ph idx="1"/>
+              </p:nvPr>
+            </p:nvSpPr>
+            <p:spPr>
+              <a:xfrm>
+                <a:off x="838199" y="1825624"/>
+                <a:ext cx="10831287" cy="4821919"/>
+              </a:xfrm>
+              <a:blipFill rotWithShape="0">
+                <a:blip r:embed="rId2"/>
+                <a:stretch>
+                  <a:fillRect l="-1125" t="-2781" r="-619"/>
+                </a:stretch>
+              </a:blipFill>
+            </p:spPr>
+            <p:txBody>
+              <a:bodyPr/>
+              <a:lstStyle/>
+              <a:p>
+                <a:r>
+                  <a:rPr lang="pt-BR">
+                    <a:noFill/>
+                  </a:rPr>
+                  <a:t> </a:t>
+                </a:r>
+              </a:p>
+            </p:txBody>
+          </p:sp>
+        </mc:Fallback>
+      </mc:AlternateContent>
+      <p:sp>
+        <p:nvSpPr>
+          <p:cNvPr id="4" name="Rectangle 3"/>
+          <p:cNvSpPr/>
+          <p:nvPr/>
+        </p:nvSpPr>
+        <p:spPr>
+          <a:xfrm>
+            <a:off x="7027001" y="6443925"/>
+            <a:ext cx="5048883" cy="338554"/>
+          </a:xfrm>
+          <a:prstGeom prst="rect">
+            <a:avLst/>
+          </a:prstGeom>
+        </p:spPr>
+        <p:txBody>
+          <a:bodyPr wrap="none">
+            <a:spAutoFit/>
+          </a:bodyPr>
+          <a:lstStyle/>
+          <a:p>
+            <a:r>
+              <a:rPr lang="pt-BR" sz="1600" b="1" dirty="0">
+                <a:hlinkClick r:id="rId3"/>
+              </a:rPr>
+              <a:t>Exemplo</a:t>
+            </a:r>
+            <a:r>
+              <a:rPr lang="pt-BR" sz="1600" dirty="0">
+                <a:hlinkClick r:id="rId3"/>
+              </a:rPr>
+              <a:t>: logistic_regression_with_gradient_descent.ipynb</a:t>
+            </a:r>
+            <a:endParaRPr lang="pt-BR" sz="1600" dirty="0"/>
+          </a:p>
+        </p:txBody>
+      </p:sp>
+    </p:spTree>
+    <p:extLst>
+      <p:ext uri="{BB962C8B-B14F-4D97-AF65-F5344CB8AC3E}">
+        <p14:creationId xmlns:p14="http://schemas.microsoft.com/office/powerpoint/2010/main" val="100847993"/>
+      </p:ext>
+    </p:extLst>
+  </p:cSld>
+  <p:clrMapOvr>
+    <a:masterClrMapping/>
+  </p:clrMapOvr>
+</p:sld>
+</file>
+
+<file path=ppt/slides/slide14.xml><?xml version="1.0" encoding="utf-8"?>
 <p:sld xmlns:a="http://schemas.openxmlformats.org/drawingml/2006/main" xmlns:r="http://schemas.openxmlformats.org/officeDocument/2006/relationships" xmlns:p="http://schemas.openxmlformats.org/presentationml/2006/main">
   <p:cSld>
     <p:spTree>
@@ -17842,7 +21449,7 @@
 </p:sld>
 </file>
 
-<file path=ppt/slides/slide13.xml><?xml version="1.0" encoding="utf-8"?>
+<file path=ppt/slides/slide15.xml><?xml version="1.0" encoding="utf-8"?>
 <p:sld xmlns:a="http://schemas.openxmlformats.org/drawingml/2006/main" xmlns:r="http://schemas.openxmlformats.org/officeDocument/2006/relationships" xmlns:p="http://schemas.openxmlformats.org/presentationml/2006/main">
   <p:cSld>
     <p:spTree>
@@ -17986,7 +21593,7 @@
 </p:sld>
 </file>
 
-<file path=ppt/slides/slide14.xml><?xml version="1.0" encoding="utf-8"?>
+<file path=ppt/slides/slide16.xml><?xml version="1.0" encoding="utf-8"?>
 <p:sld xmlns:a="http://schemas.openxmlformats.org/drawingml/2006/main" xmlns:r="http://schemas.openxmlformats.org/officeDocument/2006/relationships" xmlns:p="http://schemas.openxmlformats.org/presentationml/2006/main">
   <p:cSld>
     <p:spTree>
@@ -18008,7 +21615,7 @@
           <p:cNvPr id="4" name="Título 1">
             <a:extLst>
               <a:ext uri="{FF2B5EF4-FFF2-40B4-BE49-F238E27FC236}">
-                <a16:creationId xmlns:a16="http://schemas.microsoft.com/office/drawing/2014/main" xmlns="" id="{32666AC8-2E17-4DB4-B0F5-60C640CCFD2E}"/>
+                <a16:creationId xmlns="" xmlns:a16="http://schemas.microsoft.com/office/drawing/2014/main" id="{32666AC8-2E17-4DB4-B0F5-60C640CCFD2E}"/>
               </a:ext>
             </a:extLst>
           </p:cNvPr>
@@ -18072,7 +21679,7 @@
 </p:sld>
 </file>
 
-<file path=ppt/slides/slide15.xml><?xml version="1.0" encoding="utf-8"?>
+<file path=ppt/slides/slide17.xml><?xml version="1.0" encoding="utf-8"?>
 <p:sld xmlns:a="http://schemas.openxmlformats.org/drawingml/2006/main" xmlns:r="http://schemas.openxmlformats.org/officeDocument/2006/relationships" xmlns:p="http://schemas.openxmlformats.org/presentationml/2006/main">
   <p:cSld>
     <p:spTree>
@@ -18806,2482 +22413,6 @@
 </p:sld>
 </file>
 
-<file path=ppt/slides/slide16.xml><?xml version="1.0" encoding="utf-8"?>
-<p:sld xmlns:a="http://schemas.openxmlformats.org/drawingml/2006/main" xmlns:r="http://schemas.openxmlformats.org/officeDocument/2006/relationships" xmlns:p="http://schemas.openxmlformats.org/presentationml/2006/main">
-  <p:cSld>
-    <p:spTree>
-      <p:nvGrpSpPr>
-        <p:cNvPr id="1" name=""/>
-        <p:cNvGrpSpPr/>
-        <p:nvPr/>
-      </p:nvGrpSpPr>
-      <p:grpSpPr>
-        <a:xfrm>
-          <a:off x="0" y="0"/>
-          <a:ext cx="0" cy="0"/>
-          <a:chOff x="0" y="0"/>
-          <a:chExt cx="0" cy="0"/>
-        </a:xfrm>
-      </p:grpSpPr>
-      <p:sp>
-        <p:nvSpPr>
-          <p:cNvPr id="2" name="Title 1"/>
-          <p:cNvSpPr>
-            <a:spLocks noGrp="1"/>
-          </p:cNvSpPr>
-          <p:nvPr>
-            <p:ph type="title"/>
-          </p:nvPr>
-        </p:nvSpPr>
-        <p:spPr/>
-        <p:txBody>
-          <a:bodyPr/>
-          <a:lstStyle/>
-          <a:p>
-            <a:r>
-              <a:rPr lang="pt-BR" dirty="0"/>
-              <a:t>Recapitulando</a:t>
-            </a:r>
-          </a:p>
-        </p:txBody>
-      </p:sp>
-      <mc:AlternateContent xmlns:mc="http://schemas.openxmlformats.org/markup-compatibility/2006" xmlns:a14="http://schemas.microsoft.com/office/drawing/2010/main">
-        <mc:Choice Requires="a14">
-          <p:sp>
-            <p:nvSpPr>
-              <p:cNvPr id="3" name="Content Placeholder 2"/>
-              <p:cNvSpPr>
-                <a:spLocks noGrp="1"/>
-              </p:cNvSpPr>
-              <p:nvPr>
-                <p:ph idx="1"/>
-              </p:nvPr>
-            </p:nvSpPr>
-            <p:spPr>
-              <a:xfrm>
-                <a:off x="838199" y="1825625"/>
-                <a:ext cx="10816771" cy="4351338"/>
-              </a:xfrm>
-            </p:spPr>
-            <p:txBody>
-              <a:bodyPr>
-                <a:normAutofit lnSpcReduction="10000"/>
-              </a:bodyPr>
-              <a:lstStyle/>
-              <a:p>
-                <a:r>
-                  <a:rPr lang="pt-BR" dirty="0"/>
-                  <a:t>Aprendemos outra função de limiar, chamada de </a:t>
-                </a:r>
-                <a:r>
-                  <a:rPr lang="pt-BR" b="1" i="1" dirty="0"/>
-                  <a:t>função logística</a:t>
-                </a:r>
-                <a:r>
-                  <a:rPr lang="pt-BR" dirty="0"/>
-                  <a:t>, com a qual é possível </a:t>
-                </a:r>
-              </a:p>
-              <a:p>
-                <a:pPr lvl="1">
-                  <a:buFont typeface="Wingdings" panose="05000000000000000000" pitchFamily="2" charset="2"/>
-                  <a:buChar char="§"/>
-                </a:pPr>
-                <a:r>
-                  <a:rPr lang="pt-BR" dirty="0"/>
-                  <a:t>encontrar uma solução eficiente para o problema da </a:t>
-                </a:r>
-                <a:r>
-                  <a:rPr lang="pt-BR" b="1" i="1" dirty="0"/>
-                  <a:t>classificação binária</a:t>
-                </a:r>
-                <a:r>
-                  <a:rPr lang="pt-BR" dirty="0"/>
-                  <a:t> com o </a:t>
-                </a:r>
-                <a:r>
-                  <a:rPr lang="pt-BR" b="1" i="1" dirty="0"/>
-                  <a:t>gradiente descendente</a:t>
-                </a:r>
-                <a:r>
-                  <a:rPr lang="pt-BR" dirty="0"/>
-                  <a:t>.</a:t>
-                </a:r>
-              </a:p>
-              <a:p>
-                <a:pPr lvl="1">
-                  <a:buFont typeface="Wingdings" panose="05000000000000000000" pitchFamily="2" charset="2"/>
-                  <a:buChar char="§"/>
-                </a:pPr>
-                <a:r>
-                  <a:rPr lang="pt-BR" dirty="0"/>
-                  <a:t>termos o </a:t>
-                </a:r>
-                <a:r>
-                  <a:rPr lang="pt-BR" b="1" i="1" dirty="0"/>
-                  <a:t>grau de confiança </a:t>
-                </a:r>
-                <a:r>
-                  <a:rPr lang="pt-BR" dirty="0"/>
-                  <a:t>de uma classificação, ou seja, a </a:t>
-                </a:r>
-                <a:r>
-                  <a:rPr lang="pt-BR" b="1" i="1" dirty="0"/>
-                  <a:t>probabilidade</a:t>
-                </a:r>
-                <a:r>
-                  <a:rPr lang="pt-BR" dirty="0"/>
-                  <a:t> de um exemplo de entrada pertencer a uma das duas classes (Positiva ou Negativa).</a:t>
-                </a:r>
-              </a:p>
-              <a:p>
-                <a:r>
-                  <a:rPr lang="pt-BR" dirty="0"/>
-                  <a:t>Vimos também que a </a:t>
-                </a:r>
-                <a:r>
-                  <a:rPr lang="pt-BR" b="1" i="1" dirty="0"/>
-                  <a:t>função discriminate</a:t>
-                </a:r>
-                <a:r>
-                  <a:rPr lang="pt-BR" dirty="0"/>
-                  <a:t>,</a:t>
-                </a:r>
-                <a:r>
-                  <a:rPr lang="pt-BR" b="1" i="1" dirty="0"/>
-                  <a:t> </a:t>
-                </a:r>
-                <a14:m>
-                  <m:oMath xmlns:m="http://schemas.openxmlformats.org/officeDocument/2006/math">
-                    <m:r>
-                      <a:rPr lang="pt-BR" i="1">
-                        <a:latin typeface="Cambria Math" panose="02040503050406030204" pitchFamily="18" charset="0"/>
-                      </a:rPr>
-                      <m:t>𝑔</m:t>
-                    </m:r>
-                    <m:d>
-                      <m:dPr>
-                        <m:ctrlPr>
-                          <a:rPr lang="pt-BR" i="1">
-                            <a:latin typeface="Cambria Math" panose="02040503050406030204" pitchFamily="18" charset="0"/>
-                          </a:rPr>
-                        </m:ctrlPr>
-                      </m:dPr>
-                      <m:e>
-                        <m:r>
-                          <a:rPr lang="pt-BR" b="1" i="1">
-                            <a:latin typeface="Cambria Math" panose="02040503050406030204" pitchFamily="18" charset="0"/>
-                          </a:rPr>
-                          <m:t>𝒙</m:t>
-                        </m:r>
-                      </m:e>
-                    </m:d>
-                  </m:oMath>
-                </a14:m>
-                <a:r>
-                  <a:rPr lang="pt-BR" dirty="0"/>
-                  <a:t>, pode ser a equação de um </a:t>
-                </a:r>
-                <a:r>
-                  <a:rPr lang="pt-BR" b="1" i="1" dirty="0"/>
-                  <a:t>polinômio</a:t>
-                </a:r>
-                <a:r>
-                  <a:rPr lang="pt-BR" dirty="0"/>
-                  <a:t>, incluindo a equação do </a:t>
-                </a:r>
-                <a:r>
-                  <a:rPr lang="pt-BR" b="1" i="1" dirty="0"/>
-                  <a:t>hiperplano</a:t>
-                </a:r>
-                <a:r>
-                  <a:rPr lang="pt-BR" dirty="0"/>
-                  <a:t>.</a:t>
-                </a:r>
-              </a:p>
-              <a:p>
-                <a:r>
-                  <a:rPr lang="pt-BR" dirty="0"/>
-                  <a:t>O </a:t>
-                </a:r>
-                <a:r>
-                  <a:rPr lang="pt-BR" b="1" i="1" dirty="0"/>
-                  <a:t>vetor gradiente </a:t>
-                </a:r>
-                <a:r>
-                  <a:rPr lang="pt-BR" dirty="0"/>
-                  <a:t>da</a:t>
-                </a:r>
-                <a:r>
-                  <a:rPr lang="pt-BR" b="1" i="1" dirty="0"/>
-                  <a:t> função de erro médio </a:t>
-                </a:r>
-                <a:r>
-                  <a:rPr lang="pt-BR" dirty="0"/>
-                  <a:t>vai variar dependendo da </a:t>
-                </a:r>
-                <a:r>
-                  <a:rPr lang="pt-BR" b="1" i="1" dirty="0"/>
-                  <a:t>função discriminate </a:t>
-                </a:r>
-                <a:r>
-                  <a:rPr lang="pt-BR" dirty="0"/>
-                  <a:t>adotada.</a:t>
-                </a:r>
-              </a:p>
-            </p:txBody>
-          </p:sp>
-        </mc:Choice>
-        <mc:Fallback xmlns="">
-          <p:sp>
-            <p:nvSpPr>
-              <p:cNvPr id="3" name="Content Placeholder 2"/>
-              <p:cNvSpPr>
-                <a:spLocks noGrp="1" noRot="1" noChangeAspect="1" noMove="1" noResize="1" noEditPoints="1" noAdjustHandles="1" noChangeArrowheads="1" noChangeShapeType="1" noTextEdit="1"/>
-              </p:cNvSpPr>
-              <p:nvPr>
-                <p:ph idx="1"/>
-              </p:nvPr>
-            </p:nvSpPr>
-            <p:spPr>
-              <a:xfrm>
-                <a:off x="838199" y="1825625"/>
-                <a:ext cx="10816771" cy="4351338"/>
-              </a:xfrm>
-              <a:blipFill rotWithShape="0">
-                <a:blip r:embed="rId2"/>
-                <a:stretch>
-                  <a:fillRect l="-958" t="-3081" r="-1746"/>
-                </a:stretch>
-              </a:blipFill>
-            </p:spPr>
-            <p:txBody>
-              <a:bodyPr/>
-              <a:lstStyle/>
-              <a:p>
-                <a:r>
-                  <a:rPr lang="pt-BR">
-                    <a:noFill/>
-                  </a:rPr>
-                  <a:t> </a:t>
-                </a:r>
-              </a:p>
-            </p:txBody>
-          </p:sp>
-        </mc:Fallback>
-      </mc:AlternateContent>
-    </p:spTree>
-    <p:extLst>
-      <p:ext uri="{BB962C8B-B14F-4D97-AF65-F5344CB8AC3E}">
-        <p14:creationId xmlns:p14="http://schemas.microsoft.com/office/powerpoint/2010/main" val="1449914691"/>
-      </p:ext>
-    </p:extLst>
-  </p:cSld>
-  <p:clrMapOvr>
-    <a:masterClrMapping/>
-  </p:clrMapOvr>
-</p:sld>
-</file>
-
-<file path=ppt/slides/slide17.xml><?xml version="1.0" encoding="utf-8"?>
-<p:sld xmlns:a="http://schemas.openxmlformats.org/drawingml/2006/main" xmlns:r="http://schemas.openxmlformats.org/officeDocument/2006/relationships" xmlns:p="http://schemas.openxmlformats.org/presentationml/2006/main">
-  <p:cSld>
-    <p:spTree>
-      <p:nvGrpSpPr>
-        <p:cNvPr id="1" name=""/>
-        <p:cNvGrpSpPr/>
-        <p:nvPr/>
-      </p:nvGrpSpPr>
-      <p:grpSpPr>
-        <a:xfrm>
-          <a:off x="0" y="0"/>
-          <a:ext cx="0" cy="0"/>
-          <a:chOff x="0" y="0"/>
-          <a:chExt cx="0" cy="0"/>
-        </a:xfrm>
-      </p:grpSpPr>
-      <p:sp>
-        <p:nvSpPr>
-          <p:cNvPr id="2" name="Title 1"/>
-          <p:cNvSpPr>
-            <a:spLocks noGrp="1"/>
-          </p:cNvSpPr>
-          <p:nvPr>
-            <p:ph type="title"/>
-          </p:nvPr>
-        </p:nvSpPr>
-        <p:spPr/>
-        <p:txBody>
-          <a:bodyPr/>
-          <a:lstStyle/>
-          <a:p>
-            <a:r>
-              <a:rPr lang="pt-BR" dirty="0"/>
-              <a:t>Recapitulando</a:t>
-            </a:r>
-          </a:p>
-        </p:txBody>
-      </p:sp>
-      <mc:AlternateContent xmlns:mc="http://schemas.openxmlformats.org/markup-compatibility/2006" xmlns:a14="http://schemas.microsoft.com/office/drawing/2010/main">
-        <mc:Choice Requires="a14">
-          <p:sp>
-            <p:nvSpPr>
-              <p:cNvPr id="3" name="Content Placeholder 2"/>
-              <p:cNvSpPr>
-                <a:spLocks noGrp="1"/>
-              </p:cNvSpPr>
-              <p:nvPr>
-                <p:ph idx="1"/>
-              </p:nvPr>
-            </p:nvSpPr>
-            <p:spPr>
-              <a:xfrm>
-                <a:off x="838199" y="1825624"/>
-                <a:ext cx="11136087" cy="4821919"/>
-              </a:xfrm>
-            </p:spPr>
-            <p:txBody>
-              <a:bodyPr>
-                <a:normAutofit lnSpcReduction="10000"/>
-              </a:bodyPr>
-              <a:lstStyle/>
-              <a:p>
-                <a:r>
-                  <a:rPr lang="pt-BR" dirty="0"/>
-                  <a:t>O </a:t>
-                </a:r>
-                <a:r>
-                  <a:rPr lang="pt-BR" b="1" i="1" dirty="0"/>
-                  <a:t>vetor gradiente </a:t>
-                </a:r>
-                <a:r>
-                  <a:rPr lang="pt-BR" dirty="0"/>
-                  <a:t>da</a:t>
-                </a:r>
-                <a:r>
-                  <a:rPr lang="pt-BR" b="1" i="1" dirty="0"/>
-                  <a:t> função de erro médio</a:t>
-                </a:r>
-                <a:r>
-                  <a:rPr lang="pt-BR" dirty="0"/>
-                  <a:t> quando</a:t>
-                </a:r>
-                <a:r>
-                  <a:rPr lang="pt-BR" b="1" i="1" dirty="0"/>
-                  <a:t> </a:t>
-                </a:r>
-                <a14:m>
-                  <m:oMath xmlns:m="http://schemas.openxmlformats.org/officeDocument/2006/math">
-                    <m:r>
-                      <a:rPr lang="pt-BR" i="1">
-                        <a:latin typeface="Cambria Math" panose="02040503050406030204" pitchFamily="18" charset="0"/>
-                      </a:rPr>
-                      <m:t>𝑔</m:t>
-                    </m:r>
-                    <m:d>
-                      <m:dPr>
-                        <m:ctrlPr>
-                          <a:rPr lang="pt-BR" i="1">
-                            <a:latin typeface="Cambria Math" panose="02040503050406030204" pitchFamily="18" charset="0"/>
-                          </a:rPr>
-                        </m:ctrlPr>
-                      </m:dPr>
-                      <m:e>
-                        <m:r>
-                          <a:rPr lang="pt-BR" b="1" i="1">
-                            <a:latin typeface="Cambria Math" panose="02040503050406030204" pitchFamily="18" charset="0"/>
-                          </a:rPr>
-                          <m:t>𝒙</m:t>
-                        </m:r>
-                      </m:e>
-                    </m:d>
-                    <m:r>
-                      <a:rPr lang="pt-BR" b="1" i="1">
-                        <a:latin typeface="Cambria Math" panose="02040503050406030204" pitchFamily="18" charset="0"/>
-                      </a:rPr>
-                      <m:t>=</m:t>
-                    </m:r>
-                    <m:sSub>
-                      <m:sSubPr>
-                        <m:ctrlPr>
-                          <a:rPr lang="pt-BR" i="1">
-                            <a:latin typeface="Cambria Math" panose="02040503050406030204" pitchFamily="18" charset="0"/>
-                          </a:rPr>
-                        </m:ctrlPr>
-                      </m:sSubPr>
-                      <m:e>
-                        <m:r>
-                          <a:rPr lang="pt-BR" i="1">
-                            <a:latin typeface="Cambria Math" panose="02040503050406030204" pitchFamily="18" charset="0"/>
-                          </a:rPr>
-                          <m:t>𝑎</m:t>
-                        </m:r>
-                      </m:e>
-                      <m:sub>
-                        <m:r>
-                          <a:rPr lang="pt-BR" i="1">
-                            <a:latin typeface="Cambria Math" panose="02040503050406030204" pitchFamily="18" charset="0"/>
-                          </a:rPr>
-                          <m:t>0</m:t>
-                        </m:r>
-                      </m:sub>
-                    </m:sSub>
-                  </m:oMath>
-                </a14:m>
-                <a:r>
-                  <a:rPr lang="pt-BR" dirty="0">
-                    <a:latin typeface="Cambria Math" panose="02040503050406030204" pitchFamily="18" charset="0"/>
-                  </a:rPr>
-                  <a:t>+</a:t>
-                </a:r>
-                <a14:m>
-                  <m:oMath xmlns:m="http://schemas.openxmlformats.org/officeDocument/2006/math">
-                    <m:sSub>
-                      <m:sSubPr>
-                        <m:ctrlPr>
-                          <a:rPr lang="pt-BR" i="1">
-                            <a:latin typeface="Cambria Math" panose="02040503050406030204" pitchFamily="18" charset="0"/>
-                          </a:rPr>
-                        </m:ctrlPr>
-                      </m:sSubPr>
-                      <m:e>
-                        <m:r>
-                          <a:rPr lang="pt-BR" b="0" i="1" smtClean="0">
-                            <a:latin typeface="Cambria Math" panose="02040503050406030204" pitchFamily="18" charset="0"/>
-                          </a:rPr>
-                          <m:t> </m:t>
-                        </m:r>
-                        <m:r>
-                          <a:rPr lang="pt-BR" i="1">
-                            <a:latin typeface="Cambria Math" panose="02040503050406030204" pitchFamily="18" charset="0"/>
-                          </a:rPr>
-                          <m:t>𝑎</m:t>
-                        </m:r>
-                      </m:e>
-                      <m:sub>
-                        <m:r>
-                          <a:rPr lang="pt-BR" b="0" i="1" smtClean="0">
-                            <a:latin typeface="Cambria Math" panose="02040503050406030204" pitchFamily="18" charset="0"/>
-                          </a:rPr>
-                          <m:t>1</m:t>
-                        </m:r>
-                      </m:sub>
-                    </m:sSub>
-                    <m:sSub>
-                      <m:sSubPr>
-                        <m:ctrlPr>
-                          <a:rPr lang="pt-BR" i="1">
-                            <a:latin typeface="Cambria Math" panose="02040503050406030204" pitchFamily="18" charset="0"/>
-                          </a:rPr>
-                        </m:ctrlPr>
-                      </m:sSubPr>
-                      <m:e>
-                        <m:r>
-                          <a:rPr lang="pt-BR" i="1">
-                            <a:latin typeface="Cambria Math" panose="02040503050406030204" pitchFamily="18" charset="0"/>
-                          </a:rPr>
-                          <m:t>𝑥</m:t>
-                        </m:r>
-                      </m:e>
-                      <m:sub>
-                        <m:r>
-                          <a:rPr lang="pt-BR" b="0" i="1" smtClean="0">
-                            <a:latin typeface="Cambria Math" panose="02040503050406030204" pitchFamily="18" charset="0"/>
-                          </a:rPr>
-                          <m:t>1</m:t>
-                        </m:r>
-                      </m:sub>
-                    </m:sSub>
-                  </m:oMath>
-                </a14:m>
-                <a:r>
-                  <a:rPr lang="pt-BR" dirty="0">
-                    <a:latin typeface="Cambria Math" panose="02040503050406030204" pitchFamily="18" charset="0"/>
-                  </a:rPr>
-                  <a:t>+</a:t>
-                </a:r>
-                <a14:m>
-                  <m:oMath xmlns:m="http://schemas.openxmlformats.org/officeDocument/2006/math">
-                    <m:sSub>
-                      <m:sSubPr>
-                        <m:ctrlPr>
-                          <a:rPr lang="pt-BR" i="1">
-                            <a:latin typeface="Cambria Math" panose="02040503050406030204" pitchFamily="18" charset="0"/>
-                          </a:rPr>
-                        </m:ctrlPr>
-                      </m:sSubPr>
-                      <m:e>
-                        <m:r>
-                          <a:rPr lang="pt-BR" i="1">
-                            <a:latin typeface="Cambria Math" panose="02040503050406030204" pitchFamily="18" charset="0"/>
-                          </a:rPr>
-                          <m:t>𝑎</m:t>
-                        </m:r>
-                      </m:e>
-                      <m:sub>
-                        <m:r>
-                          <a:rPr lang="pt-BR" b="0" i="1" smtClean="0">
-                            <a:latin typeface="Cambria Math" panose="02040503050406030204" pitchFamily="18" charset="0"/>
-                          </a:rPr>
-                          <m:t>2</m:t>
-                        </m:r>
-                      </m:sub>
-                    </m:sSub>
-                    <m:sSub>
-                      <m:sSubPr>
-                        <m:ctrlPr>
-                          <a:rPr lang="pt-BR" i="1" smtClean="0">
-                            <a:latin typeface="Cambria Math" panose="02040503050406030204" pitchFamily="18" charset="0"/>
-                          </a:rPr>
-                        </m:ctrlPr>
-                      </m:sSubPr>
-                      <m:e>
-                        <m:r>
-                          <a:rPr lang="pt-BR" b="0" i="1" smtClean="0">
-                            <a:latin typeface="Cambria Math" panose="02040503050406030204" pitchFamily="18" charset="0"/>
-                          </a:rPr>
-                          <m:t>𝑥</m:t>
-                        </m:r>
-                      </m:e>
-                      <m:sub>
-                        <m:r>
-                          <a:rPr lang="pt-BR" b="0" i="1" smtClean="0">
-                            <a:latin typeface="Cambria Math" panose="02040503050406030204" pitchFamily="18" charset="0"/>
-                          </a:rPr>
-                          <m:t>2</m:t>
-                        </m:r>
-                      </m:sub>
-                    </m:sSub>
-                    <m:r>
-                      <a:rPr lang="pt-BR" i="1">
-                        <a:latin typeface="Cambria Math" panose="02040503050406030204" pitchFamily="18" charset="0"/>
-                      </a:rPr>
-                      <m:t> </m:t>
-                    </m:r>
-                  </m:oMath>
-                </a14:m>
-                <a:r>
-                  <a:rPr lang="pt-BR" dirty="0">
-                    <a:latin typeface="Cambria Math" panose="02040503050406030204" pitchFamily="18" charset="0"/>
-                  </a:rPr>
-                  <a:t>(equação de uma reta) é dado por</a:t>
-                </a:r>
-              </a:p>
-              <a:p>
-                <a:pPr marL="0" indent="0">
-                  <a:buNone/>
-                </a:pPr>
-                <a14:m>
-                  <m:oMathPara xmlns:m="http://schemas.openxmlformats.org/officeDocument/2006/math">
-                    <m:oMathParaPr>
-                      <m:jc m:val="centerGroup"/>
-                    </m:oMathParaPr>
-                    <m:oMath xmlns:m="http://schemas.openxmlformats.org/officeDocument/2006/math">
-                      <m:f>
-                        <m:fPr>
-                          <m:ctrlPr>
-                            <a:rPr lang="pt-BR" i="1">
-                              <a:latin typeface="Cambria Math" panose="02040503050406030204" pitchFamily="18" charset="0"/>
-                            </a:rPr>
-                          </m:ctrlPr>
-                        </m:fPr>
-                        <m:num>
-                          <m:r>
-                            <a:rPr lang="pt-BR" i="1">
-                              <a:latin typeface="Cambria Math" panose="02040503050406030204" pitchFamily="18" charset="0"/>
-                            </a:rPr>
-                            <m:t>𝜕</m:t>
-                          </m:r>
-                          <m:sSub>
-                            <m:sSubPr>
-                              <m:ctrlPr>
-                                <a:rPr lang="pt-BR" i="1">
-                                  <a:latin typeface="Cambria Math" panose="02040503050406030204" pitchFamily="18" charset="0"/>
-                                </a:rPr>
-                              </m:ctrlPr>
-                            </m:sSubPr>
-                            <m:e>
-                              <m:r>
-                                <a:rPr lang="pt-BR" i="1">
-                                  <a:latin typeface="Cambria Math" panose="02040503050406030204" pitchFamily="18" charset="0"/>
-                                </a:rPr>
-                                <m:t>𝐽</m:t>
-                              </m:r>
-                            </m:e>
-                            <m:sub>
-                              <m:r>
-                                <a:rPr lang="pt-BR" i="1">
-                                  <a:latin typeface="Cambria Math" panose="02040503050406030204" pitchFamily="18" charset="0"/>
-                                </a:rPr>
-                                <m:t>𝑒</m:t>
-                              </m:r>
-                            </m:sub>
-                          </m:sSub>
-                          <m:d>
-                            <m:dPr>
-                              <m:ctrlPr>
-                                <a:rPr lang="pt-BR" i="1">
-                                  <a:latin typeface="Cambria Math" panose="02040503050406030204" pitchFamily="18" charset="0"/>
-                                </a:rPr>
-                              </m:ctrlPr>
-                            </m:dPr>
-                            <m:e>
-                              <m:r>
-                                <a:rPr lang="pt-BR" b="1" i="1">
-                                  <a:latin typeface="Cambria Math" panose="02040503050406030204" pitchFamily="18" charset="0"/>
-                                </a:rPr>
-                                <m:t>𝒂</m:t>
-                              </m:r>
-                            </m:e>
-                          </m:d>
-                        </m:num>
-                        <m:den>
-                          <m:r>
-                            <a:rPr lang="pt-BR" i="1">
-                              <a:latin typeface="Cambria Math" panose="02040503050406030204" pitchFamily="18" charset="0"/>
-                            </a:rPr>
-                            <m:t>𝜕</m:t>
-                          </m:r>
-                          <m:r>
-                            <a:rPr lang="pt-BR" b="1" i="1">
-                              <a:latin typeface="Cambria Math" panose="02040503050406030204" pitchFamily="18" charset="0"/>
-                            </a:rPr>
-                            <m:t>𝒂</m:t>
-                          </m:r>
-                        </m:den>
-                      </m:f>
-                      <m:r>
-                        <a:rPr lang="pt-BR" b="1" i="1">
-                          <a:latin typeface="Cambria Math" panose="02040503050406030204" pitchFamily="18" charset="0"/>
-                        </a:rPr>
-                        <m:t>=</m:t>
-                      </m:r>
-                      <m:r>
-                        <a:rPr lang="pt-BR" i="1">
-                          <a:latin typeface="Cambria Math" panose="02040503050406030204" pitchFamily="18" charset="0"/>
-                        </a:rPr>
-                        <m:t>−</m:t>
-                      </m:r>
-                      <m:f>
-                        <m:fPr>
-                          <m:ctrlPr>
-                            <a:rPr lang="pt-BR" i="1">
-                              <a:latin typeface="Cambria Math" panose="02040503050406030204" pitchFamily="18" charset="0"/>
-                            </a:rPr>
-                          </m:ctrlPr>
-                        </m:fPr>
-                        <m:num>
-                          <m:r>
-                            <a:rPr lang="pt-BR" i="1">
-                              <a:latin typeface="Cambria Math" panose="02040503050406030204" pitchFamily="18" charset="0"/>
-                            </a:rPr>
-                            <m:t>1</m:t>
-                          </m:r>
-                        </m:num>
-                        <m:den>
-                          <m:r>
-                            <a:rPr lang="pt-BR" i="1">
-                              <a:latin typeface="Cambria Math" panose="02040503050406030204" pitchFamily="18" charset="0"/>
-                            </a:rPr>
-                            <m:t>𝑁</m:t>
-                          </m:r>
-                        </m:den>
-                      </m:f>
-                      <m:nary>
-                        <m:naryPr>
-                          <m:chr m:val="∑"/>
-                          <m:ctrlPr>
-                            <a:rPr lang="pt-BR" i="1">
-                              <a:latin typeface="Cambria Math" panose="02040503050406030204" pitchFamily="18" charset="0"/>
-                            </a:rPr>
-                          </m:ctrlPr>
-                        </m:naryPr>
-                        <m:sub>
-                          <m:r>
-                            <m:rPr>
-                              <m:brk m:alnAt="23"/>
-                            </m:rPr>
-                            <a:rPr lang="pt-BR" i="1">
-                              <a:latin typeface="Cambria Math" panose="02040503050406030204" pitchFamily="18" charset="0"/>
-                            </a:rPr>
-                            <m:t>𝑖</m:t>
-                          </m:r>
-                          <m:r>
-                            <a:rPr lang="pt-BR" i="1">
-                              <a:latin typeface="Cambria Math" panose="02040503050406030204" pitchFamily="18" charset="0"/>
-                            </a:rPr>
-                            <m:t>=0</m:t>
-                          </m:r>
-                        </m:sub>
-                        <m:sup>
-                          <m:r>
-                            <a:rPr lang="pt-BR" i="1">
-                              <a:latin typeface="Cambria Math" panose="02040503050406030204" pitchFamily="18" charset="0"/>
-                            </a:rPr>
-                            <m:t>𝑁</m:t>
-                          </m:r>
-                          <m:r>
-                            <a:rPr lang="pt-BR" i="1">
-                              <a:latin typeface="Cambria Math" panose="02040503050406030204" pitchFamily="18" charset="0"/>
-                            </a:rPr>
-                            <m:t>−1</m:t>
-                          </m:r>
-                        </m:sup>
-                        <m:e>
-                          <m:d>
-                            <m:dPr>
-                              <m:begChr m:val="["/>
-                              <m:endChr m:val="]"/>
-                              <m:ctrlPr>
-                                <a:rPr lang="pt-BR" i="1">
-                                  <a:latin typeface="Cambria Math" panose="02040503050406030204" pitchFamily="18" charset="0"/>
-                                </a:rPr>
-                              </m:ctrlPr>
-                            </m:dPr>
-                            <m:e>
-                              <m:r>
-                                <a:rPr lang="pt-BR" i="1">
-                                  <a:latin typeface="Cambria Math" panose="02040503050406030204" pitchFamily="18" charset="0"/>
-                                </a:rPr>
-                                <m:t>𝑦</m:t>
-                              </m:r>
-                              <m:d>
-                                <m:dPr>
-                                  <m:ctrlPr>
-                                    <a:rPr lang="pt-BR" i="1">
-                                      <a:latin typeface="Cambria Math" panose="02040503050406030204" pitchFamily="18" charset="0"/>
-                                    </a:rPr>
-                                  </m:ctrlPr>
-                                </m:dPr>
-                                <m:e>
-                                  <m:r>
-                                    <a:rPr lang="pt-BR" i="1">
-                                      <a:latin typeface="Cambria Math" panose="02040503050406030204" pitchFamily="18" charset="0"/>
-                                    </a:rPr>
-                                    <m:t>𝑖</m:t>
-                                  </m:r>
-                                </m:e>
-                              </m:d>
-                              <m:r>
-                                <a:rPr lang="pt-BR" i="1">
-                                  <a:latin typeface="Cambria Math" panose="02040503050406030204" pitchFamily="18" charset="0"/>
-                                </a:rPr>
-                                <m:t>−</m:t>
-                              </m:r>
-                              <m:sSub>
-                                <m:sSubPr>
-                                  <m:ctrlPr>
-                                    <a:rPr lang="pt-BR" i="1">
-                                      <a:latin typeface="Cambria Math" panose="02040503050406030204" pitchFamily="18" charset="0"/>
-                                    </a:rPr>
-                                  </m:ctrlPr>
-                                </m:sSubPr>
-                                <m:e>
-                                  <m:r>
-                                    <a:rPr lang="pt-BR" i="1">
-                                      <a:latin typeface="Cambria Math" panose="02040503050406030204" pitchFamily="18" charset="0"/>
-                                    </a:rPr>
-                                    <m:t>h</m:t>
-                                  </m:r>
-                                </m:e>
-                                <m:sub>
-                                  <m:r>
-                                    <a:rPr lang="pt-BR" b="1" i="1">
-                                      <a:latin typeface="Cambria Math" panose="02040503050406030204" pitchFamily="18" charset="0"/>
-                                    </a:rPr>
-                                    <m:t>𝒂</m:t>
-                                  </m:r>
-                                </m:sub>
-                              </m:sSub>
-                              <m:d>
-                                <m:dPr>
-                                  <m:ctrlPr>
-                                    <a:rPr lang="pt-BR" i="1">
-                                      <a:latin typeface="Cambria Math" panose="02040503050406030204" pitchFamily="18" charset="0"/>
-                                    </a:rPr>
-                                  </m:ctrlPr>
-                                </m:dPr>
-                                <m:e>
-                                  <m:r>
-                                    <a:rPr lang="pt-BR" b="1" i="1">
-                                      <a:latin typeface="Cambria Math" panose="02040503050406030204" pitchFamily="18" charset="0"/>
-                                    </a:rPr>
-                                    <m:t>𝒙</m:t>
-                                  </m:r>
-                                  <m:d>
-                                    <m:dPr>
-                                      <m:ctrlPr>
-                                        <a:rPr lang="pt-BR" b="1" i="1">
-                                          <a:latin typeface="Cambria Math" panose="02040503050406030204" pitchFamily="18" charset="0"/>
-                                        </a:rPr>
-                                      </m:ctrlPr>
-                                    </m:dPr>
-                                    <m:e>
-                                      <m:r>
-                                        <a:rPr lang="pt-BR" i="1">
-                                          <a:latin typeface="Cambria Math" panose="02040503050406030204" pitchFamily="18" charset="0"/>
-                                        </a:rPr>
-                                        <m:t>𝑖</m:t>
-                                      </m:r>
-                                    </m:e>
-                                  </m:d>
-                                </m:e>
-                              </m:d>
-                            </m:e>
-                          </m:d>
-                          <m:sSup>
-                            <m:sSupPr>
-                              <m:ctrlPr>
-                                <a:rPr lang="pt-BR" i="1">
-                                  <a:latin typeface="Cambria Math" panose="02040503050406030204" pitchFamily="18" charset="0"/>
-                                </a:rPr>
-                              </m:ctrlPr>
-                            </m:sSupPr>
-                            <m:e>
-                              <m:r>
-                                <a:rPr lang="pt-BR" b="1" i="1">
-                                  <a:latin typeface="Cambria Math" panose="02040503050406030204" pitchFamily="18" charset="0"/>
-                                </a:rPr>
-                                <m:t>𝒙</m:t>
-                              </m:r>
-                              <m:d>
-                                <m:dPr>
-                                  <m:ctrlPr>
-                                    <a:rPr lang="pt-BR" b="1" i="1">
-                                      <a:latin typeface="Cambria Math" panose="02040503050406030204" pitchFamily="18" charset="0"/>
-                                    </a:rPr>
-                                  </m:ctrlPr>
-                                </m:dPr>
-                                <m:e>
-                                  <m:r>
-                                    <a:rPr lang="pt-BR" i="1">
-                                      <a:latin typeface="Cambria Math" panose="02040503050406030204" pitchFamily="18" charset="0"/>
-                                    </a:rPr>
-                                    <m:t>𝑖</m:t>
-                                  </m:r>
-                                </m:e>
-                              </m:d>
-                            </m:e>
-                            <m:sup>
-                              <m:r>
-                                <a:rPr lang="pt-BR" i="1">
-                                  <a:latin typeface="Cambria Math" panose="02040503050406030204" pitchFamily="18" charset="0"/>
-                                </a:rPr>
-                                <m:t>𝑇</m:t>
-                              </m:r>
-                            </m:sup>
-                          </m:sSup>
-                        </m:e>
-                      </m:nary>
-                      <m:r>
-                        <a:rPr lang="pt-BR" i="1">
-                          <a:latin typeface="Cambria Math" panose="02040503050406030204" pitchFamily="18" charset="0"/>
-                        </a:rPr>
-                        <m:t>=</m:t>
-                      </m:r>
-                      <m:sSup>
-                        <m:sSupPr>
-                          <m:ctrlPr>
-                            <a:rPr lang="pt-BR" i="1">
-                              <a:latin typeface="Cambria Math" panose="02040503050406030204" pitchFamily="18" charset="0"/>
-                            </a:rPr>
-                          </m:ctrlPr>
-                        </m:sSupPr>
-                        <m:e>
-                          <m:r>
-                            <a:rPr lang="pt-BR" i="1">
-                              <a:latin typeface="Cambria Math" panose="02040503050406030204" pitchFamily="18" charset="0"/>
-                            </a:rPr>
-                            <m:t>−</m:t>
-                          </m:r>
-                          <m:f>
-                            <m:fPr>
-                              <m:ctrlPr>
-                                <a:rPr lang="pt-BR" i="1">
-                                  <a:latin typeface="Cambria Math" panose="02040503050406030204" pitchFamily="18" charset="0"/>
-                                </a:rPr>
-                              </m:ctrlPr>
-                            </m:fPr>
-                            <m:num>
-                              <m:r>
-                                <a:rPr lang="pt-BR" i="1">
-                                  <a:latin typeface="Cambria Math" panose="02040503050406030204" pitchFamily="18" charset="0"/>
-                                </a:rPr>
-                                <m:t>1</m:t>
-                              </m:r>
-                            </m:num>
-                            <m:den>
-                              <m:r>
-                                <a:rPr lang="pt-BR" i="1">
-                                  <a:latin typeface="Cambria Math" panose="02040503050406030204" pitchFamily="18" charset="0"/>
-                                </a:rPr>
-                                <m:t>𝑁</m:t>
-                              </m:r>
-                            </m:den>
-                          </m:f>
-                          <m:r>
-                            <a:rPr lang="pt-BR" b="1" i="1">
-                              <a:latin typeface="Cambria Math" panose="02040503050406030204" pitchFamily="18" charset="0"/>
-                            </a:rPr>
-                            <m:t>𝑿</m:t>
-                          </m:r>
-                        </m:e>
-                        <m:sup>
-                          <m:r>
-                            <a:rPr lang="pt-BR" i="1">
-                              <a:latin typeface="Cambria Math" panose="02040503050406030204" pitchFamily="18" charset="0"/>
-                            </a:rPr>
-                            <m:t>𝑇</m:t>
-                          </m:r>
-                        </m:sup>
-                      </m:sSup>
-                      <m:d>
-                        <m:dPr>
-                          <m:ctrlPr>
-                            <a:rPr lang="pt-BR" i="1">
-                              <a:latin typeface="Cambria Math" panose="02040503050406030204" pitchFamily="18" charset="0"/>
-                            </a:rPr>
-                          </m:ctrlPr>
-                        </m:dPr>
-                        <m:e>
-                          <m:r>
-                            <a:rPr lang="pt-BR" b="1" i="1">
-                              <a:latin typeface="Cambria Math" panose="02040503050406030204" pitchFamily="18" charset="0"/>
-                            </a:rPr>
-                            <m:t>𝒚</m:t>
-                          </m:r>
-                          <m:r>
-                            <a:rPr lang="pt-BR" i="1">
-                              <a:latin typeface="Cambria Math" panose="02040503050406030204" pitchFamily="18" charset="0"/>
-                            </a:rPr>
-                            <m:t>−</m:t>
-                          </m:r>
-                          <m:acc>
-                            <m:accPr>
-                              <m:chr m:val="̂"/>
-                              <m:ctrlPr>
-                                <a:rPr lang="pt-BR" i="1">
-                                  <a:latin typeface="Cambria Math" panose="02040503050406030204" pitchFamily="18" charset="0"/>
-                                </a:rPr>
-                              </m:ctrlPr>
-                            </m:accPr>
-                            <m:e>
-                              <m:r>
-                                <a:rPr lang="pt-BR" b="1" i="1">
-                                  <a:latin typeface="Cambria Math" panose="02040503050406030204" pitchFamily="18" charset="0"/>
-                                </a:rPr>
-                                <m:t>𝒚</m:t>
-                              </m:r>
-                            </m:e>
-                          </m:acc>
-                        </m:e>
-                      </m:d>
-                      <m:r>
-                        <a:rPr lang="pt-BR" b="0" i="1" smtClean="0">
-                          <a:latin typeface="Cambria Math" panose="02040503050406030204" pitchFamily="18" charset="0"/>
-                        </a:rPr>
-                        <m:t>,</m:t>
-                      </m:r>
-                    </m:oMath>
-                  </m:oMathPara>
-                </a14:m>
-                <a:endParaRPr lang="pt-BR" dirty="0"/>
-              </a:p>
-              <a:p>
-                <a:pPr marL="0" indent="0">
-                  <a:buNone/>
-                </a:pPr>
-                <a:r>
-                  <a:rPr lang="pt-BR" dirty="0"/>
-                  <a:t>onde </a:t>
-                </a:r>
-                <a14:m>
-                  <m:oMath xmlns:m="http://schemas.openxmlformats.org/officeDocument/2006/math">
-                    <m:r>
-                      <a:rPr lang="pt-BR" b="1" i="1">
-                        <a:latin typeface="Cambria Math" panose="02040503050406030204" pitchFamily="18" charset="0"/>
-                      </a:rPr>
-                      <m:t>𝑿</m:t>
-                    </m:r>
-                    <m:r>
-                      <a:rPr lang="pt-BR" b="1" i="1" smtClean="0">
-                        <a:latin typeface="Cambria Math" panose="02040503050406030204" pitchFamily="18" charset="0"/>
-                      </a:rPr>
-                      <m:t>=</m:t>
-                    </m:r>
-                    <m:d>
-                      <m:dPr>
-                        <m:begChr m:val="["/>
-                        <m:endChr m:val="]"/>
-                        <m:ctrlPr>
-                          <a:rPr lang="pt-BR" b="1" i="1" smtClean="0">
-                            <a:latin typeface="Cambria Math" panose="02040503050406030204" pitchFamily="18" charset="0"/>
-                          </a:rPr>
-                        </m:ctrlPr>
-                      </m:dPr>
-                      <m:e>
-                        <m:sSub>
-                          <m:sSubPr>
-                            <m:ctrlPr>
-                              <a:rPr lang="en-US" i="1">
-                                <a:latin typeface="Cambria Math" panose="02040503050406030204" pitchFamily="18" charset="0"/>
-                              </a:rPr>
-                            </m:ctrlPr>
-                          </m:sSubPr>
-                          <m:e>
-                            <m:r>
-                              <a:rPr lang="en-US" b="1" i="1">
-                                <a:latin typeface="Cambria Math" panose="02040503050406030204" pitchFamily="18" charset="0"/>
-                              </a:rPr>
-                              <m:t>𝒙</m:t>
-                            </m:r>
-                          </m:e>
-                          <m:sub>
-                            <m:r>
-                              <a:rPr lang="pt-BR" b="0" i="1" smtClean="0">
-                                <a:latin typeface="Cambria Math" panose="02040503050406030204" pitchFamily="18" charset="0"/>
-                              </a:rPr>
-                              <m:t>0</m:t>
-                            </m:r>
-                          </m:sub>
-                        </m:sSub>
-                        <m:r>
-                          <a:rPr lang="pt-BR" b="1" i="1" smtClean="0">
-                            <a:latin typeface="Cambria Math" panose="02040503050406030204" pitchFamily="18" charset="0"/>
-                          </a:rPr>
-                          <m:t>,</m:t>
-                        </m:r>
-                        <m:sSub>
-                          <m:sSubPr>
-                            <m:ctrlPr>
-                              <a:rPr lang="en-US" i="1">
-                                <a:latin typeface="Cambria Math" panose="02040503050406030204" pitchFamily="18" charset="0"/>
-                              </a:rPr>
-                            </m:ctrlPr>
-                          </m:sSubPr>
-                          <m:e>
-                            <m:r>
-                              <a:rPr lang="en-US" b="1" i="1">
-                                <a:latin typeface="Cambria Math" panose="02040503050406030204" pitchFamily="18" charset="0"/>
-                              </a:rPr>
-                              <m:t>𝒙</m:t>
-                            </m:r>
-                          </m:e>
-                          <m:sub>
-                            <m:r>
-                              <a:rPr lang="pt-BR" b="0" i="1" smtClean="0">
-                                <a:latin typeface="Cambria Math" panose="02040503050406030204" pitchFamily="18" charset="0"/>
-                              </a:rPr>
-                              <m:t>1</m:t>
-                            </m:r>
-                          </m:sub>
-                        </m:sSub>
-                        <m:r>
-                          <a:rPr lang="pt-BR" b="1" i="1" smtClean="0">
-                            <a:latin typeface="Cambria Math" panose="02040503050406030204" pitchFamily="18" charset="0"/>
-                          </a:rPr>
-                          <m:t>, </m:t>
-                        </m:r>
-                        <m:sSub>
-                          <m:sSubPr>
-                            <m:ctrlPr>
-                              <a:rPr lang="en-US" i="1">
-                                <a:latin typeface="Cambria Math" panose="02040503050406030204" pitchFamily="18" charset="0"/>
-                              </a:rPr>
-                            </m:ctrlPr>
-                          </m:sSubPr>
-                          <m:e>
-                            <m:r>
-                              <a:rPr lang="en-US" b="1" i="1">
-                                <a:latin typeface="Cambria Math" panose="02040503050406030204" pitchFamily="18" charset="0"/>
-                              </a:rPr>
-                              <m:t>𝒙</m:t>
-                            </m:r>
-                          </m:e>
-                          <m:sub>
-                            <m:r>
-                              <a:rPr lang="pt-BR" b="0" i="1" smtClean="0">
-                                <a:latin typeface="Cambria Math" panose="02040503050406030204" pitchFamily="18" charset="0"/>
-                              </a:rPr>
-                              <m:t>2</m:t>
-                            </m:r>
-                          </m:sub>
-                        </m:sSub>
-                      </m:e>
-                    </m:d>
-                  </m:oMath>
-                </a14:m>
-                <a:r>
-                  <a:rPr lang="pt-BR" dirty="0"/>
-                  <a:t> </a:t>
-                </a:r>
-                <a14:m>
-                  <m:oMath xmlns:m="http://schemas.openxmlformats.org/officeDocument/2006/math">
-                    <m:r>
-                      <a:rPr lang="pt-BR">
-                        <a:latin typeface="Cambria Math" panose="02040503050406030204" pitchFamily="18" charset="0"/>
-                      </a:rPr>
-                      <m:t>∈</m:t>
-                    </m:r>
-                    <m:sSup>
-                      <m:sSupPr>
-                        <m:ctrlPr>
-                          <a:rPr lang="pt-BR" i="1">
-                            <a:latin typeface="Cambria Math" panose="02040503050406030204" pitchFamily="18" charset="0"/>
-                          </a:rPr>
-                        </m:ctrlPr>
-                      </m:sSupPr>
-                      <m:e>
-                        <m:r>
-                          <a:rPr lang="pt-BR">
-                            <a:latin typeface="Cambria Math" panose="02040503050406030204" pitchFamily="18" charset="0"/>
-                          </a:rPr>
-                          <m:t>ℝ</m:t>
-                        </m:r>
-                      </m:e>
-                      <m:sup>
-                        <m:r>
-                          <m:rPr>
-                            <m:sty m:val="p"/>
-                          </m:rPr>
-                          <a:rPr lang="pt-BR">
-                            <a:latin typeface="Cambria Math" panose="02040503050406030204" pitchFamily="18" charset="0"/>
-                          </a:rPr>
-                          <m:t>N</m:t>
-                        </m:r>
-                        <m:r>
-                          <a:rPr lang="pt-BR">
-                            <a:latin typeface="Cambria Math" panose="02040503050406030204" pitchFamily="18" charset="0"/>
-                          </a:rPr>
-                          <m:t>×</m:t>
-                        </m:r>
-                        <m:r>
-                          <m:rPr>
-                            <m:sty m:val="p"/>
-                          </m:rPr>
-                          <a:rPr lang="pt-BR">
-                            <a:latin typeface="Cambria Math" panose="02040503050406030204" pitchFamily="18" charset="0"/>
-                          </a:rPr>
-                          <m:t>K</m:t>
-                        </m:r>
-                        <m:r>
-                          <a:rPr lang="pt-BR">
-                            <a:latin typeface="Cambria Math" panose="02040503050406030204" pitchFamily="18" charset="0"/>
-                          </a:rPr>
-                          <m:t>+1</m:t>
-                        </m:r>
-                      </m:sup>
-                    </m:sSup>
-                  </m:oMath>
-                </a14:m>
-                <a:r>
-                  <a:rPr lang="pt-BR" dirty="0"/>
-                  <a:t>, </a:t>
-                </a:r>
-                <a14:m>
-                  <m:oMath xmlns:m="http://schemas.openxmlformats.org/officeDocument/2006/math">
-                    <m:sSub>
-                      <m:sSubPr>
-                        <m:ctrlPr>
-                          <a:rPr lang="en-US" i="1">
-                            <a:latin typeface="Cambria Math" panose="02040503050406030204" pitchFamily="18" charset="0"/>
-                          </a:rPr>
-                        </m:ctrlPr>
-                      </m:sSubPr>
-                      <m:e>
-                        <m:r>
-                          <a:rPr lang="en-US" b="1" i="1">
-                            <a:latin typeface="Cambria Math" panose="02040503050406030204" pitchFamily="18" charset="0"/>
-                          </a:rPr>
-                          <m:t>𝒙</m:t>
-                        </m:r>
-                      </m:e>
-                      <m:sub>
-                        <m:r>
-                          <a:rPr lang="pt-BR" b="0" i="1" smtClean="0">
-                            <a:latin typeface="Cambria Math" panose="02040503050406030204" pitchFamily="18" charset="0"/>
-                          </a:rPr>
-                          <m:t>𝑘</m:t>
-                        </m:r>
-                      </m:sub>
-                    </m:sSub>
-                    <m:r>
-                      <a:rPr lang="pt-BR">
-                        <a:latin typeface="Cambria Math" panose="02040503050406030204" pitchFamily="18" charset="0"/>
-                      </a:rPr>
-                      <m:t>∈</m:t>
-                    </m:r>
-                    <m:sSup>
-                      <m:sSupPr>
-                        <m:ctrlPr>
-                          <a:rPr lang="pt-BR" i="1">
-                            <a:latin typeface="Cambria Math" panose="02040503050406030204" pitchFamily="18" charset="0"/>
-                          </a:rPr>
-                        </m:ctrlPr>
-                      </m:sSupPr>
-                      <m:e>
-                        <m:r>
-                          <a:rPr lang="pt-BR">
-                            <a:latin typeface="Cambria Math" panose="02040503050406030204" pitchFamily="18" charset="0"/>
-                          </a:rPr>
-                          <m:t>ℝ</m:t>
-                        </m:r>
-                      </m:e>
-                      <m:sup>
-                        <m:r>
-                          <m:rPr>
-                            <m:sty m:val="p"/>
-                          </m:rPr>
-                          <a:rPr lang="pt-BR">
-                            <a:latin typeface="Cambria Math" panose="02040503050406030204" pitchFamily="18" charset="0"/>
-                          </a:rPr>
-                          <m:t>N</m:t>
-                        </m:r>
-                        <m:r>
-                          <a:rPr lang="pt-BR">
-                            <a:latin typeface="Cambria Math" panose="02040503050406030204" pitchFamily="18" charset="0"/>
-                          </a:rPr>
-                          <m:t>×1</m:t>
-                        </m:r>
-                      </m:sup>
-                    </m:sSup>
-                    <m:r>
-                      <a:rPr lang="pt-BR" b="0" i="1" smtClean="0">
-                        <a:latin typeface="Cambria Math" panose="02040503050406030204" pitchFamily="18" charset="0"/>
-                      </a:rPr>
-                      <m:t> </m:t>
-                    </m:r>
-                    <m:r>
-                      <a:rPr lang="pt-BR" b="0" i="1" smtClean="0">
-                        <a:latin typeface="Cambria Math" panose="02040503050406030204" pitchFamily="18" charset="0"/>
-                        <a:ea typeface="Cambria Math" panose="02040503050406030204" pitchFamily="18" charset="0"/>
-                      </a:rPr>
-                      <m:t>∀</m:t>
-                    </m:r>
-                    <m:r>
-                      <a:rPr lang="pt-BR" b="0" i="1" smtClean="0">
-                        <a:latin typeface="Cambria Math" panose="02040503050406030204" pitchFamily="18" charset="0"/>
-                        <a:ea typeface="Cambria Math" panose="02040503050406030204" pitchFamily="18" charset="0"/>
-                      </a:rPr>
-                      <m:t>𝑘</m:t>
-                    </m:r>
-                  </m:oMath>
-                </a14:m>
-                <a:r>
-                  <a:rPr lang="pt-BR" dirty="0"/>
-                  <a:t> e </a:t>
-                </a:r>
-                <a14:m>
-                  <m:oMath xmlns:m="http://schemas.openxmlformats.org/officeDocument/2006/math">
-                    <m:r>
-                      <a:rPr lang="pt-BR">
-                        <a:latin typeface="Cambria Math" panose="02040503050406030204" pitchFamily="18" charset="0"/>
-                      </a:rPr>
-                      <m:t>𝒚</m:t>
-                    </m:r>
-                  </m:oMath>
-                </a14:m>
-                <a:r>
-                  <a:rPr lang="pt-BR" dirty="0"/>
-                  <a:t> e </a:t>
-                </a:r>
-                <a14:m>
-                  <m:oMath xmlns:m="http://schemas.openxmlformats.org/officeDocument/2006/math">
-                    <m:acc>
-                      <m:accPr>
-                        <m:chr m:val="̂"/>
-                        <m:ctrlPr>
-                          <a:rPr lang="pt-BR" i="1">
-                            <a:latin typeface="Cambria Math" panose="02040503050406030204" pitchFamily="18" charset="0"/>
-                          </a:rPr>
-                        </m:ctrlPr>
-                      </m:accPr>
-                      <m:e>
-                        <m:r>
-                          <a:rPr lang="pt-BR">
-                            <a:latin typeface="Cambria Math" panose="02040503050406030204" pitchFamily="18" charset="0"/>
-                          </a:rPr>
-                          <m:t>𝒚</m:t>
-                        </m:r>
-                      </m:e>
-                    </m:acc>
-                  </m:oMath>
-                </a14:m>
-                <a:r>
-                  <a:rPr lang="pt-BR" dirty="0"/>
-                  <a:t>  </a:t>
-                </a:r>
-                <a14:m>
-                  <m:oMath xmlns:m="http://schemas.openxmlformats.org/officeDocument/2006/math">
-                    <m:r>
-                      <a:rPr lang="pt-BR">
-                        <a:latin typeface="Cambria Math" panose="02040503050406030204" pitchFamily="18" charset="0"/>
-                      </a:rPr>
-                      <m:t>∈</m:t>
-                    </m:r>
-                    <m:sSup>
-                      <m:sSupPr>
-                        <m:ctrlPr>
-                          <a:rPr lang="pt-BR" i="1">
-                            <a:latin typeface="Cambria Math" panose="02040503050406030204" pitchFamily="18" charset="0"/>
-                          </a:rPr>
-                        </m:ctrlPr>
-                      </m:sSupPr>
-                      <m:e>
-                        <m:r>
-                          <a:rPr lang="pt-BR">
-                            <a:latin typeface="Cambria Math" panose="02040503050406030204" pitchFamily="18" charset="0"/>
-                          </a:rPr>
-                          <m:t>ℝ</m:t>
-                        </m:r>
-                      </m:e>
-                      <m:sup>
-                        <m:r>
-                          <m:rPr>
-                            <m:sty m:val="p"/>
-                          </m:rPr>
-                          <a:rPr lang="pt-BR">
-                            <a:latin typeface="Cambria Math" panose="02040503050406030204" pitchFamily="18" charset="0"/>
-                          </a:rPr>
-                          <m:t>N</m:t>
-                        </m:r>
-                        <m:r>
-                          <a:rPr lang="pt-BR">
-                            <a:latin typeface="Cambria Math" panose="02040503050406030204" pitchFamily="18" charset="0"/>
-                          </a:rPr>
-                          <m:t>×</m:t>
-                        </m:r>
-                        <m:r>
-                          <a:rPr lang="pt-BR">
-                            <a:latin typeface="Cambria Math" panose="02040503050406030204" pitchFamily="18" charset="0"/>
-                          </a:rPr>
-                          <m:t>𝟏</m:t>
-                        </m:r>
-                      </m:sup>
-                    </m:sSup>
-                  </m:oMath>
-                </a14:m>
-                <a:r>
-                  <a:rPr lang="pt-BR" dirty="0"/>
-                  <a:t>. </a:t>
-                </a:r>
-              </a:p>
-              <a:p>
-                <a:r>
-                  <a:rPr lang="pt-BR" dirty="0"/>
-                  <a:t>O </a:t>
-                </a:r>
-                <a:r>
-                  <a:rPr lang="pt-BR" b="1" i="1" dirty="0"/>
-                  <a:t>vetor gradiente </a:t>
-                </a:r>
-                <a:r>
-                  <a:rPr lang="pt-BR" dirty="0"/>
-                  <a:t>da</a:t>
-                </a:r>
-                <a:r>
-                  <a:rPr lang="pt-BR" b="1" i="1" dirty="0"/>
-                  <a:t> função de erro médio</a:t>
-                </a:r>
-                <a:r>
-                  <a:rPr lang="pt-BR" dirty="0"/>
-                  <a:t> quando</a:t>
-                </a:r>
-                <a:r>
-                  <a:rPr lang="pt-BR" b="1" i="1" dirty="0"/>
-                  <a:t> </a:t>
-                </a:r>
-                <a14:m>
-                  <m:oMath xmlns:m="http://schemas.openxmlformats.org/officeDocument/2006/math">
-                    <m:r>
-                      <a:rPr lang="pt-BR" i="1">
-                        <a:latin typeface="Cambria Math" panose="02040503050406030204" pitchFamily="18" charset="0"/>
-                      </a:rPr>
-                      <m:t>𝑔</m:t>
-                    </m:r>
-                    <m:d>
-                      <m:dPr>
-                        <m:ctrlPr>
-                          <a:rPr lang="pt-BR" i="1">
-                            <a:latin typeface="Cambria Math" panose="02040503050406030204" pitchFamily="18" charset="0"/>
-                          </a:rPr>
-                        </m:ctrlPr>
-                      </m:dPr>
-                      <m:e>
-                        <m:r>
-                          <a:rPr lang="pt-BR" b="1" i="1">
-                            <a:latin typeface="Cambria Math" panose="02040503050406030204" pitchFamily="18" charset="0"/>
-                          </a:rPr>
-                          <m:t>𝒙</m:t>
-                        </m:r>
-                      </m:e>
-                    </m:d>
-                    <m:r>
-                      <a:rPr lang="pt-BR" b="1" i="1">
-                        <a:latin typeface="Cambria Math" panose="02040503050406030204" pitchFamily="18" charset="0"/>
-                      </a:rPr>
-                      <m:t>=</m:t>
-                    </m:r>
-                    <m:sSub>
-                      <m:sSubPr>
-                        <m:ctrlPr>
-                          <a:rPr lang="pt-BR" i="1" smtClean="0">
-                            <a:latin typeface="Cambria Math" panose="02040503050406030204" pitchFamily="18" charset="0"/>
-                          </a:rPr>
-                        </m:ctrlPr>
-                      </m:sSubPr>
-                      <m:e>
-                        <m:r>
-                          <a:rPr lang="pt-BR" b="0" i="1" smtClean="0">
-                            <a:latin typeface="Cambria Math" panose="02040503050406030204" pitchFamily="18" charset="0"/>
-                          </a:rPr>
-                          <m:t>𝑎</m:t>
-                        </m:r>
-                      </m:e>
-                      <m:sub>
-                        <m:r>
-                          <a:rPr lang="pt-BR" b="0" i="1" smtClean="0">
-                            <a:latin typeface="Cambria Math" panose="02040503050406030204" pitchFamily="18" charset="0"/>
-                          </a:rPr>
-                          <m:t>0</m:t>
-                        </m:r>
-                      </m:sub>
-                    </m:sSub>
-                    <m:r>
-                      <a:rPr lang="pt-BR" b="0" i="1" smtClean="0">
-                        <a:latin typeface="Cambria Math" panose="02040503050406030204" pitchFamily="18" charset="0"/>
-                      </a:rPr>
-                      <m:t>+</m:t>
-                    </m:r>
-                    <m:sSubSup>
-                      <m:sSubSupPr>
-                        <m:ctrlPr>
-                          <a:rPr lang="pt-BR" b="0" i="1" smtClean="0">
-                            <a:latin typeface="Cambria Math" panose="02040503050406030204" pitchFamily="18" charset="0"/>
-                          </a:rPr>
-                        </m:ctrlPr>
-                      </m:sSubSupPr>
-                      <m:e>
-                        <m:r>
-                          <a:rPr lang="pt-BR" b="0" i="1" smtClean="0">
-                            <a:latin typeface="Cambria Math" panose="02040503050406030204" pitchFamily="18" charset="0"/>
-                          </a:rPr>
-                          <m:t>𝑥</m:t>
-                        </m:r>
-                      </m:e>
-                      <m:sub>
-                        <m:r>
-                          <a:rPr lang="pt-BR" b="0" i="1" smtClean="0">
-                            <a:latin typeface="Cambria Math" panose="02040503050406030204" pitchFamily="18" charset="0"/>
-                          </a:rPr>
-                          <m:t>1</m:t>
-                        </m:r>
-                      </m:sub>
-                      <m:sup>
-                        <m:r>
-                          <a:rPr lang="pt-BR" b="0" i="1" smtClean="0">
-                            <a:latin typeface="Cambria Math" panose="02040503050406030204" pitchFamily="18" charset="0"/>
-                          </a:rPr>
-                          <m:t>2</m:t>
-                        </m:r>
-                      </m:sup>
-                    </m:sSubSup>
-                    <m:r>
-                      <a:rPr lang="pt-BR" b="0" i="1" smtClean="0">
-                        <a:latin typeface="Cambria Math" panose="02040503050406030204" pitchFamily="18" charset="0"/>
-                      </a:rPr>
-                      <m:t>+</m:t>
-                    </m:r>
-                    <m:sSubSup>
-                      <m:sSubSupPr>
-                        <m:ctrlPr>
-                          <a:rPr lang="pt-BR" i="1">
-                            <a:latin typeface="Cambria Math" panose="02040503050406030204" pitchFamily="18" charset="0"/>
-                          </a:rPr>
-                        </m:ctrlPr>
-                      </m:sSubSupPr>
-                      <m:e>
-                        <m:r>
-                          <a:rPr lang="pt-BR" i="1">
-                            <a:latin typeface="Cambria Math" panose="02040503050406030204" pitchFamily="18" charset="0"/>
-                          </a:rPr>
-                          <m:t>𝑥</m:t>
-                        </m:r>
-                      </m:e>
-                      <m:sub>
-                        <m:r>
-                          <a:rPr lang="pt-BR" b="0" i="1" smtClean="0">
-                            <a:latin typeface="Cambria Math" panose="02040503050406030204" pitchFamily="18" charset="0"/>
-                          </a:rPr>
-                          <m:t>2</m:t>
-                        </m:r>
-                      </m:sub>
-                      <m:sup>
-                        <m:r>
-                          <a:rPr lang="pt-BR" i="1">
-                            <a:latin typeface="Cambria Math" panose="02040503050406030204" pitchFamily="18" charset="0"/>
-                          </a:rPr>
-                          <m:t>2</m:t>
-                        </m:r>
-                      </m:sup>
-                    </m:sSubSup>
-                  </m:oMath>
-                </a14:m>
-                <a:r>
-                  <a:rPr lang="pt-BR" dirty="0">
-                    <a:latin typeface="Cambria Math" panose="02040503050406030204" pitchFamily="18" charset="0"/>
-                  </a:rPr>
-                  <a:t>(equação de um círculo) é dado por</a:t>
-                </a:r>
-              </a:p>
-              <a:p>
-                <a:pPr marL="0" indent="0">
-                  <a:buNone/>
-                </a:pPr>
-                <a14:m>
-                  <m:oMathPara xmlns:m="http://schemas.openxmlformats.org/officeDocument/2006/math">
-                    <m:oMathParaPr>
-                      <m:jc m:val="centerGroup"/>
-                    </m:oMathParaPr>
-                    <m:oMath xmlns:m="http://schemas.openxmlformats.org/officeDocument/2006/math">
-                      <m:f>
-                        <m:fPr>
-                          <m:ctrlPr>
-                            <a:rPr lang="pt-BR" i="1">
-                              <a:latin typeface="Cambria Math" panose="02040503050406030204" pitchFamily="18" charset="0"/>
-                            </a:rPr>
-                          </m:ctrlPr>
-                        </m:fPr>
-                        <m:num>
-                          <m:r>
-                            <a:rPr lang="pt-BR" i="1">
-                              <a:latin typeface="Cambria Math" panose="02040503050406030204" pitchFamily="18" charset="0"/>
-                            </a:rPr>
-                            <m:t>𝜕</m:t>
-                          </m:r>
-                          <m:sSub>
-                            <m:sSubPr>
-                              <m:ctrlPr>
-                                <a:rPr lang="pt-BR" i="1">
-                                  <a:latin typeface="Cambria Math" panose="02040503050406030204" pitchFamily="18" charset="0"/>
-                                </a:rPr>
-                              </m:ctrlPr>
-                            </m:sSubPr>
-                            <m:e>
-                              <m:r>
-                                <a:rPr lang="pt-BR" i="1">
-                                  <a:latin typeface="Cambria Math" panose="02040503050406030204" pitchFamily="18" charset="0"/>
-                                </a:rPr>
-                                <m:t>𝐽</m:t>
-                              </m:r>
-                            </m:e>
-                            <m:sub>
-                              <m:r>
-                                <a:rPr lang="pt-BR" i="1">
-                                  <a:latin typeface="Cambria Math" panose="02040503050406030204" pitchFamily="18" charset="0"/>
-                                </a:rPr>
-                                <m:t>𝑒</m:t>
-                              </m:r>
-                            </m:sub>
-                          </m:sSub>
-                          <m:d>
-                            <m:dPr>
-                              <m:ctrlPr>
-                                <a:rPr lang="pt-BR" i="1">
-                                  <a:latin typeface="Cambria Math" panose="02040503050406030204" pitchFamily="18" charset="0"/>
-                                </a:rPr>
-                              </m:ctrlPr>
-                            </m:dPr>
-                            <m:e>
-                              <m:r>
-                                <a:rPr lang="pt-BR" b="1" i="1">
-                                  <a:latin typeface="Cambria Math" panose="02040503050406030204" pitchFamily="18" charset="0"/>
-                                </a:rPr>
-                                <m:t>𝒂</m:t>
-                              </m:r>
-                            </m:e>
-                          </m:d>
-                        </m:num>
-                        <m:den>
-                          <m:r>
-                            <a:rPr lang="pt-BR" i="1">
-                              <a:latin typeface="Cambria Math" panose="02040503050406030204" pitchFamily="18" charset="0"/>
-                            </a:rPr>
-                            <m:t>𝜕</m:t>
-                          </m:r>
-                          <m:r>
-                            <a:rPr lang="pt-BR" b="1" i="1">
-                              <a:latin typeface="Cambria Math" panose="02040503050406030204" pitchFamily="18" charset="0"/>
-                            </a:rPr>
-                            <m:t>𝒂</m:t>
-                          </m:r>
-                        </m:den>
-                      </m:f>
-                      <m:r>
-                        <a:rPr lang="pt-BR" b="1" i="1">
-                          <a:latin typeface="Cambria Math" panose="02040503050406030204" pitchFamily="18" charset="0"/>
-                        </a:rPr>
-                        <m:t>=</m:t>
-                      </m:r>
-                      <m:r>
-                        <a:rPr lang="pt-BR" i="1">
-                          <a:latin typeface="Cambria Math" panose="02040503050406030204" pitchFamily="18" charset="0"/>
-                        </a:rPr>
-                        <m:t>−</m:t>
-                      </m:r>
-                      <m:f>
-                        <m:fPr>
-                          <m:ctrlPr>
-                            <a:rPr lang="pt-BR" i="1">
-                              <a:latin typeface="Cambria Math" panose="02040503050406030204" pitchFamily="18" charset="0"/>
-                            </a:rPr>
-                          </m:ctrlPr>
-                        </m:fPr>
-                        <m:num>
-                          <m:r>
-                            <a:rPr lang="pt-BR" i="1">
-                              <a:latin typeface="Cambria Math" panose="02040503050406030204" pitchFamily="18" charset="0"/>
-                            </a:rPr>
-                            <m:t>1</m:t>
-                          </m:r>
-                        </m:num>
-                        <m:den>
-                          <m:r>
-                            <a:rPr lang="pt-BR" i="1">
-                              <a:latin typeface="Cambria Math" panose="02040503050406030204" pitchFamily="18" charset="0"/>
-                            </a:rPr>
-                            <m:t>𝑁</m:t>
-                          </m:r>
-                        </m:den>
-                      </m:f>
-                      <m:nary>
-                        <m:naryPr>
-                          <m:chr m:val="∑"/>
-                          <m:ctrlPr>
-                            <a:rPr lang="pt-BR" i="1">
-                              <a:latin typeface="Cambria Math" panose="02040503050406030204" pitchFamily="18" charset="0"/>
-                            </a:rPr>
-                          </m:ctrlPr>
-                        </m:naryPr>
-                        <m:sub>
-                          <m:r>
-                            <m:rPr>
-                              <m:brk m:alnAt="23"/>
-                            </m:rPr>
-                            <a:rPr lang="pt-BR" i="1">
-                              <a:latin typeface="Cambria Math" panose="02040503050406030204" pitchFamily="18" charset="0"/>
-                            </a:rPr>
-                            <m:t>𝑖</m:t>
-                          </m:r>
-                          <m:r>
-                            <a:rPr lang="pt-BR" i="1">
-                              <a:latin typeface="Cambria Math" panose="02040503050406030204" pitchFamily="18" charset="0"/>
-                            </a:rPr>
-                            <m:t>=0</m:t>
-                          </m:r>
-                        </m:sub>
-                        <m:sup>
-                          <m:r>
-                            <a:rPr lang="pt-BR" i="1">
-                              <a:latin typeface="Cambria Math" panose="02040503050406030204" pitchFamily="18" charset="0"/>
-                            </a:rPr>
-                            <m:t>𝑁</m:t>
-                          </m:r>
-                          <m:r>
-                            <a:rPr lang="pt-BR" i="1">
-                              <a:latin typeface="Cambria Math" panose="02040503050406030204" pitchFamily="18" charset="0"/>
-                            </a:rPr>
-                            <m:t>−1</m:t>
-                          </m:r>
-                        </m:sup>
-                        <m:e>
-                          <m:d>
-                            <m:dPr>
-                              <m:begChr m:val="["/>
-                              <m:endChr m:val="]"/>
-                              <m:ctrlPr>
-                                <a:rPr lang="pt-BR" i="1">
-                                  <a:latin typeface="Cambria Math" panose="02040503050406030204" pitchFamily="18" charset="0"/>
-                                </a:rPr>
-                              </m:ctrlPr>
-                            </m:dPr>
-                            <m:e>
-                              <m:r>
-                                <a:rPr lang="pt-BR" i="1">
-                                  <a:latin typeface="Cambria Math" panose="02040503050406030204" pitchFamily="18" charset="0"/>
-                                </a:rPr>
-                                <m:t>𝑦</m:t>
-                              </m:r>
-                              <m:d>
-                                <m:dPr>
-                                  <m:ctrlPr>
-                                    <a:rPr lang="pt-BR" i="1">
-                                      <a:latin typeface="Cambria Math" panose="02040503050406030204" pitchFamily="18" charset="0"/>
-                                    </a:rPr>
-                                  </m:ctrlPr>
-                                </m:dPr>
-                                <m:e>
-                                  <m:r>
-                                    <a:rPr lang="pt-BR" i="1">
-                                      <a:latin typeface="Cambria Math" panose="02040503050406030204" pitchFamily="18" charset="0"/>
-                                    </a:rPr>
-                                    <m:t>𝑖</m:t>
-                                  </m:r>
-                                </m:e>
-                              </m:d>
-                              <m:r>
-                                <a:rPr lang="pt-BR" i="1">
-                                  <a:latin typeface="Cambria Math" panose="02040503050406030204" pitchFamily="18" charset="0"/>
-                                </a:rPr>
-                                <m:t>−</m:t>
-                              </m:r>
-                              <m:sSub>
-                                <m:sSubPr>
-                                  <m:ctrlPr>
-                                    <a:rPr lang="pt-BR" i="1">
-                                      <a:latin typeface="Cambria Math" panose="02040503050406030204" pitchFamily="18" charset="0"/>
-                                    </a:rPr>
-                                  </m:ctrlPr>
-                                </m:sSubPr>
-                                <m:e>
-                                  <m:r>
-                                    <a:rPr lang="pt-BR" i="1">
-                                      <a:latin typeface="Cambria Math" panose="02040503050406030204" pitchFamily="18" charset="0"/>
-                                    </a:rPr>
-                                    <m:t>h</m:t>
-                                  </m:r>
-                                </m:e>
-                                <m:sub>
-                                  <m:r>
-                                    <a:rPr lang="pt-BR" b="1" i="1">
-                                      <a:latin typeface="Cambria Math" panose="02040503050406030204" pitchFamily="18" charset="0"/>
-                                    </a:rPr>
-                                    <m:t>𝒂</m:t>
-                                  </m:r>
-                                </m:sub>
-                              </m:sSub>
-                              <m:d>
-                                <m:dPr>
-                                  <m:ctrlPr>
-                                    <a:rPr lang="pt-BR" i="1">
-                                      <a:latin typeface="Cambria Math" panose="02040503050406030204" pitchFamily="18" charset="0"/>
-                                    </a:rPr>
-                                  </m:ctrlPr>
-                                </m:dPr>
-                                <m:e>
-                                  <m:r>
-                                    <a:rPr lang="pt-BR" b="1" i="1">
-                                      <a:latin typeface="Cambria Math" panose="02040503050406030204" pitchFamily="18" charset="0"/>
-                                    </a:rPr>
-                                    <m:t>𝒙</m:t>
-                                  </m:r>
-                                  <m:d>
-                                    <m:dPr>
-                                      <m:ctrlPr>
-                                        <a:rPr lang="pt-BR" b="1" i="1">
-                                          <a:latin typeface="Cambria Math" panose="02040503050406030204" pitchFamily="18" charset="0"/>
-                                        </a:rPr>
-                                      </m:ctrlPr>
-                                    </m:dPr>
-                                    <m:e>
-                                      <m:r>
-                                        <a:rPr lang="pt-BR" i="1">
-                                          <a:latin typeface="Cambria Math" panose="02040503050406030204" pitchFamily="18" charset="0"/>
-                                        </a:rPr>
-                                        <m:t>𝑖</m:t>
-                                      </m:r>
-                                    </m:e>
-                                  </m:d>
-                                </m:e>
-                              </m:d>
-                            </m:e>
-                          </m:d>
-                          <m:sSup>
-                            <m:sSupPr>
-                              <m:ctrlPr>
-                                <a:rPr lang="pt-BR" i="1">
-                                  <a:latin typeface="Cambria Math" panose="02040503050406030204" pitchFamily="18" charset="0"/>
-                                </a:rPr>
-                              </m:ctrlPr>
-                            </m:sSupPr>
-                            <m:e>
-                              <m:r>
-                                <a:rPr lang="pt-BR" b="1" i="1">
-                                  <a:latin typeface="Cambria Math" panose="02040503050406030204" pitchFamily="18" charset="0"/>
-                                </a:rPr>
-                                <m:t>𝒙</m:t>
-                              </m:r>
-                              <m:d>
-                                <m:dPr>
-                                  <m:ctrlPr>
-                                    <a:rPr lang="pt-BR" b="1" i="1">
-                                      <a:latin typeface="Cambria Math" panose="02040503050406030204" pitchFamily="18" charset="0"/>
-                                    </a:rPr>
-                                  </m:ctrlPr>
-                                </m:dPr>
-                                <m:e>
-                                  <m:r>
-                                    <a:rPr lang="pt-BR" i="1">
-                                      <a:latin typeface="Cambria Math" panose="02040503050406030204" pitchFamily="18" charset="0"/>
-                                    </a:rPr>
-                                    <m:t>𝑖</m:t>
-                                  </m:r>
-                                </m:e>
-                              </m:d>
-                            </m:e>
-                            <m:sup>
-                              <m:r>
-                                <a:rPr lang="pt-BR" i="1">
-                                  <a:latin typeface="Cambria Math" panose="02040503050406030204" pitchFamily="18" charset="0"/>
-                                </a:rPr>
-                                <m:t>𝑇</m:t>
-                              </m:r>
-                            </m:sup>
-                          </m:sSup>
-                        </m:e>
-                      </m:nary>
-                      <m:r>
-                        <a:rPr lang="pt-BR" i="1">
-                          <a:latin typeface="Cambria Math" panose="02040503050406030204" pitchFamily="18" charset="0"/>
-                        </a:rPr>
-                        <m:t>=</m:t>
-                      </m:r>
-                      <m:sSup>
-                        <m:sSupPr>
-                          <m:ctrlPr>
-                            <a:rPr lang="pt-BR" i="1">
-                              <a:latin typeface="Cambria Math" panose="02040503050406030204" pitchFamily="18" charset="0"/>
-                            </a:rPr>
-                          </m:ctrlPr>
-                        </m:sSupPr>
-                        <m:e>
-                          <m:r>
-                            <a:rPr lang="pt-BR" i="1">
-                              <a:latin typeface="Cambria Math" panose="02040503050406030204" pitchFamily="18" charset="0"/>
-                            </a:rPr>
-                            <m:t>−</m:t>
-                          </m:r>
-                          <m:f>
-                            <m:fPr>
-                              <m:ctrlPr>
-                                <a:rPr lang="pt-BR" i="1">
-                                  <a:latin typeface="Cambria Math" panose="02040503050406030204" pitchFamily="18" charset="0"/>
-                                </a:rPr>
-                              </m:ctrlPr>
-                            </m:fPr>
-                            <m:num>
-                              <m:r>
-                                <a:rPr lang="pt-BR" i="1">
-                                  <a:latin typeface="Cambria Math" panose="02040503050406030204" pitchFamily="18" charset="0"/>
-                                </a:rPr>
-                                <m:t>1</m:t>
-                              </m:r>
-                            </m:num>
-                            <m:den>
-                              <m:r>
-                                <a:rPr lang="pt-BR" i="1">
-                                  <a:latin typeface="Cambria Math" panose="02040503050406030204" pitchFamily="18" charset="0"/>
-                                </a:rPr>
-                                <m:t>𝑁</m:t>
-                              </m:r>
-                            </m:den>
-                          </m:f>
-                          <m:r>
-                            <a:rPr lang="pt-BR" b="1" i="1">
-                              <a:latin typeface="Cambria Math" panose="02040503050406030204" pitchFamily="18" charset="0"/>
-                            </a:rPr>
-                            <m:t>𝑿</m:t>
-                          </m:r>
-                        </m:e>
-                        <m:sup>
-                          <m:r>
-                            <a:rPr lang="pt-BR" i="1">
-                              <a:latin typeface="Cambria Math" panose="02040503050406030204" pitchFamily="18" charset="0"/>
-                            </a:rPr>
-                            <m:t>𝑇</m:t>
-                          </m:r>
-                        </m:sup>
-                      </m:sSup>
-                      <m:d>
-                        <m:dPr>
-                          <m:ctrlPr>
-                            <a:rPr lang="pt-BR" i="1">
-                              <a:latin typeface="Cambria Math" panose="02040503050406030204" pitchFamily="18" charset="0"/>
-                            </a:rPr>
-                          </m:ctrlPr>
-                        </m:dPr>
-                        <m:e>
-                          <m:r>
-                            <a:rPr lang="pt-BR" b="1" i="1">
-                              <a:latin typeface="Cambria Math" panose="02040503050406030204" pitchFamily="18" charset="0"/>
-                            </a:rPr>
-                            <m:t>𝒚</m:t>
-                          </m:r>
-                          <m:r>
-                            <a:rPr lang="pt-BR" i="1">
-                              <a:latin typeface="Cambria Math" panose="02040503050406030204" pitchFamily="18" charset="0"/>
-                            </a:rPr>
-                            <m:t>−</m:t>
-                          </m:r>
-                          <m:acc>
-                            <m:accPr>
-                              <m:chr m:val="̂"/>
-                              <m:ctrlPr>
-                                <a:rPr lang="pt-BR" i="1">
-                                  <a:latin typeface="Cambria Math" panose="02040503050406030204" pitchFamily="18" charset="0"/>
-                                </a:rPr>
-                              </m:ctrlPr>
-                            </m:accPr>
-                            <m:e>
-                              <m:r>
-                                <a:rPr lang="pt-BR" b="1" i="1">
-                                  <a:latin typeface="Cambria Math" panose="02040503050406030204" pitchFamily="18" charset="0"/>
-                                </a:rPr>
-                                <m:t>𝒚</m:t>
-                              </m:r>
-                            </m:e>
-                          </m:acc>
-                        </m:e>
-                      </m:d>
-                      <m:r>
-                        <a:rPr lang="pt-BR" i="1">
-                          <a:latin typeface="Cambria Math" panose="02040503050406030204" pitchFamily="18" charset="0"/>
-                        </a:rPr>
-                        <m:t>,</m:t>
-                      </m:r>
-                    </m:oMath>
-                  </m:oMathPara>
-                </a14:m>
-                <a:endParaRPr lang="pt-BR" dirty="0"/>
-              </a:p>
-              <a:p>
-                <a:pPr marL="0" indent="0">
-                  <a:buNone/>
-                </a:pPr>
-                <a:r>
-                  <a:rPr lang="pt-BR" dirty="0"/>
-                  <a:t>onde </a:t>
-                </a:r>
-                <a14:m>
-                  <m:oMath xmlns:m="http://schemas.openxmlformats.org/officeDocument/2006/math">
-                    <m:r>
-                      <a:rPr lang="pt-BR" b="1" i="1">
-                        <a:latin typeface="Cambria Math" panose="02040503050406030204" pitchFamily="18" charset="0"/>
-                      </a:rPr>
-                      <m:t>𝑿</m:t>
-                    </m:r>
-                    <m:r>
-                      <a:rPr lang="pt-BR" b="1" i="1">
-                        <a:latin typeface="Cambria Math" panose="02040503050406030204" pitchFamily="18" charset="0"/>
-                      </a:rPr>
-                      <m:t>=</m:t>
-                    </m:r>
-                    <m:d>
-                      <m:dPr>
-                        <m:begChr m:val="["/>
-                        <m:endChr m:val="]"/>
-                        <m:ctrlPr>
-                          <a:rPr lang="pt-BR" b="1" i="1">
-                            <a:latin typeface="Cambria Math" panose="02040503050406030204" pitchFamily="18" charset="0"/>
-                          </a:rPr>
-                        </m:ctrlPr>
-                      </m:dPr>
-                      <m:e>
-                        <m:sSub>
-                          <m:sSubPr>
-                            <m:ctrlPr>
-                              <a:rPr lang="en-US" i="1">
-                                <a:latin typeface="Cambria Math" panose="02040503050406030204" pitchFamily="18" charset="0"/>
-                              </a:rPr>
-                            </m:ctrlPr>
-                          </m:sSubPr>
-                          <m:e>
-                            <m:r>
-                              <a:rPr lang="en-US" b="1" i="1">
-                                <a:latin typeface="Cambria Math" panose="02040503050406030204" pitchFamily="18" charset="0"/>
-                              </a:rPr>
-                              <m:t>𝒙</m:t>
-                            </m:r>
-                          </m:e>
-                          <m:sub>
-                            <m:r>
-                              <a:rPr lang="pt-BR" i="1">
-                                <a:latin typeface="Cambria Math" panose="02040503050406030204" pitchFamily="18" charset="0"/>
-                              </a:rPr>
-                              <m:t>0</m:t>
-                            </m:r>
-                          </m:sub>
-                        </m:sSub>
-                        <m:r>
-                          <a:rPr lang="pt-BR" b="1" i="1" smtClean="0">
-                            <a:latin typeface="Cambria Math" panose="02040503050406030204" pitchFamily="18" charset="0"/>
-                          </a:rPr>
-                          <m:t>,</m:t>
-                        </m:r>
-                        <m:sSubSup>
-                          <m:sSubSupPr>
-                            <m:ctrlPr>
-                              <a:rPr lang="pt-BR" i="1">
-                                <a:latin typeface="Cambria Math" panose="02040503050406030204" pitchFamily="18" charset="0"/>
-                              </a:rPr>
-                            </m:ctrlPr>
-                          </m:sSubSupPr>
-                          <m:e>
-                            <m:r>
-                              <a:rPr lang="pt-BR" b="1" i="1">
-                                <a:latin typeface="Cambria Math" panose="02040503050406030204" pitchFamily="18" charset="0"/>
-                              </a:rPr>
-                              <m:t>𝒙</m:t>
-                            </m:r>
-                          </m:e>
-                          <m:sub>
-                            <m:r>
-                              <a:rPr lang="pt-BR" i="1">
-                                <a:latin typeface="Cambria Math" panose="02040503050406030204" pitchFamily="18" charset="0"/>
-                              </a:rPr>
-                              <m:t>1</m:t>
-                            </m:r>
-                          </m:sub>
-                          <m:sup>
-                            <m:r>
-                              <a:rPr lang="pt-BR" i="1">
-                                <a:latin typeface="Cambria Math" panose="02040503050406030204" pitchFamily="18" charset="0"/>
-                              </a:rPr>
-                              <m:t>2</m:t>
-                            </m:r>
-                          </m:sup>
-                        </m:sSubSup>
-                        <m:r>
-                          <a:rPr lang="pt-BR" b="1" i="1" smtClean="0">
-                            <a:latin typeface="Cambria Math" panose="02040503050406030204" pitchFamily="18" charset="0"/>
-                          </a:rPr>
-                          <m:t>,</m:t>
-                        </m:r>
-                        <m:sSubSup>
-                          <m:sSubSupPr>
-                            <m:ctrlPr>
-                              <a:rPr lang="pt-BR" i="1">
-                                <a:latin typeface="Cambria Math" panose="02040503050406030204" pitchFamily="18" charset="0"/>
-                              </a:rPr>
-                            </m:ctrlPr>
-                          </m:sSubSupPr>
-                          <m:e>
-                            <m:r>
-                              <a:rPr lang="pt-BR" b="1" i="1">
-                                <a:latin typeface="Cambria Math" panose="02040503050406030204" pitchFamily="18" charset="0"/>
-                              </a:rPr>
-                              <m:t>𝒙</m:t>
-                            </m:r>
-                          </m:e>
-                          <m:sub>
-                            <m:r>
-                              <a:rPr lang="pt-BR" b="0" i="1" smtClean="0">
-                                <a:latin typeface="Cambria Math" panose="02040503050406030204" pitchFamily="18" charset="0"/>
-                              </a:rPr>
-                              <m:t>2</m:t>
-                            </m:r>
-                          </m:sub>
-                          <m:sup>
-                            <m:r>
-                              <a:rPr lang="pt-BR" b="0" i="1">
-                                <a:latin typeface="Cambria Math" panose="02040503050406030204" pitchFamily="18" charset="0"/>
-                              </a:rPr>
-                              <m:t>2</m:t>
-                            </m:r>
-                          </m:sup>
-                        </m:sSubSup>
-                      </m:e>
-                    </m:d>
-                  </m:oMath>
-                </a14:m>
-                <a:r>
-                  <a:rPr lang="pt-BR" dirty="0"/>
-                  <a:t> </a:t>
-                </a:r>
-                <a14:m>
-                  <m:oMath xmlns:m="http://schemas.openxmlformats.org/officeDocument/2006/math">
-                    <m:r>
-                      <a:rPr lang="pt-BR">
-                        <a:latin typeface="Cambria Math" panose="02040503050406030204" pitchFamily="18" charset="0"/>
-                      </a:rPr>
-                      <m:t>∈</m:t>
-                    </m:r>
-                    <m:sSup>
-                      <m:sSupPr>
-                        <m:ctrlPr>
-                          <a:rPr lang="pt-BR" i="1">
-                            <a:latin typeface="Cambria Math" panose="02040503050406030204" pitchFamily="18" charset="0"/>
-                          </a:rPr>
-                        </m:ctrlPr>
-                      </m:sSupPr>
-                      <m:e>
-                        <m:r>
-                          <a:rPr lang="pt-BR">
-                            <a:latin typeface="Cambria Math" panose="02040503050406030204" pitchFamily="18" charset="0"/>
-                          </a:rPr>
-                          <m:t>ℝ</m:t>
-                        </m:r>
-                      </m:e>
-                      <m:sup>
-                        <m:r>
-                          <m:rPr>
-                            <m:sty m:val="p"/>
-                          </m:rPr>
-                          <a:rPr lang="pt-BR">
-                            <a:latin typeface="Cambria Math" panose="02040503050406030204" pitchFamily="18" charset="0"/>
-                          </a:rPr>
-                          <m:t>N</m:t>
-                        </m:r>
-                        <m:r>
-                          <a:rPr lang="pt-BR">
-                            <a:latin typeface="Cambria Math" panose="02040503050406030204" pitchFamily="18" charset="0"/>
-                          </a:rPr>
-                          <m:t>×</m:t>
-                        </m:r>
-                        <m:r>
-                          <m:rPr>
-                            <m:sty m:val="p"/>
-                          </m:rPr>
-                          <a:rPr lang="pt-BR">
-                            <a:latin typeface="Cambria Math" panose="02040503050406030204" pitchFamily="18" charset="0"/>
-                          </a:rPr>
-                          <m:t>K</m:t>
-                        </m:r>
-                        <m:r>
-                          <a:rPr lang="pt-BR">
-                            <a:latin typeface="Cambria Math" panose="02040503050406030204" pitchFamily="18" charset="0"/>
-                          </a:rPr>
-                          <m:t>+1</m:t>
-                        </m:r>
-                      </m:sup>
-                    </m:sSup>
-                  </m:oMath>
-                </a14:m>
-                <a:r>
-                  <a:rPr lang="pt-BR" dirty="0"/>
-                  <a:t>, </a:t>
-                </a:r>
-                <a14:m>
-                  <m:oMath xmlns:m="http://schemas.openxmlformats.org/officeDocument/2006/math">
-                    <m:sSub>
-                      <m:sSubPr>
-                        <m:ctrlPr>
-                          <a:rPr lang="en-US" i="1">
-                            <a:latin typeface="Cambria Math" panose="02040503050406030204" pitchFamily="18" charset="0"/>
-                          </a:rPr>
-                        </m:ctrlPr>
-                      </m:sSubPr>
-                      <m:e>
-                        <m:r>
-                          <a:rPr lang="en-US" b="1" i="1">
-                            <a:latin typeface="Cambria Math" panose="02040503050406030204" pitchFamily="18" charset="0"/>
-                          </a:rPr>
-                          <m:t>𝒙</m:t>
-                        </m:r>
-                      </m:e>
-                      <m:sub>
-                        <m:r>
-                          <a:rPr lang="pt-BR" i="1">
-                            <a:latin typeface="Cambria Math" panose="02040503050406030204" pitchFamily="18" charset="0"/>
-                          </a:rPr>
-                          <m:t>0</m:t>
-                        </m:r>
-                      </m:sub>
-                    </m:sSub>
-                    <m:r>
-                      <a:rPr lang="pt-BR" b="1" i="1">
-                        <a:latin typeface="Cambria Math" panose="02040503050406030204" pitchFamily="18" charset="0"/>
-                      </a:rPr>
-                      <m:t>,</m:t>
-                    </m:r>
-                    <m:sSubSup>
-                      <m:sSubSupPr>
-                        <m:ctrlPr>
-                          <a:rPr lang="pt-BR" i="1">
-                            <a:latin typeface="Cambria Math" panose="02040503050406030204" pitchFamily="18" charset="0"/>
-                          </a:rPr>
-                        </m:ctrlPr>
-                      </m:sSubSupPr>
-                      <m:e>
-                        <m:r>
-                          <a:rPr lang="pt-BR" b="1" i="1">
-                            <a:latin typeface="Cambria Math" panose="02040503050406030204" pitchFamily="18" charset="0"/>
-                          </a:rPr>
-                          <m:t>𝒙</m:t>
-                        </m:r>
-                      </m:e>
-                      <m:sub>
-                        <m:r>
-                          <a:rPr lang="pt-BR" i="1">
-                            <a:latin typeface="Cambria Math" panose="02040503050406030204" pitchFamily="18" charset="0"/>
-                          </a:rPr>
-                          <m:t>1</m:t>
-                        </m:r>
-                      </m:sub>
-                      <m:sup>
-                        <m:r>
-                          <a:rPr lang="pt-BR" i="1">
-                            <a:latin typeface="Cambria Math" panose="02040503050406030204" pitchFamily="18" charset="0"/>
-                          </a:rPr>
-                          <m:t>2</m:t>
-                        </m:r>
-                      </m:sup>
-                    </m:sSubSup>
-                    <m:r>
-                      <a:rPr lang="pt-BR" b="1" i="1">
-                        <a:latin typeface="Cambria Math" panose="02040503050406030204" pitchFamily="18" charset="0"/>
-                      </a:rPr>
-                      <m:t>,</m:t>
-                    </m:r>
-                    <m:r>
-                      <a:rPr lang="pt-BR" b="0" i="0" smtClean="0">
-                        <a:latin typeface="Cambria Math" panose="02040503050406030204" pitchFamily="18" charset="0"/>
-                      </a:rPr>
-                      <m:t> </m:t>
-                    </m:r>
-                    <m:r>
-                      <m:rPr>
-                        <m:sty m:val="p"/>
-                      </m:rPr>
-                      <a:rPr lang="pt-BR" b="0" i="0" smtClean="0">
-                        <a:latin typeface="Cambria Math" panose="02040503050406030204" pitchFamily="18" charset="0"/>
-                      </a:rPr>
-                      <m:t>e</m:t>
-                    </m:r>
-                    <m:r>
-                      <a:rPr lang="pt-BR" b="0" i="0" smtClean="0">
-                        <a:latin typeface="Cambria Math" panose="02040503050406030204" pitchFamily="18" charset="0"/>
-                      </a:rPr>
-                      <m:t> </m:t>
-                    </m:r>
-                    <m:sSubSup>
-                      <m:sSubSupPr>
-                        <m:ctrlPr>
-                          <a:rPr lang="pt-BR" i="1">
-                            <a:latin typeface="Cambria Math" panose="02040503050406030204" pitchFamily="18" charset="0"/>
-                          </a:rPr>
-                        </m:ctrlPr>
-                      </m:sSubSupPr>
-                      <m:e>
-                        <m:r>
-                          <a:rPr lang="pt-BR" b="1" i="1">
-                            <a:latin typeface="Cambria Math" panose="02040503050406030204" pitchFamily="18" charset="0"/>
-                          </a:rPr>
-                          <m:t>𝒙</m:t>
-                        </m:r>
-                      </m:e>
-                      <m:sub>
-                        <m:r>
-                          <a:rPr lang="pt-BR" i="1">
-                            <a:latin typeface="Cambria Math" panose="02040503050406030204" pitchFamily="18" charset="0"/>
-                          </a:rPr>
-                          <m:t>2</m:t>
-                        </m:r>
-                      </m:sub>
-                      <m:sup>
-                        <m:r>
-                          <a:rPr lang="pt-BR" i="1">
-                            <a:latin typeface="Cambria Math" panose="02040503050406030204" pitchFamily="18" charset="0"/>
-                          </a:rPr>
-                          <m:t>2</m:t>
-                        </m:r>
-                      </m:sup>
-                    </m:sSubSup>
-                    <m:r>
-                      <a:rPr lang="pt-BR">
-                        <a:latin typeface="Cambria Math" panose="02040503050406030204" pitchFamily="18" charset="0"/>
-                      </a:rPr>
-                      <m:t>∈</m:t>
-                    </m:r>
-                    <m:sSup>
-                      <m:sSupPr>
-                        <m:ctrlPr>
-                          <a:rPr lang="pt-BR" i="1">
-                            <a:latin typeface="Cambria Math" panose="02040503050406030204" pitchFamily="18" charset="0"/>
-                          </a:rPr>
-                        </m:ctrlPr>
-                      </m:sSupPr>
-                      <m:e>
-                        <m:r>
-                          <a:rPr lang="pt-BR">
-                            <a:latin typeface="Cambria Math" panose="02040503050406030204" pitchFamily="18" charset="0"/>
-                          </a:rPr>
-                          <m:t>ℝ</m:t>
-                        </m:r>
-                      </m:e>
-                      <m:sup>
-                        <m:r>
-                          <m:rPr>
-                            <m:sty m:val="p"/>
-                          </m:rPr>
-                          <a:rPr lang="pt-BR">
-                            <a:latin typeface="Cambria Math" panose="02040503050406030204" pitchFamily="18" charset="0"/>
-                          </a:rPr>
-                          <m:t>N</m:t>
-                        </m:r>
-                        <m:r>
-                          <a:rPr lang="pt-BR">
-                            <a:latin typeface="Cambria Math" panose="02040503050406030204" pitchFamily="18" charset="0"/>
-                          </a:rPr>
-                          <m:t>×1</m:t>
-                        </m:r>
-                      </m:sup>
-                    </m:sSup>
-                  </m:oMath>
-                </a14:m>
-                <a:r>
-                  <a:rPr lang="pt-BR" dirty="0"/>
-                  <a:t> e </a:t>
-                </a:r>
-                <a14:m>
-                  <m:oMath xmlns:m="http://schemas.openxmlformats.org/officeDocument/2006/math">
-                    <m:r>
-                      <a:rPr lang="pt-BR">
-                        <a:latin typeface="Cambria Math" panose="02040503050406030204" pitchFamily="18" charset="0"/>
-                      </a:rPr>
-                      <m:t>𝒚</m:t>
-                    </m:r>
-                  </m:oMath>
-                </a14:m>
-                <a:r>
-                  <a:rPr lang="pt-BR" dirty="0"/>
-                  <a:t> e </a:t>
-                </a:r>
-                <a14:m>
-                  <m:oMath xmlns:m="http://schemas.openxmlformats.org/officeDocument/2006/math">
-                    <m:acc>
-                      <m:accPr>
-                        <m:chr m:val="̂"/>
-                        <m:ctrlPr>
-                          <a:rPr lang="pt-BR" i="1">
-                            <a:latin typeface="Cambria Math" panose="02040503050406030204" pitchFamily="18" charset="0"/>
-                          </a:rPr>
-                        </m:ctrlPr>
-                      </m:accPr>
-                      <m:e>
-                        <m:r>
-                          <a:rPr lang="pt-BR">
-                            <a:latin typeface="Cambria Math" panose="02040503050406030204" pitchFamily="18" charset="0"/>
-                          </a:rPr>
-                          <m:t>𝒚</m:t>
-                        </m:r>
-                      </m:e>
-                    </m:acc>
-                  </m:oMath>
-                </a14:m>
-                <a:r>
-                  <a:rPr lang="pt-BR" dirty="0"/>
-                  <a:t>  </a:t>
-                </a:r>
-                <a14:m>
-                  <m:oMath xmlns:m="http://schemas.openxmlformats.org/officeDocument/2006/math">
-                    <m:r>
-                      <a:rPr lang="pt-BR">
-                        <a:latin typeface="Cambria Math" panose="02040503050406030204" pitchFamily="18" charset="0"/>
-                      </a:rPr>
-                      <m:t>∈</m:t>
-                    </m:r>
-                    <m:sSup>
-                      <m:sSupPr>
-                        <m:ctrlPr>
-                          <a:rPr lang="pt-BR" i="1">
-                            <a:latin typeface="Cambria Math" panose="02040503050406030204" pitchFamily="18" charset="0"/>
-                          </a:rPr>
-                        </m:ctrlPr>
-                      </m:sSupPr>
-                      <m:e>
-                        <m:r>
-                          <a:rPr lang="pt-BR">
-                            <a:latin typeface="Cambria Math" panose="02040503050406030204" pitchFamily="18" charset="0"/>
-                          </a:rPr>
-                          <m:t>ℝ</m:t>
-                        </m:r>
-                      </m:e>
-                      <m:sup>
-                        <m:r>
-                          <m:rPr>
-                            <m:sty m:val="p"/>
-                          </m:rPr>
-                          <a:rPr lang="pt-BR">
-                            <a:latin typeface="Cambria Math" panose="02040503050406030204" pitchFamily="18" charset="0"/>
-                          </a:rPr>
-                          <m:t>N</m:t>
-                        </m:r>
-                        <m:r>
-                          <a:rPr lang="pt-BR">
-                            <a:latin typeface="Cambria Math" panose="02040503050406030204" pitchFamily="18" charset="0"/>
-                          </a:rPr>
-                          <m:t>×</m:t>
-                        </m:r>
-                        <m:r>
-                          <a:rPr lang="pt-BR">
-                            <a:latin typeface="Cambria Math" panose="02040503050406030204" pitchFamily="18" charset="0"/>
-                          </a:rPr>
-                          <m:t>𝟏</m:t>
-                        </m:r>
-                      </m:sup>
-                    </m:sSup>
-                  </m:oMath>
-                </a14:m>
-                <a:r>
-                  <a:rPr lang="pt-BR" dirty="0"/>
-                  <a:t>. </a:t>
-                </a:r>
-              </a:p>
-            </p:txBody>
-          </p:sp>
-        </mc:Choice>
-        <mc:Fallback xmlns="">
-          <p:sp>
-            <p:nvSpPr>
-              <p:cNvPr id="3" name="Content Placeholder 2"/>
-              <p:cNvSpPr>
-                <a:spLocks noGrp="1" noRot="1" noChangeAspect="1" noMove="1" noResize="1" noEditPoints="1" noAdjustHandles="1" noChangeArrowheads="1" noChangeShapeType="1" noTextEdit="1"/>
-              </p:cNvSpPr>
-              <p:nvPr>
-                <p:ph idx="1"/>
-              </p:nvPr>
-            </p:nvSpPr>
-            <p:spPr>
-              <a:xfrm>
-                <a:off x="838199" y="1825624"/>
-                <a:ext cx="11136087" cy="4821919"/>
-              </a:xfrm>
-              <a:blipFill rotWithShape="0">
-                <a:blip r:embed="rId2"/>
-                <a:stretch>
-                  <a:fillRect l="-1095" t="-2781" b="-1391"/>
-                </a:stretch>
-              </a:blipFill>
-            </p:spPr>
-            <p:txBody>
-              <a:bodyPr/>
-              <a:lstStyle/>
-              <a:p>
-                <a:r>
-                  <a:rPr lang="pt-BR">
-                    <a:noFill/>
-                  </a:rPr>
-                  <a:t> </a:t>
-                </a:r>
-              </a:p>
-            </p:txBody>
-          </p:sp>
-        </mc:Fallback>
-      </mc:AlternateContent>
-    </p:spTree>
-    <p:extLst>
-      <p:ext uri="{BB962C8B-B14F-4D97-AF65-F5344CB8AC3E}">
-        <p14:creationId xmlns:p14="http://schemas.microsoft.com/office/powerpoint/2010/main" val="1242690790"/>
-      </p:ext>
-    </p:extLst>
-  </p:cSld>
-  <p:clrMapOvr>
-    <a:masterClrMapping/>
-  </p:clrMapOvr>
-</p:sld>
-</file>
-
 <file path=ppt/slides/slide18.xml><?xml version="1.0" encoding="utf-8"?>
 <p:sld xmlns:a="http://schemas.openxmlformats.org/drawingml/2006/main" xmlns:r="http://schemas.openxmlformats.org/officeDocument/2006/relationships" xmlns:p="http://schemas.openxmlformats.org/presentationml/2006/main">
   <p:cSld>
@@ -21321,8 +22452,8 @@
           </a:p>
         </p:txBody>
       </p:sp>
-      <mc:AlternateContent xmlns:mc="http://schemas.openxmlformats.org/markup-compatibility/2006" xmlns:a14="http://schemas.microsoft.com/office/drawing/2010/main">
-        <mc:Choice Requires="a14">
+      <mc:AlternateContent xmlns:mc="http://schemas.openxmlformats.org/markup-compatibility/2006">
+        <mc:Choice xmlns:a14="http://schemas.microsoft.com/office/drawing/2010/main" Requires="a14">
           <p:sp>
             <p:nvSpPr>
               <p:cNvPr id="3" name="Content Placeholder 2"/>
@@ -21335,35 +22466,97 @@
             </p:nvSpPr>
             <p:spPr>
               <a:xfrm>
-                <a:off x="838199" y="1825624"/>
-                <a:ext cx="10831287" cy="4821919"/>
+                <a:off x="838199" y="1825625"/>
+                <a:ext cx="10816771" cy="4351338"/>
               </a:xfrm>
             </p:spPr>
             <p:txBody>
               <a:bodyPr>
-                <a:normAutofit/>
+                <a:normAutofit lnSpcReduction="10000"/>
               </a:bodyPr>
               <a:lstStyle/>
               <a:p>
                 <a:r>
                   <a:rPr lang="pt-BR" dirty="0"/>
-                  <a:t>O </a:t>
+                  <a:t>Aprendemos outra função de limiar, chamada de </a:t>
                 </a:r>
                 <a:r>
                   <a:rPr lang="pt-BR" b="1" i="1" dirty="0"/>
-                  <a:t>vetor gradiente </a:t>
+                  <a:t>função logística</a:t>
                 </a:r>
                 <a:r>
                   <a:rPr lang="pt-BR" dirty="0"/>
-                  <a:t>da</a:t>
+                  <a:t>, com a qual é possível </a:t>
+                </a:r>
+              </a:p>
+              <a:p>
+                <a:pPr lvl="1">
+                  <a:buFont typeface="Wingdings" panose="05000000000000000000" pitchFamily="2" charset="2"/>
+                  <a:buChar char="§"/>
+                </a:pPr>
+                <a:r>
+                  <a:rPr lang="pt-BR" dirty="0"/>
+                  <a:t>encontrar uma solução eficiente para o problema da </a:t>
                 </a:r>
                 <a:r>
                   <a:rPr lang="pt-BR" b="1" i="1" dirty="0"/>
-                  <a:t> função de erro médio</a:t>
+                  <a:t>classificação binária</a:t>
                 </a:r>
                 <a:r>
                   <a:rPr lang="pt-BR" dirty="0"/>
-                  <a:t> quando</a:t>
+                  <a:t> com o </a:t>
+                </a:r>
+                <a:r>
+                  <a:rPr lang="pt-BR" b="1" i="1" dirty="0"/>
+                  <a:t>gradiente descendente</a:t>
+                </a:r>
+                <a:r>
+                  <a:rPr lang="pt-BR" dirty="0"/>
+                  <a:t>.</a:t>
+                </a:r>
+              </a:p>
+              <a:p>
+                <a:pPr lvl="1">
+                  <a:buFont typeface="Wingdings" panose="05000000000000000000" pitchFamily="2" charset="2"/>
+                  <a:buChar char="§"/>
+                </a:pPr>
+                <a:r>
+                  <a:rPr lang="pt-BR" dirty="0"/>
+                  <a:t>termos o </a:t>
+                </a:r>
+                <a:r>
+                  <a:rPr lang="pt-BR" b="1" i="1" dirty="0"/>
+                  <a:t>grau de confiança </a:t>
+                </a:r>
+                <a:r>
+                  <a:rPr lang="pt-BR" dirty="0"/>
+                  <a:t>de uma classificação, ou seja, a </a:t>
+                </a:r>
+                <a:r>
+                  <a:rPr lang="pt-BR" b="1" i="1" dirty="0"/>
+                  <a:t>probabilidade</a:t>
+                </a:r>
+                <a:r>
+                  <a:rPr lang="pt-BR" dirty="0"/>
+                  <a:t> de um exemplo de entrada pertencer a uma das duas classes (Positiva ou Negativa).</a:t>
+                </a:r>
+              </a:p>
+              <a:p>
+                <a:r>
+                  <a:rPr lang="pt-BR" dirty="0"/>
+                  <a:t>Vimos também que a </a:t>
+                </a:r>
+                <a:r>
+                  <a:rPr lang="pt-BR" b="1" i="1" dirty="0"/>
+                  <a:t>função </a:t>
+                </a:r>
+                <a:r>
+                  <a:rPr lang="pt-BR" b="1" i="1" dirty="0" smtClean="0"/>
+                  <a:t>discriminante</a:t>
+                </a:r>
+                <a:r>
+                  <a:rPr lang="pt-BR" dirty="0"/>
+                  <a:t>,</a:t>
                 </a:r>
                 <a:r>
                   <a:rPr lang="pt-BR" b="1" i="1" dirty="0"/>
@@ -21394,1221 +22587,67 @@
                         </m:r>
                       </m:e>
                     </m:d>
-                    <m:r>
-                      <a:rPr lang="pt-BR" b="1" i="1">
-                        <a:latin typeface="Cambria Math" panose="02040503050406030204" pitchFamily="18" charset="0"/>
-                      </a:rPr>
-                      <m:t>=</m:t>
-                    </m:r>
-                    <m:sSub>
-                      <m:sSubPr>
-                        <m:ctrlPr>
-                          <a:rPr lang="pt-BR" i="1" smtClean="0">
-                            <a:latin typeface="Cambria Math" panose="02040503050406030204" pitchFamily="18" charset="0"/>
-                          </a:rPr>
-                        </m:ctrlPr>
-                      </m:sSubPr>
-                      <m:e>
-                        <m:r>
-                          <a:rPr lang="pt-BR" b="0" i="1" smtClean="0">
-                            <a:latin typeface="Cambria Math" panose="02040503050406030204" pitchFamily="18" charset="0"/>
-                          </a:rPr>
-                          <m:t>𝑎</m:t>
-                        </m:r>
-                      </m:e>
-                      <m:sub>
-                        <m:r>
-                          <a:rPr lang="pt-BR" b="0" i="1" smtClean="0">
-                            <a:latin typeface="Cambria Math" panose="02040503050406030204" pitchFamily="18" charset="0"/>
-                          </a:rPr>
-                          <m:t>0</m:t>
-                        </m:r>
-                      </m:sub>
-                    </m:sSub>
-                    <m:r>
-                      <a:rPr lang="pt-BR" b="0" i="1" smtClean="0">
-                        <a:latin typeface="Cambria Math" panose="02040503050406030204" pitchFamily="18" charset="0"/>
-                      </a:rPr>
-                      <m:t>+</m:t>
-                    </m:r>
-                    <m:sSub>
-                      <m:sSubPr>
-                        <m:ctrlPr>
-                          <a:rPr lang="pt-BR" i="1">
-                            <a:latin typeface="Cambria Math" panose="02040503050406030204" pitchFamily="18" charset="0"/>
-                          </a:rPr>
-                        </m:ctrlPr>
-                      </m:sSubPr>
-                      <m:e>
-                        <m:r>
-                          <a:rPr lang="pt-BR" i="1">
-                            <a:latin typeface="Cambria Math" panose="02040503050406030204" pitchFamily="18" charset="0"/>
-                          </a:rPr>
-                          <m:t>𝑎</m:t>
-                        </m:r>
-                      </m:e>
-                      <m:sub>
-                        <m:r>
-                          <a:rPr lang="pt-BR" b="0" i="1" smtClean="0">
-                            <a:latin typeface="Cambria Math" panose="02040503050406030204" pitchFamily="18" charset="0"/>
-                          </a:rPr>
-                          <m:t>1</m:t>
-                        </m:r>
-                      </m:sub>
-                    </m:sSub>
-                    <m:sSub>
-                      <m:sSubPr>
-                        <m:ctrlPr>
-                          <a:rPr lang="pt-BR" i="1" smtClean="0">
-                            <a:latin typeface="Cambria Math" panose="02040503050406030204" pitchFamily="18" charset="0"/>
-                          </a:rPr>
-                        </m:ctrlPr>
-                      </m:sSubPr>
-                      <m:e>
-                        <m:r>
-                          <a:rPr lang="pt-BR" b="0" i="1" smtClean="0">
-                            <a:latin typeface="Cambria Math" panose="02040503050406030204" pitchFamily="18" charset="0"/>
-                          </a:rPr>
-                          <m:t>𝑥</m:t>
-                        </m:r>
-                      </m:e>
-                      <m:sub>
-                        <m:r>
-                          <a:rPr lang="pt-BR" b="0" i="1" smtClean="0">
-                            <a:latin typeface="Cambria Math" panose="02040503050406030204" pitchFamily="18" charset="0"/>
-                          </a:rPr>
-                          <m:t>1</m:t>
-                        </m:r>
-                      </m:sub>
-                    </m:sSub>
-                    <m:r>
-                      <a:rPr lang="pt-BR" b="0" i="1" smtClean="0">
-                        <a:latin typeface="Cambria Math" panose="02040503050406030204" pitchFamily="18" charset="0"/>
-                      </a:rPr>
-                      <m:t>∗</m:t>
-                    </m:r>
-                    <m:sSub>
-                      <m:sSubPr>
-                        <m:ctrlPr>
-                          <a:rPr lang="pt-BR" i="1">
-                            <a:latin typeface="Cambria Math" panose="02040503050406030204" pitchFamily="18" charset="0"/>
-                          </a:rPr>
-                        </m:ctrlPr>
-                      </m:sSubPr>
-                      <m:e>
-                        <m:r>
-                          <a:rPr lang="pt-BR" i="1">
-                            <a:latin typeface="Cambria Math" panose="02040503050406030204" pitchFamily="18" charset="0"/>
-                          </a:rPr>
-                          <m:t>𝑥</m:t>
-                        </m:r>
-                      </m:e>
-                      <m:sub>
-                        <m:r>
-                          <a:rPr lang="pt-BR" b="0" i="1" smtClean="0">
-                            <a:latin typeface="Cambria Math" panose="02040503050406030204" pitchFamily="18" charset="0"/>
-                          </a:rPr>
-                          <m:t>2</m:t>
-                        </m:r>
-                      </m:sub>
-                    </m:sSub>
                   </m:oMath>
                 </a14:m>
                 <a:r>
-                  <a:rPr lang="pt-BR" dirty="0">
-                    <a:latin typeface="Cambria Math" panose="02040503050406030204" pitchFamily="18" charset="0"/>
-                  </a:rPr>
-                  <a:t> (equação de uma </a:t>
-                </a:r>
-                <a:r>
                   <a:rPr lang="pt-BR" dirty="0"/>
-                  <a:t>hipérbole retangular</a:t>
-                </a:r>
-                <a:r>
-                  <a:rPr lang="pt-BR" dirty="0">
-                    <a:latin typeface="Cambria Math" panose="02040503050406030204" pitchFamily="18" charset="0"/>
-                  </a:rPr>
-                  <a:t>) é dado por</a:t>
+                  <a:t>, pode ser a equação de um </a:t>
+                </a:r>
+                <a:r>
+                  <a:rPr lang="pt-BR" b="1" i="1" dirty="0"/>
+                  <a:t>polinômio</a:t>
+                </a:r>
+                <a:r>
+                  <a:rPr lang="pt-BR" dirty="0"/>
+                  <a:t>, incluindo a equação do </a:t>
+                </a:r>
+                <a:r>
+                  <a:rPr lang="pt-BR" b="1" i="1" dirty="0"/>
+                  <a:t>hiperplano</a:t>
+                </a:r>
+                <a:r>
+                  <a:rPr lang="pt-BR" dirty="0"/>
+                  <a:t>.</a:t>
                 </a:r>
               </a:p>
               <a:p>
-                <a:pPr marL="0" indent="0">
-                  <a:buNone/>
-                </a:pPr>
-                <a14:m>
-                  <m:oMathPara xmlns:m="http://schemas.openxmlformats.org/officeDocument/2006/math">
-                    <m:oMathParaPr>
-                      <m:jc m:val="centerGroup"/>
-                    </m:oMathParaPr>
-                    <m:oMath xmlns:m="http://schemas.openxmlformats.org/officeDocument/2006/math">
-                      <m:f>
-                        <m:fPr>
-                          <m:ctrlPr>
-                            <a:rPr lang="pt-BR" i="1">
-                              <a:latin typeface="Cambria Math" panose="02040503050406030204" pitchFamily="18" charset="0"/>
-                            </a:rPr>
-                          </m:ctrlPr>
-                        </m:fPr>
-                        <m:num>
-                          <m:r>
-                            <a:rPr lang="pt-BR" i="1">
-                              <a:latin typeface="Cambria Math" panose="02040503050406030204" pitchFamily="18" charset="0"/>
-                            </a:rPr>
-                            <m:t>𝜕</m:t>
-                          </m:r>
-                          <m:sSub>
-                            <m:sSubPr>
-                              <m:ctrlPr>
-                                <a:rPr lang="pt-BR" i="1">
-                                  <a:latin typeface="Cambria Math" panose="02040503050406030204" pitchFamily="18" charset="0"/>
-                                </a:rPr>
-                              </m:ctrlPr>
-                            </m:sSubPr>
-                            <m:e>
-                              <m:r>
-                                <a:rPr lang="pt-BR" i="1">
-                                  <a:latin typeface="Cambria Math" panose="02040503050406030204" pitchFamily="18" charset="0"/>
-                                </a:rPr>
-                                <m:t>𝐽</m:t>
-                              </m:r>
-                            </m:e>
-                            <m:sub>
-                              <m:r>
-                                <a:rPr lang="pt-BR" i="1">
-                                  <a:latin typeface="Cambria Math" panose="02040503050406030204" pitchFamily="18" charset="0"/>
-                                </a:rPr>
-                                <m:t>𝑒</m:t>
-                              </m:r>
-                            </m:sub>
-                          </m:sSub>
-                          <m:d>
-                            <m:dPr>
-                              <m:ctrlPr>
-                                <a:rPr lang="pt-BR" i="1">
-                                  <a:latin typeface="Cambria Math" panose="02040503050406030204" pitchFamily="18" charset="0"/>
-                                </a:rPr>
-                              </m:ctrlPr>
-                            </m:dPr>
-                            <m:e>
-                              <m:r>
-                                <a:rPr lang="pt-BR" b="1" i="1">
-                                  <a:latin typeface="Cambria Math" panose="02040503050406030204" pitchFamily="18" charset="0"/>
-                                </a:rPr>
-                                <m:t>𝒂</m:t>
-                              </m:r>
-                            </m:e>
-                          </m:d>
-                        </m:num>
-                        <m:den>
-                          <m:r>
-                            <a:rPr lang="pt-BR" i="1">
-                              <a:latin typeface="Cambria Math" panose="02040503050406030204" pitchFamily="18" charset="0"/>
-                            </a:rPr>
-                            <m:t>𝜕</m:t>
-                          </m:r>
-                          <m:r>
-                            <a:rPr lang="pt-BR" b="1" i="1">
-                              <a:latin typeface="Cambria Math" panose="02040503050406030204" pitchFamily="18" charset="0"/>
-                            </a:rPr>
-                            <m:t>𝒂</m:t>
-                          </m:r>
-                        </m:den>
-                      </m:f>
-                      <m:r>
-                        <a:rPr lang="pt-BR" b="1" i="1">
-                          <a:latin typeface="Cambria Math" panose="02040503050406030204" pitchFamily="18" charset="0"/>
-                        </a:rPr>
-                        <m:t>=</m:t>
-                      </m:r>
-                      <m:r>
-                        <a:rPr lang="pt-BR" i="1">
-                          <a:latin typeface="Cambria Math" panose="02040503050406030204" pitchFamily="18" charset="0"/>
-                        </a:rPr>
-                        <m:t>−</m:t>
-                      </m:r>
-                      <m:f>
-                        <m:fPr>
-                          <m:ctrlPr>
-                            <a:rPr lang="pt-BR" i="1">
-                              <a:latin typeface="Cambria Math" panose="02040503050406030204" pitchFamily="18" charset="0"/>
-                            </a:rPr>
-                          </m:ctrlPr>
-                        </m:fPr>
-                        <m:num>
-                          <m:r>
-                            <a:rPr lang="pt-BR" i="1">
-                              <a:latin typeface="Cambria Math" panose="02040503050406030204" pitchFamily="18" charset="0"/>
-                            </a:rPr>
-                            <m:t>1</m:t>
-                          </m:r>
-                        </m:num>
-                        <m:den>
-                          <m:r>
-                            <a:rPr lang="pt-BR" i="1">
-                              <a:latin typeface="Cambria Math" panose="02040503050406030204" pitchFamily="18" charset="0"/>
-                            </a:rPr>
-                            <m:t>𝑁</m:t>
-                          </m:r>
-                        </m:den>
-                      </m:f>
-                      <m:nary>
-                        <m:naryPr>
-                          <m:chr m:val="∑"/>
-                          <m:ctrlPr>
-                            <a:rPr lang="pt-BR" i="1">
-                              <a:latin typeface="Cambria Math" panose="02040503050406030204" pitchFamily="18" charset="0"/>
-                            </a:rPr>
-                          </m:ctrlPr>
-                        </m:naryPr>
-                        <m:sub>
-                          <m:r>
-                            <m:rPr>
-                              <m:brk m:alnAt="23"/>
-                            </m:rPr>
-                            <a:rPr lang="pt-BR" i="1">
-                              <a:latin typeface="Cambria Math" panose="02040503050406030204" pitchFamily="18" charset="0"/>
-                            </a:rPr>
-                            <m:t>𝑖</m:t>
-                          </m:r>
-                          <m:r>
-                            <a:rPr lang="pt-BR" i="1">
-                              <a:latin typeface="Cambria Math" panose="02040503050406030204" pitchFamily="18" charset="0"/>
-                            </a:rPr>
-                            <m:t>=0</m:t>
-                          </m:r>
-                        </m:sub>
-                        <m:sup>
-                          <m:r>
-                            <a:rPr lang="pt-BR" i="1">
-                              <a:latin typeface="Cambria Math" panose="02040503050406030204" pitchFamily="18" charset="0"/>
-                            </a:rPr>
-                            <m:t>𝑁</m:t>
-                          </m:r>
-                          <m:r>
-                            <a:rPr lang="pt-BR" i="1">
-                              <a:latin typeface="Cambria Math" panose="02040503050406030204" pitchFamily="18" charset="0"/>
-                            </a:rPr>
-                            <m:t>−1</m:t>
-                          </m:r>
-                        </m:sup>
-                        <m:e>
-                          <m:d>
-                            <m:dPr>
-                              <m:begChr m:val="["/>
-                              <m:endChr m:val="]"/>
-                              <m:ctrlPr>
-                                <a:rPr lang="pt-BR" i="1">
-                                  <a:latin typeface="Cambria Math" panose="02040503050406030204" pitchFamily="18" charset="0"/>
-                                </a:rPr>
-                              </m:ctrlPr>
-                            </m:dPr>
-                            <m:e>
-                              <m:r>
-                                <a:rPr lang="pt-BR" i="1">
-                                  <a:latin typeface="Cambria Math" panose="02040503050406030204" pitchFamily="18" charset="0"/>
-                                </a:rPr>
-                                <m:t>𝑦</m:t>
-                              </m:r>
-                              <m:d>
-                                <m:dPr>
-                                  <m:ctrlPr>
-                                    <a:rPr lang="pt-BR" i="1">
-                                      <a:latin typeface="Cambria Math" panose="02040503050406030204" pitchFamily="18" charset="0"/>
-                                    </a:rPr>
-                                  </m:ctrlPr>
-                                </m:dPr>
-                                <m:e>
-                                  <m:r>
-                                    <a:rPr lang="pt-BR" i="1">
-                                      <a:latin typeface="Cambria Math" panose="02040503050406030204" pitchFamily="18" charset="0"/>
-                                    </a:rPr>
-                                    <m:t>𝑖</m:t>
-                                  </m:r>
-                                </m:e>
-                              </m:d>
-                              <m:r>
-                                <a:rPr lang="pt-BR" i="1">
-                                  <a:latin typeface="Cambria Math" panose="02040503050406030204" pitchFamily="18" charset="0"/>
-                                </a:rPr>
-                                <m:t>−</m:t>
-                              </m:r>
-                              <m:sSub>
-                                <m:sSubPr>
-                                  <m:ctrlPr>
-                                    <a:rPr lang="pt-BR" i="1">
-                                      <a:latin typeface="Cambria Math" panose="02040503050406030204" pitchFamily="18" charset="0"/>
-                                    </a:rPr>
-                                  </m:ctrlPr>
-                                </m:sSubPr>
-                                <m:e>
-                                  <m:r>
-                                    <a:rPr lang="pt-BR" i="1">
-                                      <a:latin typeface="Cambria Math" panose="02040503050406030204" pitchFamily="18" charset="0"/>
-                                    </a:rPr>
-                                    <m:t>h</m:t>
-                                  </m:r>
-                                </m:e>
-                                <m:sub>
-                                  <m:r>
-                                    <a:rPr lang="pt-BR" b="1" i="1">
-                                      <a:latin typeface="Cambria Math" panose="02040503050406030204" pitchFamily="18" charset="0"/>
-                                    </a:rPr>
-                                    <m:t>𝒂</m:t>
-                                  </m:r>
-                                </m:sub>
-                              </m:sSub>
-                              <m:d>
-                                <m:dPr>
-                                  <m:ctrlPr>
-                                    <a:rPr lang="pt-BR" i="1">
-                                      <a:latin typeface="Cambria Math" panose="02040503050406030204" pitchFamily="18" charset="0"/>
-                                    </a:rPr>
-                                  </m:ctrlPr>
-                                </m:dPr>
-                                <m:e>
-                                  <m:r>
-                                    <a:rPr lang="pt-BR" b="1" i="1">
-                                      <a:latin typeface="Cambria Math" panose="02040503050406030204" pitchFamily="18" charset="0"/>
-                                    </a:rPr>
-                                    <m:t>𝒙</m:t>
-                                  </m:r>
-                                  <m:d>
-                                    <m:dPr>
-                                      <m:ctrlPr>
-                                        <a:rPr lang="pt-BR" b="1" i="1">
-                                          <a:latin typeface="Cambria Math" panose="02040503050406030204" pitchFamily="18" charset="0"/>
-                                        </a:rPr>
-                                      </m:ctrlPr>
-                                    </m:dPr>
-                                    <m:e>
-                                      <m:r>
-                                        <a:rPr lang="pt-BR" i="1">
-                                          <a:latin typeface="Cambria Math" panose="02040503050406030204" pitchFamily="18" charset="0"/>
-                                        </a:rPr>
-                                        <m:t>𝑖</m:t>
-                                      </m:r>
-                                    </m:e>
-                                  </m:d>
-                                </m:e>
-                              </m:d>
-                            </m:e>
-                          </m:d>
-                          <m:sSup>
-                            <m:sSupPr>
-                              <m:ctrlPr>
-                                <a:rPr lang="pt-BR" i="1">
-                                  <a:latin typeface="Cambria Math" panose="02040503050406030204" pitchFamily="18" charset="0"/>
-                                </a:rPr>
-                              </m:ctrlPr>
-                            </m:sSupPr>
-                            <m:e>
-                              <m:r>
-                                <a:rPr lang="pt-BR" b="1" i="1">
-                                  <a:latin typeface="Cambria Math" panose="02040503050406030204" pitchFamily="18" charset="0"/>
-                                </a:rPr>
-                                <m:t>𝒙</m:t>
-                              </m:r>
-                              <m:d>
-                                <m:dPr>
-                                  <m:ctrlPr>
-                                    <a:rPr lang="pt-BR" b="1" i="1">
-                                      <a:latin typeface="Cambria Math" panose="02040503050406030204" pitchFamily="18" charset="0"/>
-                                    </a:rPr>
-                                  </m:ctrlPr>
-                                </m:dPr>
-                                <m:e>
-                                  <m:r>
-                                    <a:rPr lang="pt-BR" i="1">
-                                      <a:latin typeface="Cambria Math" panose="02040503050406030204" pitchFamily="18" charset="0"/>
-                                    </a:rPr>
-                                    <m:t>𝑖</m:t>
-                                  </m:r>
-                                </m:e>
-                              </m:d>
-                            </m:e>
-                            <m:sup>
-                              <m:r>
-                                <a:rPr lang="pt-BR" i="1">
-                                  <a:latin typeface="Cambria Math" panose="02040503050406030204" pitchFamily="18" charset="0"/>
-                                </a:rPr>
-                                <m:t>𝑇</m:t>
-                              </m:r>
-                            </m:sup>
-                          </m:sSup>
-                        </m:e>
-                      </m:nary>
-                      <m:r>
-                        <a:rPr lang="pt-BR" i="1">
-                          <a:latin typeface="Cambria Math" panose="02040503050406030204" pitchFamily="18" charset="0"/>
-                        </a:rPr>
-                        <m:t>=</m:t>
-                      </m:r>
-                      <m:sSup>
-                        <m:sSupPr>
-                          <m:ctrlPr>
-                            <a:rPr lang="pt-BR" i="1">
-                              <a:latin typeface="Cambria Math" panose="02040503050406030204" pitchFamily="18" charset="0"/>
-                            </a:rPr>
-                          </m:ctrlPr>
-                        </m:sSupPr>
-                        <m:e>
-                          <m:r>
-                            <a:rPr lang="pt-BR" i="1">
-                              <a:latin typeface="Cambria Math" panose="02040503050406030204" pitchFamily="18" charset="0"/>
-                            </a:rPr>
-                            <m:t>−</m:t>
-                          </m:r>
-                          <m:f>
-                            <m:fPr>
-                              <m:ctrlPr>
-                                <a:rPr lang="pt-BR" i="1">
-                                  <a:latin typeface="Cambria Math" panose="02040503050406030204" pitchFamily="18" charset="0"/>
-                                </a:rPr>
-                              </m:ctrlPr>
-                            </m:fPr>
-                            <m:num>
-                              <m:r>
-                                <a:rPr lang="pt-BR" i="1">
-                                  <a:latin typeface="Cambria Math" panose="02040503050406030204" pitchFamily="18" charset="0"/>
-                                </a:rPr>
-                                <m:t>1</m:t>
-                              </m:r>
-                            </m:num>
-                            <m:den>
-                              <m:r>
-                                <a:rPr lang="pt-BR" i="1">
-                                  <a:latin typeface="Cambria Math" panose="02040503050406030204" pitchFamily="18" charset="0"/>
-                                </a:rPr>
-                                <m:t>𝑁</m:t>
-                              </m:r>
-                            </m:den>
-                          </m:f>
-                          <m:r>
-                            <a:rPr lang="pt-BR" b="1" i="1">
-                              <a:latin typeface="Cambria Math" panose="02040503050406030204" pitchFamily="18" charset="0"/>
-                            </a:rPr>
-                            <m:t>𝑿</m:t>
-                          </m:r>
-                        </m:e>
-                        <m:sup>
-                          <m:r>
-                            <a:rPr lang="pt-BR" i="1">
-                              <a:latin typeface="Cambria Math" panose="02040503050406030204" pitchFamily="18" charset="0"/>
-                            </a:rPr>
-                            <m:t>𝑇</m:t>
-                          </m:r>
-                        </m:sup>
-                      </m:sSup>
-                      <m:d>
-                        <m:dPr>
-                          <m:ctrlPr>
-                            <a:rPr lang="pt-BR" i="1">
-                              <a:latin typeface="Cambria Math" panose="02040503050406030204" pitchFamily="18" charset="0"/>
-                            </a:rPr>
-                          </m:ctrlPr>
-                        </m:dPr>
-                        <m:e>
-                          <m:r>
-                            <a:rPr lang="pt-BR" b="1" i="1">
-                              <a:latin typeface="Cambria Math" panose="02040503050406030204" pitchFamily="18" charset="0"/>
-                            </a:rPr>
-                            <m:t>𝒚</m:t>
-                          </m:r>
-                          <m:r>
-                            <a:rPr lang="pt-BR" i="1">
-                              <a:latin typeface="Cambria Math" panose="02040503050406030204" pitchFamily="18" charset="0"/>
-                            </a:rPr>
-                            <m:t>−</m:t>
-                          </m:r>
-                          <m:acc>
-                            <m:accPr>
-                              <m:chr m:val="̂"/>
-                              <m:ctrlPr>
-                                <a:rPr lang="pt-BR" i="1">
-                                  <a:latin typeface="Cambria Math" panose="02040503050406030204" pitchFamily="18" charset="0"/>
-                                </a:rPr>
-                              </m:ctrlPr>
-                            </m:accPr>
-                            <m:e>
-                              <m:r>
-                                <a:rPr lang="pt-BR" b="1" i="1">
-                                  <a:latin typeface="Cambria Math" panose="02040503050406030204" pitchFamily="18" charset="0"/>
-                                </a:rPr>
-                                <m:t>𝒚</m:t>
-                              </m:r>
-                            </m:e>
-                          </m:acc>
-                        </m:e>
-                      </m:d>
-                      <m:r>
-                        <a:rPr lang="pt-BR" i="1">
-                          <a:latin typeface="Cambria Math" panose="02040503050406030204" pitchFamily="18" charset="0"/>
-                        </a:rPr>
-                        <m:t>,</m:t>
-                      </m:r>
-                    </m:oMath>
-                  </m:oMathPara>
-                </a14:m>
-                <a:endParaRPr lang="pt-BR" dirty="0"/>
-              </a:p>
-              <a:p>
-                <a:pPr marL="0" indent="0">
-                  <a:buNone/>
-                </a:pPr>
                 <a:r>
                   <a:rPr lang="pt-BR" dirty="0"/>
-                  <a:t>onde </a:t>
-                </a:r>
-                <a14:m>
-                  <m:oMath xmlns:m="http://schemas.openxmlformats.org/officeDocument/2006/math">
-                    <m:r>
-                      <a:rPr lang="pt-BR" b="1" i="1">
-                        <a:latin typeface="Cambria Math" panose="02040503050406030204" pitchFamily="18" charset="0"/>
-                      </a:rPr>
-                      <m:t>𝑿</m:t>
-                    </m:r>
-                    <m:r>
-                      <a:rPr lang="pt-BR" b="1" i="1">
-                        <a:latin typeface="Cambria Math" panose="02040503050406030204" pitchFamily="18" charset="0"/>
-                      </a:rPr>
-                      <m:t>=</m:t>
-                    </m:r>
-                    <m:d>
-                      <m:dPr>
-                        <m:begChr m:val="["/>
-                        <m:endChr m:val="]"/>
-                        <m:ctrlPr>
-                          <a:rPr lang="pt-BR" b="1" i="1">
-                            <a:latin typeface="Cambria Math" panose="02040503050406030204" pitchFamily="18" charset="0"/>
-                          </a:rPr>
-                        </m:ctrlPr>
-                      </m:dPr>
-                      <m:e>
-                        <m:sSub>
-                          <m:sSubPr>
-                            <m:ctrlPr>
-                              <a:rPr lang="en-US" i="1">
-                                <a:latin typeface="Cambria Math" panose="02040503050406030204" pitchFamily="18" charset="0"/>
-                              </a:rPr>
-                            </m:ctrlPr>
-                          </m:sSubPr>
-                          <m:e>
-                            <m:r>
-                              <a:rPr lang="en-US" b="1" i="1">
-                                <a:latin typeface="Cambria Math" panose="02040503050406030204" pitchFamily="18" charset="0"/>
-                              </a:rPr>
-                              <m:t>𝒙</m:t>
-                            </m:r>
-                          </m:e>
-                          <m:sub>
-                            <m:r>
-                              <a:rPr lang="pt-BR" i="1">
-                                <a:latin typeface="Cambria Math" panose="02040503050406030204" pitchFamily="18" charset="0"/>
-                              </a:rPr>
-                              <m:t>0</m:t>
-                            </m:r>
-                          </m:sub>
-                        </m:sSub>
-                        <m:r>
-                          <a:rPr lang="pt-BR" b="1" i="1" smtClean="0">
-                            <a:latin typeface="Cambria Math" panose="02040503050406030204" pitchFamily="18" charset="0"/>
-                          </a:rPr>
-                          <m:t>,</m:t>
-                        </m:r>
-                        <m:sSub>
-                          <m:sSubPr>
-                            <m:ctrlPr>
-                              <a:rPr lang="en-US" i="1" smtClean="0">
-                                <a:latin typeface="Cambria Math" panose="02040503050406030204" pitchFamily="18" charset="0"/>
-                              </a:rPr>
-                            </m:ctrlPr>
-                          </m:sSubPr>
-                          <m:e>
-                            <m:r>
-                              <a:rPr lang="en-US" b="1" i="1">
-                                <a:latin typeface="Cambria Math" panose="02040503050406030204" pitchFamily="18" charset="0"/>
-                              </a:rPr>
-                              <m:t>𝒙</m:t>
-                            </m:r>
-                          </m:e>
-                          <m:sub>
-                            <m:r>
-                              <a:rPr lang="pt-BR" b="0" i="1" smtClean="0">
-                                <a:latin typeface="Cambria Math" panose="02040503050406030204" pitchFamily="18" charset="0"/>
-                              </a:rPr>
-                              <m:t>1</m:t>
-                            </m:r>
-                          </m:sub>
-                        </m:sSub>
-                        <m:r>
-                          <a:rPr lang="pt-BR" i="1">
-                            <a:latin typeface="Cambria Math" panose="02040503050406030204" pitchFamily="18" charset="0"/>
-                            <a:ea typeface="Cambria Math" panose="02040503050406030204" pitchFamily="18" charset="0"/>
-                          </a:rPr>
-                          <m:t>⨀</m:t>
-                        </m:r>
-                        <m:sSub>
-                          <m:sSubPr>
-                            <m:ctrlPr>
-                              <a:rPr lang="en-US" i="1">
-                                <a:latin typeface="Cambria Math" panose="02040503050406030204" pitchFamily="18" charset="0"/>
-                              </a:rPr>
-                            </m:ctrlPr>
-                          </m:sSubPr>
-                          <m:e>
-                            <m:r>
-                              <a:rPr lang="en-US" b="1" i="1">
-                                <a:latin typeface="Cambria Math" panose="02040503050406030204" pitchFamily="18" charset="0"/>
-                              </a:rPr>
-                              <m:t>𝒙</m:t>
-                            </m:r>
-                          </m:e>
-                          <m:sub>
-                            <m:r>
-                              <a:rPr lang="pt-BR" b="0" i="1" smtClean="0">
-                                <a:latin typeface="Cambria Math" panose="02040503050406030204" pitchFamily="18" charset="0"/>
-                              </a:rPr>
-                              <m:t>2</m:t>
-                            </m:r>
-                          </m:sub>
-                        </m:sSub>
-                      </m:e>
-                    </m:d>
-                  </m:oMath>
-                </a14:m>
+                  <a:t>O </a:t>
+                </a:r>
+                <a:r>
+                  <a:rPr lang="pt-BR" b="1" i="1" dirty="0"/>
+                  <a:t>vetor gradiente </a:t>
+                </a:r>
                 <a:r>
                   <a:rPr lang="pt-BR" dirty="0"/>
-                  <a:t> </a:t>
-                </a:r>
-                <a14:m>
-                  <m:oMath xmlns:m="http://schemas.openxmlformats.org/officeDocument/2006/math">
-                    <m:r>
-                      <a:rPr lang="pt-BR">
-                        <a:latin typeface="Cambria Math" panose="02040503050406030204" pitchFamily="18" charset="0"/>
-                      </a:rPr>
-                      <m:t>∈</m:t>
-                    </m:r>
-                    <m:sSup>
-                      <m:sSupPr>
-                        <m:ctrlPr>
-                          <a:rPr lang="pt-BR" i="1">
-                            <a:latin typeface="Cambria Math" panose="02040503050406030204" pitchFamily="18" charset="0"/>
-                          </a:rPr>
-                        </m:ctrlPr>
-                      </m:sSupPr>
-                      <m:e>
-                        <m:r>
-                          <a:rPr lang="pt-BR">
-                            <a:latin typeface="Cambria Math" panose="02040503050406030204" pitchFamily="18" charset="0"/>
-                          </a:rPr>
-                          <m:t>ℝ</m:t>
-                        </m:r>
-                      </m:e>
-                      <m:sup>
-                        <m:r>
-                          <m:rPr>
-                            <m:sty m:val="p"/>
-                          </m:rPr>
-                          <a:rPr lang="pt-BR">
-                            <a:latin typeface="Cambria Math" panose="02040503050406030204" pitchFamily="18" charset="0"/>
-                          </a:rPr>
-                          <m:t>N</m:t>
-                        </m:r>
-                        <m:r>
-                          <a:rPr lang="pt-BR">
-                            <a:latin typeface="Cambria Math" panose="02040503050406030204" pitchFamily="18" charset="0"/>
-                          </a:rPr>
-                          <m:t>×</m:t>
-                        </m:r>
-                        <m:r>
-                          <m:rPr>
-                            <m:sty m:val="p"/>
-                          </m:rPr>
-                          <a:rPr lang="pt-BR">
-                            <a:latin typeface="Cambria Math" panose="02040503050406030204" pitchFamily="18" charset="0"/>
-                          </a:rPr>
-                          <m:t>K</m:t>
-                        </m:r>
-                        <m:r>
-                          <a:rPr lang="pt-BR">
-                            <a:latin typeface="Cambria Math" panose="02040503050406030204" pitchFamily="18" charset="0"/>
-                          </a:rPr>
-                          <m:t>+1</m:t>
-                        </m:r>
-                      </m:sup>
-                    </m:sSup>
-                  </m:oMath>
-                </a14:m>
+                  <a:t>da</a:t>
+                </a:r>
+                <a:r>
+                  <a:rPr lang="pt-BR" b="1" i="1" dirty="0"/>
+                  <a:t> função de erro médio </a:t>
+                </a:r>
                 <a:r>
                   <a:rPr lang="pt-BR" dirty="0"/>
-                  <a:t>, </a:t>
-                </a:r>
-                <a14:m>
-                  <m:oMath xmlns:m="http://schemas.openxmlformats.org/officeDocument/2006/math">
-                    <m:sSub>
-                      <m:sSubPr>
-                        <m:ctrlPr>
-                          <a:rPr lang="en-US" i="1">
-                            <a:latin typeface="Cambria Math" panose="02040503050406030204" pitchFamily="18" charset="0"/>
-                          </a:rPr>
-                        </m:ctrlPr>
-                      </m:sSubPr>
-                      <m:e>
-                        <m:r>
-                          <a:rPr lang="en-US" b="1" i="1">
-                            <a:latin typeface="Cambria Math" panose="02040503050406030204" pitchFamily="18" charset="0"/>
-                          </a:rPr>
-                          <m:t>𝒙</m:t>
-                        </m:r>
-                      </m:e>
-                      <m:sub>
-                        <m:r>
-                          <a:rPr lang="pt-BR" i="1">
-                            <a:latin typeface="Cambria Math" panose="02040503050406030204" pitchFamily="18" charset="0"/>
-                          </a:rPr>
-                          <m:t>0</m:t>
-                        </m:r>
-                      </m:sub>
-                    </m:sSub>
-                    <m:r>
-                      <a:rPr lang="pt-BR" b="1" i="1">
-                        <a:latin typeface="Cambria Math" panose="02040503050406030204" pitchFamily="18" charset="0"/>
-                      </a:rPr>
-                      <m:t>,</m:t>
-                    </m:r>
-                    <m:sSub>
-                      <m:sSubPr>
-                        <m:ctrlPr>
-                          <a:rPr lang="en-US" i="1">
-                            <a:latin typeface="Cambria Math" panose="02040503050406030204" pitchFamily="18" charset="0"/>
-                          </a:rPr>
-                        </m:ctrlPr>
-                      </m:sSubPr>
-                      <m:e>
-                        <m:r>
-                          <a:rPr lang="en-US" b="1" i="1">
-                            <a:latin typeface="Cambria Math" panose="02040503050406030204" pitchFamily="18" charset="0"/>
-                          </a:rPr>
-                          <m:t>𝒙</m:t>
-                        </m:r>
-                      </m:e>
-                      <m:sub>
-                        <m:r>
-                          <a:rPr lang="pt-BR" i="1">
-                            <a:latin typeface="Cambria Math" panose="02040503050406030204" pitchFamily="18" charset="0"/>
-                          </a:rPr>
-                          <m:t>1</m:t>
-                        </m:r>
-                      </m:sub>
-                    </m:sSub>
-                    <m:r>
-                      <a:rPr lang="pt-BR" b="0" i="1" smtClean="0">
-                        <a:latin typeface="Cambria Math" panose="02040503050406030204" pitchFamily="18" charset="0"/>
-                      </a:rPr>
-                      <m:t>,</m:t>
-                    </m:r>
-                    <m:sSub>
-                      <m:sSubPr>
-                        <m:ctrlPr>
-                          <a:rPr lang="en-US" i="1">
-                            <a:latin typeface="Cambria Math" panose="02040503050406030204" pitchFamily="18" charset="0"/>
-                          </a:rPr>
-                        </m:ctrlPr>
-                      </m:sSubPr>
-                      <m:e>
-                        <m:r>
-                          <a:rPr lang="en-US" b="1" i="1">
-                            <a:latin typeface="Cambria Math" panose="02040503050406030204" pitchFamily="18" charset="0"/>
-                          </a:rPr>
-                          <m:t>𝒙</m:t>
-                        </m:r>
-                      </m:e>
-                      <m:sub>
-                        <m:r>
-                          <a:rPr lang="pt-BR" i="1">
-                            <a:latin typeface="Cambria Math" panose="02040503050406030204" pitchFamily="18" charset="0"/>
-                          </a:rPr>
-                          <m:t>2</m:t>
-                        </m:r>
-                      </m:sub>
-                    </m:sSub>
-                    <m:r>
-                      <a:rPr lang="pt-BR" b="0" i="0" smtClean="0">
-                        <a:latin typeface="Cambria Math" panose="02040503050406030204" pitchFamily="18" charset="0"/>
-                      </a:rPr>
-                      <m:t>, </m:t>
-                    </m:r>
-                    <m:r>
-                      <m:rPr>
-                        <m:sty m:val="p"/>
-                      </m:rPr>
-                      <a:rPr lang="pt-BR" b="0" i="0" smtClean="0">
-                        <a:latin typeface="Cambria Math" panose="02040503050406030204" pitchFamily="18" charset="0"/>
-                      </a:rPr>
-                      <m:t>e</m:t>
-                    </m:r>
-                    <m:r>
-                      <a:rPr lang="pt-BR" b="0" i="0" smtClean="0">
-                        <a:latin typeface="Cambria Math" panose="02040503050406030204" pitchFamily="18" charset="0"/>
-                      </a:rPr>
-                      <m:t> </m:t>
-                    </m:r>
-                    <m:sSub>
-                      <m:sSubPr>
-                        <m:ctrlPr>
-                          <a:rPr lang="en-US" i="1">
-                            <a:latin typeface="Cambria Math" panose="02040503050406030204" pitchFamily="18" charset="0"/>
-                          </a:rPr>
-                        </m:ctrlPr>
-                      </m:sSubPr>
-                      <m:e>
-                        <m:r>
-                          <a:rPr lang="en-US" b="1" i="1">
-                            <a:latin typeface="Cambria Math" panose="02040503050406030204" pitchFamily="18" charset="0"/>
-                          </a:rPr>
-                          <m:t>𝒙</m:t>
-                        </m:r>
-                      </m:e>
-                      <m:sub>
-                        <m:r>
-                          <a:rPr lang="pt-BR" i="1">
-                            <a:latin typeface="Cambria Math" panose="02040503050406030204" pitchFamily="18" charset="0"/>
-                          </a:rPr>
-                          <m:t>1</m:t>
-                        </m:r>
-                      </m:sub>
-                    </m:sSub>
-                    <m:r>
-                      <a:rPr lang="pt-BR" i="1">
-                        <a:latin typeface="Cambria Math" panose="02040503050406030204" pitchFamily="18" charset="0"/>
-                        <a:ea typeface="Cambria Math" panose="02040503050406030204" pitchFamily="18" charset="0"/>
-                      </a:rPr>
-                      <m:t>⨀</m:t>
-                    </m:r>
-                    <m:sSub>
-                      <m:sSubPr>
-                        <m:ctrlPr>
-                          <a:rPr lang="en-US" i="1">
-                            <a:latin typeface="Cambria Math" panose="02040503050406030204" pitchFamily="18" charset="0"/>
-                          </a:rPr>
-                        </m:ctrlPr>
-                      </m:sSubPr>
-                      <m:e>
-                        <m:r>
-                          <a:rPr lang="en-US" b="1" i="1">
-                            <a:latin typeface="Cambria Math" panose="02040503050406030204" pitchFamily="18" charset="0"/>
-                          </a:rPr>
-                          <m:t>𝒙</m:t>
-                        </m:r>
-                      </m:e>
-                      <m:sub>
-                        <m:r>
-                          <a:rPr lang="pt-BR" i="1">
-                            <a:latin typeface="Cambria Math" panose="02040503050406030204" pitchFamily="18" charset="0"/>
-                          </a:rPr>
-                          <m:t>2</m:t>
-                        </m:r>
-                      </m:sub>
-                    </m:sSub>
-                    <m:r>
-                      <a:rPr lang="pt-BR">
-                        <a:latin typeface="Cambria Math" panose="02040503050406030204" pitchFamily="18" charset="0"/>
-                      </a:rPr>
-                      <m:t>∈</m:t>
-                    </m:r>
-                    <m:sSup>
-                      <m:sSupPr>
-                        <m:ctrlPr>
-                          <a:rPr lang="pt-BR" i="1">
-                            <a:latin typeface="Cambria Math" panose="02040503050406030204" pitchFamily="18" charset="0"/>
-                          </a:rPr>
-                        </m:ctrlPr>
-                      </m:sSupPr>
-                      <m:e>
-                        <m:r>
-                          <a:rPr lang="pt-BR">
-                            <a:latin typeface="Cambria Math" panose="02040503050406030204" pitchFamily="18" charset="0"/>
-                          </a:rPr>
-                          <m:t>ℝ</m:t>
-                        </m:r>
-                      </m:e>
-                      <m:sup>
-                        <m:r>
-                          <m:rPr>
-                            <m:sty m:val="p"/>
-                          </m:rPr>
-                          <a:rPr lang="pt-BR">
-                            <a:latin typeface="Cambria Math" panose="02040503050406030204" pitchFamily="18" charset="0"/>
-                          </a:rPr>
-                          <m:t>N</m:t>
-                        </m:r>
-                        <m:r>
-                          <a:rPr lang="pt-BR">
-                            <a:latin typeface="Cambria Math" panose="02040503050406030204" pitchFamily="18" charset="0"/>
-                          </a:rPr>
-                          <m:t>×1</m:t>
-                        </m:r>
-                      </m:sup>
-                    </m:sSup>
-                  </m:oMath>
-                </a14:m>
+                  <a:t>vai variar dependendo da </a:t>
+                </a:r>
+                <a:r>
+                  <a:rPr lang="pt-BR" b="1" i="1" dirty="0"/>
+                  <a:t>função </a:t>
+                </a:r>
+                <a:r>
+                  <a:rPr lang="pt-BR" b="1" i="1" dirty="0" smtClean="0"/>
+                  <a:t>discriminante </a:t>
+                </a:r>
                 <a:r>
                   <a:rPr lang="pt-BR" dirty="0"/>
-                  <a:t>, </a:t>
-                </a:r>
-                <a14:m>
-                  <m:oMath xmlns:m="http://schemas.openxmlformats.org/officeDocument/2006/math">
-                    <m:r>
-                      <a:rPr lang="pt-BR">
-                        <a:latin typeface="Cambria Math" panose="02040503050406030204" pitchFamily="18" charset="0"/>
-                      </a:rPr>
-                      <m:t>𝒚</m:t>
-                    </m:r>
-                  </m:oMath>
-                </a14:m>
-                <a:r>
-                  <a:rPr lang="pt-BR" dirty="0"/>
-                  <a:t> e </a:t>
-                </a:r>
-                <a14:m>
-                  <m:oMath xmlns:m="http://schemas.openxmlformats.org/officeDocument/2006/math">
-                    <m:acc>
-                      <m:accPr>
-                        <m:chr m:val="̂"/>
-                        <m:ctrlPr>
-                          <a:rPr lang="pt-BR" i="1">
-                            <a:latin typeface="Cambria Math" panose="02040503050406030204" pitchFamily="18" charset="0"/>
-                          </a:rPr>
-                        </m:ctrlPr>
-                      </m:accPr>
-                      <m:e>
-                        <m:r>
-                          <a:rPr lang="pt-BR">
-                            <a:latin typeface="Cambria Math" panose="02040503050406030204" pitchFamily="18" charset="0"/>
-                          </a:rPr>
-                          <m:t>𝒚</m:t>
-                        </m:r>
-                      </m:e>
-                    </m:acc>
-                  </m:oMath>
-                </a14:m>
-                <a:r>
-                  <a:rPr lang="pt-BR" dirty="0"/>
-                  <a:t>  </a:t>
-                </a:r>
-                <a14:m>
-                  <m:oMath xmlns:m="http://schemas.openxmlformats.org/officeDocument/2006/math">
-                    <m:r>
-                      <a:rPr lang="pt-BR">
-                        <a:latin typeface="Cambria Math" panose="02040503050406030204" pitchFamily="18" charset="0"/>
-                      </a:rPr>
-                      <m:t>∈</m:t>
-                    </m:r>
-                    <m:sSup>
-                      <m:sSupPr>
-                        <m:ctrlPr>
-                          <a:rPr lang="pt-BR" i="1">
-                            <a:latin typeface="Cambria Math" panose="02040503050406030204" pitchFamily="18" charset="0"/>
-                          </a:rPr>
-                        </m:ctrlPr>
-                      </m:sSupPr>
-                      <m:e>
-                        <m:r>
-                          <a:rPr lang="pt-BR">
-                            <a:latin typeface="Cambria Math" panose="02040503050406030204" pitchFamily="18" charset="0"/>
-                          </a:rPr>
-                          <m:t>ℝ</m:t>
-                        </m:r>
-                      </m:e>
-                      <m:sup>
-                        <m:r>
-                          <m:rPr>
-                            <m:sty m:val="p"/>
-                          </m:rPr>
-                          <a:rPr lang="pt-BR">
-                            <a:latin typeface="Cambria Math" panose="02040503050406030204" pitchFamily="18" charset="0"/>
-                          </a:rPr>
-                          <m:t>N</m:t>
-                        </m:r>
-                        <m:r>
-                          <a:rPr lang="pt-BR">
-                            <a:latin typeface="Cambria Math" panose="02040503050406030204" pitchFamily="18" charset="0"/>
-                          </a:rPr>
-                          <m:t>×</m:t>
-                        </m:r>
-                        <m:r>
-                          <a:rPr lang="pt-BR">
-                            <a:latin typeface="Cambria Math" panose="02040503050406030204" pitchFamily="18" charset="0"/>
-                          </a:rPr>
-                          <m:t>𝟏</m:t>
-                        </m:r>
-                      </m:sup>
-                    </m:sSup>
-                  </m:oMath>
-                </a14:m>
-                <a:r>
-                  <a:rPr lang="pt-BR" dirty="0"/>
-                  <a:t> e </a:t>
-                </a:r>
-                <a14:m>
-                  <m:oMath xmlns:m="http://schemas.openxmlformats.org/officeDocument/2006/math">
-                    <m:r>
-                      <a:rPr lang="pt-BR" i="1">
-                        <a:latin typeface="Cambria Math" panose="02040503050406030204" pitchFamily="18" charset="0"/>
-                        <a:ea typeface="Cambria Math" panose="02040503050406030204" pitchFamily="18" charset="0"/>
-                      </a:rPr>
-                      <m:t>⨀</m:t>
-                    </m:r>
-                  </m:oMath>
-                </a14:m>
-                <a:r>
-                  <a:rPr lang="pt-BR" dirty="0"/>
-                  <a:t> é a multiplicação elemento-a-elemento. </a:t>
-                </a:r>
-              </a:p>
-              <a:p>
-                <a:r>
-                  <a:rPr lang="pt-BR" dirty="0"/>
-                  <a:t>De posse do </a:t>
-                </a:r>
-                <a:r>
-                  <a:rPr lang="pt-BR" b="1" i="1" dirty="0"/>
-                  <a:t>vetor gradiente</a:t>
-                </a:r>
-                <a:r>
-                  <a:rPr lang="pt-BR" dirty="0"/>
-                  <a:t>, podemos usá-lo com o </a:t>
-                </a:r>
-                <a:r>
-                  <a:rPr lang="pt-BR" b="1" i="1" dirty="0"/>
-                  <a:t>gradiente descendente</a:t>
-                </a:r>
-                <a:r>
-                  <a:rPr lang="pt-BR" dirty="0"/>
-                  <a:t> para atualizar os pesos.</a:t>
-                </a:r>
-              </a:p>
-              <a:p>
-                <a:pPr marL="0" indent="0" algn="ctr">
-                  <a:buNone/>
-                </a:pPr>
-                <a14:m>
-                  <m:oMath xmlns:m="http://schemas.openxmlformats.org/officeDocument/2006/math">
-                    <m:r>
-                      <a:rPr lang="pt-BR" b="1" i="1">
-                        <a:latin typeface="Cambria Math" panose="02040503050406030204" pitchFamily="18" charset="0"/>
-                      </a:rPr>
-                      <m:t>𝒂</m:t>
-                    </m:r>
-                    <m:r>
-                      <a:rPr lang="pt-BR" b="1" i="1">
-                        <a:latin typeface="Cambria Math" panose="02040503050406030204" pitchFamily="18" charset="0"/>
-                      </a:rPr>
-                      <m:t>=</m:t>
-                    </m:r>
-                    <m:r>
-                      <a:rPr lang="pt-BR" b="1" i="1">
-                        <a:latin typeface="Cambria Math" panose="02040503050406030204" pitchFamily="18" charset="0"/>
-                      </a:rPr>
-                      <m:t>𝒂</m:t>
-                    </m:r>
-                    <m:r>
-                      <a:rPr lang="pt-BR" b="1" i="1">
-                        <a:latin typeface="Cambria Math" panose="02040503050406030204" pitchFamily="18" charset="0"/>
-                      </a:rPr>
-                      <m:t>−</m:t>
-                    </m:r>
-                    <m:r>
-                      <a:rPr lang="pt-BR" i="1">
-                        <a:latin typeface="Cambria Math" panose="02040503050406030204" pitchFamily="18" charset="0"/>
-                        <a:ea typeface="Cambria Math" panose="02040503050406030204" pitchFamily="18" charset="0"/>
-                      </a:rPr>
-                      <m:t>𝛼</m:t>
-                    </m:r>
-                    <m:f>
-                      <m:fPr>
-                        <m:ctrlPr>
-                          <a:rPr lang="pt-BR" i="1">
-                            <a:latin typeface="Cambria Math" panose="02040503050406030204" pitchFamily="18" charset="0"/>
-                          </a:rPr>
-                        </m:ctrlPr>
-                      </m:fPr>
-                      <m:num>
-                        <m:r>
-                          <a:rPr lang="pt-BR" i="1">
-                            <a:latin typeface="Cambria Math" panose="02040503050406030204" pitchFamily="18" charset="0"/>
-                          </a:rPr>
-                          <m:t>𝜕</m:t>
-                        </m:r>
-                        <m:sSub>
-                          <m:sSubPr>
-                            <m:ctrlPr>
-                              <a:rPr lang="pt-BR" i="1">
-                                <a:latin typeface="Cambria Math" panose="02040503050406030204" pitchFamily="18" charset="0"/>
-                              </a:rPr>
-                            </m:ctrlPr>
-                          </m:sSubPr>
-                          <m:e>
-                            <m:r>
-                              <a:rPr lang="pt-BR" i="1">
-                                <a:latin typeface="Cambria Math" panose="02040503050406030204" pitchFamily="18" charset="0"/>
-                              </a:rPr>
-                              <m:t>𝐽</m:t>
-                            </m:r>
-                          </m:e>
-                          <m:sub>
-                            <m:r>
-                              <a:rPr lang="pt-BR" i="1">
-                                <a:latin typeface="Cambria Math" panose="02040503050406030204" pitchFamily="18" charset="0"/>
-                              </a:rPr>
-                              <m:t>𝑒</m:t>
-                            </m:r>
-                          </m:sub>
-                        </m:sSub>
-                        <m:d>
-                          <m:dPr>
-                            <m:ctrlPr>
-                              <a:rPr lang="pt-BR" i="1">
-                                <a:latin typeface="Cambria Math" panose="02040503050406030204" pitchFamily="18" charset="0"/>
-                              </a:rPr>
-                            </m:ctrlPr>
-                          </m:dPr>
-                          <m:e>
-                            <m:r>
-                              <a:rPr lang="pt-BR" b="1" i="1">
-                                <a:latin typeface="Cambria Math" panose="02040503050406030204" pitchFamily="18" charset="0"/>
-                              </a:rPr>
-                              <m:t>𝒂</m:t>
-                            </m:r>
-                          </m:e>
-                        </m:d>
-                      </m:num>
-                      <m:den>
-                        <m:r>
-                          <a:rPr lang="pt-BR" i="1">
-                            <a:latin typeface="Cambria Math" panose="02040503050406030204" pitchFamily="18" charset="0"/>
-                          </a:rPr>
-                          <m:t>𝜕</m:t>
-                        </m:r>
-                        <m:r>
-                          <a:rPr lang="pt-BR" b="1" i="1">
-                            <a:latin typeface="Cambria Math" panose="02040503050406030204" pitchFamily="18" charset="0"/>
-                          </a:rPr>
-                          <m:t>𝒂</m:t>
-                        </m:r>
-                      </m:den>
-                    </m:f>
-                  </m:oMath>
-                </a14:m>
-                <a:r>
-                  <a:rPr lang="pt-BR" dirty="0"/>
-                  <a:t>.</a:t>
+                  <a:t>adotada.</a:t>
                 </a:r>
               </a:p>
             </p:txBody>
           </p:sp>
         </mc:Choice>
-        <mc:Fallback xmlns="">
+        <mc:Fallback>
           <p:sp>
             <p:nvSpPr>
               <p:cNvPr id="3" name="Content Placeholder 2"/>
@@ -22621,13 +22660,13 @@
             </p:nvSpPr>
             <p:spPr>
               <a:xfrm>
-                <a:off x="838199" y="1825624"/>
-                <a:ext cx="10831287" cy="4821919"/>
+                <a:off x="838199" y="1825625"/>
+                <a:ext cx="10816771" cy="4351338"/>
               </a:xfrm>
               <a:blipFill rotWithShape="0">
                 <a:blip r:embed="rId2"/>
                 <a:stretch>
-                  <a:fillRect l="-1125" t="-2023"/>
+                  <a:fillRect l="-958" t="-3081" r="-1070"/>
                 </a:stretch>
               </a:blipFill>
             </p:spPr>
@@ -22646,47 +22685,10 @@
           </p:sp>
         </mc:Fallback>
       </mc:AlternateContent>
-      <p:sp>
-        <p:nvSpPr>
-          <p:cNvPr id="4" name="Rectangle 3"/>
-          <p:cNvSpPr/>
-          <p:nvPr/>
-        </p:nvSpPr>
-        <p:spPr>
-          <a:xfrm>
-            <a:off x="7027001" y="6443925"/>
-            <a:ext cx="5048883" cy="338554"/>
-          </a:xfrm>
-          <a:prstGeom prst="rect">
-            <a:avLst/>
-          </a:prstGeom>
-        </p:spPr>
-        <p:txBody>
-          <a:bodyPr wrap="none">
-            <a:spAutoFit/>
-          </a:bodyPr>
-          <a:lstStyle/>
-          <a:p>
-            <a:r>
-              <a:rPr lang="pt-BR" sz="1600" b="1" dirty="0">
-                <a:hlinkClick r:id="rId3"/>
-              </a:rPr>
-              <a:t>Exemplo</a:t>
-            </a:r>
-            <a:r>
-              <a:rPr lang="pt-BR" sz="1600" dirty="0">
-                <a:hlinkClick r:id="rId3"/>
-              </a:rPr>
-              <a:t>: logistic_regression_with_gradient_descent.ipynb</a:t>
-            </a:r>
-            <a:endParaRPr lang="pt-BR" sz="1600" dirty="0"/>
-          </a:p>
-        </p:txBody>
-      </p:sp>
     </p:spTree>
     <p:extLst>
       <p:ext uri="{BB962C8B-B14F-4D97-AF65-F5344CB8AC3E}">
-        <p14:creationId xmlns:p14="http://schemas.microsoft.com/office/powerpoint/2010/main" val="100847993"/>
+        <p14:creationId xmlns:p14="http://schemas.microsoft.com/office/powerpoint/2010/main" val="1449914691"/>
       </p:ext>
     </p:extLst>
   </p:cSld>

--- a/slides/T320_Classificação (Parte III).pptx
+++ b/slides/T320_Classificação (Parte III).pptx
@@ -5,10 +5,10 @@
     <p:sldMasterId id="2147483648" r:id="rId1"/>
   </p:sldMasterIdLst>
   <p:notesMasterIdLst>
-    <p:notesMasterId r:id="rId20"/>
+    <p:notesMasterId r:id="rId23"/>
   </p:notesMasterIdLst>
   <p:handoutMasterIdLst>
-    <p:handoutMasterId r:id="rId21"/>
+    <p:handoutMasterId r:id="rId24"/>
   </p:handoutMasterIdLst>
   <p:sldIdLst>
     <p:sldId id="256" r:id="rId2"/>
@@ -24,11 +24,14 @@
     <p:sldId id="367" r:id="rId12"/>
     <p:sldId id="370" r:id="rId13"/>
     <p:sldId id="372" r:id="rId14"/>
-    <p:sldId id="368" r:id="rId15"/>
+    <p:sldId id="379" r:id="rId15"/>
     <p:sldId id="324" r:id="rId16"/>
     <p:sldId id="306" r:id="rId17"/>
-    <p:sldId id="362" r:id="rId18"/>
-    <p:sldId id="369" r:id="rId19"/>
+    <p:sldId id="375" r:id="rId18"/>
+    <p:sldId id="376" r:id="rId19"/>
+    <p:sldId id="377" r:id="rId20"/>
+    <p:sldId id="378" r:id="rId21"/>
+    <p:sldId id="362" r:id="rId22"/>
   </p:sldIdLst>
   <p:sldSz cx="12192000" cy="6858000"/>
   <p:notesSz cx="7315200" cy="9601200"/>
@@ -292,7 +295,7 @@
           <a:p>
             <a:fld id="{144F1436-6906-4D93-B7A2-786C327BFA14}" type="datetimeFigureOut">
               <a:rPr lang="nl-BE" smtClean="0"/>
-              <a:t>5/03/2022</a:t>
+              <a:t>11/03/2022</a:t>
             </a:fld>
             <a:endParaRPr lang="nl-BE"/>
           </a:p>
@@ -358,7 +361,7 @@
           <a:p>
             <a:fld id="{F7E56D9B-79AD-444A-AFED-DEC23408F8B4}" type="slidenum">
               <a:rPr lang="nl-BE" smtClean="0"/>
-              <a:t>‹#›</a:t>
+              <a:t>‹nº›</a:t>
             </a:fld>
             <a:endParaRPr lang="nl-BE"/>
           </a:p>
@@ -457,7 +460,7 @@
           <a:p>
             <a:fld id="{AA8CD09E-2914-4F47-B6C1-51B2C31814C9}" type="datetimeFigureOut">
               <a:rPr lang="pt-BR" smtClean="0"/>
-              <a:t>05/03/2022</a:t>
+              <a:t>11/03/2022</a:t>
             </a:fld>
             <a:endParaRPr lang="pt-BR"/>
           </a:p>
@@ -615,7 +618,7 @@
           <a:p>
             <a:fld id="{6FC8D850-966F-45A6-8DE7-15B891E7D40D}" type="slidenum">
               <a:rPr lang="pt-BR" smtClean="0"/>
-              <a:t>‹#›</a:t>
+              <a:t>‹nº›</a:t>
             </a:fld>
             <a:endParaRPr lang="pt-BR"/>
           </a:p>
@@ -852,6 +855,117 @@
           <a:bodyPr/>
           <a:lstStyle/>
           <a:p>
+            <a:pPr marL="0" marR="0" lvl="0" indent="0" algn="l" defTabSz="914400" rtl="0" eaLnBrk="1" fontAlgn="auto" latinLnBrk="0" hangingPunct="1">
+              <a:lnSpc>
+                <a:spcPct val="100000"/>
+              </a:lnSpc>
+              <a:spcBef>
+                <a:spcPts val="0"/>
+              </a:spcBef>
+              <a:spcAft>
+                <a:spcPts val="0"/>
+              </a:spcAft>
+              <a:buClrTx/>
+              <a:buSzTx/>
+              <a:buFontTx/>
+              <a:buNone/>
+              <a:tabLst/>
+              <a:defRPr/>
+            </a:pPr>
+            <a:r>
+              <a:rPr lang="pt-BR" b="1" dirty="0" smtClean="0"/>
+              <a:t>Exemplo</a:t>
+            </a:r>
+            <a:r>
+              <a:rPr lang="pt-BR" dirty="0" smtClean="0"/>
+              <a:t>: SPAMClassificationLogisticRegressionGD.ipynb</a:t>
+            </a:r>
+          </a:p>
+          <a:p>
+            <a:endParaRPr lang="pt-BR" dirty="0"/>
+          </a:p>
+        </p:txBody>
+      </p:sp>
+      <p:sp>
+        <p:nvSpPr>
+          <p:cNvPr id="4" name="Slide Number Placeholder 3"/>
+          <p:cNvSpPr>
+            <a:spLocks noGrp="1"/>
+          </p:cNvSpPr>
+          <p:nvPr>
+            <p:ph type="sldNum" sz="quarter" idx="10"/>
+          </p:nvPr>
+        </p:nvSpPr>
+        <p:spPr/>
+        <p:txBody>
+          <a:bodyPr/>
+          <a:lstStyle/>
+          <a:p>
+            <a:fld id="{F430A2A4-8C14-4B1A-AD48-7B6401078BF7}" type="slidenum">
+              <a:rPr lang="pt-BR" smtClean="0"/>
+              <a:t>20</a:t>
+            </a:fld>
+            <a:endParaRPr lang="pt-BR"/>
+          </a:p>
+        </p:txBody>
+      </p:sp>
+    </p:spTree>
+    <p:extLst>
+      <p:ext uri="{BB962C8B-B14F-4D97-AF65-F5344CB8AC3E}">
+        <p14:creationId xmlns:p14="http://schemas.microsoft.com/office/powerpoint/2010/main" val="3198381100"/>
+      </p:ext>
+    </p:extLst>
+  </p:cSld>
+  <p:clrMapOvr>
+    <a:masterClrMapping/>
+  </p:clrMapOvr>
+</p:notes>
+</file>
+
+<file path=ppt/notesSlides/notesSlide11.xml><?xml version="1.0" encoding="utf-8"?>
+<p:notes xmlns:a="http://schemas.openxmlformats.org/drawingml/2006/main" xmlns:r="http://schemas.openxmlformats.org/officeDocument/2006/relationships" xmlns:p="http://schemas.openxmlformats.org/presentationml/2006/main">
+  <p:cSld>
+    <p:spTree>
+      <p:nvGrpSpPr>
+        <p:cNvPr id="1" name=""/>
+        <p:cNvGrpSpPr/>
+        <p:nvPr/>
+      </p:nvGrpSpPr>
+      <p:grpSpPr>
+        <a:xfrm>
+          <a:off x="0" y="0"/>
+          <a:ext cx="0" cy="0"/>
+          <a:chOff x="0" y="0"/>
+          <a:chExt cx="0" cy="0"/>
+        </a:xfrm>
+      </p:grpSpPr>
+      <p:sp>
+        <p:nvSpPr>
+          <p:cNvPr id="2" name="Slide Image Placeholder 1"/>
+          <p:cNvSpPr>
+            <a:spLocks noGrp="1" noRot="1" noChangeAspect="1"/>
+          </p:cNvSpPr>
+          <p:nvPr>
+            <p:ph type="sldImg"/>
+          </p:nvPr>
+        </p:nvSpPr>
+        <p:spPr/>
+      </p:sp>
+      <p:sp>
+        <p:nvSpPr>
+          <p:cNvPr id="3" name="Notes Placeholder 2"/>
+          <p:cNvSpPr>
+            <a:spLocks noGrp="1"/>
+          </p:cNvSpPr>
+          <p:nvPr>
+            <p:ph type="body" idx="1"/>
+          </p:nvPr>
+        </p:nvSpPr>
+        <p:spPr/>
+        <p:txBody>
+          <a:bodyPr/>
+          <a:lstStyle/>
+          <a:p>
             <a:r>
               <a:rPr lang="pt-BR" b="1" dirty="0"/>
               <a:t>Exemplo</a:t>
@@ -893,7 +1007,7 @@
           <a:p>
             <a:fld id="{F430A2A4-8C14-4B1A-AD48-7B6401078BF7}" type="slidenum">
               <a:rPr lang="pt-BR" smtClean="0"/>
-              <a:t>17</a:t>
+              <a:t>21</a:t>
             </a:fld>
             <a:endParaRPr lang="pt-BR"/>
           </a:p>
@@ -3398,7 +3512,7 @@
           <a:p>
             <a:fld id="{63289F7E-B80B-496E-81B4-D396C37C9454}" type="datetimeFigureOut">
               <a:rPr lang="pt-BR" smtClean="0"/>
-              <a:t>05/03/2022</a:t>
+              <a:t>11/03/2022</a:t>
             </a:fld>
             <a:endParaRPr lang="pt-BR"/>
           </a:p>
@@ -3452,7 +3566,7 @@
           <a:p>
             <a:fld id="{1A7E88B7-70CE-4035-AE73-13FA6FB985D4}" type="slidenum">
               <a:rPr lang="pt-BR" smtClean="0"/>
-              <a:t>‹#›</a:t>
+              <a:t>‹nº›</a:t>
             </a:fld>
             <a:endParaRPr lang="pt-BR"/>
           </a:p>
@@ -3596,7 +3710,7 @@
           <a:p>
             <a:fld id="{63289F7E-B80B-496E-81B4-D396C37C9454}" type="datetimeFigureOut">
               <a:rPr lang="pt-BR" smtClean="0"/>
-              <a:t>05/03/2022</a:t>
+              <a:t>11/03/2022</a:t>
             </a:fld>
             <a:endParaRPr lang="pt-BR"/>
           </a:p>
@@ -3650,7 +3764,7 @@
           <a:p>
             <a:fld id="{1A7E88B7-70CE-4035-AE73-13FA6FB985D4}" type="slidenum">
               <a:rPr lang="pt-BR" smtClean="0"/>
-              <a:t>‹#›</a:t>
+              <a:t>‹nº›</a:t>
             </a:fld>
             <a:endParaRPr lang="pt-BR"/>
           </a:p>
@@ -3804,7 +3918,7 @@
           <a:p>
             <a:fld id="{63289F7E-B80B-496E-81B4-D396C37C9454}" type="datetimeFigureOut">
               <a:rPr lang="pt-BR" smtClean="0"/>
-              <a:t>05/03/2022</a:t>
+              <a:t>11/03/2022</a:t>
             </a:fld>
             <a:endParaRPr lang="pt-BR"/>
           </a:p>
@@ -3858,7 +3972,7 @@
           <a:p>
             <a:fld id="{1A7E88B7-70CE-4035-AE73-13FA6FB985D4}" type="slidenum">
               <a:rPr lang="pt-BR" smtClean="0"/>
-              <a:t>‹#›</a:t>
+              <a:t>‹nº›</a:t>
             </a:fld>
             <a:endParaRPr lang="pt-BR"/>
           </a:p>
@@ -4002,7 +4116,7 @@
           <a:p>
             <a:fld id="{63289F7E-B80B-496E-81B4-D396C37C9454}" type="datetimeFigureOut">
               <a:rPr lang="pt-BR" smtClean="0"/>
-              <a:t>05/03/2022</a:t>
+              <a:t>11/03/2022</a:t>
             </a:fld>
             <a:endParaRPr lang="pt-BR"/>
           </a:p>
@@ -4056,7 +4170,7 @@
           <a:p>
             <a:fld id="{1A7E88B7-70CE-4035-AE73-13FA6FB985D4}" type="slidenum">
               <a:rPr lang="pt-BR" smtClean="0"/>
-              <a:t>‹#›</a:t>
+              <a:t>‹nº›</a:t>
             </a:fld>
             <a:endParaRPr lang="pt-BR"/>
           </a:p>
@@ -4277,7 +4391,7 @@
           <a:p>
             <a:fld id="{63289F7E-B80B-496E-81B4-D396C37C9454}" type="datetimeFigureOut">
               <a:rPr lang="pt-BR" smtClean="0"/>
-              <a:t>05/03/2022</a:t>
+              <a:t>11/03/2022</a:t>
             </a:fld>
             <a:endParaRPr lang="pt-BR"/>
           </a:p>
@@ -4331,7 +4445,7 @@
           <a:p>
             <a:fld id="{1A7E88B7-70CE-4035-AE73-13FA6FB985D4}" type="slidenum">
               <a:rPr lang="pt-BR" smtClean="0"/>
-              <a:t>‹#›</a:t>
+              <a:t>‹nº›</a:t>
             </a:fld>
             <a:endParaRPr lang="pt-BR"/>
           </a:p>
@@ -4542,7 +4656,7 @@
           <a:p>
             <a:fld id="{63289F7E-B80B-496E-81B4-D396C37C9454}" type="datetimeFigureOut">
               <a:rPr lang="pt-BR" smtClean="0"/>
-              <a:t>05/03/2022</a:t>
+              <a:t>11/03/2022</a:t>
             </a:fld>
             <a:endParaRPr lang="pt-BR"/>
           </a:p>
@@ -4596,7 +4710,7 @@
           <a:p>
             <a:fld id="{1A7E88B7-70CE-4035-AE73-13FA6FB985D4}" type="slidenum">
               <a:rPr lang="pt-BR" smtClean="0"/>
-              <a:t>‹#›</a:t>
+              <a:t>‹nº›</a:t>
             </a:fld>
             <a:endParaRPr lang="pt-BR"/>
           </a:p>
@@ -4954,7 +5068,7 @@
           <a:p>
             <a:fld id="{63289F7E-B80B-496E-81B4-D396C37C9454}" type="datetimeFigureOut">
               <a:rPr lang="pt-BR" smtClean="0"/>
-              <a:t>05/03/2022</a:t>
+              <a:t>11/03/2022</a:t>
             </a:fld>
             <a:endParaRPr lang="pt-BR"/>
           </a:p>
@@ -5008,7 +5122,7 @@
           <a:p>
             <a:fld id="{1A7E88B7-70CE-4035-AE73-13FA6FB985D4}" type="slidenum">
               <a:rPr lang="pt-BR" smtClean="0"/>
-              <a:t>‹#›</a:t>
+              <a:t>‹nº›</a:t>
             </a:fld>
             <a:endParaRPr lang="pt-BR"/>
           </a:p>
@@ -5095,7 +5209,7 @@
           <a:p>
             <a:fld id="{63289F7E-B80B-496E-81B4-D396C37C9454}" type="datetimeFigureOut">
               <a:rPr lang="pt-BR" smtClean="0"/>
-              <a:t>05/03/2022</a:t>
+              <a:t>11/03/2022</a:t>
             </a:fld>
             <a:endParaRPr lang="pt-BR"/>
           </a:p>
@@ -5149,7 +5263,7 @@
           <a:p>
             <a:fld id="{1A7E88B7-70CE-4035-AE73-13FA6FB985D4}" type="slidenum">
               <a:rPr lang="pt-BR" smtClean="0"/>
-              <a:t>‹#›</a:t>
+              <a:t>‹nº›</a:t>
             </a:fld>
             <a:endParaRPr lang="pt-BR"/>
           </a:p>
@@ -5208,7 +5322,7 @@
           <a:p>
             <a:fld id="{63289F7E-B80B-496E-81B4-D396C37C9454}" type="datetimeFigureOut">
               <a:rPr lang="pt-BR" smtClean="0"/>
-              <a:t>05/03/2022</a:t>
+              <a:t>11/03/2022</a:t>
             </a:fld>
             <a:endParaRPr lang="pt-BR"/>
           </a:p>
@@ -5262,7 +5376,7 @@
           <a:p>
             <a:fld id="{1A7E88B7-70CE-4035-AE73-13FA6FB985D4}" type="slidenum">
               <a:rPr lang="pt-BR" smtClean="0"/>
-              <a:t>‹#›</a:t>
+              <a:t>‹nº›</a:t>
             </a:fld>
             <a:endParaRPr lang="pt-BR"/>
           </a:p>
@@ -5519,7 +5633,7 @@
           <a:p>
             <a:fld id="{63289F7E-B80B-496E-81B4-D396C37C9454}" type="datetimeFigureOut">
               <a:rPr lang="pt-BR" smtClean="0"/>
-              <a:t>05/03/2022</a:t>
+              <a:t>11/03/2022</a:t>
             </a:fld>
             <a:endParaRPr lang="pt-BR"/>
           </a:p>
@@ -5573,7 +5687,7 @@
           <a:p>
             <a:fld id="{1A7E88B7-70CE-4035-AE73-13FA6FB985D4}" type="slidenum">
               <a:rPr lang="pt-BR" smtClean="0"/>
-              <a:t>‹#›</a:t>
+              <a:t>‹nº›</a:t>
             </a:fld>
             <a:endParaRPr lang="pt-BR"/>
           </a:p>
@@ -5807,7 +5921,7 @@
           <a:p>
             <a:fld id="{63289F7E-B80B-496E-81B4-D396C37C9454}" type="datetimeFigureOut">
               <a:rPr lang="pt-BR" smtClean="0"/>
-              <a:t>05/03/2022</a:t>
+              <a:t>11/03/2022</a:t>
             </a:fld>
             <a:endParaRPr lang="pt-BR"/>
           </a:p>
@@ -5861,7 +5975,7 @@
           <a:p>
             <a:fld id="{1A7E88B7-70CE-4035-AE73-13FA6FB985D4}" type="slidenum">
               <a:rPr lang="pt-BR" smtClean="0"/>
-              <a:t>‹#›</a:t>
+              <a:t>‹nº›</a:t>
             </a:fld>
             <a:endParaRPr lang="pt-BR"/>
           </a:p>
@@ -6048,7 +6162,7 @@
           <a:p>
             <a:fld id="{63289F7E-B80B-496E-81B4-D396C37C9454}" type="datetimeFigureOut">
               <a:rPr lang="pt-BR" smtClean="0"/>
-              <a:t>05/03/2022</a:t>
+              <a:t>11/03/2022</a:t>
             </a:fld>
             <a:endParaRPr lang="pt-BR"/>
           </a:p>
@@ -6138,7 +6252,7 @@
           <a:p>
             <a:fld id="{1A7E88B7-70CE-4035-AE73-13FA6FB985D4}" type="slidenum">
               <a:rPr lang="pt-BR" smtClean="0"/>
-              <a:t>‹#›</a:t>
+              <a:t>‹nº›</a:t>
             </a:fld>
             <a:endParaRPr lang="pt-BR"/>
           </a:p>
@@ -6725,7 +6839,7 @@
               <a:p>
                 <a:r>
                   <a:rPr lang="pt-BR" dirty="0" smtClean="0"/>
-                  <a:t>Nós podemos reduzir a definição da </a:t>
+                  <a:t>Nós podemos unir a </a:t>
                 </a:r>
                 <a:r>
                   <a:rPr lang="pt-BR" b="1" i="1" dirty="0"/>
@@ -6740,8 +6854,12 @@
                   <a:t>cada exemplo </a:t>
                 </a:r>
                 <a:r>
+                  <a:rPr lang="pt-BR" dirty="0" smtClean="0"/>
+                  <a:t>em </a:t>
+                </a:r>
+                <a:r>
                   <a:rPr lang="pt-BR" dirty="0"/>
-                  <a:t>a uma expressão única, dada por</a:t>
+                  <a:t>uma expressão única, dada por</a:t>
                 </a:r>
               </a:p>
               <a:p>
@@ -6916,52 +7034,40 @@
                                   </m:r>
                                 </m:fName>
                                 <m:e>
-                                  <m:r>
-                                    <a:rPr lang="pt-BR" sz="2400" b="0" i="1" smtClean="0">
-                                      <a:latin typeface="Cambria Math" panose="02040503050406030204" pitchFamily="18" charset="0"/>
-                                    </a:rPr>
-                                    <m:t>(</m:t>
-                                  </m:r>
-                                  <m:sSub>
-                                    <m:sSubPr>
-                                      <m:ctrlPr>
-                                        <a:rPr lang="pt-BR" sz="2400" i="1">
-                                          <a:latin typeface="Cambria Math" panose="02040503050406030204" pitchFamily="18" charset="0"/>
-                                        </a:rPr>
-                                      </m:ctrlPr>
-                                    </m:sSubPr>
-                                    <m:e>
-                                      <m:r>
-                                        <a:rPr lang="pt-BR" sz="2400" i="1">
-                                          <a:latin typeface="Cambria Math" panose="02040503050406030204" pitchFamily="18" charset="0"/>
-                                        </a:rPr>
-                                        <m:t>h</m:t>
-                                      </m:r>
-                                    </m:e>
-                                    <m:sub>
-                                      <m:r>
-                                        <a:rPr lang="pt-BR" sz="2400" b="1" i="1">
-                                          <a:latin typeface="Cambria Math" panose="02040503050406030204" pitchFamily="18" charset="0"/>
-                                        </a:rPr>
-                                        <m:t>𝒂</m:t>
-                                      </m:r>
-                                    </m:sub>
-                                  </m:sSub>
                                   <m:d>
                                     <m:dPr>
                                       <m:ctrlPr>
-                                        <a:rPr lang="pt-BR" sz="2400" i="1">
+                                        <a:rPr lang="pt-BR" sz="2400" b="0" i="1" smtClean="0">
                                           <a:latin typeface="Cambria Math" panose="02040503050406030204" pitchFamily="18" charset="0"/>
                                         </a:rPr>
                                       </m:ctrlPr>
                                     </m:dPr>
                                     <m:e>
-                                      <m:r>
-                                        <a:rPr lang="pt-BR" sz="2400" b="1" i="1">
-                                          <a:latin typeface="Cambria Math" panose="02040503050406030204" pitchFamily="18" charset="0"/>
-                                        </a:rPr>
-                                        <m:t>𝒙</m:t>
-                                      </m:r>
+                                      <m:sSub>
+                                        <m:sSubPr>
+                                          <m:ctrlPr>
+                                            <a:rPr lang="pt-BR" sz="2400" i="1">
+                                              <a:latin typeface="Cambria Math" panose="02040503050406030204" pitchFamily="18" charset="0"/>
+                                            </a:rPr>
+                                          </m:ctrlPr>
+                                        </m:sSubPr>
+                                        <m:e>
+                                          <m:r>
+                                            <a:rPr lang="pt-BR" sz="2400" i="1">
+                                              <a:latin typeface="Cambria Math" panose="02040503050406030204" pitchFamily="18" charset="0"/>
+                                            </a:rPr>
+                                            <m:t>h</m:t>
+                                          </m:r>
+                                        </m:e>
+                                        <m:sub>
+                                          <m:r>
+                                            <a:rPr lang="pt-BR" sz="2400" b="1" i="1">
+                                              <a:latin typeface="Cambria Math" panose="02040503050406030204" pitchFamily="18" charset="0"/>
+                                            </a:rPr>
+                                            <m:t>𝒂</m:t>
+                                          </m:r>
+                                        </m:sub>
+                                      </m:sSub>
                                       <m:d>
                                         <m:dPr>
                                           <m:ctrlPr>
@@ -6972,21 +7078,32 @@
                                         </m:dPr>
                                         <m:e>
                                           <m:r>
-                                            <a:rPr lang="pt-BR" sz="2400" i="1">
+                                            <a:rPr lang="pt-BR" sz="2400" b="1" i="1">
                                               <a:latin typeface="Cambria Math" panose="02040503050406030204" pitchFamily="18" charset="0"/>
                                             </a:rPr>
-                                            <m:t>𝑖</m:t>
+                                            <m:t>𝒙</m:t>
                                           </m:r>
+                                          <m:d>
+                                            <m:dPr>
+                                              <m:ctrlPr>
+                                                <a:rPr lang="pt-BR" sz="2400" i="1">
+                                                  <a:latin typeface="Cambria Math" panose="02040503050406030204" pitchFamily="18" charset="0"/>
+                                                </a:rPr>
+                                              </m:ctrlPr>
+                                            </m:dPr>
+                                            <m:e>
+                                              <m:r>
+                                                <a:rPr lang="pt-BR" sz="2400" i="1">
+                                                  <a:latin typeface="Cambria Math" panose="02040503050406030204" pitchFamily="18" charset="0"/>
+                                                </a:rPr>
+                                                <m:t>𝑖</m:t>
+                                              </m:r>
+                                            </m:e>
+                                          </m:d>
                                         </m:e>
                                       </m:d>
                                     </m:e>
                                   </m:d>
-                                  <m:r>
-                                    <a:rPr lang="pt-BR" sz="2400" b="0" i="1" smtClean="0">
-                                      <a:latin typeface="Cambria Math" panose="02040503050406030204" pitchFamily="18" charset="0"/>
-                                    </a:rPr>
-                                    <m:t>)</m:t>
-                                  </m:r>
                                 </m:e>
                               </m:func>
                             </m:e>
@@ -7451,12 +7568,13 @@
                 </a:r>
                 <a:r>
                   <a:rPr lang="pt-BR" b="1" i="1" dirty="0"/>
-                  <a:t>função de erro médio</a:t>
-                </a:r>
-                <a:r>
-                  <a:rPr lang="pt-BR" dirty="0"/>
-                  <a:t>:</a:t>
-                </a:r>
+                  <a:t>função de erro </a:t>
+                </a:r>
+                <a:r>
+                  <a:rPr lang="pt-BR" b="1" i="1" dirty="0" smtClean="0"/>
+                  <a:t>médio</a:t>
+                </a:r>
+                <a:endParaRPr lang="pt-BR" dirty="0"/>
               </a:p>
               <a:p>
                 <a:pPr marL="0" indent="0" algn="ctr">
@@ -8705,16 +8823,24 @@
                   <a:t>regressão logística </a:t>
                 </a:r>
                 <a:r>
+                  <a:rPr lang="pt-BR" dirty="0" smtClean="0"/>
+                  <a:t>idêntico àquele </a:t>
+                </a:r>
+                <a:r>
                   <a:rPr lang="pt-BR" dirty="0"/>
-                  <a:t>é similar àquele obtido para a </a:t>
+                  <a:t>obtido para a </a:t>
                 </a:r>
                 <a:r>
                   <a:rPr lang="pt-BR" b="1" i="1" dirty="0"/>
                   <a:t>regressão linear </a:t>
                 </a:r>
                 <a:r>
+                  <a:rPr lang="pt-BR" dirty="0" smtClean="0"/>
+                  <a:t>utilizando a </a:t>
+                </a:r>
+                <a:r>
                   <a:rPr lang="pt-BR" dirty="0"/>
-                  <a:t>com a função de </a:t>
+                  <a:t>função de </a:t>
                 </a:r>
                 <a:r>
                   <a:rPr lang="pt-BR" b="1" i="1" dirty="0"/>
@@ -8801,8 +8927,8 @@
           </p:sp>
         </mc:Fallback>
       </mc:AlternateContent>
-      <mc:AlternateContent xmlns:mc="http://schemas.openxmlformats.org/markup-compatibility/2006" xmlns:a14="http://schemas.microsoft.com/office/drawing/2010/main">
-        <mc:Choice Requires="a14">
+      <mc:AlternateContent xmlns:mc="http://schemas.openxmlformats.org/markup-compatibility/2006">
+        <mc:Choice xmlns:a14="http://schemas.microsoft.com/office/drawing/2010/main" Requires="a14">
           <p:sp>
             <p:nvSpPr>
               <p:cNvPr id="5" name="TextBox 4"/>
@@ -8811,8 +8937,8 @@
             </p:nvSpPr>
             <p:spPr>
               <a:xfrm>
-                <a:off x="9600764" y="2492643"/>
-                <a:ext cx="2261036" cy="1393779"/>
+                <a:off x="8768080" y="2492643"/>
+                <a:ext cx="3249748" cy="962892"/>
               </a:xfrm>
               <a:prstGeom prst="rect">
                 <a:avLst/>
@@ -8997,13 +9123,21 @@
                 </a14:m>
                 <a:r>
                   <a:rPr lang="pt-BR" sz="1400" dirty="0"/>
-                  <a:t>, mas o resultado é diretamente estendido para polinômios.</a:t>
+                  <a:t>, mas o resultado </a:t>
+                </a:r>
+                <a:r>
+                  <a:rPr lang="pt-BR" sz="1400" dirty="0" smtClean="0"/>
+                  <a:t>pode ser </a:t>
+                </a:r>
+                <a:r>
+                  <a:rPr lang="pt-BR" sz="1400" dirty="0"/>
+                  <a:t>diretamente estendido para polinômios.</a:t>
                 </a:r>
               </a:p>
             </p:txBody>
           </p:sp>
         </mc:Choice>
-        <mc:Fallback xmlns="">
+        <mc:Fallback>
           <p:sp>
             <p:nvSpPr>
               <p:cNvPr id="5" name="TextBox 4"/>
@@ -9014,16 +9148,16 @@
             </p:nvSpPr>
             <p:spPr>
               <a:xfrm>
-                <a:off x="9600764" y="2492643"/>
-                <a:ext cx="2261036" cy="1393779"/>
+                <a:off x="8768080" y="2492643"/>
+                <a:ext cx="3249748" cy="962892"/>
               </a:xfrm>
               <a:prstGeom prst="rect">
                 <a:avLst/>
               </a:prstGeom>
               <a:blipFill rotWithShape="0">
-                <a:blip r:embed="rId5"/>
+                <a:blip r:embed="rId4"/>
                 <a:stretch>
-                  <a:fillRect l="-8625" t="-873" r="-1348" b="-3930"/>
+                  <a:fillRect l="-938" t="-1266" b="-28481"/>
                 </a:stretch>
               </a:blipFill>
             </p:spPr>
@@ -9045,13 +9179,15 @@
       <p:cxnSp>
         <p:nvCxnSpPr>
           <p:cNvPr id="7" name="Straight Arrow Connector 6"/>
-          <p:cNvCxnSpPr/>
+          <p:cNvCxnSpPr>
+            <a:stCxn id="5" idx="1"/>
+          </p:cNvCxnSpPr>
           <p:nvPr/>
         </p:nvCxnSpPr>
         <p:spPr>
           <a:xfrm flipH="1">
-            <a:off x="6968945" y="3672114"/>
-            <a:ext cx="2755626" cy="609600"/>
+            <a:off x="6968946" y="2974089"/>
+            <a:ext cx="1799134" cy="1307625"/>
           </a:xfrm>
           <a:prstGeom prst="straightConnector1">
             <a:avLst/>
@@ -9078,8 +9214,8 @@
           </a:fontRef>
         </p:style>
       </p:cxnSp>
-      <mc:AlternateContent xmlns:mc="http://schemas.openxmlformats.org/markup-compatibility/2006" xmlns:a14="http://schemas.microsoft.com/office/drawing/2010/main">
-        <mc:Choice Requires="a14">
+      <mc:AlternateContent xmlns:mc="http://schemas.openxmlformats.org/markup-compatibility/2006">
+        <mc:Choice xmlns:a14="http://schemas.microsoft.com/office/drawing/2010/main" Requires="a14">
           <p:sp>
             <p:nvSpPr>
               <p:cNvPr id="9" name="TextBox 8"/>
@@ -9088,8 +9224,8 @@
             </p:nvSpPr>
             <p:spPr>
               <a:xfrm>
-                <a:off x="10827657" y="4021358"/>
-                <a:ext cx="1364343" cy="774443"/>
+                <a:off x="9672321" y="3590471"/>
+                <a:ext cx="2387600" cy="554704"/>
               </a:xfrm>
               <a:prstGeom prst="rect">
                 <a:avLst/>
@@ -9110,7 +9246,7 @@
               </a:lstStyle>
               <a:p>
                 <a:r>
-                  <a:rPr lang="pt-BR" dirty="0"/>
+                  <a:rPr lang="pt-BR" dirty="0" smtClean="0"/>
                   <a:t>Forma matricial: </a:t>
                 </a:r>
                 <a14:m>
@@ -9216,14 +9352,71 @@
                         </m:r>
                       </m:e>
                     </m:acc>
-                  </m:oMath>
-                </a14:m>
-                <a:r>
-                  <a:rPr lang="pt-BR" dirty="0"/>
-                  <a:t>  </a:t>
-                </a:r>
-                <a14:m>
-                  <m:oMath xmlns:m="http://schemas.openxmlformats.org/officeDocument/2006/math">
+                    <m:r>
+                      <a:rPr lang="pt-BR" b="0" i="1" smtClean="0">
+                        <a:latin typeface="Cambria Math" panose="02040503050406030204" pitchFamily="18" charset="0"/>
+                      </a:rPr>
+                      <m:t>=</m:t>
+                    </m:r>
+                    <m:sSub>
+                      <m:sSubPr>
+                        <m:ctrlPr>
+                          <a:rPr lang="pt-BR" i="1">
+                            <a:latin typeface="Cambria Math" panose="02040503050406030204" pitchFamily="18" charset="0"/>
+                          </a:rPr>
+                        </m:ctrlPr>
+                      </m:sSubPr>
+                      <m:e>
+                        <m:r>
+                          <a:rPr lang="pt-BR" i="1">
+                            <a:latin typeface="Cambria Math" panose="02040503050406030204" pitchFamily="18" charset="0"/>
+                          </a:rPr>
+                          <m:t>h</m:t>
+                        </m:r>
+                      </m:e>
+                      <m:sub>
+                        <m:r>
+                          <a:rPr lang="pt-BR" b="1" i="1">
+                            <a:latin typeface="Cambria Math" panose="02040503050406030204" pitchFamily="18" charset="0"/>
+                          </a:rPr>
+                          <m:t>𝒂</m:t>
+                        </m:r>
+                      </m:sub>
+                    </m:sSub>
+                    <m:d>
+                      <m:dPr>
+                        <m:ctrlPr>
+                          <a:rPr lang="pt-BR" i="1">
+                            <a:latin typeface="Cambria Math" panose="02040503050406030204" pitchFamily="18" charset="0"/>
+                          </a:rPr>
+                        </m:ctrlPr>
+                      </m:dPr>
+                      <m:e>
+                        <m:r>
+                          <a:rPr lang="pt-BR" b="1" i="1">
+                            <a:latin typeface="Cambria Math" panose="02040503050406030204" pitchFamily="18" charset="0"/>
+                          </a:rPr>
+                          <m:t>𝒙</m:t>
+                        </m:r>
+                        <m:d>
+                          <m:dPr>
+                            <m:ctrlPr>
+                              <a:rPr lang="pt-BR" b="1" i="1">
+                                <a:latin typeface="Cambria Math" panose="02040503050406030204" pitchFamily="18" charset="0"/>
+                              </a:rPr>
+                            </m:ctrlPr>
+                          </m:dPr>
+                          <m:e>
+                            <m:r>
+                              <a:rPr lang="pt-BR" i="1">
+                                <a:latin typeface="Cambria Math" panose="02040503050406030204" pitchFamily="18" charset="0"/>
+                              </a:rPr>
+                              <m:t>𝑖</m:t>
+                            </m:r>
+                          </m:e>
+                        </m:d>
+                      </m:e>
+                    </m:d>
                     <m:r>
                       <a:rPr lang="pt-BR">
                         <a:latin typeface="Cambria Math" panose="02040503050406030204" pitchFamily="18" charset="0"/>
@@ -9277,7 +9470,7 @@
             </p:txBody>
           </p:sp>
         </mc:Choice>
-        <mc:Fallback xmlns="">
+        <mc:Fallback>
           <p:sp>
             <p:nvSpPr>
               <p:cNvPr id="9" name="TextBox 8"/>
@@ -9288,16 +9481,16 @@
             </p:nvSpPr>
             <p:spPr>
               <a:xfrm>
-                <a:off x="10827657" y="4021358"/>
-                <a:ext cx="1364343" cy="774443"/>
+                <a:off x="9672321" y="3590471"/>
+                <a:ext cx="2387600" cy="554704"/>
               </a:xfrm>
               <a:prstGeom prst="rect">
                 <a:avLst/>
               </a:prstGeom>
               <a:blipFill rotWithShape="0">
-                <a:blip r:embed="rId6"/>
+                <a:blip r:embed="rId5"/>
                 <a:stretch>
-                  <a:fillRect l="-1339" t="-1575" r="-4018" b="-7087"/>
+                  <a:fillRect l="-512" t="-1099" r="-2046" b="-8791"/>
                 </a:stretch>
               </a:blipFill>
             </p:spPr>
@@ -9324,8 +9517,8 @@
         </p:nvCxnSpPr>
         <p:spPr>
           <a:xfrm flipH="1">
-            <a:off x="9971315" y="4281714"/>
-            <a:ext cx="856342" cy="126865"/>
+            <a:off x="9971316" y="4118501"/>
+            <a:ext cx="595084" cy="290078"/>
           </a:xfrm>
           <a:prstGeom prst="straightConnector1">
             <a:avLst/>
@@ -11601,12 +11794,11 @@
               <a:rPr lang="pt-BR" dirty="0"/>
               <a:t>Vetor Gradiente</a:t>
             </a:r>
-            <a:endParaRPr lang="pt-BR" dirty="0"/>
           </a:p>
         </p:txBody>
       </p:sp>
-      <mc:AlternateContent xmlns:mc="http://schemas.openxmlformats.org/markup-compatibility/2006">
-        <mc:Choice xmlns:a14="http://schemas.microsoft.com/office/drawing/2010/main" Requires="a14">
+      <mc:AlternateContent xmlns:mc="http://schemas.openxmlformats.org/markup-compatibility/2006" xmlns:a14="http://schemas.microsoft.com/office/drawing/2010/main">
+        <mc:Choice Requires="a14">
           <p:sp>
             <p:nvSpPr>
               <p:cNvPr id="3" name="Content Placeholder 2"/>
@@ -12773,11 +12965,7 @@
                 </a:r>
                 <a:r>
                   <a:rPr lang="pt-BR" dirty="0"/>
-                  <a:t> </a:t>
-                </a:r>
-                <a:r>
-                  <a:rPr lang="pt-BR" dirty="0"/>
-                  <a:t>(nas versões em batelada, estocástico ou </a:t>
+                  <a:t> (nas versões em batelada, estocástico ou </a:t>
                 </a:r>
                 <a:r>
                   <a:rPr lang="pt-BR" dirty="0" smtClean="0"/>
@@ -12908,7 +13096,7 @@
             </p:txBody>
           </p:sp>
         </mc:Choice>
-        <mc:Fallback>
+        <mc:Fallback xmlns="">
           <p:sp>
             <p:nvSpPr>
               <p:cNvPr id="3" name="Content Placeholder 2"/>
@@ -13015,7 +13203,7 @@
       </p:grpSpPr>
       <p:sp>
         <p:nvSpPr>
-          <p:cNvPr id="2" name="Title 1"/>
+          <p:cNvPr id="2" name="Título 1"/>
           <p:cNvSpPr>
             <a:spLocks noGrp="1"/>
           </p:cNvSpPr>
@@ -13023,12 +13211,7 @@
             <p:ph type="title"/>
           </p:nvPr>
         </p:nvSpPr>
-        <p:spPr>
-          <a:xfrm>
-            <a:off x="838200" y="234499"/>
-            <a:ext cx="10515600" cy="1325563"/>
-          </a:xfrm>
-        </p:spPr>
+        <p:spPr/>
         <p:txBody>
           <a:bodyPr/>
           <a:lstStyle/>
@@ -13040,11 +13223,11 @@
           </a:p>
         </p:txBody>
       </p:sp>
-      <mc:AlternateContent xmlns:mc="http://schemas.openxmlformats.org/markup-compatibility/2006" xmlns:a14="http://schemas.microsoft.com/office/drawing/2010/main">
-        <mc:Choice Requires="a14">
+      <mc:AlternateContent xmlns:mc="http://schemas.openxmlformats.org/markup-compatibility/2006">
+        <mc:Choice xmlns:a14="http://schemas.microsoft.com/office/drawing/2010/main" Requires="a14">
           <p:sp>
             <p:nvSpPr>
-              <p:cNvPr id="3" name="Content Placeholder 2"/>
+              <p:cNvPr id="3" name="Espaço Reservado para Conteúdo 2"/>
               <p:cNvSpPr>
                 <a:spLocks noGrp="1"/>
               </p:cNvSpPr>
@@ -13054,13 +13237,13 @@
             </p:nvSpPr>
             <p:spPr>
               <a:xfrm>
-                <a:off x="838199" y="1688786"/>
-                <a:ext cx="8525421" cy="5169214"/>
+                <a:off x="838200" y="1825624"/>
+                <a:ext cx="8642096" cy="5032375"/>
               </a:xfrm>
             </p:spPr>
             <p:txBody>
               <a:bodyPr>
-                <a:normAutofit fontScale="85000" lnSpcReduction="10000"/>
+                <a:normAutofit fontScale="85000" lnSpcReduction="20000"/>
               </a:bodyPr>
               <a:lstStyle/>
               <a:p>
@@ -13113,7 +13296,15 @@
                 </a:r>
                 <a:r>
                   <a:rPr lang="pt-BR" dirty="0"/>
-                  <a:t>, mas, muitas vezes, nós não sabemos qual a melhor ordem para este polinômio.</a:t>
+                  <a:t>, mas, muitas vezes, nós não sabemos qual a </a:t>
+                </a:r>
+                <a:r>
+                  <a:rPr lang="pt-BR" b="1" i="1" dirty="0"/>
+                  <a:t>melhor ordem</a:t>
+                </a:r>
+                <a:r>
+                  <a:rPr lang="pt-BR" dirty="0"/>
+                  <a:t> para este polinômio.</a:t>
                 </a:r>
               </a:p>
               <a:p>
@@ -13161,6 +13352,11 @@
                   <a:rPr lang="pt-BR" dirty="0"/>
                   <a:t>. </a:t>
                 </a:r>
+                <a:r>
+                  <a:rPr lang="pt-BR" dirty="0"/>
+                  <a:t>Vejam as figuras ao lado.</a:t>
+                </a:r>
+                <a:endParaRPr lang="pt-BR" dirty="0"/>
               </a:p>
               <a:p>
                 <a:pPr lvl="1">
@@ -13187,7 +13383,15 @@
                 </a:pPr>
                 <a:r>
                   <a:rPr lang="pt-BR" dirty="0"/>
-                  <a:t>Na última figura, a </a:t>
+                  <a:t>Na </a:t>
+                </a:r>
+                <a:r>
+                  <a:rPr lang="pt-BR" dirty="0"/>
+                  <a:t>segunda figura</a:t>
+                </a:r>
+                <a:r>
+                  <a:rPr lang="pt-BR" dirty="0"/>
+                  <a:t>, a </a:t>
                 </a:r>
                 <a:r>
                   <a:rPr lang="pt-BR" b="1" i="1" dirty="0"/>
@@ -13203,7 +13407,15 @@
                 </a:r>
                 <a:r>
                   <a:rPr lang="pt-BR" dirty="0"/>
-                  <a:t>na tentativa de minimizar o erro de classificação junto aos dados de treinamento. Porém, o modelo ficou mais susceptível a erros de classificação para novos dados, ou seja, não irá generalizar bem.</a:t>
+                  <a:t>na tentativa de minimizar o erro de classificação junto aos dados de treinamento. Porém, o modelo ficou mais susceptível a erros de classificação para </a:t>
+                </a:r>
+                <a:r>
+                  <a:rPr lang="pt-BR" dirty="0"/>
+                  <a:t>dados inéditos, </a:t>
+                </a:r>
+                <a:r>
+                  <a:rPr lang="pt-BR" dirty="0"/>
+                  <a:t>ou seja, não irá generalizar bem.</a:t>
                 </a:r>
               </a:p>
               <a:p>
@@ -13213,7 +13425,15 @@
                 </a:pPr>
                 <a:r>
                   <a:rPr lang="pt-BR" dirty="0"/>
-                  <a:t>Já a figura do meio mostra o que seria uma boa </a:t>
+                  <a:t>Já a </a:t>
+                </a:r>
+                <a:r>
+                  <a:rPr lang="pt-BR" dirty="0"/>
+                  <a:t>última figura mostra </a:t>
+                </a:r>
+                <a:r>
+                  <a:rPr lang="pt-BR" dirty="0"/>
+                  <a:t>o que seria uma boa </a:t>
                 </a:r>
                 <a:r>
                   <a:rPr lang="pt-BR" b="1" i="1" dirty="0"/>
@@ -13227,23 +13447,23 @@
               <a:p>
                 <a:r>
                   <a:rPr lang="pt-BR" dirty="0"/>
-                  <a:t>Por isso, </a:t>
+                  <a:t>Por isso, técnicas de </a:t>
                 </a:r>
                 <a:r>
                   <a:rPr lang="pt-BR" b="1" i="1" dirty="0"/>
-                  <a:t>técnicas de regularização </a:t>
+                  <a:t>regularização </a:t>
                 </a:r>
                 <a:r>
                   <a:rPr lang="pt-BR" dirty="0"/>
-                  <a:t>(e.g., LASSO, Ridge, Elastic-Net, Early-stop) também</a:t>
-                </a:r>
-                <a:r>
-                  <a:rPr lang="pt-BR" b="1" i="1" dirty="0"/>
-                  <a:t> </a:t>
+                  <a:t>(e.g., LASSO, Ridge, Elastic-Net, Early</a:t>
                 </a:r>
                 <a:r>
                   <a:rPr lang="pt-BR" dirty="0"/>
-                  <a:t>podem ser empregadas em seu treinamento, assim como </a:t>
+                  <a:t>-stop) assim </a:t>
+                </a:r>
+                <a:r>
+                  <a:rPr lang="pt-BR" dirty="0"/>
+                  <a:t>como de </a:t>
                 </a:r>
                 <a:r>
                   <a:rPr lang="pt-BR" b="1" i="1" dirty="0"/>
@@ -13251,16 +13471,76 @@
                 </a:r>
                 <a:r>
                   <a:rPr lang="pt-BR" dirty="0"/>
+                  <a:t> </a:t>
+                </a:r>
+                <a:r>
+                  <a:rPr lang="pt-BR" dirty="0" smtClean="0"/>
+                  <a:t>também podem </a:t>
+                </a:r>
+                <a:r>
+                  <a:rPr lang="pt-BR" dirty="0"/>
+                  <a:t>ser empregadas </a:t>
+                </a:r>
+                <a:r>
+                  <a:rPr lang="pt-BR" dirty="0" smtClean="0"/>
+                  <a:t>durante o treinamento </a:t>
+                </a:r>
+                <a:r>
+                  <a:rPr lang="pt-BR" dirty="0"/>
+                  <a:t>quando não conhecemos a melhor ordem para o </a:t>
+                </a:r>
+                <a:r>
+                  <a:rPr lang="pt-BR" dirty="0" smtClean="0"/>
+                  <a:t>polinômio da </a:t>
+                </a:r>
+                <a:r>
+                  <a:rPr lang="pt-BR" b="1" i="1" dirty="0"/>
+                  <a:t>função discriminante</a:t>
+                </a:r>
+                <a:r>
+                  <a:rPr lang="pt-BR" dirty="0"/>
+                  <a:t>, </a:t>
+                </a:r>
+                <a14:m>
+                  <m:oMath xmlns:m="http://schemas.openxmlformats.org/officeDocument/2006/math">
+                    <m:r>
+                      <a:rPr lang="pt-BR" i="1">
+                        <a:latin typeface="Cambria Math" panose="02040503050406030204" pitchFamily="18" charset="0"/>
+                      </a:rPr>
+                      <m:t>𝑔</m:t>
+                    </m:r>
+                    <m:d>
+                      <m:dPr>
+                        <m:ctrlPr>
+                          <a:rPr lang="pt-BR" i="1">
+                            <a:latin typeface="Cambria Math" panose="02040503050406030204" pitchFamily="18" charset="0"/>
+                          </a:rPr>
+                        </m:ctrlPr>
+                      </m:dPr>
+                      <m:e>
+                        <m:r>
+                          <a:rPr lang="pt-BR" b="1" i="1">
+                            <a:latin typeface="Cambria Math" panose="02040503050406030204" pitchFamily="18" charset="0"/>
+                          </a:rPr>
+                          <m:t>𝒙</m:t>
+                        </m:r>
+                      </m:e>
+                    </m:d>
+                  </m:oMath>
+                </a14:m>
+                <a:r>
+                  <a:rPr lang="pt-BR" dirty="0" smtClean="0"/>
                   <a:t>.</a:t>
                 </a:r>
+                <a:endParaRPr lang="pt-BR" dirty="0"/>
               </a:p>
             </p:txBody>
           </p:sp>
         </mc:Choice>
-        <mc:Fallback xmlns="">
+        <mc:Fallback>
           <p:sp>
             <p:nvSpPr>
-              <p:cNvPr id="3" name="Content Placeholder 2"/>
+              <p:cNvPr id="3" name="Espaço Reservado para Conteúdo 2"/>
               <p:cNvSpPr>
                 <a:spLocks noGrp="1" noRot="1" noChangeAspect="1" noMove="1" noResize="1" noEditPoints="1" noAdjustHandles="1" noChangeArrowheads="1" noChangeShapeType="1" noTextEdit="1"/>
               </p:cNvSpPr>
@@ -13270,13 +13550,13 @@
             </p:nvSpPr>
             <p:spPr>
               <a:xfrm>
-                <a:off x="838199" y="1688786"/>
-                <a:ext cx="8525421" cy="5169214"/>
+                <a:off x="838200" y="1825624"/>
+                <a:ext cx="8642096" cy="5032375"/>
               </a:xfrm>
               <a:blipFill rotWithShape="0">
                 <a:blip r:embed="rId2"/>
                 <a:stretch>
-                  <a:fillRect l="-929" t="-2241" b="-1887"/>
+                  <a:fillRect l="-988" t="-2785" r="-1694"/>
                 </a:stretch>
               </a:blipFill>
             </p:spPr>
@@ -13303,7 +13583,7 @@
         </p:nvGrpSpPr>
         <p:grpSpPr>
           <a:xfrm>
-            <a:off x="9446249" y="2416097"/>
+            <a:off x="9487183" y="4678324"/>
             <a:ext cx="2614572" cy="2059728"/>
             <a:chOff x="12672659" y="1187117"/>
             <a:chExt cx="2796787" cy="2109915"/>
@@ -15579,7 +15859,7 @@
         </p:nvGrpSpPr>
         <p:grpSpPr>
           <a:xfrm>
-            <a:off x="9438342" y="367002"/>
+            <a:off x="9478982" y="285722"/>
             <a:ext cx="2614571" cy="2044068"/>
             <a:chOff x="9561094" y="1203158"/>
             <a:chExt cx="2796786" cy="2093874"/>
@@ -17796,7 +18076,7 @@
         </p:nvGrpSpPr>
         <p:grpSpPr>
           <a:xfrm>
-            <a:off x="9468851" y="4502836"/>
+            <a:off x="9486373" y="2471987"/>
             <a:ext cx="2614572" cy="2075388"/>
             <a:chOff x="15842602" y="1171075"/>
             <a:chExt cx="2796787" cy="2125957"/>
@@ -21439,7 +21719,7 @@
     </p:spTree>
     <p:extLst>
       <p:ext uri="{BB962C8B-B14F-4D97-AF65-F5344CB8AC3E}">
-        <p14:creationId xmlns:p14="http://schemas.microsoft.com/office/powerpoint/2010/main" val="2667246911"/>
+        <p14:creationId xmlns:p14="http://schemas.microsoft.com/office/powerpoint/2010/main" val="2667107946"/>
       </p:ext>
     </p:extLst>
   </p:cSld>
@@ -21680,6 +21960,5161 @@
 </file>
 
 <file path=ppt/slides/slide17.xml><?xml version="1.0" encoding="utf-8"?>
+<p:sld xmlns:a="http://schemas.openxmlformats.org/drawingml/2006/main" xmlns:r="http://schemas.openxmlformats.org/officeDocument/2006/relationships" xmlns:p="http://schemas.openxmlformats.org/presentationml/2006/main">
+  <p:cSld>
+    <p:spTree>
+      <p:nvGrpSpPr>
+        <p:cNvPr id="1" name=""/>
+        <p:cNvGrpSpPr/>
+        <p:nvPr/>
+      </p:nvGrpSpPr>
+      <p:grpSpPr>
+        <a:xfrm>
+          <a:off x="0" y="0"/>
+          <a:ext cx="0" cy="0"/>
+          <a:chOff x="0" y="0"/>
+          <a:chExt cx="0" cy="0"/>
+        </a:xfrm>
+      </p:grpSpPr>
+      <p:sp>
+        <p:nvSpPr>
+          <p:cNvPr id="2" name="Título 1"/>
+          <p:cNvSpPr>
+            <a:spLocks noGrp="1"/>
+          </p:cNvSpPr>
+          <p:nvPr>
+            <p:ph type="title"/>
+          </p:nvPr>
+        </p:nvSpPr>
+        <p:spPr/>
+        <p:txBody>
+          <a:bodyPr/>
+          <a:lstStyle/>
+          <a:p>
+            <a:r>
+              <a:rPr lang="pt-BR" dirty="0" smtClean="0"/>
+              <a:t>Encontrando o vetor gradiente</a:t>
+            </a:r>
+            <a:endParaRPr lang="pt-BR" dirty="0"/>
+          </a:p>
+        </p:txBody>
+      </p:sp>
+      <mc:AlternateContent xmlns:mc="http://schemas.openxmlformats.org/markup-compatibility/2006" xmlns:a14="http://schemas.microsoft.com/office/drawing/2010/main">
+        <mc:Choice Requires="a14">
+          <p:sp>
+            <p:nvSpPr>
+              <p:cNvPr id="3" name="Espaço Reservado para Conteúdo 2"/>
+              <p:cNvSpPr>
+                <a:spLocks noGrp="1"/>
+              </p:cNvSpPr>
+              <p:nvPr>
+                <p:ph idx="1"/>
+              </p:nvPr>
+            </p:nvSpPr>
+            <p:spPr/>
+            <p:txBody>
+              <a:bodyPr>
+                <a:normAutofit fontScale="92500" lnSpcReduction="10000"/>
+              </a:bodyPr>
+              <a:lstStyle/>
+              <a:p>
+                <a:r>
+                  <a:rPr lang="pt-BR" dirty="0"/>
+                  <a:t>Antes de encontrarmos o </a:t>
+                </a:r>
+                <a:r>
+                  <a:rPr lang="pt-BR" b="1" i="1" dirty="0"/>
+                  <a:t>vetor gradiente </a:t>
+                </a:r>
+                <a:r>
+                  <a:rPr lang="pt-BR" dirty="0"/>
+                  <a:t>de </a:t>
+                </a:r>
+                <a14:m>
+                  <m:oMath xmlns:m="http://schemas.openxmlformats.org/officeDocument/2006/math">
+                    <m:sSub>
+                      <m:sSubPr>
+                        <m:ctrlPr>
+                          <a:rPr lang="pt-BR" i="1">
+                            <a:latin typeface="Cambria Math" panose="02040503050406030204" pitchFamily="18" charset="0"/>
+                          </a:rPr>
+                        </m:ctrlPr>
+                      </m:sSubPr>
+                      <m:e>
+                        <m:r>
+                          <a:rPr lang="pt-BR" i="1">
+                            <a:latin typeface="Cambria Math" panose="02040503050406030204" pitchFamily="18" charset="0"/>
+                          </a:rPr>
+                          <m:t>𝐽</m:t>
+                        </m:r>
+                      </m:e>
+                      <m:sub>
+                        <m:r>
+                          <a:rPr lang="pt-BR" i="1">
+                            <a:latin typeface="Cambria Math" panose="02040503050406030204" pitchFamily="18" charset="0"/>
+                          </a:rPr>
+                          <m:t>𝑒</m:t>
+                        </m:r>
+                      </m:sub>
+                    </m:sSub>
+                    <m:d>
+                      <m:dPr>
+                        <m:ctrlPr>
+                          <a:rPr lang="pt-BR" i="1">
+                            <a:latin typeface="Cambria Math" panose="02040503050406030204" pitchFamily="18" charset="0"/>
+                          </a:rPr>
+                        </m:ctrlPr>
+                      </m:dPr>
+                      <m:e>
+                        <m:r>
+                          <a:rPr lang="pt-BR" b="1" i="1">
+                            <a:latin typeface="Cambria Math" panose="02040503050406030204" pitchFamily="18" charset="0"/>
+                          </a:rPr>
+                          <m:t>𝒂</m:t>
+                        </m:r>
+                      </m:e>
+                    </m:d>
+                  </m:oMath>
+                </a14:m>
+                <a:r>
+                  <a:rPr lang="pt-BR" dirty="0"/>
+                  <a:t>, vamos reescrever a </a:t>
+                </a:r>
+                <a:r>
+                  <a:rPr lang="pt-BR" b="1" i="1" dirty="0"/>
+                  <a:t>função de erro</a:t>
+                </a:r>
+                <a:r>
+                  <a:rPr lang="pt-BR" dirty="0"/>
+                  <a:t> utilizando as seguintes equivalências</a:t>
+                </a:r>
+              </a:p>
+              <a:p>
+                <a:pPr marL="0" indent="0" algn="ctr">
+                  <a:buNone/>
+                </a:pPr>
+                <a14:m>
+                  <m:oMath xmlns:m="http://schemas.openxmlformats.org/officeDocument/2006/math">
+                    <m:func>
+                      <m:funcPr>
+                        <m:ctrlPr>
+                          <a:rPr lang="pt-BR" i="1">
+                            <a:latin typeface="Cambria Math" panose="02040503050406030204" pitchFamily="18" charset="0"/>
+                          </a:rPr>
+                        </m:ctrlPr>
+                      </m:funcPr>
+                      <m:fName>
+                        <m:r>
+                          <m:rPr>
+                            <m:sty m:val="p"/>
+                          </m:rPr>
+                          <a:rPr lang="pt-BR">
+                            <a:latin typeface="Cambria Math" panose="02040503050406030204" pitchFamily="18" charset="0"/>
+                          </a:rPr>
+                          <m:t>log</m:t>
+                        </m:r>
+                      </m:fName>
+                      <m:e>
+                        <m:r>
+                          <a:rPr lang="pt-BR" i="1">
+                            <a:latin typeface="Cambria Math" panose="02040503050406030204" pitchFamily="18" charset="0"/>
+                          </a:rPr>
+                          <m:t>(</m:t>
+                        </m:r>
+                        <m:sSub>
+                          <m:sSubPr>
+                            <m:ctrlPr>
+                              <a:rPr lang="pt-BR" i="1">
+                                <a:latin typeface="Cambria Math" panose="02040503050406030204" pitchFamily="18" charset="0"/>
+                              </a:rPr>
+                            </m:ctrlPr>
+                          </m:sSubPr>
+                          <m:e>
+                            <m:r>
+                              <a:rPr lang="pt-BR" i="1">
+                                <a:latin typeface="Cambria Math" panose="02040503050406030204" pitchFamily="18" charset="0"/>
+                              </a:rPr>
+                              <m:t>h</m:t>
+                            </m:r>
+                          </m:e>
+                          <m:sub>
+                            <m:r>
+                              <a:rPr lang="pt-BR" b="1" i="1">
+                                <a:latin typeface="Cambria Math" panose="02040503050406030204" pitchFamily="18" charset="0"/>
+                              </a:rPr>
+                              <m:t>𝒂</m:t>
+                            </m:r>
+                          </m:sub>
+                        </m:sSub>
+                        <m:d>
+                          <m:dPr>
+                            <m:ctrlPr>
+                              <a:rPr lang="pt-BR" i="1">
+                                <a:latin typeface="Cambria Math" panose="02040503050406030204" pitchFamily="18" charset="0"/>
+                              </a:rPr>
+                            </m:ctrlPr>
+                          </m:dPr>
+                          <m:e>
+                            <m:r>
+                              <a:rPr lang="pt-BR" b="1" i="1">
+                                <a:latin typeface="Cambria Math" panose="02040503050406030204" pitchFamily="18" charset="0"/>
+                              </a:rPr>
+                              <m:t>𝒙</m:t>
+                            </m:r>
+                            <m:r>
+                              <a:rPr lang="pt-BR" i="1">
+                                <a:latin typeface="Cambria Math" panose="02040503050406030204" pitchFamily="18" charset="0"/>
+                              </a:rPr>
+                              <m:t>(</m:t>
+                            </m:r>
+                            <m:r>
+                              <a:rPr lang="pt-BR" i="1">
+                                <a:latin typeface="Cambria Math" panose="02040503050406030204" pitchFamily="18" charset="0"/>
+                              </a:rPr>
+                              <m:t>𝑖</m:t>
+                            </m:r>
+                            <m:r>
+                              <a:rPr lang="pt-BR" i="1">
+                                <a:latin typeface="Cambria Math" panose="02040503050406030204" pitchFamily="18" charset="0"/>
+                              </a:rPr>
+                              <m:t>)</m:t>
+                            </m:r>
+                          </m:e>
+                        </m:d>
+                        <m:r>
+                          <a:rPr lang="pt-BR" i="1">
+                            <a:latin typeface="Cambria Math" panose="02040503050406030204" pitchFamily="18" charset="0"/>
+                          </a:rPr>
+                          <m:t>)</m:t>
+                        </m:r>
+                      </m:e>
+                    </m:func>
+                    <m:r>
+                      <a:rPr lang="pt-BR" i="1">
+                        <a:latin typeface="Cambria Math" panose="02040503050406030204" pitchFamily="18" charset="0"/>
+                      </a:rPr>
+                      <m:t>=</m:t>
+                    </m:r>
+                    <m:func>
+                      <m:funcPr>
+                        <m:ctrlPr>
+                          <a:rPr lang="pt-BR" i="1">
+                            <a:latin typeface="Cambria Math" panose="02040503050406030204" pitchFamily="18" charset="0"/>
+                          </a:rPr>
+                        </m:ctrlPr>
+                      </m:funcPr>
+                      <m:fName>
+                        <m:r>
+                          <m:rPr>
+                            <m:sty m:val="p"/>
+                          </m:rPr>
+                          <a:rPr lang="pt-BR">
+                            <a:latin typeface="Cambria Math" panose="02040503050406030204" pitchFamily="18" charset="0"/>
+                          </a:rPr>
+                          <m:t>log</m:t>
+                        </m:r>
+                      </m:fName>
+                      <m:e>
+                        <m:d>
+                          <m:dPr>
+                            <m:ctrlPr>
+                              <a:rPr lang="pt-BR" i="1">
+                                <a:latin typeface="Cambria Math" panose="02040503050406030204" pitchFamily="18" charset="0"/>
+                              </a:rPr>
+                            </m:ctrlPr>
+                          </m:dPr>
+                          <m:e>
+                            <m:f>
+                              <m:fPr>
+                                <m:ctrlPr>
+                                  <a:rPr lang="pt-BR" i="1">
+                                    <a:latin typeface="Cambria Math" panose="02040503050406030204" pitchFamily="18" charset="0"/>
+                                  </a:rPr>
+                                </m:ctrlPr>
+                              </m:fPr>
+                              <m:num>
+                                <m:r>
+                                  <a:rPr lang="pt-BR" i="1">
+                                    <a:latin typeface="Cambria Math" panose="02040503050406030204" pitchFamily="18" charset="0"/>
+                                  </a:rPr>
+                                  <m:t>1</m:t>
+                                </m:r>
+                              </m:num>
+                              <m:den>
+                                <m:r>
+                                  <a:rPr lang="pt-BR" i="1">
+                                    <a:latin typeface="Cambria Math" panose="02040503050406030204" pitchFamily="18" charset="0"/>
+                                  </a:rPr>
+                                  <m:t>1+</m:t>
+                                </m:r>
+                                <m:sSup>
+                                  <m:sSupPr>
+                                    <m:ctrlPr>
+                                      <a:rPr lang="pt-BR" i="1">
+                                        <a:latin typeface="Cambria Math" panose="02040503050406030204" pitchFamily="18" charset="0"/>
+                                      </a:rPr>
+                                    </m:ctrlPr>
+                                  </m:sSupPr>
+                                  <m:e>
+                                    <m:r>
+                                      <a:rPr lang="pt-BR" i="1">
+                                        <a:latin typeface="Cambria Math" panose="02040503050406030204" pitchFamily="18" charset="0"/>
+                                      </a:rPr>
+                                      <m:t>𝑒</m:t>
+                                    </m:r>
+                                  </m:e>
+                                  <m:sup>
+                                    <m:r>
+                                      <a:rPr lang="pt-BR" i="1">
+                                        <a:latin typeface="Cambria Math" panose="02040503050406030204" pitchFamily="18" charset="0"/>
+                                      </a:rPr>
+                                      <m:t>−</m:t>
+                                    </m:r>
+                                    <m:sSup>
+                                      <m:sSupPr>
+                                        <m:ctrlPr>
+                                          <a:rPr lang="pt-BR" i="1">
+                                            <a:latin typeface="Cambria Math" panose="02040503050406030204" pitchFamily="18" charset="0"/>
+                                          </a:rPr>
+                                        </m:ctrlPr>
+                                      </m:sSupPr>
+                                      <m:e>
+                                        <m:r>
+                                          <a:rPr lang="pt-BR" b="1" i="1">
+                                            <a:latin typeface="Cambria Math" panose="02040503050406030204" pitchFamily="18" charset="0"/>
+                                          </a:rPr>
+                                          <m:t>𝒙</m:t>
+                                        </m:r>
+                                        <m:r>
+                                          <a:rPr lang="pt-BR" i="1">
+                                            <a:latin typeface="Cambria Math" panose="02040503050406030204" pitchFamily="18" charset="0"/>
+                                          </a:rPr>
+                                          <m:t>(</m:t>
+                                        </m:r>
+                                        <m:r>
+                                          <a:rPr lang="pt-BR" i="1">
+                                            <a:latin typeface="Cambria Math" panose="02040503050406030204" pitchFamily="18" charset="0"/>
+                                          </a:rPr>
+                                          <m:t>𝑖</m:t>
+                                        </m:r>
+                                        <m:r>
+                                          <a:rPr lang="pt-BR" i="1">
+                                            <a:latin typeface="Cambria Math" panose="02040503050406030204" pitchFamily="18" charset="0"/>
+                                          </a:rPr>
+                                          <m:t>)</m:t>
+                                        </m:r>
+                                      </m:e>
+                                      <m:sup>
+                                        <m:r>
+                                          <a:rPr lang="pt-BR" i="1">
+                                            <a:latin typeface="Cambria Math" panose="02040503050406030204" pitchFamily="18" charset="0"/>
+                                          </a:rPr>
+                                          <m:t>𝑇</m:t>
+                                        </m:r>
+                                      </m:sup>
+                                    </m:sSup>
+                                    <m:r>
+                                      <a:rPr lang="pt-BR" b="1" i="1">
+                                        <a:latin typeface="Cambria Math" panose="02040503050406030204" pitchFamily="18" charset="0"/>
+                                      </a:rPr>
+                                      <m:t>𝒂</m:t>
+                                    </m:r>
+                                  </m:sup>
+                                </m:sSup>
+                              </m:den>
+                            </m:f>
+                          </m:e>
+                        </m:d>
+                      </m:e>
+                    </m:func>
+                    <m:r>
+                      <a:rPr lang="pt-BR">
+                        <a:latin typeface="Cambria Math" panose="02040503050406030204" pitchFamily="18" charset="0"/>
+                      </a:rPr>
+                      <m:t>=−</m:t>
+                    </m:r>
+                    <m:func>
+                      <m:funcPr>
+                        <m:ctrlPr>
+                          <a:rPr lang="pt-BR" i="1">
+                            <a:latin typeface="Cambria Math" panose="02040503050406030204" pitchFamily="18" charset="0"/>
+                          </a:rPr>
+                        </m:ctrlPr>
+                      </m:funcPr>
+                      <m:fName>
+                        <m:r>
+                          <m:rPr>
+                            <m:sty m:val="p"/>
+                          </m:rPr>
+                          <a:rPr lang="pt-BR">
+                            <a:latin typeface="Cambria Math" panose="02040503050406030204" pitchFamily="18" charset="0"/>
+                          </a:rPr>
+                          <m:t>log</m:t>
+                        </m:r>
+                      </m:fName>
+                      <m:e>
+                        <m:d>
+                          <m:dPr>
+                            <m:ctrlPr>
+                              <a:rPr lang="pt-BR" i="1">
+                                <a:latin typeface="Cambria Math" panose="02040503050406030204" pitchFamily="18" charset="0"/>
+                              </a:rPr>
+                            </m:ctrlPr>
+                          </m:dPr>
+                          <m:e>
+                            <m:r>
+                              <a:rPr lang="pt-BR" i="1">
+                                <a:latin typeface="Cambria Math" panose="02040503050406030204" pitchFamily="18" charset="0"/>
+                              </a:rPr>
+                              <m:t>1+</m:t>
+                            </m:r>
+                            <m:sSup>
+                              <m:sSupPr>
+                                <m:ctrlPr>
+                                  <a:rPr lang="pt-BR" i="1">
+                                    <a:latin typeface="Cambria Math" panose="02040503050406030204" pitchFamily="18" charset="0"/>
+                                  </a:rPr>
+                                </m:ctrlPr>
+                              </m:sSupPr>
+                              <m:e>
+                                <m:r>
+                                  <a:rPr lang="pt-BR" i="1">
+                                    <a:latin typeface="Cambria Math" panose="02040503050406030204" pitchFamily="18" charset="0"/>
+                                  </a:rPr>
+                                  <m:t>𝑒</m:t>
+                                </m:r>
+                              </m:e>
+                              <m:sup>
+                                <m:r>
+                                  <a:rPr lang="pt-BR" i="1">
+                                    <a:latin typeface="Cambria Math" panose="02040503050406030204" pitchFamily="18" charset="0"/>
+                                  </a:rPr>
+                                  <m:t>−</m:t>
+                                </m:r>
+                                <m:sSup>
+                                  <m:sSupPr>
+                                    <m:ctrlPr>
+                                      <a:rPr lang="pt-BR" i="1">
+                                        <a:latin typeface="Cambria Math" panose="02040503050406030204" pitchFamily="18" charset="0"/>
+                                      </a:rPr>
+                                    </m:ctrlPr>
+                                  </m:sSupPr>
+                                  <m:e>
+                                    <m:r>
+                                      <a:rPr lang="pt-BR" b="1" i="1">
+                                        <a:latin typeface="Cambria Math" panose="02040503050406030204" pitchFamily="18" charset="0"/>
+                                      </a:rPr>
+                                      <m:t>𝒙</m:t>
+                                    </m:r>
+                                    <m:r>
+                                      <a:rPr lang="pt-BR" i="1">
+                                        <a:latin typeface="Cambria Math" panose="02040503050406030204" pitchFamily="18" charset="0"/>
+                                      </a:rPr>
+                                      <m:t>(</m:t>
+                                    </m:r>
+                                    <m:r>
+                                      <a:rPr lang="pt-BR" i="1">
+                                        <a:latin typeface="Cambria Math" panose="02040503050406030204" pitchFamily="18" charset="0"/>
+                                      </a:rPr>
+                                      <m:t>𝑖</m:t>
+                                    </m:r>
+                                    <m:r>
+                                      <a:rPr lang="pt-BR" i="1">
+                                        <a:latin typeface="Cambria Math" panose="02040503050406030204" pitchFamily="18" charset="0"/>
+                                      </a:rPr>
+                                      <m:t>)</m:t>
+                                    </m:r>
+                                  </m:e>
+                                  <m:sup>
+                                    <m:r>
+                                      <a:rPr lang="pt-BR" i="1">
+                                        <a:latin typeface="Cambria Math" panose="02040503050406030204" pitchFamily="18" charset="0"/>
+                                      </a:rPr>
+                                      <m:t>𝑇</m:t>
+                                    </m:r>
+                                  </m:sup>
+                                </m:sSup>
+                                <m:r>
+                                  <a:rPr lang="pt-BR" b="1" i="1">
+                                    <a:latin typeface="Cambria Math" panose="02040503050406030204" pitchFamily="18" charset="0"/>
+                                  </a:rPr>
+                                  <m:t>𝒂</m:t>
+                                </m:r>
+                              </m:sup>
+                            </m:sSup>
+                          </m:e>
+                        </m:d>
+                      </m:e>
+                    </m:func>
+                  </m:oMath>
+                </a14:m>
+                <a:r>
+                  <a:rPr lang="pt-BR" dirty="0"/>
+                  <a:t>,</a:t>
+                </a:r>
+              </a:p>
+              <a:p>
+                <a:pPr marL="0" indent="0" algn="ctr">
+                  <a:buNone/>
+                </a:pPr>
+                <a14:m>
+                  <m:oMath xmlns:m="http://schemas.openxmlformats.org/officeDocument/2006/math">
+                    <m:func>
+                      <m:funcPr>
+                        <m:ctrlPr>
+                          <a:rPr lang="pt-BR" i="1">
+                            <a:latin typeface="Cambria Math" panose="02040503050406030204" pitchFamily="18" charset="0"/>
+                          </a:rPr>
+                        </m:ctrlPr>
+                      </m:funcPr>
+                      <m:fName>
+                        <m:r>
+                          <m:rPr>
+                            <m:sty m:val="p"/>
+                          </m:rPr>
+                          <a:rPr lang="pt-BR">
+                            <a:latin typeface="Cambria Math" panose="02040503050406030204" pitchFamily="18" charset="0"/>
+                          </a:rPr>
+                          <m:t>log</m:t>
+                        </m:r>
+                      </m:fName>
+                      <m:e>
+                        <m:r>
+                          <a:rPr lang="pt-BR" i="1">
+                            <a:latin typeface="Cambria Math" panose="02040503050406030204" pitchFamily="18" charset="0"/>
+                          </a:rPr>
+                          <m:t>(</m:t>
+                        </m:r>
+                        <m:sSub>
+                          <m:sSubPr>
+                            <m:ctrlPr>
+                              <a:rPr lang="pt-BR" i="1">
+                                <a:latin typeface="Cambria Math" panose="02040503050406030204" pitchFamily="18" charset="0"/>
+                              </a:rPr>
+                            </m:ctrlPr>
+                          </m:sSubPr>
+                          <m:e>
+                            <m:r>
+                              <a:rPr lang="pt-BR" i="1">
+                                <a:latin typeface="Cambria Math" panose="02040503050406030204" pitchFamily="18" charset="0"/>
+                              </a:rPr>
+                              <m:t>1−</m:t>
+                            </m:r>
+                            <m:r>
+                              <a:rPr lang="pt-BR" i="1">
+                                <a:latin typeface="Cambria Math" panose="02040503050406030204" pitchFamily="18" charset="0"/>
+                              </a:rPr>
+                              <m:t>h</m:t>
+                            </m:r>
+                          </m:e>
+                          <m:sub>
+                            <m:r>
+                              <a:rPr lang="pt-BR" b="1" i="1">
+                                <a:latin typeface="Cambria Math" panose="02040503050406030204" pitchFamily="18" charset="0"/>
+                              </a:rPr>
+                              <m:t>𝒂</m:t>
+                            </m:r>
+                          </m:sub>
+                        </m:sSub>
+                        <m:d>
+                          <m:dPr>
+                            <m:ctrlPr>
+                              <a:rPr lang="pt-BR" i="1">
+                                <a:latin typeface="Cambria Math" panose="02040503050406030204" pitchFamily="18" charset="0"/>
+                              </a:rPr>
+                            </m:ctrlPr>
+                          </m:dPr>
+                          <m:e>
+                            <m:r>
+                              <a:rPr lang="pt-BR" b="1" i="1">
+                                <a:latin typeface="Cambria Math" panose="02040503050406030204" pitchFamily="18" charset="0"/>
+                              </a:rPr>
+                              <m:t>𝒙</m:t>
+                            </m:r>
+                            <m:r>
+                              <a:rPr lang="pt-BR" i="1">
+                                <a:latin typeface="Cambria Math" panose="02040503050406030204" pitchFamily="18" charset="0"/>
+                              </a:rPr>
+                              <m:t>(</m:t>
+                            </m:r>
+                            <m:r>
+                              <a:rPr lang="pt-BR" i="1">
+                                <a:latin typeface="Cambria Math" panose="02040503050406030204" pitchFamily="18" charset="0"/>
+                              </a:rPr>
+                              <m:t>𝑖</m:t>
+                            </m:r>
+                            <m:r>
+                              <a:rPr lang="pt-BR" i="1">
+                                <a:latin typeface="Cambria Math" panose="02040503050406030204" pitchFamily="18" charset="0"/>
+                              </a:rPr>
+                              <m:t>)</m:t>
+                            </m:r>
+                          </m:e>
+                        </m:d>
+                        <m:r>
+                          <a:rPr lang="pt-BR" i="1">
+                            <a:latin typeface="Cambria Math" panose="02040503050406030204" pitchFamily="18" charset="0"/>
+                          </a:rPr>
+                          <m:t>)</m:t>
+                        </m:r>
+                      </m:e>
+                    </m:func>
+                    <m:r>
+                      <a:rPr lang="pt-BR" i="1">
+                        <a:latin typeface="Cambria Math" panose="02040503050406030204" pitchFamily="18" charset="0"/>
+                      </a:rPr>
+                      <m:t>=</m:t>
+                    </m:r>
+                    <m:func>
+                      <m:funcPr>
+                        <m:ctrlPr>
+                          <a:rPr lang="pt-BR" i="1">
+                            <a:latin typeface="Cambria Math" panose="02040503050406030204" pitchFamily="18" charset="0"/>
+                          </a:rPr>
+                        </m:ctrlPr>
+                      </m:funcPr>
+                      <m:fName>
+                        <m:r>
+                          <m:rPr>
+                            <m:sty m:val="p"/>
+                          </m:rPr>
+                          <a:rPr lang="pt-BR">
+                            <a:latin typeface="Cambria Math" panose="02040503050406030204" pitchFamily="18" charset="0"/>
+                          </a:rPr>
+                          <m:t>log</m:t>
+                        </m:r>
+                      </m:fName>
+                      <m:e>
+                        <m:d>
+                          <m:dPr>
+                            <m:ctrlPr>
+                              <a:rPr lang="pt-BR" i="1">
+                                <a:latin typeface="Cambria Math" panose="02040503050406030204" pitchFamily="18" charset="0"/>
+                              </a:rPr>
+                            </m:ctrlPr>
+                          </m:dPr>
+                          <m:e>
+                            <m:r>
+                              <a:rPr lang="pt-BR" i="1">
+                                <a:latin typeface="Cambria Math" panose="02040503050406030204" pitchFamily="18" charset="0"/>
+                              </a:rPr>
+                              <m:t>1−</m:t>
+                            </m:r>
+                            <m:f>
+                              <m:fPr>
+                                <m:ctrlPr>
+                                  <a:rPr lang="pt-BR" i="1">
+                                    <a:latin typeface="Cambria Math" panose="02040503050406030204" pitchFamily="18" charset="0"/>
+                                  </a:rPr>
+                                </m:ctrlPr>
+                              </m:fPr>
+                              <m:num>
+                                <m:r>
+                                  <a:rPr lang="pt-BR" i="1">
+                                    <a:latin typeface="Cambria Math" panose="02040503050406030204" pitchFamily="18" charset="0"/>
+                                  </a:rPr>
+                                  <m:t>1</m:t>
+                                </m:r>
+                              </m:num>
+                              <m:den>
+                                <m:r>
+                                  <a:rPr lang="pt-BR" i="1">
+                                    <a:latin typeface="Cambria Math" panose="02040503050406030204" pitchFamily="18" charset="0"/>
+                                  </a:rPr>
+                                  <m:t>1+</m:t>
+                                </m:r>
+                                <m:sSup>
+                                  <m:sSupPr>
+                                    <m:ctrlPr>
+                                      <a:rPr lang="pt-BR" i="1">
+                                        <a:latin typeface="Cambria Math" panose="02040503050406030204" pitchFamily="18" charset="0"/>
+                                      </a:rPr>
+                                    </m:ctrlPr>
+                                  </m:sSupPr>
+                                  <m:e>
+                                    <m:r>
+                                      <a:rPr lang="pt-BR" i="1">
+                                        <a:latin typeface="Cambria Math" panose="02040503050406030204" pitchFamily="18" charset="0"/>
+                                      </a:rPr>
+                                      <m:t>𝑒</m:t>
+                                    </m:r>
+                                  </m:e>
+                                  <m:sup>
+                                    <m:r>
+                                      <a:rPr lang="pt-BR" i="1">
+                                        <a:latin typeface="Cambria Math" panose="02040503050406030204" pitchFamily="18" charset="0"/>
+                                      </a:rPr>
+                                      <m:t>−</m:t>
+                                    </m:r>
+                                    <m:sSup>
+                                      <m:sSupPr>
+                                        <m:ctrlPr>
+                                          <a:rPr lang="pt-BR" i="1">
+                                            <a:latin typeface="Cambria Math" panose="02040503050406030204" pitchFamily="18" charset="0"/>
+                                          </a:rPr>
+                                        </m:ctrlPr>
+                                      </m:sSupPr>
+                                      <m:e>
+                                        <m:r>
+                                          <a:rPr lang="pt-BR" b="1" i="1">
+                                            <a:latin typeface="Cambria Math" panose="02040503050406030204" pitchFamily="18" charset="0"/>
+                                          </a:rPr>
+                                          <m:t>𝒙</m:t>
+                                        </m:r>
+                                        <m:r>
+                                          <a:rPr lang="pt-BR" i="1">
+                                            <a:latin typeface="Cambria Math" panose="02040503050406030204" pitchFamily="18" charset="0"/>
+                                          </a:rPr>
+                                          <m:t>(</m:t>
+                                        </m:r>
+                                        <m:r>
+                                          <a:rPr lang="pt-BR" i="1">
+                                            <a:latin typeface="Cambria Math" panose="02040503050406030204" pitchFamily="18" charset="0"/>
+                                          </a:rPr>
+                                          <m:t>𝑖</m:t>
+                                        </m:r>
+                                        <m:r>
+                                          <a:rPr lang="pt-BR" i="1">
+                                            <a:latin typeface="Cambria Math" panose="02040503050406030204" pitchFamily="18" charset="0"/>
+                                          </a:rPr>
+                                          <m:t>)</m:t>
+                                        </m:r>
+                                      </m:e>
+                                      <m:sup>
+                                        <m:r>
+                                          <a:rPr lang="pt-BR" i="1">
+                                            <a:latin typeface="Cambria Math" panose="02040503050406030204" pitchFamily="18" charset="0"/>
+                                          </a:rPr>
+                                          <m:t>𝑇</m:t>
+                                        </m:r>
+                                      </m:sup>
+                                    </m:sSup>
+                                    <m:r>
+                                      <a:rPr lang="pt-BR" b="1" i="1">
+                                        <a:latin typeface="Cambria Math" panose="02040503050406030204" pitchFamily="18" charset="0"/>
+                                      </a:rPr>
+                                      <m:t>𝒂</m:t>
+                                    </m:r>
+                                  </m:sup>
+                                </m:sSup>
+                              </m:den>
+                            </m:f>
+                          </m:e>
+                        </m:d>
+                      </m:e>
+                    </m:func>
+                    <m:r>
+                      <a:rPr lang="pt-BR">
+                        <a:latin typeface="Cambria Math" panose="02040503050406030204" pitchFamily="18" charset="0"/>
+                      </a:rPr>
+                      <m:t>=</m:t>
+                    </m:r>
+                    <m:r>
+                      <a:rPr lang="pt-BR" i="1">
+                        <a:latin typeface="Cambria Math" panose="02040503050406030204" pitchFamily="18" charset="0"/>
+                      </a:rPr>
+                      <m:t>−</m:t>
+                    </m:r>
+                    <m:sSup>
+                      <m:sSupPr>
+                        <m:ctrlPr>
+                          <a:rPr lang="pt-BR" i="1">
+                            <a:latin typeface="Cambria Math" panose="02040503050406030204" pitchFamily="18" charset="0"/>
+                          </a:rPr>
+                        </m:ctrlPr>
+                      </m:sSupPr>
+                      <m:e>
+                        <m:r>
+                          <a:rPr lang="pt-BR" b="1" i="1">
+                            <a:latin typeface="Cambria Math" panose="02040503050406030204" pitchFamily="18" charset="0"/>
+                          </a:rPr>
+                          <m:t>𝒙</m:t>
+                        </m:r>
+                        <m:r>
+                          <a:rPr lang="pt-BR" i="1">
+                            <a:latin typeface="Cambria Math" panose="02040503050406030204" pitchFamily="18" charset="0"/>
+                          </a:rPr>
+                          <m:t>(</m:t>
+                        </m:r>
+                        <m:r>
+                          <a:rPr lang="pt-BR" i="1">
+                            <a:latin typeface="Cambria Math" panose="02040503050406030204" pitchFamily="18" charset="0"/>
+                          </a:rPr>
+                          <m:t>𝑖</m:t>
+                        </m:r>
+                        <m:r>
+                          <a:rPr lang="pt-BR" i="1">
+                            <a:latin typeface="Cambria Math" panose="02040503050406030204" pitchFamily="18" charset="0"/>
+                          </a:rPr>
+                          <m:t>)</m:t>
+                        </m:r>
+                      </m:e>
+                      <m:sup>
+                        <m:r>
+                          <a:rPr lang="pt-BR" i="1">
+                            <a:latin typeface="Cambria Math" panose="02040503050406030204" pitchFamily="18" charset="0"/>
+                          </a:rPr>
+                          <m:t>𝑇</m:t>
+                        </m:r>
+                      </m:sup>
+                    </m:sSup>
+                    <m:r>
+                      <a:rPr lang="pt-BR" b="1" i="1">
+                        <a:latin typeface="Cambria Math" panose="02040503050406030204" pitchFamily="18" charset="0"/>
+                      </a:rPr>
+                      <m:t>𝒂</m:t>
+                    </m:r>
+                    <m:r>
+                      <a:rPr lang="pt-BR" i="1">
+                        <a:latin typeface="Cambria Math" panose="02040503050406030204" pitchFamily="18" charset="0"/>
+                      </a:rPr>
+                      <m:t>−</m:t>
+                    </m:r>
+                    <m:func>
+                      <m:funcPr>
+                        <m:ctrlPr>
+                          <a:rPr lang="pt-BR" i="1">
+                            <a:latin typeface="Cambria Math" panose="02040503050406030204" pitchFamily="18" charset="0"/>
+                          </a:rPr>
+                        </m:ctrlPr>
+                      </m:funcPr>
+                      <m:fName>
+                        <m:r>
+                          <m:rPr>
+                            <m:sty m:val="p"/>
+                          </m:rPr>
+                          <a:rPr lang="pt-BR">
+                            <a:latin typeface="Cambria Math" panose="02040503050406030204" pitchFamily="18" charset="0"/>
+                          </a:rPr>
+                          <m:t>log</m:t>
+                        </m:r>
+                      </m:fName>
+                      <m:e>
+                        <m:d>
+                          <m:dPr>
+                            <m:ctrlPr>
+                              <a:rPr lang="pt-BR" i="1">
+                                <a:latin typeface="Cambria Math" panose="02040503050406030204" pitchFamily="18" charset="0"/>
+                              </a:rPr>
+                            </m:ctrlPr>
+                          </m:dPr>
+                          <m:e>
+                            <m:r>
+                              <a:rPr lang="pt-BR" i="1">
+                                <a:latin typeface="Cambria Math" panose="02040503050406030204" pitchFamily="18" charset="0"/>
+                              </a:rPr>
+                              <m:t>1+</m:t>
+                            </m:r>
+                            <m:sSup>
+                              <m:sSupPr>
+                                <m:ctrlPr>
+                                  <a:rPr lang="pt-BR" i="1">
+                                    <a:latin typeface="Cambria Math" panose="02040503050406030204" pitchFamily="18" charset="0"/>
+                                  </a:rPr>
+                                </m:ctrlPr>
+                              </m:sSupPr>
+                              <m:e>
+                                <m:r>
+                                  <a:rPr lang="pt-BR" i="1">
+                                    <a:latin typeface="Cambria Math" panose="02040503050406030204" pitchFamily="18" charset="0"/>
+                                  </a:rPr>
+                                  <m:t>𝑒</m:t>
+                                </m:r>
+                              </m:e>
+                              <m:sup>
+                                <m:r>
+                                  <a:rPr lang="pt-BR" i="1">
+                                    <a:latin typeface="Cambria Math" panose="02040503050406030204" pitchFamily="18" charset="0"/>
+                                  </a:rPr>
+                                  <m:t>−</m:t>
+                                </m:r>
+                                <m:sSup>
+                                  <m:sSupPr>
+                                    <m:ctrlPr>
+                                      <a:rPr lang="pt-BR" i="1">
+                                        <a:latin typeface="Cambria Math" panose="02040503050406030204" pitchFamily="18" charset="0"/>
+                                      </a:rPr>
+                                    </m:ctrlPr>
+                                  </m:sSupPr>
+                                  <m:e>
+                                    <m:r>
+                                      <a:rPr lang="pt-BR" b="1" i="1">
+                                        <a:latin typeface="Cambria Math" panose="02040503050406030204" pitchFamily="18" charset="0"/>
+                                      </a:rPr>
+                                      <m:t>𝒙</m:t>
+                                    </m:r>
+                                    <m:r>
+                                      <a:rPr lang="pt-BR" i="1">
+                                        <a:latin typeface="Cambria Math" panose="02040503050406030204" pitchFamily="18" charset="0"/>
+                                      </a:rPr>
+                                      <m:t>(</m:t>
+                                    </m:r>
+                                    <m:r>
+                                      <a:rPr lang="pt-BR" i="1">
+                                        <a:latin typeface="Cambria Math" panose="02040503050406030204" pitchFamily="18" charset="0"/>
+                                      </a:rPr>
+                                      <m:t>𝑖</m:t>
+                                    </m:r>
+                                    <m:r>
+                                      <a:rPr lang="pt-BR" i="1">
+                                        <a:latin typeface="Cambria Math" panose="02040503050406030204" pitchFamily="18" charset="0"/>
+                                      </a:rPr>
+                                      <m:t>)</m:t>
+                                    </m:r>
+                                  </m:e>
+                                  <m:sup>
+                                    <m:r>
+                                      <a:rPr lang="pt-BR" i="1">
+                                        <a:latin typeface="Cambria Math" panose="02040503050406030204" pitchFamily="18" charset="0"/>
+                                      </a:rPr>
+                                      <m:t>𝑇</m:t>
+                                    </m:r>
+                                  </m:sup>
+                                </m:sSup>
+                                <m:r>
+                                  <a:rPr lang="pt-BR" b="1" i="1">
+                                    <a:latin typeface="Cambria Math" panose="02040503050406030204" pitchFamily="18" charset="0"/>
+                                  </a:rPr>
+                                  <m:t>𝒂</m:t>
+                                </m:r>
+                              </m:sup>
+                            </m:sSup>
+                          </m:e>
+                        </m:d>
+                      </m:e>
+                    </m:func>
+                  </m:oMath>
+                </a14:m>
+                <a:r>
+                  <a:rPr lang="pt-BR" dirty="0"/>
+                  <a:t>.</a:t>
+                </a:r>
+              </a:p>
+              <a:p>
+                <a:r>
+                  <a:rPr lang="pt-BR" dirty="0"/>
+                  <a:t>Assim, a nova expressão para a </a:t>
+                </a:r>
+                <a:r>
+                  <a:rPr lang="pt-BR" b="1" i="1" dirty="0"/>
+                  <a:t>função de erro médio </a:t>
+                </a:r>
+                <a:r>
+                  <a:rPr lang="pt-BR" dirty="0"/>
+                  <a:t>é dada por</a:t>
+                </a:r>
+              </a:p>
+              <a:p>
+                <a:pPr marL="0" indent="0">
+                  <a:buNone/>
+                </a:pPr>
+                <a14:m>
+                  <m:oMathPara xmlns:m="http://schemas.openxmlformats.org/officeDocument/2006/math">
+                    <m:oMathParaPr>
+                      <m:jc m:val="centerGroup"/>
+                    </m:oMathParaPr>
+                    <m:oMath xmlns:m="http://schemas.openxmlformats.org/officeDocument/2006/math">
+                      <m:sSub>
+                        <m:sSubPr>
+                          <m:ctrlPr>
+                            <a:rPr lang="pt-BR" i="1">
+                              <a:latin typeface="Cambria Math" panose="02040503050406030204" pitchFamily="18" charset="0"/>
+                            </a:rPr>
+                          </m:ctrlPr>
+                        </m:sSubPr>
+                        <m:e>
+                          <m:r>
+                            <a:rPr lang="pt-BR" i="1">
+                              <a:latin typeface="Cambria Math" panose="02040503050406030204" pitchFamily="18" charset="0"/>
+                            </a:rPr>
+                            <m:t>𝐽</m:t>
+                          </m:r>
+                        </m:e>
+                        <m:sub>
+                          <m:r>
+                            <a:rPr lang="pt-BR" i="1">
+                              <a:latin typeface="Cambria Math" panose="02040503050406030204" pitchFamily="18" charset="0"/>
+                            </a:rPr>
+                            <m:t>𝑒</m:t>
+                          </m:r>
+                        </m:sub>
+                      </m:sSub>
+                      <m:d>
+                        <m:dPr>
+                          <m:ctrlPr>
+                            <a:rPr lang="pt-BR" i="1">
+                              <a:latin typeface="Cambria Math" panose="02040503050406030204" pitchFamily="18" charset="0"/>
+                            </a:rPr>
+                          </m:ctrlPr>
+                        </m:dPr>
+                        <m:e>
+                          <m:r>
+                            <a:rPr lang="pt-BR" b="1" i="1">
+                              <a:latin typeface="Cambria Math" panose="02040503050406030204" pitchFamily="18" charset="0"/>
+                            </a:rPr>
+                            <m:t>𝒂</m:t>
+                          </m:r>
+                        </m:e>
+                      </m:d>
+                      <m:r>
+                        <a:rPr lang="pt-BR" i="1">
+                          <a:latin typeface="Cambria Math" panose="02040503050406030204" pitchFamily="18" charset="0"/>
+                        </a:rPr>
+                        <m:t>=−</m:t>
+                      </m:r>
+                      <m:f>
+                        <m:fPr>
+                          <m:ctrlPr>
+                            <a:rPr lang="pt-BR" i="1">
+                              <a:latin typeface="Cambria Math" panose="02040503050406030204" pitchFamily="18" charset="0"/>
+                            </a:rPr>
+                          </m:ctrlPr>
+                        </m:fPr>
+                        <m:num>
+                          <m:r>
+                            <a:rPr lang="pt-BR" i="1">
+                              <a:latin typeface="Cambria Math" panose="02040503050406030204" pitchFamily="18" charset="0"/>
+                            </a:rPr>
+                            <m:t>1</m:t>
+                          </m:r>
+                        </m:num>
+                        <m:den>
+                          <m:r>
+                            <a:rPr lang="pt-BR" i="1">
+                              <a:latin typeface="Cambria Math" panose="02040503050406030204" pitchFamily="18" charset="0"/>
+                            </a:rPr>
+                            <m:t>𝑁</m:t>
+                          </m:r>
+                        </m:den>
+                      </m:f>
+                      <m:nary>
+                        <m:naryPr>
+                          <m:chr m:val="∑"/>
+                          <m:ctrlPr>
+                            <a:rPr lang="pt-BR" i="1">
+                              <a:latin typeface="Cambria Math" panose="02040503050406030204" pitchFamily="18" charset="0"/>
+                            </a:rPr>
+                          </m:ctrlPr>
+                        </m:naryPr>
+                        <m:sub>
+                          <m:r>
+                            <m:rPr>
+                              <m:brk m:alnAt="23"/>
+                            </m:rPr>
+                            <a:rPr lang="pt-BR" i="1">
+                              <a:latin typeface="Cambria Math" panose="02040503050406030204" pitchFamily="18" charset="0"/>
+                            </a:rPr>
+                            <m:t>𝑖</m:t>
+                          </m:r>
+                          <m:r>
+                            <a:rPr lang="pt-BR" i="1">
+                              <a:latin typeface="Cambria Math" panose="02040503050406030204" pitchFamily="18" charset="0"/>
+                            </a:rPr>
+                            <m:t>=0</m:t>
+                          </m:r>
+                        </m:sub>
+                        <m:sup>
+                          <m:r>
+                            <a:rPr lang="pt-BR" i="1">
+                              <a:latin typeface="Cambria Math" panose="02040503050406030204" pitchFamily="18" charset="0"/>
+                            </a:rPr>
+                            <m:t>𝑁</m:t>
+                          </m:r>
+                          <m:r>
+                            <a:rPr lang="pt-BR" i="1">
+                              <a:latin typeface="Cambria Math" panose="02040503050406030204" pitchFamily="18" charset="0"/>
+                            </a:rPr>
+                            <m:t>−1</m:t>
+                          </m:r>
+                        </m:sup>
+                        <m:e>
+                          <m:r>
+                            <a:rPr lang="pt-BR" i="1">
+                              <a:latin typeface="Cambria Math" panose="02040503050406030204" pitchFamily="18" charset="0"/>
+                            </a:rPr>
+                            <m:t>−</m:t>
+                          </m:r>
+                          <m:r>
+                            <a:rPr lang="pt-BR" i="1">
+                              <a:latin typeface="Cambria Math" panose="02040503050406030204" pitchFamily="18" charset="0"/>
+                            </a:rPr>
+                            <m:t>𝑦</m:t>
+                          </m:r>
+                          <m:d>
+                            <m:dPr>
+                              <m:ctrlPr>
+                                <a:rPr lang="pt-BR" i="1">
+                                  <a:latin typeface="Cambria Math" panose="02040503050406030204" pitchFamily="18" charset="0"/>
+                                </a:rPr>
+                              </m:ctrlPr>
+                            </m:dPr>
+                            <m:e>
+                              <m:r>
+                                <a:rPr lang="pt-BR" i="1">
+                                  <a:latin typeface="Cambria Math" panose="02040503050406030204" pitchFamily="18" charset="0"/>
+                                </a:rPr>
+                                <m:t>𝑖</m:t>
+                              </m:r>
+                            </m:e>
+                          </m:d>
+                          <m:func>
+                            <m:funcPr>
+                              <m:ctrlPr>
+                                <a:rPr lang="pt-BR" i="1">
+                                  <a:latin typeface="Cambria Math" panose="02040503050406030204" pitchFamily="18" charset="0"/>
+                                </a:rPr>
+                              </m:ctrlPr>
+                            </m:funcPr>
+                            <m:fName>
+                              <m:r>
+                                <m:rPr>
+                                  <m:sty m:val="p"/>
+                                </m:rPr>
+                                <a:rPr lang="pt-BR">
+                                  <a:latin typeface="Cambria Math" panose="02040503050406030204" pitchFamily="18" charset="0"/>
+                                </a:rPr>
+                                <m:t>log</m:t>
+                              </m:r>
+                            </m:fName>
+                            <m:e>
+                              <m:d>
+                                <m:dPr>
+                                  <m:ctrlPr>
+                                    <a:rPr lang="pt-BR" i="1">
+                                      <a:latin typeface="Cambria Math" panose="02040503050406030204" pitchFamily="18" charset="0"/>
+                                    </a:rPr>
+                                  </m:ctrlPr>
+                                </m:dPr>
+                                <m:e>
+                                  <m:r>
+                                    <a:rPr lang="pt-BR" i="1">
+                                      <a:latin typeface="Cambria Math" panose="02040503050406030204" pitchFamily="18" charset="0"/>
+                                    </a:rPr>
+                                    <m:t>1+</m:t>
+                                  </m:r>
+                                  <m:sSup>
+                                    <m:sSupPr>
+                                      <m:ctrlPr>
+                                        <a:rPr lang="pt-BR" i="1">
+                                          <a:latin typeface="Cambria Math" panose="02040503050406030204" pitchFamily="18" charset="0"/>
+                                        </a:rPr>
+                                      </m:ctrlPr>
+                                    </m:sSupPr>
+                                    <m:e>
+                                      <m:r>
+                                        <a:rPr lang="pt-BR" i="1">
+                                          <a:latin typeface="Cambria Math" panose="02040503050406030204" pitchFamily="18" charset="0"/>
+                                        </a:rPr>
+                                        <m:t>𝑒</m:t>
+                                      </m:r>
+                                    </m:e>
+                                    <m:sup>
+                                      <m:r>
+                                        <a:rPr lang="pt-BR" i="1">
+                                          <a:latin typeface="Cambria Math" panose="02040503050406030204" pitchFamily="18" charset="0"/>
+                                        </a:rPr>
+                                        <m:t>−</m:t>
+                                      </m:r>
+                                      <m:sSup>
+                                        <m:sSupPr>
+                                          <m:ctrlPr>
+                                            <a:rPr lang="pt-BR" i="1">
+                                              <a:latin typeface="Cambria Math" panose="02040503050406030204" pitchFamily="18" charset="0"/>
+                                            </a:rPr>
+                                          </m:ctrlPr>
+                                        </m:sSupPr>
+                                        <m:e>
+                                          <m:r>
+                                            <a:rPr lang="pt-BR" b="1" i="1">
+                                              <a:latin typeface="Cambria Math" panose="02040503050406030204" pitchFamily="18" charset="0"/>
+                                            </a:rPr>
+                                            <m:t>𝒙</m:t>
+                                          </m:r>
+                                          <m:r>
+                                            <a:rPr lang="pt-BR" i="1">
+                                              <a:latin typeface="Cambria Math" panose="02040503050406030204" pitchFamily="18" charset="0"/>
+                                            </a:rPr>
+                                            <m:t>(</m:t>
+                                          </m:r>
+                                          <m:r>
+                                            <a:rPr lang="pt-BR" i="1">
+                                              <a:latin typeface="Cambria Math" panose="02040503050406030204" pitchFamily="18" charset="0"/>
+                                            </a:rPr>
+                                            <m:t>𝑖</m:t>
+                                          </m:r>
+                                          <m:r>
+                                            <a:rPr lang="pt-BR" i="1">
+                                              <a:latin typeface="Cambria Math" panose="02040503050406030204" pitchFamily="18" charset="0"/>
+                                            </a:rPr>
+                                            <m:t>)</m:t>
+                                          </m:r>
+                                        </m:e>
+                                        <m:sup>
+                                          <m:r>
+                                            <a:rPr lang="pt-BR" i="1">
+                                              <a:latin typeface="Cambria Math" panose="02040503050406030204" pitchFamily="18" charset="0"/>
+                                            </a:rPr>
+                                            <m:t>𝑇</m:t>
+                                          </m:r>
+                                        </m:sup>
+                                      </m:sSup>
+                                      <m:r>
+                                        <a:rPr lang="pt-BR" b="1" i="1">
+                                          <a:latin typeface="Cambria Math" panose="02040503050406030204" pitchFamily="18" charset="0"/>
+                                        </a:rPr>
+                                        <m:t>𝒂</m:t>
+                                      </m:r>
+                                    </m:sup>
+                                  </m:sSup>
+                                </m:e>
+                              </m:d>
+                            </m:e>
+                          </m:func>
+                        </m:e>
+                      </m:nary>
+                      <m:r>
+                        <a:rPr lang="pt-BR">
+                          <a:latin typeface="Cambria Math" panose="02040503050406030204" pitchFamily="18" charset="0"/>
+                        </a:rPr>
+                        <m:t>+(1</m:t>
+                      </m:r>
+                      <m:r>
+                        <a:rPr lang="pt-BR" i="1">
+                          <a:latin typeface="Cambria Math" panose="02040503050406030204" pitchFamily="18" charset="0"/>
+                        </a:rPr>
+                        <m:t>−</m:t>
+                      </m:r>
+                      <m:r>
+                        <a:rPr lang="pt-BR" i="1">
+                          <a:latin typeface="Cambria Math" panose="02040503050406030204" pitchFamily="18" charset="0"/>
+                        </a:rPr>
+                        <m:t>𝑦</m:t>
+                      </m:r>
+                      <m:d>
+                        <m:dPr>
+                          <m:ctrlPr>
+                            <a:rPr lang="pt-BR" i="1">
+                              <a:latin typeface="Cambria Math" panose="02040503050406030204" pitchFamily="18" charset="0"/>
+                            </a:rPr>
+                          </m:ctrlPr>
+                        </m:dPr>
+                        <m:e>
+                          <m:r>
+                            <a:rPr lang="pt-BR" i="1">
+                              <a:latin typeface="Cambria Math" panose="02040503050406030204" pitchFamily="18" charset="0"/>
+                            </a:rPr>
+                            <m:t>𝑖</m:t>
+                          </m:r>
+                        </m:e>
+                      </m:d>
+                      <m:r>
+                        <a:rPr lang="pt-BR" i="1">
+                          <a:latin typeface="Cambria Math" panose="02040503050406030204" pitchFamily="18" charset="0"/>
+                        </a:rPr>
+                        <m:t>)</m:t>
+                      </m:r>
+                      <m:d>
+                        <m:dPr>
+                          <m:begChr m:val="["/>
+                          <m:endChr m:val="]"/>
+                          <m:ctrlPr>
+                            <a:rPr lang="pt-BR" i="1">
+                              <a:latin typeface="Cambria Math" panose="02040503050406030204" pitchFamily="18" charset="0"/>
+                            </a:rPr>
+                          </m:ctrlPr>
+                        </m:dPr>
+                        <m:e>
+                          <m:r>
+                            <a:rPr lang="pt-BR" i="1">
+                              <a:latin typeface="Cambria Math" panose="02040503050406030204" pitchFamily="18" charset="0"/>
+                            </a:rPr>
+                            <m:t>−</m:t>
+                          </m:r>
+                          <m:sSup>
+                            <m:sSupPr>
+                              <m:ctrlPr>
+                                <a:rPr lang="pt-BR" i="1">
+                                  <a:latin typeface="Cambria Math" panose="02040503050406030204" pitchFamily="18" charset="0"/>
+                                </a:rPr>
+                              </m:ctrlPr>
+                            </m:sSupPr>
+                            <m:e>
+                              <m:r>
+                                <a:rPr lang="pt-BR" b="1" i="1">
+                                  <a:latin typeface="Cambria Math" panose="02040503050406030204" pitchFamily="18" charset="0"/>
+                                </a:rPr>
+                                <m:t>𝒙</m:t>
+                              </m:r>
+                              <m:r>
+                                <a:rPr lang="pt-BR" i="1">
+                                  <a:latin typeface="Cambria Math" panose="02040503050406030204" pitchFamily="18" charset="0"/>
+                                </a:rPr>
+                                <m:t>(</m:t>
+                              </m:r>
+                              <m:r>
+                                <a:rPr lang="pt-BR" i="1">
+                                  <a:latin typeface="Cambria Math" panose="02040503050406030204" pitchFamily="18" charset="0"/>
+                                </a:rPr>
+                                <m:t>𝑖</m:t>
+                              </m:r>
+                              <m:r>
+                                <a:rPr lang="pt-BR" i="1">
+                                  <a:latin typeface="Cambria Math" panose="02040503050406030204" pitchFamily="18" charset="0"/>
+                                </a:rPr>
+                                <m:t>)</m:t>
+                              </m:r>
+                            </m:e>
+                            <m:sup>
+                              <m:r>
+                                <a:rPr lang="pt-BR" i="1">
+                                  <a:latin typeface="Cambria Math" panose="02040503050406030204" pitchFamily="18" charset="0"/>
+                                </a:rPr>
+                                <m:t>𝑇</m:t>
+                              </m:r>
+                            </m:sup>
+                          </m:sSup>
+                          <m:r>
+                            <a:rPr lang="pt-BR" b="1" i="1">
+                              <a:latin typeface="Cambria Math" panose="02040503050406030204" pitchFamily="18" charset="0"/>
+                            </a:rPr>
+                            <m:t>𝒂</m:t>
+                          </m:r>
+                          <m:r>
+                            <a:rPr lang="pt-BR" i="1">
+                              <a:latin typeface="Cambria Math" panose="02040503050406030204" pitchFamily="18" charset="0"/>
+                            </a:rPr>
+                            <m:t>−</m:t>
+                          </m:r>
+                          <m:func>
+                            <m:funcPr>
+                              <m:ctrlPr>
+                                <a:rPr lang="pt-BR" i="1">
+                                  <a:latin typeface="Cambria Math" panose="02040503050406030204" pitchFamily="18" charset="0"/>
+                                </a:rPr>
+                              </m:ctrlPr>
+                            </m:funcPr>
+                            <m:fName>
+                              <m:r>
+                                <m:rPr>
+                                  <m:sty m:val="p"/>
+                                </m:rPr>
+                                <a:rPr lang="pt-BR">
+                                  <a:latin typeface="Cambria Math" panose="02040503050406030204" pitchFamily="18" charset="0"/>
+                                </a:rPr>
+                                <m:t>log</m:t>
+                              </m:r>
+                            </m:fName>
+                            <m:e>
+                              <m:d>
+                                <m:dPr>
+                                  <m:ctrlPr>
+                                    <a:rPr lang="pt-BR" i="1">
+                                      <a:latin typeface="Cambria Math" panose="02040503050406030204" pitchFamily="18" charset="0"/>
+                                    </a:rPr>
+                                  </m:ctrlPr>
+                                </m:dPr>
+                                <m:e>
+                                  <m:r>
+                                    <a:rPr lang="pt-BR" i="1">
+                                      <a:latin typeface="Cambria Math" panose="02040503050406030204" pitchFamily="18" charset="0"/>
+                                    </a:rPr>
+                                    <m:t>1+</m:t>
+                                  </m:r>
+                                  <m:sSup>
+                                    <m:sSupPr>
+                                      <m:ctrlPr>
+                                        <a:rPr lang="pt-BR" i="1">
+                                          <a:latin typeface="Cambria Math" panose="02040503050406030204" pitchFamily="18" charset="0"/>
+                                        </a:rPr>
+                                      </m:ctrlPr>
+                                    </m:sSupPr>
+                                    <m:e>
+                                      <m:r>
+                                        <a:rPr lang="pt-BR" i="1">
+                                          <a:latin typeface="Cambria Math" panose="02040503050406030204" pitchFamily="18" charset="0"/>
+                                        </a:rPr>
+                                        <m:t>𝑒</m:t>
+                                      </m:r>
+                                    </m:e>
+                                    <m:sup>
+                                      <m:r>
+                                        <a:rPr lang="pt-BR" i="1">
+                                          <a:latin typeface="Cambria Math" panose="02040503050406030204" pitchFamily="18" charset="0"/>
+                                        </a:rPr>
+                                        <m:t>−</m:t>
+                                      </m:r>
+                                      <m:sSup>
+                                        <m:sSupPr>
+                                          <m:ctrlPr>
+                                            <a:rPr lang="pt-BR" i="1">
+                                              <a:latin typeface="Cambria Math" panose="02040503050406030204" pitchFamily="18" charset="0"/>
+                                            </a:rPr>
+                                          </m:ctrlPr>
+                                        </m:sSupPr>
+                                        <m:e>
+                                          <m:r>
+                                            <a:rPr lang="pt-BR" b="1" i="1">
+                                              <a:latin typeface="Cambria Math" panose="02040503050406030204" pitchFamily="18" charset="0"/>
+                                            </a:rPr>
+                                            <m:t>𝒙</m:t>
+                                          </m:r>
+                                          <m:r>
+                                            <a:rPr lang="pt-BR" i="1">
+                                              <a:latin typeface="Cambria Math" panose="02040503050406030204" pitchFamily="18" charset="0"/>
+                                            </a:rPr>
+                                            <m:t>(</m:t>
+                                          </m:r>
+                                          <m:r>
+                                            <a:rPr lang="pt-BR" i="1">
+                                              <a:latin typeface="Cambria Math" panose="02040503050406030204" pitchFamily="18" charset="0"/>
+                                            </a:rPr>
+                                            <m:t>𝑖</m:t>
+                                          </m:r>
+                                          <m:r>
+                                            <a:rPr lang="pt-BR" i="1">
+                                              <a:latin typeface="Cambria Math" panose="02040503050406030204" pitchFamily="18" charset="0"/>
+                                            </a:rPr>
+                                            <m:t>)</m:t>
+                                          </m:r>
+                                        </m:e>
+                                        <m:sup>
+                                          <m:r>
+                                            <a:rPr lang="pt-BR" i="1">
+                                              <a:latin typeface="Cambria Math" panose="02040503050406030204" pitchFamily="18" charset="0"/>
+                                            </a:rPr>
+                                            <m:t>𝑇</m:t>
+                                          </m:r>
+                                        </m:sup>
+                                      </m:sSup>
+                                      <m:r>
+                                        <a:rPr lang="pt-BR" b="1" i="1">
+                                          <a:latin typeface="Cambria Math" panose="02040503050406030204" pitchFamily="18" charset="0"/>
+                                        </a:rPr>
+                                        <m:t>𝒂</m:t>
+                                      </m:r>
+                                    </m:sup>
+                                  </m:sSup>
+                                </m:e>
+                              </m:d>
+                            </m:e>
+                          </m:func>
+                        </m:e>
+                      </m:d>
+                    </m:oMath>
+                  </m:oMathPara>
+                </a14:m>
+                <a:endParaRPr lang="pt-BR" dirty="0"/>
+              </a:p>
+              <a:p>
+                <a:endParaRPr lang="pt-BR"/>
+              </a:p>
+            </p:txBody>
+          </p:sp>
+        </mc:Choice>
+        <mc:Fallback xmlns="">
+          <p:sp>
+            <p:nvSpPr>
+              <p:cNvPr id="3" name="Espaço Reservado para Conteúdo 2"/>
+              <p:cNvSpPr>
+                <a:spLocks noGrp="1" noRot="1" noChangeAspect="1" noMove="1" noResize="1" noEditPoints="1" noAdjustHandles="1" noChangeArrowheads="1" noChangeShapeType="1" noTextEdit="1"/>
+              </p:cNvSpPr>
+              <p:nvPr>
+                <p:ph idx="1"/>
+              </p:nvPr>
+            </p:nvSpPr>
+            <p:spPr>
+              <a:blipFill rotWithShape="0">
+                <a:blip r:embed="rId2"/>
+                <a:stretch>
+                  <a:fillRect l="-928" t="-2801"/>
+                </a:stretch>
+              </a:blipFill>
+            </p:spPr>
+            <p:txBody>
+              <a:bodyPr/>
+              <a:lstStyle/>
+              <a:p>
+                <a:r>
+                  <a:rPr lang="pt-BR">
+                    <a:noFill/>
+                  </a:rPr>
+                  <a:t> </a:t>
+                </a:r>
+              </a:p>
+            </p:txBody>
+          </p:sp>
+        </mc:Fallback>
+      </mc:AlternateContent>
+    </p:spTree>
+    <p:extLst>
+      <p:ext uri="{BB962C8B-B14F-4D97-AF65-F5344CB8AC3E}">
+        <p14:creationId xmlns:p14="http://schemas.microsoft.com/office/powerpoint/2010/main" val="3322574286"/>
+      </p:ext>
+    </p:extLst>
+  </p:cSld>
+  <p:clrMapOvr>
+    <a:masterClrMapping/>
+  </p:clrMapOvr>
+</p:sld>
+</file>
+
+<file path=ppt/slides/slide18.xml><?xml version="1.0" encoding="utf-8"?>
+<p:sld xmlns:a="http://schemas.openxmlformats.org/drawingml/2006/main" xmlns:r="http://schemas.openxmlformats.org/officeDocument/2006/relationships" xmlns:p="http://schemas.openxmlformats.org/presentationml/2006/main">
+  <p:cSld>
+    <p:spTree>
+      <p:nvGrpSpPr>
+        <p:cNvPr id="1" name=""/>
+        <p:cNvGrpSpPr/>
+        <p:nvPr/>
+      </p:nvGrpSpPr>
+      <p:grpSpPr>
+        <a:xfrm>
+          <a:off x="0" y="0"/>
+          <a:ext cx="0" cy="0"/>
+          <a:chOff x="0" y="0"/>
+          <a:chExt cx="0" cy="0"/>
+        </a:xfrm>
+      </p:grpSpPr>
+      <p:sp>
+        <p:nvSpPr>
+          <p:cNvPr id="2" name="Title 1"/>
+          <p:cNvSpPr>
+            <a:spLocks noGrp="1"/>
+          </p:cNvSpPr>
+          <p:nvPr>
+            <p:ph type="title"/>
+          </p:nvPr>
+        </p:nvSpPr>
+        <p:spPr/>
+        <p:txBody>
+          <a:bodyPr/>
+          <a:lstStyle/>
+          <a:p>
+            <a:r>
+              <a:rPr lang="pt-BR" dirty="0"/>
+              <a:t>Encontrando o vetor gradiente</a:t>
+            </a:r>
+            <a:endParaRPr lang="pt-BR" dirty="0"/>
+          </a:p>
+        </p:txBody>
+      </p:sp>
+      <mc:AlternateContent xmlns:mc="http://schemas.openxmlformats.org/markup-compatibility/2006" xmlns:a14="http://schemas.microsoft.com/office/drawing/2010/main">
+        <mc:Choice Requires="a14">
+          <p:sp>
+            <p:nvSpPr>
+              <p:cNvPr id="3" name="Content Placeholder 2"/>
+              <p:cNvSpPr>
+                <a:spLocks noGrp="1"/>
+              </p:cNvSpPr>
+              <p:nvPr>
+                <p:ph idx="1"/>
+              </p:nvPr>
+            </p:nvSpPr>
+            <p:spPr>
+              <a:xfrm>
+                <a:off x="838200" y="1825624"/>
+                <a:ext cx="10955694" cy="4855094"/>
+              </a:xfrm>
+            </p:spPr>
+            <p:txBody>
+              <a:bodyPr>
+                <a:normAutofit lnSpcReduction="10000"/>
+              </a:bodyPr>
+              <a:lstStyle/>
+              <a:p>
+                <a:r>
+                  <a:rPr lang="pt-BR" dirty="0" smtClean="0"/>
+                  <a:t>O termo </a:t>
+                </a:r>
+                <a14:m>
+                  <m:oMath xmlns:m="http://schemas.openxmlformats.org/officeDocument/2006/math">
+                    <m:r>
+                      <a:rPr lang="pt-BR" i="1">
+                        <a:latin typeface="Cambria Math" panose="02040503050406030204" pitchFamily="18" charset="0"/>
+                      </a:rPr>
+                      <m:t>−</m:t>
+                    </m:r>
+                    <m:r>
+                      <a:rPr lang="pt-BR" i="1">
+                        <a:latin typeface="Cambria Math" panose="02040503050406030204" pitchFamily="18" charset="0"/>
+                      </a:rPr>
+                      <m:t>𝑦</m:t>
+                    </m:r>
+                    <m:d>
+                      <m:dPr>
+                        <m:ctrlPr>
+                          <a:rPr lang="pt-BR" i="1">
+                            <a:latin typeface="Cambria Math" panose="02040503050406030204" pitchFamily="18" charset="0"/>
+                          </a:rPr>
+                        </m:ctrlPr>
+                      </m:dPr>
+                      <m:e>
+                        <m:r>
+                          <a:rPr lang="pt-BR" i="1">
+                            <a:latin typeface="Cambria Math" panose="02040503050406030204" pitchFamily="18" charset="0"/>
+                          </a:rPr>
+                          <m:t>𝑖</m:t>
+                        </m:r>
+                      </m:e>
+                    </m:d>
+                    <m:func>
+                      <m:funcPr>
+                        <m:ctrlPr>
+                          <a:rPr lang="pt-BR" i="1">
+                            <a:latin typeface="Cambria Math" panose="02040503050406030204" pitchFamily="18" charset="0"/>
+                          </a:rPr>
+                        </m:ctrlPr>
+                      </m:funcPr>
+                      <m:fName>
+                        <m:r>
+                          <m:rPr>
+                            <m:sty m:val="p"/>
+                          </m:rPr>
+                          <a:rPr lang="pt-BR">
+                            <a:latin typeface="Cambria Math" panose="02040503050406030204" pitchFamily="18" charset="0"/>
+                          </a:rPr>
+                          <m:t>log</m:t>
+                        </m:r>
+                      </m:fName>
+                      <m:e>
+                        <m:d>
+                          <m:dPr>
+                            <m:ctrlPr>
+                              <a:rPr lang="pt-BR" i="1">
+                                <a:latin typeface="Cambria Math" panose="02040503050406030204" pitchFamily="18" charset="0"/>
+                              </a:rPr>
+                            </m:ctrlPr>
+                          </m:dPr>
+                          <m:e>
+                            <m:r>
+                              <a:rPr lang="pt-BR" i="1">
+                                <a:latin typeface="Cambria Math" panose="02040503050406030204" pitchFamily="18" charset="0"/>
+                              </a:rPr>
+                              <m:t>1+</m:t>
+                            </m:r>
+                            <m:sSup>
+                              <m:sSupPr>
+                                <m:ctrlPr>
+                                  <a:rPr lang="pt-BR" i="1">
+                                    <a:latin typeface="Cambria Math" panose="02040503050406030204" pitchFamily="18" charset="0"/>
+                                  </a:rPr>
+                                </m:ctrlPr>
+                              </m:sSupPr>
+                              <m:e>
+                                <m:r>
+                                  <a:rPr lang="pt-BR" i="1">
+                                    <a:latin typeface="Cambria Math" panose="02040503050406030204" pitchFamily="18" charset="0"/>
+                                  </a:rPr>
+                                  <m:t>𝑒</m:t>
+                                </m:r>
+                              </m:e>
+                              <m:sup>
+                                <m:r>
+                                  <a:rPr lang="pt-BR" b="0" i="1" smtClean="0">
+                                    <a:latin typeface="Cambria Math" panose="02040503050406030204" pitchFamily="18" charset="0"/>
+                                  </a:rPr>
+                                  <m:t>−</m:t>
+                                </m:r>
+                                <m:sSup>
+                                  <m:sSupPr>
+                                    <m:ctrlPr>
+                                      <a:rPr lang="pt-BR" i="1">
+                                        <a:latin typeface="Cambria Math" panose="02040503050406030204" pitchFamily="18" charset="0"/>
+                                      </a:rPr>
+                                    </m:ctrlPr>
+                                  </m:sSupPr>
+                                  <m:e>
+                                    <m:r>
+                                      <a:rPr lang="pt-BR" b="1" i="1">
+                                        <a:latin typeface="Cambria Math" panose="02040503050406030204" pitchFamily="18" charset="0"/>
+                                      </a:rPr>
+                                      <m:t>𝒙</m:t>
+                                    </m:r>
+                                    <m:r>
+                                      <a:rPr lang="pt-BR" i="1">
+                                        <a:latin typeface="Cambria Math" panose="02040503050406030204" pitchFamily="18" charset="0"/>
+                                      </a:rPr>
+                                      <m:t>(</m:t>
+                                    </m:r>
+                                    <m:r>
+                                      <a:rPr lang="pt-BR" i="1">
+                                        <a:latin typeface="Cambria Math" panose="02040503050406030204" pitchFamily="18" charset="0"/>
+                                      </a:rPr>
+                                      <m:t>𝑖</m:t>
+                                    </m:r>
+                                    <m:r>
+                                      <a:rPr lang="pt-BR" i="1">
+                                        <a:latin typeface="Cambria Math" panose="02040503050406030204" pitchFamily="18" charset="0"/>
+                                      </a:rPr>
+                                      <m:t>)</m:t>
+                                    </m:r>
+                                  </m:e>
+                                  <m:sup>
+                                    <m:r>
+                                      <a:rPr lang="pt-BR" i="1">
+                                        <a:latin typeface="Cambria Math" panose="02040503050406030204" pitchFamily="18" charset="0"/>
+                                      </a:rPr>
+                                      <m:t>𝑇</m:t>
+                                    </m:r>
+                                  </m:sup>
+                                </m:sSup>
+                                <m:r>
+                                  <a:rPr lang="pt-BR" b="1" i="1">
+                                    <a:latin typeface="Cambria Math" panose="02040503050406030204" pitchFamily="18" charset="0"/>
+                                  </a:rPr>
+                                  <m:t>𝒂</m:t>
+                                </m:r>
+                              </m:sup>
+                            </m:sSup>
+                          </m:e>
+                        </m:d>
+                      </m:e>
+                    </m:func>
+                  </m:oMath>
+                </a14:m>
+                <a:r>
+                  <a:rPr lang="pt-BR" dirty="0" smtClean="0"/>
+                  <a:t> </a:t>
+                </a:r>
+                <a:r>
+                  <a:rPr lang="pt-BR" dirty="0"/>
+                  <a:t>é cancelado com um dos elementos gerados a partir do produto envolvido no segundo termo, de </a:t>
+                </a:r>
+                <a:r>
+                  <a:rPr lang="pt-BR" dirty="0" smtClean="0"/>
+                  <a:t>forma que</a:t>
+                </a:r>
+              </a:p>
+              <a:p>
+                <a:pPr marL="0" indent="0" algn="ctr">
+                  <a:buNone/>
+                </a:pPr>
+                <a14:m>
+                  <m:oMath xmlns:m="http://schemas.openxmlformats.org/officeDocument/2006/math">
+                    <m:sSub>
+                      <m:sSubPr>
+                        <m:ctrlPr>
+                          <a:rPr lang="pt-BR" sz="2400" i="1">
+                            <a:latin typeface="Cambria Math" panose="02040503050406030204" pitchFamily="18" charset="0"/>
+                          </a:rPr>
+                        </m:ctrlPr>
+                      </m:sSubPr>
+                      <m:e>
+                        <m:r>
+                          <a:rPr lang="pt-BR" sz="2400" i="1">
+                            <a:latin typeface="Cambria Math" panose="02040503050406030204" pitchFamily="18" charset="0"/>
+                          </a:rPr>
+                          <m:t>𝐽</m:t>
+                        </m:r>
+                      </m:e>
+                      <m:sub>
+                        <m:r>
+                          <a:rPr lang="pt-BR" sz="2400" i="1">
+                            <a:latin typeface="Cambria Math" panose="02040503050406030204" pitchFamily="18" charset="0"/>
+                          </a:rPr>
+                          <m:t>𝑒</m:t>
+                        </m:r>
+                      </m:sub>
+                    </m:sSub>
+                    <m:d>
+                      <m:dPr>
+                        <m:ctrlPr>
+                          <a:rPr lang="pt-BR" sz="2400" i="1">
+                            <a:latin typeface="Cambria Math" panose="02040503050406030204" pitchFamily="18" charset="0"/>
+                          </a:rPr>
+                        </m:ctrlPr>
+                      </m:dPr>
+                      <m:e>
+                        <m:r>
+                          <a:rPr lang="pt-BR" sz="2400" b="1" i="1">
+                            <a:latin typeface="Cambria Math" panose="02040503050406030204" pitchFamily="18" charset="0"/>
+                          </a:rPr>
+                          <m:t>𝒂</m:t>
+                        </m:r>
+                      </m:e>
+                    </m:d>
+                    <m:r>
+                      <a:rPr lang="pt-BR" sz="2400" i="1">
+                        <a:latin typeface="Cambria Math" panose="02040503050406030204" pitchFamily="18" charset="0"/>
+                      </a:rPr>
+                      <m:t>=−</m:t>
+                    </m:r>
+                    <m:f>
+                      <m:fPr>
+                        <m:ctrlPr>
+                          <a:rPr lang="pt-BR" sz="2400" i="1">
+                            <a:latin typeface="Cambria Math" panose="02040503050406030204" pitchFamily="18" charset="0"/>
+                          </a:rPr>
+                        </m:ctrlPr>
+                      </m:fPr>
+                      <m:num>
+                        <m:r>
+                          <a:rPr lang="pt-BR" sz="2400" i="1">
+                            <a:latin typeface="Cambria Math" panose="02040503050406030204" pitchFamily="18" charset="0"/>
+                          </a:rPr>
+                          <m:t>1</m:t>
+                        </m:r>
+                      </m:num>
+                      <m:den>
+                        <m:r>
+                          <a:rPr lang="pt-BR" sz="2400" i="1">
+                            <a:latin typeface="Cambria Math" panose="02040503050406030204" pitchFamily="18" charset="0"/>
+                          </a:rPr>
+                          <m:t>𝑁</m:t>
+                        </m:r>
+                      </m:den>
+                    </m:f>
+                    <m:nary>
+                      <m:naryPr>
+                        <m:chr m:val="∑"/>
+                        <m:ctrlPr>
+                          <a:rPr lang="pt-BR" sz="2400" i="1" smtClean="0">
+                            <a:latin typeface="Cambria Math" panose="02040503050406030204" pitchFamily="18" charset="0"/>
+                          </a:rPr>
+                        </m:ctrlPr>
+                      </m:naryPr>
+                      <m:sub>
+                        <m:r>
+                          <m:rPr>
+                            <m:brk m:alnAt="23"/>
+                          </m:rPr>
+                          <a:rPr lang="pt-BR" sz="2400" i="1">
+                            <a:latin typeface="Cambria Math" panose="02040503050406030204" pitchFamily="18" charset="0"/>
+                          </a:rPr>
+                          <m:t>𝑖</m:t>
+                        </m:r>
+                        <m:r>
+                          <a:rPr lang="pt-BR" sz="2400" i="1">
+                            <a:latin typeface="Cambria Math" panose="02040503050406030204" pitchFamily="18" charset="0"/>
+                          </a:rPr>
+                          <m:t>=0</m:t>
+                        </m:r>
+                      </m:sub>
+                      <m:sup>
+                        <m:r>
+                          <a:rPr lang="pt-BR" sz="2400" i="1">
+                            <a:latin typeface="Cambria Math" panose="02040503050406030204" pitchFamily="18" charset="0"/>
+                          </a:rPr>
+                          <m:t>𝑁</m:t>
+                        </m:r>
+                        <m:r>
+                          <a:rPr lang="pt-BR" sz="2400" i="1">
+                            <a:latin typeface="Cambria Math" panose="02040503050406030204" pitchFamily="18" charset="0"/>
+                          </a:rPr>
+                          <m:t>−1</m:t>
+                        </m:r>
+                      </m:sup>
+                      <m:e>
+                        <m:r>
+                          <a:rPr lang="pt-BR" sz="2400" b="0" i="1" smtClean="0">
+                            <a:latin typeface="Cambria Math" panose="02040503050406030204" pitchFamily="18" charset="0"/>
+                          </a:rPr>
+                          <m:t>−</m:t>
+                        </m:r>
+                        <m:sSup>
+                          <m:sSupPr>
+                            <m:ctrlPr>
+                              <a:rPr lang="pt-BR" sz="2400" i="1">
+                                <a:latin typeface="Cambria Math" panose="02040503050406030204" pitchFamily="18" charset="0"/>
+                              </a:rPr>
+                            </m:ctrlPr>
+                          </m:sSupPr>
+                          <m:e>
+                            <m:r>
+                              <a:rPr lang="pt-BR" sz="2400" b="1" i="1">
+                                <a:latin typeface="Cambria Math" panose="02040503050406030204" pitchFamily="18" charset="0"/>
+                              </a:rPr>
+                              <m:t>𝒙</m:t>
+                            </m:r>
+                            <m:r>
+                              <a:rPr lang="pt-BR" sz="2400" i="1">
+                                <a:latin typeface="Cambria Math" panose="02040503050406030204" pitchFamily="18" charset="0"/>
+                              </a:rPr>
+                              <m:t>(</m:t>
+                            </m:r>
+                            <m:r>
+                              <a:rPr lang="pt-BR" sz="2400" i="1">
+                                <a:latin typeface="Cambria Math" panose="02040503050406030204" pitchFamily="18" charset="0"/>
+                              </a:rPr>
+                              <m:t>𝑖</m:t>
+                            </m:r>
+                            <m:r>
+                              <a:rPr lang="pt-BR" sz="2400" i="1">
+                                <a:latin typeface="Cambria Math" panose="02040503050406030204" pitchFamily="18" charset="0"/>
+                              </a:rPr>
+                              <m:t>)</m:t>
+                            </m:r>
+                          </m:e>
+                          <m:sup>
+                            <m:r>
+                              <a:rPr lang="pt-BR" sz="2400" i="1">
+                                <a:latin typeface="Cambria Math" panose="02040503050406030204" pitchFamily="18" charset="0"/>
+                              </a:rPr>
+                              <m:t>𝑇</m:t>
+                            </m:r>
+                          </m:sup>
+                        </m:sSup>
+                        <m:r>
+                          <a:rPr lang="pt-BR" sz="2400" b="1" i="1">
+                            <a:latin typeface="Cambria Math" panose="02040503050406030204" pitchFamily="18" charset="0"/>
+                          </a:rPr>
+                          <m:t>𝒂</m:t>
+                        </m:r>
+                        <m:r>
+                          <a:rPr lang="pt-BR" sz="2400" b="0" i="1" smtClean="0">
+                            <a:latin typeface="Cambria Math" panose="02040503050406030204" pitchFamily="18" charset="0"/>
+                          </a:rPr>
+                          <m:t>+</m:t>
+                        </m:r>
+                        <m:r>
+                          <a:rPr lang="pt-BR" sz="2400" i="1">
+                            <a:latin typeface="Cambria Math" panose="02040503050406030204" pitchFamily="18" charset="0"/>
+                          </a:rPr>
+                          <m:t>𝑦</m:t>
+                        </m:r>
+                        <m:d>
+                          <m:dPr>
+                            <m:ctrlPr>
+                              <a:rPr lang="pt-BR" sz="2400" i="1">
+                                <a:latin typeface="Cambria Math" panose="02040503050406030204" pitchFamily="18" charset="0"/>
+                              </a:rPr>
+                            </m:ctrlPr>
+                          </m:dPr>
+                          <m:e>
+                            <m:r>
+                              <a:rPr lang="pt-BR" sz="2400" i="1">
+                                <a:latin typeface="Cambria Math" panose="02040503050406030204" pitchFamily="18" charset="0"/>
+                              </a:rPr>
+                              <m:t>𝑖</m:t>
+                            </m:r>
+                          </m:e>
+                        </m:d>
+                        <m:sSup>
+                          <m:sSupPr>
+                            <m:ctrlPr>
+                              <a:rPr lang="pt-BR" sz="2400" i="1">
+                                <a:latin typeface="Cambria Math" panose="02040503050406030204" pitchFamily="18" charset="0"/>
+                              </a:rPr>
+                            </m:ctrlPr>
+                          </m:sSupPr>
+                          <m:e>
+                            <m:r>
+                              <a:rPr lang="pt-BR" sz="2400" b="1" i="1">
+                                <a:latin typeface="Cambria Math" panose="02040503050406030204" pitchFamily="18" charset="0"/>
+                              </a:rPr>
+                              <m:t>𝒙</m:t>
+                            </m:r>
+                            <m:r>
+                              <a:rPr lang="pt-BR" sz="2400" i="1">
+                                <a:latin typeface="Cambria Math" panose="02040503050406030204" pitchFamily="18" charset="0"/>
+                              </a:rPr>
+                              <m:t>(</m:t>
+                            </m:r>
+                            <m:r>
+                              <a:rPr lang="pt-BR" sz="2400" i="1">
+                                <a:latin typeface="Cambria Math" panose="02040503050406030204" pitchFamily="18" charset="0"/>
+                              </a:rPr>
+                              <m:t>𝑖</m:t>
+                            </m:r>
+                            <m:r>
+                              <a:rPr lang="pt-BR" sz="2400" i="1">
+                                <a:latin typeface="Cambria Math" panose="02040503050406030204" pitchFamily="18" charset="0"/>
+                              </a:rPr>
+                              <m:t>)</m:t>
+                            </m:r>
+                          </m:e>
+                          <m:sup>
+                            <m:r>
+                              <a:rPr lang="pt-BR" sz="2400" i="1">
+                                <a:latin typeface="Cambria Math" panose="02040503050406030204" pitchFamily="18" charset="0"/>
+                              </a:rPr>
+                              <m:t>𝑇</m:t>
+                            </m:r>
+                          </m:sup>
+                        </m:sSup>
+                        <m:r>
+                          <a:rPr lang="pt-BR" sz="2400" b="1" i="1">
+                            <a:latin typeface="Cambria Math" panose="02040503050406030204" pitchFamily="18" charset="0"/>
+                          </a:rPr>
+                          <m:t>𝒂</m:t>
+                        </m:r>
+                        <m:r>
+                          <a:rPr lang="pt-BR" sz="2400" b="1" i="1" smtClean="0">
+                            <a:latin typeface="Cambria Math" panose="02040503050406030204" pitchFamily="18" charset="0"/>
+                          </a:rPr>
+                          <m:t>−</m:t>
+                        </m:r>
+                        <m:func>
+                          <m:funcPr>
+                            <m:ctrlPr>
+                              <a:rPr lang="pt-BR" sz="2400" i="1">
+                                <a:latin typeface="Cambria Math" panose="02040503050406030204" pitchFamily="18" charset="0"/>
+                              </a:rPr>
+                            </m:ctrlPr>
+                          </m:funcPr>
+                          <m:fName>
+                            <m:r>
+                              <m:rPr>
+                                <m:sty m:val="p"/>
+                              </m:rPr>
+                              <a:rPr lang="pt-BR" sz="2400">
+                                <a:latin typeface="Cambria Math" panose="02040503050406030204" pitchFamily="18" charset="0"/>
+                              </a:rPr>
+                              <m:t>log</m:t>
+                            </m:r>
+                          </m:fName>
+                          <m:e>
+                            <m:d>
+                              <m:dPr>
+                                <m:ctrlPr>
+                                  <a:rPr lang="pt-BR" sz="2400" i="1">
+                                    <a:latin typeface="Cambria Math" panose="02040503050406030204" pitchFamily="18" charset="0"/>
+                                  </a:rPr>
+                                </m:ctrlPr>
+                              </m:dPr>
+                              <m:e>
+                                <m:r>
+                                  <a:rPr lang="pt-BR" sz="2400" i="1">
+                                    <a:latin typeface="Cambria Math" panose="02040503050406030204" pitchFamily="18" charset="0"/>
+                                  </a:rPr>
+                                  <m:t>1+</m:t>
+                                </m:r>
+                                <m:sSup>
+                                  <m:sSupPr>
+                                    <m:ctrlPr>
+                                      <a:rPr lang="pt-BR" sz="2400" i="1">
+                                        <a:latin typeface="Cambria Math" panose="02040503050406030204" pitchFamily="18" charset="0"/>
+                                      </a:rPr>
+                                    </m:ctrlPr>
+                                  </m:sSupPr>
+                                  <m:e>
+                                    <m:r>
+                                      <a:rPr lang="pt-BR" sz="2400" i="1">
+                                        <a:latin typeface="Cambria Math" panose="02040503050406030204" pitchFamily="18" charset="0"/>
+                                      </a:rPr>
+                                      <m:t>𝑒</m:t>
+                                    </m:r>
+                                  </m:e>
+                                  <m:sup>
+                                    <m:r>
+                                      <a:rPr lang="pt-BR" sz="2400" b="1" i="1" smtClean="0">
+                                        <a:latin typeface="Cambria Math" panose="02040503050406030204" pitchFamily="18" charset="0"/>
+                                      </a:rPr>
+                                      <m:t>−</m:t>
+                                    </m:r>
+                                    <m:sSup>
+                                      <m:sSupPr>
+                                        <m:ctrlPr>
+                                          <a:rPr lang="pt-BR" sz="2400" i="1">
+                                            <a:latin typeface="Cambria Math" panose="02040503050406030204" pitchFamily="18" charset="0"/>
+                                          </a:rPr>
+                                        </m:ctrlPr>
+                                      </m:sSupPr>
+                                      <m:e>
+                                        <m:r>
+                                          <a:rPr lang="pt-BR" sz="2400" b="1" i="1">
+                                            <a:latin typeface="Cambria Math" panose="02040503050406030204" pitchFamily="18" charset="0"/>
+                                          </a:rPr>
+                                          <m:t>𝒙</m:t>
+                                        </m:r>
+                                        <m:r>
+                                          <a:rPr lang="pt-BR" sz="2400" i="1">
+                                            <a:latin typeface="Cambria Math" panose="02040503050406030204" pitchFamily="18" charset="0"/>
+                                          </a:rPr>
+                                          <m:t>(</m:t>
+                                        </m:r>
+                                        <m:r>
+                                          <a:rPr lang="pt-BR" sz="2400" i="1">
+                                            <a:latin typeface="Cambria Math" panose="02040503050406030204" pitchFamily="18" charset="0"/>
+                                          </a:rPr>
+                                          <m:t>𝑖</m:t>
+                                        </m:r>
+                                        <m:r>
+                                          <a:rPr lang="pt-BR" sz="2400" i="1">
+                                            <a:latin typeface="Cambria Math" panose="02040503050406030204" pitchFamily="18" charset="0"/>
+                                          </a:rPr>
+                                          <m:t>)</m:t>
+                                        </m:r>
+                                      </m:e>
+                                      <m:sup>
+                                        <m:r>
+                                          <a:rPr lang="pt-BR" sz="2400" i="1">
+                                            <a:latin typeface="Cambria Math" panose="02040503050406030204" pitchFamily="18" charset="0"/>
+                                          </a:rPr>
+                                          <m:t>𝑇</m:t>
+                                        </m:r>
+                                      </m:sup>
+                                    </m:sSup>
+                                    <m:r>
+                                      <a:rPr lang="pt-BR" sz="2400" b="1" i="1">
+                                        <a:latin typeface="Cambria Math" panose="02040503050406030204" pitchFamily="18" charset="0"/>
+                                      </a:rPr>
+                                      <m:t>𝒂</m:t>
+                                    </m:r>
+                                  </m:sup>
+                                </m:sSup>
+                              </m:e>
+                            </m:d>
+                          </m:e>
+                        </m:func>
+                      </m:e>
+                    </m:nary>
+                  </m:oMath>
+                </a14:m>
+                <a:r>
+                  <a:rPr lang="pt-BR" sz="2400" dirty="0" smtClean="0"/>
+                  <a:t>.</a:t>
+                </a:r>
+              </a:p>
+              <a:p>
+                <a:r>
+                  <a:rPr lang="pt-BR" dirty="0" smtClean="0"/>
+                  <a:t>Se </a:t>
+                </a:r>
+                <a14:m>
+                  <m:oMath xmlns:m="http://schemas.openxmlformats.org/officeDocument/2006/math">
+                    <m:r>
+                      <a:rPr lang="pt-BR" b="0" i="0" smtClean="0">
+                        <a:latin typeface="Cambria Math" panose="02040503050406030204" pitchFamily="18" charset="0"/>
+                      </a:rPr>
+                      <m:t>−</m:t>
+                    </m:r>
+                    <m:sSup>
+                      <m:sSupPr>
+                        <m:ctrlPr>
+                          <a:rPr lang="pt-BR" i="1">
+                            <a:latin typeface="Cambria Math" panose="02040503050406030204" pitchFamily="18" charset="0"/>
+                          </a:rPr>
+                        </m:ctrlPr>
+                      </m:sSupPr>
+                      <m:e>
+                        <m:r>
+                          <a:rPr lang="pt-BR" b="1" i="1">
+                            <a:latin typeface="Cambria Math" panose="02040503050406030204" pitchFamily="18" charset="0"/>
+                          </a:rPr>
+                          <m:t>𝒙</m:t>
+                        </m:r>
+                        <m:r>
+                          <a:rPr lang="pt-BR" i="1">
+                            <a:latin typeface="Cambria Math" panose="02040503050406030204" pitchFamily="18" charset="0"/>
+                          </a:rPr>
+                          <m:t>(</m:t>
+                        </m:r>
+                        <m:r>
+                          <a:rPr lang="pt-BR" i="1">
+                            <a:latin typeface="Cambria Math" panose="02040503050406030204" pitchFamily="18" charset="0"/>
+                          </a:rPr>
+                          <m:t>𝑖</m:t>
+                        </m:r>
+                        <m:r>
+                          <a:rPr lang="pt-BR" i="1">
+                            <a:latin typeface="Cambria Math" panose="02040503050406030204" pitchFamily="18" charset="0"/>
+                          </a:rPr>
+                          <m:t>)</m:t>
+                        </m:r>
+                      </m:e>
+                      <m:sup>
+                        <m:r>
+                          <a:rPr lang="pt-BR" i="1">
+                            <a:latin typeface="Cambria Math" panose="02040503050406030204" pitchFamily="18" charset="0"/>
+                          </a:rPr>
+                          <m:t>𝑇</m:t>
+                        </m:r>
+                      </m:sup>
+                    </m:sSup>
+                    <m:r>
+                      <a:rPr lang="pt-BR" b="1" i="1">
+                        <a:latin typeface="Cambria Math" panose="02040503050406030204" pitchFamily="18" charset="0"/>
+                      </a:rPr>
+                      <m:t>𝒂</m:t>
+                    </m:r>
+                    <m:r>
+                      <a:rPr lang="pt-BR" b="1" i="1" smtClean="0">
+                        <a:latin typeface="Cambria Math" panose="02040503050406030204" pitchFamily="18" charset="0"/>
+                      </a:rPr>
+                      <m:t>=</m:t>
+                    </m:r>
+                    <m:func>
+                      <m:funcPr>
+                        <m:ctrlPr>
+                          <a:rPr lang="pt-BR" i="1">
+                            <a:latin typeface="Cambria Math" panose="02040503050406030204" pitchFamily="18" charset="0"/>
+                          </a:rPr>
+                        </m:ctrlPr>
+                      </m:funcPr>
+                      <m:fName>
+                        <m:r>
+                          <a:rPr lang="pt-BR" b="0" i="1" smtClean="0">
+                            <a:latin typeface="Cambria Math" panose="02040503050406030204" pitchFamily="18" charset="0"/>
+                          </a:rPr>
+                          <m:t>−</m:t>
+                        </m:r>
+                        <m:r>
+                          <m:rPr>
+                            <m:sty m:val="p"/>
+                          </m:rPr>
+                          <a:rPr lang="pt-BR">
+                            <a:latin typeface="Cambria Math" panose="02040503050406030204" pitchFamily="18" charset="0"/>
+                          </a:rPr>
+                          <m:t>log</m:t>
+                        </m:r>
+                      </m:fName>
+                      <m:e>
+                        <m:d>
+                          <m:dPr>
+                            <m:ctrlPr>
+                              <a:rPr lang="pt-BR" i="1">
+                                <a:latin typeface="Cambria Math" panose="02040503050406030204" pitchFamily="18" charset="0"/>
+                              </a:rPr>
+                            </m:ctrlPr>
+                          </m:dPr>
+                          <m:e>
+                            <m:sSup>
+                              <m:sSupPr>
+                                <m:ctrlPr>
+                                  <a:rPr lang="pt-BR" i="1" smtClean="0">
+                                    <a:latin typeface="Cambria Math" panose="02040503050406030204" pitchFamily="18" charset="0"/>
+                                  </a:rPr>
+                                </m:ctrlPr>
+                              </m:sSupPr>
+                              <m:e>
+                                <m:r>
+                                  <a:rPr lang="pt-BR" i="1">
+                                    <a:latin typeface="Cambria Math" panose="02040503050406030204" pitchFamily="18" charset="0"/>
+                                  </a:rPr>
+                                  <m:t>𝑒</m:t>
+                                </m:r>
+                              </m:e>
+                              <m:sup>
+                                <m:sSup>
+                                  <m:sSupPr>
+                                    <m:ctrlPr>
+                                      <a:rPr lang="pt-BR" i="1">
+                                        <a:latin typeface="Cambria Math" panose="02040503050406030204" pitchFamily="18" charset="0"/>
+                                      </a:rPr>
+                                    </m:ctrlPr>
+                                  </m:sSupPr>
+                                  <m:e>
+                                    <m:r>
+                                      <a:rPr lang="pt-BR" b="1" i="1">
+                                        <a:latin typeface="Cambria Math" panose="02040503050406030204" pitchFamily="18" charset="0"/>
+                                      </a:rPr>
+                                      <m:t>𝒙</m:t>
+                                    </m:r>
+                                    <m:r>
+                                      <a:rPr lang="pt-BR" i="1">
+                                        <a:latin typeface="Cambria Math" panose="02040503050406030204" pitchFamily="18" charset="0"/>
+                                      </a:rPr>
+                                      <m:t>(</m:t>
+                                    </m:r>
+                                    <m:r>
+                                      <a:rPr lang="pt-BR" i="1">
+                                        <a:latin typeface="Cambria Math" panose="02040503050406030204" pitchFamily="18" charset="0"/>
+                                      </a:rPr>
+                                      <m:t>𝑖</m:t>
+                                    </m:r>
+                                    <m:r>
+                                      <a:rPr lang="pt-BR" i="1">
+                                        <a:latin typeface="Cambria Math" panose="02040503050406030204" pitchFamily="18" charset="0"/>
+                                      </a:rPr>
+                                      <m:t>)</m:t>
+                                    </m:r>
+                                  </m:e>
+                                  <m:sup>
+                                    <m:r>
+                                      <a:rPr lang="pt-BR" i="1">
+                                        <a:latin typeface="Cambria Math" panose="02040503050406030204" pitchFamily="18" charset="0"/>
+                                      </a:rPr>
+                                      <m:t>𝑇</m:t>
+                                    </m:r>
+                                  </m:sup>
+                                </m:sSup>
+                                <m:r>
+                                  <a:rPr lang="pt-BR" b="1" i="1">
+                                    <a:latin typeface="Cambria Math" panose="02040503050406030204" pitchFamily="18" charset="0"/>
+                                  </a:rPr>
+                                  <m:t>𝒂</m:t>
+                                </m:r>
+                              </m:sup>
+                            </m:sSup>
+                          </m:e>
+                        </m:d>
+                      </m:e>
+                    </m:func>
+                  </m:oMath>
+                </a14:m>
+                <a:r>
+                  <a:rPr lang="pt-BR" dirty="0" smtClean="0"/>
+                  <a:t>, então</a:t>
+                </a:r>
+              </a:p>
+              <a:p>
+                <a:pPr marL="0" indent="0" algn="ctr">
+                  <a:buNone/>
+                </a:pPr>
+                <a14:m>
+                  <m:oMath xmlns:m="http://schemas.openxmlformats.org/officeDocument/2006/math">
+                    <m:r>
+                      <a:rPr lang="pt-BR" b="0" i="1" smtClean="0">
+                        <a:latin typeface="Cambria Math" panose="02040503050406030204" pitchFamily="18" charset="0"/>
+                      </a:rPr>
+                      <m:t>−</m:t>
+                    </m:r>
+                    <m:sSup>
+                      <m:sSupPr>
+                        <m:ctrlPr>
+                          <a:rPr lang="pt-BR" i="1">
+                            <a:latin typeface="Cambria Math" panose="02040503050406030204" pitchFamily="18" charset="0"/>
+                          </a:rPr>
+                        </m:ctrlPr>
+                      </m:sSupPr>
+                      <m:e>
+                        <m:r>
+                          <a:rPr lang="pt-BR" b="1" i="1">
+                            <a:latin typeface="Cambria Math" panose="02040503050406030204" pitchFamily="18" charset="0"/>
+                          </a:rPr>
+                          <m:t>𝒙</m:t>
+                        </m:r>
+                        <m:r>
+                          <a:rPr lang="pt-BR" i="1">
+                            <a:latin typeface="Cambria Math" panose="02040503050406030204" pitchFamily="18" charset="0"/>
+                          </a:rPr>
+                          <m:t>(</m:t>
+                        </m:r>
+                        <m:r>
+                          <a:rPr lang="pt-BR" i="1">
+                            <a:latin typeface="Cambria Math" panose="02040503050406030204" pitchFamily="18" charset="0"/>
+                          </a:rPr>
+                          <m:t>𝑖</m:t>
+                        </m:r>
+                        <m:r>
+                          <a:rPr lang="pt-BR" i="1">
+                            <a:latin typeface="Cambria Math" panose="02040503050406030204" pitchFamily="18" charset="0"/>
+                          </a:rPr>
+                          <m:t>)</m:t>
+                        </m:r>
+                      </m:e>
+                      <m:sup>
+                        <m:r>
+                          <a:rPr lang="pt-BR" i="1">
+                            <a:latin typeface="Cambria Math" panose="02040503050406030204" pitchFamily="18" charset="0"/>
+                          </a:rPr>
+                          <m:t>𝑇</m:t>
+                        </m:r>
+                      </m:sup>
+                    </m:sSup>
+                    <m:r>
+                      <a:rPr lang="pt-BR" b="1" i="1">
+                        <a:latin typeface="Cambria Math" panose="02040503050406030204" pitchFamily="18" charset="0"/>
+                      </a:rPr>
+                      <m:t>𝒂</m:t>
+                    </m:r>
+                    <m:r>
+                      <a:rPr lang="pt-BR" b="1" i="1">
+                        <a:latin typeface="Cambria Math" panose="02040503050406030204" pitchFamily="18" charset="0"/>
+                      </a:rPr>
+                      <m:t>−</m:t>
+                    </m:r>
+                    <m:func>
+                      <m:funcPr>
+                        <m:ctrlPr>
+                          <a:rPr lang="pt-BR" i="1">
+                            <a:latin typeface="Cambria Math" panose="02040503050406030204" pitchFamily="18" charset="0"/>
+                          </a:rPr>
+                        </m:ctrlPr>
+                      </m:funcPr>
+                      <m:fName>
+                        <m:r>
+                          <m:rPr>
+                            <m:sty m:val="p"/>
+                          </m:rPr>
+                          <a:rPr lang="pt-BR">
+                            <a:latin typeface="Cambria Math" panose="02040503050406030204" pitchFamily="18" charset="0"/>
+                          </a:rPr>
+                          <m:t>log</m:t>
+                        </m:r>
+                      </m:fName>
+                      <m:e>
+                        <m:d>
+                          <m:dPr>
+                            <m:ctrlPr>
+                              <a:rPr lang="pt-BR" i="1">
+                                <a:latin typeface="Cambria Math" panose="02040503050406030204" pitchFamily="18" charset="0"/>
+                              </a:rPr>
+                            </m:ctrlPr>
+                          </m:dPr>
+                          <m:e>
+                            <m:r>
+                              <a:rPr lang="pt-BR" i="1">
+                                <a:latin typeface="Cambria Math" panose="02040503050406030204" pitchFamily="18" charset="0"/>
+                              </a:rPr>
+                              <m:t>1+</m:t>
+                            </m:r>
+                            <m:sSup>
+                              <m:sSupPr>
+                                <m:ctrlPr>
+                                  <a:rPr lang="pt-BR" i="1">
+                                    <a:latin typeface="Cambria Math" panose="02040503050406030204" pitchFamily="18" charset="0"/>
+                                  </a:rPr>
+                                </m:ctrlPr>
+                              </m:sSupPr>
+                              <m:e>
+                                <m:r>
+                                  <a:rPr lang="pt-BR" i="1">
+                                    <a:latin typeface="Cambria Math" panose="02040503050406030204" pitchFamily="18" charset="0"/>
+                                  </a:rPr>
+                                  <m:t>𝑒</m:t>
+                                </m:r>
+                              </m:e>
+                              <m:sup>
+                                <m:r>
+                                  <a:rPr lang="pt-BR" b="1" i="1" smtClean="0">
+                                    <a:latin typeface="Cambria Math" panose="02040503050406030204" pitchFamily="18" charset="0"/>
+                                  </a:rPr>
+                                  <m:t>−</m:t>
+                                </m:r>
+                                <m:sSup>
+                                  <m:sSupPr>
+                                    <m:ctrlPr>
+                                      <a:rPr lang="pt-BR" i="1">
+                                        <a:latin typeface="Cambria Math" panose="02040503050406030204" pitchFamily="18" charset="0"/>
+                                      </a:rPr>
+                                    </m:ctrlPr>
+                                  </m:sSupPr>
+                                  <m:e>
+                                    <m:r>
+                                      <a:rPr lang="pt-BR" b="1" i="1">
+                                        <a:latin typeface="Cambria Math" panose="02040503050406030204" pitchFamily="18" charset="0"/>
+                                      </a:rPr>
+                                      <m:t>𝒙</m:t>
+                                    </m:r>
+                                    <m:r>
+                                      <a:rPr lang="pt-BR" i="1">
+                                        <a:latin typeface="Cambria Math" panose="02040503050406030204" pitchFamily="18" charset="0"/>
+                                      </a:rPr>
+                                      <m:t>(</m:t>
+                                    </m:r>
+                                    <m:r>
+                                      <a:rPr lang="pt-BR" i="1">
+                                        <a:latin typeface="Cambria Math" panose="02040503050406030204" pitchFamily="18" charset="0"/>
+                                      </a:rPr>
+                                      <m:t>𝑖</m:t>
+                                    </m:r>
+                                    <m:r>
+                                      <a:rPr lang="pt-BR" i="1">
+                                        <a:latin typeface="Cambria Math" panose="02040503050406030204" pitchFamily="18" charset="0"/>
+                                      </a:rPr>
+                                      <m:t>)</m:t>
+                                    </m:r>
+                                  </m:e>
+                                  <m:sup>
+                                    <m:r>
+                                      <a:rPr lang="pt-BR" i="1">
+                                        <a:latin typeface="Cambria Math" panose="02040503050406030204" pitchFamily="18" charset="0"/>
+                                      </a:rPr>
+                                      <m:t>𝑇</m:t>
+                                    </m:r>
+                                  </m:sup>
+                                </m:sSup>
+                                <m:r>
+                                  <a:rPr lang="pt-BR" b="1" i="1">
+                                    <a:latin typeface="Cambria Math" panose="02040503050406030204" pitchFamily="18" charset="0"/>
+                                  </a:rPr>
+                                  <m:t>𝒂</m:t>
+                                </m:r>
+                              </m:sup>
+                            </m:sSup>
+                          </m:e>
+                        </m:d>
+                        <m:r>
+                          <a:rPr lang="pt-BR" b="1" i="1" smtClean="0">
+                            <a:latin typeface="Cambria Math" panose="02040503050406030204" pitchFamily="18" charset="0"/>
+                          </a:rPr>
+                          <m:t>=</m:t>
+                        </m:r>
+                      </m:e>
+                    </m:func>
+                    <m:r>
+                      <a:rPr lang="pt-BR" b="1" i="1">
+                        <a:latin typeface="Cambria Math" panose="02040503050406030204" pitchFamily="18" charset="0"/>
+                      </a:rPr>
+                      <m:t>−</m:t>
+                    </m:r>
+                    <m:func>
+                      <m:funcPr>
+                        <m:ctrlPr>
+                          <a:rPr lang="pt-BR" i="1">
+                            <a:latin typeface="Cambria Math" panose="02040503050406030204" pitchFamily="18" charset="0"/>
+                          </a:rPr>
+                        </m:ctrlPr>
+                      </m:funcPr>
+                      <m:fName>
+                        <m:r>
+                          <m:rPr>
+                            <m:sty m:val="p"/>
+                          </m:rPr>
+                          <a:rPr lang="pt-BR">
+                            <a:latin typeface="Cambria Math" panose="02040503050406030204" pitchFamily="18" charset="0"/>
+                          </a:rPr>
+                          <m:t>log</m:t>
+                        </m:r>
+                      </m:fName>
+                      <m:e>
+                        <m:d>
+                          <m:dPr>
+                            <m:ctrlPr>
+                              <a:rPr lang="pt-BR" i="1">
+                                <a:latin typeface="Cambria Math" panose="02040503050406030204" pitchFamily="18" charset="0"/>
+                              </a:rPr>
+                            </m:ctrlPr>
+                          </m:dPr>
+                          <m:e>
+                            <m:r>
+                              <a:rPr lang="pt-BR" i="1">
+                                <a:latin typeface="Cambria Math" panose="02040503050406030204" pitchFamily="18" charset="0"/>
+                              </a:rPr>
+                              <m:t>1+</m:t>
+                            </m:r>
+                            <m:sSup>
+                              <m:sSupPr>
+                                <m:ctrlPr>
+                                  <a:rPr lang="pt-BR" i="1">
+                                    <a:latin typeface="Cambria Math" panose="02040503050406030204" pitchFamily="18" charset="0"/>
+                                  </a:rPr>
+                                </m:ctrlPr>
+                              </m:sSupPr>
+                              <m:e>
+                                <m:r>
+                                  <a:rPr lang="pt-BR" i="1">
+                                    <a:latin typeface="Cambria Math" panose="02040503050406030204" pitchFamily="18" charset="0"/>
+                                  </a:rPr>
+                                  <m:t>𝑒</m:t>
+                                </m:r>
+                              </m:e>
+                              <m:sup>
+                                <m:sSup>
+                                  <m:sSupPr>
+                                    <m:ctrlPr>
+                                      <a:rPr lang="pt-BR" i="1">
+                                        <a:latin typeface="Cambria Math" panose="02040503050406030204" pitchFamily="18" charset="0"/>
+                                      </a:rPr>
+                                    </m:ctrlPr>
+                                  </m:sSupPr>
+                                  <m:e>
+                                    <m:r>
+                                      <a:rPr lang="pt-BR" b="1" i="1">
+                                        <a:latin typeface="Cambria Math" panose="02040503050406030204" pitchFamily="18" charset="0"/>
+                                      </a:rPr>
+                                      <m:t>𝒙</m:t>
+                                    </m:r>
+                                    <m:r>
+                                      <a:rPr lang="pt-BR" i="1">
+                                        <a:latin typeface="Cambria Math" panose="02040503050406030204" pitchFamily="18" charset="0"/>
+                                      </a:rPr>
+                                      <m:t>(</m:t>
+                                    </m:r>
+                                    <m:r>
+                                      <a:rPr lang="pt-BR" i="1">
+                                        <a:latin typeface="Cambria Math" panose="02040503050406030204" pitchFamily="18" charset="0"/>
+                                      </a:rPr>
+                                      <m:t>𝑖</m:t>
+                                    </m:r>
+                                    <m:r>
+                                      <a:rPr lang="pt-BR" i="1">
+                                        <a:latin typeface="Cambria Math" panose="02040503050406030204" pitchFamily="18" charset="0"/>
+                                      </a:rPr>
+                                      <m:t>)</m:t>
+                                    </m:r>
+                                  </m:e>
+                                  <m:sup>
+                                    <m:r>
+                                      <a:rPr lang="pt-BR" i="1">
+                                        <a:latin typeface="Cambria Math" panose="02040503050406030204" pitchFamily="18" charset="0"/>
+                                      </a:rPr>
+                                      <m:t>𝑇</m:t>
+                                    </m:r>
+                                  </m:sup>
+                                </m:sSup>
+                                <m:r>
+                                  <a:rPr lang="pt-BR" b="1" i="1">
+                                    <a:latin typeface="Cambria Math" panose="02040503050406030204" pitchFamily="18" charset="0"/>
+                                  </a:rPr>
+                                  <m:t>𝒂</m:t>
+                                </m:r>
+                              </m:sup>
+                            </m:sSup>
+                          </m:e>
+                        </m:d>
+                      </m:e>
+                    </m:func>
+                  </m:oMath>
+                </a14:m>
+                <a:r>
+                  <a:rPr lang="pt-BR" dirty="0" smtClean="0"/>
+                  <a:t>.</a:t>
+                </a:r>
+              </a:p>
+              <a:p>
+                <a:r>
+                  <a:rPr lang="pt-BR" dirty="0" smtClean="0"/>
+                  <a:t>Desta forma, a </a:t>
+                </a:r>
+                <a:r>
+                  <a:rPr lang="pt-BR" b="1" i="1" dirty="0" smtClean="0"/>
+                  <a:t>função de erro médio </a:t>
+                </a:r>
+                <a:r>
+                  <a:rPr lang="pt-BR" dirty="0" smtClean="0"/>
+                  <a:t>se torna</a:t>
+                </a:r>
+                <a:endParaRPr lang="pt-BR" dirty="0"/>
+              </a:p>
+              <a:p>
+                <a:pPr marL="0" indent="0" algn="ctr">
+                  <a:buNone/>
+                </a:pPr>
+                <a14:m>
+                  <m:oMath xmlns:m="http://schemas.openxmlformats.org/officeDocument/2006/math">
+                    <m:sSub>
+                      <m:sSubPr>
+                        <m:ctrlPr>
+                          <a:rPr lang="pt-BR" i="1">
+                            <a:latin typeface="Cambria Math" panose="02040503050406030204" pitchFamily="18" charset="0"/>
+                          </a:rPr>
+                        </m:ctrlPr>
+                      </m:sSubPr>
+                      <m:e>
+                        <m:r>
+                          <a:rPr lang="pt-BR" i="1">
+                            <a:latin typeface="Cambria Math" panose="02040503050406030204" pitchFamily="18" charset="0"/>
+                          </a:rPr>
+                          <m:t>𝐽</m:t>
+                        </m:r>
+                      </m:e>
+                      <m:sub>
+                        <m:r>
+                          <a:rPr lang="pt-BR" i="1">
+                            <a:latin typeface="Cambria Math" panose="02040503050406030204" pitchFamily="18" charset="0"/>
+                          </a:rPr>
+                          <m:t>𝑒</m:t>
+                        </m:r>
+                      </m:sub>
+                    </m:sSub>
+                    <m:d>
+                      <m:dPr>
+                        <m:ctrlPr>
+                          <a:rPr lang="pt-BR" i="1">
+                            <a:latin typeface="Cambria Math" panose="02040503050406030204" pitchFamily="18" charset="0"/>
+                          </a:rPr>
+                        </m:ctrlPr>
+                      </m:dPr>
+                      <m:e>
+                        <m:r>
+                          <a:rPr lang="pt-BR" b="1" i="1">
+                            <a:latin typeface="Cambria Math" panose="02040503050406030204" pitchFamily="18" charset="0"/>
+                          </a:rPr>
+                          <m:t>𝒂</m:t>
+                        </m:r>
+                      </m:e>
+                    </m:d>
+                    <m:r>
+                      <a:rPr lang="pt-BR" i="1">
+                        <a:latin typeface="Cambria Math" panose="02040503050406030204" pitchFamily="18" charset="0"/>
+                      </a:rPr>
+                      <m:t>=−</m:t>
+                    </m:r>
+                    <m:f>
+                      <m:fPr>
+                        <m:ctrlPr>
+                          <a:rPr lang="pt-BR" i="1">
+                            <a:latin typeface="Cambria Math" panose="02040503050406030204" pitchFamily="18" charset="0"/>
+                          </a:rPr>
+                        </m:ctrlPr>
+                      </m:fPr>
+                      <m:num>
+                        <m:r>
+                          <a:rPr lang="pt-BR" i="1">
+                            <a:latin typeface="Cambria Math" panose="02040503050406030204" pitchFamily="18" charset="0"/>
+                          </a:rPr>
+                          <m:t>1</m:t>
+                        </m:r>
+                      </m:num>
+                      <m:den>
+                        <m:r>
+                          <a:rPr lang="pt-BR" i="1">
+                            <a:latin typeface="Cambria Math" panose="02040503050406030204" pitchFamily="18" charset="0"/>
+                          </a:rPr>
+                          <m:t>𝑁</m:t>
+                        </m:r>
+                      </m:den>
+                    </m:f>
+                    <m:nary>
+                      <m:naryPr>
+                        <m:chr m:val="∑"/>
+                        <m:ctrlPr>
+                          <a:rPr lang="pt-BR" i="1">
+                            <a:latin typeface="Cambria Math" panose="02040503050406030204" pitchFamily="18" charset="0"/>
+                          </a:rPr>
+                        </m:ctrlPr>
+                      </m:naryPr>
+                      <m:sub>
+                        <m:r>
+                          <m:rPr>
+                            <m:brk m:alnAt="23"/>
+                          </m:rPr>
+                          <a:rPr lang="pt-BR" i="1">
+                            <a:latin typeface="Cambria Math" panose="02040503050406030204" pitchFamily="18" charset="0"/>
+                          </a:rPr>
+                          <m:t>𝑖</m:t>
+                        </m:r>
+                        <m:r>
+                          <a:rPr lang="pt-BR" i="1">
+                            <a:latin typeface="Cambria Math" panose="02040503050406030204" pitchFamily="18" charset="0"/>
+                          </a:rPr>
+                          <m:t>=0</m:t>
+                        </m:r>
+                      </m:sub>
+                      <m:sup>
+                        <m:r>
+                          <a:rPr lang="pt-BR" i="1">
+                            <a:latin typeface="Cambria Math" panose="02040503050406030204" pitchFamily="18" charset="0"/>
+                          </a:rPr>
+                          <m:t>𝑁</m:t>
+                        </m:r>
+                        <m:r>
+                          <a:rPr lang="pt-BR" i="1">
+                            <a:latin typeface="Cambria Math" panose="02040503050406030204" pitchFamily="18" charset="0"/>
+                          </a:rPr>
+                          <m:t>−1</m:t>
+                        </m:r>
+                      </m:sup>
+                      <m:e>
+                        <m:r>
+                          <a:rPr lang="pt-BR" i="1">
+                            <a:latin typeface="Cambria Math" panose="02040503050406030204" pitchFamily="18" charset="0"/>
+                          </a:rPr>
+                          <m:t>𝑦</m:t>
+                        </m:r>
+                        <m:d>
+                          <m:dPr>
+                            <m:ctrlPr>
+                              <a:rPr lang="pt-BR" i="1">
+                                <a:latin typeface="Cambria Math" panose="02040503050406030204" pitchFamily="18" charset="0"/>
+                              </a:rPr>
+                            </m:ctrlPr>
+                          </m:dPr>
+                          <m:e>
+                            <m:r>
+                              <a:rPr lang="pt-BR" i="1">
+                                <a:latin typeface="Cambria Math" panose="02040503050406030204" pitchFamily="18" charset="0"/>
+                              </a:rPr>
+                              <m:t>𝑖</m:t>
+                            </m:r>
+                          </m:e>
+                        </m:d>
+                        <m:sSup>
+                          <m:sSupPr>
+                            <m:ctrlPr>
+                              <a:rPr lang="pt-BR" i="1">
+                                <a:latin typeface="Cambria Math" panose="02040503050406030204" pitchFamily="18" charset="0"/>
+                              </a:rPr>
+                            </m:ctrlPr>
+                          </m:sSupPr>
+                          <m:e>
+                            <m:r>
+                              <a:rPr lang="pt-BR" b="1" i="1">
+                                <a:latin typeface="Cambria Math" panose="02040503050406030204" pitchFamily="18" charset="0"/>
+                              </a:rPr>
+                              <m:t>𝒙</m:t>
+                            </m:r>
+                            <m:r>
+                              <a:rPr lang="pt-BR" i="1">
+                                <a:latin typeface="Cambria Math" panose="02040503050406030204" pitchFamily="18" charset="0"/>
+                              </a:rPr>
+                              <m:t>(</m:t>
+                            </m:r>
+                            <m:r>
+                              <a:rPr lang="pt-BR" i="1">
+                                <a:latin typeface="Cambria Math" panose="02040503050406030204" pitchFamily="18" charset="0"/>
+                              </a:rPr>
+                              <m:t>𝑖</m:t>
+                            </m:r>
+                            <m:r>
+                              <a:rPr lang="pt-BR" i="1">
+                                <a:latin typeface="Cambria Math" panose="02040503050406030204" pitchFamily="18" charset="0"/>
+                              </a:rPr>
+                              <m:t>)</m:t>
+                            </m:r>
+                          </m:e>
+                          <m:sup>
+                            <m:r>
+                              <a:rPr lang="pt-BR" i="1">
+                                <a:latin typeface="Cambria Math" panose="02040503050406030204" pitchFamily="18" charset="0"/>
+                              </a:rPr>
+                              <m:t>𝑇</m:t>
+                            </m:r>
+                          </m:sup>
+                        </m:sSup>
+                        <m:r>
+                          <a:rPr lang="pt-BR" b="1" i="1">
+                            <a:latin typeface="Cambria Math" panose="02040503050406030204" pitchFamily="18" charset="0"/>
+                          </a:rPr>
+                          <m:t>𝒂</m:t>
+                        </m:r>
+                        <m:r>
+                          <a:rPr lang="pt-BR" b="1" i="1">
+                            <a:latin typeface="Cambria Math" panose="02040503050406030204" pitchFamily="18" charset="0"/>
+                          </a:rPr>
+                          <m:t>−</m:t>
+                        </m:r>
+                        <m:func>
+                          <m:funcPr>
+                            <m:ctrlPr>
+                              <a:rPr lang="pt-BR" i="1">
+                                <a:latin typeface="Cambria Math" panose="02040503050406030204" pitchFamily="18" charset="0"/>
+                              </a:rPr>
+                            </m:ctrlPr>
+                          </m:funcPr>
+                          <m:fName>
+                            <m:r>
+                              <m:rPr>
+                                <m:sty m:val="p"/>
+                              </m:rPr>
+                              <a:rPr lang="pt-BR">
+                                <a:latin typeface="Cambria Math" panose="02040503050406030204" pitchFamily="18" charset="0"/>
+                              </a:rPr>
+                              <m:t>log</m:t>
+                            </m:r>
+                          </m:fName>
+                          <m:e>
+                            <m:d>
+                              <m:dPr>
+                                <m:ctrlPr>
+                                  <a:rPr lang="pt-BR" i="1">
+                                    <a:latin typeface="Cambria Math" panose="02040503050406030204" pitchFamily="18" charset="0"/>
+                                  </a:rPr>
+                                </m:ctrlPr>
+                              </m:dPr>
+                              <m:e>
+                                <m:r>
+                                  <a:rPr lang="pt-BR" i="1">
+                                    <a:latin typeface="Cambria Math" panose="02040503050406030204" pitchFamily="18" charset="0"/>
+                                  </a:rPr>
+                                  <m:t>1+</m:t>
+                                </m:r>
+                                <m:sSup>
+                                  <m:sSupPr>
+                                    <m:ctrlPr>
+                                      <a:rPr lang="pt-BR" i="1">
+                                        <a:latin typeface="Cambria Math" panose="02040503050406030204" pitchFamily="18" charset="0"/>
+                                      </a:rPr>
+                                    </m:ctrlPr>
+                                  </m:sSupPr>
+                                  <m:e>
+                                    <m:r>
+                                      <a:rPr lang="pt-BR" i="1">
+                                        <a:latin typeface="Cambria Math" panose="02040503050406030204" pitchFamily="18" charset="0"/>
+                                      </a:rPr>
+                                      <m:t>𝑒</m:t>
+                                    </m:r>
+                                  </m:e>
+                                  <m:sup>
+                                    <m:sSup>
+                                      <m:sSupPr>
+                                        <m:ctrlPr>
+                                          <a:rPr lang="pt-BR" i="1">
+                                            <a:latin typeface="Cambria Math" panose="02040503050406030204" pitchFamily="18" charset="0"/>
+                                          </a:rPr>
+                                        </m:ctrlPr>
+                                      </m:sSupPr>
+                                      <m:e>
+                                        <m:r>
+                                          <a:rPr lang="pt-BR" b="1" i="1">
+                                            <a:latin typeface="Cambria Math" panose="02040503050406030204" pitchFamily="18" charset="0"/>
+                                          </a:rPr>
+                                          <m:t>𝒙</m:t>
+                                        </m:r>
+                                        <m:r>
+                                          <a:rPr lang="pt-BR" i="1">
+                                            <a:latin typeface="Cambria Math" panose="02040503050406030204" pitchFamily="18" charset="0"/>
+                                          </a:rPr>
+                                          <m:t>(</m:t>
+                                        </m:r>
+                                        <m:r>
+                                          <a:rPr lang="pt-BR" i="1">
+                                            <a:latin typeface="Cambria Math" panose="02040503050406030204" pitchFamily="18" charset="0"/>
+                                          </a:rPr>
+                                          <m:t>𝑖</m:t>
+                                        </m:r>
+                                        <m:r>
+                                          <a:rPr lang="pt-BR" i="1">
+                                            <a:latin typeface="Cambria Math" panose="02040503050406030204" pitchFamily="18" charset="0"/>
+                                          </a:rPr>
+                                          <m:t>)</m:t>
+                                        </m:r>
+                                      </m:e>
+                                      <m:sup>
+                                        <m:r>
+                                          <a:rPr lang="pt-BR" i="1">
+                                            <a:latin typeface="Cambria Math" panose="02040503050406030204" pitchFamily="18" charset="0"/>
+                                          </a:rPr>
+                                          <m:t>𝑇</m:t>
+                                        </m:r>
+                                      </m:sup>
+                                    </m:sSup>
+                                    <m:r>
+                                      <a:rPr lang="pt-BR" b="1" i="1">
+                                        <a:latin typeface="Cambria Math" panose="02040503050406030204" pitchFamily="18" charset="0"/>
+                                      </a:rPr>
+                                      <m:t>𝒂</m:t>
+                                    </m:r>
+                                  </m:sup>
+                                </m:sSup>
+                              </m:e>
+                            </m:d>
+                          </m:e>
+                        </m:func>
+                      </m:e>
+                    </m:nary>
+                  </m:oMath>
+                </a14:m>
+                <a:r>
+                  <a:rPr lang="pt-BR" dirty="0" smtClean="0"/>
+                  <a:t>.</a:t>
+                </a:r>
+              </a:p>
+              <a:p>
+                <a:r>
+                  <a:rPr lang="pt-BR" dirty="0" smtClean="0"/>
+                  <a:t>Em seguida, encontramos o </a:t>
+                </a:r>
+                <a:r>
+                  <a:rPr lang="pt-BR" b="1" i="1" dirty="0" smtClean="0"/>
+                  <a:t>vetor gradiente </a:t>
+                </a:r>
+                <a:r>
+                  <a:rPr lang="pt-BR" dirty="0" smtClean="0"/>
+                  <a:t>de cada termo da equação acima.</a:t>
+                </a:r>
+              </a:p>
+              <a:p>
+                <a:endParaRPr lang="pt-BR" dirty="0" smtClean="0"/>
+              </a:p>
+            </p:txBody>
+          </p:sp>
+        </mc:Choice>
+        <mc:Fallback xmlns="">
+          <p:sp>
+            <p:nvSpPr>
+              <p:cNvPr id="3" name="Content Placeholder 2"/>
+              <p:cNvSpPr>
+                <a:spLocks noGrp="1" noRot="1" noChangeAspect="1" noMove="1" noResize="1" noEditPoints="1" noAdjustHandles="1" noChangeArrowheads="1" noChangeShapeType="1" noTextEdit="1"/>
+              </p:cNvSpPr>
+              <p:nvPr>
+                <p:ph idx="1"/>
+              </p:nvPr>
+            </p:nvSpPr>
+            <p:spPr>
+              <a:xfrm>
+                <a:off x="838200" y="1825624"/>
+                <a:ext cx="10955694" cy="4855094"/>
+              </a:xfrm>
+              <a:blipFill rotWithShape="0">
+                <a:blip r:embed="rId2"/>
+                <a:stretch>
+                  <a:fillRect l="-1002" t="-753" b="-502"/>
+                </a:stretch>
+              </a:blipFill>
+            </p:spPr>
+            <p:txBody>
+              <a:bodyPr/>
+              <a:lstStyle/>
+              <a:p>
+                <a:r>
+                  <a:rPr lang="pt-BR">
+                    <a:noFill/>
+                  </a:rPr>
+                  <a:t> </a:t>
+                </a:r>
+              </a:p>
+            </p:txBody>
+          </p:sp>
+        </mc:Fallback>
+      </mc:AlternateContent>
+    </p:spTree>
+    <p:extLst>
+      <p:ext uri="{BB962C8B-B14F-4D97-AF65-F5344CB8AC3E}">
+        <p14:creationId xmlns:p14="http://schemas.microsoft.com/office/powerpoint/2010/main" val="4062560798"/>
+      </p:ext>
+    </p:extLst>
+  </p:cSld>
+  <p:clrMapOvr>
+    <a:masterClrMapping/>
+  </p:clrMapOvr>
+  <p:timing>
+    <p:tnLst>
+      <p:par>
+        <p:cTn id="1" dur="indefinite" restart="never" nodeType="tmRoot"/>
+      </p:par>
+    </p:tnLst>
+  </p:timing>
+</p:sld>
+</file>
+
+<file path=ppt/slides/slide19.xml><?xml version="1.0" encoding="utf-8"?>
+<p:sld xmlns:a="http://schemas.openxmlformats.org/drawingml/2006/main" xmlns:r="http://schemas.openxmlformats.org/officeDocument/2006/relationships" xmlns:p="http://schemas.openxmlformats.org/presentationml/2006/main">
+  <p:cSld>
+    <p:spTree>
+      <p:nvGrpSpPr>
+        <p:cNvPr id="1" name=""/>
+        <p:cNvGrpSpPr/>
+        <p:nvPr/>
+      </p:nvGrpSpPr>
+      <p:grpSpPr>
+        <a:xfrm>
+          <a:off x="0" y="0"/>
+          <a:ext cx="0" cy="0"/>
+          <a:chOff x="0" y="0"/>
+          <a:chExt cx="0" cy="0"/>
+        </a:xfrm>
+      </p:grpSpPr>
+      <p:sp>
+        <p:nvSpPr>
+          <p:cNvPr id="2" name="Title 1"/>
+          <p:cNvSpPr>
+            <a:spLocks noGrp="1"/>
+          </p:cNvSpPr>
+          <p:nvPr>
+            <p:ph type="title"/>
+          </p:nvPr>
+        </p:nvSpPr>
+        <p:spPr>
+          <a:xfrm>
+            <a:off x="838200" y="273685"/>
+            <a:ext cx="10515600" cy="1097915"/>
+          </a:xfrm>
+        </p:spPr>
+        <p:txBody>
+          <a:bodyPr>
+            <a:normAutofit/>
+          </a:bodyPr>
+          <a:lstStyle/>
+          <a:p>
+            <a:r>
+              <a:rPr lang="pt-BR" dirty="0"/>
+              <a:t>Encontrando o vetor gradiente</a:t>
+            </a:r>
+            <a:endParaRPr lang="pt-BR" dirty="0"/>
+          </a:p>
+        </p:txBody>
+      </p:sp>
+      <mc:AlternateContent xmlns:mc="http://schemas.openxmlformats.org/markup-compatibility/2006" xmlns:a14="http://schemas.microsoft.com/office/drawing/2010/main">
+        <mc:Choice Requires="a14">
+          <p:sp>
+            <p:nvSpPr>
+              <p:cNvPr id="3" name="Content Placeholder 2"/>
+              <p:cNvSpPr>
+                <a:spLocks noGrp="1"/>
+              </p:cNvSpPr>
+              <p:nvPr>
+                <p:ph idx="1"/>
+              </p:nvPr>
+            </p:nvSpPr>
+            <p:spPr>
+              <a:xfrm>
+                <a:off x="838200" y="1690688"/>
+                <a:ext cx="11186160" cy="5167312"/>
+              </a:xfrm>
+            </p:spPr>
+            <p:txBody>
+              <a:bodyPr>
+                <a:normAutofit lnSpcReduction="10000"/>
+              </a:bodyPr>
+              <a:lstStyle/>
+              <a:p>
+                <a:r>
+                  <a:rPr lang="pt-BR" dirty="0" smtClean="0"/>
+                  <a:t>Assim, o </a:t>
+                </a:r>
+                <a:r>
+                  <a:rPr lang="pt-BR" b="1" i="1" dirty="0"/>
+                  <a:t>vetor gradiente </a:t>
+                </a:r>
+                <a:r>
+                  <a:rPr lang="pt-BR" dirty="0"/>
+                  <a:t>do primeiro termo da equação anterior é dado por</a:t>
+                </a:r>
+              </a:p>
+              <a:p>
+                <a:pPr marL="0" indent="0">
+                  <a:buNone/>
+                </a:pPr>
+                <a14:m>
+                  <m:oMathPara xmlns:m="http://schemas.openxmlformats.org/officeDocument/2006/math">
+                    <m:oMathParaPr>
+                      <m:jc m:val="centerGroup"/>
+                    </m:oMathParaPr>
+                    <m:oMath xmlns:m="http://schemas.openxmlformats.org/officeDocument/2006/math">
+                      <m:f>
+                        <m:fPr>
+                          <m:ctrlPr>
+                            <a:rPr lang="pt-BR" i="1">
+                              <a:latin typeface="Cambria Math" panose="02040503050406030204" pitchFamily="18" charset="0"/>
+                            </a:rPr>
+                          </m:ctrlPr>
+                        </m:fPr>
+                        <m:num>
+                          <m:r>
+                            <a:rPr lang="pt-BR" i="1">
+                              <a:latin typeface="Cambria Math" panose="02040503050406030204" pitchFamily="18" charset="0"/>
+                            </a:rPr>
+                            <m:t>𝜕</m:t>
+                          </m:r>
+                          <m:d>
+                            <m:dPr>
+                              <m:begChr m:val="["/>
+                              <m:endChr m:val="]"/>
+                              <m:ctrlPr>
+                                <a:rPr lang="pt-BR" i="1">
+                                  <a:latin typeface="Cambria Math" panose="02040503050406030204" pitchFamily="18" charset="0"/>
+                                </a:rPr>
+                              </m:ctrlPr>
+                            </m:dPr>
+                            <m:e>
+                              <m:r>
+                                <a:rPr lang="pt-BR" i="1">
+                                  <a:latin typeface="Cambria Math" panose="02040503050406030204" pitchFamily="18" charset="0"/>
+                                </a:rPr>
+                                <m:t>𝑦</m:t>
+                              </m:r>
+                              <m:d>
+                                <m:dPr>
+                                  <m:ctrlPr>
+                                    <a:rPr lang="pt-BR" i="1">
+                                      <a:latin typeface="Cambria Math" panose="02040503050406030204" pitchFamily="18" charset="0"/>
+                                    </a:rPr>
+                                  </m:ctrlPr>
+                                </m:dPr>
+                                <m:e>
+                                  <m:r>
+                                    <a:rPr lang="pt-BR" i="1">
+                                      <a:latin typeface="Cambria Math" panose="02040503050406030204" pitchFamily="18" charset="0"/>
+                                    </a:rPr>
+                                    <m:t>𝑖</m:t>
+                                  </m:r>
+                                </m:e>
+                              </m:d>
+                              <m:sSup>
+                                <m:sSupPr>
+                                  <m:ctrlPr>
+                                    <a:rPr lang="pt-BR" i="1">
+                                      <a:latin typeface="Cambria Math" panose="02040503050406030204" pitchFamily="18" charset="0"/>
+                                    </a:rPr>
+                                  </m:ctrlPr>
+                                </m:sSupPr>
+                                <m:e>
+                                  <m:r>
+                                    <a:rPr lang="pt-BR" b="1" i="1">
+                                      <a:latin typeface="Cambria Math" panose="02040503050406030204" pitchFamily="18" charset="0"/>
+                                    </a:rPr>
+                                    <m:t>𝒙</m:t>
+                                  </m:r>
+                                  <m:r>
+                                    <a:rPr lang="pt-BR" i="1">
+                                      <a:latin typeface="Cambria Math" panose="02040503050406030204" pitchFamily="18" charset="0"/>
+                                    </a:rPr>
+                                    <m:t>(</m:t>
+                                  </m:r>
+                                  <m:r>
+                                    <a:rPr lang="pt-BR" i="1">
+                                      <a:latin typeface="Cambria Math" panose="02040503050406030204" pitchFamily="18" charset="0"/>
+                                    </a:rPr>
+                                    <m:t>𝑖</m:t>
+                                  </m:r>
+                                  <m:r>
+                                    <a:rPr lang="pt-BR" i="1">
+                                      <a:latin typeface="Cambria Math" panose="02040503050406030204" pitchFamily="18" charset="0"/>
+                                    </a:rPr>
+                                    <m:t>)</m:t>
+                                  </m:r>
+                                </m:e>
+                                <m:sup>
+                                  <m:r>
+                                    <a:rPr lang="pt-BR" i="1">
+                                      <a:latin typeface="Cambria Math" panose="02040503050406030204" pitchFamily="18" charset="0"/>
+                                    </a:rPr>
+                                    <m:t>𝑇</m:t>
+                                  </m:r>
+                                </m:sup>
+                              </m:sSup>
+                              <m:r>
+                                <a:rPr lang="pt-BR" b="1" i="1">
+                                  <a:latin typeface="Cambria Math" panose="02040503050406030204" pitchFamily="18" charset="0"/>
+                                </a:rPr>
+                                <m:t>𝒂</m:t>
+                              </m:r>
+                            </m:e>
+                          </m:d>
+                        </m:num>
+                        <m:den>
+                          <m:r>
+                            <a:rPr lang="pt-BR" i="1">
+                              <a:latin typeface="Cambria Math" panose="02040503050406030204" pitchFamily="18" charset="0"/>
+                            </a:rPr>
+                            <m:t>𝜕</m:t>
+                          </m:r>
+                          <m:r>
+                            <a:rPr lang="pt-BR" b="1" i="1">
+                              <a:latin typeface="Cambria Math" panose="02040503050406030204" pitchFamily="18" charset="0"/>
+                            </a:rPr>
+                            <m:t>𝒂</m:t>
+                          </m:r>
+                        </m:den>
+                      </m:f>
+                      <m:r>
+                        <a:rPr lang="pt-BR" i="1">
+                          <a:latin typeface="Cambria Math" panose="02040503050406030204" pitchFamily="18" charset="0"/>
+                        </a:rPr>
+                        <m:t>=</m:t>
+                      </m:r>
+                      <m:r>
+                        <a:rPr lang="pt-BR" i="1">
+                          <a:latin typeface="Cambria Math" panose="02040503050406030204" pitchFamily="18" charset="0"/>
+                        </a:rPr>
+                        <m:t>𝑦</m:t>
+                      </m:r>
+                      <m:d>
+                        <m:dPr>
+                          <m:ctrlPr>
+                            <a:rPr lang="pt-BR" i="1">
+                              <a:latin typeface="Cambria Math" panose="02040503050406030204" pitchFamily="18" charset="0"/>
+                            </a:rPr>
+                          </m:ctrlPr>
+                        </m:dPr>
+                        <m:e>
+                          <m:r>
+                            <a:rPr lang="pt-BR" i="1">
+                              <a:latin typeface="Cambria Math" panose="02040503050406030204" pitchFamily="18" charset="0"/>
+                            </a:rPr>
+                            <m:t>𝑖</m:t>
+                          </m:r>
+                        </m:e>
+                      </m:d>
+                      <m:sSup>
+                        <m:sSupPr>
+                          <m:ctrlPr>
+                            <a:rPr lang="pt-BR" i="1">
+                              <a:latin typeface="Cambria Math" panose="02040503050406030204" pitchFamily="18" charset="0"/>
+                            </a:rPr>
+                          </m:ctrlPr>
+                        </m:sSupPr>
+                        <m:e>
+                          <m:r>
+                            <a:rPr lang="pt-BR" b="1" i="1">
+                              <a:latin typeface="Cambria Math" panose="02040503050406030204" pitchFamily="18" charset="0"/>
+                            </a:rPr>
+                            <m:t>𝒙</m:t>
+                          </m:r>
+                          <m:r>
+                            <a:rPr lang="pt-BR" i="1">
+                              <a:latin typeface="Cambria Math" panose="02040503050406030204" pitchFamily="18" charset="0"/>
+                            </a:rPr>
+                            <m:t>(</m:t>
+                          </m:r>
+                          <m:r>
+                            <a:rPr lang="pt-BR" i="1">
+                              <a:latin typeface="Cambria Math" panose="02040503050406030204" pitchFamily="18" charset="0"/>
+                            </a:rPr>
+                            <m:t>𝑖</m:t>
+                          </m:r>
+                          <m:r>
+                            <a:rPr lang="pt-BR" i="1">
+                              <a:latin typeface="Cambria Math" panose="02040503050406030204" pitchFamily="18" charset="0"/>
+                            </a:rPr>
+                            <m:t>)</m:t>
+                          </m:r>
+                        </m:e>
+                        <m:sup>
+                          <m:r>
+                            <a:rPr lang="pt-BR" i="1">
+                              <a:latin typeface="Cambria Math" panose="02040503050406030204" pitchFamily="18" charset="0"/>
+                            </a:rPr>
+                            <m:t>𝑇</m:t>
+                          </m:r>
+                        </m:sup>
+                      </m:sSup>
+                    </m:oMath>
+                  </m:oMathPara>
+                </a14:m>
+                <a:endParaRPr lang="pt-BR" dirty="0"/>
+              </a:p>
+              <a:p>
+                <a:r>
+                  <a:rPr lang="pt-BR" dirty="0"/>
+                  <a:t>O </a:t>
+                </a:r>
+                <a:r>
+                  <a:rPr lang="pt-BR" b="1" i="1" dirty="0"/>
+                  <a:t>vetor gradiente </a:t>
+                </a:r>
+                <a:r>
+                  <a:rPr lang="pt-BR" dirty="0"/>
+                  <a:t>do segundo termo da equação anterior </a:t>
+                </a:r>
+                <a:r>
+                  <a:rPr lang="pt-BR" dirty="0" smtClean="0"/>
+                  <a:t>é </a:t>
+                </a:r>
+                <a:r>
+                  <a:rPr lang="pt-BR" dirty="0"/>
+                  <a:t>dado por</a:t>
+                </a:r>
+              </a:p>
+              <a:p>
+                <a:pPr marL="0" indent="0" algn="ctr">
+                  <a:buNone/>
+                </a:pPr>
+                <a14:m>
+                  <m:oMathPara xmlns:m="http://schemas.openxmlformats.org/officeDocument/2006/math">
+                    <m:oMathParaPr>
+                      <m:jc m:val="centerGroup"/>
+                    </m:oMathParaPr>
+                    <m:oMath xmlns:m="http://schemas.openxmlformats.org/officeDocument/2006/math">
+                      <m:f>
+                        <m:fPr>
+                          <m:ctrlPr>
+                            <a:rPr lang="pt-BR" i="1">
+                              <a:latin typeface="Cambria Math" panose="02040503050406030204" pitchFamily="18" charset="0"/>
+                            </a:rPr>
+                          </m:ctrlPr>
+                        </m:fPr>
+                        <m:num>
+                          <m:r>
+                            <a:rPr lang="pt-BR" i="1">
+                              <a:latin typeface="Cambria Math" panose="02040503050406030204" pitchFamily="18" charset="0"/>
+                            </a:rPr>
+                            <m:t>𝜕</m:t>
+                          </m:r>
+                          <m:d>
+                            <m:dPr>
+                              <m:begChr m:val="["/>
+                              <m:endChr m:val="]"/>
+                              <m:ctrlPr>
+                                <a:rPr lang="pt-BR" i="1">
+                                  <a:latin typeface="Cambria Math" panose="02040503050406030204" pitchFamily="18" charset="0"/>
+                                </a:rPr>
+                              </m:ctrlPr>
+                            </m:dPr>
+                            <m:e>
+                              <m:func>
+                                <m:funcPr>
+                                  <m:ctrlPr>
+                                    <a:rPr lang="pt-BR" i="1">
+                                      <a:latin typeface="Cambria Math" panose="02040503050406030204" pitchFamily="18" charset="0"/>
+                                    </a:rPr>
+                                  </m:ctrlPr>
+                                </m:funcPr>
+                                <m:fName>
+                                  <m:r>
+                                    <m:rPr>
+                                      <m:sty m:val="p"/>
+                                    </m:rPr>
+                                    <a:rPr lang="pt-BR">
+                                      <a:latin typeface="Cambria Math" panose="02040503050406030204" pitchFamily="18" charset="0"/>
+                                    </a:rPr>
+                                    <m:t>log</m:t>
+                                  </m:r>
+                                </m:fName>
+                                <m:e>
+                                  <m:d>
+                                    <m:dPr>
+                                      <m:ctrlPr>
+                                        <a:rPr lang="pt-BR" i="1">
+                                          <a:latin typeface="Cambria Math" panose="02040503050406030204" pitchFamily="18" charset="0"/>
+                                        </a:rPr>
+                                      </m:ctrlPr>
+                                    </m:dPr>
+                                    <m:e>
+                                      <m:r>
+                                        <a:rPr lang="pt-BR" i="1">
+                                          <a:latin typeface="Cambria Math" panose="02040503050406030204" pitchFamily="18" charset="0"/>
+                                        </a:rPr>
+                                        <m:t>1+</m:t>
+                                      </m:r>
+                                      <m:sSup>
+                                        <m:sSupPr>
+                                          <m:ctrlPr>
+                                            <a:rPr lang="pt-BR" i="1">
+                                              <a:latin typeface="Cambria Math" panose="02040503050406030204" pitchFamily="18" charset="0"/>
+                                            </a:rPr>
+                                          </m:ctrlPr>
+                                        </m:sSupPr>
+                                        <m:e>
+                                          <m:r>
+                                            <a:rPr lang="pt-BR" i="1">
+                                              <a:latin typeface="Cambria Math" panose="02040503050406030204" pitchFamily="18" charset="0"/>
+                                            </a:rPr>
+                                            <m:t>𝑒</m:t>
+                                          </m:r>
+                                        </m:e>
+                                        <m:sup>
+                                          <m:sSup>
+                                            <m:sSupPr>
+                                              <m:ctrlPr>
+                                                <a:rPr lang="pt-BR" i="1">
+                                                  <a:latin typeface="Cambria Math" panose="02040503050406030204" pitchFamily="18" charset="0"/>
+                                                </a:rPr>
+                                              </m:ctrlPr>
+                                            </m:sSupPr>
+                                            <m:e>
+                                              <m:r>
+                                                <a:rPr lang="pt-BR" b="1" i="1">
+                                                  <a:latin typeface="Cambria Math" panose="02040503050406030204" pitchFamily="18" charset="0"/>
+                                                </a:rPr>
+                                                <m:t>𝒙</m:t>
+                                              </m:r>
+                                              <m:r>
+                                                <a:rPr lang="pt-BR" i="1">
+                                                  <a:latin typeface="Cambria Math" panose="02040503050406030204" pitchFamily="18" charset="0"/>
+                                                </a:rPr>
+                                                <m:t>(</m:t>
+                                              </m:r>
+                                              <m:r>
+                                                <a:rPr lang="pt-BR" i="1">
+                                                  <a:latin typeface="Cambria Math" panose="02040503050406030204" pitchFamily="18" charset="0"/>
+                                                </a:rPr>
+                                                <m:t>𝑖</m:t>
+                                              </m:r>
+                                              <m:r>
+                                                <a:rPr lang="pt-BR" i="1">
+                                                  <a:latin typeface="Cambria Math" panose="02040503050406030204" pitchFamily="18" charset="0"/>
+                                                </a:rPr>
+                                                <m:t>)</m:t>
+                                              </m:r>
+                                            </m:e>
+                                            <m:sup>
+                                              <m:r>
+                                                <a:rPr lang="pt-BR" i="1">
+                                                  <a:latin typeface="Cambria Math" panose="02040503050406030204" pitchFamily="18" charset="0"/>
+                                                </a:rPr>
+                                                <m:t>𝑇</m:t>
+                                              </m:r>
+                                            </m:sup>
+                                          </m:sSup>
+                                          <m:r>
+                                            <a:rPr lang="pt-BR" b="1" i="1">
+                                              <a:latin typeface="Cambria Math" panose="02040503050406030204" pitchFamily="18" charset="0"/>
+                                            </a:rPr>
+                                            <m:t>𝒂</m:t>
+                                          </m:r>
+                                        </m:sup>
+                                      </m:sSup>
+                                    </m:e>
+                                  </m:d>
+                                </m:e>
+                              </m:func>
+                            </m:e>
+                          </m:d>
+                        </m:num>
+                        <m:den>
+                          <m:r>
+                            <a:rPr lang="pt-BR" i="1">
+                              <a:latin typeface="Cambria Math" panose="02040503050406030204" pitchFamily="18" charset="0"/>
+                            </a:rPr>
+                            <m:t>𝜕</m:t>
+                          </m:r>
+                          <m:r>
+                            <a:rPr lang="pt-BR" b="1" i="1">
+                              <a:latin typeface="Cambria Math" panose="02040503050406030204" pitchFamily="18" charset="0"/>
+                            </a:rPr>
+                            <m:t>𝒂</m:t>
+                          </m:r>
+                        </m:den>
+                      </m:f>
+                      <m:r>
+                        <a:rPr lang="pt-BR" i="1">
+                          <a:latin typeface="Cambria Math" panose="02040503050406030204" pitchFamily="18" charset="0"/>
+                        </a:rPr>
+                        <m:t>=</m:t>
+                      </m:r>
+                      <m:f>
+                        <m:fPr>
+                          <m:ctrlPr>
+                            <a:rPr lang="pt-BR" i="1">
+                              <a:latin typeface="Cambria Math" panose="02040503050406030204" pitchFamily="18" charset="0"/>
+                            </a:rPr>
+                          </m:ctrlPr>
+                        </m:fPr>
+                        <m:num>
+                          <m:r>
+                            <a:rPr lang="pt-BR" i="1">
+                              <a:latin typeface="Cambria Math" panose="02040503050406030204" pitchFamily="18" charset="0"/>
+                            </a:rPr>
+                            <m:t>1</m:t>
+                          </m:r>
+                        </m:num>
+                        <m:den>
+                          <m:r>
+                            <a:rPr lang="pt-BR" i="1">
+                              <a:latin typeface="Cambria Math" panose="02040503050406030204" pitchFamily="18" charset="0"/>
+                            </a:rPr>
+                            <m:t>1+</m:t>
+                          </m:r>
+                          <m:sSup>
+                            <m:sSupPr>
+                              <m:ctrlPr>
+                                <a:rPr lang="pt-BR" i="1">
+                                  <a:latin typeface="Cambria Math" panose="02040503050406030204" pitchFamily="18" charset="0"/>
+                                </a:rPr>
+                              </m:ctrlPr>
+                            </m:sSupPr>
+                            <m:e>
+                              <m:r>
+                                <a:rPr lang="pt-BR" i="1">
+                                  <a:latin typeface="Cambria Math" panose="02040503050406030204" pitchFamily="18" charset="0"/>
+                                </a:rPr>
+                                <m:t>𝑒</m:t>
+                              </m:r>
+                            </m:e>
+                            <m:sup>
+                              <m:sSup>
+                                <m:sSupPr>
+                                  <m:ctrlPr>
+                                    <a:rPr lang="pt-BR" i="1">
+                                      <a:latin typeface="Cambria Math" panose="02040503050406030204" pitchFamily="18" charset="0"/>
+                                    </a:rPr>
+                                  </m:ctrlPr>
+                                </m:sSupPr>
+                                <m:e>
+                                  <m:r>
+                                    <a:rPr lang="pt-BR" b="1" i="1">
+                                      <a:latin typeface="Cambria Math" panose="02040503050406030204" pitchFamily="18" charset="0"/>
+                                    </a:rPr>
+                                    <m:t>𝒙</m:t>
+                                  </m:r>
+                                  <m:r>
+                                    <a:rPr lang="pt-BR" i="1">
+                                      <a:latin typeface="Cambria Math" panose="02040503050406030204" pitchFamily="18" charset="0"/>
+                                    </a:rPr>
+                                    <m:t>(</m:t>
+                                  </m:r>
+                                  <m:r>
+                                    <a:rPr lang="pt-BR" i="1">
+                                      <a:latin typeface="Cambria Math" panose="02040503050406030204" pitchFamily="18" charset="0"/>
+                                    </a:rPr>
+                                    <m:t>𝑖</m:t>
+                                  </m:r>
+                                  <m:r>
+                                    <a:rPr lang="pt-BR" i="1">
+                                      <a:latin typeface="Cambria Math" panose="02040503050406030204" pitchFamily="18" charset="0"/>
+                                    </a:rPr>
+                                    <m:t>)</m:t>
+                                  </m:r>
+                                </m:e>
+                                <m:sup>
+                                  <m:r>
+                                    <a:rPr lang="pt-BR" i="1">
+                                      <a:latin typeface="Cambria Math" panose="02040503050406030204" pitchFamily="18" charset="0"/>
+                                    </a:rPr>
+                                    <m:t>𝑇</m:t>
+                                  </m:r>
+                                </m:sup>
+                              </m:sSup>
+                              <m:r>
+                                <a:rPr lang="pt-BR" b="1" i="1">
+                                  <a:latin typeface="Cambria Math" panose="02040503050406030204" pitchFamily="18" charset="0"/>
+                                </a:rPr>
+                                <m:t>𝒂</m:t>
+                              </m:r>
+                            </m:sup>
+                          </m:sSup>
+                        </m:den>
+                      </m:f>
+                      <m:sSup>
+                        <m:sSupPr>
+                          <m:ctrlPr>
+                            <a:rPr lang="pt-BR" i="1">
+                              <a:latin typeface="Cambria Math" panose="02040503050406030204" pitchFamily="18" charset="0"/>
+                            </a:rPr>
+                          </m:ctrlPr>
+                        </m:sSupPr>
+                        <m:e>
+                          <m:r>
+                            <a:rPr lang="pt-BR" i="1">
+                              <a:latin typeface="Cambria Math" panose="02040503050406030204" pitchFamily="18" charset="0"/>
+                            </a:rPr>
+                            <m:t>𝑒</m:t>
+                          </m:r>
+                        </m:e>
+                        <m:sup>
+                          <m:sSup>
+                            <m:sSupPr>
+                              <m:ctrlPr>
+                                <a:rPr lang="pt-BR" i="1">
+                                  <a:latin typeface="Cambria Math" panose="02040503050406030204" pitchFamily="18" charset="0"/>
+                                </a:rPr>
+                              </m:ctrlPr>
+                            </m:sSupPr>
+                            <m:e>
+                              <m:r>
+                                <a:rPr lang="pt-BR" b="1" i="1">
+                                  <a:latin typeface="Cambria Math" panose="02040503050406030204" pitchFamily="18" charset="0"/>
+                                </a:rPr>
+                                <m:t>𝒙</m:t>
+                              </m:r>
+                              <m:r>
+                                <a:rPr lang="pt-BR" i="1">
+                                  <a:latin typeface="Cambria Math" panose="02040503050406030204" pitchFamily="18" charset="0"/>
+                                </a:rPr>
+                                <m:t>(</m:t>
+                              </m:r>
+                              <m:r>
+                                <a:rPr lang="pt-BR" i="1">
+                                  <a:latin typeface="Cambria Math" panose="02040503050406030204" pitchFamily="18" charset="0"/>
+                                </a:rPr>
+                                <m:t>𝑖</m:t>
+                              </m:r>
+                              <m:r>
+                                <a:rPr lang="pt-BR" i="1">
+                                  <a:latin typeface="Cambria Math" panose="02040503050406030204" pitchFamily="18" charset="0"/>
+                                </a:rPr>
+                                <m:t>)</m:t>
+                              </m:r>
+                            </m:e>
+                            <m:sup>
+                              <m:r>
+                                <a:rPr lang="pt-BR" i="1">
+                                  <a:latin typeface="Cambria Math" panose="02040503050406030204" pitchFamily="18" charset="0"/>
+                                </a:rPr>
+                                <m:t>𝑇</m:t>
+                              </m:r>
+                            </m:sup>
+                          </m:sSup>
+                          <m:r>
+                            <a:rPr lang="pt-BR" b="1" i="1">
+                              <a:latin typeface="Cambria Math" panose="02040503050406030204" pitchFamily="18" charset="0"/>
+                            </a:rPr>
+                            <m:t>𝒂</m:t>
+                          </m:r>
+                        </m:sup>
+                      </m:sSup>
+                      <m:sSup>
+                        <m:sSupPr>
+                          <m:ctrlPr>
+                            <a:rPr lang="pt-BR" i="1">
+                              <a:latin typeface="Cambria Math" panose="02040503050406030204" pitchFamily="18" charset="0"/>
+                            </a:rPr>
+                          </m:ctrlPr>
+                        </m:sSupPr>
+                        <m:e>
+                          <m:r>
+                            <a:rPr lang="pt-BR" b="1" i="1">
+                              <a:latin typeface="Cambria Math" panose="02040503050406030204" pitchFamily="18" charset="0"/>
+                            </a:rPr>
+                            <m:t>𝒙</m:t>
+                          </m:r>
+                          <m:r>
+                            <a:rPr lang="pt-BR" i="1">
+                              <a:latin typeface="Cambria Math" panose="02040503050406030204" pitchFamily="18" charset="0"/>
+                            </a:rPr>
+                            <m:t>(</m:t>
+                          </m:r>
+                          <m:r>
+                            <a:rPr lang="pt-BR" i="1">
+                              <a:latin typeface="Cambria Math" panose="02040503050406030204" pitchFamily="18" charset="0"/>
+                            </a:rPr>
+                            <m:t>𝑖</m:t>
+                          </m:r>
+                          <m:r>
+                            <a:rPr lang="pt-BR" i="1">
+                              <a:latin typeface="Cambria Math" panose="02040503050406030204" pitchFamily="18" charset="0"/>
+                            </a:rPr>
+                            <m:t>)</m:t>
+                          </m:r>
+                        </m:e>
+                        <m:sup>
+                          <m:r>
+                            <a:rPr lang="pt-BR" i="1">
+                              <a:latin typeface="Cambria Math" panose="02040503050406030204" pitchFamily="18" charset="0"/>
+                            </a:rPr>
+                            <m:t>𝑇</m:t>
+                          </m:r>
+                        </m:sup>
+                      </m:sSup>
+                    </m:oMath>
+                  </m:oMathPara>
+                </a14:m>
+                <a:endParaRPr lang="pt-BR" i="1" dirty="0" smtClean="0">
+                  <a:latin typeface="Cambria Math" panose="02040503050406030204" pitchFamily="18" charset="0"/>
+                </a:endParaRPr>
+              </a:p>
+              <a:p>
+                <a:pPr marL="0" indent="0" algn="ctr">
+                  <a:buNone/>
+                </a:pPr>
+                <a14:m>
+                  <m:oMathPara xmlns:m="http://schemas.openxmlformats.org/officeDocument/2006/math">
+                    <m:oMathParaPr>
+                      <m:jc m:val="centerGroup"/>
+                    </m:oMathParaPr>
+                    <m:oMath xmlns:m="http://schemas.openxmlformats.org/officeDocument/2006/math">
+                      <m:r>
+                        <a:rPr lang="pt-BR" i="1">
+                          <a:latin typeface="Cambria Math" panose="02040503050406030204" pitchFamily="18" charset="0"/>
+                        </a:rPr>
+                        <m:t>=</m:t>
+                      </m:r>
+                      <m:f>
+                        <m:fPr>
+                          <m:ctrlPr>
+                            <a:rPr lang="pt-BR" i="1">
+                              <a:latin typeface="Cambria Math" panose="02040503050406030204" pitchFamily="18" charset="0"/>
+                            </a:rPr>
+                          </m:ctrlPr>
+                        </m:fPr>
+                        <m:num>
+                          <m:r>
+                            <a:rPr lang="pt-BR" i="1">
+                              <a:latin typeface="Cambria Math" panose="02040503050406030204" pitchFamily="18" charset="0"/>
+                            </a:rPr>
+                            <m:t>1</m:t>
+                          </m:r>
+                        </m:num>
+                        <m:den>
+                          <m:r>
+                            <a:rPr lang="pt-BR" i="1">
+                              <a:latin typeface="Cambria Math" panose="02040503050406030204" pitchFamily="18" charset="0"/>
+                            </a:rPr>
+                            <m:t>1+</m:t>
+                          </m:r>
+                          <m:sSup>
+                            <m:sSupPr>
+                              <m:ctrlPr>
+                                <a:rPr lang="pt-BR" i="1">
+                                  <a:latin typeface="Cambria Math" panose="02040503050406030204" pitchFamily="18" charset="0"/>
+                                </a:rPr>
+                              </m:ctrlPr>
+                            </m:sSupPr>
+                            <m:e>
+                              <m:r>
+                                <a:rPr lang="pt-BR" i="1">
+                                  <a:latin typeface="Cambria Math" panose="02040503050406030204" pitchFamily="18" charset="0"/>
+                                </a:rPr>
+                                <m:t>𝑒</m:t>
+                              </m:r>
+                            </m:e>
+                            <m:sup>
+                              <m:sSup>
+                                <m:sSupPr>
+                                  <m:ctrlPr>
+                                    <a:rPr lang="pt-BR" i="1">
+                                      <a:latin typeface="Cambria Math" panose="02040503050406030204" pitchFamily="18" charset="0"/>
+                                    </a:rPr>
+                                  </m:ctrlPr>
+                                </m:sSupPr>
+                                <m:e>
+                                  <m:r>
+                                    <a:rPr lang="pt-BR" b="1" i="1">
+                                      <a:latin typeface="Cambria Math" panose="02040503050406030204" pitchFamily="18" charset="0"/>
+                                    </a:rPr>
+                                    <m:t>−</m:t>
+                                  </m:r>
+                                  <m:r>
+                                    <a:rPr lang="pt-BR" b="1" i="1">
+                                      <a:latin typeface="Cambria Math" panose="02040503050406030204" pitchFamily="18" charset="0"/>
+                                    </a:rPr>
+                                    <m:t>𝒙</m:t>
+                                  </m:r>
+                                  <m:r>
+                                    <a:rPr lang="pt-BR" i="1">
+                                      <a:latin typeface="Cambria Math" panose="02040503050406030204" pitchFamily="18" charset="0"/>
+                                    </a:rPr>
+                                    <m:t>(</m:t>
+                                  </m:r>
+                                  <m:r>
+                                    <a:rPr lang="pt-BR" i="1">
+                                      <a:latin typeface="Cambria Math" panose="02040503050406030204" pitchFamily="18" charset="0"/>
+                                    </a:rPr>
+                                    <m:t>𝑖</m:t>
+                                  </m:r>
+                                  <m:r>
+                                    <a:rPr lang="pt-BR" i="1">
+                                      <a:latin typeface="Cambria Math" panose="02040503050406030204" pitchFamily="18" charset="0"/>
+                                    </a:rPr>
+                                    <m:t>)</m:t>
+                                  </m:r>
+                                </m:e>
+                                <m:sup>
+                                  <m:r>
+                                    <a:rPr lang="pt-BR" i="1">
+                                      <a:latin typeface="Cambria Math" panose="02040503050406030204" pitchFamily="18" charset="0"/>
+                                    </a:rPr>
+                                    <m:t>𝑇</m:t>
+                                  </m:r>
+                                </m:sup>
+                              </m:sSup>
+                              <m:r>
+                                <a:rPr lang="pt-BR" b="1" i="1">
+                                  <a:latin typeface="Cambria Math" panose="02040503050406030204" pitchFamily="18" charset="0"/>
+                                </a:rPr>
+                                <m:t>𝒂</m:t>
+                              </m:r>
+                            </m:sup>
+                          </m:sSup>
+                        </m:den>
+                      </m:f>
+                      <m:sSup>
+                        <m:sSupPr>
+                          <m:ctrlPr>
+                            <a:rPr lang="pt-BR" i="1">
+                              <a:latin typeface="Cambria Math" panose="02040503050406030204" pitchFamily="18" charset="0"/>
+                            </a:rPr>
+                          </m:ctrlPr>
+                        </m:sSupPr>
+                        <m:e>
+                          <m:r>
+                            <a:rPr lang="pt-BR" b="1" i="1">
+                              <a:latin typeface="Cambria Math" panose="02040503050406030204" pitchFamily="18" charset="0"/>
+                            </a:rPr>
+                            <m:t>𝒙</m:t>
+                          </m:r>
+                          <m:r>
+                            <a:rPr lang="pt-BR" i="1">
+                              <a:latin typeface="Cambria Math" panose="02040503050406030204" pitchFamily="18" charset="0"/>
+                            </a:rPr>
+                            <m:t>(</m:t>
+                          </m:r>
+                          <m:r>
+                            <a:rPr lang="pt-BR" i="1">
+                              <a:latin typeface="Cambria Math" panose="02040503050406030204" pitchFamily="18" charset="0"/>
+                            </a:rPr>
+                            <m:t>𝑖</m:t>
+                          </m:r>
+                          <m:r>
+                            <a:rPr lang="pt-BR" i="1">
+                              <a:latin typeface="Cambria Math" panose="02040503050406030204" pitchFamily="18" charset="0"/>
+                            </a:rPr>
+                            <m:t>)</m:t>
+                          </m:r>
+                        </m:e>
+                        <m:sup>
+                          <m:r>
+                            <a:rPr lang="pt-BR" i="1">
+                              <a:latin typeface="Cambria Math" panose="02040503050406030204" pitchFamily="18" charset="0"/>
+                            </a:rPr>
+                            <m:t>𝑇</m:t>
+                          </m:r>
+                        </m:sup>
+                      </m:sSup>
+                    </m:oMath>
+                  </m:oMathPara>
+                </a14:m>
+                <a:endParaRPr lang="pt-BR" i="1" dirty="0" smtClean="0">
+                  <a:latin typeface="Cambria Math" panose="02040503050406030204" pitchFamily="18" charset="0"/>
+                </a:endParaRPr>
+              </a:p>
+              <a:p>
+                <a:pPr marL="0" indent="0" algn="ctr">
+                  <a:buNone/>
+                </a:pPr>
+                <a14:m>
+                  <m:oMath xmlns:m="http://schemas.openxmlformats.org/officeDocument/2006/math">
+                    <m:r>
+                      <a:rPr lang="pt-BR" i="1">
+                        <a:latin typeface="Cambria Math" panose="02040503050406030204" pitchFamily="18" charset="0"/>
+                      </a:rPr>
+                      <m:t>=</m:t>
+                    </m:r>
+                    <m:sSub>
+                      <m:sSubPr>
+                        <m:ctrlPr>
+                          <a:rPr lang="pt-BR" i="1">
+                            <a:latin typeface="Cambria Math" panose="02040503050406030204" pitchFamily="18" charset="0"/>
+                          </a:rPr>
+                        </m:ctrlPr>
+                      </m:sSubPr>
+                      <m:e>
+                        <m:r>
+                          <a:rPr lang="pt-BR" i="1">
+                            <a:latin typeface="Cambria Math" panose="02040503050406030204" pitchFamily="18" charset="0"/>
+                          </a:rPr>
+                          <m:t>h</m:t>
+                        </m:r>
+                      </m:e>
+                      <m:sub>
+                        <m:r>
+                          <a:rPr lang="pt-BR" b="1" i="1">
+                            <a:latin typeface="Cambria Math" panose="02040503050406030204" pitchFamily="18" charset="0"/>
+                          </a:rPr>
+                          <m:t>𝒂</m:t>
+                        </m:r>
+                      </m:sub>
+                    </m:sSub>
+                    <m:d>
+                      <m:dPr>
+                        <m:ctrlPr>
+                          <a:rPr lang="pt-BR" i="1">
+                            <a:latin typeface="Cambria Math" panose="02040503050406030204" pitchFamily="18" charset="0"/>
+                          </a:rPr>
+                        </m:ctrlPr>
+                      </m:dPr>
+                      <m:e>
+                        <m:r>
+                          <a:rPr lang="pt-BR" b="1" i="1">
+                            <a:latin typeface="Cambria Math" panose="02040503050406030204" pitchFamily="18" charset="0"/>
+                          </a:rPr>
+                          <m:t>𝒙</m:t>
+                        </m:r>
+                        <m:r>
+                          <a:rPr lang="pt-BR" i="1">
+                            <a:latin typeface="Cambria Math" panose="02040503050406030204" pitchFamily="18" charset="0"/>
+                          </a:rPr>
+                          <m:t>(</m:t>
+                        </m:r>
+                        <m:r>
+                          <a:rPr lang="pt-BR" i="1">
+                            <a:latin typeface="Cambria Math" panose="02040503050406030204" pitchFamily="18" charset="0"/>
+                          </a:rPr>
+                          <m:t>𝑖</m:t>
+                        </m:r>
+                        <m:r>
+                          <a:rPr lang="pt-BR" i="1">
+                            <a:latin typeface="Cambria Math" panose="02040503050406030204" pitchFamily="18" charset="0"/>
+                          </a:rPr>
+                          <m:t>)</m:t>
+                        </m:r>
+                      </m:e>
+                    </m:d>
+                    <m:sSup>
+                      <m:sSupPr>
+                        <m:ctrlPr>
+                          <a:rPr lang="pt-BR" i="1">
+                            <a:latin typeface="Cambria Math" panose="02040503050406030204" pitchFamily="18" charset="0"/>
+                          </a:rPr>
+                        </m:ctrlPr>
+                      </m:sSupPr>
+                      <m:e>
+                        <m:r>
+                          <a:rPr lang="pt-BR" b="1" i="1">
+                            <a:latin typeface="Cambria Math" panose="02040503050406030204" pitchFamily="18" charset="0"/>
+                          </a:rPr>
+                          <m:t>𝒙</m:t>
+                        </m:r>
+                        <m:r>
+                          <a:rPr lang="pt-BR" i="1">
+                            <a:latin typeface="Cambria Math" panose="02040503050406030204" pitchFamily="18" charset="0"/>
+                          </a:rPr>
+                          <m:t>(</m:t>
+                        </m:r>
+                        <m:r>
+                          <a:rPr lang="pt-BR" i="1">
+                            <a:latin typeface="Cambria Math" panose="02040503050406030204" pitchFamily="18" charset="0"/>
+                          </a:rPr>
+                          <m:t>𝑖</m:t>
+                        </m:r>
+                        <m:r>
+                          <a:rPr lang="pt-BR" i="1">
+                            <a:latin typeface="Cambria Math" panose="02040503050406030204" pitchFamily="18" charset="0"/>
+                          </a:rPr>
+                          <m:t>)</m:t>
+                        </m:r>
+                      </m:e>
+                      <m:sup>
+                        <m:r>
+                          <a:rPr lang="pt-BR" i="1">
+                            <a:latin typeface="Cambria Math" panose="02040503050406030204" pitchFamily="18" charset="0"/>
+                          </a:rPr>
+                          <m:t>𝑇</m:t>
+                        </m:r>
+                      </m:sup>
+                    </m:sSup>
+                  </m:oMath>
+                </a14:m>
+                <a:r>
+                  <a:rPr lang="pt-BR" dirty="0" smtClean="0"/>
+                  <a:t>.</a:t>
+                </a:r>
+              </a:p>
+              <a:p>
+                <a:r>
+                  <a:rPr lang="pt-BR" dirty="0"/>
+                  <a:t>Usamos a </a:t>
+                </a:r>
+                <a:r>
+                  <a:rPr lang="pt-BR" b="1" i="1" dirty="0"/>
+                  <a:t>regra da </a:t>
+                </a:r>
+                <a:r>
+                  <a:rPr lang="pt-BR" b="1" i="1" dirty="0" smtClean="0"/>
+                  <a:t>cadeia</a:t>
+                </a:r>
+                <a:r>
+                  <a:rPr lang="pt-BR" b="1" i="1" dirty="0"/>
+                  <a:t> </a:t>
+                </a:r>
+                <a:r>
+                  <a:rPr lang="pt-BR" dirty="0" smtClean="0"/>
+                  <a:t>para encontrar o vetor gradiente do segundo termo.</a:t>
+                </a:r>
+                <a:endParaRPr lang="pt-BR" dirty="0"/>
+              </a:p>
+            </p:txBody>
+          </p:sp>
+        </mc:Choice>
+        <mc:Fallback xmlns="">
+          <p:sp>
+            <p:nvSpPr>
+              <p:cNvPr id="3" name="Content Placeholder 2"/>
+              <p:cNvSpPr>
+                <a:spLocks noGrp="1" noRot="1" noChangeAspect="1" noMove="1" noResize="1" noEditPoints="1" noAdjustHandles="1" noChangeArrowheads="1" noChangeShapeType="1" noTextEdit="1"/>
+              </p:cNvSpPr>
+              <p:nvPr>
+                <p:ph idx="1"/>
+              </p:nvPr>
+            </p:nvSpPr>
+            <p:spPr>
+              <a:xfrm>
+                <a:off x="838200" y="1690688"/>
+                <a:ext cx="11186160" cy="5167312"/>
+              </a:xfrm>
+              <a:blipFill rotWithShape="0">
+                <a:blip r:embed="rId2"/>
+                <a:stretch>
+                  <a:fillRect l="-981" t="-2594" b="-1061"/>
+                </a:stretch>
+              </a:blipFill>
+            </p:spPr>
+            <p:txBody>
+              <a:bodyPr/>
+              <a:lstStyle/>
+              <a:p>
+                <a:r>
+                  <a:rPr lang="pt-BR">
+                    <a:noFill/>
+                  </a:rPr>
+                  <a:t> </a:t>
+                </a:r>
+              </a:p>
+            </p:txBody>
+          </p:sp>
+        </mc:Fallback>
+      </mc:AlternateContent>
+      <p:cxnSp>
+        <p:nvCxnSpPr>
+          <p:cNvPr id="5" name="Straight Arrow Connector 4"/>
+          <p:cNvCxnSpPr/>
+          <p:nvPr/>
+        </p:nvCxnSpPr>
+        <p:spPr>
+          <a:xfrm flipH="1" flipV="1">
+            <a:off x="3230880" y="4389120"/>
+            <a:ext cx="356002" cy="1565854"/>
+          </a:xfrm>
+          <a:prstGeom prst="straightConnector1">
+            <a:avLst/>
+          </a:prstGeom>
+          <a:ln>
+            <a:solidFill>
+              <a:srgbClr val="FF0000"/>
+            </a:solidFill>
+            <a:tailEnd type="triangle"/>
+          </a:ln>
+        </p:spPr>
+        <p:style>
+          <a:lnRef idx="1">
+            <a:schemeClr val="accent1"/>
+          </a:lnRef>
+          <a:fillRef idx="0">
+            <a:schemeClr val="accent1"/>
+          </a:fillRef>
+          <a:effectRef idx="0">
+            <a:schemeClr val="accent1"/>
+          </a:effectRef>
+          <a:fontRef idx="minor">
+            <a:schemeClr val="tx1"/>
+          </a:fontRef>
+        </p:style>
+      </p:cxnSp>
+    </p:spTree>
+    <p:extLst>
+      <p:ext uri="{BB962C8B-B14F-4D97-AF65-F5344CB8AC3E}">
+        <p14:creationId xmlns:p14="http://schemas.microsoft.com/office/powerpoint/2010/main" val="3669043161"/>
+      </p:ext>
+    </p:extLst>
+  </p:cSld>
+  <p:clrMapOvr>
+    <a:masterClrMapping/>
+  </p:clrMapOvr>
+</p:sld>
+</file>
+
+<file path=ppt/slides/slide2.xml><?xml version="1.0" encoding="utf-8"?>
+<p:sld xmlns:a="http://schemas.openxmlformats.org/drawingml/2006/main" xmlns:r="http://schemas.openxmlformats.org/officeDocument/2006/relationships" xmlns:p="http://schemas.openxmlformats.org/presentationml/2006/main">
+  <p:cSld>
+    <p:spTree>
+      <p:nvGrpSpPr>
+        <p:cNvPr id="1" name=""/>
+        <p:cNvGrpSpPr/>
+        <p:nvPr/>
+      </p:nvGrpSpPr>
+      <p:grpSpPr>
+        <a:xfrm>
+          <a:off x="0" y="0"/>
+          <a:ext cx="0" cy="0"/>
+          <a:chOff x="0" y="0"/>
+          <a:chExt cx="0" cy="0"/>
+        </a:xfrm>
+      </p:grpSpPr>
+      <p:sp>
+        <p:nvSpPr>
+          <p:cNvPr id="2" name="Title 1"/>
+          <p:cNvSpPr>
+            <a:spLocks noGrp="1"/>
+          </p:cNvSpPr>
+          <p:nvPr>
+            <p:ph type="title"/>
+          </p:nvPr>
+        </p:nvSpPr>
+        <p:spPr/>
+        <p:txBody>
+          <a:bodyPr/>
+          <a:lstStyle/>
+          <a:p>
+            <a:r>
+              <a:rPr lang="pt-BR" dirty="0"/>
+              <a:t>Recapitulando</a:t>
+            </a:r>
+          </a:p>
+        </p:txBody>
+      </p:sp>
+      <p:sp>
+        <p:nvSpPr>
+          <p:cNvPr id="3" name="Content Placeholder 2"/>
+          <p:cNvSpPr>
+            <a:spLocks noGrp="1"/>
+          </p:cNvSpPr>
+          <p:nvPr>
+            <p:ph idx="1"/>
+          </p:nvPr>
+        </p:nvSpPr>
+        <p:spPr>
+          <a:xfrm>
+            <a:off x="838199" y="1825624"/>
+            <a:ext cx="11130887" cy="5032375"/>
+          </a:xfrm>
+        </p:spPr>
+        <p:txBody>
+          <a:bodyPr>
+            <a:normAutofit fontScale="92500" lnSpcReduction="20000"/>
+          </a:bodyPr>
+          <a:lstStyle/>
+          <a:p>
+            <a:r>
+              <a:rPr lang="pt-BR" dirty="0"/>
+              <a:t>Anteriormente, aprendemos que a </a:t>
+            </a:r>
+            <a:r>
+              <a:rPr lang="pt-BR" b="1" i="1" dirty="0"/>
+              <a:t>classificação</a:t>
+            </a:r>
+            <a:r>
+              <a:rPr lang="pt-BR" dirty="0"/>
+              <a:t> pode ser feita usando-se uma </a:t>
+            </a:r>
+            <a:r>
+              <a:rPr lang="pt-BR" b="1" i="1" dirty="0"/>
+              <a:t>função discriminante</a:t>
+            </a:r>
+            <a:r>
+              <a:rPr lang="pt-BR" dirty="0"/>
+              <a:t>, que nada mais é do que um </a:t>
+            </a:r>
+            <a:r>
+              <a:rPr lang="pt-BR" b="1" i="1" dirty="0"/>
+              <a:t>polinômio</a:t>
+            </a:r>
+            <a:r>
+              <a:rPr lang="pt-BR" dirty="0"/>
+              <a:t>, que tem sua saída passada através de outra função chamada de </a:t>
+            </a:r>
+            <a:r>
+              <a:rPr lang="pt-BR" b="1" i="1" dirty="0"/>
+              <a:t>função de limiar</a:t>
+            </a:r>
+            <a:r>
+              <a:rPr lang="pt-BR" dirty="0"/>
+              <a:t>.</a:t>
+            </a:r>
+          </a:p>
+          <a:p>
+            <a:r>
+              <a:rPr lang="pt-BR" dirty="0"/>
+              <a:t>Como na </a:t>
+            </a:r>
+            <a:r>
+              <a:rPr lang="pt-BR" b="1" i="1" dirty="0"/>
+              <a:t>regressão linear</a:t>
+            </a:r>
+            <a:r>
+              <a:rPr lang="pt-BR" dirty="0"/>
+              <a:t>, o problema da classificação está em encontrar os pesos da </a:t>
+            </a:r>
+            <a:r>
+              <a:rPr lang="pt-BR" b="1" i="1" dirty="0"/>
+              <a:t>função discriminante </a:t>
+            </a:r>
+            <a:r>
+              <a:rPr lang="pt-BR" dirty="0"/>
+              <a:t>de tal forma que as classes sejam separadas da melhor forma possível.</a:t>
+            </a:r>
+          </a:p>
+          <a:p>
+            <a:r>
+              <a:rPr lang="pt-BR" dirty="0"/>
+              <a:t>Vimos que a função de limiar mais simples é a de </a:t>
+            </a:r>
+            <a:r>
+              <a:rPr lang="pt-BR" b="1" i="1" dirty="0"/>
+              <a:t>limiar rígido</a:t>
+            </a:r>
+            <a:r>
+              <a:rPr lang="pt-BR" dirty="0"/>
+              <a:t>, porém, ela apresenta alguns problemas como não poder ser utilizada para encontrar uma </a:t>
+            </a:r>
+            <a:r>
+              <a:rPr lang="pt-BR" b="1" i="1" dirty="0"/>
+              <a:t>solução em forma fechada </a:t>
+            </a:r>
+            <a:r>
+              <a:rPr lang="pt-BR" dirty="0"/>
+              <a:t>ou com o </a:t>
+            </a:r>
+            <a:r>
+              <a:rPr lang="pt-BR" b="1" i="1" dirty="0"/>
+              <a:t>gradiente descendente </a:t>
+            </a:r>
+            <a:r>
+              <a:rPr lang="pt-BR" dirty="0"/>
+              <a:t>e não nos dar a </a:t>
+            </a:r>
+            <a:r>
+              <a:rPr lang="pt-BR" b="1" i="1" dirty="0"/>
+              <a:t>confiança de um resultado </a:t>
+            </a:r>
+            <a:r>
+              <a:rPr lang="pt-BR" dirty="0"/>
+              <a:t>de classificação.</a:t>
+            </a:r>
+          </a:p>
+          <a:p>
+            <a:r>
+              <a:rPr lang="pt-BR" dirty="0"/>
+              <a:t>Aprendemos também, uma forma intuitiva e iterativa de encontrar os pesos da </a:t>
+            </a:r>
+            <a:r>
+              <a:rPr lang="pt-BR" b="1" i="1" dirty="0"/>
+              <a:t>função discriminante </a:t>
+            </a:r>
+            <a:r>
+              <a:rPr lang="pt-BR" dirty="0"/>
+              <a:t>quando usamos o </a:t>
+            </a:r>
+            <a:r>
+              <a:rPr lang="pt-BR" b="1" i="1" dirty="0"/>
+              <a:t>limiar rígido</a:t>
+            </a:r>
+            <a:r>
+              <a:rPr lang="pt-BR" dirty="0"/>
+              <a:t>.</a:t>
+            </a:r>
+          </a:p>
+          <a:p>
+            <a:r>
+              <a:rPr lang="pt-BR" dirty="0"/>
+              <a:t>Na sequência, introduziremos outra função de limiar, chamada de </a:t>
+            </a:r>
+            <a:r>
+              <a:rPr lang="pt-BR" b="1" i="1" dirty="0"/>
+              <a:t>função logística</a:t>
+            </a:r>
+            <a:r>
+              <a:rPr lang="pt-BR" dirty="0"/>
+              <a:t>, com a qual é possível se encontrar uma solução eficiente com o </a:t>
+            </a:r>
+            <a:r>
+              <a:rPr lang="pt-BR" b="1" i="1" dirty="0"/>
+              <a:t>gradiente descendente </a:t>
+            </a:r>
+            <a:r>
+              <a:rPr lang="pt-BR" dirty="0"/>
+              <a:t>e termos o </a:t>
+            </a:r>
+            <a:r>
+              <a:rPr lang="pt-BR" b="1" i="1" dirty="0"/>
+              <a:t>grau de confiança </a:t>
+            </a:r>
+            <a:r>
+              <a:rPr lang="pt-BR" dirty="0"/>
+              <a:t>de uma classificação.</a:t>
+            </a:r>
+          </a:p>
+        </p:txBody>
+      </p:sp>
+    </p:spTree>
+    <p:extLst>
+      <p:ext uri="{BB962C8B-B14F-4D97-AF65-F5344CB8AC3E}">
+        <p14:creationId xmlns:p14="http://schemas.microsoft.com/office/powerpoint/2010/main" val="105610887"/>
+      </p:ext>
+    </p:extLst>
+  </p:cSld>
+  <p:clrMapOvr>
+    <a:masterClrMapping/>
+  </p:clrMapOvr>
+</p:sld>
+</file>
+
+<file path=ppt/slides/slide20.xml><?xml version="1.0" encoding="utf-8"?>
+<p:sld xmlns:a="http://schemas.openxmlformats.org/drawingml/2006/main" xmlns:r="http://schemas.openxmlformats.org/officeDocument/2006/relationships" xmlns:p="http://schemas.openxmlformats.org/presentationml/2006/main">
+  <p:cSld>
+    <p:spTree>
+      <p:nvGrpSpPr>
+        <p:cNvPr id="1" name=""/>
+        <p:cNvGrpSpPr/>
+        <p:nvPr/>
+      </p:nvGrpSpPr>
+      <p:grpSpPr>
+        <a:xfrm>
+          <a:off x="0" y="0"/>
+          <a:ext cx="0" cy="0"/>
+          <a:chOff x="0" y="0"/>
+          <a:chExt cx="0" cy="0"/>
+        </a:xfrm>
+      </p:grpSpPr>
+      <p:sp>
+        <p:nvSpPr>
+          <p:cNvPr id="2" name="Title 1"/>
+          <p:cNvSpPr>
+            <a:spLocks noGrp="1"/>
+          </p:cNvSpPr>
+          <p:nvPr>
+            <p:ph type="title"/>
+          </p:nvPr>
+        </p:nvSpPr>
+        <p:spPr/>
+        <p:txBody>
+          <a:bodyPr/>
+          <a:lstStyle/>
+          <a:p>
+            <a:r>
+              <a:rPr lang="pt-BR" dirty="0"/>
+              <a:t>Encontrando o vetor gradiente</a:t>
+            </a:r>
+            <a:endParaRPr lang="pt-BR" dirty="0"/>
+          </a:p>
+        </p:txBody>
+      </p:sp>
+      <mc:AlternateContent xmlns:mc="http://schemas.openxmlformats.org/markup-compatibility/2006">
+        <mc:Choice xmlns:a14="http://schemas.microsoft.com/office/drawing/2010/main" Requires="a14">
+          <p:sp>
+            <p:nvSpPr>
+              <p:cNvPr id="3" name="Content Placeholder 2"/>
+              <p:cNvSpPr>
+                <a:spLocks noGrp="1"/>
+              </p:cNvSpPr>
+              <p:nvPr>
+                <p:ph idx="1"/>
+              </p:nvPr>
+            </p:nvSpPr>
+            <p:spPr>
+              <a:xfrm>
+                <a:off x="838200" y="1825624"/>
+                <a:ext cx="11201400" cy="5032376"/>
+              </a:xfrm>
+            </p:spPr>
+            <p:txBody>
+              <a:bodyPr>
+                <a:normAutofit/>
+              </a:bodyPr>
+              <a:lstStyle/>
+              <a:p>
+                <a:r>
+                  <a:rPr lang="pt-BR" dirty="0"/>
+                  <a:t>Portanto, combinando os 2 resultados </a:t>
+                </a:r>
+                <a:r>
+                  <a:rPr lang="pt-BR" dirty="0" smtClean="0"/>
+                  <a:t>anteriores, </a:t>
+                </a:r>
+                <a:r>
+                  <a:rPr lang="pt-BR" dirty="0"/>
+                  <a:t>temos que o </a:t>
+                </a:r>
+                <a:r>
+                  <a:rPr lang="pt-BR" b="1" i="1" dirty="0"/>
+                  <a:t>vetor gradiente </a:t>
+                </a:r>
+                <a:r>
+                  <a:rPr lang="pt-BR" dirty="0"/>
+                  <a:t>da</a:t>
+                </a:r>
+                <a:r>
+                  <a:rPr lang="pt-BR" b="1" i="1" dirty="0"/>
+                  <a:t> função de erro médio </a:t>
+                </a:r>
+                <a:r>
+                  <a:rPr lang="pt-BR" dirty="0"/>
+                  <a:t>é dado por</a:t>
+                </a:r>
+              </a:p>
+              <a:p>
+                <a:pPr marL="0" indent="0">
+                  <a:buNone/>
+                </a:pPr>
+                <a14:m>
+                  <m:oMathPara xmlns:m="http://schemas.openxmlformats.org/officeDocument/2006/math">
+                    <m:oMathParaPr>
+                      <m:jc m:val="center"/>
+                    </m:oMathParaPr>
+                    <m:oMath xmlns:m="http://schemas.openxmlformats.org/officeDocument/2006/math">
+                      <m:f>
+                        <m:fPr>
+                          <m:ctrlPr>
+                            <a:rPr lang="pt-BR" i="1">
+                              <a:latin typeface="Cambria Math" panose="02040503050406030204" pitchFamily="18" charset="0"/>
+                            </a:rPr>
+                          </m:ctrlPr>
+                        </m:fPr>
+                        <m:num>
+                          <m:r>
+                            <a:rPr lang="pt-BR" i="1">
+                              <a:latin typeface="Cambria Math" panose="02040503050406030204" pitchFamily="18" charset="0"/>
+                            </a:rPr>
+                            <m:t>𝜕</m:t>
+                          </m:r>
+                          <m:sSub>
+                            <m:sSubPr>
+                              <m:ctrlPr>
+                                <a:rPr lang="pt-BR" i="1">
+                                  <a:latin typeface="Cambria Math" panose="02040503050406030204" pitchFamily="18" charset="0"/>
+                                </a:rPr>
+                              </m:ctrlPr>
+                            </m:sSubPr>
+                            <m:e>
+                              <m:r>
+                                <a:rPr lang="pt-BR" i="1">
+                                  <a:latin typeface="Cambria Math" panose="02040503050406030204" pitchFamily="18" charset="0"/>
+                                </a:rPr>
+                                <m:t>𝐽</m:t>
+                              </m:r>
+                            </m:e>
+                            <m:sub>
+                              <m:r>
+                                <a:rPr lang="pt-BR" i="1">
+                                  <a:latin typeface="Cambria Math" panose="02040503050406030204" pitchFamily="18" charset="0"/>
+                                </a:rPr>
+                                <m:t>𝑒</m:t>
+                              </m:r>
+                            </m:sub>
+                          </m:sSub>
+                          <m:d>
+                            <m:dPr>
+                              <m:ctrlPr>
+                                <a:rPr lang="pt-BR" i="1">
+                                  <a:latin typeface="Cambria Math" panose="02040503050406030204" pitchFamily="18" charset="0"/>
+                                </a:rPr>
+                              </m:ctrlPr>
+                            </m:dPr>
+                            <m:e>
+                              <m:r>
+                                <a:rPr lang="pt-BR" b="1" i="1">
+                                  <a:latin typeface="Cambria Math" panose="02040503050406030204" pitchFamily="18" charset="0"/>
+                                </a:rPr>
+                                <m:t>𝒂</m:t>
+                              </m:r>
+                            </m:e>
+                          </m:d>
+                        </m:num>
+                        <m:den>
+                          <m:r>
+                            <a:rPr lang="pt-BR" i="1">
+                              <a:latin typeface="Cambria Math" panose="02040503050406030204" pitchFamily="18" charset="0"/>
+                            </a:rPr>
+                            <m:t>𝜕</m:t>
+                          </m:r>
+                          <m:r>
+                            <a:rPr lang="pt-BR" b="1" i="1">
+                              <a:latin typeface="Cambria Math" panose="02040503050406030204" pitchFamily="18" charset="0"/>
+                            </a:rPr>
+                            <m:t>𝒂</m:t>
+                          </m:r>
+                        </m:den>
+                      </m:f>
+                      <m:r>
+                        <a:rPr lang="pt-BR" b="1" i="1">
+                          <a:latin typeface="Cambria Math" panose="02040503050406030204" pitchFamily="18" charset="0"/>
+                        </a:rPr>
+                        <m:t>=</m:t>
+                      </m:r>
+                      <m:r>
+                        <a:rPr lang="pt-BR" i="1">
+                          <a:latin typeface="Cambria Math" panose="02040503050406030204" pitchFamily="18" charset="0"/>
+                        </a:rPr>
+                        <m:t>−</m:t>
+                      </m:r>
+                      <m:f>
+                        <m:fPr>
+                          <m:ctrlPr>
+                            <a:rPr lang="pt-BR" i="1">
+                              <a:latin typeface="Cambria Math" panose="02040503050406030204" pitchFamily="18" charset="0"/>
+                            </a:rPr>
+                          </m:ctrlPr>
+                        </m:fPr>
+                        <m:num>
+                          <m:r>
+                            <a:rPr lang="pt-BR" i="1">
+                              <a:latin typeface="Cambria Math" panose="02040503050406030204" pitchFamily="18" charset="0"/>
+                            </a:rPr>
+                            <m:t>1</m:t>
+                          </m:r>
+                        </m:num>
+                        <m:den>
+                          <m:r>
+                            <a:rPr lang="pt-BR" i="1">
+                              <a:latin typeface="Cambria Math" panose="02040503050406030204" pitchFamily="18" charset="0"/>
+                            </a:rPr>
+                            <m:t>𝑁</m:t>
+                          </m:r>
+                        </m:den>
+                      </m:f>
+                      <m:nary>
+                        <m:naryPr>
+                          <m:chr m:val="∑"/>
+                          <m:ctrlPr>
+                            <a:rPr lang="pt-BR" i="1">
+                              <a:latin typeface="Cambria Math" panose="02040503050406030204" pitchFamily="18" charset="0"/>
+                            </a:rPr>
+                          </m:ctrlPr>
+                        </m:naryPr>
+                        <m:sub>
+                          <m:r>
+                            <m:rPr>
+                              <m:brk m:alnAt="23"/>
+                            </m:rPr>
+                            <a:rPr lang="pt-BR" i="1">
+                              <a:latin typeface="Cambria Math" panose="02040503050406030204" pitchFamily="18" charset="0"/>
+                            </a:rPr>
+                            <m:t>𝑖</m:t>
+                          </m:r>
+                          <m:r>
+                            <a:rPr lang="pt-BR" i="1">
+                              <a:latin typeface="Cambria Math" panose="02040503050406030204" pitchFamily="18" charset="0"/>
+                            </a:rPr>
+                            <m:t>=0</m:t>
+                          </m:r>
+                        </m:sub>
+                        <m:sup>
+                          <m:r>
+                            <a:rPr lang="pt-BR" i="1">
+                              <a:latin typeface="Cambria Math" panose="02040503050406030204" pitchFamily="18" charset="0"/>
+                            </a:rPr>
+                            <m:t>𝑁</m:t>
+                          </m:r>
+                          <m:r>
+                            <a:rPr lang="pt-BR" i="1">
+                              <a:latin typeface="Cambria Math" panose="02040503050406030204" pitchFamily="18" charset="0"/>
+                            </a:rPr>
+                            <m:t>−1</m:t>
+                          </m:r>
+                        </m:sup>
+                        <m:e>
+                          <m:d>
+                            <m:dPr>
+                              <m:begChr m:val="["/>
+                              <m:endChr m:val="]"/>
+                              <m:ctrlPr>
+                                <a:rPr lang="pt-BR" i="1">
+                                  <a:latin typeface="Cambria Math" panose="02040503050406030204" pitchFamily="18" charset="0"/>
+                                </a:rPr>
+                              </m:ctrlPr>
+                            </m:dPr>
+                            <m:e>
+                              <m:r>
+                                <a:rPr lang="pt-BR" i="1">
+                                  <a:latin typeface="Cambria Math" panose="02040503050406030204" pitchFamily="18" charset="0"/>
+                                </a:rPr>
+                                <m:t>𝑦</m:t>
+                              </m:r>
+                              <m:d>
+                                <m:dPr>
+                                  <m:ctrlPr>
+                                    <a:rPr lang="pt-BR" i="1">
+                                      <a:latin typeface="Cambria Math" panose="02040503050406030204" pitchFamily="18" charset="0"/>
+                                    </a:rPr>
+                                  </m:ctrlPr>
+                                </m:dPr>
+                                <m:e>
+                                  <m:r>
+                                    <a:rPr lang="pt-BR" i="1">
+                                      <a:latin typeface="Cambria Math" panose="02040503050406030204" pitchFamily="18" charset="0"/>
+                                    </a:rPr>
+                                    <m:t>𝑖</m:t>
+                                  </m:r>
+                                </m:e>
+                              </m:d>
+                              <m:r>
+                                <a:rPr lang="pt-BR" i="1">
+                                  <a:latin typeface="Cambria Math" panose="02040503050406030204" pitchFamily="18" charset="0"/>
+                                </a:rPr>
+                                <m:t>−</m:t>
+                              </m:r>
+                              <m:sSub>
+                                <m:sSubPr>
+                                  <m:ctrlPr>
+                                    <a:rPr lang="pt-BR" i="1">
+                                      <a:latin typeface="Cambria Math" panose="02040503050406030204" pitchFamily="18" charset="0"/>
+                                    </a:rPr>
+                                  </m:ctrlPr>
+                                </m:sSubPr>
+                                <m:e>
+                                  <m:r>
+                                    <a:rPr lang="pt-BR" i="1">
+                                      <a:latin typeface="Cambria Math" panose="02040503050406030204" pitchFamily="18" charset="0"/>
+                                    </a:rPr>
+                                    <m:t>h</m:t>
+                                  </m:r>
+                                </m:e>
+                                <m:sub>
+                                  <m:r>
+                                    <a:rPr lang="pt-BR" b="1" i="1">
+                                      <a:latin typeface="Cambria Math" panose="02040503050406030204" pitchFamily="18" charset="0"/>
+                                    </a:rPr>
+                                    <m:t>𝒂</m:t>
+                                  </m:r>
+                                </m:sub>
+                              </m:sSub>
+                              <m:d>
+                                <m:dPr>
+                                  <m:ctrlPr>
+                                    <a:rPr lang="pt-BR" i="1">
+                                      <a:latin typeface="Cambria Math" panose="02040503050406030204" pitchFamily="18" charset="0"/>
+                                    </a:rPr>
+                                  </m:ctrlPr>
+                                </m:dPr>
+                                <m:e>
+                                  <m:r>
+                                    <a:rPr lang="pt-BR" b="1" i="1">
+                                      <a:latin typeface="Cambria Math" panose="02040503050406030204" pitchFamily="18" charset="0"/>
+                                    </a:rPr>
+                                    <m:t>𝒙</m:t>
+                                  </m:r>
+                                  <m:d>
+                                    <m:dPr>
+                                      <m:ctrlPr>
+                                        <a:rPr lang="pt-BR" b="1" i="1">
+                                          <a:latin typeface="Cambria Math" panose="02040503050406030204" pitchFamily="18" charset="0"/>
+                                        </a:rPr>
+                                      </m:ctrlPr>
+                                    </m:dPr>
+                                    <m:e>
+                                      <m:r>
+                                        <a:rPr lang="pt-BR" i="1">
+                                          <a:latin typeface="Cambria Math" panose="02040503050406030204" pitchFamily="18" charset="0"/>
+                                        </a:rPr>
+                                        <m:t>𝑖</m:t>
+                                      </m:r>
+                                    </m:e>
+                                  </m:d>
+                                </m:e>
+                              </m:d>
+                            </m:e>
+                          </m:d>
+                          <m:sSup>
+                            <m:sSupPr>
+                              <m:ctrlPr>
+                                <a:rPr lang="pt-BR" i="1">
+                                  <a:latin typeface="Cambria Math" panose="02040503050406030204" pitchFamily="18" charset="0"/>
+                                </a:rPr>
+                              </m:ctrlPr>
+                            </m:sSupPr>
+                            <m:e>
+                              <m:r>
+                                <a:rPr lang="pt-BR" b="1" i="1">
+                                  <a:latin typeface="Cambria Math" panose="02040503050406030204" pitchFamily="18" charset="0"/>
+                                </a:rPr>
+                                <m:t>𝒙</m:t>
+                              </m:r>
+                              <m:d>
+                                <m:dPr>
+                                  <m:ctrlPr>
+                                    <a:rPr lang="pt-BR" b="1" i="1">
+                                      <a:latin typeface="Cambria Math" panose="02040503050406030204" pitchFamily="18" charset="0"/>
+                                    </a:rPr>
+                                  </m:ctrlPr>
+                                </m:dPr>
+                                <m:e>
+                                  <m:r>
+                                    <a:rPr lang="pt-BR" i="1">
+                                      <a:latin typeface="Cambria Math" panose="02040503050406030204" pitchFamily="18" charset="0"/>
+                                    </a:rPr>
+                                    <m:t>𝑖</m:t>
+                                  </m:r>
+                                </m:e>
+                              </m:d>
+                            </m:e>
+                            <m:sup>
+                              <m:r>
+                                <a:rPr lang="pt-BR" i="1">
+                                  <a:latin typeface="Cambria Math" panose="02040503050406030204" pitchFamily="18" charset="0"/>
+                                </a:rPr>
+                                <m:t>𝑇</m:t>
+                              </m:r>
+                            </m:sup>
+                          </m:sSup>
+                        </m:e>
+                      </m:nary>
+                      <m:r>
+                        <a:rPr lang="pt-BR" i="1">
+                          <a:latin typeface="Cambria Math" panose="02040503050406030204" pitchFamily="18" charset="0"/>
+                        </a:rPr>
+                        <m:t>=</m:t>
+                      </m:r>
+                      <m:sSup>
+                        <m:sSupPr>
+                          <m:ctrlPr>
+                            <a:rPr lang="pt-BR" i="1">
+                              <a:latin typeface="Cambria Math" panose="02040503050406030204" pitchFamily="18" charset="0"/>
+                            </a:rPr>
+                          </m:ctrlPr>
+                        </m:sSupPr>
+                        <m:e>
+                          <m:r>
+                            <a:rPr lang="pt-BR" i="1">
+                              <a:latin typeface="Cambria Math" panose="02040503050406030204" pitchFamily="18" charset="0"/>
+                            </a:rPr>
+                            <m:t>−</m:t>
+                          </m:r>
+                          <m:f>
+                            <m:fPr>
+                              <m:ctrlPr>
+                                <a:rPr lang="pt-BR" i="1">
+                                  <a:latin typeface="Cambria Math" panose="02040503050406030204" pitchFamily="18" charset="0"/>
+                                </a:rPr>
+                              </m:ctrlPr>
+                            </m:fPr>
+                            <m:num>
+                              <m:r>
+                                <a:rPr lang="pt-BR" i="1">
+                                  <a:latin typeface="Cambria Math" panose="02040503050406030204" pitchFamily="18" charset="0"/>
+                                </a:rPr>
+                                <m:t>1</m:t>
+                              </m:r>
+                            </m:num>
+                            <m:den>
+                              <m:r>
+                                <a:rPr lang="pt-BR" i="1">
+                                  <a:latin typeface="Cambria Math" panose="02040503050406030204" pitchFamily="18" charset="0"/>
+                                </a:rPr>
+                                <m:t>𝑁</m:t>
+                              </m:r>
+                            </m:den>
+                          </m:f>
+                          <m:r>
+                            <a:rPr lang="pt-BR" b="1" i="1">
+                              <a:latin typeface="Cambria Math" panose="02040503050406030204" pitchFamily="18" charset="0"/>
+                            </a:rPr>
+                            <m:t>𝑿</m:t>
+                          </m:r>
+                        </m:e>
+                        <m:sup>
+                          <m:r>
+                            <a:rPr lang="pt-BR" i="1">
+                              <a:latin typeface="Cambria Math" panose="02040503050406030204" pitchFamily="18" charset="0"/>
+                            </a:rPr>
+                            <m:t>𝑇</m:t>
+                          </m:r>
+                        </m:sup>
+                      </m:sSup>
+                      <m:d>
+                        <m:dPr>
+                          <m:ctrlPr>
+                            <a:rPr lang="pt-BR" i="1">
+                              <a:latin typeface="Cambria Math" panose="02040503050406030204" pitchFamily="18" charset="0"/>
+                            </a:rPr>
+                          </m:ctrlPr>
+                        </m:dPr>
+                        <m:e>
+                          <m:r>
+                            <a:rPr lang="pt-BR" b="1" i="1">
+                              <a:latin typeface="Cambria Math" panose="02040503050406030204" pitchFamily="18" charset="0"/>
+                            </a:rPr>
+                            <m:t>𝒚</m:t>
+                          </m:r>
+                          <m:r>
+                            <a:rPr lang="pt-BR" i="1">
+                              <a:latin typeface="Cambria Math" panose="02040503050406030204" pitchFamily="18" charset="0"/>
+                            </a:rPr>
+                            <m:t>−</m:t>
+                          </m:r>
+                          <m:acc>
+                            <m:accPr>
+                              <m:chr m:val="̂"/>
+                              <m:ctrlPr>
+                                <a:rPr lang="pt-BR" i="1">
+                                  <a:latin typeface="Cambria Math" panose="02040503050406030204" pitchFamily="18" charset="0"/>
+                                </a:rPr>
+                              </m:ctrlPr>
+                            </m:accPr>
+                            <m:e>
+                              <m:r>
+                                <a:rPr lang="pt-BR" b="1" i="1">
+                                  <a:latin typeface="Cambria Math" panose="02040503050406030204" pitchFamily="18" charset="0"/>
+                                </a:rPr>
+                                <m:t>𝒚</m:t>
+                              </m:r>
+                            </m:e>
+                          </m:acc>
+                        </m:e>
+                      </m:d>
+                      <m:r>
+                        <a:rPr lang="pt-BR">
+                          <a:latin typeface="Cambria Math" panose="02040503050406030204" pitchFamily="18" charset="0"/>
+                        </a:rPr>
+                        <m:t>.</m:t>
+                      </m:r>
+                    </m:oMath>
+                  </m:oMathPara>
+                </a14:m>
+                <a:endParaRPr lang="pt-BR" dirty="0"/>
+              </a:p>
+            </p:txBody>
+          </p:sp>
+        </mc:Choice>
+        <mc:Fallback>
+          <p:sp>
+            <p:nvSpPr>
+              <p:cNvPr id="3" name="Content Placeholder 2"/>
+              <p:cNvSpPr>
+                <a:spLocks noGrp="1" noRot="1" noChangeAspect="1" noMove="1" noResize="1" noEditPoints="1" noAdjustHandles="1" noChangeArrowheads="1" noChangeShapeType="1" noTextEdit="1"/>
+              </p:cNvSpPr>
+              <p:nvPr>
+                <p:ph idx="1"/>
+              </p:nvPr>
+            </p:nvSpPr>
+            <p:spPr>
+              <a:xfrm>
+                <a:off x="838200" y="1825624"/>
+                <a:ext cx="11201400" cy="5032376"/>
+              </a:xfrm>
+              <a:blipFill rotWithShape="0">
+                <a:blip r:embed="rId3"/>
+                <a:stretch>
+                  <a:fillRect l="-980" t="-1937"/>
+                </a:stretch>
+              </a:blipFill>
+            </p:spPr>
+            <p:txBody>
+              <a:bodyPr/>
+              <a:lstStyle/>
+              <a:p>
+                <a:r>
+                  <a:rPr lang="pt-BR">
+                    <a:noFill/>
+                  </a:rPr>
+                  <a:t> </a:t>
+                </a:r>
+              </a:p>
+            </p:txBody>
+          </p:sp>
+        </mc:Fallback>
+      </mc:AlternateContent>
+      <mc:AlternateContent xmlns:mc="http://schemas.openxmlformats.org/markup-compatibility/2006" xmlns:a14="http://schemas.microsoft.com/office/drawing/2010/main">
+        <mc:Choice Requires="a14">
+          <p:sp>
+            <p:nvSpPr>
+              <p:cNvPr id="5" name="TextBox 4"/>
+              <p:cNvSpPr txBox="1"/>
+              <p:nvPr/>
+            </p:nvSpPr>
+            <p:spPr>
+              <a:xfrm>
+                <a:off x="10675257" y="2175892"/>
+                <a:ext cx="1364343" cy="774443"/>
+              </a:xfrm>
+              <a:prstGeom prst="rect">
+                <a:avLst/>
+              </a:prstGeom>
+              <a:noFill/>
+            </p:spPr>
+            <p:txBody>
+              <a:bodyPr wrap="square" rtlCol="0">
+                <a:spAutoFit/>
+              </a:bodyPr>
+              <a:lstStyle>
+                <a:defPPr>
+                  <a:defRPr lang="pt-BR"/>
+                </a:defPPr>
+                <a:lvl1pPr algn="ctr">
+                  <a:defRPr sz="1400"/>
+                </a:lvl1pPr>
+              </a:lstStyle>
+              <a:p>
+                <a:r>
+                  <a:rPr lang="pt-BR" dirty="0" smtClean="0"/>
+                  <a:t>Forma matricial: </a:t>
+                </a:r>
+                <a14:m>
+                  <m:oMath xmlns:m="http://schemas.openxmlformats.org/officeDocument/2006/math">
+                    <m:r>
+                      <a:rPr lang="pt-BR">
+                        <a:latin typeface="Cambria Math" panose="02040503050406030204" pitchFamily="18" charset="0"/>
+                      </a:rPr>
+                      <m:t>𝑿</m:t>
+                    </m:r>
+                    <m:r>
+                      <a:rPr lang="pt-BR">
+                        <a:latin typeface="Cambria Math" panose="02040503050406030204" pitchFamily="18" charset="0"/>
+                      </a:rPr>
+                      <m:t>∈</m:t>
+                    </m:r>
+                    <m:sSup>
+                      <m:sSupPr>
+                        <m:ctrlPr>
+                          <a:rPr lang="pt-BR" i="1">
+                            <a:latin typeface="Cambria Math" panose="02040503050406030204" pitchFamily="18" charset="0"/>
+                          </a:rPr>
+                        </m:ctrlPr>
+                      </m:sSupPr>
+                      <m:e>
+                        <m:r>
+                          <a:rPr lang="pt-BR">
+                            <a:latin typeface="Cambria Math" panose="02040503050406030204" pitchFamily="18" charset="0"/>
+                          </a:rPr>
+                          <m:t>ℝ</m:t>
+                        </m:r>
+                      </m:e>
+                      <m:sup>
+                        <m:r>
+                          <m:rPr>
+                            <m:sty m:val="p"/>
+                          </m:rPr>
+                          <a:rPr lang="pt-BR">
+                            <a:latin typeface="Cambria Math" panose="02040503050406030204" pitchFamily="18" charset="0"/>
+                          </a:rPr>
+                          <m:t>N</m:t>
+                        </m:r>
+                        <m:r>
+                          <a:rPr lang="pt-BR">
+                            <a:latin typeface="Cambria Math" panose="02040503050406030204" pitchFamily="18" charset="0"/>
+                          </a:rPr>
+                          <m:t>×</m:t>
+                        </m:r>
+                        <m:r>
+                          <m:rPr>
+                            <m:sty m:val="p"/>
+                          </m:rPr>
+                          <a:rPr lang="pt-BR">
+                            <a:latin typeface="Cambria Math" panose="02040503050406030204" pitchFamily="18" charset="0"/>
+                          </a:rPr>
+                          <m:t>K</m:t>
+                        </m:r>
+                        <m:r>
+                          <a:rPr lang="pt-BR" b="0" i="0" smtClean="0">
+                            <a:latin typeface="Cambria Math" panose="02040503050406030204" pitchFamily="18" charset="0"/>
+                          </a:rPr>
+                          <m:t>+1</m:t>
+                        </m:r>
+                      </m:sup>
+                    </m:sSup>
+                  </m:oMath>
+                </a14:m>
+                <a:r>
+                  <a:rPr lang="pt-BR" dirty="0"/>
+                  <a:t>, </a:t>
+                </a:r>
+                <a14:m>
+                  <m:oMath xmlns:m="http://schemas.openxmlformats.org/officeDocument/2006/math">
+                    <m:r>
+                      <a:rPr lang="pt-BR">
+                        <a:latin typeface="Cambria Math" panose="02040503050406030204" pitchFamily="18" charset="0"/>
+                      </a:rPr>
+                      <m:t>𝒚</m:t>
+                    </m:r>
+                  </m:oMath>
+                </a14:m>
+                <a:r>
+                  <a:rPr lang="pt-BR" dirty="0"/>
+                  <a:t> e </a:t>
+                </a:r>
+                <a14:m>
+                  <m:oMath xmlns:m="http://schemas.openxmlformats.org/officeDocument/2006/math">
+                    <m:acc>
+                      <m:accPr>
+                        <m:chr m:val="̂"/>
+                        <m:ctrlPr>
+                          <a:rPr lang="pt-BR" i="1">
+                            <a:latin typeface="Cambria Math" panose="02040503050406030204" pitchFamily="18" charset="0"/>
+                          </a:rPr>
+                        </m:ctrlPr>
+                      </m:accPr>
+                      <m:e>
+                        <m:r>
+                          <a:rPr lang="pt-BR">
+                            <a:latin typeface="Cambria Math" panose="02040503050406030204" pitchFamily="18" charset="0"/>
+                          </a:rPr>
+                          <m:t>𝒚</m:t>
+                        </m:r>
+                      </m:e>
+                    </m:acc>
+                  </m:oMath>
+                </a14:m>
+                <a:r>
+                  <a:rPr lang="pt-BR" dirty="0"/>
+                  <a:t>  </a:t>
+                </a:r>
+                <a14:m>
+                  <m:oMath xmlns:m="http://schemas.openxmlformats.org/officeDocument/2006/math">
+                    <m:r>
+                      <a:rPr lang="pt-BR">
+                        <a:latin typeface="Cambria Math" panose="02040503050406030204" pitchFamily="18" charset="0"/>
+                      </a:rPr>
+                      <m:t>∈</m:t>
+                    </m:r>
+                    <m:sSup>
+                      <m:sSupPr>
+                        <m:ctrlPr>
+                          <a:rPr lang="pt-BR" i="1">
+                            <a:latin typeface="Cambria Math" panose="02040503050406030204" pitchFamily="18" charset="0"/>
+                          </a:rPr>
+                        </m:ctrlPr>
+                      </m:sSupPr>
+                      <m:e>
+                        <m:r>
+                          <a:rPr lang="pt-BR">
+                            <a:latin typeface="Cambria Math" panose="02040503050406030204" pitchFamily="18" charset="0"/>
+                          </a:rPr>
+                          <m:t>ℝ</m:t>
+                        </m:r>
+                      </m:e>
+                      <m:sup>
+                        <m:r>
+                          <m:rPr>
+                            <m:sty m:val="p"/>
+                          </m:rPr>
+                          <a:rPr lang="pt-BR">
+                            <a:latin typeface="Cambria Math" panose="02040503050406030204" pitchFamily="18" charset="0"/>
+                          </a:rPr>
+                          <m:t>N</m:t>
+                        </m:r>
+                        <m:r>
+                          <a:rPr lang="pt-BR">
+                            <a:latin typeface="Cambria Math" panose="02040503050406030204" pitchFamily="18" charset="0"/>
+                          </a:rPr>
+                          <m:t>×</m:t>
+                        </m:r>
+                        <m:r>
+                          <a:rPr lang="pt-BR">
+                            <a:latin typeface="Cambria Math" panose="02040503050406030204" pitchFamily="18" charset="0"/>
+                          </a:rPr>
+                          <m:t>𝟏</m:t>
+                        </m:r>
+                      </m:sup>
+                    </m:sSup>
+                  </m:oMath>
+                </a14:m>
+                <a:endParaRPr lang="pt-BR" dirty="0"/>
+              </a:p>
+            </p:txBody>
+          </p:sp>
+        </mc:Choice>
+        <mc:Fallback xmlns="">
+          <p:sp>
+            <p:nvSpPr>
+              <p:cNvPr id="5" name="TextBox 4"/>
+              <p:cNvSpPr txBox="1">
+                <a:spLocks noRot="1" noChangeAspect="1" noMove="1" noResize="1" noEditPoints="1" noAdjustHandles="1" noChangeArrowheads="1" noChangeShapeType="1" noTextEdit="1"/>
+              </p:cNvSpPr>
+              <p:nvPr/>
+            </p:nvSpPr>
+            <p:spPr>
+              <a:xfrm>
+                <a:off x="10675257" y="2175892"/>
+                <a:ext cx="1364343" cy="774443"/>
+              </a:xfrm>
+              <a:prstGeom prst="rect">
+                <a:avLst/>
+              </a:prstGeom>
+              <a:blipFill rotWithShape="0">
+                <a:blip r:embed="rId4"/>
+                <a:stretch>
+                  <a:fillRect l="-1339" t="-1575" r="-4018" b="-3937"/>
+                </a:stretch>
+              </a:blipFill>
+            </p:spPr>
+            <p:txBody>
+              <a:bodyPr/>
+              <a:lstStyle/>
+              <a:p>
+                <a:r>
+                  <a:rPr lang="pt-BR">
+                    <a:noFill/>
+                  </a:rPr>
+                  <a:t> </a:t>
+                </a:r>
+              </a:p>
+            </p:txBody>
+          </p:sp>
+        </mc:Fallback>
+      </mc:AlternateContent>
+      <p:cxnSp>
+        <p:nvCxnSpPr>
+          <p:cNvPr id="6" name="Straight Arrow Connector 5"/>
+          <p:cNvCxnSpPr/>
+          <p:nvPr/>
+        </p:nvCxnSpPr>
+        <p:spPr>
+          <a:xfrm flipH="1">
+            <a:off x="9814560" y="2407920"/>
+            <a:ext cx="860698" cy="542415"/>
+          </a:xfrm>
+          <a:prstGeom prst="straightConnector1">
+            <a:avLst/>
+          </a:prstGeom>
+          <a:ln>
+            <a:solidFill>
+              <a:srgbClr val="FF0000"/>
+            </a:solidFill>
+            <a:tailEnd type="triangle"/>
+          </a:ln>
+        </p:spPr>
+        <p:style>
+          <a:lnRef idx="1">
+            <a:schemeClr val="accent1"/>
+          </a:lnRef>
+          <a:fillRef idx="0">
+            <a:schemeClr val="accent1"/>
+          </a:fillRef>
+          <a:effectRef idx="0">
+            <a:schemeClr val="accent1"/>
+          </a:effectRef>
+          <a:fontRef idx="minor">
+            <a:schemeClr val="tx1"/>
+          </a:fontRef>
+        </p:style>
+      </p:cxnSp>
+    </p:spTree>
+    <p:extLst>
+      <p:ext uri="{BB962C8B-B14F-4D97-AF65-F5344CB8AC3E}">
+        <p14:creationId xmlns:p14="http://schemas.microsoft.com/office/powerpoint/2010/main" val="2717367689"/>
+      </p:ext>
+    </p:extLst>
+  </p:cSld>
+  <p:clrMapOvr>
+    <a:masterClrMapping/>
+  </p:clrMapOvr>
+</p:sld>
+</file>
+
+<file path=ppt/slides/slide21.xml><?xml version="1.0" encoding="utf-8"?>
 <p:sld xmlns:a="http://schemas.openxmlformats.org/drawingml/2006/main" xmlns:r="http://schemas.openxmlformats.org/officeDocument/2006/relationships" xmlns:p="http://schemas.openxmlformats.org/presentationml/2006/main">
   <p:cSld>
     <p:spTree>
@@ -22413,516 +27848,6 @@
 </p:sld>
 </file>
 
-<file path=ppt/slides/slide18.xml><?xml version="1.0" encoding="utf-8"?>
-<p:sld xmlns:a="http://schemas.openxmlformats.org/drawingml/2006/main" xmlns:r="http://schemas.openxmlformats.org/officeDocument/2006/relationships" xmlns:p="http://schemas.openxmlformats.org/presentationml/2006/main">
-  <p:cSld>
-    <p:spTree>
-      <p:nvGrpSpPr>
-        <p:cNvPr id="1" name=""/>
-        <p:cNvGrpSpPr/>
-        <p:nvPr/>
-      </p:nvGrpSpPr>
-      <p:grpSpPr>
-        <a:xfrm>
-          <a:off x="0" y="0"/>
-          <a:ext cx="0" cy="0"/>
-          <a:chOff x="0" y="0"/>
-          <a:chExt cx="0" cy="0"/>
-        </a:xfrm>
-      </p:grpSpPr>
-      <p:sp>
-        <p:nvSpPr>
-          <p:cNvPr id="2" name="Title 1"/>
-          <p:cNvSpPr>
-            <a:spLocks noGrp="1"/>
-          </p:cNvSpPr>
-          <p:nvPr>
-            <p:ph type="title"/>
-          </p:nvPr>
-        </p:nvSpPr>
-        <p:spPr/>
-        <p:txBody>
-          <a:bodyPr/>
-          <a:lstStyle/>
-          <a:p>
-            <a:r>
-              <a:rPr lang="pt-BR" dirty="0"/>
-              <a:t>Recapitulando</a:t>
-            </a:r>
-          </a:p>
-        </p:txBody>
-      </p:sp>
-      <mc:AlternateContent xmlns:mc="http://schemas.openxmlformats.org/markup-compatibility/2006">
-        <mc:Choice xmlns:a14="http://schemas.microsoft.com/office/drawing/2010/main" Requires="a14">
-          <p:sp>
-            <p:nvSpPr>
-              <p:cNvPr id="3" name="Content Placeholder 2"/>
-              <p:cNvSpPr>
-                <a:spLocks noGrp="1"/>
-              </p:cNvSpPr>
-              <p:nvPr>
-                <p:ph idx="1"/>
-              </p:nvPr>
-            </p:nvSpPr>
-            <p:spPr>
-              <a:xfrm>
-                <a:off x="838199" y="1825625"/>
-                <a:ext cx="10816771" cy="4351338"/>
-              </a:xfrm>
-            </p:spPr>
-            <p:txBody>
-              <a:bodyPr>
-                <a:normAutofit lnSpcReduction="10000"/>
-              </a:bodyPr>
-              <a:lstStyle/>
-              <a:p>
-                <a:r>
-                  <a:rPr lang="pt-BR" dirty="0"/>
-                  <a:t>Aprendemos outra função de limiar, chamada de </a:t>
-                </a:r>
-                <a:r>
-                  <a:rPr lang="pt-BR" b="1" i="1" dirty="0"/>
-                  <a:t>função logística</a:t>
-                </a:r>
-                <a:r>
-                  <a:rPr lang="pt-BR" dirty="0"/>
-                  <a:t>, com a qual é possível </a:t>
-                </a:r>
-              </a:p>
-              <a:p>
-                <a:pPr lvl="1">
-                  <a:buFont typeface="Wingdings" panose="05000000000000000000" pitchFamily="2" charset="2"/>
-                  <a:buChar char="§"/>
-                </a:pPr>
-                <a:r>
-                  <a:rPr lang="pt-BR" dirty="0"/>
-                  <a:t>encontrar uma solução eficiente para o problema da </a:t>
-                </a:r>
-                <a:r>
-                  <a:rPr lang="pt-BR" b="1" i="1" dirty="0"/>
-                  <a:t>classificação binária</a:t>
-                </a:r>
-                <a:r>
-                  <a:rPr lang="pt-BR" dirty="0"/>
-                  <a:t> com o </a:t>
-                </a:r>
-                <a:r>
-                  <a:rPr lang="pt-BR" b="1" i="1" dirty="0"/>
-                  <a:t>gradiente descendente</a:t>
-                </a:r>
-                <a:r>
-                  <a:rPr lang="pt-BR" dirty="0"/>
-                  <a:t>.</a:t>
-                </a:r>
-              </a:p>
-              <a:p>
-                <a:pPr lvl="1">
-                  <a:buFont typeface="Wingdings" panose="05000000000000000000" pitchFamily="2" charset="2"/>
-                  <a:buChar char="§"/>
-                </a:pPr>
-                <a:r>
-                  <a:rPr lang="pt-BR" dirty="0"/>
-                  <a:t>termos o </a:t>
-                </a:r>
-                <a:r>
-                  <a:rPr lang="pt-BR" b="1" i="1" dirty="0"/>
-                  <a:t>grau de confiança </a:t>
-                </a:r>
-                <a:r>
-                  <a:rPr lang="pt-BR" dirty="0"/>
-                  <a:t>de uma classificação, ou seja, a </a:t>
-                </a:r>
-                <a:r>
-                  <a:rPr lang="pt-BR" b="1" i="1" dirty="0"/>
-                  <a:t>probabilidade</a:t>
-                </a:r>
-                <a:r>
-                  <a:rPr lang="pt-BR" dirty="0"/>
-                  <a:t> de um exemplo de entrada pertencer a uma das duas classes (Positiva ou Negativa).</a:t>
-                </a:r>
-              </a:p>
-              <a:p>
-                <a:r>
-                  <a:rPr lang="pt-BR" dirty="0"/>
-                  <a:t>Vimos também que a </a:t>
-                </a:r>
-                <a:r>
-                  <a:rPr lang="pt-BR" b="1" i="1" dirty="0"/>
-                  <a:t>função </a:t>
-                </a:r>
-                <a:r>
-                  <a:rPr lang="pt-BR" b="1" i="1" dirty="0" smtClean="0"/>
-                  <a:t>discriminante</a:t>
-                </a:r>
-                <a:r>
-                  <a:rPr lang="pt-BR" dirty="0"/>
-                  <a:t>,</a:t>
-                </a:r>
-                <a:r>
-                  <a:rPr lang="pt-BR" b="1" i="1" dirty="0"/>
-                  <a:t> </a:t>
-                </a:r>
-                <a14:m>
-                  <m:oMath xmlns:m="http://schemas.openxmlformats.org/officeDocument/2006/math">
-                    <m:r>
-                      <a:rPr lang="pt-BR" i="1">
-                        <a:latin typeface="Cambria Math" panose="02040503050406030204" pitchFamily="18" charset="0"/>
-                      </a:rPr>
-                      <m:t>𝑔</m:t>
-                    </m:r>
-                    <m:d>
-                      <m:dPr>
-                        <m:ctrlPr>
-                          <a:rPr lang="pt-BR" i="1">
-                            <a:latin typeface="Cambria Math" panose="02040503050406030204" pitchFamily="18" charset="0"/>
-                          </a:rPr>
-                        </m:ctrlPr>
-                      </m:dPr>
-                      <m:e>
-                        <m:r>
-                          <a:rPr lang="pt-BR" b="1" i="1">
-                            <a:latin typeface="Cambria Math" panose="02040503050406030204" pitchFamily="18" charset="0"/>
-                          </a:rPr>
-                          <m:t>𝒙</m:t>
-                        </m:r>
-                      </m:e>
-                    </m:d>
-                  </m:oMath>
-                </a14:m>
-                <a:r>
-                  <a:rPr lang="pt-BR" dirty="0"/>
-                  <a:t>, pode ser a equação de um </a:t>
-                </a:r>
-                <a:r>
-                  <a:rPr lang="pt-BR" b="1" i="1" dirty="0"/>
-                  <a:t>polinômio</a:t>
-                </a:r>
-                <a:r>
-                  <a:rPr lang="pt-BR" dirty="0"/>
-                  <a:t>, incluindo a equação do </a:t>
-                </a:r>
-                <a:r>
-                  <a:rPr lang="pt-BR" b="1" i="1" dirty="0"/>
-                  <a:t>hiperplano</a:t>
-                </a:r>
-                <a:r>
-                  <a:rPr lang="pt-BR" dirty="0"/>
-                  <a:t>.</a:t>
-                </a:r>
-              </a:p>
-              <a:p>
-                <a:r>
-                  <a:rPr lang="pt-BR" dirty="0"/>
-                  <a:t>O </a:t>
-                </a:r>
-                <a:r>
-                  <a:rPr lang="pt-BR" b="1" i="1" dirty="0"/>
-                  <a:t>vetor gradiente </a:t>
-                </a:r>
-                <a:r>
-                  <a:rPr lang="pt-BR" dirty="0"/>
-                  <a:t>da</a:t>
-                </a:r>
-                <a:r>
-                  <a:rPr lang="pt-BR" b="1" i="1" dirty="0"/>
-                  <a:t> função de erro médio </a:t>
-                </a:r>
-                <a:r>
-                  <a:rPr lang="pt-BR" dirty="0"/>
-                  <a:t>vai variar dependendo da </a:t>
-                </a:r>
-                <a:r>
-                  <a:rPr lang="pt-BR" b="1" i="1" dirty="0"/>
-                  <a:t>função </a:t>
-                </a:r>
-                <a:r>
-                  <a:rPr lang="pt-BR" b="1" i="1" dirty="0" smtClean="0"/>
-                  <a:t>discriminante </a:t>
-                </a:r>
-                <a:r>
-                  <a:rPr lang="pt-BR" dirty="0"/>
-                  <a:t>adotada.</a:t>
-                </a:r>
-              </a:p>
-            </p:txBody>
-          </p:sp>
-        </mc:Choice>
-        <mc:Fallback>
-          <p:sp>
-            <p:nvSpPr>
-              <p:cNvPr id="3" name="Content Placeholder 2"/>
-              <p:cNvSpPr>
-                <a:spLocks noGrp="1" noRot="1" noChangeAspect="1" noMove="1" noResize="1" noEditPoints="1" noAdjustHandles="1" noChangeArrowheads="1" noChangeShapeType="1" noTextEdit="1"/>
-              </p:cNvSpPr>
-              <p:nvPr>
-                <p:ph idx="1"/>
-              </p:nvPr>
-            </p:nvSpPr>
-            <p:spPr>
-              <a:xfrm>
-                <a:off x="838199" y="1825625"/>
-                <a:ext cx="10816771" cy="4351338"/>
-              </a:xfrm>
-              <a:blipFill rotWithShape="0">
-                <a:blip r:embed="rId2"/>
-                <a:stretch>
-                  <a:fillRect l="-958" t="-3081" r="-1070"/>
-                </a:stretch>
-              </a:blipFill>
-            </p:spPr>
-            <p:txBody>
-              <a:bodyPr/>
-              <a:lstStyle/>
-              <a:p>
-                <a:r>
-                  <a:rPr lang="pt-BR">
-                    <a:noFill/>
-                  </a:rPr>
-                  <a:t> </a:t>
-                </a:r>
-              </a:p>
-            </p:txBody>
-          </p:sp>
-        </mc:Fallback>
-      </mc:AlternateContent>
-    </p:spTree>
-    <p:extLst>
-      <p:ext uri="{BB962C8B-B14F-4D97-AF65-F5344CB8AC3E}">
-        <p14:creationId xmlns:p14="http://schemas.microsoft.com/office/powerpoint/2010/main" val="1449914691"/>
-      </p:ext>
-    </p:extLst>
-  </p:cSld>
-  <p:clrMapOvr>
-    <a:masterClrMapping/>
-  </p:clrMapOvr>
-</p:sld>
-</file>
-
-<file path=ppt/slides/slide2.xml><?xml version="1.0" encoding="utf-8"?>
-<p:sld xmlns:a="http://schemas.openxmlformats.org/drawingml/2006/main" xmlns:r="http://schemas.openxmlformats.org/officeDocument/2006/relationships" xmlns:p="http://schemas.openxmlformats.org/presentationml/2006/main">
-  <p:cSld>
-    <p:spTree>
-      <p:nvGrpSpPr>
-        <p:cNvPr id="1" name=""/>
-        <p:cNvGrpSpPr/>
-        <p:nvPr/>
-      </p:nvGrpSpPr>
-      <p:grpSpPr>
-        <a:xfrm>
-          <a:off x="0" y="0"/>
-          <a:ext cx="0" cy="0"/>
-          <a:chOff x="0" y="0"/>
-          <a:chExt cx="0" cy="0"/>
-        </a:xfrm>
-      </p:grpSpPr>
-      <p:sp>
-        <p:nvSpPr>
-          <p:cNvPr id="2" name="Title 1"/>
-          <p:cNvSpPr>
-            <a:spLocks noGrp="1"/>
-          </p:cNvSpPr>
-          <p:nvPr>
-            <p:ph type="title"/>
-          </p:nvPr>
-        </p:nvSpPr>
-        <p:spPr/>
-        <p:txBody>
-          <a:bodyPr/>
-          <a:lstStyle/>
-          <a:p>
-            <a:r>
-              <a:rPr lang="pt-BR" dirty="0"/>
-              <a:t>Recapitulando</a:t>
-            </a:r>
-          </a:p>
-        </p:txBody>
-      </p:sp>
-      <p:sp>
-        <p:nvSpPr>
-          <p:cNvPr id="3" name="Content Placeholder 2"/>
-          <p:cNvSpPr>
-            <a:spLocks noGrp="1"/>
-          </p:cNvSpPr>
-          <p:nvPr>
-            <p:ph idx="1"/>
-          </p:nvPr>
-        </p:nvSpPr>
-        <p:spPr>
-          <a:xfrm>
-            <a:off x="838199" y="1825624"/>
-            <a:ext cx="11130887" cy="5032375"/>
-          </a:xfrm>
-        </p:spPr>
-        <p:txBody>
-          <a:bodyPr>
-            <a:normAutofit fontScale="92500" lnSpcReduction="20000"/>
-          </a:bodyPr>
-          <a:lstStyle/>
-          <a:p>
-            <a:r>
-              <a:rPr lang="pt-BR" dirty="0"/>
-              <a:t>Anteriormente, aprendemos que a </a:t>
-            </a:r>
-            <a:r>
-              <a:rPr lang="pt-BR" b="1" i="1" dirty="0"/>
-              <a:t>classificação</a:t>
-            </a:r>
-            <a:r>
-              <a:rPr lang="pt-BR" dirty="0"/>
-              <a:t> pode ser feita usando-se uma </a:t>
-            </a:r>
-            <a:r>
-              <a:rPr lang="pt-BR" b="1" i="1" dirty="0"/>
-              <a:t>função discriminante</a:t>
-            </a:r>
-            <a:r>
-              <a:rPr lang="pt-BR" dirty="0"/>
-              <a:t>, que nada mais é do que um </a:t>
-            </a:r>
-            <a:r>
-              <a:rPr lang="pt-BR" b="1" i="1" dirty="0"/>
-              <a:t>polinômio</a:t>
-            </a:r>
-            <a:r>
-              <a:rPr lang="pt-BR" dirty="0"/>
-              <a:t>, que tem sua saída passada através de outra função chamada de </a:t>
-            </a:r>
-            <a:r>
-              <a:rPr lang="pt-BR" b="1" i="1" dirty="0"/>
-              <a:t>função de limiar</a:t>
-            </a:r>
-            <a:r>
-              <a:rPr lang="pt-BR" dirty="0"/>
-              <a:t>.</a:t>
-            </a:r>
-          </a:p>
-          <a:p>
-            <a:r>
-              <a:rPr lang="pt-BR" dirty="0"/>
-              <a:t>Como na </a:t>
-            </a:r>
-            <a:r>
-              <a:rPr lang="pt-BR" b="1" i="1" dirty="0"/>
-              <a:t>regressão linear</a:t>
-            </a:r>
-            <a:r>
-              <a:rPr lang="pt-BR" dirty="0"/>
-              <a:t>, o problema da classificação está em encontrar os pesos da </a:t>
-            </a:r>
-            <a:r>
-              <a:rPr lang="pt-BR" b="1" i="1" dirty="0"/>
-              <a:t>função discriminante </a:t>
-            </a:r>
-            <a:r>
-              <a:rPr lang="pt-BR" dirty="0"/>
-              <a:t>de tal forma que as classes sejam separadas da melhor forma possível.</a:t>
-            </a:r>
-          </a:p>
-          <a:p>
-            <a:r>
-              <a:rPr lang="pt-BR" dirty="0"/>
-              <a:t>Vimos que a função de limiar mais simples é a de </a:t>
-            </a:r>
-            <a:r>
-              <a:rPr lang="pt-BR" b="1" i="1" dirty="0"/>
-              <a:t>limiar rígido</a:t>
-            </a:r>
-            <a:r>
-              <a:rPr lang="pt-BR" dirty="0"/>
-              <a:t>, porém, ela apresenta alguns problemas como não poder ser utilizada para encontrar uma </a:t>
-            </a:r>
-            <a:r>
-              <a:rPr lang="pt-BR" b="1" i="1" dirty="0"/>
-              <a:t>solução em forma fechada </a:t>
-            </a:r>
-            <a:r>
-              <a:rPr lang="pt-BR" dirty="0"/>
-              <a:t>ou com o </a:t>
-            </a:r>
-            <a:r>
-              <a:rPr lang="pt-BR" b="1" i="1" dirty="0"/>
-              <a:t>gradiente descendente </a:t>
-            </a:r>
-            <a:r>
-              <a:rPr lang="pt-BR" dirty="0"/>
-              <a:t>e não nos dar a </a:t>
-            </a:r>
-            <a:r>
-              <a:rPr lang="pt-BR" b="1" i="1" dirty="0"/>
-              <a:t>confiança de um resultado </a:t>
-            </a:r>
-            <a:r>
-              <a:rPr lang="pt-BR" dirty="0"/>
-              <a:t>de classificação.</a:t>
-            </a:r>
-          </a:p>
-          <a:p>
-            <a:r>
-              <a:rPr lang="pt-BR" dirty="0"/>
-              <a:t>Aprendemos também, uma forma intuitiva e iterativa de encontrar os pesos da </a:t>
-            </a:r>
-            <a:r>
-              <a:rPr lang="pt-BR" b="1" i="1" dirty="0"/>
-              <a:t>função discriminante </a:t>
-            </a:r>
-            <a:r>
-              <a:rPr lang="pt-BR" dirty="0"/>
-              <a:t>quando usamos o </a:t>
-            </a:r>
-            <a:r>
-              <a:rPr lang="pt-BR" b="1" i="1" dirty="0"/>
-              <a:t>limiar rígido</a:t>
-            </a:r>
-            <a:r>
-              <a:rPr lang="pt-BR" dirty="0"/>
-              <a:t>.</a:t>
-            </a:r>
-          </a:p>
-          <a:p>
-            <a:r>
-              <a:rPr lang="pt-BR" dirty="0"/>
-              <a:t>Na sequência, introduziremos outra função de limiar, chamada de </a:t>
-            </a:r>
-            <a:r>
-              <a:rPr lang="pt-BR" b="1" i="1" dirty="0"/>
-              <a:t>função logística</a:t>
-            </a:r>
-            <a:r>
-              <a:rPr lang="pt-BR" dirty="0"/>
-              <a:t>, com a qual é possível se encontrar uma solução eficiente com o </a:t>
-            </a:r>
-            <a:r>
-              <a:rPr lang="pt-BR" b="1" i="1" dirty="0"/>
-              <a:t>gradiente descendente </a:t>
-            </a:r>
-            <a:r>
-              <a:rPr lang="pt-BR" dirty="0"/>
-              <a:t>e termos o </a:t>
-            </a:r>
-            <a:r>
-              <a:rPr lang="pt-BR" b="1" i="1" dirty="0"/>
-              <a:t>grau de confiança </a:t>
-            </a:r>
-            <a:r>
-              <a:rPr lang="pt-BR" dirty="0"/>
-              <a:t>de uma classificação.</a:t>
-            </a:r>
-          </a:p>
-        </p:txBody>
-      </p:sp>
-    </p:spTree>
-    <p:extLst>
-      <p:ext uri="{BB962C8B-B14F-4D97-AF65-F5344CB8AC3E}">
-        <p14:creationId xmlns:p14="http://schemas.microsoft.com/office/powerpoint/2010/main" val="105610887"/>
-      </p:ext>
-    </p:extLst>
-  </p:cSld>
-  <p:clrMapOvr>
-    <a:masterClrMapping/>
-  </p:clrMapOvr>
-</p:sld>
-</file>
-
 <file path=ppt/slides/slide3.xml><?xml version="1.0" encoding="utf-8"?>
 <p:sld xmlns:a="http://schemas.openxmlformats.org/drawingml/2006/main" xmlns:r="http://schemas.openxmlformats.org/officeDocument/2006/relationships" xmlns:p="http://schemas.openxmlformats.org/presentationml/2006/main">
   <p:cSld>
@@ -27774,7 +32699,15 @@
                 </a:r>
                 <a:r>
                   <a:rPr lang="pt-BR" dirty="0"/>
-                  <a:t>e encontrar os </a:t>
+                  <a:t>e </a:t>
+                </a:r>
+                <a:r>
+                  <a:rPr lang="pt-BR" dirty="0" smtClean="0"/>
+                  <a:t>encontrarmos </a:t>
+                </a:r>
+                <a:r>
+                  <a:rPr lang="pt-BR" dirty="0"/>
+                  <a:t>os </a:t>
                 </a:r>
                 <a:r>
                   <a:rPr lang="pt-BR" b="1" i="1" dirty="0"/>
@@ -29709,7 +34642,15 @@
                 </a14:m>
                 <a:r>
                   <a:rPr lang="pt-BR" sz="1400" dirty="0"/>
-                  <a:t> deve ser próximo de 1</a:t>
+                  <a:t> deve </a:t>
+                </a:r>
+                <a:r>
+                  <a:rPr lang="pt-BR" sz="1400" dirty="0" smtClean="0"/>
+                  <a:t>se aproximar </a:t>
+                </a:r>
+                <a:r>
+                  <a:rPr lang="pt-BR" sz="1400" dirty="0"/>
+                  <a:t>de 1</a:t>
                 </a:r>
               </a:p>
             </p:txBody>
@@ -29733,7 +34674,7 @@
                 <a:avLst/>
               </a:prstGeom>
               <a:blipFill rotWithShape="0">
-                <a:blip r:embed="rId9"/>
+                <a:blip r:embed="rId6"/>
                 <a:stretch>
                   <a:fillRect t="-2326" b="-11628"/>
                 </a:stretch>
@@ -29872,7 +34813,15 @@
                 </a14:m>
                 <a:r>
                   <a:rPr lang="pt-BR" sz="1400" dirty="0"/>
-                  <a:t> deve ser próximo de 0</a:t>
+                  <a:t> deve </a:t>
+                </a:r>
+                <a:r>
+                  <a:rPr lang="pt-BR" sz="1400" dirty="0" smtClean="0"/>
+                  <a:t>se aproximar </a:t>
+                </a:r>
+                <a:r>
+                  <a:rPr lang="pt-BR" sz="1400" dirty="0"/>
+                  <a:t>de 0</a:t>
                 </a:r>
               </a:p>
             </p:txBody>
@@ -29896,7 +34845,7 @@
                 <a:avLst/>
               </a:prstGeom>
               <a:blipFill rotWithShape="0">
-                <a:blip r:embed="rId10"/>
+                <a:blip r:embed="rId7"/>
                 <a:stretch>
                   <a:fillRect t="-2353" b="-11765"/>
                 </a:stretch>

--- a/slides/T320_Classificação (Parte III).pptx
+++ b/slides/T320_Classificação (Parte III).pptx
@@ -295,7 +295,7 @@
           <a:p>
             <a:fld id="{144F1436-6906-4D93-B7A2-786C327BFA14}" type="datetimeFigureOut">
               <a:rPr lang="nl-BE" smtClean="0"/>
-              <a:t>11/03/2022</a:t>
+              <a:t>19/08/2022</a:t>
             </a:fld>
             <a:endParaRPr lang="nl-BE"/>
           </a:p>
@@ -460,7 +460,7 @@
           <a:p>
             <a:fld id="{AA8CD09E-2914-4F47-B6C1-51B2C31814C9}" type="datetimeFigureOut">
               <a:rPr lang="pt-BR" smtClean="0"/>
-              <a:t>11/03/2022</a:t>
+              <a:t>19/08/2022</a:t>
             </a:fld>
             <a:endParaRPr lang="pt-BR"/>
           </a:p>
@@ -873,11 +873,11 @@
               <a:defRPr/>
             </a:pPr>
             <a:r>
-              <a:rPr lang="pt-BR" b="1" dirty="0" smtClean="0"/>
+              <a:rPr lang="pt-BR" b="1" dirty="0"/>
               <a:t>Exemplo</a:t>
             </a:r>
             <a:r>
-              <a:rPr lang="pt-BR" dirty="0" smtClean="0"/>
+              <a:rPr lang="pt-BR" dirty="0"/>
               <a:t>: SPAMClassificationLogisticRegressionGD.ipynb</a:t>
             </a:r>
           </a:p>
@@ -2718,11 +2718,7 @@
             </a:r>
             <a:r>
               <a:rPr lang="pt-BR" sz="1200" baseline="0" dirty="0"/>
-              <a:t> como mostrado acima</a:t>
-            </a:r>
-            <a:r>
-              <a:rPr lang="pt-BR" sz="1200" baseline="0" dirty="0" smtClean="0"/>
-              <a:t>.</a:t>
+              <a:t> como mostrado acima.</a:t>
             </a:r>
           </a:p>
           <a:p>
@@ -2743,7 +2739,7 @@
               <a:tabLst/>
               <a:defRPr/>
             </a:pPr>
-            <a:endParaRPr lang="pt-BR" sz="1200" baseline="0" dirty="0" smtClean="0"/>
+            <a:endParaRPr lang="pt-BR" sz="1200" baseline="0" dirty="0"/>
           </a:p>
           <a:p>
             <a:pPr marL="0" marR="0" lvl="0" indent="0" algn="l" defTabSz="914400" rtl="0" eaLnBrk="1" fontAlgn="auto" latinLnBrk="0" hangingPunct="1">
@@ -2764,7 +2760,7 @@
               <a:defRPr/>
             </a:pPr>
             <a:r>
-              <a:rPr lang="en-US" sz="1200" b="0" i="0" kern="1200" dirty="0" smtClean="0">
+              <a:rPr lang="en-US" sz="1200" b="0" i="0" kern="1200" dirty="0">
                 <a:solidFill>
                   <a:schemeClr val="tx1"/>
                 </a:solidFill>
@@ -2776,7 +2772,7 @@
               <a:t>In general, there </a:t>
             </a:r>
             <a:r>
-              <a:rPr lang="en-US" sz="1200" b="1" i="0" kern="1200" dirty="0" smtClean="0">
+              <a:rPr lang="en-US" sz="1200" b="1" i="0" kern="1200" dirty="0">
                 <a:solidFill>
                   <a:schemeClr val="tx1"/>
                 </a:solidFill>
@@ -2788,7 +2784,7 @@
               <a:t>is</a:t>
             </a:r>
             <a:r>
-              <a:rPr lang="en-US" sz="1200" b="0" i="0" kern="1200" dirty="0" smtClean="0">
+              <a:rPr lang="en-US" sz="1200" b="0" i="0" kern="1200" dirty="0">
                 <a:solidFill>
                   <a:schemeClr val="tx1"/>
                 </a:solidFill>
@@ -2800,7 +2796,7 @@
               <a:t> no </a:t>
             </a:r>
             <a:r>
-              <a:rPr lang="en-US" sz="1200" b="1" i="0" kern="1200" dirty="0" smtClean="0">
+              <a:rPr lang="en-US" sz="1200" b="1" i="0" kern="1200" dirty="0">
                 <a:solidFill>
                   <a:schemeClr val="tx1"/>
                 </a:solidFill>
@@ -2812,7 +2808,7 @@
               <a:t>analytical solution</a:t>
             </a:r>
             <a:r>
-              <a:rPr lang="en-US" sz="1200" b="0" i="0" kern="1200" dirty="0" smtClean="0">
+              <a:rPr lang="en-US" sz="1200" b="0" i="0" kern="1200" dirty="0">
                 <a:solidFill>
                   <a:schemeClr val="tx1"/>
                 </a:solidFill>
@@ -2824,7 +2820,7 @@
               <a:t> since these </a:t>
             </a:r>
             <a:r>
-              <a:rPr lang="en-US" sz="1200" b="1" i="0" kern="1200" dirty="0" smtClean="0">
+              <a:rPr lang="en-US" sz="1200" b="1" i="0" kern="1200" dirty="0">
                 <a:solidFill>
                   <a:schemeClr val="tx1"/>
                 </a:solidFill>
@@ -2836,7 +2832,7 @@
               <a:t>regression</a:t>
             </a:r>
             <a:r>
-              <a:rPr lang="en-US" sz="1200" b="0" i="0" kern="1200" dirty="0" smtClean="0">
+              <a:rPr lang="en-US" sz="1200" b="0" i="0" kern="1200" dirty="0">
                 <a:solidFill>
                   <a:schemeClr val="tx1"/>
                 </a:solidFill>
@@ -2867,7 +2863,7 @@
               <a:defRPr/>
             </a:pPr>
             <a:r>
-              <a:rPr lang="en-US" sz="1200" b="0" i="0" kern="1200" dirty="0" smtClean="0">
+              <a:rPr lang="en-US" sz="1200" b="0" i="0" kern="1200" dirty="0">
                 <a:solidFill>
                   <a:schemeClr val="tx1"/>
                 </a:solidFill>
@@ -2898,10 +2894,10 @@
               <a:defRPr/>
             </a:pPr>
             <a:r>
-              <a:rPr lang="en-US" dirty="0" smtClean="0"/>
+              <a:rPr lang="en-US" dirty="0"/>
               <a:t>For logistic regression, there is no longer a closed-form solution, due to the nonlinearity of the logistic sigmoid function. </a:t>
             </a:r>
-            <a:endParaRPr lang="pt-BR" sz="1200" baseline="0" dirty="0" smtClean="0"/>
+            <a:endParaRPr lang="pt-BR" sz="1200" baseline="0" dirty="0"/>
           </a:p>
           <a:p>
             <a:pPr marL="0" marR="0" lvl="0" indent="0" algn="l" defTabSz="914400" rtl="0" eaLnBrk="1" fontAlgn="auto" latinLnBrk="0" hangingPunct="1">
@@ -2922,7 +2918,7 @@
               <a:defRPr/>
             </a:pPr>
             <a:r>
-              <a:rPr lang="pt-BR" sz="1200" baseline="0" dirty="0" smtClean="0"/>
+              <a:rPr lang="pt-BR" sz="1200" baseline="0" dirty="0"/>
               <a:t>Explicação do porque não é possível se encontrar uma forma fechada para o regressor logístico: [2].</a:t>
             </a:r>
           </a:p>
@@ -2944,7 +2940,7 @@
               <a:tabLst/>
               <a:defRPr/>
             </a:pPr>
-            <a:endParaRPr lang="pt-BR" sz="1200" baseline="0" dirty="0" smtClean="0"/>
+            <a:endParaRPr lang="pt-BR" sz="1200" baseline="0" dirty="0"/>
           </a:p>
           <a:p>
             <a:pPr marL="0" marR="0" lvl="0" indent="0" algn="l" defTabSz="914400" rtl="0" eaLnBrk="1" fontAlgn="auto" latinLnBrk="0" hangingPunct="1">
@@ -3031,11 +3027,11 @@
               <a:defRPr/>
             </a:pPr>
             <a:r>
-              <a:rPr lang="pt-BR" dirty="0" smtClean="0"/>
+              <a:rPr lang="pt-BR" dirty="0"/>
               <a:t>[2] </a:t>
             </a:r>
             <a:r>
-              <a:rPr lang="pt-BR" sz="1200" baseline="0" dirty="0" smtClean="0"/>
+              <a:rPr lang="pt-BR" sz="1200" baseline="0" dirty="0"/>
               <a:t>https://stats.stackexchange.com/questions/949/when-is-logistic-regression-solved-in-closed-form</a:t>
             </a:r>
           </a:p>
@@ -3387,7 +3383,7 @@
           <p:cNvPr id="2" name="Título 1">
             <a:extLst>
               <a:ext uri="{FF2B5EF4-FFF2-40B4-BE49-F238E27FC236}">
-                <a16:creationId xmlns="" xmlns:a16="http://schemas.microsoft.com/office/drawing/2014/main" id="{1DB9B4FF-B06E-403C-A326-BDC64D8FF94E}"/>
+                <a16:creationId xmlns:a16="http://schemas.microsoft.com/office/drawing/2014/main" id="{1DB9B4FF-B06E-403C-A326-BDC64D8FF94E}"/>
               </a:ext>
             </a:extLst>
           </p:cNvPr>
@@ -3424,7 +3420,7 @@
           <p:cNvPr id="3" name="Subtítulo 2">
             <a:extLst>
               <a:ext uri="{FF2B5EF4-FFF2-40B4-BE49-F238E27FC236}">
-                <a16:creationId xmlns="" xmlns:a16="http://schemas.microsoft.com/office/drawing/2014/main" id="{247BDFCE-746E-45BF-A319-4733D58D1632}"/>
+                <a16:creationId xmlns:a16="http://schemas.microsoft.com/office/drawing/2014/main" id="{247BDFCE-746E-45BF-A319-4733D58D1632}"/>
               </a:ext>
             </a:extLst>
           </p:cNvPr>
@@ -3494,7 +3490,7 @@
           <p:cNvPr id="4" name="Espaço Reservado para Data 3">
             <a:extLst>
               <a:ext uri="{FF2B5EF4-FFF2-40B4-BE49-F238E27FC236}">
-                <a16:creationId xmlns="" xmlns:a16="http://schemas.microsoft.com/office/drawing/2014/main" id="{9EDE2778-5372-4104-B96D-968184DA8288}"/>
+                <a16:creationId xmlns:a16="http://schemas.microsoft.com/office/drawing/2014/main" id="{9EDE2778-5372-4104-B96D-968184DA8288}"/>
               </a:ext>
             </a:extLst>
           </p:cNvPr>
@@ -3512,7 +3508,7 @@
           <a:p>
             <a:fld id="{63289F7E-B80B-496E-81B4-D396C37C9454}" type="datetimeFigureOut">
               <a:rPr lang="pt-BR" smtClean="0"/>
-              <a:t>11/03/2022</a:t>
+              <a:t>19/08/2022</a:t>
             </a:fld>
             <a:endParaRPr lang="pt-BR"/>
           </a:p>
@@ -3523,7 +3519,7 @@
           <p:cNvPr id="5" name="Espaço Reservado para Rodapé 4">
             <a:extLst>
               <a:ext uri="{FF2B5EF4-FFF2-40B4-BE49-F238E27FC236}">
-                <a16:creationId xmlns="" xmlns:a16="http://schemas.microsoft.com/office/drawing/2014/main" id="{C1DD0F41-C861-4051-988D-3024A37A4B93}"/>
+                <a16:creationId xmlns:a16="http://schemas.microsoft.com/office/drawing/2014/main" id="{C1DD0F41-C861-4051-988D-3024A37A4B93}"/>
               </a:ext>
             </a:extLst>
           </p:cNvPr>
@@ -3548,7 +3544,7 @@
           <p:cNvPr id="6" name="Espaço Reservado para Número de Slide 5">
             <a:extLst>
               <a:ext uri="{FF2B5EF4-FFF2-40B4-BE49-F238E27FC236}">
-                <a16:creationId xmlns="" xmlns:a16="http://schemas.microsoft.com/office/drawing/2014/main" id="{07E5967E-D980-431A-A5DB-3F0C5030A81E}"/>
+                <a16:creationId xmlns:a16="http://schemas.microsoft.com/office/drawing/2014/main" id="{07E5967E-D980-431A-A5DB-3F0C5030A81E}"/>
               </a:ext>
             </a:extLst>
           </p:cNvPr>
@@ -3607,7 +3603,7 @@
           <p:cNvPr id="2" name="Título 1">
             <a:extLst>
               <a:ext uri="{FF2B5EF4-FFF2-40B4-BE49-F238E27FC236}">
-                <a16:creationId xmlns="" xmlns:a16="http://schemas.microsoft.com/office/drawing/2014/main" id="{9036C49F-3E68-4175-81BA-3C3FEE44308A}"/>
+                <a16:creationId xmlns:a16="http://schemas.microsoft.com/office/drawing/2014/main" id="{9036C49F-3E68-4175-81BA-3C3FEE44308A}"/>
               </a:ext>
             </a:extLst>
           </p:cNvPr>
@@ -3635,7 +3631,7 @@
           <p:cNvPr id="3" name="Espaço Reservado para Texto Vertical 2">
             <a:extLst>
               <a:ext uri="{FF2B5EF4-FFF2-40B4-BE49-F238E27FC236}">
-                <a16:creationId xmlns="" xmlns:a16="http://schemas.microsoft.com/office/drawing/2014/main" id="{426FA736-3DD3-4D4E-B57B-BBE1D8F7D424}"/>
+                <a16:creationId xmlns:a16="http://schemas.microsoft.com/office/drawing/2014/main" id="{426FA736-3DD3-4D4E-B57B-BBE1D8F7D424}"/>
               </a:ext>
             </a:extLst>
           </p:cNvPr>
@@ -3692,7 +3688,7 @@
           <p:cNvPr id="4" name="Espaço Reservado para Data 3">
             <a:extLst>
               <a:ext uri="{FF2B5EF4-FFF2-40B4-BE49-F238E27FC236}">
-                <a16:creationId xmlns="" xmlns:a16="http://schemas.microsoft.com/office/drawing/2014/main" id="{99E8855C-D8FD-48F6-B14E-861E0DE4D915}"/>
+                <a16:creationId xmlns:a16="http://schemas.microsoft.com/office/drawing/2014/main" id="{99E8855C-D8FD-48F6-B14E-861E0DE4D915}"/>
               </a:ext>
             </a:extLst>
           </p:cNvPr>
@@ -3710,7 +3706,7 @@
           <a:p>
             <a:fld id="{63289F7E-B80B-496E-81B4-D396C37C9454}" type="datetimeFigureOut">
               <a:rPr lang="pt-BR" smtClean="0"/>
-              <a:t>11/03/2022</a:t>
+              <a:t>19/08/2022</a:t>
             </a:fld>
             <a:endParaRPr lang="pt-BR"/>
           </a:p>
@@ -3721,7 +3717,7 @@
           <p:cNvPr id="5" name="Espaço Reservado para Rodapé 4">
             <a:extLst>
               <a:ext uri="{FF2B5EF4-FFF2-40B4-BE49-F238E27FC236}">
-                <a16:creationId xmlns="" xmlns:a16="http://schemas.microsoft.com/office/drawing/2014/main" id="{97C0BB88-2F21-42A5-ACFF-83DA47F2D340}"/>
+                <a16:creationId xmlns:a16="http://schemas.microsoft.com/office/drawing/2014/main" id="{97C0BB88-2F21-42A5-ACFF-83DA47F2D340}"/>
               </a:ext>
             </a:extLst>
           </p:cNvPr>
@@ -3746,7 +3742,7 @@
           <p:cNvPr id="6" name="Espaço Reservado para Número de Slide 5">
             <a:extLst>
               <a:ext uri="{FF2B5EF4-FFF2-40B4-BE49-F238E27FC236}">
-                <a16:creationId xmlns="" xmlns:a16="http://schemas.microsoft.com/office/drawing/2014/main" id="{6CB462B3-1F22-4C05-B4B8-7A279FB7D5E9}"/>
+                <a16:creationId xmlns:a16="http://schemas.microsoft.com/office/drawing/2014/main" id="{6CB462B3-1F22-4C05-B4B8-7A279FB7D5E9}"/>
               </a:ext>
             </a:extLst>
           </p:cNvPr>
@@ -3805,7 +3801,7 @@
           <p:cNvPr id="2" name="Título Vertical 1">
             <a:extLst>
               <a:ext uri="{FF2B5EF4-FFF2-40B4-BE49-F238E27FC236}">
-                <a16:creationId xmlns="" xmlns:a16="http://schemas.microsoft.com/office/drawing/2014/main" id="{EAEAB728-701C-4207-A9D5-23FF45C60502}"/>
+                <a16:creationId xmlns:a16="http://schemas.microsoft.com/office/drawing/2014/main" id="{EAEAB728-701C-4207-A9D5-23FF45C60502}"/>
               </a:ext>
             </a:extLst>
           </p:cNvPr>
@@ -3838,7 +3834,7 @@
           <p:cNvPr id="3" name="Espaço Reservado para Texto Vertical 2">
             <a:extLst>
               <a:ext uri="{FF2B5EF4-FFF2-40B4-BE49-F238E27FC236}">
-                <a16:creationId xmlns="" xmlns:a16="http://schemas.microsoft.com/office/drawing/2014/main" id="{BA8C8CCF-7823-480A-9A19-0F664DD17E3B}"/>
+                <a16:creationId xmlns:a16="http://schemas.microsoft.com/office/drawing/2014/main" id="{BA8C8CCF-7823-480A-9A19-0F664DD17E3B}"/>
               </a:ext>
             </a:extLst>
           </p:cNvPr>
@@ -3900,7 +3896,7 @@
           <p:cNvPr id="4" name="Espaço Reservado para Data 3">
             <a:extLst>
               <a:ext uri="{FF2B5EF4-FFF2-40B4-BE49-F238E27FC236}">
-                <a16:creationId xmlns="" xmlns:a16="http://schemas.microsoft.com/office/drawing/2014/main" id="{721D5734-7B1F-425D-942F-6EB73344027C}"/>
+                <a16:creationId xmlns:a16="http://schemas.microsoft.com/office/drawing/2014/main" id="{721D5734-7B1F-425D-942F-6EB73344027C}"/>
               </a:ext>
             </a:extLst>
           </p:cNvPr>
@@ -3918,7 +3914,7 @@
           <a:p>
             <a:fld id="{63289F7E-B80B-496E-81B4-D396C37C9454}" type="datetimeFigureOut">
               <a:rPr lang="pt-BR" smtClean="0"/>
-              <a:t>11/03/2022</a:t>
+              <a:t>19/08/2022</a:t>
             </a:fld>
             <a:endParaRPr lang="pt-BR"/>
           </a:p>
@@ -3929,7 +3925,7 @@
           <p:cNvPr id="5" name="Espaço Reservado para Rodapé 4">
             <a:extLst>
               <a:ext uri="{FF2B5EF4-FFF2-40B4-BE49-F238E27FC236}">
-                <a16:creationId xmlns="" xmlns:a16="http://schemas.microsoft.com/office/drawing/2014/main" id="{1E1AAEAC-F08D-45FE-89EC-B1B349A868C9}"/>
+                <a16:creationId xmlns:a16="http://schemas.microsoft.com/office/drawing/2014/main" id="{1E1AAEAC-F08D-45FE-89EC-B1B349A868C9}"/>
               </a:ext>
             </a:extLst>
           </p:cNvPr>
@@ -3954,7 +3950,7 @@
           <p:cNvPr id="6" name="Espaço Reservado para Número de Slide 5">
             <a:extLst>
               <a:ext uri="{FF2B5EF4-FFF2-40B4-BE49-F238E27FC236}">
-                <a16:creationId xmlns="" xmlns:a16="http://schemas.microsoft.com/office/drawing/2014/main" id="{BAA44493-9911-47B2-87A6-C2141A972BC8}"/>
+                <a16:creationId xmlns:a16="http://schemas.microsoft.com/office/drawing/2014/main" id="{BAA44493-9911-47B2-87A6-C2141A972BC8}"/>
               </a:ext>
             </a:extLst>
           </p:cNvPr>
@@ -4013,7 +4009,7 @@
           <p:cNvPr id="2" name="Título 1">
             <a:extLst>
               <a:ext uri="{FF2B5EF4-FFF2-40B4-BE49-F238E27FC236}">
-                <a16:creationId xmlns="" xmlns:a16="http://schemas.microsoft.com/office/drawing/2014/main" id="{71BD44A5-8F21-4626-A01D-48A1C874B1D5}"/>
+                <a16:creationId xmlns:a16="http://schemas.microsoft.com/office/drawing/2014/main" id="{71BD44A5-8F21-4626-A01D-48A1C874B1D5}"/>
               </a:ext>
             </a:extLst>
           </p:cNvPr>
@@ -4041,7 +4037,7 @@
           <p:cNvPr id="3" name="Espaço Reservado para Conteúdo 2">
             <a:extLst>
               <a:ext uri="{FF2B5EF4-FFF2-40B4-BE49-F238E27FC236}">
-                <a16:creationId xmlns="" xmlns:a16="http://schemas.microsoft.com/office/drawing/2014/main" id="{B79E8085-65A9-48AA-951D-71D978BFF4ED}"/>
+                <a16:creationId xmlns:a16="http://schemas.microsoft.com/office/drawing/2014/main" id="{B79E8085-65A9-48AA-951D-71D978BFF4ED}"/>
               </a:ext>
             </a:extLst>
           </p:cNvPr>
@@ -4098,7 +4094,7 @@
           <p:cNvPr id="4" name="Espaço Reservado para Data 3">
             <a:extLst>
               <a:ext uri="{FF2B5EF4-FFF2-40B4-BE49-F238E27FC236}">
-                <a16:creationId xmlns="" xmlns:a16="http://schemas.microsoft.com/office/drawing/2014/main" id="{F05BE1AF-51EA-425D-B188-DE7BD675009F}"/>
+                <a16:creationId xmlns:a16="http://schemas.microsoft.com/office/drawing/2014/main" id="{F05BE1AF-51EA-425D-B188-DE7BD675009F}"/>
               </a:ext>
             </a:extLst>
           </p:cNvPr>
@@ -4116,7 +4112,7 @@
           <a:p>
             <a:fld id="{63289F7E-B80B-496E-81B4-D396C37C9454}" type="datetimeFigureOut">
               <a:rPr lang="pt-BR" smtClean="0"/>
-              <a:t>11/03/2022</a:t>
+              <a:t>19/08/2022</a:t>
             </a:fld>
             <a:endParaRPr lang="pt-BR"/>
           </a:p>
@@ -4127,7 +4123,7 @@
           <p:cNvPr id="5" name="Espaço Reservado para Rodapé 4">
             <a:extLst>
               <a:ext uri="{FF2B5EF4-FFF2-40B4-BE49-F238E27FC236}">
-                <a16:creationId xmlns="" xmlns:a16="http://schemas.microsoft.com/office/drawing/2014/main" id="{121BE632-29CF-4CB9-B365-C9EF38F89BE6}"/>
+                <a16:creationId xmlns:a16="http://schemas.microsoft.com/office/drawing/2014/main" id="{121BE632-29CF-4CB9-B365-C9EF38F89BE6}"/>
               </a:ext>
             </a:extLst>
           </p:cNvPr>
@@ -4152,7 +4148,7 @@
           <p:cNvPr id="6" name="Espaço Reservado para Número de Slide 5">
             <a:extLst>
               <a:ext uri="{FF2B5EF4-FFF2-40B4-BE49-F238E27FC236}">
-                <a16:creationId xmlns="" xmlns:a16="http://schemas.microsoft.com/office/drawing/2014/main" id="{60CF3DD1-9AEC-4A57-B461-4E4DD86FAC18}"/>
+                <a16:creationId xmlns:a16="http://schemas.microsoft.com/office/drawing/2014/main" id="{60CF3DD1-9AEC-4A57-B461-4E4DD86FAC18}"/>
               </a:ext>
             </a:extLst>
           </p:cNvPr>
@@ -4211,7 +4207,7 @@
           <p:cNvPr id="2" name="Título 1">
             <a:extLst>
               <a:ext uri="{FF2B5EF4-FFF2-40B4-BE49-F238E27FC236}">
-                <a16:creationId xmlns="" xmlns:a16="http://schemas.microsoft.com/office/drawing/2014/main" id="{34AB2FF0-A4D7-4E28-991D-FF26140D5988}"/>
+                <a16:creationId xmlns:a16="http://schemas.microsoft.com/office/drawing/2014/main" id="{34AB2FF0-A4D7-4E28-991D-FF26140D5988}"/>
               </a:ext>
             </a:extLst>
           </p:cNvPr>
@@ -4248,7 +4244,7 @@
           <p:cNvPr id="3" name="Espaço Reservado para Texto 2">
             <a:extLst>
               <a:ext uri="{FF2B5EF4-FFF2-40B4-BE49-F238E27FC236}">
-                <a16:creationId xmlns="" xmlns:a16="http://schemas.microsoft.com/office/drawing/2014/main" id="{E2AC45B0-4145-40DB-8E61-105461170604}"/>
+                <a16:creationId xmlns:a16="http://schemas.microsoft.com/office/drawing/2014/main" id="{E2AC45B0-4145-40DB-8E61-105461170604}"/>
               </a:ext>
             </a:extLst>
           </p:cNvPr>
@@ -4373,7 +4369,7 @@
           <p:cNvPr id="4" name="Espaço Reservado para Data 3">
             <a:extLst>
               <a:ext uri="{FF2B5EF4-FFF2-40B4-BE49-F238E27FC236}">
-                <a16:creationId xmlns="" xmlns:a16="http://schemas.microsoft.com/office/drawing/2014/main" id="{50F1D3FB-740A-4EBA-A309-2CE71D12ECFB}"/>
+                <a16:creationId xmlns:a16="http://schemas.microsoft.com/office/drawing/2014/main" id="{50F1D3FB-740A-4EBA-A309-2CE71D12ECFB}"/>
               </a:ext>
             </a:extLst>
           </p:cNvPr>
@@ -4391,7 +4387,7 @@
           <a:p>
             <a:fld id="{63289F7E-B80B-496E-81B4-D396C37C9454}" type="datetimeFigureOut">
               <a:rPr lang="pt-BR" smtClean="0"/>
-              <a:t>11/03/2022</a:t>
+              <a:t>19/08/2022</a:t>
             </a:fld>
             <a:endParaRPr lang="pt-BR"/>
           </a:p>
@@ -4402,7 +4398,7 @@
           <p:cNvPr id="5" name="Espaço Reservado para Rodapé 4">
             <a:extLst>
               <a:ext uri="{FF2B5EF4-FFF2-40B4-BE49-F238E27FC236}">
-                <a16:creationId xmlns="" xmlns:a16="http://schemas.microsoft.com/office/drawing/2014/main" id="{BDCAB18F-8715-4465-A940-F9C193A2ACE9}"/>
+                <a16:creationId xmlns:a16="http://schemas.microsoft.com/office/drawing/2014/main" id="{BDCAB18F-8715-4465-A940-F9C193A2ACE9}"/>
               </a:ext>
             </a:extLst>
           </p:cNvPr>
@@ -4427,7 +4423,7 @@
           <p:cNvPr id="6" name="Espaço Reservado para Número de Slide 5">
             <a:extLst>
               <a:ext uri="{FF2B5EF4-FFF2-40B4-BE49-F238E27FC236}">
-                <a16:creationId xmlns="" xmlns:a16="http://schemas.microsoft.com/office/drawing/2014/main" id="{353466C6-8248-429F-8056-FF040BF509EB}"/>
+                <a16:creationId xmlns:a16="http://schemas.microsoft.com/office/drawing/2014/main" id="{353466C6-8248-429F-8056-FF040BF509EB}"/>
               </a:ext>
             </a:extLst>
           </p:cNvPr>
@@ -4486,7 +4482,7 @@
           <p:cNvPr id="2" name="Título 1">
             <a:extLst>
               <a:ext uri="{FF2B5EF4-FFF2-40B4-BE49-F238E27FC236}">
-                <a16:creationId xmlns="" xmlns:a16="http://schemas.microsoft.com/office/drawing/2014/main" id="{BC7BB9F0-F14B-4A91-B2B7-35BC47FE4DE7}"/>
+                <a16:creationId xmlns:a16="http://schemas.microsoft.com/office/drawing/2014/main" id="{BC7BB9F0-F14B-4A91-B2B7-35BC47FE4DE7}"/>
               </a:ext>
             </a:extLst>
           </p:cNvPr>
@@ -4514,7 +4510,7 @@
           <p:cNvPr id="3" name="Espaço Reservado para Conteúdo 2">
             <a:extLst>
               <a:ext uri="{FF2B5EF4-FFF2-40B4-BE49-F238E27FC236}">
-                <a16:creationId xmlns="" xmlns:a16="http://schemas.microsoft.com/office/drawing/2014/main" id="{EC1FC1C4-73DA-47A6-8496-B0B457F7D39A}"/>
+                <a16:creationId xmlns:a16="http://schemas.microsoft.com/office/drawing/2014/main" id="{EC1FC1C4-73DA-47A6-8496-B0B457F7D39A}"/>
               </a:ext>
             </a:extLst>
           </p:cNvPr>
@@ -4576,7 +4572,7 @@
           <p:cNvPr id="4" name="Espaço Reservado para Conteúdo 3">
             <a:extLst>
               <a:ext uri="{FF2B5EF4-FFF2-40B4-BE49-F238E27FC236}">
-                <a16:creationId xmlns="" xmlns:a16="http://schemas.microsoft.com/office/drawing/2014/main" id="{E92F06A8-A449-4D92-9912-76873E529B38}"/>
+                <a16:creationId xmlns:a16="http://schemas.microsoft.com/office/drawing/2014/main" id="{E92F06A8-A449-4D92-9912-76873E529B38}"/>
               </a:ext>
             </a:extLst>
           </p:cNvPr>
@@ -4638,7 +4634,7 @@
           <p:cNvPr id="5" name="Espaço Reservado para Data 4">
             <a:extLst>
               <a:ext uri="{FF2B5EF4-FFF2-40B4-BE49-F238E27FC236}">
-                <a16:creationId xmlns="" xmlns:a16="http://schemas.microsoft.com/office/drawing/2014/main" id="{938070A4-BC2F-4D55-BD8D-DEAF11BB9EE9}"/>
+                <a16:creationId xmlns:a16="http://schemas.microsoft.com/office/drawing/2014/main" id="{938070A4-BC2F-4D55-BD8D-DEAF11BB9EE9}"/>
               </a:ext>
             </a:extLst>
           </p:cNvPr>
@@ -4656,7 +4652,7 @@
           <a:p>
             <a:fld id="{63289F7E-B80B-496E-81B4-D396C37C9454}" type="datetimeFigureOut">
               <a:rPr lang="pt-BR" smtClean="0"/>
-              <a:t>11/03/2022</a:t>
+              <a:t>19/08/2022</a:t>
             </a:fld>
             <a:endParaRPr lang="pt-BR"/>
           </a:p>
@@ -4667,7 +4663,7 @@
           <p:cNvPr id="6" name="Espaço Reservado para Rodapé 5">
             <a:extLst>
               <a:ext uri="{FF2B5EF4-FFF2-40B4-BE49-F238E27FC236}">
-                <a16:creationId xmlns="" xmlns:a16="http://schemas.microsoft.com/office/drawing/2014/main" id="{45CC2DB8-844A-465F-BA9A-7734C80C7F43}"/>
+                <a16:creationId xmlns:a16="http://schemas.microsoft.com/office/drawing/2014/main" id="{45CC2DB8-844A-465F-BA9A-7734C80C7F43}"/>
               </a:ext>
             </a:extLst>
           </p:cNvPr>
@@ -4692,7 +4688,7 @@
           <p:cNvPr id="7" name="Espaço Reservado para Número de Slide 6">
             <a:extLst>
               <a:ext uri="{FF2B5EF4-FFF2-40B4-BE49-F238E27FC236}">
-                <a16:creationId xmlns="" xmlns:a16="http://schemas.microsoft.com/office/drawing/2014/main" id="{4CC606A8-097B-4040-94E0-CD8C88280D8F}"/>
+                <a16:creationId xmlns:a16="http://schemas.microsoft.com/office/drawing/2014/main" id="{4CC606A8-097B-4040-94E0-CD8C88280D8F}"/>
               </a:ext>
             </a:extLst>
           </p:cNvPr>
@@ -4751,7 +4747,7 @@
           <p:cNvPr id="2" name="Título 1">
             <a:extLst>
               <a:ext uri="{FF2B5EF4-FFF2-40B4-BE49-F238E27FC236}">
-                <a16:creationId xmlns="" xmlns:a16="http://schemas.microsoft.com/office/drawing/2014/main" id="{76D66686-0143-4CB6-8C09-BA326F1E7ACA}"/>
+                <a16:creationId xmlns:a16="http://schemas.microsoft.com/office/drawing/2014/main" id="{76D66686-0143-4CB6-8C09-BA326F1E7ACA}"/>
               </a:ext>
             </a:extLst>
           </p:cNvPr>
@@ -4784,7 +4780,7 @@
           <p:cNvPr id="3" name="Espaço Reservado para Texto 2">
             <a:extLst>
               <a:ext uri="{FF2B5EF4-FFF2-40B4-BE49-F238E27FC236}">
-                <a16:creationId xmlns="" xmlns:a16="http://schemas.microsoft.com/office/drawing/2014/main" id="{0227AB85-F59E-4BCE-B846-4FA0992C2F23}"/>
+                <a16:creationId xmlns:a16="http://schemas.microsoft.com/office/drawing/2014/main" id="{0227AB85-F59E-4BCE-B846-4FA0992C2F23}"/>
               </a:ext>
             </a:extLst>
           </p:cNvPr>
@@ -4855,7 +4851,7 @@
           <p:cNvPr id="4" name="Espaço Reservado para Conteúdo 3">
             <a:extLst>
               <a:ext uri="{FF2B5EF4-FFF2-40B4-BE49-F238E27FC236}">
-                <a16:creationId xmlns="" xmlns:a16="http://schemas.microsoft.com/office/drawing/2014/main" id="{3373456C-7319-4D0A-827D-D29F6B083F5D}"/>
+                <a16:creationId xmlns:a16="http://schemas.microsoft.com/office/drawing/2014/main" id="{3373456C-7319-4D0A-827D-D29F6B083F5D}"/>
               </a:ext>
             </a:extLst>
           </p:cNvPr>
@@ -4917,7 +4913,7 @@
           <p:cNvPr id="5" name="Espaço Reservado para Texto 4">
             <a:extLst>
               <a:ext uri="{FF2B5EF4-FFF2-40B4-BE49-F238E27FC236}">
-                <a16:creationId xmlns="" xmlns:a16="http://schemas.microsoft.com/office/drawing/2014/main" id="{4CD109D0-2E83-4262-8029-A871CEC47406}"/>
+                <a16:creationId xmlns:a16="http://schemas.microsoft.com/office/drawing/2014/main" id="{4CD109D0-2E83-4262-8029-A871CEC47406}"/>
               </a:ext>
             </a:extLst>
           </p:cNvPr>
@@ -4988,7 +4984,7 @@
           <p:cNvPr id="6" name="Espaço Reservado para Conteúdo 5">
             <a:extLst>
               <a:ext uri="{FF2B5EF4-FFF2-40B4-BE49-F238E27FC236}">
-                <a16:creationId xmlns="" xmlns:a16="http://schemas.microsoft.com/office/drawing/2014/main" id="{AD706E3A-CFBB-4A6C-A65F-D0360A9E74FE}"/>
+                <a16:creationId xmlns:a16="http://schemas.microsoft.com/office/drawing/2014/main" id="{AD706E3A-CFBB-4A6C-A65F-D0360A9E74FE}"/>
               </a:ext>
             </a:extLst>
           </p:cNvPr>
@@ -5050,7 +5046,7 @@
           <p:cNvPr id="7" name="Espaço Reservado para Data 6">
             <a:extLst>
               <a:ext uri="{FF2B5EF4-FFF2-40B4-BE49-F238E27FC236}">
-                <a16:creationId xmlns="" xmlns:a16="http://schemas.microsoft.com/office/drawing/2014/main" id="{4172C0E5-5AF0-4805-BB51-443733CD2BD5}"/>
+                <a16:creationId xmlns:a16="http://schemas.microsoft.com/office/drawing/2014/main" id="{4172C0E5-5AF0-4805-BB51-443733CD2BD5}"/>
               </a:ext>
             </a:extLst>
           </p:cNvPr>
@@ -5068,7 +5064,7 @@
           <a:p>
             <a:fld id="{63289F7E-B80B-496E-81B4-D396C37C9454}" type="datetimeFigureOut">
               <a:rPr lang="pt-BR" smtClean="0"/>
-              <a:t>11/03/2022</a:t>
+              <a:t>19/08/2022</a:t>
             </a:fld>
             <a:endParaRPr lang="pt-BR"/>
           </a:p>
@@ -5079,7 +5075,7 @@
           <p:cNvPr id="8" name="Espaço Reservado para Rodapé 7">
             <a:extLst>
               <a:ext uri="{FF2B5EF4-FFF2-40B4-BE49-F238E27FC236}">
-                <a16:creationId xmlns="" xmlns:a16="http://schemas.microsoft.com/office/drawing/2014/main" id="{0E801648-156F-497E-99CF-797DF48051E1}"/>
+                <a16:creationId xmlns:a16="http://schemas.microsoft.com/office/drawing/2014/main" id="{0E801648-156F-497E-99CF-797DF48051E1}"/>
               </a:ext>
             </a:extLst>
           </p:cNvPr>
@@ -5104,7 +5100,7 @@
           <p:cNvPr id="9" name="Espaço Reservado para Número de Slide 8">
             <a:extLst>
               <a:ext uri="{FF2B5EF4-FFF2-40B4-BE49-F238E27FC236}">
-                <a16:creationId xmlns="" xmlns:a16="http://schemas.microsoft.com/office/drawing/2014/main" id="{EEE23D32-80E7-4796-A137-66BF842E4B53}"/>
+                <a16:creationId xmlns:a16="http://schemas.microsoft.com/office/drawing/2014/main" id="{EEE23D32-80E7-4796-A137-66BF842E4B53}"/>
               </a:ext>
             </a:extLst>
           </p:cNvPr>
@@ -5163,7 +5159,7 @@
           <p:cNvPr id="2" name="Título 1">
             <a:extLst>
               <a:ext uri="{FF2B5EF4-FFF2-40B4-BE49-F238E27FC236}">
-                <a16:creationId xmlns="" xmlns:a16="http://schemas.microsoft.com/office/drawing/2014/main" id="{2BCE2379-C78F-47E1-8CFC-B846E7AF148D}"/>
+                <a16:creationId xmlns:a16="http://schemas.microsoft.com/office/drawing/2014/main" id="{2BCE2379-C78F-47E1-8CFC-B846E7AF148D}"/>
               </a:ext>
             </a:extLst>
           </p:cNvPr>
@@ -5191,7 +5187,7 @@
           <p:cNvPr id="3" name="Espaço Reservado para Data 2">
             <a:extLst>
               <a:ext uri="{FF2B5EF4-FFF2-40B4-BE49-F238E27FC236}">
-                <a16:creationId xmlns="" xmlns:a16="http://schemas.microsoft.com/office/drawing/2014/main" id="{342600A9-7F92-4E22-9D94-E4717252A817}"/>
+                <a16:creationId xmlns:a16="http://schemas.microsoft.com/office/drawing/2014/main" id="{342600A9-7F92-4E22-9D94-E4717252A817}"/>
               </a:ext>
             </a:extLst>
           </p:cNvPr>
@@ -5209,7 +5205,7 @@
           <a:p>
             <a:fld id="{63289F7E-B80B-496E-81B4-D396C37C9454}" type="datetimeFigureOut">
               <a:rPr lang="pt-BR" smtClean="0"/>
-              <a:t>11/03/2022</a:t>
+              <a:t>19/08/2022</a:t>
             </a:fld>
             <a:endParaRPr lang="pt-BR"/>
           </a:p>
@@ -5220,7 +5216,7 @@
           <p:cNvPr id="4" name="Espaço Reservado para Rodapé 3">
             <a:extLst>
               <a:ext uri="{FF2B5EF4-FFF2-40B4-BE49-F238E27FC236}">
-                <a16:creationId xmlns="" xmlns:a16="http://schemas.microsoft.com/office/drawing/2014/main" id="{192E6BED-F546-40CC-A2DF-99CBA853654E}"/>
+                <a16:creationId xmlns:a16="http://schemas.microsoft.com/office/drawing/2014/main" id="{192E6BED-F546-40CC-A2DF-99CBA853654E}"/>
               </a:ext>
             </a:extLst>
           </p:cNvPr>
@@ -5245,7 +5241,7 @@
           <p:cNvPr id="5" name="Espaço Reservado para Número de Slide 4">
             <a:extLst>
               <a:ext uri="{FF2B5EF4-FFF2-40B4-BE49-F238E27FC236}">
-                <a16:creationId xmlns="" xmlns:a16="http://schemas.microsoft.com/office/drawing/2014/main" id="{6091CC40-A8C4-4063-80EB-CC5099621678}"/>
+                <a16:creationId xmlns:a16="http://schemas.microsoft.com/office/drawing/2014/main" id="{6091CC40-A8C4-4063-80EB-CC5099621678}"/>
               </a:ext>
             </a:extLst>
           </p:cNvPr>
@@ -5304,7 +5300,7 @@
           <p:cNvPr id="2" name="Espaço Reservado para Data 1">
             <a:extLst>
               <a:ext uri="{FF2B5EF4-FFF2-40B4-BE49-F238E27FC236}">
-                <a16:creationId xmlns="" xmlns:a16="http://schemas.microsoft.com/office/drawing/2014/main" id="{DD19515C-212C-4EAE-84A3-8FF4BC844F1B}"/>
+                <a16:creationId xmlns:a16="http://schemas.microsoft.com/office/drawing/2014/main" id="{DD19515C-212C-4EAE-84A3-8FF4BC844F1B}"/>
               </a:ext>
             </a:extLst>
           </p:cNvPr>
@@ -5322,7 +5318,7 @@
           <a:p>
             <a:fld id="{63289F7E-B80B-496E-81B4-D396C37C9454}" type="datetimeFigureOut">
               <a:rPr lang="pt-BR" smtClean="0"/>
-              <a:t>11/03/2022</a:t>
+              <a:t>19/08/2022</a:t>
             </a:fld>
             <a:endParaRPr lang="pt-BR"/>
           </a:p>
@@ -5333,7 +5329,7 @@
           <p:cNvPr id="3" name="Espaço Reservado para Rodapé 2">
             <a:extLst>
               <a:ext uri="{FF2B5EF4-FFF2-40B4-BE49-F238E27FC236}">
-                <a16:creationId xmlns="" xmlns:a16="http://schemas.microsoft.com/office/drawing/2014/main" id="{94D3D120-B3E8-4C96-861D-7A4F12F49B3A}"/>
+                <a16:creationId xmlns:a16="http://schemas.microsoft.com/office/drawing/2014/main" id="{94D3D120-B3E8-4C96-861D-7A4F12F49B3A}"/>
               </a:ext>
             </a:extLst>
           </p:cNvPr>
@@ -5358,7 +5354,7 @@
           <p:cNvPr id="4" name="Espaço Reservado para Número de Slide 3">
             <a:extLst>
               <a:ext uri="{FF2B5EF4-FFF2-40B4-BE49-F238E27FC236}">
-                <a16:creationId xmlns="" xmlns:a16="http://schemas.microsoft.com/office/drawing/2014/main" id="{42E49B68-FA1B-468B-9F17-D5C09243D454}"/>
+                <a16:creationId xmlns:a16="http://schemas.microsoft.com/office/drawing/2014/main" id="{42E49B68-FA1B-468B-9F17-D5C09243D454}"/>
               </a:ext>
             </a:extLst>
           </p:cNvPr>
@@ -5417,7 +5413,7 @@
           <p:cNvPr id="2" name="Título 1">
             <a:extLst>
               <a:ext uri="{FF2B5EF4-FFF2-40B4-BE49-F238E27FC236}">
-                <a16:creationId xmlns="" xmlns:a16="http://schemas.microsoft.com/office/drawing/2014/main" id="{1C17BCBE-A897-4319-85EC-D87909C24980}"/>
+                <a16:creationId xmlns:a16="http://schemas.microsoft.com/office/drawing/2014/main" id="{1C17BCBE-A897-4319-85EC-D87909C24980}"/>
               </a:ext>
             </a:extLst>
           </p:cNvPr>
@@ -5454,7 +5450,7 @@
           <p:cNvPr id="3" name="Espaço Reservado para Conteúdo 2">
             <a:extLst>
               <a:ext uri="{FF2B5EF4-FFF2-40B4-BE49-F238E27FC236}">
-                <a16:creationId xmlns="" xmlns:a16="http://schemas.microsoft.com/office/drawing/2014/main" id="{4226F885-0204-4913-868B-4B8B82576F17}"/>
+                <a16:creationId xmlns:a16="http://schemas.microsoft.com/office/drawing/2014/main" id="{4226F885-0204-4913-868B-4B8B82576F17}"/>
               </a:ext>
             </a:extLst>
           </p:cNvPr>
@@ -5544,7 +5540,7 @@
           <p:cNvPr id="4" name="Espaço Reservado para Texto 3">
             <a:extLst>
               <a:ext uri="{FF2B5EF4-FFF2-40B4-BE49-F238E27FC236}">
-                <a16:creationId xmlns="" xmlns:a16="http://schemas.microsoft.com/office/drawing/2014/main" id="{00F9F784-A858-441B-8AB5-697098141751}"/>
+                <a16:creationId xmlns:a16="http://schemas.microsoft.com/office/drawing/2014/main" id="{00F9F784-A858-441B-8AB5-697098141751}"/>
               </a:ext>
             </a:extLst>
           </p:cNvPr>
@@ -5615,7 +5611,7 @@
           <p:cNvPr id="5" name="Espaço Reservado para Data 4">
             <a:extLst>
               <a:ext uri="{FF2B5EF4-FFF2-40B4-BE49-F238E27FC236}">
-                <a16:creationId xmlns="" xmlns:a16="http://schemas.microsoft.com/office/drawing/2014/main" id="{A4DC363A-5000-472E-8B17-02E7DCB8840A}"/>
+                <a16:creationId xmlns:a16="http://schemas.microsoft.com/office/drawing/2014/main" id="{A4DC363A-5000-472E-8B17-02E7DCB8840A}"/>
               </a:ext>
             </a:extLst>
           </p:cNvPr>
@@ -5633,7 +5629,7 @@
           <a:p>
             <a:fld id="{63289F7E-B80B-496E-81B4-D396C37C9454}" type="datetimeFigureOut">
               <a:rPr lang="pt-BR" smtClean="0"/>
-              <a:t>11/03/2022</a:t>
+              <a:t>19/08/2022</a:t>
             </a:fld>
             <a:endParaRPr lang="pt-BR"/>
           </a:p>
@@ -5644,7 +5640,7 @@
           <p:cNvPr id="6" name="Espaço Reservado para Rodapé 5">
             <a:extLst>
               <a:ext uri="{FF2B5EF4-FFF2-40B4-BE49-F238E27FC236}">
-                <a16:creationId xmlns="" xmlns:a16="http://schemas.microsoft.com/office/drawing/2014/main" id="{5548425D-2C21-4C56-BAD4-662978775C28}"/>
+                <a16:creationId xmlns:a16="http://schemas.microsoft.com/office/drawing/2014/main" id="{5548425D-2C21-4C56-BAD4-662978775C28}"/>
               </a:ext>
             </a:extLst>
           </p:cNvPr>
@@ -5669,7 +5665,7 @@
           <p:cNvPr id="7" name="Espaço Reservado para Número de Slide 6">
             <a:extLst>
               <a:ext uri="{FF2B5EF4-FFF2-40B4-BE49-F238E27FC236}">
-                <a16:creationId xmlns="" xmlns:a16="http://schemas.microsoft.com/office/drawing/2014/main" id="{C63E9726-E64C-42B2-AE8A-8C235A956B48}"/>
+                <a16:creationId xmlns:a16="http://schemas.microsoft.com/office/drawing/2014/main" id="{C63E9726-E64C-42B2-AE8A-8C235A956B48}"/>
               </a:ext>
             </a:extLst>
           </p:cNvPr>
@@ -5728,7 +5724,7 @@
           <p:cNvPr id="2" name="Título 1">
             <a:extLst>
               <a:ext uri="{FF2B5EF4-FFF2-40B4-BE49-F238E27FC236}">
-                <a16:creationId xmlns="" xmlns:a16="http://schemas.microsoft.com/office/drawing/2014/main" id="{11086A78-3E74-450C-96A6-CA8AC37AF772}"/>
+                <a16:creationId xmlns:a16="http://schemas.microsoft.com/office/drawing/2014/main" id="{11086A78-3E74-450C-96A6-CA8AC37AF772}"/>
               </a:ext>
             </a:extLst>
           </p:cNvPr>
@@ -5765,7 +5761,7 @@
           <p:cNvPr id="3" name="Espaço Reservado para Imagem 2">
             <a:extLst>
               <a:ext uri="{FF2B5EF4-FFF2-40B4-BE49-F238E27FC236}">
-                <a16:creationId xmlns="" xmlns:a16="http://schemas.microsoft.com/office/drawing/2014/main" id="{5F5B7312-975A-4DBC-9B2F-3652ADA006FD}"/>
+                <a16:creationId xmlns:a16="http://schemas.microsoft.com/office/drawing/2014/main" id="{5F5B7312-975A-4DBC-9B2F-3652ADA006FD}"/>
               </a:ext>
             </a:extLst>
           </p:cNvPr>
@@ -5832,7 +5828,7 @@
           <p:cNvPr id="4" name="Espaço Reservado para Texto 3">
             <a:extLst>
               <a:ext uri="{FF2B5EF4-FFF2-40B4-BE49-F238E27FC236}">
-                <a16:creationId xmlns="" xmlns:a16="http://schemas.microsoft.com/office/drawing/2014/main" id="{AAF805F5-1DFF-41C6-944C-7D79FE0D0963}"/>
+                <a16:creationId xmlns:a16="http://schemas.microsoft.com/office/drawing/2014/main" id="{AAF805F5-1DFF-41C6-944C-7D79FE0D0963}"/>
               </a:ext>
             </a:extLst>
           </p:cNvPr>
@@ -5903,7 +5899,7 @@
           <p:cNvPr id="5" name="Espaço Reservado para Data 4">
             <a:extLst>
               <a:ext uri="{FF2B5EF4-FFF2-40B4-BE49-F238E27FC236}">
-                <a16:creationId xmlns="" xmlns:a16="http://schemas.microsoft.com/office/drawing/2014/main" id="{02113D81-8665-4516-BD81-C6A1F254EECD}"/>
+                <a16:creationId xmlns:a16="http://schemas.microsoft.com/office/drawing/2014/main" id="{02113D81-8665-4516-BD81-C6A1F254EECD}"/>
               </a:ext>
             </a:extLst>
           </p:cNvPr>
@@ -5921,7 +5917,7 @@
           <a:p>
             <a:fld id="{63289F7E-B80B-496E-81B4-D396C37C9454}" type="datetimeFigureOut">
               <a:rPr lang="pt-BR" smtClean="0"/>
-              <a:t>11/03/2022</a:t>
+              <a:t>19/08/2022</a:t>
             </a:fld>
             <a:endParaRPr lang="pt-BR"/>
           </a:p>
@@ -5932,7 +5928,7 @@
           <p:cNvPr id="6" name="Espaço Reservado para Rodapé 5">
             <a:extLst>
               <a:ext uri="{FF2B5EF4-FFF2-40B4-BE49-F238E27FC236}">
-                <a16:creationId xmlns="" xmlns:a16="http://schemas.microsoft.com/office/drawing/2014/main" id="{2B00C88B-FF32-40AA-A187-727D96FD7862}"/>
+                <a16:creationId xmlns:a16="http://schemas.microsoft.com/office/drawing/2014/main" id="{2B00C88B-FF32-40AA-A187-727D96FD7862}"/>
               </a:ext>
             </a:extLst>
           </p:cNvPr>
@@ -5957,7 +5953,7 @@
           <p:cNvPr id="7" name="Espaço Reservado para Número de Slide 6">
             <a:extLst>
               <a:ext uri="{FF2B5EF4-FFF2-40B4-BE49-F238E27FC236}">
-                <a16:creationId xmlns="" xmlns:a16="http://schemas.microsoft.com/office/drawing/2014/main" id="{A04D1A2D-69F7-4B8F-A730-BC26DC340BA6}"/>
+                <a16:creationId xmlns:a16="http://schemas.microsoft.com/office/drawing/2014/main" id="{A04D1A2D-69F7-4B8F-A730-BC26DC340BA6}"/>
               </a:ext>
             </a:extLst>
           </p:cNvPr>
@@ -6021,7 +6017,7 @@
           <p:cNvPr id="2" name="Espaço Reservado para Título 1">
             <a:extLst>
               <a:ext uri="{FF2B5EF4-FFF2-40B4-BE49-F238E27FC236}">
-                <a16:creationId xmlns="" xmlns:a16="http://schemas.microsoft.com/office/drawing/2014/main" id="{E69A0273-1966-4A1B-9370-4C1CE5036371}"/>
+                <a16:creationId xmlns:a16="http://schemas.microsoft.com/office/drawing/2014/main" id="{E69A0273-1966-4A1B-9370-4C1CE5036371}"/>
               </a:ext>
             </a:extLst>
           </p:cNvPr>
@@ -6059,7 +6055,7 @@
           <p:cNvPr id="3" name="Espaço Reservado para Texto 2">
             <a:extLst>
               <a:ext uri="{FF2B5EF4-FFF2-40B4-BE49-F238E27FC236}">
-                <a16:creationId xmlns="" xmlns:a16="http://schemas.microsoft.com/office/drawing/2014/main" id="{3B9CF87A-0448-49A7-AB25-EBC1D56A40EF}"/>
+                <a16:creationId xmlns:a16="http://schemas.microsoft.com/office/drawing/2014/main" id="{3B9CF87A-0448-49A7-AB25-EBC1D56A40EF}"/>
               </a:ext>
             </a:extLst>
           </p:cNvPr>
@@ -6126,7 +6122,7 @@
           <p:cNvPr id="4" name="Espaço Reservado para Data 3">
             <a:extLst>
               <a:ext uri="{FF2B5EF4-FFF2-40B4-BE49-F238E27FC236}">
-                <a16:creationId xmlns="" xmlns:a16="http://schemas.microsoft.com/office/drawing/2014/main" id="{2EF7B1F2-BB5A-44D0-816D-16AD2C71430E}"/>
+                <a16:creationId xmlns:a16="http://schemas.microsoft.com/office/drawing/2014/main" id="{2EF7B1F2-BB5A-44D0-816D-16AD2C71430E}"/>
               </a:ext>
             </a:extLst>
           </p:cNvPr>
@@ -6162,7 +6158,7 @@
           <a:p>
             <a:fld id="{63289F7E-B80B-496E-81B4-D396C37C9454}" type="datetimeFigureOut">
               <a:rPr lang="pt-BR" smtClean="0"/>
-              <a:t>11/03/2022</a:t>
+              <a:t>19/08/2022</a:t>
             </a:fld>
             <a:endParaRPr lang="pt-BR"/>
           </a:p>
@@ -6173,7 +6169,7 @@
           <p:cNvPr id="5" name="Espaço Reservado para Rodapé 4">
             <a:extLst>
               <a:ext uri="{FF2B5EF4-FFF2-40B4-BE49-F238E27FC236}">
-                <a16:creationId xmlns="" xmlns:a16="http://schemas.microsoft.com/office/drawing/2014/main" id="{C703F94C-2CC8-4DAA-BC35-14FC3E841DCD}"/>
+                <a16:creationId xmlns:a16="http://schemas.microsoft.com/office/drawing/2014/main" id="{C703F94C-2CC8-4DAA-BC35-14FC3E841DCD}"/>
               </a:ext>
             </a:extLst>
           </p:cNvPr>
@@ -6216,7 +6212,7 @@
           <p:cNvPr id="6" name="Espaço Reservado para Número de Slide 5">
             <a:extLst>
               <a:ext uri="{FF2B5EF4-FFF2-40B4-BE49-F238E27FC236}">
-                <a16:creationId xmlns="" xmlns:a16="http://schemas.microsoft.com/office/drawing/2014/main" id="{64051336-7048-457A-8B61-D94291D71648}"/>
+                <a16:creationId xmlns:a16="http://schemas.microsoft.com/office/drawing/2014/main" id="{64051336-7048-457A-8B61-D94291D71648}"/>
               </a:ext>
             </a:extLst>
           </p:cNvPr>
@@ -6584,7 +6580,7 @@
           <p:cNvPr id="2" name="Título 1">
             <a:extLst>
               <a:ext uri="{FF2B5EF4-FFF2-40B4-BE49-F238E27FC236}">
-                <a16:creationId xmlns="" xmlns:a16="http://schemas.microsoft.com/office/drawing/2014/main" id="{32666AC8-2E17-4DB4-B0F5-60C640CCFD2E}"/>
+                <a16:creationId xmlns:a16="http://schemas.microsoft.com/office/drawing/2014/main" id="{32666AC8-2E17-4DB4-B0F5-60C640CCFD2E}"/>
               </a:ext>
             </a:extLst>
           </p:cNvPr>
@@ -6611,10 +6607,6 @@
               <a:rPr lang="pt-BR" sz="5400" dirty="0"/>
               <a:t>T320 - Introdução ao Aprendizado de Máquina II:</a:t>
             </a:r>
-            <a:r>
-              <a:rPr lang="pt-BR" dirty="0"/>
-              <a:t/>
-            </a:r>
             <a:br>
               <a:rPr lang="pt-BR" dirty="0"/>
             </a:br>
@@ -6630,7 +6622,7 @@
           <p:cNvPr id="4" name="CaixaDeTexto 3">
             <a:extLst>
               <a:ext uri="{FF2B5EF4-FFF2-40B4-BE49-F238E27FC236}">
-                <a16:creationId xmlns="" xmlns:a16="http://schemas.microsoft.com/office/drawing/2014/main" id="{430EB894-B7D4-434C-9D1A-A14094D9BEEC}"/>
+                <a16:creationId xmlns:a16="http://schemas.microsoft.com/office/drawing/2014/main" id="{430EB894-B7D4-434C-9D1A-A14094D9BEEC}"/>
               </a:ext>
             </a:extLst>
           </p:cNvPr>
@@ -6671,7 +6663,7 @@
           <p:cNvPr id="1026" name="Picture 2" descr="Logo">
             <a:extLst>
               <a:ext uri="{FF2B5EF4-FFF2-40B4-BE49-F238E27FC236}">
-                <a16:creationId xmlns="" xmlns:a16="http://schemas.microsoft.com/office/drawing/2014/main" id="{3F2642E0-4F6A-4196-8F58-E77D36E9A33F}"/>
+                <a16:creationId xmlns:a16="http://schemas.microsoft.com/office/drawing/2014/main" id="{3F2642E0-4F6A-4196-8F58-E77D36E9A33F}"/>
               </a:ext>
             </a:extLst>
           </p:cNvPr>
@@ -6716,7 +6708,7 @@
           <p:cNvPr id="5122" name="Picture 2" descr="Image result for machine learning">
             <a:extLst>
               <a:ext uri="{FF2B5EF4-FFF2-40B4-BE49-F238E27FC236}">
-                <a16:creationId xmlns="" xmlns:a16="http://schemas.microsoft.com/office/drawing/2014/main" id="{810CE0A2-4102-44A6-A370-175E7896CDCB}"/>
+                <a16:creationId xmlns:a16="http://schemas.microsoft.com/office/drawing/2014/main" id="{810CE0A2-4102-44A6-A370-175E7896CDCB}"/>
               </a:ext>
             </a:extLst>
           </p:cNvPr>
@@ -6838,7 +6830,7 @@
               <a:lstStyle/>
               <a:p>
                 <a:r>
-                  <a:rPr lang="pt-BR" dirty="0" smtClean="0"/>
+                  <a:rPr lang="pt-BR" dirty="0"/>
                   <a:t>Nós podemos unir a </a:t>
                 </a:r>
                 <a:r>
@@ -6854,12 +6846,8 @@
                   <a:t>cada exemplo </a:t>
                 </a:r>
                 <a:r>
-                  <a:rPr lang="pt-BR" dirty="0" smtClean="0"/>
-                  <a:t>em </a:t>
-                </a:r>
-                <a:r>
                   <a:rPr lang="pt-BR" dirty="0"/>
-                  <a:t>uma expressão única, dada por</a:t>
+                  <a:t>em uma expressão única, dada por</a:t>
                 </a:r>
               </a:p>
               <a:p>
@@ -7568,11 +7556,7 @@
                 </a:r>
                 <a:r>
                   <a:rPr lang="pt-BR" b="1" i="1" dirty="0"/>
-                  <a:t>função de erro </a:t>
-                </a:r>
-                <a:r>
-                  <a:rPr lang="pt-BR" b="1" i="1" dirty="0" smtClean="0"/>
-                  <a:t>médio</a:t>
+                  <a:t>função de erro médio</a:t>
                 </a:r>
                 <a:endParaRPr lang="pt-BR" dirty="0"/>
               </a:p>
@@ -8155,8 +8139,8 @@
           </a:p>
         </p:txBody>
       </p:sp>
-      <mc:AlternateContent xmlns:mc="http://schemas.openxmlformats.org/markup-compatibility/2006">
-        <mc:Choice xmlns:a14="http://schemas.microsoft.com/office/drawing/2010/main" Requires="a14">
+      <mc:AlternateContent xmlns:mc="http://schemas.openxmlformats.org/markup-compatibility/2006" xmlns:a14="http://schemas.microsoft.com/office/drawing/2010/main">
+        <mc:Choice Requires="a14">
           <p:sp>
             <p:nvSpPr>
               <p:cNvPr id="3" name="Content Placeholder 2"/>
@@ -8823,31 +8807,23 @@
                   <a:t>regressão logística </a:t>
                 </a:r>
                 <a:r>
-                  <a:rPr lang="pt-BR" dirty="0" smtClean="0"/>
-                  <a:t>idêntico àquele </a:t>
-                </a:r>
-                <a:r>
                   <a:rPr lang="pt-BR" dirty="0"/>
-                  <a:t>obtido para a </a:t>
+                  <a:t>idêntico àquele obtido para a </a:t>
                 </a:r>
                 <a:r>
                   <a:rPr lang="pt-BR" b="1" i="1" dirty="0"/>
                   <a:t>regressão linear </a:t>
                 </a:r>
                 <a:r>
-                  <a:rPr lang="pt-BR" dirty="0" smtClean="0"/>
-                  <a:t>utilizando a </a:t>
-                </a:r>
-                <a:r>
                   <a:rPr lang="pt-BR" dirty="0"/>
-                  <a:t>função de </a:t>
+                  <a:t>utilizando a função de </a:t>
                 </a:r>
                 <a:r>
                   <a:rPr lang="pt-BR" b="1" i="1" dirty="0"/>
                   <a:t>erro quadrático médio</a:t>
                 </a:r>
                 <a:r>
-                  <a:rPr lang="pt-BR" dirty="0" smtClean="0"/>
+                  <a:rPr lang="pt-BR" dirty="0"/>
                   <a:t>.</a:t>
                 </a:r>
               </a:p>
@@ -8878,18 +8854,13 @@
                 </a:r>
                 <a:r>
                   <a:rPr lang="pt-BR" dirty="0"/>
-                  <a:t>adotada</a:t>
-                </a:r>
-                <a:r>
-                  <a:rPr lang="pt-BR" dirty="0" smtClean="0"/>
-                  <a:t>. Vejamos alguns exemplos na sequência.</a:t>
-                </a:r>
-                <a:endParaRPr lang="pt-BR" dirty="0"/>
+                  <a:t>adotada. Vejamos alguns exemplos na sequência.</a:t>
+                </a:r>
               </a:p>
             </p:txBody>
           </p:sp>
         </mc:Choice>
-        <mc:Fallback>
+        <mc:Fallback xmlns="">
           <p:sp>
             <p:nvSpPr>
               <p:cNvPr id="3" name="Content Placeholder 2"/>
@@ -8927,8 +8898,8 @@
           </p:sp>
         </mc:Fallback>
       </mc:AlternateContent>
-      <mc:AlternateContent xmlns:mc="http://schemas.openxmlformats.org/markup-compatibility/2006">
-        <mc:Choice xmlns:a14="http://schemas.microsoft.com/office/drawing/2010/main" Requires="a14">
+      <mc:AlternateContent xmlns:mc="http://schemas.openxmlformats.org/markup-compatibility/2006" xmlns:a14="http://schemas.microsoft.com/office/drawing/2010/main">
+        <mc:Choice Requires="a14">
           <p:sp>
             <p:nvSpPr>
               <p:cNvPr id="5" name="TextBox 4"/>
@@ -9123,21 +9094,13 @@
                 </a14:m>
                 <a:r>
                   <a:rPr lang="pt-BR" sz="1400" dirty="0"/>
-                  <a:t>, mas o resultado </a:t>
-                </a:r>
-                <a:r>
-                  <a:rPr lang="pt-BR" sz="1400" dirty="0" smtClean="0"/>
-                  <a:t>pode ser </a:t>
-                </a:r>
-                <a:r>
-                  <a:rPr lang="pt-BR" sz="1400" dirty="0"/>
-                  <a:t>diretamente estendido para polinômios.</a:t>
+                  <a:t>, mas o resultado pode ser diretamente estendido para polinômios.</a:t>
                 </a:r>
               </a:p>
             </p:txBody>
           </p:sp>
         </mc:Choice>
-        <mc:Fallback>
+        <mc:Fallback xmlns="">
           <p:sp>
             <p:nvSpPr>
               <p:cNvPr id="5" name="TextBox 4"/>
@@ -9214,8 +9177,8 @@
           </a:fontRef>
         </p:style>
       </p:cxnSp>
-      <mc:AlternateContent xmlns:mc="http://schemas.openxmlformats.org/markup-compatibility/2006">
-        <mc:Choice xmlns:a14="http://schemas.microsoft.com/office/drawing/2010/main" Requires="a14">
+      <mc:AlternateContent xmlns:mc="http://schemas.openxmlformats.org/markup-compatibility/2006" xmlns:a14="http://schemas.microsoft.com/office/drawing/2010/main">
+        <mc:Choice Requires="a14">
           <p:sp>
             <p:nvSpPr>
               <p:cNvPr id="9" name="TextBox 8"/>
@@ -9246,7 +9209,7 @@
               </a:lstStyle>
               <a:p>
                 <a:r>
-                  <a:rPr lang="pt-BR" dirty="0" smtClean="0"/>
+                  <a:rPr lang="pt-BR" dirty="0"/>
                   <a:t>Forma matricial: </a:t>
                 </a:r>
                 <a14:m>
@@ -9470,7 +9433,7 @@
             </p:txBody>
           </p:sp>
         </mc:Choice>
-        <mc:Fallback>
+        <mc:Fallback xmlns="">
           <p:sp>
             <p:nvSpPr>
               <p:cNvPr id="9" name="TextBox 8"/>
@@ -9591,10 +9554,9 @@
           <a:lstStyle/>
           <a:p>
             <a:r>
-              <a:rPr lang="pt-BR" dirty="0" smtClean="0"/>
+              <a:rPr lang="pt-BR" dirty="0"/>
               <a:t>Vetor Gradiente</a:t>
             </a:r>
-            <a:endParaRPr lang="pt-BR" dirty="0"/>
           </a:p>
         </p:txBody>
       </p:sp>
@@ -12944,12 +12906,8 @@
               </a:p>
               <a:p>
                 <a:r>
-                  <a:rPr lang="pt-BR" dirty="0" smtClean="0"/>
-                  <a:t>Agora, de </a:t>
-                </a:r>
-                <a:r>
                   <a:rPr lang="pt-BR" dirty="0"/>
-                  <a:t>posse do </a:t>
+                  <a:t>Agora, de posse do </a:t>
                 </a:r>
                 <a:r>
                   <a:rPr lang="pt-BR" b="1" i="1" dirty="0"/>
@@ -12965,15 +12923,7 @@
                 </a:r>
                 <a:r>
                   <a:rPr lang="pt-BR" dirty="0"/>
-                  <a:t> (nas versões em batelada, estocástico ou </a:t>
-                </a:r>
-                <a:r>
-                  <a:rPr lang="pt-BR" dirty="0" smtClean="0"/>
-                  <a:t>mini-batch) para </a:t>
-                </a:r>
-                <a:r>
-                  <a:rPr lang="pt-BR" dirty="0"/>
-                  <a:t>atualizar os pesos.</a:t>
+                  <a:t> (nas versões em batelada, estocástico ou mini-batch) para atualizar os pesos.</a:t>
                 </a:r>
               </a:p>
               <a:p>
@@ -13089,7 +13039,7 @@
                   </m:oMath>
                 </a14:m>
                 <a:r>
-                  <a:rPr lang="pt-BR" dirty="0" smtClean="0"/>
+                  <a:rPr lang="pt-BR" dirty="0"/>
                   <a:t>.</a:t>
                 </a:r>
               </a:p>
@@ -13223,8 +13173,8 @@
           </a:p>
         </p:txBody>
       </p:sp>
-      <mc:AlternateContent xmlns:mc="http://schemas.openxmlformats.org/markup-compatibility/2006">
-        <mc:Choice xmlns:a14="http://schemas.microsoft.com/office/drawing/2010/main" Requires="a14">
+      <mc:AlternateContent xmlns:mc="http://schemas.openxmlformats.org/markup-compatibility/2006" xmlns:a14="http://schemas.microsoft.com/office/drawing/2010/main">
+        <mc:Choice Requires="a14">
           <p:sp>
             <p:nvSpPr>
               <p:cNvPr id="3" name="Espaço Reservado para Conteúdo 2"/>
@@ -13350,13 +13300,8 @@
                 </a:r>
                 <a:r>
                   <a:rPr lang="pt-BR" dirty="0"/>
-                  <a:t>. </a:t>
-                </a:r>
-                <a:r>
-                  <a:rPr lang="pt-BR" dirty="0"/>
-                  <a:t>Vejam as figuras ao lado.</a:t>
-                </a:r>
-                <a:endParaRPr lang="pt-BR" dirty="0"/>
+                  <a:t>. Vejam as figuras ao lado.</a:t>
+                </a:r>
               </a:p>
               <a:p>
                 <a:pPr lvl="1">
@@ -13383,15 +13328,7 @@
                 </a:pPr>
                 <a:r>
                   <a:rPr lang="pt-BR" dirty="0"/>
-                  <a:t>Na </a:t>
-                </a:r>
-                <a:r>
-                  <a:rPr lang="pt-BR" dirty="0"/>
-                  <a:t>segunda figura</a:t>
-                </a:r>
-                <a:r>
-                  <a:rPr lang="pt-BR" dirty="0"/>
-                  <a:t>, a </a:t>
+                  <a:t>Na segunda figura, a </a:t>
                 </a:r>
                 <a:r>
                   <a:rPr lang="pt-BR" b="1" i="1" dirty="0"/>
@@ -13407,15 +13344,7 @@
                 </a:r>
                 <a:r>
                   <a:rPr lang="pt-BR" dirty="0"/>
-                  <a:t>na tentativa de minimizar o erro de classificação junto aos dados de treinamento. Porém, o modelo ficou mais susceptível a erros de classificação para </a:t>
-                </a:r>
-                <a:r>
-                  <a:rPr lang="pt-BR" dirty="0"/>
-                  <a:t>dados inéditos, </a:t>
-                </a:r>
-                <a:r>
-                  <a:rPr lang="pt-BR" dirty="0"/>
-                  <a:t>ou seja, não irá generalizar bem.</a:t>
+                  <a:t>na tentativa de minimizar o erro de classificação junto aos dados de treinamento. Porém, o modelo ficou mais susceptível a erros de classificação para dados inéditos, ou seja, não irá generalizar bem.</a:t>
                 </a:r>
               </a:p>
               <a:p>
@@ -13425,15 +13354,7 @@
                 </a:pPr>
                 <a:r>
                   <a:rPr lang="pt-BR" dirty="0"/>
-                  <a:t>Já a </a:t>
-                </a:r>
-                <a:r>
-                  <a:rPr lang="pt-BR" dirty="0"/>
-                  <a:t>última figura mostra </a:t>
-                </a:r>
-                <a:r>
-                  <a:rPr lang="pt-BR" dirty="0"/>
-                  <a:t>o que seria uma boa </a:t>
+                  <a:t>Já a última figura mostra o que seria uma boa </a:t>
                 </a:r>
                 <a:r>
                   <a:rPr lang="pt-BR" b="1" i="1" dirty="0"/>
@@ -13455,15 +13376,7 @@
                 </a:r>
                 <a:r>
                   <a:rPr lang="pt-BR" dirty="0"/>
-                  <a:t>(e.g., LASSO, Ridge, Elastic-Net, Early</a:t>
-                </a:r>
-                <a:r>
-                  <a:rPr lang="pt-BR" dirty="0"/>
-                  <a:t>-stop) assim </a:t>
-                </a:r>
-                <a:r>
-                  <a:rPr lang="pt-BR" dirty="0"/>
-                  <a:t>como de </a:t>
+                  <a:t>(e.g., LASSO, Ridge, Elastic-Net, Early-stop) assim como de </a:t>
                 </a:r>
                 <a:r>
                   <a:rPr lang="pt-BR" b="1" i="1" dirty="0"/>
@@ -13471,27 +13384,7 @@
                 </a:r>
                 <a:r>
                   <a:rPr lang="pt-BR" dirty="0"/>
-                  <a:t> </a:t>
-                </a:r>
-                <a:r>
-                  <a:rPr lang="pt-BR" dirty="0" smtClean="0"/>
-                  <a:t>também podem </a:t>
-                </a:r>
-                <a:r>
-                  <a:rPr lang="pt-BR" dirty="0"/>
-                  <a:t>ser empregadas </a:t>
-                </a:r>
-                <a:r>
-                  <a:rPr lang="pt-BR" dirty="0" smtClean="0"/>
-                  <a:t>durante o treinamento </a:t>
-                </a:r>
-                <a:r>
-                  <a:rPr lang="pt-BR" dirty="0"/>
-                  <a:t>quando não conhecemos a melhor ordem para o </a:t>
-                </a:r>
-                <a:r>
-                  <a:rPr lang="pt-BR" dirty="0" smtClean="0"/>
-                  <a:t>polinômio da </a:t>
+                  <a:t> também podem ser empregadas durante o treinamento quando não conhecemos a melhor ordem para o polinômio da </a:t>
                 </a:r>
                 <a:r>
                   <a:rPr lang="pt-BR" b="1" i="1" dirty="0"/>
@@ -13529,15 +13422,14 @@
                   </m:oMath>
                 </a14:m>
                 <a:r>
-                  <a:rPr lang="pt-BR" dirty="0" smtClean="0"/>
+                  <a:rPr lang="pt-BR" dirty="0"/>
                   <a:t>.</a:t>
                 </a:r>
-                <a:endParaRPr lang="pt-BR" dirty="0"/>
               </a:p>
             </p:txBody>
           </p:sp>
         </mc:Choice>
-        <mc:Fallback>
+        <mc:Fallback xmlns="">
           <p:sp>
             <p:nvSpPr>
               <p:cNvPr id="3" name="Espaço Reservado para Conteúdo 2"/>
@@ -21895,7 +21787,7 @@
           <p:cNvPr id="4" name="Título 1">
             <a:extLst>
               <a:ext uri="{FF2B5EF4-FFF2-40B4-BE49-F238E27FC236}">
-                <a16:creationId xmlns="" xmlns:a16="http://schemas.microsoft.com/office/drawing/2014/main" id="{32666AC8-2E17-4DB4-B0F5-60C640CCFD2E}"/>
+                <a16:creationId xmlns:a16="http://schemas.microsoft.com/office/drawing/2014/main" id="{32666AC8-2E17-4DB4-B0F5-60C640CCFD2E}"/>
               </a:ext>
             </a:extLst>
           </p:cNvPr>
@@ -21992,10 +21884,9 @@
           <a:lstStyle/>
           <a:p>
             <a:r>
-              <a:rPr lang="pt-BR" dirty="0" smtClean="0"/>
+              <a:rPr lang="pt-BR" dirty="0"/>
               <a:t>Encontrando o vetor gradiente</a:t>
             </a:r>
-            <a:endParaRPr lang="pt-BR" dirty="0"/>
           </a:p>
         </p:txBody>
       </p:sp>
@@ -23494,7 +23385,6 @@
               <a:rPr lang="pt-BR" dirty="0"/>
               <a:t>Encontrando o vetor gradiente</a:t>
             </a:r>
-            <a:endParaRPr lang="pt-BR" dirty="0"/>
           </a:p>
         </p:txBody>
       </p:sp>
@@ -23523,7 +23413,7 @@
               <a:lstStyle/>
               <a:p>
                 <a:r>
-                  <a:rPr lang="pt-BR" dirty="0" smtClean="0"/>
+                  <a:rPr lang="pt-BR" dirty="0"/>
                   <a:t>O termo </a:t>
                 </a:r>
                 <a14:m>
@@ -23673,16 +23563,8 @@
                   </m:oMath>
                 </a14:m>
                 <a:r>
-                  <a:rPr lang="pt-BR" dirty="0" smtClean="0"/>
-                  <a:t> </a:t>
-                </a:r>
-                <a:r>
                   <a:rPr lang="pt-BR" dirty="0"/>
-                  <a:t>é cancelado com um dos elementos gerados a partir do produto envolvido no segundo termo, de </a:t>
-                </a:r>
-                <a:r>
-                  <a:rPr lang="pt-BR" dirty="0" smtClean="0"/>
-                  <a:t>forma que</a:t>
+                  <a:t> é cancelado com um dos elementos gerados a partir do produto envolvido no segundo termo, de forma que</a:t>
                 </a:r>
               </a:p>
               <a:p>
@@ -24062,13 +23944,13 @@
                   </m:oMath>
                 </a14:m>
                 <a:r>
-                  <a:rPr lang="pt-BR" sz="2400" dirty="0" smtClean="0"/>
+                  <a:rPr lang="pt-BR" sz="2400" dirty="0"/>
                   <a:t>.</a:t>
                 </a:r>
               </a:p>
               <a:p>
                 <a:r>
-                  <a:rPr lang="pt-BR" dirty="0" smtClean="0"/>
+                  <a:rPr lang="pt-BR" dirty="0"/>
                   <a:t>Se </a:t>
                 </a:r>
                 <a14:m>
@@ -24244,7 +24126,7 @@
                   </m:oMath>
                 </a14:m>
                 <a:r>
-                  <a:rPr lang="pt-BR" dirty="0" smtClean="0"/>
+                  <a:rPr lang="pt-BR" dirty="0"/>
                   <a:t>, então</a:t>
                 </a:r>
               </a:p>
@@ -24550,24 +24432,23 @@
                   </m:oMath>
                 </a14:m>
                 <a:r>
-                  <a:rPr lang="pt-BR" dirty="0" smtClean="0"/>
+                  <a:rPr lang="pt-BR" dirty="0"/>
                   <a:t>.</a:t>
                 </a:r>
               </a:p>
               <a:p>
                 <a:r>
-                  <a:rPr lang="pt-BR" dirty="0" smtClean="0"/>
+                  <a:rPr lang="pt-BR" dirty="0"/>
                   <a:t>Desta forma, a </a:t>
                 </a:r>
                 <a:r>
-                  <a:rPr lang="pt-BR" b="1" i="1" dirty="0" smtClean="0"/>
+                  <a:rPr lang="pt-BR" b="1" i="1" dirty="0"/>
                   <a:t>função de erro médio </a:t>
                 </a:r>
                 <a:r>
-                  <a:rPr lang="pt-BR" dirty="0" smtClean="0"/>
+                  <a:rPr lang="pt-BR" dirty="0"/>
                   <a:t>se torna</a:t>
                 </a:r>
-                <a:endParaRPr lang="pt-BR" dirty="0"/>
               </a:p>
               <a:p>
                 <a:pPr marL="0" indent="0" algn="ctr">
@@ -24879,26 +24760,26 @@
                   </m:oMath>
                 </a14:m>
                 <a:r>
-                  <a:rPr lang="pt-BR" dirty="0" smtClean="0"/>
+                  <a:rPr lang="pt-BR" dirty="0"/>
                   <a:t>.</a:t>
                 </a:r>
               </a:p>
               <a:p>
                 <a:r>
-                  <a:rPr lang="pt-BR" dirty="0" smtClean="0"/>
+                  <a:rPr lang="pt-BR" dirty="0"/>
                   <a:t>Em seguida, encontramos o </a:t>
                 </a:r>
                 <a:r>
-                  <a:rPr lang="pt-BR" b="1" i="1" dirty="0" smtClean="0"/>
+                  <a:rPr lang="pt-BR" b="1" i="1" dirty="0"/>
                   <a:t>vetor gradiente </a:t>
                 </a:r>
                 <a:r>
-                  <a:rPr lang="pt-BR" dirty="0" smtClean="0"/>
+                  <a:rPr lang="pt-BR" dirty="0"/>
                   <a:t>de cada termo da equação acima.</a:t>
                 </a:r>
               </a:p>
               <a:p>
-                <a:endParaRPr lang="pt-BR" dirty="0" smtClean="0"/>
+                <a:endParaRPr lang="pt-BR" dirty="0"/>
               </a:p>
             </p:txBody>
           </p:sp>
@@ -24951,13 +24832,6 @@
   <p:clrMapOvr>
     <a:masterClrMapping/>
   </p:clrMapOvr>
-  <p:timing>
-    <p:tnLst>
-      <p:par>
-        <p:cTn id="1" dur="indefinite" restart="never" nodeType="tmRoot"/>
-      </p:par>
-    </p:tnLst>
-  </p:timing>
 </p:sld>
 </file>
 
@@ -25004,7 +24878,6 @@
               <a:rPr lang="pt-BR" dirty="0"/>
               <a:t>Encontrando o vetor gradiente</a:t>
             </a:r>
-            <a:endParaRPr lang="pt-BR" dirty="0"/>
           </a:p>
         </p:txBody>
       </p:sp>
@@ -25033,7 +24906,7 @@
               <a:lstStyle/>
               <a:p>
                 <a:r>
-                  <a:rPr lang="pt-BR" dirty="0" smtClean="0"/>
+                  <a:rPr lang="pt-BR" dirty="0"/>
                   <a:t>Assim, o </a:t>
                 </a:r>
                 <a:r>
@@ -25259,15 +25132,7 @@
                 </a:r>
                 <a:r>
                   <a:rPr lang="pt-BR" dirty="0"/>
-                  <a:t>do segundo termo da equação anterior </a:t>
-                </a:r>
-                <a:r>
-                  <a:rPr lang="pt-BR" dirty="0" smtClean="0"/>
-                  <a:t>é </a:t>
-                </a:r>
-                <a:r>
-                  <a:rPr lang="pt-BR" dirty="0"/>
-                  <a:t>dado por</a:t>
+                  <a:t>do segundo termo da equação anterior é dado por</a:t>
                 </a:r>
               </a:p>
               <a:p>
@@ -25644,7 +25509,7 @@
                     </m:oMath>
                   </m:oMathPara>
                 </a14:m>
-                <a:endParaRPr lang="pt-BR" i="1" dirty="0" smtClean="0">
+                <a:endParaRPr lang="pt-BR" i="1" dirty="0">
                   <a:latin typeface="Cambria Math" panose="02040503050406030204" pitchFamily="18" charset="0"/>
                 </a:endParaRPr>
               </a:p>
@@ -25809,7 +25674,7 @@
                     </m:oMath>
                   </m:oMathPara>
                 </a14:m>
-                <a:endParaRPr lang="pt-BR" i="1" dirty="0" smtClean="0">
+                <a:endParaRPr lang="pt-BR" i="1" dirty="0">
                   <a:latin typeface="Cambria Math" panose="02040503050406030204" pitchFamily="18" charset="0"/>
                 </a:endParaRPr>
               </a:p>
@@ -25931,7 +25796,7 @@
                   </m:oMath>
                 </a14:m>
                 <a:r>
-                  <a:rPr lang="pt-BR" dirty="0" smtClean="0"/>
+                  <a:rPr lang="pt-BR" dirty="0"/>
                   <a:t>.</a:t>
                 </a:r>
               </a:p>
@@ -25942,21 +25807,12 @@
                 </a:r>
                 <a:r>
                   <a:rPr lang="pt-BR" b="1" i="1" dirty="0"/>
-                  <a:t>regra da </a:t>
-                </a:r>
-                <a:r>
-                  <a:rPr lang="pt-BR" b="1" i="1" dirty="0" smtClean="0"/>
-                  <a:t>cadeia</a:t>
-                </a:r>
-                <a:r>
-                  <a:rPr lang="pt-BR" b="1" i="1" dirty="0"/>
-                  <a:t> </a:t>
-                </a:r>
-                <a:r>
-                  <a:rPr lang="pt-BR" dirty="0" smtClean="0"/>
+                  <a:t>regra da cadeia </a:t>
+                </a:r>
+                <a:r>
+                  <a:rPr lang="pt-BR" dirty="0"/>
                   <a:t>para encontrar o vetor gradiente do segundo termo.</a:t>
                 </a:r>
-                <a:endParaRPr lang="pt-BR" dirty="0"/>
               </a:p>
             </p:txBody>
           </p:sp>
@@ -26309,12 +26165,11 @@
               <a:rPr lang="pt-BR" dirty="0"/>
               <a:t>Encontrando o vetor gradiente</a:t>
             </a:r>
-            <a:endParaRPr lang="pt-BR" dirty="0"/>
           </a:p>
         </p:txBody>
       </p:sp>
-      <mc:AlternateContent xmlns:mc="http://schemas.openxmlformats.org/markup-compatibility/2006">
-        <mc:Choice xmlns:a14="http://schemas.microsoft.com/office/drawing/2010/main" Requires="a14">
+      <mc:AlternateContent xmlns:mc="http://schemas.openxmlformats.org/markup-compatibility/2006" xmlns:a14="http://schemas.microsoft.com/office/drawing/2010/main">
+        <mc:Choice Requires="a14">
           <p:sp>
             <p:nvSpPr>
               <p:cNvPr id="3" name="Content Placeholder 2"/>
@@ -26339,15 +26194,7 @@
               <a:p>
                 <a:r>
                   <a:rPr lang="pt-BR" dirty="0"/>
-                  <a:t>Portanto, combinando os 2 resultados </a:t>
-                </a:r>
-                <a:r>
-                  <a:rPr lang="pt-BR" dirty="0" smtClean="0"/>
-                  <a:t>anteriores, </a:t>
-                </a:r>
-                <a:r>
-                  <a:rPr lang="pt-BR" dirty="0"/>
-                  <a:t>temos que o </a:t>
+                  <a:t>Portanto, combinando os 2 resultados anteriores, temos que o </a:t>
                 </a:r>
                 <a:r>
                   <a:rPr lang="pt-BR" b="1" i="1" dirty="0"/>
@@ -26789,7 +26636,7 @@
             </p:txBody>
           </p:sp>
         </mc:Choice>
-        <mc:Fallback>
+        <mc:Fallback xmlns="">
           <p:sp>
             <p:nvSpPr>
               <p:cNvPr id="3" name="Content Placeholder 2"/>
@@ -26859,7 +26706,7 @@
               </a:lstStyle>
               <a:p>
                 <a:r>
-                  <a:rPr lang="pt-BR" dirty="0" smtClean="0"/>
+                  <a:rPr lang="pt-BR" dirty="0"/>
                   <a:t>Forma matricial: </a:t>
                 </a:r>
                 <a14:m>
@@ -29186,15 +29033,7 @@
                 <a:pPr algn="ctr"/>
                 <a:r>
                   <a:rPr lang="pt-BR" sz="1400" dirty="0"/>
-                  <a:t>Em resumo, quanto mais </a:t>
-                </a:r>
-                <a:r>
-                  <a:rPr lang="pt-BR" sz="1400" dirty="0" smtClean="0"/>
-                  <a:t>longe da fronteira, </a:t>
-                </a:r>
-                <a:r>
-                  <a:rPr lang="pt-BR" sz="1400" dirty="0"/>
-                  <a:t>maior será o valor absoluto de </a:t>
+                  <a:t>Em resumo, quanto mais longe da fronteira, maior será o valor absoluto de </a:t>
                 </a:r>
                 <a14:m>
                   <m:oMath xmlns:m="http://schemas.openxmlformats.org/officeDocument/2006/math">
@@ -29327,8 +29166,8 @@
           </a:p>
         </p:txBody>
       </p:sp>
-      <mc:AlternateContent xmlns:mc="http://schemas.openxmlformats.org/markup-compatibility/2006" xmlns:a14="http://schemas.microsoft.com/office/drawing/2010/main">
-        <mc:Choice Requires="a14">
+      <mc:AlternateContent xmlns:mc="http://schemas.openxmlformats.org/markup-compatibility/2006">
+        <mc:Choice xmlns:a14="http://schemas.microsoft.com/office/drawing/2010/main" Requires="a14">
           <p:sp>
             <p:nvSpPr>
               <p:cNvPr id="3" name="Content Placeholder 2"/>
@@ -29347,7 +29186,7 @@
             </p:spPr>
             <p:txBody>
               <a:bodyPr>
-                <a:normAutofit fontScale="85000" lnSpcReduction="10000"/>
+                <a:normAutofit fontScale="92500" lnSpcReduction="20000"/>
               </a:bodyPr>
               <a:lstStyle/>
               <a:p>
@@ -29423,13 +29262,7 @@
                 </a:r>
                 <a:r>
                   <a:rPr lang="pt-BR" dirty="0"/>
-                  <a:t>, mas para isso, precisamos quantizar sua saída. </a:t>
-                </a:r>
-              </a:p>
-              <a:p>
-                <a:r>
-                  <a:rPr lang="pt-BR" dirty="0"/>
-                  <a:t>Ele é ótimo para situações em que precisamos classificar entre duas classes, negativa (</a:t>
+                  <a:t> (i.e., classificação entre duas classes, </a:t>
                 </a:r>
                 <a14:m>
                   <m:oMath xmlns:m="http://schemas.openxmlformats.org/officeDocument/2006/math">
@@ -29462,7 +29295,7 @@
                 </a14:m>
                 <a:r>
                   <a:rPr lang="pt-BR" dirty="0"/>
-                  <a:t>) e positiva (</a:t>
+                  <a:t> e </a:t>
                 </a:r>
                 <a14:m>
                   <m:oMath xmlns:m="http://schemas.openxmlformats.org/officeDocument/2006/math">
@@ -29495,13 +29328,13 @@
                 </a14:m>
                 <a:r>
                   <a:rPr lang="pt-BR" dirty="0"/>
-                  <a:t>).</a:t>
+                  <a:t>), mas para isso, precisamos quantizar sua saída. </a:t>
                 </a:r>
               </a:p>
               <a:p>
                 <a:r>
                   <a:rPr lang="pt-BR" dirty="0"/>
-                  <a:t>Normalmente, se quantiza a saída da </a:t>
+                  <a:t>Geralmente, se quantiza a saída da </a:t>
                 </a:r>
                 <a:r>
                   <a:rPr lang="pt-BR" b="1" i="1" dirty="0"/>
@@ -29559,7 +29392,7 @@
                 </a14:m>
                 <a:r>
                   <a:rPr lang="pt-BR" dirty="0"/>
-                  <a:t>, em dois valores, 0 ou 1.</a:t>
+                  <a:t>, nos valores 0 ou 1.</a:t>
                 </a:r>
               </a:p>
               <a:p>
@@ -29999,7 +29832,7 @@
             </p:txBody>
           </p:sp>
         </mc:Choice>
-        <mc:Fallback xmlns="">
+        <mc:Fallback>
           <p:sp>
             <p:nvSpPr>
               <p:cNvPr id="3" name="Content Placeholder 2"/>
@@ -30018,7 +29851,7 @@
               <a:blipFill>
                 <a:blip r:embed="rId3"/>
                 <a:stretch>
-                  <a:fillRect l="-708" t="-2118" r="-327"/>
+                  <a:fillRect l="-817" t="-2787" r="-163"/>
                 </a:stretch>
               </a:blipFill>
             </p:spPr>
@@ -30027,7 +29860,7 @@
               <a:lstStyle/>
               <a:p>
                 <a:r>
-                  <a:rPr lang="pt-BR">
+                  <a:rPr lang="en-US">
                     <a:noFill/>
                   </a:rPr>
                   <a:t> </a:t>
@@ -30089,8 +29922,8 @@
           </a:p>
         </p:txBody>
       </p:sp>
-      <mc:AlternateContent xmlns:mc="http://schemas.openxmlformats.org/markup-compatibility/2006" xmlns:a14="http://schemas.microsoft.com/office/drawing/2010/main">
-        <mc:Choice Requires="a14">
+      <mc:AlternateContent xmlns:mc="http://schemas.openxmlformats.org/markup-compatibility/2006">
+        <mc:Choice xmlns:a14="http://schemas.microsoft.com/office/drawing/2010/main" Requires="a14">
           <p:sp>
             <p:nvSpPr>
               <p:cNvPr id="3" name="Content Placeholder 2"/>
@@ -30109,7 +29942,7 @@
             </p:spPr>
             <p:txBody>
               <a:bodyPr>
-                <a:normAutofit fontScale="85000" lnSpcReduction="20000"/>
+                <a:normAutofit fontScale="85000" lnSpcReduction="10000"/>
               </a:bodyPr>
               <a:lstStyle/>
               <a:p>
@@ -30286,7 +30119,7 @@
                 </a14:m>
                 <a:r>
                   <a:rPr lang="pt-BR" dirty="0"/>
-                  <a:t>, (i.e., </a:t>
+                  <a:t> (i.e., </a:t>
                 </a:r>
                 <a14:m>
                   <m:oMath xmlns:m="http://schemas.openxmlformats.org/officeDocument/2006/math">
@@ -30318,7 +30151,7 @@
                 </a14:m>
                 <a:r>
                   <a:rPr lang="pt-BR" dirty="0"/>
-                  <a:t>) se </a:t>
+                  <a:t>), se </a:t>
                 </a:r>
                 <a14:m>
                   <m:oMath xmlns:m="http://schemas.openxmlformats.org/officeDocument/2006/math">
@@ -30361,7 +30194,7 @@
                 </a14:m>
                 <a:r>
                   <a:rPr lang="pt-BR" dirty="0"/>
-                  <a:t> e </a:t>
+                  <a:t> e a classe negativa, </a:t>
                 </a:r>
                 <a14:m>
                   <m:oMath xmlns:m="http://schemas.openxmlformats.org/officeDocument/2006/math">
@@ -30426,7 +30259,7 @@
                 </a14:m>
                 <a:r>
                   <a:rPr lang="pt-BR" dirty="0"/>
-                  <a:t>) se </a:t>
+                  <a:t>), se </a:t>
                 </a:r>
                 <a14:m>
                   <m:oMath xmlns:m="http://schemas.openxmlformats.org/officeDocument/2006/math">
@@ -30487,15 +30320,7 @@
                 </a:r>
                 <a:r>
                   <a:rPr lang="pt-BR" b="1" i="1" dirty="0"/>
-                  <a:t>combinação </a:t>
-                </a:r>
-                <a:r>
-                  <a:rPr lang="pt-BR" dirty="0"/>
-                  <a:t>(linear ou não linear)</a:t>
-                </a:r>
-                <a:r>
-                  <a:rPr lang="pt-BR" b="1" i="1" dirty="0"/>
-                  <a:t> </a:t>
+                  <a:t>combinação linear </a:t>
                 </a:r>
                 <a:r>
                   <a:rPr lang="pt-BR" dirty="0"/>
@@ -30559,7 +30384,7 @@
                 </a:r>
                 <a:r>
                   <a:rPr lang="pt-BR" dirty="0"/>
-                  <a:t> é muito utilizada em várias aplicações do mundo real em áreas como medicina, marketing, análise de crédito, saúde pública entre outras.</a:t>
+                  <a:t> é muito utilizada em várias aplicações do mundo real em áreas como medicina, marketing, análise de crédito, etc.</a:t>
                 </a:r>
               </a:p>
               <a:p>
@@ -30587,7 +30412,7 @@
             </p:txBody>
           </p:sp>
         </mc:Choice>
-        <mc:Fallback xmlns="">
+        <mc:Fallback>
           <p:sp>
             <p:nvSpPr>
               <p:cNvPr id="3" name="Content Placeholder 2"/>
@@ -30603,10 +30428,10 @@
                 <a:off x="838200" y="1825624"/>
                 <a:ext cx="8280082" cy="5032376"/>
               </a:xfrm>
-              <a:blipFill rotWithShape="0">
+              <a:blipFill>
                 <a:blip r:embed="rId2"/>
                 <a:stretch>
-                  <a:fillRect l="-1031" t="-2785" r="-1178"/>
+                  <a:fillRect l="-1031" t="-2300" r="-295" b="-1937"/>
                 </a:stretch>
               </a:blipFill>
             </p:spPr>
@@ -30615,7 +30440,7 @@
               <a:lstStyle/>
               <a:p>
                 <a:r>
-                  <a:rPr lang="pt-BR">
+                  <a:rPr lang="en-US">
                     <a:noFill/>
                   </a:rPr>
                   <a:t> </a:t>
@@ -31210,7 +31035,7 @@
             </a:r>
             <a:r>
               <a:rPr lang="pt-BR" sz="1400" dirty="0"/>
-              <a:t>: classificar críticas de filmes como positivas ou negativas, probabilidade de um paciente desenvolver um doença, detecção de spam, classificar transações como fraudulentas ou não, etc.</a:t>
+              <a:t>: classificar críticas de filmes como positivas ou negativas, probabilidade de um paciente desenvolver uma doença, detecção de spam, classificar transações como fraudulentas ou não, etc.</a:t>
             </a:r>
           </a:p>
         </p:txBody>
@@ -31297,7 +31122,7 @@
               <a:lstStyle/>
               <a:p>
                 <a:r>
-                  <a:rPr lang="pt-BR" dirty="0" smtClean="0"/>
+                  <a:rPr lang="pt-BR" dirty="0"/>
                   <a:t>Os valores de saída da </a:t>
                 </a:r>
                 <a:r>
@@ -31578,16 +31403,11 @@
                   <a:rPr lang="pt-BR" dirty="0"/>
                   <a:t>. </a:t>
                 </a:r>
-                <a:endParaRPr lang="pt-BR" dirty="0" smtClean="0"/>
               </a:p>
               <a:p>
                 <a:r>
-                  <a:rPr lang="pt-BR" dirty="0" smtClean="0"/>
-                  <a:t>Ou </a:t>
-                </a:r>
-                <a:r>
                   <a:rPr lang="pt-BR" dirty="0"/>
-                  <a:t>seja, </a:t>
+                  <a:t>Ou seja, </a:t>
                 </a:r>
                 <a14:m>
                   <m:oMath xmlns:m="http://schemas.openxmlformats.org/officeDocument/2006/math">
@@ -32418,13 +32238,13 @@
                   </m:oMath>
                 </a14:m>
                 <a:r>
-                  <a:rPr lang="pt-BR" dirty="0" smtClean="0"/>
+                  <a:rPr lang="pt-BR" dirty="0"/>
                   <a:t>.</a:t>
                 </a:r>
               </a:p>
               <a:p>
                 <a:r>
-                  <a:rPr lang="pt-BR" dirty="0" smtClean="0"/>
+                  <a:rPr lang="pt-BR" dirty="0"/>
                   <a:t>Ou seja, quando </a:t>
                 </a:r>
                 <a14:m>
@@ -32461,7 +32281,7 @@
                   </m:oMath>
                 </a14:m>
                 <a:r>
-                  <a:rPr lang="pt-BR" dirty="0" smtClean="0"/>
+                  <a:rPr lang="pt-BR" dirty="0"/>
                   <a:t> (</a:t>
                 </a:r>
                 <a14:m>
@@ -32475,19 +32295,15 @@
                   </m:oMath>
                 </a14:m>
                 <a:r>
-                  <a:rPr lang="pt-BR" dirty="0" smtClean="0"/>
+                  <a:rPr lang="pt-BR" dirty="0"/>
                   <a:t> em cima da </a:t>
                 </a:r>
                 <a:r>
                   <a:rPr lang="pt-BR" b="1" i="1" dirty="0"/>
-                  <a:t>fronteira de </a:t>
-                </a:r>
-                <a:r>
-                  <a:rPr lang="pt-BR" b="1" i="1" dirty="0" smtClean="0"/>
-                  <a:t>decisão</a:t>
-                </a:r>
-                <a:r>
-                  <a:rPr lang="pt-BR" dirty="0" smtClean="0"/>
+                  <a:t>fronteira de decisão</a:t>
+                </a:r>
+                <a:r>
+                  <a:rPr lang="pt-BR" dirty="0"/>
                   <a:t>), a probabilidade de </a:t>
                 </a:r>
                 <a14:m>
@@ -32501,7 +32317,7 @@
                   </m:oMath>
                 </a14:m>
                 <a:r>
-                  <a:rPr lang="pt-BR" dirty="0" smtClean="0"/>
+                  <a:rPr lang="pt-BR" dirty="0"/>
                   <a:t> pertencer à classe </a:t>
                 </a:r>
                 <a14:m>
@@ -32534,7 +32350,7 @@
                   </m:oMath>
                 </a14:m>
                 <a:r>
-                  <a:rPr lang="pt-BR" dirty="0" smtClean="0"/>
+                  <a:rPr lang="pt-BR" dirty="0"/>
                   <a:t>ou </a:t>
                 </a:r>
                 <a14:m>
@@ -32567,10 +32383,9 @@
                   </m:oMath>
                 </a14:m>
                 <a:r>
-                  <a:rPr lang="pt-BR" dirty="0" smtClean="0"/>
+                  <a:rPr lang="pt-BR" dirty="0"/>
                   <a:t> é de 50% para as duas classes, indicando que o classificador está indeciso.</a:t>
                 </a:r>
-                <a:endParaRPr lang="pt-BR" dirty="0"/>
               </a:p>
             </p:txBody>
           </p:sp>
@@ -32699,15 +32514,7 @@
                 </a:r>
                 <a:r>
                   <a:rPr lang="pt-BR" dirty="0"/>
-                  <a:t>e </a:t>
-                </a:r>
-                <a:r>
-                  <a:rPr lang="pt-BR" dirty="0" smtClean="0"/>
-                  <a:t>encontrarmos </a:t>
-                </a:r>
-                <a:r>
-                  <a:rPr lang="pt-BR" dirty="0"/>
-                  <a:t>os </a:t>
+                  <a:t>e encontrarmos os </a:t>
                 </a:r>
                 <a:r>
                   <a:rPr lang="pt-BR" b="1" i="1" dirty="0"/>
@@ -33962,8 +33769,8 @@
           </a:p>
         </p:txBody>
       </p:sp>
-      <mc:AlternateContent xmlns:mc="http://schemas.openxmlformats.org/markup-compatibility/2006" xmlns:a14="http://schemas.microsoft.com/office/drawing/2010/main">
-        <mc:Choice Requires="a14">
+      <mc:AlternateContent xmlns:mc="http://schemas.openxmlformats.org/markup-compatibility/2006">
+        <mc:Choice xmlns:a14="http://schemas.microsoft.com/office/drawing/2010/main" Requires="a14">
           <p:sp>
             <p:nvSpPr>
               <p:cNvPr id="3" name="Content Placeholder 2"/>
@@ -33982,7 +33789,7 @@
             </p:spPr>
             <p:txBody>
               <a:bodyPr>
-                <a:normAutofit fontScale="92500" lnSpcReduction="20000"/>
+                <a:normAutofit fontScale="85000" lnSpcReduction="10000"/>
               </a:bodyPr>
               <a:lstStyle/>
               <a:p>
@@ -34382,7 +34189,7 @@
             </p:txBody>
           </p:sp>
         </mc:Choice>
-        <mc:Fallback xmlns="">
+        <mc:Fallback>
           <p:sp>
             <p:nvSpPr>
               <p:cNvPr id="3" name="Content Placeholder 2"/>
@@ -34398,10 +34205,10 @@
                 <a:off x="838199" y="3885232"/>
                 <a:ext cx="11203547" cy="2972767"/>
               </a:xfrm>
-              <a:blipFill rotWithShape="0">
+              <a:blipFill>
                 <a:blip r:embed="rId3"/>
                 <a:stretch>
-                  <a:fillRect l="-816" t="-5123" r="-598" b="-4713"/>
+                  <a:fillRect l="-707" t="-3893" r="-871"/>
                 </a:stretch>
               </a:blipFill>
             </p:spPr>
@@ -34410,7 +34217,7 @@
               <a:lstStyle/>
               <a:p>
                 <a:r>
-                  <a:rPr lang="pt-BR">
+                  <a:rPr lang="en-US">
                     <a:noFill/>
                   </a:rPr>
                   <a:t> </a:t>
@@ -34642,15 +34449,7 @@
                 </a14:m>
                 <a:r>
                   <a:rPr lang="pt-BR" sz="1400" dirty="0"/>
-                  <a:t> deve </a:t>
-                </a:r>
-                <a:r>
-                  <a:rPr lang="pt-BR" sz="1400" dirty="0" smtClean="0"/>
-                  <a:t>se aproximar </a:t>
-                </a:r>
-                <a:r>
-                  <a:rPr lang="pt-BR" sz="1400" dirty="0"/>
-                  <a:t>de 1</a:t>
+                  <a:t> deve se aproximar de 1</a:t>
                 </a:r>
               </a:p>
             </p:txBody>
@@ -34813,15 +34612,7 @@
                 </a14:m>
                 <a:r>
                   <a:rPr lang="pt-BR" sz="1400" dirty="0"/>
-                  <a:t> deve </a:t>
-                </a:r>
-                <a:r>
-                  <a:rPr lang="pt-BR" sz="1400" dirty="0" smtClean="0"/>
-                  <a:t>se aproximar </a:t>
-                </a:r>
-                <a:r>
-                  <a:rPr lang="pt-BR" sz="1400" dirty="0"/>
-                  <a:t>de 0</a:t>
+                  <a:t> deve se aproximar de 0</a:t>
                 </a:r>
               </a:p>
             </p:txBody>

--- a/slides/T320_Classificação (Parte III).pptx
+++ b/slides/T320_Classificação (Parte III).pptx
@@ -5,10 +5,10 @@
     <p:sldMasterId id="2147483648" r:id="rId1"/>
   </p:sldMasterIdLst>
   <p:notesMasterIdLst>
-    <p:notesMasterId r:id="rId23"/>
+    <p:notesMasterId r:id="rId24"/>
   </p:notesMasterIdLst>
   <p:handoutMasterIdLst>
-    <p:handoutMasterId r:id="rId24"/>
+    <p:handoutMasterId r:id="rId25"/>
   </p:handoutMasterIdLst>
   <p:sldIdLst>
     <p:sldId id="256" r:id="rId2"/>
@@ -17,21 +17,22 @@
     <p:sldId id="351" r:id="rId5"/>
     <p:sldId id="352" r:id="rId6"/>
     <p:sldId id="353" r:id="rId7"/>
-    <p:sldId id="373" r:id="rId8"/>
-    <p:sldId id="366" r:id="rId9"/>
-    <p:sldId id="356" r:id="rId10"/>
-    <p:sldId id="357" r:id="rId11"/>
-    <p:sldId id="367" r:id="rId12"/>
-    <p:sldId id="370" r:id="rId13"/>
-    <p:sldId id="372" r:id="rId14"/>
-    <p:sldId id="379" r:id="rId15"/>
-    <p:sldId id="324" r:id="rId16"/>
-    <p:sldId id="306" r:id="rId17"/>
-    <p:sldId id="375" r:id="rId18"/>
-    <p:sldId id="376" r:id="rId19"/>
-    <p:sldId id="377" r:id="rId20"/>
-    <p:sldId id="378" r:id="rId21"/>
-    <p:sldId id="362" r:id="rId22"/>
+    <p:sldId id="380" r:id="rId8"/>
+    <p:sldId id="381" r:id="rId9"/>
+    <p:sldId id="366" r:id="rId10"/>
+    <p:sldId id="356" r:id="rId11"/>
+    <p:sldId id="357" r:id="rId12"/>
+    <p:sldId id="367" r:id="rId13"/>
+    <p:sldId id="370" r:id="rId14"/>
+    <p:sldId id="372" r:id="rId15"/>
+    <p:sldId id="379" r:id="rId16"/>
+    <p:sldId id="324" r:id="rId17"/>
+    <p:sldId id="306" r:id="rId18"/>
+    <p:sldId id="375" r:id="rId19"/>
+    <p:sldId id="376" r:id="rId20"/>
+    <p:sldId id="377" r:id="rId21"/>
+    <p:sldId id="378" r:id="rId22"/>
+    <p:sldId id="362" r:id="rId23"/>
   </p:sldIdLst>
   <p:sldSz cx="12192000" cy="6858000"/>
   <p:notesSz cx="7315200" cy="9601200"/>
@@ -903,7 +904,7 @@
           <a:p>
             <a:fld id="{F430A2A4-8C14-4B1A-AD48-7B6401078BF7}" type="slidenum">
               <a:rPr lang="pt-BR" smtClean="0"/>
-              <a:t>20</a:t>
+              <a:t>21</a:t>
             </a:fld>
             <a:endParaRPr lang="pt-BR"/>
           </a:p>
@@ -1007,7 +1008,7 @@
           <a:p>
             <a:fld id="{F430A2A4-8C14-4B1A-AD48-7B6401078BF7}" type="slidenum">
               <a:rPr lang="pt-BR" smtClean="0"/>
-              <a:t>21</a:t>
+              <a:t>22</a:t>
             </a:fld>
             <a:endParaRPr lang="pt-BR"/>
           </a:p>
@@ -1963,7 +1964,7 @@
           <a:p>
             <a:fld id="{6FC8D850-966F-45A6-8DE7-15B891E7D40D}" type="slidenum">
               <a:rPr lang="pt-BR" smtClean="0"/>
-              <a:t>8</a:t>
+              <a:t>9</a:t>
             </a:fld>
             <a:endParaRPr lang="pt-BR"/>
           </a:p>
@@ -2601,7 +2602,7 @@
           <a:p>
             <a:fld id="{F430A2A4-8C14-4B1A-AD48-7B6401078BF7}" type="slidenum">
               <a:rPr lang="pt-BR" smtClean="0"/>
-              <a:t>9</a:t>
+              <a:t>10</a:t>
             </a:fld>
             <a:endParaRPr lang="pt-BR"/>
           </a:p>
@@ -3074,7 +3075,7 @@
           <a:p>
             <a:fld id="{F430A2A4-8C14-4B1A-AD48-7B6401078BF7}" type="slidenum">
               <a:rPr lang="pt-BR" smtClean="0"/>
-              <a:t>10</a:t>
+              <a:t>11</a:t>
             </a:fld>
             <a:endParaRPr lang="pt-BR"/>
           </a:p>
@@ -3248,7 +3249,7 @@
           <a:p>
             <a:fld id="{6FC8D850-966F-45A6-8DE7-15B891E7D40D}" type="slidenum">
               <a:rPr lang="pt-BR" smtClean="0"/>
-              <a:t>11</a:t>
+              <a:t>12</a:t>
             </a:fld>
             <a:endParaRPr lang="pt-BR"/>
           </a:p>
@@ -3342,7 +3343,7 @@
           <a:p>
             <a:fld id="{6FC8D850-966F-45A6-8DE7-15B891E7D40D}" type="slidenum">
               <a:rPr lang="pt-BR" smtClean="0"/>
-              <a:t>15</a:t>
+              <a:t>16</a:t>
             </a:fld>
             <a:endParaRPr lang="pt-BR"/>
           </a:p>
@@ -3383,7 +3384,7 @@
           <p:cNvPr id="2" name="Título 1">
             <a:extLst>
               <a:ext uri="{FF2B5EF4-FFF2-40B4-BE49-F238E27FC236}">
-                <a16:creationId xmlns:a16="http://schemas.microsoft.com/office/drawing/2014/main" id="{1DB9B4FF-B06E-403C-A326-BDC64D8FF94E}"/>
+                <a16:creationId xmlns:a16="http://schemas.microsoft.com/office/drawing/2014/main" xmlns="" id="{1DB9B4FF-B06E-403C-A326-BDC64D8FF94E}"/>
               </a:ext>
             </a:extLst>
           </p:cNvPr>
@@ -3420,7 +3421,7 @@
           <p:cNvPr id="3" name="Subtítulo 2">
             <a:extLst>
               <a:ext uri="{FF2B5EF4-FFF2-40B4-BE49-F238E27FC236}">
-                <a16:creationId xmlns:a16="http://schemas.microsoft.com/office/drawing/2014/main" id="{247BDFCE-746E-45BF-A319-4733D58D1632}"/>
+                <a16:creationId xmlns:a16="http://schemas.microsoft.com/office/drawing/2014/main" xmlns="" id="{247BDFCE-746E-45BF-A319-4733D58D1632}"/>
               </a:ext>
             </a:extLst>
           </p:cNvPr>
@@ -3490,7 +3491,7 @@
           <p:cNvPr id="4" name="Espaço Reservado para Data 3">
             <a:extLst>
               <a:ext uri="{FF2B5EF4-FFF2-40B4-BE49-F238E27FC236}">
-                <a16:creationId xmlns:a16="http://schemas.microsoft.com/office/drawing/2014/main" id="{9EDE2778-5372-4104-B96D-968184DA8288}"/>
+                <a16:creationId xmlns:a16="http://schemas.microsoft.com/office/drawing/2014/main" xmlns="" id="{9EDE2778-5372-4104-B96D-968184DA8288}"/>
               </a:ext>
             </a:extLst>
           </p:cNvPr>
@@ -3519,7 +3520,7 @@
           <p:cNvPr id="5" name="Espaço Reservado para Rodapé 4">
             <a:extLst>
               <a:ext uri="{FF2B5EF4-FFF2-40B4-BE49-F238E27FC236}">
-                <a16:creationId xmlns:a16="http://schemas.microsoft.com/office/drawing/2014/main" id="{C1DD0F41-C861-4051-988D-3024A37A4B93}"/>
+                <a16:creationId xmlns:a16="http://schemas.microsoft.com/office/drawing/2014/main" xmlns="" id="{C1DD0F41-C861-4051-988D-3024A37A4B93}"/>
               </a:ext>
             </a:extLst>
           </p:cNvPr>
@@ -3544,7 +3545,7 @@
           <p:cNvPr id="6" name="Espaço Reservado para Número de Slide 5">
             <a:extLst>
               <a:ext uri="{FF2B5EF4-FFF2-40B4-BE49-F238E27FC236}">
-                <a16:creationId xmlns:a16="http://schemas.microsoft.com/office/drawing/2014/main" id="{07E5967E-D980-431A-A5DB-3F0C5030A81E}"/>
+                <a16:creationId xmlns:a16="http://schemas.microsoft.com/office/drawing/2014/main" xmlns="" id="{07E5967E-D980-431A-A5DB-3F0C5030A81E}"/>
               </a:ext>
             </a:extLst>
           </p:cNvPr>
@@ -3603,7 +3604,7 @@
           <p:cNvPr id="2" name="Título 1">
             <a:extLst>
               <a:ext uri="{FF2B5EF4-FFF2-40B4-BE49-F238E27FC236}">
-                <a16:creationId xmlns:a16="http://schemas.microsoft.com/office/drawing/2014/main" id="{9036C49F-3E68-4175-81BA-3C3FEE44308A}"/>
+                <a16:creationId xmlns:a16="http://schemas.microsoft.com/office/drawing/2014/main" xmlns="" id="{9036C49F-3E68-4175-81BA-3C3FEE44308A}"/>
               </a:ext>
             </a:extLst>
           </p:cNvPr>
@@ -3631,7 +3632,7 @@
           <p:cNvPr id="3" name="Espaço Reservado para Texto Vertical 2">
             <a:extLst>
               <a:ext uri="{FF2B5EF4-FFF2-40B4-BE49-F238E27FC236}">
-                <a16:creationId xmlns:a16="http://schemas.microsoft.com/office/drawing/2014/main" id="{426FA736-3DD3-4D4E-B57B-BBE1D8F7D424}"/>
+                <a16:creationId xmlns:a16="http://schemas.microsoft.com/office/drawing/2014/main" xmlns="" id="{426FA736-3DD3-4D4E-B57B-BBE1D8F7D424}"/>
               </a:ext>
             </a:extLst>
           </p:cNvPr>
@@ -3688,7 +3689,7 @@
           <p:cNvPr id="4" name="Espaço Reservado para Data 3">
             <a:extLst>
               <a:ext uri="{FF2B5EF4-FFF2-40B4-BE49-F238E27FC236}">
-                <a16:creationId xmlns:a16="http://schemas.microsoft.com/office/drawing/2014/main" id="{99E8855C-D8FD-48F6-B14E-861E0DE4D915}"/>
+                <a16:creationId xmlns:a16="http://schemas.microsoft.com/office/drawing/2014/main" xmlns="" id="{99E8855C-D8FD-48F6-B14E-861E0DE4D915}"/>
               </a:ext>
             </a:extLst>
           </p:cNvPr>
@@ -3717,7 +3718,7 @@
           <p:cNvPr id="5" name="Espaço Reservado para Rodapé 4">
             <a:extLst>
               <a:ext uri="{FF2B5EF4-FFF2-40B4-BE49-F238E27FC236}">
-                <a16:creationId xmlns:a16="http://schemas.microsoft.com/office/drawing/2014/main" id="{97C0BB88-2F21-42A5-ACFF-83DA47F2D340}"/>
+                <a16:creationId xmlns:a16="http://schemas.microsoft.com/office/drawing/2014/main" xmlns="" id="{97C0BB88-2F21-42A5-ACFF-83DA47F2D340}"/>
               </a:ext>
             </a:extLst>
           </p:cNvPr>
@@ -3742,7 +3743,7 @@
           <p:cNvPr id="6" name="Espaço Reservado para Número de Slide 5">
             <a:extLst>
               <a:ext uri="{FF2B5EF4-FFF2-40B4-BE49-F238E27FC236}">
-                <a16:creationId xmlns:a16="http://schemas.microsoft.com/office/drawing/2014/main" id="{6CB462B3-1F22-4C05-B4B8-7A279FB7D5E9}"/>
+                <a16:creationId xmlns:a16="http://schemas.microsoft.com/office/drawing/2014/main" xmlns="" id="{6CB462B3-1F22-4C05-B4B8-7A279FB7D5E9}"/>
               </a:ext>
             </a:extLst>
           </p:cNvPr>
@@ -3801,7 +3802,7 @@
           <p:cNvPr id="2" name="Título Vertical 1">
             <a:extLst>
               <a:ext uri="{FF2B5EF4-FFF2-40B4-BE49-F238E27FC236}">
-                <a16:creationId xmlns:a16="http://schemas.microsoft.com/office/drawing/2014/main" id="{EAEAB728-701C-4207-A9D5-23FF45C60502}"/>
+                <a16:creationId xmlns:a16="http://schemas.microsoft.com/office/drawing/2014/main" xmlns="" id="{EAEAB728-701C-4207-A9D5-23FF45C60502}"/>
               </a:ext>
             </a:extLst>
           </p:cNvPr>
@@ -3834,7 +3835,7 @@
           <p:cNvPr id="3" name="Espaço Reservado para Texto Vertical 2">
             <a:extLst>
               <a:ext uri="{FF2B5EF4-FFF2-40B4-BE49-F238E27FC236}">
-                <a16:creationId xmlns:a16="http://schemas.microsoft.com/office/drawing/2014/main" id="{BA8C8CCF-7823-480A-9A19-0F664DD17E3B}"/>
+                <a16:creationId xmlns:a16="http://schemas.microsoft.com/office/drawing/2014/main" xmlns="" id="{BA8C8CCF-7823-480A-9A19-0F664DD17E3B}"/>
               </a:ext>
             </a:extLst>
           </p:cNvPr>
@@ -3896,7 +3897,7 @@
           <p:cNvPr id="4" name="Espaço Reservado para Data 3">
             <a:extLst>
               <a:ext uri="{FF2B5EF4-FFF2-40B4-BE49-F238E27FC236}">
-                <a16:creationId xmlns:a16="http://schemas.microsoft.com/office/drawing/2014/main" id="{721D5734-7B1F-425D-942F-6EB73344027C}"/>
+                <a16:creationId xmlns:a16="http://schemas.microsoft.com/office/drawing/2014/main" xmlns="" id="{721D5734-7B1F-425D-942F-6EB73344027C}"/>
               </a:ext>
             </a:extLst>
           </p:cNvPr>
@@ -3925,7 +3926,7 @@
           <p:cNvPr id="5" name="Espaço Reservado para Rodapé 4">
             <a:extLst>
               <a:ext uri="{FF2B5EF4-FFF2-40B4-BE49-F238E27FC236}">
-                <a16:creationId xmlns:a16="http://schemas.microsoft.com/office/drawing/2014/main" id="{1E1AAEAC-F08D-45FE-89EC-B1B349A868C9}"/>
+                <a16:creationId xmlns:a16="http://schemas.microsoft.com/office/drawing/2014/main" xmlns="" id="{1E1AAEAC-F08D-45FE-89EC-B1B349A868C9}"/>
               </a:ext>
             </a:extLst>
           </p:cNvPr>
@@ -3950,7 +3951,7 @@
           <p:cNvPr id="6" name="Espaço Reservado para Número de Slide 5">
             <a:extLst>
               <a:ext uri="{FF2B5EF4-FFF2-40B4-BE49-F238E27FC236}">
-                <a16:creationId xmlns:a16="http://schemas.microsoft.com/office/drawing/2014/main" id="{BAA44493-9911-47B2-87A6-C2141A972BC8}"/>
+                <a16:creationId xmlns:a16="http://schemas.microsoft.com/office/drawing/2014/main" xmlns="" id="{BAA44493-9911-47B2-87A6-C2141A972BC8}"/>
               </a:ext>
             </a:extLst>
           </p:cNvPr>
@@ -4009,7 +4010,7 @@
           <p:cNvPr id="2" name="Título 1">
             <a:extLst>
               <a:ext uri="{FF2B5EF4-FFF2-40B4-BE49-F238E27FC236}">
-                <a16:creationId xmlns:a16="http://schemas.microsoft.com/office/drawing/2014/main" id="{71BD44A5-8F21-4626-A01D-48A1C874B1D5}"/>
+                <a16:creationId xmlns:a16="http://schemas.microsoft.com/office/drawing/2014/main" xmlns="" id="{71BD44A5-8F21-4626-A01D-48A1C874B1D5}"/>
               </a:ext>
             </a:extLst>
           </p:cNvPr>
@@ -4037,7 +4038,7 @@
           <p:cNvPr id="3" name="Espaço Reservado para Conteúdo 2">
             <a:extLst>
               <a:ext uri="{FF2B5EF4-FFF2-40B4-BE49-F238E27FC236}">
-                <a16:creationId xmlns:a16="http://schemas.microsoft.com/office/drawing/2014/main" id="{B79E8085-65A9-48AA-951D-71D978BFF4ED}"/>
+                <a16:creationId xmlns:a16="http://schemas.microsoft.com/office/drawing/2014/main" xmlns="" id="{B79E8085-65A9-48AA-951D-71D978BFF4ED}"/>
               </a:ext>
             </a:extLst>
           </p:cNvPr>
@@ -4094,7 +4095,7 @@
           <p:cNvPr id="4" name="Espaço Reservado para Data 3">
             <a:extLst>
               <a:ext uri="{FF2B5EF4-FFF2-40B4-BE49-F238E27FC236}">
-                <a16:creationId xmlns:a16="http://schemas.microsoft.com/office/drawing/2014/main" id="{F05BE1AF-51EA-425D-B188-DE7BD675009F}"/>
+                <a16:creationId xmlns:a16="http://schemas.microsoft.com/office/drawing/2014/main" xmlns="" id="{F05BE1AF-51EA-425D-B188-DE7BD675009F}"/>
               </a:ext>
             </a:extLst>
           </p:cNvPr>
@@ -4123,7 +4124,7 @@
           <p:cNvPr id="5" name="Espaço Reservado para Rodapé 4">
             <a:extLst>
               <a:ext uri="{FF2B5EF4-FFF2-40B4-BE49-F238E27FC236}">
-                <a16:creationId xmlns:a16="http://schemas.microsoft.com/office/drawing/2014/main" id="{121BE632-29CF-4CB9-B365-C9EF38F89BE6}"/>
+                <a16:creationId xmlns:a16="http://schemas.microsoft.com/office/drawing/2014/main" xmlns="" id="{121BE632-29CF-4CB9-B365-C9EF38F89BE6}"/>
               </a:ext>
             </a:extLst>
           </p:cNvPr>
@@ -4148,7 +4149,7 @@
           <p:cNvPr id="6" name="Espaço Reservado para Número de Slide 5">
             <a:extLst>
               <a:ext uri="{FF2B5EF4-FFF2-40B4-BE49-F238E27FC236}">
-                <a16:creationId xmlns:a16="http://schemas.microsoft.com/office/drawing/2014/main" id="{60CF3DD1-9AEC-4A57-B461-4E4DD86FAC18}"/>
+                <a16:creationId xmlns:a16="http://schemas.microsoft.com/office/drawing/2014/main" xmlns="" id="{60CF3DD1-9AEC-4A57-B461-4E4DD86FAC18}"/>
               </a:ext>
             </a:extLst>
           </p:cNvPr>
@@ -4207,7 +4208,7 @@
           <p:cNvPr id="2" name="Título 1">
             <a:extLst>
               <a:ext uri="{FF2B5EF4-FFF2-40B4-BE49-F238E27FC236}">
-                <a16:creationId xmlns:a16="http://schemas.microsoft.com/office/drawing/2014/main" id="{34AB2FF0-A4D7-4E28-991D-FF26140D5988}"/>
+                <a16:creationId xmlns:a16="http://schemas.microsoft.com/office/drawing/2014/main" xmlns="" id="{34AB2FF0-A4D7-4E28-991D-FF26140D5988}"/>
               </a:ext>
             </a:extLst>
           </p:cNvPr>
@@ -4244,7 +4245,7 @@
           <p:cNvPr id="3" name="Espaço Reservado para Texto 2">
             <a:extLst>
               <a:ext uri="{FF2B5EF4-FFF2-40B4-BE49-F238E27FC236}">
-                <a16:creationId xmlns:a16="http://schemas.microsoft.com/office/drawing/2014/main" id="{E2AC45B0-4145-40DB-8E61-105461170604}"/>
+                <a16:creationId xmlns:a16="http://schemas.microsoft.com/office/drawing/2014/main" xmlns="" id="{E2AC45B0-4145-40DB-8E61-105461170604}"/>
               </a:ext>
             </a:extLst>
           </p:cNvPr>
@@ -4369,7 +4370,7 @@
           <p:cNvPr id="4" name="Espaço Reservado para Data 3">
             <a:extLst>
               <a:ext uri="{FF2B5EF4-FFF2-40B4-BE49-F238E27FC236}">
-                <a16:creationId xmlns:a16="http://schemas.microsoft.com/office/drawing/2014/main" id="{50F1D3FB-740A-4EBA-A309-2CE71D12ECFB}"/>
+                <a16:creationId xmlns:a16="http://schemas.microsoft.com/office/drawing/2014/main" xmlns="" id="{50F1D3FB-740A-4EBA-A309-2CE71D12ECFB}"/>
               </a:ext>
             </a:extLst>
           </p:cNvPr>
@@ -4398,7 +4399,7 @@
           <p:cNvPr id="5" name="Espaço Reservado para Rodapé 4">
             <a:extLst>
               <a:ext uri="{FF2B5EF4-FFF2-40B4-BE49-F238E27FC236}">
-                <a16:creationId xmlns:a16="http://schemas.microsoft.com/office/drawing/2014/main" id="{BDCAB18F-8715-4465-A940-F9C193A2ACE9}"/>
+                <a16:creationId xmlns:a16="http://schemas.microsoft.com/office/drawing/2014/main" xmlns="" id="{BDCAB18F-8715-4465-A940-F9C193A2ACE9}"/>
               </a:ext>
             </a:extLst>
           </p:cNvPr>
@@ -4423,7 +4424,7 @@
           <p:cNvPr id="6" name="Espaço Reservado para Número de Slide 5">
             <a:extLst>
               <a:ext uri="{FF2B5EF4-FFF2-40B4-BE49-F238E27FC236}">
-                <a16:creationId xmlns:a16="http://schemas.microsoft.com/office/drawing/2014/main" id="{353466C6-8248-429F-8056-FF040BF509EB}"/>
+                <a16:creationId xmlns:a16="http://schemas.microsoft.com/office/drawing/2014/main" xmlns="" id="{353466C6-8248-429F-8056-FF040BF509EB}"/>
               </a:ext>
             </a:extLst>
           </p:cNvPr>
@@ -4482,7 +4483,7 @@
           <p:cNvPr id="2" name="Título 1">
             <a:extLst>
               <a:ext uri="{FF2B5EF4-FFF2-40B4-BE49-F238E27FC236}">
-                <a16:creationId xmlns:a16="http://schemas.microsoft.com/office/drawing/2014/main" id="{BC7BB9F0-F14B-4A91-B2B7-35BC47FE4DE7}"/>
+                <a16:creationId xmlns:a16="http://schemas.microsoft.com/office/drawing/2014/main" xmlns="" id="{BC7BB9F0-F14B-4A91-B2B7-35BC47FE4DE7}"/>
               </a:ext>
             </a:extLst>
           </p:cNvPr>
@@ -4510,7 +4511,7 @@
           <p:cNvPr id="3" name="Espaço Reservado para Conteúdo 2">
             <a:extLst>
               <a:ext uri="{FF2B5EF4-FFF2-40B4-BE49-F238E27FC236}">
-                <a16:creationId xmlns:a16="http://schemas.microsoft.com/office/drawing/2014/main" id="{EC1FC1C4-73DA-47A6-8496-B0B457F7D39A}"/>
+                <a16:creationId xmlns:a16="http://schemas.microsoft.com/office/drawing/2014/main" xmlns="" id="{EC1FC1C4-73DA-47A6-8496-B0B457F7D39A}"/>
               </a:ext>
             </a:extLst>
           </p:cNvPr>
@@ -4572,7 +4573,7 @@
           <p:cNvPr id="4" name="Espaço Reservado para Conteúdo 3">
             <a:extLst>
               <a:ext uri="{FF2B5EF4-FFF2-40B4-BE49-F238E27FC236}">
-                <a16:creationId xmlns:a16="http://schemas.microsoft.com/office/drawing/2014/main" id="{E92F06A8-A449-4D92-9912-76873E529B38}"/>
+                <a16:creationId xmlns:a16="http://schemas.microsoft.com/office/drawing/2014/main" xmlns="" id="{E92F06A8-A449-4D92-9912-76873E529B38}"/>
               </a:ext>
             </a:extLst>
           </p:cNvPr>
@@ -4634,7 +4635,7 @@
           <p:cNvPr id="5" name="Espaço Reservado para Data 4">
             <a:extLst>
               <a:ext uri="{FF2B5EF4-FFF2-40B4-BE49-F238E27FC236}">
-                <a16:creationId xmlns:a16="http://schemas.microsoft.com/office/drawing/2014/main" id="{938070A4-BC2F-4D55-BD8D-DEAF11BB9EE9}"/>
+                <a16:creationId xmlns:a16="http://schemas.microsoft.com/office/drawing/2014/main" xmlns="" id="{938070A4-BC2F-4D55-BD8D-DEAF11BB9EE9}"/>
               </a:ext>
             </a:extLst>
           </p:cNvPr>
@@ -4663,7 +4664,7 @@
           <p:cNvPr id="6" name="Espaço Reservado para Rodapé 5">
             <a:extLst>
               <a:ext uri="{FF2B5EF4-FFF2-40B4-BE49-F238E27FC236}">
-                <a16:creationId xmlns:a16="http://schemas.microsoft.com/office/drawing/2014/main" id="{45CC2DB8-844A-465F-BA9A-7734C80C7F43}"/>
+                <a16:creationId xmlns:a16="http://schemas.microsoft.com/office/drawing/2014/main" xmlns="" id="{45CC2DB8-844A-465F-BA9A-7734C80C7F43}"/>
               </a:ext>
             </a:extLst>
           </p:cNvPr>
@@ -4688,7 +4689,7 @@
           <p:cNvPr id="7" name="Espaço Reservado para Número de Slide 6">
             <a:extLst>
               <a:ext uri="{FF2B5EF4-FFF2-40B4-BE49-F238E27FC236}">
-                <a16:creationId xmlns:a16="http://schemas.microsoft.com/office/drawing/2014/main" id="{4CC606A8-097B-4040-94E0-CD8C88280D8F}"/>
+                <a16:creationId xmlns:a16="http://schemas.microsoft.com/office/drawing/2014/main" xmlns="" id="{4CC606A8-097B-4040-94E0-CD8C88280D8F}"/>
               </a:ext>
             </a:extLst>
           </p:cNvPr>
@@ -4747,7 +4748,7 @@
           <p:cNvPr id="2" name="Título 1">
             <a:extLst>
               <a:ext uri="{FF2B5EF4-FFF2-40B4-BE49-F238E27FC236}">
-                <a16:creationId xmlns:a16="http://schemas.microsoft.com/office/drawing/2014/main" id="{76D66686-0143-4CB6-8C09-BA326F1E7ACA}"/>
+                <a16:creationId xmlns:a16="http://schemas.microsoft.com/office/drawing/2014/main" xmlns="" id="{76D66686-0143-4CB6-8C09-BA326F1E7ACA}"/>
               </a:ext>
             </a:extLst>
           </p:cNvPr>
@@ -4780,7 +4781,7 @@
           <p:cNvPr id="3" name="Espaço Reservado para Texto 2">
             <a:extLst>
               <a:ext uri="{FF2B5EF4-FFF2-40B4-BE49-F238E27FC236}">
-                <a16:creationId xmlns:a16="http://schemas.microsoft.com/office/drawing/2014/main" id="{0227AB85-F59E-4BCE-B846-4FA0992C2F23}"/>
+                <a16:creationId xmlns:a16="http://schemas.microsoft.com/office/drawing/2014/main" xmlns="" id="{0227AB85-F59E-4BCE-B846-4FA0992C2F23}"/>
               </a:ext>
             </a:extLst>
           </p:cNvPr>
@@ -4851,7 +4852,7 @@
           <p:cNvPr id="4" name="Espaço Reservado para Conteúdo 3">
             <a:extLst>
               <a:ext uri="{FF2B5EF4-FFF2-40B4-BE49-F238E27FC236}">
-                <a16:creationId xmlns:a16="http://schemas.microsoft.com/office/drawing/2014/main" id="{3373456C-7319-4D0A-827D-D29F6B083F5D}"/>
+                <a16:creationId xmlns:a16="http://schemas.microsoft.com/office/drawing/2014/main" xmlns="" id="{3373456C-7319-4D0A-827D-D29F6B083F5D}"/>
               </a:ext>
             </a:extLst>
           </p:cNvPr>
@@ -4913,7 +4914,7 @@
           <p:cNvPr id="5" name="Espaço Reservado para Texto 4">
             <a:extLst>
               <a:ext uri="{FF2B5EF4-FFF2-40B4-BE49-F238E27FC236}">
-                <a16:creationId xmlns:a16="http://schemas.microsoft.com/office/drawing/2014/main" id="{4CD109D0-2E83-4262-8029-A871CEC47406}"/>
+                <a16:creationId xmlns:a16="http://schemas.microsoft.com/office/drawing/2014/main" xmlns="" id="{4CD109D0-2E83-4262-8029-A871CEC47406}"/>
               </a:ext>
             </a:extLst>
           </p:cNvPr>
@@ -4984,7 +4985,7 @@
           <p:cNvPr id="6" name="Espaço Reservado para Conteúdo 5">
             <a:extLst>
               <a:ext uri="{FF2B5EF4-FFF2-40B4-BE49-F238E27FC236}">
-                <a16:creationId xmlns:a16="http://schemas.microsoft.com/office/drawing/2014/main" id="{AD706E3A-CFBB-4A6C-A65F-D0360A9E74FE}"/>
+                <a16:creationId xmlns:a16="http://schemas.microsoft.com/office/drawing/2014/main" xmlns="" id="{AD706E3A-CFBB-4A6C-A65F-D0360A9E74FE}"/>
               </a:ext>
             </a:extLst>
           </p:cNvPr>
@@ -5046,7 +5047,7 @@
           <p:cNvPr id="7" name="Espaço Reservado para Data 6">
             <a:extLst>
               <a:ext uri="{FF2B5EF4-FFF2-40B4-BE49-F238E27FC236}">
-                <a16:creationId xmlns:a16="http://schemas.microsoft.com/office/drawing/2014/main" id="{4172C0E5-5AF0-4805-BB51-443733CD2BD5}"/>
+                <a16:creationId xmlns:a16="http://schemas.microsoft.com/office/drawing/2014/main" xmlns="" id="{4172C0E5-5AF0-4805-BB51-443733CD2BD5}"/>
               </a:ext>
             </a:extLst>
           </p:cNvPr>
@@ -5075,7 +5076,7 @@
           <p:cNvPr id="8" name="Espaço Reservado para Rodapé 7">
             <a:extLst>
               <a:ext uri="{FF2B5EF4-FFF2-40B4-BE49-F238E27FC236}">
-                <a16:creationId xmlns:a16="http://schemas.microsoft.com/office/drawing/2014/main" id="{0E801648-156F-497E-99CF-797DF48051E1}"/>
+                <a16:creationId xmlns:a16="http://schemas.microsoft.com/office/drawing/2014/main" xmlns="" id="{0E801648-156F-497E-99CF-797DF48051E1}"/>
               </a:ext>
             </a:extLst>
           </p:cNvPr>
@@ -5100,7 +5101,7 @@
           <p:cNvPr id="9" name="Espaço Reservado para Número de Slide 8">
             <a:extLst>
               <a:ext uri="{FF2B5EF4-FFF2-40B4-BE49-F238E27FC236}">
-                <a16:creationId xmlns:a16="http://schemas.microsoft.com/office/drawing/2014/main" id="{EEE23D32-80E7-4796-A137-66BF842E4B53}"/>
+                <a16:creationId xmlns:a16="http://schemas.microsoft.com/office/drawing/2014/main" xmlns="" id="{EEE23D32-80E7-4796-A137-66BF842E4B53}"/>
               </a:ext>
             </a:extLst>
           </p:cNvPr>
@@ -5159,7 +5160,7 @@
           <p:cNvPr id="2" name="Título 1">
             <a:extLst>
               <a:ext uri="{FF2B5EF4-FFF2-40B4-BE49-F238E27FC236}">
-                <a16:creationId xmlns:a16="http://schemas.microsoft.com/office/drawing/2014/main" id="{2BCE2379-C78F-47E1-8CFC-B846E7AF148D}"/>
+                <a16:creationId xmlns:a16="http://schemas.microsoft.com/office/drawing/2014/main" xmlns="" id="{2BCE2379-C78F-47E1-8CFC-B846E7AF148D}"/>
               </a:ext>
             </a:extLst>
           </p:cNvPr>
@@ -5187,7 +5188,7 @@
           <p:cNvPr id="3" name="Espaço Reservado para Data 2">
             <a:extLst>
               <a:ext uri="{FF2B5EF4-FFF2-40B4-BE49-F238E27FC236}">
-                <a16:creationId xmlns:a16="http://schemas.microsoft.com/office/drawing/2014/main" id="{342600A9-7F92-4E22-9D94-E4717252A817}"/>
+                <a16:creationId xmlns:a16="http://schemas.microsoft.com/office/drawing/2014/main" xmlns="" id="{342600A9-7F92-4E22-9D94-E4717252A817}"/>
               </a:ext>
             </a:extLst>
           </p:cNvPr>
@@ -5216,7 +5217,7 @@
           <p:cNvPr id="4" name="Espaço Reservado para Rodapé 3">
             <a:extLst>
               <a:ext uri="{FF2B5EF4-FFF2-40B4-BE49-F238E27FC236}">
-                <a16:creationId xmlns:a16="http://schemas.microsoft.com/office/drawing/2014/main" id="{192E6BED-F546-40CC-A2DF-99CBA853654E}"/>
+                <a16:creationId xmlns:a16="http://schemas.microsoft.com/office/drawing/2014/main" xmlns="" id="{192E6BED-F546-40CC-A2DF-99CBA853654E}"/>
               </a:ext>
             </a:extLst>
           </p:cNvPr>
@@ -5241,7 +5242,7 @@
           <p:cNvPr id="5" name="Espaço Reservado para Número de Slide 4">
             <a:extLst>
               <a:ext uri="{FF2B5EF4-FFF2-40B4-BE49-F238E27FC236}">
-                <a16:creationId xmlns:a16="http://schemas.microsoft.com/office/drawing/2014/main" id="{6091CC40-A8C4-4063-80EB-CC5099621678}"/>
+                <a16:creationId xmlns:a16="http://schemas.microsoft.com/office/drawing/2014/main" xmlns="" id="{6091CC40-A8C4-4063-80EB-CC5099621678}"/>
               </a:ext>
             </a:extLst>
           </p:cNvPr>
@@ -5300,7 +5301,7 @@
           <p:cNvPr id="2" name="Espaço Reservado para Data 1">
             <a:extLst>
               <a:ext uri="{FF2B5EF4-FFF2-40B4-BE49-F238E27FC236}">
-                <a16:creationId xmlns:a16="http://schemas.microsoft.com/office/drawing/2014/main" id="{DD19515C-212C-4EAE-84A3-8FF4BC844F1B}"/>
+                <a16:creationId xmlns:a16="http://schemas.microsoft.com/office/drawing/2014/main" xmlns="" id="{DD19515C-212C-4EAE-84A3-8FF4BC844F1B}"/>
               </a:ext>
             </a:extLst>
           </p:cNvPr>
@@ -5329,7 +5330,7 @@
           <p:cNvPr id="3" name="Espaço Reservado para Rodapé 2">
             <a:extLst>
               <a:ext uri="{FF2B5EF4-FFF2-40B4-BE49-F238E27FC236}">
-                <a16:creationId xmlns:a16="http://schemas.microsoft.com/office/drawing/2014/main" id="{94D3D120-B3E8-4C96-861D-7A4F12F49B3A}"/>
+                <a16:creationId xmlns:a16="http://schemas.microsoft.com/office/drawing/2014/main" xmlns="" id="{94D3D120-B3E8-4C96-861D-7A4F12F49B3A}"/>
               </a:ext>
             </a:extLst>
           </p:cNvPr>
@@ -5354,7 +5355,7 @@
           <p:cNvPr id="4" name="Espaço Reservado para Número de Slide 3">
             <a:extLst>
               <a:ext uri="{FF2B5EF4-FFF2-40B4-BE49-F238E27FC236}">
-                <a16:creationId xmlns:a16="http://schemas.microsoft.com/office/drawing/2014/main" id="{42E49B68-FA1B-468B-9F17-D5C09243D454}"/>
+                <a16:creationId xmlns:a16="http://schemas.microsoft.com/office/drawing/2014/main" xmlns="" id="{42E49B68-FA1B-468B-9F17-D5C09243D454}"/>
               </a:ext>
             </a:extLst>
           </p:cNvPr>
@@ -5413,7 +5414,7 @@
           <p:cNvPr id="2" name="Título 1">
             <a:extLst>
               <a:ext uri="{FF2B5EF4-FFF2-40B4-BE49-F238E27FC236}">
-                <a16:creationId xmlns:a16="http://schemas.microsoft.com/office/drawing/2014/main" id="{1C17BCBE-A897-4319-85EC-D87909C24980}"/>
+                <a16:creationId xmlns:a16="http://schemas.microsoft.com/office/drawing/2014/main" xmlns="" id="{1C17BCBE-A897-4319-85EC-D87909C24980}"/>
               </a:ext>
             </a:extLst>
           </p:cNvPr>
@@ -5450,7 +5451,7 @@
           <p:cNvPr id="3" name="Espaço Reservado para Conteúdo 2">
             <a:extLst>
               <a:ext uri="{FF2B5EF4-FFF2-40B4-BE49-F238E27FC236}">
-                <a16:creationId xmlns:a16="http://schemas.microsoft.com/office/drawing/2014/main" id="{4226F885-0204-4913-868B-4B8B82576F17}"/>
+                <a16:creationId xmlns:a16="http://schemas.microsoft.com/office/drawing/2014/main" xmlns="" id="{4226F885-0204-4913-868B-4B8B82576F17}"/>
               </a:ext>
             </a:extLst>
           </p:cNvPr>
@@ -5540,7 +5541,7 @@
           <p:cNvPr id="4" name="Espaço Reservado para Texto 3">
             <a:extLst>
               <a:ext uri="{FF2B5EF4-FFF2-40B4-BE49-F238E27FC236}">
-                <a16:creationId xmlns:a16="http://schemas.microsoft.com/office/drawing/2014/main" id="{00F9F784-A858-441B-8AB5-697098141751}"/>
+                <a16:creationId xmlns:a16="http://schemas.microsoft.com/office/drawing/2014/main" xmlns="" id="{00F9F784-A858-441B-8AB5-697098141751}"/>
               </a:ext>
             </a:extLst>
           </p:cNvPr>
@@ -5611,7 +5612,7 @@
           <p:cNvPr id="5" name="Espaço Reservado para Data 4">
             <a:extLst>
               <a:ext uri="{FF2B5EF4-FFF2-40B4-BE49-F238E27FC236}">
-                <a16:creationId xmlns:a16="http://schemas.microsoft.com/office/drawing/2014/main" id="{A4DC363A-5000-472E-8B17-02E7DCB8840A}"/>
+                <a16:creationId xmlns:a16="http://schemas.microsoft.com/office/drawing/2014/main" xmlns="" id="{A4DC363A-5000-472E-8B17-02E7DCB8840A}"/>
               </a:ext>
             </a:extLst>
           </p:cNvPr>
@@ -5640,7 +5641,7 @@
           <p:cNvPr id="6" name="Espaço Reservado para Rodapé 5">
             <a:extLst>
               <a:ext uri="{FF2B5EF4-FFF2-40B4-BE49-F238E27FC236}">
-                <a16:creationId xmlns:a16="http://schemas.microsoft.com/office/drawing/2014/main" id="{5548425D-2C21-4C56-BAD4-662978775C28}"/>
+                <a16:creationId xmlns:a16="http://schemas.microsoft.com/office/drawing/2014/main" xmlns="" id="{5548425D-2C21-4C56-BAD4-662978775C28}"/>
               </a:ext>
             </a:extLst>
           </p:cNvPr>
@@ -5665,7 +5666,7 @@
           <p:cNvPr id="7" name="Espaço Reservado para Número de Slide 6">
             <a:extLst>
               <a:ext uri="{FF2B5EF4-FFF2-40B4-BE49-F238E27FC236}">
-                <a16:creationId xmlns:a16="http://schemas.microsoft.com/office/drawing/2014/main" id="{C63E9726-E64C-42B2-AE8A-8C235A956B48}"/>
+                <a16:creationId xmlns:a16="http://schemas.microsoft.com/office/drawing/2014/main" xmlns="" id="{C63E9726-E64C-42B2-AE8A-8C235A956B48}"/>
               </a:ext>
             </a:extLst>
           </p:cNvPr>
@@ -5724,7 +5725,7 @@
           <p:cNvPr id="2" name="Título 1">
             <a:extLst>
               <a:ext uri="{FF2B5EF4-FFF2-40B4-BE49-F238E27FC236}">
-                <a16:creationId xmlns:a16="http://schemas.microsoft.com/office/drawing/2014/main" id="{11086A78-3E74-450C-96A6-CA8AC37AF772}"/>
+                <a16:creationId xmlns:a16="http://schemas.microsoft.com/office/drawing/2014/main" xmlns="" id="{11086A78-3E74-450C-96A6-CA8AC37AF772}"/>
               </a:ext>
             </a:extLst>
           </p:cNvPr>
@@ -5761,7 +5762,7 @@
           <p:cNvPr id="3" name="Espaço Reservado para Imagem 2">
             <a:extLst>
               <a:ext uri="{FF2B5EF4-FFF2-40B4-BE49-F238E27FC236}">
-                <a16:creationId xmlns:a16="http://schemas.microsoft.com/office/drawing/2014/main" id="{5F5B7312-975A-4DBC-9B2F-3652ADA006FD}"/>
+                <a16:creationId xmlns:a16="http://schemas.microsoft.com/office/drawing/2014/main" xmlns="" id="{5F5B7312-975A-4DBC-9B2F-3652ADA006FD}"/>
               </a:ext>
             </a:extLst>
           </p:cNvPr>
@@ -5828,7 +5829,7 @@
           <p:cNvPr id="4" name="Espaço Reservado para Texto 3">
             <a:extLst>
               <a:ext uri="{FF2B5EF4-FFF2-40B4-BE49-F238E27FC236}">
-                <a16:creationId xmlns:a16="http://schemas.microsoft.com/office/drawing/2014/main" id="{AAF805F5-1DFF-41C6-944C-7D79FE0D0963}"/>
+                <a16:creationId xmlns:a16="http://schemas.microsoft.com/office/drawing/2014/main" xmlns="" id="{AAF805F5-1DFF-41C6-944C-7D79FE0D0963}"/>
               </a:ext>
             </a:extLst>
           </p:cNvPr>
@@ -5899,7 +5900,7 @@
           <p:cNvPr id="5" name="Espaço Reservado para Data 4">
             <a:extLst>
               <a:ext uri="{FF2B5EF4-FFF2-40B4-BE49-F238E27FC236}">
-                <a16:creationId xmlns:a16="http://schemas.microsoft.com/office/drawing/2014/main" id="{02113D81-8665-4516-BD81-C6A1F254EECD}"/>
+                <a16:creationId xmlns:a16="http://schemas.microsoft.com/office/drawing/2014/main" xmlns="" id="{02113D81-8665-4516-BD81-C6A1F254EECD}"/>
               </a:ext>
             </a:extLst>
           </p:cNvPr>
@@ -5928,7 +5929,7 @@
           <p:cNvPr id="6" name="Espaço Reservado para Rodapé 5">
             <a:extLst>
               <a:ext uri="{FF2B5EF4-FFF2-40B4-BE49-F238E27FC236}">
-                <a16:creationId xmlns:a16="http://schemas.microsoft.com/office/drawing/2014/main" id="{2B00C88B-FF32-40AA-A187-727D96FD7862}"/>
+                <a16:creationId xmlns:a16="http://schemas.microsoft.com/office/drawing/2014/main" xmlns="" id="{2B00C88B-FF32-40AA-A187-727D96FD7862}"/>
               </a:ext>
             </a:extLst>
           </p:cNvPr>
@@ -5953,7 +5954,7 @@
           <p:cNvPr id="7" name="Espaço Reservado para Número de Slide 6">
             <a:extLst>
               <a:ext uri="{FF2B5EF4-FFF2-40B4-BE49-F238E27FC236}">
-                <a16:creationId xmlns:a16="http://schemas.microsoft.com/office/drawing/2014/main" id="{A04D1A2D-69F7-4B8F-A730-BC26DC340BA6}"/>
+                <a16:creationId xmlns:a16="http://schemas.microsoft.com/office/drawing/2014/main" xmlns="" id="{A04D1A2D-69F7-4B8F-A730-BC26DC340BA6}"/>
               </a:ext>
             </a:extLst>
           </p:cNvPr>
@@ -6017,7 +6018,7 @@
           <p:cNvPr id="2" name="Espaço Reservado para Título 1">
             <a:extLst>
               <a:ext uri="{FF2B5EF4-FFF2-40B4-BE49-F238E27FC236}">
-                <a16:creationId xmlns:a16="http://schemas.microsoft.com/office/drawing/2014/main" id="{E69A0273-1966-4A1B-9370-4C1CE5036371}"/>
+                <a16:creationId xmlns:a16="http://schemas.microsoft.com/office/drawing/2014/main" xmlns="" id="{E69A0273-1966-4A1B-9370-4C1CE5036371}"/>
               </a:ext>
             </a:extLst>
           </p:cNvPr>
@@ -6055,7 +6056,7 @@
           <p:cNvPr id="3" name="Espaço Reservado para Texto 2">
             <a:extLst>
               <a:ext uri="{FF2B5EF4-FFF2-40B4-BE49-F238E27FC236}">
-                <a16:creationId xmlns:a16="http://schemas.microsoft.com/office/drawing/2014/main" id="{3B9CF87A-0448-49A7-AB25-EBC1D56A40EF}"/>
+                <a16:creationId xmlns:a16="http://schemas.microsoft.com/office/drawing/2014/main" xmlns="" id="{3B9CF87A-0448-49A7-AB25-EBC1D56A40EF}"/>
               </a:ext>
             </a:extLst>
           </p:cNvPr>
@@ -6122,7 +6123,7 @@
           <p:cNvPr id="4" name="Espaço Reservado para Data 3">
             <a:extLst>
               <a:ext uri="{FF2B5EF4-FFF2-40B4-BE49-F238E27FC236}">
-                <a16:creationId xmlns:a16="http://schemas.microsoft.com/office/drawing/2014/main" id="{2EF7B1F2-BB5A-44D0-816D-16AD2C71430E}"/>
+                <a16:creationId xmlns:a16="http://schemas.microsoft.com/office/drawing/2014/main" xmlns="" id="{2EF7B1F2-BB5A-44D0-816D-16AD2C71430E}"/>
               </a:ext>
             </a:extLst>
           </p:cNvPr>
@@ -6169,7 +6170,7 @@
           <p:cNvPr id="5" name="Espaço Reservado para Rodapé 4">
             <a:extLst>
               <a:ext uri="{FF2B5EF4-FFF2-40B4-BE49-F238E27FC236}">
-                <a16:creationId xmlns:a16="http://schemas.microsoft.com/office/drawing/2014/main" id="{C703F94C-2CC8-4DAA-BC35-14FC3E841DCD}"/>
+                <a16:creationId xmlns:a16="http://schemas.microsoft.com/office/drawing/2014/main" xmlns="" id="{C703F94C-2CC8-4DAA-BC35-14FC3E841DCD}"/>
               </a:ext>
             </a:extLst>
           </p:cNvPr>
@@ -6212,7 +6213,7 @@
           <p:cNvPr id="6" name="Espaço Reservado para Número de Slide 5">
             <a:extLst>
               <a:ext uri="{FF2B5EF4-FFF2-40B4-BE49-F238E27FC236}">
-                <a16:creationId xmlns:a16="http://schemas.microsoft.com/office/drawing/2014/main" id="{64051336-7048-457A-8B61-D94291D71648}"/>
+                <a16:creationId xmlns:a16="http://schemas.microsoft.com/office/drawing/2014/main" xmlns="" id="{64051336-7048-457A-8B61-D94291D71648}"/>
               </a:ext>
             </a:extLst>
           </p:cNvPr>
@@ -6580,7 +6581,7 @@
           <p:cNvPr id="2" name="Título 1">
             <a:extLst>
               <a:ext uri="{FF2B5EF4-FFF2-40B4-BE49-F238E27FC236}">
-                <a16:creationId xmlns:a16="http://schemas.microsoft.com/office/drawing/2014/main" id="{32666AC8-2E17-4DB4-B0F5-60C640CCFD2E}"/>
+                <a16:creationId xmlns:a16="http://schemas.microsoft.com/office/drawing/2014/main" xmlns="" id="{32666AC8-2E17-4DB4-B0F5-60C640CCFD2E}"/>
               </a:ext>
             </a:extLst>
           </p:cNvPr>
@@ -6607,6 +6608,10 @@
               <a:rPr lang="pt-BR" sz="5400" dirty="0"/>
               <a:t>T320 - Introdução ao Aprendizado de Máquina II:</a:t>
             </a:r>
+            <a:r>
+              <a:rPr lang="pt-BR" dirty="0"/>
+              <a:t/>
+            </a:r>
             <a:br>
               <a:rPr lang="pt-BR" dirty="0"/>
             </a:br>
@@ -6622,7 +6627,7 @@
           <p:cNvPr id="4" name="CaixaDeTexto 3">
             <a:extLst>
               <a:ext uri="{FF2B5EF4-FFF2-40B4-BE49-F238E27FC236}">
-                <a16:creationId xmlns:a16="http://schemas.microsoft.com/office/drawing/2014/main" id="{430EB894-B7D4-434C-9D1A-A14094D9BEEC}"/>
+                <a16:creationId xmlns:a16="http://schemas.microsoft.com/office/drawing/2014/main" xmlns="" id="{430EB894-B7D4-434C-9D1A-A14094D9BEEC}"/>
               </a:ext>
             </a:extLst>
           </p:cNvPr>
@@ -6663,7 +6668,7 @@
           <p:cNvPr id="1026" name="Picture 2" descr="Logo">
             <a:extLst>
               <a:ext uri="{FF2B5EF4-FFF2-40B4-BE49-F238E27FC236}">
-                <a16:creationId xmlns:a16="http://schemas.microsoft.com/office/drawing/2014/main" id="{3F2642E0-4F6A-4196-8F58-E77D36E9A33F}"/>
+                <a16:creationId xmlns:a16="http://schemas.microsoft.com/office/drawing/2014/main" xmlns="" id="{3F2642E0-4F6A-4196-8F58-E77D36E9A33F}"/>
               </a:ext>
             </a:extLst>
           </p:cNvPr>
@@ -6708,7 +6713,7 @@
           <p:cNvPr id="5122" name="Picture 2" descr="Image result for machine learning">
             <a:extLst>
               <a:ext uri="{FF2B5EF4-FFF2-40B4-BE49-F238E27FC236}">
-                <a16:creationId xmlns:a16="http://schemas.microsoft.com/office/drawing/2014/main" id="{810CE0A2-4102-44A6-A370-175E7896CDCB}"/>
+                <a16:creationId xmlns:a16="http://schemas.microsoft.com/office/drawing/2014/main" xmlns="" id="{810CE0A2-4102-44A6-A370-175E7896CDCB}"/>
               </a:ext>
             </a:extLst>
           </p:cNvPr>
@@ -6762,6 +6767,951 @@
 </file>
 
 <file path=ppt/slides/slide10.xml><?xml version="1.0" encoding="utf-8"?>
+<p:sld xmlns:a="http://schemas.openxmlformats.org/drawingml/2006/main" xmlns:r="http://schemas.openxmlformats.org/officeDocument/2006/relationships" xmlns:p="http://schemas.openxmlformats.org/presentationml/2006/main">
+  <p:cSld>
+    <p:spTree>
+      <p:nvGrpSpPr>
+        <p:cNvPr id="1" name=""/>
+        <p:cNvGrpSpPr/>
+        <p:nvPr/>
+      </p:nvGrpSpPr>
+      <p:grpSpPr>
+        <a:xfrm>
+          <a:off x="0" y="0"/>
+          <a:ext cx="0" cy="0"/>
+          <a:chOff x="0" y="0"/>
+          <a:chExt cx="0" cy="0"/>
+        </a:xfrm>
+      </p:grpSpPr>
+      <p:sp>
+        <p:nvSpPr>
+          <p:cNvPr id="2" name="Title 1"/>
+          <p:cNvSpPr>
+            <a:spLocks noGrp="1"/>
+          </p:cNvSpPr>
+          <p:nvPr>
+            <p:ph type="title"/>
+          </p:nvPr>
+        </p:nvSpPr>
+        <p:spPr>
+          <a:xfrm>
+            <a:off x="838200" y="22216"/>
+            <a:ext cx="10515600" cy="994291"/>
+          </a:xfrm>
+        </p:spPr>
+        <p:txBody>
+          <a:bodyPr/>
+          <a:lstStyle/>
+          <a:p>
+            <a:r>
+              <a:rPr lang="pt-BR" dirty="0"/>
+              <a:t>Função de erro</a:t>
+            </a:r>
+          </a:p>
+        </p:txBody>
+      </p:sp>
+      <mc:AlternateContent xmlns:mc="http://schemas.openxmlformats.org/markup-compatibility/2006">
+        <mc:Choice xmlns:a14="http://schemas.microsoft.com/office/drawing/2010/main" Requires="a14">
+          <p:sp>
+            <p:nvSpPr>
+              <p:cNvPr id="3" name="Content Placeholder 2"/>
+              <p:cNvSpPr>
+                <a:spLocks noGrp="1"/>
+              </p:cNvSpPr>
+              <p:nvPr>
+                <p:ph idx="1"/>
+              </p:nvPr>
+            </p:nvSpPr>
+            <p:spPr>
+              <a:xfrm>
+                <a:off x="838199" y="3885232"/>
+                <a:ext cx="11203547" cy="2972767"/>
+              </a:xfrm>
+            </p:spPr>
+            <p:txBody>
+              <a:bodyPr>
+                <a:normAutofit fontScale="92500" lnSpcReduction="20000"/>
+              </a:bodyPr>
+              <a:lstStyle/>
+              <a:p>
+                <a:r>
+                  <a:rPr lang="pt-BR" dirty="0"/>
+                  <a:t>O uso dessa </a:t>
+                </a:r>
+                <a:r>
+                  <a:rPr lang="pt-BR" b="1" i="1" dirty="0"/>
+                  <a:t>função de</a:t>
+                </a:r>
+                <a:r>
+                  <a:rPr lang="pt-BR" dirty="0"/>
+                  <a:t> </a:t>
+                </a:r>
+                <a:r>
+                  <a:rPr lang="pt-BR" b="1" i="1" dirty="0"/>
+                  <a:t>erro </a:t>
+                </a:r>
+                <a:r>
+                  <a:rPr lang="pt-BR" dirty="0"/>
+                  <a:t>faz sentido pois:</a:t>
+                </a:r>
+              </a:p>
+              <a:p>
+                <a:pPr lvl="1">
+                  <a:buFont typeface="Wingdings" panose="05000000000000000000" pitchFamily="2" charset="2"/>
+                  <a:buChar char="§"/>
+                </a:pPr>
+                <a:r>
+                  <a:rPr lang="pt-BR" dirty="0"/>
+                  <a:t>O valor de </a:t>
+                </a:r>
+                <a14:m>
+                  <m:oMath xmlns:m="http://schemas.openxmlformats.org/officeDocument/2006/math">
+                    <m:r>
+                      <a:rPr lang="pt-BR">
+                        <a:latin typeface="Cambria Math" panose="02040503050406030204" pitchFamily="18" charset="0"/>
+                      </a:rPr>
+                      <m:t>−</m:t>
+                    </m:r>
+                    <m:func>
+                      <m:funcPr>
+                        <m:ctrlPr>
+                          <a:rPr lang="pt-BR" i="1">
+                            <a:latin typeface="Cambria Math" panose="02040503050406030204" pitchFamily="18" charset="0"/>
+                          </a:rPr>
+                        </m:ctrlPr>
+                      </m:funcPr>
+                      <m:fName>
+                        <m:r>
+                          <m:rPr>
+                            <m:sty m:val="p"/>
+                          </m:rPr>
+                          <a:rPr lang="pt-BR">
+                            <a:latin typeface="Cambria Math" panose="02040503050406030204" pitchFamily="18" charset="0"/>
+                          </a:rPr>
+                          <m:t>log</m:t>
+                        </m:r>
+                      </m:fName>
+                      <m:e>
+                        <m:d>
+                          <m:dPr>
+                            <m:ctrlPr>
+                              <a:rPr lang="pt-BR" i="1">
+                                <a:latin typeface="Cambria Math" panose="02040503050406030204" pitchFamily="18" charset="0"/>
+                              </a:rPr>
+                            </m:ctrlPr>
+                          </m:dPr>
+                          <m:e>
+                            <m:r>
+                              <a:rPr lang="pt-BR" i="1">
+                                <a:latin typeface="Cambria Math" panose="02040503050406030204" pitchFamily="18" charset="0"/>
+                              </a:rPr>
+                              <m:t>𝑧</m:t>
+                            </m:r>
+                          </m:e>
+                        </m:d>
+                      </m:e>
+                    </m:func>
+                  </m:oMath>
+                </a14:m>
+                <a:r>
+                  <a:rPr lang="pt-BR" dirty="0"/>
+                  <a:t> se torna muito grande quando </a:t>
+                </a:r>
+                <a14:m>
+                  <m:oMath xmlns:m="http://schemas.openxmlformats.org/officeDocument/2006/math">
+                    <m:r>
+                      <a:rPr lang="pt-BR" i="1">
+                        <a:latin typeface="Cambria Math" panose="02040503050406030204" pitchFamily="18" charset="0"/>
+                      </a:rPr>
+                      <m:t>𝑧</m:t>
+                    </m:r>
+                  </m:oMath>
+                </a14:m>
+                <a:r>
+                  <a:rPr lang="pt-BR" dirty="0"/>
+                  <a:t> se aproxima de 0, então o erro será grande se o classificador estimar uma probabilidade próxima a 0 para um exemplo positivo (i.e., pertencente à classe </a:t>
+                </a:r>
+                <a14:m>
+                  <m:oMath xmlns:m="http://schemas.openxmlformats.org/officeDocument/2006/math">
+                    <m:sSub>
+                      <m:sSubPr>
+                        <m:ctrlPr>
+                          <a:rPr lang="pt-BR" i="1">
+                            <a:latin typeface="Cambria Math" panose="02040503050406030204" pitchFamily="18" charset="0"/>
+                          </a:rPr>
+                        </m:ctrlPr>
+                      </m:sSubPr>
+                      <m:e>
+                        <m:r>
+                          <a:rPr lang="pt-BR" i="1">
+                            <a:latin typeface="Cambria Math" panose="02040503050406030204" pitchFamily="18" charset="0"/>
+                          </a:rPr>
+                          <m:t>𝐶</m:t>
+                        </m:r>
+                      </m:e>
+                      <m:sub>
+                        <m:r>
+                          <a:rPr lang="pt-BR" i="1">
+                            <a:latin typeface="Cambria Math" panose="02040503050406030204" pitchFamily="18" charset="0"/>
+                          </a:rPr>
+                          <m:t>2</m:t>
+                        </m:r>
+                      </m:sub>
+                    </m:sSub>
+                  </m:oMath>
+                </a14:m>
+                <a:r>
+                  <a:rPr lang="pt-BR" dirty="0"/>
+                  <a:t>) </a:t>
+                </a:r>
+              </a:p>
+              <a:p>
+                <a:pPr lvl="1">
+                  <a:buFont typeface="Wingdings" panose="05000000000000000000" pitchFamily="2" charset="2"/>
+                  <a:buChar char="§"/>
+                </a:pPr>
+                <a:r>
+                  <a:rPr lang="pt-BR" dirty="0"/>
+                  <a:t>O valor de </a:t>
+                </a:r>
+                <a14:m>
+                  <m:oMath xmlns:m="http://schemas.openxmlformats.org/officeDocument/2006/math">
+                    <m:r>
+                      <a:rPr lang="pt-BR">
+                        <a:latin typeface="Cambria Math" panose="02040503050406030204" pitchFamily="18" charset="0"/>
+                      </a:rPr>
+                      <m:t>−</m:t>
+                    </m:r>
+                    <m:func>
+                      <m:funcPr>
+                        <m:ctrlPr>
+                          <a:rPr lang="pt-BR" i="1">
+                            <a:latin typeface="Cambria Math" panose="02040503050406030204" pitchFamily="18" charset="0"/>
+                          </a:rPr>
+                        </m:ctrlPr>
+                      </m:funcPr>
+                      <m:fName>
+                        <m:r>
+                          <m:rPr>
+                            <m:sty m:val="p"/>
+                          </m:rPr>
+                          <a:rPr lang="pt-BR">
+                            <a:latin typeface="Cambria Math" panose="02040503050406030204" pitchFamily="18" charset="0"/>
+                          </a:rPr>
+                          <m:t>log</m:t>
+                        </m:r>
+                      </m:fName>
+                      <m:e>
+                        <m:d>
+                          <m:dPr>
+                            <m:ctrlPr>
+                              <a:rPr lang="pt-BR" i="1">
+                                <a:latin typeface="Cambria Math" panose="02040503050406030204" pitchFamily="18" charset="0"/>
+                              </a:rPr>
+                            </m:ctrlPr>
+                          </m:dPr>
+                          <m:e>
+                            <m:r>
+                              <a:rPr lang="pt-BR" b="0" i="1" smtClean="0">
+                                <a:latin typeface="Cambria Math" panose="02040503050406030204" pitchFamily="18" charset="0"/>
+                              </a:rPr>
+                              <m:t>1−</m:t>
+                            </m:r>
+                            <m:r>
+                              <a:rPr lang="pt-BR" i="1">
+                                <a:latin typeface="Cambria Math" panose="02040503050406030204" pitchFamily="18" charset="0"/>
+                              </a:rPr>
+                              <m:t>𝑧</m:t>
+                            </m:r>
+                          </m:e>
+                        </m:d>
+                      </m:e>
+                    </m:func>
+                  </m:oMath>
+                </a14:m>
+                <a:r>
+                  <a:rPr lang="pt-BR" dirty="0"/>
+                  <a:t> será muito grande se o classificador estimar uma probabilidade próxima de 1 para um exemplo negativo (i.e., pertencente à classe </a:t>
+                </a:r>
+                <a14:m>
+                  <m:oMath xmlns:m="http://schemas.openxmlformats.org/officeDocument/2006/math">
+                    <m:sSub>
+                      <m:sSubPr>
+                        <m:ctrlPr>
+                          <a:rPr lang="pt-BR" i="1">
+                            <a:latin typeface="Cambria Math" panose="02040503050406030204" pitchFamily="18" charset="0"/>
+                          </a:rPr>
+                        </m:ctrlPr>
+                      </m:sSubPr>
+                      <m:e>
+                        <m:r>
+                          <a:rPr lang="pt-BR" i="1">
+                            <a:latin typeface="Cambria Math" panose="02040503050406030204" pitchFamily="18" charset="0"/>
+                          </a:rPr>
+                          <m:t>𝐶</m:t>
+                        </m:r>
+                      </m:e>
+                      <m:sub>
+                        <m:r>
+                          <a:rPr lang="pt-BR" b="0" i="1" smtClean="0">
+                            <a:latin typeface="Cambria Math" panose="02040503050406030204" pitchFamily="18" charset="0"/>
+                          </a:rPr>
+                          <m:t>1</m:t>
+                        </m:r>
+                      </m:sub>
+                    </m:sSub>
+                  </m:oMath>
+                </a14:m>
+                <a:r>
+                  <a:rPr lang="pt-BR" dirty="0"/>
+                  <a:t>) . </a:t>
+                </a:r>
+              </a:p>
+              <a:p>
+                <a:pPr lvl="1">
+                  <a:buFont typeface="Wingdings" panose="05000000000000000000" pitchFamily="2" charset="2"/>
+                  <a:buChar char="§"/>
+                </a:pPr>
+                <a:r>
+                  <a:rPr lang="pt-BR" dirty="0"/>
+                  <a:t>Por outro lado, </a:t>
+                </a:r>
+                <a14:m>
+                  <m:oMath xmlns:m="http://schemas.openxmlformats.org/officeDocument/2006/math">
+                    <m:r>
+                      <a:rPr lang="pt-BR">
+                        <a:latin typeface="Cambria Math" panose="02040503050406030204" pitchFamily="18" charset="0"/>
+                      </a:rPr>
+                      <m:t>−</m:t>
+                    </m:r>
+                    <m:func>
+                      <m:funcPr>
+                        <m:ctrlPr>
+                          <a:rPr lang="pt-BR" i="1">
+                            <a:latin typeface="Cambria Math" panose="02040503050406030204" pitchFamily="18" charset="0"/>
+                          </a:rPr>
+                        </m:ctrlPr>
+                      </m:funcPr>
+                      <m:fName>
+                        <m:r>
+                          <m:rPr>
+                            <m:sty m:val="p"/>
+                          </m:rPr>
+                          <a:rPr lang="pt-BR">
+                            <a:latin typeface="Cambria Math" panose="02040503050406030204" pitchFamily="18" charset="0"/>
+                          </a:rPr>
+                          <m:t>log</m:t>
+                        </m:r>
+                      </m:fName>
+                      <m:e>
+                        <m:d>
+                          <m:dPr>
+                            <m:ctrlPr>
+                              <a:rPr lang="pt-BR" i="1">
+                                <a:latin typeface="Cambria Math" panose="02040503050406030204" pitchFamily="18" charset="0"/>
+                              </a:rPr>
+                            </m:ctrlPr>
+                          </m:dPr>
+                          <m:e>
+                            <m:r>
+                              <a:rPr lang="pt-BR" i="1">
+                                <a:latin typeface="Cambria Math" panose="02040503050406030204" pitchFamily="18" charset="0"/>
+                              </a:rPr>
+                              <m:t>𝑧</m:t>
+                            </m:r>
+                          </m:e>
+                        </m:d>
+                      </m:e>
+                    </m:func>
+                  </m:oMath>
+                </a14:m>
+                <a:r>
+                  <a:rPr lang="pt-BR" dirty="0"/>
+                  <a:t> se torna próximo de 0 quando </a:t>
+                </a:r>
+                <a14:m>
+                  <m:oMath xmlns:m="http://schemas.openxmlformats.org/officeDocument/2006/math">
+                    <m:r>
+                      <a:rPr lang="pt-BR" i="1">
+                        <a:latin typeface="Cambria Math" panose="02040503050406030204" pitchFamily="18" charset="0"/>
+                      </a:rPr>
+                      <m:t>𝑧</m:t>
+                    </m:r>
+                  </m:oMath>
+                </a14:m>
+                <a:r>
+                  <a:rPr lang="pt-BR" dirty="0"/>
+                  <a:t> se aproxima de 1, portanto, o erro será próximo de 0 se a probabilidade estimada for próxima de 1 para um exemplo positivo.</a:t>
+                </a:r>
+              </a:p>
+              <a:p>
+                <a:pPr lvl="1">
+                  <a:buFont typeface="Wingdings" panose="05000000000000000000" pitchFamily="2" charset="2"/>
+                  <a:buChar char="§"/>
+                </a:pPr>
+                <a:r>
+                  <a:rPr lang="pt-BR" dirty="0"/>
+                  <a:t>O valor </a:t>
+                </a:r>
+                <a14:m>
+                  <m:oMath xmlns:m="http://schemas.openxmlformats.org/officeDocument/2006/math">
+                    <m:r>
+                      <a:rPr lang="pt-BR">
+                        <a:latin typeface="Cambria Math" panose="02040503050406030204" pitchFamily="18" charset="0"/>
+                      </a:rPr>
+                      <m:t>−</m:t>
+                    </m:r>
+                    <m:func>
+                      <m:funcPr>
+                        <m:ctrlPr>
+                          <a:rPr lang="pt-BR" i="1">
+                            <a:latin typeface="Cambria Math" panose="02040503050406030204" pitchFamily="18" charset="0"/>
+                          </a:rPr>
+                        </m:ctrlPr>
+                      </m:funcPr>
+                      <m:fName>
+                        <m:r>
+                          <m:rPr>
+                            <m:sty m:val="p"/>
+                          </m:rPr>
+                          <a:rPr lang="pt-BR">
+                            <a:latin typeface="Cambria Math" panose="02040503050406030204" pitchFamily="18" charset="0"/>
+                          </a:rPr>
+                          <m:t>log</m:t>
+                        </m:r>
+                      </m:fName>
+                      <m:e>
+                        <m:d>
+                          <m:dPr>
+                            <m:ctrlPr>
+                              <a:rPr lang="pt-BR" i="1">
+                                <a:latin typeface="Cambria Math" panose="02040503050406030204" pitchFamily="18" charset="0"/>
+                              </a:rPr>
+                            </m:ctrlPr>
+                          </m:dPr>
+                          <m:e>
+                            <m:r>
+                              <a:rPr lang="pt-BR" i="1">
+                                <a:latin typeface="Cambria Math" panose="02040503050406030204" pitchFamily="18" charset="0"/>
+                              </a:rPr>
+                              <m:t>1−</m:t>
+                            </m:r>
+                            <m:r>
+                              <a:rPr lang="pt-BR" i="1">
+                                <a:latin typeface="Cambria Math" panose="02040503050406030204" pitchFamily="18" charset="0"/>
+                              </a:rPr>
+                              <m:t>𝑧</m:t>
+                            </m:r>
+                          </m:e>
+                        </m:d>
+                      </m:e>
+                    </m:func>
+                  </m:oMath>
+                </a14:m>
+                <a:r>
+                  <a:rPr lang="pt-BR" dirty="0"/>
+                  <a:t> se torna próximo de 0 quando </a:t>
+                </a:r>
+                <a14:m>
+                  <m:oMath xmlns:m="http://schemas.openxmlformats.org/officeDocument/2006/math">
+                    <m:r>
+                      <a:rPr lang="pt-BR" i="1">
+                        <a:latin typeface="Cambria Math" panose="02040503050406030204" pitchFamily="18" charset="0"/>
+                      </a:rPr>
+                      <m:t>𝑧</m:t>
+                    </m:r>
+                  </m:oMath>
+                </a14:m>
+                <a:r>
+                  <a:rPr lang="pt-BR" dirty="0"/>
+                  <a:t> se aproxima de 0, portanto, o erro será próximo de 0 para um exemplo negativo.</a:t>
+                </a:r>
+              </a:p>
+            </p:txBody>
+          </p:sp>
+        </mc:Choice>
+        <mc:Fallback>
+          <p:sp>
+            <p:nvSpPr>
+              <p:cNvPr id="3" name="Content Placeholder 2"/>
+              <p:cNvSpPr>
+                <a:spLocks noGrp="1" noRot="1" noChangeAspect="1" noMove="1" noResize="1" noEditPoints="1" noAdjustHandles="1" noChangeArrowheads="1" noChangeShapeType="1" noTextEdit="1"/>
+              </p:cNvSpPr>
+              <p:nvPr>
+                <p:ph idx="1"/>
+              </p:nvPr>
+            </p:nvSpPr>
+            <p:spPr>
+              <a:xfrm>
+                <a:off x="838199" y="3885232"/>
+                <a:ext cx="11203547" cy="2972767"/>
+              </a:xfrm>
+              <a:blipFill rotWithShape="0">
+                <a:blip r:embed="rId3"/>
+                <a:stretch>
+                  <a:fillRect l="-816" t="-5123" r="-598" b="-4713"/>
+                </a:stretch>
+              </a:blipFill>
+            </p:spPr>
+            <p:txBody>
+              <a:bodyPr/>
+              <a:lstStyle/>
+              <a:p>
+                <a:r>
+                  <a:rPr lang="pt-BR">
+                    <a:noFill/>
+                  </a:rPr>
+                  <a:t> </a:t>
+                </a:r>
+              </a:p>
+            </p:txBody>
+          </p:sp>
+        </mc:Fallback>
+      </mc:AlternateContent>
+      <p:sp>
+        <p:nvSpPr>
+          <p:cNvPr id="7" name="Rectangle 6"/>
+          <p:cNvSpPr/>
+          <p:nvPr/>
+        </p:nvSpPr>
+        <p:spPr>
+          <a:xfrm>
+            <a:off x="7826062" y="1780430"/>
+            <a:ext cx="4365938" cy="1323439"/>
+          </a:xfrm>
+          <a:prstGeom prst="rect">
+            <a:avLst/>
+          </a:prstGeom>
+        </p:spPr>
+        <p:txBody>
+          <a:bodyPr wrap="square">
+            <a:spAutoFit/>
+          </a:bodyPr>
+          <a:lstStyle/>
+          <a:p>
+            <a:pPr marL="285750" indent="-285750">
+              <a:buFont typeface="Arial" panose="020B0604020202020204" pitchFamily="34" charset="0"/>
+              <a:buChar char="•"/>
+            </a:pPr>
+            <a:r>
+              <a:rPr lang="pt-BR" sz="1600" dirty="0"/>
+              <a:t>As figuras ao lado mostram as duas situações possíveis para a </a:t>
+            </a:r>
+            <a:r>
+              <a:rPr lang="pt-BR" sz="1600" b="1" i="1" dirty="0"/>
+              <a:t>função de erro</a:t>
+            </a:r>
+            <a:r>
+              <a:rPr lang="pt-BR" sz="1600" dirty="0"/>
+              <a:t>. </a:t>
+            </a:r>
+          </a:p>
+          <a:p>
+            <a:pPr marL="285750" indent="-285750">
+              <a:buFont typeface="Arial" panose="020B0604020202020204" pitchFamily="34" charset="0"/>
+              <a:buChar char="•"/>
+            </a:pPr>
+            <a:r>
+              <a:rPr lang="pt-BR" sz="1600" dirty="0"/>
+              <a:t>Como podemos observar, a penalização aplicada a cada saída reflete o </a:t>
+            </a:r>
+            <a:r>
+              <a:rPr lang="pt-BR" sz="1600" b="1" i="1" dirty="0"/>
+              <a:t>erro de classificação</a:t>
+            </a:r>
+            <a:r>
+              <a:rPr lang="pt-BR" sz="1600" dirty="0"/>
+              <a:t>.</a:t>
+            </a:r>
+          </a:p>
+        </p:txBody>
+      </p:sp>
+      <p:pic>
+        <p:nvPicPr>
+          <p:cNvPr id="8" name="Picture 7"/>
+          <p:cNvPicPr>
+            <a:picLocks noChangeAspect="1"/>
+          </p:cNvPicPr>
+          <p:nvPr/>
+        </p:nvPicPr>
+        <p:blipFill rotWithShape="1">
+          <a:blip r:embed="rId4"/>
+          <a:srcRect l="5393" t="4876" r="8791"/>
+          <a:stretch/>
+        </p:blipFill>
+        <p:spPr>
+          <a:xfrm>
+            <a:off x="934837" y="914398"/>
+            <a:ext cx="3030318" cy="2919319"/>
+          </a:xfrm>
+          <a:prstGeom prst="rect">
+            <a:avLst/>
+          </a:prstGeom>
+        </p:spPr>
+      </p:pic>
+      <p:pic>
+        <p:nvPicPr>
+          <p:cNvPr id="9" name="Picture 8"/>
+          <p:cNvPicPr>
+            <a:picLocks noChangeAspect="1"/>
+          </p:cNvPicPr>
+          <p:nvPr/>
+        </p:nvPicPr>
+        <p:blipFill rotWithShape="1">
+          <a:blip r:embed="rId5"/>
+          <a:srcRect l="5605" t="5157" r="8791"/>
+          <a:stretch/>
+        </p:blipFill>
+        <p:spPr>
+          <a:xfrm>
+            <a:off x="4412216" y="914397"/>
+            <a:ext cx="3031773" cy="2919319"/>
+          </a:xfrm>
+          <a:prstGeom prst="rect">
+            <a:avLst/>
+          </a:prstGeom>
+        </p:spPr>
+      </p:pic>
+      <mc:AlternateContent xmlns:mc="http://schemas.openxmlformats.org/markup-compatibility/2006" xmlns:a14="http://schemas.microsoft.com/office/drawing/2010/main">
+        <mc:Choice Requires="a14">
+          <p:sp>
+            <p:nvSpPr>
+              <p:cNvPr id="4" name="TextBox 3"/>
+              <p:cNvSpPr txBox="1"/>
+              <p:nvPr/>
+            </p:nvSpPr>
+            <p:spPr>
+              <a:xfrm>
+                <a:off x="1292717" y="1214132"/>
+                <a:ext cx="2587709" cy="523220"/>
+              </a:xfrm>
+              <a:prstGeom prst="rect">
+                <a:avLst/>
+              </a:prstGeom>
+              <a:noFill/>
+            </p:spPr>
+            <p:txBody>
+              <a:bodyPr wrap="square" rtlCol="0">
+                <a:spAutoFit/>
+              </a:bodyPr>
+              <a:lstStyle/>
+              <a:p>
+                <a:pPr algn="ctr"/>
+                <a:r>
+                  <a:rPr lang="pt-BR" sz="1400" dirty="0"/>
+                  <a:t>Valor esperado </a:t>
+                </a:r>
+                <a14:m>
+                  <m:oMath xmlns:m="http://schemas.openxmlformats.org/officeDocument/2006/math">
+                    <m:r>
+                      <a:rPr lang="pt-BR" sz="1400" i="1">
+                        <a:latin typeface="Cambria Math" panose="02040503050406030204" pitchFamily="18" charset="0"/>
+                      </a:rPr>
+                      <m:t>𝑦</m:t>
+                    </m:r>
+                    <m:r>
+                      <a:rPr lang="pt-BR" sz="1400" i="1">
+                        <a:latin typeface="Cambria Math" panose="02040503050406030204" pitchFamily="18" charset="0"/>
+                      </a:rPr>
+                      <m:t>=1</m:t>
+                    </m:r>
+                  </m:oMath>
+                </a14:m>
+                <a:r>
+                  <a:rPr lang="pt-BR" sz="1400" dirty="0"/>
+                  <a:t> </a:t>
+                </a:r>
+              </a:p>
+              <a:p>
+                <a:pPr algn="ctr"/>
+                <a14:m>
+                  <m:oMath xmlns:m="http://schemas.openxmlformats.org/officeDocument/2006/math">
+                    <m:sSub>
+                      <m:sSubPr>
+                        <m:ctrlPr>
+                          <a:rPr lang="pt-BR" sz="1400" i="1">
+                            <a:latin typeface="Cambria Math" panose="02040503050406030204" pitchFamily="18" charset="0"/>
+                          </a:rPr>
+                        </m:ctrlPr>
+                      </m:sSubPr>
+                      <m:e>
+                        <m:r>
+                          <a:rPr lang="pt-BR" sz="1400" i="1">
+                            <a:latin typeface="Cambria Math" panose="02040503050406030204" pitchFamily="18" charset="0"/>
+                          </a:rPr>
+                          <m:t>h</m:t>
+                        </m:r>
+                      </m:e>
+                      <m:sub>
+                        <m:r>
+                          <a:rPr lang="pt-BR" sz="1400" b="1" i="1">
+                            <a:latin typeface="Cambria Math" panose="02040503050406030204" pitchFamily="18" charset="0"/>
+                          </a:rPr>
+                          <m:t>𝒂</m:t>
+                        </m:r>
+                      </m:sub>
+                    </m:sSub>
+                    <m:d>
+                      <m:dPr>
+                        <m:ctrlPr>
+                          <a:rPr lang="pt-BR" sz="1400" i="1">
+                            <a:latin typeface="Cambria Math" panose="02040503050406030204" pitchFamily="18" charset="0"/>
+                          </a:rPr>
+                        </m:ctrlPr>
+                      </m:dPr>
+                      <m:e>
+                        <m:r>
+                          <a:rPr lang="pt-BR" sz="1400" b="1" i="1">
+                            <a:latin typeface="Cambria Math" panose="02040503050406030204" pitchFamily="18" charset="0"/>
+                          </a:rPr>
+                          <m:t>𝒙</m:t>
+                        </m:r>
+                        <m:r>
+                          <a:rPr lang="pt-BR" sz="1400" i="1">
+                            <a:latin typeface="Cambria Math" panose="02040503050406030204" pitchFamily="18" charset="0"/>
+                          </a:rPr>
+                          <m:t>(</m:t>
+                        </m:r>
+                        <m:r>
+                          <a:rPr lang="pt-BR" sz="1400" i="1">
+                            <a:latin typeface="Cambria Math" panose="02040503050406030204" pitchFamily="18" charset="0"/>
+                          </a:rPr>
+                          <m:t>𝑖</m:t>
+                        </m:r>
+                        <m:r>
+                          <a:rPr lang="pt-BR" sz="1400" i="1">
+                            <a:latin typeface="Cambria Math" panose="02040503050406030204" pitchFamily="18" charset="0"/>
+                          </a:rPr>
+                          <m:t>)</m:t>
+                        </m:r>
+                      </m:e>
+                    </m:d>
+                  </m:oMath>
+                </a14:m>
+                <a:r>
+                  <a:rPr lang="pt-BR" sz="1400" dirty="0"/>
+                  <a:t> deve se aproximar de 1</a:t>
+                </a:r>
+              </a:p>
+            </p:txBody>
+          </p:sp>
+        </mc:Choice>
+        <mc:Fallback xmlns="">
+          <p:sp>
+            <p:nvSpPr>
+              <p:cNvPr id="4" name="TextBox 3"/>
+              <p:cNvSpPr txBox="1">
+                <a:spLocks noRot="1" noChangeAspect="1" noMove="1" noResize="1" noEditPoints="1" noAdjustHandles="1" noChangeArrowheads="1" noChangeShapeType="1" noTextEdit="1"/>
+              </p:cNvSpPr>
+              <p:nvPr/>
+            </p:nvSpPr>
+            <p:spPr>
+              <a:xfrm>
+                <a:off x="1292717" y="1214132"/>
+                <a:ext cx="2587709" cy="523220"/>
+              </a:xfrm>
+              <a:prstGeom prst="rect">
+                <a:avLst/>
+              </a:prstGeom>
+              <a:blipFill rotWithShape="0">
+                <a:blip r:embed="rId6"/>
+                <a:stretch>
+                  <a:fillRect t="-2326" b="-11628"/>
+                </a:stretch>
+              </a:blipFill>
+            </p:spPr>
+            <p:txBody>
+              <a:bodyPr/>
+              <a:lstStyle/>
+              <a:p>
+                <a:r>
+                  <a:rPr lang="pt-BR">
+                    <a:noFill/>
+                  </a:rPr>
+                  <a:t> </a:t>
+                </a:r>
+              </a:p>
+            </p:txBody>
+          </p:sp>
+        </mc:Fallback>
+      </mc:AlternateContent>
+      <mc:AlternateContent xmlns:mc="http://schemas.openxmlformats.org/markup-compatibility/2006" xmlns:a14="http://schemas.microsoft.com/office/drawing/2010/main">
+        <mc:Choice Requires="a14">
+          <p:sp>
+            <p:nvSpPr>
+              <p:cNvPr id="13" name="TextBox 12"/>
+              <p:cNvSpPr txBox="1"/>
+              <p:nvPr/>
+            </p:nvSpPr>
+            <p:spPr>
+              <a:xfrm>
+                <a:off x="4782828" y="1216748"/>
+                <a:ext cx="2587709" cy="523220"/>
+              </a:xfrm>
+              <a:prstGeom prst="rect">
+                <a:avLst/>
+              </a:prstGeom>
+              <a:noFill/>
+            </p:spPr>
+            <p:txBody>
+              <a:bodyPr wrap="square" rtlCol="0">
+                <a:spAutoFit/>
+              </a:bodyPr>
+              <a:lstStyle/>
+              <a:p>
+                <a:pPr algn="ctr"/>
+                <a:r>
+                  <a:rPr lang="pt-BR" sz="1400" dirty="0"/>
+                  <a:t>Valor esperado </a:t>
+                </a:r>
+                <a14:m>
+                  <m:oMath xmlns:m="http://schemas.openxmlformats.org/officeDocument/2006/math">
+                    <m:r>
+                      <a:rPr lang="pt-BR" sz="1400" i="1">
+                        <a:latin typeface="Cambria Math" panose="02040503050406030204" pitchFamily="18" charset="0"/>
+                      </a:rPr>
+                      <m:t>𝑦</m:t>
+                    </m:r>
+                    <m:r>
+                      <a:rPr lang="pt-BR" sz="1400" i="1">
+                        <a:latin typeface="Cambria Math" panose="02040503050406030204" pitchFamily="18" charset="0"/>
+                      </a:rPr>
+                      <m:t>=</m:t>
+                    </m:r>
+                  </m:oMath>
+                </a14:m>
+                <a:r>
+                  <a:rPr lang="pt-BR" sz="1400" dirty="0"/>
+                  <a:t> 0 </a:t>
+                </a:r>
+              </a:p>
+              <a:p>
+                <a:pPr algn="ctr"/>
+                <a14:m>
+                  <m:oMath xmlns:m="http://schemas.openxmlformats.org/officeDocument/2006/math">
+                    <m:sSub>
+                      <m:sSubPr>
+                        <m:ctrlPr>
+                          <a:rPr lang="pt-BR" sz="1400" i="1">
+                            <a:latin typeface="Cambria Math" panose="02040503050406030204" pitchFamily="18" charset="0"/>
+                          </a:rPr>
+                        </m:ctrlPr>
+                      </m:sSubPr>
+                      <m:e>
+                        <m:r>
+                          <a:rPr lang="pt-BR" sz="1400" i="1">
+                            <a:latin typeface="Cambria Math" panose="02040503050406030204" pitchFamily="18" charset="0"/>
+                          </a:rPr>
+                          <m:t>h</m:t>
+                        </m:r>
+                      </m:e>
+                      <m:sub>
+                        <m:r>
+                          <a:rPr lang="pt-BR" sz="1400" b="1" i="1">
+                            <a:latin typeface="Cambria Math" panose="02040503050406030204" pitchFamily="18" charset="0"/>
+                          </a:rPr>
+                          <m:t>𝒂</m:t>
+                        </m:r>
+                      </m:sub>
+                    </m:sSub>
+                    <m:d>
+                      <m:dPr>
+                        <m:ctrlPr>
+                          <a:rPr lang="pt-BR" sz="1400" i="1">
+                            <a:latin typeface="Cambria Math" panose="02040503050406030204" pitchFamily="18" charset="0"/>
+                          </a:rPr>
+                        </m:ctrlPr>
+                      </m:dPr>
+                      <m:e>
+                        <m:r>
+                          <a:rPr lang="pt-BR" sz="1400" b="1" i="1">
+                            <a:latin typeface="Cambria Math" panose="02040503050406030204" pitchFamily="18" charset="0"/>
+                          </a:rPr>
+                          <m:t>𝒙</m:t>
+                        </m:r>
+                        <m:r>
+                          <a:rPr lang="pt-BR" sz="1400" i="1">
+                            <a:latin typeface="Cambria Math" panose="02040503050406030204" pitchFamily="18" charset="0"/>
+                          </a:rPr>
+                          <m:t>(</m:t>
+                        </m:r>
+                        <m:r>
+                          <a:rPr lang="pt-BR" sz="1400" i="1">
+                            <a:latin typeface="Cambria Math" panose="02040503050406030204" pitchFamily="18" charset="0"/>
+                          </a:rPr>
+                          <m:t>𝑖</m:t>
+                        </m:r>
+                        <m:r>
+                          <a:rPr lang="pt-BR" sz="1400" i="1">
+                            <a:latin typeface="Cambria Math" panose="02040503050406030204" pitchFamily="18" charset="0"/>
+                          </a:rPr>
+                          <m:t>)</m:t>
+                        </m:r>
+                      </m:e>
+                    </m:d>
+                  </m:oMath>
+                </a14:m>
+                <a:r>
+                  <a:rPr lang="pt-BR" sz="1400" dirty="0"/>
+                  <a:t> deve se aproximar de 0</a:t>
+                </a:r>
+              </a:p>
+            </p:txBody>
+          </p:sp>
+        </mc:Choice>
+        <mc:Fallback xmlns="">
+          <p:sp>
+            <p:nvSpPr>
+              <p:cNvPr id="13" name="TextBox 12"/>
+              <p:cNvSpPr txBox="1">
+                <a:spLocks noRot="1" noChangeAspect="1" noMove="1" noResize="1" noEditPoints="1" noAdjustHandles="1" noChangeArrowheads="1" noChangeShapeType="1" noTextEdit="1"/>
+              </p:cNvSpPr>
+              <p:nvPr/>
+            </p:nvSpPr>
+            <p:spPr>
+              <a:xfrm>
+                <a:off x="4782828" y="1216748"/>
+                <a:ext cx="2587709" cy="523220"/>
+              </a:xfrm>
+              <a:prstGeom prst="rect">
+                <a:avLst/>
+              </a:prstGeom>
+              <a:blipFill rotWithShape="0">
+                <a:blip r:embed="rId7"/>
+                <a:stretch>
+                  <a:fillRect t="-2353" b="-11765"/>
+                </a:stretch>
+              </a:blipFill>
+            </p:spPr>
+            <p:txBody>
+              <a:bodyPr/>
+              <a:lstStyle/>
+              <a:p>
+                <a:r>
+                  <a:rPr lang="pt-BR">
+                    <a:noFill/>
+                  </a:rPr>
+                  <a:t> </a:t>
+                </a:r>
+              </a:p>
+            </p:txBody>
+          </p:sp>
+        </mc:Fallback>
+      </mc:AlternateContent>
+    </p:spTree>
+    <p:extLst>
+      <p:ext uri="{BB962C8B-B14F-4D97-AF65-F5344CB8AC3E}">
+        <p14:creationId xmlns:p14="http://schemas.microsoft.com/office/powerpoint/2010/main" val="2543295768"/>
+      </p:ext>
+    </p:extLst>
+  </p:cSld>
+  <p:clrMapOvr>
+    <a:masterClrMapping/>
+  </p:clrMapOvr>
+</p:sld>
+</file>
+
+<file path=ppt/slides/slide11.xml><?xml version="1.0" encoding="utf-8"?>
 <p:sld xmlns:a="http://schemas.openxmlformats.org/drawingml/2006/main" xmlns:r="http://schemas.openxmlformats.org/officeDocument/2006/relationships" xmlns:p="http://schemas.openxmlformats.org/presentationml/2006/main">
   <p:cSld>
     <p:spTree>
@@ -8100,7 +9050,7 @@
 </p:sld>
 </file>
 
-<file path=ppt/slides/slide11.xml><?xml version="1.0" encoding="utf-8"?>
+<file path=ppt/slides/slide12.xml><?xml version="1.0" encoding="utf-8"?>
 <p:sld xmlns:a="http://schemas.openxmlformats.org/drawingml/2006/main" xmlns:r="http://schemas.openxmlformats.org/officeDocument/2006/relationships" xmlns:p="http://schemas.openxmlformats.org/presentationml/2006/main">
   <p:cSld>
     <p:spTree>
@@ -9521,7 +10471,7 @@
 </p:sld>
 </file>
 
-<file path=ppt/slides/slide12.xml><?xml version="1.0" encoding="utf-8"?>
+<file path=ppt/slides/slide13.xml><?xml version="1.0" encoding="utf-8"?>
 <p:sld xmlns:a="http://schemas.openxmlformats.org/drawingml/2006/main" xmlns:r="http://schemas.openxmlformats.org/officeDocument/2006/relationships" xmlns:p="http://schemas.openxmlformats.org/presentationml/2006/main">
   <p:cSld>
     <p:spTree>
@@ -11720,7 +12670,7 @@
 </p:sld>
 </file>
 
-<file path=ppt/slides/slide13.xml><?xml version="1.0" encoding="utf-8"?>
+<file path=ppt/slides/slide14.xml><?xml version="1.0" encoding="utf-8"?>
 <p:sld xmlns:a="http://schemas.openxmlformats.org/drawingml/2006/main" xmlns:r="http://schemas.openxmlformats.org/officeDocument/2006/relationships" xmlns:p="http://schemas.openxmlformats.org/presentationml/2006/main">
   <p:cSld>
     <p:spTree>
@@ -13134,7 +14084,7 @@
 </p:sld>
 </file>
 
-<file path=ppt/slides/slide14.xml><?xml version="1.0" encoding="utf-8"?>
+<file path=ppt/slides/slide15.xml><?xml version="1.0" encoding="utf-8"?>
 <p:sld xmlns:a="http://schemas.openxmlformats.org/drawingml/2006/main" xmlns:r="http://schemas.openxmlformats.org/officeDocument/2006/relationships" xmlns:p="http://schemas.openxmlformats.org/presentationml/2006/main">
   <p:cSld>
     <p:spTree>
@@ -21621,7 +22571,7 @@
 </p:sld>
 </file>
 
-<file path=ppt/slides/slide15.xml><?xml version="1.0" encoding="utf-8"?>
+<file path=ppt/slides/slide16.xml><?xml version="1.0" encoding="utf-8"?>
 <p:sld xmlns:a="http://schemas.openxmlformats.org/drawingml/2006/main" xmlns:r="http://schemas.openxmlformats.org/officeDocument/2006/relationships" xmlns:p="http://schemas.openxmlformats.org/presentationml/2006/main">
   <p:cSld>
     <p:spTree>
@@ -21765,7 +22715,7 @@
 </p:sld>
 </file>
 
-<file path=ppt/slides/slide16.xml><?xml version="1.0" encoding="utf-8"?>
+<file path=ppt/slides/slide17.xml><?xml version="1.0" encoding="utf-8"?>
 <p:sld xmlns:a="http://schemas.openxmlformats.org/drawingml/2006/main" xmlns:r="http://schemas.openxmlformats.org/officeDocument/2006/relationships" xmlns:p="http://schemas.openxmlformats.org/presentationml/2006/main">
   <p:cSld>
     <p:spTree>
@@ -21787,7 +22737,7 @@
           <p:cNvPr id="4" name="Título 1">
             <a:extLst>
               <a:ext uri="{FF2B5EF4-FFF2-40B4-BE49-F238E27FC236}">
-                <a16:creationId xmlns:a16="http://schemas.microsoft.com/office/drawing/2014/main" id="{32666AC8-2E17-4DB4-B0F5-60C640CCFD2E}"/>
+                <a16:creationId xmlns:a16="http://schemas.microsoft.com/office/drawing/2014/main" xmlns="" id="{32666AC8-2E17-4DB4-B0F5-60C640CCFD2E}"/>
               </a:ext>
             </a:extLst>
           </p:cNvPr>
@@ -21851,7 +22801,7 @@
 </p:sld>
 </file>
 
-<file path=ppt/slides/slide17.xml><?xml version="1.0" encoding="utf-8"?>
+<file path=ppt/slides/slide18.xml><?xml version="1.0" encoding="utf-8"?>
 <p:sld xmlns:a="http://schemas.openxmlformats.org/drawingml/2006/main" xmlns:r="http://schemas.openxmlformats.org/officeDocument/2006/relationships" xmlns:p="http://schemas.openxmlformats.org/presentationml/2006/main">
   <p:cSld>
     <p:spTree>
@@ -23349,7 +24299,7 @@
 </p:sld>
 </file>
 
-<file path=ppt/slides/slide18.xml><?xml version="1.0" encoding="utf-8"?>
+<file path=ppt/slides/slide19.xml><?xml version="1.0" encoding="utf-8"?>
 <p:sld xmlns:a="http://schemas.openxmlformats.org/drawingml/2006/main" xmlns:r="http://schemas.openxmlformats.org/officeDocument/2006/relationships" xmlns:p="http://schemas.openxmlformats.org/presentationml/2006/main">
   <p:cSld>
     <p:spTree>
@@ -24835,7 +25785,232 @@
 </p:sld>
 </file>
 
-<file path=ppt/slides/slide19.xml><?xml version="1.0" encoding="utf-8"?>
+<file path=ppt/slides/slide2.xml><?xml version="1.0" encoding="utf-8"?>
+<p:sld xmlns:a="http://schemas.openxmlformats.org/drawingml/2006/main" xmlns:r="http://schemas.openxmlformats.org/officeDocument/2006/relationships" xmlns:p="http://schemas.openxmlformats.org/presentationml/2006/main">
+  <p:cSld>
+    <p:spTree>
+      <p:nvGrpSpPr>
+        <p:cNvPr id="1" name=""/>
+        <p:cNvGrpSpPr/>
+        <p:nvPr/>
+      </p:nvGrpSpPr>
+      <p:grpSpPr>
+        <a:xfrm>
+          <a:off x="0" y="0"/>
+          <a:ext cx="0" cy="0"/>
+          <a:chOff x="0" y="0"/>
+          <a:chExt cx="0" cy="0"/>
+        </a:xfrm>
+      </p:grpSpPr>
+      <p:sp>
+        <p:nvSpPr>
+          <p:cNvPr id="2" name="Title 1"/>
+          <p:cNvSpPr>
+            <a:spLocks noGrp="1"/>
+          </p:cNvSpPr>
+          <p:nvPr>
+            <p:ph type="title"/>
+          </p:nvPr>
+        </p:nvSpPr>
+        <p:spPr/>
+        <p:txBody>
+          <a:bodyPr/>
+          <a:lstStyle/>
+          <a:p>
+            <a:r>
+              <a:rPr lang="pt-BR" dirty="0"/>
+              <a:t>Recapitulando</a:t>
+            </a:r>
+          </a:p>
+        </p:txBody>
+      </p:sp>
+      <p:sp>
+        <p:nvSpPr>
+          <p:cNvPr id="3" name="Content Placeholder 2"/>
+          <p:cNvSpPr>
+            <a:spLocks noGrp="1"/>
+          </p:cNvSpPr>
+          <p:nvPr>
+            <p:ph idx="1"/>
+          </p:nvPr>
+        </p:nvSpPr>
+        <p:spPr>
+          <a:xfrm>
+            <a:off x="838199" y="1825624"/>
+            <a:ext cx="11130887" cy="5032375"/>
+          </a:xfrm>
+        </p:spPr>
+        <p:txBody>
+          <a:bodyPr>
+            <a:normAutofit fontScale="92500" lnSpcReduction="20000"/>
+          </a:bodyPr>
+          <a:lstStyle/>
+          <a:p>
+            <a:r>
+              <a:rPr lang="pt-BR" dirty="0"/>
+              <a:t>Anteriormente, aprendemos que a </a:t>
+            </a:r>
+            <a:r>
+              <a:rPr lang="pt-BR" b="1" i="1" dirty="0"/>
+              <a:t>classificação</a:t>
+            </a:r>
+            <a:r>
+              <a:rPr lang="pt-BR" dirty="0"/>
+              <a:t> pode ser feita usando-se uma </a:t>
+            </a:r>
+            <a:r>
+              <a:rPr lang="pt-BR" b="1" i="1" dirty="0"/>
+              <a:t>função discriminante</a:t>
+            </a:r>
+            <a:r>
+              <a:rPr lang="pt-BR" dirty="0"/>
+              <a:t>, que nada mais é do que um </a:t>
+            </a:r>
+            <a:r>
+              <a:rPr lang="pt-BR" b="1" i="1" dirty="0"/>
+              <a:t>polinômio</a:t>
+            </a:r>
+            <a:r>
+              <a:rPr lang="pt-BR" dirty="0"/>
+              <a:t>, que tem sua saída passada através de outra função chamada de </a:t>
+            </a:r>
+            <a:r>
+              <a:rPr lang="pt-BR" b="1" i="1" dirty="0"/>
+              <a:t>função de limiar</a:t>
+            </a:r>
+            <a:r>
+              <a:rPr lang="pt-BR" dirty="0"/>
+              <a:t>.</a:t>
+            </a:r>
+          </a:p>
+          <a:p>
+            <a:r>
+              <a:rPr lang="pt-BR" dirty="0"/>
+              <a:t>Como na </a:t>
+            </a:r>
+            <a:r>
+              <a:rPr lang="pt-BR" b="1" i="1" dirty="0"/>
+              <a:t>regressão linear</a:t>
+            </a:r>
+            <a:r>
+              <a:rPr lang="pt-BR" dirty="0"/>
+              <a:t>, o problema da classificação está em encontrar os pesos da </a:t>
+            </a:r>
+            <a:r>
+              <a:rPr lang="pt-BR" b="1" i="1" dirty="0"/>
+              <a:t>função discriminante </a:t>
+            </a:r>
+            <a:r>
+              <a:rPr lang="pt-BR" dirty="0"/>
+              <a:t>de tal forma que as classes sejam separadas da melhor forma possível.</a:t>
+            </a:r>
+          </a:p>
+          <a:p>
+            <a:r>
+              <a:rPr lang="pt-BR" dirty="0"/>
+              <a:t>Vimos que a função de limiar mais simples é a de </a:t>
+            </a:r>
+            <a:r>
+              <a:rPr lang="pt-BR" b="1" i="1" dirty="0"/>
+              <a:t>limiar rígido</a:t>
+            </a:r>
+            <a:r>
+              <a:rPr lang="pt-BR" dirty="0"/>
+              <a:t>, porém, ela apresenta alguns problemas como não poder ser utilizada para encontrar uma </a:t>
+            </a:r>
+            <a:r>
+              <a:rPr lang="pt-BR" b="1" i="1" dirty="0"/>
+              <a:t>solução em forma fechada </a:t>
+            </a:r>
+            <a:r>
+              <a:rPr lang="pt-BR" dirty="0"/>
+              <a:t>ou com o </a:t>
+            </a:r>
+            <a:r>
+              <a:rPr lang="pt-BR" b="1" i="1" dirty="0"/>
+              <a:t>gradiente descendente </a:t>
+            </a:r>
+            <a:r>
+              <a:rPr lang="pt-BR" dirty="0"/>
+              <a:t>e não nos dar a </a:t>
+            </a:r>
+            <a:r>
+              <a:rPr lang="pt-BR" b="1" i="1" dirty="0"/>
+              <a:t>confiança de um resultado </a:t>
+            </a:r>
+            <a:r>
+              <a:rPr lang="pt-BR" dirty="0"/>
+              <a:t>de classificação.</a:t>
+            </a:r>
+          </a:p>
+          <a:p>
+            <a:r>
+              <a:rPr lang="pt-BR" dirty="0"/>
+              <a:t>Aprendemos também, uma forma intuitiva e iterativa de encontrar os pesos da </a:t>
+            </a:r>
+            <a:r>
+              <a:rPr lang="pt-BR" b="1" i="1" dirty="0"/>
+              <a:t>função discriminante </a:t>
+            </a:r>
+            <a:r>
+              <a:rPr lang="pt-BR" dirty="0"/>
+              <a:t>quando usamos o </a:t>
+            </a:r>
+            <a:r>
+              <a:rPr lang="pt-BR" b="1" i="1" dirty="0"/>
+              <a:t>limiar rígido</a:t>
+            </a:r>
+            <a:r>
+              <a:rPr lang="pt-BR" dirty="0"/>
+              <a:t>.</a:t>
+            </a:r>
+          </a:p>
+          <a:p>
+            <a:r>
+              <a:rPr lang="pt-BR" dirty="0"/>
+              <a:t>Na sequência, introduziremos outra função de limiar, chamada de </a:t>
+            </a:r>
+            <a:r>
+              <a:rPr lang="pt-BR" b="1" i="1" dirty="0"/>
+              <a:t>função logística</a:t>
+            </a:r>
+            <a:r>
+              <a:rPr lang="pt-BR" dirty="0"/>
+              <a:t>, com a qual é possível se encontrar uma solução eficiente com o </a:t>
+            </a:r>
+            <a:r>
+              <a:rPr lang="pt-BR" b="1" i="1" dirty="0"/>
+              <a:t>gradiente descendente </a:t>
+            </a:r>
+            <a:r>
+              <a:rPr lang="pt-BR" dirty="0"/>
+              <a:t>e termos o </a:t>
+            </a:r>
+            <a:r>
+              <a:rPr lang="pt-BR" b="1" i="1" dirty="0"/>
+              <a:t>grau de confiança </a:t>
+            </a:r>
+            <a:r>
+              <a:rPr lang="pt-BR" dirty="0"/>
+              <a:t>de uma classificação.</a:t>
+            </a:r>
+          </a:p>
+        </p:txBody>
+      </p:sp>
+    </p:spTree>
+    <p:extLst>
+      <p:ext uri="{BB962C8B-B14F-4D97-AF65-F5344CB8AC3E}">
+        <p14:creationId xmlns:p14="http://schemas.microsoft.com/office/powerpoint/2010/main" val="105610887"/>
+      </p:ext>
+    </p:extLst>
+  </p:cSld>
+  <p:clrMapOvr>
+    <a:masterClrMapping/>
+  </p:clrMapOvr>
+</p:sld>
+</file>
+
+<file path=ppt/slides/slide20.xml><?xml version="1.0" encoding="utf-8"?>
 <p:sld xmlns:a="http://schemas.openxmlformats.org/drawingml/2006/main" xmlns:r="http://schemas.openxmlformats.org/officeDocument/2006/relationships" xmlns:p="http://schemas.openxmlformats.org/presentationml/2006/main">
   <p:cSld>
     <p:spTree>
@@ -25904,232 +27079,7 @@
 </p:sld>
 </file>
 
-<file path=ppt/slides/slide2.xml><?xml version="1.0" encoding="utf-8"?>
-<p:sld xmlns:a="http://schemas.openxmlformats.org/drawingml/2006/main" xmlns:r="http://schemas.openxmlformats.org/officeDocument/2006/relationships" xmlns:p="http://schemas.openxmlformats.org/presentationml/2006/main">
-  <p:cSld>
-    <p:spTree>
-      <p:nvGrpSpPr>
-        <p:cNvPr id="1" name=""/>
-        <p:cNvGrpSpPr/>
-        <p:nvPr/>
-      </p:nvGrpSpPr>
-      <p:grpSpPr>
-        <a:xfrm>
-          <a:off x="0" y="0"/>
-          <a:ext cx="0" cy="0"/>
-          <a:chOff x="0" y="0"/>
-          <a:chExt cx="0" cy="0"/>
-        </a:xfrm>
-      </p:grpSpPr>
-      <p:sp>
-        <p:nvSpPr>
-          <p:cNvPr id="2" name="Title 1"/>
-          <p:cNvSpPr>
-            <a:spLocks noGrp="1"/>
-          </p:cNvSpPr>
-          <p:nvPr>
-            <p:ph type="title"/>
-          </p:nvPr>
-        </p:nvSpPr>
-        <p:spPr/>
-        <p:txBody>
-          <a:bodyPr/>
-          <a:lstStyle/>
-          <a:p>
-            <a:r>
-              <a:rPr lang="pt-BR" dirty="0"/>
-              <a:t>Recapitulando</a:t>
-            </a:r>
-          </a:p>
-        </p:txBody>
-      </p:sp>
-      <p:sp>
-        <p:nvSpPr>
-          <p:cNvPr id="3" name="Content Placeholder 2"/>
-          <p:cNvSpPr>
-            <a:spLocks noGrp="1"/>
-          </p:cNvSpPr>
-          <p:nvPr>
-            <p:ph idx="1"/>
-          </p:nvPr>
-        </p:nvSpPr>
-        <p:spPr>
-          <a:xfrm>
-            <a:off x="838199" y="1825624"/>
-            <a:ext cx="11130887" cy="5032375"/>
-          </a:xfrm>
-        </p:spPr>
-        <p:txBody>
-          <a:bodyPr>
-            <a:normAutofit fontScale="92500" lnSpcReduction="20000"/>
-          </a:bodyPr>
-          <a:lstStyle/>
-          <a:p>
-            <a:r>
-              <a:rPr lang="pt-BR" dirty="0"/>
-              <a:t>Anteriormente, aprendemos que a </a:t>
-            </a:r>
-            <a:r>
-              <a:rPr lang="pt-BR" b="1" i="1" dirty="0"/>
-              <a:t>classificação</a:t>
-            </a:r>
-            <a:r>
-              <a:rPr lang="pt-BR" dirty="0"/>
-              <a:t> pode ser feita usando-se uma </a:t>
-            </a:r>
-            <a:r>
-              <a:rPr lang="pt-BR" b="1" i="1" dirty="0"/>
-              <a:t>função discriminante</a:t>
-            </a:r>
-            <a:r>
-              <a:rPr lang="pt-BR" dirty="0"/>
-              <a:t>, que nada mais é do que um </a:t>
-            </a:r>
-            <a:r>
-              <a:rPr lang="pt-BR" b="1" i="1" dirty="0"/>
-              <a:t>polinômio</a:t>
-            </a:r>
-            <a:r>
-              <a:rPr lang="pt-BR" dirty="0"/>
-              <a:t>, que tem sua saída passada através de outra função chamada de </a:t>
-            </a:r>
-            <a:r>
-              <a:rPr lang="pt-BR" b="1" i="1" dirty="0"/>
-              <a:t>função de limiar</a:t>
-            </a:r>
-            <a:r>
-              <a:rPr lang="pt-BR" dirty="0"/>
-              <a:t>.</a:t>
-            </a:r>
-          </a:p>
-          <a:p>
-            <a:r>
-              <a:rPr lang="pt-BR" dirty="0"/>
-              <a:t>Como na </a:t>
-            </a:r>
-            <a:r>
-              <a:rPr lang="pt-BR" b="1" i="1" dirty="0"/>
-              <a:t>regressão linear</a:t>
-            </a:r>
-            <a:r>
-              <a:rPr lang="pt-BR" dirty="0"/>
-              <a:t>, o problema da classificação está em encontrar os pesos da </a:t>
-            </a:r>
-            <a:r>
-              <a:rPr lang="pt-BR" b="1" i="1" dirty="0"/>
-              <a:t>função discriminante </a:t>
-            </a:r>
-            <a:r>
-              <a:rPr lang="pt-BR" dirty="0"/>
-              <a:t>de tal forma que as classes sejam separadas da melhor forma possível.</a:t>
-            </a:r>
-          </a:p>
-          <a:p>
-            <a:r>
-              <a:rPr lang="pt-BR" dirty="0"/>
-              <a:t>Vimos que a função de limiar mais simples é a de </a:t>
-            </a:r>
-            <a:r>
-              <a:rPr lang="pt-BR" b="1" i="1" dirty="0"/>
-              <a:t>limiar rígido</a:t>
-            </a:r>
-            <a:r>
-              <a:rPr lang="pt-BR" dirty="0"/>
-              <a:t>, porém, ela apresenta alguns problemas como não poder ser utilizada para encontrar uma </a:t>
-            </a:r>
-            <a:r>
-              <a:rPr lang="pt-BR" b="1" i="1" dirty="0"/>
-              <a:t>solução em forma fechada </a:t>
-            </a:r>
-            <a:r>
-              <a:rPr lang="pt-BR" dirty="0"/>
-              <a:t>ou com o </a:t>
-            </a:r>
-            <a:r>
-              <a:rPr lang="pt-BR" b="1" i="1" dirty="0"/>
-              <a:t>gradiente descendente </a:t>
-            </a:r>
-            <a:r>
-              <a:rPr lang="pt-BR" dirty="0"/>
-              <a:t>e não nos dar a </a:t>
-            </a:r>
-            <a:r>
-              <a:rPr lang="pt-BR" b="1" i="1" dirty="0"/>
-              <a:t>confiança de um resultado </a:t>
-            </a:r>
-            <a:r>
-              <a:rPr lang="pt-BR" dirty="0"/>
-              <a:t>de classificação.</a:t>
-            </a:r>
-          </a:p>
-          <a:p>
-            <a:r>
-              <a:rPr lang="pt-BR" dirty="0"/>
-              <a:t>Aprendemos também, uma forma intuitiva e iterativa de encontrar os pesos da </a:t>
-            </a:r>
-            <a:r>
-              <a:rPr lang="pt-BR" b="1" i="1" dirty="0"/>
-              <a:t>função discriminante </a:t>
-            </a:r>
-            <a:r>
-              <a:rPr lang="pt-BR" dirty="0"/>
-              <a:t>quando usamos o </a:t>
-            </a:r>
-            <a:r>
-              <a:rPr lang="pt-BR" b="1" i="1" dirty="0"/>
-              <a:t>limiar rígido</a:t>
-            </a:r>
-            <a:r>
-              <a:rPr lang="pt-BR" dirty="0"/>
-              <a:t>.</a:t>
-            </a:r>
-          </a:p>
-          <a:p>
-            <a:r>
-              <a:rPr lang="pt-BR" dirty="0"/>
-              <a:t>Na sequência, introduziremos outra função de limiar, chamada de </a:t>
-            </a:r>
-            <a:r>
-              <a:rPr lang="pt-BR" b="1" i="1" dirty="0"/>
-              <a:t>função logística</a:t>
-            </a:r>
-            <a:r>
-              <a:rPr lang="pt-BR" dirty="0"/>
-              <a:t>, com a qual é possível se encontrar uma solução eficiente com o </a:t>
-            </a:r>
-            <a:r>
-              <a:rPr lang="pt-BR" b="1" i="1" dirty="0"/>
-              <a:t>gradiente descendente </a:t>
-            </a:r>
-            <a:r>
-              <a:rPr lang="pt-BR" dirty="0"/>
-              <a:t>e termos o </a:t>
-            </a:r>
-            <a:r>
-              <a:rPr lang="pt-BR" b="1" i="1" dirty="0"/>
-              <a:t>grau de confiança </a:t>
-            </a:r>
-            <a:r>
-              <a:rPr lang="pt-BR" dirty="0"/>
-              <a:t>de uma classificação.</a:t>
-            </a:r>
-          </a:p>
-        </p:txBody>
-      </p:sp>
-    </p:spTree>
-    <p:extLst>
-      <p:ext uri="{BB962C8B-B14F-4D97-AF65-F5344CB8AC3E}">
-        <p14:creationId xmlns:p14="http://schemas.microsoft.com/office/powerpoint/2010/main" val="105610887"/>
-      </p:ext>
-    </p:extLst>
-  </p:cSld>
-  <p:clrMapOvr>
-    <a:masterClrMapping/>
-  </p:clrMapOvr>
-</p:sld>
-</file>
-
-<file path=ppt/slides/slide20.xml><?xml version="1.0" encoding="utf-8"?>
+<file path=ppt/slides/slide21.xml><?xml version="1.0" encoding="utf-8"?>
 <p:sld xmlns:a="http://schemas.openxmlformats.org/drawingml/2006/main" xmlns:r="http://schemas.openxmlformats.org/officeDocument/2006/relationships" xmlns:p="http://schemas.openxmlformats.org/presentationml/2006/main">
   <p:cSld>
     <p:spTree>
@@ -26961,7 +27911,7 @@
 </p:sld>
 </file>
 
-<file path=ppt/slides/slide21.xml><?xml version="1.0" encoding="utf-8"?>
+<file path=ppt/slides/slide22.xml><?xml version="1.0" encoding="utf-8"?>
 <p:sld xmlns:a="http://schemas.openxmlformats.org/drawingml/2006/main" xmlns:r="http://schemas.openxmlformats.org/officeDocument/2006/relationships" xmlns:p="http://schemas.openxmlformats.org/presentationml/2006/main">
   <p:cSld>
     <p:spTree>
@@ -29166,8 +30116,8 @@
           </a:p>
         </p:txBody>
       </p:sp>
-      <mc:AlternateContent xmlns:mc="http://schemas.openxmlformats.org/markup-compatibility/2006">
-        <mc:Choice xmlns:a14="http://schemas.microsoft.com/office/drawing/2010/main" Requires="a14">
+      <mc:AlternateContent xmlns:mc="http://schemas.openxmlformats.org/markup-compatibility/2006" xmlns:a14="http://schemas.microsoft.com/office/drawing/2010/main">
+        <mc:Choice Requires="a14">
           <p:sp>
             <p:nvSpPr>
               <p:cNvPr id="3" name="Content Placeholder 2"/>
@@ -29832,7 +30782,7 @@
             </p:txBody>
           </p:sp>
         </mc:Choice>
-        <mc:Fallback>
+        <mc:Fallback xmlns="">
           <p:sp>
             <p:nvSpPr>
               <p:cNvPr id="3" name="Content Placeholder 2"/>
@@ -29922,8 +30872,8 @@
           </a:p>
         </p:txBody>
       </p:sp>
-      <mc:AlternateContent xmlns:mc="http://schemas.openxmlformats.org/markup-compatibility/2006">
-        <mc:Choice xmlns:a14="http://schemas.microsoft.com/office/drawing/2010/main" Requires="a14">
+      <mc:AlternateContent xmlns:mc="http://schemas.openxmlformats.org/markup-compatibility/2006" xmlns:a14="http://schemas.microsoft.com/office/drawing/2010/main">
+        <mc:Choice Requires="a14">
           <p:sp>
             <p:nvSpPr>
               <p:cNvPr id="3" name="Content Placeholder 2"/>
@@ -30412,7 +31362,7 @@
             </p:txBody>
           </p:sp>
         </mc:Choice>
-        <mc:Fallback>
+        <mc:Fallback xmlns="">
           <p:sp>
             <p:nvSpPr>
               <p:cNv